--- a/courses/apcsp/lect5.pptx
+++ b/courses/apcsp/lect5.pptx
@@ -11,16 +11,23 @@
     <p:sldId id="275" r:id="rId5"/>
     <p:sldId id="291" r:id="rId6"/>
     <p:sldId id="276" r:id="rId7"/>
-    <p:sldId id="278" r:id="rId8"/>
-    <p:sldId id="279" r:id="rId9"/>
-    <p:sldId id="292" r:id="rId10"/>
-    <p:sldId id="294" r:id="rId11"/>
-    <p:sldId id="295" r:id="rId12"/>
-    <p:sldId id="296" r:id="rId13"/>
-    <p:sldId id="297" r:id="rId14"/>
-    <p:sldId id="298" r:id="rId15"/>
-    <p:sldId id="299" r:id="rId16"/>
-    <p:sldId id="284" r:id="rId17"/>
+    <p:sldId id="302" r:id="rId8"/>
+    <p:sldId id="278" r:id="rId9"/>
+    <p:sldId id="279" r:id="rId10"/>
+    <p:sldId id="301" r:id="rId11"/>
+    <p:sldId id="292" r:id="rId12"/>
+    <p:sldId id="294" r:id="rId13"/>
+    <p:sldId id="295" r:id="rId14"/>
+    <p:sldId id="296" r:id="rId15"/>
+    <p:sldId id="297" r:id="rId16"/>
+    <p:sldId id="298" r:id="rId17"/>
+    <p:sldId id="299" r:id="rId18"/>
+    <p:sldId id="300" r:id="rId19"/>
+    <p:sldId id="303" r:id="rId20"/>
+    <p:sldId id="304" r:id="rId21"/>
+    <p:sldId id="305" r:id="rId22"/>
+    <p:sldId id="306" r:id="rId23"/>
+    <p:sldId id="284" r:id="rId24"/>
   </p:sldIdLst>
   <p:sldSz cx="9144000" cy="5715000" type="screen16x10"/>
   <p:notesSz cx="6858000" cy="9144000"/>
@@ -130,8 +137,7 @@
 <file path=ppt/revisionInfo.xml><?xml version="1.0" encoding="utf-8"?>
 <p1510:revInfo xmlns:a="http://schemas.openxmlformats.org/drawingml/2006/main" xmlns:r="http://schemas.openxmlformats.org/officeDocument/2006/relationships" xmlns:p1510="http://schemas.microsoft.com/office/powerpoint/2015/10/main">
   <p1510:revLst>
-    <p1510:client id="{2C9BD3C4-A72C-C34E-A2E2-4164CEFFD187}" v="53" dt="2019-09-08T13:37:39.834"/>
-    <p1510:client id="{5BA4ED75-8AB8-EF4B-B40C-CAAFEBD8F6A0}" v="4" dt="2019-09-07T18:16:12.785"/>
+    <p1510:client id="{2C9BD3C4-A72C-C34E-A2E2-4164CEFFD187}" v="114" dt="2019-09-27T16:45:20.694"/>
   </p1510:revLst>
 </p1510:revInfo>
 </file>
@@ -140,82 +146,25 @@
 <pc:chgInfo xmlns:a="http://schemas.openxmlformats.org/drawingml/2006/main" xmlns:r="http://schemas.openxmlformats.org/officeDocument/2006/relationships" xmlns:ac="http://schemas.microsoft.com/office/drawing/2013/main/command" xmlns:pc="http://schemas.microsoft.com/office/powerpoint/2013/main/command">
   <pc:docChgLst>
     <pc:chgData name="Long B Nguyen" userId="f59fb8f3-a021-417a-8bc1-65c8d471c621" providerId="ADAL" clId="{05A1C5B8-6AA9-824C-B77D-182A36FCC0A3}"/>
-    <pc:docChg chg="custSel addSld delSld modSld">
-      <pc:chgData name="Long B Nguyen" userId="f59fb8f3-a021-417a-8bc1-65c8d471c621" providerId="ADAL" clId="{05A1C5B8-6AA9-824C-B77D-182A36FCC0A3}" dt="2019-06-14T11:56:44.727" v="163" actId="1036"/>
+  </pc:docChgLst>
+  <pc:docChgLst>
+    <pc:chgData name="Long B Nguyen" userId="f59fb8f3-a021-417a-8bc1-65c8d471c621" providerId="ADAL" clId="{EFBCD846-B2A3-1B4C-B729-1BDD8BB3398F}"/>
+  </pc:docChgLst>
+  <pc:docChgLst>
+    <pc:chgData name="Long B Nguyen" userId="f59fb8f3-a021-417a-8bc1-65c8d471c621" providerId="ADAL" clId="{2C9BD3C4-A72C-C34E-A2E2-4164CEFFD187}"/>
+    <pc:docChg chg="undo custSel addSld delSld modSld">
+      <pc:chgData name="Long B Nguyen" userId="f59fb8f3-a021-417a-8bc1-65c8d471c621" providerId="ADAL" clId="{2C9BD3C4-A72C-C34E-A2E2-4164CEFFD187}" dt="2019-09-27T16:55:45.346" v="4876" actId="20577"/>
       <pc:docMkLst>
         <pc:docMk/>
       </pc:docMkLst>
       <pc:sldChg chg="modSp">
-        <pc:chgData name="Long B Nguyen" userId="f59fb8f3-a021-417a-8bc1-65c8d471c621" providerId="ADAL" clId="{05A1C5B8-6AA9-824C-B77D-182A36FCC0A3}" dt="2019-06-14T02:15:45.959" v="28" actId="20577"/>
-        <pc:sldMkLst>
-          <pc:docMk/>
-          <pc:sldMk cId="3974060782" sldId="289"/>
-        </pc:sldMkLst>
-        <pc:spChg chg="mod">
-          <ac:chgData name="Long B Nguyen" userId="f59fb8f3-a021-417a-8bc1-65c8d471c621" providerId="ADAL" clId="{05A1C5B8-6AA9-824C-B77D-182A36FCC0A3}" dt="2019-06-14T02:15:31.900" v="24" actId="20577"/>
-          <ac:spMkLst>
-            <pc:docMk/>
-            <pc:sldMk cId="3974060782" sldId="289"/>
-            <ac:spMk id="2" creationId="{6117A749-B1BA-E24B-8FB0-0604EF651FB3}"/>
-          </ac:spMkLst>
-        </pc:spChg>
-        <pc:spChg chg="mod">
-          <ac:chgData name="Long B Nguyen" userId="f59fb8f3-a021-417a-8bc1-65c8d471c621" providerId="ADAL" clId="{05A1C5B8-6AA9-824C-B77D-182A36FCC0A3}" dt="2019-06-14T02:15:45.959" v="28" actId="20577"/>
-          <ac:spMkLst>
-            <pc:docMk/>
-            <pc:sldMk cId="3974060782" sldId="289"/>
-            <ac:spMk id="3" creationId="{1BDC47C8-6776-7B44-9CD4-95FC91452D62}"/>
-          </ac:spMkLst>
-        </pc:spChg>
-      </pc:sldChg>
-      <pc:sldChg chg="add">
-        <pc:chgData name="Long B Nguyen" userId="f59fb8f3-a021-417a-8bc1-65c8d471c621" providerId="ADAL" clId="{05A1C5B8-6AA9-824C-B77D-182A36FCC0A3}" dt="2019-06-14T01:15:02.964" v="2"/>
-        <pc:sldMkLst>
-          <pc:docMk/>
-          <pc:sldMk cId="3060343526" sldId="294"/>
-        </pc:sldMkLst>
-      </pc:sldChg>
-    </pc:docChg>
-  </pc:docChgLst>
-  <pc:docChgLst>
-    <pc:chgData name="Long B Nguyen" userId="f59fb8f3-a021-417a-8bc1-65c8d471c621" providerId="ADAL" clId="{EFBCD846-B2A3-1B4C-B729-1BDD8BB3398F}"/>
-    <pc:docChg chg="custSel addSld delSld modSld">
-      <pc:chgData name="Long B Nguyen" userId="f59fb8f3-a021-417a-8bc1-65c8d471c621" providerId="ADAL" clId="{EFBCD846-B2A3-1B4C-B729-1BDD8BB3398F}" dt="2019-06-15T12:53:05.508" v="927" actId="1076"/>
-      <pc:docMkLst>
-        <pc:docMk/>
-      </pc:docMkLst>
-      <pc:sldChg chg="modSp">
-        <pc:chgData name="Long B Nguyen" userId="f59fb8f3-a021-417a-8bc1-65c8d471c621" providerId="ADAL" clId="{EFBCD846-B2A3-1B4C-B729-1BDD8BB3398F}" dt="2019-06-14T16:46:09.860" v="5" actId="5793"/>
+        <pc:chgData name="Long B Nguyen" userId="f59fb8f3-a021-417a-8bc1-65c8d471c621" providerId="ADAL" clId="{2C9BD3C4-A72C-C34E-A2E2-4164CEFFD187}" dt="2019-09-27T14:01:05.514" v="2918" actId="20577"/>
         <pc:sldMkLst>
           <pc:docMk/>
           <pc:sldMk cId="2207246265" sldId="257"/>
         </pc:sldMkLst>
         <pc:spChg chg="mod">
-          <ac:chgData name="Long B Nguyen" userId="f59fb8f3-a021-417a-8bc1-65c8d471c621" providerId="ADAL" clId="{EFBCD846-B2A3-1B4C-B729-1BDD8BB3398F}" dt="2019-06-14T16:46:09.860" v="5" actId="5793"/>
-          <ac:spMkLst>
-            <pc:docMk/>
-            <pc:sldMk cId="2207246265" sldId="257"/>
-            <ac:spMk id="9" creationId="{E3B2E017-30B2-884B-A113-B419A2ED51AD}"/>
-          </ac:spMkLst>
-        </pc:spChg>
-      </pc:sldChg>
-    </pc:docChg>
-  </pc:docChgLst>
-  <pc:docChgLst>
-    <pc:chgData name="Long B Nguyen" userId="f59fb8f3-a021-417a-8bc1-65c8d471c621" providerId="ADAL" clId="{2C9BD3C4-A72C-C34E-A2E2-4164CEFFD187}"/>
-    <pc:docChg chg="undo custSel addSld delSld modSld">
-      <pc:chgData name="Long B Nguyen" userId="f59fb8f3-a021-417a-8bc1-65c8d471c621" providerId="ADAL" clId="{2C9BD3C4-A72C-C34E-A2E2-4164CEFFD187}" dt="2019-09-08T13:41:06.092" v="1839" actId="20577"/>
-      <pc:docMkLst>
-        <pc:docMk/>
-      </pc:docMkLst>
-      <pc:sldChg chg="modSp">
-        <pc:chgData name="Long B Nguyen" userId="f59fb8f3-a021-417a-8bc1-65c8d471c621" providerId="ADAL" clId="{2C9BD3C4-A72C-C34E-A2E2-4164CEFFD187}" dt="2019-09-08T13:32:14.655" v="1414" actId="20577"/>
-        <pc:sldMkLst>
-          <pc:docMk/>
-          <pc:sldMk cId="2207246265" sldId="257"/>
-        </pc:sldMkLst>
-        <pc:spChg chg="mod">
-          <ac:chgData name="Long B Nguyen" userId="f59fb8f3-a021-417a-8bc1-65c8d471c621" providerId="ADAL" clId="{2C9BD3C4-A72C-C34E-A2E2-4164CEFFD187}" dt="2019-09-08T13:32:14.655" v="1414" actId="20577"/>
+          <ac:chgData name="Long B Nguyen" userId="f59fb8f3-a021-417a-8bc1-65c8d471c621" providerId="ADAL" clId="{2C9BD3C4-A72C-C34E-A2E2-4164CEFFD187}" dt="2019-09-27T14:01:05.514" v="2918" actId="20577"/>
           <ac:spMkLst>
             <pc:docMk/>
             <pc:sldMk cId="2207246265" sldId="257"/>
@@ -224,13 +173,59 @@
         </pc:spChg>
       </pc:sldChg>
       <pc:sldChg chg="modSp">
-        <pc:chgData name="Long B Nguyen" userId="f59fb8f3-a021-417a-8bc1-65c8d471c621" providerId="ADAL" clId="{2C9BD3C4-A72C-C34E-A2E2-4164CEFFD187}" dt="2019-09-08T00:57:47.257" v="95" actId="20577"/>
+        <pc:chgData name="Long B Nguyen" userId="f59fb8f3-a021-417a-8bc1-65c8d471c621" providerId="ADAL" clId="{2C9BD3C4-A72C-C34E-A2E2-4164CEFFD187}" dt="2019-09-27T16:44:36.780" v="4703" actId="207"/>
+        <pc:sldMkLst>
+          <pc:docMk/>
+          <pc:sldMk cId="4018759955" sldId="274"/>
+        </pc:sldMkLst>
+        <pc:spChg chg="mod">
+          <ac:chgData name="Long B Nguyen" userId="f59fb8f3-a021-417a-8bc1-65c8d471c621" providerId="ADAL" clId="{2C9BD3C4-A72C-C34E-A2E2-4164CEFFD187}" dt="2019-09-27T16:44:36.780" v="4703" actId="207"/>
+          <ac:spMkLst>
+            <pc:docMk/>
+            <pc:sldMk cId="4018759955" sldId="274"/>
+            <ac:spMk id="9" creationId="{E3B2E017-30B2-884B-A113-B419A2ED51AD}"/>
+          </ac:spMkLst>
+        </pc:spChg>
+      </pc:sldChg>
+      <pc:sldChg chg="modSp">
+        <pc:chgData name="Long B Nguyen" userId="f59fb8f3-a021-417a-8bc1-65c8d471c621" providerId="ADAL" clId="{2C9BD3C4-A72C-C34E-A2E2-4164CEFFD187}" dt="2019-09-26T22:12:03.419" v="2917" actId="255"/>
+        <pc:sldMkLst>
+          <pc:docMk/>
+          <pc:sldMk cId="1114720448" sldId="276"/>
+        </pc:sldMkLst>
+        <pc:spChg chg="mod">
+          <ac:chgData name="Long B Nguyen" userId="f59fb8f3-a021-417a-8bc1-65c8d471c621" providerId="ADAL" clId="{2C9BD3C4-A72C-C34E-A2E2-4164CEFFD187}" dt="2019-09-26T21:42:58.392" v="1966" actId="20577"/>
+          <ac:spMkLst>
+            <pc:docMk/>
+            <pc:sldMk cId="1114720448" sldId="276"/>
+            <ac:spMk id="2" creationId="{AA3A228F-61D0-D949-A5E7-F83756230BF8}"/>
+          </ac:spMkLst>
+        </pc:spChg>
+        <pc:spChg chg="mod">
+          <ac:chgData name="Long B Nguyen" userId="f59fb8f3-a021-417a-8bc1-65c8d471c621" providerId="ADAL" clId="{2C9BD3C4-A72C-C34E-A2E2-4164CEFFD187}" dt="2019-09-26T22:12:03.419" v="2917" actId="255"/>
+          <ac:spMkLst>
+            <pc:docMk/>
+            <pc:sldMk cId="1114720448" sldId="276"/>
+            <ac:spMk id="9" creationId="{E3B2E017-30B2-884B-A113-B419A2ED51AD}"/>
+          </ac:spMkLst>
+        </pc:spChg>
+      </pc:sldChg>
+      <pc:sldChg chg="modSp">
+        <pc:chgData name="Long B Nguyen" userId="f59fb8f3-a021-417a-8bc1-65c8d471c621" providerId="ADAL" clId="{2C9BD3C4-A72C-C34E-A2E2-4164CEFFD187}" dt="2019-09-26T21:54:58.768" v="2174" actId="20577"/>
         <pc:sldMkLst>
           <pc:docMk/>
           <pc:sldMk cId="3369363658" sldId="278"/>
         </pc:sldMkLst>
         <pc:spChg chg="mod">
-          <ac:chgData name="Long B Nguyen" userId="f59fb8f3-a021-417a-8bc1-65c8d471c621" providerId="ADAL" clId="{2C9BD3C4-A72C-C34E-A2E2-4164CEFFD187}" dt="2019-09-08T00:57:47.257" v="95" actId="20577"/>
+          <ac:chgData name="Long B Nguyen" userId="f59fb8f3-a021-417a-8bc1-65c8d471c621" providerId="ADAL" clId="{2C9BD3C4-A72C-C34E-A2E2-4164CEFFD187}" dt="2019-09-26T21:54:58.768" v="2174" actId="20577"/>
+          <ac:spMkLst>
+            <pc:docMk/>
+            <pc:sldMk cId="3369363658" sldId="278"/>
+            <ac:spMk id="2" creationId="{AA3A228F-61D0-D949-A5E7-F83756230BF8}"/>
+          </ac:spMkLst>
+        </pc:spChg>
+        <pc:spChg chg="mod">
+          <ac:chgData name="Long B Nguyen" userId="f59fb8f3-a021-417a-8bc1-65c8d471c621" providerId="ADAL" clId="{2C9BD3C4-A72C-C34E-A2E2-4164CEFFD187}" dt="2019-09-26T21:44:12.607" v="2028" actId="20577"/>
           <ac:spMkLst>
             <pc:docMk/>
             <pc:sldMk cId="3369363658" sldId="278"/>
@@ -238,29 +233,37 @@
           </ac:spMkLst>
         </pc:spChg>
       </pc:sldChg>
-      <pc:sldChg chg="modSp del">
-        <pc:chgData name="Long B Nguyen" userId="f59fb8f3-a021-417a-8bc1-65c8d471c621" providerId="ADAL" clId="{2C9BD3C4-A72C-C34E-A2E2-4164CEFFD187}" dt="2019-09-08T13:29:29.130" v="1227" actId="2696"/>
+      <pc:sldChg chg="modSp">
+        <pc:chgData name="Long B Nguyen" userId="f59fb8f3-a021-417a-8bc1-65c8d471c621" providerId="ADAL" clId="{2C9BD3C4-A72C-C34E-A2E2-4164CEFFD187}" dt="2019-09-26T21:51:44.233" v="2148" actId="20577"/>
         <pc:sldMkLst>
           <pc:docMk/>
-          <pc:sldMk cId="1096082918" sldId="280"/>
+          <pc:sldMk cId="2479426709" sldId="279"/>
         </pc:sldMkLst>
         <pc:spChg chg="mod">
-          <ac:chgData name="Long B Nguyen" userId="f59fb8f3-a021-417a-8bc1-65c8d471c621" providerId="ADAL" clId="{2C9BD3C4-A72C-C34E-A2E2-4164CEFFD187}" dt="2019-09-08T12:17:19.099" v="271" actId="20577"/>
+          <ac:chgData name="Long B Nguyen" userId="f59fb8f3-a021-417a-8bc1-65c8d471c621" providerId="ADAL" clId="{2C9BD3C4-A72C-C34E-A2E2-4164CEFFD187}" dt="2019-09-26T21:44:34.275" v="2029" actId="20577"/>
           <ac:spMkLst>
             <pc:docMk/>
-            <pc:sldMk cId="1096082918" sldId="280"/>
+            <pc:sldMk cId="2479426709" sldId="279"/>
+            <ac:spMk id="2" creationId="{AA3A228F-61D0-D949-A5E7-F83756230BF8}"/>
+          </ac:spMkLst>
+        </pc:spChg>
+        <pc:spChg chg="mod">
+          <ac:chgData name="Long B Nguyen" userId="f59fb8f3-a021-417a-8bc1-65c8d471c621" providerId="ADAL" clId="{2C9BD3C4-A72C-C34E-A2E2-4164CEFFD187}" dt="2019-09-26T21:51:44.233" v="2148" actId="20577"/>
+          <ac:spMkLst>
+            <pc:docMk/>
+            <pc:sldMk cId="2479426709" sldId="279"/>
             <ac:spMk id="9" creationId="{E3B2E017-30B2-884B-A113-B419A2ED51AD}"/>
           </ac:spMkLst>
         </pc:spChg>
       </pc:sldChg>
       <pc:sldChg chg="modSp">
-        <pc:chgData name="Long B Nguyen" userId="f59fb8f3-a021-417a-8bc1-65c8d471c621" providerId="ADAL" clId="{2C9BD3C4-A72C-C34E-A2E2-4164CEFFD187}" dt="2019-09-08T13:39:26.776" v="1698" actId="20577"/>
+        <pc:chgData name="Long B Nguyen" userId="f59fb8f3-a021-417a-8bc1-65c8d471c621" providerId="ADAL" clId="{2C9BD3C4-A72C-C34E-A2E2-4164CEFFD187}" dt="2019-09-27T16:47:39.087" v="4778" actId="20577"/>
         <pc:sldMkLst>
           <pc:docMk/>
           <pc:sldMk cId="2783383753" sldId="284"/>
         </pc:sldMkLst>
         <pc:spChg chg="mod">
-          <ac:chgData name="Long B Nguyen" userId="f59fb8f3-a021-417a-8bc1-65c8d471c621" providerId="ADAL" clId="{2C9BD3C4-A72C-C34E-A2E2-4164CEFFD187}" dt="2019-09-08T13:39:26.776" v="1698" actId="20577"/>
+          <ac:chgData name="Long B Nguyen" userId="f59fb8f3-a021-417a-8bc1-65c8d471c621" providerId="ADAL" clId="{2C9BD3C4-A72C-C34E-A2E2-4164CEFFD187}" dt="2019-09-27T16:47:39.087" v="4778" actId="20577"/>
           <ac:spMkLst>
             <pc:docMk/>
             <pc:sldMk cId="2783383753" sldId="284"/>
@@ -269,17 +272,32 @@
         </pc:spChg>
       </pc:sldChg>
       <pc:sldChg chg="modSp">
-        <pc:chgData name="Long B Nguyen" userId="f59fb8f3-a021-417a-8bc1-65c8d471c621" providerId="ADAL" clId="{2C9BD3C4-A72C-C34E-A2E2-4164CEFFD187}" dt="2019-09-08T13:30:59.731" v="1299" actId="14100"/>
+        <pc:chgData name="Long B Nguyen" userId="f59fb8f3-a021-417a-8bc1-65c8d471c621" providerId="ADAL" clId="{2C9BD3C4-A72C-C34E-A2E2-4164CEFFD187}" dt="2019-09-26T21:36:59.907" v="1840" actId="1076"/>
         <pc:sldMkLst>
           <pc:docMk/>
           <pc:sldMk cId="3974060782" sldId="289"/>
         </pc:sldMkLst>
         <pc:spChg chg="mod">
-          <ac:chgData name="Long B Nguyen" userId="f59fb8f3-a021-417a-8bc1-65c8d471c621" providerId="ADAL" clId="{2C9BD3C4-A72C-C34E-A2E2-4164CEFFD187}" dt="2019-09-08T13:30:59.731" v="1299" actId="14100"/>
+          <ac:chgData name="Long B Nguyen" userId="f59fb8f3-a021-417a-8bc1-65c8d471c621" providerId="ADAL" clId="{2C9BD3C4-A72C-C34E-A2E2-4164CEFFD187}" dt="2019-09-26T21:36:59.907" v="1840" actId="1076"/>
           <ac:spMkLst>
             <pc:docMk/>
             <pc:sldMk cId="3974060782" sldId="289"/>
             <ac:spMk id="3" creationId="{1BDC47C8-6776-7B44-9CD4-95FC91452D62}"/>
+          </ac:spMkLst>
+        </pc:spChg>
+      </pc:sldChg>
+      <pc:sldChg chg="modSp">
+        <pc:chgData name="Long B Nguyen" userId="f59fb8f3-a021-417a-8bc1-65c8d471c621" providerId="ADAL" clId="{2C9BD3C4-A72C-C34E-A2E2-4164CEFFD187}" dt="2019-09-26T22:05:56.443" v="2472" actId="20577"/>
+        <pc:sldMkLst>
+          <pc:docMk/>
+          <pc:sldMk cId="99755680" sldId="291"/>
+        </pc:sldMkLst>
+        <pc:spChg chg="mod">
+          <ac:chgData name="Long B Nguyen" userId="f59fb8f3-a021-417a-8bc1-65c8d471c621" providerId="ADAL" clId="{2C9BD3C4-A72C-C34E-A2E2-4164CEFFD187}" dt="2019-09-26T22:05:56.443" v="2472" actId="20577"/>
+          <ac:spMkLst>
+            <pc:docMk/>
+            <pc:sldMk cId="99755680" sldId="291"/>
+            <ac:spMk id="9" creationId="{E3B2E017-30B2-884B-A113-B419A2ED51AD}"/>
           </ac:spMkLst>
         </pc:spChg>
       </pc:sldChg>
@@ -290,38 +308,8 @@
           <pc:sldMk cId="450853280" sldId="295"/>
         </pc:sldMkLst>
       </pc:sldChg>
-      <pc:sldChg chg="del">
-        <pc:chgData name="Long B Nguyen" userId="f59fb8f3-a021-417a-8bc1-65c8d471c621" providerId="ADAL" clId="{2C9BD3C4-A72C-C34E-A2E2-4164CEFFD187}" dt="2019-09-08T04:20:55.590" v="96" actId="2696"/>
-        <pc:sldMkLst>
-          <pc:docMk/>
-          <pc:sldMk cId="1714696104" sldId="295"/>
-        </pc:sldMkLst>
-      </pc:sldChg>
-      <pc:sldChg chg="modSp add del">
-        <pc:chgData name="Long B Nguyen" userId="f59fb8f3-a021-417a-8bc1-65c8d471c621" providerId="ADAL" clId="{2C9BD3C4-A72C-C34E-A2E2-4164CEFFD187}" dt="2019-09-08T12:25:55.710" v="412" actId="2696"/>
-        <pc:sldMkLst>
-          <pc:docMk/>
-          <pc:sldMk cId="3408476156" sldId="295"/>
-        </pc:sldMkLst>
-        <pc:spChg chg="mod">
-          <ac:chgData name="Long B Nguyen" userId="f59fb8f3-a021-417a-8bc1-65c8d471c621" providerId="ADAL" clId="{2C9BD3C4-A72C-C34E-A2E2-4164CEFFD187}" dt="2019-09-08T12:21:00.886" v="407" actId="20577"/>
-          <ac:spMkLst>
-            <pc:docMk/>
-            <pc:sldMk cId="3408476156" sldId="295"/>
-            <ac:spMk id="2" creationId="{AA3A228F-61D0-D949-A5E7-F83756230BF8}"/>
-          </ac:spMkLst>
-        </pc:spChg>
-        <pc:spChg chg="mod">
-          <ac:chgData name="Long B Nguyen" userId="f59fb8f3-a021-417a-8bc1-65c8d471c621" providerId="ADAL" clId="{2C9BD3C4-A72C-C34E-A2E2-4164CEFFD187}" dt="2019-09-08T12:25:40.091" v="411"/>
-          <ac:spMkLst>
-            <pc:docMk/>
-            <pc:sldMk cId="3408476156" sldId="295"/>
-            <ac:spMk id="9" creationId="{E3B2E017-30B2-884B-A113-B419A2ED51AD}"/>
-          </ac:spMkLst>
-        </pc:spChg>
-      </pc:sldChg>
       <pc:sldChg chg="modSp add">
-        <pc:chgData name="Long B Nguyen" userId="f59fb8f3-a021-417a-8bc1-65c8d471c621" providerId="ADAL" clId="{2C9BD3C4-A72C-C34E-A2E2-4164CEFFD187}" dt="2019-09-08T13:08:32.878" v="924" actId="20577"/>
+        <pc:chgData name="Long B Nguyen" userId="f59fb8f3-a021-417a-8bc1-65c8d471c621" providerId="ADAL" clId="{2C9BD3C4-A72C-C34E-A2E2-4164CEFFD187}" dt="2019-09-26T21:40:19.902" v="1858" actId="207"/>
         <pc:sldMkLst>
           <pc:docMk/>
           <pc:sldMk cId="3888808614" sldId="296"/>
@@ -335,7 +323,7 @@
           </ac:spMkLst>
         </pc:spChg>
         <pc:spChg chg="mod">
-          <ac:chgData name="Long B Nguyen" userId="f59fb8f3-a021-417a-8bc1-65c8d471c621" providerId="ADAL" clId="{2C9BD3C4-A72C-C34E-A2E2-4164CEFFD187}" dt="2019-09-08T13:08:16.391" v="904" actId="20577"/>
+          <ac:chgData name="Long B Nguyen" userId="f59fb8f3-a021-417a-8bc1-65c8d471c621" providerId="ADAL" clId="{2C9BD3C4-A72C-C34E-A2E2-4164CEFFD187}" dt="2019-09-26T21:40:19.902" v="1858" actId="207"/>
           <ac:spMkLst>
             <pc:docMk/>
             <pc:sldMk cId="3888808614" sldId="296"/>
@@ -389,8 +377,8 @@
           </ac:spMkLst>
         </pc:spChg>
       </pc:sldChg>
-      <pc:sldChg chg="modSp add">
-        <pc:chgData name="Long B Nguyen" userId="f59fb8f3-a021-417a-8bc1-65c8d471c621" providerId="ADAL" clId="{2C9BD3C4-A72C-C34E-A2E2-4164CEFFD187}" dt="2019-09-08T13:41:06.092" v="1839" actId="20577"/>
+      <pc:sldChg chg="modSp add del">
+        <pc:chgData name="Long B Nguyen" userId="f59fb8f3-a021-417a-8bc1-65c8d471c621" providerId="ADAL" clId="{2C9BD3C4-A72C-C34E-A2E2-4164CEFFD187}" dt="2019-09-26T22:03:44.630" v="2408" actId="2696"/>
         <pc:sldMkLst>
           <pc:docMk/>
           <pc:sldMk cId="523000400" sldId="299"/>
@@ -412,12 +400,164 @@
           </ac:spMkLst>
         </pc:spChg>
       </pc:sldChg>
-      <pc:sldChg chg="add del">
-        <pc:chgData name="Long B Nguyen" userId="f59fb8f3-a021-417a-8bc1-65c8d471c621" providerId="ADAL" clId="{2C9BD3C4-A72C-C34E-A2E2-4164CEFFD187}" dt="2019-09-08T13:24:25.573" v="1064"/>
+      <pc:sldChg chg="modSp add del">
+        <pc:chgData name="Long B Nguyen" userId="f59fb8f3-a021-417a-8bc1-65c8d471c621" providerId="ADAL" clId="{2C9BD3C4-A72C-C34E-A2E2-4164CEFFD187}" dt="2019-09-27T16:45:12.807" v="4706" actId="2696"/>
         <pc:sldMkLst>
           <pc:docMk/>
-          <pc:sldMk cId="798625594" sldId="299"/>
+          <pc:sldMk cId="2886268400" sldId="299"/>
         </pc:sldMkLst>
+        <pc:spChg chg="mod">
+          <ac:chgData name="Long B Nguyen" userId="f59fb8f3-a021-417a-8bc1-65c8d471c621" providerId="ADAL" clId="{2C9BD3C4-A72C-C34E-A2E2-4164CEFFD187}" dt="2019-09-27T16:44:52.327" v="4705" actId="113"/>
+          <ac:spMkLst>
+            <pc:docMk/>
+            <pc:sldMk cId="2886268400" sldId="299"/>
+            <ac:spMk id="9" creationId="{E3B2E017-30B2-884B-A113-B419A2ED51AD}"/>
+          </ac:spMkLst>
+        </pc:spChg>
+      </pc:sldChg>
+      <pc:sldChg chg="modSp add">
+        <pc:chgData name="Long B Nguyen" userId="f59fb8f3-a021-417a-8bc1-65c8d471c621" providerId="ADAL" clId="{2C9BD3C4-A72C-C34E-A2E2-4164CEFFD187}" dt="2019-09-27T16:45:59.107" v="4764" actId="14100"/>
+        <pc:sldMkLst>
+          <pc:docMk/>
+          <pc:sldMk cId="3334677996" sldId="299"/>
+        </pc:sldMkLst>
+        <pc:spChg chg="mod">
+          <ac:chgData name="Long B Nguyen" userId="f59fb8f3-a021-417a-8bc1-65c8d471c621" providerId="ADAL" clId="{2C9BD3C4-A72C-C34E-A2E2-4164CEFFD187}" dt="2019-09-27T16:45:59.107" v="4764" actId="14100"/>
+          <ac:spMkLst>
+            <pc:docMk/>
+            <pc:sldMk cId="3334677996" sldId="299"/>
+            <ac:spMk id="9" creationId="{E3B2E017-30B2-884B-A113-B419A2ED51AD}"/>
+          </ac:spMkLst>
+        </pc:spChg>
+      </pc:sldChg>
+      <pc:sldChg chg="addSp modSp add">
+        <pc:chgData name="Long B Nguyen" userId="f59fb8f3-a021-417a-8bc1-65c8d471c621" providerId="ADAL" clId="{2C9BD3C4-A72C-C34E-A2E2-4164CEFFD187}" dt="2019-09-27T16:54:32.829" v="4806" actId="20577"/>
+        <pc:sldMkLst>
+          <pc:docMk/>
+          <pc:sldMk cId="1511080215" sldId="300"/>
+        </pc:sldMkLst>
+        <pc:spChg chg="mod">
+          <ac:chgData name="Long B Nguyen" userId="f59fb8f3-a021-417a-8bc1-65c8d471c621" providerId="ADAL" clId="{2C9BD3C4-A72C-C34E-A2E2-4164CEFFD187}" dt="2019-09-27T14:01:28.101" v="2927" actId="20577"/>
+          <ac:spMkLst>
+            <pc:docMk/>
+            <pc:sldMk cId="1511080215" sldId="300"/>
+            <ac:spMk id="2" creationId="{AA3A228F-61D0-D949-A5E7-F83756230BF8}"/>
+          </ac:spMkLst>
+        </pc:spChg>
+        <pc:spChg chg="mod">
+          <ac:chgData name="Long B Nguyen" userId="f59fb8f3-a021-417a-8bc1-65c8d471c621" providerId="ADAL" clId="{2C9BD3C4-A72C-C34E-A2E2-4164CEFFD187}" dt="2019-09-27T14:05:24.405" v="3192" actId="20577"/>
+          <ac:spMkLst>
+            <pc:docMk/>
+            <pc:sldMk cId="1511080215" sldId="300"/>
+            <ac:spMk id="9" creationId="{E3B2E017-30B2-884B-A113-B419A2ED51AD}"/>
+          </ac:spMkLst>
+        </pc:spChg>
+        <pc:graphicFrameChg chg="add mod modGraphic">
+          <ac:chgData name="Long B Nguyen" userId="f59fb8f3-a021-417a-8bc1-65c8d471c621" providerId="ADAL" clId="{2C9BD3C4-A72C-C34E-A2E2-4164CEFFD187}" dt="2019-09-27T16:54:32.829" v="4806" actId="20577"/>
+          <ac:graphicFrameMkLst>
+            <pc:docMk/>
+            <pc:sldMk cId="1511080215" sldId="300"/>
+            <ac:graphicFrameMk id="3" creationId="{57EBABBC-BF53-D54B-B535-A6EEF3CDBAF8}"/>
+          </ac:graphicFrameMkLst>
+        </pc:graphicFrameChg>
+      </pc:sldChg>
+      <pc:sldChg chg="modSp add">
+        <pc:chgData name="Long B Nguyen" userId="f59fb8f3-a021-417a-8bc1-65c8d471c621" providerId="ADAL" clId="{2C9BD3C4-A72C-C34E-A2E2-4164CEFFD187}" dt="2019-09-26T21:55:07.457" v="2175" actId="20577"/>
+        <pc:sldMkLst>
+          <pc:docMk/>
+          <pc:sldMk cId="3018705465" sldId="301"/>
+        </pc:sldMkLst>
+        <pc:spChg chg="mod">
+          <ac:chgData name="Long B Nguyen" userId="f59fb8f3-a021-417a-8bc1-65c8d471c621" providerId="ADAL" clId="{2C9BD3C4-A72C-C34E-A2E2-4164CEFFD187}" dt="2019-09-26T21:55:07.457" v="2175" actId="20577"/>
+          <ac:spMkLst>
+            <pc:docMk/>
+            <pc:sldMk cId="3018705465" sldId="301"/>
+            <ac:spMk id="9" creationId="{E3B2E017-30B2-884B-A113-B419A2ED51AD}"/>
+          </ac:spMkLst>
+        </pc:spChg>
+      </pc:sldChg>
+      <pc:sldChg chg="modSp add">
+        <pc:chgData name="Long B Nguyen" userId="f59fb8f3-a021-417a-8bc1-65c8d471c621" providerId="ADAL" clId="{2C9BD3C4-A72C-C34E-A2E2-4164CEFFD187}" dt="2019-09-26T22:06:55.399" v="2564" actId="20577"/>
+        <pc:sldMkLst>
+          <pc:docMk/>
+          <pc:sldMk cId="2221515130" sldId="302"/>
+        </pc:sldMkLst>
+        <pc:spChg chg="mod">
+          <ac:chgData name="Long B Nguyen" userId="f59fb8f3-a021-417a-8bc1-65c8d471c621" providerId="ADAL" clId="{2C9BD3C4-A72C-C34E-A2E2-4164CEFFD187}" dt="2019-09-26T22:06:55.399" v="2564" actId="20577"/>
+          <ac:spMkLst>
+            <pc:docMk/>
+            <pc:sldMk cId="2221515130" sldId="302"/>
+            <ac:spMk id="9" creationId="{E3B2E017-30B2-884B-A113-B419A2ED51AD}"/>
+          </ac:spMkLst>
+        </pc:spChg>
+      </pc:sldChg>
+      <pc:sldChg chg="modSp add">
+        <pc:chgData name="Long B Nguyen" userId="f59fb8f3-a021-417a-8bc1-65c8d471c621" providerId="ADAL" clId="{2C9BD3C4-A72C-C34E-A2E2-4164CEFFD187}" dt="2019-09-27T16:47:04.281" v="4773" actId="20577"/>
+        <pc:sldMkLst>
+          <pc:docMk/>
+          <pc:sldMk cId="2524324013" sldId="303"/>
+        </pc:sldMkLst>
+        <pc:spChg chg="mod">
+          <ac:chgData name="Long B Nguyen" userId="f59fb8f3-a021-417a-8bc1-65c8d471c621" providerId="ADAL" clId="{2C9BD3C4-A72C-C34E-A2E2-4164CEFFD187}" dt="2019-09-27T14:15:42.090" v="3689" actId="20577"/>
+          <ac:spMkLst>
+            <pc:docMk/>
+            <pc:sldMk cId="2524324013" sldId="303"/>
+            <ac:spMk id="2" creationId="{AA3A228F-61D0-D949-A5E7-F83756230BF8}"/>
+          </ac:spMkLst>
+        </pc:spChg>
+        <pc:spChg chg="mod">
+          <ac:chgData name="Long B Nguyen" userId="f59fb8f3-a021-417a-8bc1-65c8d471c621" providerId="ADAL" clId="{2C9BD3C4-A72C-C34E-A2E2-4164CEFFD187}" dt="2019-09-27T16:47:04.281" v="4773" actId="20577"/>
+          <ac:spMkLst>
+            <pc:docMk/>
+            <pc:sldMk cId="2524324013" sldId="303"/>
+            <ac:spMk id="9" creationId="{E3B2E017-30B2-884B-A113-B419A2ED51AD}"/>
+          </ac:spMkLst>
+        </pc:spChg>
+      </pc:sldChg>
+      <pc:sldChg chg="modSp add">
+        <pc:chgData name="Long B Nguyen" userId="f59fb8f3-a021-417a-8bc1-65c8d471c621" providerId="ADAL" clId="{2C9BD3C4-A72C-C34E-A2E2-4164CEFFD187}" dt="2019-09-27T14:35:59.534" v="4188" actId="20577"/>
+        <pc:sldMkLst>
+          <pc:docMk/>
+          <pc:sldMk cId="3612046097" sldId="304"/>
+        </pc:sldMkLst>
+        <pc:spChg chg="mod">
+          <ac:chgData name="Long B Nguyen" userId="f59fb8f3-a021-417a-8bc1-65c8d471c621" providerId="ADAL" clId="{2C9BD3C4-A72C-C34E-A2E2-4164CEFFD187}" dt="2019-09-27T14:35:59.534" v="4188" actId="20577"/>
+          <ac:spMkLst>
+            <pc:docMk/>
+            <pc:sldMk cId="3612046097" sldId="304"/>
+            <ac:spMk id="9" creationId="{E3B2E017-30B2-884B-A113-B419A2ED51AD}"/>
+          </ac:spMkLst>
+        </pc:spChg>
+      </pc:sldChg>
+      <pc:sldChg chg="modSp add">
+        <pc:chgData name="Long B Nguyen" userId="f59fb8f3-a021-417a-8bc1-65c8d471c621" providerId="ADAL" clId="{2C9BD3C4-A72C-C34E-A2E2-4164CEFFD187}" dt="2019-09-27T16:55:45.346" v="4876" actId="20577"/>
+        <pc:sldMkLst>
+          <pc:docMk/>
+          <pc:sldMk cId="3701226577" sldId="305"/>
+        </pc:sldMkLst>
+        <pc:spChg chg="mod">
+          <ac:chgData name="Long B Nguyen" userId="f59fb8f3-a021-417a-8bc1-65c8d471c621" providerId="ADAL" clId="{2C9BD3C4-A72C-C34E-A2E2-4164CEFFD187}" dt="2019-09-27T16:55:45.346" v="4876" actId="20577"/>
+          <ac:spMkLst>
+            <pc:docMk/>
+            <pc:sldMk cId="3701226577" sldId="305"/>
+            <ac:spMk id="9" creationId="{E3B2E017-30B2-884B-A113-B419A2ED51AD}"/>
+          </ac:spMkLst>
+        </pc:spChg>
+      </pc:sldChg>
+      <pc:sldChg chg="modSp add">
+        <pc:chgData name="Long B Nguyen" userId="f59fb8f3-a021-417a-8bc1-65c8d471c621" providerId="ADAL" clId="{2C9BD3C4-A72C-C34E-A2E2-4164CEFFD187}" dt="2019-09-27T16:43:40.727" v="4615" actId="20577"/>
+        <pc:sldMkLst>
+          <pc:docMk/>
+          <pc:sldMk cId="3900668933" sldId="306"/>
+        </pc:sldMkLst>
+        <pc:spChg chg="mod">
+          <ac:chgData name="Long B Nguyen" userId="f59fb8f3-a021-417a-8bc1-65c8d471c621" providerId="ADAL" clId="{2C9BD3C4-A72C-C34E-A2E2-4164CEFFD187}" dt="2019-09-27T16:43:40.727" v="4615" actId="20577"/>
+          <ac:spMkLst>
+            <pc:docMk/>
+            <pc:sldMk cId="3900668933" sldId="306"/>
+            <ac:spMk id="9" creationId="{E3B2E017-30B2-884B-A113-B419A2ED51AD}"/>
+          </ac:spMkLst>
+        </pc:spChg>
       </pc:sldChg>
     </pc:docChg>
   </pc:docChgLst>
@@ -487,13 +627,6 @@
             <ac:spMk id="9" creationId="{E3B2E017-30B2-884B-A113-B419A2ED51AD}"/>
           </ac:spMkLst>
         </pc:spChg>
-      </pc:sldChg>
-      <pc:sldChg chg="del">
-        <pc:chgData name="Long B Nguyen" userId="f59fb8f3-a021-417a-8bc1-65c8d471c621" providerId="ADAL" clId="{5BA4ED75-8AB8-EF4B-B40C-CAAFEBD8F6A0}" dt="2019-09-07T18:01:55.931" v="164" actId="2696"/>
-        <pc:sldMkLst>
-          <pc:docMk/>
-          <pc:sldMk cId="2702355806" sldId="281"/>
-        </pc:sldMkLst>
       </pc:sldChg>
       <pc:sldChg chg="add">
         <pc:chgData name="Long B Nguyen" userId="f59fb8f3-a021-417a-8bc1-65c8d471c621" providerId="ADAL" clId="{5BA4ED75-8AB8-EF4B-B40C-CAAFEBD8F6A0}" dt="2019-08-25T11:36:43.747" v="163"/>
@@ -659,7 +792,7 @@
           <a:p>
             <a:fld id="{4AAD347D-5ACD-4C99-B74B-A9C85AD731AF}" type="datetimeFigureOut">
               <a:rPr lang="en-US" smtClean="0"/>
-              <a:t>9/8/19</a:t>
+              <a:t>9/27/19</a:t>
             </a:fld>
             <a:endParaRPr lang="en-US" dirty="0"/>
           </a:p>
@@ -829,7 +962,7 @@
           <a:p>
             <a:fld id="{4509A250-FF31-4206-8172-F9D3106AACB1}" type="datetimeFigureOut">
               <a:rPr lang="en-US" smtClean="0"/>
-              <a:t>9/8/19</a:t>
+              <a:t>9/27/19</a:t>
             </a:fld>
             <a:endParaRPr lang="en-US" dirty="0"/>
           </a:p>
@@ -1009,7 +1142,7 @@
           <a:p>
             <a:fld id="{4509A250-FF31-4206-8172-F9D3106AACB1}" type="datetimeFigureOut">
               <a:rPr lang="en-US" smtClean="0"/>
-              <a:t>9/8/19</a:t>
+              <a:t>9/27/19</a:t>
             </a:fld>
             <a:endParaRPr lang="en-US" dirty="0"/>
           </a:p>
@@ -1179,7 +1312,7 @@
           <a:p>
             <a:fld id="{4509A250-FF31-4206-8172-F9D3106AACB1}" type="datetimeFigureOut">
               <a:rPr lang="en-US" smtClean="0"/>
-              <a:t>9/8/19</a:t>
+              <a:t>9/27/19</a:t>
             </a:fld>
             <a:endParaRPr lang="en-US" dirty="0"/>
           </a:p>
@@ -1425,7 +1558,7 @@
           <a:p>
             <a:fld id="{9796027F-7875-4030-9381-8BD8C4F21935}" type="datetimeFigureOut">
               <a:rPr lang="en-US" smtClean="0"/>
-              <a:t>9/8/19</a:t>
+              <a:t>9/27/19</a:t>
             </a:fld>
             <a:endParaRPr lang="en-US" dirty="0"/>
           </a:p>
@@ -1657,7 +1790,7 @@
           <a:p>
             <a:fld id="{9796027F-7875-4030-9381-8BD8C4F21935}" type="datetimeFigureOut">
               <a:rPr lang="en-US" smtClean="0"/>
-              <a:t>9/8/19</a:t>
+              <a:t>9/27/19</a:t>
             </a:fld>
             <a:endParaRPr lang="en-US" dirty="0"/>
           </a:p>
@@ -2024,7 +2157,7 @@
           <a:p>
             <a:fld id="{9796027F-7875-4030-9381-8BD8C4F21935}" type="datetimeFigureOut">
               <a:rPr lang="en-US" smtClean="0"/>
-              <a:t>9/8/19</a:t>
+              <a:t>9/27/19</a:t>
             </a:fld>
             <a:endParaRPr lang="en-US" dirty="0"/>
           </a:p>
@@ -2142,7 +2275,7 @@
           <a:p>
             <a:fld id="{4509A250-FF31-4206-8172-F9D3106AACB1}" type="datetimeFigureOut">
               <a:rPr lang="en-US" smtClean="0"/>
-              <a:t>9/8/19</a:t>
+              <a:t>9/27/19</a:t>
             </a:fld>
             <a:endParaRPr lang="en-US" dirty="0"/>
           </a:p>
@@ -2237,7 +2370,7 @@
           <a:p>
             <a:fld id="{4509A250-FF31-4206-8172-F9D3106AACB1}" type="datetimeFigureOut">
               <a:rPr lang="en-US" smtClean="0"/>
-              <a:t>9/8/19</a:t>
+              <a:t>9/27/19</a:t>
             </a:fld>
             <a:endParaRPr lang="en-US" dirty="0"/>
           </a:p>
@@ -2514,7 +2647,7 @@
           <a:p>
             <a:fld id="{4509A250-FF31-4206-8172-F9D3106AACB1}" type="datetimeFigureOut">
               <a:rPr lang="en-US" smtClean="0"/>
-              <a:t>9/8/19</a:t>
+              <a:t>9/27/19</a:t>
             </a:fld>
             <a:endParaRPr lang="en-US" dirty="0"/>
           </a:p>
@@ -2771,7 +2904,7 @@
           <a:p>
             <a:fld id="{4509A250-FF31-4206-8172-F9D3106AACB1}" type="datetimeFigureOut">
               <a:rPr lang="en-US" smtClean="0"/>
-              <a:t>9/8/19</a:t>
+              <a:t>9/27/19</a:t>
             </a:fld>
             <a:endParaRPr lang="en-US" dirty="0"/>
           </a:p>
@@ -2984,7 +3117,7 @@
           <a:p>
             <a:fld id="{4AAD347D-5ACD-4C99-B74B-A9C85AD731AF}" type="datetimeFigureOut">
               <a:rPr lang="en-US" smtClean="0"/>
-              <a:t>9/8/19</a:t>
+              <a:t>9/27/19</a:t>
             </a:fld>
             <a:endParaRPr lang="en-US" dirty="0"/>
           </a:p>
@@ -3442,7 +3575,7 @@
         </p:nvSpPr>
         <p:spPr>
           <a:xfrm>
-            <a:off x="1849821" y="2550188"/>
+            <a:off x="1654562" y="2530257"/>
             <a:ext cx="6200317" cy="654486"/>
           </a:xfrm>
         </p:spPr>
@@ -3715,7 +3848,7 @@
           <a:p>
             <a:r>
               <a:rPr lang="en-US" dirty="0"/>
-              <a:t>f-Strings Precision</a:t>
+              <a:t>Slicing</a:t>
             </a:r>
           </a:p>
         </p:txBody>
@@ -3751,6 +3884,54 @@
             <a:pPr marL="0" indent="0">
               <a:buNone/>
             </a:pPr>
+            <a:r>
+              <a:rPr lang="en-US" sz="1900" b="1" dirty="0">
+                <a:solidFill>
+                  <a:srgbClr val="000087"/>
+                </a:solidFill>
+                <a:latin typeface="Inconsolata Medium" panose="020B0609030003000000" pitchFamily="49" charset="77"/>
+              </a:rPr>
+              <a:t>In </a:t>
+            </a:r>
+            <a:r>
+              <a:rPr lang="en-US" sz="1900" b="1" dirty="0">
+                <a:latin typeface="Inconsolata Medium" panose="020B0609030003000000" pitchFamily="49" charset="77"/>
+              </a:rPr>
+              <a:t>[</a:t>
+            </a:r>
+            <a:r>
+              <a:rPr lang="en-US" sz="1900" b="1" dirty="0">
+                <a:solidFill>
+                  <a:srgbClr val="FF6600"/>
+                </a:solidFill>
+                <a:latin typeface="Inconsolata Medium" panose="020B0609030003000000" pitchFamily="49" charset="77"/>
+              </a:rPr>
+              <a:t>26</a:t>
+            </a:r>
+            <a:r>
+              <a:rPr lang="en-US" sz="1900" b="1" dirty="0">
+                <a:latin typeface="Inconsolata Medium" panose="020B0609030003000000" pitchFamily="49" charset="77"/>
+              </a:rPr>
+              <a:t>]: </a:t>
+            </a:r>
+            <a:r>
+              <a:rPr lang="en-US" sz="1900" b="1" dirty="0">
+                <a:solidFill>
+                  <a:srgbClr val="000087"/>
+                </a:solidFill>
+                <a:latin typeface="Inconsolata Medium" panose="020B0609030003000000" pitchFamily="49" charset="77"/>
+              </a:rPr>
+              <a:t>language = </a:t>
+            </a:r>
+            <a:r>
+              <a:rPr lang="en-US" sz="2000" dirty="0">
+                <a:solidFill>
+                  <a:srgbClr val="CC3300"/>
+                </a:solidFill>
+                <a:latin typeface="UbuntuMono"/>
+              </a:rPr>
+              <a:t>”python" </a:t>
+            </a:r>
             <a:endParaRPr lang="en-US" sz="1900" b="1" dirty="0">
               <a:solidFill>
                 <a:srgbClr val="000087"/>
@@ -3762,8 +3943,16 @@
             <a:pPr marL="0" indent="0">
               <a:buNone/>
             </a:pPr>
-            <a:r>
-              <a:rPr lang="en-US" b="1" dirty="0">
+            <a:endParaRPr lang="en-US" sz="1900" b="1" dirty="0">
+              <a:latin typeface="Inconsolata Medium" panose="020B0609030003000000" pitchFamily="49" charset="77"/>
+            </a:endParaRPr>
+          </a:p>
+          <a:p>
+            <a:pPr marL="0" indent="0">
+              <a:buNone/>
+            </a:pPr>
+            <a:r>
+              <a:rPr lang="en-US" sz="1900" b="1" dirty="0">
                 <a:solidFill>
                   <a:srgbClr val="000087"/>
                 </a:solidFill>
@@ -3772,31 +3961,268 @@
               <a:t>In </a:t>
             </a:r>
             <a:r>
-              <a:rPr lang="en-US" b="1" dirty="0">
+              <a:rPr lang="en-US" sz="1900" b="1" dirty="0">
                 <a:latin typeface="Inconsolata Medium" panose="020B0609030003000000" pitchFamily="49" charset="77"/>
               </a:rPr>
               <a:t>[</a:t>
             </a:r>
             <a:r>
-              <a:rPr lang="en-US" b="1" dirty="0">
+              <a:rPr lang="en-US" sz="1900" b="1" dirty="0">
                 <a:solidFill>
                   <a:srgbClr val="FF6600"/>
                 </a:solidFill>
                 <a:latin typeface="Inconsolata Medium" panose="020B0609030003000000" pitchFamily="49" charset="77"/>
               </a:rPr>
-              <a:t>26</a:t>
-            </a:r>
-            <a:r>
-              <a:rPr lang="en-US" b="1" dirty="0">
-                <a:latin typeface="Inconsolata Medium" panose="020B0609030003000000" pitchFamily="49" charset="77"/>
-              </a:rPr>
-              <a:t>]: import math</a:t>
-            </a:r>
-            <a:r>
-              <a:rPr lang="en-US" b="1" dirty="0">
-                <a:solidFill>
-                  <a:srgbClr val="CC3300"/>
-                </a:solidFill>
+              <a:t>25</a:t>
+            </a:r>
+            <a:r>
+              <a:rPr lang="en-US" sz="1900" b="1" dirty="0">
+                <a:latin typeface="Inconsolata Medium" panose="020B0609030003000000" pitchFamily="49" charset="77"/>
+              </a:rPr>
+              <a:t>]: </a:t>
+            </a:r>
+            <a:r>
+              <a:rPr lang="en-US" sz="1900" b="1" i="1" dirty="0">
+                <a:solidFill>
+                  <a:srgbClr val="33566B"/>
+                </a:solidFill>
+                <a:latin typeface="Inconsolata Medium" panose="020B0609030003000000" pitchFamily="49" charset="77"/>
+              </a:rPr>
+              <a:t># negative step size traverses backwards</a:t>
+            </a:r>
+          </a:p>
+          <a:p>
+            <a:pPr marL="0" indent="0">
+              <a:buNone/>
+            </a:pPr>
+            <a:r>
+              <a:rPr lang="en-US" sz="1900" b="1" i="1" dirty="0">
+                <a:solidFill>
+                  <a:srgbClr val="33566B"/>
+                </a:solidFill>
+                <a:latin typeface="Inconsolata Medium" panose="020B0609030003000000" pitchFamily="49" charset="77"/>
+              </a:rPr>
+              <a:t>	    </a:t>
+            </a:r>
+            <a:r>
+              <a:rPr lang="en-US" sz="1900" b="1" i="1" dirty="0">
+                <a:solidFill>
+                  <a:srgbClr val="000087"/>
+                </a:solidFill>
+                <a:latin typeface="Inconsolata Medium" panose="020B0609030003000000" pitchFamily="49" charset="77"/>
+              </a:rPr>
+              <a:t>language</a:t>
+            </a:r>
+            <a:r>
+              <a:rPr lang="en-US" sz="1900" b="1" dirty="0">
+                <a:latin typeface="Inconsolata Medium" panose="020B0609030003000000" pitchFamily="49" charset="77"/>
+              </a:rPr>
+              <a:t>[</a:t>
+            </a:r>
+            <a:r>
+              <a:rPr lang="en-US" sz="1900" b="1" dirty="0">
+                <a:solidFill>
+                  <a:srgbClr val="FF6600"/>
+                </a:solidFill>
+                <a:latin typeface="Inconsolata Medium" panose="020B0609030003000000" pitchFamily="49" charset="77"/>
+              </a:rPr>
+              <a:t>2:5:-1</a:t>
+            </a:r>
+            <a:r>
+              <a:rPr lang="en-US" sz="1900" b="1" dirty="0">
+                <a:latin typeface="Inconsolata Medium" panose="020B0609030003000000" pitchFamily="49" charset="77"/>
+              </a:rPr>
+              <a:t>] </a:t>
+            </a:r>
+            <a:endParaRPr lang="en-US" sz="1900" b="1" i="1" dirty="0">
+              <a:solidFill>
+                <a:srgbClr val="33566B"/>
+              </a:solidFill>
+              <a:latin typeface="Inconsolata Medium" panose="020B0609030003000000" pitchFamily="49" charset="77"/>
+            </a:endParaRPr>
+          </a:p>
+          <a:p>
+            <a:pPr marL="0" indent="0">
+              <a:buNone/>
+            </a:pPr>
+            <a:r>
+              <a:rPr lang="en-US" sz="1900" b="1" dirty="0">
+                <a:latin typeface="Inconsolata Medium" panose="020B0609030003000000" pitchFamily="49" charset="77"/>
+              </a:rPr>
+              <a:t>Out [25]: ‘’ </a:t>
+            </a:r>
+          </a:p>
+          <a:p>
+            <a:pPr marL="0" indent="0">
+              <a:buNone/>
+            </a:pPr>
+            <a:endParaRPr lang="en-US" sz="1900" b="1" dirty="0">
+              <a:latin typeface="Inconsolata Medium" panose="020B0609030003000000" pitchFamily="49" charset="77"/>
+            </a:endParaRPr>
+          </a:p>
+          <a:p>
+            <a:pPr marL="0" indent="0">
+              <a:buNone/>
+            </a:pPr>
+            <a:r>
+              <a:rPr lang="en-US" sz="1900" b="1" dirty="0">
+                <a:solidFill>
+                  <a:srgbClr val="000087"/>
+                </a:solidFill>
+                <a:latin typeface="Inconsolata Medium" panose="020B0609030003000000" pitchFamily="49" charset="77"/>
+              </a:rPr>
+              <a:t>In </a:t>
+            </a:r>
+            <a:r>
+              <a:rPr lang="en-US" sz="1900" b="1" dirty="0">
+                <a:latin typeface="Inconsolata Medium" panose="020B0609030003000000" pitchFamily="49" charset="77"/>
+              </a:rPr>
+              <a:t>[</a:t>
+            </a:r>
+            <a:r>
+              <a:rPr lang="en-US" sz="1900" b="1" dirty="0">
+                <a:solidFill>
+                  <a:srgbClr val="FF6600"/>
+                </a:solidFill>
+                <a:latin typeface="Inconsolata Medium" panose="020B0609030003000000" pitchFamily="49" charset="77"/>
+              </a:rPr>
+              <a:t>25</a:t>
+            </a:r>
+            <a:r>
+              <a:rPr lang="en-US" sz="1900" b="1" dirty="0">
+                <a:latin typeface="Inconsolata Medium" panose="020B0609030003000000" pitchFamily="49" charset="77"/>
+              </a:rPr>
+              <a:t>]: </a:t>
+            </a:r>
+            <a:r>
+              <a:rPr lang="en-US" sz="1900" b="1" i="1" dirty="0">
+                <a:solidFill>
+                  <a:srgbClr val="33566B"/>
+                </a:solidFill>
+                <a:latin typeface="Inconsolata Medium" panose="020B0609030003000000" pitchFamily="49" charset="77"/>
+              </a:rPr>
+              <a:t># negative step size traverses backwards</a:t>
+            </a:r>
+          </a:p>
+          <a:p>
+            <a:pPr marL="0" indent="0">
+              <a:buNone/>
+            </a:pPr>
+            <a:r>
+              <a:rPr lang="en-US" sz="1900" b="1" i="1" dirty="0">
+                <a:solidFill>
+                  <a:srgbClr val="33566B"/>
+                </a:solidFill>
+                <a:latin typeface="Inconsolata Medium" panose="020B0609030003000000" pitchFamily="49" charset="77"/>
+              </a:rPr>
+              <a:t>	    </a:t>
+            </a:r>
+            <a:r>
+              <a:rPr lang="en-US" sz="1900" b="1" i="1" dirty="0">
+                <a:solidFill>
+                  <a:srgbClr val="000087"/>
+                </a:solidFill>
+                <a:latin typeface="Inconsolata Medium" panose="020B0609030003000000" pitchFamily="49" charset="77"/>
+              </a:rPr>
+              <a:t>language</a:t>
+            </a:r>
+            <a:r>
+              <a:rPr lang="en-US" sz="1900" b="1" dirty="0">
+                <a:latin typeface="Inconsolata Medium" panose="020B0609030003000000" pitchFamily="49" charset="77"/>
+              </a:rPr>
+              <a:t>[</a:t>
+            </a:r>
+            <a:r>
+              <a:rPr lang="en-US" sz="1900" b="1" dirty="0">
+                <a:solidFill>
+                  <a:srgbClr val="FF6600"/>
+                </a:solidFill>
+                <a:latin typeface="Inconsolata Medium" panose="020B0609030003000000" pitchFamily="49" charset="77"/>
+              </a:rPr>
+              <a:t>5:2:-1</a:t>
+            </a:r>
+            <a:r>
+              <a:rPr lang="en-US" sz="1900" b="1" dirty="0">
+                <a:latin typeface="Inconsolata Medium" panose="020B0609030003000000" pitchFamily="49" charset="77"/>
+              </a:rPr>
+              <a:t>] </a:t>
+            </a:r>
+            <a:endParaRPr lang="en-US" sz="1900" b="1" i="1" dirty="0">
+              <a:solidFill>
+                <a:srgbClr val="33566B"/>
+              </a:solidFill>
+              <a:latin typeface="Inconsolata Medium" panose="020B0609030003000000" pitchFamily="49" charset="77"/>
+            </a:endParaRPr>
+          </a:p>
+          <a:p>
+            <a:pPr marL="0" indent="0">
+              <a:buNone/>
+            </a:pPr>
+            <a:r>
+              <a:rPr lang="en-US" sz="1900" b="1" dirty="0">
+                <a:latin typeface="Inconsolata Medium" panose="020B0609030003000000" pitchFamily="49" charset="77"/>
+              </a:rPr>
+              <a:t>Out [25]: ‘</a:t>
+            </a:r>
+            <a:r>
+              <a:rPr lang="en-US" sz="1900" b="1" dirty="0" err="1">
+                <a:latin typeface="Inconsolata Medium" panose="020B0609030003000000" pitchFamily="49" charset="77"/>
+              </a:rPr>
+              <a:t>noh</a:t>
+            </a:r>
+            <a:r>
+              <a:rPr lang="en-US" sz="1900" b="1" dirty="0">
+                <a:latin typeface="Inconsolata Medium" panose="020B0609030003000000" pitchFamily="49" charset="77"/>
+              </a:rPr>
+              <a:t>’ </a:t>
+            </a:r>
+          </a:p>
+          <a:p>
+            <a:pPr marL="0" indent="0">
+              <a:buNone/>
+            </a:pPr>
+            <a:endParaRPr lang="en-US" sz="1900" b="1" dirty="0">
+              <a:latin typeface="Inconsolata Medium" panose="020B0609030003000000" pitchFamily="49" charset="77"/>
+            </a:endParaRPr>
+          </a:p>
+          <a:p>
+            <a:pPr marL="0" indent="0">
+              <a:buNone/>
+            </a:pPr>
+            <a:endParaRPr lang="en-US" sz="1900" b="1" dirty="0">
+              <a:latin typeface="Inconsolata Medium" panose="020B0609030003000000" pitchFamily="49" charset="77"/>
+            </a:endParaRPr>
+          </a:p>
+          <a:p>
+            <a:pPr marL="0" indent="0">
+              <a:buNone/>
+            </a:pPr>
+            <a:endParaRPr lang="en-US" sz="1900" b="1" dirty="0">
+              <a:latin typeface="Inconsolata Medium" panose="020B0609030003000000" pitchFamily="49" charset="77"/>
+            </a:endParaRPr>
+          </a:p>
+          <a:p>
+            <a:pPr marL="0" indent="0">
+              <a:buNone/>
+            </a:pPr>
+            <a:endParaRPr lang="en-US" sz="1900" b="1" dirty="0">
+              <a:latin typeface="Inconsolata Medium" panose="020B0609030003000000" pitchFamily="49" charset="77"/>
+            </a:endParaRPr>
+          </a:p>
+          <a:p>
+            <a:pPr marL="0" indent="0">
+              <a:buNone/>
+            </a:pPr>
+            <a:endParaRPr lang="en-US" sz="1900" b="1" dirty="0">
+              <a:latin typeface="Inconsolata Medium" panose="020B0609030003000000" pitchFamily="49" charset="77"/>
+            </a:endParaRPr>
+          </a:p>
+          <a:p>
+            <a:pPr marL="0" indent="0">
+              <a:buNone/>
+            </a:pPr>
+            <a:r>
+              <a:rPr lang="en-US" sz="1900" b="1" dirty="0">
                 <a:latin typeface="Inconsolata Medium" panose="020B0609030003000000" pitchFamily="49" charset="77"/>
               </a:rPr>
               <a:t> </a:t>
@@ -3806,38 +4232,48 @@
             <a:pPr marL="0" indent="0">
               <a:buNone/>
             </a:pPr>
-            <a:r>
-              <a:rPr lang="en-US" b="1" dirty="0">
-                <a:solidFill>
-                  <a:srgbClr val="CC3300"/>
-                </a:solidFill>
-                <a:latin typeface="Inconsolata Medium" panose="020B0609030003000000" pitchFamily="49" charset="77"/>
-              </a:rPr>
-              <a:t>	    </a:t>
-            </a:r>
-            <a:r>
-              <a:rPr lang="en-US" b="1" dirty="0">
-                <a:solidFill>
-                  <a:srgbClr val="000087"/>
-                </a:solidFill>
-                <a:latin typeface="Inconsolata Medium" panose="020B0609030003000000" pitchFamily="49" charset="77"/>
-              </a:rPr>
-              <a:t>x = </a:t>
-            </a:r>
-            <a:r>
-              <a:rPr lang="en-US" b="1" dirty="0" err="1">
-                <a:solidFill>
-                  <a:srgbClr val="CC3300"/>
-                </a:solidFill>
-                <a:latin typeface="Inconsolata Medium" panose="020B0609030003000000" pitchFamily="49" charset="77"/>
-              </a:rPr>
-              <a:t>math.pi</a:t>
-            </a:r>
-            <a:r>
-              <a:rPr lang="en-US" b="1" dirty="0">
-                <a:solidFill>
-                  <a:srgbClr val="CC3300"/>
-                </a:solidFill>
+            <a:endParaRPr lang="en-US" sz="1900" b="1" dirty="0">
+              <a:latin typeface="Inconsolata Medium" panose="020B0609030003000000" pitchFamily="49" charset="77"/>
+            </a:endParaRPr>
+          </a:p>
+          <a:p>
+            <a:pPr marL="0" indent="0">
+              <a:buNone/>
+            </a:pPr>
+            <a:endParaRPr lang="en-US" sz="1900" b="1" dirty="0">
+              <a:latin typeface="Inconsolata Medium" panose="020B0609030003000000" pitchFamily="49" charset="77"/>
+            </a:endParaRPr>
+          </a:p>
+          <a:p>
+            <a:pPr marL="0" indent="0">
+              <a:buNone/>
+            </a:pPr>
+            <a:endParaRPr lang="en-US" sz="1900" b="1" dirty="0">
+              <a:latin typeface="Inconsolata Medium" panose="020B0609030003000000" pitchFamily="49" charset="77"/>
+            </a:endParaRPr>
+          </a:p>
+          <a:p>
+            <a:pPr marL="0" indent="0">
+              <a:buNone/>
+            </a:pPr>
+            <a:endParaRPr lang="en-US" sz="1900" b="1" dirty="0">
+              <a:latin typeface="Inconsolata Medium" panose="020B0609030003000000" pitchFamily="49" charset="77"/>
+            </a:endParaRPr>
+          </a:p>
+          <a:p>
+            <a:pPr marL="0" indent="0">
+              <a:buNone/>
+            </a:pPr>
+            <a:endParaRPr lang="en-US" sz="1900" b="1" dirty="0">
+              <a:latin typeface="Inconsolata Medium" panose="020B0609030003000000" pitchFamily="49" charset="77"/>
+            </a:endParaRPr>
+          </a:p>
+          <a:p>
+            <a:pPr marL="0" indent="0">
+              <a:buNone/>
+            </a:pPr>
+            <a:r>
+              <a:rPr lang="en-US" sz="1900" b="1" dirty="0">
                 <a:latin typeface="Inconsolata Medium" panose="020B0609030003000000" pitchFamily="49" charset="77"/>
               </a:rPr>
               <a:t> </a:t>
@@ -3847,192 +4283,14 @@
             <a:pPr marL="0" indent="0">
               <a:buNone/>
             </a:pPr>
-            <a:r>
-              <a:rPr lang="en-US" b="1" dirty="0">
-                <a:solidFill>
-                  <a:srgbClr val="CC3300"/>
-                </a:solidFill>
-                <a:latin typeface="Inconsolata Medium" panose="020B0609030003000000" pitchFamily="49" charset="77"/>
-              </a:rPr>
-              <a:t>         </a:t>
-            </a:r>
-            <a:r>
-              <a:rPr lang="en-US" b="1" dirty="0">
-                <a:solidFill>
-                  <a:srgbClr val="000087"/>
-                </a:solidFill>
-                <a:latin typeface="Inconsolata Medium" panose="020B0609030003000000" pitchFamily="49" charset="77"/>
-              </a:rPr>
-              <a:t>print(f</a:t>
-            </a:r>
-            <a:r>
-              <a:rPr lang="en-US" b="1" dirty="0">
-                <a:solidFill>
-                  <a:srgbClr val="CC3300"/>
-                </a:solidFill>
-                <a:latin typeface="Inconsolata Medium" panose="020B0609030003000000" pitchFamily="49" charset="77"/>
-              </a:rPr>
-              <a:t>“{x}”</a:t>
-            </a:r>
-            <a:r>
-              <a:rPr lang="en-US" b="1" dirty="0">
-                <a:solidFill>
-                  <a:srgbClr val="000087"/>
-                </a:solidFill>
-                <a:latin typeface="Inconsolata Medium" panose="020B0609030003000000" pitchFamily="49" charset="77"/>
-              </a:rPr>
-              <a:t>)</a:t>
-            </a:r>
-            <a:r>
-              <a:rPr lang="en-US" b="1" dirty="0">
-                <a:solidFill>
-                  <a:srgbClr val="CC3300"/>
-                </a:solidFill>
-                <a:latin typeface="Inconsolata Medium" panose="020B0609030003000000" pitchFamily="49" charset="77"/>
-              </a:rPr>
-              <a:t> 	</a:t>
-            </a:r>
-          </a:p>
-          <a:p>
-            <a:pPr marL="0" indent="0">
-              <a:buNone/>
-            </a:pPr>
-            <a:r>
-              <a:rPr lang="en-US" b="1" dirty="0">
-                <a:solidFill>
-                  <a:srgbClr val="CC3300"/>
-                </a:solidFill>
-                <a:latin typeface="Inconsolata Medium" panose="020B0609030003000000" pitchFamily="49" charset="77"/>
-              </a:rPr>
-              <a:t>         </a:t>
-            </a:r>
-            <a:r>
-              <a:rPr lang="en-US" b="1" dirty="0">
-                <a:solidFill>
-                  <a:srgbClr val="000087"/>
-                </a:solidFill>
-                <a:latin typeface="Inconsolata Medium" panose="020B0609030003000000" pitchFamily="49" charset="77"/>
-              </a:rPr>
-              <a:t>print(f</a:t>
-            </a:r>
-            <a:r>
-              <a:rPr lang="en-US" b="1" dirty="0">
-                <a:solidFill>
-                  <a:srgbClr val="CC3300"/>
-                </a:solidFill>
-                <a:latin typeface="Inconsolata Medium" panose="020B0609030003000000" pitchFamily="49" charset="77"/>
-              </a:rPr>
-              <a:t>“{x:.2f}”</a:t>
-            </a:r>
-            <a:r>
-              <a:rPr lang="en-US" b="1" dirty="0">
-                <a:solidFill>
-                  <a:srgbClr val="000087"/>
-                </a:solidFill>
-                <a:latin typeface="Inconsolata Medium" panose="020B0609030003000000" pitchFamily="49" charset="77"/>
-              </a:rPr>
-              <a:t>)</a:t>
-            </a:r>
-            <a:r>
-              <a:rPr lang="en-US" b="1" dirty="0">
-                <a:solidFill>
-                  <a:srgbClr val="CC3300"/>
-                </a:solidFill>
-                <a:latin typeface="Inconsolata Medium" panose="020B0609030003000000" pitchFamily="49" charset="77"/>
-              </a:rPr>
-              <a:t> </a:t>
-            </a:r>
-          </a:p>
-          <a:p>
-            <a:pPr marL="0" indent="0">
-              <a:buNone/>
-            </a:pPr>
-            <a:r>
-              <a:rPr lang="en-US" b="1" dirty="0">
-                <a:solidFill>
-                  <a:srgbClr val="CC3300"/>
-                </a:solidFill>
-                <a:latin typeface="Inconsolata Medium" panose="020B0609030003000000" pitchFamily="49" charset="77"/>
-              </a:rPr>
-              <a:t>         </a:t>
-            </a:r>
-            <a:r>
-              <a:rPr lang="en-US" b="1" dirty="0">
-                <a:solidFill>
-                  <a:srgbClr val="000087"/>
-                </a:solidFill>
-                <a:latin typeface="Inconsolata Medium" panose="020B0609030003000000" pitchFamily="49" charset="77"/>
-              </a:rPr>
-              <a:t>print(f</a:t>
-            </a:r>
-            <a:r>
-              <a:rPr lang="en-US" b="1" dirty="0">
-                <a:solidFill>
-                  <a:srgbClr val="CC3300"/>
-                </a:solidFill>
-                <a:latin typeface="Inconsolata Medium" panose="020B0609030003000000" pitchFamily="49" charset="77"/>
-              </a:rPr>
-              <a:t>“{x:.3f}”</a:t>
-            </a:r>
-            <a:r>
-              <a:rPr lang="en-US" b="1" dirty="0">
-                <a:solidFill>
-                  <a:srgbClr val="000087"/>
-                </a:solidFill>
-                <a:latin typeface="Inconsolata Medium" panose="020B0609030003000000" pitchFamily="49" charset="77"/>
-              </a:rPr>
-              <a:t>)</a:t>
-            </a:r>
-            <a:r>
-              <a:rPr lang="en-US" b="1" dirty="0">
-                <a:solidFill>
-                  <a:srgbClr val="CC3300"/>
-                </a:solidFill>
-                <a:latin typeface="Inconsolata Medium" panose="020B0609030003000000" pitchFamily="49" charset="77"/>
-              </a:rPr>
-              <a:t> </a:t>
-            </a:r>
-          </a:p>
-          <a:p>
-            <a:pPr marL="0" indent="0">
-              <a:buNone/>
-            </a:pPr>
-            <a:endParaRPr lang="en-US" b="1" dirty="0">
-              <a:latin typeface="Inconsolata Medium" panose="020B0609030003000000" pitchFamily="49" charset="77"/>
-            </a:endParaRPr>
-          </a:p>
-          <a:p>
-            <a:pPr marL="0" indent="0">
-              <a:buNone/>
-            </a:pPr>
-            <a:r>
-              <a:rPr lang="en-US" b="1" dirty="0">
-                <a:latin typeface="Inconsolata Medium" panose="020B0609030003000000" pitchFamily="49" charset="77"/>
-              </a:rPr>
-              <a:t>3.141592653589793</a:t>
-            </a:r>
-          </a:p>
-          <a:p>
-            <a:pPr marL="0" indent="0">
-              <a:buNone/>
-            </a:pPr>
-            <a:r>
-              <a:rPr lang="en-US" sz="2000" b="1" dirty="0">
-                <a:latin typeface="Inconsolata Medium" panose="020B0609030003000000" pitchFamily="49" charset="77"/>
-              </a:rPr>
-              <a:t>3.14</a:t>
-            </a:r>
-          </a:p>
-          <a:p>
-            <a:pPr marL="0" indent="0">
-              <a:buNone/>
-            </a:pPr>
-            <a:r>
-              <a:rPr lang="en-US" sz="2000" b="1" dirty="0">
-                <a:latin typeface="Inconsolata Medium" panose="020B0609030003000000" pitchFamily="49" charset="77"/>
-              </a:rPr>
-              <a:t>3.142</a:t>
-            </a:r>
+            <a:endParaRPr lang="en-US" sz="1900" b="1" dirty="0">
+              <a:latin typeface="Inconsolata Medium" panose="020B0609030003000000" pitchFamily="49" charset="77"/>
+            </a:endParaRPr>
+          </a:p>
+          <a:p>
+            <a:pPr marL="0" indent="0">
+              <a:buNone/>
+            </a:pPr>
             <a:endParaRPr lang="en-US" sz="1900" b="1" dirty="0">
               <a:latin typeface="Inconsolata Medium" panose="020B0609030003000000" pitchFamily="49" charset="77"/>
             </a:endParaRPr>
@@ -4042,7 +4300,7 @@
     </p:spTree>
     <p:extLst>
       <p:ext uri="{BB962C8B-B14F-4D97-AF65-F5344CB8AC3E}">
-        <p14:creationId xmlns:p14="http://schemas.microsoft.com/office/powerpoint/2010/main" val="3060343526"/>
+        <p14:creationId xmlns:p14="http://schemas.microsoft.com/office/powerpoint/2010/main" val="3018705465"/>
       </p:ext>
     </p:extLst>
   </p:cSld>
@@ -4097,7 +4355,7 @@
           <a:p>
             <a:r>
               <a:rPr lang="en-US" dirty="0"/>
-              <a:t>str()</a:t>
+              <a:t>f-Strings</a:t>
             </a:r>
           </a:p>
         </p:txBody>
@@ -4133,27 +4391,11 @@
             <a:pPr marL="0" indent="0">
               <a:buNone/>
             </a:pPr>
-            <a:endParaRPr lang="en-US" dirty="0">
-              <a:latin typeface="Gill Sans MT" panose="020B0502020104020203" pitchFamily="34" charset="77"/>
-            </a:endParaRPr>
-          </a:p>
-          <a:p>
-            <a:pPr marL="0" indent="0">
-              <a:buNone/>
-            </a:pPr>
-            <a:endParaRPr lang="en-US" dirty="0">
-              <a:latin typeface="Gill Sans MT" panose="020B0502020104020203" pitchFamily="34" charset="77"/>
-            </a:endParaRPr>
-          </a:p>
-          <a:p>
-            <a:pPr marL="0" indent="0">
-              <a:buNone/>
-            </a:pPr>
             <a:r>
               <a:rPr lang="en-US" dirty="0">
                 <a:latin typeface="Gill Sans MT" panose="020B0502020104020203" pitchFamily="34" charset="77"/>
               </a:rPr>
-              <a:t>The function str() can be construct string objects from integer or float literals.</a:t>
+              <a:t>f-Strings is the new way to format strings in Python. (v 3.6)</a:t>
             </a:r>
           </a:p>
           <a:p>
@@ -4186,98 +4428,192 @@
               <a:buNone/>
             </a:pPr>
             <a:r>
-              <a:rPr lang="en-US" sz="2000" b="1" dirty="0">
-                <a:solidFill>
-                  <a:srgbClr val="34A327"/>
-                </a:solidFill>
-                <a:latin typeface="Inconsolata Medium" panose="020B0609030003000000" pitchFamily="49" charset="77"/>
-              </a:rPr>
-              <a:t>In [</a:t>
-            </a:r>
-            <a:r>
-              <a:rPr lang="en-US" sz="2000" b="1" dirty="0">
-                <a:solidFill>
-                  <a:srgbClr val="2EE721"/>
-                </a:solidFill>
-                <a:latin typeface="Inconsolata Medium" panose="020B0609030003000000" pitchFamily="49" charset="77"/>
-              </a:rPr>
-              <a:t>1</a:t>
-            </a:r>
-            <a:r>
-              <a:rPr lang="en-US" sz="2000" b="1" dirty="0">
-                <a:solidFill>
-                  <a:srgbClr val="34A327"/>
-                </a:solidFill>
+              <a:rPr lang="en-US" b="1" dirty="0">
+                <a:solidFill>
+                  <a:srgbClr val="000087"/>
+                </a:solidFill>
+                <a:latin typeface="Inconsolata Medium" panose="020B0609030003000000" pitchFamily="49" charset="77"/>
+              </a:rPr>
+              <a:t>In </a:t>
+            </a:r>
+            <a:r>
+              <a:rPr lang="en-US" b="1" dirty="0">
+                <a:latin typeface="Inconsolata Medium" panose="020B0609030003000000" pitchFamily="49" charset="77"/>
+              </a:rPr>
+              <a:t>[</a:t>
+            </a:r>
+            <a:r>
+              <a:rPr lang="en-US" b="1" dirty="0">
+                <a:solidFill>
+                  <a:srgbClr val="FF6600"/>
+                </a:solidFill>
+                <a:latin typeface="Inconsolata Medium" panose="020B0609030003000000" pitchFamily="49" charset="77"/>
+              </a:rPr>
+              <a:t>26</a:t>
+            </a:r>
+            <a:r>
+              <a:rPr lang="en-US" b="1" dirty="0">
                 <a:latin typeface="Inconsolata Medium" panose="020B0609030003000000" pitchFamily="49" charset="77"/>
               </a:rPr>
               <a:t>]: </a:t>
             </a:r>
             <a:r>
-              <a:rPr lang="en-US" sz="2000" b="1" dirty="0">
-                <a:solidFill>
-                  <a:srgbClr val="000000"/>
-                </a:solidFill>
-                <a:latin typeface="Inconsolata Medium" panose="020B0609030003000000" pitchFamily="49" charset="77"/>
-              </a:rPr>
-              <a:t>y = </a:t>
-            </a:r>
-            <a:r>
-              <a:rPr lang="en-US" sz="2000" b="1" dirty="0">
-                <a:solidFill>
-                  <a:srgbClr val="34A327"/>
-                </a:solidFill>
-                <a:latin typeface="Inconsolata Medium" panose="020B0609030003000000" pitchFamily="49" charset="77"/>
-              </a:rPr>
-              <a:t>str</a:t>
-            </a:r>
-            <a:r>
-              <a:rPr lang="en-US" sz="2000" b="1" dirty="0">
-                <a:solidFill>
-                  <a:srgbClr val="000000"/>
-                </a:solidFill>
-                <a:latin typeface="Inconsolata Medium" panose="020B0609030003000000" pitchFamily="49" charset="77"/>
-              </a:rPr>
-              <a:t>(</a:t>
-            </a:r>
-            <a:r>
-              <a:rPr lang="en-US" sz="2000" b="1" dirty="0">
-                <a:solidFill>
-                  <a:srgbClr val="34A327"/>
-                </a:solidFill>
-                <a:latin typeface="Inconsolata Medium" panose="020B0609030003000000" pitchFamily="49" charset="77"/>
-              </a:rPr>
-              <a:t>2</a:t>
-            </a:r>
-            <a:r>
-              <a:rPr lang="en-US" sz="2000" b="1" dirty="0">
-                <a:solidFill>
-                  <a:srgbClr val="000000"/>
-                </a:solidFill>
-                <a:latin typeface="Inconsolata Medium" panose="020B0609030003000000" pitchFamily="49" charset="77"/>
-              </a:rPr>
-              <a:t>)    </a:t>
-            </a:r>
-            <a:r>
-              <a:rPr lang="en-US" sz="2000" b="1" i="1" dirty="0">
-                <a:solidFill>
-                  <a:srgbClr val="779F9F"/>
-                </a:solidFill>
-                <a:latin typeface="Inconsolata Medium" panose="020B0609030003000000" pitchFamily="49" charset="77"/>
-              </a:rPr>
-              <a:t># y will be '2'</a:t>
-            </a:r>
-            <a:r>
-              <a:rPr lang="en-US" sz="2000" b="1" dirty="0">
-                <a:solidFill>
-                  <a:srgbClr val="000000"/>
-                </a:solidFill>
-                <a:latin typeface="Inconsolata Medium" panose="020B0609030003000000" pitchFamily="49" charset="77"/>
-              </a:rPr>
-              <a:t> </a:t>
-            </a:r>
-            <a:endParaRPr lang="en-US" sz="2000" b="1" dirty="0">
+              <a:rPr lang="en-US" b="1" dirty="0">
+                <a:solidFill>
+                  <a:srgbClr val="000087"/>
+                </a:solidFill>
+                <a:latin typeface="Inconsolata Medium" panose="020B0609030003000000" pitchFamily="49" charset="77"/>
+              </a:rPr>
+              <a:t>name = </a:t>
+            </a:r>
+            <a:r>
+              <a:rPr lang="en-US" b="1" dirty="0">
+                <a:solidFill>
+                  <a:srgbClr val="CC3300"/>
+                </a:solidFill>
+                <a:latin typeface="Inconsolata Medium" panose="020B0609030003000000" pitchFamily="49" charset="77"/>
+              </a:rPr>
+              <a:t>“Mike” </a:t>
+            </a:r>
+          </a:p>
+          <a:p>
+            <a:pPr marL="0" indent="0">
+              <a:buNone/>
+            </a:pPr>
+            <a:r>
+              <a:rPr lang="en-US" b="1" dirty="0">
+                <a:solidFill>
+                  <a:srgbClr val="CC3300"/>
+                </a:solidFill>
+                <a:latin typeface="Inconsolata Medium" panose="020B0609030003000000" pitchFamily="49" charset="77"/>
+              </a:rPr>
+              <a:t>	    </a:t>
+            </a:r>
+            <a:r>
+              <a:rPr lang="en-US" b="1" dirty="0" err="1">
+                <a:solidFill>
+                  <a:srgbClr val="000087"/>
+                </a:solidFill>
+                <a:latin typeface="Inconsolata Medium" panose="020B0609030003000000" pitchFamily="49" charset="77"/>
+              </a:rPr>
+              <a:t>gpa</a:t>
+            </a:r>
+            <a:r>
+              <a:rPr lang="en-US" b="1" dirty="0">
+                <a:solidFill>
+                  <a:srgbClr val="000087"/>
+                </a:solidFill>
+                <a:latin typeface="Inconsolata Medium" panose="020B0609030003000000" pitchFamily="49" charset="77"/>
+              </a:rPr>
+              <a:t> = </a:t>
+            </a:r>
+            <a:r>
+              <a:rPr lang="en-US" b="1" dirty="0">
+                <a:solidFill>
+                  <a:srgbClr val="CC3300"/>
+                </a:solidFill>
+                <a:latin typeface="Inconsolata Medium" panose="020B0609030003000000" pitchFamily="49" charset="77"/>
+              </a:rPr>
+              <a:t>3.2 	</a:t>
+            </a:r>
+          </a:p>
+          <a:p>
+            <a:pPr marL="0" indent="0">
+              <a:buNone/>
+            </a:pPr>
+            <a:r>
+              <a:rPr lang="en-US" b="1" dirty="0">
+                <a:solidFill>
+                  <a:srgbClr val="CC3300"/>
+                </a:solidFill>
+                <a:latin typeface="Inconsolata Medium" panose="020B0609030003000000" pitchFamily="49" charset="77"/>
+              </a:rPr>
+              <a:t>         </a:t>
+            </a:r>
+            <a:r>
+              <a:rPr lang="en-US" b="1" dirty="0" err="1">
+                <a:solidFill>
+                  <a:srgbClr val="000087"/>
+                </a:solidFill>
+                <a:latin typeface="Inconsolata Medium" panose="020B0609030003000000" pitchFamily="49" charset="77"/>
+              </a:rPr>
+              <a:t>f_str</a:t>
+            </a:r>
+            <a:r>
+              <a:rPr lang="en-US" b="1" dirty="0">
+                <a:solidFill>
+                  <a:srgbClr val="000087"/>
+                </a:solidFill>
+                <a:latin typeface="Inconsolata Medium" panose="020B0609030003000000" pitchFamily="49" charset="77"/>
+              </a:rPr>
+              <a:t> = </a:t>
+            </a:r>
+            <a:r>
+              <a:rPr lang="en-US" b="1" dirty="0" err="1">
+                <a:solidFill>
+                  <a:srgbClr val="000087"/>
+                </a:solidFill>
+                <a:latin typeface="Inconsolata Medium" panose="020B0609030003000000" pitchFamily="49" charset="77"/>
+              </a:rPr>
+              <a:t>f</a:t>
+            </a:r>
+            <a:r>
+              <a:rPr lang="en-US" b="1" dirty="0" err="1">
+                <a:solidFill>
+                  <a:srgbClr val="CC3300"/>
+                </a:solidFill>
+                <a:latin typeface="Inconsolata Medium" panose="020B0609030003000000" pitchFamily="49" charset="77"/>
+              </a:rPr>
+              <a:t>“I</a:t>
+            </a:r>
+            <a:r>
+              <a:rPr lang="en-US" b="1" dirty="0">
+                <a:solidFill>
+                  <a:srgbClr val="CC3300"/>
+                </a:solidFill>
+                <a:latin typeface="Inconsolata Medium" panose="020B0609030003000000" pitchFamily="49" charset="77"/>
+              </a:rPr>
+              <a:t> am {name} with a {</a:t>
+            </a:r>
+            <a:r>
+              <a:rPr lang="en-US" b="1" dirty="0" err="1">
+                <a:solidFill>
+                  <a:srgbClr val="CC3300"/>
+                </a:solidFill>
+                <a:latin typeface="Inconsolata Medium" panose="020B0609030003000000" pitchFamily="49" charset="77"/>
+              </a:rPr>
+              <a:t>gpa</a:t>
+            </a:r>
+            <a:r>
+              <a:rPr lang="en-US" b="1" dirty="0">
+                <a:solidFill>
+                  <a:srgbClr val="CC3300"/>
+                </a:solidFill>
+                <a:latin typeface="Inconsolata Medium" panose="020B0609030003000000" pitchFamily="49" charset="77"/>
+              </a:rPr>
+              <a:t>} </a:t>
+            </a:r>
+            <a:r>
+              <a:rPr lang="en-US" b="1" dirty="0" err="1">
+                <a:solidFill>
+                  <a:srgbClr val="CC3300"/>
+                </a:solidFill>
+                <a:latin typeface="Inconsolata Medium" panose="020B0609030003000000" pitchFamily="49" charset="77"/>
+              </a:rPr>
+              <a:t>gpa</a:t>
+            </a:r>
+            <a:r>
+              <a:rPr lang="en-US" b="1" dirty="0">
+                <a:solidFill>
+                  <a:srgbClr val="CC3300"/>
+                </a:solidFill>
+                <a:latin typeface="Inconsolata Medium" panose="020B0609030003000000" pitchFamily="49" charset="77"/>
+              </a:rPr>
+              <a:t>.”  </a:t>
+            </a:r>
+            <a:endParaRPr lang="en-US" b="1" dirty="0">
               <a:solidFill>
-                <a:srgbClr val="779F9F"/>
+                <a:srgbClr val="000087"/>
               </a:solidFill>
               <a:latin typeface="Inconsolata Medium" panose="020B0609030003000000" pitchFamily="49" charset="77"/>
             </a:endParaRPr>
@@ -4287,74 +4623,78 @@
               <a:buNone/>
             </a:pPr>
             <a:r>
-              <a:rPr lang="en-US" sz="2000" b="1" dirty="0">
-                <a:solidFill>
-                  <a:srgbClr val="34A327"/>
-                </a:solidFill>
-                <a:latin typeface="Inconsolata Medium" panose="020B0609030003000000" pitchFamily="49" charset="77"/>
-              </a:rPr>
-              <a:t>        </a:t>
-            </a:r>
-            <a:r>
-              <a:rPr lang="en-US" sz="2000" b="1" dirty="0">
-                <a:solidFill>
-                  <a:srgbClr val="000000"/>
-                </a:solidFill>
-                <a:latin typeface="Inconsolata Medium" panose="020B0609030003000000" pitchFamily="49" charset="77"/>
-              </a:rPr>
-              <a:t>z = </a:t>
-            </a:r>
-            <a:r>
-              <a:rPr lang="en-US" sz="2000" b="1" dirty="0">
-                <a:solidFill>
-                  <a:srgbClr val="34A327"/>
-                </a:solidFill>
-                <a:latin typeface="Inconsolata Medium" panose="020B0609030003000000" pitchFamily="49" charset="77"/>
-              </a:rPr>
-              <a:t>str</a:t>
-            </a:r>
-            <a:r>
-              <a:rPr lang="en-US" sz="2000" b="1" dirty="0">
-                <a:solidFill>
-                  <a:srgbClr val="000000"/>
-                </a:solidFill>
-                <a:latin typeface="Inconsolata Medium" panose="020B0609030003000000" pitchFamily="49" charset="77"/>
-              </a:rPr>
-              <a:t>(</a:t>
-            </a:r>
-            <a:r>
-              <a:rPr lang="en-US" sz="2000" b="1" dirty="0">
-                <a:solidFill>
-                  <a:srgbClr val="34A327"/>
-                </a:solidFill>
-                <a:latin typeface="Inconsolata Medium" panose="020B0609030003000000" pitchFamily="49" charset="77"/>
-              </a:rPr>
-              <a:t>3.0</a:t>
-            </a:r>
-            <a:r>
-              <a:rPr lang="en-US" sz="2000" b="1" dirty="0">
-                <a:solidFill>
-                  <a:srgbClr val="000000"/>
-                </a:solidFill>
-                <a:latin typeface="Inconsolata Medium" panose="020B0609030003000000" pitchFamily="49" charset="77"/>
-              </a:rPr>
-              <a:t>)  </a:t>
-            </a:r>
-            <a:r>
-              <a:rPr lang="en-US" sz="2000" b="1" i="1" dirty="0">
-                <a:solidFill>
-                  <a:srgbClr val="779F9F"/>
-                </a:solidFill>
-                <a:latin typeface="Inconsolata Medium" panose="020B0609030003000000" pitchFamily="49" charset="77"/>
-              </a:rPr>
-              <a:t># z will be '3.0'</a:t>
-            </a:r>
-            <a:endParaRPr lang="en-US" sz="2000" b="1" dirty="0">
-              <a:solidFill>
-                <a:srgbClr val="779F9F"/>
-              </a:solidFill>
-              <a:latin typeface="Inconsolata Medium" panose="020B0609030003000000" pitchFamily="49" charset="77"/>
-            </a:endParaRPr>
+              <a:rPr lang="en-US" b="1" dirty="0">
+                <a:solidFill>
+                  <a:srgbClr val="33566B"/>
+                </a:solidFill>
+                <a:latin typeface="Inconsolata Medium" panose="020B0609030003000000" pitchFamily="49" charset="77"/>
+              </a:rPr>
+              <a:t>	    </a:t>
+            </a:r>
+            <a:r>
+              <a:rPr lang="en-US" b="1" dirty="0">
+                <a:solidFill>
+                  <a:srgbClr val="000087"/>
+                </a:solidFill>
+                <a:latin typeface="Inconsolata Medium" panose="020B0609030003000000" pitchFamily="49" charset="77"/>
+              </a:rPr>
+              <a:t>print(</a:t>
+            </a:r>
+            <a:r>
+              <a:rPr lang="en-US" b="1" dirty="0" err="1">
+                <a:solidFill>
+                  <a:srgbClr val="000087"/>
+                </a:solidFill>
+                <a:latin typeface="Inconsolata Medium" panose="020B0609030003000000" pitchFamily="49" charset="77"/>
+              </a:rPr>
+              <a:t>f_str</a:t>
+            </a:r>
+            <a:r>
+              <a:rPr lang="en-US" b="1" dirty="0">
+                <a:solidFill>
+                  <a:srgbClr val="000087"/>
+                </a:solidFill>
+                <a:latin typeface="Inconsolata Medium" panose="020B0609030003000000" pitchFamily="49" charset="77"/>
+              </a:rPr>
+              <a:t>)</a:t>
+            </a:r>
+            <a:r>
+              <a:rPr lang="en-US" b="1" dirty="0">
+                <a:latin typeface="Inconsolata Medium" panose="020B0609030003000000" pitchFamily="49" charset="77"/>
+              </a:rPr>
+              <a:t> </a:t>
+            </a:r>
+          </a:p>
+          <a:p>
+            <a:pPr marL="0" indent="0">
+              <a:buNone/>
+            </a:pPr>
+            <a:endParaRPr lang="en-US" b="1" dirty="0">
+              <a:latin typeface="Inconsolata Medium" panose="020B0609030003000000" pitchFamily="49" charset="77"/>
+            </a:endParaRPr>
+          </a:p>
+          <a:p>
+            <a:pPr marL="0" indent="0">
+              <a:buNone/>
+            </a:pPr>
+            <a:r>
+              <a:rPr lang="en-US" b="1" dirty="0">
+                <a:latin typeface="Inconsolata Medium" panose="020B0609030003000000" pitchFamily="49" charset="77"/>
+              </a:rPr>
+              <a:t>Out [26]: ‘I am Mike with a 3.2 </a:t>
+            </a:r>
+            <a:r>
+              <a:rPr lang="en-US" b="1" dirty="0" err="1">
+                <a:latin typeface="Inconsolata Medium" panose="020B0609030003000000" pitchFamily="49" charset="77"/>
+              </a:rPr>
+              <a:t>gpa</a:t>
+            </a:r>
+            <a:r>
+              <a:rPr lang="en-US" b="1" dirty="0">
+                <a:latin typeface="Inconsolata Medium" panose="020B0609030003000000" pitchFamily="49" charset="77"/>
+              </a:rPr>
+              <a:t>.' </a:t>
+            </a:r>
           </a:p>
           <a:p>
             <a:pPr marL="0" indent="0">
@@ -4369,7 +4709,7 @@
     </p:spTree>
     <p:extLst>
       <p:ext uri="{BB962C8B-B14F-4D97-AF65-F5344CB8AC3E}">
-        <p14:creationId xmlns:p14="http://schemas.microsoft.com/office/powerpoint/2010/main" val="450853280"/>
+        <p14:creationId xmlns:p14="http://schemas.microsoft.com/office/powerpoint/2010/main" val="847072393"/>
       </p:ext>
     </p:extLst>
   </p:cSld>
@@ -4424,7 +4764,7 @@
           <a:p>
             <a:r>
               <a:rPr lang="en-US" dirty="0"/>
-              <a:t>Special Characters</a:t>
+              <a:t>f-Strings Precision</a:t>
             </a:r>
           </a:p>
         </p:txBody>
@@ -4448,7 +4788,7 @@
         <p:spPr>
           <a:xfrm>
             <a:off x="483848" y="1150913"/>
-            <a:ext cx="8497782" cy="4440590"/>
+            <a:ext cx="8051725" cy="4440590"/>
           </a:xfrm>
         </p:spPr>
         <p:txBody>
@@ -4460,18 +4800,266 @@
             <a:pPr marL="0" indent="0">
               <a:buNone/>
             </a:pPr>
-            <a:r>
-              <a:rPr lang="en-US" dirty="0">
-                <a:latin typeface="Gill Sans MT" panose="020B0502020104020203" pitchFamily="34" charset="77"/>
-              </a:rPr>
-              <a:t>It is not valid syntax to have a single quote inside of a single quoted string. </a:t>
-            </a:r>
-            <a:endParaRPr lang="en-US" sz="2000" dirty="0">
+            <a:endParaRPr lang="en-US" sz="1900" b="1" dirty="0">
               <a:solidFill>
-                <a:srgbClr val="34A327"/>
+                <a:srgbClr val="000087"/>
               </a:solidFill>
-              <a:latin typeface="Menlo" panose="020B0609030804020204" pitchFamily="49" charset="0"/>
-            </a:endParaRPr>
+              <a:latin typeface="Inconsolata Medium" panose="020B0609030003000000" pitchFamily="49" charset="77"/>
+            </a:endParaRPr>
+          </a:p>
+          <a:p>
+            <a:pPr marL="0" indent="0">
+              <a:buNone/>
+            </a:pPr>
+            <a:r>
+              <a:rPr lang="en-US" b="1" dirty="0">
+                <a:solidFill>
+                  <a:srgbClr val="000087"/>
+                </a:solidFill>
+                <a:latin typeface="Inconsolata Medium" panose="020B0609030003000000" pitchFamily="49" charset="77"/>
+              </a:rPr>
+              <a:t>In </a:t>
+            </a:r>
+            <a:r>
+              <a:rPr lang="en-US" b="1" dirty="0">
+                <a:latin typeface="Inconsolata Medium" panose="020B0609030003000000" pitchFamily="49" charset="77"/>
+              </a:rPr>
+              <a:t>[</a:t>
+            </a:r>
+            <a:r>
+              <a:rPr lang="en-US" b="1" dirty="0">
+                <a:solidFill>
+                  <a:srgbClr val="FF6600"/>
+                </a:solidFill>
+                <a:latin typeface="Inconsolata Medium" panose="020B0609030003000000" pitchFamily="49" charset="77"/>
+              </a:rPr>
+              <a:t>26</a:t>
+            </a:r>
+            <a:r>
+              <a:rPr lang="en-US" b="1" dirty="0">
+                <a:latin typeface="Inconsolata Medium" panose="020B0609030003000000" pitchFamily="49" charset="77"/>
+              </a:rPr>
+              <a:t>]: import math</a:t>
+            </a:r>
+            <a:r>
+              <a:rPr lang="en-US" b="1" dirty="0">
+                <a:solidFill>
+                  <a:srgbClr val="CC3300"/>
+                </a:solidFill>
+                <a:latin typeface="Inconsolata Medium" panose="020B0609030003000000" pitchFamily="49" charset="77"/>
+              </a:rPr>
+              <a:t> </a:t>
+            </a:r>
+          </a:p>
+          <a:p>
+            <a:pPr marL="0" indent="0">
+              <a:buNone/>
+            </a:pPr>
+            <a:r>
+              <a:rPr lang="en-US" b="1" dirty="0">
+                <a:solidFill>
+                  <a:srgbClr val="CC3300"/>
+                </a:solidFill>
+                <a:latin typeface="Inconsolata Medium" panose="020B0609030003000000" pitchFamily="49" charset="77"/>
+              </a:rPr>
+              <a:t>	    </a:t>
+            </a:r>
+            <a:r>
+              <a:rPr lang="en-US" b="1" dirty="0">
+                <a:solidFill>
+                  <a:srgbClr val="000087"/>
+                </a:solidFill>
+                <a:latin typeface="Inconsolata Medium" panose="020B0609030003000000" pitchFamily="49" charset="77"/>
+              </a:rPr>
+              <a:t>x = </a:t>
+            </a:r>
+            <a:r>
+              <a:rPr lang="en-US" b="1" dirty="0" err="1">
+                <a:solidFill>
+                  <a:srgbClr val="CC3300"/>
+                </a:solidFill>
+                <a:latin typeface="Inconsolata Medium" panose="020B0609030003000000" pitchFamily="49" charset="77"/>
+              </a:rPr>
+              <a:t>math.pi</a:t>
+            </a:r>
+            <a:r>
+              <a:rPr lang="en-US" b="1" dirty="0">
+                <a:solidFill>
+                  <a:srgbClr val="CC3300"/>
+                </a:solidFill>
+                <a:latin typeface="Inconsolata Medium" panose="020B0609030003000000" pitchFamily="49" charset="77"/>
+              </a:rPr>
+              <a:t> </a:t>
+            </a:r>
+          </a:p>
+          <a:p>
+            <a:pPr marL="0" indent="0">
+              <a:buNone/>
+            </a:pPr>
+            <a:r>
+              <a:rPr lang="en-US" b="1" dirty="0">
+                <a:solidFill>
+                  <a:srgbClr val="CC3300"/>
+                </a:solidFill>
+                <a:latin typeface="Inconsolata Medium" panose="020B0609030003000000" pitchFamily="49" charset="77"/>
+              </a:rPr>
+              <a:t>         </a:t>
+            </a:r>
+            <a:r>
+              <a:rPr lang="en-US" b="1" dirty="0">
+                <a:solidFill>
+                  <a:srgbClr val="000087"/>
+                </a:solidFill>
+                <a:latin typeface="Inconsolata Medium" panose="020B0609030003000000" pitchFamily="49" charset="77"/>
+              </a:rPr>
+              <a:t>print(f</a:t>
+            </a:r>
+            <a:r>
+              <a:rPr lang="en-US" b="1" dirty="0">
+                <a:solidFill>
+                  <a:srgbClr val="CC3300"/>
+                </a:solidFill>
+                <a:latin typeface="Inconsolata Medium" panose="020B0609030003000000" pitchFamily="49" charset="77"/>
+              </a:rPr>
+              <a:t>“{x}”</a:t>
+            </a:r>
+            <a:r>
+              <a:rPr lang="en-US" b="1" dirty="0">
+                <a:solidFill>
+                  <a:srgbClr val="000087"/>
+                </a:solidFill>
+                <a:latin typeface="Inconsolata Medium" panose="020B0609030003000000" pitchFamily="49" charset="77"/>
+              </a:rPr>
+              <a:t>)</a:t>
+            </a:r>
+            <a:r>
+              <a:rPr lang="en-US" b="1" dirty="0">
+                <a:solidFill>
+                  <a:srgbClr val="CC3300"/>
+                </a:solidFill>
+                <a:latin typeface="Inconsolata Medium" panose="020B0609030003000000" pitchFamily="49" charset="77"/>
+              </a:rPr>
+              <a:t> 	</a:t>
+            </a:r>
+          </a:p>
+          <a:p>
+            <a:pPr marL="0" indent="0">
+              <a:buNone/>
+            </a:pPr>
+            <a:r>
+              <a:rPr lang="en-US" b="1" dirty="0">
+                <a:solidFill>
+                  <a:srgbClr val="CC3300"/>
+                </a:solidFill>
+                <a:latin typeface="Inconsolata Medium" panose="020B0609030003000000" pitchFamily="49" charset="77"/>
+              </a:rPr>
+              <a:t>         </a:t>
+            </a:r>
+            <a:r>
+              <a:rPr lang="en-US" b="1" dirty="0">
+                <a:solidFill>
+                  <a:srgbClr val="000087"/>
+                </a:solidFill>
+                <a:latin typeface="Inconsolata Medium" panose="020B0609030003000000" pitchFamily="49" charset="77"/>
+              </a:rPr>
+              <a:t>print(f</a:t>
+            </a:r>
+            <a:r>
+              <a:rPr lang="en-US" b="1" dirty="0">
+                <a:solidFill>
+                  <a:srgbClr val="CC3300"/>
+                </a:solidFill>
+                <a:latin typeface="Inconsolata Medium" panose="020B0609030003000000" pitchFamily="49" charset="77"/>
+              </a:rPr>
+              <a:t>“{x:.2f}”</a:t>
+            </a:r>
+            <a:r>
+              <a:rPr lang="en-US" b="1" dirty="0">
+                <a:solidFill>
+                  <a:srgbClr val="000087"/>
+                </a:solidFill>
+                <a:latin typeface="Inconsolata Medium" panose="020B0609030003000000" pitchFamily="49" charset="77"/>
+              </a:rPr>
+              <a:t>)</a:t>
+            </a:r>
+            <a:r>
+              <a:rPr lang="en-US" b="1" dirty="0">
+                <a:solidFill>
+                  <a:srgbClr val="CC3300"/>
+                </a:solidFill>
+                <a:latin typeface="Inconsolata Medium" panose="020B0609030003000000" pitchFamily="49" charset="77"/>
+              </a:rPr>
+              <a:t> </a:t>
+            </a:r>
+          </a:p>
+          <a:p>
+            <a:pPr marL="0" indent="0">
+              <a:buNone/>
+            </a:pPr>
+            <a:r>
+              <a:rPr lang="en-US" b="1" dirty="0">
+                <a:solidFill>
+                  <a:srgbClr val="CC3300"/>
+                </a:solidFill>
+                <a:latin typeface="Inconsolata Medium" panose="020B0609030003000000" pitchFamily="49" charset="77"/>
+              </a:rPr>
+              <a:t>         </a:t>
+            </a:r>
+            <a:r>
+              <a:rPr lang="en-US" b="1" dirty="0">
+                <a:solidFill>
+                  <a:srgbClr val="000087"/>
+                </a:solidFill>
+                <a:latin typeface="Inconsolata Medium" panose="020B0609030003000000" pitchFamily="49" charset="77"/>
+              </a:rPr>
+              <a:t>print(f</a:t>
+            </a:r>
+            <a:r>
+              <a:rPr lang="en-US" b="1" dirty="0">
+                <a:solidFill>
+                  <a:srgbClr val="CC3300"/>
+                </a:solidFill>
+                <a:latin typeface="Inconsolata Medium" panose="020B0609030003000000" pitchFamily="49" charset="77"/>
+              </a:rPr>
+              <a:t>“{x:.3f}”</a:t>
+            </a:r>
+            <a:r>
+              <a:rPr lang="en-US" b="1" dirty="0">
+                <a:solidFill>
+                  <a:srgbClr val="000087"/>
+                </a:solidFill>
+                <a:latin typeface="Inconsolata Medium" panose="020B0609030003000000" pitchFamily="49" charset="77"/>
+              </a:rPr>
+              <a:t>)</a:t>
+            </a:r>
+            <a:r>
+              <a:rPr lang="en-US" b="1" dirty="0">
+                <a:solidFill>
+                  <a:srgbClr val="CC3300"/>
+                </a:solidFill>
+                <a:latin typeface="Inconsolata Medium" panose="020B0609030003000000" pitchFamily="49" charset="77"/>
+              </a:rPr>
+              <a:t> </a:t>
+            </a:r>
+          </a:p>
+          <a:p>
+            <a:pPr marL="0" indent="0">
+              <a:buNone/>
+            </a:pPr>
+            <a:endParaRPr lang="en-US" b="1" dirty="0">
+              <a:latin typeface="Inconsolata Medium" panose="020B0609030003000000" pitchFamily="49" charset="77"/>
+            </a:endParaRPr>
+          </a:p>
+          <a:p>
+            <a:pPr marL="0" indent="0">
+              <a:buNone/>
+            </a:pPr>
+            <a:r>
+              <a:rPr lang="en-US" b="1" dirty="0">
+                <a:latin typeface="Inconsolata Medium" panose="020B0609030003000000" pitchFamily="49" charset="77"/>
+              </a:rPr>
+              <a:t>3.141592653589793</a:t>
+            </a:r>
           </a:p>
           <a:p>
             <a:pPr marL="0" indent="0">
@@ -4479,266 +5067,21 @@
             </a:pPr>
             <a:r>
               <a:rPr lang="en-US" sz="2000" b="1" dirty="0">
-                <a:solidFill>
-                  <a:srgbClr val="34A327"/>
-                </a:solidFill>
-                <a:latin typeface="Inconsolata Medium" panose="020B0609030003000000" pitchFamily="49" charset="77"/>
-              </a:rPr>
-              <a:t>In [</a:t>
-            </a:r>
+                <a:latin typeface="Inconsolata Medium" panose="020B0609030003000000" pitchFamily="49" charset="77"/>
+              </a:rPr>
+              <a:t>3.14</a:t>
+            </a:r>
+          </a:p>
+          <a:p>
+            <a:pPr marL="0" indent="0">
+              <a:buNone/>
+            </a:pPr>
             <a:r>
               <a:rPr lang="en-US" sz="2000" b="1" dirty="0">
-                <a:solidFill>
-                  <a:srgbClr val="2EE721"/>
-                </a:solidFill>
-                <a:latin typeface="Inconsolata Medium" panose="020B0609030003000000" pitchFamily="49" charset="77"/>
-              </a:rPr>
-              <a:t>1</a:t>
-            </a:r>
-            <a:r>
-              <a:rPr lang="en-US" sz="2000" b="1" dirty="0">
-                <a:solidFill>
-                  <a:srgbClr val="34A327"/>
-                </a:solidFill>
-                <a:latin typeface="Inconsolata Medium" panose="020B0609030003000000" pitchFamily="49" charset="77"/>
-              </a:rPr>
-              <a:t>]: </a:t>
-            </a:r>
-            <a:r>
-              <a:rPr lang="en-US" sz="2000" b="1" dirty="0">
-                <a:solidFill>
-                  <a:srgbClr val="CD7923"/>
-                </a:solidFill>
-                <a:latin typeface="Inconsolata Medium" panose="020B0609030003000000" pitchFamily="49" charset="77"/>
-              </a:rPr>
-              <a:t>‘that’s not legal’</a:t>
-            </a:r>
-            <a:r>
-              <a:rPr lang="en-US" sz="2000" b="1" dirty="0">
-                <a:solidFill>
-                  <a:srgbClr val="000000"/>
-                </a:solidFill>
-                <a:latin typeface="Inconsolata Medium" panose="020B0609030003000000" pitchFamily="49" charset="77"/>
-              </a:rPr>
-              <a:t>                       </a:t>
-            </a:r>
-          </a:p>
-          <a:p>
-            <a:pPr marL="0" indent="0">
-              <a:buNone/>
-            </a:pPr>
-            <a:r>
-              <a:rPr lang="en-US" sz="2000" b="1" dirty="0">
-                <a:solidFill>
-                  <a:srgbClr val="33BBC8"/>
-                </a:solidFill>
-                <a:latin typeface="Inconsolata Medium" panose="020B0609030003000000" pitchFamily="49" charset="77"/>
-              </a:rPr>
-              <a:t>  File </a:t>
-            </a:r>
-            <a:r>
-              <a:rPr lang="en-US" sz="2000" b="1" dirty="0">
-                <a:solidFill>
-                  <a:srgbClr val="34BC26"/>
-                </a:solidFill>
-                <a:latin typeface="Inconsolata Medium" panose="020B0609030003000000" pitchFamily="49" charset="77"/>
-              </a:rPr>
-              <a:t>"&lt;ipython-input-7-2762381d46b7&gt;"</a:t>
-            </a:r>
-            <a:r>
-              <a:rPr lang="en-US" sz="2000" b="1" dirty="0">
-                <a:solidFill>
-                  <a:srgbClr val="33BBC8"/>
-                </a:solidFill>
-                <a:latin typeface="Inconsolata Medium" panose="020B0609030003000000" pitchFamily="49" charset="77"/>
-              </a:rPr>
-              <a:t>, line </a:t>
-            </a:r>
-            <a:r>
-              <a:rPr lang="en-US" sz="2000" b="1" dirty="0">
-                <a:solidFill>
-                  <a:srgbClr val="34BC26"/>
-                </a:solidFill>
-                <a:latin typeface="Inconsolata Medium" panose="020B0609030003000000" pitchFamily="49" charset="77"/>
-              </a:rPr>
-              <a:t>1</a:t>
-            </a:r>
-          </a:p>
-          <a:p>
-            <a:pPr marL="0" indent="0">
-              <a:buNone/>
-            </a:pPr>
-            <a:r>
-              <a:rPr lang="en-US" sz="2000" b="1" dirty="0">
-                <a:solidFill>
-                  <a:srgbClr val="C33720"/>
-                </a:solidFill>
-                <a:latin typeface="Inconsolata Medium" panose="020B0609030003000000" pitchFamily="49" charset="77"/>
-              </a:rPr>
-              <a:t>    'that's not legal'</a:t>
-            </a:r>
-          </a:p>
-          <a:p>
-            <a:pPr marL="0" indent="0">
-              <a:buNone/>
-            </a:pPr>
-            <a:r>
-              <a:rPr lang="en-US" sz="2000" b="1" dirty="0">
-                <a:solidFill>
-                  <a:srgbClr val="000000"/>
-                </a:solidFill>
-                <a:latin typeface="Inconsolata Medium" panose="020B0609030003000000" pitchFamily="49" charset="77"/>
-              </a:rPr>
-              <a:t>          ^</a:t>
-            </a:r>
-          </a:p>
-          <a:p>
-            <a:pPr marL="0" indent="0">
-              <a:buNone/>
-            </a:pPr>
-            <a:r>
-              <a:rPr lang="en-US" sz="2000" b="1" dirty="0" err="1">
-                <a:solidFill>
-                  <a:srgbClr val="C33720"/>
-                </a:solidFill>
-                <a:latin typeface="Inconsolata Medium" panose="020B0609030003000000" pitchFamily="49" charset="77"/>
-              </a:rPr>
-              <a:t>SyntaxError</a:t>
-            </a:r>
-            <a:r>
-              <a:rPr lang="en-US" sz="2000" b="1" dirty="0">
-                <a:solidFill>
-                  <a:srgbClr val="C33720"/>
-                </a:solidFill>
-                <a:latin typeface="Inconsolata Medium" panose="020B0609030003000000" pitchFamily="49" charset="77"/>
-              </a:rPr>
-              <a:t>:</a:t>
-            </a:r>
-            <a:r>
-              <a:rPr lang="en-US" sz="2000" b="1" dirty="0">
-                <a:solidFill>
-                  <a:srgbClr val="000000"/>
-                </a:solidFill>
-                <a:latin typeface="Inconsolata Medium" panose="020B0609030003000000" pitchFamily="49" charset="77"/>
-              </a:rPr>
-              <a:t> invalid syntax</a:t>
-            </a:r>
-          </a:p>
-          <a:p>
-            <a:pPr marL="0" indent="0">
-              <a:buNone/>
-            </a:pPr>
-            <a:endParaRPr lang="en-US" sz="1900" b="1" dirty="0">
-              <a:latin typeface="Inconsolata Medium" panose="020B0609030003000000" pitchFamily="49" charset="77"/>
-            </a:endParaRPr>
-          </a:p>
-          <a:p>
-            <a:pPr marL="0" indent="0">
-              <a:buNone/>
-            </a:pPr>
-            <a:r>
-              <a:rPr lang="en-US" sz="1900" b="1" dirty="0">
-                <a:latin typeface="Inconsolata Medium" panose="020B0609030003000000" pitchFamily="49" charset="77"/>
-              </a:rPr>
-              <a:t>Instead, we can use double quotes outside the string.</a:t>
-            </a:r>
-          </a:p>
-          <a:p>
-            <a:pPr marL="0" indent="0">
-              <a:buNone/>
-            </a:pPr>
-            <a:endParaRPr lang="en-US" sz="1700" b="1" dirty="0">
-              <a:solidFill>
-                <a:srgbClr val="34A327"/>
-              </a:solidFill>
-              <a:latin typeface="Inconsolata Medium" panose="020B0609030003000000" pitchFamily="49" charset="77"/>
-            </a:endParaRPr>
-          </a:p>
-          <a:p>
-            <a:pPr marL="0" indent="0">
-              <a:buNone/>
-            </a:pPr>
-            <a:r>
-              <a:rPr lang="en-US" sz="1700" b="1" dirty="0">
-                <a:solidFill>
-                  <a:srgbClr val="34A327"/>
-                </a:solidFill>
-                <a:latin typeface="Inconsolata Medium" panose="020B0609030003000000" pitchFamily="49" charset="77"/>
-              </a:rPr>
-              <a:t>In [2]: print(</a:t>
-            </a:r>
-            <a:r>
-              <a:rPr lang="en-US" sz="1700" b="1" dirty="0">
-                <a:solidFill>
-                  <a:srgbClr val="CD7923"/>
-                </a:solidFill>
-                <a:latin typeface="Inconsolata Medium" panose="020B0609030003000000" pitchFamily="49" charset="77"/>
-              </a:rPr>
-              <a:t>“It’s legal to do this.”, ‘And he said, “This is ok.”’</a:t>
-            </a:r>
-            <a:r>
-              <a:rPr lang="en-US" sz="1700" b="1" dirty="0">
-                <a:solidFill>
-                  <a:srgbClr val="34A327"/>
-                </a:solidFill>
-                <a:latin typeface="Inconsolata Medium" panose="020B0609030003000000" pitchFamily="49" charset="77"/>
-              </a:rPr>
-              <a:t>)</a:t>
-            </a:r>
-            <a:r>
-              <a:rPr lang="en-US" sz="1700" b="1" dirty="0">
-                <a:solidFill>
-                  <a:srgbClr val="CD7923"/>
-                </a:solidFill>
-                <a:latin typeface="Inconsolata Medium" panose="020B0609030003000000" pitchFamily="49" charset="77"/>
-              </a:rPr>
-              <a:t> </a:t>
-            </a:r>
-            <a:r>
-              <a:rPr lang="en-US" sz="1700" b="1" dirty="0">
-                <a:solidFill>
-                  <a:srgbClr val="000000"/>
-                </a:solidFill>
-                <a:latin typeface="Inconsolata Medium" panose="020B0609030003000000" pitchFamily="49" charset="77"/>
-              </a:rPr>
-              <a:t>   </a:t>
-            </a:r>
-          </a:p>
-          <a:p>
-            <a:pPr marL="0" indent="0">
-              <a:buNone/>
-            </a:pPr>
-            <a:r>
-              <a:rPr lang="en-US" sz="1800" b="1" dirty="0">
-                <a:latin typeface="Inconsolata Medium" panose="020B0609030003000000" pitchFamily="49" charset="77"/>
-              </a:rPr>
-              <a:t>It’s legal to do this. And he said, “this is ok.” </a:t>
-            </a:r>
-            <a:endParaRPr lang="en-US" sz="1800" b="1" dirty="0">
-              <a:solidFill>
-                <a:srgbClr val="000000"/>
-              </a:solidFill>
-              <a:latin typeface="Inconsolata Medium" panose="020B0609030003000000" pitchFamily="49" charset="77"/>
-            </a:endParaRPr>
-          </a:p>
-          <a:p>
-            <a:pPr marL="0" indent="0">
-              <a:buNone/>
-            </a:pPr>
-            <a:r>
-              <a:rPr lang="en-US" sz="1800" b="1" dirty="0">
-                <a:solidFill>
-                  <a:srgbClr val="000000"/>
-                </a:solidFill>
-                <a:latin typeface="Inconsolata Medium" panose="020B0609030003000000" pitchFamily="49" charset="77"/>
-              </a:rPr>
-              <a:t>                   </a:t>
-            </a:r>
-          </a:p>
-          <a:p>
-            <a:pPr marL="0" indent="0">
-              <a:buNone/>
-            </a:pPr>
+                <a:latin typeface="Inconsolata Medium" panose="020B0609030003000000" pitchFamily="49" charset="77"/>
+              </a:rPr>
+              <a:t>3.142</a:t>
+            </a:r>
             <a:endParaRPr lang="en-US" sz="1900" b="1" dirty="0">
               <a:latin typeface="Inconsolata Medium" panose="020B0609030003000000" pitchFamily="49" charset="77"/>
             </a:endParaRPr>
@@ -4748,7 +5091,7 @@
     </p:spTree>
     <p:extLst>
       <p:ext uri="{BB962C8B-B14F-4D97-AF65-F5344CB8AC3E}">
-        <p14:creationId xmlns:p14="http://schemas.microsoft.com/office/powerpoint/2010/main" val="3888808614"/>
+        <p14:creationId xmlns:p14="http://schemas.microsoft.com/office/powerpoint/2010/main" val="3060343526"/>
       </p:ext>
     </p:extLst>
   </p:cSld>
@@ -4803,7 +5146,7 @@
           <a:p>
             <a:r>
               <a:rPr lang="en-US" dirty="0"/>
-              <a:t>Escape Sequence</a:t>
+              <a:t>str()</a:t>
             </a:r>
           </a:p>
         </p:txBody>
@@ -4827,7 +5170,7 @@
         <p:spPr>
           <a:xfrm>
             <a:off x="483848" y="1150913"/>
-            <a:ext cx="8497782" cy="4440590"/>
+            <a:ext cx="8051725" cy="4440590"/>
           </a:xfrm>
         </p:spPr>
         <p:txBody>
@@ -4837,163 +5180,237 @@
           <a:lstStyle/>
           <a:p>
             <a:pPr marL="0" indent="0">
-              <a:spcBef>
-                <a:spcPts val="600"/>
-              </a:spcBef>
-              <a:buFontTx/>
-              <a:buNone/>
-            </a:pPr>
-            <a:endParaRPr lang="en-GB" altLang="en-US" b="1" dirty="0">
-              <a:ea typeface="ＭＳ Ｐゴシック" panose="020B0600070205080204" pitchFamily="34" charset="-128"/>
-            </a:endParaRPr>
-          </a:p>
-          <a:p>
-            <a:pPr marL="0" indent="0">
-              <a:spcBef>
-                <a:spcPts val="600"/>
-              </a:spcBef>
-              <a:buFontTx/>
-              <a:buNone/>
-            </a:pPr>
-            <a:r>
-              <a:rPr lang="en-GB" altLang="en-US" b="1" dirty="0">
-                <a:ea typeface="ＭＳ Ｐゴシック" panose="020B0600070205080204" pitchFamily="34" charset="-128"/>
-              </a:rPr>
-              <a:t>Escape sequence </a:t>
-            </a:r>
-            <a:r>
-              <a:rPr lang="en-GB" altLang="en-US" dirty="0">
-                <a:ea typeface="ＭＳ Ｐゴシック" panose="020B0600070205080204" pitchFamily="34" charset="-128"/>
-              </a:rPr>
-              <a:t>is a special sequence of characters used to represent certain special characters in a string.</a:t>
-            </a:r>
-            <a:br>
-              <a:rPr lang="en-GB" altLang="en-US" dirty="0">
-                <a:ea typeface="ＭＳ Ｐゴシック" panose="020B0600070205080204" pitchFamily="34" charset="-128"/>
-              </a:rPr>
-            </a:br>
-            <a:endParaRPr lang="en-GB" altLang="en-US" sz="700" dirty="0">
-              <a:ea typeface="ＭＳ Ｐゴシック" panose="020B0600070205080204" pitchFamily="34" charset="-128"/>
-            </a:endParaRPr>
-          </a:p>
-          <a:p>
-            <a:pPr lvl="1">
-              <a:spcBef>
-                <a:spcPts val="500"/>
-              </a:spcBef>
-              <a:buFontTx/>
-              <a:buNone/>
-            </a:pPr>
-            <a:r>
-              <a:rPr lang="en-GB" altLang="en-US" dirty="0">
-                <a:latin typeface="Courier New" panose="02070309020205020404" pitchFamily="49" charset="0"/>
-                <a:ea typeface="ＭＳ Ｐゴシック" panose="020B0600070205080204" pitchFamily="34" charset="-128"/>
-              </a:rPr>
-              <a:t> \n	</a:t>
-            </a:r>
-            <a:r>
-              <a:rPr lang="en-GB" altLang="en-US" dirty="0">
-                <a:ea typeface="ＭＳ Ｐゴシック" panose="020B0600070205080204" pitchFamily="34" charset="-128"/>
-              </a:rPr>
-              <a:t>new line character</a:t>
-            </a:r>
-          </a:p>
-          <a:p>
-            <a:pPr lvl="1">
-              <a:spcBef>
-                <a:spcPts val="500"/>
-              </a:spcBef>
-              <a:buFontTx/>
-              <a:buNone/>
-            </a:pPr>
-            <a:r>
-              <a:rPr lang="en-GB" altLang="en-US" dirty="0">
-                <a:latin typeface="Courier New" panose="02070309020205020404" pitchFamily="49" charset="0"/>
-                <a:ea typeface="ＭＳ Ｐゴシック" panose="020B0600070205080204" pitchFamily="34" charset="-128"/>
-              </a:rPr>
-              <a:t>	\”	</a:t>
-            </a:r>
-            <a:r>
-              <a:rPr lang="en-GB" altLang="en-US" dirty="0">
-                <a:ea typeface="ＭＳ Ｐゴシック" panose="020B0600070205080204" pitchFamily="34" charset="-128"/>
-              </a:rPr>
-              <a:t>double quote</a:t>
-            </a:r>
-          </a:p>
-          <a:p>
-            <a:pPr lvl="1">
-              <a:spcBef>
-                <a:spcPts val="500"/>
-              </a:spcBef>
-              <a:buNone/>
-            </a:pPr>
-            <a:r>
-              <a:rPr lang="en-GB" altLang="en-US" dirty="0">
-                <a:latin typeface="Courier New" panose="02070309020205020404" pitchFamily="49" charset="0"/>
-                <a:ea typeface="ＭＳ Ｐゴシック" panose="020B0600070205080204" pitchFamily="34" charset="-128"/>
-              </a:rPr>
-              <a:t>	\’	</a:t>
-            </a:r>
-            <a:r>
-              <a:rPr lang="en-GB" altLang="en-US" dirty="0">
-                <a:ea typeface="ＭＳ Ｐゴシック" panose="020B0600070205080204" pitchFamily="34" charset="-128"/>
-              </a:rPr>
-              <a:t>single quote</a:t>
-            </a:r>
-          </a:p>
-          <a:p>
-            <a:pPr lvl="1">
-              <a:spcBef>
-                <a:spcPts val="500"/>
-              </a:spcBef>
-              <a:buFontTx/>
-              <a:buNone/>
-            </a:pPr>
-            <a:r>
-              <a:rPr lang="en-GB" altLang="en-US" dirty="0">
-                <a:latin typeface="Courier New" panose="02070309020205020404" pitchFamily="49" charset="0"/>
-                <a:ea typeface="ＭＳ Ｐゴシック" panose="020B0600070205080204" pitchFamily="34" charset="-128"/>
-              </a:rPr>
-              <a:t>	\\	</a:t>
-            </a:r>
-            <a:r>
-              <a:rPr lang="en-GB" altLang="en-US" dirty="0">
-                <a:ea typeface="ＭＳ Ｐゴシック" panose="020B0600070205080204" pitchFamily="34" charset="-128"/>
-              </a:rPr>
-              <a:t>backslash character</a:t>
-            </a:r>
-          </a:p>
-          <a:p>
-            <a:pPr lvl="1">
-              <a:spcBef>
-                <a:spcPts val="500"/>
-              </a:spcBef>
-              <a:buNone/>
-            </a:pPr>
-            <a:r>
-              <a:rPr lang="en-GB" altLang="en-US" dirty="0">
-                <a:latin typeface="Courier New" panose="02070309020205020404" pitchFamily="49" charset="0"/>
-                <a:ea typeface="ＭＳ Ｐゴシック" panose="020B0600070205080204" pitchFamily="34" charset="-128"/>
-              </a:rPr>
-              <a:t>	\t	</a:t>
-            </a:r>
-            <a:r>
-              <a:rPr lang="en-GB" altLang="en-US" dirty="0">
-                <a:ea typeface="ＭＳ Ｐゴシック" panose="020B0600070205080204" pitchFamily="34" charset="-128"/>
-              </a:rPr>
-              <a:t>tab</a:t>
-            </a:r>
-          </a:p>
-          <a:p>
-            <a:pPr lvl="1">
-              <a:spcBef>
-                <a:spcPts val="500"/>
-              </a:spcBef>
-              <a:buFontTx/>
-              <a:buNone/>
-            </a:pPr>
-            <a:endParaRPr lang="en-GB" altLang="en-US" dirty="0">
-              <a:ea typeface="ＭＳ Ｐゴシック" panose="020B0600070205080204" pitchFamily="34" charset="-128"/>
+              <a:buNone/>
+            </a:pPr>
+            <a:endParaRPr lang="en-US" dirty="0">
+              <a:latin typeface="Gill Sans MT" panose="020B0502020104020203" pitchFamily="34" charset="77"/>
+            </a:endParaRPr>
+          </a:p>
+          <a:p>
+            <a:pPr marL="0" indent="0">
+              <a:buNone/>
+            </a:pPr>
+            <a:endParaRPr lang="en-US" dirty="0">
+              <a:latin typeface="Gill Sans MT" panose="020B0502020104020203" pitchFamily="34" charset="77"/>
+            </a:endParaRPr>
+          </a:p>
+          <a:p>
+            <a:pPr marL="0" indent="0">
+              <a:buNone/>
+            </a:pPr>
+            <a:r>
+              <a:rPr lang="en-US" dirty="0">
+                <a:latin typeface="Gill Sans MT" panose="020B0502020104020203" pitchFamily="34" charset="77"/>
+              </a:rPr>
+              <a:t>The function str() can be construct string objects from integer or float literals.</a:t>
+            </a:r>
+          </a:p>
+          <a:p>
+            <a:pPr marL="0" indent="0">
+              <a:buNone/>
+            </a:pPr>
+            <a:endParaRPr lang="en-US" sz="1900" b="1" dirty="0">
+              <a:solidFill>
+                <a:srgbClr val="000087"/>
+              </a:solidFill>
+              <a:latin typeface="Inconsolata Medium" panose="020B0609030003000000" pitchFamily="49" charset="77"/>
+            </a:endParaRPr>
+          </a:p>
+          <a:p>
+            <a:pPr marL="0" indent="0">
+              <a:buNone/>
+            </a:pPr>
+            <a:r>
+              <a:rPr lang="en-US" sz="1900" b="1" dirty="0">
+                <a:solidFill>
+                  <a:srgbClr val="000087"/>
+                </a:solidFill>
+                <a:latin typeface="Inconsolata Medium" panose="020B0609030003000000" pitchFamily="49" charset="77"/>
+              </a:rPr>
+              <a:t> </a:t>
+            </a:r>
+          </a:p>
+          <a:p>
+            <a:pPr marL="0" indent="0">
+              <a:buNone/>
+            </a:pPr>
+            <a:r>
+              <a:rPr lang="en-US" sz="2000" b="1" dirty="0">
+                <a:solidFill>
+                  <a:srgbClr val="34A327"/>
+                </a:solidFill>
+                <a:latin typeface="Inconsolata Medium" panose="020B0609030003000000" pitchFamily="49" charset="77"/>
+              </a:rPr>
+              <a:t>In [</a:t>
+            </a:r>
+            <a:r>
+              <a:rPr lang="en-US" sz="2000" b="1" dirty="0">
+                <a:solidFill>
+                  <a:srgbClr val="2EE721"/>
+                </a:solidFill>
+                <a:latin typeface="Inconsolata Medium" panose="020B0609030003000000" pitchFamily="49" charset="77"/>
+              </a:rPr>
+              <a:t>1</a:t>
+            </a:r>
+            <a:r>
+              <a:rPr lang="en-US" sz="2000" b="1" dirty="0">
+                <a:solidFill>
+                  <a:srgbClr val="34A327"/>
+                </a:solidFill>
+                <a:latin typeface="Inconsolata Medium" panose="020B0609030003000000" pitchFamily="49" charset="77"/>
+              </a:rPr>
+              <a:t>]: </a:t>
+            </a:r>
+            <a:r>
+              <a:rPr lang="en-US" sz="2000" b="1" dirty="0">
+                <a:solidFill>
+                  <a:srgbClr val="000000"/>
+                </a:solidFill>
+                <a:latin typeface="Inconsolata Medium" panose="020B0609030003000000" pitchFamily="49" charset="77"/>
+              </a:rPr>
+              <a:t>y = </a:t>
+            </a:r>
+            <a:r>
+              <a:rPr lang="en-US" sz="2000" b="1" dirty="0">
+                <a:solidFill>
+                  <a:srgbClr val="34A327"/>
+                </a:solidFill>
+                <a:latin typeface="Inconsolata Medium" panose="020B0609030003000000" pitchFamily="49" charset="77"/>
+              </a:rPr>
+              <a:t>str</a:t>
+            </a:r>
+            <a:r>
+              <a:rPr lang="en-US" sz="2000" b="1" dirty="0">
+                <a:solidFill>
+                  <a:srgbClr val="000000"/>
+                </a:solidFill>
+                <a:latin typeface="Inconsolata Medium" panose="020B0609030003000000" pitchFamily="49" charset="77"/>
+              </a:rPr>
+              <a:t>(</a:t>
+            </a:r>
+            <a:r>
+              <a:rPr lang="en-US" sz="2000" b="1" dirty="0">
+                <a:solidFill>
+                  <a:srgbClr val="34A327"/>
+                </a:solidFill>
+                <a:latin typeface="Inconsolata Medium" panose="020B0609030003000000" pitchFamily="49" charset="77"/>
+              </a:rPr>
+              <a:t>2</a:t>
+            </a:r>
+            <a:r>
+              <a:rPr lang="en-US" sz="2000" b="1" dirty="0">
+                <a:solidFill>
+                  <a:srgbClr val="000000"/>
+                </a:solidFill>
+                <a:latin typeface="Inconsolata Medium" panose="020B0609030003000000" pitchFamily="49" charset="77"/>
+              </a:rPr>
+              <a:t>)    </a:t>
+            </a:r>
+            <a:r>
+              <a:rPr lang="en-US" sz="2000" b="1" i="1" dirty="0">
+                <a:solidFill>
+                  <a:srgbClr val="779F9F"/>
+                </a:solidFill>
+                <a:latin typeface="Inconsolata Medium" panose="020B0609030003000000" pitchFamily="49" charset="77"/>
+              </a:rPr>
+              <a:t># y will be '2'</a:t>
+            </a:r>
+            <a:r>
+              <a:rPr lang="en-US" sz="2000" b="1" dirty="0">
+                <a:solidFill>
+                  <a:srgbClr val="000000"/>
+                </a:solidFill>
+                <a:latin typeface="Inconsolata Medium" panose="020B0609030003000000" pitchFamily="49" charset="77"/>
+              </a:rPr>
+              <a:t> </a:t>
+            </a:r>
+            <a:endParaRPr lang="en-US" sz="2000" b="1" dirty="0">
+              <a:solidFill>
+                <a:srgbClr val="779F9F"/>
+              </a:solidFill>
+              <a:latin typeface="Inconsolata Medium" panose="020B0609030003000000" pitchFamily="49" charset="77"/>
+            </a:endParaRPr>
+          </a:p>
+          <a:p>
+            <a:pPr marL="0" indent="0">
+              <a:buNone/>
+            </a:pPr>
+            <a:r>
+              <a:rPr lang="en-US" sz="2000" b="1" dirty="0">
+                <a:solidFill>
+                  <a:srgbClr val="34A327"/>
+                </a:solidFill>
+                <a:latin typeface="Inconsolata Medium" panose="020B0609030003000000" pitchFamily="49" charset="77"/>
+              </a:rPr>
+              <a:t>        </a:t>
+            </a:r>
+            <a:r>
+              <a:rPr lang="en-US" sz="2000" b="1" dirty="0">
+                <a:solidFill>
+                  <a:srgbClr val="000000"/>
+                </a:solidFill>
+                <a:latin typeface="Inconsolata Medium" panose="020B0609030003000000" pitchFamily="49" charset="77"/>
+              </a:rPr>
+              <a:t>z = </a:t>
+            </a:r>
+            <a:r>
+              <a:rPr lang="en-US" sz="2000" b="1" dirty="0">
+                <a:solidFill>
+                  <a:srgbClr val="34A327"/>
+                </a:solidFill>
+                <a:latin typeface="Inconsolata Medium" panose="020B0609030003000000" pitchFamily="49" charset="77"/>
+              </a:rPr>
+              <a:t>str</a:t>
+            </a:r>
+            <a:r>
+              <a:rPr lang="en-US" sz="2000" b="1" dirty="0">
+                <a:solidFill>
+                  <a:srgbClr val="000000"/>
+                </a:solidFill>
+                <a:latin typeface="Inconsolata Medium" panose="020B0609030003000000" pitchFamily="49" charset="77"/>
+              </a:rPr>
+              <a:t>(</a:t>
+            </a:r>
+            <a:r>
+              <a:rPr lang="en-US" sz="2000" b="1" dirty="0">
+                <a:solidFill>
+                  <a:srgbClr val="34A327"/>
+                </a:solidFill>
+                <a:latin typeface="Inconsolata Medium" panose="020B0609030003000000" pitchFamily="49" charset="77"/>
+              </a:rPr>
+              <a:t>3.0</a:t>
+            </a:r>
+            <a:r>
+              <a:rPr lang="en-US" sz="2000" b="1" dirty="0">
+                <a:solidFill>
+                  <a:srgbClr val="000000"/>
+                </a:solidFill>
+                <a:latin typeface="Inconsolata Medium" panose="020B0609030003000000" pitchFamily="49" charset="77"/>
+              </a:rPr>
+              <a:t>)  </a:t>
+            </a:r>
+            <a:r>
+              <a:rPr lang="en-US" sz="2000" b="1" i="1" dirty="0">
+                <a:solidFill>
+                  <a:srgbClr val="779F9F"/>
+                </a:solidFill>
+                <a:latin typeface="Inconsolata Medium" panose="020B0609030003000000" pitchFamily="49" charset="77"/>
+              </a:rPr>
+              <a:t># z will be '3.0'</a:t>
+            </a:r>
+            <a:endParaRPr lang="en-US" sz="2000" b="1" dirty="0">
+              <a:solidFill>
+                <a:srgbClr val="779F9F"/>
+              </a:solidFill>
+              <a:latin typeface="Inconsolata Medium" panose="020B0609030003000000" pitchFamily="49" charset="77"/>
+            </a:endParaRPr>
+          </a:p>
+          <a:p>
+            <a:pPr marL="0" indent="0">
+              <a:buNone/>
+            </a:pPr>
+            <a:endParaRPr lang="en-US" sz="1900" b="1" dirty="0">
+              <a:latin typeface="Inconsolata Medium" panose="020B0609030003000000" pitchFamily="49" charset="77"/>
             </a:endParaRPr>
           </a:p>
         </p:txBody>
@@ -5001,7 +5418,7 @@
     </p:spTree>
     <p:extLst>
       <p:ext uri="{BB962C8B-B14F-4D97-AF65-F5344CB8AC3E}">
-        <p14:creationId xmlns:p14="http://schemas.microsoft.com/office/powerpoint/2010/main" val="1027235231"/>
+        <p14:creationId xmlns:p14="http://schemas.microsoft.com/office/powerpoint/2010/main" val="450853280"/>
       </p:ext>
     </p:extLst>
   </p:cSld>
@@ -5056,7 +5473,7 @@
           <a:p>
             <a:r>
               <a:rPr lang="en-US" dirty="0"/>
-              <a:t>Escape Sequence</a:t>
+              <a:t>Special Characters</a:t>
             </a:r>
           </a:p>
         </p:txBody>
@@ -5090,48 +5507,27 @@
           <a:lstStyle/>
           <a:p>
             <a:pPr marL="0" indent="0">
-              <a:spcBef>
-                <a:spcPts val="600"/>
-              </a:spcBef>
-              <a:buFontTx/>
-              <a:buNone/>
-            </a:pPr>
-            <a:endParaRPr lang="en-GB" altLang="en-US" dirty="0">
-              <a:ea typeface="ＭＳ Ｐゴシック" panose="020B0600070205080204" pitchFamily="34" charset="-128"/>
-            </a:endParaRPr>
-          </a:p>
-          <a:p>
-            <a:pPr marL="0" indent="0">
-              <a:spcBef>
-                <a:spcPts val="600"/>
-              </a:spcBef>
-              <a:buFontTx/>
-              <a:buNone/>
-            </a:pPr>
-            <a:r>
-              <a:rPr lang="en-GB" altLang="en-US" dirty="0">
-                <a:ea typeface="ＭＳ Ｐゴシック" panose="020B0600070205080204" pitchFamily="34" charset="-128"/>
-              </a:rPr>
-              <a:t>What is the output?</a:t>
-            </a:r>
-          </a:p>
-          <a:p>
-            <a:pPr marL="0" indent="0">
-              <a:buNone/>
-            </a:pPr>
-            <a:endParaRPr lang="en-US" sz="2000" b="1" dirty="0">
+              <a:buNone/>
+            </a:pPr>
+            <a:r>
+              <a:rPr lang="en-US" dirty="0">
+                <a:latin typeface="Gill Sans MT" panose="020B0502020104020203" pitchFamily="34" charset="77"/>
+              </a:rPr>
+              <a:t>It is not valid syntax to have a single quote inside of a single quoted string. </a:t>
+            </a:r>
+            <a:endParaRPr lang="en-US" sz="2000" dirty="0">
               <a:solidFill>
                 <a:srgbClr val="34A327"/>
               </a:solidFill>
-              <a:latin typeface="Inconsolata Medium" panose="020B0609030003000000" pitchFamily="49" charset="77"/>
-            </a:endParaRPr>
-          </a:p>
-          <a:p>
-            <a:pPr marL="0" indent="0">
-              <a:buNone/>
-            </a:pPr>
-            <a:r>
-              <a:rPr lang="en-US" sz="1900" b="1" dirty="0">
+              <a:latin typeface="Menlo" panose="020B0609030804020204" pitchFamily="49" charset="0"/>
+            </a:endParaRPr>
+          </a:p>
+          <a:p>
+            <a:pPr marL="0" indent="0">
+              <a:buNone/>
+            </a:pPr>
+            <a:r>
+              <a:rPr lang="en-US" sz="2000" b="1" dirty="0">
                 <a:solidFill>
                   <a:srgbClr val="34A327"/>
                 </a:solidFill>
@@ -5140,158 +5536,275 @@
               <a:t>In [</a:t>
             </a:r>
             <a:r>
-              <a:rPr lang="en-US" sz="1900" b="1" dirty="0">
+              <a:rPr lang="en-US" sz="2000" b="1" dirty="0">
                 <a:solidFill>
                   <a:srgbClr val="2EE721"/>
                 </a:solidFill>
                 <a:latin typeface="Inconsolata Medium" panose="020B0609030003000000" pitchFamily="49" charset="77"/>
               </a:rPr>
-              <a:t>11</a:t>
-            </a:r>
-            <a:r>
-              <a:rPr lang="en-US" sz="1900" b="1" dirty="0">
+              <a:t>1</a:t>
+            </a:r>
+            <a:r>
+              <a:rPr lang="en-US" sz="2000" b="1" dirty="0">
                 <a:solidFill>
                   <a:srgbClr val="34A327"/>
                 </a:solidFill>
                 <a:latin typeface="Inconsolata Medium" panose="020B0609030003000000" pitchFamily="49" charset="77"/>
               </a:rPr>
-              <a:t>]: print</a:t>
-            </a:r>
-            <a:r>
-              <a:rPr lang="en-US" sz="1900" b="1" dirty="0">
+              <a:t>]: </a:t>
+            </a:r>
+            <a:r>
+              <a:rPr lang="en-US" sz="2000" b="1" dirty="0">
+                <a:solidFill>
+                  <a:srgbClr val="CD7923"/>
+                </a:solidFill>
+                <a:latin typeface="Inconsolata Medium" panose="020B0609030003000000" pitchFamily="49" charset="77"/>
+              </a:rPr>
+              <a:t>‘that’s not legal’</a:t>
+            </a:r>
+            <a:r>
+              <a:rPr lang="en-US" sz="2000" b="1" dirty="0">
                 <a:solidFill>
                   <a:srgbClr val="000000"/>
                 </a:solidFill>
                 <a:latin typeface="Inconsolata Medium" panose="020B0609030003000000" pitchFamily="49" charset="77"/>
               </a:rPr>
-              <a:t>(</a:t>
-            </a:r>
-            <a:r>
-              <a:rPr lang="en-US" sz="1900" b="1" dirty="0">
+              <a:t>                       </a:t>
+            </a:r>
+          </a:p>
+          <a:p>
+            <a:pPr marL="0" indent="0">
+              <a:buNone/>
+            </a:pPr>
+            <a:r>
+              <a:rPr lang="en-US" sz="2000" b="1" dirty="0">
+                <a:solidFill>
+                  <a:srgbClr val="33BBC8"/>
+                </a:solidFill>
+                <a:latin typeface="Inconsolata Medium" panose="020B0609030003000000" pitchFamily="49" charset="77"/>
+              </a:rPr>
+              <a:t>  File </a:t>
+            </a:r>
+            <a:r>
+              <a:rPr lang="en-US" sz="2000" b="1" dirty="0">
+                <a:solidFill>
+                  <a:srgbClr val="34BC26"/>
+                </a:solidFill>
+                <a:latin typeface="Inconsolata Medium" panose="020B0609030003000000" pitchFamily="49" charset="77"/>
+              </a:rPr>
+              <a:t>"&lt;ipython-input-7-2762381d46b7&gt;"</a:t>
+            </a:r>
+            <a:r>
+              <a:rPr lang="en-US" sz="2000" b="1" dirty="0">
+                <a:solidFill>
+                  <a:srgbClr val="33BBC8"/>
+                </a:solidFill>
+                <a:latin typeface="Inconsolata Medium" panose="020B0609030003000000" pitchFamily="49" charset="77"/>
+              </a:rPr>
+              <a:t>, line </a:t>
+            </a:r>
+            <a:r>
+              <a:rPr lang="en-US" sz="2000" b="1" dirty="0">
+                <a:solidFill>
+                  <a:srgbClr val="34BC26"/>
+                </a:solidFill>
+                <a:latin typeface="Inconsolata Medium" panose="020B0609030003000000" pitchFamily="49" charset="77"/>
+              </a:rPr>
+              <a:t>1</a:t>
+            </a:r>
+          </a:p>
+          <a:p>
+            <a:pPr marL="0" indent="0">
+              <a:buNone/>
+            </a:pPr>
+            <a:r>
+              <a:rPr lang="en-US" sz="2000" b="1" dirty="0">
+                <a:solidFill>
+                  <a:srgbClr val="C33720"/>
+                </a:solidFill>
+                <a:latin typeface="Inconsolata Medium" panose="020B0609030003000000" pitchFamily="49" charset="77"/>
+              </a:rPr>
+              <a:t>    'that's not legal'</a:t>
+            </a:r>
+          </a:p>
+          <a:p>
+            <a:pPr marL="0" indent="0">
+              <a:buNone/>
+            </a:pPr>
+            <a:r>
+              <a:rPr lang="en-US" sz="2000" b="1" dirty="0">
+                <a:solidFill>
+                  <a:srgbClr val="000000"/>
+                </a:solidFill>
+                <a:latin typeface="Inconsolata Medium" panose="020B0609030003000000" pitchFamily="49" charset="77"/>
+              </a:rPr>
+              <a:t>          ^</a:t>
+            </a:r>
+          </a:p>
+          <a:p>
+            <a:pPr marL="0" indent="0">
+              <a:buNone/>
+            </a:pPr>
+            <a:r>
+              <a:rPr lang="en-US" sz="2000" b="1" dirty="0" err="1">
+                <a:solidFill>
+                  <a:srgbClr val="C33720"/>
+                </a:solidFill>
+                <a:latin typeface="Inconsolata Medium" panose="020B0609030003000000" pitchFamily="49" charset="77"/>
+              </a:rPr>
+              <a:t>SyntaxError</a:t>
+            </a:r>
+            <a:r>
+              <a:rPr lang="en-US" sz="2000" b="1" dirty="0">
+                <a:solidFill>
+                  <a:srgbClr val="C33720"/>
+                </a:solidFill>
+                <a:latin typeface="Inconsolata Medium" panose="020B0609030003000000" pitchFamily="49" charset="77"/>
+              </a:rPr>
+              <a:t>:</a:t>
+            </a:r>
+            <a:r>
+              <a:rPr lang="en-US" sz="2000" b="1" dirty="0">
+                <a:solidFill>
+                  <a:srgbClr val="000000"/>
+                </a:solidFill>
+                <a:latin typeface="Inconsolata Medium" panose="020B0609030003000000" pitchFamily="49" charset="77"/>
+              </a:rPr>
+              <a:t> invalid syntax</a:t>
+            </a:r>
+          </a:p>
+          <a:p>
+            <a:pPr marL="0" indent="0">
+              <a:buNone/>
+            </a:pPr>
+            <a:endParaRPr lang="en-US" sz="1900" b="1" dirty="0">
+              <a:latin typeface="Inconsolata Medium" panose="020B0609030003000000" pitchFamily="49" charset="77"/>
+            </a:endParaRPr>
+          </a:p>
+          <a:p>
+            <a:pPr marL="0" indent="0">
+              <a:buNone/>
+            </a:pPr>
+            <a:r>
+              <a:rPr lang="en-US" sz="1900" b="1" dirty="0">
+                <a:latin typeface="Inconsolata Medium" panose="020B0609030003000000" pitchFamily="49" charset="77"/>
+              </a:rPr>
+              <a:t>Instead, we can use double quotes outside the string.</a:t>
+            </a:r>
+          </a:p>
+          <a:p>
+            <a:pPr marL="0" indent="0">
+              <a:buNone/>
+            </a:pPr>
+            <a:endParaRPr lang="en-US" sz="1700" b="1" dirty="0">
+              <a:solidFill>
+                <a:srgbClr val="34A327"/>
+              </a:solidFill>
+              <a:latin typeface="Inconsolata Medium" panose="020B0609030003000000" pitchFamily="49" charset="77"/>
+            </a:endParaRPr>
+          </a:p>
+          <a:p>
+            <a:pPr marL="0" indent="0">
+              <a:buNone/>
+            </a:pPr>
+            <a:r>
+              <a:rPr lang="en-US" sz="1700" b="1" dirty="0">
+                <a:solidFill>
+                  <a:srgbClr val="34A327"/>
+                </a:solidFill>
+                <a:latin typeface="Inconsolata Medium" panose="020B0609030003000000" pitchFamily="49" charset="77"/>
+              </a:rPr>
+              <a:t>In [2]: print(</a:t>
+            </a:r>
+            <a:r>
+              <a:rPr lang="en-US" sz="1700" b="1" dirty="0">
                 <a:solidFill>
                   <a:srgbClr val="CD7923"/>
                 </a:solidFill>
                 <a:latin typeface="Inconsolata Medium" panose="020B0609030003000000" pitchFamily="49" charset="77"/>
               </a:rPr>
-              <a:t>“How \</a:t>
-            </a:r>
-            <a:r>
-              <a:rPr lang="en-US" sz="1900" b="1" dirty="0" err="1">
+              <a:t>“It’s legal to do this.”</a:t>
+            </a:r>
+            <a:r>
+              <a:rPr lang="en-US" sz="1700" b="1" dirty="0">
+                <a:latin typeface="Inconsolata Medium" panose="020B0609030003000000" pitchFamily="49" charset="77"/>
+              </a:rPr>
+              <a:t>,</a:t>
+            </a:r>
+            <a:r>
+              <a:rPr lang="en-US" sz="1700" b="1" dirty="0">
                 <a:solidFill>
                   <a:srgbClr val="CD7923"/>
                 </a:solidFill>
                 <a:latin typeface="Inconsolata Medium" panose="020B0609030003000000" pitchFamily="49" charset="77"/>
               </a:rPr>
-              <a:t>tmany</a:t>
-            </a:r>
-            <a:r>
-              <a:rPr lang="en-US" sz="1900" b="1" dirty="0">
+              <a:t> ‘And he said, “This is ok.”’</a:t>
+            </a:r>
+            <a:r>
+              <a:rPr lang="en-US" sz="1700" b="1" dirty="0">
+                <a:solidFill>
+                  <a:srgbClr val="34A327"/>
+                </a:solidFill>
+                <a:latin typeface="Inconsolata Medium" panose="020B0609030003000000" pitchFamily="49" charset="77"/>
+              </a:rPr>
+              <a:t>)</a:t>
+            </a:r>
+            <a:r>
+              <a:rPr lang="en-US" sz="1700" b="1" dirty="0">
                 <a:solidFill>
                   <a:srgbClr val="CD7923"/>
                 </a:solidFill>
                 <a:latin typeface="Inconsolata Medium" panose="020B0609030003000000" pitchFamily="49" charset="77"/>
               </a:rPr>
-              <a:t> \‘lines\’\n are\n shown\n \“here\”?”</a:t>
-            </a:r>
-            <a:r>
-              <a:rPr lang="en-US" sz="1900" b="1" dirty="0">
+              <a:t> </a:t>
+            </a:r>
+            <a:r>
+              <a:rPr lang="en-US" sz="1700" b="1" dirty="0">
                 <a:solidFill>
                   <a:srgbClr val="000000"/>
                 </a:solidFill>
                 <a:latin typeface="Inconsolata Medium" panose="020B0609030003000000" pitchFamily="49" charset="77"/>
               </a:rPr>
-              <a:t>)</a:t>
-            </a:r>
-            <a:r>
-              <a:rPr lang="en-US" sz="1900" b="1" dirty="0">
-                <a:solidFill>
-                  <a:srgbClr val="CD7923"/>
-                </a:solidFill>
-                <a:latin typeface="Inconsolata Medium" panose="020B0609030003000000" pitchFamily="49" charset="77"/>
-              </a:rPr>
-              <a:t>  </a:t>
-            </a:r>
-          </a:p>
-          <a:p>
-            <a:pPr marL="0" indent="0">
-              <a:buNone/>
-            </a:pPr>
-            <a:r>
-              <a:rPr lang="en-US" sz="2000" b="1" dirty="0">
+              <a:t>   </a:t>
+            </a:r>
+          </a:p>
+          <a:p>
+            <a:pPr marL="0" indent="0">
+              <a:buNone/>
+            </a:pPr>
+            <a:r>
+              <a:rPr lang="en-US" sz="1800" b="1" dirty="0">
+                <a:latin typeface="Inconsolata Medium" panose="020B0609030003000000" pitchFamily="49" charset="77"/>
+              </a:rPr>
+              <a:t>It’s legal to do this. And he said, “this is ok.” </a:t>
+            </a:r>
+            <a:endParaRPr lang="en-US" sz="1800" b="1" dirty="0">
+              <a:solidFill>
+                <a:srgbClr val="000000"/>
+              </a:solidFill>
+              <a:latin typeface="Inconsolata Medium" panose="020B0609030003000000" pitchFamily="49" charset="77"/>
+            </a:endParaRPr>
+          </a:p>
+          <a:p>
+            <a:pPr marL="0" indent="0">
+              <a:buNone/>
+            </a:pPr>
+            <a:r>
+              <a:rPr lang="en-US" sz="1800" b="1" dirty="0">
                 <a:solidFill>
                   <a:srgbClr val="000000"/>
                 </a:solidFill>
                 <a:latin typeface="Inconsolata Medium" panose="020B0609030003000000" pitchFamily="49" charset="77"/>
               </a:rPr>
-              <a:t>                                            </a:t>
-            </a:r>
-          </a:p>
-          <a:p>
-            <a:pPr marL="0" indent="0">
-              <a:buNone/>
-            </a:pPr>
-            <a:r>
-              <a:rPr lang="en-US" sz="2000" b="1" dirty="0">
-                <a:solidFill>
-                  <a:srgbClr val="000000"/>
-                </a:solidFill>
-                <a:latin typeface="Inconsolata Medium" panose="020B0609030003000000" pitchFamily="49" charset="77"/>
-              </a:rPr>
-              <a:t>How     many ‘lines’</a:t>
-            </a:r>
-          </a:p>
-          <a:p>
-            <a:pPr marL="0" indent="0">
-              <a:buNone/>
-            </a:pPr>
-            <a:r>
-              <a:rPr lang="en-US" sz="2000" b="1" dirty="0">
-                <a:solidFill>
-                  <a:srgbClr val="000000"/>
-                </a:solidFill>
-                <a:latin typeface="Inconsolata Medium" panose="020B0609030003000000" pitchFamily="49" charset="77"/>
-              </a:rPr>
-              <a:t>are</a:t>
-            </a:r>
-          </a:p>
-          <a:p>
-            <a:pPr marL="0" indent="0">
-              <a:buNone/>
-            </a:pPr>
-            <a:r>
-              <a:rPr lang="en-US" sz="2000" b="1" dirty="0">
-                <a:solidFill>
-                  <a:srgbClr val="000000"/>
-                </a:solidFill>
-                <a:latin typeface="Inconsolata Medium" panose="020B0609030003000000" pitchFamily="49" charset="77"/>
-              </a:rPr>
-              <a:t>shown</a:t>
-            </a:r>
-          </a:p>
-          <a:p>
-            <a:pPr marL="0" indent="0">
-              <a:buNone/>
-            </a:pPr>
-            <a:r>
-              <a:rPr lang="en-US" sz="2000" b="1" dirty="0">
-                <a:solidFill>
-                  <a:srgbClr val="000000"/>
-                </a:solidFill>
-                <a:latin typeface="Inconsolata Medium" panose="020B0609030003000000" pitchFamily="49" charset="77"/>
-              </a:rPr>
-              <a:t>“here”?</a:t>
-            </a:r>
-          </a:p>
-          <a:p>
-            <a:pPr lvl="1">
-              <a:spcBef>
-                <a:spcPts val="500"/>
-              </a:spcBef>
-              <a:buFontTx/>
-              <a:buNone/>
-            </a:pPr>
-            <a:endParaRPr lang="en-GB" altLang="en-US" dirty="0">
-              <a:ea typeface="ＭＳ Ｐゴシック" panose="020B0600070205080204" pitchFamily="34" charset="-128"/>
+              <a:t>                   </a:t>
+            </a:r>
+          </a:p>
+          <a:p>
+            <a:pPr marL="0" indent="0">
+              <a:buNone/>
+            </a:pPr>
+            <a:endParaRPr lang="en-US" sz="1900" b="1" dirty="0">
+              <a:latin typeface="Inconsolata Medium" panose="020B0609030003000000" pitchFamily="49" charset="77"/>
             </a:endParaRPr>
           </a:p>
         </p:txBody>
@@ -5299,7 +5812,7 @@
     </p:spTree>
     <p:extLst>
       <p:ext uri="{BB962C8B-B14F-4D97-AF65-F5344CB8AC3E}">
-        <p14:creationId xmlns:p14="http://schemas.microsoft.com/office/powerpoint/2010/main" val="4019361075"/>
+        <p14:creationId xmlns:p14="http://schemas.microsoft.com/office/powerpoint/2010/main" val="3888808614"/>
       </p:ext>
     </p:extLst>
   </p:cSld>
@@ -5354,7 +5867,7 @@
           <a:p>
             <a:r>
               <a:rPr lang="en-US" dirty="0"/>
-              <a:t>Multiline String</a:t>
+              <a:t>Escape Sequence</a:t>
             </a:r>
           </a:p>
         </p:txBody>
@@ -5394,248 +5907,9 @@
               <a:buFontTx/>
               <a:buNone/>
             </a:pPr>
-            <a:r>
-              <a:rPr lang="en-US" dirty="0"/>
-              <a:t>To span multiple lines, put three single quotes or three double quotes around the string instead of one. The string can then span as many lines as you want:</a:t>
-            </a:r>
-            <a:endParaRPr lang="en-GB" sz="2000" b="1" dirty="0">
-              <a:solidFill>
-                <a:srgbClr val="34A327"/>
-              </a:solidFill>
-              <a:latin typeface="Inconsolata Medium" panose="020B0609030003000000" pitchFamily="49" charset="77"/>
+            <a:endParaRPr lang="en-GB" altLang="en-US" b="1" dirty="0">
               <a:ea typeface="ＭＳ Ｐゴシック" panose="020B0600070205080204" pitchFamily="34" charset="-128"/>
             </a:endParaRPr>
-          </a:p>
-          <a:p>
-            <a:pPr marL="0" indent="0">
-              <a:buNone/>
-            </a:pPr>
-            <a:r>
-              <a:rPr lang="en-US" sz="2000" dirty="0">
-                <a:solidFill>
-                  <a:srgbClr val="34A327"/>
-                </a:solidFill>
-                <a:latin typeface="Menlo" panose="020B0609030804020204" pitchFamily="49" charset="0"/>
-              </a:rPr>
-              <a:t>In [</a:t>
-            </a:r>
-            <a:r>
-              <a:rPr lang="en-US" sz="2000" b="1" dirty="0">
-                <a:solidFill>
-                  <a:srgbClr val="2EE721"/>
-                </a:solidFill>
-                <a:latin typeface="Menlo" panose="020B0609030804020204" pitchFamily="49" charset="0"/>
-              </a:rPr>
-              <a:t>1</a:t>
-            </a:r>
-            <a:r>
-              <a:rPr lang="en-US" sz="2000" dirty="0">
-                <a:solidFill>
-                  <a:srgbClr val="34A327"/>
-                </a:solidFill>
-                <a:latin typeface="Menlo" panose="020B0609030804020204" pitchFamily="49" charset="0"/>
-              </a:rPr>
-              <a:t>]: </a:t>
-            </a:r>
-            <a:r>
-              <a:rPr lang="en-US" sz="2000" i="1" dirty="0">
-                <a:solidFill>
-                  <a:srgbClr val="CD7923"/>
-                </a:solidFill>
-                <a:latin typeface="Menlo" panose="020B0609030804020204" pitchFamily="49" charset="0"/>
-              </a:rPr>
-              <a:t>'''three</a:t>
-            </a:r>
-            <a:r>
-              <a:rPr lang="en-US" sz="2000" dirty="0">
-                <a:solidFill>
-                  <a:srgbClr val="000000"/>
-                </a:solidFill>
-                <a:latin typeface="Menlo" panose="020B0609030804020204" pitchFamily="49" charset="0"/>
-              </a:rPr>
-              <a:t> </a:t>
-            </a:r>
-            <a:endParaRPr lang="en-US" sz="2000" dirty="0">
-              <a:solidFill>
-                <a:srgbClr val="CD7923"/>
-              </a:solidFill>
-              <a:latin typeface="Menlo" panose="020B0609030804020204" pitchFamily="49" charset="0"/>
-            </a:endParaRPr>
-          </a:p>
-          <a:p>
-            <a:pPr marL="0" indent="0">
-              <a:buNone/>
-            </a:pPr>
-            <a:r>
-              <a:rPr lang="en-US" sz="2000" dirty="0">
-                <a:solidFill>
-                  <a:srgbClr val="34A327"/>
-                </a:solidFill>
-                <a:latin typeface="Menlo" panose="020B0609030804020204" pitchFamily="49" charset="0"/>
-              </a:rPr>
-              <a:t>         </a:t>
-            </a:r>
-            <a:r>
-              <a:rPr lang="en-US" sz="2000" i="1" dirty="0">
-                <a:solidFill>
-                  <a:srgbClr val="CD7923"/>
-                </a:solidFill>
-                <a:latin typeface="Menlo" panose="020B0609030804020204" pitchFamily="49" charset="0"/>
-              </a:rPr>
-              <a:t>lines </a:t>
-            </a:r>
-            <a:r>
-              <a:rPr lang="en-US" sz="2000" dirty="0">
-                <a:solidFill>
-                  <a:srgbClr val="000000"/>
-                </a:solidFill>
-                <a:latin typeface="Menlo" panose="020B0609030804020204" pitchFamily="49" charset="0"/>
-              </a:rPr>
-              <a:t> </a:t>
-            </a:r>
-            <a:endParaRPr lang="en-US" sz="2000" dirty="0">
-              <a:solidFill>
-                <a:srgbClr val="34A327"/>
-              </a:solidFill>
-              <a:latin typeface="Menlo" panose="020B0609030804020204" pitchFamily="49" charset="0"/>
-            </a:endParaRPr>
-          </a:p>
-          <a:p>
-            <a:pPr marL="0" indent="0">
-              <a:buNone/>
-            </a:pPr>
-            <a:r>
-              <a:rPr lang="en-US" sz="2000" dirty="0">
-                <a:solidFill>
-                  <a:srgbClr val="34A327"/>
-                </a:solidFill>
-                <a:latin typeface="Menlo" panose="020B0609030804020204" pitchFamily="49" charset="0"/>
-              </a:rPr>
-              <a:t>         </a:t>
-            </a:r>
-            <a:r>
-              <a:rPr lang="en-US" sz="2000" i="1" dirty="0">
-                <a:solidFill>
-                  <a:srgbClr val="CD7923"/>
-                </a:solidFill>
-                <a:latin typeface="Menlo" panose="020B0609030804020204" pitchFamily="49" charset="0"/>
-              </a:rPr>
-              <a:t>of     </a:t>
-            </a:r>
-          </a:p>
-          <a:p>
-            <a:pPr marL="0" indent="0">
-              <a:buNone/>
-            </a:pPr>
-            <a:r>
-              <a:rPr lang="en-US" sz="2000" i="1" dirty="0">
-                <a:solidFill>
-                  <a:srgbClr val="CD7923"/>
-                </a:solidFill>
-                <a:latin typeface="Menlo" panose="020B0609030804020204" pitchFamily="49" charset="0"/>
-              </a:rPr>
-              <a:t>         output’’’   </a:t>
-            </a:r>
-          </a:p>
-          <a:p>
-            <a:pPr marL="0" indent="0">
-              <a:buNone/>
-            </a:pPr>
-            <a:r>
-              <a:rPr lang="en-US" sz="2000" i="1" dirty="0">
-                <a:solidFill>
-                  <a:srgbClr val="CD7923"/>
-                </a:solidFill>
-                <a:latin typeface="Menlo" panose="020B0609030804020204" pitchFamily="49" charset="0"/>
-              </a:rPr>
-              <a:t> </a:t>
-            </a:r>
-            <a:r>
-              <a:rPr lang="en-US" sz="2000" dirty="0">
-                <a:solidFill>
-                  <a:srgbClr val="000000"/>
-                </a:solidFill>
-                <a:latin typeface="Menlo" panose="020B0609030804020204" pitchFamily="49" charset="0"/>
-              </a:rPr>
-              <a:t>                                                 </a:t>
-            </a:r>
-          </a:p>
-          <a:p>
-            <a:pPr marL="0" indent="0">
-              <a:buNone/>
-            </a:pPr>
-            <a:r>
-              <a:rPr lang="en-US" sz="2000" dirty="0">
-                <a:solidFill>
-                  <a:srgbClr val="B23622"/>
-                </a:solidFill>
-                <a:latin typeface="Menlo" panose="020B0609030804020204" pitchFamily="49" charset="0"/>
-              </a:rPr>
-              <a:t>Out[</a:t>
-            </a:r>
-            <a:r>
-              <a:rPr lang="en-US" sz="2000" b="1" dirty="0">
-                <a:solidFill>
-                  <a:srgbClr val="FF3B1E"/>
-                </a:solidFill>
-                <a:latin typeface="Menlo" panose="020B0609030804020204" pitchFamily="49" charset="0"/>
-              </a:rPr>
-              <a:t>1</a:t>
-            </a:r>
-            <a:r>
-              <a:rPr lang="en-US" sz="2000" dirty="0">
-                <a:solidFill>
-                  <a:srgbClr val="B23622"/>
-                </a:solidFill>
-                <a:latin typeface="Menlo" panose="020B0609030804020204" pitchFamily="49" charset="0"/>
-              </a:rPr>
-              <a:t>]: </a:t>
-            </a:r>
-            <a:r>
-              <a:rPr lang="en-US" sz="2000" dirty="0">
-                <a:solidFill>
-                  <a:srgbClr val="000000"/>
-                </a:solidFill>
-                <a:latin typeface="Menlo" panose="020B0609030804020204" pitchFamily="49" charset="0"/>
-              </a:rPr>
-              <a:t>'three\</a:t>
-            </a:r>
-            <a:r>
-              <a:rPr lang="en-US" sz="2000" dirty="0" err="1">
-                <a:solidFill>
-                  <a:srgbClr val="000000"/>
-                </a:solidFill>
-                <a:latin typeface="Menlo" panose="020B0609030804020204" pitchFamily="49" charset="0"/>
-              </a:rPr>
-              <a:t>nlines</a:t>
-            </a:r>
-            <a:r>
-              <a:rPr lang="en-US" sz="2000" dirty="0">
-                <a:solidFill>
-                  <a:srgbClr val="000000"/>
-                </a:solidFill>
-                <a:latin typeface="Menlo" panose="020B0609030804020204" pitchFamily="49" charset="0"/>
-              </a:rPr>
-              <a:t> \</a:t>
-            </a:r>
-            <a:r>
-              <a:rPr lang="en-US" sz="2000" dirty="0" err="1">
-                <a:solidFill>
-                  <a:srgbClr val="000000"/>
-                </a:solidFill>
-                <a:latin typeface="Menlo" panose="020B0609030804020204" pitchFamily="49" charset="0"/>
-              </a:rPr>
-              <a:t>nof</a:t>
-            </a:r>
-            <a:r>
-              <a:rPr lang="en-US" sz="2000" dirty="0">
-                <a:solidFill>
-                  <a:srgbClr val="000000"/>
-                </a:solidFill>
-                <a:latin typeface="Menlo" panose="020B0609030804020204" pitchFamily="49" charset="0"/>
-              </a:rPr>
-              <a:t> output’</a:t>
-            </a:r>
           </a:p>
           <a:p>
             <a:pPr marL="0" indent="0">
@@ -5646,49 +5920,144 @@
               <a:buNone/>
             </a:pPr>
             <a:r>
-              <a:rPr lang="en-US" sz="2000" dirty="0"/>
-              <a:t>Notice that the string Python creates contains a \n sequence everywhere our input started a new line. Each newline is a character in the string. </a:t>
-            </a:r>
-          </a:p>
-          <a:p>
-            <a:pPr marL="0" indent="0">
+              <a:rPr lang="en-GB" altLang="en-US" b="1" dirty="0">
+                <a:ea typeface="ＭＳ Ｐゴシック" panose="020B0600070205080204" pitchFamily="34" charset="-128"/>
+              </a:rPr>
+              <a:t>Escape sequence </a:t>
+            </a:r>
+            <a:r>
+              <a:rPr lang="en-GB" altLang="en-US" dirty="0">
+                <a:ea typeface="ＭＳ Ｐゴシック" panose="020B0600070205080204" pitchFamily="34" charset="-128"/>
+              </a:rPr>
+              <a:t>is a special sequence of characters used to represent certain special characters in a string.</a:t>
+            </a:r>
+            <a:br>
+              <a:rPr lang="en-GB" altLang="en-US" dirty="0">
+                <a:ea typeface="ＭＳ Ｐゴシック" panose="020B0600070205080204" pitchFamily="34" charset="-128"/>
+              </a:rPr>
+            </a:br>
+            <a:endParaRPr lang="en-GB" altLang="en-US" sz="700" dirty="0">
+              <a:ea typeface="ＭＳ Ｐゴシック" panose="020B0600070205080204" pitchFamily="34" charset="-128"/>
+            </a:endParaRPr>
+          </a:p>
+          <a:p>
+            <a:pPr lvl="1">
               <a:spcBef>
-                <a:spcPts val="600"/>
+                <a:spcPts val="500"/>
               </a:spcBef>
               <a:buFontTx/>
               <a:buNone/>
             </a:pPr>
             <a:r>
-              <a:rPr lang="en-US" sz="2000" dirty="0"/>
-              <a:t>Multiline strings are often used </a:t>
-            </a:r>
-            <a:r>
-              <a:rPr lang="en-US" sz="2000"/>
-              <a:t>in documentation </a:t>
-            </a:r>
-            <a:r>
-              <a:rPr lang="en-US" sz="2000" dirty="0"/>
-              <a:t>strings as </a:t>
-            </a:r>
-            <a:r>
-              <a:rPr lang="en-US" sz="2000"/>
-              <a:t>we will see later. </a:t>
-            </a:r>
-            <a:endParaRPr lang="en-US" sz="2000" dirty="0"/>
-          </a:p>
-          <a:p>
-            <a:pPr marL="0" indent="0">
+              <a:rPr lang="en-GB" altLang="en-US" dirty="0">
+                <a:latin typeface="Courier New" panose="02070309020205020404" pitchFamily="49" charset="0"/>
+                <a:ea typeface="ＭＳ Ｐゴシック" panose="020B0600070205080204" pitchFamily="34" charset="-128"/>
+              </a:rPr>
+              <a:t> \n	</a:t>
+            </a:r>
+            <a:r>
+              <a:rPr lang="en-GB" altLang="en-US" dirty="0">
+                <a:ea typeface="ＭＳ Ｐゴシック" panose="020B0600070205080204" pitchFamily="34" charset="-128"/>
+              </a:rPr>
+              <a:t>new line character</a:t>
+            </a:r>
+          </a:p>
+          <a:p>
+            <a:pPr lvl="1">
               <a:spcBef>
-                <a:spcPts val="600"/>
+                <a:spcPts val="500"/>
               </a:spcBef>
               <a:buFontTx/>
               <a:buNone/>
             </a:pPr>
-            <a:endParaRPr lang="en-US" sz="2000" b="1" dirty="0">
-              <a:solidFill>
-                <a:srgbClr val="34A327"/>
-              </a:solidFill>
-              <a:latin typeface="Inconsolata Medium" panose="020B0609030003000000" pitchFamily="49" charset="77"/>
+            <a:r>
+              <a:rPr lang="en-GB" altLang="en-US" dirty="0">
+                <a:latin typeface="Courier New" panose="02070309020205020404" pitchFamily="49" charset="0"/>
+                <a:ea typeface="ＭＳ Ｐゴシック" panose="020B0600070205080204" pitchFamily="34" charset="-128"/>
+              </a:rPr>
+              <a:t>	\”	</a:t>
+            </a:r>
+            <a:r>
+              <a:rPr lang="en-GB" altLang="en-US" dirty="0">
+                <a:ea typeface="ＭＳ Ｐゴシック" panose="020B0600070205080204" pitchFamily="34" charset="-128"/>
+              </a:rPr>
+              <a:t>double quote</a:t>
+            </a:r>
+          </a:p>
+          <a:p>
+            <a:pPr lvl="1">
+              <a:spcBef>
+                <a:spcPts val="500"/>
+              </a:spcBef>
+              <a:buNone/>
+            </a:pPr>
+            <a:r>
+              <a:rPr lang="en-GB" altLang="en-US" dirty="0">
+                <a:latin typeface="Courier New" panose="02070309020205020404" pitchFamily="49" charset="0"/>
+                <a:ea typeface="ＭＳ Ｐゴシック" panose="020B0600070205080204" pitchFamily="34" charset="-128"/>
+              </a:rPr>
+              <a:t>	\’	</a:t>
+            </a:r>
+            <a:r>
+              <a:rPr lang="en-GB" altLang="en-US" dirty="0">
+                <a:ea typeface="ＭＳ Ｐゴシック" panose="020B0600070205080204" pitchFamily="34" charset="-128"/>
+              </a:rPr>
+              <a:t>single quote</a:t>
+            </a:r>
+          </a:p>
+          <a:p>
+            <a:pPr lvl="1">
+              <a:spcBef>
+                <a:spcPts val="500"/>
+              </a:spcBef>
+              <a:buFontTx/>
+              <a:buNone/>
+            </a:pPr>
+            <a:r>
+              <a:rPr lang="en-GB" altLang="en-US" dirty="0">
+                <a:latin typeface="Courier New" panose="02070309020205020404" pitchFamily="49" charset="0"/>
+                <a:ea typeface="ＭＳ Ｐゴシック" panose="020B0600070205080204" pitchFamily="34" charset="-128"/>
+              </a:rPr>
+              <a:t>	\\	</a:t>
+            </a:r>
+            <a:r>
+              <a:rPr lang="en-GB" altLang="en-US" dirty="0">
+                <a:ea typeface="ＭＳ Ｐゴシック" panose="020B0600070205080204" pitchFamily="34" charset="-128"/>
+              </a:rPr>
+              <a:t>backslash character</a:t>
+            </a:r>
+          </a:p>
+          <a:p>
+            <a:pPr lvl="1">
+              <a:spcBef>
+                <a:spcPts val="500"/>
+              </a:spcBef>
+              <a:buNone/>
+            </a:pPr>
+            <a:r>
+              <a:rPr lang="en-GB" altLang="en-US" dirty="0">
+                <a:latin typeface="Courier New" panose="02070309020205020404" pitchFamily="49" charset="0"/>
+                <a:ea typeface="ＭＳ Ｐゴシック" panose="020B0600070205080204" pitchFamily="34" charset="-128"/>
+              </a:rPr>
+              <a:t>	\t	</a:t>
+            </a:r>
+            <a:r>
+              <a:rPr lang="en-GB" altLang="en-US" dirty="0">
+                <a:ea typeface="ＭＳ Ｐゴシック" panose="020B0600070205080204" pitchFamily="34" charset="-128"/>
+              </a:rPr>
+              <a:t>tab</a:t>
+            </a:r>
+          </a:p>
+          <a:p>
+            <a:pPr lvl="1">
+              <a:spcBef>
+                <a:spcPts val="500"/>
+              </a:spcBef>
+              <a:buFontTx/>
+              <a:buNone/>
+            </a:pPr>
+            <a:endParaRPr lang="en-GB" altLang="en-US" dirty="0">
+              <a:ea typeface="ＭＳ Ｐゴシック" panose="020B0600070205080204" pitchFamily="34" charset="-128"/>
             </a:endParaRPr>
           </a:p>
         </p:txBody>
@@ -5696,7 +6065,7 @@
     </p:spTree>
     <p:extLst>
       <p:ext uri="{BB962C8B-B14F-4D97-AF65-F5344CB8AC3E}">
-        <p14:creationId xmlns:p14="http://schemas.microsoft.com/office/powerpoint/2010/main" val="523000400"/>
+        <p14:creationId xmlns:p14="http://schemas.microsoft.com/office/powerpoint/2010/main" val="1027235231"/>
       </p:ext>
     </p:extLst>
   </p:cSld>
@@ -5751,7 +6120,686 @@
           <a:p>
             <a:r>
               <a:rPr lang="en-US" dirty="0"/>
-              <a:t>References</a:t>
+              <a:t>Escape Sequence</a:t>
+            </a:r>
+          </a:p>
+        </p:txBody>
+      </p:sp>
+      <p:sp>
+        <p:nvSpPr>
+          <p:cNvPr id="9" name="Content Placeholder 8">
+            <a:extLst>
+              <a:ext uri="{FF2B5EF4-FFF2-40B4-BE49-F238E27FC236}">
+                <a16:creationId xmlns:a16="http://schemas.microsoft.com/office/drawing/2014/main" id="{E3B2E017-30B2-884B-A113-B419A2ED51AD}"/>
+              </a:ext>
+            </a:extLst>
+          </p:cNvPr>
+          <p:cNvSpPr>
+            <a:spLocks noGrp="1"/>
+          </p:cNvSpPr>
+          <p:nvPr>
+            <p:ph idx="1"/>
+          </p:nvPr>
+        </p:nvSpPr>
+        <p:spPr>
+          <a:xfrm>
+            <a:off x="483848" y="1150913"/>
+            <a:ext cx="8497782" cy="4440590"/>
+          </a:xfrm>
+        </p:spPr>
+        <p:txBody>
+          <a:bodyPr>
+            <a:noAutofit/>
+          </a:bodyPr>
+          <a:lstStyle/>
+          <a:p>
+            <a:pPr marL="0" indent="0">
+              <a:spcBef>
+                <a:spcPts val="600"/>
+              </a:spcBef>
+              <a:buFontTx/>
+              <a:buNone/>
+            </a:pPr>
+            <a:endParaRPr lang="en-GB" altLang="en-US" dirty="0">
+              <a:ea typeface="ＭＳ Ｐゴシック" panose="020B0600070205080204" pitchFamily="34" charset="-128"/>
+            </a:endParaRPr>
+          </a:p>
+          <a:p>
+            <a:pPr marL="0" indent="0">
+              <a:spcBef>
+                <a:spcPts val="600"/>
+              </a:spcBef>
+              <a:buFontTx/>
+              <a:buNone/>
+            </a:pPr>
+            <a:r>
+              <a:rPr lang="en-GB" altLang="en-US" dirty="0">
+                <a:ea typeface="ＭＳ Ｐゴシック" panose="020B0600070205080204" pitchFamily="34" charset="-128"/>
+              </a:rPr>
+              <a:t>What is the output?</a:t>
+            </a:r>
+          </a:p>
+          <a:p>
+            <a:pPr marL="0" indent="0">
+              <a:buNone/>
+            </a:pPr>
+            <a:endParaRPr lang="en-US" sz="2000" b="1" dirty="0">
+              <a:solidFill>
+                <a:srgbClr val="34A327"/>
+              </a:solidFill>
+              <a:latin typeface="Inconsolata Medium" panose="020B0609030003000000" pitchFamily="49" charset="77"/>
+            </a:endParaRPr>
+          </a:p>
+          <a:p>
+            <a:pPr marL="0" indent="0">
+              <a:buNone/>
+            </a:pPr>
+            <a:r>
+              <a:rPr lang="en-US" sz="1900" b="1" dirty="0">
+                <a:solidFill>
+                  <a:srgbClr val="34A327"/>
+                </a:solidFill>
+                <a:latin typeface="Inconsolata Medium" panose="020B0609030003000000" pitchFamily="49" charset="77"/>
+              </a:rPr>
+              <a:t>In [</a:t>
+            </a:r>
+            <a:r>
+              <a:rPr lang="en-US" sz="1900" b="1" dirty="0">
+                <a:solidFill>
+                  <a:srgbClr val="2EE721"/>
+                </a:solidFill>
+                <a:latin typeface="Inconsolata Medium" panose="020B0609030003000000" pitchFamily="49" charset="77"/>
+              </a:rPr>
+              <a:t>11</a:t>
+            </a:r>
+            <a:r>
+              <a:rPr lang="en-US" sz="1900" b="1" dirty="0">
+                <a:solidFill>
+                  <a:srgbClr val="34A327"/>
+                </a:solidFill>
+                <a:latin typeface="Inconsolata Medium" panose="020B0609030003000000" pitchFamily="49" charset="77"/>
+              </a:rPr>
+              <a:t>]: print</a:t>
+            </a:r>
+            <a:r>
+              <a:rPr lang="en-US" sz="1900" b="1" dirty="0">
+                <a:solidFill>
+                  <a:srgbClr val="000000"/>
+                </a:solidFill>
+                <a:latin typeface="Inconsolata Medium" panose="020B0609030003000000" pitchFamily="49" charset="77"/>
+              </a:rPr>
+              <a:t>(</a:t>
+            </a:r>
+            <a:r>
+              <a:rPr lang="en-US" sz="1900" b="1" dirty="0">
+                <a:solidFill>
+                  <a:srgbClr val="CD7923"/>
+                </a:solidFill>
+                <a:latin typeface="Inconsolata Medium" panose="020B0609030003000000" pitchFamily="49" charset="77"/>
+              </a:rPr>
+              <a:t>“How \</a:t>
+            </a:r>
+            <a:r>
+              <a:rPr lang="en-US" sz="1900" b="1" dirty="0" err="1">
+                <a:solidFill>
+                  <a:srgbClr val="CD7923"/>
+                </a:solidFill>
+                <a:latin typeface="Inconsolata Medium" panose="020B0609030003000000" pitchFamily="49" charset="77"/>
+              </a:rPr>
+              <a:t>tmany</a:t>
+            </a:r>
+            <a:r>
+              <a:rPr lang="en-US" sz="1900" b="1" dirty="0">
+                <a:solidFill>
+                  <a:srgbClr val="CD7923"/>
+                </a:solidFill>
+                <a:latin typeface="Inconsolata Medium" panose="020B0609030003000000" pitchFamily="49" charset="77"/>
+              </a:rPr>
+              <a:t> \‘lines\’\n are\n shown\n \“here\”?”</a:t>
+            </a:r>
+            <a:r>
+              <a:rPr lang="en-US" sz="1900" b="1" dirty="0">
+                <a:solidFill>
+                  <a:srgbClr val="000000"/>
+                </a:solidFill>
+                <a:latin typeface="Inconsolata Medium" panose="020B0609030003000000" pitchFamily="49" charset="77"/>
+              </a:rPr>
+              <a:t>)</a:t>
+            </a:r>
+            <a:r>
+              <a:rPr lang="en-US" sz="1900" b="1" dirty="0">
+                <a:solidFill>
+                  <a:srgbClr val="CD7923"/>
+                </a:solidFill>
+                <a:latin typeface="Inconsolata Medium" panose="020B0609030003000000" pitchFamily="49" charset="77"/>
+              </a:rPr>
+              <a:t>  </a:t>
+            </a:r>
+          </a:p>
+          <a:p>
+            <a:pPr marL="0" indent="0">
+              <a:buNone/>
+            </a:pPr>
+            <a:r>
+              <a:rPr lang="en-US" sz="2000" b="1" dirty="0">
+                <a:solidFill>
+                  <a:srgbClr val="000000"/>
+                </a:solidFill>
+                <a:latin typeface="Inconsolata Medium" panose="020B0609030003000000" pitchFamily="49" charset="77"/>
+              </a:rPr>
+              <a:t>                                            </a:t>
+            </a:r>
+          </a:p>
+          <a:p>
+            <a:pPr marL="0" indent="0">
+              <a:buNone/>
+            </a:pPr>
+            <a:r>
+              <a:rPr lang="en-US" sz="2000" b="1" dirty="0">
+                <a:solidFill>
+                  <a:srgbClr val="000000"/>
+                </a:solidFill>
+                <a:latin typeface="Inconsolata Medium" panose="020B0609030003000000" pitchFamily="49" charset="77"/>
+              </a:rPr>
+              <a:t>How     many ‘lines’</a:t>
+            </a:r>
+          </a:p>
+          <a:p>
+            <a:pPr marL="0" indent="0">
+              <a:buNone/>
+            </a:pPr>
+            <a:r>
+              <a:rPr lang="en-US" sz="2000" b="1" dirty="0">
+                <a:solidFill>
+                  <a:srgbClr val="000000"/>
+                </a:solidFill>
+                <a:latin typeface="Inconsolata Medium" panose="020B0609030003000000" pitchFamily="49" charset="77"/>
+              </a:rPr>
+              <a:t>are</a:t>
+            </a:r>
+          </a:p>
+          <a:p>
+            <a:pPr marL="0" indent="0">
+              <a:buNone/>
+            </a:pPr>
+            <a:r>
+              <a:rPr lang="en-US" sz="2000" b="1" dirty="0">
+                <a:solidFill>
+                  <a:srgbClr val="000000"/>
+                </a:solidFill>
+                <a:latin typeface="Inconsolata Medium" panose="020B0609030003000000" pitchFamily="49" charset="77"/>
+              </a:rPr>
+              <a:t>shown</a:t>
+            </a:r>
+          </a:p>
+          <a:p>
+            <a:pPr marL="0" indent="0">
+              <a:buNone/>
+            </a:pPr>
+            <a:r>
+              <a:rPr lang="en-US" sz="2000" b="1" dirty="0">
+                <a:solidFill>
+                  <a:srgbClr val="000000"/>
+                </a:solidFill>
+                <a:latin typeface="Inconsolata Medium" panose="020B0609030003000000" pitchFamily="49" charset="77"/>
+              </a:rPr>
+              <a:t>“here”?</a:t>
+            </a:r>
+          </a:p>
+          <a:p>
+            <a:pPr lvl="1">
+              <a:spcBef>
+                <a:spcPts val="500"/>
+              </a:spcBef>
+              <a:buFontTx/>
+              <a:buNone/>
+            </a:pPr>
+            <a:endParaRPr lang="en-GB" altLang="en-US" dirty="0">
+              <a:ea typeface="ＭＳ Ｐゴシック" panose="020B0600070205080204" pitchFamily="34" charset="-128"/>
+            </a:endParaRPr>
+          </a:p>
+        </p:txBody>
+      </p:sp>
+    </p:spTree>
+    <p:extLst>
+      <p:ext uri="{BB962C8B-B14F-4D97-AF65-F5344CB8AC3E}">
+        <p14:creationId xmlns:p14="http://schemas.microsoft.com/office/powerpoint/2010/main" val="4019361075"/>
+      </p:ext>
+    </p:extLst>
+  </p:cSld>
+  <p:clrMapOvr>
+    <a:masterClrMapping/>
+  </p:clrMapOvr>
+</p:sld>
+</file>
+
+<file path=ppt/slides/slide17.xml><?xml version="1.0" encoding="utf-8"?>
+<p:sld xmlns:a="http://schemas.openxmlformats.org/drawingml/2006/main" xmlns:r="http://schemas.openxmlformats.org/officeDocument/2006/relationships" xmlns:p="http://schemas.openxmlformats.org/presentationml/2006/main">
+  <p:cSld>
+    <p:spTree>
+      <p:nvGrpSpPr>
+        <p:cNvPr id="1" name=""/>
+        <p:cNvGrpSpPr/>
+        <p:nvPr/>
+      </p:nvGrpSpPr>
+      <p:grpSpPr>
+        <a:xfrm>
+          <a:off x="0" y="0"/>
+          <a:ext cx="0" cy="0"/>
+          <a:chOff x="0" y="0"/>
+          <a:chExt cx="0" cy="0"/>
+        </a:xfrm>
+      </p:grpSpPr>
+      <p:sp>
+        <p:nvSpPr>
+          <p:cNvPr id="2" name="Title 1">
+            <a:extLst>
+              <a:ext uri="{FF2B5EF4-FFF2-40B4-BE49-F238E27FC236}">
+                <a16:creationId xmlns:a16="http://schemas.microsoft.com/office/drawing/2014/main" id="{AA3A228F-61D0-D949-A5E7-F83756230BF8}"/>
+              </a:ext>
+            </a:extLst>
+          </p:cNvPr>
+          <p:cNvSpPr>
+            <a:spLocks noGrp="1"/>
+          </p:cNvSpPr>
+          <p:nvPr>
+            <p:ph type="title"/>
+          </p:nvPr>
+        </p:nvSpPr>
+        <p:spPr>
+          <a:xfrm>
+            <a:off x="483848" y="467027"/>
+            <a:ext cx="7053542" cy="683886"/>
+          </a:xfrm>
+        </p:spPr>
+        <p:txBody>
+          <a:bodyPr/>
+          <a:lstStyle/>
+          <a:p>
+            <a:r>
+              <a:rPr lang="en-US" dirty="0"/>
+              <a:t>Multiline String</a:t>
+            </a:r>
+          </a:p>
+        </p:txBody>
+      </p:sp>
+      <p:sp>
+        <p:nvSpPr>
+          <p:cNvPr id="9" name="Content Placeholder 8">
+            <a:extLst>
+              <a:ext uri="{FF2B5EF4-FFF2-40B4-BE49-F238E27FC236}">
+                <a16:creationId xmlns:a16="http://schemas.microsoft.com/office/drawing/2014/main" id="{E3B2E017-30B2-884B-A113-B419A2ED51AD}"/>
+              </a:ext>
+            </a:extLst>
+          </p:cNvPr>
+          <p:cNvSpPr>
+            <a:spLocks noGrp="1"/>
+          </p:cNvSpPr>
+          <p:nvPr>
+            <p:ph idx="1"/>
+          </p:nvPr>
+        </p:nvSpPr>
+        <p:spPr>
+          <a:xfrm>
+            <a:off x="483848" y="1039091"/>
+            <a:ext cx="8497782" cy="4552412"/>
+          </a:xfrm>
+        </p:spPr>
+        <p:txBody>
+          <a:bodyPr>
+            <a:noAutofit/>
+          </a:bodyPr>
+          <a:lstStyle/>
+          <a:p>
+            <a:pPr marL="0" indent="0">
+              <a:spcBef>
+                <a:spcPts val="600"/>
+              </a:spcBef>
+              <a:buFontTx/>
+              <a:buNone/>
+            </a:pPr>
+            <a:r>
+              <a:rPr lang="en-US" dirty="0"/>
+              <a:t>To span multiple lines, put three single quotes or three double quotes around the string instead of one. The string can then span as many lines as you want:</a:t>
+            </a:r>
+            <a:endParaRPr lang="en-GB" sz="2000" b="1" dirty="0">
+              <a:solidFill>
+                <a:srgbClr val="34A327"/>
+              </a:solidFill>
+              <a:latin typeface="Inconsolata Medium" panose="020B0609030003000000" pitchFamily="49" charset="77"/>
+              <a:ea typeface="ＭＳ Ｐゴシック" panose="020B0600070205080204" pitchFamily="34" charset="-128"/>
+            </a:endParaRPr>
+          </a:p>
+          <a:p>
+            <a:pPr marL="0" indent="0">
+              <a:buNone/>
+            </a:pPr>
+            <a:r>
+              <a:rPr lang="en-US" b="1" dirty="0">
+                <a:solidFill>
+                  <a:srgbClr val="34A327"/>
+                </a:solidFill>
+                <a:latin typeface="Inconsolata Medium" panose="020B0609030003000000" pitchFamily="49" charset="77"/>
+              </a:rPr>
+              <a:t>In [</a:t>
+            </a:r>
+            <a:r>
+              <a:rPr lang="en-US" b="1" dirty="0">
+                <a:solidFill>
+                  <a:srgbClr val="2EE721"/>
+                </a:solidFill>
+                <a:latin typeface="Inconsolata Medium" panose="020B0609030003000000" pitchFamily="49" charset="77"/>
+              </a:rPr>
+              <a:t>1</a:t>
+            </a:r>
+            <a:r>
+              <a:rPr lang="en-US" b="1" dirty="0">
+                <a:solidFill>
+                  <a:srgbClr val="34A327"/>
+                </a:solidFill>
+                <a:latin typeface="Inconsolata Medium" panose="020B0609030003000000" pitchFamily="49" charset="77"/>
+              </a:rPr>
+              <a:t>]: </a:t>
+            </a:r>
+            <a:r>
+              <a:rPr lang="en-US" b="1" i="1" dirty="0">
+                <a:solidFill>
+                  <a:srgbClr val="CD7923"/>
+                </a:solidFill>
+                <a:latin typeface="Inconsolata Medium" panose="020B0609030003000000" pitchFamily="49" charset="77"/>
+              </a:rPr>
+              <a:t>'''three</a:t>
+            </a:r>
+            <a:r>
+              <a:rPr lang="en-US" b="1" dirty="0">
+                <a:solidFill>
+                  <a:srgbClr val="000000"/>
+                </a:solidFill>
+                <a:latin typeface="Inconsolata Medium" panose="020B0609030003000000" pitchFamily="49" charset="77"/>
+              </a:rPr>
+              <a:t> </a:t>
+            </a:r>
+            <a:endParaRPr lang="en-US" b="1" dirty="0">
+              <a:solidFill>
+                <a:srgbClr val="CD7923"/>
+              </a:solidFill>
+              <a:latin typeface="Inconsolata Medium" panose="020B0609030003000000" pitchFamily="49" charset="77"/>
+            </a:endParaRPr>
+          </a:p>
+          <a:p>
+            <a:pPr marL="0" indent="0">
+              <a:buNone/>
+            </a:pPr>
+            <a:r>
+              <a:rPr lang="en-US" b="1" dirty="0">
+                <a:solidFill>
+                  <a:srgbClr val="34A327"/>
+                </a:solidFill>
+                <a:latin typeface="Inconsolata Medium" panose="020B0609030003000000" pitchFamily="49" charset="77"/>
+              </a:rPr>
+              <a:t>         </a:t>
+            </a:r>
+            <a:r>
+              <a:rPr lang="en-US" b="1" i="1" dirty="0">
+                <a:solidFill>
+                  <a:srgbClr val="CD7923"/>
+                </a:solidFill>
+                <a:latin typeface="Inconsolata Medium" panose="020B0609030003000000" pitchFamily="49" charset="77"/>
+              </a:rPr>
+              <a:t>lines </a:t>
+            </a:r>
+            <a:r>
+              <a:rPr lang="en-US" b="1" dirty="0">
+                <a:solidFill>
+                  <a:srgbClr val="000000"/>
+                </a:solidFill>
+                <a:latin typeface="Inconsolata Medium" panose="020B0609030003000000" pitchFamily="49" charset="77"/>
+              </a:rPr>
+              <a:t> </a:t>
+            </a:r>
+            <a:endParaRPr lang="en-US" b="1" dirty="0">
+              <a:solidFill>
+                <a:srgbClr val="34A327"/>
+              </a:solidFill>
+              <a:latin typeface="Inconsolata Medium" panose="020B0609030003000000" pitchFamily="49" charset="77"/>
+            </a:endParaRPr>
+          </a:p>
+          <a:p>
+            <a:pPr marL="0" indent="0">
+              <a:buNone/>
+            </a:pPr>
+            <a:r>
+              <a:rPr lang="en-US" b="1" dirty="0">
+                <a:solidFill>
+                  <a:srgbClr val="34A327"/>
+                </a:solidFill>
+                <a:latin typeface="Inconsolata Medium" panose="020B0609030003000000" pitchFamily="49" charset="77"/>
+              </a:rPr>
+              <a:t>         </a:t>
+            </a:r>
+            <a:r>
+              <a:rPr lang="en-US" b="1" i="1" dirty="0">
+                <a:solidFill>
+                  <a:srgbClr val="CD7923"/>
+                </a:solidFill>
+                <a:latin typeface="Inconsolata Medium" panose="020B0609030003000000" pitchFamily="49" charset="77"/>
+              </a:rPr>
+              <a:t>of     </a:t>
+            </a:r>
+          </a:p>
+          <a:p>
+            <a:pPr marL="0" indent="0">
+              <a:buNone/>
+            </a:pPr>
+            <a:r>
+              <a:rPr lang="en-US" b="1" i="1" dirty="0">
+                <a:solidFill>
+                  <a:srgbClr val="CD7923"/>
+                </a:solidFill>
+                <a:latin typeface="Inconsolata Medium" panose="020B0609030003000000" pitchFamily="49" charset="77"/>
+              </a:rPr>
+              <a:t>         output’’’   </a:t>
+            </a:r>
+          </a:p>
+          <a:p>
+            <a:pPr marL="0" indent="0">
+              <a:buNone/>
+            </a:pPr>
+            <a:r>
+              <a:rPr lang="en-US" b="1" dirty="0">
+                <a:solidFill>
+                  <a:srgbClr val="B23622"/>
+                </a:solidFill>
+                <a:latin typeface="Inconsolata Medium" panose="020B0609030003000000" pitchFamily="49" charset="77"/>
+              </a:rPr>
+              <a:t>Out[</a:t>
+            </a:r>
+            <a:r>
+              <a:rPr lang="en-US" b="1" dirty="0">
+                <a:solidFill>
+                  <a:srgbClr val="FF3B1E"/>
+                </a:solidFill>
+                <a:latin typeface="Inconsolata Medium" panose="020B0609030003000000" pitchFamily="49" charset="77"/>
+              </a:rPr>
+              <a:t>1</a:t>
+            </a:r>
+            <a:r>
+              <a:rPr lang="en-US" b="1" dirty="0">
+                <a:solidFill>
+                  <a:srgbClr val="B23622"/>
+                </a:solidFill>
+                <a:latin typeface="Inconsolata Medium" panose="020B0609030003000000" pitchFamily="49" charset="77"/>
+              </a:rPr>
+              <a:t>]: </a:t>
+            </a:r>
+            <a:r>
+              <a:rPr lang="en-US" b="1" dirty="0">
+                <a:solidFill>
+                  <a:srgbClr val="000000"/>
+                </a:solidFill>
+                <a:latin typeface="Inconsolata Medium" panose="020B0609030003000000" pitchFamily="49" charset="77"/>
+              </a:rPr>
+              <a:t>'three\</a:t>
+            </a:r>
+            <a:r>
+              <a:rPr lang="en-US" b="1" dirty="0" err="1">
+                <a:solidFill>
+                  <a:srgbClr val="000000"/>
+                </a:solidFill>
+                <a:latin typeface="Inconsolata Medium" panose="020B0609030003000000" pitchFamily="49" charset="77"/>
+              </a:rPr>
+              <a:t>nlines</a:t>
+            </a:r>
+            <a:r>
+              <a:rPr lang="en-US" b="1" dirty="0">
+                <a:solidFill>
+                  <a:srgbClr val="000000"/>
+                </a:solidFill>
+                <a:latin typeface="Inconsolata Medium" panose="020B0609030003000000" pitchFamily="49" charset="77"/>
+              </a:rPr>
+              <a:t> \</a:t>
+            </a:r>
+            <a:r>
+              <a:rPr lang="en-US" b="1" dirty="0" err="1">
+                <a:solidFill>
+                  <a:srgbClr val="000000"/>
+                </a:solidFill>
+                <a:latin typeface="Inconsolata Medium" panose="020B0609030003000000" pitchFamily="49" charset="77"/>
+              </a:rPr>
+              <a:t>nof</a:t>
+            </a:r>
+            <a:r>
+              <a:rPr lang="en-US" b="1" dirty="0">
+                <a:solidFill>
+                  <a:srgbClr val="000000"/>
+                </a:solidFill>
+                <a:latin typeface="Inconsolata Medium" panose="020B0609030003000000" pitchFamily="49" charset="77"/>
+              </a:rPr>
+              <a:t> output’</a:t>
+            </a:r>
+          </a:p>
+          <a:p>
+            <a:pPr marL="0" indent="0">
+              <a:spcBef>
+                <a:spcPts val="600"/>
+              </a:spcBef>
+              <a:buFontTx/>
+              <a:buNone/>
+            </a:pPr>
+            <a:endParaRPr lang="en-US" sz="2000" dirty="0"/>
+          </a:p>
+          <a:p>
+            <a:pPr marL="0" indent="0">
+              <a:spcBef>
+                <a:spcPts val="600"/>
+              </a:spcBef>
+              <a:buFontTx/>
+              <a:buNone/>
+            </a:pPr>
+            <a:r>
+              <a:rPr lang="en-US" sz="2000" dirty="0"/>
+              <a:t>Notice that the string Python creates contains a \n sequence everywhere our input started a new line. Each newline is a character in the string. </a:t>
+            </a:r>
+          </a:p>
+          <a:p>
+            <a:pPr marL="0" indent="0">
+              <a:spcBef>
+                <a:spcPts val="600"/>
+              </a:spcBef>
+              <a:buFontTx/>
+              <a:buNone/>
+            </a:pPr>
+            <a:endParaRPr lang="en-US" sz="2000" dirty="0"/>
+          </a:p>
+          <a:p>
+            <a:pPr marL="0" indent="0">
+              <a:spcBef>
+                <a:spcPts val="600"/>
+              </a:spcBef>
+              <a:buFontTx/>
+              <a:buNone/>
+            </a:pPr>
+            <a:r>
+              <a:rPr lang="en-US" sz="2000" dirty="0"/>
+              <a:t>Multiline strings are often used in documentation strings as we will see later. </a:t>
+            </a:r>
+          </a:p>
+          <a:p>
+            <a:pPr marL="0" indent="0">
+              <a:spcBef>
+                <a:spcPts val="600"/>
+              </a:spcBef>
+              <a:buFontTx/>
+              <a:buNone/>
+            </a:pPr>
+            <a:endParaRPr lang="en-US" sz="2000" b="1" dirty="0">
+              <a:solidFill>
+                <a:srgbClr val="34A327"/>
+              </a:solidFill>
+              <a:latin typeface="Inconsolata Medium" panose="020B0609030003000000" pitchFamily="49" charset="77"/>
+            </a:endParaRPr>
+          </a:p>
+        </p:txBody>
+      </p:sp>
+    </p:spTree>
+    <p:extLst>
+      <p:ext uri="{BB962C8B-B14F-4D97-AF65-F5344CB8AC3E}">
+        <p14:creationId xmlns:p14="http://schemas.microsoft.com/office/powerpoint/2010/main" val="3334677996"/>
+      </p:ext>
+    </p:extLst>
+  </p:cSld>
+  <p:clrMapOvr>
+    <a:masterClrMapping/>
+  </p:clrMapOvr>
+</p:sld>
+</file>
+
+<file path=ppt/slides/slide18.xml><?xml version="1.0" encoding="utf-8"?>
+<p:sld xmlns:a="http://schemas.openxmlformats.org/drawingml/2006/main" xmlns:r="http://schemas.openxmlformats.org/officeDocument/2006/relationships" xmlns:p="http://schemas.openxmlformats.org/presentationml/2006/main">
+  <p:cSld>
+    <p:spTree>
+      <p:nvGrpSpPr>
+        <p:cNvPr id="1" name=""/>
+        <p:cNvGrpSpPr/>
+        <p:nvPr/>
+      </p:nvGrpSpPr>
+      <p:grpSpPr>
+        <a:xfrm>
+          <a:off x="0" y="0"/>
+          <a:ext cx="0" cy="0"/>
+          <a:chOff x="0" y="0"/>
+          <a:chExt cx="0" cy="0"/>
+        </a:xfrm>
+      </p:grpSpPr>
+      <p:sp>
+        <p:nvSpPr>
+          <p:cNvPr id="2" name="Title 1">
+            <a:extLst>
+              <a:ext uri="{FF2B5EF4-FFF2-40B4-BE49-F238E27FC236}">
+                <a16:creationId xmlns:a16="http://schemas.microsoft.com/office/drawing/2014/main" id="{AA3A228F-61D0-D949-A5E7-F83756230BF8}"/>
+              </a:ext>
+            </a:extLst>
+          </p:cNvPr>
+          <p:cNvSpPr>
+            <a:spLocks noGrp="1"/>
+          </p:cNvSpPr>
+          <p:nvPr>
+            <p:ph type="title"/>
+          </p:nvPr>
+        </p:nvSpPr>
+        <p:spPr>
+          <a:xfrm>
+            <a:off x="483848" y="467027"/>
+            <a:ext cx="7053542" cy="683886"/>
+          </a:xfrm>
+        </p:spPr>
+        <p:txBody>
+          <a:bodyPr/>
+          <a:lstStyle/>
+          <a:p>
+            <a:r>
+              <a:rPr lang="en-US" dirty="0"/>
+              <a:t>String Methods</a:t>
             </a:r>
           </a:p>
         </p:txBody>
@@ -5787,6 +6835,24 @@
             <a:pPr marL="0" indent="0">
               <a:buNone/>
             </a:pPr>
+            <a:r>
+              <a:rPr lang="en-US" dirty="0"/>
+              <a:t>The following is a short list of useful string methods. These methods can be accessed through the dot notation applied to a string variable or literal. </a:t>
+            </a:r>
+          </a:p>
+          <a:p>
+            <a:pPr marL="0" indent="0">
+              <a:buNone/>
+            </a:pPr>
+            <a:r>
+              <a:rPr lang="en-US" dirty="0"/>
+              <a:t> </a:t>
+            </a:r>
+          </a:p>
+          <a:p>
+            <a:pPr marL="0" indent="0">
+              <a:buNone/>
+            </a:pPr>
             <a:endParaRPr lang="en-US" dirty="0"/>
           </a:p>
           <a:p>
@@ -5799,90 +6865,634 @@
             <a:pPr marL="0" indent="0">
               <a:buNone/>
             </a:pPr>
+            <a:r>
+              <a:rPr lang="en-US" dirty="0"/>
+              <a:t> </a:t>
+            </a:r>
+          </a:p>
+          <a:p>
+            <a:pPr marL="0" indent="0">
+              <a:buNone/>
+            </a:pPr>
             <a:endParaRPr lang="en-US" dirty="0"/>
           </a:p>
           <a:p>
-            <a:pPr marL="457200" indent="-457200">
-              <a:buAutoNum type="arabicParenR"/>
-            </a:pPr>
-            <a:r>
-              <a:rPr lang="en-US" dirty="0" err="1"/>
-              <a:t>Vanderplas</a:t>
-            </a:r>
+            <a:pPr marL="0" indent="0">
+              <a:buNone/>
+            </a:pPr>
+            <a:endParaRPr lang="en-US" dirty="0"/>
+          </a:p>
+        </p:txBody>
+      </p:sp>
+      <p:graphicFrame>
+        <p:nvGraphicFramePr>
+          <p:cNvPr id="3" name="Table 2">
+            <a:extLst>
+              <a:ext uri="{FF2B5EF4-FFF2-40B4-BE49-F238E27FC236}">
+                <a16:creationId xmlns:a16="http://schemas.microsoft.com/office/drawing/2014/main" id="{57EBABBC-BF53-D54B-B535-A6EEF3CDBAF8}"/>
+              </a:ext>
+            </a:extLst>
+          </p:cNvPr>
+          <p:cNvGraphicFramePr>
+            <a:graphicFrameLocks noGrp="1"/>
+          </p:cNvGraphicFramePr>
+          <p:nvPr>
+            <p:extLst>
+              <p:ext uri="{D42A27DB-BD31-4B8C-83A1-F6EECF244321}">
+                <p14:modId xmlns:p14="http://schemas.microsoft.com/office/powerpoint/2010/main" val="2195413804"/>
+              </p:ext>
+            </p:extLst>
+          </p:nvPr>
+        </p:nvGraphicFramePr>
+        <p:xfrm>
+          <a:off x="483848" y="2120900"/>
+          <a:ext cx="8293100" cy="3505200"/>
+        </p:xfrm>
+        <a:graphic>
+          <a:graphicData uri="http://schemas.openxmlformats.org/drawingml/2006/table">
+            <a:tbl>
+              <a:tblPr firstRow="1" bandRow="1">
+                <a:tableStyleId>{5940675A-B579-460E-94D1-54222C63F5DA}</a:tableStyleId>
+              </a:tblPr>
+              <a:tblGrid>
+                <a:gridCol w="2487952">
+                  <a:extLst>
+                    <a:ext uri="{9D8B030D-6E8A-4147-A177-3AD203B41FA5}">
+                      <a16:colId xmlns:a16="http://schemas.microsoft.com/office/drawing/2014/main" val="1372689344"/>
+                    </a:ext>
+                  </a:extLst>
+                </a:gridCol>
+                <a:gridCol w="5805148">
+                  <a:extLst>
+                    <a:ext uri="{9D8B030D-6E8A-4147-A177-3AD203B41FA5}">
+                      <a16:colId xmlns:a16="http://schemas.microsoft.com/office/drawing/2014/main" val="25896437"/>
+                    </a:ext>
+                  </a:extLst>
+                </a:gridCol>
+              </a:tblGrid>
+              <a:tr h="604520">
+                <a:tc>
+                  <a:txBody>
+                    <a:bodyPr/>
+                    <a:lstStyle/>
+                    <a:p>
+                      <a:r>
+                        <a:rPr lang="en-US" sz="2000" dirty="0"/>
+                        <a:t>count(value)</a:t>
+                      </a:r>
+                    </a:p>
+                  </a:txBody>
+                  <a:tcPr/>
+                </a:tc>
+                <a:tc>
+                  <a:txBody>
+                    <a:bodyPr/>
+                    <a:lstStyle/>
+                    <a:p>
+                      <a:r>
+                        <a:rPr lang="en-US" sz="2000" dirty="0"/>
+                        <a:t>returns the number of times value appears in the string. </a:t>
+                      </a:r>
+                    </a:p>
+                  </a:txBody>
+                  <a:tcPr/>
+                </a:tc>
+                <a:extLst>
+                  <a:ext uri="{0D108BD9-81ED-4DB2-BD59-A6C34878D82A}">
+                    <a16:rowId xmlns:a16="http://schemas.microsoft.com/office/drawing/2014/main" val="2024864045"/>
+                  </a:ext>
+                </a:extLst>
+              </a:tr>
+              <a:tr h="604520">
+                <a:tc>
+                  <a:txBody>
+                    <a:bodyPr/>
+                    <a:lstStyle/>
+                    <a:p>
+                      <a:r>
+                        <a:rPr lang="en-US" sz="2000" dirty="0"/>
+                        <a:t>find(value)</a:t>
+                      </a:r>
+                    </a:p>
+                  </a:txBody>
+                  <a:tcPr/>
+                </a:tc>
+                <a:tc>
+                  <a:txBody>
+                    <a:bodyPr/>
+                    <a:lstStyle/>
+                    <a:p>
+                      <a:r>
+                        <a:rPr lang="en-US" sz="2000" dirty="0"/>
+                        <a:t>returns the lowest index of a substring value in a string. If substring is not found, returns -1.</a:t>
+                      </a:r>
+                    </a:p>
+                  </a:txBody>
+                  <a:tcPr/>
+                </a:tc>
+                <a:extLst>
+                  <a:ext uri="{0D108BD9-81ED-4DB2-BD59-A6C34878D82A}">
+                    <a16:rowId xmlns:a16="http://schemas.microsoft.com/office/drawing/2014/main" val="3567364839"/>
+                  </a:ext>
+                </a:extLst>
+              </a:tr>
+              <a:tr h="604520">
+                <a:tc>
+                  <a:txBody>
+                    <a:bodyPr/>
+                    <a:lstStyle/>
+                    <a:p>
+                      <a:r>
+                        <a:rPr lang="en-US" sz="2000" dirty="0"/>
+                        <a:t>upper() and lower()</a:t>
+                      </a:r>
+                    </a:p>
+                  </a:txBody>
+                  <a:tcPr/>
+                </a:tc>
+                <a:tc>
+                  <a:txBody>
+                    <a:bodyPr/>
+                    <a:lstStyle/>
+                    <a:p>
+                      <a:r>
+                        <a:rPr lang="en-US" sz="2000" dirty="0"/>
+                        <a:t>returns a copy of the string capitalizing(or lower casing) all characters in the  string</a:t>
+                      </a:r>
+                    </a:p>
+                  </a:txBody>
+                  <a:tcPr/>
+                </a:tc>
+                <a:extLst>
+                  <a:ext uri="{0D108BD9-81ED-4DB2-BD59-A6C34878D82A}">
+                    <a16:rowId xmlns:a16="http://schemas.microsoft.com/office/drawing/2014/main" val="2059888123"/>
+                  </a:ext>
+                </a:extLst>
+              </a:tr>
+              <a:tr h="604520">
+                <a:tc>
+                  <a:txBody>
+                    <a:bodyPr/>
+                    <a:lstStyle/>
+                    <a:p>
+                      <a:r>
+                        <a:rPr lang="en-US" sz="2000" dirty="0"/>
+                        <a:t>strip()</a:t>
+                      </a:r>
+                    </a:p>
+                  </a:txBody>
+                  <a:tcPr/>
+                </a:tc>
+                <a:tc>
+                  <a:txBody>
+                    <a:bodyPr/>
+                    <a:lstStyle/>
+                    <a:p>
+                      <a:r>
+                        <a:rPr lang="en-US" sz="2000" dirty="0"/>
+                        <a:t>returns a copy of the string with all leading and trailing whitespace and newline('\n) characters removed</a:t>
+                      </a:r>
+                    </a:p>
+                  </a:txBody>
+                  <a:tcPr/>
+                </a:tc>
+                <a:extLst>
+                  <a:ext uri="{0D108BD9-81ED-4DB2-BD59-A6C34878D82A}">
+                    <a16:rowId xmlns:a16="http://schemas.microsoft.com/office/drawing/2014/main" val="1451943925"/>
+                  </a:ext>
+                </a:extLst>
+              </a:tr>
+              <a:tr h="604520">
+                <a:tc>
+                  <a:txBody>
+                    <a:bodyPr/>
+                    <a:lstStyle/>
+                    <a:p>
+                      <a:r>
+                        <a:rPr lang="en-US" sz="2000" dirty="0"/>
+                        <a:t>replace(old, new)</a:t>
+                      </a:r>
+                    </a:p>
+                  </a:txBody>
+                  <a:tcPr/>
+                </a:tc>
+                <a:tc>
+                  <a:txBody>
+                    <a:bodyPr/>
+                    <a:lstStyle/>
+                    <a:p>
+                      <a:r>
+                        <a:rPr lang="en-US" sz="2000" dirty="0"/>
+                        <a:t>returns a copy of the string replacing every occurrence of old substring with new substring</a:t>
+                      </a:r>
+                    </a:p>
+                  </a:txBody>
+                  <a:tcPr/>
+                </a:tc>
+                <a:extLst>
+                  <a:ext uri="{0D108BD9-81ED-4DB2-BD59-A6C34878D82A}">
+                    <a16:rowId xmlns:a16="http://schemas.microsoft.com/office/drawing/2014/main" val="2235833852"/>
+                  </a:ext>
+                </a:extLst>
+              </a:tr>
+            </a:tbl>
+          </a:graphicData>
+        </a:graphic>
+      </p:graphicFrame>
+    </p:spTree>
+    <p:extLst>
+      <p:ext uri="{BB962C8B-B14F-4D97-AF65-F5344CB8AC3E}">
+        <p14:creationId xmlns:p14="http://schemas.microsoft.com/office/powerpoint/2010/main" val="1511080215"/>
+      </p:ext>
+    </p:extLst>
+  </p:cSld>
+  <p:clrMapOvr>
+    <a:masterClrMapping/>
+  </p:clrMapOvr>
+</p:sld>
+</file>
+
+<file path=ppt/slides/slide19.xml><?xml version="1.0" encoding="utf-8"?>
+<p:sld xmlns:a="http://schemas.openxmlformats.org/drawingml/2006/main" xmlns:r="http://schemas.openxmlformats.org/officeDocument/2006/relationships" xmlns:p="http://schemas.openxmlformats.org/presentationml/2006/main">
+  <p:cSld>
+    <p:spTree>
+      <p:nvGrpSpPr>
+        <p:cNvPr id="1" name=""/>
+        <p:cNvGrpSpPr/>
+        <p:nvPr/>
+      </p:nvGrpSpPr>
+      <p:grpSpPr>
+        <a:xfrm>
+          <a:off x="0" y="0"/>
+          <a:ext cx="0" cy="0"/>
+          <a:chOff x="0" y="0"/>
+          <a:chExt cx="0" cy="0"/>
+        </a:xfrm>
+      </p:grpSpPr>
+      <p:sp>
+        <p:nvSpPr>
+          <p:cNvPr id="2" name="Title 1">
+            <a:extLst>
+              <a:ext uri="{FF2B5EF4-FFF2-40B4-BE49-F238E27FC236}">
+                <a16:creationId xmlns:a16="http://schemas.microsoft.com/office/drawing/2014/main" id="{AA3A228F-61D0-D949-A5E7-F83756230BF8}"/>
+              </a:ext>
+            </a:extLst>
+          </p:cNvPr>
+          <p:cNvSpPr>
+            <a:spLocks noGrp="1"/>
+          </p:cNvSpPr>
+          <p:nvPr>
+            <p:ph type="title"/>
+          </p:nvPr>
+        </p:nvSpPr>
+        <p:spPr>
+          <a:xfrm>
+            <a:off x="483848" y="467027"/>
+            <a:ext cx="7053542" cy="683886"/>
+          </a:xfrm>
+        </p:spPr>
+        <p:txBody>
+          <a:bodyPr/>
+          <a:lstStyle/>
+          <a:p>
             <a:r>
               <a:rPr lang="en-US" dirty="0"/>
-              <a:t>, Jake, A Whirlwind Tour of Python, </a:t>
-            </a:r>
-            <a:r>
-              <a:rPr lang="en-US" dirty="0" err="1"/>
-              <a:t>O’reilly</a:t>
-            </a:r>
-            <a:r>
-              <a:rPr lang="en-US" dirty="0"/>
-              <a:t> Media.</a:t>
-            </a:r>
-          </a:p>
-          <a:p>
-            <a:pPr marL="0" indent="0">
-              <a:buNone/>
-            </a:pPr>
-            <a:r>
-              <a:rPr lang="en-US" dirty="0"/>
-              <a:t>This book is completely free and can be downloaded online at </a:t>
-            </a:r>
-            <a:r>
-              <a:rPr lang="en-US" dirty="0" err="1"/>
-              <a:t>O’reilly’s</a:t>
-            </a:r>
-            <a:r>
-              <a:rPr lang="en-US" dirty="0"/>
-              <a:t> site. </a:t>
-            </a:r>
-          </a:p>
-          <a:p>
-            <a:pPr marL="457200" indent="-457200">
-              <a:buAutoNum type="arabicParenR"/>
-            </a:pPr>
-            <a:endParaRPr lang="en-US" dirty="0"/>
-          </a:p>
-          <a:p>
-            <a:pPr marL="0" indent="0">
-              <a:buNone/>
-            </a:pPr>
-            <a:r>
-              <a:rPr lang="en-US" dirty="0"/>
-              <a:t>2)   Paul </a:t>
-            </a:r>
-            <a:r>
-              <a:rPr lang="en-US" dirty="0" err="1"/>
-              <a:t>Gries</a:t>
-            </a:r>
-            <a:r>
-              <a:rPr lang="en-US" dirty="0"/>
-              <a:t>, Jennifer Campbell, Jason </a:t>
-            </a:r>
-            <a:r>
-              <a:rPr lang="en-US" dirty="0" err="1"/>
-              <a:t>Montojo</a:t>
-            </a:r>
-            <a:r>
-              <a:rPr lang="en-US" dirty="0"/>
-              <a:t>, Practical Programming, The Pragmatic </a:t>
-            </a:r>
-            <a:r>
-              <a:rPr lang="en-US" dirty="0" err="1"/>
-              <a:t>Bookself</a:t>
-            </a:r>
-            <a:r>
-              <a:rPr lang="en-US" dirty="0"/>
-              <a:t>. 2017.</a:t>
-            </a:r>
-          </a:p>
-          <a:p>
-            <a:pPr marL="0" indent="0">
-              <a:buNone/>
-            </a:pPr>
-            <a:endParaRPr lang="en-US" dirty="0"/>
+              <a:t>String Methods</a:t>
+            </a:r>
+          </a:p>
+        </p:txBody>
+      </p:sp>
+      <p:sp>
+        <p:nvSpPr>
+          <p:cNvPr id="9" name="Content Placeholder 8">
+            <a:extLst>
+              <a:ext uri="{FF2B5EF4-FFF2-40B4-BE49-F238E27FC236}">
+                <a16:creationId xmlns:a16="http://schemas.microsoft.com/office/drawing/2014/main" id="{E3B2E017-30B2-884B-A113-B419A2ED51AD}"/>
+              </a:ext>
+            </a:extLst>
+          </p:cNvPr>
+          <p:cNvSpPr>
+            <a:spLocks noGrp="1"/>
+          </p:cNvSpPr>
+          <p:nvPr>
+            <p:ph idx="1"/>
+          </p:nvPr>
+        </p:nvSpPr>
+        <p:spPr>
+          <a:xfrm>
+            <a:off x="483848" y="1150913"/>
+            <a:ext cx="8051725" cy="4440590"/>
+          </a:xfrm>
+        </p:spPr>
+        <p:txBody>
+          <a:bodyPr>
+            <a:noAutofit/>
+          </a:bodyPr>
+          <a:lstStyle/>
+          <a:p>
+            <a:pPr marL="0" indent="0">
+              <a:buNone/>
+            </a:pPr>
+            <a:r>
+              <a:rPr lang="en-US" sz="2400" b="1" dirty="0">
+                <a:solidFill>
+                  <a:srgbClr val="000087"/>
+                </a:solidFill>
+                <a:latin typeface="Inconsolata Medium" panose="020B0609030003000000" pitchFamily="49" charset="77"/>
+              </a:rPr>
+              <a:t>In </a:t>
+            </a:r>
+            <a:r>
+              <a:rPr lang="en-US" sz="2400" b="1" dirty="0">
+                <a:latin typeface="Inconsolata Medium" panose="020B0609030003000000" pitchFamily="49" charset="77"/>
+              </a:rPr>
+              <a:t>[</a:t>
+            </a:r>
+            <a:r>
+              <a:rPr lang="en-US" sz="2400" b="1" dirty="0">
+                <a:solidFill>
+                  <a:srgbClr val="FF6600"/>
+                </a:solidFill>
+                <a:latin typeface="Inconsolata Medium" panose="020B0609030003000000" pitchFamily="49" charset="77"/>
+              </a:rPr>
+              <a:t>26</a:t>
+            </a:r>
+            <a:r>
+              <a:rPr lang="en-US" sz="2400" b="1" dirty="0">
+                <a:latin typeface="Inconsolata Medium" panose="020B0609030003000000" pitchFamily="49" charset="77"/>
+              </a:rPr>
+              <a:t>]: </a:t>
+            </a:r>
+            <a:r>
+              <a:rPr lang="en-US" sz="2400" b="1" dirty="0">
+                <a:solidFill>
+                  <a:srgbClr val="000087"/>
+                </a:solidFill>
+                <a:latin typeface="Inconsolata Medium" panose="020B0609030003000000" pitchFamily="49" charset="77"/>
+              </a:rPr>
+              <a:t>s = "</a:t>
+            </a:r>
+            <a:r>
+              <a:rPr lang="en-US" sz="2400" b="1" dirty="0" err="1">
+                <a:solidFill>
+                  <a:srgbClr val="000087"/>
+                </a:solidFill>
+                <a:latin typeface="Inconsolata Medium" panose="020B0609030003000000" pitchFamily="49" charset="77"/>
+              </a:rPr>
+              <a:t>hellohihellohihello</a:t>
+            </a:r>
+            <a:r>
+              <a:rPr lang="en-US" sz="2400" b="1" dirty="0">
+                <a:solidFill>
+                  <a:srgbClr val="000087"/>
+                </a:solidFill>
+                <a:latin typeface="Inconsolata Medium" panose="020B0609030003000000" pitchFamily="49" charset="77"/>
+              </a:rPr>
+              <a:t>"</a:t>
+            </a:r>
+          </a:p>
+          <a:p>
+            <a:pPr marL="0" indent="0">
+              <a:buNone/>
+            </a:pPr>
+            <a:endParaRPr lang="en-US" sz="2400" b="1" dirty="0">
+              <a:latin typeface="Inconsolata Medium" panose="020B0609030003000000" pitchFamily="49" charset="77"/>
+            </a:endParaRPr>
+          </a:p>
+          <a:p>
+            <a:pPr marL="0" indent="0">
+              <a:buNone/>
+            </a:pPr>
+            <a:r>
+              <a:rPr lang="en-US" sz="2400" b="1" dirty="0">
+                <a:solidFill>
+                  <a:srgbClr val="000087"/>
+                </a:solidFill>
+                <a:latin typeface="Inconsolata Medium" panose="020B0609030003000000" pitchFamily="49" charset="77"/>
+              </a:rPr>
+              <a:t>In </a:t>
+            </a:r>
+            <a:r>
+              <a:rPr lang="en-US" sz="2400" b="1" dirty="0">
+                <a:latin typeface="Inconsolata Medium" panose="020B0609030003000000" pitchFamily="49" charset="77"/>
+              </a:rPr>
+              <a:t>[</a:t>
+            </a:r>
+            <a:r>
+              <a:rPr lang="en-US" sz="2400" b="1" dirty="0">
+                <a:solidFill>
+                  <a:srgbClr val="FF6600"/>
+                </a:solidFill>
+                <a:latin typeface="Inconsolata Medium" panose="020B0609030003000000" pitchFamily="49" charset="77"/>
+              </a:rPr>
+              <a:t>25</a:t>
+            </a:r>
+            <a:r>
+              <a:rPr lang="en-US" sz="2400" b="1" dirty="0">
+                <a:latin typeface="Inconsolata Medium" panose="020B0609030003000000" pitchFamily="49" charset="77"/>
+              </a:rPr>
+              <a:t>]: </a:t>
+            </a:r>
+            <a:r>
+              <a:rPr lang="en-US" sz="2400" b="1" dirty="0" err="1">
+                <a:latin typeface="Inconsolata Medium" panose="020B0609030003000000" pitchFamily="49" charset="77"/>
+              </a:rPr>
+              <a:t>s.count</a:t>
+            </a:r>
+            <a:r>
+              <a:rPr lang="en-US" sz="2400" b="1" dirty="0">
+                <a:latin typeface="Inconsolata Medium" panose="020B0609030003000000" pitchFamily="49" charset="77"/>
+              </a:rPr>
+              <a:t>("hello")</a:t>
+            </a:r>
+            <a:endParaRPr lang="en-US" sz="2400" b="1" i="1" dirty="0">
+              <a:solidFill>
+                <a:srgbClr val="33566B"/>
+              </a:solidFill>
+              <a:latin typeface="Inconsolata Medium" panose="020B0609030003000000" pitchFamily="49" charset="77"/>
+            </a:endParaRPr>
+          </a:p>
+          <a:p>
+            <a:pPr marL="0" indent="0">
+              <a:buNone/>
+            </a:pPr>
+            <a:r>
+              <a:rPr lang="en-US" sz="2400" b="1" dirty="0">
+                <a:latin typeface="Inconsolata Medium" panose="020B0609030003000000" pitchFamily="49" charset="77"/>
+              </a:rPr>
+              <a:t>Out [25]: 3</a:t>
+            </a:r>
+          </a:p>
+          <a:p>
+            <a:pPr marL="0" indent="0">
+              <a:buNone/>
+            </a:pPr>
+            <a:endParaRPr lang="en-US" sz="2400" b="1" dirty="0">
+              <a:latin typeface="Inconsolata Medium" panose="020B0609030003000000" pitchFamily="49" charset="77"/>
+            </a:endParaRPr>
+          </a:p>
+          <a:p>
+            <a:pPr marL="0" indent="0">
+              <a:buNone/>
+            </a:pPr>
+            <a:r>
+              <a:rPr lang="en-US" sz="2400" b="1" dirty="0">
+                <a:solidFill>
+                  <a:srgbClr val="000087"/>
+                </a:solidFill>
+                <a:latin typeface="Inconsolata Medium" panose="020B0609030003000000" pitchFamily="49" charset="77"/>
+              </a:rPr>
+              <a:t>In </a:t>
+            </a:r>
+            <a:r>
+              <a:rPr lang="en-US" sz="2400" b="1" dirty="0">
+                <a:latin typeface="Inconsolata Medium" panose="020B0609030003000000" pitchFamily="49" charset="77"/>
+              </a:rPr>
+              <a:t>[</a:t>
+            </a:r>
+            <a:r>
+              <a:rPr lang="en-US" sz="2400" b="1" dirty="0">
+                <a:solidFill>
+                  <a:srgbClr val="FF6600"/>
+                </a:solidFill>
+                <a:latin typeface="Inconsolata Medium" panose="020B0609030003000000" pitchFamily="49" charset="77"/>
+              </a:rPr>
+              <a:t>25</a:t>
+            </a:r>
+            <a:r>
+              <a:rPr lang="en-US" sz="2400" b="1" dirty="0">
+                <a:latin typeface="Inconsolata Medium" panose="020B0609030003000000" pitchFamily="49" charset="77"/>
+              </a:rPr>
+              <a:t>]: </a:t>
+            </a:r>
+            <a:r>
+              <a:rPr lang="en-US" sz="2400" b="1" dirty="0" err="1">
+                <a:latin typeface="Inconsolata Medium" panose="020B0609030003000000" pitchFamily="49" charset="77"/>
+              </a:rPr>
+              <a:t>s.find</a:t>
+            </a:r>
+            <a:r>
+              <a:rPr lang="en-US" sz="2400" b="1" dirty="0">
+                <a:latin typeface="Inconsolata Medium" panose="020B0609030003000000" pitchFamily="49" charset="77"/>
+              </a:rPr>
+              <a:t>("chao")</a:t>
+            </a:r>
+            <a:endParaRPr lang="en-US" sz="2400" b="1" i="1" dirty="0">
+              <a:solidFill>
+                <a:srgbClr val="33566B"/>
+              </a:solidFill>
+              <a:latin typeface="Inconsolata Medium" panose="020B0609030003000000" pitchFamily="49" charset="77"/>
+            </a:endParaRPr>
+          </a:p>
+          <a:p>
+            <a:pPr marL="0" indent="0">
+              <a:buNone/>
+            </a:pPr>
+            <a:r>
+              <a:rPr lang="en-US" sz="2400" b="1" dirty="0">
+                <a:latin typeface="Inconsolata Medium" panose="020B0609030003000000" pitchFamily="49" charset="77"/>
+              </a:rPr>
+              <a:t>Out [25]: -1</a:t>
+            </a:r>
+          </a:p>
+          <a:p>
+            <a:pPr marL="0" indent="0">
+              <a:buNone/>
+            </a:pPr>
+            <a:endParaRPr lang="en-US" sz="2400" b="1" dirty="0">
+              <a:latin typeface="Inconsolata Medium" panose="020B0609030003000000" pitchFamily="49" charset="77"/>
+            </a:endParaRPr>
+          </a:p>
+          <a:p>
+            <a:pPr marL="0" indent="0">
+              <a:buNone/>
+            </a:pPr>
+            <a:r>
+              <a:rPr lang="en-US" sz="2400" b="1" dirty="0">
+                <a:solidFill>
+                  <a:srgbClr val="000087"/>
+                </a:solidFill>
+                <a:latin typeface="Inconsolata Medium" panose="020B0609030003000000" pitchFamily="49" charset="77"/>
+              </a:rPr>
+              <a:t>In </a:t>
+            </a:r>
+            <a:r>
+              <a:rPr lang="en-US" sz="2400" b="1" dirty="0">
+                <a:latin typeface="Inconsolata Medium" panose="020B0609030003000000" pitchFamily="49" charset="77"/>
+              </a:rPr>
+              <a:t>[</a:t>
+            </a:r>
+            <a:r>
+              <a:rPr lang="en-US" sz="2400" b="1" dirty="0">
+                <a:solidFill>
+                  <a:srgbClr val="FF6600"/>
+                </a:solidFill>
+                <a:latin typeface="Inconsolata Medium" panose="020B0609030003000000" pitchFamily="49" charset="77"/>
+              </a:rPr>
+              <a:t>25</a:t>
+            </a:r>
+            <a:r>
+              <a:rPr lang="en-US" sz="2400" b="1" dirty="0">
+                <a:latin typeface="Inconsolata Medium" panose="020B0609030003000000" pitchFamily="49" charset="77"/>
+              </a:rPr>
+              <a:t>]: </a:t>
+            </a:r>
+            <a:r>
+              <a:rPr lang="en-US" sz="2400" b="1" dirty="0" err="1">
+                <a:latin typeface="Inconsolata Medium" panose="020B0609030003000000" pitchFamily="49" charset="77"/>
+              </a:rPr>
+              <a:t>s.find</a:t>
+            </a:r>
+            <a:r>
+              <a:rPr lang="en-US" sz="2400" b="1" dirty="0">
+                <a:latin typeface="Inconsolata Medium" panose="020B0609030003000000" pitchFamily="49" charset="77"/>
+              </a:rPr>
+              <a:t>("hi")</a:t>
+            </a:r>
+            <a:endParaRPr lang="en-US" sz="2400" b="1" i="1" dirty="0">
+              <a:solidFill>
+                <a:srgbClr val="33566B"/>
+              </a:solidFill>
+              <a:latin typeface="Inconsolata Medium" panose="020B0609030003000000" pitchFamily="49" charset="77"/>
+            </a:endParaRPr>
+          </a:p>
+          <a:p>
+            <a:pPr marL="0" indent="0">
+              <a:buNone/>
+            </a:pPr>
+            <a:r>
+              <a:rPr lang="en-US" sz="2400" b="1" dirty="0">
+                <a:latin typeface="Inconsolata Medium" panose="020B0609030003000000" pitchFamily="49" charset="77"/>
+              </a:rPr>
+              <a:t>Out [25]: 5</a:t>
+            </a:r>
+          </a:p>
+          <a:p>
+            <a:pPr marL="0" indent="0">
+              <a:buNone/>
+            </a:pPr>
+            <a:endParaRPr lang="en-US" sz="2400" b="1" dirty="0">
+              <a:latin typeface="Inconsolata Medium" panose="020B0609030003000000" pitchFamily="49" charset="77"/>
+            </a:endParaRPr>
+          </a:p>
+          <a:p>
+            <a:pPr marL="0" indent="0">
+              <a:buNone/>
+            </a:pPr>
+            <a:endParaRPr lang="en-US" sz="2400" b="1" dirty="0">
+              <a:latin typeface="Inconsolata Medium" panose="020B0609030003000000" pitchFamily="49" charset="77"/>
+            </a:endParaRPr>
+          </a:p>
+          <a:p>
+            <a:pPr marL="0" indent="0">
+              <a:buNone/>
+            </a:pPr>
+            <a:r>
+              <a:rPr lang="en-US" sz="2400" b="1" dirty="0">
+                <a:latin typeface="Inconsolata Medium" panose="020B0609030003000000" pitchFamily="49" charset="77"/>
+              </a:rPr>
+              <a:t> </a:t>
+            </a:r>
           </a:p>
           <a:p>
             <a:pPr marL="0" indent="0">
@@ -5895,7 +7505,7 @@
     </p:spTree>
     <p:extLst>
       <p:ext uri="{BB962C8B-B14F-4D97-AF65-F5344CB8AC3E}">
-        <p14:creationId xmlns:p14="http://schemas.microsoft.com/office/powerpoint/2010/main" val="2783383753"/>
+        <p14:creationId xmlns:p14="http://schemas.microsoft.com/office/powerpoint/2010/main" val="2524324013"/>
       </p:ext>
     </p:extLst>
   </p:cSld>
@@ -5989,20 +7599,34 @@
             </a:endParaRPr>
           </a:p>
           <a:p>
+            <a:pPr marL="0" indent="0">
+              <a:buNone/>
+            </a:pPr>
+            <a:endParaRPr lang="en-US" dirty="0">
+              <a:latin typeface="Gill Sans MT" panose="020B0502020104020203" pitchFamily="34" charset="77"/>
+            </a:endParaRPr>
+          </a:p>
+          <a:p>
             <a:pPr marL="457200" indent="-457200">
               <a:buAutoNum type="arabicParenR"/>
             </a:pPr>
-            <a:endParaRPr lang="en-US" dirty="0">
-              <a:latin typeface="Gill Sans MT" panose="020B0502020104020203" pitchFamily="34" charset="77"/>
-            </a:endParaRPr>
+            <a:r>
+              <a:rPr lang="en-US" dirty="0">
+                <a:latin typeface="Gill Sans MT" panose="020B0502020104020203" pitchFamily="34" charset="77"/>
+              </a:rPr>
+              <a:t>Strings Concatenation</a:t>
+            </a:r>
           </a:p>
           <a:p>
             <a:pPr marL="457200" indent="-457200">
               <a:buAutoNum type="arabicParenR"/>
             </a:pPr>
-            <a:endParaRPr lang="en-US" dirty="0">
-              <a:latin typeface="Gill Sans MT" panose="020B0502020104020203" pitchFamily="34" charset="77"/>
-            </a:endParaRPr>
+            <a:r>
+              <a:rPr lang="en-US" dirty="0">
+                <a:latin typeface="Gill Sans MT" panose="020B0502020104020203" pitchFamily="34" charset="77"/>
+              </a:rPr>
+              <a:t>Indexing and Slicing</a:t>
+            </a:r>
           </a:p>
           <a:p>
             <a:pPr marL="457200" indent="-457200">
@@ -6012,7 +7636,7 @@
               <a:rPr lang="en-US" dirty="0">
                 <a:latin typeface="Gill Sans MT" panose="020B0502020104020203" pitchFamily="34" charset="77"/>
               </a:rPr>
-              <a:t>Strings Concatenation</a:t>
+              <a:t>f-Strings</a:t>
             </a:r>
           </a:p>
           <a:p>
@@ -6023,7 +7647,7 @@
               <a:rPr lang="en-US" dirty="0">
                 <a:latin typeface="Gill Sans MT" panose="020B0502020104020203" pitchFamily="34" charset="77"/>
               </a:rPr>
-              <a:t>Indexing and Slicing</a:t>
+              <a:t>Escape Sequences</a:t>
             </a:r>
           </a:p>
           <a:p>
@@ -6034,29 +7658,7 @@
               <a:rPr lang="en-US" dirty="0">
                 <a:latin typeface="Gill Sans MT" panose="020B0502020104020203" pitchFamily="34" charset="77"/>
               </a:rPr>
-              <a:t>f-Strings</a:t>
-            </a:r>
-          </a:p>
-          <a:p>
-            <a:pPr marL="457200" indent="-457200">
-              <a:buAutoNum type="arabicParenR"/>
-            </a:pPr>
-            <a:r>
-              <a:rPr lang="en-US" dirty="0">
-                <a:latin typeface="Gill Sans MT" panose="020B0502020104020203" pitchFamily="34" charset="77"/>
-              </a:rPr>
-              <a:t>Escape Sequences</a:t>
-            </a:r>
-          </a:p>
-          <a:p>
-            <a:pPr marL="457200" indent="-457200">
-              <a:buAutoNum type="arabicParenR"/>
-            </a:pPr>
-            <a:r>
-              <a:rPr lang="en-US" dirty="0">
-                <a:latin typeface="Gill Sans MT" panose="020B0502020104020203" pitchFamily="34" charset="77"/>
-              </a:rPr>
-              <a:t>Multiline Strings</a:t>
+              <a:t>String Methods</a:t>
             </a:r>
           </a:p>
           <a:p>
@@ -6114,6 +7716,1180 @@
     <p:extLst>
       <p:ext uri="{BB962C8B-B14F-4D97-AF65-F5344CB8AC3E}">
         <p14:creationId xmlns:p14="http://schemas.microsoft.com/office/powerpoint/2010/main" val="2207246265"/>
+      </p:ext>
+    </p:extLst>
+  </p:cSld>
+  <p:clrMapOvr>
+    <a:masterClrMapping/>
+  </p:clrMapOvr>
+</p:sld>
+</file>
+
+<file path=ppt/slides/slide20.xml><?xml version="1.0" encoding="utf-8"?>
+<p:sld xmlns:a="http://schemas.openxmlformats.org/drawingml/2006/main" xmlns:r="http://schemas.openxmlformats.org/officeDocument/2006/relationships" xmlns:p="http://schemas.openxmlformats.org/presentationml/2006/main">
+  <p:cSld>
+    <p:spTree>
+      <p:nvGrpSpPr>
+        <p:cNvPr id="1" name=""/>
+        <p:cNvGrpSpPr/>
+        <p:nvPr/>
+      </p:nvGrpSpPr>
+      <p:grpSpPr>
+        <a:xfrm>
+          <a:off x="0" y="0"/>
+          <a:ext cx="0" cy="0"/>
+          <a:chOff x="0" y="0"/>
+          <a:chExt cx="0" cy="0"/>
+        </a:xfrm>
+      </p:grpSpPr>
+      <p:sp>
+        <p:nvSpPr>
+          <p:cNvPr id="2" name="Title 1">
+            <a:extLst>
+              <a:ext uri="{FF2B5EF4-FFF2-40B4-BE49-F238E27FC236}">
+                <a16:creationId xmlns:a16="http://schemas.microsoft.com/office/drawing/2014/main" id="{AA3A228F-61D0-D949-A5E7-F83756230BF8}"/>
+              </a:ext>
+            </a:extLst>
+          </p:cNvPr>
+          <p:cNvSpPr>
+            <a:spLocks noGrp="1"/>
+          </p:cNvSpPr>
+          <p:nvPr>
+            <p:ph type="title"/>
+          </p:nvPr>
+        </p:nvSpPr>
+        <p:spPr>
+          <a:xfrm>
+            <a:off x="483848" y="467027"/>
+            <a:ext cx="7053542" cy="683886"/>
+          </a:xfrm>
+        </p:spPr>
+        <p:txBody>
+          <a:bodyPr/>
+          <a:lstStyle/>
+          <a:p>
+            <a:r>
+              <a:rPr lang="en-US" dirty="0"/>
+              <a:t>String Methods</a:t>
+            </a:r>
+          </a:p>
+        </p:txBody>
+      </p:sp>
+      <p:sp>
+        <p:nvSpPr>
+          <p:cNvPr id="9" name="Content Placeholder 8">
+            <a:extLst>
+              <a:ext uri="{FF2B5EF4-FFF2-40B4-BE49-F238E27FC236}">
+                <a16:creationId xmlns:a16="http://schemas.microsoft.com/office/drawing/2014/main" id="{E3B2E017-30B2-884B-A113-B419A2ED51AD}"/>
+              </a:ext>
+            </a:extLst>
+          </p:cNvPr>
+          <p:cNvSpPr>
+            <a:spLocks noGrp="1"/>
+          </p:cNvSpPr>
+          <p:nvPr>
+            <p:ph idx="1"/>
+          </p:nvPr>
+        </p:nvSpPr>
+        <p:spPr>
+          <a:xfrm>
+            <a:off x="483848" y="1150913"/>
+            <a:ext cx="8051725" cy="4440590"/>
+          </a:xfrm>
+        </p:spPr>
+        <p:txBody>
+          <a:bodyPr>
+            <a:noAutofit/>
+          </a:bodyPr>
+          <a:lstStyle/>
+          <a:p>
+            <a:pPr marL="0" indent="0">
+              <a:buNone/>
+            </a:pPr>
+            <a:r>
+              <a:rPr lang="en-US" sz="2400" b="1" dirty="0">
+                <a:solidFill>
+                  <a:srgbClr val="000087"/>
+                </a:solidFill>
+                <a:latin typeface="Inconsolata Medium" panose="020B0609030003000000" pitchFamily="49" charset="77"/>
+              </a:rPr>
+              <a:t>In </a:t>
+            </a:r>
+            <a:r>
+              <a:rPr lang="en-US" sz="2400" b="1" dirty="0">
+                <a:latin typeface="Inconsolata Medium" panose="020B0609030003000000" pitchFamily="49" charset="77"/>
+              </a:rPr>
+              <a:t>[</a:t>
+            </a:r>
+            <a:r>
+              <a:rPr lang="en-US" sz="2400" b="1" dirty="0">
+                <a:solidFill>
+                  <a:srgbClr val="FF6600"/>
+                </a:solidFill>
+                <a:latin typeface="Inconsolata Medium" panose="020B0609030003000000" pitchFamily="49" charset="77"/>
+              </a:rPr>
+              <a:t>26</a:t>
+            </a:r>
+            <a:r>
+              <a:rPr lang="en-US" sz="2400" b="1" dirty="0">
+                <a:latin typeface="Inconsolata Medium" panose="020B0609030003000000" pitchFamily="49" charset="77"/>
+              </a:rPr>
+              <a:t>]: </a:t>
+            </a:r>
+            <a:r>
+              <a:rPr lang="en-US" sz="2400" b="1" dirty="0">
+                <a:solidFill>
+                  <a:srgbClr val="000087"/>
+                </a:solidFill>
+                <a:latin typeface="Inconsolata Medium" panose="020B0609030003000000" pitchFamily="49" charset="77"/>
+              </a:rPr>
+              <a:t>s = "hello"</a:t>
+            </a:r>
+          </a:p>
+          <a:p>
+            <a:pPr marL="0" indent="0">
+              <a:buNone/>
+            </a:pPr>
+            <a:endParaRPr lang="en-US" sz="2400" b="1" dirty="0">
+              <a:latin typeface="Inconsolata Medium" panose="020B0609030003000000" pitchFamily="49" charset="77"/>
+            </a:endParaRPr>
+          </a:p>
+          <a:p>
+            <a:pPr marL="0" indent="0">
+              <a:buNone/>
+            </a:pPr>
+            <a:r>
+              <a:rPr lang="en-US" sz="2400" b="1" dirty="0">
+                <a:solidFill>
+                  <a:srgbClr val="000087"/>
+                </a:solidFill>
+                <a:latin typeface="Inconsolata Medium" panose="020B0609030003000000" pitchFamily="49" charset="77"/>
+              </a:rPr>
+              <a:t>In </a:t>
+            </a:r>
+            <a:r>
+              <a:rPr lang="en-US" sz="2400" b="1" dirty="0">
+                <a:latin typeface="Inconsolata Medium" panose="020B0609030003000000" pitchFamily="49" charset="77"/>
+              </a:rPr>
+              <a:t>[</a:t>
+            </a:r>
+            <a:r>
+              <a:rPr lang="en-US" sz="2400" b="1" dirty="0">
+                <a:solidFill>
+                  <a:srgbClr val="FF6600"/>
+                </a:solidFill>
+                <a:latin typeface="Inconsolata Medium" panose="020B0609030003000000" pitchFamily="49" charset="77"/>
+              </a:rPr>
+              <a:t>25</a:t>
+            </a:r>
+            <a:r>
+              <a:rPr lang="en-US" sz="2400" b="1" dirty="0">
+                <a:latin typeface="Inconsolata Medium" panose="020B0609030003000000" pitchFamily="49" charset="77"/>
+              </a:rPr>
+              <a:t>]: </a:t>
+            </a:r>
+            <a:r>
+              <a:rPr lang="en-US" sz="2400" b="1" dirty="0" err="1">
+                <a:latin typeface="Inconsolata Medium" panose="020B0609030003000000" pitchFamily="49" charset="77"/>
+              </a:rPr>
+              <a:t>s.upper</a:t>
+            </a:r>
+            <a:r>
+              <a:rPr lang="en-US" sz="2400" b="1" dirty="0">
+                <a:latin typeface="Inconsolata Medium" panose="020B0609030003000000" pitchFamily="49" charset="77"/>
+              </a:rPr>
+              <a:t>()</a:t>
+            </a:r>
+            <a:endParaRPr lang="en-US" sz="2400" b="1" i="1" dirty="0">
+              <a:solidFill>
+                <a:srgbClr val="33566B"/>
+              </a:solidFill>
+              <a:latin typeface="Inconsolata Medium" panose="020B0609030003000000" pitchFamily="49" charset="77"/>
+            </a:endParaRPr>
+          </a:p>
+          <a:p>
+            <a:pPr marL="0" indent="0">
+              <a:buNone/>
+            </a:pPr>
+            <a:r>
+              <a:rPr lang="en-US" sz="2400" b="1" dirty="0">
+                <a:latin typeface="Inconsolata Medium" panose="020B0609030003000000" pitchFamily="49" charset="77"/>
+              </a:rPr>
+              <a:t>Out [25]: 'HELLO'</a:t>
+            </a:r>
+          </a:p>
+          <a:p>
+            <a:pPr marL="0" indent="0">
+              <a:buNone/>
+            </a:pPr>
+            <a:endParaRPr lang="en-US" sz="2400" b="1" dirty="0">
+              <a:latin typeface="Inconsolata Medium" panose="020B0609030003000000" pitchFamily="49" charset="77"/>
+            </a:endParaRPr>
+          </a:p>
+          <a:p>
+            <a:pPr marL="0" indent="0">
+              <a:buNone/>
+            </a:pPr>
+            <a:r>
+              <a:rPr lang="en-US" sz="2400" b="1" dirty="0">
+                <a:solidFill>
+                  <a:srgbClr val="000087"/>
+                </a:solidFill>
+                <a:latin typeface="Inconsolata Medium" panose="020B0609030003000000" pitchFamily="49" charset="77"/>
+              </a:rPr>
+              <a:t>In </a:t>
+            </a:r>
+            <a:r>
+              <a:rPr lang="en-US" sz="2400" b="1" dirty="0">
+                <a:latin typeface="Inconsolata Medium" panose="020B0609030003000000" pitchFamily="49" charset="77"/>
+              </a:rPr>
+              <a:t>[</a:t>
+            </a:r>
+            <a:r>
+              <a:rPr lang="en-US" sz="2400" b="1" dirty="0">
+                <a:solidFill>
+                  <a:srgbClr val="FF6600"/>
+                </a:solidFill>
+                <a:latin typeface="Inconsolata Medium" panose="020B0609030003000000" pitchFamily="49" charset="77"/>
+              </a:rPr>
+              <a:t>25</a:t>
+            </a:r>
+            <a:r>
+              <a:rPr lang="en-US" sz="2400" b="1" dirty="0">
+                <a:latin typeface="Inconsolata Medium" panose="020B0609030003000000" pitchFamily="49" charset="77"/>
+              </a:rPr>
+              <a:t>]: "</a:t>
+            </a:r>
+            <a:r>
+              <a:rPr lang="en-US" sz="2400" b="1" dirty="0" err="1">
+                <a:latin typeface="Inconsolata Medium" panose="020B0609030003000000" pitchFamily="49" charset="77"/>
+              </a:rPr>
+              <a:t>HELLO".lower</a:t>
+            </a:r>
+            <a:r>
+              <a:rPr lang="en-US" sz="2400" b="1" dirty="0">
+                <a:latin typeface="Inconsolata Medium" panose="020B0609030003000000" pitchFamily="49" charset="77"/>
+              </a:rPr>
+              <a:t>()</a:t>
+            </a:r>
+            <a:endParaRPr lang="en-US" sz="2400" b="1" i="1" dirty="0">
+              <a:solidFill>
+                <a:srgbClr val="33566B"/>
+              </a:solidFill>
+              <a:latin typeface="Inconsolata Medium" panose="020B0609030003000000" pitchFamily="49" charset="77"/>
+            </a:endParaRPr>
+          </a:p>
+          <a:p>
+            <a:pPr marL="0" indent="0">
+              <a:buNone/>
+            </a:pPr>
+            <a:r>
+              <a:rPr lang="en-US" sz="2400" b="1" dirty="0">
+                <a:latin typeface="Inconsolata Medium" panose="020B0609030003000000" pitchFamily="49" charset="77"/>
+              </a:rPr>
+              <a:t>Out [25]: 'hello'</a:t>
+            </a:r>
+          </a:p>
+          <a:p>
+            <a:pPr marL="0" indent="0">
+              <a:buNone/>
+            </a:pPr>
+            <a:endParaRPr lang="en-US" sz="2400" b="1" dirty="0">
+              <a:latin typeface="Inconsolata Medium" panose="020B0609030003000000" pitchFamily="49" charset="77"/>
+            </a:endParaRPr>
+          </a:p>
+          <a:p>
+            <a:pPr marL="0" indent="0">
+              <a:buNone/>
+            </a:pPr>
+            <a:endParaRPr lang="en-US" sz="2400" b="1" dirty="0">
+              <a:latin typeface="Inconsolata Medium" panose="020B0609030003000000" pitchFamily="49" charset="77"/>
+            </a:endParaRPr>
+          </a:p>
+          <a:p>
+            <a:pPr marL="0" indent="0">
+              <a:buNone/>
+            </a:pPr>
+            <a:endParaRPr lang="en-US" sz="2400" b="1" dirty="0">
+              <a:latin typeface="Inconsolata Medium" panose="020B0609030003000000" pitchFamily="49" charset="77"/>
+            </a:endParaRPr>
+          </a:p>
+          <a:p>
+            <a:pPr marL="0" indent="0">
+              <a:buNone/>
+            </a:pPr>
+            <a:r>
+              <a:rPr lang="en-US" sz="2400" b="1" dirty="0">
+                <a:latin typeface="Inconsolata Medium" panose="020B0609030003000000" pitchFamily="49" charset="77"/>
+              </a:rPr>
+              <a:t> </a:t>
+            </a:r>
+          </a:p>
+          <a:p>
+            <a:pPr marL="0" indent="0">
+              <a:buNone/>
+            </a:pPr>
+            <a:endParaRPr lang="en-US" dirty="0"/>
+          </a:p>
+        </p:txBody>
+      </p:sp>
+    </p:spTree>
+    <p:extLst>
+      <p:ext uri="{BB962C8B-B14F-4D97-AF65-F5344CB8AC3E}">
+        <p14:creationId xmlns:p14="http://schemas.microsoft.com/office/powerpoint/2010/main" val="3612046097"/>
+      </p:ext>
+    </p:extLst>
+  </p:cSld>
+  <p:clrMapOvr>
+    <a:masterClrMapping/>
+  </p:clrMapOvr>
+</p:sld>
+</file>
+
+<file path=ppt/slides/slide21.xml><?xml version="1.0" encoding="utf-8"?>
+<p:sld xmlns:a="http://schemas.openxmlformats.org/drawingml/2006/main" xmlns:r="http://schemas.openxmlformats.org/officeDocument/2006/relationships" xmlns:p="http://schemas.openxmlformats.org/presentationml/2006/main">
+  <p:cSld>
+    <p:spTree>
+      <p:nvGrpSpPr>
+        <p:cNvPr id="1" name=""/>
+        <p:cNvGrpSpPr/>
+        <p:nvPr/>
+      </p:nvGrpSpPr>
+      <p:grpSpPr>
+        <a:xfrm>
+          <a:off x="0" y="0"/>
+          <a:ext cx="0" cy="0"/>
+          <a:chOff x="0" y="0"/>
+          <a:chExt cx="0" cy="0"/>
+        </a:xfrm>
+      </p:grpSpPr>
+      <p:sp>
+        <p:nvSpPr>
+          <p:cNvPr id="2" name="Title 1">
+            <a:extLst>
+              <a:ext uri="{FF2B5EF4-FFF2-40B4-BE49-F238E27FC236}">
+                <a16:creationId xmlns:a16="http://schemas.microsoft.com/office/drawing/2014/main" id="{AA3A228F-61D0-D949-A5E7-F83756230BF8}"/>
+              </a:ext>
+            </a:extLst>
+          </p:cNvPr>
+          <p:cNvSpPr>
+            <a:spLocks noGrp="1"/>
+          </p:cNvSpPr>
+          <p:nvPr>
+            <p:ph type="title"/>
+          </p:nvPr>
+        </p:nvSpPr>
+        <p:spPr>
+          <a:xfrm>
+            <a:off x="483848" y="467027"/>
+            <a:ext cx="7053542" cy="683886"/>
+          </a:xfrm>
+        </p:spPr>
+        <p:txBody>
+          <a:bodyPr/>
+          <a:lstStyle/>
+          <a:p>
+            <a:r>
+              <a:rPr lang="en-US" dirty="0"/>
+              <a:t>String Methods</a:t>
+            </a:r>
+          </a:p>
+        </p:txBody>
+      </p:sp>
+      <p:sp>
+        <p:nvSpPr>
+          <p:cNvPr id="9" name="Content Placeholder 8">
+            <a:extLst>
+              <a:ext uri="{FF2B5EF4-FFF2-40B4-BE49-F238E27FC236}">
+                <a16:creationId xmlns:a16="http://schemas.microsoft.com/office/drawing/2014/main" id="{E3B2E017-30B2-884B-A113-B419A2ED51AD}"/>
+              </a:ext>
+            </a:extLst>
+          </p:cNvPr>
+          <p:cNvSpPr>
+            <a:spLocks noGrp="1"/>
+          </p:cNvSpPr>
+          <p:nvPr>
+            <p:ph idx="1"/>
+          </p:nvPr>
+        </p:nvSpPr>
+        <p:spPr>
+          <a:xfrm>
+            <a:off x="483848" y="1150913"/>
+            <a:ext cx="8051725" cy="4440590"/>
+          </a:xfrm>
+        </p:spPr>
+        <p:txBody>
+          <a:bodyPr>
+            <a:noAutofit/>
+          </a:bodyPr>
+          <a:lstStyle/>
+          <a:p>
+            <a:pPr marL="0" indent="0">
+              <a:buNone/>
+            </a:pPr>
+            <a:r>
+              <a:rPr lang="en-US" sz="2400" b="1" dirty="0">
+                <a:solidFill>
+                  <a:srgbClr val="000087"/>
+                </a:solidFill>
+                <a:latin typeface="Inconsolata Medium" panose="020B0609030003000000" pitchFamily="49" charset="77"/>
+              </a:rPr>
+              <a:t>In </a:t>
+            </a:r>
+            <a:r>
+              <a:rPr lang="en-US" sz="2400" b="1" dirty="0">
+                <a:latin typeface="Inconsolata Medium" panose="020B0609030003000000" pitchFamily="49" charset="77"/>
+              </a:rPr>
+              <a:t>[</a:t>
+            </a:r>
+            <a:r>
+              <a:rPr lang="en-US" sz="2400" b="1" dirty="0">
+                <a:solidFill>
+                  <a:srgbClr val="FF6600"/>
+                </a:solidFill>
+                <a:latin typeface="Inconsolata Medium" panose="020B0609030003000000" pitchFamily="49" charset="77"/>
+              </a:rPr>
+              <a:t>26</a:t>
+            </a:r>
+            <a:r>
+              <a:rPr lang="en-US" sz="2400" b="1" dirty="0">
+                <a:latin typeface="Inconsolata Medium" panose="020B0609030003000000" pitchFamily="49" charset="77"/>
+              </a:rPr>
+              <a:t>]: </a:t>
+            </a:r>
+            <a:r>
+              <a:rPr lang="en-US" sz="2400" b="1" dirty="0">
+                <a:solidFill>
+                  <a:srgbClr val="000087"/>
+                </a:solidFill>
+                <a:latin typeface="Inconsolata Medium" panose="020B0609030003000000" pitchFamily="49" charset="77"/>
+              </a:rPr>
+              <a:t>s = "  \n   hello\n     "</a:t>
+            </a:r>
+          </a:p>
+          <a:p>
+            <a:pPr marL="0" indent="0">
+              <a:buNone/>
+            </a:pPr>
+            <a:endParaRPr lang="en-US" sz="2400" b="1" dirty="0">
+              <a:latin typeface="Inconsolata Medium" panose="020B0609030003000000" pitchFamily="49" charset="77"/>
+            </a:endParaRPr>
+          </a:p>
+          <a:p>
+            <a:pPr marL="0" indent="0">
+              <a:buNone/>
+            </a:pPr>
+            <a:r>
+              <a:rPr lang="en-US" sz="2400" b="1" dirty="0">
+                <a:solidFill>
+                  <a:srgbClr val="000087"/>
+                </a:solidFill>
+                <a:latin typeface="Inconsolata Medium" panose="020B0609030003000000" pitchFamily="49" charset="77"/>
+              </a:rPr>
+              <a:t>In </a:t>
+            </a:r>
+            <a:r>
+              <a:rPr lang="en-US" sz="2400" b="1" dirty="0">
+                <a:latin typeface="Inconsolata Medium" panose="020B0609030003000000" pitchFamily="49" charset="77"/>
+              </a:rPr>
+              <a:t>[</a:t>
+            </a:r>
+            <a:r>
+              <a:rPr lang="en-US" sz="2400" b="1" dirty="0">
+                <a:solidFill>
+                  <a:srgbClr val="FF6600"/>
+                </a:solidFill>
+                <a:latin typeface="Inconsolata Medium" panose="020B0609030003000000" pitchFamily="49" charset="77"/>
+              </a:rPr>
+              <a:t>25</a:t>
+            </a:r>
+            <a:r>
+              <a:rPr lang="en-US" sz="2400" b="1" dirty="0">
+                <a:latin typeface="Inconsolata Medium" panose="020B0609030003000000" pitchFamily="49" charset="77"/>
+              </a:rPr>
+              <a:t>]: </a:t>
+            </a:r>
+            <a:r>
+              <a:rPr lang="en-US" sz="2400" b="1" dirty="0" err="1">
+                <a:latin typeface="Inconsolata Medium" panose="020B0609030003000000" pitchFamily="49" charset="77"/>
+              </a:rPr>
+              <a:t>s.strip</a:t>
+            </a:r>
+            <a:r>
+              <a:rPr lang="en-US" sz="2400" b="1" dirty="0">
+                <a:latin typeface="Inconsolata Medium" panose="020B0609030003000000" pitchFamily="49" charset="77"/>
+              </a:rPr>
+              <a:t>()</a:t>
+            </a:r>
+            <a:endParaRPr lang="en-US" sz="2400" b="1" i="1" dirty="0">
+              <a:solidFill>
+                <a:srgbClr val="33566B"/>
+              </a:solidFill>
+              <a:latin typeface="Inconsolata Medium" panose="020B0609030003000000" pitchFamily="49" charset="77"/>
+            </a:endParaRPr>
+          </a:p>
+          <a:p>
+            <a:pPr marL="0" indent="0">
+              <a:buNone/>
+            </a:pPr>
+            <a:r>
+              <a:rPr lang="en-US" sz="2400" b="1" dirty="0">
+                <a:latin typeface="Inconsolata Medium" panose="020B0609030003000000" pitchFamily="49" charset="77"/>
+              </a:rPr>
+              <a:t>Out [25]: 'hello'</a:t>
+            </a:r>
+          </a:p>
+          <a:p>
+            <a:pPr marL="0" indent="0">
+              <a:buNone/>
+            </a:pPr>
+            <a:endParaRPr lang="en-US" sz="2400" b="1" dirty="0">
+              <a:latin typeface="Inconsolata Medium" panose="020B0609030003000000" pitchFamily="49" charset="77"/>
+            </a:endParaRPr>
+          </a:p>
+          <a:p>
+            <a:pPr marL="0" indent="0">
+              <a:buNone/>
+            </a:pPr>
+            <a:r>
+              <a:rPr lang="en-US" sz="2400" b="1" dirty="0">
+                <a:solidFill>
+                  <a:srgbClr val="000087"/>
+                </a:solidFill>
+                <a:latin typeface="Inconsolata Medium" panose="020B0609030003000000" pitchFamily="49" charset="77"/>
+              </a:rPr>
+              <a:t>In </a:t>
+            </a:r>
+            <a:r>
+              <a:rPr lang="en-US" sz="2400" b="1" dirty="0">
+                <a:latin typeface="Inconsolata Medium" panose="020B0609030003000000" pitchFamily="49" charset="77"/>
+              </a:rPr>
+              <a:t>[</a:t>
+            </a:r>
+            <a:r>
+              <a:rPr lang="en-US" sz="2400" b="1" dirty="0">
+                <a:solidFill>
+                  <a:srgbClr val="FF6600"/>
+                </a:solidFill>
+                <a:latin typeface="Inconsolata Medium" panose="020B0609030003000000" pitchFamily="49" charset="77"/>
+              </a:rPr>
+              <a:t>26</a:t>
+            </a:r>
+            <a:r>
+              <a:rPr lang="en-US" sz="2400" b="1" dirty="0">
+                <a:latin typeface="Inconsolata Medium" panose="020B0609030003000000" pitchFamily="49" charset="77"/>
+              </a:rPr>
+              <a:t>]: </a:t>
+            </a:r>
+            <a:r>
+              <a:rPr lang="en-US" sz="2400" b="1" dirty="0">
+                <a:solidFill>
+                  <a:srgbClr val="000087"/>
+                </a:solidFill>
+                <a:latin typeface="Inconsolata Medium" panose="020B0609030003000000" pitchFamily="49" charset="77"/>
+              </a:rPr>
+              <a:t>s = "hi, Sarah, I like the name Sarah!"</a:t>
+            </a:r>
+            <a:endParaRPr lang="en-US" sz="2400" b="1" dirty="0">
+              <a:latin typeface="Inconsolata Medium" panose="020B0609030003000000" pitchFamily="49" charset="77"/>
+            </a:endParaRPr>
+          </a:p>
+          <a:p>
+            <a:pPr marL="0" indent="0">
+              <a:buNone/>
+            </a:pPr>
+            <a:r>
+              <a:rPr lang="en-US" sz="2400" b="1" dirty="0">
+                <a:solidFill>
+                  <a:srgbClr val="000087"/>
+                </a:solidFill>
+                <a:latin typeface="Inconsolata Medium" panose="020B0609030003000000" pitchFamily="49" charset="77"/>
+              </a:rPr>
+              <a:t>In </a:t>
+            </a:r>
+            <a:r>
+              <a:rPr lang="en-US" sz="2400" b="1" dirty="0">
+                <a:latin typeface="Inconsolata Medium" panose="020B0609030003000000" pitchFamily="49" charset="77"/>
+              </a:rPr>
+              <a:t>[</a:t>
+            </a:r>
+            <a:r>
+              <a:rPr lang="en-US" sz="2400" b="1" dirty="0">
+                <a:solidFill>
+                  <a:srgbClr val="FF6600"/>
+                </a:solidFill>
+                <a:latin typeface="Inconsolata Medium" panose="020B0609030003000000" pitchFamily="49" charset="77"/>
+              </a:rPr>
+              <a:t>25</a:t>
+            </a:r>
+            <a:r>
+              <a:rPr lang="en-US" sz="2400" b="1" dirty="0">
+                <a:latin typeface="Inconsolata Medium" panose="020B0609030003000000" pitchFamily="49" charset="77"/>
+              </a:rPr>
+              <a:t>]: </a:t>
+            </a:r>
+            <a:r>
+              <a:rPr lang="en-US" sz="2400" b="1" dirty="0" err="1">
+                <a:latin typeface="Inconsolata Medium" panose="020B0609030003000000" pitchFamily="49" charset="77"/>
+              </a:rPr>
+              <a:t>s.replace</a:t>
+            </a:r>
+            <a:r>
+              <a:rPr lang="en-US" sz="2400" b="1" dirty="0">
+                <a:latin typeface="Inconsolata Medium" panose="020B0609030003000000" pitchFamily="49" charset="77"/>
+              </a:rPr>
+              <a:t>("Sarah", "John")</a:t>
+            </a:r>
+            <a:endParaRPr lang="en-US" sz="2400" b="1" i="1" dirty="0">
+              <a:solidFill>
+                <a:srgbClr val="33566B"/>
+              </a:solidFill>
+              <a:latin typeface="Inconsolata Medium" panose="020B0609030003000000" pitchFamily="49" charset="77"/>
+            </a:endParaRPr>
+          </a:p>
+          <a:p>
+            <a:pPr marL="0" indent="0">
+              <a:buNone/>
+            </a:pPr>
+            <a:r>
+              <a:rPr lang="en-US" sz="2400" b="1" dirty="0">
+                <a:latin typeface="Inconsolata Medium" panose="020B0609030003000000" pitchFamily="49" charset="77"/>
+              </a:rPr>
+              <a:t>Out [25]: 'hi, John, I like the name John!'</a:t>
+            </a:r>
+          </a:p>
+          <a:p>
+            <a:pPr marL="0" indent="0">
+              <a:buNone/>
+            </a:pPr>
+            <a:endParaRPr lang="en-US" sz="2400" b="1" dirty="0">
+              <a:latin typeface="Inconsolata Medium" panose="020B0609030003000000" pitchFamily="49" charset="77"/>
+            </a:endParaRPr>
+          </a:p>
+          <a:p>
+            <a:pPr marL="0" indent="0">
+              <a:buNone/>
+            </a:pPr>
+            <a:endParaRPr lang="en-US" sz="2400" b="1" dirty="0">
+              <a:latin typeface="Inconsolata Medium" panose="020B0609030003000000" pitchFamily="49" charset="77"/>
+            </a:endParaRPr>
+          </a:p>
+          <a:p>
+            <a:pPr marL="0" indent="0">
+              <a:buNone/>
+            </a:pPr>
+            <a:endParaRPr lang="en-US" sz="2400" b="1" dirty="0">
+              <a:latin typeface="Inconsolata Medium" panose="020B0609030003000000" pitchFamily="49" charset="77"/>
+            </a:endParaRPr>
+          </a:p>
+          <a:p>
+            <a:pPr marL="0" indent="0">
+              <a:buNone/>
+            </a:pPr>
+            <a:endParaRPr lang="en-US" sz="2400" b="1" dirty="0">
+              <a:latin typeface="Inconsolata Medium" panose="020B0609030003000000" pitchFamily="49" charset="77"/>
+            </a:endParaRPr>
+          </a:p>
+          <a:p>
+            <a:pPr marL="0" indent="0">
+              <a:buNone/>
+            </a:pPr>
+            <a:endParaRPr lang="en-US" sz="2400" b="1" dirty="0">
+              <a:latin typeface="Inconsolata Medium" panose="020B0609030003000000" pitchFamily="49" charset="77"/>
+            </a:endParaRPr>
+          </a:p>
+          <a:p>
+            <a:pPr marL="0" indent="0">
+              <a:buNone/>
+            </a:pPr>
+            <a:r>
+              <a:rPr lang="en-US" sz="2400" b="1" dirty="0">
+                <a:latin typeface="Inconsolata Medium" panose="020B0609030003000000" pitchFamily="49" charset="77"/>
+              </a:rPr>
+              <a:t> </a:t>
+            </a:r>
+          </a:p>
+          <a:p>
+            <a:pPr marL="0" indent="0">
+              <a:buNone/>
+            </a:pPr>
+            <a:endParaRPr lang="en-US" dirty="0"/>
+          </a:p>
+        </p:txBody>
+      </p:sp>
+    </p:spTree>
+    <p:extLst>
+      <p:ext uri="{BB962C8B-B14F-4D97-AF65-F5344CB8AC3E}">
+        <p14:creationId xmlns:p14="http://schemas.microsoft.com/office/powerpoint/2010/main" val="3701226577"/>
+      </p:ext>
+    </p:extLst>
+  </p:cSld>
+  <p:clrMapOvr>
+    <a:masterClrMapping/>
+  </p:clrMapOvr>
+</p:sld>
+</file>
+
+<file path=ppt/slides/slide22.xml><?xml version="1.0" encoding="utf-8"?>
+<p:sld xmlns:a="http://schemas.openxmlformats.org/drawingml/2006/main" xmlns:r="http://schemas.openxmlformats.org/officeDocument/2006/relationships" xmlns:p="http://schemas.openxmlformats.org/presentationml/2006/main">
+  <p:cSld>
+    <p:spTree>
+      <p:nvGrpSpPr>
+        <p:cNvPr id="1" name=""/>
+        <p:cNvGrpSpPr/>
+        <p:nvPr/>
+      </p:nvGrpSpPr>
+      <p:grpSpPr>
+        <a:xfrm>
+          <a:off x="0" y="0"/>
+          <a:ext cx="0" cy="0"/>
+          <a:chOff x="0" y="0"/>
+          <a:chExt cx="0" cy="0"/>
+        </a:xfrm>
+      </p:grpSpPr>
+      <p:sp>
+        <p:nvSpPr>
+          <p:cNvPr id="2" name="Title 1">
+            <a:extLst>
+              <a:ext uri="{FF2B5EF4-FFF2-40B4-BE49-F238E27FC236}">
+                <a16:creationId xmlns:a16="http://schemas.microsoft.com/office/drawing/2014/main" id="{AA3A228F-61D0-D949-A5E7-F83756230BF8}"/>
+              </a:ext>
+            </a:extLst>
+          </p:cNvPr>
+          <p:cNvSpPr>
+            <a:spLocks noGrp="1"/>
+          </p:cNvSpPr>
+          <p:nvPr>
+            <p:ph type="title"/>
+          </p:nvPr>
+        </p:nvSpPr>
+        <p:spPr>
+          <a:xfrm>
+            <a:off x="483848" y="467027"/>
+            <a:ext cx="7053542" cy="683886"/>
+          </a:xfrm>
+        </p:spPr>
+        <p:txBody>
+          <a:bodyPr/>
+          <a:lstStyle/>
+          <a:p>
+            <a:r>
+              <a:rPr lang="en-US" dirty="0"/>
+              <a:t>String Methods</a:t>
+            </a:r>
+          </a:p>
+        </p:txBody>
+      </p:sp>
+      <p:sp>
+        <p:nvSpPr>
+          <p:cNvPr id="9" name="Content Placeholder 8">
+            <a:extLst>
+              <a:ext uri="{FF2B5EF4-FFF2-40B4-BE49-F238E27FC236}">
+                <a16:creationId xmlns:a16="http://schemas.microsoft.com/office/drawing/2014/main" id="{E3B2E017-30B2-884B-A113-B419A2ED51AD}"/>
+              </a:ext>
+            </a:extLst>
+          </p:cNvPr>
+          <p:cNvSpPr>
+            <a:spLocks noGrp="1"/>
+          </p:cNvSpPr>
+          <p:nvPr>
+            <p:ph idx="1"/>
+          </p:nvPr>
+        </p:nvSpPr>
+        <p:spPr>
+          <a:xfrm>
+            <a:off x="483848" y="1150913"/>
+            <a:ext cx="8051725" cy="4440590"/>
+          </a:xfrm>
+        </p:spPr>
+        <p:txBody>
+          <a:bodyPr>
+            <a:noAutofit/>
+          </a:bodyPr>
+          <a:lstStyle/>
+          <a:p>
+            <a:pPr marL="0" indent="0">
+              <a:buNone/>
+            </a:pPr>
+            <a:r>
+              <a:rPr lang="en-US" dirty="0"/>
+              <a:t>Note that these string methods returns a new string rather than modifying the original string. </a:t>
+            </a:r>
+          </a:p>
+          <a:p>
+            <a:pPr marL="0" indent="0">
+              <a:buNone/>
+            </a:pPr>
+            <a:endParaRPr lang="en-US" dirty="0"/>
+          </a:p>
+          <a:p>
+            <a:pPr marL="0" indent="0">
+              <a:buNone/>
+            </a:pPr>
+            <a:r>
+              <a:rPr lang="en-US" sz="2000" b="1" dirty="0">
+                <a:solidFill>
+                  <a:srgbClr val="000087"/>
+                </a:solidFill>
+                <a:latin typeface="Inconsolata Medium" panose="020B0609030003000000" pitchFamily="49" charset="77"/>
+              </a:rPr>
+              <a:t>In </a:t>
+            </a:r>
+            <a:r>
+              <a:rPr lang="en-US" sz="2000" b="1" dirty="0">
+                <a:latin typeface="Inconsolata Medium" panose="020B0609030003000000" pitchFamily="49" charset="77"/>
+              </a:rPr>
+              <a:t>[</a:t>
+            </a:r>
+            <a:r>
+              <a:rPr lang="en-US" sz="2000" b="1" dirty="0">
+                <a:solidFill>
+                  <a:srgbClr val="FF6600"/>
+                </a:solidFill>
+                <a:latin typeface="Inconsolata Medium" panose="020B0609030003000000" pitchFamily="49" charset="77"/>
+              </a:rPr>
+              <a:t>26</a:t>
+            </a:r>
+            <a:r>
+              <a:rPr lang="en-US" sz="2000" b="1" dirty="0">
+                <a:latin typeface="Inconsolata Medium" panose="020B0609030003000000" pitchFamily="49" charset="77"/>
+              </a:rPr>
+              <a:t>]: </a:t>
+            </a:r>
+            <a:r>
+              <a:rPr lang="en-US" sz="2000" b="1" dirty="0">
+                <a:solidFill>
+                  <a:srgbClr val="000087"/>
+                </a:solidFill>
+                <a:latin typeface="Inconsolata Medium" panose="020B0609030003000000" pitchFamily="49" charset="77"/>
+              </a:rPr>
+              <a:t>s = "hi, Mike!"</a:t>
+            </a:r>
+          </a:p>
+          <a:p>
+            <a:pPr marL="0" indent="0">
+              <a:buNone/>
+            </a:pPr>
+            <a:endParaRPr lang="en-US" sz="2000" b="1" dirty="0">
+              <a:latin typeface="Inconsolata Medium" panose="020B0609030003000000" pitchFamily="49" charset="77"/>
+            </a:endParaRPr>
+          </a:p>
+          <a:p>
+            <a:pPr marL="0" indent="0">
+              <a:buNone/>
+            </a:pPr>
+            <a:r>
+              <a:rPr lang="en-US" sz="2000" b="1" dirty="0">
+                <a:solidFill>
+                  <a:srgbClr val="000087"/>
+                </a:solidFill>
+                <a:latin typeface="Inconsolata Medium" panose="020B0609030003000000" pitchFamily="49" charset="77"/>
+              </a:rPr>
+              <a:t>In </a:t>
+            </a:r>
+            <a:r>
+              <a:rPr lang="en-US" sz="2000" b="1" dirty="0">
+                <a:latin typeface="Inconsolata Medium" panose="020B0609030003000000" pitchFamily="49" charset="77"/>
+              </a:rPr>
+              <a:t>[</a:t>
+            </a:r>
+            <a:r>
+              <a:rPr lang="en-US" sz="2000" b="1" dirty="0">
+                <a:solidFill>
+                  <a:srgbClr val="FF6600"/>
+                </a:solidFill>
+                <a:latin typeface="Inconsolata Medium" panose="020B0609030003000000" pitchFamily="49" charset="77"/>
+              </a:rPr>
+              <a:t>25</a:t>
+            </a:r>
+            <a:r>
+              <a:rPr lang="en-US" sz="2000" b="1" dirty="0">
+                <a:latin typeface="Inconsolata Medium" panose="020B0609030003000000" pitchFamily="49" charset="77"/>
+              </a:rPr>
+              <a:t>]: </a:t>
+            </a:r>
+            <a:r>
+              <a:rPr lang="en-US" sz="2000" b="1" dirty="0" err="1">
+                <a:latin typeface="Inconsolata Medium" panose="020B0609030003000000" pitchFamily="49" charset="77"/>
+              </a:rPr>
+              <a:t>s.replace</a:t>
+            </a:r>
+            <a:r>
+              <a:rPr lang="en-US" sz="2000" b="1" dirty="0">
+                <a:latin typeface="Inconsolata Medium" panose="020B0609030003000000" pitchFamily="49" charset="77"/>
+              </a:rPr>
+              <a:t>("Mike", "John")</a:t>
+            </a:r>
+            <a:endParaRPr lang="en-US" sz="2000" b="1" i="1" dirty="0">
+              <a:solidFill>
+                <a:srgbClr val="33566B"/>
+              </a:solidFill>
+              <a:latin typeface="Inconsolata Medium" panose="020B0609030003000000" pitchFamily="49" charset="77"/>
+            </a:endParaRPr>
+          </a:p>
+          <a:p>
+            <a:pPr marL="0" indent="0">
+              <a:buNone/>
+            </a:pPr>
+            <a:r>
+              <a:rPr lang="en-US" sz="2000" b="1" dirty="0">
+                <a:latin typeface="Inconsolata Medium" panose="020B0609030003000000" pitchFamily="49" charset="77"/>
+              </a:rPr>
+              <a:t>Out [25]: 'hi, John!'</a:t>
+            </a:r>
+          </a:p>
+          <a:p>
+            <a:pPr marL="0" indent="0">
+              <a:buNone/>
+            </a:pPr>
+            <a:endParaRPr lang="en-US" sz="2000" b="1" dirty="0">
+              <a:latin typeface="Inconsolata Medium" panose="020B0609030003000000" pitchFamily="49" charset="77"/>
+            </a:endParaRPr>
+          </a:p>
+          <a:p>
+            <a:pPr marL="0" indent="0">
+              <a:buNone/>
+            </a:pPr>
+            <a:r>
+              <a:rPr lang="en-US" sz="2000" b="1" dirty="0">
+                <a:solidFill>
+                  <a:srgbClr val="000087"/>
+                </a:solidFill>
+                <a:latin typeface="Inconsolata Medium" panose="020B0609030003000000" pitchFamily="49" charset="77"/>
+              </a:rPr>
+              <a:t>In </a:t>
+            </a:r>
+            <a:r>
+              <a:rPr lang="en-US" sz="2000" b="1" dirty="0">
+                <a:latin typeface="Inconsolata Medium" panose="020B0609030003000000" pitchFamily="49" charset="77"/>
+              </a:rPr>
+              <a:t>[</a:t>
+            </a:r>
+            <a:r>
+              <a:rPr lang="en-US" sz="2000" b="1" dirty="0">
+                <a:solidFill>
+                  <a:srgbClr val="FF6600"/>
+                </a:solidFill>
+                <a:latin typeface="Inconsolata Medium" panose="020B0609030003000000" pitchFamily="49" charset="77"/>
+              </a:rPr>
+              <a:t>25</a:t>
+            </a:r>
+            <a:r>
+              <a:rPr lang="en-US" sz="2000" b="1" dirty="0">
+                <a:latin typeface="Inconsolata Medium" panose="020B0609030003000000" pitchFamily="49" charset="77"/>
+              </a:rPr>
+              <a:t>]: s</a:t>
+            </a:r>
+            <a:endParaRPr lang="en-US" sz="2000" b="1" i="1" dirty="0">
+              <a:solidFill>
+                <a:srgbClr val="33566B"/>
+              </a:solidFill>
+              <a:latin typeface="Inconsolata Medium" panose="020B0609030003000000" pitchFamily="49" charset="77"/>
+            </a:endParaRPr>
+          </a:p>
+          <a:p>
+            <a:pPr marL="0" indent="0">
+              <a:buNone/>
+            </a:pPr>
+            <a:r>
+              <a:rPr lang="en-US" sz="2000" b="1" dirty="0">
+                <a:latin typeface="Inconsolata Medium" panose="020B0609030003000000" pitchFamily="49" charset="77"/>
+              </a:rPr>
+              <a:t>Out [25]: 'hi, Mike!'</a:t>
+            </a:r>
+          </a:p>
+          <a:p>
+            <a:pPr marL="0" indent="0">
+              <a:buNone/>
+            </a:pPr>
+            <a:endParaRPr lang="en-US" sz="2000" b="1" dirty="0">
+              <a:latin typeface="Inconsolata Medium" panose="020B0609030003000000" pitchFamily="49" charset="77"/>
+            </a:endParaRPr>
+          </a:p>
+          <a:p>
+            <a:pPr marL="0" indent="0">
+              <a:buNone/>
+            </a:pPr>
+            <a:endParaRPr lang="en-US" dirty="0"/>
+          </a:p>
+          <a:p>
+            <a:pPr marL="0" indent="0">
+              <a:buNone/>
+            </a:pPr>
+            <a:endParaRPr lang="en-US" dirty="0"/>
+          </a:p>
+        </p:txBody>
+      </p:sp>
+    </p:spTree>
+    <p:extLst>
+      <p:ext uri="{BB962C8B-B14F-4D97-AF65-F5344CB8AC3E}">
+        <p14:creationId xmlns:p14="http://schemas.microsoft.com/office/powerpoint/2010/main" val="3900668933"/>
+      </p:ext>
+    </p:extLst>
+  </p:cSld>
+  <p:clrMapOvr>
+    <a:masterClrMapping/>
+  </p:clrMapOvr>
+</p:sld>
+</file>
+
+<file path=ppt/slides/slide23.xml><?xml version="1.0" encoding="utf-8"?>
+<p:sld xmlns:a="http://schemas.openxmlformats.org/drawingml/2006/main" xmlns:r="http://schemas.openxmlformats.org/officeDocument/2006/relationships" xmlns:p="http://schemas.openxmlformats.org/presentationml/2006/main">
+  <p:cSld>
+    <p:spTree>
+      <p:nvGrpSpPr>
+        <p:cNvPr id="1" name=""/>
+        <p:cNvGrpSpPr/>
+        <p:nvPr/>
+      </p:nvGrpSpPr>
+      <p:grpSpPr>
+        <a:xfrm>
+          <a:off x="0" y="0"/>
+          <a:ext cx="0" cy="0"/>
+          <a:chOff x="0" y="0"/>
+          <a:chExt cx="0" cy="0"/>
+        </a:xfrm>
+      </p:grpSpPr>
+      <p:sp>
+        <p:nvSpPr>
+          <p:cNvPr id="2" name="Title 1">
+            <a:extLst>
+              <a:ext uri="{FF2B5EF4-FFF2-40B4-BE49-F238E27FC236}">
+                <a16:creationId xmlns:a16="http://schemas.microsoft.com/office/drawing/2014/main" id="{AA3A228F-61D0-D949-A5E7-F83756230BF8}"/>
+              </a:ext>
+            </a:extLst>
+          </p:cNvPr>
+          <p:cNvSpPr>
+            <a:spLocks noGrp="1"/>
+          </p:cNvSpPr>
+          <p:nvPr>
+            <p:ph type="title"/>
+          </p:nvPr>
+        </p:nvSpPr>
+        <p:spPr>
+          <a:xfrm>
+            <a:off x="483848" y="467027"/>
+            <a:ext cx="7053542" cy="683886"/>
+          </a:xfrm>
+        </p:spPr>
+        <p:txBody>
+          <a:bodyPr/>
+          <a:lstStyle/>
+          <a:p>
+            <a:r>
+              <a:rPr lang="en-US" dirty="0"/>
+              <a:t>References</a:t>
+            </a:r>
+          </a:p>
+        </p:txBody>
+      </p:sp>
+      <p:sp>
+        <p:nvSpPr>
+          <p:cNvPr id="9" name="Content Placeholder 8">
+            <a:extLst>
+              <a:ext uri="{FF2B5EF4-FFF2-40B4-BE49-F238E27FC236}">
+                <a16:creationId xmlns:a16="http://schemas.microsoft.com/office/drawing/2014/main" id="{E3B2E017-30B2-884B-A113-B419A2ED51AD}"/>
+              </a:ext>
+            </a:extLst>
+          </p:cNvPr>
+          <p:cNvSpPr>
+            <a:spLocks noGrp="1"/>
+          </p:cNvSpPr>
+          <p:nvPr>
+            <p:ph idx="1"/>
+          </p:nvPr>
+        </p:nvSpPr>
+        <p:spPr>
+          <a:xfrm>
+            <a:off x="483848" y="1150913"/>
+            <a:ext cx="8051725" cy="4440590"/>
+          </a:xfrm>
+        </p:spPr>
+        <p:txBody>
+          <a:bodyPr>
+            <a:noAutofit/>
+          </a:bodyPr>
+          <a:lstStyle/>
+          <a:p>
+            <a:pPr marL="0" indent="0">
+              <a:buNone/>
+            </a:pPr>
+            <a:endParaRPr lang="en-US" dirty="0"/>
+          </a:p>
+          <a:p>
+            <a:pPr marL="0" indent="0">
+              <a:buNone/>
+            </a:pPr>
+            <a:endParaRPr lang="en-US" dirty="0"/>
+          </a:p>
+          <a:p>
+            <a:pPr marL="0" indent="0">
+              <a:buNone/>
+            </a:pPr>
+            <a:endParaRPr lang="en-US" dirty="0"/>
+          </a:p>
+          <a:p>
+            <a:pPr marL="457200" indent="-457200">
+              <a:buAutoNum type="arabicParenR"/>
+            </a:pPr>
+            <a:r>
+              <a:rPr lang="en-US" dirty="0" err="1"/>
+              <a:t>Vanderplas</a:t>
+            </a:r>
+            <a:r>
+              <a:rPr lang="en-US" dirty="0"/>
+              <a:t>, Jake, A Whirlwind Tour of Python, </a:t>
+            </a:r>
+            <a:r>
+              <a:rPr lang="en-US" dirty="0" err="1"/>
+              <a:t>O’reilly</a:t>
+            </a:r>
+            <a:r>
+              <a:rPr lang="en-US" dirty="0"/>
+              <a:t> Media.</a:t>
+            </a:r>
+          </a:p>
+          <a:p>
+            <a:pPr marL="0" indent="0">
+              <a:buNone/>
+            </a:pPr>
+            <a:r>
+              <a:rPr lang="en-US" dirty="0"/>
+              <a:t>This book is completely free and can be downloaded online at </a:t>
+            </a:r>
+            <a:r>
+              <a:rPr lang="en-US" dirty="0" err="1"/>
+              <a:t>O’reilly’s</a:t>
+            </a:r>
+            <a:r>
+              <a:rPr lang="en-US" dirty="0"/>
+              <a:t> site. </a:t>
+            </a:r>
+          </a:p>
+          <a:p>
+            <a:pPr marL="457200" indent="-457200">
+              <a:buAutoNum type="arabicParenR"/>
+            </a:pPr>
+            <a:endParaRPr lang="en-US" dirty="0"/>
+          </a:p>
+          <a:p>
+            <a:pPr marL="0" indent="0">
+              <a:buNone/>
+            </a:pPr>
+            <a:endParaRPr lang="en-US" dirty="0"/>
+          </a:p>
+          <a:p>
+            <a:pPr marL="0" indent="0">
+              <a:buNone/>
+            </a:pPr>
+            <a:endParaRPr lang="en-US" dirty="0"/>
+          </a:p>
+        </p:txBody>
+      </p:sp>
+    </p:spTree>
+    <p:extLst>
+      <p:ext uri="{BB962C8B-B14F-4D97-AF65-F5344CB8AC3E}">
+        <p14:creationId xmlns:p14="http://schemas.microsoft.com/office/powerpoint/2010/main" val="2783383753"/>
       </p:ext>
     </p:extLst>
   </p:cSld>
@@ -6315,87 +9091,11 @@
                 </a:solidFill>
                 <a:latin typeface="Inconsolata Medium" panose="020B0609030003000000" pitchFamily="49" charset="77"/>
               </a:rPr>
-              <a:t>‘spam' </a:t>
+              <a:t>"spam" </a:t>
             </a:r>
             <a:endParaRPr lang="en-US" b="1" dirty="0">
               <a:latin typeface="Inconsolata Medium" panose="020B0609030003000000" pitchFamily="49" charset="77"/>
             </a:endParaRPr>
-          </a:p>
-          <a:p>
-            <a:pPr marL="0" indent="0">
-              <a:buNone/>
-            </a:pPr>
-            <a:r>
-              <a:rPr lang="en-US" b="1" dirty="0">
-                <a:solidFill>
-                  <a:srgbClr val="000087"/>
-                </a:solidFill>
-                <a:latin typeface="Inconsolata Medium" panose="020B0609030003000000" pitchFamily="49" charset="77"/>
-              </a:rPr>
-              <a:t>In </a:t>
-            </a:r>
-            <a:r>
-              <a:rPr lang="en-US" b="1" dirty="0">
-                <a:latin typeface="Inconsolata Medium" panose="020B0609030003000000" pitchFamily="49" charset="77"/>
-              </a:rPr>
-              <a:t>[</a:t>
-            </a:r>
-            <a:r>
-              <a:rPr lang="en-US" b="1" dirty="0">
-                <a:solidFill>
-                  <a:srgbClr val="FF6600"/>
-                </a:solidFill>
-                <a:latin typeface="Inconsolata Medium" panose="020B0609030003000000" pitchFamily="49" charset="77"/>
-              </a:rPr>
-              <a:t>18</a:t>
-            </a:r>
-            <a:r>
-              <a:rPr lang="en-US" b="1" dirty="0">
-                <a:latin typeface="Inconsolata Medium" panose="020B0609030003000000" pitchFamily="49" charset="77"/>
-              </a:rPr>
-              <a:t>]: </a:t>
-            </a:r>
-            <a:r>
-              <a:rPr lang="en-US" b="1" dirty="0" err="1">
-                <a:solidFill>
-                  <a:srgbClr val="336666"/>
-                </a:solidFill>
-                <a:latin typeface="Inconsolata Medium" panose="020B0609030003000000" pitchFamily="49" charset="77"/>
-              </a:rPr>
-              <a:t>len</a:t>
-            </a:r>
-            <a:r>
-              <a:rPr lang="en-US" b="1" dirty="0">
-                <a:latin typeface="Inconsolata Medium" panose="020B0609030003000000" pitchFamily="49" charset="77"/>
-              </a:rPr>
-              <a:t>(</a:t>
-            </a:r>
-            <a:r>
-              <a:rPr lang="en-US" b="1" dirty="0">
-                <a:solidFill>
-                  <a:srgbClr val="000087"/>
-                </a:solidFill>
-                <a:latin typeface="Inconsolata Medium" panose="020B0609030003000000" pitchFamily="49" charset="77"/>
-              </a:rPr>
-              <a:t>response</a:t>
-            </a:r>
-            <a:r>
-              <a:rPr lang="en-US" b="1" dirty="0">
-                <a:latin typeface="Inconsolata Medium" panose="020B0609030003000000" pitchFamily="49" charset="77"/>
-              </a:rPr>
-              <a:t>) </a:t>
-            </a:r>
-          </a:p>
-          <a:p>
-            <a:pPr marL="0" indent="0">
-              <a:buNone/>
-            </a:pPr>
-            <a:r>
-              <a:rPr lang="en-US" b="1" dirty="0">
-                <a:latin typeface="Inconsolata Medium" panose="020B0609030003000000" pitchFamily="49" charset="77"/>
-              </a:rPr>
-              <a:t>Out [18]: 4 </a:t>
-            </a:r>
           </a:p>
           <a:p>
             <a:pPr marL="0" indent="0">
@@ -6413,6 +9113,40 @@
               <a:buNone/>
             </a:pPr>
             <a:r>
+              <a:rPr lang="en-US" dirty="0">
+                <a:latin typeface="Gill Sans MT" panose="020B0502020104020203" pitchFamily="34" charset="77"/>
+              </a:rPr>
+              <a:t>The built-in </a:t>
+            </a:r>
+            <a:r>
+              <a:rPr lang="en-US" dirty="0" err="1">
+                <a:latin typeface="Gill Sans MT" panose="020B0502020104020203" pitchFamily="34" charset="77"/>
+              </a:rPr>
+              <a:t>len</a:t>
+            </a:r>
+            <a:r>
+              <a:rPr lang="en-US" dirty="0">
+                <a:latin typeface="Gill Sans MT" panose="020B0502020104020203" pitchFamily="34" charset="77"/>
+              </a:rPr>
+              <a:t> method can compute the length of a string. </a:t>
+            </a:r>
+          </a:p>
+          <a:p>
+            <a:pPr marL="0" indent="0">
+              <a:buNone/>
+            </a:pPr>
+            <a:endParaRPr lang="en-US" b="1" dirty="0">
+              <a:solidFill>
+                <a:srgbClr val="000087"/>
+              </a:solidFill>
+              <a:latin typeface="Inconsolata Medium" panose="020B0609030003000000" pitchFamily="49" charset="77"/>
+            </a:endParaRPr>
+          </a:p>
+          <a:p>
+            <a:pPr marL="0" indent="0">
+              <a:buNone/>
+            </a:pPr>
+            <a:r>
               <a:rPr lang="en-US" b="1" dirty="0">
                 <a:solidFill>
                   <a:srgbClr val="000087"/>
@@ -6434,7 +9168,7 @@
                 </a:solidFill>
                 <a:latin typeface="Inconsolata Medium" panose="020B0609030003000000" pitchFamily="49" charset="77"/>
               </a:rPr>
-              <a:t>19</a:t>
+              <a:t>18</a:t>
             </a:r>
             <a:r>
               <a:rPr lang="en-US" b="1" dirty="0">
@@ -6443,35 +9177,23 @@
               <a:t>]: </a:t>
             </a:r>
             <a:r>
-              <a:rPr lang="en-US" b="1" i="1" dirty="0">
-                <a:solidFill>
-                  <a:srgbClr val="33566B"/>
-                </a:solidFill>
-                <a:latin typeface="Inconsolata Medium" panose="020B0609030003000000" pitchFamily="49" charset="77"/>
-              </a:rPr>
-              <a:t># Make uppercase. See also </a:t>
-            </a:r>
-            <a:r>
-              <a:rPr lang="en-US" b="1" i="1" dirty="0" err="1">
-                <a:solidFill>
-                  <a:srgbClr val="33566B"/>
-                </a:solidFill>
-                <a:latin typeface="Inconsolata Medium" panose="020B0609030003000000" pitchFamily="49" charset="77"/>
-              </a:rPr>
-              <a:t>str.lower</a:t>
-            </a:r>
-            <a:r>
-              <a:rPr lang="en-US" b="1" i="1" dirty="0">
-                <a:solidFill>
-                  <a:srgbClr val="33566B"/>
-                </a:solidFill>
-                <a:latin typeface="Inconsolata Medium" panose="020B0609030003000000" pitchFamily="49" charset="77"/>
-              </a:rPr>
-              <a:t>() 	   	  	    </a:t>
-            </a:r>
-            <a:r>
               <a:rPr lang="en-US" b="1" dirty="0" err="1">
                 <a:solidFill>
+                  <a:srgbClr val="336666"/>
+                </a:solidFill>
+                <a:latin typeface="Inconsolata Medium" panose="020B0609030003000000" pitchFamily="49" charset="77"/>
+              </a:rPr>
+              <a:t>len</a:t>
+            </a:r>
+            <a:r>
+              <a:rPr lang="en-US" b="1" dirty="0">
+                <a:latin typeface="Inconsolata Medium" panose="020B0609030003000000" pitchFamily="49" charset="77"/>
+              </a:rPr>
+              <a:t>(</a:t>
+            </a:r>
+            <a:r>
+              <a:rPr lang="en-US" b="1" dirty="0">
+                <a:solidFill>
                   <a:srgbClr val="000087"/>
                 </a:solidFill>
                 <a:latin typeface="Inconsolata Medium" panose="020B0609030003000000" pitchFamily="49" charset="77"/>
@@ -6479,28 +9201,10 @@
               <a:t>response</a:t>
             </a:r>
             <a:r>
-              <a:rPr lang="en-US" b="1" dirty="0" err="1">
-                <a:solidFill>
-                  <a:srgbClr val="545454"/>
-                </a:solidFill>
-                <a:latin typeface="Inconsolata Medium" panose="020B0609030003000000" pitchFamily="49" charset="77"/>
-              </a:rPr>
-              <a:t>.</a:t>
-            </a:r>
-            <a:r>
-              <a:rPr lang="en-US" b="1" dirty="0" err="1">
-                <a:solidFill>
-                  <a:srgbClr val="000087"/>
-                </a:solidFill>
-                <a:latin typeface="Inconsolata Medium" panose="020B0609030003000000" pitchFamily="49" charset="77"/>
-              </a:rPr>
-              <a:t>upper</a:t>
-            </a:r>
-            <a:r>
               <a:rPr lang="en-US" b="1" dirty="0">
                 <a:latin typeface="Inconsolata Medium" panose="020B0609030003000000" pitchFamily="49" charset="77"/>
               </a:rPr>
-              <a:t>() </a:t>
+              <a:t>) </a:t>
             </a:r>
           </a:p>
           <a:p>
@@ -6511,8 +9215,19 @@
               <a:rPr lang="en-US" b="1" dirty="0">
                 <a:latin typeface="Inconsolata Medium" panose="020B0609030003000000" pitchFamily="49" charset="77"/>
               </a:rPr>
-              <a:t>Out [19]: 'SPAM’ </a:t>
-            </a:r>
+              <a:t>Out [18]: 4 </a:t>
+            </a:r>
+          </a:p>
+          <a:p>
+            <a:pPr marL="0" indent="0">
+              <a:buNone/>
+            </a:pPr>
+            <a:endParaRPr lang="en-US" b="1" dirty="0">
+              <a:solidFill>
+                <a:srgbClr val="000087"/>
+              </a:solidFill>
+              <a:latin typeface="Inconsolata Medium" panose="020B0609030003000000" pitchFamily="49" charset="77"/>
+            </a:endParaRPr>
           </a:p>
           <a:p>
             <a:pPr marL="0" indent="0">
@@ -7008,54 +9723,17 @@
               <a:buNone/>
             </a:pPr>
             <a:r>
-              <a:rPr lang="en-US" b="1" dirty="0">
-                <a:solidFill>
-                  <a:srgbClr val="000087"/>
-                </a:solidFill>
-                <a:latin typeface="Inconsolata Medium" panose="020B0609030003000000" pitchFamily="49" charset="77"/>
-              </a:rPr>
-              <a:t>In </a:t>
-            </a:r>
-            <a:r>
-              <a:rPr lang="en-US" b="1" dirty="0">
-                <a:latin typeface="Inconsolata Medium" panose="020B0609030003000000" pitchFamily="49" charset="77"/>
-              </a:rPr>
-              <a:t>[</a:t>
-            </a:r>
-            <a:r>
-              <a:rPr lang="en-US" b="1" dirty="0">
-                <a:solidFill>
-                  <a:srgbClr val="FF6600"/>
-                </a:solidFill>
-                <a:latin typeface="Inconsolata Medium" panose="020B0609030003000000" pitchFamily="49" charset="77"/>
-              </a:rPr>
-              <a:t>23</a:t>
-            </a:r>
-            <a:r>
-              <a:rPr lang="en-US" b="1" dirty="0">
-                <a:latin typeface="Inconsolata Medium" panose="020B0609030003000000" pitchFamily="49" charset="77"/>
-              </a:rPr>
-              <a:t>]: </a:t>
-            </a:r>
-            <a:r>
-              <a:rPr lang="en-US" b="1" dirty="0">
-                <a:solidFill>
-                  <a:srgbClr val="000087"/>
-                </a:solidFill>
-                <a:latin typeface="Inconsolata Medium" panose="020B0609030003000000" pitchFamily="49" charset="77"/>
-              </a:rPr>
-              <a:t>message = </a:t>
-            </a:r>
-            <a:r>
-              <a:rPr lang="en-US" dirty="0">
-                <a:solidFill>
-                  <a:srgbClr val="CC3300"/>
-                </a:solidFill>
-                <a:latin typeface="UbuntuMono"/>
-              </a:rPr>
-              <a:t>"what do you like?" </a:t>
-            </a:r>
-            <a:endParaRPr lang="en-US" dirty="0"/>
+              <a:rPr lang="en-US" dirty="0"/>
+              <a:t>Python allows you to retrieve individual members of a string by specifying the </a:t>
+            </a:r>
+            <a:r>
+              <a:rPr lang="en-US" i="1" dirty="0"/>
+              <a:t>index</a:t>
+            </a:r>
+            <a:r>
+              <a:rPr lang="en-US" dirty="0"/>
+              <a:t> of that member, which is the integer that uniquely identifies that member’s position in the string.  </a:t>
+            </a:r>
           </a:p>
           <a:p>
             <a:pPr marL="0" indent="0">
@@ -7094,6 +9772,65 @@
                 </a:solidFill>
                 <a:latin typeface="Inconsolata Medium" panose="020B0609030003000000" pitchFamily="49" charset="77"/>
               </a:rPr>
+              <a:t>23</a:t>
+            </a:r>
+            <a:r>
+              <a:rPr lang="en-US" b="1" dirty="0">
+                <a:latin typeface="Inconsolata Medium" panose="020B0609030003000000" pitchFamily="49" charset="77"/>
+              </a:rPr>
+              <a:t>]: </a:t>
+            </a:r>
+            <a:r>
+              <a:rPr lang="en-US" b="1" dirty="0">
+                <a:solidFill>
+                  <a:srgbClr val="000087"/>
+                </a:solidFill>
+                <a:latin typeface="Inconsolata Medium" panose="020B0609030003000000" pitchFamily="49" charset="77"/>
+              </a:rPr>
+              <a:t>message = </a:t>
+            </a:r>
+            <a:r>
+              <a:rPr lang="en-US" dirty="0">
+                <a:solidFill>
+                  <a:srgbClr val="CC3300"/>
+                </a:solidFill>
+                <a:latin typeface="UbuntuMono"/>
+              </a:rPr>
+              <a:t>"what do you like?" </a:t>
+            </a:r>
+          </a:p>
+          <a:p>
+            <a:pPr marL="0" indent="0">
+              <a:buNone/>
+            </a:pPr>
+            <a:endParaRPr lang="en-US" dirty="0"/>
+          </a:p>
+          <a:p>
+            <a:pPr marL="0" indent="0">
+              <a:buNone/>
+            </a:pPr>
+            <a:r>
+              <a:rPr lang="en-US" b="1" dirty="0">
+                <a:solidFill>
+                  <a:srgbClr val="000087"/>
+                </a:solidFill>
+                <a:latin typeface="Inconsolata Medium" panose="020B0609030003000000" pitchFamily="49" charset="77"/>
+              </a:rPr>
+              <a:t>In </a:t>
+            </a:r>
+            <a:r>
+              <a:rPr lang="en-US" b="1" dirty="0">
+                <a:latin typeface="Inconsolata Medium" panose="020B0609030003000000" pitchFamily="49" charset="77"/>
+              </a:rPr>
+              <a:t>[</a:t>
+            </a:r>
+            <a:r>
+              <a:rPr lang="en-US" b="1" dirty="0">
+                <a:solidFill>
+                  <a:srgbClr val="FF6600"/>
+                </a:solidFill>
+                <a:latin typeface="Inconsolata Medium" panose="020B0609030003000000" pitchFamily="49" charset="77"/>
+              </a:rPr>
               <a:t>24</a:t>
             </a:r>
             <a:r>
@@ -7132,6 +9869,18 @@
               </a:rPr>
               <a:t>] </a:t>
             </a:r>
+            <a:r>
+              <a:rPr lang="en-US" b="1" i="1" dirty="0">
+                <a:solidFill>
+                  <a:srgbClr val="33566B"/>
+                </a:solidFill>
+                <a:latin typeface="Inconsolata Medium" panose="020B0609030003000000" pitchFamily="49" charset="77"/>
+              </a:rPr>
+              <a:t># first character is at index 0</a:t>
+            </a:r>
+            <a:endParaRPr lang="en-US" b="1" dirty="0">
+              <a:latin typeface="Inconsolata Medium" panose="020B0609030003000000" pitchFamily="49" charset="77"/>
+            </a:endParaRPr>
           </a:p>
           <a:p>
             <a:pPr marL="0" indent="0">
@@ -7433,7 +10182,7 @@
           <a:p>
             <a:r>
               <a:rPr lang="en-US" dirty="0"/>
-              <a:t>String Indexing and Slicing</a:t>
+              <a:t>Slicing</a:t>
             </a:r>
           </a:p>
         </p:txBody>
@@ -7470,60 +10219,33 @@
               <a:buNone/>
             </a:pPr>
             <a:r>
-              <a:rPr lang="en-US" sz="1900" b="1" dirty="0">
-                <a:solidFill>
-                  <a:srgbClr val="000087"/>
-                </a:solidFill>
-                <a:latin typeface="Inconsolata Medium" panose="020B0609030003000000" pitchFamily="49" charset="77"/>
-              </a:rPr>
-              <a:t>In </a:t>
-            </a:r>
-            <a:r>
-              <a:rPr lang="en-US" sz="1900" b="1" dirty="0">
-                <a:latin typeface="Inconsolata Medium" panose="020B0609030003000000" pitchFamily="49" charset="77"/>
-              </a:rPr>
-              <a:t>[</a:t>
-            </a:r>
-            <a:r>
-              <a:rPr lang="en-US" sz="1900" b="1" dirty="0">
-                <a:solidFill>
-                  <a:srgbClr val="FF6600"/>
-                </a:solidFill>
-                <a:latin typeface="Inconsolata Medium" panose="020B0609030003000000" pitchFamily="49" charset="77"/>
-              </a:rPr>
-              <a:t>23</a:t>
-            </a:r>
-            <a:r>
-              <a:rPr lang="en-US" sz="1900" b="1" dirty="0">
-                <a:latin typeface="Inconsolata Medium" panose="020B0609030003000000" pitchFamily="49" charset="77"/>
-              </a:rPr>
-              <a:t>]: </a:t>
-            </a:r>
-            <a:r>
-              <a:rPr lang="en-US" sz="1900" b="1" dirty="0">
-                <a:solidFill>
-                  <a:srgbClr val="000087"/>
-                </a:solidFill>
-                <a:latin typeface="Inconsolata Medium" panose="020B0609030003000000" pitchFamily="49" charset="77"/>
-              </a:rPr>
-              <a:t>message = </a:t>
-            </a:r>
-            <a:r>
-              <a:rPr lang="en-US" sz="2000" dirty="0">
-                <a:solidFill>
-                  <a:srgbClr val="CC3300"/>
-                </a:solidFill>
-                <a:latin typeface="UbuntuMono"/>
-              </a:rPr>
-              <a:t>"what do you like?" </a:t>
-            </a:r>
-            <a:endParaRPr lang="en-US" sz="2000" dirty="0"/>
-          </a:p>
-          <a:p>
-            <a:pPr marL="0" indent="0">
-              <a:buNone/>
-            </a:pPr>
-            <a:endParaRPr lang="en-US" sz="1900" b="1" dirty="0">
+              <a:rPr lang="en-US" dirty="0"/>
+              <a:t>We can also “slice” a string, specifying a start-index and stop-index, and return a subsequence of the items contained within the slice. </a:t>
+            </a:r>
+          </a:p>
+          <a:p>
+            <a:pPr marL="0" indent="0">
+              <a:buNone/>
+            </a:pPr>
+            <a:endParaRPr lang="en-US" dirty="0"/>
+          </a:p>
+          <a:p>
+            <a:pPr marL="0" indent="0">
+              <a:buNone/>
+            </a:pPr>
+            <a:r>
+              <a:rPr lang="en-US" dirty="0"/>
+              <a:t>Slicing is a very important indexing scheme that we will see many times in other data structures(lists, tuples, strings, </a:t>
+            </a:r>
+            <a:r>
+              <a:rPr lang="en-US" dirty="0" err="1"/>
+              <a:t>Numpy's</a:t>
+            </a:r>
+            <a:r>
+              <a:rPr lang="en-US" dirty="0"/>
+              <a:t> arrays, Panda's data frames, etc..). Slicing can be done using the syntax:</a:t>
+            </a:r>
+            <a:endParaRPr lang="en-US" b="1" dirty="0">
               <a:solidFill>
                 <a:srgbClr val="000087"/>
               </a:solidFill>
@@ -7531,332 +10253,104 @@
             </a:endParaRPr>
           </a:p>
           <a:p>
-            <a:pPr marL="0" indent="0">
-              <a:buNone/>
-            </a:pPr>
-            <a:r>
-              <a:rPr lang="en-US" sz="1900" b="1" dirty="0">
+            <a:pPr marL="0" indent="0" algn="ctr">
+              <a:buNone/>
+            </a:pPr>
+            <a:r>
+              <a:rPr lang="en-US" b="1" dirty="0" err="1">
                 <a:solidFill>
                   <a:srgbClr val="000087"/>
                 </a:solidFill>
                 <a:latin typeface="Inconsolata Medium" panose="020B0609030003000000" pitchFamily="49" charset="77"/>
               </a:rPr>
-              <a:t>In </a:t>
-            </a:r>
-            <a:r>
-              <a:rPr lang="en-US" sz="1900" b="1" dirty="0">
+              <a:t>some_string</a:t>
+            </a:r>
+            <a:r>
+              <a:rPr lang="en-US" b="1" dirty="0">
+                <a:solidFill>
+                  <a:srgbClr val="000087"/>
+                </a:solidFill>
                 <a:latin typeface="Inconsolata Medium" panose="020B0609030003000000" pitchFamily="49" charset="77"/>
               </a:rPr>
               <a:t>[</a:t>
             </a:r>
             <a:r>
-              <a:rPr lang="en-US" sz="1900" b="1" dirty="0">
-                <a:solidFill>
-                  <a:srgbClr val="FF6600"/>
-                </a:solidFill>
-                <a:latin typeface="Inconsolata Medium" panose="020B0609030003000000" pitchFamily="49" charset="77"/>
-              </a:rPr>
-              <a:t>24</a:t>
-            </a:r>
-            <a:r>
-              <a:rPr lang="en-US" sz="1900" b="1" dirty="0">
-                <a:latin typeface="Inconsolata Medium" panose="020B0609030003000000" pitchFamily="49" charset="77"/>
-              </a:rPr>
-              <a:t>]: </a:t>
-            </a:r>
-            <a:r>
-              <a:rPr lang="en-US" sz="1900" b="1" i="1" dirty="0">
-                <a:solidFill>
-                  <a:srgbClr val="33566B"/>
-                </a:solidFill>
-                <a:latin typeface="Inconsolata Medium" panose="020B0609030003000000" pitchFamily="49" charset="77"/>
-              </a:rPr>
-              <a:t># Access individual characters (zero-based indexing) 	    </a:t>
-            </a:r>
-            <a:r>
-              <a:rPr lang="en-US" sz="1900" b="1" dirty="0">
+              <a:rPr lang="en-US" b="1" dirty="0" err="1">
                 <a:solidFill>
                   <a:srgbClr val="000087"/>
                 </a:solidFill>
                 <a:latin typeface="Inconsolata Medium" panose="020B0609030003000000" pitchFamily="49" charset="77"/>
               </a:rPr>
-              <a:t>message</a:t>
-            </a:r>
-            <a:r>
-              <a:rPr lang="en-US" sz="1900" b="1" dirty="0">
-                <a:latin typeface="Inconsolata Medium" panose="020B0609030003000000" pitchFamily="49" charset="77"/>
-              </a:rPr>
-              <a:t>[</a:t>
-            </a:r>
-            <a:r>
-              <a:rPr lang="en-US" sz="1900" b="1" dirty="0">
-                <a:solidFill>
-                  <a:srgbClr val="FF6600"/>
-                </a:solidFill>
-                <a:latin typeface="Inconsolata Medium" panose="020B0609030003000000" pitchFamily="49" charset="77"/>
-              </a:rPr>
-              <a:t>0</a:t>
-            </a:r>
-            <a:r>
-              <a:rPr lang="en-US" sz="1900" b="1" dirty="0">
-                <a:latin typeface="Inconsolata Medium" panose="020B0609030003000000" pitchFamily="49" charset="77"/>
-              </a:rPr>
-              <a:t>] </a:t>
-            </a:r>
-          </a:p>
-          <a:p>
-            <a:pPr marL="0" indent="0">
-              <a:buNone/>
-            </a:pPr>
-            <a:r>
-              <a:rPr lang="en-US" sz="1900" b="1" dirty="0">
-                <a:latin typeface="Inconsolata Medium" panose="020B0609030003000000" pitchFamily="49" charset="77"/>
-              </a:rPr>
-              <a:t>Out [24]: ‘w' </a:t>
-            </a:r>
-          </a:p>
-          <a:p>
-            <a:pPr marL="0" indent="0">
-              <a:buNone/>
-            </a:pPr>
-            <a:endParaRPr lang="en-US" sz="1900" b="1" dirty="0">
-              <a:latin typeface="Inconsolata Medium" panose="020B0609030003000000" pitchFamily="49" charset="77"/>
-            </a:endParaRPr>
-          </a:p>
-          <a:p>
-            <a:pPr marL="0" indent="0">
-              <a:buNone/>
-            </a:pPr>
-            <a:r>
-              <a:rPr lang="en-US" sz="1900" b="1" dirty="0">
+              <a:t>start:stop:step</a:t>
+            </a:r>
+            <a:r>
+              <a:rPr lang="en-US" b="1" dirty="0">
                 <a:solidFill>
                   <a:srgbClr val="000087"/>
                 </a:solidFill>
                 <a:latin typeface="Inconsolata Medium" panose="020B0609030003000000" pitchFamily="49" charset="77"/>
               </a:rPr>
-              <a:t>In </a:t>
-            </a:r>
-            <a:r>
-              <a:rPr lang="en-US" sz="1900" b="1" dirty="0">
-                <a:latin typeface="Inconsolata Medium" panose="020B0609030003000000" pitchFamily="49" charset="77"/>
-              </a:rPr>
-              <a:t>[</a:t>
-            </a:r>
-            <a:r>
-              <a:rPr lang="en-US" sz="1900" b="1" dirty="0">
-                <a:solidFill>
-                  <a:srgbClr val="FF6600"/>
-                </a:solidFill>
-                <a:latin typeface="Inconsolata Medium" panose="020B0609030003000000" pitchFamily="49" charset="77"/>
-              </a:rPr>
-              <a:t>25</a:t>
-            </a:r>
-            <a:r>
-              <a:rPr lang="en-US" sz="1900" b="1" dirty="0">
-                <a:latin typeface="Inconsolata Medium" panose="020B0609030003000000" pitchFamily="49" charset="77"/>
-              </a:rPr>
-              <a:t>]:  </a:t>
-            </a:r>
-            <a:r>
-              <a:rPr lang="en-US" sz="1900" b="1" dirty="0">
-                <a:solidFill>
-                  <a:srgbClr val="000087"/>
-                </a:solidFill>
-                <a:latin typeface="Inconsolata Medium" panose="020B0609030003000000" pitchFamily="49" charset="77"/>
-              </a:rPr>
-              <a:t>message</a:t>
-            </a:r>
-            <a:r>
-              <a:rPr lang="en-US" sz="1900" b="1" dirty="0">
-                <a:latin typeface="Inconsolata Medium" panose="020B0609030003000000" pitchFamily="49" charset="77"/>
-              </a:rPr>
-              <a:t>[</a:t>
-            </a:r>
-            <a:r>
-              <a:rPr lang="en-US" sz="1900" b="1" dirty="0">
-                <a:solidFill>
-                  <a:srgbClr val="FF6600"/>
-                </a:solidFill>
-                <a:latin typeface="Inconsolata Medium" panose="020B0609030003000000" pitchFamily="49" charset="77"/>
-              </a:rPr>
-              <a:t>0:4</a:t>
-            </a:r>
-            <a:r>
-              <a:rPr lang="en-US" sz="1900" b="1" dirty="0">
-                <a:latin typeface="Inconsolata Medium" panose="020B0609030003000000" pitchFamily="49" charset="77"/>
-              </a:rPr>
-              <a:t>] </a:t>
-            </a:r>
-            <a:r>
-              <a:rPr lang="en-US" sz="1900" b="1" i="1" dirty="0">
-                <a:solidFill>
-                  <a:srgbClr val="33566B"/>
-                </a:solidFill>
-                <a:latin typeface="Inconsolata Medium" panose="020B0609030003000000" pitchFamily="49" charset="77"/>
-              </a:rPr>
-              <a:t># up to but not including index 4</a:t>
-            </a:r>
-            <a:endParaRPr lang="en-US" sz="1900" b="1" dirty="0">
-              <a:latin typeface="Inconsolata Medium" panose="020B0609030003000000" pitchFamily="49" charset="77"/>
-            </a:endParaRPr>
-          </a:p>
-          <a:p>
-            <a:pPr marL="0" indent="0">
-              <a:buNone/>
-            </a:pPr>
-            <a:r>
-              <a:rPr lang="en-US" sz="1900" b="1" dirty="0">
-                <a:latin typeface="Inconsolata Medium" panose="020B0609030003000000" pitchFamily="49" charset="77"/>
-              </a:rPr>
-              <a:t>Out [25]: ‘what’ </a:t>
-            </a:r>
-          </a:p>
-          <a:p>
-            <a:pPr marL="0" indent="0">
-              <a:buNone/>
-            </a:pPr>
-            <a:endParaRPr lang="en-US" sz="1900" b="1" dirty="0">
-              <a:latin typeface="Inconsolata Medium" panose="020B0609030003000000" pitchFamily="49" charset="77"/>
-            </a:endParaRPr>
-          </a:p>
-          <a:p>
-            <a:pPr marL="0" indent="0">
-              <a:buNone/>
-            </a:pPr>
-            <a:r>
-              <a:rPr lang="en-US" sz="1900" b="1" dirty="0">
-                <a:solidFill>
-                  <a:srgbClr val="000087"/>
-                </a:solidFill>
-                <a:latin typeface="Inconsolata Medium" panose="020B0609030003000000" pitchFamily="49" charset="77"/>
-              </a:rPr>
-              <a:t>In </a:t>
-            </a:r>
-            <a:r>
-              <a:rPr lang="en-US" sz="1900" b="1" dirty="0">
-                <a:latin typeface="Inconsolata Medium" panose="020B0609030003000000" pitchFamily="49" charset="77"/>
-              </a:rPr>
-              <a:t>[</a:t>
-            </a:r>
-            <a:r>
-              <a:rPr lang="en-US" sz="1900" b="1" dirty="0">
-                <a:solidFill>
-                  <a:srgbClr val="FF6600"/>
-                </a:solidFill>
-                <a:latin typeface="Inconsolata Medium" panose="020B0609030003000000" pitchFamily="49" charset="77"/>
-              </a:rPr>
-              <a:t>25</a:t>
-            </a:r>
-            <a:r>
-              <a:rPr lang="en-US" sz="1900" b="1" dirty="0">
-                <a:latin typeface="Inconsolata Medium" panose="020B0609030003000000" pitchFamily="49" charset="77"/>
-              </a:rPr>
-              <a:t>]:  </a:t>
-            </a:r>
-            <a:r>
-              <a:rPr lang="en-US" sz="1900" b="1" dirty="0">
-                <a:solidFill>
-                  <a:srgbClr val="000087"/>
-                </a:solidFill>
-                <a:latin typeface="Inconsolata Medium" panose="020B0609030003000000" pitchFamily="49" charset="77"/>
-              </a:rPr>
-              <a:t>message</a:t>
-            </a:r>
-            <a:r>
-              <a:rPr lang="en-US" sz="1900" b="1" dirty="0">
-                <a:latin typeface="Inconsolata Medium" panose="020B0609030003000000" pitchFamily="49" charset="77"/>
-              </a:rPr>
-              <a:t>[</a:t>
-            </a:r>
-            <a:r>
-              <a:rPr lang="en-US" sz="1900" b="1" dirty="0">
-                <a:solidFill>
-                  <a:srgbClr val="FF6600"/>
-                </a:solidFill>
-                <a:latin typeface="Inconsolata Medium" panose="020B0609030003000000" pitchFamily="49" charset="77"/>
-              </a:rPr>
-              <a:t>0:7:2</a:t>
-            </a:r>
-            <a:r>
-              <a:rPr lang="en-US" sz="1900" b="1" dirty="0">
-                <a:latin typeface="Inconsolata Medium" panose="020B0609030003000000" pitchFamily="49" charset="77"/>
-              </a:rPr>
-              <a:t>] </a:t>
-            </a:r>
-            <a:r>
-              <a:rPr lang="en-US" sz="1900" b="1" i="1" dirty="0">
-                <a:solidFill>
-                  <a:srgbClr val="33566B"/>
-                </a:solidFill>
-                <a:latin typeface="Inconsolata Medium" panose="020B0609030003000000" pitchFamily="49" charset="77"/>
-              </a:rPr>
-              <a:t># step size of 2</a:t>
-            </a:r>
-            <a:endParaRPr lang="en-US" sz="1900" b="1" dirty="0">
-              <a:latin typeface="Inconsolata Medium" panose="020B0609030003000000" pitchFamily="49" charset="77"/>
-            </a:endParaRPr>
-          </a:p>
-          <a:p>
-            <a:pPr marL="0" indent="0">
-              <a:buNone/>
-            </a:pPr>
-            <a:r>
-              <a:rPr lang="en-US" sz="1900" b="1" dirty="0">
-                <a:latin typeface="Inconsolata Medium" panose="020B0609030003000000" pitchFamily="49" charset="77"/>
-              </a:rPr>
-              <a:t>Out [25]: ‘</a:t>
-            </a:r>
-            <a:r>
-              <a:rPr lang="en-US" sz="1900" b="1" dirty="0" err="1">
-                <a:latin typeface="Inconsolata Medium" panose="020B0609030003000000" pitchFamily="49" charset="77"/>
-              </a:rPr>
-              <a:t>wa</a:t>
-            </a:r>
-            <a:r>
-              <a:rPr lang="en-US" sz="1900" b="1" dirty="0">
-                <a:latin typeface="Inconsolata Medium" panose="020B0609030003000000" pitchFamily="49" charset="77"/>
-              </a:rPr>
-              <a:t> o' </a:t>
-            </a:r>
-          </a:p>
-          <a:p>
-            <a:pPr marL="0" indent="0">
-              <a:buNone/>
-            </a:pPr>
-            <a:endParaRPr lang="en-US" sz="1900" b="1" dirty="0">
-              <a:latin typeface="Inconsolata Medium" panose="020B0609030003000000" pitchFamily="49" charset="77"/>
-            </a:endParaRPr>
-          </a:p>
-          <a:p>
-            <a:pPr marL="0" indent="0">
-              <a:buNone/>
-            </a:pPr>
-            <a:endParaRPr lang="en-US" sz="1900" b="1" dirty="0">
-              <a:latin typeface="Inconsolata Medium" panose="020B0609030003000000" pitchFamily="49" charset="77"/>
-            </a:endParaRPr>
-          </a:p>
-          <a:p>
-            <a:pPr marL="0" indent="0">
-              <a:buNone/>
-            </a:pPr>
-            <a:endParaRPr lang="en-US" sz="1900" b="1" dirty="0">
-              <a:latin typeface="Inconsolata Medium" panose="020B0609030003000000" pitchFamily="49" charset="77"/>
-            </a:endParaRPr>
-          </a:p>
-          <a:p>
-            <a:pPr marL="0" indent="0">
-              <a:buNone/>
-            </a:pPr>
-            <a:endParaRPr lang="en-US" sz="1900" b="1" dirty="0">
-              <a:latin typeface="Inconsolata Medium" panose="020B0609030003000000" pitchFamily="49" charset="77"/>
-            </a:endParaRPr>
-          </a:p>
-          <a:p>
-            <a:pPr marL="0" indent="0">
-              <a:buNone/>
-            </a:pPr>
-            <a:r>
-              <a:rPr lang="en-US" sz="1900" b="1" dirty="0">
+              <a:t>]</a:t>
+            </a:r>
+          </a:p>
+          <a:p>
+            <a:pPr marL="0" indent="0">
+              <a:buNone/>
+            </a:pPr>
+            <a:r>
+              <a:rPr lang="en-US" dirty="0">
+                <a:latin typeface="Gill Sans MT" panose="020B0502020104020203" pitchFamily="34" charset="77"/>
+              </a:rPr>
+              <a:t>where</a:t>
+            </a:r>
+          </a:p>
+          <a:p>
+            <a:pPr marL="0" indent="0">
+              <a:buNone/>
+            </a:pPr>
+            <a:r>
+              <a:rPr lang="en-US" dirty="0">
+                <a:latin typeface="Gill Sans MT" panose="020B0502020104020203" pitchFamily="34" charset="77"/>
+              </a:rPr>
+              <a:t>start: index of beginning of the slice(included), default is 0</a:t>
+            </a:r>
+          </a:p>
+          <a:p>
+            <a:pPr marL="0" indent="0">
+              <a:buNone/>
+            </a:pPr>
+            <a:r>
+              <a:rPr lang="en-US" dirty="0">
+                <a:latin typeface="Gill Sans MT" panose="020B0502020104020203" pitchFamily="34" charset="77"/>
+              </a:rPr>
+              <a:t>stop:  index of the end of the slice(excluded), default is length of string</a:t>
+            </a:r>
+          </a:p>
+          <a:p>
+            <a:pPr marL="0" indent="0">
+              <a:buNone/>
+            </a:pPr>
+            <a:r>
+              <a:rPr lang="en-US" dirty="0">
+                <a:latin typeface="Gill Sans MT" panose="020B0502020104020203" pitchFamily="34" charset="77"/>
+              </a:rPr>
+              <a:t>step: increment size at each step, default is 1.</a:t>
+            </a:r>
+          </a:p>
+          <a:p>
+            <a:pPr marL="0" indent="0">
+              <a:buNone/>
+            </a:pPr>
+            <a:endParaRPr lang="en-US" b="1" dirty="0">
+              <a:latin typeface="Inconsolata Medium" panose="020B0609030003000000" pitchFamily="49" charset="77"/>
+            </a:endParaRPr>
+          </a:p>
+          <a:p>
+            <a:pPr marL="0" indent="0">
+              <a:buNone/>
+            </a:pPr>
+            <a:r>
+              <a:rPr lang="en-US" b="1" dirty="0">
                 <a:latin typeface="Inconsolata Medium" panose="020B0609030003000000" pitchFamily="49" charset="77"/>
               </a:rPr>
               <a:t> </a:t>
@@ -7866,48 +10360,48 @@
             <a:pPr marL="0" indent="0">
               <a:buNone/>
             </a:pPr>
-            <a:endParaRPr lang="en-US" sz="1900" b="1" dirty="0">
-              <a:latin typeface="Inconsolata Medium" panose="020B0609030003000000" pitchFamily="49" charset="77"/>
-            </a:endParaRPr>
-          </a:p>
-          <a:p>
-            <a:pPr marL="0" indent="0">
-              <a:buNone/>
-            </a:pPr>
-            <a:endParaRPr lang="en-US" sz="1900" b="1" dirty="0">
-              <a:latin typeface="Inconsolata Medium" panose="020B0609030003000000" pitchFamily="49" charset="77"/>
-            </a:endParaRPr>
-          </a:p>
-          <a:p>
-            <a:pPr marL="0" indent="0">
-              <a:buNone/>
-            </a:pPr>
-            <a:endParaRPr lang="en-US" sz="1900" b="1" dirty="0">
-              <a:latin typeface="Inconsolata Medium" panose="020B0609030003000000" pitchFamily="49" charset="77"/>
-            </a:endParaRPr>
-          </a:p>
-          <a:p>
-            <a:pPr marL="0" indent="0">
-              <a:buNone/>
-            </a:pPr>
-            <a:endParaRPr lang="en-US" sz="1900" b="1" dirty="0">
-              <a:latin typeface="Inconsolata Medium" panose="020B0609030003000000" pitchFamily="49" charset="77"/>
-            </a:endParaRPr>
-          </a:p>
-          <a:p>
-            <a:pPr marL="0" indent="0">
-              <a:buNone/>
-            </a:pPr>
-            <a:endParaRPr lang="en-US" sz="1900" b="1" dirty="0">
-              <a:latin typeface="Inconsolata Medium" panose="020B0609030003000000" pitchFamily="49" charset="77"/>
-            </a:endParaRPr>
-          </a:p>
-          <a:p>
-            <a:pPr marL="0" indent="0">
-              <a:buNone/>
-            </a:pPr>
-            <a:r>
-              <a:rPr lang="en-US" sz="1900" b="1" dirty="0">
+            <a:endParaRPr lang="en-US" b="1" dirty="0">
+              <a:latin typeface="Inconsolata Medium" panose="020B0609030003000000" pitchFamily="49" charset="77"/>
+            </a:endParaRPr>
+          </a:p>
+          <a:p>
+            <a:pPr marL="0" indent="0">
+              <a:buNone/>
+            </a:pPr>
+            <a:endParaRPr lang="en-US" b="1" dirty="0">
+              <a:latin typeface="Inconsolata Medium" panose="020B0609030003000000" pitchFamily="49" charset="77"/>
+            </a:endParaRPr>
+          </a:p>
+          <a:p>
+            <a:pPr marL="0" indent="0">
+              <a:buNone/>
+            </a:pPr>
+            <a:endParaRPr lang="en-US" b="1" dirty="0">
+              <a:latin typeface="Inconsolata Medium" panose="020B0609030003000000" pitchFamily="49" charset="77"/>
+            </a:endParaRPr>
+          </a:p>
+          <a:p>
+            <a:pPr marL="0" indent="0">
+              <a:buNone/>
+            </a:pPr>
+            <a:endParaRPr lang="en-US" b="1" dirty="0">
+              <a:latin typeface="Inconsolata Medium" panose="020B0609030003000000" pitchFamily="49" charset="77"/>
+            </a:endParaRPr>
+          </a:p>
+          <a:p>
+            <a:pPr marL="0" indent="0">
+              <a:buNone/>
+            </a:pPr>
+            <a:endParaRPr lang="en-US" b="1" dirty="0">
+              <a:latin typeface="Inconsolata Medium" panose="020B0609030003000000" pitchFamily="49" charset="77"/>
+            </a:endParaRPr>
+          </a:p>
+          <a:p>
+            <a:pPr marL="0" indent="0">
+              <a:buNone/>
+            </a:pPr>
+            <a:r>
+              <a:rPr lang="en-US" b="1" dirty="0">
                 <a:latin typeface="Inconsolata Medium" panose="020B0609030003000000" pitchFamily="49" charset="77"/>
               </a:rPr>
               <a:t> </a:t>
@@ -7917,15 +10411,15 @@
             <a:pPr marL="0" indent="0">
               <a:buNone/>
             </a:pPr>
-            <a:endParaRPr lang="en-US" sz="1900" b="1" dirty="0">
-              <a:latin typeface="Inconsolata Medium" panose="020B0609030003000000" pitchFamily="49" charset="77"/>
-            </a:endParaRPr>
-          </a:p>
-          <a:p>
-            <a:pPr marL="0" indent="0">
-              <a:buNone/>
-            </a:pPr>
-            <a:endParaRPr lang="en-US" sz="1900" b="1" dirty="0">
+            <a:endParaRPr lang="en-US" b="1" dirty="0">
+              <a:latin typeface="Inconsolata Medium" panose="020B0609030003000000" pitchFamily="49" charset="77"/>
+            </a:endParaRPr>
+          </a:p>
+          <a:p>
+            <a:pPr marL="0" indent="0">
+              <a:buNone/>
+            </a:pPr>
+            <a:endParaRPr lang="en-US" b="1" dirty="0">
               <a:latin typeface="Inconsolata Medium" panose="020B0609030003000000" pitchFamily="49" charset="77"/>
             </a:endParaRPr>
           </a:p>
@@ -7989,7 +10483,7 @@
           <a:p>
             <a:r>
               <a:rPr lang="en-US" dirty="0"/>
-              <a:t>String Indexing and Slicing</a:t>
+              <a:t>Slicing</a:t>
             </a:r>
           </a:p>
         </p:txBody>
@@ -8025,54 +10519,6 @@
             <a:pPr marL="0" indent="0">
               <a:buNone/>
             </a:pPr>
-            <a:r>
-              <a:rPr lang="en-US" sz="1900" b="1" dirty="0">
-                <a:solidFill>
-                  <a:srgbClr val="000087"/>
-                </a:solidFill>
-                <a:latin typeface="Inconsolata Medium" panose="020B0609030003000000" pitchFamily="49" charset="77"/>
-              </a:rPr>
-              <a:t>In </a:t>
-            </a:r>
-            <a:r>
-              <a:rPr lang="en-US" sz="1900" b="1" dirty="0">
-                <a:latin typeface="Inconsolata Medium" panose="020B0609030003000000" pitchFamily="49" charset="77"/>
-              </a:rPr>
-              <a:t>[</a:t>
-            </a:r>
-            <a:r>
-              <a:rPr lang="en-US" sz="1900" b="1" dirty="0">
-                <a:solidFill>
-                  <a:srgbClr val="FF6600"/>
-                </a:solidFill>
-                <a:latin typeface="Inconsolata Medium" panose="020B0609030003000000" pitchFamily="49" charset="77"/>
-              </a:rPr>
-              <a:t>26</a:t>
-            </a:r>
-            <a:r>
-              <a:rPr lang="en-US" sz="1900" b="1" dirty="0">
-                <a:latin typeface="Inconsolata Medium" panose="020B0609030003000000" pitchFamily="49" charset="77"/>
-              </a:rPr>
-              <a:t>]: </a:t>
-            </a:r>
-            <a:r>
-              <a:rPr lang="en-US" sz="1900" b="1" dirty="0">
-                <a:solidFill>
-                  <a:srgbClr val="000087"/>
-                </a:solidFill>
-                <a:latin typeface="Inconsolata Medium" panose="020B0609030003000000" pitchFamily="49" charset="77"/>
-              </a:rPr>
-              <a:t>message = </a:t>
-            </a:r>
-            <a:r>
-              <a:rPr lang="en-US" sz="2000" dirty="0">
-                <a:solidFill>
-                  <a:srgbClr val="CC3300"/>
-                </a:solidFill>
-                <a:latin typeface="UbuntuMono"/>
-              </a:rPr>
-              <a:t>”python" </a:t>
-            </a:r>
             <a:endParaRPr lang="en-US" sz="1900" b="1" dirty="0">
               <a:solidFill>
                 <a:srgbClr val="000087"/>
@@ -8106,7 +10552,7 @@
                 </a:solidFill>
                 <a:latin typeface="Inconsolata Medium" panose="020B0609030003000000" pitchFamily="49" charset="77"/>
               </a:rPr>
-              <a:t>26</a:t>
+              <a:t>23</a:t>
             </a:r>
             <a:r>
               <a:rPr lang="en-US" sz="1900" b="1" dirty="0">
@@ -8115,19 +10561,199 @@
               <a:t>]: </a:t>
             </a:r>
             <a:r>
+              <a:rPr lang="en-US" sz="1900" b="1" dirty="0">
+                <a:solidFill>
+                  <a:srgbClr val="000087"/>
+                </a:solidFill>
+                <a:latin typeface="Inconsolata Medium" panose="020B0609030003000000" pitchFamily="49" charset="77"/>
+              </a:rPr>
+              <a:t>language = </a:t>
+            </a:r>
+            <a:r>
+              <a:rPr lang="en-US" sz="2000" dirty="0">
+                <a:solidFill>
+                  <a:srgbClr val="CC3300"/>
+                </a:solidFill>
+                <a:latin typeface="UbuntuMono"/>
+              </a:rPr>
+              <a:t>"python" </a:t>
+            </a:r>
+            <a:endParaRPr lang="en-US" sz="1900" b="1" dirty="0">
+              <a:latin typeface="Inconsolata Medium" panose="020B0609030003000000" pitchFamily="49" charset="77"/>
+            </a:endParaRPr>
+          </a:p>
+          <a:p>
+            <a:pPr marL="0" indent="0">
+              <a:buNone/>
+            </a:pPr>
+            <a:r>
+              <a:rPr lang="en-US" sz="1900" b="1" dirty="0">
+                <a:solidFill>
+                  <a:srgbClr val="000087"/>
+                </a:solidFill>
+                <a:latin typeface="Inconsolata Medium" panose="020B0609030003000000" pitchFamily="49" charset="77"/>
+              </a:rPr>
+              <a:t>In </a:t>
+            </a:r>
+            <a:r>
+              <a:rPr lang="en-US" sz="1900" b="1" dirty="0">
+                <a:latin typeface="Inconsolata Medium" panose="020B0609030003000000" pitchFamily="49" charset="77"/>
+              </a:rPr>
+              <a:t>[</a:t>
+            </a:r>
+            <a:r>
+              <a:rPr lang="en-US" sz="1900" b="1" dirty="0">
+                <a:solidFill>
+                  <a:srgbClr val="FF6600"/>
+                </a:solidFill>
+                <a:latin typeface="Inconsolata Medium" panose="020B0609030003000000" pitchFamily="49" charset="77"/>
+              </a:rPr>
+              <a:t>25</a:t>
+            </a:r>
+            <a:r>
+              <a:rPr lang="en-US" sz="1900" b="1" dirty="0">
+                <a:latin typeface="Inconsolata Medium" panose="020B0609030003000000" pitchFamily="49" charset="77"/>
+              </a:rPr>
+              <a:t>]:  </a:t>
+            </a:r>
+            <a:r>
+              <a:rPr lang="en-US" sz="1900" b="1" dirty="0">
+                <a:solidFill>
+                  <a:srgbClr val="000087"/>
+                </a:solidFill>
+                <a:latin typeface="Inconsolata Medium" panose="020B0609030003000000" pitchFamily="49" charset="77"/>
+              </a:rPr>
+              <a:t>language</a:t>
+            </a:r>
+            <a:r>
+              <a:rPr lang="en-US" sz="1900" b="1" dirty="0">
+                <a:latin typeface="Inconsolata Medium" panose="020B0609030003000000" pitchFamily="49" charset="77"/>
+              </a:rPr>
+              <a:t>[</a:t>
+            </a:r>
+            <a:r>
+              <a:rPr lang="en-US" sz="1900" b="1" dirty="0">
+                <a:solidFill>
+                  <a:srgbClr val="FF6600"/>
+                </a:solidFill>
+                <a:latin typeface="Inconsolata Medium" panose="020B0609030003000000" pitchFamily="49" charset="77"/>
+              </a:rPr>
+              <a:t>0:4</a:t>
+            </a:r>
+            <a:r>
+              <a:rPr lang="en-US" sz="1900" b="1" dirty="0">
+                <a:latin typeface="Inconsolata Medium" panose="020B0609030003000000" pitchFamily="49" charset="77"/>
+              </a:rPr>
+              <a:t>] </a:t>
+            </a:r>
+            <a:r>
               <a:rPr lang="en-US" sz="1900" b="1" i="1" dirty="0">
                 <a:solidFill>
                   <a:srgbClr val="33566B"/>
                 </a:solidFill>
                 <a:latin typeface="Inconsolata Medium" panose="020B0609030003000000" pitchFamily="49" charset="77"/>
               </a:rPr>
-              <a:t># default start index is 0</a:t>
-            </a:r>
-          </a:p>
-          <a:p>
-            <a:pPr marL="0" indent="0">
-              <a:buNone/>
-            </a:pPr>
+              <a:t># 0 up to but not including index 4</a:t>
+            </a:r>
+            <a:endParaRPr lang="en-US" sz="1900" b="1" dirty="0">
+              <a:latin typeface="Inconsolata Medium" panose="020B0609030003000000" pitchFamily="49" charset="77"/>
+            </a:endParaRPr>
+          </a:p>
+          <a:p>
+            <a:pPr marL="0" indent="0">
+              <a:buNone/>
+            </a:pPr>
+            <a:r>
+              <a:rPr lang="en-US" sz="1900" b="1" dirty="0">
+                <a:latin typeface="Inconsolata Medium" panose="020B0609030003000000" pitchFamily="49" charset="77"/>
+              </a:rPr>
+              <a:t>Out [25]: ‘</a:t>
+            </a:r>
+            <a:r>
+              <a:rPr lang="en-US" sz="1900" b="1" dirty="0" err="1">
+                <a:latin typeface="Inconsolata Medium" panose="020B0609030003000000" pitchFamily="49" charset="77"/>
+              </a:rPr>
+              <a:t>pyth</a:t>
+            </a:r>
+            <a:r>
+              <a:rPr lang="en-US" sz="1900" b="1" dirty="0">
+                <a:latin typeface="Inconsolata Medium" panose="020B0609030003000000" pitchFamily="49" charset="77"/>
+              </a:rPr>
+              <a:t>’ </a:t>
+            </a:r>
+          </a:p>
+          <a:p>
+            <a:pPr marL="0" indent="0">
+              <a:buNone/>
+            </a:pPr>
+            <a:endParaRPr lang="en-US" sz="1900" b="1" dirty="0">
+              <a:latin typeface="Inconsolata Medium" panose="020B0609030003000000" pitchFamily="49" charset="77"/>
+            </a:endParaRPr>
+          </a:p>
+          <a:p>
+            <a:pPr marL="0" indent="0">
+              <a:buNone/>
+            </a:pPr>
+            <a:r>
+              <a:rPr lang="en-US" sz="1900" b="1" dirty="0">
+                <a:solidFill>
+                  <a:srgbClr val="000087"/>
+                </a:solidFill>
+                <a:latin typeface="Inconsolata Medium" panose="020B0609030003000000" pitchFamily="49" charset="77"/>
+              </a:rPr>
+              <a:t>In </a:t>
+            </a:r>
+            <a:r>
+              <a:rPr lang="en-US" sz="1900" b="1" dirty="0">
+                <a:latin typeface="Inconsolata Medium" panose="020B0609030003000000" pitchFamily="49" charset="77"/>
+              </a:rPr>
+              <a:t>[</a:t>
+            </a:r>
+            <a:r>
+              <a:rPr lang="en-US" sz="1900" b="1" dirty="0">
+                <a:solidFill>
+                  <a:srgbClr val="FF6600"/>
+                </a:solidFill>
+                <a:latin typeface="Inconsolata Medium" panose="020B0609030003000000" pitchFamily="49" charset="77"/>
+              </a:rPr>
+              <a:t>25</a:t>
+            </a:r>
+            <a:r>
+              <a:rPr lang="en-US" sz="1900" b="1" dirty="0">
+                <a:latin typeface="Inconsolata Medium" panose="020B0609030003000000" pitchFamily="49" charset="77"/>
+              </a:rPr>
+              <a:t>]:  </a:t>
+            </a:r>
+            <a:r>
+              <a:rPr lang="en-US" sz="1900" b="1" dirty="0">
+                <a:solidFill>
+                  <a:srgbClr val="000087"/>
+                </a:solidFill>
+                <a:latin typeface="Inconsolata Medium" panose="020B0609030003000000" pitchFamily="49" charset="77"/>
+              </a:rPr>
+              <a:t>language</a:t>
+            </a:r>
+            <a:r>
+              <a:rPr lang="en-US" sz="1900" b="1" dirty="0">
+                <a:latin typeface="Inconsolata Medium" panose="020B0609030003000000" pitchFamily="49" charset="77"/>
+              </a:rPr>
+              <a:t>[</a:t>
+            </a:r>
+            <a:r>
+              <a:rPr lang="en-US" sz="1900" b="1" dirty="0">
+                <a:solidFill>
+                  <a:srgbClr val="FF6600"/>
+                </a:solidFill>
+                <a:latin typeface="Inconsolata Medium" panose="020B0609030003000000" pitchFamily="49" charset="77"/>
+              </a:rPr>
+              <a:t>0:5:2</a:t>
+            </a:r>
+            <a:r>
+              <a:rPr lang="en-US" sz="1900" b="1" dirty="0">
+                <a:latin typeface="Inconsolata Medium" panose="020B0609030003000000" pitchFamily="49" charset="77"/>
+              </a:rPr>
+              <a:t>] </a:t>
+            </a:r>
             <a:r>
               <a:rPr lang="en-US" sz="1900" b="1" i="1" dirty="0">
                 <a:solidFill>
@@ -8135,281 +10761,33 @@
                 </a:solidFill>
                 <a:latin typeface="Inconsolata Medium" panose="020B0609030003000000" pitchFamily="49" charset="77"/>
               </a:rPr>
-              <a:t>	    </a:t>
-            </a:r>
-            <a:r>
-              <a:rPr lang="en-US" sz="1900" b="1" dirty="0">
-                <a:solidFill>
-                  <a:srgbClr val="000087"/>
-                </a:solidFill>
-                <a:latin typeface="Inconsolata Medium" panose="020B0609030003000000" pitchFamily="49" charset="77"/>
-              </a:rPr>
-              <a:t>message</a:t>
-            </a:r>
-            <a:r>
-              <a:rPr lang="en-US" sz="1900" b="1" dirty="0">
-                <a:latin typeface="Inconsolata Medium" panose="020B0609030003000000" pitchFamily="49" charset="77"/>
-              </a:rPr>
-              <a:t>[</a:t>
-            </a:r>
-            <a:r>
-              <a:rPr lang="en-US" sz="1900" b="1" dirty="0">
-                <a:solidFill>
-                  <a:srgbClr val="FF6600"/>
-                </a:solidFill>
-                <a:latin typeface="Inconsolata Medium" panose="020B0609030003000000" pitchFamily="49" charset="77"/>
-              </a:rPr>
-              <a:t>:4</a:t>
-            </a:r>
-            <a:r>
-              <a:rPr lang="en-US" sz="1900" b="1" dirty="0">
-                <a:latin typeface="Inconsolata Medium" panose="020B0609030003000000" pitchFamily="49" charset="77"/>
-              </a:rPr>
-              <a:t>] </a:t>
-            </a:r>
-          </a:p>
-          <a:p>
-            <a:pPr marL="0" indent="0">
-              <a:buNone/>
-            </a:pPr>
-            <a:r>
-              <a:rPr lang="en-US" sz="1900" b="1" dirty="0">
-                <a:latin typeface="Inconsolata Medium" panose="020B0609030003000000" pitchFamily="49" charset="77"/>
-              </a:rPr>
-              <a:t>Out [26]: ‘</a:t>
+              <a:t># step size of 2</a:t>
+            </a:r>
+            <a:endParaRPr lang="en-US" sz="1900" b="1" dirty="0">
+              <a:latin typeface="Inconsolata Medium" panose="020B0609030003000000" pitchFamily="49" charset="77"/>
+            </a:endParaRPr>
+          </a:p>
+          <a:p>
+            <a:pPr marL="0" indent="0">
+              <a:buNone/>
+            </a:pPr>
+            <a:r>
+              <a:rPr lang="en-US" sz="1900" b="1" dirty="0">
+                <a:latin typeface="Inconsolata Medium" panose="020B0609030003000000" pitchFamily="49" charset="77"/>
+              </a:rPr>
+              <a:t>Out [25]: ‘</a:t>
             </a:r>
             <a:r>
               <a:rPr lang="en-US" sz="1900" b="1" dirty="0" err="1">
                 <a:latin typeface="Inconsolata Medium" panose="020B0609030003000000" pitchFamily="49" charset="77"/>
               </a:rPr>
-              <a:t>pyth</a:t>
+              <a:t>pto</a:t>
             </a:r>
             <a:r>
               <a:rPr lang="en-US" sz="1900" b="1" dirty="0">
                 <a:latin typeface="Inconsolata Medium" panose="020B0609030003000000" pitchFamily="49" charset="77"/>
               </a:rPr>
               <a:t>' </a:t>
-            </a:r>
-          </a:p>
-          <a:p>
-            <a:pPr marL="0" indent="0">
-              <a:buNone/>
-            </a:pPr>
-            <a:endParaRPr lang="en-US" sz="1900" b="1" dirty="0">
-              <a:latin typeface="Inconsolata Medium" panose="020B0609030003000000" pitchFamily="49" charset="77"/>
-            </a:endParaRPr>
-          </a:p>
-          <a:p>
-            <a:pPr marL="0" indent="0">
-              <a:buNone/>
-            </a:pPr>
-            <a:r>
-              <a:rPr lang="en-US" sz="1900" b="1" dirty="0">
-                <a:solidFill>
-                  <a:srgbClr val="000087"/>
-                </a:solidFill>
-                <a:latin typeface="Inconsolata Medium" panose="020B0609030003000000" pitchFamily="49" charset="77"/>
-              </a:rPr>
-              <a:t>In </a:t>
-            </a:r>
-            <a:r>
-              <a:rPr lang="en-US" sz="1900" b="1" dirty="0">
-                <a:latin typeface="Inconsolata Medium" panose="020B0609030003000000" pitchFamily="49" charset="77"/>
-              </a:rPr>
-              <a:t>[</a:t>
-            </a:r>
-            <a:r>
-              <a:rPr lang="en-US" sz="1900" b="1" dirty="0">
-                <a:solidFill>
-                  <a:srgbClr val="FF6600"/>
-                </a:solidFill>
-                <a:latin typeface="Inconsolata Medium" panose="020B0609030003000000" pitchFamily="49" charset="77"/>
-              </a:rPr>
-              <a:t>27</a:t>
-            </a:r>
-            <a:r>
-              <a:rPr lang="en-US" sz="1900" b="1" dirty="0">
-                <a:latin typeface="Inconsolata Medium" panose="020B0609030003000000" pitchFamily="49" charset="77"/>
-              </a:rPr>
-              <a:t>]: </a:t>
-            </a:r>
-            <a:r>
-              <a:rPr lang="en-US" sz="1900" b="1" i="1" dirty="0">
-                <a:solidFill>
-                  <a:srgbClr val="33566B"/>
-                </a:solidFill>
-                <a:latin typeface="Inconsolata Medium" panose="020B0609030003000000" pitchFamily="49" charset="77"/>
-              </a:rPr>
-              <a:t># default end index is length of string</a:t>
-            </a:r>
-          </a:p>
-          <a:p>
-            <a:pPr marL="0" indent="0">
-              <a:buNone/>
-            </a:pPr>
-            <a:r>
-              <a:rPr lang="en-US" sz="1900" b="1" i="1" dirty="0">
-                <a:solidFill>
-                  <a:srgbClr val="33566B"/>
-                </a:solidFill>
-                <a:latin typeface="Inconsolata Medium" panose="020B0609030003000000" pitchFamily="49" charset="77"/>
-              </a:rPr>
-              <a:t>	    </a:t>
-            </a:r>
-            <a:r>
-              <a:rPr lang="en-US" sz="1900" b="1" dirty="0">
-                <a:solidFill>
-                  <a:srgbClr val="000087"/>
-                </a:solidFill>
-                <a:latin typeface="Inconsolata Medium" panose="020B0609030003000000" pitchFamily="49" charset="77"/>
-              </a:rPr>
-              <a:t>message</a:t>
-            </a:r>
-            <a:r>
-              <a:rPr lang="en-US" sz="1900" b="1" dirty="0">
-                <a:latin typeface="Inconsolata Medium" panose="020B0609030003000000" pitchFamily="49" charset="77"/>
-              </a:rPr>
-              <a:t>[</a:t>
-            </a:r>
-            <a:r>
-              <a:rPr lang="en-US" sz="1900" b="1" dirty="0">
-                <a:solidFill>
-                  <a:srgbClr val="FF6600"/>
-                </a:solidFill>
-                <a:latin typeface="Inconsolata Medium" panose="020B0609030003000000" pitchFamily="49" charset="77"/>
-              </a:rPr>
-              <a:t>4:</a:t>
-            </a:r>
-            <a:r>
-              <a:rPr lang="en-US" sz="1900" b="1" dirty="0">
-                <a:latin typeface="Inconsolata Medium" panose="020B0609030003000000" pitchFamily="49" charset="77"/>
-              </a:rPr>
-              <a:t>] </a:t>
-            </a:r>
-            <a:endParaRPr lang="en-US" sz="1900" b="1" i="1" dirty="0">
-              <a:solidFill>
-                <a:srgbClr val="33566B"/>
-              </a:solidFill>
-              <a:latin typeface="Inconsolata Medium" panose="020B0609030003000000" pitchFamily="49" charset="77"/>
-            </a:endParaRPr>
-          </a:p>
-          <a:p>
-            <a:pPr marL="0" indent="0">
-              <a:buNone/>
-            </a:pPr>
-            <a:r>
-              <a:rPr lang="en-US" sz="1900" b="1" dirty="0">
-                <a:latin typeface="Inconsolata Medium" panose="020B0609030003000000" pitchFamily="49" charset="77"/>
-              </a:rPr>
-              <a:t>Out [27]: ‘on’ </a:t>
-            </a:r>
-          </a:p>
-          <a:p>
-            <a:pPr marL="0" indent="0">
-              <a:buNone/>
-            </a:pPr>
-            <a:endParaRPr lang="en-US" sz="1900" b="1" dirty="0">
-              <a:latin typeface="Inconsolata Medium" panose="020B0609030003000000" pitchFamily="49" charset="77"/>
-            </a:endParaRPr>
-          </a:p>
-          <a:p>
-            <a:pPr marL="0" indent="0">
-              <a:buNone/>
-            </a:pPr>
-            <a:r>
-              <a:rPr lang="en-US" sz="1900" b="1" dirty="0">
-                <a:solidFill>
-                  <a:srgbClr val="000087"/>
-                </a:solidFill>
-                <a:latin typeface="Inconsolata Medium" panose="020B0609030003000000" pitchFamily="49" charset="77"/>
-              </a:rPr>
-              <a:t>In </a:t>
-            </a:r>
-            <a:r>
-              <a:rPr lang="en-US" sz="1900" b="1" dirty="0">
-                <a:latin typeface="Inconsolata Medium" panose="020B0609030003000000" pitchFamily="49" charset="77"/>
-              </a:rPr>
-              <a:t>[</a:t>
-            </a:r>
-            <a:r>
-              <a:rPr lang="en-US" sz="1900" b="1" dirty="0">
-                <a:solidFill>
-                  <a:srgbClr val="FF6600"/>
-                </a:solidFill>
-                <a:latin typeface="Inconsolata Medium" panose="020B0609030003000000" pitchFamily="49" charset="77"/>
-              </a:rPr>
-              <a:t>28</a:t>
-            </a:r>
-            <a:r>
-              <a:rPr lang="en-US" sz="1900" b="1" dirty="0">
-                <a:latin typeface="Inconsolata Medium" panose="020B0609030003000000" pitchFamily="49" charset="77"/>
-              </a:rPr>
-              <a:t>]: </a:t>
-            </a:r>
-            <a:r>
-              <a:rPr lang="en-US" sz="1900" b="1" i="1" dirty="0">
-                <a:solidFill>
-                  <a:srgbClr val="33566B"/>
-                </a:solidFill>
-                <a:latin typeface="Inconsolata Medium" panose="020B0609030003000000" pitchFamily="49" charset="77"/>
-              </a:rPr>
-              <a:t> </a:t>
-            </a:r>
-            <a:r>
-              <a:rPr lang="en-US" sz="1900" b="1" dirty="0">
-                <a:solidFill>
-                  <a:srgbClr val="000087"/>
-                </a:solidFill>
-                <a:latin typeface="Inconsolata Medium" panose="020B0609030003000000" pitchFamily="49" charset="77"/>
-              </a:rPr>
-              <a:t>message</a:t>
-            </a:r>
-            <a:r>
-              <a:rPr lang="en-US" sz="1900" b="1" dirty="0">
-                <a:latin typeface="Inconsolata Medium" panose="020B0609030003000000" pitchFamily="49" charset="77"/>
-              </a:rPr>
-              <a:t>[</a:t>
-            </a:r>
-            <a:r>
-              <a:rPr lang="en-US" sz="1900" b="1" dirty="0">
-                <a:solidFill>
-                  <a:srgbClr val="FF6600"/>
-                </a:solidFill>
-                <a:latin typeface="Inconsolata Medium" panose="020B0609030003000000" pitchFamily="49" charset="77"/>
-              </a:rPr>
-              <a:t>:</a:t>
-            </a:r>
-            <a:r>
-              <a:rPr lang="en-US" sz="1900" b="1" dirty="0">
-                <a:latin typeface="Inconsolata Medium" panose="020B0609030003000000" pitchFamily="49" charset="77"/>
-              </a:rPr>
-              <a:t>]  </a:t>
-            </a:r>
-            <a:r>
-              <a:rPr lang="en-US" sz="1900" b="1" i="1" dirty="0">
-                <a:solidFill>
-                  <a:srgbClr val="33566B"/>
-                </a:solidFill>
-                <a:latin typeface="Inconsolata Medium" panose="020B0609030003000000" pitchFamily="49" charset="77"/>
-              </a:rPr>
-              <a:t># default 0 to end of string</a:t>
-            </a:r>
-            <a:endParaRPr lang="en-US" sz="1900" b="1" i="1" dirty="0">
-              <a:solidFill>
-                <a:schemeClr val="accent5"/>
-              </a:solidFill>
-              <a:latin typeface="Inconsolata Medium" panose="020B0609030003000000" pitchFamily="49" charset="77"/>
-            </a:endParaRPr>
-          </a:p>
-          <a:p>
-            <a:pPr marL="0" indent="0">
-              <a:buNone/>
-            </a:pPr>
-            <a:r>
-              <a:rPr lang="en-US" sz="1900" b="1" dirty="0">
-                <a:latin typeface="Inconsolata Medium" panose="020B0609030003000000" pitchFamily="49" charset="77"/>
-              </a:rPr>
-              <a:t>Out [28]: ‘python’ </a:t>
             </a:r>
           </a:p>
           <a:p>
@@ -8527,7 +10905,7 @@
     </p:spTree>
     <p:extLst>
       <p:ext uri="{BB962C8B-B14F-4D97-AF65-F5344CB8AC3E}">
-        <p14:creationId xmlns:p14="http://schemas.microsoft.com/office/powerpoint/2010/main" val="3369363658"/>
+        <p14:creationId xmlns:p14="http://schemas.microsoft.com/office/powerpoint/2010/main" val="2221515130"/>
       </p:ext>
     </p:extLst>
   </p:cSld>
@@ -8582,7 +10960,7 @@
           <a:p>
             <a:r>
               <a:rPr lang="en-US" dirty="0"/>
-              <a:t>String Indexing and Slicing</a:t>
+              <a:t>Slicing</a:t>
             </a:r>
           </a:p>
         </p:txBody>
@@ -8655,7 +11033,7 @@
                 </a:solidFill>
                 <a:latin typeface="Inconsolata Medium" panose="020B0609030003000000" pitchFamily="49" charset="77"/>
               </a:rPr>
-              <a:t>message = </a:t>
+              <a:t>language = </a:t>
             </a:r>
             <a:r>
               <a:rPr lang="en-US" sz="2000" dirty="0">
@@ -8699,7 +11077,7 @@
                 </a:solidFill>
                 <a:latin typeface="Inconsolata Medium" panose="020B0609030003000000" pitchFamily="49" charset="77"/>
               </a:rPr>
-              <a:t>24</a:t>
+              <a:t>26</a:t>
             </a:r>
             <a:r>
               <a:rPr lang="en-US" sz="1900" b="1" dirty="0">
@@ -8714,7 +11092,7 @@
                 </a:solidFill>
                 <a:latin typeface="Inconsolata Medium" panose="020B0609030003000000" pitchFamily="49" charset="77"/>
               </a:rPr>
-              <a:t># negative indices wraps around the end</a:t>
+              <a:t># default start index is 0</a:t>
             </a:r>
           </a:p>
           <a:p>
@@ -8731,13 +11109,13 @@
               <a:t>	    </a:t>
             </a:r>
             <a:r>
-              <a:rPr lang="en-US" sz="1900" b="1" dirty="0">
+              <a:rPr lang="en-US" sz="1900" b="1" i="1" dirty="0">
                 <a:solidFill>
                   <a:srgbClr val="000087"/>
                 </a:solidFill>
                 <a:latin typeface="Inconsolata Medium" panose="020B0609030003000000" pitchFamily="49" charset="77"/>
               </a:rPr>
-              <a:t>message</a:t>
+              <a:t>language</a:t>
             </a:r>
             <a:r>
               <a:rPr lang="en-US" sz="1900" b="1" dirty="0">
@@ -8752,13 +11130,79 @@
                 </a:solidFill>
                 <a:latin typeface="Inconsolata Medium" panose="020B0609030003000000" pitchFamily="49" charset="77"/>
               </a:rPr>
-              <a:t>-1</a:t>
-            </a:r>
-            <a:r>
-              <a:rPr lang="en-US" sz="1900" b="1" dirty="0">
-                <a:latin typeface="Inconsolata Medium" panose="020B0609030003000000" pitchFamily="49" charset="77"/>
-              </a:rPr>
-              <a:t>]   </a:t>
+              <a:t>:4</a:t>
+            </a:r>
+            <a:r>
+              <a:rPr lang="en-US" sz="1900" b="1" dirty="0">
+                <a:latin typeface="Inconsolata Medium" panose="020B0609030003000000" pitchFamily="49" charset="77"/>
+              </a:rPr>
+              <a:t>] </a:t>
+            </a:r>
+          </a:p>
+          <a:p>
+            <a:pPr marL="0" indent="0">
+              <a:buNone/>
+            </a:pPr>
+            <a:r>
+              <a:rPr lang="en-US" sz="1900" b="1" dirty="0">
+                <a:latin typeface="Inconsolata Medium" panose="020B0609030003000000" pitchFamily="49" charset="77"/>
+              </a:rPr>
+              <a:t>Out [26]: ‘</a:t>
+            </a:r>
+            <a:r>
+              <a:rPr lang="en-US" sz="1900" b="1" dirty="0" err="1">
+                <a:latin typeface="Inconsolata Medium" panose="020B0609030003000000" pitchFamily="49" charset="77"/>
+              </a:rPr>
+              <a:t>pyth</a:t>
+            </a:r>
+            <a:r>
+              <a:rPr lang="en-US" sz="1900" b="1" dirty="0">
+                <a:latin typeface="Inconsolata Medium" panose="020B0609030003000000" pitchFamily="49" charset="77"/>
+              </a:rPr>
+              <a:t>' </a:t>
+            </a:r>
+          </a:p>
+          <a:p>
+            <a:pPr marL="0" indent="0">
+              <a:buNone/>
+            </a:pPr>
+            <a:endParaRPr lang="en-US" sz="1900" b="1" dirty="0">
+              <a:latin typeface="Inconsolata Medium" panose="020B0609030003000000" pitchFamily="49" charset="77"/>
+            </a:endParaRPr>
+          </a:p>
+          <a:p>
+            <a:pPr marL="0" indent="0">
+              <a:buNone/>
+            </a:pPr>
+            <a:r>
+              <a:rPr lang="en-US" sz="1900" b="1" dirty="0">
+                <a:solidFill>
+                  <a:srgbClr val="000087"/>
+                </a:solidFill>
+                <a:latin typeface="Inconsolata Medium" panose="020B0609030003000000" pitchFamily="49" charset="77"/>
+              </a:rPr>
+              <a:t>In </a:t>
+            </a:r>
+            <a:r>
+              <a:rPr lang="en-US" sz="1900" b="1" dirty="0">
+                <a:latin typeface="Inconsolata Medium" panose="020B0609030003000000" pitchFamily="49" charset="77"/>
+              </a:rPr>
+              <a:t>[</a:t>
+            </a:r>
+            <a:r>
+              <a:rPr lang="en-US" sz="1900" b="1" dirty="0">
+                <a:solidFill>
+                  <a:srgbClr val="FF6600"/>
+                </a:solidFill>
+                <a:latin typeface="Inconsolata Medium" panose="020B0609030003000000" pitchFamily="49" charset="77"/>
+              </a:rPr>
+              <a:t>27</a:t>
+            </a:r>
+            <a:r>
+              <a:rPr lang="en-US" sz="1900" b="1" dirty="0">
+                <a:latin typeface="Inconsolata Medium" panose="020B0609030003000000" pitchFamily="49" charset="77"/>
+              </a:rPr>
+              <a:t>]: </a:t>
             </a:r>
             <a:r>
               <a:rPr lang="en-US" sz="1900" b="1" i="1" dirty="0">
@@ -8767,43 +11211,30 @@
                 </a:solidFill>
                 <a:latin typeface="Inconsolata Medium" panose="020B0609030003000000" pitchFamily="49" charset="77"/>
               </a:rPr>
-              <a:t># last character </a:t>
-            </a:r>
-            <a:endParaRPr lang="en-US" sz="1900" b="1" dirty="0">
-              <a:latin typeface="Inconsolata Medium" panose="020B0609030003000000" pitchFamily="49" charset="77"/>
-            </a:endParaRPr>
-          </a:p>
-          <a:p>
-            <a:pPr marL="0" indent="0">
-              <a:buNone/>
-            </a:pPr>
-            <a:r>
-              <a:rPr lang="en-US" sz="1900" b="1" dirty="0">
-                <a:latin typeface="Inconsolata Medium" panose="020B0609030003000000" pitchFamily="49" charset="77"/>
-              </a:rPr>
-              <a:t>Out [24]: ‘n' </a:t>
-            </a:r>
-          </a:p>
-          <a:p>
-            <a:pPr marL="0" indent="0">
-              <a:buNone/>
-            </a:pPr>
-            <a:endParaRPr lang="en-US" sz="1900" b="1" dirty="0">
-              <a:latin typeface="Inconsolata Medium" panose="020B0609030003000000" pitchFamily="49" charset="77"/>
-            </a:endParaRPr>
-          </a:p>
-          <a:p>
-            <a:pPr marL="0" indent="0">
-              <a:buNone/>
-            </a:pPr>
-            <a:r>
-              <a:rPr lang="en-US" sz="1900" b="1" dirty="0">
+              <a:t># default end index is length of string</a:t>
+            </a:r>
+          </a:p>
+          <a:p>
+            <a:pPr marL="0" indent="0">
+              <a:buNone/>
+            </a:pPr>
+            <a:r>
+              <a:rPr lang="en-US" sz="1900" b="1" i="1" dirty="0">
+                <a:solidFill>
+                  <a:srgbClr val="33566B"/>
+                </a:solidFill>
+                <a:latin typeface="Inconsolata Medium" panose="020B0609030003000000" pitchFamily="49" charset="77"/>
+              </a:rPr>
+              <a:t>	    </a:t>
+            </a:r>
+            <a:r>
+              <a:rPr lang="en-US" sz="1900" b="1" i="1" dirty="0">
                 <a:solidFill>
                   <a:srgbClr val="000087"/>
                 </a:solidFill>
                 <a:latin typeface="Inconsolata Medium" panose="020B0609030003000000" pitchFamily="49" charset="77"/>
               </a:rPr>
-              <a:t>In </a:t>
+              <a:t>language</a:t>
             </a:r>
             <a:r>
               <a:rPr lang="en-US" sz="1900" b="1" dirty="0">
@@ -8818,60 +11249,7 @@
                 </a:solidFill>
                 <a:latin typeface="Inconsolata Medium" panose="020B0609030003000000" pitchFamily="49" charset="77"/>
               </a:rPr>
-              <a:t>25</a:t>
-            </a:r>
-            <a:r>
-              <a:rPr lang="en-US" sz="1900" b="1" dirty="0">
-                <a:latin typeface="Inconsolata Medium" panose="020B0609030003000000" pitchFamily="49" charset="77"/>
-              </a:rPr>
-              <a:t>]: </a:t>
-            </a:r>
-            <a:r>
-              <a:rPr lang="en-US" sz="1900" b="1" i="1" dirty="0">
-                <a:solidFill>
-                  <a:srgbClr val="33566B"/>
-                </a:solidFill>
-                <a:latin typeface="Inconsolata Medium" panose="020B0609030003000000" pitchFamily="49" charset="77"/>
-              </a:rPr>
-              <a:t># all except the last character</a:t>
-            </a:r>
-          </a:p>
-          <a:p>
-            <a:pPr marL="0" indent="0">
-              <a:buNone/>
-            </a:pPr>
-            <a:r>
-              <a:rPr lang="en-US" sz="1900" b="1" i="1" dirty="0">
-                <a:solidFill>
-                  <a:srgbClr val="33566B"/>
-                </a:solidFill>
-                <a:latin typeface="Inconsolata Medium" panose="020B0609030003000000" pitchFamily="49" charset="77"/>
-              </a:rPr>
-              <a:t>	    </a:t>
-            </a:r>
-            <a:r>
-              <a:rPr lang="en-US" sz="1900" b="1" dirty="0">
-                <a:solidFill>
-                  <a:srgbClr val="000087"/>
-                </a:solidFill>
-                <a:latin typeface="Inconsolata Medium" panose="020B0609030003000000" pitchFamily="49" charset="77"/>
-              </a:rPr>
-              <a:t>message</a:t>
-            </a:r>
-            <a:r>
-              <a:rPr lang="en-US" sz="1900" b="1" dirty="0">
-                <a:latin typeface="Inconsolata Medium" panose="020B0609030003000000" pitchFamily="49" charset="77"/>
-              </a:rPr>
-              <a:t>[</a:t>
-            </a:r>
-            <a:r>
-              <a:rPr lang="en-US" sz="1900" b="1" dirty="0">
-                <a:solidFill>
-                  <a:srgbClr val="FF6600"/>
-                </a:solidFill>
-                <a:latin typeface="Inconsolata Medium" panose="020B0609030003000000" pitchFamily="49" charset="77"/>
-              </a:rPr>
-              <a:t>:-1</a:t>
+              <a:t>4:</a:t>
             </a:r>
             <a:r>
               <a:rPr lang="en-US" sz="1900" b="1" dirty="0">
@@ -8894,19 +11272,7 @@
               <a:rPr lang="en-US" sz="1900" b="1" dirty="0">
                 <a:latin typeface="Inconsolata Medium" panose="020B0609030003000000" pitchFamily="49" charset="77"/>
               </a:rPr>
-              <a:t>Out [25]: ‘</a:t>
-            </a:r>
-            <a:r>
-              <a:rPr lang="en-US" sz="1900" b="1" dirty="0" err="1">
-                <a:latin typeface="Inconsolata Medium" panose="020B0609030003000000" pitchFamily="49" charset="77"/>
-              </a:rPr>
-              <a:t>pytho</a:t>
-            </a:r>
-            <a:r>
-              <a:rPr lang="en-US" sz="1900" b="1" dirty="0">
-                <a:latin typeface="Inconsolata Medium" panose="020B0609030003000000" pitchFamily="49" charset="77"/>
-              </a:rPr>
-              <a:t>’ </a:t>
+              <a:t>Out [27]: ‘on’ </a:t>
             </a:r>
           </a:p>
           <a:p>
@@ -8943,7 +11309,7 @@
                 </a:solidFill>
                 <a:latin typeface="Inconsolata Medium" panose="020B0609030003000000" pitchFamily="49" charset="77"/>
               </a:rPr>
-              <a:t>25</a:t>
+              <a:t>28</a:t>
             </a:r>
             <a:r>
               <a:rPr lang="en-US" sz="1900" b="1" dirty="0">
@@ -8958,55 +11324,50 @@
                 </a:solidFill>
                 <a:latin typeface="Inconsolata Medium" panose="020B0609030003000000" pitchFamily="49" charset="77"/>
               </a:rPr>
-              <a:t># negative step size traverses backwards</a:t>
-            </a:r>
-          </a:p>
-          <a:p>
-            <a:pPr marL="0" indent="0">
-              <a:buNone/>
-            </a:pPr>
+              <a:t> </a:t>
+            </a:r>
             <a:r>
               <a:rPr lang="en-US" sz="1900" b="1" i="1" dirty="0">
                 <a:solidFill>
+                  <a:srgbClr val="000087"/>
+                </a:solidFill>
+                <a:latin typeface="Inconsolata Medium" panose="020B0609030003000000" pitchFamily="49" charset="77"/>
+              </a:rPr>
+              <a:t>language</a:t>
+            </a:r>
+            <a:r>
+              <a:rPr lang="en-US" sz="1900" b="1" dirty="0">
+                <a:latin typeface="Inconsolata Medium" panose="020B0609030003000000" pitchFamily="49" charset="77"/>
+              </a:rPr>
+              <a:t>[</a:t>
+            </a:r>
+            <a:r>
+              <a:rPr lang="en-US" sz="1900" b="1" dirty="0">
+                <a:solidFill>
+                  <a:srgbClr val="FF6600"/>
+                </a:solidFill>
+                <a:latin typeface="Inconsolata Medium" panose="020B0609030003000000" pitchFamily="49" charset="77"/>
+              </a:rPr>
+              <a:t>:</a:t>
+            </a:r>
+            <a:r>
+              <a:rPr lang="en-US" sz="1900" b="1" dirty="0">
+                <a:latin typeface="Inconsolata Medium" panose="020B0609030003000000" pitchFamily="49" charset="77"/>
+              </a:rPr>
+              <a:t>]  </a:t>
+            </a:r>
+            <a:r>
+              <a:rPr lang="en-US" sz="1900" b="1" i="1" dirty="0">
+                <a:solidFill>
                   <a:srgbClr val="33566B"/>
                 </a:solidFill>
                 <a:latin typeface="Inconsolata Medium" panose="020B0609030003000000" pitchFamily="49" charset="77"/>
               </a:rPr>
-              <a:t>	    </a:t>
-            </a:r>
-            <a:r>
-              <a:rPr lang="en-US" sz="1900" b="1" dirty="0">
-                <a:solidFill>
-                  <a:srgbClr val="000087"/>
-                </a:solidFill>
-                <a:latin typeface="Inconsolata Medium" panose="020B0609030003000000" pitchFamily="49" charset="77"/>
-              </a:rPr>
-              <a:t>message</a:t>
-            </a:r>
-            <a:r>
-              <a:rPr lang="en-US" sz="1900" b="1" dirty="0">
-                <a:latin typeface="Inconsolata Medium" panose="020B0609030003000000" pitchFamily="49" charset="77"/>
-              </a:rPr>
-              <a:t>[</a:t>
-            </a:r>
-            <a:r>
-              <a:rPr lang="en-US" sz="1900" b="1" dirty="0">
-                <a:solidFill>
-                  <a:srgbClr val="FF6600"/>
-                </a:solidFill>
-                <a:latin typeface="Inconsolata Medium" panose="020B0609030003000000" pitchFamily="49" charset="77"/>
-              </a:rPr>
-              <a:t>::-1</a:t>
-            </a:r>
-            <a:r>
-              <a:rPr lang="en-US" sz="1900" b="1" dirty="0">
-                <a:latin typeface="Inconsolata Medium" panose="020B0609030003000000" pitchFamily="49" charset="77"/>
-              </a:rPr>
-              <a:t>] </a:t>
+              <a:t># default 0 to end of string</a:t>
             </a:r>
             <a:endParaRPr lang="en-US" sz="1900" b="1" i="1" dirty="0">
               <a:solidFill>
-                <a:srgbClr val="33566B"/>
+                <a:schemeClr val="accent5"/>
               </a:solidFill>
               <a:latin typeface="Inconsolata Medium" panose="020B0609030003000000" pitchFamily="49" charset="77"/>
             </a:endParaRPr>
@@ -9019,19 +11380,7 @@
               <a:rPr lang="en-US" sz="1900" b="1" dirty="0">
                 <a:latin typeface="Inconsolata Medium" panose="020B0609030003000000" pitchFamily="49" charset="77"/>
               </a:rPr>
-              <a:t>Out [25]: ‘</a:t>
-            </a:r>
-            <a:r>
-              <a:rPr lang="en-US" sz="1900" b="1" dirty="0" err="1">
-                <a:latin typeface="Inconsolata Medium" panose="020B0609030003000000" pitchFamily="49" charset="77"/>
-              </a:rPr>
-              <a:t>nohtyp</a:t>
-            </a:r>
-            <a:r>
-              <a:rPr lang="en-US" sz="1900" b="1" dirty="0">
-                <a:latin typeface="Inconsolata Medium" panose="020B0609030003000000" pitchFamily="49" charset="77"/>
-              </a:rPr>
-              <a:t>’ </a:t>
+              <a:t>Out [28]: ‘python’ </a:t>
             </a:r>
           </a:p>
           <a:p>
@@ -9149,7 +11498,7 @@
     </p:spTree>
     <p:extLst>
       <p:ext uri="{BB962C8B-B14F-4D97-AF65-F5344CB8AC3E}">
-        <p14:creationId xmlns:p14="http://schemas.microsoft.com/office/powerpoint/2010/main" val="2479426709"/>
+        <p14:creationId xmlns:p14="http://schemas.microsoft.com/office/powerpoint/2010/main" val="3369363658"/>
       </p:ext>
     </p:extLst>
   </p:cSld>
@@ -9204,7 +11553,7 @@
           <a:p>
             <a:r>
               <a:rPr lang="en-US" dirty="0"/>
-              <a:t>f-Strings</a:t>
+              <a:t>Slicing</a:t>
             </a:r>
           </a:p>
         </p:txBody>
@@ -9241,16 +11590,53 @@
               <a:buNone/>
             </a:pPr>
             <a:r>
-              <a:rPr lang="en-US" dirty="0">
-                <a:latin typeface="Gill Sans MT" panose="020B0502020104020203" pitchFamily="34" charset="77"/>
-              </a:rPr>
-              <a:t>f-Strings is the new way to format strings in Python. (v 3.6)</a:t>
-            </a:r>
-          </a:p>
-          <a:p>
-            <a:pPr marL="0" indent="0">
-              <a:buNone/>
-            </a:pPr>
+              <a:rPr lang="en-US" sz="1900" b="1" dirty="0">
+                <a:solidFill>
+                  <a:srgbClr val="000087"/>
+                </a:solidFill>
+                <a:latin typeface="Inconsolata Medium" panose="020B0609030003000000" pitchFamily="49" charset="77"/>
+              </a:rPr>
+              <a:t>In </a:t>
+            </a:r>
+            <a:r>
+              <a:rPr lang="en-US" sz="1900" b="1" dirty="0">
+                <a:latin typeface="Inconsolata Medium" panose="020B0609030003000000" pitchFamily="49" charset="77"/>
+              </a:rPr>
+              <a:t>[</a:t>
+            </a:r>
+            <a:r>
+              <a:rPr lang="en-US" sz="1900" b="1" dirty="0">
+                <a:solidFill>
+                  <a:srgbClr val="FF6600"/>
+                </a:solidFill>
+                <a:latin typeface="Inconsolata Medium" panose="020B0609030003000000" pitchFamily="49" charset="77"/>
+              </a:rPr>
+              <a:t>26</a:t>
+            </a:r>
+            <a:r>
+              <a:rPr lang="en-US" sz="1900" b="1" dirty="0">
+                <a:latin typeface="Inconsolata Medium" panose="020B0609030003000000" pitchFamily="49" charset="77"/>
+              </a:rPr>
+              <a:t>]: </a:t>
+            </a:r>
+            <a:r>
+              <a:rPr lang="en-US" sz="1900" b="1" dirty="0">
+                <a:solidFill>
+                  <a:srgbClr val="000087"/>
+                </a:solidFill>
+                <a:latin typeface="Inconsolata Medium" panose="020B0609030003000000" pitchFamily="49" charset="77"/>
+              </a:rPr>
+              <a:t>language = </a:t>
+            </a:r>
+            <a:r>
+              <a:rPr lang="en-US" sz="2000" dirty="0">
+                <a:solidFill>
+                  <a:srgbClr val="CC3300"/>
+                </a:solidFill>
+                <a:latin typeface="UbuntuMono"/>
+              </a:rPr>
+              <a:t>”python" </a:t>
+            </a:r>
             <a:endParaRPr lang="en-US" sz="1900" b="1" dirty="0">
               <a:solidFill>
                 <a:srgbClr val="000087"/>
@@ -9269,6 +11655,396 @@
                 </a:solidFill>
                 <a:latin typeface="Inconsolata Medium" panose="020B0609030003000000" pitchFamily="49" charset="77"/>
               </a:rPr>
+              <a:t>In </a:t>
+            </a:r>
+            <a:r>
+              <a:rPr lang="en-US" sz="1900" b="1" dirty="0">
+                <a:latin typeface="Inconsolata Medium" panose="020B0609030003000000" pitchFamily="49" charset="77"/>
+              </a:rPr>
+              <a:t>[</a:t>
+            </a:r>
+            <a:r>
+              <a:rPr lang="en-US" sz="1900" b="1" dirty="0">
+                <a:solidFill>
+                  <a:srgbClr val="FF6600"/>
+                </a:solidFill>
+                <a:latin typeface="Inconsolata Medium" panose="020B0609030003000000" pitchFamily="49" charset="77"/>
+              </a:rPr>
+              <a:t>24</a:t>
+            </a:r>
+            <a:r>
+              <a:rPr lang="en-US" sz="1900" b="1" dirty="0">
+                <a:latin typeface="Inconsolata Medium" panose="020B0609030003000000" pitchFamily="49" charset="77"/>
+              </a:rPr>
+              <a:t>]: </a:t>
+            </a:r>
+            <a:r>
+              <a:rPr lang="en-US" sz="1900" b="1" i="1" dirty="0">
+                <a:solidFill>
+                  <a:srgbClr val="33566B"/>
+                </a:solidFill>
+                <a:latin typeface="Inconsolata Medium" panose="020B0609030003000000" pitchFamily="49" charset="77"/>
+              </a:rPr>
+              <a:t># negative indices wraps around the end</a:t>
+            </a:r>
+          </a:p>
+          <a:p>
+            <a:pPr marL="0" indent="0">
+              <a:buNone/>
+            </a:pPr>
+            <a:r>
+              <a:rPr lang="en-US" sz="1900" b="1" i="1" dirty="0">
+                <a:solidFill>
+                  <a:srgbClr val="33566B"/>
+                </a:solidFill>
+                <a:latin typeface="Inconsolata Medium" panose="020B0609030003000000" pitchFamily="49" charset="77"/>
+              </a:rPr>
+              <a:t>	    </a:t>
+            </a:r>
+            <a:r>
+              <a:rPr lang="en-US" sz="1900" b="1" i="1" dirty="0">
+                <a:solidFill>
+                  <a:srgbClr val="000087"/>
+                </a:solidFill>
+                <a:latin typeface="Inconsolata Medium" panose="020B0609030003000000" pitchFamily="49" charset="77"/>
+              </a:rPr>
+              <a:t>language</a:t>
+            </a:r>
+            <a:r>
+              <a:rPr lang="en-US" sz="1900" b="1" dirty="0">
+                <a:latin typeface="Inconsolata Medium" panose="020B0609030003000000" pitchFamily="49" charset="77"/>
+              </a:rPr>
+              <a:t>[</a:t>
+            </a:r>
+            <a:r>
+              <a:rPr lang="en-US" sz="1900" b="1" dirty="0">
+                <a:solidFill>
+                  <a:srgbClr val="FF6600"/>
+                </a:solidFill>
+                <a:latin typeface="Inconsolata Medium" panose="020B0609030003000000" pitchFamily="49" charset="77"/>
+              </a:rPr>
+              <a:t>-1</a:t>
+            </a:r>
+            <a:r>
+              <a:rPr lang="en-US" sz="1900" b="1" dirty="0">
+                <a:latin typeface="Inconsolata Medium" panose="020B0609030003000000" pitchFamily="49" charset="77"/>
+              </a:rPr>
+              <a:t>]   </a:t>
+            </a:r>
+            <a:r>
+              <a:rPr lang="en-US" sz="1900" b="1" i="1" dirty="0">
+                <a:solidFill>
+                  <a:srgbClr val="33566B"/>
+                </a:solidFill>
+                <a:latin typeface="Inconsolata Medium" panose="020B0609030003000000" pitchFamily="49" charset="77"/>
+              </a:rPr>
+              <a:t># last character </a:t>
+            </a:r>
+            <a:endParaRPr lang="en-US" sz="1900" b="1" dirty="0">
+              <a:latin typeface="Inconsolata Medium" panose="020B0609030003000000" pitchFamily="49" charset="77"/>
+            </a:endParaRPr>
+          </a:p>
+          <a:p>
+            <a:pPr marL="0" indent="0">
+              <a:buNone/>
+            </a:pPr>
+            <a:r>
+              <a:rPr lang="en-US" sz="1900" b="1" dirty="0">
+                <a:latin typeface="Inconsolata Medium" panose="020B0609030003000000" pitchFamily="49" charset="77"/>
+              </a:rPr>
+              <a:t>Out [24]: ‘n' </a:t>
+            </a:r>
+          </a:p>
+          <a:p>
+            <a:pPr marL="0" indent="0">
+              <a:buNone/>
+            </a:pPr>
+            <a:endParaRPr lang="en-US" sz="1900" b="1" dirty="0">
+              <a:latin typeface="Inconsolata Medium" panose="020B0609030003000000" pitchFamily="49" charset="77"/>
+            </a:endParaRPr>
+          </a:p>
+          <a:p>
+            <a:pPr marL="0" indent="0">
+              <a:buNone/>
+            </a:pPr>
+            <a:r>
+              <a:rPr lang="en-US" sz="1900" b="1" dirty="0">
+                <a:solidFill>
+                  <a:srgbClr val="000087"/>
+                </a:solidFill>
+                <a:latin typeface="Inconsolata Medium" panose="020B0609030003000000" pitchFamily="49" charset="77"/>
+              </a:rPr>
+              <a:t>In </a:t>
+            </a:r>
+            <a:r>
+              <a:rPr lang="en-US" sz="1900" b="1" dirty="0">
+                <a:latin typeface="Inconsolata Medium" panose="020B0609030003000000" pitchFamily="49" charset="77"/>
+              </a:rPr>
+              <a:t>[</a:t>
+            </a:r>
+            <a:r>
+              <a:rPr lang="en-US" sz="1900" b="1" dirty="0">
+                <a:solidFill>
+                  <a:srgbClr val="FF6600"/>
+                </a:solidFill>
+                <a:latin typeface="Inconsolata Medium" panose="020B0609030003000000" pitchFamily="49" charset="77"/>
+              </a:rPr>
+              <a:t>25</a:t>
+            </a:r>
+            <a:r>
+              <a:rPr lang="en-US" sz="1900" b="1" dirty="0">
+                <a:latin typeface="Inconsolata Medium" panose="020B0609030003000000" pitchFamily="49" charset="77"/>
+              </a:rPr>
+              <a:t>]: </a:t>
+            </a:r>
+            <a:r>
+              <a:rPr lang="en-US" sz="1900" b="1" i="1" dirty="0">
+                <a:solidFill>
+                  <a:srgbClr val="33566B"/>
+                </a:solidFill>
+                <a:latin typeface="Inconsolata Medium" panose="020B0609030003000000" pitchFamily="49" charset="77"/>
+              </a:rPr>
+              <a:t># all except the last character</a:t>
+            </a:r>
+          </a:p>
+          <a:p>
+            <a:pPr marL="0" indent="0">
+              <a:buNone/>
+            </a:pPr>
+            <a:r>
+              <a:rPr lang="en-US" sz="1900" b="1" i="1" dirty="0">
+                <a:solidFill>
+                  <a:srgbClr val="33566B"/>
+                </a:solidFill>
+                <a:latin typeface="Inconsolata Medium" panose="020B0609030003000000" pitchFamily="49" charset="77"/>
+              </a:rPr>
+              <a:t>	    </a:t>
+            </a:r>
+            <a:r>
+              <a:rPr lang="en-US" sz="1900" b="1" i="1" dirty="0">
+                <a:solidFill>
+                  <a:srgbClr val="000087"/>
+                </a:solidFill>
+                <a:latin typeface="Inconsolata Medium" panose="020B0609030003000000" pitchFamily="49" charset="77"/>
+              </a:rPr>
+              <a:t>language</a:t>
+            </a:r>
+            <a:r>
+              <a:rPr lang="en-US" sz="1900" b="1" dirty="0">
+                <a:latin typeface="Inconsolata Medium" panose="020B0609030003000000" pitchFamily="49" charset="77"/>
+              </a:rPr>
+              <a:t>[</a:t>
+            </a:r>
+            <a:r>
+              <a:rPr lang="en-US" sz="1900" b="1" dirty="0">
+                <a:solidFill>
+                  <a:srgbClr val="FF6600"/>
+                </a:solidFill>
+                <a:latin typeface="Inconsolata Medium" panose="020B0609030003000000" pitchFamily="49" charset="77"/>
+              </a:rPr>
+              <a:t>:-1</a:t>
+            </a:r>
+            <a:r>
+              <a:rPr lang="en-US" sz="1900" b="1" dirty="0">
+                <a:latin typeface="Inconsolata Medium" panose="020B0609030003000000" pitchFamily="49" charset="77"/>
+              </a:rPr>
+              <a:t>] </a:t>
+            </a:r>
+            <a:endParaRPr lang="en-US" sz="1900" b="1" i="1" dirty="0">
+              <a:solidFill>
+                <a:srgbClr val="33566B"/>
+              </a:solidFill>
+              <a:latin typeface="Inconsolata Medium" panose="020B0609030003000000" pitchFamily="49" charset="77"/>
+            </a:endParaRPr>
+          </a:p>
+          <a:p>
+            <a:pPr marL="0" indent="0">
+              <a:buNone/>
+            </a:pPr>
+            <a:r>
+              <a:rPr lang="en-US" sz="1900" b="1" dirty="0">
+                <a:latin typeface="Inconsolata Medium" panose="020B0609030003000000" pitchFamily="49" charset="77"/>
+              </a:rPr>
+              <a:t>Out [25]: ‘</a:t>
+            </a:r>
+            <a:r>
+              <a:rPr lang="en-US" sz="1900" b="1" dirty="0" err="1">
+                <a:latin typeface="Inconsolata Medium" panose="020B0609030003000000" pitchFamily="49" charset="77"/>
+              </a:rPr>
+              <a:t>pytho</a:t>
+            </a:r>
+            <a:r>
+              <a:rPr lang="en-US" sz="1900" b="1" dirty="0">
+                <a:latin typeface="Inconsolata Medium" panose="020B0609030003000000" pitchFamily="49" charset="77"/>
+              </a:rPr>
+              <a:t>’ </a:t>
+            </a:r>
+          </a:p>
+          <a:p>
+            <a:pPr marL="0" indent="0">
+              <a:buNone/>
+            </a:pPr>
+            <a:endParaRPr lang="en-US" sz="1900" b="1" dirty="0">
+              <a:latin typeface="Inconsolata Medium" panose="020B0609030003000000" pitchFamily="49" charset="77"/>
+            </a:endParaRPr>
+          </a:p>
+          <a:p>
+            <a:pPr marL="0" indent="0">
+              <a:buNone/>
+            </a:pPr>
+            <a:r>
+              <a:rPr lang="en-US" sz="1900" b="1" dirty="0">
+                <a:solidFill>
+                  <a:srgbClr val="000087"/>
+                </a:solidFill>
+                <a:latin typeface="Inconsolata Medium" panose="020B0609030003000000" pitchFamily="49" charset="77"/>
+              </a:rPr>
+              <a:t>In </a:t>
+            </a:r>
+            <a:r>
+              <a:rPr lang="en-US" sz="1900" b="1" dirty="0">
+                <a:latin typeface="Inconsolata Medium" panose="020B0609030003000000" pitchFamily="49" charset="77"/>
+              </a:rPr>
+              <a:t>[</a:t>
+            </a:r>
+            <a:r>
+              <a:rPr lang="en-US" sz="1900" b="1" dirty="0">
+                <a:solidFill>
+                  <a:srgbClr val="FF6600"/>
+                </a:solidFill>
+                <a:latin typeface="Inconsolata Medium" panose="020B0609030003000000" pitchFamily="49" charset="77"/>
+              </a:rPr>
+              <a:t>25</a:t>
+            </a:r>
+            <a:r>
+              <a:rPr lang="en-US" sz="1900" b="1" dirty="0">
+                <a:latin typeface="Inconsolata Medium" panose="020B0609030003000000" pitchFamily="49" charset="77"/>
+              </a:rPr>
+              <a:t>]: </a:t>
+            </a:r>
+            <a:r>
+              <a:rPr lang="en-US" sz="1900" b="1" i="1" dirty="0">
+                <a:solidFill>
+                  <a:srgbClr val="33566B"/>
+                </a:solidFill>
+                <a:latin typeface="Inconsolata Medium" panose="020B0609030003000000" pitchFamily="49" charset="77"/>
+              </a:rPr>
+              <a:t># negative step size traverses backwards</a:t>
+            </a:r>
+          </a:p>
+          <a:p>
+            <a:pPr marL="0" indent="0">
+              <a:buNone/>
+            </a:pPr>
+            <a:r>
+              <a:rPr lang="en-US" sz="1900" b="1" i="1" dirty="0">
+                <a:solidFill>
+                  <a:srgbClr val="33566B"/>
+                </a:solidFill>
+                <a:latin typeface="Inconsolata Medium" panose="020B0609030003000000" pitchFamily="49" charset="77"/>
+              </a:rPr>
+              <a:t>	    </a:t>
+            </a:r>
+            <a:r>
+              <a:rPr lang="en-US" sz="1900" b="1" i="1" dirty="0">
+                <a:solidFill>
+                  <a:srgbClr val="000087"/>
+                </a:solidFill>
+                <a:latin typeface="Inconsolata Medium" panose="020B0609030003000000" pitchFamily="49" charset="77"/>
+              </a:rPr>
+              <a:t>language</a:t>
+            </a:r>
+            <a:r>
+              <a:rPr lang="en-US" sz="1900" b="1" dirty="0">
+                <a:latin typeface="Inconsolata Medium" panose="020B0609030003000000" pitchFamily="49" charset="77"/>
+              </a:rPr>
+              <a:t>[</a:t>
+            </a:r>
+            <a:r>
+              <a:rPr lang="en-US" sz="1900" b="1" dirty="0">
+                <a:solidFill>
+                  <a:srgbClr val="FF6600"/>
+                </a:solidFill>
+                <a:latin typeface="Inconsolata Medium" panose="020B0609030003000000" pitchFamily="49" charset="77"/>
+              </a:rPr>
+              <a:t>::-1</a:t>
+            </a:r>
+            <a:r>
+              <a:rPr lang="en-US" sz="1900" b="1" dirty="0">
+                <a:latin typeface="Inconsolata Medium" panose="020B0609030003000000" pitchFamily="49" charset="77"/>
+              </a:rPr>
+              <a:t>] </a:t>
+            </a:r>
+            <a:endParaRPr lang="en-US" sz="1900" b="1" i="1" dirty="0">
+              <a:solidFill>
+                <a:srgbClr val="33566B"/>
+              </a:solidFill>
+              <a:latin typeface="Inconsolata Medium" panose="020B0609030003000000" pitchFamily="49" charset="77"/>
+            </a:endParaRPr>
+          </a:p>
+          <a:p>
+            <a:pPr marL="0" indent="0">
+              <a:buNone/>
+            </a:pPr>
+            <a:r>
+              <a:rPr lang="en-US" sz="1900" b="1" dirty="0">
+                <a:latin typeface="Inconsolata Medium" panose="020B0609030003000000" pitchFamily="49" charset="77"/>
+              </a:rPr>
+              <a:t>Out [25]: ‘</a:t>
+            </a:r>
+            <a:r>
+              <a:rPr lang="en-US" sz="1900" b="1" dirty="0" err="1">
+                <a:latin typeface="Inconsolata Medium" panose="020B0609030003000000" pitchFamily="49" charset="77"/>
+              </a:rPr>
+              <a:t>nohtyp</a:t>
+            </a:r>
+            <a:r>
+              <a:rPr lang="en-US" sz="1900" b="1" dirty="0">
+                <a:latin typeface="Inconsolata Medium" panose="020B0609030003000000" pitchFamily="49" charset="77"/>
+              </a:rPr>
+              <a:t>’ </a:t>
+            </a:r>
+          </a:p>
+          <a:p>
+            <a:pPr marL="0" indent="0">
+              <a:buNone/>
+            </a:pPr>
+            <a:endParaRPr lang="en-US" sz="1900" b="1" dirty="0">
+              <a:latin typeface="Inconsolata Medium" panose="020B0609030003000000" pitchFamily="49" charset="77"/>
+            </a:endParaRPr>
+          </a:p>
+          <a:p>
+            <a:pPr marL="0" indent="0">
+              <a:buNone/>
+            </a:pPr>
+            <a:endParaRPr lang="en-US" sz="1900" b="1" dirty="0">
+              <a:latin typeface="Inconsolata Medium" panose="020B0609030003000000" pitchFamily="49" charset="77"/>
+            </a:endParaRPr>
+          </a:p>
+          <a:p>
+            <a:pPr marL="0" indent="0">
+              <a:buNone/>
+            </a:pPr>
+            <a:endParaRPr lang="en-US" sz="1900" b="1" dirty="0">
+              <a:latin typeface="Inconsolata Medium" panose="020B0609030003000000" pitchFamily="49" charset="77"/>
+            </a:endParaRPr>
+          </a:p>
+          <a:p>
+            <a:pPr marL="0" indent="0">
+              <a:buNone/>
+            </a:pPr>
+            <a:endParaRPr lang="en-US" sz="1900" b="1" dirty="0">
+              <a:latin typeface="Inconsolata Medium" panose="020B0609030003000000" pitchFamily="49" charset="77"/>
+            </a:endParaRPr>
+          </a:p>
+          <a:p>
+            <a:pPr marL="0" indent="0">
+              <a:buNone/>
+            </a:pPr>
+            <a:r>
+              <a:rPr lang="en-US" sz="1900" b="1" dirty="0">
+                <a:latin typeface="Inconsolata Medium" panose="020B0609030003000000" pitchFamily="49" charset="77"/>
+              </a:rPr>
               <a:t> </a:t>
             </a:r>
           </a:p>
@@ -9276,239 +12052,48 @@
             <a:pPr marL="0" indent="0">
               <a:buNone/>
             </a:pPr>
-            <a:r>
-              <a:rPr lang="en-US" b="1" dirty="0">
-                <a:solidFill>
-                  <a:srgbClr val="000087"/>
-                </a:solidFill>
-                <a:latin typeface="Inconsolata Medium" panose="020B0609030003000000" pitchFamily="49" charset="77"/>
-              </a:rPr>
-              <a:t>In </a:t>
-            </a:r>
-            <a:r>
-              <a:rPr lang="en-US" b="1" dirty="0">
-                <a:latin typeface="Inconsolata Medium" panose="020B0609030003000000" pitchFamily="49" charset="77"/>
-              </a:rPr>
-              <a:t>[</a:t>
-            </a:r>
-            <a:r>
-              <a:rPr lang="en-US" b="1" dirty="0">
-                <a:solidFill>
-                  <a:srgbClr val="FF6600"/>
-                </a:solidFill>
-                <a:latin typeface="Inconsolata Medium" panose="020B0609030003000000" pitchFamily="49" charset="77"/>
-              </a:rPr>
-              <a:t>26</a:t>
-            </a:r>
-            <a:r>
-              <a:rPr lang="en-US" b="1" dirty="0">
-                <a:latin typeface="Inconsolata Medium" panose="020B0609030003000000" pitchFamily="49" charset="77"/>
-              </a:rPr>
-              <a:t>]: </a:t>
-            </a:r>
-            <a:r>
-              <a:rPr lang="en-US" b="1" dirty="0">
-                <a:solidFill>
-                  <a:srgbClr val="000087"/>
-                </a:solidFill>
-                <a:latin typeface="Inconsolata Medium" panose="020B0609030003000000" pitchFamily="49" charset="77"/>
-              </a:rPr>
-              <a:t>name = </a:t>
-            </a:r>
-            <a:r>
-              <a:rPr lang="en-US" b="1" dirty="0">
-                <a:solidFill>
-                  <a:srgbClr val="CC3300"/>
-                </a:solidFill>
-                <a:latin typeface="Inconsolata Medium" panose="020B0609030003000000" pitchFamily="49" charset="77"/>
-              </a:rPr>
-              <a:t>“Mike” </a:t>
-            </a:r>
-          </a:p>
-          <a:p>
-            <a:pPr marL="0" indent="0">
-              <a:buNone/>
-            </a:pPr>
-            <a:r>
-              <a:rPr lang="en-US" b="1" dirty="0">
-                <a:solidFill>
-                  <a:srgbClr val="CC3300"/>
-                </a:solidFill>
-                <a:latin typeface="Inconsolata Medium" panose="020B0609030003000000" pitchFamily="49" charset="77"/>
-              </a:rPr>
-              <a:t>	    </a:t>
-            </a:r>
-            <a:r>
-              <a:rPr lang="en-US" b="1" dirty="0" err="1">
-                <a:solidFill>
-                  <a:srgbClr val="000087"/>
-                </a:solidFill>
-                <a:latin typeface="Inconsolata Medium" panose="020B0609030003000000" pitchFamily="49" charset="77"/>
-              </a:rPr>
-              <a:t>gpa</a:t>
-            </a:r>
-            <a:r>
-              <a:rPr lang="en-US" b="1" dirty="0">
-                <a:solidFill>
-                  <a:srgbClr val="000087"/>
-                </a:solidFill>
-                <a:latin typeface="Inconsolata Medium" panose="020B0609030003000000" pitchFamily="49" charset="77"/>
-              </a:rPr>
-              <a:t> = </a:t>
-            </a:r>
-            <a:r>
-              <a:rPr lang="en-US" b="1" dirty="0">
-                <a:solidFill>
-                  <a:srgbClr val="CC3300"/>
-                </a:solidFill>
-                <a:latin typeface="Inconsolata Medium" panose="020B0609030003000000" pitchFamily="49" charset="77"/>
-              </a:rPr>
-              <a:t>3.2 	</a:t>
-            </a:r>
-          </a:p>
-          <a:p>
-            <a:pPr marL="0" indent="0">
-              <a:buNone/>
-            </a:pPr>
-            <a:r>
-              <a:rPr lang="en-US" b="1" dirty="0">
-                <a:solidFill>
-                  <a:srgbClr val="CC3300"/>
-                </a:solidFill>
-                <a:latin typeface="Inconsolata Medium" panose="020B0609030003000000" pitchFamily="49" charset="77"/>
-              </a:rPr>
-              <a:t>         </a:t>
-            </a:r>
-            <a:r>
-              <a:rPr lang="en-US" b="1" dirty="0" err="1">
-                <a:solidFill>
-                  <a:srgbClr val="000087"/>
-                </a:solidFill>
-                <a:latin typeface="Inconsolata Medium" panose="020B0609030003000000" pitchFamily="49" charset="77"/>
-              </a:rPr>
-              <a:t>f_str</a:t>
-            </a:r>
-            <a:r>
-              <a:rPr lang="en-US" b="1" dirty="0">
-                <a:solidFill>
-                  <a:srgbClr val="000087"/>
-                </a:solidFill>
-                <a:latin typeface="Inconsolata Medium" panose="020B0609030003000000" pitchFamily="49" charset="77"/>
-              </a:rPr>
-              <a:t> = </a:t>
-            </a:r>
-            <a:r>
-              <a:rPr lang="en-US" b="1" dirty="0" err="1">
-                <a:solidFill>
-                  <a:srgbClr val="000087"/>
-                </a:solidFill>
-                <a:latin typeface="Inconsolata Medium" panose="020B0609030003000000" pitchFamily="49" charset="77"/>
-              </a:rPr>
-              <a:t>f</a:t>
-            </a:r>
-            <a:r>
-              <a:rPr lang="en-US" b="1" dirty="0" err="1">
-                <a:solidFill>
-                  <a:srgbClr val="CC3300"/>
-                </a:solidFill>
-                <a:latin typeface="Inconsolata Medium" panose="020B0609030003000000" pitchFamily="49" charset="77"/>
-              </a:rPr>
-              <a:t>“I</a:t>
-            </a:r>
-            <a:r>
-              <a:rPr lang="en-US" b="1" dirty="0">
-                <a:solidFill>
-                  <a:srgbClr val="CC3300"/>
-                </a:solidFill>
-                <a:latin typeface="Inconsolata Medium" panose="020B0609030003000000" pitchFamily="49" charset="77"/>
-              </a:rPr>
-              <a:t> am {name} with a {</a:t>
-            </a:r>
-            <a:r>
-              <a:rPr lang="en-US" b="1" dirty="0" err="1">
-                <a:solidFill>
-                  <a:srgbClr val="CC3300"/>
-                </a:solidFill>
-                <a:latin typeface="Inconsolata Medium" panose="020B0609030003000000" pitchFamily="49" charset="77"/>
-              </a:rPr>
-              <a:t>gpa</a:t>
-            </a:r>
-            <a:r>
-              <a:rPr lang="en-US" b="1" dirty="0">
-                <a:solidFill>
-                  <a:srgbClr val="CC3300"/>
-                </a:solidFill>
-                <a:latin typeface="Inconsolata Medium" panose="020B0609030003000000" pitchFamily="49" charset="77"/>
-              </a:rPr>
-              <a:t>} </a:t>
-            </a:r>
-            <a:r>
-              <a:rPr lang="en-US" b="1" dirty="0" err="1">
-                <a:solidFill>
-                  <a:srgbClr val="CC3300"/>
-                </a:solidFill>
-                <a:latin typeface="Inconsolata Medium" panose="020B0609030003000000" pitchFamily="49" charset="77"/>
-              </a:rPr>
-              <a:t>gpa</a:t>
-            </a:r>
-            <a:r>
-              <a:rPr lang="en-US" b="1" dirty="0">
-                <a:solidFill>
-                  <a:srgbClr val="CC3300"/>
-                </a:solidFill>
-                <a:latin typeface="Inconsolata Medium" panose="020B0609030003000000" pitchFamily="49" charset="77"/>
-              </a:rPr>
-              <a:t>.”  </a:t>
-            </a:r>
-            <a:endParaRPr lang="en-US" b="1" dirty="0">
-              <a:solidFill>
-                <a:srgbClr val="000087"/>
-              </a:solidFill>
-              <a:latin typeface="Inconsolata Medium" panose="020B0609030003000000" pitchFamily="49" charset="77"/>
-            </a:endParaRPr>
-          </a:p>
-          <a:p>
-            <a:pPr marL="0" indent="0">
-              <a:buNone/>
-            </a:pPr>
-            <a:r>
-              <a:rPr lang="en-US" b="1" dirty="0">
-                <a:solidFill>
-                  <a:srgbClr val="33566B"/>
-                </a:solidFill>
-                <a:latin typeface="Inconsolata Medium" panose="020B0609030003000000" pitchFamily="49" charset="77"/>
-              </a:rPr>
-              <a:t>	    </a:t>
-            </a:r>
-            <a:r>
-              <a:rPr lang="en-US" b="1" dirty="0">
-                <a:solidFill>
-                  <a:srgbClr val="000087"/>
-                </a:solidFill>
-                <a:latin typeface="Inconsolata Medium" panose="020B0609030003000000" pitchFamily="49" charset="77"/>
-              </a:rPr>
-              <a:t>print(</a:t>
-            </a:r>
-            <a:r>
-              <a:rPr lang="en-US" b="1" dirty="0" err="1">
-                <a:solidFill>
-                  <a:srgbClr val="000087"/>
-                </a:solidFill>
-                <a:latin typeface="Inconsolata Medium" panose="020B0609030003000000" pitchFamily="49" charset="77"/>
-              </a:rPr>
-              <a:t>f_str</a:t>
-            </a:r>
-            <a:r>
-              <a:rPr lang="en-US" b="1" dirty="0">
-                <a:solidFill>
-                  <a:srgbClr val="000087"/>
-                </a:solidFill>
-                <a:latin typeface="Inconsolata Medium" panose="020B0609030003000000" pitchFamily="49" charset="77"/>
-              </a:rPr>
-              <a:t>)</a:t>
-            </a:r>
-            <a:r>
-              <a:rPr lang="en-US" b="1" dirty="0">
+            <a:endParaRPr lang="en-US" sz="1900" b="1" dirty="0">
+              <a:latin typeface="Inconsolata Medium" panose="020B0609030003000000" pitchFamily="49" charset="77"/>
+            </a:endParaRPr>
+          </a:p>
+          <a:p>
+            <a:pPr marL="0" indent="0">
+              <a:buNone/>
+            </a:pPr>
+            <a:endParaRPr lang="en-US" sz="1900" b="1" dirty="0">
+              <a:latin typeface="Inconsolata Medium" panose="020B0609030003000000" pitchFamily="49" charset="77"/>
+            </a:endParaRPr>
+          </a:p>
+          <a:p>
+            <a:pPr marL="0" indent="0">
+              <a:buNone/>
+            </a:pPr>
+            <a:endParaRPr lang="en-US" sz="1900" b="1" dirty="0">
+              <a:latin typeface="Inconsolata Medium" panose="020B0609030003000000" pitchFamily="49" charset="77"/>
+            </a:endParaRPr>
+          </a:p>
+          <a:p>
+            <a:pPr marL="0" indent="0">
+              <a:buNone/>
+            </a:pPr>
+            <a:endParaRPr lang="en-US" sz="1900" b="1" dirty="0">
+              <a:latin typeface="Inconsolata Medium" panose="020B0609030003000000" pitchFamily="49" charset="77"/>
+            </a:endParaRPr>
+          </a:p>
+          <a:p>
+            <a:pPr marL="0" indent="0">
+              <a:buNone/>
+            </a:pPr>
+            <a:endParaRPr lang="en-US" sz="1900" b="1" dirty="0">
+              <a:latin typeface="Inconsolata Medium" panose="020B0609030003000000" pitchFamily="49" charset="77"/>
+            </a:endParaRPr>
+          </a:p>
+          <a:p>
+            <a:pPr marL="0" indent="0">
+              <a:buNone/>
+            </a:pPr>
+            <a:r>
+              <a:rPr lang="en-US" sz="1900" b="1" dirty="0">
                 <a:latin typeface="Inconsolata Medium" panose="020B0609030003000000" pitchFamily="49" charset="77"/>
               </a:rPr>
               <a:t> </a:t>
@@ -9518,32 +12103,9 @@
             <a:pPr marL="0" indent="0">
               <a:buNone/>
             </a:pPr>
-            <a:endParaRPr lang="en-US" b="1" dirty="0">
-              <a:latin typeface="Inconsolata Medium" panose="020B0609030003000000" pitchFamily="49" charset="77"/>
-            </a:endParaRPr>
-          </a:p>
-          <a:p>
-            <a:pPr marL="0" indent="0">
-              <a:buNone/>
-            </a:pPr>
-            <a:r>
-              <a:rPr lang="en-US" b="1" dirty="0">
-                <a:latin typeface="Inconsolata Medium" panose="020B0609030003000000" pitchFamily="49" charset="77"/>
-              </a:rPr>
-              <a:t>Out [26]: ‘I am Mike with a 3.2 </a:t>
-            </a:r>
-            <a:r>
-              <a:rPr lang="en-US" b="1" dirty="0" err="1">
-                <a:latin typeface="Inconsolata Medium" panose="020B0609030003000000" pitchFamily="49" charset="77"/>
-              </a:rPr>
-              <a:t>gpa</a:t>
-            </a:r>
-            <a:r>
-              <a:rPr lang="en-US" b="1" dirty="0">
-                <a:latin typeface="Inconsolata Medium" panose="020B0609030003000000" pitchFamily="49" charset="77"/>
-              </a:rPr>
-              <a:t>.' </a:t>
-            </a:r>
+            <a:endParaRPr lang="en-US" sz="1900" b="1" dirty="0">
+              <a:latin typeface="Inconsolata Medium" panose="020B0609030003000000" pitchFamily="49" charset="77"/>
+            </a:endParaRPr>
           </a:p>
           <a:p>
             <a:pPr marL="0" indent="0">
@@ -9558,7 +12120,7 @@
     </p:spTree>
     <p:extLst>
       <p:ext uri="{BB962C8B-B14F-4D97-AF65-F5344CB8AC3E}">
-        <p14:creationId xmlns:p14="http://schemas.microsoft.com/office/powerpoint/2010/main" val="847072393"/>
+        <p14:creationId xmlns:p14="http://schemas.microsoft.com/office/powerpoint/2010/main" val="2479426709"/>
       </p:ext>
     </p:extLst>
   </p:cSld>

--- a/courses/apcsp/lect5.pptx
+++ b/courses/apcsp/lect5.pptx
@@ -141,7 +141,7 @@
 <file path=ppt/revisionInfo.xml><?xml version="1.0" encoding="utf-8"?>
 <p1510:revInfo xmlns:a="http://schemas.openxmlformats.org/drawingml/2006/main" xmlns:r="http://schemas.openxmlformats.org/officeDocument/2006/relationships" xmlns:p1510="http://schemas.microsoft.com/office/powerpoint/2015/10/main">
   <p1510:revLst>
-    <p1510:client id="{2C9BD3C4-A72C-C34E-A2E2-4164CEFFD187}" v="383" dt="2019-09-30T12:32:09.817"/>
+    <p1510:client id="{2C9BD3C4-A72C-C34E-A2E2-4164CEFFD187}" v="391" dt="2019-09-30T14:03:41.601"/>
   </p1510:revLst>
 </p1510:revInfo>
 </file>
@@ -157,7 +157,7 @@
   <pc:docChgLst>
     <pc:chgData name="Long B Nguyen" userId="f59fb8f3-a021-417a-8bc1-65c8d471c621" providerId="ADAL" clId="{2C9BD3C4-A72C-C34E-A2E2-4164CEFFD187}"/>
     <pc:docChg chg="undo custSel addSld delSld modSld">
-      <pc:chgData name="Long B Nguyen" userId="f59fb8f3-a021-417a-8bc1-65c8d471c621" providerId="ADAL" clId="{2C9BD3C4-A72C-C34E-A2E2-4164CEFFD187}" dt="2019-09-30T12:32:09.817" v="6889" actId="20577"/>
+      <pc:chgData name="Long B Nguyen" userId="f59fb8f3-a021-417a-8bc1-65c8d471c621" providerId="ADAL" clId="{2C9BD3C4-A72C-C34E-A2E2-4164CEFFD187}" dt="2019-09-30T14:03:41.601" v="6897" actId="20577"/>
       <pc:docMkLst>
         <pc:docMk/>
       </pc:docMkLst>
@@ -640,13 +640,13 @@
         </pc:spChg>
       </pc:sldChg>
       <pc:sldChg chg="modSp add modAnim">
-        <pc:chgData name="Long B Nguyen" userId="f59fb8f3-a021-417a-8bc1-65c8d471c621" providerId="ADAL" clId="{2C9BD3C4-A72C-C34E-A2E2-4164CEFFD187}" dt="2019-09-30T12:24:15.643" v="6886" actId="20577"/>
+        <pc:chgData name="Long B Nguyen" userId="f59fb8f3-a021-417a-8bc1-65c8d471c621" providerId="ADAL" clId="{2C9BD3C4-A72C-C34E-A2E2-4164CEFFD187}" dt="2019-09-30T14:03:41.601" v="6897" actId="20577"/>
         <pc:sldMkLst>
           <pc:docMk/>
           <pc:sldMk cId="4013144405" sldId="310"/>
         </pc:sldMkLst>
         <pc:spChg chg="mod">
-          <ac:chgData name="Long B Nguyen" userId="f59fb8f3-a021-417a-8bc1-65c8d471c621" providerId="ADAL" clId="{2C9BD3C4-A72C-C34E-A2E2-4164CEFFD187}" dt="2019-09-30T12:24:15.643" v="6886" actId="20577"/>
+          <ac:chgData name="Long B Nguyen" userId="f59fb8f3-a021-417a-8bc1-65c8d471c621" providerId="ADAL" clId="{2C9BD3C4-A72C-C34E-A2E2-4164CEFFD187}" dt="2019-09-30T14:03:41.601" v="6897" actId="20577"/>
           <ac:spMkLst>
             <pc:docMk/>
             <pc:sldMk cId="4013144405" sldId="310"/>
@@ -887,7 +887,7 @@
           <a:p>
             <a:fld id="{4AAD347D-5ACD-4C99-B74B-A9C85AD731AF}" type="datetimeFigureOut">
               <a:rPr lang="en-US" smtClean="0"/>
-              <a:t>9/28/19</a:t>
+              <a:t>9/30/19</a:t>
             </a:fld>
             <a:endParaRPr lang="en-US" dirty="0"/>
           </a:p>
@@ -1057,7 +1057,7 @@
           <a:p>
             <a:fld id="{4509A250-FF31-4206-8172-F9D3106AACB1}" type="datetimeFigureOut">
               <a:rPr lang="en-US" smtClean="0"/>
-              <a:t>9/28/19</a:t>
+              <a:t>9/30/19</a:t>
             </a:fld>
             <a:endParaRPr lang="en-US" dirty="0"/>
           </a:p>
@@ -1237,7 +1237,7 @@
           <a:p>
             <a:fld id="{4509A250-FF31-4206-8172-F9D3106AACB1}" type="datetimeFigureOut">
               <a:rPr lang="en-US" smtClean="0"/>
-              <a:t>9/28/19</a:t>
+              <a:t>9/30/19</a:t>
             </a:fld>
             <a:endParaRPr lang="en-US" dirty="0"/>
           </a:p>
@@ -1407,7 +1407,7 @@
           <a:p>
             <a:fld id="{4509A250-FF31-4206-8172-F9D3106AACB1}" type="datetimeFigureOut">
               <a:rPr lang="en-US" smtClean="0"/>
-              <a:t>9/28/19</a:t>
+              <a:t>9/30/19</a:t>
             </a:fld>
             <a:endParaRPr lang="en-US" dirty="0"/>
           </a:p>
@@ -1653,7 +1653,7 @@
           <a:p>
             <a:fld id="{9796027F-7875-4030-9381-8BD8C4F21935}" type="datetimeFigureOut">
               <a:rPr lang="en-US" smtClean="0"/>
-              <a:t>9/28/19</a:t>
+              <a:t>9/30/19</a:t>
             </a:fld>
             <a:endParaRPr lang="en-US" dirty="0"/>
           </a:p>
@@ -1885,7 +1885,7 @@
           <a:p>
             <a:fld id="{9796027F-7875-4030-9381-8BD8C4F21935}" type="datetimeFigureOut">
               <a:rPr lang="en-US" smtClean="0"/>
-              <a:t>9/28/19</a:t>
+              <a:t>9/30/19</a:t>
             </a:fld>
             <a:endParaRPr lang="en-US" dirty="0"/>
           </a:p>
@@ -2252,7 +2252,7 @@
           <a:p>
             <a:fld id="{9796027F-7875-4030-9381-8BD8C4F21935}" type="datetimeFigureOut">
               <a:rPr lang="en-US" smtClean="0"/>
-              <a:t>9/28/19</a:t>
+              <a:t>9/30/19</a:t>
             </a:fld>
             <a:endParaRPr lang="en-US" dirty="0"/>
           </a:p>
@@ -2370,7 +2370,7 @@
           <a:p>
             <a:fld id="{4509A250-FF31-4206-8172-F9D3106AACB1}" type="datetimeFigureOut">
               <a:rPr lang="en-US" smtClean="0"/>
-              <a:t>9/28/19</a:t>
+              <a:t>9/30/19</a:t>
             </a:fld>
             <a:endParaRPr lang="en-US" dirty="0"/>
           </a:p>
@@ -2465,7 +2465,7 @@
           <a:p>
             <a:fld id="{4509A250-FF31-4206-8172-F9D3106AACB1}" type="datetimeFigureOut">
               <a:rPr lang="en-US" smtClean="0"/>
-              <a:t>9/28/19</a:t>
+              <a:t>9/30/19</a:t>
             </a:fld>
             <a:endParaRPr lang="en-US" dirty="0"/>
           </a:p>
@@ -2742,7 +2742,7 @@
           <a:p>
             <a:fld id="{4509A250-FF31-4206-8172-F9D3106AACB1}" type="datetimeFigureOut">
               <a:rPr lang="en-US" smtClean="0"/>
-              <a:t>9/28/19</a:t>
+              <a:t>9/30/19</a:t>
             </a:fld>
             <a:endParaRPr lang="en-US" dirty="0"/>
           </a:p>
@@ -2999,7 +2999,7 @@
           <a:p>
             <a:fld id="{4509A250-FF31-4206-8172-F9D3106AACB1}" type="datetimeFigureOut">
               <a:rPr lang="en-US" smtClean="0"/>
-              <a:t>9/28/19</a:t>
+              <a:t>9/30/19</a:t>
             </a:fld>
             <a:endParaRPr lang="en-US" dirty="0"/>
           </a:p>
@@ -3212,7 +3212,7 @@
           <a:p>
             <a:fld id="{4AAD347D-5ACD-4C99-B74B-A9C85AD731AF}" type="datetimeFigureOut">
               <a:rPr lang="en-US" smtClean="0"/>
-              <a:t>9/28/19</a:t>
+              <a:t>9/30/19</a:t>
             </a:fld>
             <a:endParaRPr lang="en-US" dirty="0"/>
           </a:p>
@@ -5554,9 +5554,39 @@
             </a:pPr>
             <a:r>
               <a:rPr lang="en-US" b="1" dirty="0">
-                <a:latin typeface="Inconsolata Medium" panose="020B0609030003000000" pitchFamily="49" charset="77"/>
-              </a:rPr>
-              <a:t>‘average is 2.0.' </a:t>
+                <a:solidFill>
+                  <a:srgbClr val="000087"/>
+                </a:solidFill>
+                <a:latin typeface="Inconsolata Medium" panose="020B0609030003000000" pitchFamily="49" charset="77"/>
+              </a:rPr>
+              <a:t>Out </a:t>
+            </a:r>
+            <a:r>
+              <a:rPr lang="en-US" b="1" dirty="0">
+                <a:latin typeface="Inconsolata Medium" panose="020B0609030003000000" pitchFamily="49" charset="77"/>
+              </a:rPr>
+              <a:t>[</a:t>
+            </a:r>
+            <a:r>
+              <a:rPr lang="en-US" b="1" dirty="0">
+                <a:solidFill>
+                  <a:srgbClr val="FF6600"/>
+                </a:solidFill>
+                <a:latin typeface="Inconsolata Medium" panose="020B0609030003000000" pitchFamily="49" charset="77"/>
+              </a:rPr>
+              <a:t>4</a:t>
+            </a:r>
+            <a:r>
+              <a:rPr lang="en-US" b="1">
+                <a:latin typeface="Inconsolata Medium" panose="020B0609030003000000" pitchFamily="49" charset="77"/>
+              </a:rPr>
+              <a:t>]: ‘</a:t>
+            </a:r>
+            <a:r>
+              <a:rPr lang="en-US" b="1" dirty="0">
+                <a:latin typeface="Inconsolata Medium" panose="020B0609030003000000" pitchFamily="49" charset="77"/>
+              </a:rPr>
+              <a:t>average is 2.0.' </a:t>
             </a:r>
           </a:p>
           <a:p>

--- a/courses/apcsp/lect5.pptx
+++ b/courses/apcsp/lect5.pptx
@@ -15,23 +15,24 @@
     <p:sldId id="278" r:id="rId9"/>
     <p:sldId id="279" r:id="rId10"/>
     <p:sldId id="301" r:id="rId11"/>
-    <p:sldId id="292" r:id="rId12"/>
-    <p:sldId id="310" r:id="rId13"/>
-    <p:sldId id="294" r:id="rId14"/>
-    <p:sldId id="295" r:id="rId15"/>
-    <p:sldId id="296" r:id="rId16"/>
-    <p:sldId id="297" r:id="rId17"/>
-    <p:sldId id="298" r:id="rId18"/>
-    <p:sldId id="299" r:id="rId19"/>
-    <p:sldId id="300" r:id="rId20"/>
-    <p:sldId id="303" r:id="rId21"/>
-    <p:sldId id="304" r:id="rId22"/>
-    <p:sldId id="305" r:id="rId23"/>
-    <p:sldId id="306" r:id="rId24"/>
-    <p:sldId id="307" r:id="rId25"/>
-    <p:sldId id="308" r:id="rId26"/>
-    <p:sldId id="309" r:id="rId27"/>
-    <p:sldId id="284" r:id="rId28"/>
+    <p:sldId id="311" r:id="rId12"/>
+    <p:sldId id="292" r:id="rId13"/>
+    <p:sldId id="310" r:id="rId14"/>
+    <p:sldId id="294" r:id="rId15"/>
+    <p:sldId id="295" r:id="rId16"/>
+    <p:sldId id="296" r:id="rId17"/>
+    <p:sldId id="297" r:id="rId18"/>
+    <p:sldId id="298" r:id="rId19"/>
+    <p:sldId id="299" r:id="rId20"/>
+    <p:sldId id="300" r:id="rId21"/>
+    <p:sldId id="303" r:id="rId22"/>
+    <p:sldId id="304" r:id="rId23"/>
+    <p:sldId id="305" r:id="rId24"/>
+    <p:sldId id="306" r:id="rId25"/>
+    <p:sldId id="307" r:id="rId26"/>
+    <p:sldId id="308" r:id="rId27"/>
+    <p:sldId id="309" r:id="rId28"/>
+    <p:sldId id="284" r:id="rId29"/>
   </p:sldIdLst>
   <p:sldSz cx="9144000" cy="5715000" type="screen16x10"/>
   <p:notesSz cx="6858000" cy="9144000"/>
@@ -141,7 +142,7 @@
 <file path=ppt/revisionInfo.xml><?xml version="1.0" encoding="utf-8"?>
 <p1510:revInfo xmlns:a="http://schemas.openxmlformats.org/drawingml/2006/main" xmlns:r="http://schemas.openxmlformats.org/officeDocument/2006/relationships" xmlns:p1510="http://schemas.microsoft.com/office/powerpoint/2015/10/main">
   <p1510:revLst>
-    <p1510:client id="{2C9BD3C4-A72C-C34E-A2E2-4164CEFFD187}" v="391" dt="2019-09-30T14:03:41.601"/>
+    <p1510:client id="{2C9BD3C4-A72C-C34E-A2E2-4164CEFFD187}" v="713" dt="2019-10-08T13:50:00.053"/>
   </p1510:revLst>
 </p1510:revInfo>
 </file>
@@ -157,7 +158,7 @@
   <pc:docChgLst>
     <pc:chgData name="Long B Nguyen" userId="f59fb8f3-a021-417a-8bc1-65c8d471c621" providerId="ADAL" clId="{2C9BD3C4-A72C-C34E-A2E2-4164CEFFD187}"/>
     <pc:docChg chg="undo custSel addSld delSld modSld">
-      <pc:chgData name="Long B Nguyen" userId="f59fb8f3-a021-417a-8bc1-65c8d471c621" providerId="ADAL" clId="{2C9BD3C4-A72C-C34E-A2E2-4164CEFFD187}" dt="2019-09-30T14:03:41.601" v="6897" actId="20577"/>
+      <pc:chgData name="Long B Nguyen" userId="f59fb8f3-a021-417a-8bc1-65c8d471c621" providerId="ADAL" clId="{2C9BD3C4-A72C-C34E-A2E2-4164CEFFD187}" dt="2019-10-08T13:50:00.053" v="7219" actId="20577"/>
       <pc:docMkLst>
         <pc:docMk/>
       </pc:docMkLst>
@@ -481,13 +482,13 @@
         </pc:graphicFrameChg>
       </pc:sldChg>
       <pc:sldChg chg="modSp add modAnim">
-        <pc:chgData name="Long B Nguyen" userId="f59fb8f3-a021-417a-8bc1-65c8d471c621" providerId="ADAL" clId="{2C9BD3C4-A72C-C34E-A2E2-4164CEFFD187}" dt="2019-09-29T10:37:31.429" v="6776" actId="20577"/>
+        <pc:chgData name="Long B Nguyen" userId="f59fb8f3-a021-417a-8bc1-65c8d471c621" providerId="ADAL" clId="{2C9BD3C4-A72C-C34E-A2E2-4164CEFFD187}" dt="2019-10-08T13:02:33.560" v="7074" actId="20577"/>
         <pc:sldMkLst>
           <pc:docMk/>
           <pc:sldMk cId="3018705465" sldId="301"/>
         </pc:sldMkLst>
         <pc:spChg chg="mod">
-          <ac:chgData name="Long B Nguyen" userId="f59fb8f3-a021-417a-8bc1-65c8d471c621" providerId="ADAL" clId="{2C9BD3C4-A72C-C34E-A2E2-4164CEFFD187}" dt="2019-09-29T10:37:31.429" v="6776" actId="20577"/>
+          <ac:chgData name="Long B Nguyen" userId="f59fb8f3-a021-417a-8bc1-65c8d471c621" providerId="ADAL" clId="{2C9BD3C4-A72C-C34E-A2E2-4164CEFFD187}" dt="2019-10-08T13:02:33.560" v="7074" actId="20577"/>
           <ac:spMkLst>
             <pc:docMk/>
             <pc:sldMk cId="3018705465" sldId="301"/>
@@ -654,6 +655,21 @@
           </ac:spMkLst>
         </pc:spChg>
       </pc:sldChg>
+      <pc:sldChg chg="modSp add modAnim">
+        <pc:chgData name="Long B Nguyen" userId="f59fb8f3-a021-417a-8bc1-65c8d471c621" providerId="ADAL" clId="{2C9BD3C4-A72C-C34E-A2E2-4164CEFFD187}" dt="2019-10-08T13:50:00.053" v="7219" actId="20577"/>
+        <pc:sldMkLst>
+          <pc:docMk/>
+          <pc:sldMk cId="4209926949" sldId="311"/>
+        </pc:sldMkLst>
+        <pc:spChg chg="mod">
+          <ac:chgData name="Long B Nguyen" userId="f59fb8f3-a021-417a-8bc1-65c8d471c621" providerId="ADAL" clId="{2C9BD3C4-A72C-C34E-A2E2-4164CEFFD187}" dt="2019-10-08T13:50:00.053" v="7219" actId="20577"/>
+          <ac:spMkLst>
+            <pc:docMk/>
+            <pc:sldMk cId="4209926949" sldId="311"/>
+            <ac:spMk id="9" creationId="{E3B2E017-30B2-884B-A113-B419A2ED51AD}"/>
+          </ac:spMkLst>
+        </pc:spChg>
+      </pc:sldChg>
     </pc:docChg>
   </pc:docChgLst>
   <pc:docChgLst>
@@ -887,7 +903,7 @@
           <a:p>
             <a:fld id="{4AAD347D-5ACD-4C99-B74B-A9C85AD731AF}" type="datetimeFigureOut">
               <a:rPr lang="en-US" smtClean="0"/>
-              <a:t>9/30/19</a:t>
+              <a:t>10/8/19</a:t>
             </a:fld>
             <a:endParaRPr lang="en-US" dirty="0"/>
           </a:p>
@@ -1057,7 +1073,7 @@
           <a:p>
             <a:fld id="{4509A250-FF31-4206-8172-F9D3106AACB1}" type="datetimeFigureOut">
               <a:rPr lang="en-US" smtClean="0"/>
-              <a:t>9/30/19</a:t>
+              <a:t>10/8/19</a:t>
             </a:fld>
             <a:endParaRPr lang="en-US" dirty="0"/>
           </a:p>
@@ -1237,7 +1253,7 @@
           <a:p>
             <a:fld id="{4509A250-FF31-4206-8172-F9D3106AACB1}" type="datetimeFigureOut">
               <a:rPr lang="en-US" smtClean="0"/>
-              <a:t>9/30/19</a:t>
+              <a:t>10/8/19</a:t>
             </a:fld>
             <a:endParaRPr lang="en-US" dirty="0"/>
           </a:p>
@@ -1407,7 +1423,7 @@
           <a:p>
             <a:fld id="{4509A250-FF31-4206-8172-F9D3106AACB1}" type="datetimeFigureOut">
               <a:rPr lang="en-US" smtClean="0"/>
-              <a:t>9/30/19</a:t>
+              <a:t>10/8/19</a:t>
             </a:fld>
             <a:endParaRPr lang="en-US" dirty="0"/>
           </a:p>
@@ -1653,7 +1669,7 @@
           <a:p>
             <a:fld id="{9796027F-7875-4030-9381-8BD8C4F21935}" type="datetimeFigureOut">
               <a:rPr lang="en-US" smtClean="0"/>
-              <a:t>9/30/19</a:t>
+              <a:t>10/8/19</a:t>
             </a:fld>
             <a:endParaRPr lang="en-US" dirty="0"/>
           </a:p>
@@ -1885,7 +1901,7 @@
           <a:p>
             <a:fld id="{9796027F-7875-4030-9381-8BD8C4F21935}" type="datetimeFigureOut">
               <a:rPr lang="en-US" smtClean="0"/>
-              <a:t>9/30/19</a:t>
+              <a:t>10/8/19</a:t>
             </a:fld>
             <a:endParaRPr lang="en-US" dirty="0"/>
           </a:p>
@@ -2252,7 +2268,7 @@
           <a:p>
             <a:fld id="{9796027F-7875-4030-9381-8BD8C4F21935}" type="datetimeFigureOut">
               <a:rPr lang="en-US" smtClean="0"/>
-              <a:t>9/30/19</a:t>
+              <a:t>10/8/19</a:t>
             </a:fld>
             <a:endParaRPr lang="en-US" dirty="0"/>
           </a:p>
@@ -2370,7 +2386,7 @@
           <a:p>
             <a:fld id="{4509A250-FF31-4206-8172-F9D3106AACB1}" type="datetimeFigureOut">
               <a:rPr lang="en-US" smtClean="0"/>
-              <a:t>9/30/19</a:t>
+              <a:t>10/8/19</a:t>
             </a:fld>
             <a:endParaRPr lang="en-US" dirty="0"/>
           </a:p>
@@ -2465,7 +2481,7 @@
           <a:p>
             <a:fld id="{4509A250-FF31-4206-8172-F9D3106AACB1}" type="datetimeFigureOut">
               <a:rPr lang="en-US" smtClean="0"/>
-              <a:t>9/30/19</a:t>
+              <a:t>10/8/19</a:t>
             </a:fld>
             <a:endParaRPr lang="en-US" dirty="0"/>
           </a:p>
@@ -2742,7 +2758,7 @@
           <a:p>
             <a:fld id="{4509A250-FF31-4206-8172-F9D3106AACB1}" type="datetimeFigureOut">
               <a:rPr lang="en-US" smtClean="0"/>
-              <a:t>9/30/19</a:t>
+              <a:t>10/8/19</a:t>
             </a:fld>
             <a:endParaRPr lang="en-US" dirty="0"/>
           </a:p>
@@ -2999,7 +3015,7 @@
           <a:p>
             <a:fld id="{4509A250-FF31-4206-8172-F9D3106AACB1}" type="datetimeFigureOut">
               <a:rPr lang="en-US" smtClean="0"/>
-              <a:t>9/30/19</a:t>
+              <a:t>10/8/19</a:t>
             </a:fld>
             <a:endParaRPr lang="en-US" dirty="0"/>
           </a:p>
@@ -3212,7 +3228,7 @@
           <a:p>
             <a:fld id="{4AAD347D-5ACD-4C99-B74B-A9C85AD731AF}" type="datetimeFigureOut">
               <a:rPr lang="en-US" smtClean="0"/>
-              <a:t>9/30/19</a:t>
+              <a:t>10/8/19</a:t>
             </a:fld>
             <a:endParaRPr lang="en-US" dirty="0"/>
           </a:p>
@@ -3979,54 +3995,6 @@
             <a:pPr marL="0" indent="0">
               <a:buNone/>
             </a:pPr>
-            <a:r>
-              <a:rPr lang="en-US" sz="1900" b="1" dirty="0">
-                <a:solidFill>
-                  <a:srgbClr val="000087"/>
-                </a:solidFill>
-                <a:latin typeface="Inconsolata Medium" panose="020B0609030003000000" pitchFamily="49" charset="77"/>
-              </a:rPr>
-              <a:t>In </a:t>
-            </a:r>
-            <a:r>
-              <a:rPr lang="en-US" sz="1900" b="1" dirty="0">
-                <a:latin typeface="Inconsolata Medium" panose="020B0609030003000000" pitchFamily="49" charset="77"/>
-              </a:rPr>
-              <a:t>[</a:t>
-            </a:r>
-            <a:r>
-              <a:rPr lang="en-US" sz="1900" b="1" dirty="0">
-                <a:solidFill>
-                  <a:srgbClr val="FF6600"/>
-                </a:solidFill>
-                <a:latin typeface="Inconsolata Medium" panose="020B0609030003000000" pitchFamily="49" charset="77"/>
-              </a:rPr>
-              <a:t>12</a:t>
-            </a:r>
-            <a:r>
-              <a:rPr lang="en-US" sz="1900" b="1" dirty="0">
-                <a:latin typeface="Inconsolata Medium" panose="020B0609030003000000" pitchFamily="49" charset="77"/>
-              </a:rPr>
-              <a:t>]: </a:t>
-            </a:r>
-            <a:r>
-              <a:rPr lang="en-US" sz="1900" b="1" dirty="0">
-                <a:solidFill>
-                  <a:srgbClr val="000087"/>
-                </a:solidFill>
-                <a:latin typeface="Inconsolata Medium" panose="020B0609030003000000" pitchFamily="49" charset="77"/>
-              </a:rPr>
-              <a:t>language = </a:t>
-            </a:r>
-            <a:r>
-              <a:rPr lang="en-US" sz="2000" dirty="0">
-                <a:solidFill>
-                  <a:srgbClr val="CC3300"/>
-                </a:solidFill>
-                <a:latin typeface="UbuntuMono"/>
-              </a:rPr>
-              <a:t>”python" </a:t>
-            </a:r>
             <a:endParaRPr lang="en-US" sz="1900" b="1" dirty="0">
               <a:solidFill>
                 <a:srgbClr val="000087"/>
@@ -4038,7 +4006,66 @@
             <a:pPr marL="0" indent="0">
               <a:buNone/>
             </a:pPr>
+            <a:r>
+              <a:rPr lang="en-US" sz="1900" b="1" dirty="0">
+                <a:solidFill>
+                  <a:srgbClr val="000087"/>
+                </a:solidFill>
+                <a:latin typeface="Inconsolata Medium" panose="020B0609030003000000" pitchFamily="49" charset="77"/>
+              </a:rPr>
+              <a:t>In </a:t>
+            </a:r>
+            <a:r>
+              <a:rPr lang="en-US" sz="1900" b="1" dirty="0">
+                <a:latin typeface="Inconsolata Medium" panose="020B0609030003000000" pitchFamily="49" charset="77"/>
+              </a:rPr>
+              <a:t>[</a:t>
+            </a:r>
+            <a:r>
+              <a:rPr lang="en-US" sz="1900" b="1" dirty="0">
+                <a:solidFill>
+                  <a:srgbClr val="FF6600"/>
+                </a:solidFill>
+                <a:latin typeface="Inconsolata Medium" panose="020B0609030003000000" pitchFamily="49" charset="77"/>
+              </a:rPr>
+              <a:t>12</a:t>
+            </a:r>
+            <a:r>
+              <a:rPr lang="en-US" sz="1900" b="1" dirty="0">
+                <a:latin typeface="Inconsolata Medium" panose="020B0609030003000000" pitchFamily="49" charset="77"/>
+              </a:rPr>
+              <a:t>]: </a:t>
+            </a:r>
+            <a:r>
+              <a:rPr lang="en-US" sz="1900" b="1" dirty="0">
+                <a:solidFill>
+                  <a:srgbClr val="000087"/>
+                </a:solidFill>
+                <a:latin typeface="Inconsolata Medium" panose="020B0609030003000000" pitchFamily="49" charset="77"/>
+              </a:rPr>
+              <a:t>language = </a:t>
+            </a:r>
+            <a:r>
+              <a:rPr lang="en-US" sz="2000" dirty="0">
+                <a:solidFill>
+                  <a:srgbClr val="CC3300"/>
+                </a:solidFill>
+                <a:latin typeface="UbuntuMono"/>
+              </a:rPr>
+              <a:t>”python" </a:t>
+            </a:r>
             <a:endParaRPr lang="en-US" sz="1900" b="1" dirty="0">
+              <a:latin typeface="Inconsolata Medium" panose="020B0609030003000000" pitchFamily="49" charset="77"/>
+            </a:endParaRPr>
+          </a:p>
+          <a:p>
+            <a:pPr marL="0" indent="0">
+              <a:buNone/>
+            </a:pPr>
+            <a:endParaRPr lang="en-US" sz="1900" b="1" dirty="0">
+              <a:solidFill>
+                <a:srgbClr val="000087"/>
+              </a:solidFill>
               <a:latin typeface="Inconsolata Medium" panose="020B0609030003000000" pitchFamily="49" charset="77"/>
             </a:endParaRPr>
           </a:p>
@@ -4114,6 +4141,9 @@
               <a:buNone/>
             </a:pPr>
             <a:endParaRPr lang="en-US" sz="1900" b="1" dirty="0">
+              <a:solidFill>
+                <a:srgbClr val="000087"/>
+              </a:solidFill>
               <a:latin typeface="Inconsolata Medium" panose="020B0609030003000000" pitchFamily="49" charset="77"/>
             </a:endParaRPr>
           </a:p>
@@ -4377,7 +4407,7 @@
                                         <p:tgtEl>
                                           <p:spTgt spid="9">
                                             <p:txEl>
-                                              <p:pRg st="2" end="2"/>
+                                              <p:pRg st="3" end="3"/>
                                             </p:txEl>
                                           </p:spTgt>
                                         </p:tgtEl>
@@ -4408,7 +4438,7 @@
                                         <p:tgtEl>
                                           <p:spTgt spid="9">
                                             <p:txEl>
-                                              <p:pRg st="3" end="3"/>
+                                              <p:pRg st="4" end="4"/>
                                             </p:txEl>
                                           </p:spTgt>
                                         </p:tgtEl>
@@ -4457,7 +4487,7 @@
                                         <p:tgtEl>
                                           <p:spTgt spid="9">
                                             <p:txEl>
-                                              <p:pRg st="5" end="5"/>
+                                              <p:pRg st="6" end="6"/>
                                             </p:txEl>
                                           </p:spTgt>
                                         </p:tgtEl>
@@ -4488,7 +4518,7 @@
                                         <p:tgtEl>
                                           <p:spTgt spid="9">
                                             <p:txEl>
-                                              <p:pRg st="6" end="6"/>
+                                              <p:pRg st="7" end="7"/>
                                             </p:txEl>
                                           </p:spTgt>
                                         </p:tgtEl>
@@ -4535,6 +4565,724 @@
 </file>
 
 <file path=ppt/slides/slide11.xml><?xml version="1.0" encoding="utf-8"?>
+<p:sld xmlns:a="http://schemas.openxmlformats.org/drawingml/2006/main" xmlns:r="http://schemas.openxmlformats.org/officeDocument/2006/relationships" xmlns:p="http://schemas.openxmlformats.org/presentationml/2006/main">
+  <p:cSld>
+    <p:spTree>
+      <p:nvGrpSpPr>
+        <p:cNvPr id="1" name=""/>
+        <p:cNvGrpSpPr/>
+        <p:nvPr/>
+      </p:nvGrpSpPr>
+      <p:grpSpPr>
+        <a:xfrm>
+          <a:off x="0" y="0"/>
+          <a:ext cx="0" cy="0"/>
+          <a:chOff x="0" y="0"/>
+          <a:chExt cx="0" cy="0"/>
+        </a:xfrm>
+      </p:grpSpPr>
+      <p:sp>
+        <p:nvSpPr>
+          <p:cNvPr id="2" name="Title 1">
+            <a:extLst>
+              <a:ext uri="{FF2B5EF4-FFF2-40B4-BE49-F238E27FC236}">
+                <a16:creationId xmlns:a16="http://schemas.microsoft.com/office/drawing/2014/main" id="{AA3A228F-61D0-D949-A5E7-F83756230BF8}"/>
+              </a:ext>
+            </a:extLst>
+          </p:cNvPr>
+          <p:cNvSpPr>
+            <a:spLocks noGrp="1"/>
+          </p:cNvSpPr>
+          <p:nvPr>
+            <p:ph type="title"/>
+          </p:nvPr>
+        </p:nvSpPr>
+        <p:spPr>
+          <a:xfrm>
+            <a:off x="483848" y="467027"/>
+            <a:ext cx="7053542" cy="683886"/>
+          </a:xfrm>
+        </p:spPr>
+        <p:txBody>
+          <a:bodyPr/>
+          <a:lstStyle/>
+          <a:p>
+            <a:r>
+              <a:rPr lang="en-US" dirty="0"/>
+              <a:t>Slicing</a:t>
+            </a:r>
+          </a:p>
+        </p:txBody>
+      </p:sp>
+      <p:sp>
+        <p:nvSpPr>
+          <p:cNvPr id="9" name="Content Placeholder 8">
+            <a:extLst>
+              <a:ext uri="{FF2B5EF4-FFF2-40B4-BE49-F238E27FC236}">
+                <a16:creationId xmlns:a16="http://schemas.microsoft.com/office/drawing/2014/main" id="{E3B2E017-30B2-884B-A113-B419A2ED51AD}"/>
+              </a:ext>
+            </a:extLst>
+          </p:cNvPr>
+          <p:cNvSpPr>
+            <a:spLocks noGrp="1"/>
+          </p:cNvSpPr>
+          <p:nvPr>
+            <p:ph idx="1"/>
+          </p:nvPr>
+        </p:nvSpPr>
+        <p:spPr>
+          <a:xfrm>
+            <a:off x="483848" y="1150913"/>
+            <a:ext cx="8051725" cy="4440590"/>
+          </a:xfrm>
+        </p:spPr>
+        <p:txBody>
+          <a:bodyPr>
+            <a:noAutofit/>
+          </a:bodyPr>
+          <a:lstStyle/>
+          <a:p>
+            <a:pPr marL="0" indent="0">
+              <a:buNone/>
+            </a:pPr>
+            <a:r>
+              <a:rPr lang="en-US" sz="2000" dirty="0"/>
+              <a:t>When step size is negative, the default starting index is the last element and the default end is the first inclusive. </a:t>
+            </a:r>
+            <a:endParaRPr lang="en-US" sz="1900" b="1" dirty="0">
+              <a:latin typeface="Inconsolata Medium" panose="020B0609030003000000" pitchFamily="49" charset="77"/>
+            </a:endParaRPr>
+          </a:p>
+          <a:p>
+            <a:pPr marL="0" indent="0">
+              <a:buNone/>
+            </a:pPr>
+            <a:endParaRPr lang="en-US" sz="1900" b="1" dirty="0">
+              <a:latin typeface="Inconsolata Medium" panose="020B0609030003000000" pitchFamily="49" charset="77"/>
+            </a:endParaRPr>
+          </a:p>
+          <a:p>
+            <a:pPr marL="0" indent="0">
+              <a:buNone/>
+            </a:pPr>
+            <a:r>
+              <a:rPr lang="en-US" sz="1900" b="1" dirty="0">
+                <a:latin typeface="Inconsolata Medium" panose="020B0609030003000000" pitchFamily="49" charset="77"/>
+              </a:rPr>
+              <a:t>The default start index is the last element. </a:t>
+            </a:r>
+          </a:p>
+          <a:p>
+            <a:pPr marL="0" indent="0">
+              <a:buNone/>
+            </a:pPr>
+            <a:r>
+              <a:rPr lang="en-US" sz="1900" b="1" dirty="0">
+                <a:solidFill>
+                  <a:srgbClr val="000087"/>
+                </a:solidFill>
+                <a:latin typeface="Inconsolata Medium" panose="020B0609030003000000" pitchFamily="49" charset="77"/>
+              </a:rPr>
+              <a:t>In </a:t>
+            </a:r>
+            <a:r>
+              <a:rPr lang="en-US" sz="1900" b="1" dirty="0">
+                <a:latin typeface="Inconsolata Medium" panose="020B0609030003000000" pitchFamily="49" charset="77"/>
+              </a:rPr>
+              <a:t>[</a:t>
+            </a:r>
+            <a:r>
+              <a:rPr lang="en-US" sz="1900" b="1" dirty="0">
+                <a:solidFill>
+                  <a:srgbClr val="FF6600"/>
+                </a:solidFill>
+                <a:latin typeface="Inconsolata Medium" panose="020B0609030003000000" pitchFamily="49" charset="77"/>
+              </a:rPr>
+              <a:t>14</a:t>
+            </a:r>
+            <a:r>
+              <a:rPr lang="en-US" sz="1900" b="1" dirty="0">
+                <a:latin typeface="Inconsolata Medium" panose="020B0609030003000000" pitchFamily="49" charset="77"/>
+              </a:rPr>
+              <a:t>]: </a:t>
+            </a:r>
+            <a:r>
+              <a:rPr lang="en-US" sz="1900" b="1" i="1" dirty="0">
+                <a:solidFill>
+                  <a:srgbClr val="000087"/>
+                </a:solidFill>
+                <a:latin typeface="Inconsolata Medium" panose="020B0609030003000000" pitchFamily="49" charset="77"/>
+              </a:rPr>
+              <a:t>language</a:t>
+            </a:r>
+            <a:r>
+              <a:rPr lang="en-US" sz="1900" b="1" dirty="0">
+                <a:latin typeface="Inconsolata Medium" panose="020B0609030003000000" pitchFamily="49" charset="77"/>
+              </a:rPr>
+              <a:t>[</a:t>
+            </a:r>
+            <a:r>
+              <a:rPr lang="en-US" sz="1900" b="1" dirty="0">
+                <a:solidFill>
+                  <a:srgbClr val="FF6600"/>
+                </a:solidFill>
+                <a:latin typeface="Inconsolata Medium" panose="020B0609030003000000" pitchFamily="49" charset="77"/>
+              </a:rPr>
+              <a:t>:-3:-1</a:t>
+            </a:r>
+            <a:r>
+              <a:rPr lang="en-US" sz="1900" b="1" dirty="0">
+                <a:latin typeface="Inconsolata Medium" panose="020B0609030003000000" pitchFamily="49" charset="77"/>
+              </a:rPr>
+              <a:t>] </a:t>
+            </a:r>
+            <a:r>
+              <a:rPr lang="en-US" sz="1900" b="1" i="1" dirty="0">
+                <a:solidFill>
+                  <a:srgbClr val="33566B"/>
+                </a:solidFill>
+                <a:latin typeface="Inconsolata Medium" panose="020B0609030003000000" pitchFamily="49" charset="77"/>
+              </a:rPr>
+              <a:t># last two characters reversed</a:t>
+            </a:r>
+          </a:p>
+          <a:p>
+            <a:pPr marL="0" indent="0">
+              <a:buNone/>
+            </a:pPr>
+            <a:r>
+              <a:rPr lang="en-US" sz="1900" b="1" dirty="0">
+                <a:latin typeface="Inconsolata Medium" panose="020B0609030003000000" pitchFamily="49" charset="77"/>
+              </a:rPr>
+              <a:t>Out [14]: ‘no’ </a:t>
+            </a:r>
+          </a:p>
+          <a:p>
+            <a:pPr marL="0" indent="0">
+              <a:buNone/>
+            </a:pPr>
+            <a:endParaRPr lang="en-US" sz="1900" b="1" dirty="0">
+              <a:latin typeface="Inconsolata Medium" panose="020B0609030003000000" pitchFamily="49" charset="77"/>
+            </a:endParaRPr>
+          </a:p>
+          <a:p>
+            <a:pPr marL="0" indent="0">
+              <a:buNone/>
+            </a:pPr>
+            <a:r>
+              <a:rPr lang="en-US" sz="1900" b="1" dirty="0">
+                <a:latin typeface="Inconsolata Medium" panose="020B0609030003000000" pitchFamily="49" charset="77"/>
+              </a:rPr>
+              <a:t>The default stop index is the first element inclusive. </a:t>
+            </a:r>
+          </a:p>
+          <a:p>
+            <a:pPr marL="0" indent="0">
+              <a:buNone/>
+            </a:pPr>
+            <a:r>
+              <a:rPr lang="en-US" sz="1900" b="1" dirty="0">
+                <a:solidFill>
+                  <a:srgbClr val="000087"/>
+                </a:solidFill>
+                <a:latin typeface="Inconsolata Medium" panose="020B0609030003000000" pitchFamily="49" charset="77"/>
+              </a:rPr>
+              <a:t>In </a:t>
+            </a:r>
+            <a:r>
+              <a:rPr lang="en-US" sz="1900" b="1" dirty="0">
+                <a:latin typeface="Inconsolata Medium" panose="020B0609030003000000" pitchFamily="49" charset="77"/>
+              </a:rPr>
+              <a:t>[</a:t>
+            </a:r>
+            <a:r>
+              <a:rPr lang="en-US" sz="1900" b="1" dirty="0">
+                <a:solidFill>
+                  <a:srgbClr val="FF6600"/>
+                </a:solidFill>
+                <a:latin typeface="Inconsolata Medium" panose="020B0609030003000000" pitchFamily="49" charset="77"/>
+              </a:rPr>
+              <a:t>14</a:t>
+            </a:r>
+            <a:r>
+              <a:rPr lang="en-US" sz="1900" b="1" dirty="0">
+                <a:latin typeface="Inconsolata Medium" panose="020B0609030003000000" pitchFamily="49" charset="77"/>
+              </a:rPr>
+              <a:t>]: </a:t>
+            </a:r>
+            <a:r>
+              <a:rPr lang="en-US" sz="1900" b="1" i="1" dirty="0">
+                <a:solidFill>
+                  <a:srgbClr val="000087"/>
+                </a:solidFill>
+                <a:latin typeface="Inconsolata Medium" panose="020B0609030003000000" pitchFamily="49" charset="77"/>
+              </a:rPr>
+              <a:t>language</a:t>
+            </a:r>
+            <a:r>
+              <a:rPr lang="en-US" sz="1900" b="1" dirty="0">
+                <a:latin typeface="Inconsolata Medium" panose="020B0609030003000000" pitchFamily="49" charset="77"/>
+              </a:rPr>
+              <a:t>[</a:t>
+            </a:r>
+            <a:r>
+              <a:rPr lang="en-US" sz="1900" b="1" dirty="0">
+                <a:solidFill>
+                  <a:srgbClr val="FF6600"/>
+                </a:solidFill>
+                <a:latin typeface="Inconsolata Medium" panose="020B0609030003000000" pitchFamily="49" charset="77"/>
+              </a:rPr>
+              <a:t>1::-1</a:t>
+            </a:r>
+            <a:r>
+              <a:rPr lang="en-US" sz="1900" b="1" dirty="0">
+                <a:latin typeface="Inconsolata Medium" panose="020B0609030003000000" pitchFamily="49" charset="77"/>
+              </a:rPr>
+              <a:t>] </a:t>
+            </a:r>
+            <a:r>
+              <a:rPr lang="en-US" sz="1900" b="1" i="1" dirty="0">
+                <a:solidFill>
+                  <a:srgbClr val="33566B"/>
+                </a:solidFill>
+                <a:latin typeface="Inconsolata Medium" panose="020B0609030003000000" pitchFamily="49" charset="77"/>
+              </a:rPr>
+              <a:t># first two characters reversed</a:t>
+            </a:r>
+          </a:p>
+          <a:p>
+            <a:pPr marL="0" indent="0">
+              <a:buNone/>
+            </a:pPr>
+            <a:r>
+              <a:rPr lang="en-US" sz="1900" b="1" dirty="0">
+                <a:latin typeface="Inconsolata Medium" panose="020B0609030003000000" pitchFamily="49" charset="77"/>
+              </a:rPr>
+              <a:t>Out [14]: ‘</a:t>
+            </a:r>
+            <a:r>
+              <a:rPr lang="en-US" sz="1900" b="1" dirty="0" err="1">
+                <a:latin typeface="Inconsolata Medium" panose="020B0609030003000000" pitchFamily="49" charset="77"/>
+              </a:rPr>
+              <a:t>yp</a:t>
+            </a:r>
+            <a:r>
+              <a:rPr lang="en-US" sz="1900" b="1" dirty="0">
+                <a:latin typeface="Inconsolata Medium" panose="020B0609030003000000" pitchFamily="49" charset="77"/>
+              </a:rPr>
+              <a:t>’ </a:t>
+            </a:r>
+          </a:p>
+          <a:p>
+            <a:pPr marL="0" indent="0">
+              <a:buNone/>
+            </a:pPr>
+            <a:endParaRPr lang="en-US" sz="1900" b="1" dirty="0">
+              <a:latin typeface="Inconsolata Medium" panose="020B0609030003000000" pitchFamily="49" charset="77"/>
+            </a:endParaRPr>
+          </a:p>
+          <a:p>
+            <a:pPr marL="0" indent="0">
+              <a:buNone/>
+            </a:pPr>
+            <a:endParaRPr lang="en-US" sz="1900" b="1" dirty="0">
+              <a:latin typeface="Inconsolata Medium" panose="020B0609030003000000" pitchFamily="49" charset="77"/>
+            </a:endParaRPr>
+          </a:p>
+          <a:p>
+            <a:pPr marL="0" indent="0">
+              <a:buNone/>
+            </a:pPr>
+            <a:endParaRPr lang="en-US" sz="1900" b="1" dirty="0">
+              <a:latin typeface="Inconsolata Medium" panose="020B0609030003000000" pitchFamily="49" charset="77"/>
+            </a:endParaRPr>
+          </a:p>
+          <a:p>
+            <a:pPr marL="0" indent="0">
+              <a:buNone/>
+            </a:pPr>
+            <a:endParaRPr lang="en-US" sz="1900" b="1" dirty="0">
+              <a:latin typeface="Inconsolata Medium" panose="020B0609030003000000" pitchFamily="49" charset="77"/>
+            </a:endParaRPr>
+          </a:p>
+          <a:p>
+            <a:pPr marL="0" indent="0">
+              <a:buNone/>
+            </a:pPr>
+            <a:endParaRPr lang="en-US" sz="1900" b="1" dirty="0">
+              <a:latin typeface="Inconsolata Medium" panose="020B0609030003000000" pitchFamily="49" charset="77"/>
+            </a:endParaRPr>
+          </a:p>
+          <a:p>
+            <a:pPr marL="0" indent="0">
+              <a:buNone/>
+            </a:pPr>
+            <a:endParaRPr lang="en-US" sz="1900" b="1" dirty="0">
+              <a:latin typeface="Inconsolata Medium" panose="020B0609030003000000" pitchFamily="49" charset="77"/>
+            </a:endParaRPr>
+          </a:p>
+          <a:p>
+            <a:pPr marL="0" indent="0">
+              <a:buNone/>
+            </a:pPr>
+            <a:r>
+              <a:rPr lang="en-US" sz="1900" b="1" dirty="0">
+                <a:latin typeface="Inconsolata Medium" panose="020B0609030003000000" pitchFamily="49" charset="77"/>
+              </a:rPr>
+              <a:t> </a:t>
+            </a:r>
+          </a:p>
+          <a:p>
+            <a:pPr marL="0" indent="0">
+              <a:buNone/>
+            </a:pPr>
+            <a:endParaRPr lang="en-US" sz="1900" b="1" dirty="0">
+              <a:latin typeface="Inconsolata Medium" panose="020B0609030003000000" pitchFamily="49" charset="77"/>
+            </a:endParaRPr>
+          </a:p>
+          <a:p>
+            <a:pPr marL="0" indent="0">
+              <a:buNone/>
+            </a:pPr>
+            <a:endParaRPr lang="en-US" sz="1900" b="1" dirty="0">
+              <a:latin typeface="Inconsolata Medium" panose="020B0609030003000000" pitchFamily="49" charset="77"/>
+            </a:endParaRPr>
+          </a:p>
+          <a:p>
+            <a:pPr marL="0" indent="0">
+              <a:buNone/>
+            </a:pPr>
+            <a:endParaRPr lang="en-US" sz="1900" b="1" dirty="0">
+              <a:latin typeface="Inconsolata Medium" panose="020B0609030003000000" pitchFamily="49" charset="77"/>
+            </a:endParaRPr>
+          </a:p>
+          <a:p>
+            <a:pPr marL="0" indent="0">
+              <a:buNone/>
+            </a:pPr>
+            <a:endParaRPr lang="en-US" sz="1900" b="1" dirty="0">
+              <a:latin typeface="Inconsolata Medium" panose="020B0609030003000000" pitchFamily="49" charset="77"/>
+            </a:endParaRPr>
+          </a:p>
+          <a:p>
+            <a:pPr marL="0" indent="0">
+              <a:buNone/>
+            </a:pPr>
+            <a:endParaRPr lang="en-US" sz="1900" b="1" dirty="0">
+              <a:latin typeface="Inconsolata Medium" panose="020B0609030003000000" pitchFamily="49" charset="77"/>
+            </a:endParaRPr>
+          </a:p>
+          <a:p>
+            <a:pPr marL="0" indent="0">
+              <a:buNone/>
+            </a:pPr>
+            <a:r>
+              <a:rPr lang="en-US" sz="1900" b="1" dirty="0">
+                <a:latin typeface="Inconsolata Medium" panose="020B0609030003000000" pitchFamily="49" charset="77"/>
+              </a:rPr>
+              <a:t> </a:t>
+            </a:r>
+          </a:p>
+          <a:p>
+            <a:pPr marL="0" indent="0">
+              <a:buNone/>
+            </a:pPr>
+            <a:endParaRPr lang="en-US" sz="1900" b="1" dirty="0">
+              <a:latin typeface="Inconsolata Medium" panose="020B0609030003000000" pitchFamily="49" charset="77"/>
+            </a:endParaRPr>
+          </a:p>
+          <a:p>
+            <a:pPr marL="0" indent="0">
+              <a:buNone/>
+            </a:pPr>
+            <a:endParaRPr lang="en-US" sz="1900" b="1" dirty="0">
+              <a:latin typeface="Inconsolata Medium" panose="020B0609030003000000" pitchFamily="49" charset="77"/>
+            </a:endParaRPr>
+          </a:p>
+        </p:txBody>
+      </p:sp>
+    </p:spTree>
+    <p:extLst>
+      <p:ext uri="{BB962C8B-B14F-4D97-AF65-F5344CB8AC3E}">
+        <p14:creationId xmlns:p14="http://schemas.microsoft.com/office/powerpoint/2010/main" val="4209926949"/>
+      </p:ext>
+    </p:extLst>
+  </p:cSld>
+  <p:clrMapOvr>
+    <a:masterClrMapping/>
+  </p:clrMapOvr>
+  <p:timing>
+    <p:tnLst>
+      <p:par>
+        <p:cTn id="1" dur="indefinite" restart="never" nodeType="tmRoot">
+          <p:childTnLst>
+            <p:seq concurrent="1" nextAc="seek">
+              <p:cTn id="2" dur="indefinite" nodeType="mainSeq">
+                <p:childTnLst>
+                  <p:par>
+                    <p:cTn id="3" fill="hold">
+                      <p:stCondLst>
+                        <p:cond delay="indefinite"/>
+                        <p:cond evt="onBegin" delay="0">
+                          <p:tn val="2"/>
+                        </p:cond>
+                      </p:stCondLst>
+                      <p:childTnLst>
+                        <p:par>
+                          <p:cTn id="4" fill="hold">
+                            <p:stCondLst>
+                              <p:cond delay="0"/>
+                            </p:stCondLst>
+                            <p:childTnLst>
+                              <p:par>
+                                <p:cTn id="5" presetID="1" presetClass="entr" presetSubtype="0" fill="hold" nodeType="withEffect">
+                                  <p:stCondLst>
+                                    <p:cond delay="0"/>
+                                  </p:stCondLst>
+                                  <p:childTnLst>
+                                    <p:set>
+                                      <p:cBhvr>
+                                        <p:cTn id="6" dur="1" fill="hold">
+                                          <p:stCondLst>
+                                            <p:cond delay="0"/>
+                                          </p:stCondLst>
+                                        </p:cTn>
+                                        <p:tgtEl>
+                                          <p:spTgt spid="9">
+                                            <p:txEl>
+                                              <p:pRg st="0" end="0"/>
+                                            </p:txEl>
+                                          </p:spTgt>
+                                        </p:tgtEl>
+                                        <p:attrNameLst>
+                                          <p:attrName>style.visibility</p:attrName>
+                                        </p:attrNameLst>
+                                      </p:cBhvr>
+                                      <p:to>
+                                        <p:strVal val="visible"/>
+                                      </p:to>
+                                    </p:set>
+                                  </p:childTnLst>
+                                </p:cTn>
+                              </p:par>
+                              <p:par>
+                                <p:cTn id="7" presetID="1" presetClass="entr" presetSubtype="0" fill="hold" nodeType="withEffect">
+                                  <p:stCondLst>
+                                    <p:cond delay="0"/>
+                                  </p:stCondLst>
+                                  <p:childTnLst>
+                                    <p:set>
+                                      <p:cBhvr>
+                                        <p:cTn id="8" dur="1" fill="hold">
+                                          <p:stCondLst>
+                                            <p:cond delay="0"/>
+                                          </p:stCondLst>
+                                        </p:cTn>
+                                        <p:tgtEl>
+                                          <p:spTgt spid="9">
+                                            <p:txEl>
+                                              <p:pRg st="2" end="2"/>
+                                            </p:txEl>
+                                          </p:spTgt>
+                                        </p:tgtEl>
+                                        <p:attrNameLst>
+                                          <p:attrName>style.visibility</p:attrName>
+                                        </p:attrNameLst>
+                                      </p:cBhvr>
+                                      <p:to>
+                                        <p:strVal val="visible"/>
+                                      </p:to>
+                                    </p:set>
+                                  </p:childTnLst>
+                                </p:cTn>
+                              </p:par>
+                              <p:par>
+                                <p:cTn id="9" presetID="1" presetClass="entr" presetSubtype="0" fill="hold" nodeType="withEffect">
+                                  <p:stCondLst>
+                                    <p:cond delay="0"/>
+                                  </p:stCondLst>
+                                  <p:childTnLst>
+                                    <p:set>
+                                      <p:cBhvr>
+                                        <p:cTn id="10" dur="1" fill="hold">
+                                          <p:stCondLst>
+                                            <p:cond delay="0"/>
+                                          </p:stCondLst>
+                                        </p:cTn>
+                                        <p:tgtEl>
+                                          <p:spTgt spid="9">
+                                            <p:txEl>
+                                              <p:pRg st="3" end="3"/>
+                                            </p:txEl>
+                                          </p:spTgt>
+                                        </p:tgtEl>
+                                        <p:attrNameLst>
+                                          <p:attrName>style.visibility</p:attrName>
+                                        </p:attrNameLst>
+                                      </p:cBhvr>
+                                      <p:to>
+                                        <p:strVal val="visible"/>
+                                      </p:to>
+                                    </p:set>
+                                  </p:childTnLst>
+                                </p:cTn>
+                              </p:par>
+                              <p:par>
+                                <p:cTn id="11" presetID="1" presetClass="entr" presetSubtype="0" fill="hold" nodeType="withEffect">
+                                  <p:stCondLst>
+                                    <p:cond delay="0"/>
+                                  </p:stCondLst>
+                                  <p:childTnLst>
+                                    <p:set>
+                                      <p:cBhvr>
+                                        <p:cTn id="12" dur="1" fill="hold">
+                                          <p:stCondLst>
+                                            <p:cond delay="0"/>
+                                          </p:stCondLst>
+                                        </p:cTn>
+                                        <p:tgtEl>
+                                          <p:spTgt spid="9">
+                                            <p:txEl>
+                                              <p:pRg st="4" end="4"/>
+                                            </p:txEl>
+                                          </p:spTgt>
+                                        </p:tgtEl>
+                                        <p:attrNameLst>
+                                          <p:attrName>style.visibility</p:attrName>
+                                        </p:attrNameLst>
+                                      </p:cBhvr>
+                                      <p:to>
+                                        <p:strVal val="visible"/>
+                                      </p:to>
+                                    </p:set>
+                                  </p:childTnLst>
+                                </p:cTn>
+                              </p:par>
+                              <p:par>
+                                <p:cTn id="13" presetID="1" presetClass="entr" presetSubtype="0" fill="hold" nodeType="withEffect">
+                                  <p:stCondLst>
+                                    <p:cond delay="0"/>
+                                  </p:stCondLst>
+                                  <p:childTnLst>
+                                    <p:set>
+                                      <p:cBhvr>
+                                        <p:cTn id="14" dur="1" fill="hold">
+                                          <p:stCondLst>
+                                            <p:cond delay="0"/>
+                                          </p:stCondLst>
+                                        </p:cTn>
+                                        <p:tgtEl>
+                                          <p:spTgt spid="9">
+                                            <p:txEl>
+                                              <p:pRg st="6" end="6"/>
+                                            </p:txEl>
+                                          </p:spTgt>
+                                        </p:tgtEl>
+                                        <p:attrNameLst>
+                                          <p:attrName>style.visibility</p:attrName>
+                                        </p:attrNameLst>
+                                      </p:cBhvr>
+                                      <p:to>
+                                        <p:strVal val="visible"/>
+                                      </p:to>
+                                    </p:set>
+                                  </p:childTnLst>
+                                </p:cTn>
+                              </p:par>
+                              <p:par>
+                                <p:cTn id="15" presetID="1" presetClass="entr" presetSubtype="0" fill="hold" nodeType="withEffect">
+                                  <p:stCondLst>
+                                    <p:cond delay="0"/>
+                                  </p:stCondLst>
+                                  <p:childTnLst>
+                                    <p:set>
+                                      <p:cBhvr>
+                                        <p:cTn id="16" dur="1" fill="hold">
+                                          <p:stCondLst>
+                                            <p:cond delay="0"/>
+                                          </p:stCondLst>
+                                        </p:cTn>
+                                        <p:tgtEl>
+                                          <p:spTgt spid="9">
+                                            <p:txEl>
+                                              <p:pRg st="7" end="7"/>
+                                            </p:txEl>
+                                          </p:spTgt>
+                                        </p:tgtEl>
+                                        <p:attrNameLst>
+                                          <p:attrName>style.visibility</p:attrName>
+                                        </p:attrNameLst>
+                                      </p:cBhvr>
+                                      <p:to>
+                                        <p:strVal val="visible"/>
+                                      </p:to>
+                                    </p:set>
+                                  </p:childTnLst>
+                                </p:cTn>
+                              </p:par>
+                              <p:par>
+                                <p:cTn id="17" presetID="1" presetClass="entr" presetSubtype="0" fill="hold" nodeType="withEffect">
+                                  <p:stCondLst>
+                                    <p:cond delay="0"/>
+                                  </p:stCondLst>
+                                  <p:childTnLst>
+                                    <p:set>
+                                      <p:cBhvr>
+                                        <p:cTn id="18" dur="1" fill="hold">
+                                          <p:stCondLst>
+                                            <p:cond delay="0"/>
+                                          </p:stCondLst>
+                                        </p:cTn>
+                                        <p:tgtEl>
+                                          <p:spTgt spid="9">
+                                            <p:txEl>
+                                              <p:pRg st="8" end="8"/>
+                                            </p:txEl>
+                                          </p:spTgt>
+                                        </p:tgtEl>
+                                        <p:attrNameLst>
+                                          <p:attrName>style.visibility</p:attrName>
+                                        </p:attrNameLst>
+                                      </p:cBhvr>
+                                      <p:to>
+                                        <p:strVal val="visible"/>
+                                      </p:to>
+                                    </p:set>
+                                  </p:childTnLst>
+                                </p:cTn>
+                              </p:par>
+                            </p:childTnLst>
+                          </p:cTn>
+                        </p:par>
+                      </p:childTnLst>
+                    </p:cTn>
+                  </p:par>
+                </p:childTnLst>
+              </p:cTn>
+              <p:prevCondLst>
+                <p:cond evt="onPrev" delay="0">
+                  <p:tgtEl>
+                    <p:sldTgt/>
+                  </p:tgtEl>
+                </p:cond>
+              </p:prevCondLst>
+              <p:nextCondLst>
+                <p:cond evt="onNext" delay="0">
+                  <p:tgtEl>
+                    <p:sldTgt/>
+                  </p:tgtEl>
+                </p:cond>
+              </p:nextCondLst>
+            </p:seq>
+          </p:childTnLst>
+        </p:cTn>
+      </p:par>
+    </p:tnLst>
+  </p:timing>
+</p:sld>
+</file>
+
+<file path=ppt/slides/slide12.xml><?xml version="1.0" encoding="utf-8"?>
 <p:sld xmlns:a="http://schemas.openxmlformats.org/drawingml/2006/main" xmlns:r="http://schemas.openxmlformats.org/officeDocument/2006/relationships" xmlns:p="http://schemas.openxmlformats.org/presentationml/2006/main">
   <p:cSld>
     <p:spTree>
@@ -5213,7 +5961,7 @@
 </p:sld>
 </file>
 
-<file path=ppt/slides/slide12.xml><?xml version="1.0" encoding="utf-8"?>
+<file path=ppt/slides/slide13.xml><?xml version="1.0" encoding="utf-8"?>
 <p:sld xmlns:a="http://schemas.openxmlformats.org/drawingml/2006/main" xmlns:r="http://schemas.openxmlformats.org/officeDocument/2006/relationships" xmlns:p="http://schemas.openxmlformats.org/presentationml/2006/main">
   <p:cSld>
     <p:spTree>
@@ -5833,7 +6581,7 @@
 </p:sld>
 </file>
 
-<file path=ppt/slides/slide13.xml><?xml version="1.0" encoding="utf-8"?>
+<file path=ppt/slides/slide14.xml><?xml version="1.0" encoding="utf-8"?>
 <p:sld xmlns:a="http://schemas.openxmlformats.org/drawingml/2006/main" xmlns:r="http://schemas.openxmlformats.org/officeDocument/2006/relationships" xmlns:p="http://schemas.openxmlformats.org/presentationml/2006/main">
   <p:cSld>
     <p:spTree>
@@ -6537,7 +7285,7 @@
 </p:sld>
 </file>
 
-<file path=ppt/slides/slide14.xml><?xml version="1.0" encoding="utf-8"?>
+<file path=ppt/slides/slide15.xml><?xml version="1.0" encoding="utf-8"?>
 <p:sld xmlns:a="http://schemas.openxmlformats.org/drawingml/2006/main" xmlns:r="http://schemas.openxmlformats.org/officeDocument/2006/relationships" xmlns:p="http://schemas.openxmlformats.org/presentationml/2006/main">
   <p:cSld>
     <p:spTree>
@@ -6977,7 +7725,7 @@
 </p:sld>
 </file>
 
-<file path=ppt/slides/slide15.xml><?xml version="1.0" encoding="utf-8"?>
+<file path=ppt/slides/slide16.xml><?xml version="1.0" encoding="utf-8"?>
 <p:sld xmlns:a="http://schemas.openxmlformats.org/drawingml/2006/main" xmlns:r="http://schemas.openxmlformats.org/officeDocument/2006/relationships" xmlns:p="http://schemas.openxmlformats.org/presentationml/2006/main">
   <p:cSld>
     <p:spTree>
@@ -7685,7 +8433,7 @@
 </p:sld>
 </file>
 
-<file path=ppt/slides/slide16.xml><?xml version="1.0" encoding="utf-8"?>
+<file path=ppt/slides/slide17.xml><?xml version="1.0" encoding="utf-8"?>
 <p:sld xmlns:a="http://schemas.openxmlformats.org/drawingml/2006/main" xmlns:r="http://schemas.openxmlformats.org/officeDocument/2006/relationships" xmlns:p="http://schemas.openxmlformats.org/presentationml/2006/main">
   <p:cSld>
     <p:spTree>
@@ -7938,7 +8686,7 @@
 </p:sld>
 </file>
 
-<file path=ppt/slides/slide17.xml><?xml version="1.0" encoding="utf-8"?>
+<file path=ppt/slides/slide18.xml><?xml version="1.0" encoding="utf-8"?>
 <p:sld xmlns:a="http://schemas.openxmlformats.org/drawingml/2006/main" xmlns:r="http://schemas.openxmlformats.org/officeDocument/2006/relationships" xmlns:p="http://schemas.openxmlformats.org/presentationml/2006/main">
   <p:cSld>
     <p:spTree>
@@ -8408,7 +9156,7 @@
 </p:sld>
 </file>
 
-<file path=ppt/slides/slide18.xml><?xml version="1.0" encoding="utf-8"?>
+<file path=ppt/slides/slide19.xml><?xml version="1.0" encoding="utf-8"?>
 <p:sld xmlns:a="http://schemas.openxmlformats.org/drawingml/2006/main" xmlns:r="http://schemas.openxmlformats.org/officeDocument/2006/relationships" xmlns:p="http://schemas.openxmlformats.org/presentationml/2006/main">
   <p:cSld>
     <p:spTree>
@@ -9108,7 +9856,228 @@
 </p:sld>
 </file>
 
-<file path=ppt/slides/slide19.xml><?xml version="1.0" encoding="utf-8"?>
+<file path=ppt/slides/slide2.xml><?xml version="1.0" encoding="utf-8"?>
+<p:sld xmlns:a="http://schemas.openxmlformats.org/drawingml/2006/main" xmlns:r="http://schemas.openxmlformats.org/officeDocument/2006/relationships" xmlns:p="http://schemas.openxmlformats.org/presentationml/2006/main">
+  <p:cSld>
+    <p:spTree>
+      <p:nvGrpSpPr>
+        <p:cNvPr id="1" name=""/>
+        <p:cNvGrpSpPr/>
+        <p:nvPr/>
+      </p:nvGrpSpPr>
+      <p:grpSpPr>
+        <a:xfrm>
+          <a:off x="0" y="0"/>
+          <a:ext cx="0" cy="0"/>
+          <a:chOff x="0" y="0"/>
+          <a:chExt cx="0" cy="0"/>
+        </a:xfrm>
+      </p:grpSpPr>
+      <p:sp>
+        <p:nvSpPr>
+          <p:cNvPr id="2" name="Title 1">
+            <a:extLst>
+              <a:ext uri="{FF2B5EF4-FFF2-40B4-BE49-F238E27FC236}">
+                <a16:creationId xmlns:a16="http://schemas.microsoft.com/office/drawing/2014/main" id="{AA3A228F-61D0-D949-A5E7-F83756230BF8}"/>
+              </a:ext>
+            </a:extLst>
+          </p:cNvPr>
+          <p:cNvSpPr>
+            <a:spLocks noGrp="1"/>
+          </p:cNvSpPr>
+          <p:nvPr>
+            <p:ph type="title"/>
+          </p:nvPr>
+        </p:nvSpPr>
+        <p:spPr>
+          <a:xfrm>
+            <a:off x="483848" y="467027"/>
+            <a:ext cx="7053542" cy="683886"/>
+          </a:xfrm>
+        </p:spPr>
+        <p:txBody>
+          <a:bodyPr/>
+          <a:lstStyle/>
+          <a:p>
+            <a:r>
+              <a:rPr lang="en-US" dirty="0"/>
+              <a:t>Topics</a:t>
+            </a:r>
+          </a:p>
+        </p:txBody>
+      </p:sp>
+      <p:sp>
+        <p:nvSpPr>
+          <p:cNvPr id="9" name="Content Placeholder 8">
+            <a:extLst>
+              <a:ext uri="{FF2B5EF4-FFF2-40B4-BE49-F238E27FC236}">
+                <a16:creationId xmlns:a16="http://schemas.microsoft.com/office/drawing/2014/main" id="{E3B2E017-30B2-884B-A113-B419A2ED51AD}"/>
+              </a:ext>
+            </a:extLst>
+          </p:cNvPr>
+          <p:cNvSpPr>
+            <a:spLocks noGrp="1"/>
+          </p:cNvSpPr>
+          <p:nvPr>
+            <p:ph idx="1"/>
+          </p:nvPr>
+        </p:nvSpPr>
+        <p:spPr>
+          <a:xfrm>
+            <a:off x="483848" y="1019503"/>
+            <a:ext cx="8051725" cy="4571999"/>
+          </a:xfrm>
+        </p:spPr>
+        <p:txBody>
+          <a:bodyPr/>
+          <a:lstStyle/>
+          <a:p>
+            <a:pPr marL="0" indent="0">
+              <a:buNone/>
+            </a:pPr>
+            <a:endParaRPr lang="en-US" dirty="0">
+              <a:latin typeface="Gill Sans MT" panose="020B0502020104020203" pitchFamily="34" charset="77"/>
+            </a:endParaRPr>
+          </a:p>
+          <a:p>
+            <a:pPr marL="0" indent="0">
+              <a:buNone/>
+            </a:pPr>
+            <a:endParaRPr lang="en-US" dirty="0">
+              <a:latin typeface="Gill Sans MT" panose="020B0502020104020203" pitchFamily="34" charset="77"/>
+            </a:endParaRPr>
+          </a:p>
+          <a:p>
+            <a:pPr marL="457200" indent="-457200">
+              <a:buAutoNum type="arabicParenR"/>
+            </a:pPr>
+            <a:r>
+              <a:rPr lang="en-US" dirty="0">
+                <a:latin typeface="Gill Sans MT" panose="020B0502020104020203" pitchFamily="34" charset="77"/>
+              </a:rPr>
+              <a:t>Strings Concatenation</a:t>
+            </a:r>
+          </a:p>
+          <a:p>
+            <a:pPr marL="457200" indent="-457200">
+              <a:buAutoNum type="arabicParenR"/>
+            </a:pPr>
+            <a:r>
+              <a:rPr lang="en-US" dirty="0">
+                <a:latin typeface="Gill Sans MT" panose="020B0502020104020203" pitchFamily="34" charset="77"/>
+              </a:rPr>
+              <a:t>Indexing and Slicing</a:t>
+            </a:r>
+          </a:p>
+          <a:p>
+            <a:pPr marL="457200" indent="-457200">
+              <a:buAutoNum type="arabicParenR"/>
+            </a:pPr>
+            <a:r>
+              <a:rPr lang="en-US" dirty="0">
+                <a:latin typeface="Gill Sans MT" panose="020B0502020104020203" pitchFamily="34" charset="77"/>
+              </a:rPr>
+              <a:t>f-Strings</a:t>
+            </a:r>
+          </a:p>
+          <a:p>
+            <a:pPr marL="457200" indent="-457200">
+              <a:buAutoNum type="arabicParenR"/>
+            </a:pPr>
+            <a:r>
+              <a:rPr lang="en-US" dirty="0">
+                <a:latin typeface="Gill Sans MT" panose="020B0502020104020203" pitchFamily="34" charset="77"/>
+              </a:rPr>
+              <a:t>Escape Sequences</a:t>
+            </a:r>
+          </a:p>
+          <a:p>
+            <a:pPr marL="457200" indent="-457200">
+              <a:buAutoNum type="arabicParenR"/>
+            </a:pPr>
+            <a:r>
+              <a:rPr lang="en-US" dirty="0">
+                <a:latin typeface="Gill Sans MT" panose="020B0502020104020203" pitchFamily="34" charset="77"/>
+              </a:rPr>
+              <a:t>String Methods</a:t>
+            </a:r>
+          </a:p>
+          <a:p>
+            <a:pPr marL="457200" indent="-457200">
+              <a:buAutoNum type="arabicParenR"/>
+            </a:pPr>
+            <a:r>
+              <a:rPr lang="en-US" dirty="0">
+                <a:latin typeface="Gill Sans MT" panose="020B0502020104020203" pitchFamily="34" charset="77"/>
+              </a:rPr>
+              <a:t>For Loops vs Slicing</a:t>
+            </a:r>
+          </a:p>
+          <a:p>
+            <a:pPr marL="342900" lvl="1" indent="0">
+              <a:buNone/>
+            </a:pPr>
+            <a:endParaRPr lang="en-US" dirty="0">
+              <a:latin typeface="Gill Sans MT" panose="020B0502020104020203" pitchFamily="34" charset="77"/>
+            </a:endParaRPr>
+          </a:p>
+          <a:p>
+            <a:pPr marL="457200" indent="-457200">
+              <a:buFont typeface="+mj-lt"/>
+              <a:buAutoNum type="arabicParenR"/>
+            </a:pPr>
+            <a:endParaRPr lang="en-US" dirty="0">
+              <a:latin typeface="Gill Sans MT" panose="020B0502020104020203" pitchFamily="34" charset="77"/>
+            </a:endParaRPr>
+          </a:p>
+          <a:p>
+            <a:pPr marL="457200" indent="-457200">
+              <a:buAutoNum type="arabicParenR"/>
+            </a:pPr>
+            <a:endParaRPr lang="en-US" dirty="0">
+              <a:latin typeface="Gill Sans MT" panose="020B0502020104020203" pitchFamily="34" charset="77"/>
+            </a:endParaRPr>
+          </a:p>
+          <a:p>
+            <a:pPr marL="457200" indent="-457200">
+              <a:buAutoNum type="arabicParenR"/>
+            </a:pPr>
+            <a:endParaRPr lang="en-US" dirty="0">
+              <a:latin typeface="Gill Sans MT" panose="020B0502020104020203" pitchFamily="34" charset="77"/>
+            </a:endParaRPr>
+          </a:p>
+          <a:p>
+            <a:pPr marL="0" indent="0">
+              <a:buNone/>
+            </a:pPr>
+            <a:endParaRPr lang="en-US" dirty="0">
+              <a:latin typeface="Gill Sans MT" panose="020B0502020104020203" pitchFamily="34" charset="77"/>
+            </a:endParaRPr>
+          </a:p>
+          <a:p>
+            <a:pPr marL="0" indent="0">
+              <a:buNone/>
+            </a:pPr>
+            <a:endParaRPr lang="en-US" b="1" dirty="0">
+              <a:latin typeface="Gill Sans MT" panose="020B0502020104020203" pitchFamily="34" charset="77"/>
+            </a:endParaRPr>
+          </a:p>
+        </p:txBody>
+      </p:sp>
+    </p:spTree>
+    <p:extLst>
+      <p:ext uri="{BB962C8B-B14F-4D97-AF65-F5344CB8AC3E}">
+        <p14:creationId xmlns:p14="http://schemas.microsoft.com/office/powerpoint/2010/main" val="2207246265"/>
+      </p:ext>
+    </p:extLst>
+  </p:cSld>
+  <p:clrMapOvr>
+    <a:masterClrMapping/>
+  </p:clrMapOvr>
+</p:sld>
+</file>
+
+<file path=ppt/slides/slide20.xml><?xml version="1.0" encoding="utf-8"?>
 <p:sld xmlns:a="http://schemas.openxmlformats.org/drawingml/2006/main" xmlns:r="http://schemas.openxmlformats.org/officeDocument/2006/relationships" xmlns:p="http://schemas.openxmlformats.org/presentationml/2006/main">
   <p:cSld>
     <p:spTree>
@@ -9466,228 +10435,7 @@
 </p:sld>
 </file>
 
-<file path=ppt/slides/slide2.xml><?xml version="1.0" encoding="utf-8"?>
-<p:sld xmlns:a="http://schemas.openxmlformats.org/drawingml/2006/main" xmlns:r="http://schemas.openxmlformats.org/officeDocument/2006/relationships" xmlns:p="http://schemas.openxmlformats.org/presentationml/2006/main">
-  <p:cSld>
-    <p:spTree>
-      <p:nvGrpSpPr>
-        <p:cNvPr id="1" name=""/>
-        <p:cNvGrpSpPr/>
-        <p:nvPr/>
-      </p:nvGrpSpPr>
-      <p:grpSpPr>
-        <a:xfrm>
-          <a:off x="0" y="0"/>
-          <a:ext cx="0" cy="0"/>
-          <a:chOff x="0" y="0"/>
-          <a:chExt cx="0" cy="0"/>
-        </a:xfrm>
-      </p:grpSpPr>
-      <p:sp>
-        <p:nvSpPr>
-          <p:cNvPr id="2" name="Title 1">
-            <a:extLst>
-              <a:ext uri="{FF2B5EF4-FFF2-40B4-BE49-F238E27FC236}">
-                <a16:creationId xmlns:a16="http://schemas.microsoft.com/office/drawing/2014/main" id="{AA3A228F-61D0-D949-A5E7-F83756230BF8}"/>
-              </a:ext>
-            </a:extLst>
-          </p:cNvPr>
-          <p:cNvSpPr>
-            <a:spLocks noGrp="1"/>
-          </p:cNvSpPr>
-          <p:nvPr>
-            <p:ph type="title"/>
-          </p:nvPr>
-        </p:nvSpPr>
-        <p:spPr>
-          <a:xfrm>
-            <a:off x="483848" y="467027"/>
-            <a:ext cx="7053542" cy="683886"/>
-          </a:xfrm>
-        </p:spPr>
-        <p:txBody>
-          <a:bodyPr/>
-          <a:lstStyle/>
-          <a:p>
-            <a:r>
-              <a:rPr lang="en-US" dirty="0"/>
-              <a:t>Topics</a:t>
-            </a:r>
-          </a:p>
-        </p:txBody>
-      </p:sp>
-      <p:sp>
-        <p:nvSpPr>
-          <p:cNvPr id="9" name="Content Placeholder 8">
-            <a:extLst>
-              <a:ext uri="{FF2B5EF4-FFF2-40B4-BE49-F238E27FC236}">
-                <a16:creationId xmlns:a16="http://schemas.microsoft.com/office/drawing/2014/main" id="{E3B2E017-30B2-884B-A113-B419A2ED51AD}"/>
-              </a:ext>
-            </a:extLst>
-          </p:cNvPr>
-          <p:cNvSpPr>
-            <a:spLocks noGrp="1"/>
-          </p:cNvSpPr>
-          <p:nvPr>
-            <p:ph idx="1"/>
-          </p:nvPr>
-        </p:nvSpPr>
-        <p:spPr>
-          <a:xfrm>
-            <a:off x="483848" y="1019503"/>
-            <a:ext cx="8051725" cy="4571999"/>
-          </a:xfrm>
-        </p:spPr>
-        <p:txBody>
-          <a:bodyPr/>
-          <a:lstStyle/>
-          <a:p>
-            <a:pPr marL="0" indent="0">
-              <a:buNone/>
-            </a:pPr>
-            <a:endParaRPr lang="en-US" dirty="0">
-              <a:latin typeface="Gill Sans MT" panose="020B0502020104020203" pitchFamily="34" charset="77"/>
-            </a:endParaRPr>
-          </a:p>
-          <a:p>
-            <a:pPr marL="0" indent="0">
-              <a:buNone/>
-            </a:pPr>
-            <a:endParaRPr lang="en-US" dirty="0">
-              <a:latin typeface="Gill Sans MT" panose="020B0502020104020203" pitchFamily="34" charset="77"/>
-            </a:endParaRPr>
-          </a:p>
-          <a:p>
-            <a:pPr marL="457200" indent="-457200">
-              <a:buAutoNum type="arabicParenR"/>
-            </a:pPr>
-            <a:r>
-              <a:rPr lang="en-US" dirty="0">
-                <a:latin typeface="Gill Sans MT" panose="020B0502020104020203" pitchFamily="34" charset="77"/>
-              </a:rPr>
-              <a:t>Strings Concatenation</a:t>
-            </a:r>
-          </a:p>
-          <a:p>
-            <a:pPr marL="457200" indent="-457200">
-              <a:buAutoNum type="arabicParenR"/>
-            </a:pPr>
-            <a:r>
-              <a:rPr lang="en-US" dirty="0">
-                <a:latin typeface="Gill Sans MT" panose="020B0502020104020203" pitchFamily="34" charset="77"/>
-              </a:rPr>
-              <a:t>Indexing and Slicing</a:t>
-            </a:r>
-          </a:p>
-          <a:p>
-            <a:pPr marL="457200" indent="-457200">
-              <a:buAutoNum type="arabicParenR"/>
-            </a:pPr>
-            <a:r>
-              <a:rPr lang="en-US" dirty="0">
-                <a:latin typeface="Gill Sans MT" panose="020B0502020104020203" pitchFamily="34" charset="77"/>
-              </a:rPr>
-              <a:t>f-Strings</a:t>
-            </a:r>
-          </a:p>
-          <a:p>
-            <a:pPr marL="457200" indent="-457200">
-              <a:buAutoNum type="arabicParenR"/>
-            </a:pPr>
-            <a:r>
-              <a:rPr lang="en-US" dirty="0">
-                <a:latin typeface="Gill Sans MT" panose="020B0502020104020203" pitchFamily="34" charset="77"/>
-              </a:rPr>
-              <a:t>Escape Sequences</a:t>
-            </a:r>
-          </a:p>
-          <a:p>
-            <a:pPr marL="457200" indent="-457200">
-              <a:buAutoNum type="arabicParenR"/>
-            </a:pPr>
-            <a:r>
-              <a:rPr lang="en-US" dirty="0">
-                <a:latin typeface="Gill Sans MT" panose="020B0502020104020203" pitchFamily="34" charset="77"/>
-              </a:rPr>
-              <a:t>String Methods</a:t>
-            </a:r>
-          </a:p>
-          <a:p>
-            <a:pPr marL="457200" indent="-457200">
-              <a:buAutoNum type="arabicParenR"/>
-            </a:pPr>
-            <a:r>
-              <a:rPr lang="en-US" dirty="0">
-                <a:latin typeface="Gill Sans MT" panose="020B0502020104020203" pitchFamily="34" charset="77"/>
-              </a:rPr>
-              <a:t>For Loops vs Slicing</a:t>
-            </a:r>
-          </a:p>
-          <a:p>
-            <a:pPr marL="342900" lvl="1" indent="0">
-              <a:buNone/>
-            </a:pPr>
-            <a:endParaRPr lang="en-US" dirty="0">
-              <a:latin typeface="Gill Sans MT" panose="020B0502020104020203" pitchFamily="34" charset="77"/>
-            </a:endParaRPr>
-          </a:p>
-          <a:p>
-            <a:pPr marL="457200" indent="-457200">
-              <a:buFont typeface="+mj-lt"/>
-              <a:buAutoNum type="arabicParenR"/>
-            </a:pPr>
-            <a:endParaRPr lang="en-US" dirty="0">
-              <a:latin typeface="Gill Sans MT" panose="020B0502020104020203" pitchFamily="34" charset="77"/>
-            </a:endParaRPr>
-          </a:p>
-          <a:p>
-            <a:pPr marL="457200" indent="-457200">
-              <a:buAutoNum type="arabicParenR"/>
-            </a:pPr>
-            <a:endParaRPr lang="en-US" dirty="0">
-              <a:latin typeface="Gill Sans MT" panose="020B0502020104020203" pitchFamily="34" charset="77"/>
-            </a:endParaRPr>
-          </a:p>
-          <a:p>
-            <a:pPr marL="457200" indent="-457200">
-              <a:buAutoNum type="arabicParenR"/>
-            </a:pPr>
-            <a:endParaRPr lang="en-US" dirty="0">
-              <a:latin typeface="Gill Sans MT" panose="020B0502020104020203" pitchFamily="34" charset="77"/>
-            </a:endParaRPr>
-          </a:p>
-          <a:p>
-            <a:pPr marL="0" indent="0">
-              <a:buNone/>
-            </a:pPr>
-            <a:endParaRPr lang="en-US" dirty="0">
-              <a:latin typeface="Gill Sans MT" panose="020B0502020104020203" pitchFamily="34" charset="77"/>
-            </a:endParaRPr>
-          </a:p>
-          <a:p>
-            <a:pPr marL="0" indent="0">
-              <a:buNone/>
-            </a:pPr>
-            <a:endParaRPr lang="en-US" b="1" dirty="0">
-              <a:latin typeface="Gill Sans MT" panose="020B0502020104020203" pitchFamily="34" charset="77"/>
-            </a:endParaRPr>
-          </a:p>
-        </p:txBody>
-      </p:sp>
-    </p:spTree>
-    <p:extLst>
-      <p:ext uri="{BB962C8B-B14F-4D97-AF65-F5344CB8AC3E}">
-        <p14:creationId xmlns:p14="http://schemas.microsoft.com/office/powerpoint/2010/main" val="2207246265"/>
-      </p:ext>
-    </p:extLst>
-  </p:cSld>
-  <p:clrMapOvr>
-    <a:masterClrMapping/>
-  </p:clrMapOvr>
-</p:sld>
-</file>
-
-<file path=ppt/slides/slide20.xml><?xml version="1.0" encoding="utf-8"?>
+<file path=ppt/slides/slide21.xml><?xml version="1.0" encoding="utf-8"?>
 <p:sld xmlns:a="http://schemas.openxmlformats.org/drawingml/2006/main" xmlns:r="http://schemas.openxmlformats.org/officeDocument/2006/relationships" xmlns:p="http://schemas.openxmlformats.org/presentationml/2006/main">
   <p:cSld>
     <p:spTree>
@@ -10360,7 +11108,7 @@
 </p:sld>
 </file>
 
-<file path=ppt/slides/slide21.xml><?xml version="1.0" encoding="utf-8"?>
+<file path=ppt/slides/slide22.xml><?xml version="1.0" encoding="utf-8"?>
 <p:sld xmlns:a="http://schemas.openxmlformats.org/drawingml/2006/main" xmlns:r="http://schemas.openxmlformats.org/officeDocument/2006/relationships" xmlns:p="http://schemas.openxmlformats.org/presentationml/2006/main">
   <p:cSld>
     <p:spTree>
@@ -10871,7 +11619,7 @@
 </p:sld>
 </file>
 
-<file path=ppt/slides/slide22.xml><?xml version="1.0" encoding="utf-8"?>
+<file path=ppt/slides/slide23.xml><?xml version="1.0" encoding="utf-8"?>
 <p:sld xmlns:a="http://schemas.openxmlformats.org/drawingml/2006/main" xmlns:r="http://schemas.openxmlformats.org/officeDocument/2006/relationships" xmlns:p="http://schemas.openxmlformats.org/presentationml/2006/main">
   <p:cSld>
     <p:spTree>
@@ -11494,7 +12242,7 @@
 </p:sld>
 </file>
 
-<file path=ppt/slides/slide23.xml><?xml version="1.0" encoding="utf-8"?>
+<file path=ppt/slides/slide24.xml><?xml version="1.0" encoding="utf-8"?>
 <p:sld xmlns:a="http://schemas.openxmlformats.org/drawingml/2006/main" xmlns:r="http://schemas.openxmlformats.org/officeDocument/2006/relationships" xmlns:p="http://schemas.openxmlformats.org/presentationml/2006/main">
   <p:cSld>
     <p:spTree>
@@ -11987,7 +12735,7 @@
 </p:sld>
 </file>
 
-<file path=ppt/slides/slide24.xml><?xml version="1.0" encoding="utf-8"?>
+<file path=ppt/slides/slide25.xml><?xml version="1.0" encoding="utf-8"?>
 <p:sld xmlns:a="http://schemas.openxmlformats.org/drawingml/2006/main" xmlns:r="http://schemas.openxmlformats.org/officeDocument/2006/relationships" xmlns:p="http://schemas.openxmlformats.org/presentationml/2006/main">
   <p:cSld>
     <p:spTree>
@@ -12468,7 +13216,7 @@
 </p:sld>
 </file>
 
-<file path=ppt/slides/slide25.xml><?xml version="1.0" encoding="utf-8"?>
+<file path=ppt/slides/slide26.xml><?xml version="1.0" encoding="utf-8"?>
 <p:sld xmlns:a="http://schemas.openxmlformats.org/drawingml/2006/main" xmlns:r="http://schemas.openxmlformats.org/officeDocument/2006/relationships" xmlns:p="http://schemas.openxmlformats.org/presentationml/2006/main">
   <p:cSld>
     <p:spTree>
@@ -13337,7 +14085,7 @@
 </p:sld>
 </file>
 
-<file path=ppt/slides/slide26.xml><?xml version="1.0" encoding="utf-8"?>
+<file path=ppt/slides/slide27.xml><?xml version="1.0" encoding="utf-8"?>
 <p:sld xmlns:a="http://schemas.openxmlformats.org/drawingml/2006/main" xmlns:r="http://schemas.openxmlformats.org/officeDocument/2006/relationships" xmlns:p="http://schemas.openxmlformats.org/presentationml/2006/main">
   <p:cSld>
     <p:spTree>
@@ -13938,7 +14686,7 @@
 </p:sld>
 </file>
 
-<file path=ppt/slides/slide27.xml><?xml version="1.0" encoding="utf-8"?>
+<file path=ppt/slides/slide28.xml><?xml version="1.0" encoding="utf-8"?>
 <p:sld xmlns:a="http://schemas.openxmlformats.org/drawingml/2006/main" xmlns:r="http://schemas.openxmlformats.org/officeDocument/2006/relationships" xmlns:p="http://schemas.openxmlformats.org/presentationml/2006/main">
   <p:cSld>
     <p:spTree>

--- a/courses/apcsp/lect5.pptx
+++ b/courses/apcsp/lect5.pptx
@@ -15,29 +15,22 @@
     <p:sldId id="303" r:id="rId9"/>
     <p:sldId id="304" r:id="rId10"/>
     <p:sldId id="305" r:id="rId11"/>
-    <p:sldId id="308" r:id="rId12"/>
-    <p:sldId id="309" r:id="rId13"/>
-    <p:sldId id="310" r:id="rId14"/>
-    <p:sldId id="311" r:id="rId15"/>
-    <p:sldId id="312" r:id="rId16"/>
-    <p:sldId id="302" r:id="rId17"/>
-    <p:sldId id="306" r:id="rId18"/>
-    <p:sldId id="307" r:id="rId19"/>
-    <p:sldId id="284" r:id="rId20"/>
-    <p:sldId id="319" r:id="rId21"/>
-    <p:sldId id="320" r:id="rId22"/>
-    <p:sldId id="321" r:id="rId23"/>
-    <p:sldId id="328" r:id="rId24"/>
-    <p:sldId id="327" r:id="rId25"/>
-    <p:sldId id="329" r:id="rId26"/>
-    <p:sldId id="322" r:id="rId27"/>
-    <p:sldId id="323" r:id="rId28"/>
-    <p:sldId id="324" r:id="rId29"/>
-    <p:sldId id="325" r:id="rId30"/>
-    <p:sldId id="326" r:id="rId31"/>
-    <p:sldId id="317" r:id="rId32"/>
-    <p:sldId id="318" r:id="rId33"/>
-    <p:sldId id="316" r:id="rId34"/>
+    <p:sldId id="331" r:id="rId12"/>
+    <p:sldId id="308" r:id="rId13"/>
+    <p:sldId id="330" r:id="rId14"/>
+    <p:sldId id="309" r:id="rId15"/>
+    <p:sldId id="310" r:id="rId16"/>
+    <p:sldId id="311" r:id="rId17"/>
+    <p:sldId id="312" r:id="rId18"/>
+    <p:sldId id="332" r:id="rId19"/>
+    <p:sldId id="302" r:id="rId20"/>
+    <p:sldId id="306" r:id="rId21"/>
+    <p:sldId id="307" r:id="rId22"/>
+    <p:sldId id="284" r:id="rId23"/>
+    <p:sldId id="317" r:id="rId24"/>
+    <p:sldId id="318" r:id="rId25"/>
+    <p:sldId id="333" r:id="rId26"/>
+    <p:sldId id="316" r:id="rId27"/>
   </p:sldIdLst>
   <p:sldSz cx="9144000" cy="5715000" type="screen16x10"/>
   <p:notesSz cx="6858000" cy="9144000"/>
@@ -147,14 +140,69 @@
 <file path=ppt/revisionInfo.xml><?xml version="1.0" encoding="utf-8"?>
 <p1510:revInfo xmlns:a="http://schemas.openxmlformats.org/drawingml/2006/main" xmlns:r="http://schemas.openxmlformats.org/officeDocument/2006/relationships" xmlns:p1510="http://schemas.microsoft.com/office/powerpoint/2015/10/main">
   <p1510:revLst>
-    <p1510:client id="{CC9C9D9A-5149-2947-86C0-576F501F60DC}" v="601" dt="2020-01-05T21:58:59.286"/>
-    <p1510:client id="{DFDAB7FF-5C5F-144A-ABCE-1015D05DDC2A}" v="1" dt="2020-01-06T16:56:38.700"/>
+    <p1510:client id="{9799AFC9-BCC1-A047-B695-0A8B229AD33C}" v="406" dt="2020-10-30T16:14:15.265"/>
   </p1510:revLst>
 </p1510:revInfo>
 </file>
 
 <file path=ppt/changesInfos/changesInfo1.xml><?xml version="1.0" encoding="utf-8"?>
 <pc:chgInfo xmlns:a="http://schemas.openxmlformats.org/drawingml/2006/main" xmlns:r="http://schemas.openxmlformats.org/officeDocument/2006/relationships" xmlns:ac="http://schemas.microsoft.com/office/drawing/2013/main/command" xmlns:pc="http://schemas.microsoft.com/office/powerpoint/2013/main/command">
+  <pc:docChgLst>
+    <pc:chgData name="Long B Nguyen" userId="f59fb8f3-a021-417a-8bc1-65c8d471c621" providerId="ADAL" clId="{B5860C40-AA08-4447-A918-2D2782E0FC0B}"/>
+    <pc:docChg chg="delSld modSld">
+      <pc:chgData name="Long B Nguyen" userId="f59fb8f3-a021-417a-8bc1-65c8d471c621" providerId="ADAL" clId="{B5860C40-AA08-4447-A918-2D2782E0FC0B}" dt="2019-09-16T13:59:20.091" v="35" actId="2696"/>
+      <pc:docMkLst>
+        <pc:docMk/>
+      </pc:docMkLst>
+      <pc:sldChg chg="modSp">
+        <pc:chgData name="Long B Nguyen" userId="f59fb8f3-a021-417a-8bc1-65c8d471c621" providerId="ADAL" clId="{B5860C40-AA08-4447-A918-2D2782E0FC0B}" dt="2019-09-16T13:58:36.640" v="18" actId="20577"/>
+        <pc:sldMkLst>
+          <pc:docMk/>
+          <pc:sldMk cId="4247104139" sldId="256"/>
+        </pc:sldMkLst>
+        <pc:spChg chg="mod">
+          <ac:chgData name="Long B Nguyen" userId="f59fb8f3-a021-417a-8bc1-65c8d471c621" providerId="ADAL" clId="{B5860C40-AA08-4447-A918-2D2782E0FC0B}" dt="2019-09-16T13:58:36.640" v="18" actId="20577"/>
+          <ac:spMkLst>
+            <pc:docMk/>
+            <pc:sldMk cId="4247104139" sldId="256"/>
+            <ac:spMk id="3" creationId="{1BDC47C8-6776-7B44-9CD4-95FC91452D62}"/>
+          </ac:spMkLst>
+        </pc:spChg>
+      </pc:sldChg>
+    </pc:docChg>
+  </pc:docChgLst>
+  <pc:docChgLst>
+    <pc:chgData name="Long B Nguyen" userId="f59fb8f3-a021-417a-8bc1-65c8d471c621" providerId="ADAL" clId="{DFDAB7FF-5C5F-144A-ABCE-1015D05DDC2A}"/>
+    <pc:docChg chg="modSld">
+      <pc:chgData name="Long B Nguyen" userId="f59fb8f3-a021-417a-8bc1-65c8d471c621" providerId="ADAL" clId="{DFDAB7FF-5C5F-144A-ABCE-1015D05DDC2A}" dt="2020-01-06T16:56:38.700" v="18" actId="767"/>
+      <pc:docMkLst>
+        <pc:docMk/>
+      </pc:docMkLst>
+      <pc:sldChg chg="addSp modSp">
+        <pc:chgData name="Long B Nguyen" userId="f59fb8f3-a021-417a-8bc1-65c8d471c621" providerId="ADAL" clId="{DFDAB7FF-5C5F-144A-ABCE-1015D05DDC2A}" dt="2020-01-06T16:56:38.700" v="18" actId="767"/>
+        <pc:sldMkLst>
+          <pc:docMk/>
+          <pc:sldMk cId="4247104139" sldId="256"/>
+        </pc:sldMkLst>
+        <pc:spChg chg="mod">
+          <ac:chgData name="Long B Nguyen" userId="f59fb8f3-a021-417a-8bc1-65c8d471c621" providerId="ADAL" clId="{DFDAB7FF-5C5F-144A-ABCE-1015D05DDC2A}" dt="2020-01-05T22:05:00.732" v="17" actId="20577"/>
+          <ac:spMkLst>
+            <pc:docMk/>
+            <pc:sldMk cId="4247104139" sldId="256"/>
+            <ac:spMk id="3" creationId="{1BDC47C8-6776-7B44-9CD4-95FC91452D62}"/>
+          </ac:spMkLst>
+        </pc:spChg>
+        <pc:spChg chg="add mod">
+          <ac:chgData name="Long B Nguyen" userId="f59fb8f3-a021-417a-8bc1-65c8d471c621" providerId="ADAL" clId="{DFDAB7FF-5C5F-144A-ABCE-1015D05DDC2A}" dt="2020-01-06T16:56:38.700" v="18" actId="767"/>
+          <ac:spMkLst>
+            <pc:docMk/>
+            <pc:sldMk cId="4247104139" sldId="256"/>
+            <ac:spMk id="5" creationId="{E6D86951-019A-8441-B4EA-CE7B2704759F}"/>
+          </ac:spMkLst>
+        </pc:spChg>
+      </pc:sldChg>
+    </pc:docChg>
+  </pc:docChgLst>
   <pc:docChgLst>
     <pc:chgData name="Long B Nguyen" userId="f59fb8f3-a021-417a-8bc1-65c8d471c621" providerId="ADAL" clId="{A54A5039-9BC6-1548-AC61-7314DB675A9D}"/>
     <pc:docChg chg="undo custSel addSld delSld modSld">
@@ -866,69 +914,189 @@
     </pc:docChg>
   </pc:docChgLst>
   <pc:docChgLst>
-    <pc:chgData name="Long B Nguyen" userId="f59fb8f3-a021-417a-8bc1-65c8d471c621" providerId="ADAL" clId="{DFDAB7FF-5C5F-144A-ABCE-1015D05DDC2A}"/>
-    <pc:docChg chg="modSld">
-      <pc:chgData name="Long B Nguyen" userId="f59fb8f3-a021-417a-8bc1-65c8d471c621" providerId="ADAL" clId="{DFDAB7FF-5C5F-144A-ABCE-1015D05DDC2A}" dt="2020-01-06T16:56:38.700" v="18" actId="767"/>
+    <pc:chgData name="Long B Nguyen" userId="f59fb8f3-a021-417a-8bc1-65c8d471c621" providerId="ADAL" clId="{9799AFC9-BCC1-A047-B695-0A8B229AD33C}"/>
+    <pc:docChg chg="addSld delSld modSld">
+      <pc:chgData name="Long B Nguyen" userId="f59fb8f3-a021-417a-8bc1-65c8d471c621" providerId="ADAL" clId="{9799AFC9-BCC1-A047-B695-0A8B229AD33C}" dt="2020-10-30T16:14:15.265" v="927" actId="20577"/>
       <pc:docMkLst>
         <pc:docMk/>
       </pc:docMkLst>
-      <pc:sldChg chg="addSp modSp">
-        <pc:chgData name="Long B Nguyen" userId="f59fb8f3-a021-417a-8bc1-65c8d471c621" providerId="ADAL" clId="{DFDAB7FF-5C5F-144A-ABCE-1015D05DDC2A}" dt="2020-01-06T16:56:38.700" v="18" actId="767"/>
+      <pc:sldChg chg="addSp modSp mod">
+        <pc:chgData name="Long B Nguyen" userId="f59fb8f3-a021-417a-8bc1-65c8d471c621" providerId="ADAL" clId="{9799AFC9-BCC1-A047-B695-0A8B229AD33C}" dt="2020-10-30T16:06:16.986" v="395" actId="207"/>
         <pc:sldMkLst>
           <pc:docMk/>
-          <pc:sldMk cId="4247104139" sldId="256"/>
+          <pc:sldMk cId="1872435103" sldId="309"/>
+        </pc:sldMkLst>
+        <pc:spChg chg="add mod">
+          <ac:chgData name="Long B Nguyen" userId="f59fb8f3-a021-417a-8bc1-65c8d471c621" providerId="ADAL" clId="{9799AFC9-BCC1-A047-B695-0A8B229AD33C}" dt="2020-10-30T16:06:16.986" v="395" actId="207"/>
+          <ac:spMkLst>
+            <pc:docMk/>
+            <pc:sldMk cId="1872435103" sldId="309"/>
+            <ac:spMk id="3" creationId="{DC451C8B-97F6-454D-8175-CD0C462539E3}"/>
+          </ac:spMkLst>
+        </pc:spChg>
+      </pc:sldChg>
+      <pc:sldChg chg="modSp">
+        <pc:chgData name="Long B Nguyen" userId="f59fb8f3-a021-417a-8bc1-65c8d471c621" providerId="ADAL" clId="{9799AFC9-BCC1-A047-B695-0A8B229AD33C}" dt="2020-10-30T12:22:02.552" v="0" actId="207"/>
+        <pc:sldMkLst>
+          <pc:docMk/>
+          <pc:sldMk cId="2255846137" sldId="311"/>
         </pc:sldMkLst>
         <pc:spChg chg="mod">
-          <ac:chgData name="Long B Nguyen" userId="f59fb8f3-a021-417a-8bc1-65c8d471c621" providerId="ADAL" clId="{DFDAB7FF-5C5F-144A-ABCE-1015D05DDC2A}" dt="2020-01-05T22:05:00.732" v="17" actId="20577"/>
+          <ac:chgData name="Long B Nguyen" userId="f59fb8f3-a021-417a-8bc1-65c8d471c621" providerId="ADAL" clId="{9799AFC9-BCC1-A047-B695-0A8B229AD33C}" dt="2020-10-30T12:22:02.552" v="0" actId="207"/>
           <ac:spMkLst>
             <pc:docMk/>
-            <pc:sldMk cId="4247104139" sldId="256"/>
-            <ac:spMk id="3" creationId="{1BDC47C8-6776-7B44-9CD4-95FC91452D62}"/>
+            <pc:sldMk cId="2255846137" sldId="311"/>
+            <ac:spMk id="9" creationId="{E3B2E017-30B2-884B-A113-B419A2ED51AD}"/>
           </ac:spMkLst>
         </pc:spChg>
-        <pc:spChg chg="add mod">
-          <ac:chgData name="Long B Nguyen" userId="f59fb8f3-a021-417a-8bc1-65c8d471c621" providerId="ADAL" clId="{DFDAB7FF-5C5F-144A-ABCE-1015D05DDC2A}" dt="2020-01-06T16:56:38.700" v="18" actId="767"/>
+      </pc:sldChg>
+      <pc:sldChg chg="del">
+        <pc:chgData name="Long B Nguyen" userId="f59fb8f3-a021-417a-8bc1-65c8d471c621" providerId="ADAL" clId="{9799AFC9-BCC1-A047-B695-0A8B229AD33C}" dt="2020-10-30T16:07:29.157" v="396" actId="2696"/>
+        <pc:sldMkLst>
+          <pc:docMk/>
+          <pc:sldMk cId="924617162" sldId="319"/>
+        </pc:sldMkLst>
+      </pc:sldChg>
+      <pc:sldChg chg="del">
+        <pc:chgData name="Long B Nguyen" userId="f59fb8f3-a021-417a-8bc1-65c8d471c621" providerId="ADAL" clId="{9799AFC9-BCC1-A047-B695-0A8B229AD33C}" dt="2020-10-30T16:07:29.157" v="396" actId="2696"/>
+        <pc:sldMkLst>
+          <pc:docMk/>
+          <pc:sldMk cId="3758830494" sldId="320"/>
+        </pc:sldMkLst>
+      </pc:sldChg>
+      <pc:sldChg chg="del">
+        <pc:chgData name="Long B Nguyen" userId="f59fb8f3-a021-417a-8bc1-65c8d471c621" providerId="ADAL" clId="{9799AFC9-BCC1-A047-B695-0A8B229AD33C}" dt="2020-10-30T16:07:29.157" v="396" actId="2696"/>
+        <pc:sldMkLst>
+          <pc:docMk/>
+          <pc:sldMk cId="1022945305" sldId="321"/>
+        </pc:sldMkLst>
+      </pc:sldChg>
+      <pc:sldChg chg="del">
+        <pc:chgData name="Long B Nguyen" userId="f59fb8f3-a021-417a-8bc1-65c8d471c621" providerId="ADAL" clId="{9799AFC9-BCC1-A047-B695-0A8B229AD33C}" dt="2020-10-30T16:07:29.157" v="396" actId="2696"/>
+        <pc:sldMkLst>
+          <pc:docMk/>
+          <pc:sldMk cId="3456840474" sldId="322"/>
+        </pc:sldMkLst>
+      </pc:sldChg>
+      <pc:sldChg chg="del">
+        <pc:chgData name="Long B Nguyen" userId="f59fb8f3-a021-417a-8bc1-65c8d471c621" providerId="ADAL" clId="{9799AFC9-BCC1-A047-B695-0A8B229AD33C}" dt="2020-10-30T16:07:29.157" v="396" actId="2696"/>
+        <pc:sldMkLst>
+          <pc:docMk/>
+          <pc:sldMk cId="1062075874" sldId="323"/>
+        </pc:sldMkLst>
+      </pc:sldChg>
+      <pc:sldChg chg="del">
+        <pc:chgData name="Long B Nguyen" userId="f59fb8f3-a021-417a-8bc1-65c8d471c621" providerId="ADAL" clId="{9799AFC9-BCC1-A047-B695-0A8B229AD33C}" dt="2020-10-30T16:07:29.157" v="396" actId="2696"/>
+        <pc:sldMkLst>
+          <pc:docMk/>
+          <pc:sldMk cId="1310010799" sldId="324"/>
+        </pc:sldMkLst>
+      </pc:sldChg>
+      <pc:sldChg chg="del">
+        <pc:chgData name="Long B Nguyen" userId="f59fb8f3-a021-417a-8bc1-65c8d471c621" providerId="ADAL" clId="{9799AFC9-BCC1-A047-B695-0A8B229AD33C}" dt="2020-10-30T16:07:29.157" v="396" actId="2696"/>
+        <pc:sldMkLst>
+          <pc:docMk/>
+          <pc:sldMk cId="3314372952" sldId="325"/>
+        </pc:sldMkLst>
+      </pc:sldChg>
+      <pc:sldChg chg="del">
+        <pc:chgData name="Long B Nguyen" userId="f59fb8f3-a021-417a-8bc1-65c8d471c621" providerId="ADAL" clId="{9799AFC9-BCC1-A047-B695-0A8B229AD33C}" dt="2020-10-30T16:07:29.157" v="396" actId="2696"/>
+        <pc:sldMkLst>
+          <pc:docMk/>
+          <pc:sldMk cId="3117943122" sldId="326"/>
+        </pc:sldMkLst>
+      </pc:sldChg>
+      <pc:sldChg chg="del">
+        <pc:chgData name="Long B Nguyen" userId="f59fb8f3-a021-417a-8bc1-65c8d471c621" providerId="ADAL" clId="{9799AFC9-BCC1-A047-B695-0A8B229AD33C}" dt="2020-10-30T16:07:29.157" v="396" actId="2696"/>
+        <pc:sldMkLst>
+          <pc:docMk/>
+          <pc:sldMk cId="1025618360" sldId="327"/>
+        </pc:sldMkLst>
+      </pc:sldChg>
+      <pc:sldChg chg="del">
+        <pc:chgData name="Long B Nguyen" userId="f59fb8f3-a021-417a-8bc1-65c8d471c621" providerId="ADAL" clId="{9799AFC9-BCC1-A047-B695-0A8B229AD33C}" dt="2020-10-30T16:07:29.157" v="396" actId="2696"/>
+        <pc:sldMkLst>
+          <pc:docMk/>
+          <pc:sldMk cId="3894299887" sldId="328"/>
+        </pc:sldMkLst>
+      </pc:sldChg>
+      <pc:sldChg chg="del">
+        <pc:chgData name="Long B Nguyen" userId="f59fb8f3-a021-417a-8bc1-65c8d471c621" providerId="ADAL" clId="{9799AFC9-BCC1-A047-B695-0A8B229AD33C}" dt="2020-10-30T16:07:29.157" v="396" actId="2696"/>
+        <pc:sldMkLst>
+          <pc:docMk/>
+          <pc:sldMk cId="4294143140" sldId="329"/>
+        </pc:sldMkLst>
+      </pc:sldChg>
+      <pc:sldChg chg="modSp add mod modAnim">
+        <pc:chgData name="Long B Nguyen" userId="f59fb8f3-a021-417a-8bc1-65c8d471c621" providerId="ADAL" clId="{9799AFC9-BCC1-A047-B695-0A8B229AD33C}" dt="2020-10-30T16:14:15.265" v="927" actId="20577"/>
+        <pc:sldMkLst>
+          <pc:docMk/>
+          <pc:sldMk cId="2979421659" sldId="330"/>
+        </pc:sldMkLst>
+        <pc:spChg chg="mod">
+          <ac:chgData name="Long B Nguyen" userId="f59fb8f3-a021-417a-8bc1-65c8d471c621" providerId="ADAL" clId="{9799AFC9-BCC1-A047-B695-0A8B229AD33C}" dt="2020-10-30T12:27:17.386" v="233" actId="20577"/>
           <ac:spMkLst>
             <pc:docMk/>
-            <pc:sldMk cId="4247104139" sldId="256"/>
-            <ac:spMk id="5" creationId="{E6D86951-019A-8441-B4EA-CE7B2704759F}"/>
+            <pc:sldMk cId="2979421659" sldId="330"/>
+            <ac:spMk id="2" creationId="{AA3A228F-61D0-D949-A5E7-F83756230BF8}"/>
+          </ac:spMkLst>
+        </pc:spChg>
+        <pc:spChg chg="mod">
+          <ac:chgData name="Long B Nguyen" userId="f59fb8f3-a021-417a-8bc1-65c8d471c621" providerId="ADAL" clId="{9799AFC9-BCC1-A047-B695-0A8B229AD33C}" dt="2020-10-30T16:14:15.265" v="927" actId="20577"/>
+          <ac:spMkLst>
+            <pc:docMk/>
+            <pc:sldMk cId="2979421659" sldId="330"/>
+            <ac:spMk id="9" creationId="{E3B2E017-30B2-884B-A113-B419A2ED51AD}"/>
+          </ac:spMkLst>
+        </pc:spChg>
+      </pc:sldChg>
+      <pc:sldChg chg="modSp add mod modAnim">
+        <pc:chgData name="Long B Nguyen" userId="f59fb8f3-a021-417a-8bc1-65c8d471c621" providerId="ADAL" clId="{9799AFC9-BCC1-A047-B695-0A8B229AD33C}" dt="2020-10-30T16:09:58.449" v="548" actId="20577"/>
+        <pc:sldMkLst>
+          <pc:docMk/>
+          <pc:sldMk cId="1600871836" sldId="331"/>
+        </pc:sldMkLst>
+        <pc:spChg chg="mod">
+          <ac:chgData name="Long B Nguyen" userId="f59fb8f3-a021-417a-8bc1-65c8d471c621" providerId="ADAL" clId="{9799AFC9-BCC1-A047-B695-0A8B229AD33C}" dt="2020-10-30T16:09:07.283" v="417" actId="20577"/>
+          <ac:spMkLst>
+            <pc:docMk/>
+            <pc:sldMk cId="1600871836" sldId="331"/>
+            <ac:spMk id="2" creationId="{AA3A228F-61D0-D949-A5E7-F83756230BF8}"/>
+          </ac:spMkLst>
+        </pc:spChg>
+        <pc:spChg chg="mod">
+          <ac:chgData name="Long B Nguyen" userId="f59fb8f3-a021-417a-8bc1-65c8d471c621" providerId="ADAL" clId="{9799AFC9-BCC1-A047-B695-0A8B229AD33C}" dt="2020-10-30T16:09:58.449" v="548" actId="20577"/>
+          <ac:spMkLst>
+            <pc:docMk/>
+            <pc:sldMk cId="1600871836" sldId="331"/>
+            <ac:spMk id="9" creationId="{E3B2E017-30B2-884B-A113-B419A2ED51AD}"/>
+          </ac:spMkLst>
+        </pc:spChg>
+      </pc:sldChg>
+      <pc:sldChg chg="modSp add mod">
+        <pc:chgData name="Long B Nguyen" userId="f59fb8f3-a021-417a-8bc1-65c8d471c621" providerId="ADAL" clId="{9799AFC9-BCC1-A047-B695-0A8B229AD33C}" dt="2020-10-30T16:13:28.983" v="875" actId="207"/>
+        <pc:sldMkLst>
+          <pc:docMk/>
+          <pc:sldMk cId="3010097483" sldId="332"/>
+        </pc:sldMkLst>
+        <pc:spChg chg="mod">
+          <ac:chgData name="Long B Nguyen" userId="f59fb8f3-a021-417a-8bc1-65c8d471c621" providerId="ADAL" clId="{9799AFC9-BCC1-A047-B695-0A8B229AD33C}" dt="2020-10-30T16:11:45.294" v="759" actId="1076"/>
+          <ac:spMkLst>
+            <pc:docMk/>
+            <pc:sldMk cId="3010097483" sldId="332"/>
+            <ac:spMk id="2" creationId="{AA3A228F-61D0-D949-A5E7-F83756230BF8}"/>
+          </ac:spMkLst>
+        </pc:spChg>
+        <pc:spChg chg="mod">
+          <ac:chgData name="Long B Nguyen" userId="f59fb8f3-a021-417a-8bc1-65c8d471c621" providerId="ADAL" clId="{9799AFC9-BCC1-A047-B695-0A8B229AD33C}" dt="2020-10-30T16:13:28.983" v="875" actId="207"/>
+          <ac:spMkLst>
+            <pc:docMk/>
+            <pc:sldMk cId="3010097483" sldId="332"/>
+            <ac:spMk id="9" creationId="{E3B2E017-30B2-884B-A113-B419A2ED51AD}"/>
           </ac:spMkLst>
         </pc:spChg>
       </pc:sldChg>
     </pc:docChg>
-  </pc:docChgLst>
-  <pc:docChgLst>
-    <pc:chgData name="Long B Nguyen" userId="f59fb8f3-a021-417a-8bc1-65c8d471c621" providerId="ADAL" clId="{6CD83B71-C243-244B-B302-DE2E82069201}"/>
-  </pc:docChgLst>
-  <pc:docChgLst>
-    <pc:chgData name="Long B Nguyen" userId="f59fb8f3-a021-417a-8bc1-65c8d471c621" providerId="ADAL" clId="{B5860C40-AA08-4447-A918-2D2782E0FC0B}"/>
-    <pc:docChg chg="delSld modSld">
-      <pc:chgData name="Long B Nguyen" userId="f59fb8f3-a021-417a-8bc1-65c8d471c621" providerId="ADAL" clId="{B5860C40-AA08-4447-A918-2D2782E0FC0B}" dt="2019-09-16T13:59:20.091" v="35" actId="2696"/>
-      <pc:docMkLst>
-        <pc:docMk/>
-      </pc:docMkLst>
-      <pc:sldChg chg="modSp">
-        <pc:chgData name="Long B Nguyen" userId="f59fb8f3-a021-417a-8bc1-65c8d471c621" providerId="ADAL" clId="{B5860C40-AA08-4447-A918-2D2782E0FC0B}" dt="2019-09-16T13:58:36.640" v="18" actId="20577"/>
-        <pc:sldMkLst>
-          <pc:docMk/>
-          <pc:sldMk cId="4247104139" sldId="256"/>
-        </pc:sldMkLst>
-        <pc:spChg chg="mod">
-          <ac:chgData name="Long B Nguyen" userId="f59fb8f3-a021-417a-8bc1-65c8d471c621" providerId="ADAL" clId="{B5860C40-AA08-4447-A918-2D2782E0FC0B}" dt="2019-09-16T13:58:36.640" v="18" actId="20577"/>
-          <ac:spMkLst>
-            <pc:docMk/>
-            <pc:sldMk cId="4247104139" sldId="256"/>
-            <ac:spMk id="3" creationId="{1BDC47C8-6776-7B44-9CD4-95FC91452D62}"/>
-          </ac:spMkLst>
-        </pc:spChg>
-      </pc:sldChg>
-    </pc:docChg>
-  </pc:docChgLst>
-  <pc:docChgLst>
-    <pc:chgData name="Long B Nguyen" userId="f59fb8f3-a021-417a-8bc1-65c8d471c621" providerId="ADAL" clId="{E5BF62A1-4F8A-BC49-8FD7-ABEA3D28ED25}"/>
-  </pc:docChgLst>
-  <pc:docChgLst>
-    <pc:chgData name="Long B Nguyen" userId="f59fb8f3-a021-417a-8bc1-65c8d471c621" providerId="ADAL" clId="{359527BD-9D28-FA41-9B76-D4C412CACD55}"/>
   </pc:docChgLst>
 </pc:chgInfo>
 </file>
@@ -1064,7 +1232,7 @@
           <a:p>
             <a:fld id="{4AAD347D-5ACD-4C99-B74B-A9C85AD731AF}" type="datetimeFigureOut">
               <a:rPr lang="en-US" smtClean="0"/>
-              <a:t>1/6/20</a:t>
+              <a:t>10/30/20</a:t>
             </a:fld>
             <a:endParaRPr lang="en-US" dirty="0"/>
           </a:p>
@@ -1234,7 +1402,7 @@
           <a:p>
             <a:fld id="{4509A250-FF31-4206-8172-F9D3106AACB1}" type="datetimeFigureOut">
               <a:rPr lang="en-US" smtClean="0"/>
-              <a:t>1/6/20</a:t>
+              <a:t>10/30/20</a:t>
             </a:fld>
             <a:endParaRPr lang="en-US" dirty="0"/>
           </a:p>
@@ -1414,7 +1582,7 @@
           <a:p>
             <a:fld id="{4509A250-FF31-4206-8172-F9D3106AACB1}" type="datetimeFigureOut">
               <a:rPr lang="en-US" smtClean="0"/>
-              <a:t>1/6/20</a:t>
+              <a:t>10/30/20</a:t>
             </a:fld>
             <a:endParaRPr lang="en-US" dirty="0"/>
           </a:p>
@@ -1584,7 +1752,7 @@
           <a:p>
             <a:fld id="{4509A250-FF31-4206-8172-F9D3106AACB1}" type="datetimeFigureOut">
               <a:rPr lang="en-US" smtClean="0"/>
-              <a:t>1/6/20</a:t>
+              <a:t>10/30/20</a:t>
             </a:fld>
             <a:endParaRPr lang="en-US" dirty="0"/>
           </a:p>
@@ -1830,7 +1998,7 @@
           <a:p>
             <a:fld id="{9796027F-7875-4030-9381-8BD8C4F21935}" type="datetimeFigureOut">
               <a:rPr lang="en-US" smtClean="0"/>
-              <a:t>1/6/20</a:t>
+              <a:t>10/30/20</a:t>
             </a:fld>
             <a:endParaRPr lang="en-US" dirty="0"/>
           </a:p>
@@ -2062,7 +2230,7 @@
           <a:p>
             <a:fld id="{9796027F-7875-4030-9381-8BD8C4F21935}" type="datetimeFigureOut">
               <a:rPr lang="en-US" smtClean="0"/>
-              <a:t>1/6/20</a:t>
+              <a:t>10/30/20</a:t>
             </a:fld>
             <a:endParaRPr lang="en-US" dirty="0"/>
           </a:p>
@@ -2429,7 +2597,7 @@
           <a:p>
             <a:fld id="{9796027F-7875-4030-9381-8BD8C4F21935}" type="datetimeFigureOut">
               <a:rPr lang="en-US" smtClean="0"/>
-              <a:t>1/6/20</a:t>
+              <a:t>10/30/20</a:t>
             </a:fld>
             <a:endParaRPr lang="en-US" dirty="0"/>
           </a:p>
@@ -2547,7 +2715,7 @@
           <a:p>
             <a:fld id="{4509A250-FF31-4206-8172-F9D3106AACB1}" type="datetimeFigureOut">
               <a:rPr lang="en-US" smtClean="0"/>
-              <a:t>1/6/20</a:t>
+              <a:t>10/30/20</a:t>
             </a:fld>
             <a:endParaRPr lang="en-US" dirty="0"/>
           </a:p>
@@ -2642,7 +2810,7 @@
           <a:p>
             <a:fld id="{4509A250-FF31-4206-8172-F9D3106AACB1}" type="datetimeFigureOut">
               <a:rPr lang="en-US" smtClean="0"/>
-              <a:t>1/6/20</a:t>
+              <a:t>10/30/20</a:t>
             </a:fld>
             <a:endParaRPr lang="en-US" dirty="0"/>
           </a:p>
@@ -2919,7 +3087,7 @@
           <a:p>
             <a:fld id="{4509A250-FF31-4206-8172-F9D3106AACB1}" type="datetimeFigureOut">
               <a:rPr lang="en-US" smtClean="0"/>
-              <a:t>1/6/20</a:t>
+              <a:t>10/30/20</a:t>
             </a:fld>
             <a:endParaRPr lang="en-US" dirty="0"/>
           </a:p>
@@ -3176,7 +3344,7 @@
           <a:p>
             <a:fld id="{4509A250-FF31-4206-8172-F9D3106AACB1}" type="datetimeFigureOut">
               <a:rPr lang="en-US" smtClean="0"/>
-              <a:t>1/6/20</a:t>
+              <a:t>10/30/20</a:t>
             </a:fld>
             <a:endParaRPr lang="en-US" dirty="0"/>
           </a:p>
@@ -3389,7 +3557,7 @@
           <a:p>
             <a:fld id="{4AAD347D-5ACD-4C99-B74B-A9C85AD731AF}" type="datetimeFigureOut">
               <a:rPr lang="en-US" smtClean="0"/>
-              <a:t>1/6/20</a:t>
+              <a:t>10/30/20</a:t>
             </a:fld>
             <a:endParaRPr lang="en-US" dirty="0"/>
           </a:p>
@@ -4600,6 +4768,335 @@
           <a:p>
             <a:r>
               <a:rPr lang="en-US" dirty="0"/>
+              <a:t>Summing and Counting</a:t>
+            </a:r>
+          </a:p>
+        </p:txBody>
+      </p:sp>
+      <p:sp>
+        <p:nvSpPr>
+          <p:cNvPr id="9" name="Content Placeholder 8">
+            <a:extLst>
+              <a:ext uri="{FF2B5EF4-FFF2-40B4-BE49-F238E27FC236}">
+                <a16:creationId xmlns:a16="http://schemas.microsoft.com/office/drawing/2014/main" id="{E3B2E017-30B2-884B-A113-B419A2ED51AD}"/>
+              </a:ext>
+            </a:extLst>
+          </p:cNvPr>
+          <p:cNvSpPr>
+            <a:spLocks noGrp="1"/>
+          </p:cNvSpPr>
+          <p:nvPr>
+            <p:ph idx="1"/>
+          </p:nvPr>
+        </p:nvSpPr>
+        <p:spPr>
+          <a:xfrm>
+            <a:off x="483848" y="1288073"/>
+            <a:ext cx="8051725" cy="4292919"/>
+          </a:xfrm>
+        </p:spPr>
+        <p:txBody>
+          <a:bodyPr>
+            <a:normAutofit/>
+          </a:bodyPr>
+          <a:lstStyle/>
+          <a:p>
+            <a:pPr marL="0" indent="0">
+              <a:buNone/>
+            </a:pPr>
+            <a:endParaRPr lang="en-US" dirty="0">
+              <a:latin typeface="Gill Sans MT" panose="020B0502020104020203" pitchFamily="34" charset="77"/>
+            </a:endParaRPr>
+          </a:p>
+          <a:p>
+            <a:pPr marL="0" indent="0">
+              <a:buNone/>
+            </a:pPr>
+            <a:r>
+              <a:rPr lang="en-US" dirty="0">
+                <a:latin typeface="Gill Sans MT" panose="020B0502020104020203" pitchFamily="34" charset="77"/>
+              </a:rPr>
+              <a:t>There are two common tasks that uses for loops. </a:t>
+            </a:r>
+          </a:p>
+          <a:p>
+            <a:pPr marL="0" indent="0">
+              <a:buNone/>
+            </a:pPr>
+            <a:endParaRPr lang="en-US" dirty="0">
+              <a:latin typeface="Gill Sans MT" panose="020B0502020104020203" pitchFamily="34" charset="77"/>
+            </a:endParaRPr>
+          </a:p>
+          <a:p>
+            <a:pPr marL="0" indent="0">
+              <a:buNone/>
+            </a:pPr>
+            <a:r>
+              <a:rPr lang="en-US" dirty="0">
+                <a:latin typeface="Gill Sans MT" panose="020B0502020104020203" pitchFamily="34" charset="77"/>
+              </a:rPr>
+              <a:t>1) Summing</a:t>
+            </a:r>
+          </a:p>
+          <a:p>
+            <a:pPr marL="0" indent="0">
+              <a:buNone/>
+            </a:pPr>
+            <a:r>
+              <a:rPr lang="en-US" dirty="0">
+                <a:latin typeface="Gill Sans MT" panose="020B0502020104020203" pitchFamily="34" charset="77"/>
+              </a:rPr>
+              <a:t>2) Counting</a:t>
+            </a:r>
+          </a:p>
+          <a:p>
+            <a:pPr marL="0" indent="0">
+              <a:buNone/>
+            </a:pPr>
+            <a:endParaRPr lang="en-US" sz="2100" dirty="0">
+              <a:solidFill>
+                <a:srgbClr val="000087"/>
+              </a:solidFill>
+              <a:latin typeface="Gill Sans MT" panose="020B0502020104020203" pitchFamily="34" charset="77"/>
+            </a:endParaRPr>
+          </a:p>
+        </p:txBody>
+      </p:sp>
+    </p:spTree>
+    <p:extLst>
+      <p:ext uri="{BB962C8B-B14F-4D97-AF65-F5344CB8AC3E}">
+        <p14:creationId xmlns:p14="http://schemas.microsoft.com/office/powerpoint/2010/main" val="1600871836"/>
+      </p:ext>
+    </p:extLst>
+  </p:cSld>
+  <p:clrMapOvr>
+    <a:masterClrMapping/>
+  </p:clrMapOvr>
+  <p:timing>
+    <p:tnLst>
+      <p:par>
+        <p:cTn id="1" dur="indefinite" restart="never" nodeType="tmRoot">
+          <p:childTnLst>
+            <p:seq concurrent="1" nextAc="seek">
+              <p:cTn id="2" dur="indefinite" nodeType="mainSeq">
+                <p:childTnLst>
+                  <p:par>
+                    <p:cTn id="3" fill="hold">
+                      <p:stCondLst>
+                        <p:cond delay="indefinite"/>
+                      </p:stCondLst>
+                      <p:childTnLst>
+                        <p:par>
+                          <p:cTn id="4" fill="hold">
+                            <p:stCondLst>
+                              <p:cond delay="0"/>
+                            </p:stCondLst>
+                            <p:childTnLst>
+                              <p:par>
+                                <p:cTn id="5" presetID="1" presetClass="entr" presetSubtype="0" fill="hold" nodeType="clickEffect">
+                                  <p:stCondLst>
+                                    <p:cond delay="0"/>
+                                  </p:stCondLst>
+                                  <p:childTnLst>
+                                    <p:set>
+                                      <p:cBhvr>
+                                        <p:cTn id="6" dur="1" fill="hold">
+                                          <p:stCondLst>
+                                            <p:cond delay="0"/>
+                                          </p:stCondLst>
+                                        </p:cTn>
+                                        <p:tgtEl>
+                                          <p:spTgt spid="9">
+                                            <p:txEl>
+                                              <p:pRg st="1" end="1"/>
+                                            </p:txEl>
+                                          </p:spTgt>
+                                        </p:tgtEl>
+                                        <p:attrNameLst>
+                                          <p:attrName>style.visibility</p:attrName>
+                                        </p:attrNameLst>
+                                      </p:cBhvr>
+                                      <p:to>
+                                        <p:strVal val="visible"/>
+                                      </p:to>
+                                    </p:set>
+                                  </p:childTnLst>
+                                </p:cTn>
+                              </p:par>
+                            </p:childTnLst>
+                          </p:cTn>
+                        </p:par>
+                      </p:childTnLst>
+                    </p:cTn>
+                  </p:par>
+                  <p:par>
+                    <p:cTn id="7" fill="hold">
+                      <p:stCondLst>
+                        <p:cond delay="indefinite"/>
+                      </p:stCondLst>
+                      <p:childTnLst>
+                        <p:par>
+                          <p:cTn id="8" fill="hold">
+                            <p:stCondLst>
+                              <p:cond delay="0"/>
+                            </p:stCondLst>
+                            <p:childTnLst>
+                              <p:par>
+                                <p:cTn id="9" presetID="1" presetClass="entr" presetSubtype="0" fill="hold" nodeType="clickEffect">
+                                  <p:stCondLst>
+                                    <p:cond delay="0"/>
+                                  </p:stCondLst>
+                                  <p:childTnLst>
+                                    <p:set>
+                                      <p:cBhvr>
+                                        <p:cTn id="10" dur="1" fill="hold">
+                                          <p:stCondLst>
+                                            <p:cond delay="0"/>
+                                          </p:stCondLst>
+                                        </p:cTn>
+                                        <p:tgtEl>
+                                          <p:spTgt spid="9">
+                                            <p:txEl>
+                                              <p:pRg st="3" end="3"/>
+                                            </p:txEl>
+                                          </p:spTgt>
+                                        </p:tgtEl>
+                                        <p:attrNameLst>
+                                          <p:attrName>style.visibility</p:attrName>
+                                        </p:attrNameLst>
+                                      </p:cBhvr>
+                                      <p:to>
+                                        <p:strVal val="visible"/>
+                                      </p:to>
+                                    </p:set>
+                                  </p:childTnLst>
+                                </p:cTn>
+                              </p:par>
+                            </p:childTnLst>
+                          </p:cTn>
+                        </p:par>
+                      </p:childTnLst>
+                    </p:cTn>
+                  </p:par>
+                  <p:par>
+                    <p:cTn id="11" fill="hold">
+                      <p:stCondLst>
+                        <p:cond delay="indefinite"/>
+                      </p:stCondLst>
+                      <p:childTnLst>
+                        <p:par>
+                          <p:cTn id="12" fill="hold">
+                            <p:stCondLst>
+                              <p:cond delay="0"/>
+                            </p:stCondLst>
+                            <p:childTnLst>
+                              <p:par>
+                                <p:cTn id="13" presetID="1" presetClass="entr" presetSubtype="0" fill="hold" nodeType="clickEffect">
+                                  <p:stCondLst>
+                                    <p:cond delay="0"/>
+                                  </p:stCondLst>
+                                  <p:childTnLst>
+                                    <p:set>
+                                      <p:cBhvr>
+                                        <p:cTn id="14" dur="1" fill="hold">
+                                          <p:stCondLst>
+                                            <p:cond delay="0"/>
+                                          </p:stCondLst>
+                                        </p:cTn>
+                                        <p:tgtEl>
+                                          <p:spTgt spid="9">
+                                            <p:txEl>
+                                              <p:pRg st="4" end="4"/>
+                                            </p:txEl>
+                                          </p:spTgt>
+                                        </p:tgtEl>
+                                        <p:attrNameLst>
+                                          <p:attrName>style.visibility</p:attrName>
+                                        </p:attrNameLst>
+                                      </p:cBhvr>
+                                      <p:to>
+                                        <p:strVal val="visible"/>
+                                      </p:to>
+                                    </p:set>
+                                  </p:childTnLst>
+                                </p:cTn>
+                              </p:par>
+                            </p:childTnLst>
+                          </p:cTn>
+                        </p:par>
+                      </p:childTnLst>
+                    </p:cTn>
+                  </p:par>
+                </p:childTnLst>
+              </p:cTn>
+              <p:prevCondLst>
+                <p:cond evt="onPrev" delay="0">
+                  <p:tgtEl>
+                    <p:sldTgt/>
+                  </p:tgtEl>
+                </p:cond>
+              </p:prevCondLst>
+              <p:nextCondLst>
+                <p:cond evt="onNext" delay="0">
+                  <p:tgtEl>
+                    <p:sldTgt/>
+                  </p:tgtEl>
+                </p:cond>
+              </p:nextCondLst>
+            </p:seq>
+          </p:childTnLst>
+        </p:cTn>
+      </p:par>
+    </p:tnLst>
+  </p:timing>
+</p:sld>
+</file>
+
+<file path=ppt/slides/slide12.xml><?xml version="1.0" encoding="utf-8"?>
+<p:sld xmlns:a="http://schemas.openxmlformats.org/drawingml/2006/main" xmlns:r="http://schemas.openxmlformats.org/officeDocument/2006/relationships" xmlns:p="http://schemas.openxmlformats.org/presentationml/2006/main">
+  <p:cSld>
+    <p:spTree>
+      <p:nvGrpSpPr>
+        <p:cNvPr id="1" name=""/>
+        <p:cNvGrpSpPr/>
+        <p:nvPr/>
+      </p:nvGrpSpPr>
+      <p:grpSpPr>
+        <a:xfrm>
+          <a:off x="0" y="0"/>
+          <a:ext cx="0" cy="0"/>
+          <a:chOff x="0" y="0"/>
+          <a:chExt cx="0" cy="0"/>
+        </a:xfrm>
+      </p:grpSpPr>
+      <p:sp>
+        <p:nvSpPr>
+          <p:cNvPr id="2" name="Title 1">
+            <a:extLst>
+              <a:ext uri="{FF2B5EF4-FFF2-40B4-BE49-F238E27FC236}">
+                <a16:creationId xmlns:a16="http://schemas.microsoft.com/office/drawing/2014/main" id="{AA3A228F-61D0-D949-A5E7-F83756230BF8}"/>
+              </a:ext>
+            </a:extLst>
+          </p:cNvPr>
+          <p:cNvSpPr>
+            <a:spLocks noGrp="1"/>
+          </p:cNvSpPr>
+          <p:nvPr>
+            <p:ph type="title"/>
+          </p:nvPr>
+        </p:nvSpPr>
+        <p:spPr>
+          <a:xfrm>
+            <a:off x="483848" y="467027"/>
+            <a:ext cx="7053542" cy="683886"/>
+          </a:xfrm>
+        </p:spPr>
+        <p:txBody>
+          <a:bodyPr/>
+          <a:lstStyle/>
+          <a:p>
+            <a:r>
+              <a:rPr lang="en-US" dirty="0"/>
               <a:t>Summing Values</a:t>
             </a:r>
           </a:p>
@@ -4938,7 +5435,739 @@
 </p:sld>
 </file>
 
-<file path=ppt/slides/slide12.xml><?xml version="1.0" encoding="utf-8"?>
+<file path=ppt/slides/slide13.xml><?xml version="1.0" encoding="utf-8"?>
+<p:sld xmlns:a="http://schemas.openxmlformats.org/drawingml/2006/main" xmlns:r="http://schemas.openxmlformats.org/officeDocument/2006/relationships" xmlns:p="http://schemas.openxmlformats.org/presentationml/2006/main">
+  <p:cSld>
+    <p:spTree>
+      <p:nvGrpSpPr>
+        <p:cNvPr id="1" name=""/>
+        <p:cNvGrpSpPr/>
+        <p:nvPr/>
+      </p:nvGrpSpPr>
+      <p:grpSpPr>
+        <a:xfrm>
+          <a:off x="0" y="0"/>
+          <a:ext cx="0" cy="0"/>
+          <a:chOff x="0" y="0"/>
+          <a:chExt cx="0" cy="0"/>
+        </a:xfrm>
+      </p:grpSpPr>
+      <p:sp>
+        <p:nvSpPr>
+          <p:cNvPr id="2" name="Title 1">
+            <a:extLst>
+              <a:ext uri="{FF2B5EF4-FFF2-40B4-BE49-F238E27FC236}">
+                <a16:creationId xmlns:a16="http://schemas.microsoft.com/office/drawing/2014/main" id="{AA3A228F-61D0-D949-A5E7-F83756230BF8}"/>
+              </a:ext>
+            </a:extLst>
+          </p:cNvPr>
+          <p:cNvSpPr>
+            <a:spLocks noGrp="1"/>
+          </p:cNvSpPr>
+          <p:nvPr>
+            <p:ph type="title"/>
+          </p:nvPr>
+        </p:nvSpPr>
+        <p:spPr>
+          <a:xfrm>
+            <a:off x="269840" y="233563"/>
+            <a:ext cx="7053542" cy="683886"/>
+          </a:xfrm>
+        </p:spPr>
+        <p:txBody>
+          <a:bodyPr/>
+          <a:lstStyle/>
+          <a:p>
+            <a:r>
+              <a:rPr lang="en-US" dirty="0"/>
+              <a:t>Writing a function to sum</a:t>
+            </a:r>
+          </a:p>
+        </p:txBody>
+      </p:sp>
+      <p:sp>
+        <p:nvSpPr>
+          <p:cNvPr id="9" name="Content Placeholder 8">
+            <a:extLst>
+              <a:ext uri="{FF2B5EF4-FFF2-40B4-BE49-F238E27FC236}">
+                <a16:creationId xmlns:a16="http://schemas.microsoft.com/office/drawing/2014/main" id="{E3B2E017-30B2-884B-A113-B419A2ED51AD}"/>
+              </a:ext>
+            </a:extLst>
+          </p:cNvPr>
+          <p:cNvSpPr>
+            <a:spLocks noGrp="1"/>
+          </p:cNvSpPr>
+          <p:nvPr>
+            <p:ph idx="1"/>
+          </p:nvPr>
+        </p:nvSpPr>
+        <p:spPr>
+          <a:xfrm>
+            <a:off x="165370" y="917449"/>
+            <a:ext cx="8813260" cy="4797551"/>
+          </a:xfrm>
+        </p:spPr>
+        <p:txBody>
+          <a:bodyPr>
+            <a:normAutofit/>
+          </a:bodyPr>
+          <a:lstStyle/>
+          <a:p>
+            <a:pPr marL="0" indent="0">
+              <a:buNone/>
+            </a:pPr>
+            <a:r>
+              <a:rPr lang="en-US" dirty="0">
+                <a:latin typeface="Gill Sans MT" panose="020B0502020104020203" pitchFamily="34" charset="77"/>
+              </a:rPr>
+              <a:t>Now write a function that accepts a non-negative integer input n and returns the sum of integers from 1 to n(including). </a:t>
+            </a:r>
+          </a:p>
+          <a:p>
+            <a:pPr marL="0" indent="0">
+              <a:buNone/>
+            </a:pPr>
+            <a:endParaRPr lang="en-US" dirty="0">
+              <a:latin typeface="Gill Sans MT" panose="020B0502020104020203" pitchFamily="34" charset="77"/>
+            </a:endParaRPr>
+          </a:p>
+          <a:p>
+            <a:pPr marL="0" indent="0">
+              <a:buNone/>
+            </a:pPr>
+            <a:endParaRPr lang="en-US" dirty="0">
+              <a:latin typeface="Gill Sans MT" panose="020B0502020104020203" pitchFamily="34" charset="77"/>
+            </a:endParaRPr>
+          </a:p>
+          <a:p>
+            <a:pPr marL="0" indent="0">
+              <a:buNone/>
+            </a:pPr>
+            <a:r>
+              <a:rPr lang="en-US" b="1" dirty="0">
+                <a:solidFill>
+                  <a:srgbClr val="000087"/>
+                </a:solidFill>
+                <a:latin typeface="Inconsolata Medium" panose="020B0609030003000000" pitchFamily="49" charset="77"/>
+              </a:rPr>
+              <a:t>In </a:t>
+            </a:r>
+            <a:r>
+              <a:rPr lang="en-US" b="1" dirty="0">
+                <a:latin typeface="Inconsolata Medium" panose="020B0609030003000000" pitchFamily="49" charset="77"/>
+              </a:rPr>
+              <a:t>[</a:t>
+            </a:r>
+            <a:r>
+              <a:rPr lang="en-US" b="1" dirty="0">
+                <a:solidFill>
+                  <a:srgbClr val="FF6600"/>
+                </a:solidFill>
+                <a:latin typeface="Inconsolata Medium" panose="020B0609030003000000" pitchFamily="49" charset="77"/>
+              </a:rPr>
+              <a:t>1</a:t>
+            </a:r>
+            <a:r>
+              <a:rPr lang="en-US" b="1" dirty="0">
+                <a:latin typeface="Inconsolata Medium" panose="020B0609030003000000" pitchFamily="49" charset="77"/>
+              </a:rPr>
+              <a:t>]:  	</a:t>
+            </a:r>
+            <a:r>
+              <a:rPr lang="en-US" b="1" dirty="0">
+                <a:solidFill>
+                  <a:srgbClr val="34A327"/>
+                </a:solidFill>
+                <a:latin typeface="Inconsolata Medium" panose="020B0609030003000000" pitchFamily="49" charset="77"/>
+              </a:rPr>
+              <a:t>def</a:t>
+            </a:r>
+            <a:r>
+              <a:rPr lang="en-US" b="1" dirty="0">
+                <a:solidFill>
+                  <a:srgbClr val="000000"/>
+                </a:solidFill>
+                <a:latin typeface="Inconsolata Medium" panose="020B0609030003000000" pitchFamily="49" charset="77"/>
+              </a:rPr>
+              <a:t> </a:t>
+            </a:r>
+            <a:r>
+              <a:rPr lang="en-US" b="1" dirty="0">
+                <a:solidFill>
+                  <a:srgbClr val="3C9FF2"/>
+                </a:solidFill>
+                <a:latin typeface="Inconsolata Medium" panose="020B0609030003000000" pitchFamily="49" charset="77"/>
+              </a:rPr>
+              <a:t>sum</a:t>
+            </a:r>
+            <a:r>
+              <a:rPr lang="en-US" b="1" dirty="0">
+                <a:solidFill>
+                  <a:srgbClr val="000000"/>
+                </a:solidFill>
+                <a:latin typeface="Inconsolata Medium" panose="020B0609030003000000" pitchFamily="49" charset="77"/>
+              </a:rPr>
+              <a:t>(n): </a:t>
+            </a:r>
+            <a:endParaRPr lang="en-US" b="1" dirty="0">
+              <a:solidFill>
+                <a:srgbClr val="34A327"/>
+              </a:solidFill>
+              <a:latin typeface="Inconsolata Medium" panose="020B0609030003000000" pitchFamily="49" charset="77"/>
+            </a:endParaRPr>
+          </a:p>
+          <a:p>
+            <a:pPr marL="0" indent="0">
+              <a:buNone/>
+            </a:pPr>
+            <a:r>
+              <a:rPr lang="en-US" sz="2100" b="1" dirty="0">
+                <a:solidFill>
+                  <a:srgbClr val="34A327"/>
+                </a:solidFill>
+                <a:latin typeface="Inconsolata Medium" panose="020B0609030003000000" pitchFamily="49" charset="77"/>
+              </a:rPr>
+              <a:t>			</a:t>
+            </a:r>
+            <a:r>
+              <a:rPr lang="en-US" b="1" dirty="0">
+                <a:solidFill>
+                  <a:srgbClr val="006699"/>
+                </a:solidFill>
+                <a:latin typeface="Inconsolata Medium" panose="020B0609030003000000" pitchFamily="49" charset="77"/>
+              </a:rPr>
+              <a:t>sum = 0</a:t>
+            </a:r>
+            <a:endParaRPr lang="en-US" b="1" dirty="0">
+              <a:latin typeface="Inconsolata Medium" panose="020B0609030003000000" pitchFamily="49" charset="77"/>
+            </a:endParaRPr>
+          </a:p>
+          <a:p>
+            <a:pPr marL="0" indent="0">
+              <a:buNone/>
+            </a:pPr>
+            <a:r>
+              <a:rPr lang="en-US" b="1" dirty="0">
+                <a:solidFill>
+                  <a:srgbClr val="006699"/>
+                </a:solidFill>
+                <a:latin typeface="Inconsolata Medium" panose="020B0609030003000000" pitchFamily="49" charset="77"/>
+              </a:rPr>
+              <a:t>			for </a:t>
+            </a:r>
+            <a:r>
+              <a:rPr lang="en-US" b="1" dirty="0" err="1">
+                <a:solidFill>
+                  <a:srgbClr val="000087"/>
+                </a:solidFill>
+                <a:latin typeface="Inconsolata Medium" panose="020B0609030003000000" pitchFamily="49" charset="77"/>
+              </a:rPr>
+              <a:t>i</a:t>
+            </a:r>
+            <a:r>
+              <a:rPr lang="en-US" b="1" dirty="0">
+                <a:solidFill>
+                  <a:srgbClr val="000087"/>
+                </a:solidFill>
+                <a:latin typeface="Inconsolata Medium" panose="020B0609030003000000" pitchFamily="49" charset="77"/>
+              </a:rPr>
+              <a:t> </a:t>
+            </a:r>
+            <a:r>
+              <a:rPr lang="en-US" b="1" dirty="0">
+                <a:latin typeface="Inconsolata Medium" panose="020B0609030003000000" pitchFamily="49" charset="77"/>
+              </a:rPr>
+              <a:t>in </a:t>
+            </a:r>
+            <a:r>
+              <a:rPr lang="en-US" b="1" dirty="0">
+                <a:solidFill>
+                  <a:srgbClr val="336666"/>
+                </a:solidFill>
+                <a:latin typeface="Inconsolata Medium" panose="020B0609030003000000" pitchFamily="49" charset="77"/>
+              </a:rPr>
+              <a:t>range</a:t>
+            </a:r>
+            <a:r>
+              <a:rPr lang="en-US" b="1" dirty="0">
+                <a:latin typeface="Inconsolata Medium" panose="020B0609030003000000" pitchFamily="49" charset="77"/>
+              </a:rPr>
+              <a:t>(1, </a:t>
+            </a:r>
+            <a:r>
+              <a:rPr lang="en-US" b="1" dirty="0">
+                <a:solidFill>
+                  <a:srgbClr val="FF6600"/>
+                </a:solidFill>
+                <a:latin typeface="Inconsolata Medium" panose="020B0609030003000000" pitchFamily="49" charset="77"/>
+              </a:rPr>
+              <a:t>n+1</a:t>
+            </a:r>
+            <a:r>
+              <a:rPr lang="en-US" b="1" dirty="0">
+                <a:latin typeface="Inconsolata Medium" panose="020B0609030003000000" pitchFamily="49" charset="77"/>
+              </a:rPr>
+              <a:t>):</a:t>
+            </a:r>
+            <a:br>
+              <a:rPr lang="en-US" b="1" dirty="0">
+                <a:latin typeface="Inconsolata Medium" panose="020B0609030003000000" pitchFamily="49" charset="77"/>
+              </a:rPr>
+            </a:br>
+            <a:r>
+              <a:rPr lang="en-US" b="1" dirty="0">
+                <a:solidFill>
+                  <a:srgbClr val="006699"/>
+                </a:solidFill>
+                <a:latin typeface="Inconsolata Medium" panose="020B0609030003000000" pitchFamily="49" charset="77"/>
+              </a:rPr>
+              <a:t>		    		sum += </a:t>
+            </a:r>
+            <a:r>
+              <a:rPr lang="en-US" b="1" dirty="0" err="1">
+                <a:solidFill>
+                  <a:srgbClr val="006699"/>
+                </a:solidFill>
+                <a:latin typeface="Inconsolata Medium" panose="020B0609030003000000" pitchFamily="49" charset="77"/>
+              </a:rPr>
+              <a:t>i</a:t>
+            </a:r>
+            <a:endParaRPr lang="en-US" b="1" dirty="0">
+              <a:solidFill>
+                <a:srgbClr val="006699"/>
+              </a:solidFill>
+              <a:latin typeface="Inconsolata Medium" panose="020B0609030003000000" pitchFamily="49" charset="77"/>
+            </a:endParaRPr>
+          </a:p>
+          <a:p>
+            <a:pPr marL="0" indent="0">
+              <a:buNone/>
+            </a:pPr>
+            <a:r>
+              <a:rPr lang="en-US" b="1" dirty="0">
+                <a:solidFill>
+                  <a:srgbClr val="006699"/>
+                </a:solidFill>
+                <a:latin typeface="Inconsolata Medium" panose="020B0609030003000000" pitchFamily="49" charset="77"/>
+              </a:rPr>
+              <a:t>			</a:t>
+            </a:r>
+            <a:r>
+              <a:rPr lang="en-US" b="1" dirty="0">
+                <a:latin typeface="Inconsolata Medium" panose="020B0609030003000000" pitchFamily="49" charset="77"/>
+              </a:rPr>
+              <a:t>return sum</a:t>
+            </a:r>
+          </a:p>
+          <a:p>
+            <a:pPr marL="0" indent="0">
+              <a:buNone/>
+            </a:pPr>
+            <a:endParaRPr lang="en-US" b="1" dirty="0">
+              <a:latin typeface="Inconsolata Medium" panose="020B0609030003000000" pitchFamily="49" charset="77"/>
+            </a:endParaRPr>
+          </a:p>
+          <a:p>
+            <a:pPr marL="0" indent="0">
+              <a:buNone/>
+            </a:pPr>
+            <a:r>
+              <a:rPr lang="en-US" b="1" dirty="0">
+                <a:solidFill>
+                  <a:srgbClr val="000087"/>
+                </a:solidFill>
+                <a:latin typeface="Inconsolata Medium" panose="020B0609030003000000" pitchFamily="49" charset="77"/>
+              </a:rPr>
+              <a:t>In </a:t>
+            </a:r>
+            <a:r>
+              <a:rPr lang="en-US" b="1" dirty="0">
+                <a:latin typeface="Inconsolata Medium" panose="020B0609030003000000" pitchFamily="49" charset="77"/>
+              </a:rPr>
+              <a:t>[</a:t>
+            </a:r>
+            <a:r>
+              <a:rPr lang="en-US" b="1" dirty="0">
+                <a:solidFill>
+                  <a:srgbClr val="FF6600"/>
+                </a:solidFill>
+                <a:latin typeface="Inconsolata Medium" panose="020B0609030003000000" pitchFamily="49" charset="77"/>
+              </a:rPr>
+              <a:t>2</a:t>
+            </a:r>
+            <a:r>
+              <a:rPr lang="en-US" b="1" dirty="0">
+                <a:latin typeface="Inconsolata Medium" panose="020B0609030003000000" pitchFamily="49" charset="77"/>
+              </a:rPr>
+              <a:t>]: print(sum(5))   # 1+2+3+4+5=15</a:t>
+            </a:r>
+          </a:p>
+          <a:p>
+            <a:pPr marL="0" indent="0">
+              <a:buNone/>
+            </a:pPr>
+            <a:r>
+              <a:rPr lang="en-US" b="1" dirty="0">
+                <a:latin typeface="Inconsolata Medium" panose="020B0609030003000000" pitchFamily="49" charset="77"/>
+              </a:rPr>
+              <a:t>15 </a:t>
+            </a:r>
+            <a:r>
+              <a:rPr lang="en-US" b="1" dirty="0">
+                <a:solidFill>
+                  <a:srgbClr val="006699"/>
+                </a:solidFill>
+                <a:latin typeface="Inconsolata Medium" panose="020B0609030003000000" pitchFamily="49" charset="77"/>
+              </a:rPr>
+              <a:t>		</a:t>
+            </a:r>
+            <a:endParaRPr lang="en-US" sz="2100" dirty="0">
+              <a:solidFill>
+                <a:srgbClr val="000087"/>
+              </a:solidFill>
+              <a:latin typeface="Gill Sans MT" panose="020B0502020104020203" pitchFamily="34" charset="77"/>
+            </a:endParaRPr>
+          </a:p>
+        </p:txBody>
+      </p:sp>
+    </p:spTree>
+    <p:extLst>
+      <p:ext uri="{BB962C8B-B14F-4D97-AF65-F5344CB8AC3E}">
+        <p14:creationId xmlns:p14="http://schemas.microsoft.com/office/powerpoint/2010/main" val="2979421659"/>
+      </p:ext>
+    </p:extLst>
+  </p:cSld>
+  <p:clrMapOvr>
+    <a:masterClrMapping/>
+  </p:clrMapOvr>
+  <p:timing>
+    <p:tnLst>
+      <p:par>
+        <p:cTn id="1" dur="indefinite" restart="never" nodeType="tmRoot">
+          <p:childTnLst>
+            <p:seq concurrent="1" nextAc="seek">
+              <p:cTn id="2" dur="indefinite" nodeType="mainSeq">
+                <p:childTnLst>
+                  <p:par>
+                    <p:cTn id="3" fill="hold">
+                      <p:stCondLst>
+                        <p:cond delay="indefinite"/>
+                      </p:stCondLst>
+                      <p:childTnLst>
+                        <p:par>
+                          <p:cTn id="4" fill="hold">
+                            <p:stCondLst>
+                              <p:cond delay="0"/>
+                            </p:stCondLst>
+                            <p:childTnLst>
+                              <p:par>
+                                <p:cTn id="5" presetID="1" presetClass="entr" presetSubtype="0" fill="hold" nodeType="clickEffect">
+                                  <p:stCondLst>
+                                    <p:cond delay="0"/>
+                                  </p:stCondLst>
+                                  <p:childTnLst>
+                                    <p:set>
+                                      <p:cBhvr>
+                                        <p:cTn id="6" dur="1" fill="hold">
+                                          <p:stCondLst>
+                                            <p:cond delay="0"/>
+                                          </p:stCondLst>
+                                        </p:cTn>
+                                        <p:tgtEl>
+                                          <p:spTgt spid="9">
+                                            <p:txEl>
+                                              <p:pRg st="3" end="3"/>
+                                            </p:txEl>
+                                          </p:spTgt>
+                                        </p:tgtEl>
+                                        <p:attrNameLst>
+                                          <p:attrName>style.visibility</p:attrName>
+                                        </p:attrNameLst>
+                                      </p:cBhvr>
+                                      <p:to>
+                                        <p:strVal val="visible"/>
+                                      </p:to>
+                                    </p:set>
+                                  </p:childTnLst>
+                                </p:cTn>
+                              </p:par>
+                            </p:childTnLst>
+                          </p:cTn>
+                        </p:par>
+                      </p:childTnLst>
+                    </p:cTn>
+                  </p:par>
+                  <p:par>
+                    <p:cTn id="7" fill="hold">
+                      <p:stCondLst>
+                        <p:cond delay="indefinite"/>
+                      </p:stCondLst>
+                      <p:childTnLst>
+                        <p:par>
+                          <p:cTn id="8" fill="hold">
+                            <p:stCondLst>
+                              <p:cond delay="0"/>
+                            </p:stCondLst>
+                            <p:childTnLst>
+                              <p:par>
+                                <p:cTn id="9" presetID="1" presetClass="entr" presetSubtype="0" fill="hold" nodeType="clickEffect">
+                                  <p:stCondLst>
+                                    <p:cond delay="0"/>
+                                  </p:stCondLst>
+                                  <p:childTnLst>
+                                    <p:set>
+                                      <p:cBhvr>
+                                        <p:cTn id="10" dur="1" fill="hold">
+                                          <p:stCondLst>
+                                            <p:cond delay="0"/>
+                                          </p:stCondLst>
+                                        </p:cTn>
+                                        <p:tgtEl>
+                                          <p:spTgt spid="9">
+                                            <p:txEl>
+                                              <p:pRg st="4" end="4"/>
+                                            </p:txEl>
+                                          </p:spTgt>
+                                        </p:tgtEl>
+                                        <p:attrNameLst>
+                                          <p:attrName>style.visibility</p:attrName>
+                                        </p:attrNameLst>
+                                      </p:cBhvr>
+                                      <p:to>
+                                        <p:strVal val="visible"/>
+                                      </p:to>
+                                    </p:set>
+                                  </p:childTnLst>
+                                </p:cTn>
+                              </p:par>
+                            </p:childTnLst>
+                          </p:cTn>
+                        </p:par>
+                      </p:childTnLst>
+                    </p:cTn>
+                  </p:par>
+                  <p:par>
+                    <p:cTn id="11" fill="hold">
+                      <p:stCondLst>
+                        <p:cond delay="indefinite"/>
+                      </p:stCondLst>
+                      <p:childTnLst>
+                        <p:par>
+                          <p:cTn id="12" fill="hold">
+                            <p:stCondLst>
+                              <p:cond delay="0"/>
+                            </p:stCondLst>
+                            <p:childTnLst>
+                              <p:par>
+                                <p:cTn id="13" presetID="1" presetClass="entr" presetSubtype="0" fill="hold" nodeType="clickEffect">
+                                  <p:stCondLst>
+                                    <p:cond delay="0"/>
+                                  </p:stCondLst>
+                                  <p:childTnLst>
+                                    <p:set>
+                                      <p:cBhvr>
+                                        <p:cTn id="14" dur="1" fill="hold">
+                                          <p:stCondLst>
+                                            <p:cond delay="0"/>
+                                          </p:stCondLst>
+                                        </p:cTn>
+                                        <p:tgtEl>
+                                          <p:spTgt spid="9">
+                                            <p:txEl>
+                                              <p:pRg st="5" end="5"/>
+                                            </p:txEl>
+                                          </p:spTgt>
+                                        </p:tgtEl>
+                                        <p:attrNameLst>
+                                          <p:attrName>style.visibility</p:attrName>
+                                        </p:attrNameLst>
+                                      </p:cBhvr>
+                                      <p:to>
+                                        <p:strVal val="visible"/>
+                                      </p:to>
+                                    </p:set>
+                                  </p:childTnLst>
+                                </p:cTn>
+                              </p:par>
+                            </p:childTnLst>
+                          </p:cTn>
+                        </p:par>
+                      </p:childTnLst>
+                    </p:cTn>
+                  </p:par>
+                  <p:par>
+                    <p:cTn id="15" fill="hold">
+                      <p:stCondLst>
+                        <p:cond delay="indefinite"/>
+                      </p:stCondLst>
+                      <p:childTnLst>
+                        <p:par>
+                          <p:cTn id="16" fill="hold">
+                            <p:stCondLst>
+                              <p:cond delay="0"/>
+                            </p:stCondLst>
+                            <p:childTnLst>
+                              <p:par>
+                                <p:cTn id="17" presetID="1" presetClass="entr" presetSubtype="0" fill="hold" nodeType="clickEffect">
+                                  <p:stCondLst>
+                                    <p:cond delay="0"/>
+                                  </p:stCondLst>
+                                  <p:childTnLst>
+                                    <p:set>
+                                      <p:cBhvr>
+                                        <p:cTn id="18" dur="1" fill="hold">
+                                          <p:stCondLst>
+                                            <p:cond delay="0"/>
+                                          </p:stCondLst>
+                                        </p:cTn>
+                                        <p:tgtEl>
+                                          <p:spTgt spid="9">
+                                            <p:txEl>
+                                              <p:pRg st="6" end="6"/>
+                                            </p:txEl>
+                                          </p:spTgt>
+                                        </p:tgtEl>
+                                        <p:attrNameLst>
+                                          <p:attrName>style.visibility</p:attrName>
+                                        </p:attrNameLst>
+                                      </p:cBhvr>
+                                      <p:to>
+                                        <p:strVal val="visible"/>
+                                      </p:to>
+                                    </p:set>
+                                  </p:childTnLst>
+                                </p:cTn>
+                              </p:par>
+                            </p:childTnLst>
+                          </p:cTn>
+                        </p:par>
+                      </p:childTnLst>
+                    </p:cTn>
+                  </p:par>
+                  <p:par>
+                    <p:cTn id="19" fill="hold">
+                      <p:stCondLst>
+                        <p:cond delay="indefinite"/>
+                      </p:stCondLst>
+                      <p:childTnLst>
+                        <p:par>
+                          <p:cTn id="20" fill="hold">
+                            <p:stCondLst>
+                              <p:cond delay="0"/>
+                            </p:stCondLst>
+                            <p:childTnLst>
+                              <p:par>
+                                <p:cTn id="21" presetID="1" presetClass="entr" presetSubtype="0" fill="hold" nodeType="clickEffect">
+                                  <p:stCondLst>
+                                    <p:cond delay="0"/>
+                                  </p:stCondLst>
+                                  <p:childTnLst>
+                                    <p:set>
+                                      <p:cBhvr>
+                                        <p:cTn id="22" dur="1" fill="hold">
+                                          <p:stCondLst>
+                                            <p:cond delay="0"/>
+                                          </p:stCondLst>
+                                        </p:cTn>
+                                        <p:tgtEl>
+                                          <p:spTgt spid="9">
+                                            <p:txEl>
+                                              <p:pRg st="8" end="8"/>
+                                            </p:txEl>
+                                          </p:spTgt>
+                                        </p:tgtEl>
+                                        <p:attrNameLst>
+                                          <p:attrName>style.visibility</p:attrName>
+                                        </p:attrNameLst>
+                                      </p:cBhvr>
+                                      <p:to>
+                                        <p:strVal val="visible"/>
+                                      </p:to>
+                                    </p:set>
+                                  </p:childTnLst>
+                                </p:cTn>
+                              </p:par>
+                            </p:childTnLst>
+                          </p:cTn>
+                        </p:par>
+                      </p:childTnLst>
+                    </p:cTn>
+                  </p:par>
+                  <p:par>
+                    <p:cTn id="23" fill="hold">
+                      <p:stCondLst>
+                        <p:cond delay="indefinite"/>
+                      </p:stCondLst>
+                      <p:childTnLst>
+                        <p:par>
+                          <p:cTn id="24" fill="hold">
+                            <p:stCondLst>
+                              <p:cond delay="0"/>
+                            </p:stCondLst>
+                            <p:childTnLst>
+                              <p:par>
+                                <p:cTn id="25" presetID="1" presetClass="entr" presetSubtype="0" fill="hold" nodeType="clickEffect">
+                                  <p:stCondLst>
+                                    <p:cond delay="0"/>
+                                  </p:stCondLst>
+                                  <p:childTnLst>
+                                    <p:set>
+                                      <p:cBhvr>
+                                        <p:cTn id="26" dur="1" fill="hold">
+                                          <p:stCondLst>
+                                            <p:cond delay="0"/>
+                                          </p:stCondLst>
+                                        </p:cTn>
+                                        <p:tgtEl>
+                                          <p:spTgt spid="9">
+                                            <p:txEl>
+                                              <p:pRg st="9" end="9"/>
+                                            </p:txEl>
+                                          </p:spTgt>
+                                        </p:tgtEl>
+                                        <p:attrNameLst>
+                                          <p:attrName>style.visibility</p:attrName>
+                                        </p:attrNameLst>
+                                      </p:cBhvr>
+                                      <p:to>
+                                        <p:strVal val="visible"/>
+                                      </p:to>
+                                    </p:set>
+                                  </p:childTnLst>
+                                </p:cTn>
+                              </p:par>
+                            </p:childTnLst>
+                          </p:cTn>
+                        </p:par>
+                      </p:childTnLst>
+                    </p:cTn>
+                  </p:par>
+                </p:childTnLst>
+              </p:cTn>
+              <p:prevCondLst>
+                <p:cond evt="onPrev" delay="0">
+                  <p:tgtEl>
+                    <p:sldTgt/>
+                  </p:tgtEl>
+                </p:cond>
+              </p:prevCondLst>
+              <p:nextCondLst>
+                <p:cond evt="onNext" delay="0">
+                  <p:tgtEl>
+                    <p:sldTgt/>
+                  </p:tgtEl>
+                </p:cond>
+              </p:nextCondLst>
+            </p:seq>
+          </p:childTnLst>
+        </p:cTn>
+      </p:par>
+    </p:tnLst>
+  </p:timing>
+</p:sld>
+</file>
+
+<file path=ppt/slides/slide14.xml><?xml version="1.0" encoding="utf-8"?>
 <p:sld xmlns:a="http://schemas.openxmlformats.org/drawingml/2006/main" xmlns:r="http://schemas.openxmlformats.org/officeDocument/2006/relationships" xmlns:p="http://schemas.openxmlformats.org/presentationml/2006/main">
   <p:cSld>
     <p:spTree>
@@ -5377,6 +6606,65 @@
               </a:solidFill>
               <a:latin typeface="Gill Sans MT" panose="020B0502020104020203" pitchFamily="34" charset="77"/>
             </a:endParaRPr>
+          </a:p>
+        </p:txBody>
+      </p:sp>
+      <p:sp>
+        <p:nvSpPr>
+          <p:cNvPr id="3" name="TextBox 2">
+            <a:extLst>
+              <a:ext uri="{FF2B5EF4-FFF2-40B4-BE49-F238E27FC236}">
+                <a16:creationId xmlns:a16="http://schemas.microsoft.com/office/drawing/2014/main" id="{DC451C8B-97F6-454D-8175-CD0C462539E3}"/>
+              </a:ext>
+            </a:extLst>
+          </p:cNvPr>
+          <p:cNvSpPr txBox="1"/>
+          <p:nvPr/>
+        </p:nvSpPr>
+        <p:spPr>
+          <a:xfrm>
+            <a:off x="5292305" y="4324643"/>
+            <a:ext cx="3851695" cy="923330"/>
+          </a:xfrm>
+          <a:prstGeom prst="rect">
+            <a:avLst/>
+          </a:prstGeom>
+          <a:noFill/>
+        </p:spPr>
+        <p:txBody>
+          <a:bodyPr wrap="none" rtlCol="0">
+            <a:spAutoFit/>
+          </a:bodyPr>
+          <a:lstStyle/>
+          <a:p>
+            <a:r>
+              <a:rPr lang="en-US" sz="1800" dirty="0">
+                <a:solidFill>
+                  <a:srgbClr val="FF0000"/>
+                </a:solidFill>
+              </a:rPr>
+              <a:t>Better to use if conditional for filtering.</a:t>
+            </a:r>
+          </a:p>
+          <a:p>
+            <a:r>
+              <a:rPr lang="en-US" sz="1800" dirty="0">
+                <a:solidFill>
+                  <a:srgbClr val="FF0000"/>
+                </a:solidFill>
+              </a:rPr>
+              <a:t>In general, using the step size above </a:t>
+            </a:r>
+          </a:p>
+          <a:p>
+            <a:r>
+              <a:rPr lang="en-US" sz="1800" dirty="0">
+                <a:solidFill>
+                  <a:srgbClr val="FF0000"/>
+                </a:solidFill>
+              </a:rPr>
+              <a:t>might not always work.</a:t>
+            </a:r>
           </a:p>
         </p:txBody>
       </p:sp>
@@ -5663,7 +6951,7 @@
 </p:sld>
 </file>
 
-<file path=ppt/slides/slide13.xml><?xml version="1.0" encoding="utf-8"?>
+<file path=ppt/slides/slide15.xml><?xml version="1.0" encoding="utf-8"?>
 <p:sld xmlns:a="http://schemas.openxmlformats.org/drawingml/2006/main" xmlns:r="http://schemas.openxmlformats.org/officeDocument/2006/relationships" xmlns:p="http://schemas.openxmlformats.org/presentationml/2006/main">
   <p:cSld>
     <p:spTree>
@@ -5835,7 +7123,7 @@
 </p:sld>
 </file>
 
-<file path=ppt/slides/slide14.xml><?xml version="1.0" encoding="utf-8"?>
+<file path=ppt/slides/slide16.xml><?xml version="1.0" encoding="utf-8"?>
 <p:sld xmlns:a="http://schemas.openxmlformats.org/drawingml/2006/main" xmlns:r="http://schemas.openxmlformats.org/officeDocument/2006/relationships" xmlns:p="http://schemas.openxmlformats.org/presentationml/2006/main">
   <p:cSld>
     <p:spTree>
@@ -5870,7 +7158,7 @@
         </p:nvSpPr>
         <p:spPr>
           <a:xfrm>
-            <a:off x="483848" y="467027"/>
+            <a:off x="150562" y="134008"/>
             <a:ext cx="7053542" cy="683886"/>
           </a:xfrm>
         </p:spPr>
@@ -5903,8 +7191,8 @@
         </p:nvSpPr>
         <p:spPr>
           <a:xfrm>
-            <a:off x="483848" y="1288073"/>
-            <a:ext cx="8051725" cy="4292919"/>
+            <a:off x="150562" y="817895"/>
+            <a:ext cx="8385011" cy="4763098"/>
           </a:xfrm>
         </p:spPr>
         <p:txBody>
@@ -6198,27 +7486,30 @@
             </a:pPr>
             <a:r>
               <a:rPr lang="en-US" sz="1800" b="1" dirty="0">
+                <a:solidFill>
+                  <a:srgbClr val="FF0000"/>
+                </a:solidFill>
                 <a:latin typeface="Inconsolata Medium" panose="020B0609030003000000" pitchFamily="49" charset="77"/>
               </a:rPr>
               <a:t>No! Why not?</a:t>
             </a:r>
             <a:br>
               <a:rPr lang="en-US" sz="1800" b="1" dirty="0">
+                <a:solidFill>
+                  <a:srgbClr val="FF0000"/>
+                </a:solidFill>
                 <a:latin typeface="Inconsolata Medium" panose="020B0609030003000000" pitchFamily="49" charset="77"/>
               </a:rPr>
             </a:br>
             <a:r>
               <a:rPr lang="en-US" sz="1800" b="1" dirty="0">
                 <a:solidFill>
-                  <a:srgbClr val="006699"/>
+                  <a:srgbClr val="FF0000"/>
                 </a:solidFill>
                 <a:latin typeface="Inconsolata Medium" panose="020B0609030003000000" pitchFamily="49" charset="77"/>
               </a:rPr>
               <a:t>       </a:t>
             </a:r>
-            <a:endParaRPr lang="en-US" sz="1800" b="1" dirty="0">
-              <a:latin typeface="Inconsolata Medium" panose="020B0609030003000000" pitchFamily="49" charset="77"/>
-            </a:endParaRPr>
           </a:p>
           <a:p>
             <a:pPr marL="0" indent="0">
@@ -6325,7 +7616,7 @@
 </p:sld>
 </file>
 
-<file path=ppt/slides/slide15.xml><?xml version="1.0" encoding="utf-8"?>
+<file path=ppt/slides/slide17.xml><?xml version="1.0" encoding="utf-8"?>
 <p:sld xmlns:a="http://schemas.openxmlformats.org/drawingml/2006/main" xmlns:r="http://schemas.openxmlformats.org/officeDocument/2006/relationships" xmlns:p="http://schemas.openxmlformats.org/presentationml/2006/main">
   <p:cSld>
     <p:spTree>
@@ -6360,7 +7651,7 @@
         </p:nvSpPr>
         <p:spPr>
           <a:xfrm>
-            <a:off x="483848" y="467027"/>
+            <a:off x="205100" y="134008"/>
             <a:ext cx="7053542" cy="683886"/>
           </a:xfrm>
         </p:spPr>
@@ -6393,8 +7684,8 @@
         </p:nvSpPr>
         <p:spPr>
           <a:xfrm>
-            <a:off x="483848" y="1288073"/>
-            <a:ext cx="8051725" cy="4292919"/>
+            <a:off x="205100" y="817895"/>
+            <a:ext cx="8330474" cy="4763098"/>
           </a:xfrm>
         </p:spPr>
         <p:txBody>
@@ -6707,7 +7998,448 @@
 </p:sld>
 </file>
 
-<file path=ppt/slides/slide16.xml><?xml version="1.0" encoding="utf-8"?>
+<file path=ppt/slides/slide18.xml><?xml version="1.0" encoding="utf-8"?>
+<p:sld xmlns:a="http://schemas.openxmlformats.org/drawingml/2006/main" xmlns:r="http://schemas.openxmlformats.org/officeDocument/2006/relationships" xmlns:p="http://schemas.openxmlformats.org/presentationml/2006/main">
+  <p:cSld>
+    <p:spTree>
+      <p:nvGrpSpPr>
+        <p:cNvPr id="1" name=""/>
+        <p:cNvGrpSpPr/>
+        <p:nvPr/>
+      </p:nvGrpSpPr>
+      <p:grpSpPr>
+        <a:xfrm>
+          <a:off x="0" y="0"/>
+          <a:ext cx="0" cy="0"/>
+          <a:chOff x="0" y="0"/>
+          <a:chExt cx="0" cy="0"/>
+        </a:xfrm>
+      </p:grpSpPr>
+      <p:sp>
+        <p:nvSpPr>
+          <p:cNvPr id="2" name="Title 1">
+            <a:extLst>
+              <a:ext uri="{FF2B5EF4-FFF2-40B4-BE49-F238E27FC236}">
+                <a16:creationId xmlns:a16="http://schemas.microsoft.com/office/drawing/2014/main" id="{AA3A228F-61D0-D949-A5E7-F83756230BF8}"/>
+              </a:ext>
+            </a:extLst>
+          </p:cNvPr>
+          <p:cNvSpPr>
+            <a:spLocks noGrp="1"/>
+          </p:cNvSpPr>
+          <p:nvPr>
+            <p:ph type="title"/>
+          </p:nvPr>
+        </p:nvSpPr>
+        <p:spPr>
+          <a:xfrm>
+            <a:off x="289295" y="301656"/>
+            <a:ext cx="7053542" cy="683886"/>
+          </a:xfrm>
+        </p:spPr>
+        <p:txBody>
+          <a:bodyPr/>
+          <a:lstStyle/>
+          <a:p>
+            <a:r>
+              <a:rPr lang="en-US" dirty="0"/>
+              <a:t>Counting</a:t>
+            </a:r>
+          </a:p>
+        </p:txBody>
+      </p:sp>
+      <p:sp>
+        <p:nvSpPr>
+          <p:cNvPr id="9" name="Content Placeholder 8">
+            <a:extLst>
+              <a:ext uri="{FF2B5EF4-FFF2-40B4-BE49-F238E27FC236}">
+                <a16:creationId xmlns:a16="http://schemas.microsoft.com/office/drawing/2014/main" id="{E3B2E017-30B2-884B-A113-B419A2ED51AD}"/>
+              </a:ext>
+            </a:extLst>
+          </p:cNvPr>
+          <p:cNvSpPr>
+            <a:spLocks noGrp="1"/>
+          </p:cNvSpPr>
+          <p:nvPr>
+            <p:ph idx="1"/>
+          </p:nvPr>
+        </p:nvSpPr>
+        <p:spPr>
+          <a:xfrm>
+            <a:off x="289296" y="985543"/>
+            <a:ext cx="8246278" cy="4595450"/>
+          </a:xfrm>
+        </p:spPr>
+        <p:txBody>
+          <a:bodyPr>
+            <a:normAutofit/>
+          </a:bodyPr>
+          <a:lstStyle/>
+          <a:p>
+            <a:pPr marL="0" indent="0">
+              <a:buNone/>
+            </a:pPr>
+            <a:r>
+              <a:rPr lang="en-US" dirty="0">
+                <a:latin typeface="Gill Sans MT" panose="020B0502020104020203" pitchFamily="34" charset="77"/>
+              </a:rPr>
+              <a:t>Write a function that accepts an integer n and returns the number of factors of n.</a:t>
+            </a:r>
+          </a:p>
+          <a:p>
+            <a:pPr marL="0" indent="0">
+              <a:buNone/>
+            </a:pPr>
+            <a:endParaRPr lang="en-US" dirty="0">
+              <a:latin typeface="Gill Sans MT" panose="020B0502020104020203" pitchFamily="34" charset="77"/>
+            </a:endParaRPr>
+          </a:p>
+          <a:p>
+            <a:pPr marL="0" indent="0">
+              <a:buNone/>
+            </a:pPr>
+            <a:r>
+              <a:rPr lang="en-US" b="1" dirty="0">
+                <a:solidFill>
+                  <a:srgbClr val="000087"/>
+                </a:solidFill>
+                <a:latin typeface="Inconsolata Medium" panose="020B0609030003000000" pitchFamily="49" charset="77"/>
+              </a:rPr>
+              <a:t>In </a:t>
+            </a:r>
+            <a:r>
+              <a:rPr lang="en-US" b="1" dirty="0">
+                <a:latin typeface="Inconsolata Medium" panose="020B0609030003000000" pitchFamily="49" charset="77"/>
+              </a:rPr>
+              <a:t>[</a:t>
+            </a:r>
+            <a:r>
+              <a:rPr lang="en-US" b="1" dirty="0">
+                <a:solidFill>
+                  <a:srgbClr val="FF6600"/>
+                </a:solidFill>
+                <a:latin typeface="Inconsolata Medium" panose="020B0609030003000000" pitchFamily="49" charset="77"/>
+              </a:rPr>
+              <a:t>1</a:t>
+            </a:r>
+            <a:r>
+              <a:rPr lang="en-US" b="1" dirty="0">
+                <a:latin typeface="Inconsolata Medium" panose="020B0609030003000000" pitchFamily="49" charset="77"/>
+              </a:rPr>
+              <a:t>]:  	</a:t>
+            </a:r>
+            <a:r>
+              <a:rPr lang="en-US" b="1" dirty="0">
+                <a:solidFill>
+                  <a:srgbClr val="34A327"/>
+                </a:solidFill>
+                <a:latin typeface="Inconsolata Medium" panose="020B0609030003000000" pitchFamily="49" charset="77"/>
+              </a:rPr>
+              <a:t>def</a:t>
+            </a:r>
+            <a:r>
+              <a:rPr lang="en-US" b="1" dirty="0">
+                <a:solidFill>
+                  <a:srgbClr val="000000"/>
+                </a:solidFill>
+                <a:latin typeface="Inconsolata Medium" panose="020B0609030003000000" pitchFamily="49" charset="77"/>
+              </a:rPr>
+              <a:t> </a:t>
+            </a:r>
+            <a:r>
+              <a:rPr lang="en-US" b="1" dirty="0" err="1">
+                <a:solidFill>
+                  <a:srgbClr val="3C9FF2"/>
+                </a:solidFill>
+                <a:latin typeface="Inconsolata Medium" panose="020B0609030003000000" pitchFamily="49" charset="77"/>
+              </a:rPr>
+              <a:t>count_factors</a:t>
+            </a:r>
+            <a:r>
+              <a:rPr lang="en-US" b="1" dirty="0">
+                <a:solidFill>
+                  <a:srgbClr val="000000"/>
+                </a:solidFill>
+                <a:latin typeface="Inconsolata Medium" panose="020B0609030003000000" pitchFamily="49" charset="77"/>
+              </a:rPr>
+              <a:t>(n): </a:t>
+            </a:r>
+            <a:endParaRPr lang="en-US" b="1" dirty="0">
+              <a:solidFill>
+                <a:srgbClr val="34A327"/>
+              </a:solidFill>
+              <a:latin typeface="Inconsolata Medium" panose="020B0609030003000000" pitchFamily="49" charset="77"/>
+            </a:endParaRPr>
+          </a:p>
+          <a:p>
+            <a:pPr marL="0" indent="0">
+              <a:buNone/>
+            </a:pPr>
+            <a:r>
+              <a:rPr lang="en-US" b="1" dirty="0">
+                <a:solidFill>
+                  <a:srgbClr val="34A327"/>
+                </a:solidFill>
+                <a:latin typeface="Inconsolata Medium" panose="020B0609030003000000" pitchFamily="49" charset="77"/>
+              </a:rPr>
+              <a:t>			</a:t>
+            </a:r>
+            <a:r>
+              <a:rPr lang="en-US" b="1" dirty="0">
+                <a:solidFill>
+                  <a:srgbClr val="006699"/>
+                </a:solidFill>
+                <a:latin typeface="Inconsolata Medium" panose="020B0609030003000000" pitchFamily="49" charset="77"/>
+              </a:rPr>
+              <a:t>count = 0</a:t>
+            </a:r>
+            <a:endParaRPr lang="en-US" b="1" dirty="0">
+              <a:latin typeface="Inconsolata Medium" panose="020B0609030003000000" pitchFamily="49" charset="77"/>
+            </a:endParaRPr>
+          </a:p>
+          <a:p>
+            <a:pPr marL="0" indent="0">
+              <a:buNone/>
+            </a:pPr>
+            <a:r>
+              <a:rPr lang="en-US" b="1" dirty="0">
+                <a:solidFill>
+                  <a:srgbClr val="006699"/>
+                </a:solidFill>
+                <a:latin typeface="Inconsolata Medium" panose="020B0609030003000000" pitchFamily="49" charset="77"/>
+              </a:rPr>
+              <a:t>			for </a:t>
+            </a:r>
+            <a:r>
+              <a:rPr lang="en-US" b="1" dirty="0" err="1">
+                <a:solidFill>
+                  <a:srgbClr val="000087"/>
+                </a:solidFill>
+                <a:latin typeface="Inconsolata Medium" panose="020B0609030003000000" pitchFamily="49" charset="77"/>
+              </a:rPr>
+              <a:t>i</a:t>
+            </a:r>
+            <a:r>
+              <a:rPr lang="en-US" b="1" dirty="0">
+                <a:solidFill>
+                  <a:srgbClr val="000087"/>
+                </a:solidFill>
+                <a:latin typeface="Inconsolata Medium" panose="020B0609030003000000" pitchFamily="49" charset="77"/>
+              </a:rPr>
+              <a:t> </a:t>
+            </a:r>
+            <a:r>
+              <a:rPr lang="en-US" b="1" dirty="0">
+                <a:latin typeface="Inconsolata Medium" panose="020B0609030003000000" pitchFamily="49" charset="77"/>
+              </a:rPr>
+              <a:t>in </a:t>
+            </a:r>
+            <a:r>
+              <a:rPr lang="en-US" b="1" dirty="0">
+                <a:solidFill>
+                  <a:srgbClr val="336666"/>
+                </a:solidFill>
+                <a:latin typeface="Inconsolata Medium" panose="020B0609030003000000" pitchFamily="49" charset="77"/>
+              </a:rPr>
+              <a:t>range</a:t>
+            </a:r>
+            <a:r>
+              <a:rPr lang="en-US" b="1" dirty="0">
+                <a:latin typeface="Inconsolata Medium" panose="020B0609030003000000" pitchFamily="49" charset="77"/>
+              </a:rPr>
+              <a:t>(1, </a:t>
+            </a:r>
+            <a:r>
+              <a:rPr lang="en-US" b="1" dirty="0">
+                <a:solidFill>
+                  <a:srgbClr val="FF6600"/>
+                </a:solidFill>
+                <a:latin typeface="Inconsolata Medium" panose="020B0609030003000000" pitchFamily="49" charset="77"/>
+              </a:rPr>
+              <a:t>n+1</a:t>
+            </a:r>
+            <a:r>
+              <a:rPr lang="en-US" b="1" dirty="0">
+                <a:latin typeface="Inconsolata Medium" panose="020B0609030003000000" pitchFamily="49" charset="77"/>
+              </a:rPr>
+              <a:t>):</a:t>
+            </a:r>
+            <a:br>
+              <a:rPr lang="en-US" b="1" dirty="0">
+                <a:latin typeface="Inconsolata Medium" panose="020B0609030003000000" pitchFamily="49" charset="77"/>
+              </a:rPr>
+            </a:br>
+            <a:r>
+              <a:rPr lang="en-US" b="1" dirty="0">
+                <a:solidFill>
+                  <a:srgbClr val="006699"/>
+                </a:solidFill>
+                <a:latin typeface="Inconsolata Medium" panose="020B0609030003000000" pitchFamily="49" charset="77"/>
+              </a:rPr>
+              <a:t>		    		if n % </a:t>
+            </a:r>
+            <a:r>
+              <a:rPr lang="en-US" b="1" dirty="0" err="1">
+                <a:solidFill>
+                  <a:srgbClr val="006699"/>
+                </a:solidFill>
+                <a:latin typeface="Inconsolata Medium" panose="020B0609030003000000" pitchFamily="49" charset="77"/>
+              </a:rPr>
+              <a:t>i</a:t>
+            </a:r>
+            <a:r>
+              <a:rPr lang="en-US" b="1" dirty="0">
+                <a:solidFill>
+                  <a:srgbClr val="006699"/>
+                </a:solidFill>
+                <a:latin typeface="Inconsolata Medium" panose="020B0609030003000000" pitchFamily="49" charset="77"/>
+              </a:rPr>
+              <a:t> == 0:  # </a:t>
+            </a:r>
+            <a:r>
+              <a:rPr lang="en-US" b="1" dirty="0" err="1">
+                <a:solidFill>
+                  <a:srgbClr val="006699"/>
+                </a:solidFill>
+                <a:latin typeface="Inconsolata Medium" panose="020B0609030003000000" pitchFamily="49" charset="77"/>
+              </a:rPr>
+              <a:t>i</a:t>
+            </a:r>
+            <a:r>
+              <a:rPr lang="en-US" b="1" dirty="0">
+                <a:solidFill>
+                  <a:srgbClr val="006699"/>
+                </a:solidFill>
+                <a:latin typeface="Inconsolata Medium" panose="020B0609030003000000" pitchFamily="49" charset="77"/>
+              </a:rPr>
+              <a:t> is a factor of n</a:t>
+            </a:r>
+          </a:p>
+          <a:p>
+            <a:pPr marL="0" indent="0">
+              <a:buNone/>
+            </a:pPr>
+            <a:r>
+              <a:rPr lang="en-US" b="1" dirty="0">
+                <a:solidFill>
+                  <a:srgbClr val="006699"/>
+                </a:solidFill>
+                <a:latin typeface="Inconsolata Medium" panose="020B0609030003000000" pitchFamily="49" charset="77"/>
+              </a:rPr>
+              <a:t>					count += 1</a:t>
+            </a:r>
+          </a:p>
+          <a:p>
+            <a:pPr marL="0" indent="0">
+              <a:buNone/>
+            </a:pPr>
+            <a:r>
+              <a:rPr lang="en-US" b="1" dirty="0">
+                <a:solidFill>
+                  <a:srgbClr val="006699"/>
+                </a:solidFill>
+                <a:latin typeface="Inconsolata Medium" panose="020B0609030003000000" pitchFamily="49" charset="77"/>
+              </a:rPr>
+              <a:t>			</a:t>
+            </a:r>
+            <a:r>
+              <a:rPr lang="en-US" b="1" dirty="0">
+                <a:latin typeface="Inconsolata Medium" panose="020B0609030003000000" pitchFamily="49" charset="77"/>
+              </a:rPr>
+              <a:t>return count</a:t>
+            </a:r>
+          </a:p>
+          <a:p>
+            <a:pPr marL="0" indent="0">
+              <a:buNone/>
+            </a:pPr>
+            <a:r>
+              <a:rPr lang="en-US" b="1" dirty="0">
+                <a:solidFill>
+                  <a:srgbClr val="000087"/>
+                </a:solidFill>
+                <a:latin typeface="Inconsolata Medium" panose="020B0609030003000000" pitchFamily="49" charset="77"/>
+              </a:rPr>
+              <a:t>In </a:t>
+            </a:r>
+            <a:r>
+              <a:rPr lang="en-US" b="1" dirty="0">
+                <a:latin typeface="Inconsolata Medium" panose="020B0609030003000000" pitchFamily="49" charset="77"/>
+              </a:rPr>
+              <a:t>[</a:t>
+            </a:r>
+            <a:r>
+              <a:rPr lang="en-US" b="1" dirty="0">
+                <a:solidFill>
+                  <a:srgbClr val="FF6600"/>
+                </a:solidFill>
+                <a:latin typeface="Inconsolata Medium" panose="020B0609030003000000" pitchFamily="49" charset="77"/>
+              </a:rPr>
+              <a:t>2</a:t>
+            </a:r>
+            <a:r>
+              <a:rPr lang="en-US" b="1" dirty="0">
+                <a:latin typeface="Inconsolata Medium" panose="020B0609030003000000" pitchFamily="49" charset="77"/>
+              </a:rPr>
+              <a:t>]: print(</a:t>
+            </a:r>
+            <a:r>
+              <a:rPr lang="en-US" b="1" dirty="0" err="1">
+                <a:latin typeface="Inconsolata Medium" panose="020B0609030003000000" pitchFamily="49" charset="77"/>
+              </a:rPr>
+              <a:t>count_factors</a:t>
+            </a:r>
+            <a:r>
+              <a:rPr lang="en-US" b="1" dirty="0">
+                <a:latin typeface="Inconsolata Medium" panose="020B0609030003000000" pitchFamily="49" charset="77"/>
+              </a:rPr>
+              <a:t>(10))  </a:t>
+            </a:r>
+          </a:p>
+          <a:p>
+            <a:pPr marL="0" indent="0">
+              <a:buNone/>
+            </a:pPr>
+            <a:r>
+              <a:rPr lang="en-US" b="1" dirty="0">
+                <a:latin typeface="Inconsolata Medium" panose="020B0609030003000000" pitchFamily="49" charset="77"/>
+              </a:rPr>
+              <a:t>4  					</a:t>
+            </a:r>
+            <a:r>
+              <a:rPr lang="en-US" b="1" dirty="0">
+                <a:solidFill>
+                  <a:schemeClr val="accent1"/>
+                </a:solidFill>
+                <a:latin typeface="Inconsolata Medium" panose="020B0609030003000000" pitchFamily="49" charset="77"/>
+              </a:rPr>
+              <a:t># 4 factors of 10={1,2,5,10}</a:t>
+            </a:r>
+          </a:p>
+          <a:p>
+            <a:pPr marL="0" indent="0">
+              <a:buNone/>
+            </a:pPr>
+            <a:endParaRPr lang="en-US" dirty="0">
+              <a:latin typeface="Gill Sans MT" panose="020B0502020104020203" pitchFamily="34" charset="77"/>
+            </a:endParaRPr>
+          </a:p>
+        </p:txBody>
+      </p:sp>
+    </p:spTree>
+    <p:extLst>
+      <p:ext uri="{BB962C8B-B14F-4D97-AF65-F5344CB8AC3E}">
+        <p14:creationId xmlns:p14="http://schemas.microsoft.com/office/powerpoint/2010/main" val="3010097483"/>
+      </p:ext>
+    </p:extLst>
+  </p:cSld>
+  <p:clrMapOvr>
+    <a:masterClrMapping/>
+  </p:clrMapOvr>
+</p:sld>
+</file>
+
+<file path=ppt/slides/slide19.xml><?xml version="1.0" encoding="utf-8"?>
 <p:sld xmlns:a="http://schemas.openxmlformats.org/drawingml/2006/main" xmlns:r="http://schemas.openxmlformats.org/officeDocument/2006/relationships" xmlns:p="http://schemas.openxmlformats.org/presentationml/2006/main">
   <p:cSld>
     <p:spTree>
@@ -7418,7 +9150,186 @@
 </p:sld>
 </file>
 
-<file path=ppt/slides/slide17.xml><?xml version="1.0" encoding="utf-8"?>
+<file path=ppt/slides/slide2.xml><?xml version="1.0" encoding="utf-8"?>
+<p:sld xmlns:a="http://schemas.openxmlformats.org/drawingml/2006/main" xmlns:r="http://schemas.openxmlformats.org/officeDocument/2006/relationships" xmlns:p="http://schemas.openxmlformats.org/presentationml/2006/main">
+  <p:cSld>
+    <p:spTree>
+      <p:nvGrpSpPr>
+        <p:cNvPr id="1" name=""/>
+        <p:cNvGrpSpPr/>
+        <p:nvPr/>
+      </p:nvGrpSpPr>
+      <p:grpSpPr>
+        <a:xfrm>
+          <a:off x="0" y="0"/>
+          <a:ext cx="0" cy="0"/>
+          <a:chOff x="0" y="0"/>
+          <a:chExt cx="0" cy="0"/>
+        </a:xfrm>
+      </p:grpSpPr>
+      <p:sp>
+        <p:nvSpPr>
+          <p:cNvPr id="2" name="Title 1">
+            <a:extLst>
+              <a:ext uri="{FF2B5EF4-FFF2-40B4-BE49-F238E27FC236}">
+                <a16:creationId xmlns:a16="http://schemas.microsoft.com/office/drawing/2014/main" id="{AA3A228F-61D0-D949-A5E7-F83756230BF8}"/>
+              </a:ext>
+            </a:extLst>
+          </p:cNvPr>
+          <p:cNvSpPr>
+            <a:spLocks noGrp="1"/>
+          </p:cNvSpPr>
+          <p:nvPr>
+            <p:ph type="title"/>
+          </p:nvPr>
+        </p:nvSpPr>
+        <p:spPr>
+          <a:xfrm>
+            <a:off x="483848" y="467027"/>
+            <a:ext cx="7053542" cy="683886"/>
+          </a:xfrm>
+        </p:spPr>
+        <p:txBody>
+          <a:bodyPr/>
+          <a:lstStyle/>
+          <a:p>
+            <a:r>
+              <a:rPr lang="en-US" dirty="0"/>
+              <a:t>Topics</a:t>
+            </a:r>
+          </a:p>
+        </p:txBody>
+      </p:sp>
+      <p:sp>
+        <p:nvSpPr>
+          <p:cNvPr id="9" name="Content Placeholder 8">
+            <a:extLst>
+              <a:ext uri="{FF2B5EF4-FFF2-40B4-BE49-F238E27FC236}">
+                <a16:creationId xmlns:a16="http://schemas.microsoft.com/office/drawing/2014/main" id="{E3B2E017-30B2-884B-A113-B419A2ED51AD}"/>
+              </a:ext>
+            </a:extLst>
+          </p:cNvPr>
+          <p:cNvSpPr>
+            <a:spLocks noGrp="1"/>
+          </p:cNvSpPr>
+          <p:nvPr>
+            <p:ph idx="1"/>
+          </p:nvPr>
+        </p:nvSpPr>
+        <p:spPr>
+          <a:xfrm>
+            <a:off x="483848" y="1288073"/>
+            <a:ext cx="8051725" cy="4303429"/>
+          </a:xfrm>
+        </p:spPr>
+        <p:txBody>
+          <a:bodyPr/>
+          <a:lstStyle/>
+          <a:p>
+            <a:pPr marL="0" indent="0">
+              <a:buNone/>
+            </a:pPr>
+            <a:endParaRPr lang="en-US" dirty="0">
+              <a:latin typeface="Gill Sans MT" panose="020B0502020104020203" pitchFamily="34" charset="77"/>
+            </a:endParaRPr>
+          </a:p>
+          <a:p>
+            <a:pPr marL="457200" indent="-457200">
+              <a:buAutoNum type="arabicParenR"/>
+            </a:pPr>
+            <a:endParaRPr lang="en-US" dirty="0">
+              <a:latin typeface="Gill Sans MT" panose="020B0502020104020203" pitchFamily="34" charset="77"/>
+            </a:endParaRPr>
+          </a:p>
+          <a:p>
+            <a:pPr marL="457200" indent="-457200">
+              <a:buAutoNum type="arabicParenR"/>
+            </a:pPr>
+            <a:r>
+              <a:rPr lang="en-US" dirty="0">
+                <a:latin typeface="Gill Sans MT" panose="020B0502020104020203" pitchFamily="34" charset="77"/>
+              </a:rPr>
+              <a:t>For Loops</a:t>
+            </a:r>
+          </a:p>
+          <a:p>
+            <a:pPr marL="457200" indent="-457200">
+              <a:buAutoNum type="arabicParenR"/>
+            </a:pPr>
+            <a:r>
+              <a:rPr lang="en-US" dirty="0">
+                <a:latin typeface="Gill Sans MT" panose="020B0502020104020203" pitchFamily="34" charset="77"/>
+              </a:rPr>
+              <a:t>Break vs. Continue</a:t>
+            </a:r>
+          </a:p>
+          <a:p>
+            <a:pPr marL="457200" indent="-457200">
+              <a:buAutoNum type="arabicParenR"/>
+            </a:pPr>
+            <a:r>
+              <a:rPr lang="en-US" dirty="0">
+                <a:latin typeface="Gill Sans MT" panose="020B0502020104020203" pitchFamily="34" charset="77"/>
+              </a:rPr>
+              <a:t>Nested Loops</a:t>
+            </a:r>
+          </a:p>
+          <a:p>
+            <a:pPr marL="0" indent="0">
+              <a:buNone/>
+            </a:pPr>
+            <a:endParaRPr lang="en-US" dirty="0">
+              <a:latin typeface="Gill Sans MT" panose="020B0502020104020203" pitchFamily="34" charset="77"/>
+            </a:endParaRPr>
+          </a:p>
+          <a:p>
+            <a:pPr marL="457200" indent="-457200">
+              <a:buAutoNum type="arabicParenR"/>
+            </a:pPr>
+            <a:endParaRPr lang="en-US" dirty="0">
+              <a:latin typeface="Gill Sans MT" panose="020B0502020104020203" pitchFamily="34" charset="77"/>
+            </a:endParaRPr>
+          </a:p>
+          <a:p>
+            <a:pPr marL="457200" indent="-457200">
+              <a:buAutoNum type="arabicParenR"/>
+            </a:pPr>
+            <a:endParaRPr lang="en-US" dirty="0">
+              <a:latin typeface="Gill Sans MT" panose="020B0502020104020203" pitchFamily="34" charset="77"/>
+            </a:endParaRPr>
+          </a:p>
+          <a:p>
+            <a:pPr marL="0" indent="0">
+              <a:buNone/>
+            </a:pPr>
+            <a:endParaRPr lang="en-US" dirty="0">
+              <a:latin typeface="Gill Sans MT" panose="020B0502020104020203" pitchFamily="34" charset="77"/>
+            </a:endParaRPr>
+          </a:p>
+          <a:p>
+            <a:pPr marL="0" indent="0">
+              <a:buNone/>
+            </a:pPr>
+            <a:endParaRPr lang="en-US" b="1" dirty="0">
+              <a:latin typeface="Gill Sans MT" panose="020B0502020104020203" pitchFamily="34" charset="77"/>
+            </a:endParaRPr>
+          </a:p>
+        </p:txBody>
+      </p:sp>
+    </p:spTree>
+    <p:extLst>
+      <p:ext uri="{BB962C8B-B14F-4D97-AF65-F5344CB8AC3E}">
+        <p14:creationId xmlns:p14="http://schemas.microsoft.com/office/powerpoint/2010/main" val="131840209"/>
+      </p:ext>
+    </p:extLst>
+  </p:cSld>
+  <p:clrMapOvr>
+    <a:masterClrMapping/>
+  </p:clrMapOvr>
+</p:sld>
+</file>
+
+<file path=ppt/slides/slide20.xml><?xml version="1.0" encoding="utf-8"?>
 <p:sld xmlns:a="http://schemas.openxmlformats.org/drawingml/2006/main" xmlns:r="http://schemas.openxmlformats.org/officeDocument/2006/relationships" xmlns:p="http://schemas.openxmlformats.org/presentationml/2006/main">
   <p:cSld>
     <p:spTree>
@@ -8018,7 +9929,7 @@
 </p:sld>
 </file>
 
-<file path=ppt/slides/slide18.xml><?xml version="1.0" encoding="utf-8"?>
+<file path=ppt/slides/slide21.xml><?xml version="1.0" encoding="utf-8"?>
 <p:sld xmlns:a="http://schemas.openxmlformats.org/drawingml/2006/main" xmlns:r="http://schemas.openxmlformats.org/officeDocument/2006/relationships" xmlns:p="http://schemas.openxmlformats.org/presentationml/2006/main">
   <p:cSld>
     <p:spTree>
@@ -8639,7 +10550,7 @@
 </p:sld>
 </file>
 
-<file path=ppt/slides/slide19.xml><?xml version="1.0" encoding="utf-8"?>
+<file path=ppt/slides/slide22.xml><?xml version="1.0" encoding="utf-8"?>
 <p:sld xmlns:a="http://schemas.openxmlformats.org/drawingml/2006/main" xmlns:r="http://schemas.openxmlformats.org/officeDocument/2006/relationships" xmlns:p="http://schemas.openxmlformats.org/presentationml/2006/main">
   <p:cSld>
     <p:spTree>
@@ -9121,4851 +11032,7 @@
 </p:sld>
 </file>
 
-<file path=ppt/slides/slide2.xml><?xml version="1.0" encoding="utf-8"?>
-<p:sld xmlns:a="http://schemas.openxmlformats.org/drawingml/2006/main" xmlns:r="http://schemas.openxmlformats.org/officeDocument/2006/relationships" xmlns:p="http://schemas.openxmlformats.org/presentationml/2006/main">
-  <p:cSld>
-    <p:spTree>
-      <p:nvGrpSpPr>
-        <p:cNvPr id="1" name=""/>
-        <p:cNvGrpSpPr/>
-        <p:nvPr/>
-      </p:nvGrpSpPr>
-      <p:grpSpPr>
-        <a:xfrm>
-          <a:off x="0" y="0"/>
-          <a:ext cx="0" cy="0"/>
-          <a:chOff x="0" y="0"/>
-          <a:chExt cx="0" cy="0"/>
-        </a:xfrm>
-      </p:grpSpPr>
-      <p:sp>
-        <p:nvSpPr>
-          <p:cNvPr id="2" name="Title 1">
-            <a:extLst>
-              <a:ext uri="{FF2B5EF4-FFF2-40B4-BE49-F238E27FC236}">
-                <a16:creationId xmlns:a16="http://schemas.microsoft.com/office/drawing/2014/main" id="{AA3A228F-61D0-D949-A5E7-F83756230BF8}"/>
-              </a:ext>
-            </a:extLst>
-          </p:cNvPr>
-          <p:cNvSpPr>
-            <a:spLocks noGrp="1"/>
-          </p:cNvSpPr>
-          <p:nvPr>
-            <p:ph type="title"/>
-          </p:nvPr>
-        </p:nvSpPr>
-        <p:spPr>
-          <a:xfrm>
-            <a:off x="483848" y="467027"/>
-            <a:ext cx="7053542" cy="683886"/>
-          </a:xfrm>
-        </p:spPr>
-        <p:txBody>
-          <a:bodyPr/>
-          <a:lstStyle/>
-          <a:p>
-            <a:r>
-              <a:rPr lang="en-US" dirty="0"/>
-              <a:t>Topics</a:t>
-            </a:r>
-          </a:p>
-        </p:txBody>
-      </p:sp>
-      <p:sp>
-        <p:nvSpPr>
-          <p:cNvPr id="9" name="Content Placeholder 8">
-            <a:extLst>
-              <a:ext uri="{FF2B5EF4-FFF2-40B4-BE49-F238E27FC236}">
-                <a16:creationId xmlns:a16="http://schemas.microsoft.com/office/drawing/2014/main" id="{E3B2E017-30B2-884B-A113-B419A2ED51AD}"/>
-              </a:ext>
-            </a:extLst>
-          </p:cNvPr>
-          <p:cNvSpPr>
-            <a:spLocks noGrp="1"/>
-          </p:cNvSpPr>
-          <p:nvPr>
-            <p:ph idx="1"/>
-          </p:nvPr>
-        </p:nvSpPr>
-        <p:spPr>
-          <a:xfrm>
-            <a:off x="483848" y="1288073"/>
-            <a:ext cx="8051725" cy="4303429"/>
-          </a:xfrm>
-        </p:spPr>
-        <p:txBody>
-          <a:bodyPr/>
-          <a:lstStyle/>
-          <a:p>
-            <a:pPr marL="0" indent="0">
-              <a:buNone/>
-            </a:pPr>
-            <a:endParaRPr lang="en-US" dirty="0">
-              <a:latin typeface="Gill Sans MT" panose="020B0502020104020203" pitchFamily="34" charset="77"/>
-            </a:endParaRPr>
-          </a:p>
-          <a:p>
-            <a:pPr marL="457200" indent="-457200">
-              <a:buAutoNum type="arabicParenR"/>
-            </a:pPr>
-            <a:endParaRPr lang="en-US" dirty="0">
-              <a:latin typeface="Gill Sans MT" panose="020B0502020104020203" pitchFamily="34" charset="77"/>
-            </a:endParaRPr>
-          </a:p>
-          <a:p>
-            <a:pPr marL="457200" indent="-457200">
-              <a:buAutoNum type="arabicParenR"/>
-            </a:pPr>
-            <a:r>
-              <a:rPr lang="en-US" dirty="0">
-                <a:latin typeface="Gill Sans MT" panose="020B0502020104020203" pitchFamily="34" charset="77"/>
-              </a:rPr>
-              <a:t>For Loops</a:t>
-            </a:r>
-          </a:p>
-          <a:p>
-            <a:pPr marL="457200" indent="-457200">
-              <a:buAutoNum type="arabicParenR"/>
-            </a:pPr>
-            <a:r>
-              <a:rPr lang="en-US" dirty="0">
-                <a:latin typeface="Gill Sans MT" panose="020B0502020104020203" pitchFamily="34" charset="77"/>
-              </a:rPr>
-              <a:t>Break vs. Continue</a:t>
-            </a:r>
-          </a:p>
-          <a:p>
-            <a:pPr marL="457200" indent="-457200">
-              <a:buAutoNum type="arabicParenR"/>
-            </a:pPr>
-            <a:r>
-              <a:rPr lang="en-US" dirty="0">
-                <a:latin typeface="Gill Sans MT" panose="020B0502020104020203" pitchFamily="34" charset="77"/>
-              </a:rPr>
-              <a:t>Nested Loops</a:t>
-            </a:r>
-          </a:p>
-          <a:p>
-            <a:pPr marL="0" indent="0">
-              <a:buNone/>
-            </a:pPr>
-            <a:endParaRPr lang="en-US" dirty="0">
-              <a:latin typeface="Gill Sans MT" panose="020B0502020104020203" pitchFamily="34" charset="77"/>
-            </a:endParaRPr>
-          </a:p>
-          <a:p>
-            <a:pPr marL="457200" indent="-457200">
-              <a:buAutoNum type="arabicParenR"/>
-            </a:pPr>
-            <a:endParaRPr lang="en-US" dirty="0">
-              <a:latin typeface="Gill Sans MT" panose="020B0502020104020203" pitchFamily="34" charset="77"/>
-            </a:endParaRPr>
-          </a:p>
-          <a:p>
-            <a:pPr marL="457200" indent="-457200">
-              <a:buAutoNum type="arabicParenR"/>
-            </a:pPr>
-            <a:endParaRPr lang="en-US" dirty="0">
-              <a:latin typeface="Gill Sans MT" panose="020B0502020104020203" pitchFamily="34" charset="77"/>
-            </a:endParaRPr>
-          </a:p>
-          <a:p>
-            <a:pPr marL="0" indent="0">
-              <a:buNone/>
-            </a:pPr>
-            <a:endParaRPr lang="en-US" dirty="0">
-              <a:latin typeface="Gill Sans MT" panose="020B0502020104020203" pitchFamily="34" charset="77"/>
-            </a:endParaRPr>
-          </a:p>
-          <a:p>
-            <a:pPr marL="0" indent="0">
-              <a:buNone/>
-            </a:pPr>
-            <a:endParaRPr lang="en-US" b="1" dirty="0">
-              <a:latin typeface="Gill Sans MT" panose="020B0502020104020203" pitchFamily="34" charset="77"/>
-            </a:endParaRPr>
-          </a:p>
-        </p:txBody>
-      </p:sp>
-    </p:spTree>
-    <p:extLst>
-      <p:ext uri="{BB962C8B-B14F-4D97-AF65-F5344CB8AC3E}">
-        <p14:creationId xmlns:p14="http://schemas.microsoft.com/office/powerpoint/2010/main" val="131840209"/>
-      </p:ext>
-    </p:extLst>
-  </p:cSld>
-  <p:clrMapOvr>
-    <a:masterClrMapping/>
-  </p:clrMapOvr>
-</p:sld>
-</file>
-
-<file path=ppt/slides/slide20.xml><?xml version="1.0" encoding="utf-8"?>
-<p:sld xmlns:a="http://schemas.openxmlformats.org/drawingml/2006/main" xmlns:r="http://schemas.openxmlformats.org/officeDocument/2006/relationships" xmlns:p="http://schemas.openxmlformats.org/presentationml/2006/main">
-  <p:cSld>
-    <p:spTree>
-      <p:nvGrpSpPr>
-        <p:cNvPr id="1" name=""/>
-        <p:cNvGrpSpPr/>
-        <p:nvPr/>
-      </p:nvGrpSpPr>
-      <p:grpSpPr>
-        <a:xfrm>
-          <a:off x="0" y="0"/>
-          <a:ext cx="0" cy="0"/>
-          <a:chOff x="0" y="0"/>
-          <a:chExt cx="0" cy="0"/>
-        </a:xfrm>
-      </p:grpSpPr>
-      <p:sp>
-        <p:nvSpPr>
-          <p:cNvPr id="2" name="Title 1">
-            <a:extLst>
-              <a:ext uri="{FF2B5EF4-FFF2-40B4-BE49-F238E27FC236}">
-                <a16:creationId xmlns:a16="http://schemas.microsoft.com/office/drawing/2014/main" id="{AA3A228F-61D0-D949-A5E7-F83756230BF8}"/>
-              </a:ext>
-            </a:extLst>
-          </p:cNvPr>
-          <p:cNvSpPr>
-            <a:spLocks noGrp="1"/>
-          </p:cNvSpPr>
-          <p:nvPr>
-            <p:ph type="title"/>
-          </p:nvPr>
-        </p:nvSpPr>
-        <p:spPr>
-          <a:xfrm>
-            <a:off x="483848" y="467027"/>
-            <a:ext cx="7053542" cy="683886"/>
-          </a:xfrm>
-        </p:spPr>
-        <p:txBody>
-          <a:bodyPr/>
-          <a:lstStyle/>
-          <a:p>
-            <a:r>
-              <a:rPr lang="en-US" dirty="0"/>
-              <a:t>Indefinite Loop</a:t>
-            </a:r>
-          </a:p>
-        </p:txBody>
-      </p:sp>
-      <p:sp>
-        <p:nvSpPr>
-          <p:cNvPr id="9" name="Content Placeholder 8">
-            <a:extLst>
-              <a:ext uri="{FF2B5EF4-FFF2-40B4-BE49-F238E27FC236}">
-                <a16:creationId xmlns:a16="http://schemas.microsoft.com/office/drawing/2014/main" id="{E3B2E017-30B2-884B-A113-B419A2ED51AD}"/>
-              </a:ext>
-            </a:extLst>
-          </p:cNvPr>
-          <p:cNvSpPr>
-            <a:spLocks noGrp="1"/>
-          </p:cNvSpPr>
-          <p:nvPr>
-            <p:ph idx="1"/>
-          </p:nvPr>
-        </p:nvSpPr>
-        <p:spPr>
-          <a:xfrm>
-            <a:off x="483848" y="1288073"/>
-            <a:ext cx="8051725" cy="4292919"/>
-          </a:xfrm>
-        </p:spPr>
-        <p:txBody>
-          <a:bodyPr>
-            <a:normAutofit/>
-          </a:bodyPr>
-          <a:lstStyle/>
-          <a:p>
-            <a:pPr marL="0" indent="0">
-              <a:buNone/>
-            </a:pPr>
-            <a:r>
-              <a:rPr lang="en-US" dirty="0"/>
-              <a:t>A </a:t>
-            </a:r>
-            <a:r>
-              <a:rPr lang="en-US" b="1" dirty="0"/>
-              <a:t>for </a:t>
-            </a:r>
-            <a:r>
-              <a:rPr lang="en-US" dirty="0"/>
-              <a:t>loop, we discussed earlier is an example of a definite loop, the number of iterations can be specified ahead of time by the programmer.</a:t>
-            </a:r>
-          </a:p>
-          <a:p>
-            <a:pPr marL="0" indent="0">
-              <a:buNone/>
-            </a:pPr>
-            <a:endParaRPr lang="en-US" dirty="0"/>
-          </a:p>
-          <a:p>
-            <a:pPr marL="0" indent="0">
-              <a:buNone/>
-            </a:pPr>
-            <a:r>
-              <a:rPr lang="en-US" dirty="0"/>
-              <a:t>In some cases, however, the number of iterations can be unknown. For example, a user is asked to enter a set of inputs. The number of inputs the user enter is not known in advance. </a:t>
-            </a:r>
-          </a:p>
-          <a:p>
-            <a:pPr marL="0" indent="0">
-              <a:buNone/>
-            </a:pPr>
-            <a:endParaRPr lang="en-US" dirty="0"/>
-          </a:p>
-          <a:p>
-            <a:pPr marL="0" indent="0">
-              <a:buNone/>
-            </a:pPr>
-            <a:r>
-              <a:rPr lang="en-US" dirty="0"/>
-              <a:t>The program’s input loop accepts these values until the user enters a special value or </a:t>
-            </a:r>
-            <a:r>
-              <a:rPr lang="en-US" b="1" dirty="0"/>
-              <a:t>sentinel </a:t>
-            </a:r>
-            <a:r>
-              <a:rPr lang="en-US" dirty="0"/>
-              <a:t>that terminates the input. </a:t>
-            </a:r>
-          </a:p>
-          <a:p>
-            <a:pPr marL="0" indent="0">
-              <a:buNone/>
-            </a:pPr>
-            <a:endParaRPr lang="en-US" dirty="0"/>
-          </a:p>
-          <a:p>
-            <a:pPr marL="0" indent="0">
-              <a:buNone/>
-            </a:pPr>
-            <a:r>
-              <a:rPr lang="en-US" dirty="0"/>
-              <a:t>In this section, we explore the use of the </a:t>
-            </a:r>
-            <a:r>
-              <a:rPr lang="en-US" b="1" dirty="0"/>
-              <a:t>while </a:t>
-            </a:r>
-            <a:r>
-              <a:rPr lang="en-US" dirty="0"/>
-              <a:t>loop to describe conditional iteration: iteration that repeats as long as a condition is true.</a:t>
-            </a:r>
-          </a:p>
-        </p:txBody>
-      </p:sp>
-    </p:spTree>
-    <p:extLst>
-      <p:ext uri="{BB962C8B-B14F-4D97-AF65-F5344CB8AC3E}">
-        <p14:creationId xmlns:p14="http://schemas.microsoft.com/office/powerpoint/2010/main" val="924617162"/>
-      </p:ext>
-    </p:extLst>
-  </p:cSld>
-  <p:clrMapOvr>
-    <a:masterClrMapping/>
-  </p:clrMapOvr>
-</p:sld>
-</file>
-
-<file path=ppt/slides/slide21.xml><?xml version="1.0" encoding="utf-8"?>
-<p:sld xmlns:a="http://schemas.openxmlformats.org/drawingml/2006/main" xmlns:r="http://schemas.openxmlformats.org/officeDocument/2006/relationships" xmlns:p="http://schemas.openxmlformats.org/presentationml/2006/main">
-  <p:cSld>
-    <p:spTree>
-      <p:nvGrpSpPr>
-        <p:cNvPr id="1" name=""/>
-        <p:cNvGrpSpPr/>
-        <p:nvPr/>
-      </p:nvGrpSpPr>
-      <p:grpSpPr>
-        <a:xfrm>
-          <a:off x="0" y="0"/>
-          <a:ext cx="0" cy="0"/>
-          <a:chOff x="0" y="0"/>
-          <a:chExt cx="0" cy="0"/>
-        </a:xfrm>
-      </p:grpSpPr>
-      <p:sp>
-        <p:nvSpPr>
-          <p:cNvPr id="2" name="Title 1">
-            <a:extLst>
-              <a:ext uri="{FF2B5EF4-FFF2-40B4-BE49-F238E27FC236}">
-                <a16:creationId xmlns:a16="http://schemas.microsoft.com/office/drawing/2014/main" id="{AA3A228F-61D0-D949-A5E7-F83756230BF8}"/>
-              </a:ext>
-            </a:extLst>
-          </p:cNvPr>
-          <p:cNvSpPr>
-            <a:spLocks noGrp="1"/>
-          </p:cNvSpPr>
-          <p:nvPr>
-            <p:ph type="title"/>
-          </p:nvPr>
-        </p:nvSpPr>
-        <p:spPr>
-          <a:xfrm>
-            <a:off x="483848" y="134008"/>
-            <a:ext cx="7053542" cy="683886"/>
-          </a:xfrm>
-        </p:spPr>
-        <p:txBody>
-          <a:bodyPr/>
-          <a:lstStyle/>
-          <a:p>
-            <a:r>
-              <a:rPr lang="en-US" dirty="0"/>
-              <a:t>While Loop</a:t>
-            </a:r>
-          </a:p>
-        </p:txBody>
-      </p:sp>
-      <p:sp>
-        <p:nvSpPr>
-          <p:cNvPr id="9" name="Content Placeholder 8">
-            <a:extLst>
-              <a:ext uri="{FF2B5EF4-FFF2-40B4-BE49-F238E27FC236}">
-                <a16:creationId xmlns:a16="http://schemas.microsoft.com/office/drawing/2014/main" id="{E3B2E017-30B2-884B-A113-B419A2ED51AD}"/>
-              </a:ext>
-            </a:extLst>
-          </p:cNvPr>
-          <p:cNvSpPr>
-            <a:spLocks noGrp="1"/>
-          </p:cNvSpPr>
-          <p:nvPr>
-            <p:ph idx="1"/>
-          </p:nvPr>
-        </p:nvSpPr>
-        <p:spPr>
-          <a:xfrm>
-            <a:off x="483848" y="817895"/>
-            <a:ext cx="8051725" cy="4763098"/>
-          </a:xfrm>
-        </p:spPr>
-        <p:txBody>
-          <a:bodyPr>
-            <a:normAutofit/>
-          </a:bodyPr>
-          <a:lstStyle/>
-          <a:p>
-            <a:pPr marL="0" indent="0">
-              <a:buNone/>
-            </a:pPr>
-            <a:r>
-              <a:rPr lang="en-US" dirty="0"/>
-              <a:t>The </a:t>
-            </a:r>
-            <a:r>
-              <a:rPr lang="en-US" b="1" dirty="0"/>
-              <a:t>while loop</a:t>
-            </a:r>
-            <a:r>
-              <a:rPr lang="en-US" dirty="0"/>
-              <a:t> has the syntax:</a:t>
-            </a:r>
-          </a:p>
-          <a:p>
-            <a:pPr marL="0" indent="0">
-              <a:buNone/>
-            </a:pPr>
-            <a:endParaRPr lang="en-US" dirty="0"/>
-          </a:p>
-          <a:p>
-            <a:pPr marL="0" indent="0">
-              <a:buNone/>
-            </a:pPr>
-            <a:r>
-              <a:rPr lang="en-US" b="1" dirty="0">
-                <a:solidFill>
-                  <a:srgbClr val="006699"/>
-                </a:solidFill>
-                <a:latin typeface="Inconsolata Medium" panose="020B0609030003000000" pitchFamily="49" charset="77"/>
-              </a:rPr>
-              <a:t>while </a:t>
-            </a:r>
-            <a:r>
-              <a:rPr lang="en-US" b="1" dirty="0">
-                <a:solidFill>
-                  <a:srgbClr val="FF0000"/>
-                </a:solidFill>
-                <a:latin typeface="Inconsolata Medium" panose="020B0609030003000000" pitchFamily="49" charset="77"/>
-              </a:rPr>
-              <a:t>&lt;condition&gt;</a:t>
-            </a:r>
-            <a:r>
-              <a:rPr lang="en-US" b="1" dirty="0">
-                <a:latin typeface="Inconsolata Medium" panose="020B0609030003000000" pitchFamily="49" charset="77"/>
-              </a:rPr>
-              <a:t>:</a:t>
-            </a:r>
-            <a:br>
-              <a:rPr lang="en-US" b="1" dirty="0">
-                <a:latin typeface="Inconsolata Medium" panose="020B0609030003000000" pitchFamily="49" charset="77"/>
-              </a:rPr>
-            </a:br>
-            <a:r>
-              <a:rPr lang="en-US" b="1" dirty="0">
-                <a:latin typeface="Inconsolata Medium" panose="020B0609030003000000" pitchFamily="49" charset="77"/>
-              </a:rPr>
-              <a:t>	</a:t>
-            </a:r>
-            <a:r>
-              <a:rPr lang="en-US" b="1" dirty="0">
-                <a:solidFill>
-                  <a:srgbClr val="006699"/>
-                </a:solidFill>
-                <a:latin typeface="Inconsolata Medium" panose="020B0609030003000000" pitchFamily="49" charset="77"/>
-              </a:rPr>
-              <a:t>block</a:t>
-            </a:r>
-            <a:r>
-              <a:rPr lang="en-US" b="1" dirty="0">
-                <a:latin typeface="Inconsolata Medium" panose="020B0609030003000000" pitchFamily="49" charset="77"/>
-              </a:rPr>
-              <a:t> </a:t>
-            </a:r>
-          </a:p>
-          <a:p>
-            <a:pPr marL="0" indent="0">
-              <a:buNone/>
-              <a:defRPr/>
-            </a:pPr>
-            <a:endParaRPr lang="en-US" b="1" dirty="0">
-              <a:latin typeface="Courier New" charset="0"/>
-            </a:endParaRPr>
-          </a:p>
-          <a:p>
-            <a:pPr marL="0" indent="0">
-              <a:buNone/>
-              <a:defRPr/>
-            </a:pPr>
-            <a:r>
-              <a:rPr lang="en-US" dirty="0">
-                <a:latin typeface="Gill Sans MT" panose="020B0502020104020203" pitchFamily="34" charset="77"/>
-              </a:rPr>
-              <a:t>The loop</a:t>
-            </a:r>
-            <a:r>
-              <a:rPr lang="en-US" b="1" dirty="0">
-                <a:latin typeface="Gill Sans MT" panose="020B0502020104020203" pitchFamily="34" charset="77"/>
-              </a:rPr>
-              <a:t> r</a:t>
-            </a:r>
-            <a:r>
-              <a:rPr lang="en-US" dirty="0">
-                <a:latin typeface="Gill Sans MT" panose="020B0502020104020203" pitchFamily="34" charset="77"/>
-              </a:rPr>
-              <a:t>epeatedly executes its block of code as long as the condition is true. </a:t>
-            </a:r>
-          </a:p>
-          <a:p>
-            <a:pPr marL="0" indent="0">
-              <a:buNone/>
-              <a:defRPr/>
-            </a:pPr>
-            <a:endParaRPr lang="en-US" dirty="0">
-              <a:latin typeface="Gill Sans MT" panose="020B0502020104020203" pitchFamily="34" charset="77"/>
-            </a:endParaRPr>
-          </a:p>
-          <a:p>
-            <a:pPr marL="0" indent="0">
-              <a:buNone/>
-              <a:defRPr/>
-            </a:pPr>
-            <a:r>
-              <a:rPr lang="en-US" dirty="0"/>
-              <a:t>At least one statement in the block of the loop must update a variable that affects the value of the condition. Otherwise, the loop will continue forever, an error known as an </a:t>
-            </a:r>
-            <a:r>
-              <a:rPr lang="en-US" b="1" dirty="0"/>
-              <a:t>infinite loop</a:t>
-            </a:r>
-            <a:r>
-              <a:rPr lang="en-US" dirty="0"/>
-              <a:t>. </a:t>
-            </a:r>
-          </a:p>
-          <a:p>
-            <a:pPr marL="0" indent="0">
-              <a:buNone/>
-              <a:defRPr/>
-            </a:pPr>
-            <a:endParaRPr lang="en-US" dirty="0"/>
-          </a:p>
-          <a:p>
-            <a:pPr marL="0" indent="0">
-              <a:buNone/>
-              <a:defRPr/>
-            </a:pPr>
-            <a:endParaRPr lang="en-US" dirty="0">
-              <a:latin typeface="Gill Sans MT" panose="020B0502020104020203" pitchFamily="34" charset="77"/>
-            </a:endParaRPr>
-          </a:p>
-        </p:txBody>
-      </p:sp>
-    </p:spTree>
-    <p:extLst>
-      <p:ext uri="{BB962C8B-B14F-4D97-AF65-F5344CB8AC3E}">
-        <p14:creationId xmlns:p14="http://schemas.microsoft.com/office/powerpoint/2010/main" val="3758830494"/>
-      </p:ext>
-    </p:extLst>
-  </p:cSld>
-  <p:clrMapOvr>
-    <a:masterClrMapping/>
-  </p:clrMapOvr>
-</p:sld>
-</file>
-
-<file path=ppt/slides/slide22.xml><?xml version="1.0" encoding="utf-8"?>
-<p:sld xmlns:a="http://schemas.openxmlformats.org/drawingml/2006/main" xmlns:r="http://schemas.openxmlformats.org/officeDocument/2006/relationships" xmlns:p="http://schemas.openxmlformats.org/presentationml/2006/main">
-  <p:cSld>
-    <p:spTree>
-      <p:nvGrpSpPr>
-        <p:cNvPr id="1" name=""/>
-        <p:cNvGrpSpPr/>
-        <p:nvPr/>
-      </p:nvGrpSpPr>
-      <p:grpSpPr>
-        <a:xfrm>
-          <a:off x="0" y="0"/>
-          <a:ext cx="0" cy="0"/>
-          <a:chOff x="0" y="0"/>
-          <a:chExt cx="0" cy="0"/>
-        </a:xfrm>
-      </p:grpSpPr>
-      <p:sp>
-        <p:nvSpPr>
-          <p:cNvPr id="2" name="Title 1">
-            <a:extLst>
-              <a:ext uri="{FF2B5EF4-FFF2-40B4-BE49-F238E27FC236}">
-                <a16:creationId xmlns:a16="http://schemas.microsoft.com/office/drawing/2014/main" id="{AA3A228F-61D0-D949-A5E7-F83756230BF8}"/>
-              </a:ext>
-            </a:extLst>
-          </p:cNvPr>
-          <p:cNvSpPr>
-            <a:spLocks noGrp="1"/>
-          </p:cNvSpPr>
-          <p:nvPr>
-            <p:ph type="title"/>
-          </p:nvPr>
-        </p:nvSpPr>
-        <p:spPr>
-          <a:xfrm>
-            <a:off x="483848" y="54496"/>
-            <a:ext cx="7053542" cy="683886"/>
-          </a:xfrm>
-        </p:spPr>
-        <p:txBody>
-          <a:bodyPr/>
-          <a:lstStyle/>
-          <a:p>
-            <a:r>
-              <a:rPr lang="en-US" dirty="0"/>
-              <a:t>While vs For Loops 1</a:t>
-            </a:r>
-          </a:p>
-        </p:txBody>
-      </p:sp>
-      <p:sp>
-        <p:nvSpPr>
-          <p:cNvPr id="9" name="Content Placeholder 8">
-            <a:extLst>
-              <a:ext uri="{FF2B5EF4-FFF2-40B4-BE49-F238E27FC236}">
-                <a16:creationId xmlns:a16="http://schemas.microsoft.com/office/drawing/2014/main" id="{E3B2E017-30B2-884B-A113-B419A2ED51AD}"/>
-              </a:ext>
-            </a:extLst>
-          </p:cNvPr>
-          <p:cNvSpPr>
-            <a:spLocks noGrp="1"/>
-          </p:cNvSpPr>
-          <p:nvPr>
-            <p:ph idx="1"/>
-          </p:nvPr>
-        </p:nvSpPr>
-        <p:spPr>
-          <a:xfrm>
-            <a:off x="483848" y="715617"/>
-            <a:ext cx="8051725" cy="4865375"/>
-          </a:xfrm>
-        </p:spPr>
-        <p:txBody>
-          <a:bodyPr>
-            <a:normAutofit/>
-          </a:bodyPr>
-          <a:lstStyle/>
-          <a:p>
-            <a:pPr marL="0" indent="0">
-              <a:buNone/>
-            </a:pPr>
-            <a:r>
-              <a:rPr lang="en-US" sz="2200" dirty="0">
-                <a:latin typeface="Gill Sans MT" panose="020B0502020104020203" pitchFamily="34" charset="77"/>
-              </a:rPr>
-              <a:t>The following two segments of code are equivalent.</a:t>
-            </a:r>
-          </a:p>
-          <a:p>
-            <a:pPr marL="0" indent="0">
-              <a:buNone/>
-            </a:pPr>
-            <a:endParaRPr lang="en-US" sz="2000" b="1" dirty="0">
-              <a:latin typeface="Inconsolata Medium" panose="020B0609030003000000" pitchFamily="49" charset="77"/>
-            </a:endParaRPr>
-          </a:p>
-          <a:p>
-            <a:pPr marL="0" indent="0">
-              <a:buNone/>
-            </a:pPr>
-            <a:r>
-              <a:rPr lang="en-US" sz="2000" b="1" dirty="0">
-                <a:solidFill>
-                  <a:srgbClr val="FF0000"/>
-                </a:solidFill>
-                <a:latin typeface="Inconsolata Medium" panose="020B0609030003000000" pitchFamily="49" charset="77"/>
-              </a:rPr>
-              <a:t># Counting down with a for loop from 10 to 1.</a:t>
-            </a:r>
-          </a:p>
-          <a:p>
-            <a:pPr marL="0" indent="0">
-              <a:buNone/>
-            </a:pPr>
-            <a:r>
-              <a:rPr lang="en-US" sz="2000" b="1" dirty="0">
-                <a:solidFill>
-                  <a:srgbClr val="FF4C00"/>
-                </a:solidFill>
-                <a:latin typeface="Inconsolata Medium" panose="020B0609030003000000" pitchFamily="49" charset="77"/>
-              </a:rPr>
-              <a:t>for </a:t>
-            </a:r>
-            <a:r>
-              <a:rPr lang="en-US" sz="2000" b="1" dirty="0">
-                <a:latin typeface="Inconsolata Medium" panose="020B0609030003000000" pitchFamily="49" charset="77"/>
-              </a:rPr>
-              <a:t>count </a:t>
-            </a:r>
-            <a:r>
-              <a:rPr lang="en-US" sz="2000" b="1" dirty="0">
-                <a:solidFill>
-                  <a:srgbClr val="FF4C00"/>
-                </a:solidFill>
-                <a:latin typeface="Inconsolata Medium" panose="020B0609030003000000" pitchFamily="49" charset="77"/>
-              </a:rPr>
-              <a:t>in </a:t>
-            </a:r>
-            <a:r>
-              <a:rPr lang="en-US" sz="2000" b="1" dirty="0">
-                <a:latin typeface="Inconsolata Medium" panose="020B0609030003000000" pitchFamily="49" charset="77"/>
-              </a:rPr>
-              <a:t>range(10, 0, –1): </a:t>
-            </a:r>
-          </a:p>
-          <a:p>
-            <a:pPr marL="0" indent="0">
-              <a:buNone/>
-            </a:pPr>
-            <a:r>
-              <a:rPr lang="en-US" sz="2000" b="1" dirty="0">
-                <a:solidFill>
-                  <a:srgbClr val="990CFF"/>
-                </a:solidFill>
-                <a:latin typeface="Inconsolata Medium" panose="020B0609030003000000" pitchFamily="49" charset="77"/>
-              </a:rPr>
-              <a:t>	print</a:t>
-            </a:r>
-            <a:r>
-              <a:rPr lang="en-US" sz="2000" b="1" dirty="0">
-                <a:latin typeface="Inconsolata Medium" panose="020B0609030003000000" pitchFamily="49" charset="77"/>
-              </a:rPr>
-              <a:t>(count, end = </a:t>
-            </a:r>
-            <a:r>
-              <a:rPr lang="en-US" sz="2000" b="1" dirty="0">
-                <a:solidFill>
-                  <a:srgbClr val="0CFF00"/>
-                </a:solidFill>
-                <a:latin typeface="Inconsolata Medium" panose="020B0609030003000000" pitchFamily="49" charset="77"/>
-              </a:rPr>
-              <a:t>" "</a:t>
-            </a:r>
-            <a:r>
-              <a:rPr lang="en-US" sz="2000" b="1" dirty="0">
-                <a:latin typeface="Inconsolata Medium" panose="020B0609030003000000" pitchFamily="49" charset="77"/>
-              </a:rPr>
-              <a:t>) </a:t>
-            </a:r>
-          </a:p>
-          <a:p>
-            <a:pPr marL="0" indent="0">
-              <a:buNone/>
-            </a:pPr>
-            <a:endParaRPr lang="en-US" sz="2000" b="1" dirty="0">
-              <a:solidFill>
-                <a:srgbClr val="FF0000"/>
-              </a:solidFill>
-              <a:latin typeface="Inconsolata Medium" panose="020B0609030003000000" pitchFamily="49" charset="77"/>
-            </a:endParaRPr>
-          </a:p>
-          <a:p>
-            <a:pPr marL="0" indent="0">
-              <a:buNone/>
-            </a:pPr>
-            <a:endParaRPr lang="en-US" sz="2000" b="1" dirty="0">
-              <a:solidFill>
-                <a:srgbClr val="FF0000"/>
-              </a:solidFill>
-              <a:latin typeface="Inconsolata Medium" panose="020B0609030003000000" pitchFamily="49" charset="77"/>
-            </a:endParaRPr>
-          </a:p>
-          <a:p>
-            <a:pPr marL="0" indent="0">
-              <a:buNone/>
-            </a:pPr>
-            <a:r>
-              <a:rPr lang="en-US" sz="2000" b="1" dirty="0">
-                <a:solidFill>
-                  <a:srgbClr val="FF0000"/>
-                </a:solidFill>
-                <a:latin typeface="Inconsolata Medium" panose="020B0609030003000000" pitchFamily="49" charset="77"/>
-              </a:rPr>
-              <a:t># Counting down with a while loop from 10 to 1.</a:t>
-            </a:r>
-          </a:p>
-          <a:p>
-            <a:pPr marL="0" indent="0">
-              <a:buNone/>
-            </a:pPr>
-            <a:r>
-              <a:rPr lang="en-US" sz="2000" b="1" dirty="0">
-                <a:latin typeface="Inconsolata Medium" panose="020B0609030003000000" pitchFamily="49" charset="77"/>
-              </a:rPr>
-              <a:t>count = 10 </a:t>
-            </a:r>
-          </a:p>
-          <a:p>
-            <a:pPr marL="0" indent="0">
-              <a:buNone/>
-            </a:pPr>
-            <a:r>
-              <a:rPr lang="en-US" sz="2000" b="1" dirty="0">
-                <a:solidFill>
-                  <a:srgbClr val="FF4C00"/>
-                </a:solidFill>
-                <a:latin typeface="Inconsolata Medium" panose="020B0609030003000000" pitchFamily="49" charset="77"/>
-              </a:rPr>
-              <a:t>while </a:t>
-            </a:r>
-            <a:r>
-              <a:rPr lang="en-US" sz="2000" b="1" dirty="0">
-                <a:latin typeface="Inconsolata Medium" panose="020B0609030003000000" pitchFamily="49" charset="77"/>
-              </a:rPr>
-              <a:t>count &gt;= 1: </a:t>
-            </a:r>
-          </a:p>
-          <a:p>
-            <a:pPr marL="0" indent="0">
-              <a:buNone/>
-            </a:pPr>
-            <a:r>
-              <a:rPr lang="en-US" sz="2000" b="1" dirty="0">
-                <a:solidFill>
-                  <a:srgbClr val="990CFF"/>
-                </a:solidFill>
-                <a:latin typeface="Inconsolata Medium" panose="020B0609030003000000" pitchFamily="49" charset="77"/>
-              </a:rPr>
-              <a:t>	print</a:t>
-            </a:r>
-            <a:r>
-              <a:rPr lang="en-US" sz="2000" b="1" dirty="0">
-                <a:latin typeface="Inconsolata Medium" panose="020B0609030003000000" pitchFamily="49" charset="77"/>
-              </a:rPr>
-              <a:t>(count, end = </a:t>
-            </a:r>
-            <a:r>
-              <a:rPr lang="en-US" sz="2000" b="1" dirty="0">
-                <a:solidFill>
-                  <a:srgbClr val="0CFF00"/>
-                </a:solidFill>
-                <a:latin typeface="Inconsolata Medium" panose="020B0609030003000000" pitchFamily="49" charset="77"/>
-              </a:rPr>
-              <a:t>" "</a:t>
-            </a:r>
-            <a:r>
-              <a:rPr lang="en-US" sz="2000" b="1" dirty="0">
-                <a:latin typeface="Inconsolata Medium" panose="020B0609030003000000" pitchFamily="49" charset="77"/>
-              </a:rPr>
-              <a:t>) </a:t>
-            </a:r>
-          </a:p>
-          <a:p>
-            <a:pPr marL="0" indent="0">
-              <a:buNone/>
-            </a:pPr>
-            <a:r>
-              <a:rPr lang="en-US" sz="2000" b="1" dirty="0">
-                <a:latin typeface="Inconsolata Medium" panose="020B0609030003000000" pitchFamily="49" charset="77"/>
-              </a:rPr>
-              <a:t>	count -= 1 </a:t>
-            </a:r>
-          </a:p>
-          <a:p>
-            <a:pPr marL="0" indent="0">
-              <a:buNone/>
-            </a:pPr>
-            <a:endParaRPr lang="en-US" sz="2400" b="1" dirty="0">
-              <a:solidFill>
-                <a:srgbClr val="193FFF"/>
-              </a:solidFill>
-              <a:latin typeface="LucidaSansTypewriterStd"/>
-            </a:endParaRPr>
-          </a:p>
-          <a:p>
-            <a:pPr marL="0" indent="0">
-              <a:buNone/>
-              <a:defRPr/>
-            </a:pPr>
-            <a:endParaRPr lang="en-US" dirty="0"/>
-          </a:p>
-          <a:p>
-            <a:pPr marL="0" indent="0">
-              <a:buNone/>
-              <a:defRPr/>
-            </a:pPr>
-            <a:endParaRPr lang="en-US" dirty="0">
-              <a:latin typeface="Gill Sans MT" panose="020B0502020104020203" pitchFamily="34" charset="77"/>
-            </a:endParaRPr>
-          </a:p>
-        </p:txBody>
-      </p:sp>
-    </p:spTree>
-    <p:extLst>
-      <p:ext uri="{BB962C8B-B14F-4D97-AF65-F5344CB8AC3E}">
-        <p14:creationId xmlns:p14="http://schemas.microsoft.com/office/powerpoint/2010/main" val="1022945305"/>
-      </p:ext>
-    </p:extLst>
-  </p:cSld>
-  <p:clrMapOvr>
-    <a:masterClrMapping/>
-  </p:clrMapOvr>
-</p:sld>
-</file>
-
 <file path=ppt/slides/slide23.xml><?xml version="1.0" encoding="utf-8"?>
-<p:sld xmlns:a="http://schemas.openxmlformats.org/drawingml/2006/main" xmlns:r="http://schemas.openxmlformats.org/officeDocument/2006/relationships" xmlns:p="http://schemas.openxmlformats.org/presentationml/2006/main">
-  <p:cSld>
-    <p:spTree>
-      <p:nvGrpSpPr>
-        <p:cNvPr id="1" name=""/>
-        <p:cNvGrpSpPr/>
-        <p:nvPr/>
-      </p:nvGrpSpPr>
-      <p:grpSpPr>
-        <a:xfrm>
-          <a:off x="0" y="0"/>
-          <a:ext cx="0" cy="0"/>
-          <a:chOff x="0" y="0"/>
-          <a:chExt cx="0" cy="0"/>
-        </a:xfrm>
-      </p:grpSpPr>
-      <p:sp>
-        <p:nvSpPr>
-          <p:cNvPr id="2" name="Title 1">
-            <a:extLst>
-              <a:ext uri="{FF2B5EF4-FFF2-40B4-BE49-F238E27FC236}">
-                <a16:creationId xmlns:a16="http://schemas.microsoft.com/office/drawing/2014/main" id="{AA3A228F-61D0-D949-A5E7-F83756230BF8}"/>
-              </a:ext>
-            </a:extLst>
-          </p:cNvPr>
-          <p:cNvSpPr>
-            <a:spLocks noGrp="1"/>
-          </p:cNvSpPr>
-          <p:nvPr>
-            <p:ph type="title"/>
-          </p:nvPr>
-        </p:nvSpPr>
-        <p:spPr>
-          <a:xfrm>
-            <a:off x="483848" y="54496"/>
-            <a:ext cx="7053542" cy="683886"/>
-          </a:xfrm>
-        </p:spPr>
-        <p:txBody>
-          <a:bodyPr/>
-          <a:lstStyle/>
-          <a:p>
-            <a:r>
-              <a:rPr lang="en-US" dirty="0"/>
-              <a:t>While vs For Loops 2</a:t>
-            </a:r>
-          </a:p>
-        </p:txBody>
-      </p:sp>
-      <p:sp>
-        <p:nvSpPr>
-          <p:cNvPr id="9" name="Content Placeholder 8">
-            <a:extLst>
-              <a:ext uri="{FF2B5EF4-FFF2-40B4-BE49-F238E27FC236}">
-                <a16:creationId xmlns:a16="http://schemas.microsoft.com/office/drawing/2014/main" id="{E3B2E017-30B2-884B-A113-B419A2ED51AD}"/>
-              </a:ext>
-            </a:extLst>
-          </p:cNvPr>
-          <p:cNvSpPr>
-            <a:spLocks noGrp="1"/>
-          </p:cNvSpPr>
-          <p:nvPr>
-            <p:ph idx="1"/>
-          </p:nvPr>
-        </p:nvSpPr>
-        <p:spPr>
-          <a:xfrm>
-            <a:off x="483848" y="715617"/>
-            <a:ext cx="8051725" cy="4865375"/>
-          </a:xfrm>
-        </p:spPr>
-        <p:txBody>
-          <a:bodyPr>
-            <a:normAutofit/>
-          </a:bodyPr>
-          <a:lstStyle/>
-          <a:p>
-            <a:pPr marL="0" indent="0">
-              <a:buNone/>
-            </a:pPr>
-            <a:r>
-              <a:rPr lang="en-US" sz="2200" dirty="0">
-                <a:latin typeface="Gill Sans MT" panose="020B0502020104020203" pitchFamily="34" charset="77"/>
-              </a:rPr>
-              <a:t>The following two segments of code are equivalent.</a:t>
-            </a:r>
-            <a:endParaRPr lang="en-US" sz="2000" b="1" dirty="0">
-              <a:latin typeface="Inconsolata Medium" panose="020B0609030003000000" pitchFamily="49" charset="77"/>
-            </a:endParaRPr>
-          </a:p>
-          <a:p>
-            <a:pPr marL="0" indent="0">
-              <a:buNone/>
-            </a:pPr>
-            <a:r>
-              <a:rPr lang="en-US" sz="2000" b="1" dirty="0">
-                <a:solidFill>
-                  <a:srgbClr val="FF0000"/>
-                </a:solidFill>
-                <a:latin typeface="Inconsolata Medium" panose="020B0609030003000000" pitchFamily="49" charset="77"/>
-              </a:rPr>
-              <a:t># Summation with a for loop </a:t>
-            </a:r>
-          </a:p>
-          <a:p>
-            <a:pPr marL="0" indent="0">
-              <a:buNone/>
-            </a:pPr>
-            <a:r>
-              <a:rPr lang="en-US" sz="2000" b="1" dirty="0" err="1">
-                <a:latin typeface="Inconsolata Medium" panose="020B0609030003000000" pitchFamily="49" charset="77"/>
-              </a:rPr>
-              <a:t>theSum</a:t>
-            </a:r>
-            <a:r>
-              <a:rPr lang="en-US" sz="2000" b="1" dirty="0">
-                <a:latin typeface="Inconsolata Medium" panose="020B0609030003000000" pitchFamily="49" charset="77"/>
-              </a:rPr>
-              <a:t> = 0 </a:t>
-            </a:r>
-          </a:p>
-          <a:p>
-            <a:pPr marL="0" indent="0">
-              <a:buNone/>
-            </a:pPr>
-            <a:r>
-              <a:rPr lang="en-US" sz="2000" b="1" dirty="0">
-                <a:solidFill>
-                  <a:srgbClr val="FF4C00"/>
-                </a:solidFill>
-                <a:latin typeface="Inconsolata Medium" panose="020B0609030003000000" pitchFamily="49" charset="77"/>
-              </a:rPr>
-              <a:t>for </a:t>
-            </a:r>
-            <a:r>
-              <a:rPr lang="en-US" sz="2000" b="1" dirty="0">
-                <a:latin typeface="Inconsolata Medium" panose="020B0609030003000000" pitchFamily="49" charset="77"/>
-              </a:rPr>
-              <a:t>count </a:t>
-            </a:r>
-            <a:r>
-              <a:rPr lang="en-US" sz="2000" b="1" dirty="0">
-                <a:solidFill>
-                  <a:srgbClr val="FF4C00"/>
-                </a:solidFill>
-                <a:latin typeface="Inconsolata Medium" panose="020B0609030003000000" pitchFamily="49" charset="77"/>
-              </a:rPr>
-              <a:t>in </a:t>
-            </a:r>
-            <a:r>
-              <a:rPr lang="en-US" sz="2000" b="1" dirty="0">
-                <a:solidFill>
-                  <a:srgbClr val="990CFF"/>
-                </a:solidFill>
-                <a:latin typeface="Inconsolata Medium" panose="020B0609030003000000" pitchFamily="49" charset="77"/>
-              </a:rPr>
-              <a:t>range</a:t>
-            </a:r>
-            <a:r>
-              <a:rPr lang="en-US" sz="2000" b="1" dirty="0">
-                <a:latin typeface="Inconsolata Medium" panose="020B0609030003000000" pitchFamily="49" charset="77"/>
-              </a:rPr>
-              <a:t>(1, 101): </a:t>
-            </a:r>
-          </a:p>
-          <a:p>
-            <a:pPr marL="0" indent="0">
-              <a:buNone/>
-            </a:pPr>
-            <a:r>
-              <a:rPr lang="en-US" sz="2000" b="1" dirty="0">
-                <a:latin typeface="Inconsolata Medium" panose="020B0609030003000000" pitchFamily="49" charset="77"/>
-              </a:rPr>
-              <a:t>	</a:t>
-            </a:r>
-            <a:r>
-              <a:rPr lang="en-US" sz="2000" b="1" dirty="0" err="1">
-                <a:latin typeface="Inconsolata Medium" panose="020B0609030003000000" pitchFamily="49" charset="77"/>
-              </a:rPr>
-              <a:t>theSum</a:t>
-            </a:r>
-            <a:r>
-              <a:rPr lang="en-US" sz="2000" b="1" dirty="0">
-                <a:latin typeface="Inconsolata Medium" panose="020B0609030003000000" pitchFamily="49" charset="77"/>
-              </a:rPr>
-              <a:t> += count </a:t>
-            </a:r>
-          </a:p>
-          <a:p>
-            <a:pPr marL="0" indent="0">
-              <a:buNone/>
-            </a:pPr>
-            <a:r>
-              <a:rPr lang="en-US" sz="2000" b="1" dirty="0">
-                <a:solidFill>
-                  <a:srgbClr val="990CFF"/>
-                </a:solidFill>
-                <a:latin typeface="Inconsolata Medium" panose="020B0609030003000000" pitchFamily="49" charset="77"/>
-              </a:rPr>
-              <a:t>print</a:t>
-            </a:r>
-            <a:r>
-              <a:rPr lang="en-US" sz="2000" b="1" dirty="0">
-                <a:latin typeface="Inconsolata Medium" panose="020B0609030003000000" pitchFamily="49" charset="77"/>
-              </a:rPr>
-              <a:t>(</a:t>
-            </a:r>
-            <a:r>
-              <a:rPr lang="en-US" sz="2000" b="1" dirty="0" err="1">
-                <a:latin typeface="Inconsolata Medium" panose="020B0609030003000000" pitchFamily="49" charset="77"/>
-              </a:rPr>
-              <a:t>theSum</a:t>
-            </a:r>
-            <a:r>
-              <a:rPr lang="en-US" sz="2000" b="1" dirty="0">
-                <a:latin typeface="Inconsolata Medium" panose="020B0609030003000000" pitchFamily="49" charset="77"/>
-              </a:rPr>
-              <a:t>) </a:t>
-            </a:r>
-            <a:endParaRPr lang="en-US" sz="2000" b="1" dirty="0">
-              <a:solidFill>
-                <a:srgbClr val="FF0000"/>
-              </a:solidFill>
-              <a:latin typeface="Inconsolata Medium" panose="020B0609030003000000" pitchFamily="49" charset="77"/>
-            </a:endParaRPr>
-          </a:p>
-          <a:p>
-            <a:pPr marL="0" indent="0">
-              <a:buNone/>
-            </a:pPr>
-            <a:r>
-              <a:rPr lang="en-US" sz="2000" b="1" dirty="0">
-                <a:solidFill>
-                  <a:srgbClr val="FF0000"/>
-                </a:solidFill>
-                <a:latin typeface="Inconsolata Medium" panose="020B0609030003000000" pitchFamily="49" charset="77"/>
-              </a:rPr>
-              <a:t># Summation with a while loop </a:t>
-            </a:r>
-          </a:p>
-          <a:p>
-            <a:pPr marL="0" indent="0">
-              <a:buNone/>
-            </a:pPr>
-            <a:r>
-              <a:rPr lang="en-US" sz="2000" b="1" dirty="0" err="1">
-                <a:latin typeface="Inconsolata Medium" panose="020B0609030003000000" pitchFamily="49" charset="77"/>
-              </a:rPr>
-              <a:t>theSum</a:t>
-            </a:r>
-            <a:r>
-              <a:rPr lang="en-US" sz="2000" b="1" dirty="0">
-                <a:latin typeface="Inconsolata Medium" panose="020B0609030003000000" pitchFamily="49" charset="77"/>
-              </a:rPr>
-              <a:t> = 0 </a:t>
-            </a:r>
-          </a:p>
-          <a:p>
-            <a:pPr marL="0" indent="0">
-              <a:buNone/>
-            </a:pPr>
-            <a:r>
-              <a:rPr lang="en-US" sz="2000" b="1" dirty="0">
-                <a:latin typeface="Inconsolata Medium" panose="020B0609030003000000" pitchFamily="49" charset="77"/>
-              </a:rPr>
-              <a:t>count = 1 </a:t>
-            </a:r>
-          </a:p>
-          <a:p>
-            <a:pPr marL="0" indent="0">
-              <a:buNone/>
-            </a:pPr>
-            <a:r>
-              <a:rPr lang="en-US" sz="2000" b="1" dirty="0">
-                <a:solidFill>
-                  <a:srgbClr val="FF4C00"/>
-                </a:solidFill>
-                <a:latin typeface="Inconsolata Medium" panose="020B0609030003000000" pitchFamily="49" charset="77"/>
-              </a:rPr>
-              <a:t>while </a:t>
-            </a:r>
-            <a:r>
-              <a:rPr lang="en-US" sz="2000" b="1" dirty="0">
-                <a:latin typeface="Inconsolata Medium" panose="020B0609030003000000" pitchFamily="49" charset="77"/>
-              </a:rPr>
-              <a:t>count &lt;= 100:</a:t>
-            </a:r>
-          </a:p>
-          <a:p>
-            <a:pPr marL="0" indent="0">
-              <a:buNone/>
-            </a:pPr>
-            <a:r>
-              <a:rPr lang="en-US" sz="2000" b="1" dirty="0">
-                <a:latin typeface="Inconsolata Medium" panose="020B0609030003000000" pitchFamily="49" charset="77"/>
-              </a:rPr>
-              <a:t>	</a:t>
-            </a:r>
-            <a:r>
-              <a:rPr lang="en-US" sz="2000" b="1" dirty="0" err="1">
-                <a:latin typeface="Inconsolata Medium" panose="020B0609030003000000" pitchFamily="49" charset="77"/>
-              </a:rPr>
-              <a:t>theSum</a:t>
-            </a:r>
-            <a:r>
-              <a:rPr lang="en-US" sz="2000" b="1" dirty="0">
-                <a:latin typeface="Inconsolata Medium" panose="020B0609030003000000" pitchFamily="49" charset="77"/>
-              </a:rPr>
-              <a:t> += count </a:t>
-            </a:r>
-          </a:p>
-          <a:p>
-            <a:pPr marL="0" indent="0">
-              <a:buNone/>
-            </a:pPr>
-            <a:r>
-              <a:rPr lang="en-US" sz="2000" b="1" dirty="0">
-                <a:latin typeface="Inconsolata Medium" panose="020B0609030003000000" pitchFamily="49" charset="77"/>
-              </a:rPr>
-              <a:t>	count += 1 </a:t>
-            </a:r>
-          </a:p>
-          <a:p>
-            <a:pPr marL="0" indent="0">
-              <a:buNone/>
-            </a:pPr>
-            <a:r>
-              <a:rPr lang="en-US" sz="2000" b="1" dirty="0">
-                <a:solidFill>
-                  <a:srgbClr val="990CFF"/>
-                </a:solidFill>
-                <a:latin typeface="Inconsolata Medium" panose="020B0609030003000000" pitchFamily="49" charset="77"/>
-              </a:rPr>
-              <a:t>print</a:t>
-            </a:r>
-            <a:r>
-              <a:rPr lang="en-US" sz="2000" b="1" dirty="0">
-                <a:latin typeface="Inconsolata Medium" panose="020B0609030003000000" pitchFamily="49" charset="77"/>
-              </a:rPr>
-              <a:t>(</a:t>
-            </a:r>
-            <a:r>
-              <a:rPr lang="en-US" sz="2000" b="1" dirty="0" err="1">
-                <a:latin typeface="Inconsolata Medium" panose="020B0609030003000000" pitchFamily="49" charset="77"/>
-              </a:rPr>
-              <a:t>theSum</a:t>
-            </a:r>
-            <a:r>
-              <a:rPr lang="en-US" sz="2000" b="1" dirty="0">
-                <a:latin typeface="Inconsolata Medium" panose="020B0609030003000000" pitchFamily="49" charset="77"/>
-              </a:rPr>
-              <a:t>) </a:t>
-            </a:r>
-            <a:endParaRPr lang="en-US" sz="2000" dirty="0">
-              <a:latin typeface="Inconsolata Medium" panose="020B0609030003000000" pitchFamily="49" charset="77"/>
-            </a:endParaRPr>
-          </a:p>
-          <a:p>
-            <a:pPr marL="0" indent="0">
-              <a:buNone/>
-            </a:pPr>
-            <a:endParaRPr lang="en-US" sz="2400" b="1" dirty="0">
-              <a:solidFill>
-                <a:srgbClr val="193FFF"/>
-              </a:solidFill>
-              <a:latin typeface="LucidaSansTypewriterStd"/>
-            </a:endParaRPr>
-          </a:p>
-          <a:p>
-            <a:pPr marL="0" indent="0">
-              <a:buNone/>
-              <a:defRPr/>
-            </a:pPr>
-            <a:endParaRPr lang="en-US" dirty="0"/>
-          </a:p>
-          <a:p>
-            <a:pPr marL="0" indent="0">
-              <a:buNone/>
-              <a:defRPr/>
-            </a:pPr>
-            <a:endParaRPr lang="en-US" dirty="0">
-              <a:latin typeface="Gill Sans MT" panose="020B0502020104020203" pitchFamily="34" charset="77"/>
-            </a:endParaRPr>
-          </a:p>
-        </p:txBody>
-      </p:sp>
-    </p:spTree>
-    <p:extLst>
-      <p:ext uri="{BB962C8B-B14F-4D97-AF65-F5344CB8AC3E}">
-        <p14:creationId xmlns:p14="http://schemas.microsoft.com/office/powerpoint/2010/main" val="3894299887"/>
-      </p:ext>
-    </p:extLst>
-  </p:cSld>
-  <p:clrMapOvr>
-    <a:masterClrMapping/>
-  </p:clrMapOvr>
-</p:sld>
-</file>
-
-<file path=ppt/slides/slide24.xml><?xml version="1.0" encoding="utf-8"?>
-<p:sld xmlns:a="http://schemas.openxmlformats.org/drawingml/2006/main" xmlns:r="http://schemas.openxmlformats.org/officeDocument/2006/relationships" xmlns:p="http://schemas.openxmlformats.org/presentationml/2006/main">
-  <p:cSld>
-    <p:spTree>
-      <p:nvGrpSpPr>
-        <p:cNvPr id="1" name=""/>
-        <p:cNvGrpSpPr/>
-        <p:nvPr/>
-      </p:nvGrpSpPr>
-      <p:grpSpPr>
-        <a:xfrm>
-          <a:off x="0" y="0"/>
-          <a:ext cx="0" cy="0"/>
-          <a:chOff x="0" y="0"/>
-          <a:chExt cx="0" cy="0"/>
-        </a:xfrm>
-      </p:grpSpPr>
-      <p:sp>
-        <p:nvSpPr>
-          <p:cNvPr id="2" name="Title 1">
-            <a:extLst>
-              <a:ext uri="{FF2B5EF4-FFF2-40B4-BE49-F238E27FC236}">
-                <a16:creationId xmlns:a16="http://schemas.microsoft.com/office/drawing/2014/main" id="{AA3A228F-61D0-D949-A5E7-F83756230BF8}"/>
-              </a:ext>
-            </a:extLst>
-          </p:cNvPr>
-          <p:cNvSpPr>
-            <a:spLocks noGrp="1"/>
-          </p:cNvSpPr>
-          <p:nvPr>
-            <p:ph type="title"/>
-          </p:nvPr>
-        </p:nvSpPr>
-        <p:spPr>
-          <a:xfrm>
-            <a:off x="483848" y="54496"/>
-            <a:ext cx="7053542" cy="683886"/>
-          </a:xfrm>
-        </p:spPr>
-        <p:txBody>
-          <a:bodyPr/>
-          <a:lstStyle/>
-          <a:p>
-            <a:r>
-              <a:rPr lang="en-US" dirty="0"/>
-              <a:t>While Loop</a:t>
-            </a:r>
-          </a:p>
-        </p:txBody>
-      </p:sp>
-      <p:sp>
-        <p:nvSpPr>
-          <p:cNvPr id="9" name="Content Placeholder 8">
-            <a:extLst>
-              <a:ext uri="{FF2B5EF4-FFF2-40B4-BE49-F238E27FC236}">
-                <a16:creationId xmlns:a16="http://schemas.microsoft.com/office/drawing/2014/main" id="{E3B2E017-30B2-884B-A113-B419A2ED51AD}"/>
-              </a:ext>
-            </a:extLst>
-          </p:cNvPr>
-          <p:cNvSpPr>
-            <a:spLocks noGrp="1"/>
-          </p:cNvSpPr>
-          <p:nvPr>
-            <p:ph idx="1"/>
-          </p:nvPr>
-        </p:nvSpPr>
-        <p:spPr>
-          <a:xfrm>
-            <a:off x="483848" y="583097"/>
-            <a:ext cx="8051725" cy="4997896"/>
-          </a:xfrm>
-        </p:spPr>
-        <p:txBody>
-          <a:bodyPr>
-            <a:normAutofit/>
-          </a:bodyPr>
-          <a:lstStyle/>
-          <a:p>
-            <a:pPr marL="0" indent="0">
-              <a:buNone/>
-            </a:pPr>
-            <a:r>
-              <a:rPr lang="en-US" sz="2000" b="1" dirty="0">
-                <a:solidFill>
-                  <a:srgbClr val="FF4C00"/>
-                </a:solidFill>
-                <a:latin typeface="LucidaSansTypewriterStd"/>
-              </a:rPr>
-              <a:t>while True</a:t>
-            </a:r>
-            <a:r>
-              <a:rPr lang="en-US" sz="2000" b="1" dirty="0">
-                <a:latin typeface="LucidaSansTypewriterStd"/>
-              </a:rPr>
-              <a:t>: </a:t>
-            </a:r>
-          </a:p>
-          <a:p>
-            <a:pPr marL="0" indent="0">
-              <a:buNone/>
-            </a:pPr>
-            <a:r>
-              <a:rPr lang="en-US" sz="2000" b="1" dirty="0">
-                <a:latin typeface="LucidaSansTypewriterStd"/>
-              </a:rPr>
-              <a:t>	number = </a:t>
-            </a:r>
-            <a:r>
-              <a:rPr lang="en-US" sz="2000" b="1" dirty="0">
-                <a:solidFill>
-                  <a:srgbClr val="990CFF"/>
-                </a:solidFill>
-                <a:latin typeface="LucidaSansTypewriterStd"/>
-              </a:rPr>
-              <a:t>int</a:t>
-            </a:r>
-            <a:r>
-              <a:rPr lang="en-US" sz="2000" b="1" dirty="0">
-                <a:latin typeface="LucidaSansTypewriterStd"/>
-              </a:rPr>
-              <a:t>(</a:t>
-            </a:r>
-            <a:r>
-              <a:rPr lang="en-US" sz="2000" b="1" dirty="0">
-                <a:solidFill>
-                  <a:srgbClr val="990CFF"/>
-                </a:solidFill>
-                <a:latin typeface="LucidaSansTypewriterStd"/>
-              </a:rPr>
-              <a:t>input</a:t>
-            </a:r>
-            <a:r>
-              <a:rPr lang="en-US" sz="2000" b="1" dirty="0">
-                <a:latin typeface="LucidaSansTypewriterStd"/>
-              </a:rPr>
-              <a:t>(</a:t>
-            </a:r>
-            <a:r>
-              <a:rPr lang="en-US" sz="2000" b="1" dirty="0">
-                <a:solidFill>
-                  <a:srgbClr val="0CFF00"/>
-                </a:solidFill>
-                <a:latin typeface="LucidaSansTypewriterStd"/>
-              </a:rPr>
-              <a:t>"Enter the numeric grade: "</a:t>
-            </a:r>
-            <a:r>
-              <a:rPr lang="en-US" sz="2000" b="1" dirty="0">
-                <a:latin typeface="LucidaSansTypewriterStd"/>
-              </a:rPr>
-              <a:t>)) </a:t>
-            </a:r>
-          </a:p>
-          <a:p>
-            <a:pPr marL="0" indent="0">
-              <a:buNone/>
-            </a:pPr>
-            <a:r>
-              <a:rPr lang="en-US" sz="2000" b="1" dirty="0">
-                <a:solidFill>
-                  <a:srgbClr val="FF4C00"/>
-                </a:solidFill>
-                <a:latin typeface="LucidaSansTypewriterStd"/>
-              </a:rPr>
-              <a:t>	if </a:t>
-            </a:r>
-            <a:r>
-              <a:rPr lang="en-US" sz="2000" b="1" dirty="0">
-                <a:latin typeface="LucidaSansTypewriterStd"/>
-              </a:rPr>
-              <a:t>number &gt;= 0 and number &lt;= 100: </a:t>
-            </a:r>
-          </a:p>
-          <a:p>
-            <a:pPr marL="0" indent="0">
-              <a:buNone/>
-            </a:pPr>
-            <a:r>
-              <a:rPr lang="en-US" sz="2000" b="1" dirty="0">
-                <a:solidFill>
-                  <a:srgbClr val="FF4C00"/>
-                </a:solidFill>
-                <a:latin typeface="LucidaSansTypewriterStd"/>
-              </a:rPr>
-              <a:t>		break </a:t>
-            </a:r>
-          </a:p>
-          <a:p>
-            <a:pPr marL="0" indent="0">
-              <a:buNone/>
-            </a:pPr>
-            <a:r>
-              <a:rPr lang="en-US" sz="2000" b="1" dirty="0">
-                <a:solidFill>
-                  <a:srgbClr val="FF4C00"/>
-                </a:solidFill>
-                <a:latin typeface="LucidaSansTypewriterStd"/>
-              </a:rPr>
-              <a:t>	else</a:t>
-            </a:r>
-            <a:r>
-              <a:rPr lang="en-US" sz="2000" b="1" dirty="0">
-                <a:latin typeface="LucidaSansTypewriterStd"/>
-              </a:rPr>
-              <a:t>: </a:t>
-            </a:r>
-            <a:endParaRPr lang="en-US" sz="2000" dirty="0"/>
-          </a:p>
-          <a:p>
-            <a:pPr marL="0" indent="0">
-              <a:buNone/>
-            </a:pPr>
-            <a:r>
-              <a:rPr lang="en-US" sz="2000" b="1" dirty="0">
-                <a:solidFill>
-                  <a:srgbClr val="990CFF"/>
-                </a:solidFill>
-                <a:latin typeface="LucidaSansTypewriterStd"/>
-              </a:rPr>
-              <a:t>		print</a:t>
-            </a:r>
-            <a:r>
-              <a:rPr lang="en-US" sz="2000" b="1" dirty="0">
-                <a:latin typeface="LucidaSansTypewriterStd"/>
-              </a:rPr>
-              <a:t>(</a:t>
-            </a:r>
-            <a:r>
-              <a:rPr lang="en-US" sz="2000" b="1" dirty="0">
-                <a:solidFill>
-                  <a:srgbClr val="0CFF00"/>
-                </a:solidFill>
-                <a:latin typeface="LucidaSansTypewriterStd"/>
-              </a:rPr>
-              <a:t>"Error: grade must be between 100 and 0"</a:t>
-            </a:r>
-            <a:r>
-              <a:rPr lang="en-US" sz="2000" b="1" dirty="0">
-                <a:latin typeface="LucidaSansTypewriterStd"/>
-              </a:rPr>
-              <a:t>) </a:t>
-            </a:r>
-          </a:p>
-          <a:p>
-            <a:pPr marL="0" indent="0">
-              <a:buNone/>
-            </a:pPr>
-            <a:r>
-              <a:rPr lang="en-US" sz="2000" b="1" dirty="0">
-                <a:solidFill>
-                  <a:srgbClr val="990CFF"/>
-                </a:solidFill>
-                <a:latin typeface="LucidaSansTypewriterStd"/>
-              </a:rPr>
-              <a:t>print</a:t>
-            </a:r>
-            <a:r>
-              <a:rPr lang="en-US" sz="2000" b="1" dirty="0">
-                <a:latin typeface="LucidaSansTypewriterStd"/>
-              </a:rPr>
-              <a:t>(number) </a:t>
-            </a:r>
-            <a:r>
-              <a:rPr lang="en-US" sz="2000" b="1" dirty="0">
-                <a:solidFill>
-                  <a:srgbClr val="FF0000"/>
-                </a:solidFill>
-                <a:latin typeface="LucidaSansTypewriterStd"/>
-              </a:rPr>
-              <a:t># Just echo the valid input </a:t>
-            </a:r>
-            <a:endParaRPr lang="en-US" sz="2000" dirty="0"/>
-          </a:p>
-          <a:p>
-            <a:pPr marL="0" indent="0">
-              <a:buNone/>
-            </a:pPr>
-            <a:endParaRPr lang="en-US" sz="1800" b="1" dirty="0">
-              <a:solidFill>
-                <a:srgbClr val="193FFF"/>
-              </a:solidFill>
-              <a:latin typeface="LucidaSansTypewriterStd"/>
-            </a:endParaRPr>
-          </a:p>
-          <a:p>
-            <a:pPr marL="0" indent="0">
-              <a:buNone/>
-            </a:pPr>
-            <a:r>
-              <a:rPr lang="en-US" sz="1800" b="1" dirty="0">
-                <a:solidFill>
-                  <a:srgbClr val="193FFF"/>
-                </a:solidFill>
-                <a:latin typeface="LucidaSansTypewriterStd"/>
-              </a:rPr>
-              <a:t>Enter the numeric grade: </a:t>
-            </a:r>
-            <a:r>
-              <a:rPr lang="en-US" sz="1800" b="1" dirty="0">
-                <a:latin typeface="LucidaSansTypewriterStd"/>
-              </a:rPr>
-              <a:t>101 </a:t>
-            </a:r>
-          </a:p>
-          <a:p>
-            <a:pPr marL="0" indent="0">
-              <a:buNone/>
-            </a:pPr>
-            <a:r>
-              <a:rPr lang="en-US" sz="1800" b="1" dirty="0">
-                <a:solidFill>
-                  <a:srgbClr val="193FFF"/>
-                </a:solidFill>
-                <a:latin typeface="LucidaSansTypewriterStd"/>
-              </a:rPr>
-              <a:t>Error: grade must be between 100 and 0 </a:t>
-            </a:r>
-          </a:p>
-          <a:p>
-            <a:pPr marL="0" indent="0">
-              <a:buNone/>
-            </a:pPr>
-            <a:r>
-              <a:rPr lang="en-US" sz="1800" b="1" dirty="0">
-                <a:solidFill>
-                  <a:srgbClr val="193FFF"/>
-                </a:solidFill>
-                <a:latin typeface="LucidaSansTypewriterStd"/>
-              </a:rPr>
-              <a:t>Enter the numeric grade: </a:t>
-            </a:r>
-            <a:r>
-              <a:rPr lang="en-US" sz="1800" b="1" dirty="0">
-                <a:latin typeface="LucidaSansTypewriterStd"/>
-              </a:rPr>
-              <a:t>–1 </a:t>
-            </a:r>
-          </a:p>
-          <a:p>
-            <a:pPr marL="0" indent="0">
-              <a:buNone/>
-            </a:pPr>
-            <a:r>
-              <a:rPr lang="en-US" sz="1800" b="1" dirty="0">
-                <a:solidFill>
-                  <a:srgbClr val="193FFF"/>
-                </a:solidFill>
-                <a:latin typeface="LucidaSansTypewriterStd"/>
-              </a:rPr>
-              <a:t>Error: grade must be between 100 and 0 </a:t>
-            </a:r>
-          </a:p>
-          <a:p>
-            <a:pPr marL="0" indent="0">
-              <a:buNone/>
-            </a:pPr>
-            <a:r>
-              <a:rPr lang="en-US" sz="1800" b="1" dirty="0">
-                <a:solidFill>
-                  <a:srgbClr val="193FFF"/>
-                </a:solidFill>
-                <a:latin typeface="LucidaSansTypewriterStd"/>
-              </a:rPr>
-              <a:t>Enter the numeric grade: </a:t>
-            </a:r>
-            <a:r>
-              <a:rPr lang="en-US" sz="1800" b="1" dirty="0">
-                <a:latin typeface="LucidaSansTypewriterStd"/>
-              </a:rPr>
-              <a:t>45 </a:t>
-            </a:r>
-          </a:p>
-          <a:p>
-            <a:pPr marL="0" indent="0">
-              <a:buNone/>
-            </a:pPr>
-            <a:r>
-              <a:rPr lang="en-US" sz="1800" b="1" dirty="0">
-                <a:solidFill>
-                  <a:srgbClr val="193FFF"/>
-                </a:solidFill>
-                <a:latin typeface="LucidaSansTypewriterStd"/>
-              </a:rPr>
-              <a:t>45 </a:t>
-            </a:r>
-            <a:endParaRPr lang="en-US" sz="1800" dirty="0"/>
-          </a:p>
-          <a:p>
-            <a:pPr marL="0" indent="0">
-              <a:buNone/>
-              <a:defRPr/>
-            </a:pPr>
-            <a:endParaRPr lang="en-US" dirty="0"/>
-          </a:p>
-          <a:p>
-            <a:pPr marL="0" indent="0">
-              <a:buNone/>
-              <a:defRPr/>
-            </a:pPr>
-            <a:endParaRPr lang="en-US" dirty="0">
-              <a:latin typeface="Gill Sans MT" panose="020B0502020104020203" pitchFamily="34" charset="77"/>
-            </a:endParaRPr>
-          </a:p>
-        </p:txBody>
-      </p:sp>
-    </p:spTree>
-    <p:extLst>
-      <p:ext uri="{BB962C8B-B14F-4D97-AF65-F5344CB8AC3E}">
-        <p14:creationId xmlns:p14="http://schemas.microsoft.com/office/powerpoint/2010/main" val="1025618360"/>
-      </p:ext>
-    </p:extLst>
-  </p:cSld>
-  <p:clrMapOvr>
-    <a:masterClrMapping/>
-  </p:clrMapOvr>
-</p:sld>
-</file>
-
-<file path=ppt/slides/slide25.xml><?xml version="1.0" encoding="utf-8"?>
-<p:sld xmlns:a="http://schemas.openxmlformats.org/drawingml/2006/main" xmlns:r="http://schemas.openxmlformats.org/officeDocument/2006/relationships" xmlns:p="http://schemas.openxmlformats.org/presentationml/2006/main">
-  <p:cSld>
-    <p:spTree>
-      <p:nvGrpSpPr>
-        <p:cNvPr id="1" name=""/>
-        <p:cNvGrpSpPr/>
-        <p:nvPr/>
-      </p:nvGrpSpPr>
-      <p:grpSpPr>
-        <a:xfrm>
-          <a:off x="0" y="0"/>
-          <a:ext cx="0" cy="0"/>
-          <a:chOff x="0" y="0"/>
-          <a:chExt cx="0" cy="0"/>
-        </a:xfrm>
-      </p:grpSpPr>
-      <p:sp>
-        <p:nvSpPr>
-          <p:cNvPr id="2" name="Title 1">
-            <a:extLst>
-              <a:ext uri="{FF2B5EF4-FFF2-40B4-BE49-F238E27FC236}">
-                <a16:creationId xmlns:a16="http://schemas.microsoft.com/office/drawing/2014/main" id="{AA3A228F-61D0-D949-A5E7-F83756230BF8}"/>
-              </a:ext>
-            </a:extLst>
-          </p:cNvPr>
-          <p:cNvSpPr>
-            <a:spLocks noGrp="1"/>
-          </p:cNvSpPr>
-          <p:nvPr>
-            <p:ph type="title"/>
-          </p:nvPr>
-        </p:nvSpPr>
-        <p:spPr>
-          <a:xfrm>
-            <a:off x="483848" y="54496"/>
-            <a:ext cx="7053542" cy="683886"/>
-          </a:xfrm>
-        </p:spPr>
-        <p:txBody>
-          <a:bodyPr/>
-          <a:lstStyle/>
-          <a:p>
-            <a:r>
-              <a:rPr lang="en-US" dirty="0"/>
-              <a:t>While Loop</a:t>
-            </a:r>
-          </a:p>
-        </p:txBody>
-      </p:sp>
-      <p:sp>
-        <p:nvSpPr>
-          <p:cNvPr id="9" name="Content Placeholder 8">
-            <a:extLst>
-              <a:ext uri="{FF2B5EF4-FFF2-40B4-BE49-F238E27FC236}">
-                <a16:creationId xmlns:a16="http://schemas.microsoft.com/office/drawing/2014/main" id="{E3B2E017-30B2-884B-A113-B419A2ED51AD}"/>
-              </a:ext>
-            </a:extLst>
-          </p:cNvPr>
-          <p:cNvSpPr>
-            <a:spLocks noGrp="1"/>
-          </p:cNvSpPr>
-          <p:nvPr>
-            <p:ph idx="1"/>
-          </p:nvPr>
-        </p:nvSpPr>
-        <p:spPr>
-          <a:xfrm>
-            <a:off x="483848" y="715617"/>
-            <a:ext cx="8051725" cy="4865375"/>
-          </a:xfrm>
-        </p:spPr>
-        <p:txBody>
-          <a:bodyPr>
-            <a:normAutofit/>
-          </a:bodyPr>
-          <a:lstStyle/>
-          <a:p>
-            <a:pPr marL="0" indent="0">
-              <a:buNone/>
-            </a:pPr>
-            <a:r>
-              <a:rPr lang="en-US" sz="2200" dirty="0">
-                <a:latin typeface="Gill Sans MT" panose="020B0502020104020203" pitchFamily="34" charset="77"/>
-              </a:rPr>
-              <a:t>What does the following program do?</a:t>
-            </a:r>
-          </a:p>
-          <a:p>
-            <a:pPr marL="0" indent="0">
-              <a:buNone/>
-            </a:pPr>
-            <a:endParaRPr lang="en-US" sz="2000" b="1" dirty="0">
-              <a:latin typeface="Inconsolata Medium" panose="020B0609030003000000" pitchFamily="49" charset="77"/>
-            </a:endParaRPr>
-          </a:p>
-          <a:p>
-            <a:pPr marL="0" indent="0">
-              <a:buNone/>
-            </a:pPr>
-            <a:r>
-              <a:rPr lang="en-US" sz="2000" b="1" dirty="0">
-                <a:latin typeface="Inconsolata Medium" panose="020B0609030003000000" pitchFamily="49" charset="77"/>
-              </a:rPr>
-              <a:t>s = 0.0 </a:t>
-            </a:r>
-          </a:p>
-          <a:p>
-            <a:pPr marL="0" indent="0">
-              <a:buNone/>
-            </a:pPr>
-            <a:r>
-              <a:rPr lang="en-US" sz="2000" b="1" dirty="0">
-                <a:latin typeface="Inconsolata Medium" panose="020B0609030003000000" pitchFamily="49" charset="77"/>
-              </a:rPr>
-              <a:t>data = </a:t>
-            </a:r>
-            <a:r>
-              <a:rPr lang="en-US" sz="2000" b="1" dirty="0">
-                <a:solidFill>
-                  <a:srgbClr val="990CFF"/>
-                </a:solidFill>
-                <a:latin typeface="Inconsolata Medium" panose="020B0609030003000000" pitchFamily="49" charset="77"/>
-              </a:rPr>
-              <a:t>input</a:t>
-            </a:r>
-            <a:r>
-              <a:rPr lang="en-US" sz="2000" b="1" dirty="0">
-                <a:latin typeface="Inconsolata Medium" panose="020B0609030003000000" pitchFamily="49" charset="77"/>
-              </a:rPr>
-              <a:t>(</a:t>
-            </a:r>
-            <a:r>
-              <a:rPr lang="en-US" sz="2000" b="1" dirty="0">
-                <a:solidFill>
-                  <a:srgbClr val="0CFF00"/>
-                </a:solidFill>
-                <a:latin typeface="Inconsolata Medium" panose="020B0609030003000000" pitchFamily="49" charset="77"/>
-              </a:rPr>
-              <a:t>"Enter a number or just enter to quit: "</a:t>
-            </a:r>
-            <a:r>
-              <a:rPr lang="en-US" sz="2000" b="1" dirty="0">
-                <a:latin typeface="Inconsolata Medium" panose="020B0609030003000000" pitchFamily="49" charset="77"/>
-              </a:rPr>
-              <a:t>) </a:t>
-            </a:r>
-          </a:p>
-          <a:p>
-            <a:pPr marL="0" indent="0">
-              <a:buNone/>
-            </a:pPr>
-            <a:r>
-              <a:rPr lang="en-US" sz="2000" b="1" dirty="0">
-                <a:solidFill>
-                  <a:srgbClr val="FF4C00"/>
-                </a:solidFill>
-                <a:latin typeface="Inconsolata Medium" panose="020B0609030003000000" pitchFamily="49" charset="77"/>
-              </a:rPr>
-              <a:t>while </a:t>
-            </a:r>
-            <a:r>
-              <a:rPr lang="en-US" sz="2000" b="1" dirty="0">
-                <a:latin typeface="Inconsolata Medium" panose="020B0609030003000000" pitchFamily="49" charset="77"/>
-              </a:rPr>
-              <a:t>data != </a:t>
-            </a:r>
-            <a:r>
-              <a:rPr lang="en-US" sz="2000" b="1" dirty="0">
-                <a:solidFill>
-                  <a:srgbClr val="0CFF00"/>
-                </a:solidFill>
-                <a:latin typeface="Inconsolata Medium" panose="020B0609030003000000" pitchFamily="49" charset="77"/>
-              </a:rPr>
-              <a:t>""</a:t>
-            </a:r>
-            <a:r>
-              <a:rPr lang="en-US" sz="2000" b="1" dirty="0">
-                <a:latin typeface="Inconsolata Medium" panose="020B0609030003000000" pitchFamily="49" charset="77"/>
-              </a:rPr>
-              <a:t>: </a:t>
-            </a:r>
-          </a:p>
-          <a:p>
-            <a:pPr marL="0" indent="0">
-              <a:buNone/>
-            </a:pPr>
-            <a:r>
-              <a:rPr lang="en-US" sz="2000" b="1" dirty="0">
-                <a:latin typeface="Inconsolata Medium" panose="020B0609030003000000" pitchFamily="49" charset="77"/>
-              </a:rPr>
-              <a:t>    number = </a:t>
-            </a:r>
-            <a:r>
-              <a:rPr lang="en-US" sz="2000" b="1" dirty="0">
-                <a:solidFill>
-                  <a:srgbClr val="990CFF"/>
-                </a:solidFill>
-                <a:latin typeface="Inconsolata Medium" panose="020B0609030003000000" pitchFamily="49" charset="77"/>
-              </a:rPr>
-              <a:t>float</a:t>
-            </a:r>
-            <a:r>
-              <a:rPr lang="en-US" sz="2000" b="1" dirty="0">
-                <a:latin typeface="Inconsolata Medium" panose="020B0609030003000000" pitchFamily="49" charset="77"/>
-              </a:rPr>
-              <a:t>(data) </a:t>
-            </a:r>
-          </a:p>
-          <a:p>
-            <a:pPr marL="0" indent="0">
-              <a:buNone/>
-            </a:pPr>
-            <a:r>
-              <a:rPr lang="en-US" sz="2000" b="1" dirty="0">
-                <a:latin typeface="Inconsolata Medium" panose="020B0609030003000000" pitchFamily="49" charset="77"/>
-              </a:rPr>
-              <a:t>    s += number </a:t>
-            </a:r>
-          </a:p>
-          <a:p>
-            <a:pPr marL="0" indent="0">
-              <a:buNone/>
-            </a:pPr>
-            <a:r>
-              <a:rPr lang="en-US" sz="2000" b="1" dirty="0">
-                <a:latin typeface="Inconsolata Medium" panose="020B0609030003000000" pitchFamily="49" charset="77"/>
-              </a:rPr>
-              <a:t>    data = </a:t>
-            </a:r>
-            <a:r>
-              <a:rPr lang="en-US" sz="2000" b="1" dirty="0">
-                <a:solidFill>
-                  <a:srgbClr val="990CFF"/>
-                </a:solidFill>
-                <a:latin typeface="Inconsolata Medium" panose="020B0609030003000000" pitchFamily="49" charset="77"/>
-              </a:rPr>
-              <a:t>input</a:t>
-            </a:r>
-            <a:r>
-              <a:rPr lang="en-US" sz="2000" b="1" dirty="0">
-                <a:latin typeface="Inconsolata Medium" panose="020B0609030003000000" pitchFamily="49" charset="77"/>
-              </a:rPr>
-              <a:t>(</a:t>
-            </a:r>
-            <a:r>
-              <a:rPr lang="en-US" sz="2000" b="1" dirty="0">
-                <a:solidFill>
-                  <a:srgbClr val="0CFF00"/>
-                </a:solidFill>
-                <a:latin typeface="Inconsolata Medium" panose="020B0609030003000000" pitchFamily="49" charset="77"/>
-              </a:rPr>
-              <a:t>"Enter a number or just enter to quit: "</a:t>
-            </a:r>
-            <a:r>
-              <a:rPr lang="en-US" sz="2000" b="1" dirty="0">
-                <a:latin typeface="Inconsolata Medium" panose="020B0609030003000000" pitchFamily="49" charset="77"/>
-              </a:rPr>
-              <a:t>)   </a:t>
-            </a:r>
-          </a:p>
-          <a:p>
-            <a:pPr marL="0" indent="0">
-              <a:buNone/>
-            </a:pPr>
-            <a:r>
-              <a:rPr lang="en-US" sz="2000" b="1" dirty="0">
-                <a:latin typeface="Inconsolata Medium" panose="020B0609030003000000" pitchFamily="49" charset="77"/>
-              </a:rPr>
-              <a:t>print(</a:t>
-            </a:r>
-            <a:r>
-              <a:rPr lang="en-US" sz="2000" b="1" dirty="0">
-                <a:solidFill>
-                  <a:srgbClr val="0CFF00"/>
-                </a:solidFill>
-                <a:latin typeface="Inconsolata Medium" panose="020B0609030003000000" pitchFamily="49" charset="77"/>
-              </a:rPr>
-              <a:t>"The sum is"</a:t>
-            </a:r>
-            <a:r>
-              <a:rPr lang="en-US" sz="2000" b="1" dirty="0">
-                <a:latin typeface="Inconsolata Medium" panose="020B0609030003000000" pitchFamily="49" charset="77"/>
-              </a:rPr>
-              <a:t>, s) </a:t>
-            </a:r>
-          </a:p>
-          <a:p>
-            <a:pPr marL="0" indent="0">
-              <a:buNone/>
-            </a:pPr>
-            <a:endParaRPr lang="en-US" sz="2400" b="1" dirty="0">
-              <a:solidFill>
-                <a:srgbClr val="193FFF"/>
-              </a:solidFill>
-              <a:latin typeface="LucidaSansTypewriterStd"/>
-            </a:endParaRPr>
-          </a:p>
-          <a:p>
-            <a:pPr marL="0" indent="0">
-              <a:buNone/>
-              <a:defRPr/>
-            </a:pPr>
-            <a:endParaRPr lang="en-US" dirty="0"/>
-          </a:p>
-          <a:p>
-            <a:pPr marL="0" indent="0">
-              <a:buNone/>
-              <a:defRPr/>
-            </a:pPr>
-            <a:endParaRPr lang="en-US" dirty="0">
-              <a:latin typeface="Gill Sans MT" panose="020B0502020104020203" pitchFamily="34" charset="77"/>
-            </a:endParaRPr>
-          </a:p>
-        </p:txBody>
-      </p:sp>
-    </p:spTree>
-    <p:extLst>
-      <p:ext uri="{BB962C8B-B14F-4D97-AF65-F5344CB8AC3E}">
-        <p14:creationId xmlns:p14="http://schemas.microsoft.com/office/powerpoint/2010/main" val="4294143140"/>
-      </p:ext>
-    </p:extLst>
-  </p:cSld>
-  <p:clrMapOvr>
-    <a:masterClrMapping/>
-  </p:clrMapOvr>
-</p:sld>
-</file>
-
-<file path=ppt/slides/slide26.xml><?xml version="1.0" encoding="utf-8"?>
-<p:sld xmlns:a="http://schemas.openxmlformats.org/drawingml/2006/main" xmlns:r="http://schemas.openxmlformats.org/officeDocument/2006/relationships" xmlns:p="http://schemas.openxmlformats.org/presentationml/2006/main">
-  <p:cSld>
-    <p:spTree>
-      <p:nvGrpSpPr>
-        <p:cNvPr id="1" name=""/>
-        <p:cNvGrpSpPr/>
-        <p:nvPr/>
-      </p:nvGrpSpPr>
-      <p:grpSpPr>
-        <a:xfrm>
-          <a:off x="0" y="0"/>
-          <a:ext cx="0" cy="0"/>
-          <a:chOff x="0" y="0"/>
-          <a:chExt cx="0" cy="0"/>
-        </a:xfrm>
-      </p:grpSpPr>
-      <p:sp>
-        <p:nvSpPr>
-          <p:cNvPr id="2" name="Title 1">
-            <a:extLst>
-              <a:ext uri="{FF2B5EF4-FFF2-40B4-BE49-F238E27FC236}">
-                <a16:creationId xmlns:a16="http://schemas.microsoft.com/office/drawing/2014/main" id="{AA3A228F-61D0-D949-A5E7-F83756230BF8}"/>
-              </a:ext>
-            </a:extLst>
-          </p:cNvPr>
-          <p:cNvSpPr>
-            <a:spLocks noGrp="1"/>
-          </p:cNvSpPr>
-          <p:nvPr>
-            <p:ph type="title"/>
-          </p:nvPr>
-        </p:nvSpPr>
-        <p:spPr>
-          <a:xfrm>
-            <a:off x="483848" y="54496"/>
-            <a:ext cx="7053542" cy="683886"/>
-          </a:xfrm>
-        </p:spPr>
-        <p:txBody>
-          <a:bodyPr/>
-          <a:lstStyle/>
-          <a:p>
-            <a:r>
-              <a:rPr lang="en-US" dirty="0"/>
-              <a:t>While Loop</a:t>
-            </a:r>
-          </a:p>
-        </p:txBody>
-      </p:sp>
-      <p:sp>
-        <p:nvSpPr>
-          <p:cNvPr id="9" name="Content Placeholder 8">
-            <a:extLst>
-              <a:ext uri="{FF2B5EF4-FFF2-40B4-BE49-F238E27FC236}">
-                <a16:creationId xmlns:a16="http://schemas.microsoft.com/office/drawing/2014/main" id="{E3B2E017-30B2-884B-A113-B419A2ED51AD}"/>
-              </a:ext>
-            </a:extLst>
-          </p:cNvPr>
-          <p:cNvSpPr>
-            <a:spLocks noGrp="1"/>
-          </p:cNvSpPr>
-          <p:nvPr>
-            <p:ph idx="1"/>
-          </p:nvPr>
-        </p:nvSpPr>
-        <p:spPr>
-          <a:xfrm>
-            <a:off x="483848" y="715617"/>
-            <a:ext cx="8051725" cy="4865375"/>
-          </a:xfrm>
-        </p:spPr>
-        <p:txBody>
-          <a:bodyPr>
-            <a:normAutofit/>
-          </a:bodyPr>
-          <a:lstStyle/>
-          <a:p>
-            <a:pPr marL="0" indent="0">
-              <a:buNone/>
-            </a:pPr>
-            <a:r>
-              <a:rPr lang="en-US" sz="1800" b="1" dirty="0">
-                <a:latin typeface="Inconsolata Medium" panose="020B0609030003000000" pitchFamily="49" charset="77"/>
-              </a:rPr>
-              <a:t>s = 0.0 </a:t>
-            </a:r>
-          </a:p>
-          <a:p>
-            <a:pPr marL="0" indent="0">
-              <a:buNone/>
-            </a:pPr>
-            <a:r>
-              <a:rPr lang="en-US" sz="1800" b="1" dirty="0">
-                <a:latin typeface="Inconsolata Medium" panose="020B0609030003000000" pitchFamily="49" charset="77"/>
-              </a:rPr>
-              <a:t>data = </a:t>
-            </a:r>
-            <a:r>
-              <a:rPr lang="en-US" sz="1800" b="1" dirty="0">
-                <a:solidFill>
-                  <a:srgbClr val="990CFF"/>
-                </a:solidFill>
-                <a:latin typeface="Inconsolata Medium" panose="020B0609030003000000" pitchFamily="49" charset="77"/>
-              </a:rPr>
-              <a:t>input</a:t>
-            </a:r>
-            <a:r>
-              <a:rPr lang="en-US" sz="1800" b="1" dirty="0">
-                <a:latin typeface="Inconsolata Medium" panose="020B0609030003000000" pitchFamily="49" charset="77"/>
-              </a:rPr>
-              <a:t>(</a:t>
-            </a:r>
-            <a:r>
-              <a:rPr lang="en-US" sz="1800" b="1" dirty="0">
-                <a:solidFill>
-                  <a:srgbClr val="0CFF00"/>
-                </a:solidFill>
-                <a:latin typeface="Inconsolata Medium" panose="020B0609030003000000" pitchFamily="49" charset="77"/>
-              </a:rPr>
-              <a:t>"Enter a number or just enter to quit: "</a:t>
-            </a:r>
-            <a:r>
-              <a:rPr lang="en-US" sz="1800" b="1" dirty="0">
-                <a:latin typeface="Inconsolata Medium" panose="020B0609030003000000" pitchFamily="49" charset="77"/>
-              </a:rPr>
-              <a:t>) </a:t>
-            </a:r>
-          </a:p>
-          <a:p>
-            <a:pPr marL="0" indent="0">
-              <a:buNone/>
-            </a:pPr>
-            <a:r>
-              <a:rPr lang="en-US" sz="1800" b="1" dirty="0">
-                <a:solidFill>
-                  <a:srgbClr val="FF4C00"/>
-                </a:solidFill>
-                <a:latin typeface="Inconsolata Medium" panose="020B0609030003000000" pitchFamily="49" charset="77"/>
-              </a:rPr>
-              <a:t>while </a:t>
-            </a:r>
-            <a:r>
-              <a:rPr lang="en-US" sz="1800" b="1" dirty="0">
-                <a:latin typeface="Inconsolata Medium" panose="020B0609030003000000" pitchFamily="49" charset="77"/>
-              </a:rPr>
-              <a:t>data != </a:t>
-            </a:r>
-            <a:r>
-              <a:rPr lang="en-US" sz="1800" b="1" dirty="0">
-                <a:solidFill>
-                  <a:srgbClr val="0CFF00"/>
-                </a:solidFill>
-                <a:latin typeface="Inconsolata Medium" panose="020B0609030003000000" pitchFamily="49" charset="77"/>
-              </a:rPr>
-              <a:t>""</a:t>
-            </a:r>
-            <a:r>
-              <a:rPr lang="en-US" sz="1800" b="1" dirty="0">
-                <a:latin typeface="Inconsolata Medium" panose="020B0609030003000000" pitchFamily="49" charset="77"/>
-              </a:rPr>
-              <a:t>: </a:t>
-            </a:r>
-          </a:p>
-          <a:p>
-            <a:pPr marL="0" indent="0">
-              <a:buNone/>
-            </a:pPr>
-            <a:r>
-              <a:rPr lang="en-US" sz="1800" b="1" dirty="0">
-                <a:latin typeface="Inconsolata Medium" panose="020B0609030003000000" pitchFamily="49" charset="77"/>
-              </a:rPr>
-              <a:t>    number = </a:t>
-            </a:r>
-            <a:r>
-              <a:rPr lang="en-US" sz="1800" b="1" dirty="0">
-                <a:solidFill>
-                  <a:srgbClr val="990CFF"/>
-                </a:solidFill>
-                <a:latin typeface="Inconsolata Medium" panose="020B0609030003000000" pitchFamily="49" charset="77"/>
-              </a:rPr>
-              <a:t>float</a:t>
-            </a:r>
-            <a:r>
-              <a:rPr lang="en-US" sz="1800" b="1" dirty="0">
-                <a:latin typeface="Inconsolata Medium" panose="020B0609030003000000" pitchFamily="49" charset="77"/>
-              </a:rPr>
-              <a:t>(data) </a:t>
-            </a:r>
-          </a:p>
-          <a:p>
-            <a:pPr marL="0" indent="0">
-              <a:buNone/>
-            </a:pPr>
-            <a:r>
-              <a:rPr lang="en-US" sz="1800" b="1" dirty="0">
-                <a:latin typeface="Inconsolata Medium" panose="020B0609030003000000" pitchFamily="49" charset="77"/>
-              </a:rPr>
-              <a:t>    s += number </a:t>
-            </a:r>
-          </a:p>
-          <a:p>
-            <a:pPr marL="0" indent="0">
-              <a:buNone/>
-            </a:pPr>
-            <a:r>
-              <a:rPr lang="en-US" sz="1800" b="1" dirty="0">
-                <a:latin typeface="Inconsolata Medium" panose="020B0609030003000000" pitchFamily="49" charset="77"/>
-              </a:rPr>
-              <a:t>    data = </a:t>
-            </a:r>
-            <a:r>
-              <a:rPr lang="en-US" sz="1800" b="1" dirty="0">
-                <a:solidFill>
-                  <a:srgbClr val="990CFF"/>
-                </a:solidFill>
-                <a:latin typeface="Inconsolata Medium" panose="020B0609030003000000" pitchFamily="49" charset="77"/>
-              </a:rPr>
-              <a:t>input</a:t>
-            </a:r>
-            <a:r>
-              <a:rPr lang="en-US" sz="1800" b="1" dirty="0">
-                <a:latin typeface="Inconsolata Medium" panose="020B0609030003000000" pitchFamily="49" charset="77"/>
-              </a:rPr>
-              <a:t>(</a:t>
-            </a:r>
-            <a:r>
-              <a:rPr lang="en-US" sz="1800" b="1" dirty="0">
-                <a:solidFill>
-                  <a:srgbClr val="0CFF00"/>
-                </a:solidFill>
-                <a:latin typeface="Inconsolata Medium" panose="020B0609030003000000" pitchFamily="49" charset="77"/>
-              </a:rPr>
-              <a:t>"Enter a number or just enter to quit: "</a:t>
-            </a:r>
-            <a:r>
-              <a:rPr lang="en-US" sz="1800" b="1" dirty="0">
-                <a:latin typeface="Inconsolata Medium" panose="020B0609030003000000" pitchFamily="49" charset="77"/>
-              </a:rPr>
-              <a:t>)   </a:t>
-            </a:r>
-          </a:p>
-          <a:p>
-            <a:pPr marL="0" indent="0">
-              <a:buNone/>
-            </a:pPr>
-            <a:r>
-              <a:rPr lang="en-US" sz="1800" b="1" dirty="0">
-                <a:latin typeface="Inconsolata Medium" panose="020B0609030003000000" pitchFamily="49" charset="77"/>
-              </a:rPr>
-              <a:t>print(</a:t>
-            </a:r>
-            <a:r>
-              <a:rPr lang="en-US" sz="1800" b="1" dirty="0">
-                <a:solidFill>
-                  <a:srgbClr val="0CFF00"/>
-                </a:solidFill>
-                <a:latin typeface="Inconsolata Medium" panose="020B0609030003000000" pitchFamily="49" charset="77"/>
-              </a:rPr>
-              <a:t>"The sum is"</a:t>
-            </a:r>
-            <a:r>
-              <a:rPr lang="en-US" sz="1800" b="1" dirty="0">
-                <a:latin typeface="Inconsolata Medium" panose="020B0609030003000000" pitchFamily="49" charset="77"/>
-              </a:rPr>
-              <a:t>, s) </a:t>
-            </a:r>
-          </a:p>
-          <a:p>
-            <a:pPr marL="0" indent="0">
-              <a:buNone/>
-            </a:pPr>
-            <a:endParaRPr lang="en-US" sz="1800" b="1" dirty="0">
-              <a:solidFill>
-                <a:srgbClr val="FF0000"/>
-              </a:solidFill>
-              <a:latin typeface="LucidaSansTypewriterStd"/>
-            </a:endParaRPr>
-          </a:p>
-          <a:p>
-            <a:pPr marL="0" indent="0">
-              <a:buNone/>
-            </a:pPr>
-            <a:r>
-              <a:rPr lang="en-US" sz="1800" b="1" dirty="0">
-                <a:solidFill>
-                  <a:srgbClr val="FF0000"/>
-                </a:solidFill>
-                <a:latin typeface="LucidaSansTypewriterStd"/>
-              </a:rPr>
-              <a:t>Sample Run:</a:t>
-            </a:r>
-          </a:p>
-          <a:p>
-            <a:pPr marL="0" indent="0">
-              <a:buNone/>
-            </a:pPr>
-            <a:r>
-              <a:rPr lang="en-US" sz="1800" b="1" dirty="0">
-                <a:solidFill>
-                  <a:srgbClr val="193FFF"/>
-                </a:solidFill>
-                <a:latin typeface="LucidaSansTypewriterStd"/>
-              </a:rPr>
-              <a:t>Enter a number or just enter to quit: </a:t>
-            </a:r>
-            <a:r>
-              <a:rPr lang="en-US" sz="1800" b="1" dirty="0">
-                <a:latin typeface="LucidaSansTypewriterStd"/>
-              </a:rPr>
-              <a:t>3 </a:t>
-            </a:r>
-          </a:p>
-          <a:p>
-            <a:pPr marL="0" indent="0">
-              <a:buNone/>
-            </a:pPr>
-            <a:r>
-              <a:rPr lang="en-US" sz="1800" b="1" dirty="0">
-                <a:solidFill>
-                  <a:srgbClr val="193FFF"/>
-                </a:solidFill>
-                <a:latin typeface="LucidaSansTypewriterStd"/>
-              </a:rPr>
-              <a:t>Enter a number or just enter to quit: </a:t>
-            </a:r>
-            <a:r>
-              <a:rPr lang="en-US" sz="1800" b="1" dirty="0">
-                <a:latin typeface="LucidaSansTypewriterStd"/>
-              </a:rPr>
-              <a:t>4 </a:t>
-            </a:r>
-          </a:p>
-          <a:p>
-            <a:pPr marL="0" indent="0">
-              <a:buNone/>
-            </a:pPr>
-            <a:r>
-              <a:rPr lang="en-US" sz="1800" b="1" dirty="0">
-                <a:solidFill>
-                  <a:srgbClr val="193FFF"/>
-                </a:solidFill>
-                <a:latin typeface="LucidaSansTypewriterStd"/>
-              </a:rPr>
-              <a:t>Enter a number or just enter to quit: </a:t>
-            </a:r>
-            <a:r>
-              <a:rPr lang="en-US" sz="1800" b="1" dirty="0">
-                <a:latin typeface="LucidaSansTypewriterStd"/>
-              </a:rPr>
-              <a:t>5 </a:t>
-            </a:r>
-          </a:p>
-          <a:p>
-            <a:pPr marL="0" indent="0">
-              <a:buNone/>
-            </a:pPr>
-            <a:r>
-              <a:rPr lang="en-US" sz="1800" b="1" dirty="0">
-                <a:solidFill>
-                  <a:srgbClr val="193FFF"/>
-                </a:solidFill>
-                <a:latin typeface="LucidaSansTypewriterStd"/>
-              </a:rPr>
-              <a:t>Enter a number or just enter to quit: </a:t>
-            </a:r>
-          </a:p>
-          <a:p>
-            <a:pPr marL="0" indent="0">
-              <a:buNone/>
-            </a:pPr>
-            <a:r>
-              <a:rPr lang="en-US" sz="1800" b="1" dirty="0">
-                <a:solidFill>
-                  <a:srgbClr val="193FFF"/>
-                </a:solidFill>
-                <a:latin typeface="LucidaSansTypewriterStd"/>
-              </a:rPr>
-              <a:t>The sum is 12.0 </a:t>
-            </a:r>
-            <a:endParaRPr lang="en-US" sz="1800" dirty="0"/>
-          </a:p>
-          <a:p>
-            <a:pPr marL="0" indent="0">
-              <a:buNone/>
-              <a:defRPr/>
-            </a:pPr>
-            <a:endParaRPr lang="en-US" dirty="0"/>
-          </a:p>
-          <a:p>
-            <a:pPr marL="0" indent="0">
-              <a:buNone/>
-              <a:defRPr/>
-            </a:pPr>
-            <a:endParaRPr lang="en-US" dirty="0">
-              <a:latin typeface="Gill Sans MT" panose="020B0502020104020203" pitchFamily="34" charset="77"/>
-            </a:endParaRPr>
-          </a:p>
-        </p:txBody>
-      </p:sp>
-    </p:spTree>
-    <p:extLst>
-      <p:ext uri="{BB962C8B-B14F-4D97-AF65-F5344CB8AC3E}">
-        <p14:creationId xmlns:p14="http://schemas.microsoft.com/office/powerpoint/2010/main" val="3456840474"/>
-      </p:ext>
-    </p:extLst>
-  </p:cSld>
-  <p:clrMapOvr>
-    <a:masterClrMapping/>
-  </p:clrMapOvr>
-</p:sld>
-</file>
-
-<file path=ppt/slides/slide27.xml><?xml version="1.0" encoding="utf-8"?>
-<p:sld xmlns:a="http://schemas.openxmlformats.org/drawingml/2006/main" xmlns:r="http://schemas.openxmlformats.org/officeDocument/2006/relationships" xmlns:p="http://schemas.openxmlformats.org/presentationml/2006/main">
-  <p:cSld>
-    <p:spTree>
-      <p:nvGrpSpPr>
-        <p:cNvPr id="1" name=""/>
-        <p:cNvGrpSpPr/>
-        <p:nvPr/>
-      </p:nvGrpSpPr>
-      <p:grpSpPr>
-        <a:xfrm>
-          <a:off x="0" y="0"/>
-          <a:ext cx="0" cy="0"/>
-          <a:chOff x="0" y="0"/>
-          <a:chExt cx="0" cy="0"/>
-        </a:xfrm>
-      </p:grpSpPr>
-      <p:sp>
-        <p:nvSpPr>
-          <p:cNvPr id="2" name="Title 1">
-            <a:extLst>
-              <a:ext uri="{FF2B5EF4-FFF2-40B4-BE49-F238E27FC236}">
-                <a16:creationId xmlns:a16="http://schemas.microsoft.com/office/drawing/2014/main" id="{AA3A228F-61D0-D949-A5E7-F83756230BF8}"/>
-              </a:ext>
-            </a:extLst>
-          </p:cNvPr>
-          <p:cNvSpPr>
-            <a:spLocks noGrp="1"/>
-          </p:cNvSpPr>
-          <p:nvPr>
-            <p:ph type="title"/>
-          </p:nvPr>
-        </p:nvSpPr>
-        <p:spPr>
-          <a:xfrm>
-            <a:off x="483848" y="54496"/>
-            <a:ext cx="7053542" cy="683886"/>
-          </a:xfrm>
-        </p:spPr>
-        <p:txBody>
-          <a:bodyPr/>
-          <a:lstStyle/>
-          <a:p>
-            <a:r>
-              <a:rPr lang="en-US" dirty="0"/>
-              <a:t>While Loop</a:t>
-            </a:r>
-          </a:p>
-        </p:txBody>
-      </p:sp>
-      <p:sp>
-        <p:nvSpPr>
-          <p:cNvPr id="9" name="Content Placeholder 8">
-            <a:extLst>
-              <a:ext uri="{FF2B5EF4-FFF2-40B4-BE49-F238E27FC236}">
-                <a16:creationId xmlns:a16="http://schemas.microsoft.com/office/drawing/2014/main" id="{E3B2E017-30B2-884B-A113-B419A2ED51AD}"/>
-              </a:ext>
-            </a:extLst>
-          </p:cNvPr>
-          <p:cNvSpPr>
-            <a:spLocks noGrp="1"/>
-          </p:cNvSpPr>
-          <p:nvPr>
-            <p:ph idx="1"/>
-          </p:nvPr>
-        </p:nvSpPr>
-        <p:spPr>
-          <a:xfrm>
-            <a:off x="483848" y="715617"/>
-            <a:ext cx="8051725" cy="4865375"/>
-          </a:xfrm>
-        </p:spPr>
-        <p:txBody>
-          <a:bodyPr>
-            <a:normAutofit/>
-          </a:bodyPr>
-          <a:lstStyle/>
-          <a:p>
-            <a:pPr marL="0" indent="0">
-              <a:buNone/>
-            </a:pPr>
-            <a:r>
-              <a:rPr lang="en-US" sz="2200" dirty="0">
-                <a:latin typeface="Gill Sans MT" panose="020B0502020104020203" pitchFamily="34" charset="77"/>
-              </a:rPr>
-              <a:t>Alternatively, the previous program can be simplified so that only one input is used. The program uses the </a:t>
-            </a:r>
-            <a:r>
-              <a:rPr lang="en-US" sz="2200" b="1" dirty="0">
-                <a:latin typeface="Gill Sans MT" panose="020B0502020104020203" pitchFamily="34" charset="77"/>
-              </a:rPr>
-              <a:t>break</a:t>
-            </a:r>
-            <a:r>
-              <a:rPr lang="en-US" sz="2200" dirty="0">
-                <a:latin typeface="Gill Sans MT" panose="020B0502020104020203" pitchFamily="34" charset="77"/>
-              </a:rPr>
-              <a:t> statement to exit the loop if the input is an empty string. </a:t>
-            </a:r>
-            <a:endParaRPr lang="en-US" sz="2000" b="1" dirty="0">
-              <a:latin typeface="Inconsolata Medium" panose="020B0609030003000000" pitchFamily="49" charset="77"/>
-            </a:endParaRPr>
-          </a:p>
-          <a:p>
-            <a:pPr marL="0" indent="0">
-              <a:buNone/>
-            </a:pPr>
-            <a:endParaRPr lang="en-US" sz="2000" b="1" dirty="0">
-              <a:latin typeface="Inconsolata Medium" panose="020B0609030003000000" pitchFamily="49" charset="77"/>
-            </a:endParaRPr>
-          </a:p>
-          <a:p>
-            <a:pPr marL="0" indent="0">
-              <a:buNone/>
-            </a:pPr>
-            <a:r>
-              <a:rPr lang="en-US" sz="2000" b="1" dirty="0">
-                <a:latin typeface="Inconsolata Medium" panose="020B0609030003000000" pitchFamily="49" charset="77"/>
-              </a:rPr>
-              <a:t>s = 0.0 </a:t>
-            </a:r>
-          </a:p>
-          <a:p>
-            <a:pPr marL="0" indent="0">
-              <a:buNone/>
-            </a:pPr>
-            <a:r>
-              <a:rPr lang="en-US" sz="2000" b="1" dirty="0">
-                <a:solidFill>
-                  <a:srgbClr val="FF4C00"/>
-                </a:solidFill>
-                <a:latin typeface="Inconsolata Medium" panose="020B0609030003000000" pitchFamily="49" charset="77"/>
-              </a:rPr>
-              <a:t>while True</a:t>
-            </a:r>
-            <a:r>
-              <a:rPr lang="en-US" sz="2000" b="1" dirty="0">
-                <a:latin typeface="Inconsolata Medium" panose="020B0609030003000000" pitchFamily="49" charset="77"/>
-              </a:rPr>
-              <a:t>: </a:t>
-            </a:r>
-          </a:p>
-          <a:p>
-            <a:pPr marL="0" indent="0">
-              <a:buNone/>
-            </a:pPr>
-            <a:r>
-              <a:rPr lang="en-US" sz="2000" b="1" dirty="0">
-                <a:latin typeface="Inconsolata Medium" panose="020B0609030003000000" pitchFamily="49" charset="77"/>
-              </a:rPr>
-              <a:t>    data = </a:t>
-            </a:r>
-            <a:r>
-              <a:rPr lang="en-US" sz="2000" b="1" dirty="0">
-                <a:solidFill>
-                  <a:srgbClr val="990CFF"/>
-                </a:solidFill>
-                <a:latin typeface="Inconsolata Medium" panose="020B0609030003000000" pitchFamily="49" charset="77"/>
-              </a:rPr>
-              <a:t>input</a:t>
-            </a:r>
-            <a:r>
-              <a:rPr lang="en-US" sz="2000" b="1" dirty="0">
-                <a:latin typeface="Inconsolata Medium" panose="020B0609030003000000" pitchFamily="49" charset="77"/>
-              </a:rPr>
-              <a:t>(</a:t>
-            </a:r>
-            <a:r>
-              <a:rPr lang="en-US" sz="2000" b="1" dirty="0">
-                <a:solidFill>
-                  <a:srgbClr val="0CFF00"/>
-                </a:solidFill>
-                <a:latin typeface="Inconsolata Medium" panose="020B0609030003000000" pitchFamily="49" charset="77"/>
-              </a:rPr>
-              <a:t>"Enter a number or just enter to quit: "</a:t>
-            </a:r>
-            <a:r>
-              <a:rPr lang="en-US" sz="2000" b="1" dirty="0">
-                <a:latin typeface="Inconsolata Medium" panose="020B0609030003000000" pitchFamily="49" charset="77"/>
-              </a:rPr>
-              <a:t>)   </a:t>
-            </a:r>
-          </a:p>
-          <a:p>
-            <a:pPr marL="0" indent="0">
-              <a:buNone/>
-            </a:pPr>
-            <a:r>
-              <a:rPr lang="en-US" sz="2000" b="1" dirty="0">
-                <a:solidFill>
-                  <a:srgbClr val="FF4C00"/>
-                </a:solidFill>
-                <a:latin typeface="Inconsolata Medium" panose="020B0609030003000000" pitchFamily="49" charset="77"/>
-              </a:rPr>
-              <a:t>    if </a:t>
-            </a:r>
-            <a:r>
-              <a:rPr lang="en-US" sz="2000" b="1" dirty="0">
-                <a:latin typeface="Inconsolata Medium" panose="020B0609030003000000" pitchFamily="49" charset="77"/>
-              </a:rPr>
-              <a:t>data == </a:t>
-            </a:r>
-            <a:r>
-              <a:rPr lang="en-US" sz="2000" b="1" dirty="0">
-                <a:solidFill>
-                  <a:srgbClr val="0CFF00"/>
-                </a:solidFill>
-                <a:latin typeface="Inconsolata Medium" panose="020B0609030003000000" pitchFamily="49" charset="77"/>
-              </a:rPr>
-              <a:t>""</a:t>
-            </a:r>
-            <a:r>
-              <a:rPr lang="en-US" sz="2000" b="1" dirty="0">
-                <a:latin typeface="Inconsolata Medium" panose="020B0609030003000000" pitchFamily="49" charset="77"/>
-              </a:rPr>
-              <a:t>: </a:t>
-            </a:r>
-          </a:p>
-          <a:p>
-            <a:pPr marL="0" indent="0">
-              <a:buNone/>
-            </a:pPr>
-            <a:r>
-              <a:rPr lang="en-US" sz="2000" b="1" dirty="0">
-                <a:solidFill>
-                  <a:srgbClr val="FF4C00"/>
-                </a:solidFill>
-                <a:latin typeface="Inconsolata Medium" panose="020B0609030003000000" pitchFamily="49" charset="77"/>
-              </a:rPr>
-              <a:t>        break </a:t>
-            </a:r>
-            <a:endParaRPr lang="en-US" sz="2000" b="1" dirty="0">
-              <a:latin typeface="Inconsolata Medium" panose="020B0609030003000000" pitchFamily="49" charset="77"/>
-            </a:endParaRPr>
-          </a:p>
-          <a:p>
-            <a:pPr marL="0" indent="0">
-              <a:buNone/>
-            </a:pPr>
-            <a:r>
-              <a:rPr lang="en-US" sz="2000" b="1" dirty="0">
-                <a:latin typeface="Inconsolata Medium" panose="020B0609030003000000" pitchFamily="49" charset="77"/>
-              </a:rPr>
-              <a:t>    number = </a:t>
-            </a:r>
-            <a:r>
-              <a:rPr lang="en-US" sz="2000" b="1" dirty="0">
-                <a:solidFill>
-                  <a:srgbClr val="990CFF"/>
-                </a:solidFill>
-                <a:latin typeface="Inconsolata Medium" panose="020B0609030003000000" pitchFamily="49" charset="77"/>
-              </a:rPr>
-              <a:t>float</a:t>
-            </a:r>
-            <a:r>
-              <a:rPr lang="en-US" sz="2000" b="1" dirty="0">
-                <a:latin typeface="Inconsolata Medium" panose="020B0609030003000000" pitchFamily="49" charset="77"/>
-              </a:rPr>
-              <a:t>(data) </a:t>
-            </a:r>
-          </a:p>
-          <a:p>
-            <a:pPr marL="0" indent="0">
-              <a:buNone/>
-            </a:pPr>
-            <a:r>
-              <a:rPr lang="en-US" sz="2000" b="1" dirty="0">
-                <a:latin typeface="Inconsolata Medium" panose="020B0609030003000000" pitchFamily="49" charset="77"/>
-              </a:rPr>
-              <a:t>    s += number </a:t>
-            </a:r>
-          </a:p>
-          <a:p>
-            <a:pPr marL="0" indent="0">
-              <a:buNone/>
-            </a:pPr>
-            <a:r>
-              <a:rPr lang="en-US" sz="2000" b="1" dirty="0">
-                <a:latin typeface="Inconsolata Medium" panose="020B0609030003000000" pitchFamily="49" charset="77"/>
-              </a:rPr>
-              <a:t>print(</a:t>
-            </a:r>
-            <a:r>
-              <a:rPr lang="en-US" sz="2000" b="1" dirty="0">
-                <a:solidFill>
-                  <a:srgbClr val="0CFF00"/>
-                </a:solidFill>
-                <a:latin typeface="Inconsolata Medium" panose="020B0609030003000000" pitchFamily="49" charset="77"/>
-              </a:rPr>
-              <a:t>"The sum is"</a:t>
-            </a:r>
-            <a:r>
-              <a:rPr lang="en-US" sz="2000" b="1" dirty="0">
-                <a:latin typeface="Inconsolata Medium" panose="020B0609030003000000" pitchFamily="49" charset="77"/>
-              </a:rPr>
-              <a:t>, s) </a:t>
-            </a:r>
-          </a:p>
-          <a:p>
-            <a:pPr marL="0" indent="0">
-              <a:buNone/>
-              <a:defRPr/>
-            </a:pPr>
-            <a:endParaRPr lang="en-US" dirty="0"/>
-          </a:p>
-          <a:p>
-            <a:pPr marL="0" indent="0">
-              <a:buNone/>
-              <a:defRPr/>
-            </a:pPr>
-            <a:endParaRPr lang="en-US" dirty="0">
-              <a:latin typeface="Gill Sans MT" panose="020B0502020104020203" pitchFamily="34" charset="77"/>
-            </a:endParaRPr>
-          </a:p>
-        </p:txBody>
-      </p:sp>
-    </p:spTree>
-    <p:extLst>
-      <p:ext uri="{BB962C8B-B14F-4D97-AF65-F5344CB8AC3E}">
-        <p14:creationId xmlns:p14="http://schemas.microsoft.com/office/powerpoint/2010/main" val="1062075874"/>
-      </p:ext>
-    </p:extLst>
-  </p:cSld>
-  <p:clrMapOvr>
-    <a:masterClrMapping/>
-  </p:clrMapOvr>
-</p:sld>
-</file>
-
-<file path=ppt/slides/slide28.xml><?xml version="1.0" encoding="utf-8"?>
-<p:sld xmlns:a="http://schemas.openxmlformats.org/drawingml/2006/main" xmlns:r="http://schemas.openxmlformats.org/officeDocument/2006/relationships" xmlns:p="http://schemas.openxmlformats.org/presentationml/2006/main">
-  <p:cSld>
-    <p:spTree>
-      <p:nvGrpSpPr>
-        <p:cNvPr id="1" name=""/>
-        <p:cNvGrpSpPr/>
-        <p:nvPr/>
-      </p:nvGrpSpPr>
-      <p:grpSpPr>
-        <a:xfrm>
-          <a:off x="0" y="0"/>
-          <a:ext cx="0" cy="0"/>
-          <a:chOff x="0" y="0"/>
-          <a:chExt cx="0" cy="0"/>
-        </a:xfrm>
-      </p:grpSpPr>
-      <p:sp>
-        <p:nvSpPr>
-          <p:cNvPr id="2" name="Title 1">
-            <a:extLst>
-              <a:ext uri="{FF2B5EF4-FFF2-40B4-BE49-F238E27FC236}">
-                <a16:creationId xmlns:a16="http://schemas.microsoft.com/office/drawing/2014/main" id="{AA3A228F-61D0-D949-A5E7-F83756230BF8}"/>
-              </a:ext>
-            </a:extLst>
-          </p:cNvPr>
-          <p:cNvSpPr>
-            <a:spLocks noGrp="1"/>
-          </p:cNvSpPr>
-          <p:nvPr>
-            <p:ph type="title"/>
-          </p:nvPr>
-        </p:nvSpPr>
-        <p:spPr>
-          <a:xfrm>
-            <a:off x="483848" y="0"/>
-            <a:ext cx="7053542" cy="683886"/>
-          </a:xfrm>
-        </p:spPr>
-        <p:txBody>
-          <a:bodyPr/>
-          <a:lstStyle/>
-          <a:p>
-            <a:r>
-              <a:rPr lang="en-US" dirty="0"/>
-              <a:t>Random Numbers</a:t>
-            </a:r>
-          </a:p>
-        </p:txBody>
-      </p:sp>
-      <p:sp>
-        <p:nvSpPr>
-          <p:cNvPr id="9" name="Content Placeholder 8">
-            <a:extLst>
-              <a:ext uri="{FF2B5EF4-FFF2-40B4-BE49-F238E27FC236}">
-                <a16:creationId xmlns:a16="http://schemas.microsoft.com/office/drawing/2014/main" id="{E3B2E017-30B2-884B-A113-B419A2ED51AD}"/>
-              </a:ext>
-            </a:extLst>
-          </p:cNvPr>
-          <p:cNvSpPr>
-            <a:spLocks noGrp="1"/>
-          </p:cNvSpPr>
-          <p:nvPr>
-            <p:ph idx="1"/>
-          </p:nvPr>
-        </p:nvSpPr>
-        <p:spPr>
-          <a:xfrm>
-            <a:off x="483848" y="530087"/>
-            <a:ext cx="8051725" cy="5088835"/>
-          </a:xfrm>
-        </p:spPr>
-        <p:txBody>
-          <a:bodyPr>
-            <a:normAutofit/>
-          </a:bodyPr>
-          <a:lstStyle/>
-          <a:p>
-            <a:pPr marL="0" indent="0">
-              <a:buNone/>
-            </a:pPr>
-            <a:r>
-              <a:rPr lang="en-US" sz="2000" dirty="0">
-                <a:latin typeface="Gill Sans MT" panose="020B0502020104020203" pitchFamily="34" charset="77"/>
-              </a:rPr>
-              <a:t>In some situation, we like to be able to simulate randomness. For example, we might toss a coin or roll a die. </a:t>
-            </a:r>
-          </a:p>
-          <a:p>
-            <a:pPr marL="0" indent="0">
-              <a:buNone/>
-            </a:pPr>
-            <a:endParaRPr lang="en-US" sz="2000" dirty="0">
-              <a:latin typeface="Gill Sans MT" panose="020B0502020104020203" pitchFamily="34" charset="77"/>
-            </a:endParaRPr>
-          </a:p>
-          <a:p>
-            <a:pPr marL="0" indent="0">
-              <a:buNone/>
-            </a:pPr>
-            <a:r>
-              <a:rPr lang="en-US" sz="2000" dirty="0">
-                <a:latin typeface="Gill Sans MT" panose="020B0502020104020203" pitchFamily="34" charset="77"/>
-              </a:rPr>
-              <a:t>The Python's random module contains many functions to do this. The function </a:t>
-            </a:r>
-            <a:r>
-              <a:rPr lang="en-US" sz="2000" b="1" dirty="0" err="1">
-                <a:latin typeface="Gill Sans MT" panose="020B0502020104020203" pitchFamily="34" charset="77"/>
-              </a:rPr>
-              <a:t>randrange</a:t>
-            </a:r>
-            <a:r>
-              <a:rPr lang="en-US" sz="2000" b="1" dirty="0">
-                <a:latin typeface="Gill Sans MT" panose="020B0502020104020203" pitchFamily="34" charset="77"/>
-              </a:rPr>
-              <a:t>()</a:t>
-            </a:r>
-            <a:r>
-              <a:rPr lang="en-US" sz="2000" dirty="0">
-                <a:latin typeface="Gill Sans MT" panose="020B0502020104020203" pitchFamily="34" charset="77"/>
-              </a:rPr>
-              <a:t> is easy to use since it is similar to the </a:t>
-            </a:r>
-            <a:r>
-              <a:rPr lang="en-US" sz="2000" b="1" dirty="0">
-                <a:latin typeface="Gill Sans MT" panose="020B0502020104020203" pitchFamily="34" charset="77"/>
-              </a:rPr>
-              <a:t>range() </a:t>
-            </a:r>
-            <a:r>
-              <a:rPr lang="en-US" sz="2000" dirty="0">
-                <a:latin typeface="Gill Sans MT" panose="020B0502020104020203" pitchFamily="34" charset="77"/>
-              </a:rPr>
-              <a:t>function we used in for loops. </a:t>
-            </a:r>
-          </a:p>
-          <a:p>
-            <a:pPr marL="0" indent="0">
-              <a:buNone/>
-            </a:pPr>
-            <a:r>
-              <a:rPr lang="en-US" sz="2000" b="1" dirty="0" err="1">
-                <a:latin typeface="Gill Sans MT" panose="020B0502020104020203" pitchFamily="34" charset="77"/>
-              </a:rPr>
-              <a:t>randrange</a:t>
-            </a:r>
-            <a:r>
-              <a:rPr lang="en-US" sz="2000" b="1" dirty="0">
-                <a:latin typeface="Gill Sans MT" panose="020B0502020104020203" pitchFamily="34" charset="77"/>
-              </a:rPr>
-              <a:t>(start, stop, step) </a:t>
-            </a:r>
-            <a:r>
-              <a:rPr lang="en-US" sz="2000" dirty="0">
-                <a:latin typeface="Gill Sans MT" panose="020B0502020104020203" pitchFamily="34" charset="77"/>
-              </a:rPr>
-              <a:t>generates a random integer beginning with start(including) and ending with stop(not including) with step. </a:t>
-            </a:r>
-          </a:p>
-          <a:p>
-            <a:pPr marL="0" indent="0">
-              <a:buNone/>
-            </a:pPr>
-            <a:endParaRPr lang="en-US" sz="2000" b="1" dirty="0">
-              <a:latin typeface="Inconsolata Medium" panose="020B0609030003000000" pitchFamily="49" charset="77"/>
-            </a:endParaRPr>
-          </a:p>
-          <a:p>
-            <a:pPr marL="0" indent="0">
-              <a:buNone/>
-            </a:pPr>
-            <a:r>
-              <a:rPr lang="en-US" b="1" dirty="0">
-                <a:solidFill>
-                  <a:srgbClr val="34A327"/>
-                </a:solidFill>
-                <a:latin typeface="Inconsolata Medium" panose="020B0609030003000000" pitchFamily="49" charset="77"/>
-              </a:rPr>
-              <a:t>for</a:t>
-            </a:r>
-            <a:r>
-              <a:rPr lang="en-US" b="1" dirty="0">
-                <a:solidFill>
-                  <a:srgbClr val="000000"/>
-                </a:solidFill>
-                <a:latin typeface="Inconsolata Medium" panose="020B0609030003000000" pitchFamily="49" charset="77"/>
-              </a:rPr>
-              <a:t> </a:t>
-            </a:r>
-            <a:r>
-              <a:rPr lang="en-US" b="1" dirty="0" err="1">
-                <a:solidFill>
-                  <a:srgbClr val="000000"/>
-                </a:solidFill>
-                <a:latin typeface="Inconsolata Medium" panose="020B0609030003000000" pitchFamily="49" charset="77"/>
-              </a:rPr>
-              <a:t>i</a:t>
-            </a:r>
-            <a:r>
-              <a:rPr lang="en-US" b="1" dirty="0">
-                <a:solidFill>
-                  <a:srgbClr val="000000"/>
-                </a:solidFill>
-                <a:latin typeface="Inconsolata Medium" panose="020B0609030003000000" pitchFamily="49" charset="77"/>
-              </a:rPr>
-              <a:t> </a:t>
-            </a:r>
-            <a:r>
-              <a:rPr lang="en-US" b="1" dirty="0">
-                <a:solidFill>
-                  <a:srgbClr val="D03BFF"/>
-                </a:solidFill>
-                <a:latin typeface="Inconsolata Medium" panose="020B0609030003000000" pitchFamily="49" charset="77"/>
-              </a:rPr>
-              <a:t>in</a:t>
-            </a:r>
-            <a:r>
-              <a:rPr lang="en-US" b="1" dirty="0">
-                <a:solidFill>
-                  <a:srgbClr val="000000"/>
-                </a:solidFill>
-                <a:latin typeface="Inconsolata Medium" panose="020B0609030003000000" pitchFamily="49" charset="77"/>
-              </a:rPr>
-              <a:t> </a:t>
-            </a:r>
-            <a:r>
-              <a:rPr lang="en-US" b="1" dirty="0">
-                <a:solidFill>
-                  <a:srgbClr val="34A327"/>
-                </a:solidFill>
-                <a:latin typeface="Inconsolata Medium" panose="020B0609030003000000" pitchFamily="49" charset="77"/>
-              </a:rPr>
-              <a:t>range</a:t>
-            </a:r>
-            <a:r>
-              <a:rPr lang="en-US" b="1" dirty="0">
-                <a:solidFill>
-                  <a:srgbClr val="000000"/>
-                </a:solidFill>
-                <a:latin typeface="Inconsolata Medium" panose="020B0609030003000000" pitchFamily="49" charset="77"/>
-              </a:rPr>
-              <a:t>(</a:t>
-            </a:r>
-            <a:r>
-              <a:rPr lang="en-US" b="1" dirty="0">
-                <a:solidFill>
-                  <a:srgbClr val="34A327"/>
-                </a:solidFill>
-                <a:latin typeface="Inconsolata Medium" panose="020B0609030003000000" pitchFamily="49" charset="77"/>
-              </a:rPr>
-              <a:t>10</a:t>
-            </a:r>
-            <a:r>
-              <a:rPr lang="en-US" b="1" dirty="0">
-                <a:solidFill>
-                  <a:srgbClr val="000000"/>
-                </a:solidFill>
-                <a:latin typeface="Inconsolata Medium" panose="020B0609030003000000" pitchFamily="49" charset="77"/>
-              </a:rPr>
-              <a:t>): </a:t>
-            </a:r>
-            <a:endParaRPr lang="en-US" b="1" dirty="0">
-              <a:solidFill>
-                <a:srgbClr val="34A327"/>
-              </a:solidFill>
-              <a:latin typeface="Inconsolata Medium" panose="020B0609030003000000" pitchFamily="49" charset="77"/>
-            </a:endParaRPr>
-          </a:p>
-          <a:p>
-            <a:pPr marL="0" indent="0">
-              <a:buNone/>
-            </a:pPr>
-            <a:r>
-              <a:rPr lang="en-US" b="1" dirty="0">
-                <a:solidFill>
-                  <a:srgbClr val="34A327"/>
-                </a:solidFill>
-                <a:latin typeface="Inconsolata Medium" panose="020B0609030003000000" pitchFamily="49" charset="77"/>
-              </a:rPr>
-              <a:t>    </a:t>
-            </a:r>
-            <a:r>
-              <a:rPr lang="en-US" b="1" dirty="0">
-                <a:solidFill>
-                  <a:srgbClr val="000000"/>
-                </a:solidFill>
-                <a:latin typeface="Inconsolata Medium" panose="020B0609030003000000" pitchFamily="49" charset="77"/>
-              </a:rPr>
-              <a:t>num = </a:t>
-            </a:r>
-            <a:r>
-              <a:rPr lang="en-US" b="1" dirty="0" err="1">
-                <a:solidFill>
-                  <a:srgbClr val="000000"/>
-                </a:solidFill>
-                <a:latin typeface="Inconsolata Medium" panose="020B0609030003000000" pitchFamily="49" charset="77"/>
-              </a:rPr>
-              <a:t>random.randrange</a:t>
-            </a:r>
-            <a:r>
-              <a:rPr lang="en-US" b="1" dirty="0">
-                <a:solidFill>
-                  <a:srgbClr val="000000"/>
-                </a:solidFill>
-                <a:latin typeface="Inconsolata Medium" panose="020B0609030003000000" pitchFamily="49" charset="77"/>
-              </a:rPr>
-              <a:t>(</a:t>
-            </a:r>
-            <a:r>
-              <a:rPr lang="en-US" b="1" dirty="0">
-                <a:solidFill>
-                  <a:srgbClr val="34A327"/>
-                </a:solidFill>
-                <a:latin typeface="Inconsolata Medium" panose="020B0609030003000000" pitchFamily="49" charset="77"/>
-              </a:rPr>
-              <a:t>1</a:t>
-            </a:r>
-            <a:r>
-              <a:rPr lang="en-US" b="1" dirty="0">
-                <a:solidFill>
-                  <a:srgbClr val="000000"/>
-                </a:solidFill>
-                <a:latin typeface="Inconsolata Medium" panose="020B0609030003000000" pitchFamily="49" charset="77"/>
-              </a:rPr>
-              <a:t>, </a:t>
-            </a:r>
-            <a:r>
-              <a:rPr lang="en-US" b="1" dirty="0">
-                <a:solidFill>
-                  <a:srgbClr val="34A327"/>
-                </a:solidFill>
-                <a:latin typeface="Inconsolata Medium" panose="020B0609030003000000" pitchFamily="49" charset="77"/>
-              </a:rPr>
-              <a:t>5</a:t>
-            </a:r>
-            <a:r>
-              <a:rPr lang="en-US" b="1" dirty="0">
-                <a:solidFill>
-                  <a:srgbClr val="000000"/>
-                </a:solidFill>
-                <a:latin typeface="Inconsolata Medium" panose="020B0609030003000000" pitchFamily="49" charset="77"/>
-              </a:rPr>
-              <a:t>) </a:t>
-            </a:r>
-          </a:p>
-          <a:p>
-            <a:pPr marL="0" indent="0">
-              <a:buNone/>
-            </a:pPr>
-            <a:r>
-              <a:rPr lang="en-US" b="1" dirty="0">
-                <a:solidFill>
-                  <a:srgbClr val="34A327"/>
-                </a:solidFill>
-                <a:latin typeface="Inconsolata Medium" panose="020B0609030003000000" pitchFamily="49" charset="77"/>
-              </a:rPr>
-              <a:t>    print</a:t>
-            </a:r>
-            <a:r>
-              <a:rPr lang="en-US" b="1" dirty="0">
-                <a:solidFill>
-                  <a:srgbClr val="000000"/>
-                </a:solidFill>
-                <a:latin typeface="Inconsolata Medium" panose="020B0609030003000000" pitchFamily="49" charset="77"/>
-              </a:rPr>
-              <a:t>(num, end=</a:t>
-            </a:r>
-            <a:r>
-              <a:rPr lang="en-US" b="1" dirty="0">
-                <a:solidFill>
-                  <a:srgbClr val="CD7923"/>
-                </a:solidFill>
-                <a:latin typeface="Inconsolata Medium" panose="020B0609030003000000" pitchFamily="49" charset="77"/>
-              </a:rPr>
-              <a:t>" "</a:t>
-            </a:r>
-            <a:r>
-              <a:rPr lang="en-US" b="1" dirty="0">
-                <a:solidFill>
-                  <a:srgbClr val="000000"/>
-                </a:solidFill>
-                <a:latin typeface="Inconsolata Medium" panose="020B0609030003000000" pitchFamily="49" charset="77"/>
-              </a:rPr>
-              <a:t>) </a:t>
-            </a:r>
-          </a:p>
-          <a:p>
-            <a:pPr marL="0" indent="0">
-              <a:buNone/>
-              <a:defRPr/>
-            </a:pPr>
-            <a:r>
-              <a:rPr lang="en-US" b="1" dirty="0"/>
-              <a:t>Output:</a:t>
-            </a:r>
-          </a:p>
-          <a:p>
-            <a:pPr marL="0" indent="0">
-              <a:buNone/>
-              <a:defRPr/>
-            </a:pPr>
-            <a:r>
-              <a:rPr lang="en-US" dirty="0"/>
-              <a:t>3 3 3 2 1 3 2 2 3 4 </a:t>
-            </a:r>
-          </a:p>
-          <a:p>
-            <a:pPr marL="0" indent="0">
-              <a:buNone/>
-              <a:defRPr/>
-            </a:pPr>
-            <a:endParaRPr lang="en-US" dirty="0">
-              <a:latin typeface="Gill Sans MT" panose="020B0502020104020203" pitchFamily="34" charset="77"/>
-            </a:endParaRPr>
-          </a:p>
-        </p:txBody>
-      </p:sp>
-    </p:spTree>
-    <p:extLst>
-      <p:ext uri="{BB962C8B-B14F-4D97-AF65-F5344CB8AC3E}">
-        <p14:creationId xmlns:p14="http://schemas.microsoft.com/office/powerpoint/2010/main" val="1310010799"/>
-      </p:ext>
-    </p:extLst>
-  </p:cSld>
-  <p:clrMapOvr>
-    <a:masterClrMapping/>
-  </p:clrMapOvr>
-</p:sld>
-</file>
-
-<file path=ppt/slides/slide29.xml><?xml version="1.0" encoding="utf-8"?>
-<p:sld xmlns:a="http://schemas.openxmlformats.org/drawingml/2006/main" xmlns:r="http://schemas.openxmlformats.org/officeDocument/2006/relationships" xmlns:p="http://schemas.openxmlformats.org/presentationml/2006/main">
-  <p:cSld>
-    <p:spTree>
-      <p:nvGrpSpPr>
-        <p:cNvPr id="1" name=""/>
-        <p:cNvGrpSpPr/>
-        <p:nvPr/>
-      </p:nvGrpSpPr>
-      <p:grpSpPr>
-        <a:xfrm>
-          <a:off x="0" y="0"/>
-          <a:ext cx="0" cy="0"/>
-          <a:chOff x="0" y="0"/>
-          <a:chExt cx="0" cy="0"/>
-        </a:xfrm>
-      </p:grpSpPr>
-      <p:sp>
-        <p:nvSpPr>
-          <p:cNvPr id="2" name="Title 1">
-            <a:extLst>
-              <a:ext uri="{FF2B5EF4-FFF2-40B4-BE49-F238E27FC236}">
-                <a16:creationId xmlns:a16="http://schemas.microsoft.com/office/drawing/2014/main" id="{AA3A228F-61D0-D949-A5E7-F83756230BF8}"/>
-              </a:ext>
-            </a:extLst>
-          </p:cNvPr>
-          <p:cNvSpPr>
-            <a:spLocks noGrp="1"/>
-          </p:cNvSpPr>
-          <p:nvPr>
-            <p:ph type="title"/>
-          </p:nvPr>
-        </p:nvSpPr>
-        <p:spPr>
-          <a:xfrm>
-            <a:off x="483848" y="0"/>
-            <a:ext cx="7053542" cy="683886"/>
-          </a:xfrm>
-        </p:spPr>
-        <p:txBody>
-          <a:bodyPr/>
-          <a:lstStyle/>
-          <a:p>
-            <a:r>
-              <a:rPr lang="en-US" dirty="0"/>
-              <a:t>Guessing Game</a:t>
-            </a:r>
-          </a:p>
-        </p:txBody>
-      </p:sp>
-      <p:sp>
-        <p:nvSpPr>
-          <p:cNvPr id="9" name="Content Placeholder 8">
-            <a:extLst>
-              <a:ext uri="{FF2B5EF4-FFF2-40B4-BE49-F238E27FC236}">
-                <a16:creationId xmlns:a16="http://schemas.microsoft.com/office/drawing/2014/main" id="{E3B2E017-30B2-884B-A113-B419A2ED51AD}"/>
-              </a:ext>
-            </a:extLst>
-          </p:cNvPr>
-          <p:cNvSpPr>
-            <a:spLocks noGrp="1"/>
-          </p:cNvSpPr>
-          <p:nvPr>
-            <p:ph idx="1"/>
-          </p:nvPr>
-        </p:nvSpPr>
-        <p:spPr>
-          <a:xfrm>
-            <a:off x="483848" y="808383"/>
-            <a:ext cx="8051725" cy="4810539"/>
-          </a:xfrm>
-        </p:spPr>
-        <p:txBody>
-          <a:bodyPr>
-            <a:normAutofit/>
-          </a:bodyPr>
-          <a:lstStyle/>
-          <a:p>
-            <a:pPr marL="0" indent="0">
-              <a:buNone/>
-            </a:pPr>
-            <a:r>
-              <a:rPr lang="en-US" dirty="0"/>
-              <a:t>Let's write a simple guessing game. </a:t>
-            </a:r>
-          </a:p>
-          <a:p>
-            <a:pPr marL="0" indent="0">
-              <a:buNone/>
-            </a:pPr>
-            <a:endParaRPr lang="en-US" dirty="0"/>
-          </a:p>
-          <a:p>
-            <a:pPr marL="0" indent="0">
-              <a:buNone/>
-            </a:pPr>
-            <a:r>
-              <a:rPr lang="en-US" dirty="0"/>
-              <a:t>The computer randomly generate a number in some given range. On each pass through the loop, the user enters a number to attempt to guess the number selected by the computer. </a:t>
-            </a:r>
-          </a:p>
-          <a:p>
-            <a:pPr marL="0" indent="0">
-              <a:buNone/>
-            </a:pPr>
-            <a:endParaRPr lang="en-US" dirty="0"/>
-          </a:p>
-          <a:p>
-            <a:pPr marL="0" indent="0">
-              <a:buNone/>
-            </a:pPr>
-            <a:r>
-              <a:rPr lang="en-US" dirty="0"/>
-              <a:t>The program responds by saying “You’ve got it,” “Too large, try again,” or “Too small, try again.” When the user finally guesses the correct number, the program congratulates him and tells him the total number of guesses. </a:t>
-            </a:r>
-            <a:endParaRPr lang="en-US" sz="2000" b="1" dirty="0">
-              <a:latin typeface="Inconsolata Medium" panose="020B0609030003000000" pitchFamily="49" charset="77"/>
-            </a:endParaRPr>
-          </a:p>
-        </p:txBody>
-      </p:sp>
-    </p:spTree>
-    <p:extLst>
-      <p:ext uri="{BB962C8B-B14F-4D97-AF65-F5344CB8AC3E}">
-        <p14:creationId xmlns:p14="http://schemas.microsoft.com/office/powerpoint/2010/main" val="3314372952"/>
-      </p:ext>
-    </p:extLst>
-  </p:cSld>
-  <p:clrMapOvr>
-    <a:masterClrMapping/>
-  </p:clrMapOvr>
-</p:sld>
-</file>
-
-<file path=ppt/slides/slide3.xml><?xml version="1.0" encoding="utf-8"?>
-<p:sld xmlns:a="http://schemas.openxmlformats.org/drawingml/2006/main" xmlns:r="http://schemas.openxmlformats.org/officeDocument/2006/relationships" xmlns:p="http://schemas.openxmlformats.org/presentationml/2006/main">
-  <p:cSld>
-    <p:spTree>
-      <p:nvGrpSpPr>
-        <p:cNvPr id="1" name=""/>
-        <p:cNvGrpSpPr/>
-        <p:nvPr/>
-      </p:nvGrpSpPr>
-      <p:grpSpPr>
-        <a:xfrm>
-          <a:off x="0" y="0"/>
-          <a:ext cx="0" cy="0"/>
-          <a:chOff x="0" y="0"/>
-          <a:chExt cx="0" cy="0"/>
-        </a:xfrm>
-      </p:grpSpPr>
-      <p:sp>
-        <p:nvSpPr>
-          <p:cNvPr id="2" name="Title 1">
-            <a:extLst>
-              <a:ext uri="{FF2B5EF4-FFF2-40B4-BE49-F238E27FC236}">
-                <a16:creationId xmlns:a16="http://schemas.microsoft.com/office/drawing/2014/main" id="{AA3A228F-61D0-D949-A5E7-F83756230BF8}"/>
-              </a:ext>
-            </a:extLst>
-          </p:cNvPr>
-          <p:cNvSpPr>
-            <a:spLocks noGrp="1"/>
-          </p:cNvSpPr>
-          <p:nvPr>
-            <p:ph type="title"/>
-          </p:nvPr>
-        </p:nvSpPr>
-        <p:spPr>
-          <a:xfrm>
-            <a:off x="483848" y="467027"/>
-            <a:ext cx="7053542" cy="683886"/>
-          </a:xfrm>
-        </p:spPr>
-        <p:txBody>
-          <a:bodyPr/>
-          <a:lstStyle/>
-          <a:p>
-            <a:r>
-              <a:rPr lang="en-US" dirty="0"/>
-              <a:t>For Loops</a:t>
-            </a:r>
-          </a:p>
-        </p:txBody>
-      </p:sp>
-      <p:sp>
-        <p:nvSpPr>
-          <p:cNvPr id="9" name="Content Placeholder 8">
-            <a:extLst>
-              <a:ext uri="{FF2B5EF4-FFF2-40B4-BE49-F238E27FC236}">
-                <a16:creationId xmlns:a16="http://schemas.microsoft.com/office/drawing/2014/main" id="{E3B2E017-30B2-884B-A113-B419A2ED51AD}"/>
-              </a:ext>
-            </a:extLst>
-          </p:cNvPr>
-          <p:cNvSpPr>
-            <a:spLocks noGrp="1"/>
-          </p:cNvSpPr>
-          <p:nvPr>
-            <p:ph idx="1"/>
-          </p:nvPr>
-        </p:nvSpPr>
-        <p:spPr>
-          <a:xfrm>
-            <a:off x="483848" y="1288073"/>
-            <a:ext cx="8051725" cy="4292919"/>
-          </a:xfrm>
-        </p:spPr>
-        <p:txBody>
-          <a:bodyPr>
-            <a:normAutofit/>
-          </a:bodyPr>
-          <a:lstStyle/>
-          <a:p>
-            <a:pPr marL="0" indent="0">
-              <a:buNone/>
-            </a:pPr>
-            <a:r>
-              <a:rPr lang="en-US" dirty="0">
-                <a:latin typeface="Gill Sans MT" panose="020B0502020104020203" pitchFamily="34" charset="77"/>
-              </a:rPr>
-              <a:t>In general, a loop allows a sequence of instructions to execute repeatedly until some condition is met. </a:t>
-            </a:r>
-          </a:p>
-          <a:p>
-            <a:pPr marL="0" indent="0">
-              <a:buNone/>
-            </a:pPr>
-            <a:endParaRPr lang="en-US" dirty="0">
-              <a:latin typeface="Gill Sans MT" panose="020B0502020104020203" pitchFamily="34" charset="77"/>
-            </a:endParaRPr>
-          </a:p>
-          <a:p>
-            <a:pPr marL="0" indent="0">
-              <a:buNone/>
-            </a:pPr>
-            <a:r>
-              <a:rPr lang="en-US" dirty="0">
-                <a:latin typeface="Gill Sans MT" panose="020B0502020104020203" pitchFamily="34" charset="77"/>
-              </a:rPr>
-              <a:t>Python’s </a:t>
-            </a:r>
-            <a:r>
-              <a:rPr lang="en-US" i="1" dirty="0">
-                <a:latin typeface="Gill Sans MT" panose="020B0502020104020203" pitchFamily="34" charset="77"/>
-              </a:rPr>
-              <a:t>for</a:t>
-            </a:r>
-            <a:r>
-              <a:rPr lang="en-US" dirty="0">
-                <a:latin typeface="Gill Sans MT" panose="020B0502020104020203" pitchFamily="34" charset="77"/>
-              </a:rPr>
-              <a:t> loop iterates over items of a sequence(e.g. a list, string or tuple) and process them with some code. </a:t>
-            </a:r>
-          </a:p>
-          <a:p>
-            <a:pPr marL="0" indent="0">
-              <a:buNone/>
-            </a:pPr>
-            <a:r>
-              <a:rPr lang="en-US" b="1" dirty="0">
-                <a:solidFill>
-                  <a:srgbClr val="006699"/>
-                </a:solidFill>
-                <a:latin typeface="Inconsolata Medium" panose="020B0609030003000000" pitchFamily="49" charset="77"/>
-              </a:rPr>
-              <a:t>for </a:t>
-            </a:r>
-            <a:r>
-              <a:rPr lang="en-US" b="1" dirty="0">
-                <a:solidFill>
-                  <a:srgbClr val="000087"/>
-                </a:solidFill>
-                <a:latin typeface="Inconsolata Medium" panose="020B0609030003000000" pitchFamily="49" charset="77"/>
-              </a:rPr>
-              <a:t>x </a:t>
-            </a:r>
-            <a:r>
-              <a:rPr lang="en-US" b="1" dirty="0">
-                <a:latin typeface="Inconsolata Medium" panose="020B0609030003000000" pitchFamily="49" charset="77"/>
-              </a:rPr>
-              <a:t>in</a:t>
-            </a:r>
-            <a:r>
-              <a:rPr lang="en-US" b="1" dirty="0">
-                <a:solidFill>
-                  <a:srgbClr val="000087"/>
-                </a:solidFill>
-                <a:latin typeface="Inconsolata Medium" panose="020B0609030003000000" pitchFamily="49" charset="77"/>
-              </a:rPr>
-              <a:t> sequence</a:t>
-            </a:r>
-            <a:r>
-              <a:rPr lang="en-US" b="1" dirty="0">
-                <a:latin typeface="Inconsolata Medium" panose="020B0609030003000000" pitchFamily="49" charset="77"/>
-              </a:rPr>
-              <a:t>:</a:t>
-            </a:r>
-            <a:br>
-              <a:rPr lang="en-US" b="1" dirty="0">
-                <a:latin typeface="Inconsolata Medium" panose="020B0609030003000000" pitchFamily="49" charset="77"/>
-              </a:rPr>
-            </a:br>
-            <a:r>
-              <a:rPr lang="en-US" b="1" dirty="0">
-                <a:latin typeface="Inconsolata Medium" panose="020B0609030003000000" pitchFamily="49" charset="77"/>
-              </a:rPr>
-              <a:t>	</a:t>
-            </a:r>
-            <a:r>
-              <a:rPr lang="en-US" b="1" dirty="0">
-                <a:solidFill>
-                  <a:srgbClr val="006699"/>
-                </a:solidFill>
-                <a:latin typeface="Inconsolata Medium" panose="020B0609030003000000" pitchFamily="49" charset="77"/>
-              </a:rPr>
-              <a:t>block</a:t>
-            </a:r>
-            <a:r>
-              <a:rPr lang="en-US" b="1" dirty="0">
-                <a:latin typeface="Inconsolata Medium" panose="020B0609030003000000" pitchFamily="49" charset="77"/>
-              </a:rPr>
-              <a:t> </a:t>
-            </a:r>
-          </a:p>
-          <a:p>
-            <a:pPr marL="0" indent="0">
-              <a:buNone/>
-            </a:pPr>
-            <a:endParaRPr lang="en-US" dirty="0">
-              <a:latin typeface="Gill Sans MT" panose="020B0502020104020203" pitchFamily="34" charset="77"/>
-            </a:endParaRPr>
-          </a:p>
-          <a:p>
-            <a:pPr marL="0" indent="0">
-              <a:buNone/>
-            </a:pPr>
-            <a:r>
-              <a:rPr lang="en-US" sz="2000" b="1" dirty="0">
-                <a:solidFill>
-                  <a:srgbClr val="000087"/>
-                </a:solidFill>
-                <a:latin typeface="Inconsolata Medium" panose="020B0609030003000000" pitchFamily="49" charset="77"/>
-              </a:rPr>
-              <a:t>In</a:t>
-            </a:r>
-            <a:r>
-              <a:rPr lang="en-US" sz="2000" b="1" dirty="0">
-                <a:latin typeface="Inconsolata Medium" panose="020B0609030003000000" pitchFamily="49" charset="77"/>
-              </a:rPr>
-              <a:t>[</a:t>
-            </a:r>
-            <a:r>
-              <a:rPr lang="en-US" sz="2000" b="1" dirty="0">
-                <a:solidFill>
-                  <a:srgbClr val="FF6600"/>
-                </a:solidFill>
-                <a:latin typeface="Inconsolata Medium" panose="020B0609030003000000" pitchFamily="49" charset="77"/>
-              </a:rPr>
-              <a:t>1</a:t>
-            </a:r>
-            <a:r>
-              <a:rPr lang="en-US" sz="2000" b="1" dirty="0">
-                <a:latin typeface="Inconsolata Medium" panose="020B0609030003000000" pitchFamily="49" charset="77"/>
-              </a:rPr>
-              <a:t>]:  </a:t>
-            </a:r>
-            <a:r>
-              <a:rPr lang="en-US" sz="2000" b="1" dirty="0">
-                <a:solidFill>
-                  <a:srgbClr val="006699"/>
-                </a:solidFill>
-                <a:latin typeface="Inconsolata Medium" panose="020B0609030003000000" pitchFamily="49" charset="77"/>
-              </a:rPr>
-              <a:t>for </a:t>
-            </a:r>
-            <a:r>
-              <a:rPr lang="en-US" sz="2000" b="1" dirty="0">
-                <a:solidFill>
-                  <a:srgbClr val="000087"/>
-                </a:solidFill>
-                <a:latin typeface="Inconsolata Medium" panose="020B0609030003000000" pitchFamily="49" charset="77"/>
-              </a:rPr>
-              <a:t>x </a:t>
-            </a:r>
-            <a:r>
-              <a:rPr lang="en-US" sz="2000" b="1" dirty="0">
-                <a:latin typeface="Inconsolata Medium" panose="020B0609030003000000" pitchFamily="49" charset="77"/>
-              </a:rPr>
-              <a:t>in [</a:t>
-            </a:r>
-            <a:r>
-              <a:rPr lang="en-US" sz="2000" b="1" dirty="0">
-                <a:solidFill>
-                  <a:srgbClr val="FF6600"/>
-                </a:solidFill>
-                <a:latin typeface="Inconsolata Medium" panose="020B0609030003000000" pitchFamily="49" charset="77"/>
-              </a:rPr>
-              <a:t>2</a:t>
-            </a:r>
-            <a:r>
-              <a:rPr lang="en-US" sz="2000" b="1" dirty="0">
-                <a:latin typeface="Inconsolata Medium" panose="020B0609030003000000" pitchFamily="49" charset="77"/>
-              </a:rPr>
-              <a:t>,</a:t>
-            </a:r>
-            <a:r>
-              <a:rPr lang="en-US" sz="2000" b="1" dirty="0">
-                <a:solidFill>
-                  <a:srgbClr val="FF6600"/>
-                </a:solidFill>
-                <a:latin typeface="Inconsolata Medium" panose="020B0609030003000000" pitchFamily="49" charset="77"/>
-              </a:rPr>
-              <a:t>3</a:t>
-            </a:r>
-            <a:r>
-              <a:rPr lang="en-US" sz="2000" b="1" dirty="0">
-                <a:latin typeface="Inconsolata Medium" panose="020B0609030003000000" pitchFamily="49" charset="77"/>
-              </a:rPr>
-              <a:t>,</a:t>
-            </a:r>
-            <a:r>
-              <a:rPr lang="en-US" sz="2000" b="1" dirty="0">
-                <a:solidFill>
-                  <a:srgbClr val="FF6600"/>
-                </a:solidFill>
-                <a:latin typeface="Inconsolata Medium" panose="020B0609030003000000" pitchFamily="49" charset="77"/>
-              </a:rPr>
-              <a:t>5</a:t>
-            </a:r>
-            <a:r>
-              <a:rPr lang="en-US" sz="2000" b="1" dirty="0">
-                <a:latin typeface="Inconsolata Medium" panose="020B0609030003000000" pitchFamily="49" charset="77"/>
-              </a:rPr>
-              <a:t>,</a:t>
-            </a:r>
-            <a:r>
-              <a:rPr lang="en-US" sz="2000" b="1" dirty="0">
-                <a:solidFill>
-                  <a:srgbClr val="FF6600"/>
-                </a:solidFill>
-                <a:latin typeface="Inconsolata Medium" panose="020B0609030003000000" pitchFamily="49" charset="77"/>
-              </a:rPr>
-              <a:t>7</a:t>
-            </a:r>
-            <a:r>
-              <a:rPr lang="en-US" sz="2000" b="1" dirty="0">
-                <a:latin typeface="Inconsolata Medium" panose="020B0609030003000000" pitchFamily="49" charset="77"/>
-              </a:rPr>
-              <a:t>]:</a:t>
-            </a:r>
-            <a:br>
-              <a:rPr lang="en-US" sz="2000" b="1" dirty="0">
-                <a:latin typeface="Inconsolata Medium" panose="020B0609030003000000" pitchFamily="49" charset="77"/>
-              </a:rPr>
-            </a:br>
-            <a:r>
-              <a:rPr lang="en-US" sz="2000" b="1" dirty="0">
-                <a:latin typeface="Inconsolata Medium" panose="020B0609030003000000" pitchFamily="49" charset="77"/>
-              </a:rPr>
-              <a:t>		</a:t>
-            </a:r>
-            <a:r>
-              <a:rPr lang="en-US" sz="2000" b="1" dirty="0">
-                <a:solidFill>
-                  <a:srgbClr val="006699"/>
-                </a:solidFill>
-                <a:latin typeface="Inconsolata Medium" panose="020B0609030003000000" pitchFamily="49" charset="77"/>
-              </a:rPr>
-              <a:t>print</a:t>
-            </a:r>
-            <a:r>
-              <a:rPr lang="en-US" sz="2000" b="1" dirty="0">
-                <a:latin typeface="Inconsolata Medium" panose="020B0609030003000000" pitchFamily="49" charset="77"/>
-              </a:rPr>
-              <a:t>(</a:t>
-            </a:r>
-            <a:r>
-              <a:rPr lang="en-US" sz="2000" b="1" dirty="0">
-                <a:solidFill>
-                  <a:srgbClr val="000087"/>
-                </a:solidFill>
-                <a:latin typeface="Inconsolata Medium" panose="020B0609030003000000" pitchFamily="49" charset="77"/>
-              </a:rPr>
-              <a:t>x</a:t>
-            </a:r>
-            <a:r>
-              <a:rPr lang="en-US" sz="2000" b="1" dirty="0">
-                <a:latin typeface="Inconsolata Medium" panose="020B0609030003000000" pitchFamily="49" charset="77"/>
-              </a:rPr>
-              <a:t>, </a:t>
-            </a:r>
-            <a:r>
-              <a:rPr lang="en-US" sz="2000" b="1" dirty="0">
-                <a:solidFill>
-                  <a:srgbClr val="000087"/>
-                </a:solidFill>
-                <a:latin typeface="Inconsolata Medium" panose="020B0609030003000000" pitchFamily="49" charset="77"/>
-              </a:rPr>
-              <a:t>end</a:t>
-            </a:r>
-            <a:r>
-              <a:rPr lang="en-US" sz="2000" b="1" dirty="0">
-                <a:solidFill>
-                  <a:srgbClr val="545454"/>
-                </a:solidFill>
-                <a:latin typeface="Inconsolata Medium" panose="020B0609030003000000" pitchFamily="49" charset="77"/>
-              </a:rPr>
-              <a:t>=</a:t>
-            </a:r>
-            <a:r>
-              <a:rPr lang="en-US" sz="2000" b="1" dirty="0">
-                <a:solidFill>
-                  <a:srgbClr val="CC3300"/>
-                </a:solidFill>
-                <a:latin typeface="Inconsolata Medium" panose="020B0609030003000000" pitchFamily="49" charset="77"/>
-              </a:rPr>
-              <a:t>“ ”</a:t>
-            </a:r>
-            <a:r>
-              <a:rPr lang="en-US" sz="2000" b="1" dirty="0">
-                <a:latin typeface="Inconsolata Medium" panose="020B0609030003000000" pitchFamily="49" charset="77"/>
-              </a:rPr>
-              <a:t>)    </a:t>
-            </a:r>
-            <a:r>
-              <a:rPr lang="en-US" sz="2000" b="1" i="1" dirty="0">
-                <a:solidFill>
-                  <a:srgbClr val="33566B"/>
-                </a:solidFill>
-                <a:latin typeface="Inconsolata Medium" panose="020B0609030003000000" pitchFamily="49" charset="77"/>
-              </a:rPr>
-              <a:t># print all on same line </a:t>
-            </a:r>
-            <a:endParaRPr lang="en-US" sz="2000" b="1" dirty="0">
-              <a:latin typeface="Inconsolata Medium" panose="020B0609030003000000" pitchFamily="49" charset="77"/>
-            </a:endParaRPr>
-          </a:p>
-          <a:p>
-            <a:pPr marL="0" indent="0">
-              <a:buNone/>
-            </a:pPr>
-            <a:endParaRPr lang="en-US" dirty="0">
-              <a:latin typeface="UbuntuMono"/>
-            </a:endParaRPr>
-          </a:p>
-          <a:p>
-            <a:pPr marL="0" indent="0">
-              <a:buNone/>
-            </a:pPr>
-            <a:r>
-              <a:rPr lang="en-US" dirty="0">
-                <a:latin typeface="UbuntuMono"/>
-              </a:rPr>
-              <a:t>2 3 5 7 </a:t>
-            </a:r>
-            <a:endParaRPr lang="en-US" dirty="0"/>
-          </a:p>
-          <a:p>
-            <a:pPr marL="0" indent="0">
-              <a:buNone/>
-            </a:pPr>
-            <a:endParaRPr lang="en-US" sz="2100" dirty="0">
-              <a:solidFill>
-                <a:srgbClr val="000087"/>
-              </a:solidFill>
-              <a:latin typeface="Gill Sans MT" panose="020B0502020104020203" pitchFamily="34" charset="77"/>
-            </a:endParaRPr>
-          </a:p>
-        </p:txBody>
-      </p:sp>
-      <p:sp>
-        <p:nvSpPr>
-          <p:cNvPr id="3" name="TextBox 2">
-            <a:extLst>
-              <a:ext uri="{FF2B5EF4-FFF2-40B4-BE49-F238E27FC236}">
-                <a16:creationId xmlns:a16="http://schemas.microsoft.com/office/drawing/2014/main" id="{53AD888D-2F6F-BB43-86CA-1A3B376061A2}"/>
-              </a:ext>
-            </a:extLst>
-          </p:cNvPr>
-          <p:cNvSpPr txBox="1"/>
-          <p:nvPr/>
-        </p:nvSpPr>
-        <p:spPr>
-          <a:xfrm>
-            <a:off x="3915263" y="3434532"/>
-            <a:ext cx="4744889" cy="400110"/>
-          </a:xfrm>
-          <a:prstGeom prst="rect">
-            <a:avLst/>
-          </a:prstGeom>
-          <a:noFill/>
-        </p:spPr>
-        <p:txBody>
-          <a:bodyPr wrap="none" rtlCol="0">
-            <a:spAutoFit/>
-          </a:bodyPr>
-          <a:lstStyle/>
-          <a:p>
-            <a:r>
-              <a:rPr lang="en-US" sz="2000" dirty="0">
-                <a:solidFill>
-                  <a:srgbClr val="FF0000"/>
-                </a:solidFill>
-              </a:rPr>
-              <a:t>This is a list. More on lists in a later lecture. </a:t>
-            </a:r>
-          </a:p>
-        </p:txBody>
-      </p:sp>
-      <p:cxnSp>
-        <p:nvCxnSpPr>
-          <p:cNvPr id="5" name="Straight Arrow Connector 4">
-            <a:extLst>
-              <a:ext uri="{FF2B5EF4-FFF2-40B4-BE49-F238E27FC236}">
-                <a16:creationId xmlns:a16="http://schemas.microsoft.com/office/drawing/2014/main" id="{0FA56ED4-EC25-B14C-B73E-DC4E17ADBF86}"/>
-              </a:ext>
-            </a:extLst>
-          </p:cNvPr>
-          <p:cNvCxnSpPr>
-            <a:cxnSpLocks/>
-          </p:cNvCxnSpPr>
-          <p:nvPr/>
-        </p:nvCxnSpPr>
-        <p:spPr>
-          <a:xfrm flipH="1">
-            <a:off x="3790684" y="3768132"/>
-            <a:ext cx="520059" cy="301450"/>
-          </a:xfrm>
-          <a:prstGeom prst="straightConnector1">
-            <a:avLst/>
-          </a:prstGeom>
-          <a:ln w="25400">
-            <a:tailEnd type="triangle"/>
-          </a:ln>
-        </p:spPr>
-        <p:style>
-          <a:lnRef idx="1">
-            <a:schemeClr val="accent1"/>
-          </a:lnRef>
-          <a:fillRef idx="0">
-            <a:schemeClr val="accent1"/>
-          </a:fillRef>
-          <a:effectRef idx="0">
-            <a:schemeClr val="accent1"/>
-          </a:effectRef>
-          <a:fontRef idx="minor">
-            <a:schemeClr val="tx1"/>
-          </a:fontRef>
-        </p:style>
-      </p:cxnSp>
-    </p:spTree>
-    <p:extLst>
-      <p:ext uri="{BB962C8B-B14F-4D97-AF65-F5344CB8AC3E}">
-        <p14:creationId xmlns:p14="http://schemas.microsoft.com/office/powerpoint/2010/main" val="1816941262"/>
-      </p:ext>
-    </p:extLst>
-  </p:cSld>
-  <p:clrMapOvr>
-    <a:masterClrMapping/>
-  </p:clrMapOvr>
-  <p:timing>
-    <p:tnLst>
-      <p:par>
-        <p:cTn id="1" dur="indefinite" restart="never" nodeType="tmRoot">
-          <p:childTnLst>
-            <p:seq concurrent="1" nextAc="seek">
-              <p:cTn id="2" dur="indefinite" nodeType="mainSeq">
-                <p:childTnLst>
-                  <p:par>
-                    <p:cTn id="3" fill="hold">
-                      <p:stCondLst>
-                        <p:cond delay="indefinite"/>
-                      </p:stCondLst>
-                      <p:childTnLst>
-                        <p:par>
-                          <p:cTn id="4" fill="hold">
-                            <p:stCondLst>
-                              <p:cond delay="0"/>
-                            </p:stCondLst>
-                            <p:childTnLst>
-                              <p:par>
-                                <p:cTn id="5" presetID="1" presetClass="entr" presetSubtype="0" fill="hold" nodeType="clickEffect">
-                                  <p:stCondLst>
-                                    <p:cond delay="0"/>
-                                  </p:stCondLst>
-                                  <p:childTnLst>
-                                    <p:set>
-                                      <p:cBhvr>
-                                        <p:cTn id="6" dur="1" fill="hold">
-                                          <p:stCondLst>
-                                            <p:cond delay="0"/>
-                                          </p:stCondLst>
-                                        </p:cTn>
-                                        <p:tgtEl>
-                                          <p:spTgt spid="9">
-                                            <p:txEl>
-                                              <p:pRg st="2" end="2"/>
-                                            </p:txEl>
-                                          </p:spTgt>
-                                        </p:tgtEl>
-                                        <p:attrNameLst>
-                                          <p:attrName>style.visibility</p:attrName>
-                                        </p:attrNameLst>
-                                      </p:cBhvr>
-                                      <p:to>
-                                        <p:strVal val="visible"/>
-                                      </p:to>
-                                    </p:set>
-                                  </p:childTnLst>
-                                </p:cTn>
-                              </p:par>
-                            </p:childTnLst>
-                          </p:cTn>
-                        </p:par>
-                      </p:childTnLst>
-                    </p:cTn>
-                  </p:par>
-                  <p:par>
-                    <p:cTn id="7" fill="hold">
-                      <p:stCondLst>
-                        <p:cond delay="indefinite"/>
-                      </p:stCondLst>
-                      <p:childTnLst>
-                        <p:par>
-                          <p:cTn id="8" fill="hold">
-                            <p:stCondLst>
-                              <p:cond delay="0"/>
-                            </p:stCondLst>
-                            <p:childTnLst>
-                              <p:par>
-                                <p:cTn id="9" presetID="1" presetClass="entr" presetSubtype="0" fill="hold" nodeType="clickEffect">
-                                  <p:stCondLst>
-                                    <p:cond delay="0"/>
-                                  </p:stCondLst>
-                                  <p:childTnLst>
-                                    <p:set>
-                                      <p:cBhvr>
-                                        <p:cTn id="10" dur="1" fill="hold">
-                                          <p:stCondLst>
-                                            <p:cond delay="0"/>
-                                          </p:stCondLst>
-                                        </p:cTn>
-                                        <p:tgtEl>
-                                          <p:spTgt spid="9">
-                                            <p:txEl>
-                                              <p:pRg st="3" end="3"/>
-                                            </p:txEl>
-                                          </p:spTgt>
-                                        </p:tgtEl>
-                                        <p:attrNameLst>
-                                          <p:attrName>style.visibility</p:attrName>
-                                        </p:attrNameLst>
-                                      </p:cBhvr>
-                                      <p:to>
-                                        <p:strVal val="visible"/>
-                                      </p:to>
-                                    </p:set>
-                                  </p:childTnLst>
-                                </p:cTn>
-                              </p:par>
-                            </p:childTnLst>
-                          </p:cTn>
-                        </p:par>
-                      </p:childTnLst>
-                    </p:cTn>
-                  </p:par>
-                  <p:par>
-                    <p:cTn id="11" fill="hold">
-                      <p:stCondLst>
-                        <p:cond delay="indefinite"/>
-                      </p:stCondLst>
-                      <p:childTnLst>
-                        <p:par>
-                          <p:cTn id="12" fill="hold">
-                            <p:stCondLst>
-                              <p:cond delay="0"/>
-                            </p:stCondLst>
-                            <p:childTnLst>
-                              <p:par>
-                                <p:cTn id="13" presetID="1" presetClass="entr" presetSubtype="0" fill="hold" nodeType="clickEffect">
-                                  <p:stCondLst>
-                                    <p:cond delay="0"/>
-                                  </p:stCondLst>
-                                  <p:childTnLst>
-                                    <p:set>
-                                      <p:cBhvr>
-                                        <p:cTn id="14" dur="1" fill="hold">
-                                          <p:stCondLst>
-                                            <p:cond delay="0"/>
-                                          </p:stCondLst>
-                                        </p:cTn>
-                                        <p:tgtEl>
-                                          <p:spTgt spid="9">
-                                            <p:txEl>
-                                              <p:pRg st="5" end="5"/>
-                                            </p:txEl>
-                                          </p:spTgt>
-                                        </p:tgtEl>
-                                        <p:attrNameLst>
-                                          <p:attrName>style.visibility</p:attrName>
-                                        </p:attrNameLst>
-                                      </p:cBhvr>
-                                      <p:to>
-                                        <p:strVal val="visible"/>
-                                      </p:to>
-                                    </p:set>
-                                  </p:childTnLst>
-                                </p:cTn>
-                              </p:par>
-                            </p:childTnLst>
-                          </p:cTn>
-                        </p:par>
-                      </p:childTnLst>
-                    </p:cTn>
-                  </p:par>
-                  <p:par>
-                    <p:cTn id="15" fill="hold">
-                      <p:stCondLst>
-                        <p:cond delay="indefinite"/>
-                      </p:stCondLst>
-                      <p:childTnLst>
-                        <p:par>
-                          <p:cTn id="16" fill="hold">
-                            <p:stCondLst>
-                              <p:cond delay="0"/>
-                            </p:stCondLst>
-                            <p:childTnLst>
-                              <p:par>
-                                <p:cTn id="17" presetID="1" presetClass="entr" presetSubtype="0" fill="hold" grpId="0" nodeType="clickEffect">
-                                  <p:stCondLst>
-                                    <p:cond delay="0"/>
-                                  </p:stCondLst>
-                                  <p:childTnLst>
-                                    <p:set>
-                                      <p:cBhvr>
-                                        <p:cTn id="18" dur="1" fill="hold">
-                                          <p:stCondLst>
-                                            <p:cond delay="0"/>
-                                          </p:stCondLst>
-                                        </p:cTn>
-                                        <p:tgtEl>
-                                          <p:spTgt spid="3"/>
-                                        </p:tgtEl>
-                                        <p:attrNameLst>
-                                          <p:attrName>style.visibility</p:attrName>
-                                        </p:attrNameLst>
-                                      </p:cBhvr>
-                                      <p:to>
-                                        <p:strVal val="visible"/>
-                                      </p:to>
-                                    </p:set>
-                                  </p:childTnLst>
-                                </p:cTn>
-                              </p:par>
-                              <p:par>
-                                <p:cTn id="19" presetID="1" presetClass="entr" presetSubtype="0" fill="hold" nodeType="withEffect">
-                                  <p:stCondLst>
-                                    <p:cond delay="0"/>
-                                  </p:stCondLst>
-                                  <p:childTnLst>
-                                    <p:set>
-                                      <p:cBhvr>
-                                        <p:cTn id="20" dur="1" fill="hold">
-                                          <p:stCondLst>
-                                            <p:cond delay="0"/>
-                                          </p:stCondLst>
-                                        </p:cTn>
-                                        <p:tgtEl>
-                                          <p:spTgt spid="5"/>
-                                        </p:tgtEl>
-                                        <p:attrNameLst>
-                                          <p:attrName>style.visibility</p:attrName>
-                                        </p:attrNameLst>
-                                      </p:cBhvr>
-                                      <p:to>
-                                        <p:strVal val="visible"/>
-                                      </p:to>
-                                    </p:set>
-                                  </p:childTnLst>
-                                </p:cTn>
-                              </p:par>
-                            </p:childTnLst>
-                          </p:cTn>
-                        </p:par>
-                      </p:childTnLst>
-                    </p:cTn>
-                  </p:par>
-                  <p:par>
-                    <p:cTn id="21" fill="hold">
-                      <p:stCondLst>
-                        <p:cond delay="indefinite"/>
-                      </p:stCondLst>
-                      <p:childTnLst>
-                        <p:par>
-                          <p:cTn id="22" fill="hold">
-                            <p:stCondLst>
-                              <p:cond delay="0"/>
-                            </p:stCondLst>
-                            <p:childTnLst>
-                              <p:par>
-                                <p:cTn id="23" presetID="1" presetClass="entr" presetSubtype="0" fill="hold" nodeType="clickEffect">
-                                  <p:stCondLst>
-                                    <p:cond delay="0"/>
-                                  </p:stCondLst>
-                                  <p:childTnLst>
-                                    <p:set>
-                                      <p:cBhvr>
-                                        <p:cTn id="24" dur="1" fill="hold">
-                                          <p:stCondLst>
-                                            <p:cond delay="0"/>
-                                          </p:stCondLst>
-                                        </p:cTn>
-                                        <p:tgtEl>
-                                          <p:spTgt spid="9">
-                                            <p:txEl>
-                                              <p:pRg st="7" end="7"/>
-                                            </p:txEl>
-                                          </p:spTgt>
-                                        </p:tgtEl>
-                                        <p:attrNameLst>
-                                          <p:attrName>style.visibility</p:attrName>
-                                        </p:attrNameLst>
-                                      </p:cBhvr>
-                                      <p:to>
-                                        <p:strVal val="visible"/>
-                                      </p:to>
-                                    </p:set>
-                                  </p:childTnLst>
-                                </p:cTn>
-                              </p:par>
-                            </p:childTnLst>
-                          </p:cTn>
-                        </p:par>
-                      </p:childTnLst>
-                    </p:cTn>
-                  </p:par>
-                </p:childTnLst>
-              </p:cTn>
-              <p:prevCondLst>
-                <p:cond evt="onPrev" delay="0">
-                  <p:tgtEl>
-                    <p:sldTgt/>
-                  </p:tgtEl>
-                </p:cond>
-              </p:prevCondLst>
-              <p:nextCondLst>
-                <p:cond evt="onNext" delay="0">
-                  <p:tgtEl>
-                    <p:sldTgt/>
-                  </p:tgtEl>
-                </p:cond>
-              </p:nextCondLst>
-            </p:seq>
-          </p:childTnLst>
-        </p:cTn>
-      </p:par>
-    </p:tnLst>
-    <p:bldLst>
-      <p:bldP spid="3" grpId="0"/>
-    </p:bldLst>
-  </p:timing>
-</p:sld>
-</file>
-
-<file path=ppt/slides/slide30.xml><?xml version="1.0" encoding="utf-8"?>
-<p:sld xmlns:a="http://schemas.openxmlformats.org/drawingml/2006/main" xmlns:r="http://schemas.openxmlformats.org/officeDocument/2006/relationships" xmlns:p="http://schemas.openxmlformats.org/presentationml/2006/main">
-  <p:cSld>
-    <p:spTree>
-      <p:nvGrpSpPr>
-        <p:cNvPr id="1" name=""/>
-        <p:cNvGrpSpPr/>
-        <p:nvPr/>
-      </p:nvGrpSpPr>
-      <p:grpSpPr>
-        <a:xfrm>
-          <a:off x="0" y="0"/>
-          <a:ext cx="0" cy="0"/>
-          <a:chOff x="0" y="0"/>
-          <a:chExt cx="0" cy="0"/>
-        </a:xfrm>
-      </p:grpSpPr>
-      <p:sp>
-        <p:nvSpPr>
-          <p:cNvPr id="2" name="Title 1">
-            <a:extLst>
-              <a:ext uri="{FF2B5EF4-FFF2-40B4-BE49-F238E27FC236}">
-                <a16:creationId xmlns:a16="http://schemas.microsoft.com/office/drawing/2014/main" id="{AA3A228F-61D0-D949-A5E7-F83756230BF8}"/>
-              </a:ext>
-            </a:extLst>
-          </p:cNvPr>
-          <p:cNvSpPr>
-            <a:spLocks noGrp="1"/>
-          </p:cNvSpPr>
-          <p:nvPr>
-            <p:ph type="title"/>
-          </p:nvPr>
-        </p:nvSpPr>
-        <p:spPr>
-          <a:xfrm>
-            <a:off x="483848" y="0"/>
-            <a:ext cx="7053542" cy="683886"/>
-          </a:xfrm>
-        </p:spPr>
-        <p:txBody>
-          <a:bodyPr/>
-          <a:lstStyle/>
-          <a:p>
-            <a:r>
-              <a:rPr lang="en-US" dirty="0"/>
-              <a:t>Guessing Game</a:t>
-            </a:r>
-          </a:p>
-        </p:txBody>
-      </p:sp>
-      <p:sp>
-        <p:nvSpPr>
-          <p:cNvPr id="9" name="Content Placeholder 8">
-            <a:extLst>
-              <a:ext uri="{FF2B5EF4-FFF2-40B4-BE49-F238E27FC236}">
-                <a16:creationId xmlns:a16="http://schemas.microsoft.com/office/drawing/2014/main" id="{E3B2E017-30B2-884B-A113-B419A2ED51AD}"/>
-              </a:ext>
-            </a:extLst>
-          </p:cNvPr>
-          <p:cNvSpPr>
-            <a:spLocks noGrp="1"/>
-          </p:cNvSpPr>
-          <p:nvPr>
-            <p:ph idx="1"/>
-          </p:nvPr>
-        </p:nvSpPr>
-        <p:spPr>
-          <a:xfrm>
-            <a:off x="483848" y="516835"/>
-            <a:ext cx="8051725" cy="5102087"/>
-          </a:xfrm>
-        </p:spPr>
-        <p:txBody>
-          <a:bodyPr>
-            <a:noAutofit/>
-          </a:bodyPr>
-          <a:lstStyle/>
-          <a:p>
-            <a:pPr marL="0" indent="0">
-              <a:buNone/>
-            </a:pPr>
-            <a:r>
-              <a:rPr lang="en-US" sz="1700" b="1" dirty="0">
-                <a:solidFill>
-                  <a:srgbClr val="FF4C00"/>
-                </a:solidFill>
-                <a:latin typeface="Inconsolata Medium" panose="020B0609030003000000" pitchFamily="49" charset="77"/>
-              </a:rPr>
-              <a:t>import </a:t>
-            </a:r>
-            <a:r>
-              <a:rPr lang="en-US" sz="1700" b="1" dirty="0">
-                <a:latin typeface="Inconsolata Medium" panose="020B0609030003000000" pitchFamily="49" charset="77"/>
-              </a:rPr>
-              <a:t>random </a:t>
-            </a:r>
-          </a:p>
-          <a:p>
-            <a:pPr marL="0" indent="0">
-              <a:buNone/>
-            </a:pPr>
-            <a:r>
-              <a:rPr lang="en-US" sz="1700" b="1" dirty="0">
-                <a:latin typeface="Inconsolata Medium" panose="020B0609030003000000" pitchFamily="49" charset="77"/>
-              </a:rPr>
-              <a:t>smaller = </a:t>
-            </a:r>
-            <a:r>
-              <a:rPr lang="en-US" sz="1700" b="1" dirty="0">
-                <a:solidFill>
-                  <a:srgbClr val="990CFF"/>
-                </a:solidFill>
-                <a:latin typeface="Inconsolata Medium" panose="020B0609030003000000" pitchFamily="49" charset="77"/>
-              </a:rPr>
-              <a:t>int</a:t>
-            </a:r>
-            <a:r>
-              <a:rPr lang="en-US" sz="1700" b="1" dirty="0">
-                <a:latin typeface="Inconsolata Medium" panose="020B0609030003000000" pitchFamily="49" charset="77"/>
-              </a:rPr>
-              <a:t>(</a:t>
-            </a:r>
-            <a:r>
-              <a:rPr lang="en-US" sz="1700" b="1" dirty="0">
-                <a:solidFill>
-                  <a:srgbClr val="990CFF"/>
-                </a:solidFill>
-                <a:latin typeface="Inconsolata Medium" panose="020B0609030003000000" pitchFamily="49" charset="77"/>
-              </a:rPr>
-              <a:t>input</a:t>
-            </a:r>
-            <a:r>
-              <a:rPr lang="en-US" sz="1700" b="1" dirty="0">
-                <a:latin typeface="Inconsolata Medium" panose="020B0609030003000000" pitchFamily="49" charset="77"/>
-              </a:rPr>
-              <a:t>(</a:t>
-            </a:r>
-            <a:r>
-              <a:rPr lang="en-US" sz="1700" b="1" dirty="0">
-                <a:solidFill>
-                  <a:srgbClr val="0CFF00"/>
-                </a:solidFill>
-                <a:latin typeface="Inconsolata Medium" panose="020B0609030003000000" pitchFamily="49" charset="77"/>
-              </a:rPr>
-              <a:t>"Enter the smaller number: "</a:t>
-            </a:r>
-            <a:r>
-              <a:rPr lang="en-US" sz="1700" b="1" dirty="0">
-                <a:latin typeface="Inconsolata Medium" panose="020B0609030003000000" pitchFamily="49" charset="77"/>
-              </a:rPr>
-              <a:t>)) </a:t>
-            </a:r>
-          </a:p>
-          <a:p>
-            <a:pPr marL="0" indent="0">
-              <a:buNone/>
-            </a:pPr>
-            <a:r>
-              <a:rPr lang="en-US" sz="1700" b="1" dirty="0">
-                <a:latin typeface="Inconsolata Medium" panose="020B0609030003000000" pitchFamily="49" charset="77"/>
-              </a:rPr>
-              <a:t>larger = </a:t>
-            </a:r>
-            <a:r>
-              <a:rPr lang="en-US" sz="1700" b="1" dirty="0">
-                <a:solidFill>
-                  <a:srgbClr val="990CFF"/>
-                </a:solidFill>
-                <a:latin typeface="Inconsolata Medium" panose="020B0609030003000000" pitchFamily="49" charset="77"/>
-              </a:rPr>
-              <a:t>int</a:t>
-            </a:r>
-            <a:r>
-              <a:rPr lang="en-US" sz="1700" b="1" dirty="0">
-                <a:latin typeface="Inconsolata Medium" panose="020B0609030003000000" pitchFamily="49" charset="77"/>
-              </a:rPr>
-              <a:t>(</a:t>
-            </a:r>
-            <a:r>
-              <a:rPr lang="en-US" sz="1700" b="1" dirty="0">
-                <a:solidFill>
-                  <a:srgbClr val="990CFF"/>
-                </a:solidFill>
-                <a:latin typeface="Inconsolata Medium" panose="020B0609030003000000" pitchFamily="49" charset="77"/>
-              </a:rPr>
-              <a:t>input</a:t>
-            </a:r>
-            <a:r>
-              <a:rPr lang="en-US" sz="1700" b="1" dirty="0">
-                <a:latin typeface="Inconsolata Medium" panose="020B0609030003000000" pitchFamily="49" charset="77"/>
-              </a:rPr>
-              <a:t>(</a:t>
-            </a:r>
-            <a:r>
-              <a:rPr lang="en-US" sz="1700" b="1" dirty="0">
-                <a:solidFill>
-                  <a:srgbClr val="0CFF00"/>
-                </a:solidFill>
-                <a:latin typeface="Inconsolata Medium" panose="020B0609030003000000" pitchFamily="49" charset="77"/>
-              </a:rPr>
-              <a:t>"Enter the larger number: "</a:t>
-            </a:r>
-            <a:r>
-              <a:rPr lang="en-US" sz="1700" b="1" dirty="0">
-                <a:latin typeface="Inconsolata Medium" panose="020B0609030003000000" pitchFamily="49" charset="77"/>
-              </a:rPr>
-              <a:t>)) </a:t>
-            </a:r>
-          </a:p>
-          <a:p>
-            <a:pPr marL="0" indent="0">
-              <a:buNone/>
-            </a:pPr>
-            <a:r>
-              <a:rPr lang="en-US" sz="1700" b="1" dirty="0" err="1">
-                <a:latin typeface="Inconsolata Medium" panose="020B0609030003000000" pitchFamily="49" charset="77"/>
-              </a:rPr>
-              <a:t>myNumber</a:t>
-            </a:r>
-            <a:r>
-              <a:rPr lang="en-US" sz="1700" b="1" dirty="0">
-                <a:latin typeface="Inconsolata Medium" panose="020B0609030003000000" pitchFamily="49" charset="77"/>
-              </a:rPr>
-              <a:t> = </a:t>
-            </a:r>
-            <a:r>
-              <a:rPr lang="en-US" sz="1700" b="1" dirty="0" err="1">
-                <a:latin typeface="Inconsolata Medium" panose="020B0609030003000000" pitchFamily="49" charset="77"/>
-              </a:rPr>
-              <a:t>random.randint</a:t>
-            </a:r>
-            <a:r>
-              <a:rPr lang="en-US" sz="1700" b="1" dirty="0">
-                <a:latin typeface="Inconsolata Medium" panose="020B0609030003000000" pitchFamily="49" charset="77"/>
-              </a:rPr>
-              <a:t>(smaller, larger) </a:t>
-            </a:r>
-          </a:p>
-          <a:p>
-            <a:pPr marL="0" indent="0">
-              <a:buNone/>
-            </a:pPr>
-            <a:r>
-              <a:rPr lang="en-US" sz="1700" b="1" dirty="0">
-                <a:latin typeface="Inconsolata Medium" panose="020B0609030003000000" pitchFamily="49" charset="77"/>
-              </a:rPr>
-              <a:t>count = 0 </a:t>
-            </a:r>
-          </a:p>
-          <a:p>
-            <a:pPr marL="0" indent="0">
-              <a:buNone/>
-            </a:pPr>
-            <a:r>
-              <a:rPr lang="en-US" sz="1700" b="1" dirty="0">
-                <a:solidFill>
-                  <a:srgbClr val="FF4C00"/>
-                </a:solidFill>
-                <a:latin typeface="Inconsolata Medium" panose="020B0609030003000000" pitchFamily="49" charset="77"/>
-              </a:rPr>
-              <a:t>while True</a:t>
-            </a:r>
-            <a:r>
-              <a:rPr lang="en-US" sz="1700" b="1" dirty="0">
-                <a:latin typeface="Inconsolata Medium" panose="020B0609030003000000" pitchFamily="49" charset="77"/>
-              </a:rPr>
-              <a:t>: </a:t>
-            </a:r>
-          </a:p>
-          <a:p>
-            <a:pPr marL="0" indent="0">
-              <a:buNone/>
-            </a:pPr>
-            <a:r>
-              <a:rPr lang="en-US" sz="1700" b="1" dirty="0">
-                <a:latin typeface="Inconsolata Medium" panose="020B0609030003000000" pitchFamily="49" charset="77"/>
-              </a:rPr>
-              <a:t>	count += 1 </a:t>
-            </a:r>
-          </a:p>
-          <a:p>
-            <a:pPr marL="0" indent="0">
-              <a:buNone/>
-            </a:pPr>
-            <a:r>
-              <a:rPr lang="en-US" sz="1700" b="1" dirty="0">
-                <a:latin typeface="Inconsolata Medium" panose="020B0609030003000000" pitchFamily="49" charset="77"/>
-              </a:rPr>
-              <a:t>	</a:t>
-            </a:r>
-            <a:r>
-              <a:rPr lang="en-US" sz="1700" b="1" dirty="0" err="1">
-                <a:latin typeface="Inconsolata Medium" panose="020B0609030003000000" pitchFamily="49" charset="77"/>
-              </a:rPr>
-              <a:t>userNumber</a:t>
-            </a:r>
-            <a:r>
-              <a:rPr lang="en-US" sz="1700" b="1" dirty="0">
-                <a:latin typeface="Inconsolata Medium" panose="020B0609030003000000" pitchFamily="49" charset="77"/>
-              </a:rPr>
-              <a:t> = </a:t>
-            </a:r>
-            <a:r>
-              <a:rPr lang="en-US" sz="1700" b="1" dirty="0">
-                <a:solidFill>
-                  <a:srgbClr val="990CFF"/>
-                </a:solidFill>
-                <a:latin typeface="Inconsolata Medium" panose="020B0609030003000000" pitchFamily="49" charset="77"/>
-              </a:rPr>
-              <a:t>int</a:t>
-            </a:r>
-            <a:r>
-              <a:rPr lang="en-US" sz="1700" b="1" dirty="0">
-                <a:latin typeface="Inconsolata Medium" panose="020B0609030003000000" pitchFamily="49" charset="77"/>
-              </a:rPr>
-              <a:t>(</a:t>
-            </a:r>
-            <a:r>
-              <a:rPr lang="en-US" sz="1700" b="1" dirty="0">
-                <a:solidFill>
-                  <a:srgbClr val="990CFF"/>
-                </a:solidFill>
-                <a:latin typeface="Inconsolata Medium" panose="020B0609030003000000" pitchFamily="49" charset="77"/>
-              </a:rPr>
-              <a:t>input</a:t>
-            </a:r>
-            <a:r>
-              <a:rPr lang="en-US" sz="1700" b="1" dirty="0">
-                <a:latin typeface="Inconsolata Medium" panose="020B0609030003000000" pitchFamily="49" charset="77"/>
-              </a:rPr>
-              <a:t>(</a:t>
-            </a:r>
-            <a:r>
-              <a:rPr lang="en-US" sz="1700" b="1" dirty="0">
-                <a:solidFill>
-                  <a:srgbClr val="0CFF00"/>
-                </a:solidFill>
-                <a:latin typeface="Inconsolata Medium" panose="020B0609030003000000" pitchFamily="49" charset="77"/>
-              </a:rPr>
-              <a:t>"Enter your guess: "</a:t>
-            </a:r>
-            <a:r>
-              <a:rPr lang="en-US" sz="1700" b="1" dirty="0">
-                <a:latin typeface="Inconsolata Medium" panose="020B0609030003000000" pitchFamily="49" charset="77"/>
-              </a:rPr>
-              <a:t>)) </a:t>
-            </a:r>
-          </a:p>
-          <a:p>
-            <a:pPr marL="0" indent="0">
-              <a:buNone/>
-            </a:pPr>
-            <a:r>
-              <a:rPr lang="en-US" sz="1700" b="1" dirty="0">
-                <a:solidFill>
-                  <a:srgbClr val="FF4C00"/>
-                </a:solidFill>
-                <a:latin typeface="Inconsolata Medium" panose="020B0609030003000000" pitchFamily="49" charset="77"/>
-              </a:rPr>
-              <a:t>	if </a:t>
-            </a:r>
-            <a:r>
-              <a:rPr lang="en-US" sz="1700" b="1" dirty="0" err="1">
-                <a:latin typeface="Inconsolata Medium" panose="020B0609030003000000" pitchFamily="49" charset="77"/>
-              </a:rPr>
-              <a:t>userNumber</a:t>
-            </a:r>
-            <a:r>
-              <a:rPr lang="en-US" sz="1700" b="1" dirty="0">
-                <a:latin typeface="Inconsolata Medium" panose="020B0609030003000000" pitchFamily="49" charset="77"/>
-              </a:rPr>
-              <a:t> &lt; </a:t>
-            </a:r>
-            <a:r>
-              <a:rPr lang="en-US" sz="1700" b="1" dirty="0" err="1">
-                <a:latin typeface="Inconsolata Medium" panose="020B0609030003000000" pitchFamily="49" charset="77"/>
-              </a:rPr>
-              <a:t>myNumber</a:t>
-            </a:r>
-            <a:r>
-              <a:rPr lang="en-US" sz="1700" b="1" dirty="0">
-                <a:latin typeface="Inconsolata Medium" panose="020B0609030003000000" pitchFamily="49" charset="77"/>
-              </a:rPr>
-              <a:t>: </a:t>
-            </a:r>
-          </a:p>
-          <a:p>
-            <a:pPr marL="0" indent="0">
-              <a:buNone/>
-            </a:pPr>
-            <a:r>
-              <a:rPr lang="en-US" sz="1700" b="1" dirty="0">
-                <a:solidFill>
-                  <a:srgbClr val="990CFF"/>
-                </a:solidFill>
-                <a:latin typeface="Inconsolata Medium" panose="020B0609030003000000" pitchFamily="49" charset="77"/>
-              </a:rPr>
-              <a:t>		print</a:t>
-            </a:r>
-            <a:r>
-              <a:rPr lang="en-US" sz="1700" b="1" dirty="0">
-                <a:latin typeface="Inconsolata Medium" panose="020B0609030003000000" pitchFamily="49" charset="77"/>
-              </a:rPr>
-              <a:t>(</a:t>
-            </a:r>
-            <a:r>
-              <a:rPr lang="en-US" sz="1700" b="1" dirty="0">
-                <a:solidFill>
-                  <a:srgbClr val="0CFF00"/>
-                </a:solidFill>
-                <a:latin typeface="Inconsolata Medium" panose="020B0609030003000000" pitchFamily="49" charset="77"/>
-              </a:rPr>
-              <a:t>"Too small!"</a:t>
-            </a:r>
-            <a:r>
-              <a:rPr lang="en-US" sz="1700" b="1" dirty="0">
-                <a:latin typeface="Inconsolata Medium" panose="020B0609030003000000" pitchFamily="49" charset="77"/>
-              </a:rPr>
-              <a:t>)</a:t>
-            </a:r>
-            <a:br>
-              <a:rPr lang="en-US" sz="1700" b="1" dirty="0">
-                <a:latin typeface="Inconsolata Medium" panose="020B0609030003000000" pitchFamily="49" charset="77"/>
-              </a:rPr>
-            </a:br>
-            <a:r>
-              <a:rPr lang="en-US" sz="1700" b="1" dirty="0">
-                <a:latin typeface="Inconsolata Medium" panose="020B0609030003000000" pitchFamily="49" charset="77"/>
-              </a:rPr>
-              <a:t>	</a:t>
-            </a:r>
-            <a:r>
-              <a:rPr lang="en-US" sz="1700" b="1" dirty="0" err="1">
-                <a:solidFill>
-                  <a:srgbClr val="FF4C00"/>
-                </a:solidFill>
-                <a:latin typeface="Inconsolata Medium" panose="020B0609030003000000" pitchFamily="49" charset="77"/>
-              </a:rPr>
-              <a:t>elif</a:t>
-            </a:r>
-            <a:r>
-              <a:rPr lang="en-US" sz="1700" b="1" dirty="0">
-                <a:solidFill>
-                  <a:srgbClr val="FF4C00"/>
-                </a:solidFill>
-                <a:latin typeface="Inconsolata Medium" panose="020B0609030003000000" pitchFamily="49" charset="77"/>
-              </a:rPr>
-              <a:t> </a:t>
-            </a:r>
-            <a:r>
-              <a:rPr lang="en-US" sz="1700" b="1" dirty="0" err="1">
-                <a:latin typeface="Inconsolata Medium" panose="020B0609030003000000" pitchFamily="49" charset="77"/>
-              </a:rPr>
-              <a:t>userNumber</a:t>
-            </a:r>
-            <a:r>
-              <a:rPr lang="en-US" sz="1700" b="1" dirty="0">
-                <a:latin typeface="Inconsolata Medium" panose="020B0609030003000000" pitchFamily="49" charset="77"/>
-              </a:rPr>
-              <a:t> &gt; </a:t>
-            </a:r>
-            <a:r>
-              <a:rPr lang="en-US" sz="1700" b="1" dirty="0" err="1">
-                <a:latin typeface="Inconsolata Medium" panose="020B0609030003000000" pitchFamily="49" charset="77"/>
-              </a:rPr>
-              <a:t>myNumber</a:t>
-            </a:r>
-            <a:r>
-              <a:rPr lang="en-US" sz="1700" b="1" dirty="0">
-                <a:latin typeface="Inconsolata Medium" panose="020B0609030003000000" pitchFamily="49" charset="77"/>
-              </a:rPr>
-              <a:t>: </a:t>
-            </a:r>
-          </a:p>
-          <a:p>
-            <a:pPr marL="0" indent="0">
-              <a:buNone/>
-            </a:pPr>
-            <a:r>
-              <a:rPr lang="en-US" sz="1700" b="1" dirty="0">
-                <a:solidFill>
-                  <a:srgbClr val="990CFF"/>
-                </a:solidFill>
-                <a:latin typeface="Inconsolata Medium" panose="020B0609030003000000" pitchFamily="49" charset="77"/>
-              </a:rPr>
-              <a:t>		print</a:t>
-            </a:r>
-            <a:r>
-              <a:rPr lang="en-US" sz="1700" b="1" dirty="0">
-                <a:latin typeface="Inconsolata Medium" panose="020B0609030003000000" pitchFamily="49" charset="77"/>
-              </a:rPr>
-              <a:t>(</a:t>
-            </a:r>
-            <a:r>
-              <a:rPr lang="en-US" sz="1700" b="1" dirty="0">
-                <a:solidFill>
-                  <a:srgbClr val="0CFF00"/>
-                </a:solidFill>
-                <a:latin typeface="Inconsolata Medium" panose="020B0609030003000000" pitchFamily="49" charset="77"/>
-              </a:rPr>
-              <a:t>"Too large!"</a:t>
-            </a:r>
-            <a:r>
-              <a:rPr lang="en-US" sz="1700" b="1" dirty="0">
-                <a:latin typeface="Inconsolata Medium" panose="020B0609030003000000" pitchFamily="49" charset="77"/>
-              </a:rPr>
-              <a:t>) </a:t>
-            </a:r>
-          </a:p>
-          <a:p>
-            <a:pPr marL="0" indent="0">
-              <a:buNone/>
-            </a:pPr>
-            <a:r>
-              <a:rPr lang="en-US" sz="1700" b="1" dirty="0">
-                <a:solidFill>
-                  <a:srgbClr val="FF4C00"/>
-                </a:solidFill>
-                <a:latin typeface="Inconsolata Medium" panose="020B0609030003000000" pitchFamily="49" charset="77"/>
-              </a:rPr>
-              <a:t>	else</a:t>
-            </a:r>
-            <a:r>
-              <a:rPr lang="en-US" sz="1700" b="1" dirty="0">
-                <a:latin typeface="Inconsolata Medium" panose="020B0609030003000000" pitchFamily="49" charset="77"/>
-              </a:rPr>
-              <a:t>: </a:t>
-            </a:r>
-          </a:p>
-          <a:p>
-            <a:pPr marL="0" indent="0">
-              <a:buNone/>
-            </a:pPr>
-            <a:r>
-              <a:rPr lang="en-US" sz="1700" b="1" dirty="0">
-                <a:solidFill>
-                  <a:srgbClr val="990CFF"/>
-                </a:solidFill>
-                <a:latin typeface="Inconsolata Medium" panose="020B0609030003000000" pitchFamily="49" charset="77"/>
-              </a:rPr>
-              <a:t>		print</a:t>
-            </a:r>
-            <a:r>
-              <a:rPr lang="en-US" sz="1700" b="1" dirty="0">
-                <a:latin typeface="Inconsolata Medium" panose="020B0609030003000000" pitchFamily="49" charset="77"/>
-              </a:rPr>
-              <a:t>(</a:t>
-            </a:r>
-            <a:r>
-              <a:rPr lang="en-US" sz="1700" b="1" dirty="0">
-                <a:solidFill>
-                  <a:srgbClr val="0CFF00"/>
-                </a:solidFill>
-                <a:latin typeface="Inconsolata Medium" panose="020B0609030003000000" pitchFamily="49" charset="77"/>
-              </a:rPr>
-              <a:t>"Congratulations! You've got it in"</a:t>
-            </a:r>
-            <a:r>
-              <a:rPr lang="en-US" sz="1700" b="1" dirty="0">
-                <a:latin typeface="Inconsolata Medium" panose="020B0609030003000000" pitchFamily="49" charset="77"/>
-              </a:rPr>
-              <a:t>, </a:t>
-            </a:r>
-          </a:p>
-          <a:p>
-            <a:pPr marL="0" indent="0">
-              <a:buNone/>
-            </a:pPr>
-            <a:r>
-              <a:rPr lang="en-US" sz="1700" b="1" dirty="0">
-                <a:latin typeface="Inconsolata Medium" panose="020B0609030003000000" pitchFamily="49" charset="77"/>
-              </a:rPr>
-              <a:t>			count, </a:t>
-            </a:r>
-            <a:r>
-              <a:rPr lang="en-US" sz="1700" b="1" dirty="0">
-                <a:solidFill>
-                  <a:srgbClr val="0CFF00"/>
-                </a:solidFill>
-                <a:latin typeface="Inconsolata Medium" panose="020B0609030003000000" pitchFamily="49" charset="77"/>
-              </a:rPr>
-              <a:t>"tries!"</a:t>
-            </a:r>
-            <a:r>
-              <a:rPr lang="en-US" sz="1700" b="1" dirty="0">
-                <a:latin typeface="Inconsolata Medium" panose="020B0609030003000000" pitchFamily="49" charset="77"/>
-              </a:rPr>
-              <a:t>) </a:t>
-            </a:r>
-          </a:p>
-          <a:p>
-            <a:pPr marL="0" indent="0">
-              <a:buNone/>
-            </a:pPr>
-            <a:r>
-              <a:rPr lang="en-US" sz="1700" b="1" dirty="0">
-                <a:solidFill>
-                  <a:srgbClr val="FF4C00"/>
-                </a:solidFill>
-                <a:latin typeface="Inconsolata Medium" panose="020B0609030003000000" pitchFamily="49" charset="77"/>
-              </a:rPr>
-              <a:t>		break </a:t>
-            </a:r>
-            <a:endParaRPr lang="en-US" sz="1700" b="1" dirty="0">
-              <a:latin typeface="Inconsolata Medium" panose="020B0609030003000000" pitchFamily="49" charset="77"/>
-            </a:endParaRPr>
-          </a:p>
-          <a:p>
-            <a:pPr marL="0" indent="0">
-              <a:buNone/>
-              <a:defRPr/>
-            </a:pPr>
-            <a:endParaRPr lang="en-US" sz="1700" b="1" dirty="0">
-              <a:latin typeface="Inconsolata Medium" panose="020B0609030003000000" pitchFamily="49" charset="77"/>
-            </a:endParaRPr>
-          </a:p>
-        </p:txBody>
-      </p:sp>
-    </p:spTree>
-    <p:extLst>
-      <p:ext uri="{BB962C8B-B14F-4D97-AF65-F5344CB8AC3E}">
-        <p14:creationId xmlns:p14="http://schemas.microsoft.com/office/powerpoint/2010/main" val="3117943122"/>
-      </p:ext>
-    </p:extLst>
-  </p:cSld>
-  <p:clrMapOvr>
-    <a:masterClrMapping/>
-  </p:clrMapOvr>
-</p:sld>
-</file>
-
-<file path=ppt/slides/slide31.xml><?xml version="1.0" encoding="utf-8"?>
 <p:sld xmlns:a="http://schemas.openxmlformats.org/drawingml/2006/main" xmlns:r="http://schemas.openxmlformats.org/officeDocument/2006/relationships" xmlns:p="http://schemas.openxmlformats.org/presentationml/2006/main">
   <p:cSld>
     <p:spTree>
@@ -14413,7 +11480,7 @@
 </p:sld>
 </file>
 
-<file path=ppt/slides/slide32.xml><?xml version="1.0" encoding="utf-8"?>
+<file path=ppt/slides/slide24.xml><?xml version="1.0" encoding="utf-8"?>
 <p:sld xmlns:a="http://schemas.openxmlformats.org/drawingml/2006/main" xmlns:r="http://schemas.openxmlformats.org/officeDocument/2006/relationships" xmlns:p="http://schemas.openxmlformats.org/presentationml/2006/main">
   <p:cSld>
     <p:spTree>
@@ -14624,7 +11691,7 @@
 </p:sld>
 </file>
 
-<file path=ppt/slides/slide33.xml><?xml version="1.0" encoding="utf-8"?>
+<file path=ppt/slides/slide25.xml><?xml version="1.0" encoding="utf-8"?>
 <p:sld xmlns:a="http://schemas.openxmlformats.org/drawingml/2006/main" xmlns:r="http://schemas.openxmlformats.org/officeDocument/2006/relationships" xmlns:p="http://schemas.openxmlformats.org/presentationml/2006/main">
   <p:cSld>
     <p:spTree>
@@ -14669,7 +11736,7 @@
           <a:p>
             <a:r>
               <a:rPr lang="en-US" dirty="0"/>
-              <a:t>References</a:t>
+              <a:t>Lab 2 </a:t>
             </a:r>
           </a:p>
         </p:txBody>
@@ -14705,6 +11772,240 @@
             <a:pPr marL="0" indent="0">
               <a:buNone/>
             </a:pPr>
+            <a:r>
+              <a:rPr lang="en-US" dirty="0"/>
+              <a:t>Create a new repl. </a:t>
+            </a:r>
+          </a:p>
+          <a:p>
+            <a:pPr marL="0" indent="0">
+              <a:buNone/>
+            </a:pPr>
+            <a:endParaRPr lang="en-US" dirty="0"/>
+          </a:p>
+          <a:p>
+            <a:pPr marL="0" indent="0">
+              <a:buNone/>
+            </a:pPr>
+            <a:r>
+              <a:rPr lang="en-US" dirty="0"/>
+              <a:t>1) Rewrite the function </a:t>
+            </a:r>
+            <a:r>
+              <a:rPr lang="en-US" dirty="0" err="1"/>
+              <a:t>count_factors</a:t>
+            </a:r>
+            <a:r>
+              <a:rPr lang="en-US" dirty="0"/>
+              <a:t> as explained in a previous slide. </a:t>
+            </a:r>
+          </a:p>
+          <a:p>
+            <a:pPr marL="0" indent="0">
+              <a:buNone/>
+            </a:pPr>
+            <a:r>
+              <a:rPr lang="en-US" dirty="0"/>
+              <a:t>2) A number n is prime if its only factors are 1 and n. Write the function </a:t>
+            </a:r>
+            <a:r>
+              <a:rPr lang="en-US" dirty="0" err="1"/>
+              <a:t>is_prime</a:t>
+            </a:r>
+            <a:r>
+              <a:rPr lang="en-US" dirty="0"/>
+              <a:t> which accepts an integer n and returns whether it is prime. </a:t>
+            </a:r>
+            <a:r>
+              <a:rPr lang="en-US" dirty="0">
+                <a:solidFill>
+                  <a:srgbClr val="FF0000"/>
+                </a:solidFill>
+              </a:rPr>
+              <a:t>You must call the function </a:t>
+            </a:r>
+            <a:r>
+              <a:rPr lang="en-US" dirty="0" err="1">
+                <a:solidFill>
+                  <a:srgbClr val="FF0000"/>
+                </a:solidFill>
+              </a:rPr>
+              <a:t>count_factors</a:t>
+            </a:r>
+            <a:r>
+              <a:rPr lang="en-US" dirty="0">
+                <a:solidFill>
+                  <a:srgbClr val="FF0000"/>
+                </a:solidFill>
+              </a:rPr>
+              <a:t> in your implementation of </a:t>
+            </a:r>
+            <a:r>
+              <a:rPr lang="en-US" dirty="0" err="1">
+                <a:solidFill>
+                  <a:srgbClr val="FF0000"/>
+                </a:solidFill>
+              </a:rPr>
+              <a:t>is_prime</a:t>
+            </a:r>
+            <a:r>
+              <a:rPr lang="en-US" dirty="0">
+                <a:solidFill>
+                  <a:srgbClr val="FF0000"/>
+                </a:solidFill>
+              </a:rPr>
+              <a:t>.</a:t>
+            </a:r>
+          </a:p>
+          <a:p>
+            <a:pPr marL="0" indent="0">
+              <a:buNone/>
+            </a:pPr>
+            <a:r>
+              <a:rPr lang="en-US" dirty="0"/>
+              <a:t>3) Write the function </a:t>
+            </a:r>
+            <a:r>
+              <a:rPr lang="en-US" dirty="0" err="1"/>
+              <a:t>printPrimes</a:t>
+            </a:r>
+            <a:r>
+              <a:rPr lang="en-US" dirty="0"/>
+              <a:t> which accepts an integer n and and print out all the primes from 2 up to and including n.  </a:t>
+            </a:r>
+            <a:r>
+              <a:rPr lang="en-US" dirty="0">
+                <a:solidFill>
+                  <a:srgbClr val="FF0000"/>
+                </a:solidFill>
+              </a:rPr>
+              <a:t>You must call the function </a:t>
+            </a:r>
+            <a:r>
+              <a:rPr lang="en-US" dirty="0" err="1">
+                <a:solidFill>
+                  <a:srgbClr val="FF0000"/>
+                </a:solidFill>
+              </a:rPr>
+              <a:t>is_prime</a:t>
+            </a:r>
+            <a:r>
+              <a:rPr lang="en-US" dirty="0">
+                <a:solidFill>
+                  <a:srgbClr val="FF0000"/>
+                </a:solidFill>
+              </a:rPr>
+              <a:t> in your implementation.</a:t>
+            </a:r>
+          </a:p>
+          <a:p>
+            <a:pPr marL="0" indent="0">
+              <a:buNone/>
+            </a:pPr>
+            <a:endParaRPr lang="en-US" dirty="0"/>
+          </a:p>
+          <a:p>
+            <a:pPr marL="0" indent="0">
+              <a:buNone/>
+            </a:pPr>
+            <a:endParaRPr lang="en-US" dirty="0"/>
+          </a:p>
+        </p:txBody>
+      </p:sp>
+    </p:spTree>
+    <p:extLst>
+      <p:ext uri="{BB962C8B-B14F-4D97-AF65-F5344CB8AC3E}">
+        <p14:creationId xmlns:p14="http://schemas.microsoft.com/office/powerpoint/2010/main" val="3662915732"/>
+      </p:ext>
+    </p:extLst>
+  </p:cSld>
+  <p:clrMapOvr>
+    <a:masterClrMapping/>
+  </p:clrMapOvr>
+</p:sld>
+</file>
+
+<file path=ppt/slides/slide26.xml><?xml version="1.0" encoding="utf-8"?>
+<p:sld xmlns:a="http://schemas.openxmlformats.org/drawingml/2006/main" xmlns:r="http://schemas.openxmlformats.org/officeDocument/2006/relationships" xmlns:p="http://schemas.openxmlformats.org/presentationml/2006/main">
+  <p:cSld>
+    <p:spTree>
+      <p:nvGrpSpPr>
+        <p:cNvPr id="1" name=""/>
+        <p:cNvGrpSpPr/>
+        <p:nvPr/>
+      </p:nvGrpSpPr>
+      <p:grpSpPr>
+        <a:xfrm>
+          <a:off x="0" y="0"/>
+          <a:ext cx="0" cy="0"/>
+          <a:chOff x="0" y="0"/>
+          <a:chExt cx="0" cy="0"/>
+        </a:xfrm>
+      </p:grpSpPr>
+      <p:sp>
+        <p:nvSpPr>
+          <p:cNvPr id="2" name="Title 1">
+            <a:extLst>
+              <a:ext uri="{FF2B5EF4-FFF2-40B4-BE49-F238E27FC236}">
+                <a16:creationId xmlns:a16="http://schemas.microsoft.com/office/drawing/2014/main" id="{AA3A228F-61D0-D949-A5E7-F83756230BF8}"/>
+              </a:ext>
+            </a:extLst>
+          </p:cNvPr>
+          <p:cNvSpPr>
+            <a:spLocks noGrp="1"/>
+          </p:cNvSpPr>
+          <p:nvPr>
+            <p:ph type="title"/>
+          </p:nvPr>
+        </p:nvSpPr>
+        <p:spPr>
+          <a:xfrm>
+            <a:off x="483848" y="467027"/>
+            <a:ext cx="7053542" cy="683886"/>
+          </a:xfrm>
+        </p:spPr>
+        <p:txBody>
+          <a:bodyPr/>
+          <a:lstStyle/>
+          <a:p>
+            <a:r>
+              <a:rPr lang="en-US" dirty="0"/>
+              <a:t>References</a:t>
+            </a:r>
+          </a:p>
+        </p:txBody>
+      </p:sp>
+      <p:sp>
+        <p:nvSpPr>
+          <p:cNvPr id="9" name="Content Placeholder 8">
+            <a:extLst>
+              <a:ext uri="{FF2B5EF4-FFF2-40B4-BE49-F238E27FC236}">
+                <a16:creationId xmlns:a16="http://schemas.microsoft.com/office/drawing/2014/main" id="{E3B2E017-30B2-884B-A113-B419A2ED51AD}"/>
+              </a:ext>
+            </a:extLst>
+          </p:cNvPr>
+          <p:cNvSpPr>
+            <a:spLocks noGrp="1"/>
+          </p:cNvSpPr>
+          <p:nvPr>
+            <p:ph idx="1"/>
+          </p:nvPr>
+        </p:nvSpPr>
+        <p:spPr>
+          <a:xfrm>
+            <a:off x="483848" y="1150913"/>
+            <a:ext cx="8051725" cy="4440590"/>
+          </a:xfrm>
+        </p:spPr>
+        <p:txBody>
+          <a:bodyPr>
+            <a:noAutofit/>
+          </a:bodyPr>
+          <a:lstStyle/>
+          <a:p>
+            <a:pPr marL="0" indent="0">
+              <a:buNone/>
+            </a:pPr>
             <a:endParaRPr lang="en-US" dirty="0"/>
           </a:p>
           <a:p>
@@ -14752,6 +12053,835 @@
   <p:clrMapOvr>
     <a:masterClrMapping/>
   </p:clrMapOvr>
+</p:sld>
+</file>
+
+<file path=ppt/slides/slide3.xml><?xml version="1.0" encoding="utf-8"?>
+<p:sld xmlns:a="http://schemas.openxmlformats.org/drawingml/2006/main" xmlns:r="http://schemas.openxmlformats.org/officeDocument/2006/relationships" xmlns:p="http://schemas.openxmlformats.org/presentationml/2006/main">
+  <p:cSld>
+    <p:spTree>
+      <p:nvGrpSpPr>
+        <p:cNvPr id="1" name=""/>
+        <p:cNvGrpSpPr/>
+        <p:nvPr/>
+      </p:nvGrpSpPr>
+      <p:grpSpPr>
+        <a:xfrm>
+          <a:off x="0" y="0"/>
+          <a:ext cx="0" cy="0"/>
+          <a:chOff x="0" y="0"/>
+          <a:chExt cx="0" cy="0"/>
+        </a:xfrm>
+      </p:grpSpPr>
+      <p:sp>
+        <p:nvSpPr>
+          <p:cNvPr id="2" name="Title 1">
+            <a:extLst>
+              <a:ext uri="{FF2B5EF4-FFF2-40B4-BE49-F238E27FC236}">
+                <a16:creationId xmlns:a16="http://schemas.microsoft.com/office/drawing/2014/main" id="{AA3A228F-61D0-D949-A5E7-F83756230BF8}"/>
+              </a:ext>
+            </a:extLst>
+          </p:cNvPr>
+          <p:cNvSpPr>
+            <a:spLocks noGrp="1"/>
+          </p:cNvSpPr>
+          <p:nvPr>
+            <p:ph type="title"/>
+          </p:nvPr>
+        </p:nvSpPr>
+        <p:spPr>
+          <a:xfrm>
+            <a:off x="483848" y="467027"/>
+            <a:ext cx="7053542" cy="683886"/>
+          </a:xfrm>
+        </p:spPr>
+        <p:txBody>
+          <a:bodyPr/>
+          <a:lstStyle/>
+          <a:p>
+            <a:r>
+              <a:rPr lang="en-US" dirty="0"/>
+              <a:t>For Loops</a:t>
+            </a:r>
+          </a:p>
+        </p:txBody>
+      </p:sp>
+      <p:sp>
+        <p:nvSpPr>
+          <p:cNvPr id="9" name="Content Placeholder 8">
+            <a:extLst>
+              <a:ext uri="{FF2B5EF4-FFF2-40B4-BE49-F238E27FC236}">
+                <a16:creationId xmlns:a16="http://schemas.microsoft.com/office/drawing/2014/main" id="{E3B2E017-30B2-884B-A113-B419A2ED51AD}"/>
+              </a:ext>
+            </a:extLst>
+          </p:cNvPr>
+          <p:cNvSpPr>
+            <a:spLocks noGrp="1"/>
+          </p:cNvSpPr>
+          <p:nvPr>
+            <p:ph idx="1"/>
+          </p:nvPr>
+        </p:nvSpPr>
+        <p:spPr>
+          <a:xfrm>
+            <a:off x="483848" y="1288073"/>
+            <a:ext cx="8051725" cy="4292919"/>
+          </a:xfrm>
+        </p:spPr>
+        <p:txBody>
+          <a:bodyPr>
+            <a:normAutofit/>
+          </a:bodyPr>
+          <a:lstStyle/>
+          <a:p>
+            <a:pPr marL="0" indent="0">
+              <a:buNone/>
+            </a:pPr>
+            <a:r>
+              <a:rPr lang="en-US" dirty="0">
+                <a:latin typeface="Gill Sans MT" panose="020B0502020104020203" pitchFamily="34" charset="77"/>
+              </a:rPr>
+              <a:t>In general, a loop allows a sequence of instructions to execute repeatedly until some condition is met. </a:t>
+            </a:r>
+          </a:p>
+          <a:p>
+            <a:pPr marL="0" indent="0">
+              <a:buNone/>
+            </a:pPr>
+            <a:endParaRPr lang="en-US" dirty="0">
+              <a:latin typeface="Gill Sans MT" panose="020B0502020104020203" pitchFamily="34" charset="77"/>
+            </a:endParaRPr>
+          </a:p>
+          <a:p>
+            <a:pPr marL="0" indent="0">
+              <a:buNone/>
+            </a:pPr>
+            <a:r>
+              <a:rPr lang="en-US" dirty="0">
+                <a:latin typeface="Gill Sans MT" panose="020B0502020104020203" pitchFamily="34" charset="77"/>
+              </a:rPr>
+              <a:t>Python’s </a:t>
+            </a:r>
+            <a:r>
+              <a:rPr lang="en-US" i="1" dirty="0">
+                <a:latin typeface="Gill Sans MT" panose="020B0502020104020203" pitchFamily="34" charset="77"/>
+              </a:rPr>
+              <a:t>for</a:t>
+            </a:r>
+            <a:r>
+              <a:rPr lang="en-US" dirty="0">
+                <a:latin typeface="Gill Sans MT" panose="020B0502020104020203" pitchFamily="34" charset="77"/>
+              </a:rPr>
+              <a:t> loop iterates over items of a sequence(e.g. a list, string or tuple) and process them with some code. </a:t>
+            </a:r>
+          </a:p>
+          <a:p>
+            <a:pPr marL="0" indent="0">
+              <a:buNone/>
+            </a:pPr>
+            <a:r>
+              <a:rPr lang="en-US" b="1" dirty="0">
+                <a:solidFill>
+                  <a:srgbClr val="006699"/>
+                </a:solidFill>
+                <a:latin typeface="Inconsolata Medium" panose="020B0609030003000000" pitchFamily="49" charset="77"/>
+              </a:rPr>
+              <a:t>for </a:t>
+            </a:r>
+            <a:r>
+              <a:rPr lang="en-US" b="1" dirty="0">
+                <a:solidFill>
+                  <a:srgbClr val="000087"/>
+                </a:solidFill>
+                <a:latin typeface="Inconsolata Medium" panose="020B0609030003000000" pitchFamily="49" charset="77"/>
+              </a:rPr>
+              <a:t>x </a:t>
+            </a:r>
+            <a:r>
+              <a:rPr lang="en-US" b="1" dirty="0">
+                <a:latin typeface="Inconsolata Medium" panose="020B0609030003000000" pitchFamily="49" charset="77"/>
+              </a:rPr>
+              <a:t>in</a:t>
+            </a:r>
+            <a:r>
+              <a:rPr lang="en-US" b="1" dirty="0">
+                <a:solidFill>
+                  <a:srgbClr val="000087"/>
+                </a:solidFill>
+                <a:latin typeface="Inconsolata Medium" panose="020B0609030003000000" pitchFamily="49" charset="77"/>
+              </a:rPr>
+              <a:t> sequence</a:t>
+            </a:r>
+            <a:r>
+              <a:rPr lang="en-US" b="1" dirty="0">
+                <a:latin typeface="Inconsolata Medium" panose="020B0609030003000000" pitchFamily="49" charset="77"/>
+              </a:rPr>
+              <a:t>:</a:t>
+            </a:r>
+            <a:br>
+              <a:rPr lang="en-US" b="1" dirty="0">
+                <a:latin typeface="Inconsolata Medium" panose="020B0609030003000000" pitchFamily="49" charset="77"/>
+              </a:rPr>
+            </a:br>
+            <a:r>
+              <a:rPr lang="en-US" b="1" dirty="0">
+                <a:latin typeface="Inconsolata Medium" panose="020B0609030003000000" pitchFamily="49" charset="77"/>
+              </a:rPr>
+              <a:t>	</a:t>
+            </a:r>
+            <a:r>
+              <a:rPr lang="en-US" b="1" dirty="0">
+                <a:solidFill>
+                  <a:srgbClr val="006699"/>
+                </a:solidFill>
+                <a:latin typeface="Inconsolata Medium" panose="020B0609030003000000" pitchFamily="49" charset="77"/>
+              </a:rPr>
+              <a:t>block</a:t>
+            </a:r>
+            <a:r>
+              <a:rPr lang="en-US" b="1" dirty="0">
+                <a:latin typeface="Inconsolata Medium" panose="020B0609030003000000" pitchFamily="49" charset="77"/>
+              </a:rPr>
+              <a:t> </a:t>
+            </a:r>
+          </a:p>
+          <a:p>
+            <a:pPr marL="0" indent="0">
+              <a:buNone/>
+            </a:pPr>
+            <a:endParaRPr lang="en-US" dirty="0">
+              <a:latin typeface="Gill Sans MT" panose="020B0502020104020203" pitchFamily="34" charset="77"/>
+            </a:endParaRPr>
+          </a:p>
+          <a:p>
+            <a:pPr marL="0" indent="0">
+              <a:buNone/>
+            </a:pPr>
+            <a:r>
+              <a:rPr lang="en-US" sz="2000" b="1" dirty="0">
+                <a:solidFill>
+                  <a:srgbClr val="000087"/>
+                </a:solidFill>
+                <a:latin typeface="Inconsolata Medium" panose="020B0609030003000000" pitchFamily="49" charset="77"/>
+              </a:rPr>
+              <a:t>In</a:t>
+            </a:r>
+            <a:r>
+              <a:rPr lang="en-US" sz="2000" b="1" dirty="0">
+                <a:latin typeface="Inconsolata Medium" panose="020B0609030003000000" pitchFamily="49" charset="77"/>
+              </a:rPr>
+              <a:t>[</a:t>
+            </a:r>
+            <a:r>
+              <a:rPr lang="en-US" sz="2000" b="1" dirty="0">
+                <a:solidFill>
+                  <a:srgbClr val="FF6600"/>
+                </a:solidFill>
+                <a:latin typeface="Inconsolata Medium" panose="020B0609030003000000" pitchFamily="49" charset="77"/>
+              </a:rPr>
+              <a:t>1</a:t>
+            </a:r>
+            <a:r>
+              <a:rPr lang="en-US" sz="2000" b="1" dirty="0">
+                <a:latin typeface="Inconsolata Medium" panose="020B0609030003000000" pitchFamily="49" charset="77"/>
+              </a:rPr>
+              <a:t>]:  </a:t>
+            </a:r>
+            <a:r>
+              <a:rPr lang="en-US" sz="2000" b="1" dirty="0">
+                <a:solidFill>
+                  <a:srgbClr val="006699"/>
+                </a:solidFill>
+                <a:latin typeface="Inconsolata Medium" panose="020B0609030003000000" pitchFamily="49" charset="77"/>
+              </a:rPr>
+              <a:t>for </a:t>
+            </a:r>
+            <a:r>
+              <a:rPr lang="en-US" sz="2000" b="1" dirty="0">
+                <a:solidFill>
+                  <a:srgbClr val="000087"/>
+                </a:solidFill>
+                <a:latin typeface="Inconsolata Medium" panose="020B0609030003000000" pitchFamily="49" charset="77"/>
+              </a:rPr>
+              <a:t>x </a:t>
+            </a:r>
+            <a:r>
+              <a:rPr lang="en-US" sz="2000" b="1" dirty="0">
+                <a:latin typeface="Inconsolata Medium" panose="020B0609030003000000" pitchFamily="49" charset="77"/>
+              </a:rPr>
+              <a:t>in [</a:t>
+            </a:r>
+            <a:r>
+              <a:rPr lang="en-US" sz="2000" b="1" dirty="0">
+                <a:solidFill>
+                  <a:srgbClr val="FF6600"/>
+                </a:solidFill>
+                <a:latin typeface="Inconsolata Medium" panose="020B0609030003000000" pitchFamily="49" charset="77"/>
+              </a:rPr>
+              <a:t>2</a:t>
+            </a:r>
+            <a:r>
+              <a:rPr lang="en-US" sz="2000" b="1" dirty="0">
+                <a:latin typeface="Inconsolata Medium" panose="020B0609030003000000" pitchFamily="49" charset="77"/>
+              </a:rPr>
+              <a:t>,</a:t>
+            </a:r>
+            <a:r>
+              <a:rPr lang="en-US" sz="2000" b="1" dirty="0">
+                <a:solidFill>
+                  <a:srgbClr val="FF6600"/>
+                </a:solidFill>
+                <a:latin typeface="Inconsolata Medium" panose="020B0609030003000000" pitchFamily="49" charset="77"/>
+              </a:rPr>
+              <a:t>3</a:t>
+            </a:r>
+            <a:r>
+              <a:rPr lang="en-US" sz="2000" b="1" dirty="0">
+                <a:latin typeface="Inconsolata Medium" panose="020B0609030003000000" pitchFamily="49" charset="77"/>
+              </a:rPr>
+              <a:t>,</a:t>
+            </a:r>
+            <a:r>
+              <a:rPr lang="en-US" sz="2000" b="1" dirty="0">
+                <a:solidFill>
+                  <a:srgbClr val="FF6600"/>
+                </a:solidFill>
+                <a:latin typeface="Inconsolata Medium" panose="020B0609030003000000" pitchFamily="49" charset="77"/>
+              </a:rPr>
+              <a:t>5</a:t>
+            </a:r>
+            <a:r>
+              <a:rPr lang="en-US" sz="2000" b="1" dirty="0">
+                <a:latin typeface="Inconsolata Medium" panose="020B0609030003000000" pitchFamily="49" charset="77"/>
+              </a:rPr>
+              <a:t>,</a:t>
+            </a:r>
+            <a:r>
+              <a:rPr lang="en-US" sz="2000" b="1" dirty="0">
+                <a:solidFill>
+                  <a:srgbClr val="FF6600"/>
+                </a:solidFill>
+                <a:latin typeface="Inconsolata Medium" panose="020B0609030003000000" pitchFamily="49" charset="77"/>
+              </a:rPr>
+              <a:t>7</a:t>
+            </a:r>
+            <a:r>
+              <a:rPr lang="en-US" sz="2000" b="1" dirty="0">
+                <a:latin typeface="Inconsolata Medium" panose="020B0609030003000000" pitchFamily="49" charset="77"/>
+              </a:rPr>
+              <a:t>]:</a:t>
+            </a:r>
+            <a:br>
+              <a:rPr lang="en-US" sz="2000" b="1" dirty="0">
+                <a:latin typeface="Inconsolata Medium" panose="020B0609030003000000" pitchFamily="49" charset="77"/>
+              </a:rPr>
+            </a:br>
+            <a:r>
+              <a:rPr lang="en-US" sz="2000" b="1" dirty="0">
+                <a:latin typeface="Inconsolata Medium" panose="020B0609030003000000" pitchFamily="49" charset="77"/>
+              </a:rPr>
+              <a:t>		</a:t>
+            </a:r>
+            <a:r>
+              <a:rPr lang="en-US" sz="2000" b="1" dirty="0">
+                <a:solidFill>
+                  <a:srgbClr val="006699"/>
+                </a:solidFill>
+                <a:latin typeface="Inconsolata Medium" panose="020B0609030003000000" pitchFamily="49" charset="77"/>
+              </a:rPr>
+              <a:t>print</a:t>
+            </a:r>
+            <a:r>
+              <a:rPr lang="en-US" sz="2000" b="1" dirty="0">
+                <a:latin typeface="Inconsolata Medium" panose="020B0609030003000000" pitchFamily="49" charset="77"/>
+              </a:rPr>
+              <a:t>(</a:t>
+            </a:r>
+            <a:r>
+              <a:rPr lang="en-US" sz="2000" b="1" dirty="0">
+                <a:solidFill>
+                  <a:srgbClr val="000087"/>
+                </a:solidFill>
+                <a:latin typeface="Inconsolata Medium" panose="020B0609030003000000" pitchFamily="49" charset="77"/>
+              </a:rPr>
+              <a:t>x</a:t>
+            </a:r>
+            <a:r>
+              <a:rPr lang="en-US" sz="2000" b="1" dirty="0">
+                <a:latin typeface="Inconsolata Medium" panose="020B0609030003000000" pitchFamily="49" charset="77"/>
+              </a:rPr>
+              <a:t>, </a:t>
+            </a:r>
+            <a:r>
+              <a:rPr lang="en-US" sz="2000" b="1" dirty="0">
+                <a:solidFill>
+                  <a:srgbClr val="000087"/>
+                </a:solidFill>
+                <a:latin typeface="Inconsolata Medium" panose="020B0609030003000000" pitchFamily="49" charset="77"/>
+              </a:rPr>
+              <a:t>end</a:t>
+            </a:r>
+            <a:r>
+              <a:rPr lang="en-US" sz="2000" b="1" dirty="0">
+                <a:solidFill>
+                  <a:srgbClr val="545454"/>
+                </a:solidFill>
+                <a:latin typeface="Inconsolata Medium" panose="020B0609030003000000" pitchFamily="49" charset="77"/>
+              </a:rPr>
+              <a:t>=</a:t>
+            </a:r>
+            <a:r>
+              <a:rPr lang="en-US" sz="2000" b="1" dirty="0">
+                <a:solidFill>
+                  <a:srgbClr val="CC3300"/>
+                </a:solidFill>
+                <a:latin typeface="Inconsolata Medium" panose="020B0609030003000000" pitchFamily="49" charset="77"/>
+              </a:rPr>
+              <a:t>“ ”</a:t>
+            </a:r>
+            <a:r>
+              <a:rPr lang="en-US" sz="2000" b="1" dirty="0">
+                <a:latin typeface="Inconsolata Medium" panose="020B0609030003000000" pitchFamily="49" charset="77"/>
+              </a:rPr>
+              <a:t>)    </a:t>
+            </a:r>
+            <a:r>
+              <a:rPr lang="en-US" sz="2000" b="1" i="1" dirty="0">
+                <a:solidFill>
+                  <a:srgbClr val="33566B"/>
+                </a:solidFill>
+                <a:latin typeface="Inconsolata Medium" panose="020B0609030003000000" pitchFamily="49" charset="77"/>
+              </a:rPr>
+              <a:t># print all on same line </a:t>
+            </a:r>
+            <a:endParaRPr lang="en-US" sz="2000" b="1" dirty="0">
+              <a:latin typeface="Inconsolata Medium" panose="020B0609030003000000" pitchFamily="49" charset="77"/>
+            </a:endParaRPr>
+          </a:p>
+          <a:p>
+            <a:pPr marL="0" indent="0">
+              <a:buNone/>
+            </a:pPr>
+            <a:endParaRPr lang="en-US" dirty="0">
+              <a:latin typeface="UbuntuMono"/>
+            </a:endParaRPr>
+          </a:p>
+          <a:p>
+            <a:pPr marL="0" indent="0">
+              <a:buNone/>
+            </a:pPr>
+            <a:r>
+              <a:rPr lang="en-US" dirty="0">
+                <a:latin typeface="UbuntuMono"/>
+              </a:rPr>
+              <a:t>2 3 5 7 </a:t>
+            </a:r>
+            <a:endParaRPr lang="en-US" dirty="0"/>
+          </a:p>
+          <a:p>
+            <a:pPr marL="0" indent="0">
+              <a:buNone/>
+            </a:pPr>
+            <a:endParaRPr lang="en-US" sz="2100" dirty="0">
+              <a:solidFill>
+                <a:srgbClr val="000087"/>
+              </a:solidFill>
+              <a:latin typeface="Gill Sans MT" panose="020B0502020104020203" pitchFamily="34" charset="77"/>
+            </a:endParaRPr>
+          </a:p>
+        </p:txBody>
+      </p:sp>
+      <p:sp>
+        <p:nvSpPr>
+          <p:cNvPr id="3" name="TextBox 2">
+            <a:extLst>
+              <a:ext uri="{FF2B5EF4-FFF2-40B4-BE49-F238E27FC236}">
+                <a16:creationId xmlns:a16="http://schemas.microsoft.com/office/drawing/2014/main" id="{53AD888D-2F6F-BB43-86CA-1A3B376061A2}"/>
+              </a:ext>
+            </a:extLst>
+          </p:cNvPr>
+          <p:cNvSpPr txBox="1"/>
+          <p:nvPr/>
+        </p:nvSpPr>
+        <p:spPr>
+          <a:xfrm>
+            <a:off x="3915263" y="3434532"/>
+            <a:ext cx="4744889" cy="400110"/>
+          </a:xfrm>
+          <a:prstGeom prst="rect">
+            <a:avLst/>
+          </a:prstGeom>
+          <a:noFill/>
+        </p:spPr>
+        <p:txBody>
+          <a:bodyPr wrap="none" rtlCol="0">
+            <a:spAutoFit/>
+          </a:bodyPr>
+          <a:lstStyle/>
+          <a:p>
+            <a:r>
+              <a:rPr lang="en-US" sz="2000" dirty="0">
+                <a:solidFill>
+                  <a:srgbClr val="FF0000"/>
+                </a:solidFill>
+              </a:rPr>
+              <a:t>This is a list. More on lists in a later lecture. </a:t>
+            </a:r>
+          </a:p>
+        </p:txBody>
+      </p:sp>
+      <p:cxnSp>
+        <p:nvCxnSpPr>
+          <p:cNvPr id="5" name="Straight Arrow Connector 4">
+            <a:extLst>
+              <a:ext uri="{FF2B5EF4-FFF2-40B4-BE49-F238E27FC236}">
+                <a16:creationId xmlns:a16="http://schemas.microsoft.com/office/drawing/2014/main" id="{0FA56ED4-EC25-B14C-B73E-DC4E17ADBF86}"/>
+              </a:ext>
+            </a:extLst>
+          </p:cNvPr>
+          <p:cNvCxnSpPr>
+            <a:cxnSpLocks/>
+          </p:cNvCxnSpPr>
+          <p:nvPr/>
+        </p:nvCxnSpPr>
+        <p:spPr>
+          <a:xfrm flipH="1">
+            <a:off x="3790684" y="3768132"/>
+            <a:ext cx="520059" cy="301450"/>
+          </a:xfrm>
+          <a:prstGeom prst="straightConnector1">
+            <a:avLst/>
+          </a:prstGeom>
+          <a:ln w="25400">
+            <a:tailEnd type="triangle"/>
+          </a:ln>
+        </p:spPr>
+        <p:style>
+          <a:lnRef idx="1">
+            <a:schemeClr val="accent1"/>
+          </a:lnRef>
+          <a:fillRef idx="0">
+            <a:schemeClr val="accent1"/>
+          </a:fillRef>
+          <a:effectRef idx="0">
+            <a:schemeClr val="accent1"/>
+          </a:effectRef>
+          <a:fontRef idx="minor">
+            <a:schemeClr val="tx1"/>
+          </a:fontRef>
+        </p:style>
+      </p:cxnSp>
+    </p:spTree>
+    <p:extLst>
+      <p:ext uri="{BB962C8B-B14F-4D97-AF65-F5344CB8AC3E}">
+        <p14:creationId xmlns:p14="http://schemas.microsoft.com/office/powerpoint/2010/main" val="1816941262"/>
+      </p:ext>
+    </p:extLst>
+  </p:cSld>
+  <p:clrMapOvr>
+    <a:masterClrMapping/>
+  </p:clrMapOvr>
+  <p:timing>
+    <p:tnLst>
+      <p:par>
+        <p:cTn id="1" dur="indefinite" restart="never" nodeType="tmRoot">
+          <p:childTnLst>
+            <p:seq concurrent="1" nextAc="seek">
+              <p:cTn id="2" dur="indefinite" nodeType="mainSeq">
+                <p:childTnLst>
+                  <p:par>
+                    <p:cTn id="3" fill="hold">
+                      <p:stCondLst>
+                        <p:cond delay="indefinite"/>
+                      </p:stCondLst>
+                      <p:childTnLst>
+                        <p:par>
+                          <p:cTn id="4" fill="hold">
+                            <p:stCondLst>
+                              <p:cond delay="0"/>
+                            </p:stCondLst>
+                            <p:childTnLst>
+                              <p:par>
+                                <p:cTn id="5" presetID="1" presetClass="entr" presetSubtype="0" fill="hold" nodeType="clickEffect">
+                                  <p:stCondLst>
+                                    <p:cond delay="0"/>
+                                  </p:stCondLst>
+                                  <p:childTnLst>
+                                    <p:set>
+                                      <p:cBhvr>
+                                        <p:cTn id="6" dur="1" fill="hold">
+                                          <p:stCondLst>
+                                            <p:cond delay="0"/>
+                                          </p:stCondLst>
+                                        </p:cTn>
+                                        <p:tgtEl>
+                                          <p:spTgt spid="9">
+                                            <p:txEl>
+                                              <p:pRg st="2" end="2"/>
+                                            </p:txEl>
+                                          </p:spTgt>
+                                        </p:tgtEl>
+                                        <p:attrNameLst>
+                                          <p:attrName>style.visibility</p:attrName>
+                                        </p:attrNameLst>
+                                      </p:cBhvr>
+                                      <p:to>
+                                        <p:strVal val="visible"/>
+                                      </p:to>
+                                    </p:set>
+                                  </p:childTnLst>
+                                </p:cTn>
+                              </p:par>
+                            </p:childTnLst>
+                          </p:cTn>
+                        </p:par>
+                      </p:childTnLst>
+                    </p:cTn>
+                  </p:par>
+                  <p:par>
+                    <p:cTn id="7" fill="hold">
+                      <p:stCondLst>
+                        <p:cond delay="indefinite"/>
+                      </p:stCondLst>
+                      <p:childTnLst>
+                        <p:par>
+                          <p:cTn id="8" fill="hold">
+                            <p:stCondLst>
+                              <p:cond delay="0"/>
+                            </p:stCondLst>
+                            <p:childTnLst>
+                              <p:par>
+                                <p:cTn id="9" presetID="1" presetClass="entr" presetSubtype="0" fill="hold" nodeType="clickEffect">
+                                  <p:stCondLst>
+                                    <p:cond delay="0"/>
+                                  </p:stCondLst>
+                                  <p:childTnLst>
+                                    <p:set>
+                                      <p:cBhvr>
+                                        <p:cTn id="10" dur="1" fill="hold">
+                                          <p:stCondLst>
+                                            <p:cond delay="0"/>
+                                          </p:stCondLst>
+                                        </p:cTn>
+                                        <p:tgtEl>
+                                          <p:spTgt spid="9">
+                                            <p:txEl>
+                                              <p:pRg st="3" end="3"/>
+                                            </p:txEl>
+                                          </p:spTgt>
+                                        </p:tgtEl>
+                                        <p:attrNameLst>
+                                          <p:attrName>style.visibility</p:attrName>
+                                        </p:attrNameLst>
+                                      </p:cBhvr>
+                                      <p:to>
+                                        <p:strVal val="visible"/>
+                                      </p:to>
+                                    </p:set>
+                                  </p:childTnLst>
+                                </p:cTn>
+                              </p:par>
+                            </p:childTnLst>
+                          </p:cTn>
+                        </p:par>
+                      </p:childTnLst>
+                    </p:cTn>
+                  </p:par>
+                  <p:par>
+                    <p:cTn id="11" fill="hold">
+                      <p:stCondLst>
+                        <p:cond delay="indefinite"/>
+                      </p:stCondLst>
+                      <p:childTnLst>
+                        <p:par>
+                          <p:cTn id="12" fill="hold">
+                            <p:stCondLst>
+                              <p:cond delay="0"/>
+                            </p:stCondLst>
+                            <p:childTnLst>
+                              <p:par>
+                                <p:cTn id="13" presetID="1" presetClass="entr" presetSubtype="0" fill="hold" nodeType="clickEffect">
+                                  <p:stCondLst>
+                                    <p:cond delay="0"/>
+                                  </p:stCondLst>
+                                  <p:childTnLst>
+                                    <p:set>
+                                      <p:cBhvr>
+                                        <p:cTn id="14" dur="1" fill="hold">
+                                          <p:stCondLst>
+                                            <p:cond delay="0"/>
+                                          </p:stCondLst>
+                                        </p:cTn>
+                                        <p:tgtEl>
+                                          <p:spTgt spid="9">
+                                            <p:txEl>
+                                              <p:pRg st="5" end="5"/>
+                                            </p:txEl>
+                                          </p:spTgt>
+                                        </p:tgtEl>
+                                        <p:attrNameLst>
+                                          <p:attrName>style.visibility</p:attrName>
+                                        </p:attrNameLst>
+                                      </p:cBhvr>
+                                      <p:to>
+                                        <p:strVal val="visible"/>
+                                      </p:to>
+                                    </p:set>
+                                  </p:childTnLst>
+                                </p:cTn>
+                              </p:par>
+                            </p:childTnLst>
+                          </p:cTn>
+                        </p:par>
+                      </p:childTnLst>
+                    </p:cTn>
+                  </p:par>
+                  <p:par>
+                    <p:cTn id="15" fill="hold">
+                      <p:stCondLst>
+                        <p:cond delay="indefinite"/>
+                      </p:stCondLst>
+                      <p:childTnLst>
+                        <p:par>
+                          <p:cTn id="16" fill="hold">
+                            <p:stCondLst>
+                              <p:cond delay="0"/>
+                            </p:stCondLst>
+                            <p:childTnLst>
+                              <p:par>
+                                <p:cTn id="17" presetID="1" presetClass="entr" presetSubtype="0" fill="hold" grpId="0" nodeType="clickEffect">
+                                  <p:stCondLst>
+                                    <p:cond delay="0"/>
+                                  </p:stCondLst>
+                                  <p:childTnLst>
+                                    <p:set>
+                                      <p:cBhvr>
+                                        <p:cTn id="18" dur="1" fill="hold">
+                                          <p:stCondLst>
+                                            <p:cond delay="0"/>
+                                          </p:stCondLst>
+                                        </p:cTn>
+                                        <p:tgtEl>
+                                          <p:spTgt spid="3"/>
+                                        </p:tgtEl>
+                                        <p:attrNameLst>
+                                          <p:attrName>style.visibility</p:attrName>
+                                        </p:attrNameLst>
+                                      </p:cBhvr>
+                                      <p:to>
+                                        <p:strVal val="visible"/>
+                                      </p:to>
+                                    </p:set>
+                                  </p:childTnLst>
+                                </p:cTn>
+                              </p:par>
+                              <p:par>
+                                <p:cTn id="19" presetID="1" presetClass="entr" presetSubtype="0" fill="hold" nodeType="withEffect">
+                                  <p:stCondLst>
+                                    <p:cond delay="0"/>
+                                  </p:stCondLst>
+                                  <p:childTnLst>
+                                    <p:set>
+                                      <p:cBhvr>
+                                        <p:cTn id="20" dur="1" fill="hold">
+                                          <p:stCondLst>
+                                            <p:cond delay="0"/>
+                                          </p:stCondLst>
+                                        </p:cTn>
+                                        <p:tgtEl>
+                                          <p:spTgt spid="5"/>
+                                        </p:tgtEl>
+                                        <p:attrNameLst>
+                                          <p:attrName>style.visibility</p:attrName>
+                                        </p:attrNameLst>
+                                      </p:cBhvr>
+                                      <p:to>
+                                        <p:strVal val="visible"/>
+                                      </p:to>
+                                    </p:set>
+                                  </p:childTnLst>
+                                </p:cTn>
+                              </p:par>
+                            </p:childTnLst>
+                          </p:cTn>
+                        </p:par>
+                      </p:childTnLst>
+                    </p:cTn>
+                  </p:par>
+                  <p:par>
+                    <p:cTn id="21" fill="hold">
+                      <p:stCondLst>
+                        <p:cond delay="indefinite"/>
+                      </p:stCondLst>
+                      <p:childTnLst>
+                        <p:par>
+                          <p:cTn id="22" fill="hold">
+                            <p:stCondLst>
+                              <p:cond delay="0"/>
+                            </p:stCondLst>
+                            <p:childTnLst>
+                              <p:par>
+                                <p:cTn id="23" presetID="1" presetClass="entr" presetSubtype="0" fill="hold" nodeType="clickEffect">
+                                  <p:stCondLst>
+                                    <p:cond delay="0"/>
+                                  </p:stCondLst>
+                                  <p:childTnLst>
+                                    <p:set>
+                                      <p:cBhvr>
+                                        <p:cTn id="24" dur="1" fill="hold">
+                                          <p:stCondLst>
+                                            <p:cond delay="0"/>
+                                          </p:stCondLst>
+                                        </p:cTn>
+                                        <p:tgtEl>
+                                          <p:spTgt spid="9">
+                                            <p:txEl>
+                                              <p:pRg st="7" end="7"/>
+                                            </p:txEl>
+                                          </p:spTgt>
+                                        </p:tgtEl>
+                                        <p:attrNameLst>
+                                          <p:attrName>style.visibility</p:attrName>
+                                        </p:attrNameLst>
+                                      </p:cBhvr>
+                                      <p:to>
+                                        <p:strVal val="visible"/>
+                                      </p:to>
+                                    </p:set>
+                                  </p:childTnLst>
+                                </p:cTn>
+                              </p:par>
+                            </p:childTnLst>
+                          </p:cTn>
+                        </p:par>
+                      </p:childTnLst>
+                    </p:cTn>
+                  </p:par>
+                </p:childTnLst>
+              </p:cTn>
+              <p:prevCondLst>
+                <p:cond evt="onPrev" delay="0">
+                  <p:tgtEl>
+                    <p:sldTgt/>
+                  </p:tgtEl>
+                </p:cond>
+              </p:prevCondLst>
+              <p:nextCondLst>
+                <p:cond evt="onNext" delay="0">
+                  <p:tgtEl>
+                    <p:sldTgt/>
+                  </p:tgtEl>
+                </p:cond>
+              </p:nextCondLst>
+            </p:seq>
+          </p:childTnLst>
+        </p:cTn>
+      </p:par>
+    </p:tnLst>
+    <p:bldLst>
+      <p:bldP spid="3" grpId="0"/>
+    </p:bldLst>
+  </p:timing>
 </p:sld>
 </file>
 

--- a/courses/apcsp/lect5.pptx
+++ b/courses/apcsp/lect5.pptx
@@ -148,58 +148,216 @@
 <file path=ppt/changesInfos/changesInfo1.xml><?xml version="1.0" encoding="utf-8"?>
 <pc:chgInfo xmlns:a="http://schemas.openxmlformats.org/drawingml/2006/main" xmlns:r="http://schemas.openxmlformats.org/officeDocument/2006/relationships" xmlns:ac="http://schemas.microsoft.com/office/drawing/2013/main/command" xmlns:pc="http://schemas.microsoft.com/office/powerpoint/2013/main/command">
   <pc:docChgLst>
-    <pc:chgData name="Long B Nguyen" userId="f59fb8f3-a021-417a-8bc1-65c8d471c621" providerId="ADAL" clId="{B5860C40-AA08-4447-A918-2D2782E0FC0B}"/>
-    <pc:docChg chg="delSld modSld">
-      <pc:chgData name="Long B Nguyen" userId="f59fb8f3-a021-417a-8bc1-65c8d471c621" providerId="ADAL" clId="{B5860C40-AA08-4447-A918-2D2782E0FC0B}" dt="2019-09-16T13:59:20.091" v="35" actId="2696"/>
+    <pc:chgData name="Long B Nguyen" userId="f59fb8f3-a021-417a-8bc1-65c8d471c621" providerId="ADAL" clId="{CC9C9D9A-5149-2947-86C0-576F501F60DC}"/>
+    <pc:docChg chg="addSld modSld">
+      <pc:chgData name="Long B Nguyen" userId="f59fb8f3-a021-417a-8bc1-65c8d471c621" providerId="ADAL" clId="{CC9C9D9A-5149-2947-86C0-576F501F60DC}" dt="2020-01-05T21:59:55.597" v="2392" actId="14100"/>
       <pc:docMkLst>
         <pc:docMk/>
       </pc:docMkLst>
-      <pc:sldChg chg="modSp">
-        <pc:chgData name="Long B Nguyen" userId="f59fb8f3-a021-417a-8bc1-65c8d471c621" providerId="ADAL" clId="{B5860C40-AA08-4447-A918-2D2782E0FC0B}" dt="2019-09-16T13:58:36.640" v="18" actId="20577"/>
+      <pc:sldChg chg="modSp add modAnim">
+        <pc:chgData name="Long B Nguyen" userId="f59fb8f3-a021-417a-8bc1-65c8d471c621" providerId="ADAL" clId="{CC9C9D9A-5149-2947-86C0-576F501F60DC}" dt="2020-01-04T15:49:37.373" v="563" actId="20577"/>
         <pc:sldMkLst>
           <pc:docMk/>
-          <pc:sldMk cId="4247104139" sldId="256"/>
+          <pc:sldMk cId="924617162" sldId="319"/>
         </pc:sldMkLst>
         <pc:spChg chg="mod">
-          <ac:chgData name="Long B Nguyen" userId="f59fb8f3-a021-417a-8bc1-65c8d471c621" providerId="ADAL" clId="{B5860C40-AA08-4447-A918-2D2782E0FC0B}" dt="2019-09-16T13:58:36.640" v="18" actId="20577"/>
+          <ac:chgData name="Long B Nguyen" userId="f59fb8f3-a021-417a-8bc1-65c8d471c621" providerId="ADAL" clId="{CC9C9D9A-5149-2947-86C0-576F501F60DC}" dt="2020-01-04T15:45:14.876" v="4" actId="20577"/>
           <ac:spMkLst>
             <pc:docMk/>
-            <pc:sldMk cId="4247104139" sldId="256"/>
-            <ac:spMk id="3" creationId="{1BDC47C8-6776-7B44-9CD4-95FC91452D62}"/>
+            <pc:sldMk cId="924617162" sldId="319"/>
+            <ac:spMk id="2" creationId="{AA3A228F-61D0-D949-A5E7-F83756230BF8}"/>
+          </ac:spMkLst>
+        </pc:spChg>
+        <pc:spChg chg="mod">
+          <ac:chgData name="Long B Nguyen" userId="f59fb8f3-a021-417a-8bc1-65c8d471c621" providerId="ADAL" clId="{CC9C9D9A-5149-2947-86C0-576F501F60DC}" dt="2020-01-04T15:49:37.373" v="563" actId="20577"/>
+          <ac:spMkLst>
+            <pc:docMk/>
+            <pc:sldMk cId="924617162" sldId="319"/>
+            <ac:spMk id="9" creationId="{E3B2E017-30B2-884B-A113-B419A2ED51AD}"/>
           </ac:spMkLst>
         </pc:spChg>
       </pc:sldChg>
-    </pc:docChg>
-  </pc:docChgLst>
-  <pc:docChgLst>
-    <pc:chgData name="Long B Nguyen" userId="f59fb8f3-a021-417a-8bc1-65c8d471c621" providerId="ADAL" clId="{DFDAB7FF-5C5F-144A-ABCE-1015D05DDC2A}"/>
-    <pc:docChg chg="modSld">
-      <pc:chgData name="Long B Nguyen" userId="f59fb8f3-a021-417a-8bc1-65c8d471c621" providerId="ADAL" clId="{DFDAB7FF-5C5F-144A-ABCE-1015D05DDC2A}" dt="2020-01-06T16:56:38.700" v="18" actId="767"/>
-      <pc:docMkLst>
-        <pc:docMk/>
-      </pc:docMkLst>
-      <pc:sldChg chg="addSp modSp">
-        <pc:chgData name="Long B Nguyen" userId="f59fb8f3-a021-417a-8bc1-65c8d471c621" providerId="ADAL" clId="{DFDAB7FF-5C5F-144A-ABCE-1015D05DDC2A}" dt="2020-01-06T16:56:38.700" v="18" actId="767"/>
+      <pc:sldChg chg="modSp add">
+        <pc:chgData name="Long B Nguyen" userId="f59fb8f3-a021-417a-8bc1-65c8d471c621" providerId="ADAL" clId="{CC9C9D9A-5149-2947-86C0-576F501F60DC}" dt="2020-01-04T15:57:55.835" v="789" actId="14100"/>
         <pc:sldMkLst>
           <pc:docMk/>
-          <pc:sldMk cId="4247104139" sldId="256"/>
+          <pc:sldMk cId="3758830494" sldId="320"/>
         </pc:sldMkLst>
         <pc:spChg chg="mod">
-          <ac:chgData name="Long B Nguyen" userId="f59fb8f3-a021-417a-8bc1-65c8d471c621" providerId="ADAL" clId="{DFDAB7FF-5C5F-144A-ABCE-1015D05DDC2A}" dt="2020-01-05T22:05:00.732" v="17" actId="20577"/>
+          <ac:chgData name="Long B Nguyen" userId="f59fb8f3-a021-417a-8bc1-65c8d471c621" providerId="ADAL" clId="{CC9C9D9A-5149-2947-86C0-576F501F60DC}" dt="2020-01-04T15:57:52.065" v="788" actId="1076"/>
           <ac:spMkLst>
             <pc:docMk/>
-            <pc:sldMk cId="4247104139" sldId="256"/>
-            <ac:spMk id="3" creationId="{1BDC47C8-6776-7B44-9CD4-95FC91452D62}"/>
+            <pc:sldMk cId="3758830494" sldId="320"/>
+            <ac:spMk id="2" creationId="{AA3A228F-61D0-D949-A5E7-F83756230BF8}"/>
           </ac:spMkLst>
         </pc:spChg>
-        <pc:spChg chg="add mod">
-          <ac:chgData name="Long B Nguyen" userId="f59fb8f3-a021-417a-8bc1-65c8d471c621" providerId="ADAL" clId="{DFDAB7FF-5C5F-144A-ABCE-1015D05DDC2A}" dt="2020-01-06T16:56:38.700" v="18" actId="767"/>
+        <pc:spChg chg="mod">
+          <ac:chgData name="Long B Nguyen" userId="f59fb8f3-a021-417a-8bc1-65c8d471c621" providerId="ADAL" clId="{CC9C9D9A-5149-2947-86C0-576F501F60DC}" dt="2020-01-04T15:57:55.835" v="789" actId="14100"/>
           <ac:spMkLst>
             <pc:docMk/>
-            <pc:sldMk cId="4247104139" sldId="256"/>
-            <ac:spMk id="5" creationId="{E6D86951-019A-8441-B4EA-CE7B2704759F}"/>
+            <pc:sldMk cId="3758830494" sldId="320"/>
+            <ac:spMk id="9" creationId="{E3B2E017-30B2-884B-A113-B419A2ED51AD}"/>
           </ac:spMkLst>
         </pc:spChg>
+      </pc:sldChg>
+      <pc:sldChg chg="modSp add">
+        <pc:chgData name="Long B Nguyen" userId="f59fb8f3-a021-417a-8bc1-65c8d471c621" providerId="ADAL" clId="{CC9C9D9A-5149-2947-86C0-576F501F60DC}" dt="2020-01-05T21:51:37.442" v="2325" actId="20577"/>
+        <pc:sldMkLst>
+          <pc:docMk/>
+          <pc:sldMk cId="1022945305" sldId="321"/>
+        </pc:sldMkLst>
+        <pc:spChg chg="mod">
+          <ac:chgData name="Long B Nguyen" userId="f59fb8f3-a021-417a-8bc1-65c8d471c621" providerId="ADAL" clId="{CC9C9D9A-5149-2947-86C0-576F501F60DC}" dt="2020-01-05T21:51:37.442" v="2325" actId="20577"/>
+          <ac:spMkLst>
+            <pc:docMk/>
+            <pc:sldMk cId="1022945305" sldId="321"/>
+            <ac:spMk id="2" creationId="{AA3A228F-61D0-D949-A5E7-F83756230BF8}"/>
+          </ac:spMkLst>
+        </pc:spChg>
+        <pc:spChg chg="mod">
+          <ac:chgData name="Long B Nguyen" userId="f59fb8f3-a021-417a-8bc1-65c8d471c621" providerId="ADAL" clId="{CC9C9D9A-5149-2947-86C0-576F501F60DC}" dt="2020-01-05T21:33:21.485" v="2304" actId="20577"/>
+          <ac:spMkLst>
+            <pc:docMk/>
+            <pc:sldMk cId="1022945305" sldId="321"/>
+            <ac:spMk id="9" creationId="{E3B2E017-30B2-884B-A113-B419A2ED51AD}"/>
+          </ac:spMkLst>
+        </pc:spChg>
+      </pc:sldChg>
+      <pc:sldChg chg="modSp add">
+        <pc:chgData name="Long B Nguyen" userId="f59fb8f3-a021-417a-8bc1-65c8d471c621" providerId="ADAL" clId="{CC9C9D9A-5149-2947-86C0-576F501F60DC}" dt="2020-01-04T17:41:57.489" v="1203" actId="20577"/>
+        <pc:sldMkLst>
+          <pc:docMk/>
+          <pc:sldMk cId="3456840474" sldId="322"/>
+        </pc:sldMkLst>
+        <pc:spChg chg="mod">
+          <ac:chgData name="Long B Nguyen" userId="f59fb8f3-a021-417a-8bc1-65c8d471c621" providerId="ADAL" clId="{CC9C9D9A-5149-2947-86C0-576F501F60DC}" dt="2020-01-04T17:41:57.489" v="1203" actId="20577"/>
+          <ac:spMkLst>
+            <pc:docMk/>
+            <pc:sldMk cId="3456840474" sldId="322"/>
+            <ac:spMk id="9" creationId="{E3B2E017-30B2-884B-A113-B419A2ED51AD}"/>
+          </ac:spMkLst>
+        </pc:spChg>
+      </pc:sldChg>
+      <pc:sldChg chg="modSp add">
+        <pc:chgData name="Long B Nguyen" userId="f59fb8f3-a021-417a-8bc1-65c8d471c621" providerId="ADAL" clId="{CC9C9D9A-5149-2947-86C0-576F501F60DC}" dt="2020-01-04T18:38:26.241" v="1214" actId="113"/>
+        <pc:sldMkLst>
+          <pc:docMk/>
+          <pc:sldMk cId="1062075874" sldId="323"/>
+        </pc:sldMkLst>
+        <pc:spChg chg="mod">
+          <ac:chgData name="Long B Nguyen" userId="f59fb8f3-a021-417a-8bc1-65c8d471c621" providerId="ADAL" clId="{CC9C9D9A-5149-2947-86C0-576F501F60DC}" dt="2020-01-04T18:38:26.241" v="1214" actId="113"/>
+          <ac:spMkLst>
+            <pc:docMk/>
+            <pc:sldMk cId="1062075874" sldId="323"/>
+            <ac:spMk id="9" creationId="{E3B2E017-30B2-884B-A113-B419A2ED51AD}"/>
+          </ac:spMkLst>
+        </pc:spChg>
+      </pc:sldChg>
+      <pc:sldChg chg="modSp add">
+        <pc:chgData name="Long B Nguyen" userId="f59fb8f3-a021-417a-8bc1-65c8d471c621" providerId="ADAL" clId="{CC9C9D9A-5149-2947-86C0-576F501F60DC}" dt="2020-01-04T20:58:36.932" v="1972" actId="20577"/>
+        <pc:sldMkLst>
+          <pc:docMk/>
+          <pc:sldMk cId="1310010799" sldId="324"/>
+        </pc:sldMkLst>
+        <pc:spChg chg="mod">
+          <ac:chgData name="Long B Nguyen" userId="f59fb8f3-a021-417a-8bc1-65c8d471c621" providerId="ADAL" clId="{CC9C9D9A-5149-2947-86C0-576F501F60DC}" dt="2020-01-04T20:55:25.731" v="1962" actId="1076"/>
+          <ac:spMkLst>
+            <pc:docMk/>
+            <pc:sldMk cId="1310010799" sldId="324"/>
+            <ac:spMk id="2" creationId="{AA3A228F-61D0-D949-A5E7-F83756230BF8}"/>
+          </ac:spMkLst>
+        </pc:spChg>
+        <pc:spChg chg="mod">
+          <ac:chgData name="Long B Nguyen" userId="f59fb8f3-a021-417a-8bc1-65c8d471c621" providerId="ADAL" clId="{CC9C9D9A-5149-2947-86C0-576F501F60DC}" dt="2020-01-04T20:58:36.932" v="1972" actId="20577"/>
+          <ac:spMkLst>
+            <pc:docMk/>
+            <pc:sldMk cId="1310010799" sldId="324"/>
+            <ac:spMk id="9" creationId="{E3B2E017-30B2-884B-A113-B419A2ED51AD}"/>
+          </ac:spMkLst>
+        </pc:spChg>
+      </pc:sldChg>
+      <pc:sldChg chg="modSp add">
+        <pc:chgData name="Long B Nguyen" userId="f59fb8f3-a021-417a-8bc1-65c8d471c621" providerId="ADAL" clId="{CC9C9D9A-5149-2947-86C0-576F501F60DC}" dt="2020-01-05T21:27:04.952" v="2119" actId="20577"/>
+        <pc:sldMkLst>
+          <pc:docMk/>
+          <pc:sldMk cId="3314372952" sldId="325"/>
+        </pc:sldMkLst>
+        <pc:spChg chg="mod">
+          <ac:chgData name="Long B Nguyen" userId="f59fb8f3-a021-417a-8bc1-65c8d471c621" providerId="ADAL" clId="{CC9C9D9A-5149-2947-86C0-576F501F60DC}" dt="2020-01-05T21:26:41.210" v="2114" actId="20577"/>
+          <ac:spMkLst>
+            <pc:docMk/>
+            <pc:sldMk cId="3314372952" sldId="325"/>
+            <ac:spMk id="2" creationId="{AA3A228F-61D0-D949-A5E7-F83756230BF8}"/>
+          </ac:spMkLst>
+        </pc:spChg>
+        <pc:spChg chg="mod">
+          <ac:chgData name="Long B Nguyen" userId="f59fb8f3-a021-417a-8bc1-65c8d471c621" providerId="ADAL" clId="{CC9C9D9A-5149-2947-86C0-576F501F60DC}" dt="2020-01-05T21:27:04.952" v="2119" actId="20577"/>
+          <ac:spMkLst>
+            <pc:docMk/>
+            <pc:sldMk cId="3314372952" sldId="325"/>
+            <ac:spMk id="9" creationId="{E3B2E017-30B2-884B-A113-B419A2ED51AD}"/>
+          </ac:spMkLst>
+        </pc:spChg>
+      </pc:sldChg>
+      <pc:sldChg chg="modSp add">
+        <pc:chgData name="Long B Nguyen" userId="f59fb8f3-a021-417a-8bc1-65c8d471c621" providerId="ADAL" clId="{CC9C9D9A-5149-2947-86C0-576F501F60DC}" dt="2020-01-05T21:29:58.563" v="2178" actId="20577"/>
+        <pc:sldMkLst>
+          <pc:docMk/>
+          <pc:sldMk cId="3117943122" sldId="326"/>
+        </pc:sldMkLst>
+        <pc:spChg chg="mod">
+          <ac:chgData name="Long B Nguyen" userId="f59fb8f3-a021-417a-8bc1-65c8d471c621" providerId="ADAL" clId="{CC9C9D9A-5149-2947-86C0-576F501F60DC}" dt="2020-01-05T21:29:58.563" v="2178" actId="20577"/>
+          <ac:spMkLst>
+            <pc:docMk/>
+            <pc:sldMk cId="3117943122" sldId="326"/>
+            <ac:spMk id="9" creationId="{E3B2E017-30B2-884B-A113-B419A2ED51AD}"/>
+          </ac:spMkLst>
+        </pc:spChg>
+      </pc:sldChg>
+      <pc:sldChg chg="modSp add">
+        <pc:chgData name="Long B Nguyen" userId="f59fb8f3-a021-417a-8bc1-65c8d471c621" providerId="ADAL" clId="{CC9C9D9A-5149-2947-86C0-576F501F60DC}" dt="2020-01-05T21:59:55.597" v="2392" actId="14100"/>
+        <pc:sldMkLst>
+          <pc:docMk/>
+          <pc:sldMk cId="1025618360" sldId="327"/>
+        </pc:sldMkLst>
+        <pc:spChg chg="mod">
+          <ac:chgData name="Long B Nguyen" userId="f59fb8f3-a021-417a-8bc1-65c8d471c621" providerId="ADAL" clId="{CC9C9D9A-5149-2947-86C0-576F501F60DC}" dt="2020-01-05T21:59:55.597" v="2392" actId="14100"/>
+          <ac:spMkLst>
+            <pc:docMk/>
+            <pc:sldMk cId="1025618360" sldId="327"/>
+            <ac:spMk id="9" creationId="{E3B2E017-30B2-884B-A113-B419A2ED51AD}"/>
+          </ac:spMkLst>
+        </pc:spChg>
+      </pc:sldChg>
+      <pc:sldChg chg="modSp add">
+        <pc:chgData name="Long B Nguyen" userId="f59fb8f3-a021-417a-8bc1-65c8d471c621" providerId="ADAL" clId="{CC9C9D9A-5149-2947-86C0-576F501F60DC}" dt="2020-01-05T21:54:47.081" v="2356" actId="2711"/>
+        <pc:sldMkLst>
+          <pc:docMk/>
+          <pc:sldMk cId="3894299887" sldId="328"/>
+        </pc:sldMkLst>
+        <pc:spChg chg="mod">
+          <ac:chgData name="Long B Nguyen" userId="f59fb8f3-a021-417a-8bc1-65c8d471c621" providerId="ADAL" clId="{CC9C9D9A-5149-2947-86C0-576F501F60DC}" dt="2020-01-05T21:51:41.306" v="2327" actId="20577"/>
+          <ac:spMkLst>
+            <pc:docMk/>
+            <pc:sldMk cId="3894299887" sldId="328"/>
+            <ac:spMk id="2" creationId="{AA3A228F-61D0-D949-A5E7-F83756230BF8}"/>
+          </ac:spMkLst>
+        </pc:spChg>
+        <pc:spChg chg="mod">
+          <ac:chgData name="Long B Nguyen" userId="f59fb8f3-a021-417a-8bc1-65c8d471c621" providerId="ADAL" clId="{CC9C9D9A-5149-2947-86C0-576F501F60DC}" dt="2020-01-05T21:54:47.081" v="2356" actId="2711"/>
+          <ac:spMkLst>
+            <pc:docMk/>
+            <pc:sldMk cId="3894299887" sldId="328"/>
+            <ac:spMk id="9" creationId="{E3B2E017-30B2-884B-A113-B419A2ED51AD}"/>
+          </ac:spMkLst>
+        </pc:spChg>
+      </pc:sldChg>
+      <pc:sldChg chg="add">
+        <pc:chgData name="Long B Nguyen" userId="f59fb8f3-a021-417a-8bc1-65c8d471c621" providerId="ADAL" clId="{CC9C9D9A-5149-2947-86C0-576F501F60DC}" dt="2020-01-05T21:57:38.736" v="2357"/>
+        <pc:sldMkLst>
+          <pc:docMk/>
+          <pc:sldMk cId="4294143140" sldId="329"/>
+        </pc:sldMkLst>
       </pc:sldChg>
     </pc:docChg>
   </pc:docChgLst>
@@ -700,223 +858,65 @@
     </pc:docChg>
   </pc:docChgLst>
   <pc:docChgLst>
-    <pc:chgData name="Long B Nguyen" userId="f59fb8f3-a021-417a-8bc1-65c8d471c621" providerId="ADAL" clId="{CC9C9D9A-5149-2947-86C0-576F501F60DC}"/>
-    <pc:docChg chg="addSld modSld">
-      <pc:chgData name="Long B Nguyen" userId="f59fb8f3-a021-417a-8bc1-65c8d471c621" providerId="ADAL" clId="{CC9C9D9A-5149-2947-86C0-576F501F60DC}" dt="2020-01-05T21:59:55.597" v="2392" actId="14100"/>
+    <pc:chgData name="Long B Nguyen" userId="f59fb8f3-a021-417a-8bc1-65c8d471c621" providerId="ADAL" clId="{DFDAB7FF-5C5F-144A-ABCE-1015D05DDC2A}"/>
+    <pc:docChg chg="modSld">
+      <pc:chgData name="Long B Nguyen" userId="f59fb8f3-a021-417a-8bc1-65c8d471c621" providerId="ADAL" clId="{DFDAB7FF-5C5F-144A-ABCE-1015D05DDC2A}" dt="2020-01-06T16:56:38.700" v="18" actId="767"/>
       <pc:docMkLst>
         <pc:docMk/>
       </pc:docMkLst>
-      <pc:sldChg chg="modSp add modAnim">
-        <pc:chgData name="Long B Nguyen" userId="f59fb8f3-a021-417a-8bc1-65c8d471c621" providerId="ADAL" clId="{CC9C9D9A-5149-2947-86C0-576F501F60DC}" dt="2020-01-04T15:49:37.373" v="563" actId="20577"/>
+      <pc:sldChg chg="addSp modSp">
+        <pc:chgData name="Long B Nguyen" userId="f59fb8f3-a021-417a-8bc1-65c8d471c621" providerId="ADAL" clId="{DFDAB7FF-5C5F-144A-ABCE-1015D05DDC2A}" dt="2020-01-06T16:56:38.700" v="18" actId="767"/>
         <pc:sldMkLst>
           <pc:docMk/>
-          <pc:sldMk cId="924617162" sldId="319"/>
+          <pc:sldMk cId="4247104139" sldId="256"/>
         </pc:sldMkLst>
         <pc:spChg chg="mod">
-          <ac:chgData name="Long B Nguyen" userId="f59fb8f3-a021-417a-8bc1-65c8d471c621" providerId="ADAL" clId="{CC9C9D9A-5149-2947-86C0-576F501F60DC}" dt="2020-01-04T15:45:14.876" v="4" actId="20577"/>
+          <ac:chgData name="Long B Nguyen" userId="f59fb8f3-a021-417a-8bc1-65c8d471c621" providerId="ADAL" clId="{DFDAB7FF-5C5F-144A-ABCE-1015D05DDC2A}" dt="2020-01-05T22:05:00.732" v="17" actId="20577"/>
           <ac:spMkLst>
             <pc:docMk/>
-            <pc:sldMk cId="924617162" sldId="319"/>
-            <ac:spMk id="2" creationId="{AA3A228F-61D0-D949-A5E7-F83756230BF8}"/>
+            <pc:sldMk cId="4247104139" sldId="256"/>
+            <ac:spMk id="3" creationId="{1BDC47C8-6776-7B44-9CD4-95FC91452D62}"/>
           </ac:spMkLst>
         </pc:spChg>
-        <pc:spChg chg="mod">
-          <ac:chgData name="Long B Nguyen" userId="f59fb8f3-a021-417a-8bc1-65c8d471c621" providerId="ADAL" clId="{CC9C9D9A-5149-2947-86C0-576F501F60DC}" dt="2020-01-04T15:49:37.373" v="563" actId="20577"/>
+        <pc:spChg chg="add mod">
+          <ac:chgData name="Long B Nguyen" userId="f59fb8f3-a021-417a-8bc1-65c8d471c621" providerId="ADAL" clId="{DFDAB7FF-5C5F-144A-ABCE-1015D05DDC2A}" dt="2020-01-06T16:56:38.700" v="18" actId="767"/>
           <ac:spMkLst>
             <pc:docMk/>
-            <pc:sldMk cId="924617162" sldId="319"/>
-            <ac:spMk id="9" creationId="{E3B2E017-30B2-884B-A113-B419A2ED51AD}"/>
+            <pc:sldMk cId="4247104139" sldId="256"/>
+            <ac:spMk id="5" creationId="{E6D86951-019A-8441-B4EA-CE7B2704759F}"/>
           </ac:spMkLst>
         </pc:spChg>
       </pc:sldChg>
-      <pc:sldChg chg="modSp add">
-        <pc:chgData name="Long B Nguyen" userId="f59fb8f3-a021-417a-8bc1-65c8d471c621" providerId="ADAL" clId="{CC9C9D9A-5149-2947-86C0-576F501F60DC}" dt="2020-01-04T15:57:55.835" v="789" actId="14100"/>
+    </pc:docChg>
+  </pc:docChgLst>
+  <pc:docChgLst>
+    <pc:chgData name="Long B Nguyen" userId="f59fb8f3-a021-417a-8bc1-65c8d471c621" providerId="ADAL" clId="{B5860C40-AA08-4447-A918-2D2782E0FC0B}"/>
+    <pc:docChg chg="delSld modSld">
+      <pc:chgData name="Long B Nguyen" userId="f59fb8f3-a021-417a-8bc1-65c8d471c621" providerId="ADAL" clId="{B5860C40-AA08-4447-A918-2D2782E0FC0B}" dt="2019-09-16T13:59:20.091" v="35" actId="2696"/>
+      <pc:docMkLst>
+        <pc:docMk/>
+      </pc:docMkLst>
+      <pc:sldChg chg="modSp">
+        <pc:chgData name="Long B Nguyen" userId="f59fb8f3-a021-417a-8bc1-65c8d471c621" providerId="ADAL" clId="{B5860C40-AA08-4447-A918-2D2782E0FC0B}" dt="2019-09-16T13:58:36.640" v="18" actId="20577"/>
         <pc:sldMkLst>
           <pc:docMk/>
-          <pc:sldMk cId="3758830494" sldId="320"/>
+          <pc:sldMk cId="4247104139" sldId="256"/>
         </pc:sldMkLst>
         <pc:spChg chg="mod">
-          <ac:chgData name="Long B Nguyen" userId="f59fb8f3-a021-417a-8bc1-65c8d471c621" providerId="ADAL" clId="{CC9C9D9A-5149-2947-86C0-576F501F60DC}" dt="2020-01-04T15:57:52.065" v="788" actId="1076"/>
+          <ac:chgData name="Long B Nguyen" userId="f59fb8f3-a021-417a-8bc1-65c8d471c621" providerId="ADAL" clId="{B5860C40-AA08-4447-A918-2D2782E0FC0B}" dt="2019-09-16T13:58:36.640" v="18" actId="20577"/>
           <ac:spMkLst>
             <pc:docMk/>
-            <pc:sldMk cId="3758830494" sldId="320"/>
-            <ac:spMk id="2" creationId="{AA3A228F-61D0-D949-A5E7-F83756230BF8}"/>
+            <pc:sldMk cId="4247104139" sldId="256"/>
+            <ac:spMk id="3" creationId="{1BDC47C8-6776-7B44-9CD4-95FC91452D62}"/>
           </ac:spMkLst>
         </pc:spChg>
-        <pc:spChg chg="mod">
-          <ac:chgData name="Long B Nguyen" userId="f59fb8f3-a021-417a-8bc1-65c8d471c621" providerId="ADAL" clId="{CC9C9D9A-5149-2947-86C0-576F501F60DC}" dt="2020-01-04T15:57:55.835" v="789" actId="14100"/>
-          <ac:spMkLst>
-            <pc:docMk/>
-            <pc:sldMk cId="3758830494" sldId="320"/>
-            <ac:spMk id="9" creationId="{E3B2E017-30B2-884B-A113-B419A2ED51AD}"/>
-          </ac:spMkLst>
-        </pc:spChg>
-      </pc:sldChg>
-      <pc:sldChg chg="modSp add">
-        <pc:chgData name="Long B Nguyen" userId="f59fb8f3-a021-417a-8bc1-65c8d471c621" providerId="ADAL" clId="{CC9C9D9A-5149-2947-86C0-576F501F60DC}" dt="2020-01-05T21:51:37.442" v="2325" actId="20577"/>
-        <pc:sldMkLst>
-          <pc:docMk/>
-          <pc:sldMk cId="1022945305" sldId="321"/>
-        </pc:sldMkLst>
-        <pc:spChg chg="mod">
-          <ac:chgData name="Long B Nguyen" userId="f59fb8f3-a021-417a-8bc1-65c8d471c621" providerId="ADAL" clId="{CC9C9D9A-5149-2947-86C0-576F501F60DC}" dt="2020-01-05T21:51:37.442" v="2325" actId="20577"/>
-          <ac:spMkLst>
-            <pc:docMk/>
-            <pc:sldMk cId="1022945305" sldId="321"/>
-            <ac:spMk id="2" creationId="{AA3A228F-61D0-D949-A5E7-F83756230BF8}"/>
-          </ac:spMkLst>
-        </pc:spChg>
-        <pc:spChg chg="mod">
-          <ac:chgData name="Long B Nguyen" userId="f59fb8f3-a021-417a-8bc1-65c8d471c621" providerId="ADAL" clId="{CC9C9D9A-5149-2947-86C0-576F501F60DC}" dt="2020-01-05T21:33:21.485" v="2304" actId="20577"/>
-          <ac:spMkLst>
-            <pc:docMk/>
-            <pc:sldMk cId="1022945305" sldId="321"/>
-            <ac:spMk id="9" creationId="{E3B2E017-30B2-884B-A113-B419A2ED51AD}"/>
-          </ac:spMkLst>
-        </pc:spChg>
-      </pc:sldChg>
-      <pc:sldChg chg="modSp add">
-        <pc:chgData name="Long B Nguyen" userId="f59fb8f3-a021-417a-8bc1-65c8d471c621" providerId="ADAL" clId="{CC9C9D9A-5149-2947-86C0-576F501F60DC}" dt="2020-01-04T17:41:57.489" v="1203" actId="20577"/>
-        <pc:sldMkLst>
-          <pc:docMk/>
-          <pc:sldMk cId="3456840474" sldId="322"/>
-        </pc:sldMkLst>
-        <pc:spChg chg="mod">
-          <ac:chgData name="Long B Nguyen" userId="f59fb8f3-a021-417a-8bc1-65c8d471c621" providerId="ADAL" clId="{CC9C9D9A-5149-2947-86C0-576F501F60DC}" dt="2020-01-04T17:41:57.489" v="1203" actId="20577"/>
-          <ac:spMkLst>
-            <pc:docMk/>
-            <pc:sldMk cId="3456840474" sldId="322"/>
-            <ac:spMk id="9" creationId="{E3B2E017-30B2-884B-A113-B419A2ED51AD}"/>
-          </ac:spMkLst>
-        </pc:spChg>
-      </pc:sldChg>
-      <pc:sldChg chg="modSp add">
-        <pc:chgData name="Long B Nguyen" userId="f59fb8f3-a021-417a-8bc1-65c8d471c621" providerId="ADAL" clId="{CC9C9D9A-5149-2947-86C0-576F501F60DC}" dt="2020-01-04T18:38:26.241" v="1214" actId="113"/>
-        <pc:sldMkLst>
-          <pc:docMk/>
-          <pc:sldMk cId="1062075874" sldId="323"/>
-        </pc:sldMkLst>
-        <pc:spChg chg="mod">
-          <ac:chgData name="Long B Nguyen" userId="f59fb8f3-a021-417a-8bc1-65c8d471c621" providerId="ADAL" clId="{CC9C9D9A-5149-2947-86C0-576F501F60DC}" dt="2020-01-04T18:38:26.241" v="1214" actId="113"/>
-          <ac:spMkLst>
-            <pc:docMk/>
-            <pc:sldMk cId="1062075874" sldId="323"/>
-            <ac:spMk id="9" creationId="{E3B2E017-30B2-884B-A113-B419A2ED51AD}"/>
-          </ac:spMkLst>
-        </pc:spChg>
-      </pc:sldChg>
-      <pc:sldChg chg="modSp add">
-        <pc:chgData name="Long B Nguyen" userId="f59fb8f3-a021-417a-8bc1-65c8d471c621" providerId="ADAL" clId="{CC9C9D9A-5149-2947-86C0-576F501F60DC}" dt="2020-01-04T20:58:36.932" v="1972" actId="20577"/>
-        <pc:sldMkLst>
-          <pc:docMk/>
-          <pc:sldMk cId="1310010799" sldId="324"/>
-        </pc:sldMkLst>
-        <pc:spChg chg="mod">
-          <ac:chgData name="Long B Nguyen" userId="f59fb8f3-a021-417a-8bc1-65c8d471c621" providerId="ADAL" clId="{CC9C9D9A-5149-2947-86C0-576F501F60DC}" dt="2020-01-04T20:55:25.731" v="1962" actId="1076"/>
-          <ac:spMkLst>
-            <pc:docMk/>
-            <pc:sldMk cId="1310010799" sldId="324"/>
-            <ac:spMk id="2" creationId="{AA3A228F-61D0-D949-A5E7-F83756230BF8}"/>
-          </ac:spMkLst>
-        </pc:spChg>
-        <pc:spChg chg="mod">
-          <ac:chgData name="Long B Nguyen" userId="f59fb8f3-a021-417a-8bc1-65c8d471c621" providerId="ADAL" clId="{CC9C9D9A-5149-2947-86C0-576F501F60DC}" dt="2020-01-04T20:58:36.932" v="1972" actId="20577"/>
-          <ac:spMkLst>
-            <pc:docMk/>
-            <pc:sldMk cId="1310010799" sldId="324"/>
-            <ac:spMk id="9" creationId="{E3B2E017-30B2-884B-A113-B419A2ED51AD}"/>
-          </ac:spMkLst>
-        </pc:spChg>
-      </pc:sldChg>
-      <pc:sldChg chg="modSp add">
-        <pc:chgData name="Long B Nguyen" userId="f59fb8f3-a021-417a-8bc1-65c8d471c621" providerId="ADAL" clId="{CC9C9D9A-5149-2947-86C0-576F501F60DC}" dt="2020-01-05T21:27:04.952" v="2119" actId="20577"/>
-        <pc:sldMkLst>
-          <pc:docMk/>
-          <pc:sldMk cId="3314372952" sldId="325"/>
-        </pc:sldMkLst>
-        <pc:spChg chg="mod">
-          <ac:chgData name="Long B Nguyen" userId="f59fb8f3-a021-417a-8bc1-65c8d471c621" providerId="ADAL" clId="{CC9C9D9A-5149-2947-86C0-576F501F60DC}" dt="2020-01-05T21:26:41.210" v="2114" actId="20577"/>
-          <ac:spMkLst>
-            <pc:docMk/>
-            <pc:sldMk cId="3314372952" sldId="325"/>
-            <ac:spMk id="2" creationId="{AA3A228F-61D0-D949-A5E7-F83756230BF8}"/>
-          </ac:spMkLst>
-        </pc:spChg>
-        <pc:spChg chg="mod">
-          <ac:chgData name="Long B Nguyen" userId="f59fb8f3-a021-417a-8bc1-65c8d471c621" providerId="ADAL" clId="{CC9C9D9A-5149-2947-86C0-576F501F60DC}" dt="2020-01-05T21:27:04.952" v="2119" actId="20577"/>
-          <ac:spMkLst>
-            <pc:docMk/>
-            <pc:sldMk cId="3314372952" sldId="325"/>
-            <ac:spMk id="9" creationId="{E3B2E017-30B2-884B-A113-B419A2ED51AD}"/>
-          </ac:spMkLst>
-        </pc:spChg>
-      </pc:sldChg>
-      <pc:sldChg chg="modSp add">
-        <pc:chgData name="Long B Nguyen" userId="f59fb8f3-a021-417a-8bc1-65c8d471c621" providerId="ADAL" clId="{CC9C9D9A-5149-2947-86C0-576F501F60DC}" dt="2020-01-05T21:29:58.563" v="2178" actId="20577"/>
-        <pc:sldMkLst>
-          <pc:docMk/>
-          <pc:sldMk cId="3117943122" sldId="326"/>
-        </pc:sldMkLst>
-        <pc:spChg chg="mod">
-          <ac:chgData name="Long B Nguyen" userId="f59fb8f3-a021-417a-8bc1-65c8d471c621" providerId="ADAL" clId="{CC9C9D9A-5149-2947-86C0-576F501F60DC}" dt="2020-01-05T21:29:58.563" v="2178" actId="20577"/>
-          <ac:spMkLst>
-            <pc:docMk/>
-            <pc:sldMk cId="3117943122" sldId="326"/>
-            <ac:spMk id="9" creationId="{E3B2E017-30B2-884B-A113-B419A2ED51AD}"/>
-          </ac:spMkLst>
-        </pc:spChg>
-      </pc:sldChg>
-      <pc:sldChg chg="modSp add">
-        <pc:chgData name="Long B Nguyen" userId="f59fb8f3-a021-417a-8bc1-65c8d471c621" providerId="ADAL" clId="{CC9C9D9A-5149-2947-86C0-576F501F60DC}" dt="2020-01-05T21:59:55.597" v="2392" actId="14100"/>
-        <pc:sldMkLst>
-          <pc:docMk/>
-          <pc:sldMk cId="1025618360" sldId="327"/>
-        </pc:sldMkLst>
-        <pc:spChg chg="mod">
-          <ac:chgData name="Long B Nguyen" userId="f59fb8f3-a021-417a-8bc1-65c8d471c621" providerId="ADAL" clId="{CC9C9D9A-5149-2947-86C0-576F501F60DC}" dt="2020-01-05T21:59:55.597" v="2392" actId="14100"/>
-          <ac:spMkLst>
-            <pc:docMk/>
-            <pc:sldMk cId="1025618360" sldId="327"/>
-            <ac:spMk id="9" creationId="{E3B2E017-30B2-884B-A113-B419A2ED51AD}"/>
-          </ac:spMkLst>
-        </pc:spChg>
-      </pc:sldChg>
-      <pc:sldChg chg="modSp add">
-        <pc:chgData name="Long B Nguyen" userId="f59fb8f3-a021-417a-8bc1-65c8d471c621" providerId="ADAL" clId="{CC9C9D9A-5149-2947-86C0-576F501F60DC}" dt="2020-01-05T21:54:47.081" v="2356" actId="2711"/>
-        <pc:sldMkLst>
-          <pc:docMk/>
-          <pc:sldMk cId="3894299887" sldId="328"/>
-        </pc:sldMkLst>
-        <pc:spChg chg="mod">
-          <ac:chgData name="Long B Nguyen" userId="f59fb8f3-a021-417a-8bc1-65c8d471c621" providerId="ADAL" clId="{CC9C9D9A-5149-2947-86C0-576F501F60DC}" dt="2020-01-05T21:51:41.306" v="2327" actId="20577"/>
-          <ac:spMkLst>
-            <pc:docMk/>
-            <pc:sldMk cId="3894299887" sldId="328"/>
-            <ac:spMk id="2" creationId="{AA3A228F-61D0-D949-A5E7-F83756230BF8}"/>
-          </ac:spMkLst>
-        </pc:spChg>
-        <pc:spChg chg="mod">
-          <ac:chgData name="Long B Nguyen" userId="f59fb8f3-a021-417a-8bc1-65c8d471c621" providerId="ADAL" clId="{CC9C9D9A-5149-2947-86C0-576F501F60DC}" dt="2020-01-05T21:54:47.081" v="2356" actId="2711"/>
-          <ac:spMkLst>
-            <pc:docMk/>
-            <pc:sldMk cId="3894299887" sldId="328"/>
-            <ac:spMk id="9" creationId="{E3B2E017-30B2-884B-A113-B419A2ED51AD}"/>
-          </ac:spMkLst>
-        </pc:spChg>
-      </pc:sldChg>
-      <pc:sldChg chg="add">
-        <pc:chgData name="Long B Nguyen" userId="f59fb8f3-a021-417a-8bc1-65c8d471c621" providerId="ADAL" clId="{CC9C9D9A-5149-2947-86C0-576F501F60DC}" dt="2020-01-05T21:57:38.736" v="2357"/>
-        <pc:sldMkLst>
-          <pc:docMk/>
-          <pc:sldMk cId="4294143140" sldId="329"/>
-        </pc:sldMkLst>
       </pc:sldChg>
     </pc:docChg>
   </pc:docChgLst>
   <pc:docChgLst>
     <pc:chgData name="Long B Nguyen" userId="f59fb8f3-a021-417a-8bc1-65c8d471c621" providerId="ADAL" clId="{9799AFC9-BCC1-A047-B695-0A8B229AD33C}"/>
     <pc:docChg chg="addSld delSld modSld">
-      <pc:chgData name="Long B Nguyen" userId="f59fb8f3-a021-417a-8bc1-65c8d471c621" providerId="ADAL" clId="{9799AFC9-BCC1-A047-B695-0A8B229AD33C}" dt="2020-10-30T16:14:15.265" v="927" actId="20577"/>
+      <pc:chgData name="Long B Nguyen" userId="f59fb8f3-a021-417a-8bc1-65c8d471c621" providerId="ADAL" clId="{9799AFC9-BCC1-A047-B695-0A8B229AD33C}" dt="2020-11-01T18:23:47.868" v="1336" actId="1076"/>
       <pc:docMkLst>
         <pc:docMk/>
       </pc:docMkLst>
@@ -946,6 +946,44 @@
           <ac:spMkLst>
             <pc:docMk/>
             <pc:sldMk cId="2255846137" sldId="311"/>
+            <ac:spMk id="9" creationId="{E3B2E017-30B2-884B-A113-B419A2ED51AD}"/>
+          </ac:spMkLst>
+        </pc:spChg>
+      </pc:sldChg>
+      <pc:sldChg chg="modSp mod">
+        <pc:chgData name="Long B Nguyen" userId="f59fb8f3-a021-417a-8bc1-65c8d471c621" providerId="ADAL" clId="{9799AFC9-BCC1-A047-B695-0A8B229AD33C}" dt="2020-11-01T18:16:16.711" v="1157" actId="20577"/>
+        <pc:sldMkLst>
+          <pc:docMk/>
+          <pc:sldMk cId="1787114790" sldId="317"/>
+        </pc:sldMkLst>
+        <pc:spChg chg="mod">
+          <ac:chgData name="Long B Nguyen" userId="f59fb8f3-a021-417a-8bc1-65c8d471c621" providerId="ADAL" clId="{9799AFC9-BCC1-A047-B695-0A8B229AD33C}" dt="2020-11-01T18:16:16.711" v="1157" actId="20577"/>
+          <ac:spMkLst>
+            <pc:docMk/>
+            <pc:sldMk cId="1787114790" sldId="317"/>
+            <ac:spMk id="9" creationId="{E3B2E017-30B2-884B-A113-B419A2ED51AD}"/>
+          </ac:spMkLst>
+        </pc:spChg>
+      </pc:sldChg>
+      <pc:sldChg chg="modSp mod">
+        <pc:chgData name="Long B Nguyen" userId="f59fb8f3-a021-417a-8bc1-65c8d471c621" providerId="ADAL" clId="{9799AFC9-BCC1-A047-B695-0A8B229AD33C}" dt="2020-11-01T18:15:41.013" v="1150" actId="14100"/>
+        <pc:sldMkLst>
+          <pc:docMk/>
+          <pc:sldMk cId="1215229427" sldId="318"/>
+        </pc:sldMkLst>
+        <pc:spChg chg="mod">
+          <ac:chgData name="Long B Nguyen" userId="f59fb8f3-a021-417a-8bc1-65c8d471c621" providerId="ADAL" clId="{9799AFC9-BCC1-A047-B695-0A8B229AD33C}" dt="2020-11-01T18:15:38.679" v="1149" actId="1076"/>
+          <ac:spMkLst>
+            <pc:docMk/>
+            <pc:sldMk cId="1215229427" sldId="318"/>
+            <ac:spMk id="2" creationId="{AA3A228F-61D0-D949-A5E7-F83756230BF8}"/>
+          </ac:spMkLst>
+        </pc:spChg>
+        <pc:spChg chg="mod">
+          <ac:chgData name="Long B Nguyen" userId="f59fb8f3-a021-417a-8bc1-65c8d471c621" providerId="ADAL" clId="{9799AFC9-BCC1-A047-B695-0A8B229AD33C}" dt="2020-11-01T18:15:41.013" v="1150" actId="14100"/>
+          <ac:spMkLst>
+            <pc:docMk/>
+            <pc:sldMk cId="1215229427" sldId="318"/>
             <ac:spMk id="9" creationId="{E3B2E017-30B2-884B-A113-B419A2ED51AD}"/>
           </ac:spMkLst>
         </pc:spChg>
@@ -1096,6 +1134,29 @@
           </ac:spMkLst>
         </pc:spChg>
       </pc:sldChg>
+      <pc:sldChg chg="modSp mod">
+        <pc:chgData name="Long B Nguyen" userId="f59fb8f3-a021-417a-8bc1-65c8d471c621" providerId="ADAL" clId="{9799AFC9-BCC1-A047-B695-0A8B229AD33C}" dt="2020-11-01T18:23:47.868" v="1336" actId="1076"/>
+        <pc:sldMkLst>
+          <pc:docMk/>
+          <pc:sldMk cId="3662915732" sldId="333"/>
+        </pc:sldMkLst>
+        <pc:spChg chg="mod">
+          <ac:chgData name="Long B Nguyen" userId="f59fb8f3-a021-417a-8bc1-65c8d471c621" providerId="ADAL" clId="{9799AFC9-BCC1-A047-B695-0A8B229AD33C}" dt="2020-11-01T18:23:40.930" v="1335" actId="1076"/>
+          <ac:spMkLst>
+            <pc:docMk/>
+            <pc:sldMk cId="3662915732" sldId="333"/>
+            <ac:spMk id="2" creationId="{AA3A228F-61D0-D949-A5E7-F83756230BF8}"/>
+          </ac:spMkLst>
+        </pc:spChg>
+        <pc:spChg chg="mod">
+          <ac:chgData name="Long B Nguyen" userId="f59fb8f3-a021-417a-8bc1-65c8d471c621" providerId="ADAL" clId="{9799AFC9-BCC1-A047-B695-0A8B229AD33C}" dt="2020-11-01T18:23:47.868" v="1336" actId="1076"/>
+          <ac:spMkLst>
+            <pc:docMk/>
+            <pc:sldMk cId="3662915732" sldId="333"/>
+            <ac:spMk id="9" creationId="{E3B2E017-30B2-884B-A113-B419A2ED51AD}"/>
+          </ac:spMkLst>
+        </pc:spChg>
+      </pc:sldChg>
     </pc:docChg>
   </pc:docChgLst>
 </pc:chgInfo>
@@ -1232,7 +1293,7 @@
           <a:p>
             <a:fld id="{4AAD347D-5ACD-4C99-B74B-A9C85AD731AF}" type="datetimeFigureOut">
               <a:rPr lang="en-US" smtClean="0"/>
-              <a:t>10/30/20</a:t>
+              <a:t>11/1/20</a:t>
             </a:fld>
             <a:endParaRPr lang="en-US" dirty="0"/>
           </a:p>
@@ -1402,7 +1463,7 @@
           <a:p>
             <a:fld id="{4509A250-FF31-4206-8172-F9D3106AACB1}" type="datetimeFigureOut">
               <a:rPr lang="en-US" smtClean="0"/>
-              <a:t>10/30/20</a:t>
+              <a:t>11/1/20</a:t>
             </a:fld>
             <a:endParaRPr lang="en-US" dirty="0"/>
           </a:p>
@@ -1582,7 +1643,7 @@
           <a:p>
             <a:fld id="{4509A250-FF31-4206-8172-F9D3106AACB1}" type="datetimeFigureOut">
               <a:rPr lang="en-US" smtClean="0"/>
-              <a:t>10/30/20</a:t>
+              <a:t>11/1/20</a:t>
             </a:fld>
             <a:endParaRPr lang="en-US" dirty="0"/>
           </a:p>
@@ -1752,7 +1813,7 @@
           <a:p>
             <a:fld id="{4509A250-FF31-4206-8172-F9D3106AACB1}" type="datetimeFigureOut">
               <a:rPr lang="en-US" smtClean="0"/>
-              <a:t>10/30/20</a:t>
+              <a:t>11/1/20</a:t>
             </a:fld>
             <a:endParaRPr lang="en-US" dirty="0"/>
           </a:p>
@@ -1998,7 +2059,7 @@
           <a:p>
             <a:fld id="{9796027F-7875-4030-9381-8BD8C4F21935}" type="datetimeFigureOut">
               <a:rPr lang="en-US" smtClean="0"/>
-              <a:t>10/30/20</a:t>
+              <a:t>11/1/20</a:t>
             </a:fld>
             <a:endParaRPr lang="en-US" dirty="0"/>
           </a:p>
@@ -2230,7 +2291,7 @@
           <a:p>
             <a:fld id="{9796027F-7875-4030-9381-8BD8C4F21935}" type="datetimeFigureOut">
               <a:rPr lang="en-US" smtClean="0"/>
-              <a:t>10/30/20</a:t>
+              <a:t>11/1/20</a:t>
             </a:fld>
             <a:endParaRPr lang="en-US" dirty="0"/>
           </a:p>
@@ -2597,7 +2658,7 @@
           <a:p>
             <a:fld id="{9796027F-7875-4030-9381-8BD8C4F21935}" type="datetimeFigureOut">
               <a:rPr lang="en-US" smtClean="0"/>
-              <a:t>10/30/20</a:t>
+              <a:t>11/1/20</a:t>
             </a:fld>
             <a:endParaRPr lang="en-US" dirty="0"/>
           </a:p>
@@ -2715,7 +2776,7 @@
           <a:p>
             <a:fld id="{4509A250-FF31-4206-8172-F9D3106AACB1}" type="datetimeFigureOut">
               <a:rPr lang="en-US" smtClean="0"/>
-              <a:t>10/30/20</a:t>
+              <a:t>11/1/20</a:t>
             </a:fld>
             <a:endParaRPr lang="en-US" dirty="0"/>
           </a:p>
@@ -2810,7 +2871,7 @@
           <a:p>
             <a:fld id="{4509A250-FF31-4206-8172-F9D3106AACB1}" type="datetimeFigureOut">
               <a:rPr lang="en-US" smtClean="0"/>
-              <a:t>10/30/20</a:t>
+              <a:t>11/1/20</a:t>
             </a:fld>
             <a:endParaRPr lang="en-US" dirty="0"/>
           </a:p>
@@ -3087,7 +3148,7 @@
           <a:p>
             <a:fld id="{4509A250-FF31-4206-8172-F9D3106AACB1}" type="datetimeFigureOut">
               <a:rPr lang="en-US" smtClean="0"/>
-              <a:t>10/30/20</a:t>
+              <a:t>11/1/20</a:t>
             </a:fld>
             <a:endParaRPr lang="en-US" dirty="0"/>
           </a:p>
@@ -3344,7 +3405,7 @@
           <a:p>
             <a:fld id="{4509A250-FF31-4206-8172-F9D3106AACB1}" type="datetimeFigureOut">
               <a:rPr lang="en-US" smtClean="0"/>
-              <a:t>10/30/20</a:t>
+              <a:t>11/1/20</a:t>
             </a:fld>
             <a:endParaRPr lang="en-US" dirty="0"/>
           </a:p>
@@ -3557,7 +3618,7 @@
           <a:p>
             <a:fld id="{4AAD347D-5ACD-4C99-B74B-A9C85AD731AF}" type="datetimeFigureOut">
               <a:rPr lang="en-US" smtClean="0"/>
-              <a:t>10/30/20</a:t>
+              <a:t>11/1/20</a:t>
             </a:fld>
             <a:endParaRPr lang="en-US" dirty="0"/>
           </a:p>
@@ -11082,8 +11143,8 @@
           </a:p>
         </p:txBody>
       </p:sp>
-      <mc:AlternateContent xmlns:mc="http://schemas.openxmlformats.org/markup-compatibility/2006" xmlns:a14="http://schemas.microsoft.com/office/drawing/2010/main">
-        <mc:Choice Requires="a14">
+      <mc:AlternateContent xmlns:mc="http://schemas.openxmlformats.org/markup-compatibility/2006">
+        <mc:Choice xmlns:a14="http://schemas.microsoft.com/office/drawing/2010/main" Requires="a14">
           <p:sp>
             <p:nvSpPr>
               <p:cNvPr id="9" name="Content Placeholder 8">
@@ -11174,7 +11235,7 @@
                 </a:pPr>
                 <a:r>
                   <a:rPr lang="en-US" dirty="0"/>
-                  <a:t>Alternate between printing "Hello" and "Hi" for a total of 20 times, each on a separate line. Use only one for loop. (Hint: Use and a conditional)</a:t>
+                  <a:t>Alternate between printing "Hello" and "Hi" for a total of 20 times, each on a separate line. Use only one for loop. (Hint: Use a conditional)</a:t>
                 </a:r>
               </a:p>
               <a:p>
@@ -11183,7 +11244,7 @@
                 </a:pPr>
                 <a:r>
                   <a:rPr lang="en-US" dirty="0"/>
-                  <a:t>Print 1 4 9 16 … 100</a:t>
+                  <a:t>Print 1 4 9 16 25 … 100</a:t>
                 </a:r>
               </a:p>
               <a:p>
@@ -11423,7 +11484,7 @@
             </p:txBody>
           </p:sp>
         </mc:Choice>
-        <mc:Fallback xmlns="">
+        <mc:Fallback>
           <p:sp>
             <p:nvSpPr>
               <p:cNvPr id="9" name="Content Placeholder 8">
@@ -11448,7 +11509,7 @@
               <a:blipFill>
                 <a:blip r:embed="rId2"/>
                 <a:stretch>
-                  <a:fillRect l="-787" t="-1429" b="-3143"/>
+                  <a:fillRect l="-787" t="-1425" b="-3134"/>
                 </a:stretch>
               </a:blipFill>
             </p:spPr>
@@ -11515,7 +11576,7 @@
         </p:nvSpPr>
         <p:spPr>
           <a:xfrm>
-            <a:off x="483848" y="467027"/>
+            <a:off x="162836" y="123497"/>
             <a:ext cx="7053542" cy="683886"/>
           </a:xfrm>
         </p:spPr>
@@ -11548,8 +11609,8 @@
         </p:nvSpPr>
         <p:spPr>
           <a:xfrm>
-            <a:off x="483848" y="1150913"/>
-            <a:ext cx="8051725" cy="4440590"/>
+            <a:off x="162836" y="807383"/>
+            <a:ext cx="8372737" cy="4784120"/>
           </a:xfrm>
         </p:spPr>
         <p:txBody>
@@ -11726,7 +11787,7 @@
         </p:nvSpPr>
         <p:spPr>
           <a:xfrm>
-            <a:off x="483848" y="467027"/>
+            <a:off x="0" y="123497"/>
             <a:ext cx="7053542" cy="683886"/>
           </a:xfrm>
         </p:spPr>
@@ -11759,8 +11820,8 @@
         </p:nvSpPr>
         <p:spPr>
           <a:xfrm>
-            <a:off x="483848" y="1150913"/>
-            <a:ext cx="8051725" cy="4440590"/>
+            <a:off x="192018" y="671196"/>
+            <a:ext cx="8343555" cy="4784120"/>
           </a:xfrm>
         </p:spPr>
         <p:txBody>
@@ -11781,12 +11842,6 @@
             <a:pPr marL="0" indent="0">
               <a:buNone/>
             </a:pPr>
-            <a:endParaRPr lang="en-US" dirty="0"/>
-          </a:p>
-          <a:p>
-            <a:pPr marL="0" indent="0">
-              <a:buNone/>
-            </a:pPr>
             <a:r>
               <a:rPr lang="en-US" dirty="0"/>
               <a:t>1) Rewrite the function </a:t>
@@ -11814,7 +11869,7 @@
             </a:r>
             <a:r>
               <a:rPr lang="en-US" dirty="0"/>
-              <a:t> which accepts an integer n and returns whether it is prime. </a:t>
+              <a:t> which accepts an integer n and returns whether it is prime.  Note that 1 is not prime. </a:t>
             </a:r>
             <a:r>
               <a:rPr lang="en-US" dirty="0">
@@ -11855,6 +11910,48 @@
                 </a:solidFill>
               </a:rPr>
               <a:t>.</a:t>
+            </a:r>
+          </a:p>
+          <a:p>
+            <a:pPr marL="0" indent="0">
+              <a:buNone/>
+            </a:pPr>
+            <a:r>
+              <a:rPr lang="en-US" dirty="0" err="1">
+                <a:solidFill>
+                  <a:srgbClr val="FF0000"/>
+                </a:solidFill>
+              </a:rPr>
+              <a:t>is_prime</a:t>
+            </a:r>
+            <a:r>
+              <a:rPr lang="en-US" dirty="0">
+                <a:solidFill>
+                  <a:srgbClr val="FF0000"/>
+                </a:solidFill>
+              </a:rPr>
+              <a:t>(13) returns true</a:t>
+            </a:r>
+          </a:p>
+          <a:p>
+            <a:pPr marL="0" indent="0">
+              <a:buNone/>
+            </a:pPr>
+            <a:r>
+              <a:rPr lang="en-US" dirty="0" err="1">
+                <a:solidFill>
+                  <a:srgbClr val="FF0000"/>
+                </a:solidFill>
+              </a:rPr>
+              <a:t>is_prime</a:t>
+            </a:r>
+            <a:r>
+              <a:rPr lang="en-US" dirty="0">
+                <a:solidFill>
+                  <a:srgbClr val="FF0000"/>
+                </a:solidFill>
+              </a:rPr>
+              <a:t>(1245) returns false</a:t>
             </a:r>
           </a:p>
           <a:p>
@@ -11867,11 +11964,11 @@
             </a:r>
             <a:r>
               <a:rPr lang="en-US" dirty="0" err="1"/>
-              <a:t>printPrimes</a:t>
+              <a:t>num_primes</a:t>
             </a:r>
             <a:r>
               <a:rPr lang="en-US" dirty="0"/>
-              <a:t> which accepts an integer n and and print out all the primes from 2 up to and including n.  </a:t>
+              <a:t> which accepts an integer n and and returns the number of primes up to and including n.  </a:t>
             </a:r>
             <a:r>
               <a:rPr lang="en-US" dirty="0">
@@ -11902,13 +11999,23 @@
             <a:pPr marL="0" indent="0">
               <a:buNone/>
             </a:pPr>
-            <a:endParaRPr lang="en-US" dirty="0"/>
-          </a:p>
-          <a:p>
-            <a:pPr marL="0" indent="0">
-              <a:buNone/>
-            </a:pPr>
-            <a:endParaRPr lang="en-US" dirty="0"/>
+            <a:r>
+              <a:rPr lang="en-US" dirty="0" err="1"/>
+              <a:t>num_prime</a:t>
+            </a:r>
+            <a:r>
+              <a:rPr lang="en-US" dirty="0"/>
+              <a:t>(11) returns 5 since 2, 3, 5, 7, 11 are the 5 prime numbers less than or equal to 11. </a:t>
+            </a:r>
+          </a:p>
+          <a:p>
+            <a:pPr marL="0" indent="0">
+              <a:buNone/>
+            </a:pPr>
+            <a:r>
+              <a:rPr lang="en-US" dirty="0"/>
+              <a:t>Write the main function and calls the three above functions with different input and make sure that your functions work as expected. </a:t>
+            </a:r>
           </a:p>
         </p:txBody>
       </p:sp>

--- a/courses/apcsp/lect5.pptx
+++ b/courses/apcsp/lect5.pptx
@@ -28,8 +28,8 @@
     <p:sldId id="307" r:id="rId22"/>
     <p:sldId id="284" r:id="rId23"/>
     <p:sldId id="317" r:id="rId24"/>
-    <p:sldId id="318" r:id="rId25"/>
-    <p:sldId id="333" r:id="rId26"/>
+    <p:sldId id="333" r:id="rId25"/>
+    <p:sldId id="318" r:id="rId26"/>
     <p:sldId id="316" r:id="rId27"/>
   </p:sldIdLst>
   <p:sldSz cx="9144000" cy="5715000" type="screen16x10"/>
@@ -140,7 +140,7 @@
 <file path=ppt/revisionInfo.xml><?xml version="1.0" encoding="utf-8"?>
 <p1510:revInfo xmlns:a="http://schemas.openxmlformats.org/drawingml/2006/main" xmlns:r="http://schemas.openxmlformats.org/officeDocument/2006/relationships" xmlns:p1510="http://schemas.microsoft.com/office/powerpoint/2015/10/main">
   <p1510:revLst>
-    <p1510:client id="{9799AFC9-BCC1-A047-B695-0A8B229AD33C}" v="406" dt="2020-10-30T16:14:15.265"/>
+    <p1510:client id="{9799AFC9-BCC1-A047-B695-0A8B229AD33C}" v="407" dt="2020-11-01T18:40:39.463"/>
   </p1510:revLst>
 </p1510:revInfo>
 </file>
@@ -915,8 +915,8 @@
   </pc:docChgLst>
   <pc:docChgLst>
     <pc:chgData name="Long B Nguyen" userId="f59fb8f3-a021-417a-8bc1-65c8d471c621" providerId="ADAL" clId="{9799AFC9-BCC1-A047-B695-0A8B229AD33C}"/>
-    <pc:docChg chg="addSld delSld modSld">
-      <pc:chgData name="Long B Nguyen" userId="f59fb8f3-a021-417a-8bc1-65c8d471c621" providerId="ADAL" clId="{9799AFC9-BCC1-A047-B695-0A8B229AD33C}" dt="2020-11-01T18:23:47.868" v="1336" actId="1076"/>
+    <pc:docChg chg="custSel addSld delSld modSld">
+      <pc:chgData name="Long B Nguyen" userId="f59fb8f3-a021-417a-8bc1-65c8d471c621" providerId="ADAL" clId="{9799AFC9-BCC1-A047-B695-0A8B229AD33C}" dt="2020-11-01T18:40:42.493" v="1340" actId="20577"/>
       <pc:docMkLst>
         <pc:docMk/>
       </pc:docMkLst>
@@ -965,8 +965,8 @@
           </ac:spMkLst>
         </pc:spChg>
       </pc:sldChg>
-      <pc:sldChg chg="modSp mod">
-        <pc:chgData name="Long B Nguyen" userId="f59fb8f3-a021-417a-8bc1-65c8d471c621" providerId="ADAL" clId="{9799AFC9-BCC1-A047-B695-0A8B229AD33C}" dt="2020-11-01T18:15:41.013" v="1150" actId="14100"/>
+      <pc:sldChg chg="modSp del mod">
+        <pc:chgData name="Long B Nguyen" userId="f59fb8f3-a021-417a-8bc1-65c8d471c621" providerId="ADAL" clId="{9799AFC9-BCC1-A047-B695-0A8B229AD33C}" dt="2020-11-01T18:40:37.762" v="1337" actId="2696"/>
         <pc:sldMkLst>
           <pc:docMk/>
           <pc:sldMk cId="1215229427" sldId="318"/>
@@ -985,6 +985,21 @@
             <pc:docMk/>
             <pc:sldMk cId="1215229427" sldId="318"/>
             <ac:spMk id="9" creationId="{E3B2E017-30B2-884B-A113-B419A2ED51AD}"/>
+          </ac:spMkLst>
+        </pc:spChg>
+      </pc:sldChg>
+      <pc:sldChg chg="modSp add mod">
+        <pc:chgData name="Long B Nguyen" userId="f59fb8f3-a021-417a-8bc1-65c8d471c621" providerId="ADAL" clId="{9799AFC9-BCC1-A047-B695-0A8B229AD33C}" dt="2020-11-01T18:40:42.493" v="1340" actId="20577"/>
+        <pc:sldMkLst>
+          <pc:docMk/>
+          <pc:sldMk cId="1834144391" sldId="318"/>
+        </pc:sldMkLst>
+        <pc:spChg chg="mod">
+          <ac:chgData name="Long B Nguyen" userId="f59fb8f3-a021-417a-8bc1-65c8d471c621" providerId="ADAL" clId="{9799AFC9-BCC1-A047-B695-0A8B229AD33C}" dt="2020-11-01T18:40:42.493" v="1340" actId="20577"/>
+          <ac:spMkLst>
+            <pc:docMk/>
+            <pc:sldMk cId="1834144391" sldId="318"/>
+            <ac:spMk id="2" creationId="{AA3A228F-61D0-D949-A5E7-F83756230BF8}"/>
           </ac:spMkLst>
         </pc:spChg>
       </pc:sldChg>
@@ -11143,8 +11158,8 @@
           </a:p>
         </p:txBody>
       </p:sp>
-      <mc:AlternateContent xmlns:mc="http://schemas.openxmlformats.org/markup-compatibility/2006">
-        <mc:Choice xmlns:a14="http://schemas.microsoft.com/office/drawing/2010/main" Requires="a14">
+      <mc:AlternateContent xmlns:mc="http://schemas.openxmlformats.org/markup-compatibility/2006" xmlns:a14="http://schemas.microsoft.com/office/drawing/2010/main">
+        <mc:Choice Requires="a14">
           <p:sp>
             <p:nvSpPr>
               <p:cNvPr id="9" name="Content Placeholder 8">
@@ -11484,7 +11499,7 @@
             </p:txBody>
           </p:sp>
         </mc:Choice>
-        <mc:Fallback>
+        <mc:Fallback xmlns="">
           <p:sp>
             <p:nvSpPr>
               <p:cNvPr id="9" name="Content Placeholder 8">
@@ -11576,7 +11591,7 @@
         </p:nvSpPr>
         <p:spPr>
           <a:xfrm>
-            <a:off x="162836" y="123497"/>
+            <a:off x="0" y="123497"/>
             <a:ext cx="7053542" cy="683886"/>
           </a:xfrm>
         </p:spPr>
@@ -11586,7 +11601,7 @@
           <a:p>
             <a:r>
               <a:rPr lang="en-US" dirty="0"/>
-              <a:t>Lab 1 </a:t>
+              <a:t>Lab 2 </a:t>
             </a:r>
           </a:p>
         </p:txBody>
@@ -11609,8 +11624,8 @@
         </p:nvSpPr>
         <p:spPr>
           <a:xfrm>
-            <a:off x="162836" y="807383"/>
-            <a:ext cx="8372737" cy="4784120"/>
+            <a:off x="192018" y="671196"/>
+            <a:ext cx="8343555" cy="4784120"/>
           </a:xfrm>
         </p:spPr>
         <p:txBody>
@@ -11624,24 +11639,24 @@
             </a:pPr>
             <a:r>
               <a:rPr lang="en-US" dirty="0"/>
-              <a:t>Write </a:t>
-            </a:r>
-            <a:r>
-              <a:rPr lang="en-US" b="1" dirty="0"/>
-              <a:t>a nested for loop </a:t>
-            </a:r>
+              <a:t>Create a new repl. </a:t>
+            </a:r>
+          </a:p>
+          <a:p>
+            <a:pPr marL="0" indent="0">
+              <a:buNone/>
+            </a:pPr>
             <a:r>
               <a:rPr lang="en-US" dirty="0"/>
-              <a:t>to do each of the following:</a:t>
-            </a:r>
-          </a:p>
-          <a:p>
-            <a:pPr marL="457200" indent="-457200">
-              <a:buAutoNum type="arabicParenR"/>
-            </a:pPr>
+              <a:t>1) Rewrite the function </a:t>
+            </a:r>
+            <a:r>
+              <a:rPr lang="en-US" dirty="0" err="1"/>
+              <a:t>count_factors</a:t>
+            </a:r>
             <a:r>
               <a:rPr lang="en-US" dirty="0"/>
-              <a:t>Print out 10 lines, each line containing 5 "Hello" separated by spaces. </a:t>
+              <a:t> as explained in a previous slide. </a:t>
             </a:r>
           </a:p>
           <a:p>
@@ -11650,16 +11665,97 @@
             </a:pPr>
             <a:r>
               <a:rPr lang="en-US" dirty="0"/>
-              <a:t>2) 	******</a:t>
-            </a:r>
-          </a:p>
-          <a:p>
-            <a:pPr marL="0" indent="0">
-              <a:buNone/>
-            </a:pPr>
+              <a:t>2) A number n is prime if its only factors are 1 and n. Write the function </a:t>
+            </a:r>
+            <a:r>
+              <a:rPr lang="en-US" dirty="0" err="1"/>
+              <a:t>is_prime</a:t>
+            </a:r>
             <a:r>
               <a:rPr lang="en-US" dirty="0"/>
-              <a:t>	******</a:t>
+              <a:t> which accepts an integer n and returns whether it is prime.  Note that 1 is not prime. </a:t>
+            </a:r>
+            <a:r>
+              <a:rPr lang="en-US" dirty="0">
+                <a:solidFill>
+                  <a:srgbClr val="FF0000"/>
+                </a:solidFill>
+              </a:rPr>
+              <a:t>You must call the function </a:t>
+            </a:r>
+            <a:r>
+              <a:rPr lang="en-US" dirty="0" err="1">
+                <a:solidFill>
+                  <a:srgbClr val="FF0000"/>
+                </a:solidFill>
+              </a:rPr>
+              <a:t>count_factors</a:t>
+            </a:r>
+            <a:r>
+              <a:rPr lang="en-US" dirty="0">
+                <a:solidFill>
+                  <a:srgbClr val="FF0000"/>
+                </a:solidFill>
+              </a:rPr>
+              <a:t> in your implementation of </a:t>
+            </a:r>
+            <a:r>
+              <a:rPr lang="en-US" dirty="0" err="1">
+                <a:solidFill>
+                  <a:srgbClr val="FF0000"/>
+                </a:solidFill>
+              </a:rPr>
+              <a:t>is_prime</a:t>
+            </a:r>
+            <a:r>
+              <a:rPr lang="en-US" dirty="0">
+                <a:solidFill>
+                  <a:srgbClr val="FF0000"/>
+                </a:solidFill>
+              </a:rPr>
+              <a:t>.</a:t>
+            </a:r>
+          </a:p>
+          <a:p>
+            <a:pPr marL="0" indent="0">
+              <a:buNone/>
+            </a:pPr>
+            <a:r>
+              <a:rPr lang="en-US" dirty="0" err="1">
+                <a:solidFill>
+                  <a:srgbClr val="FF0000"/>
+                </a:solidFill>
+              </a:rPr>
+              <a:t>is_prime</a:t>
+            </a:r>
+            <a:r>
+              <a:rPr lang="en-US" dirty="0">
+                <a:solidFill>
+                  <a:srgbClr val="FF0000"/>
+                </a:solidFill>
+              </a:rPr>
+              <a:t>(13) returns true</a:t>
+            </a:r>
+          </a:p>
+          <a:p>
+            <a:pPr marL="0" indent="0">
+              <a:buNone/>
+            </a:pPr>
+            <a:r>
+              <a:rPr lang="en-US" dirty="0" err="1">
+                <a:solidFill>
+                  <a:srgbClr val="FF0000"/>
+                </a:solidFill>
+              </a:rPr>
+              <a:t>is_prime</a:t>
+            </a:r>
+            <a:r>
+              <a:rPr lang="en-US" dirty="0">
+                <a:solidFill>
+                  <a:srgbClr val="FF0000"/>
+                </a:solidFill>
+              </a:rPr>
+              <a:t>(1245) returns false</a:t>
             </a:r>
           </a:p>
           <a:p>
@@ -11668,25 +11764,52 @@
             </a:pPr>
             <a:r>
               <a:rPr lang="en-US" dirty="0"/>
-              <a:t>	******</a:t>
-            </a:r>
-          </a:p>
-          <a:p>
-            <a:pPr marL="0" indent="0">
-              <a:buNone/>
-            </a:pPr>
+              <a:t>3) Write the function </a:t>
+            </a:r>
+            <a:r>
+              <a:rPr lang="en-US" dirty="0" err="1"/>
+              <a:t>num_primes</a:t>
+            </a:r>
             <a:r>
               <a:rPr lang="en-US" dirty="0"/>
-              <a:t>3)    Print</a:t>
-            </a:r>
-          </a:p>
-          <a:p>
-            <a:pPr marL="0" indent="0">
-              <a:buNone/>
-            </a:pPr>
+              <a:t> which accepts an integer n and and returns the number of primes up to and including n.  </a:t>
+            </a:r>
+            <a:r>
+              <a:rPr lang="en-US" dirty="0">
+                <a:solidFill>
+                  <a:srgbClr val="FF0000"/>
+                </a:solidFill>
+              </a:rPr>
+              <a:t>You must call the function </a:t>
+            </a:r>
+            <a:r>
+              <a:rPr lang="en-US" dirty="0" err="1">
+                <a:solidFill>
+                  <a:srgbClr val="FF0000"/>
+                </a:solidFill>
+              </a:rPr>
+              <a:t>is_prime</a:t>
+            </a:r>
+            <a:r>
+              <a:rPr lang="en-US" dirty="0">
+                <a:solidFill>
+                  <a:srgbClr val="FF0000"/>
+                </a:solidFill>
+              </a:rPr>
+              <a:t> in your implementation.</a:t>
+            </a:r>
+          </a:p>
+          <a:p>
+            <a:pPr marL="0" indent="0">
+              <a:buNone/>
+            </a:pPr>
+            <a:r>
+              <a:rPr lang="en-US" dirty="0" err="1"/>
+              <a:t>num_prime</a:t>
+            </a:r>
             <a:r>
               <a:rPr lang="en-US" dirty="0"/>
-              <a:t>*</a:t>
+              <a:t>(11) returns 5 since 2, 3, 5, 7, 11 are the 5 prime numbers less than or equal to 11. </a:t>
             </a:r>
           </a:p>
           <a:p>
@@ -11695,54 +11818,15 @@
             </a:pPr>
             <a:r>
               <a:rPr lang="en-US" dirty="0"/>
-              <a:t>**</a:t>
-            </a:r>
-          </a:p>
-          <a:p>
-            <a:pPr marL="0" indent="0">
-              <a:buNone/>
-            </a:pPr>
-            <a:r>
-              <a:rPr lang="en-US" dirty="0"/>
-              <a:t>***</a:t>
-            </a:r>
-          </a:p>
-          <a:p>
-            <a:pPr marL="0" indent="0">
-              <a:buNone/>
-            </a:pPr>
-            <a:r>
-              <a:rPr lang="en-US" dirty="0"/>
-              <a:t>****</a:t>
-            </a:r>
-          </a:p>
-          <a:p>
-            <a:pPr marL="0" indent="0">
-              <a:buNone/>
-            </a:pPr>
-            <a:r>
-              <a:rPr lang="en-US" dirty="0"/>
-              <a:t>*****	</a:t>
-            </a:r>
-          </a:p>
-          <a:p>
-            <a:pPr marL="0" indent="0">
-              <a:buNone/>
-            </a:pPr>
-            <a:endParaRPr lang="en-US" dirty="0"/>
-          </a:p>
-          <a:p>
-            <a:pPr marL="457200" indent="-457200">
-              <a:buAutoNum type="arabicParenR"/>
-            </a:pPr>
-            <a:endParaRPr lang="en-US" dirty="0"/>
+              <a:t>Write the main function and calls the three above functions with different input and make sure that your functions work as expected. </a:t>
+            </a:r>
           </a:p>
         </p:txBody>
       </p:sp>
     </p:spTree>
     <p:extLst>
       <p:ext uri="{BB962C8B-B14F-4D97-AF65-F5344CB8AC3E}">
-        <p14:creationId xmlns:p14="http://schemas.microsoft.com/office/powerpoint/2010/main" val="1215229427"/>
+        <p14:creationId xmlns:p14="http://schemas.microsoft.com/office/powerpoint/2010/main" val="3662915732"/>
       </p:ext>
     </p:extLst>
   </p:cSld>
@@ -11787,7 +11871,7 @@
         </p:nvSpPr>
         <p:spPr>
           <a:xfrm>
-            <a:off x="0" y="123497"/>
+            <a:off x="162836" y="123497"/>
             <a:ext cx="7053542" cy="683886"/>
           </a:xfrm>
         </p:spPr>
@@ -11797,7 +11881,7 @@
           <a:p>
             <a:r>
               <a:rPr lang="en-US" dirty="0"/>
-              <a:t>Lab 2 </a:t>
+              <a:t>Lab 3 </a:t>
             </a:r>
           </a:p>
         </p:txBody>
@@ -11820,8 +11904,8 @@
         </p:nvSpPr>
         <p:spPr>
           <a:xfrm>
-            <a:off x="192018" y="671196"/>
-            <a:ext cx="8343555" cy="4784120"/>
+            <a:off x="162836" y="807383"/>
+            <a:ext cx="8372737" cy="4784120"/>
           </a:xfrm>
         </p:spPr>
         <p:txBody>
@@ -11835,24 +11919,24 @@
             </a:pPr>
             <a:r>
               <a:rPr lang="en-US" dirty="0"/>
-              <a:t>Create a new repl. </a:t>
-            </a:r>
-          </a:p>
-          <a:p>
-            <a:pPr marL="0" indent="0">
-              <a:buNone/>
-            </a:pPr>
+              <a:t>Write </a:t>
+            </a:r>
+            <a:r>
+              <a:rPr lang="en-US" b="1" dirty="0"/>
+              <a:t>a nested for loop </a:t>
+            </a:r>
             <a:r>
               <a:rPr lang="en-US" dirty="0"/>
-              <a:t>1) Rewrite the function </a:t>
-            </a:r>
-            <a:r>
-              <a:rPr lang="en-US" dirty="0" err="1"/>
-              <a:t>count_factors</a:t>
-            </a:r>
+              <a:t>to do each of the following:</a:t>
+            </a:r>
+          </a:p>
+          <a:p>
+            <a:pPr marL="457200" indent="-457200">
+              <a:buAutoNum type="arabicParenR"/>
+            </a:pPr>
             <a:r>
               <a:rPr lang="en-US" dirty="0"/>
-              <a:t> as explained in a previous slide. </a:t>
+              <a:t>Print out 10 lines, each line containing 5 "Hello" separated by spaces. </a:t>
             </a:r>
           </a:p>
           <a:p>
@@ -11861,97 +11945,16 @@
             </a:pPr>
             <a:r>
               <a:rPr lang="en-US" dirty="0"/>
-              <a:t>2) A number n is prime if its only factors are 1 and n. Write the function </a:t>
-            </a:r>
-            <a:r>
-              <a:rPr lang="en-US" dirty="0" err="1"/>
-              <a:t>is_prime</a:t>
-            </a:r>
+              <a:t>2) 	******</a:t>
+            </a:r>
+          </a:p>
+          <a:p>
+            <a:pPr marL="0" indent="0">
+              <a:buNone/>
+            </a:pPr>
             <a:r>
               <a:rPr lang="en-US" dirty="0"/>
-              <a:t> which accepts an integer n and returns whether it is prime.  Note that 1 is not prime. </a:t>
-            </a:r>
-            <a:r>
-              <a:rPr lang="en-US" dirty="0">
-                <a:solidFill>
-                  <a:srgbClr val="FF0000"/>
-                </a:solidFill>
-              </a:rPr>
-              <a:t>You must call the function </a:t>
-            </a:r>
-            <a:r>
-              <a:rPr lang="en-US" dirty="0" err="1">
-                <a:solidFill>
-                  <a:srgbClr val="FF0000"/>
-                </a:solidFill>
-              </a:rPr>
-              <a:t>count_factors</a:t>
-            </a:r>
-            <a:r>
-              <a:rPr lang="en-US" dirty="0">
-                <a:solidFill>
-                  <a:srgbClr val="FF0000"/>
-                </a:solidFill>
-              </a:rPr>
-              <a:t> in your implementation of </a:t>
-            </a:r>
-            <a:r>
-              <a:rPr lang="en-US" dirty="0" err="1">
-                <a:solidFill>
-                  <a:srgbClr val="FF0000"/>
-                </a:solidFill>
-              </a:rPr>
-              <a:t>is_prime</a:t>
-            </a:r>
-            <a:r>
-              <a:rPr lang="en-US" dirty="0">
-                <a:solidFill>
-                  <a:srgbClr val="FF0000"/>
-                </a:solidFill>
-              </a:rPr>
-              <a:t>.</a:t>
-            </a:r>
-          </a:p>
-          <a:p>
-            <a:pPr marL="0" indent="0">
-              <a:buNone/>
-            </a:pPr>
-            <a:r>
-              <a:rPr lang="en-US" dirty="0" err="1">
-                <a:solidFill>
-                  <a:srgbClr val="FF0000"/>
-                </a:solidFill>
-              </a:rPr>
-              <a:t>is_prime</a:t>
-            </a:r>
-            <a:r>
-              <a:rPr lang="en-US" dirty="0">
-                <a:solidFill>
-                  <a:srgbClr val="FF0000"/>
-                </a:solidFill>
-              </a:rPr>
-              <a:t>(13) returns true</a:t>
-            </a:r>
-          </a:p>
-          <a:p>
-            <a:pPr marL="0" indent="0">
-              <a:buNone/>
-            </a:pPr>
-            <a:r>
-              <a:rPr lang="en-US" dirty="0" err="1">
-                <a:solidFill>
-                  <a:srgbClr val="FF0000"/>
-                </a:solidFill>
-              </a:rPr>
-              <a:t>is_prime</a:t>
-            </a:r>
-            <a:r>
-              <a:rPr lang="en-US" dirty="0">
-                <a:solidFill>
-                  <a:srgbClr val="FF0000"/>
-                </a:solidFill>
-              </a:rPr>
-              <a:t>(1245) returns false</a:t>
+              <a:t>	******</a:t>
             </a:r>
           </a:p>
           <a:p>
@@ -11960,52 +11963,25 @@
             </a:pPr>
             <a:r>
               <a:rPr lang="en-US" dirty="0"/>
-              <a:t>3) Write the function </a:t>
-            </a:r>
-            <a:r>
-              <a:rPr lang="en-US" dirty="0" err="1"/>
-              <a:t>num_primes</a:t>
-            </a:r>
+              <a:t>	******</a:t>
+            </a:r>
+          </a:p>
+          <a:p>
+            <a:pPr marL="0" indent="0">
+              <a:buNone/>
+            </a:pPr>
             <a:r>
               <a:rPr lang="en-US" dirty="0"/>
-              <a:t> which accepts an integer n and and returns the number of primes up to and including n.  </a:t>
-            </a:r>
-            <a:r>
-              <a:rPr lang="en-US" dirty="0">
-                <a:solidFill>
-                  <a:srgbClr val="FF0000"/>
-                </a:solidFill>
-              </a:rPr>
-              <a:t>You must call the function </a:t>
-            </a:r>
-            <a:r>
-              <a:rPr lang="en-US" dirty="0" err="1">
-                <a:solidFill>
-                  <a:srgbClr val="FF0000"/>
-                </a:solidFill>
-              </a:rPr>
-              <a:t>is_prime</a:t>
-            </a:r>
-            <a:r>
-              <a:rPr lang="en-US" dirty="0">
-                <a:solidFill>
-                  <a:srgbClr val="FF0000"/>
-                </a:solidFill>
-              </a:rPr>
-              <a:t> in your implementation.</a:t>
-            </a:r>
-          </a:p>
-          <a:p>
-            <a:pPr marL="0" indent="0">
-              <a:buNone/>
-            </a:pPr>
-            <a:r>
-              <a:rPr lang="en-US" dirty="0" err="1"/>
-              <a:t>num_prime</a:t>
-            </a:r>
+              <a:t>3)    Print</a:t>
+            </a:r>
+          </a:p>
+          <a:p>
+            <a:pPr marL="0" indent="0">
+              <a:buNone/>
+            </a:pPr>
             <a:r>
               <a:rPr lang="en-US" dirty="0"/>
-              <a:t>(11) returns 5 since 2, 3, 5, 7, 11 are the 5 prime numbers less than or equal to 11. </a:t>
+              <a:t>*</a:t>
             </a:r>
           </a:p>
           <a:p>
@@ -12014,15 +11990,54 @@
             </a:pPr>
             <a:r>
               <a:rPr lang="en-US" dirty="0"/>
-              <a:t>Write the main function and calls the three above functions with different input and make sure that your functions work as expected. </a:t>
-            </a:r>
+              <a:t>**</a:t>
+            </a:r>
+          </a:p>
+          <a:p>
+            <a:pPr marL="0" indent="0">
+              <a:buNone/>
+            </a:pPr>
+            <a:r>
+              <a:rPr lang="en-US" dirty="0"/>
+              <a:t>***</a:t>
+            </a:r>
+          </a:p>
+          <a:p>
+            <a:pPr marL="0" indent="0">
+              <a:buNone/>
+            </a:pPr>
+            <a:r>
+              <a:rPr lang="en-US" dirty="0"/>
+              <a:t>****</a:t>
+            </a:r>
+          </a:p>
+          <a:p>
+            <a:pPr marL="0" indent="0">
+              <a:buNone/>
+            </a:pPr>
+            <a:r>
+              <a:rPr lang="en-US" dirty="0"/>
+              <a:t>*****	</a:t>
+            </a:r>
+          </a:p>
+          <a:p>
+            <a:pPr marL="0" indent="0">
+              <a:buNone/>
+            </a:pPr>
+            <a:endParaRPr lang="en-US" dirty="0"/>
+          </a:p>
+          <a:p>
+            <a:pPr marL="457200" indent="-457200">
+              <a:buAutoNum type="arabicParenR"/>
+            </a:pPr>
+            <a:endParaRPr lang="en-US" dirty="0"/>
           </a:p>
         </p:txBody>
       </p:sp>
     </p:spTree>
     <p:extLst>
       <p:ext uri="{BB962C8B-B14F-4D97-AF65-F5344CB8AC3E}">
-        <p14:creationId xmlns:p14="http://schemas.microsoft.com/office/powerpoint/2010/main" val="3662915732"/>
+        <p14:creationId xmlns:p14="http://schemas.microsoft.com/office/powerpoint/2010/main" val="1834144391"/>
       </p:ext>
     </p:extLst>
   </p:cSld>

--- a/courses/apcsp/lect5.pptx
+++ b/courses/apcsp/lect5.pptx
@@ -140,7 +140,7 @@
 <file path=ppt/revisionInfo.xml><?xml version="1.0" encoding="utf-8"?>
 <p1510:revInfo xmlns:a="http://schemas.openxmlformats.org/drawingml/2006/main" xmlns:r="http://schemas.openxmlformats.org/officeDocument/2006/relationships" xmlns:p1510="http://schemas.microsoft.com/office/powerpoint/2015/10/main">
   <p1510:revLst>
-    <p1510:client id="{9799AFC9-BCC1-A047-B695-0A8B229AD33C}" v="407" dt="2020-11-01T18:40:39.463"/>
+    <p1510:client id="{9799AFC9-BCC1-A047-B695-0A8B229AD33C}" v="416" dt="2020-11-02T17:25:04.389"/>
   </p1510:revLst>
 </p1510:revInfo>
 </file>
@@ -916,7 +916,7 @@
   <pc:docChgLst>
     <pc:chgData name="Long B Nguyen" userId="f59fb8f3-a021-417a-8bc1-65c8d471c621" providerId="ADAL" clId="{9799AFC9-BCC1-A047-B695-0A8B229AD33C}"/>
     <pc:docChg chg="custSel addSld delSld modSld">
-      <pc:chgData name="Long B Nguyen" userId="f59fb8f3-a021-417a-8bc1-65c8d471c621" providerId="ADAL" clId="{9799AFC9-BCC1-A047-B695-0A8B229AD33C}" dt="2020-11-01T18:40:42.493" v="1340" actId="20577"/>
+      <pc:chgData name="Long B Nguyen" userId="f59fb8f3-a021-417a-8bc1-65c8d471c621" providerId="ADAL" clId="{9799AFC9-BCC1-A047-B695-0A8B229AD33C}" dt="2020-11-02T17:25:04.388" v="1391"/>
       <pc:docMkLst>
         <pc:docMk/>
       </pc:docMkLst>
@@ -932,6 +932,21 @@
             <pc:docMk/>
             <pc:sldMk cId="1872435103" sldId="309"/>
             <ac:spMk id="3" creationId="{DC451C8B-97F6-454D-8175-CD0C462539E3}"/>
+          </ac:spMkLst>
+        </pc:spChg>
+      </pc:sldChg>
+      <pc:sldChg chg="modSp mod">
+        <pc:chgData name="Long B Nguyen" userId="f59fb8f3-a021-417a-8bc1-65c8d471c621" providerId="ADAL" clId="{9799AFC9-BCC1-A047-B695-0A8B229AD33C}" dt="2020-11-02T14:42:44.133" v="1382" actId="20577"/>
+        <pc:sldMkLst>
+          <pc:docMk/>
+          <pc:sldMk cId="4088965571" sldId="310"/>
+        </pc:sldMkLst>
+        <pc:spChg chg="mod">
+          <ac:chgData name="Long B Nguyen" userId="f59fb8f3-a021-417a-8bc1-65c8d471c621" providerId="ADAL" clId="{9799AFC9-BCC1-A047-B695-0A8B229AD33C}" dt="2020-11-02T14:42:44.133" v="1382" actId="20577"/>
+          <ac:spMkLst>
+            <pc:docMk/>
+            <pc:sldMk cId="4088965571" sldId="310"/>
+            <ac:spMk id="9" creationId="{E3B2E017-30B2-884B-A113-B419A2ED51AD}"/>
           </ac:spMkLst>
         </pc:spChg>
       </pc:sldChg>
@@ -1126,8 +1141,8 @@
           </ac:spMkLst>
         </pc:spChg>
       </pc:sldChg>
-      <pc:sldChg chg="modSp add mod">
-        <pc:chgData name="Long B Nguyen" userId="f59fb8f3-a021-417a-8bc1-65c8d471c621" providerId="ADAL" clId="{9799AFC9-BCC1-A047-B695-0A8B229AD33C}" dt="2020-10-30T16:13:28.983" v="875" actId="207"/>
+      <pc:sldChg chg="modSp add mod modAnim">
+        <pc:chgData name="Long B Nguyen" userId="f59fb8f3-a021-417a-8bc1-65c8d471c621" providerId="ADAL" clId="{9799AFC9-BCC1-A047-B695-0A8B229AD33C}" dt="2020-11-02T17:25:04.388" v="1391"/>
         <pc:sldMkLst>
           <pc:docMk/>
           <pc:sldMk cId="3010097483" sldId="332"/>
@@ -1308,7 +1323,7 @@
           <a:p>
             <a:fld id="{4AAD347D-5ACD-4C99-B74B-A9C85AD731AF}" type="datetimeFigureOut">
               <a:rPr lang="en-US" smtClean="0"/>
-              <a:t>11/1/20</a:t>
+              <a:t>11/2/20</a:t>
             </a:fld>
             <a:endParaRPr lang="en-US" dirty="0"/>
           </a:p>
@@ -1478,7 +1493,7 @@
           <a:p>
             <a:fld id="{4509A250-FF31-4206-8172-F9D3106AACB1}" type="datetimeFigureOut">
               <a:rPr lang="en-US" smtClean="0"/>
-              <a:t>11/1/20</a:t>
+              <a:t>11/2/20</a:t>
             </a:fld>
             <a:endParaRPr lang="en-US" dirty="0"/>
           </a:p>
@@ -1658,7 +1673,7 @@
           <a:p>
             <a:fld id="{4509A250-FF31-4206-8172-F9D3106AACB1}" type="datetimeFigureOut">
               <a:rPr lang="en-US" smtClean="0"/>
-              <a:t>11/1/20</a:t>
+              <a:t>11/2/20</a:t>
             </a:fld>
             <a:endParaRPr lang="en-US" dirty="0"/>
           </a:p>
@@ -1828,7 +1843,7 @@
           <a:p>
             <a:fld id="{4509A250-FF31-4206-8172-F9D3106AACB1}" type="datetimeFigureOut">
               <a:rPr lang="en-US" smtClean="0"/>
-              <a:t>11/1/20</a:t>
+              <a:t>11/2/20</a:t>
             </a:fld>
             <a:endParaRPr lang="en-US" dirty="0"/>
           </a:p>
@@ -2074,7 +2089,7 @@
           <a:p>
             <a:fld id="{9796027F-7875-4030-9381-8BD8C4F21935}" type="datetimeFigureOut">
               <a:rPr lang="en-US" smtClean="0"/>
-              <a:t>11/1/20</a:t>
+              <a:t>11/2/20</a:t>
             </a:fld>
             <a:endParaRPr lang="en-US" dirty="0"/>
           </a:p>
@@ -2306,7 +2321,7 @@
           <a:p>
             <a:fld id="{9796027F-7875-4030-9381-8BD8C4F21935}" type="datetimeFigureOut">
               <a:rPr lang="en-US" smtClean="0"/>
-              <a:t>11/1/20</a:t>
+              <a:t>11/2/20</a:t>
             </a:fld>
             <a:endParaRPr lang="en-US" dirty="0"/>
           </a:p>
@@ -2673,7 +2688,7 @@
           <a:p>
             <a:fld id="{9796027F-7875-4030-9381-8BD8C4F21935}" type="datetimeFigureOut">
               <a:rPr lang="en-US" smtClean="0"/>
-              <a:t>11/1/20</a:t>
+              <a:t>11/2/20</a:t>
             </a:fld>
             <a:endParaRPr lang="en-US" dirty="0"/>
           </a:p>
@@ -2791,7 +2806,7 @@
           <a:p>
             <a:fld id="{4509A250-FF31-4206-8172-F9D3106AACB1}" type="datetimeFigureOut">
               <a:rPr lang="en-US" smtClean="0"/>
-              <a:t>11/1/20</a:t>
+              <a:t>11/2/20</a:t>
             </a:fld>
             <a:endParaRPr lang="en-US" dirty="0"/>
           </a:p>
@@ -2886,7 +2901,7 @@
           <a:p>
             <a:fld id="{4509A250-FF31-4206-8172-F9D3106AACB1}" type="datetimeFigureOut">
               <a:rPr lang="en-US" smtClean="0"/>
-              <a:t>11/1/20</a:t>
+              <a:t>11/2/20</a:t>
             </a:fld>
             <a:endParaRPr lang="en-US" dirty="0"/>
           </a:p>
@@ -3163,7 +3178,7 @@
           <a:p>
             <a:fld id="{4509A250-FF31-4206-8172-F9D3106AACB1}" type="datetimeFigureOut">
               <a:rPr lang="en-US" smtClean="0"/>
-              <a:t>11/1/20</a:t>
+              <a:t>11/2/20</a:t>
             </a:fld>
             <a:endParaRPr lang="en-US" dirty="0"/>
           </a:p>
@@ -3420,7 +3435,7 @@
           <a:p>
             <a:fld id="{4509A250-FF31-4206-8172-F9D3106AACB1}" type="datetimeFigureOut">
               <a:rPr lang="en-US" smtClean="0"/>
-              <a:t>11/1/20</a:t>
+              <a:t>11/2/20</a:t>
             </a:fld>
             <a:endParaRPr lang="en-US" dirty="0"/>
           </a:p>
@@ -3633,7 +3648,7 @@
           <a:p>
             <a:fld id="{4AAD347D-5ACD-4C99-B74B-A9C85AD731AF}" type="datetimeFigureOut">
               <a:rPr lang="en-US" smtClean="0"/>
-              <a:t>11/1/20</a:t>
+              <a:t>11/2/20</a:t>
             </a:fld>
             <a:endParaRPr lang="en-US" dirty="0"/>
           </a:p>
@@ -7165,6 +7180,17 @@
             </a:r>
           </a:p>
           <a:p>
+            <a:pPr marL="457200" indent="-457200">
+              <a:buAutoNum type="arabicParenR"/>
+            </a:pPr>
+            <a:r>
+              <a:rPr lang="en-US" dirty="0">
+                <a:latin typeface="Gill Sans MT" panose="020B0502020104020203" pitchFamily="34" charset="77"/>
+              </a:rPr>
+              <a:t>otherwise, just add the number.</a:t>
+            </a:r>
+          </a:p>
+          <a:p>
             <a:pPr marL="0" indent="0">
               <a:buNone/>
             </a:pPr>
@@ -8512,6 +8538,361 @@
   <p:clrMapOvr>
     <a:masterClrMapping/>
   </p:clrMapOvr>
+  <p:timing>
+    <p:tnLst>
+      <p:par>
+        <p:cTn id="1" dur="indefinite" restart="never" nodeType="tmRoot">
+          <p:childTnLst>
+            <p:seq concurrent="1" nextAc="seek">
+              <p:cTn id="2" dur="indefinite" nodeType="mainSeq">
+                <p:childTnLst>
+                  <p:par>
+                    <p:cTn id="3" fill="hold">
+                      <p:stCondLst>
+                        <p:cond delay="indefinite"/>
+                      </p:stCondLst>
+                      <p:childTnLst>
+                        <p:par>
+                          <p:cTn id="4" fill="hold">
+                            <p:stCondLst>
+                              <p:cond delay="0"/>
+                            </p:stCondLst>
+                            <p:childTnLst>
+                              <p:par>
+                                <p:cTn id="5" presetID="1" presetClass="entr" presetSubtype="0" fill="hold" nodeType="clickEffect">
+                                  <p:stCondLst>
+                                    <p:cond delay="0"/>
+                                  </p:stCondLst>
+                                  <p:childTnLst>
+                                    <p:set>
+                                      <p:cBhvr>
+                                        <p:cTn id="6" dur="1" fill="hold">
+                                          <p:stCondLst>
+                                            <p:cond delay="0"/>
+                                          </p:stCondLst>
+                                        </p:cTn>
+                                        <p:tgtEl>
+                                          <p:spTgt spid="9">
+                                            <p:txEl>
+                                              <p:pRg st="3" end="3"/>
+                                            </p:txEl>
+                                          </p:spTgt>
+                                        </p:tgtEl>
+                                        <p:attrNameLst>
+                                          <p:attrName>style.visibility</p:attrName>
+                                        </p:attrNameLst>
+                                      </p:cBhvr>
+                                      <p:to>
+                                        <p:strVal val="visible"/>
+                                      </p:to>
+                                    </p:set>
+                                  </p:childTnLst>
+                                </p:cTn>
+                              </p:par>
+                            </p:childTnLst>
+                          </p:cTn>
+                        </p:par>
+                      </p:childTnLst>
+                    </p:cTn>
+                  </p:par>
+                  <p:par>
+                    <p:cTn id="7" fill="hold">
+                      <p:stCondLst>
+                        <p:cond delay="indefinite"/>
+                      </p:stCondLst>
+                      <p:childTnLst>
+                        <p:par>
+                          <p:cTn id="8" fill="hold">
+                            <p:stCondLst>
+                              <p:cond delay="0"/>
+                            </p:stCondLst>
+                            <p:childTnLst>
+                              <p:par>
+                                <p:cTn id="9" presetID="1" presetClass="entr" presetSubtype="0" fill="hold" nodeType="clickEffect">
+                                  <p:stCondLst>
+                                    <p:cond delay="0"/>
+                                  </p:stCondLst>
+                                  <p:childTnLst>
+                                    <p:set>
+                                      <p:cBhvr>
+                                        <p:cTn id="10" dur="1" fill="hold">
+                                          <p:stCondLst>
+                                            <p:cond delay="0"/>
+                                          </p:stCondLst>
+                                        </p:cTn>
+                                        <p:tgtEl>
+                                          <p:spTgt spid="9">
+                                            <p:txEl>
+                                              <p:pRg st="4" end="4"/>
+                                            </p:txEl>
+                                          </p:spTgt>
+                                        </p:tgtEl>
+                                        <p:attrNameLst>
+                                          <p:attrName>style.visibility</p:attrName>
+                                        </p:attrNameLst>
+                                      </p:cBhvr>
+                                      <p:to>
+                                        <p:strVal val="visible"/>
+                                      </p:to>
+                                    </p:set>
+                                  </p:childTnLst>
+                                </p:cTn>
+                              </p:par>
+                            </p:childTnLst>
+                          </p:cTn>
+                        </p:par>
+                      </p:childTnLst>
+                    </p:cTn>
+                  </p:par>
+                  <p:par>
+                    <p:cTn id="11" fill="hold">
+                      <p:stCondLst>
+                        <p:cond delay="indefinite"/>
+                      </p:stCondLst>
+                      <p:childTnLst>
+                        <p:par>
+                          <p:cTn id="12" fill="hold">
+                            <p:stCondLst>
+                              <p:cond delay="0"/>
+                            </p:stCondLst>
+                            <p:childTnLst>
+                              <p:par>
+                                <p:cTn id="13" presetID="1" presetClass="entr" presetSubtype="0" fill="hold" nodeType="clickEffect">
+                                  <p:stCondLst>
+                                    <p:cond delay="0"/>
+                                  </p:stCondLst>
+                                  <p:childTnLst>
+                                    <p:set>
+                                      <p:cBhvr>
+                                        <p:cTn id="14" dur="1" fill="hold">
+                                          <p:stCondLst>
+                                            <p:cond delay="0"/>
+                                          </p:stCondLst>
+                                        </p:cTn>
+                                        <p:tgtEl>
+                                          <p:spTgt spid="9">
+                                            <p:txEl>
+                                              <p:pRg st="4" end="4"/>
+                                            </p:txEl>
+                                          </p:spTgt>
+                                        </p:tgtEl>
+                                        <p:attrNameLst>
+                                          <p:attrName>style.visibility</p:attrName>
+                                        </p:attrNameLst>
+                                      </p:cBhvr>
+                                      <p:to>
+                                        <p:strVal val="visible"/>
+                                      </p:to>
+                                    </p:set>
+                                  </p:childTnLst>
+                                </p:cTn>
+                              </p:par>
+                            </p:childTnLst>
+                          </p:cTn>
+                        </p:par>
+                      </p:childTnLst>
+                    </p:cTn>
+                  </p:par>
+                  <p:par>
+                    <p:cTn id="15" fill="hold">
+                      <p:stCondLst>
+                        <p:cond delay="indefinite"/>
+                      </p:stCondLst>
+                      <p:childTnLst>
+                        <p:par>
+                          <p:cTn id="16" fill="hold">
+                            <p:stCondLst>
+                              <p:cond delay="0"/>
+                            </p:stCondLst>
+                            <p:childTnLst>
+                              <p:par>
+                                <p:cTn id="17" presetID="1" presetClass="entr" presetSubtype="0" fill="hold" nodeType="clickEffect">
+                                  <p:stCondLst>
+                                    <p:cond delay="0"/>
+                                  </p:stCondLst>
+                                  <p:childTnLst>
+                                    <p:set>
+                                      <p:cBhvr>
+                                        <p:cTn id="18" dur="1" fill="hold">
+                                          <p:stCondLst>
+                                            <p:cond delay="0"/>
+                                          </p:stCondLst>
+                                        </p:cTn>
+                                        <p:tgtEl>
+                                          <p:spTgt spid="9">
+                                            <p:txEl>
+                                              <p:pRg st="5" end="5"/>
+                                            </p:txEl>
+                                          </p:spTgt>
+                                        </p:tgtEl>
+                                        <p:attrNameLst>
+                                          <p:attrName>style.visibility</p:attrName>
+                                        </p:attrNameLst>
+                                      </p:cBhvr>
+                                      <p:to>
+                                        <p:strVal val="visible"/>
+                                      </p:to>
+                                    </p:set>
+                                  </p:childTnLst>
+                                </p:cTn>
+                              </p:par>
+                            </p:childTnLst>
+                          </p:cTn>
+                        </p:par>
+                      </p:childTnLst>
+                    </p:cTn>
+                  </p:par>
+                  <p:par>
+                    <p:cTn id="19" fill="hold">
+                      <p:stCondLst>
+                        <p:cond delay="indefinite"/>
+                      </p:stCondLst>
+                      <p:childTnLst>
+                        <p:par>
+                          <p:cTn id="20" fill="hold">
+                            <p:stCondLst>
+                              <p:cond delay="0"/>
+                            </p:stCondLst>
+                            <p:childTnLst>
+                              <p:par>
+                                <p:cTn id="21" presetID="1" presetClass="entr" presetSubtype="0" fill="hold" nodeType="clickEffect">
+                                  <p:stCondLst>
+                                    <p:cond delay="0"/>
+                                  </p:stCondLst>
+                                  <p:childTnLst>
+                                    <p:set>
+                                      <p:cBhvr>
+                                        <p:cTn id="22" dur="1" fill="hold">
+                                          <p:stCondLst>
+                                            <p:cond delay="0"/>
+                                          </p:stCondLst>
+                                        </p:cTn>
+                                        <p:tgtEl>
+                                          <p:spTgt spid="9">
+                                            <p:txEl>
+                                              <p:pRg st="6" end="6"/>
+                                            </p:txEl>
+                                          </p:spTgt>
+                                        </p:tgtEl>
+                                        <p:attrNameLst>
+                                          <p:attrName>style.visibility</p:attrName>
+                                        </p:attrNameLst>
+                                      </p:cBhvr>
+                                      <p:to>
+                                        <p:strVal val="visible"/>
+                                      </p:to>
+                                    </p:set>
+                                  </p:childTnLst>
+                                </p:cTn>
+                              </p:par>
+                            </p:childTnLst>
+                          </p:cTn>
+                        </p:par>
+                      </p:childTnLst>
+                    </p:cTn>
+                  </p:par>
+                  <p:par>
+                    <p:cTn id="23" fill="hold">
+                      <p:stCondLst>
+                        <p:cond delay="indefinite"/>
+                      </p:stCondLst>
+                      <p:childTnLst>
+                        <p:par>
+                          <p:cTn id="24" fill="hold">
+                            <p:stCondLst>
+                              <p:cond delay="0"/>
+                            </p:stCondLst>
+                            <p:childTnLst>
+                              <p:par>
+                                <p:cTn id="25" presetID="1" presetClass="entr" presetSubtype="0" fill="hold" nodeType="clickEffect">
+                                  <p:stCondLst>
+                                    <p:cond delay="0"/>
+                                  </p:stCondLst>
+                                  <p:childTnLst>
+                                    <p:set>
+                                      <p:cBhvr>
+                                        <p:cTn id="26" dur="1" fill="hold">
+                                          <p:stCondLst>
+                                            <p:cond delay="0"/>
+                                          </p:stCondLst>
+                                        </p:cTn>
+                                        <p:tgtEl>
+                                          <p:spTgt spid="9">
+                                            <p:txEl>
+                                              <p:pRg st="7" end="7"/>
+                                            </p:txEl>
+                                          </p:spTgt>
+                                        </p:tgtEl>
+                                        <p:attrNameLst>
+                                          <p:attrName>style.visibility</p:attrName>
+                                        </p:attrNameLst>
+                                      </p:cBhvr>
+                                      <p:to>
+                                        <p:strVal val="visible"/>
+                                      </p:to>
+                                    </p:set>
+                                  </p:childTnLst>
+                                </p:cTn>
+                              </p:par>
+                              <p:par>
+                                <p:cTn id="27" presetID="1" presetClass="entr" presetSubtype="0" fill="hold" nodeType="withEffect">
+                                  <p:stCondLst>
+                                    <p:cond delay="0"/>
+                                  </p:stCondLst>
+                                  <p:childTnLst>
+                                    <p:set>
+                                      <p:cBhvr>
+                                        <p:cTn id="28" dur="1" fill="hold">
+                                          <p:stCondLst>
+                                            <p:cond delay="0"/>
+                                          </p:stCondLst>
+                                        </p:cTn>
+                                        <p:tgtEl>
+                                          <p:spTgt spid="9">
+                                            <p:txEl>
+                                              <p:pRg st="8" end="8"/>
+                                            </p:txEl>
+                                          </p:spTgt>
+                                        </p:tgtEl>
+                                        <p:attrNameLst>
+                                          <p:attrName>style.visibility</p:attrName>
+                                        </p:attrNameLst>
+                                      </p:cBhvr>
+                                      <p:to>
+                                        <p:strVal val="visible"/>
+                                      </p:to>
+                                    </p:set>
+                                  </p:childTnLst>
+                                </p:cTn>
+                              </p:par>
+                            </p:childTnLst>
+                          </p:cTn>
+                        </p:par>
+                      </p:childTnLst>
+                    </p:cTn>
+                  </p:par>
+                </p:childTnLst>
+              </p:cTn>
+              <p:prevCondLst>
+                <p:cond evt="onPrev" delay="0">
+                  <p:tgtEl>
+                    <p:sldTgt/>
+                  </p:tgtEl>
+                </p:cond>
+              </p:prevCondLst>
+              <p:nextCondLst>
+                <p:cond evt="onNext" delay="0">
+                  <p:tgtEl>
+                    <p:sldTgt/>
+                  </p:tgtEl>
+                </p:cond>
+              </p:nextCondLst>
+            </p:seq>
+          </p:childTnLst>
+        </p:cTn>
+      </p:par>
+    </p:tnLst>
+  </p:timing>
 </p:sld>
 </file>
 

--- a/courses/apcsp/lect5.pptx
+++ b/courses/apcsp/lect5.pptx
@@ -134,8 +134,7 @@
 <file path=ppt/revisionInfo.xml><?xml version="1.0" encoding="utf-8"?>
 <p1510:revInfo xmlns:a="http://schemas.openxmlformats.org/drawingml/2006/main" xmlns:r="http://schemas.openxmlformats.org/officeDocument/2006/relationships" xmlns:p1510="http://schemas.microsoft.com/office/powerpoint/2015/10/main">
   <p1510:revLst>
-    <p1510:client id="{54A900EB-5546-4D4C-9BA6-EB71907FE5D3}" v="569" dt="2021-06-04T17:44:03.503"/>
-    <p1510:client id="{E2659998-345F-2A42-B467-55E59999979A}" v="45" dt="2021-06-04T16:34:14.733"/>
+    <p1510:client id="{E2659998-345F-2A42-B467-55E59999979A}" v="53" dt="2021-06-14T22:06:26.207"/>
   </p1510:revLst>
 </p1510:revInfo>
 </file>
@@ -1269,7 +1268,7 @@
   <pc:docChgLst>
     <pc:chgData name="Long B Nguyen" userId="f59fb8f3-a021-417a-8bc1-65c8d471c621" providerId="ADAL" clId="{E2659998-345F-2A42-B467-55E59999979A}"/>
     <pc:docChg chg="delSld modSld">
-      <pc:chgData name="Long B Nguyen" userId="f59fb8f3-a021-417a-8bc1-65c8d471c621" providerId="ADAL" clId="{E2659998-345F-2A42-B467-55E59999979A}" dt="2021-06-04T16:35:20.495" v="55" actId="2696"/>
+      <pc:chgData name="Long B Nguyen" userId="f59fb8f3-a021-417a-8bc1-65c8d471c621" providerId="ADAL" clId="{E2659998-345F-2A42-B467-55E59999979A}" dt="2021-06-14T22:06:26.206" v="63" actId="20577"/>
       <pc:docMkLst>
         <pc:docMk/>
       </pc:docMkLst>
@@ -1323,6 +1322,21 @@
           <ac:spMkLst>
             <pc:docMk/>
             <pc:sldMk cId="553003360" sldId="296"/>
+            <ac:spMk id="9" creationId="{E3B2E017-30B2-884B-A113-B419A2ED51AD}"/>
+          </ac:spMkLst>
+        </pc:spChg>
+      </pc:sldChg>
+      <pc:sldChg chg="modSp">
+        <pc:chgData name="Long B Nguyen" userId="f59fb8f3-a021-417a-8bc1-65c8d471c621" providerId="ADAL" clId="{E2659998-345F-2A42-B467-55E59999979A}" dt="2021-06-14T22:06:26.206" v="63" actId="20577"/>
+        <pc:sldMkLst>
+          <pc:docMk/>
+          <pc:sldMk cId="3006175481" sldId="297"/>
+        </pc:sldMkLst>
+        <pc:spChg chg="mod">
+          <ac:chgData name="Long B Nguyen" userId="f59fb8f3-a021-417a-8bc1-65c8d471c621" providerId="ADAL" clId="{E2659998-345F-2A42-B467-55E59999979A}" dt="2021-06-14T22:06:26.206" v="63" actId="20577"/>
+          <ac:spMkLst>
+            <pc:docMk/>
+            <pc:sldMk cId="3006175481" sldId="297"/>
             <ac:spMk id="9" creationId="{E3B2E017-30B2-884B-A113-B419A2ED51AD}"/>
           </ac:spMkLst>
         </pc:spChg>
@@ -1793,7 +1807,7 @@
           <a:p>
             <a:fld id="{4AAD347D-5ACD-4C99-B74B-A9C85AD731AF}" type="datetimeFigureOut">
               <a:rPr lang="en-US" smtClean="0"/>
-              <a:t>6/4/21</a:t>
+              <a:t>6/14/21</a:t>
             </a:fld>
             <a:endParaRPr lang="en-US" dirty="0"/>
           </a:p>
@@ -1963,7 +1977,7 @@
           <a:p>
             <a:fld id="{4509A250-FF31-4206-8172-F9D3106AACB1}" type="datetimeFigureOut">
               <a:rPr lang="en-US" smtClean="0"/>
-              <a:t>6/4/21</a:t>
+              <a:t>6/14/21</a:t>
             </a:fld>
             <a:endParaRPr lang="en-US" dirty="0"/>
           </a:p>
@@ -2143,7 +2157,7 @@
           <a:p>
             <a:fld id="{4509A250-FF31-4206-8172-F9D3106AACB1}" type="datetimeFigureOut">
               <a:rPr lang="en-US" smtClean="0"/>
-              <a:t>6/4/21</a:t>
+              <a:t>6/14/21</a:t>
             </a:fld>
             <a:endParaRPr lang="en-US" dirty="0"/>
           </a:p>
@@ -2313,7 +2327,7 @@
           <a:p>
             <a:fld id="{4509A250-FF31-4206-8172-F9D3106AACB1}" type="datetimeFigureOut">
               <a:rPr lang="en-US" smtClean="0"/>
-              <a:t>6/4/21</a:t>
+              <a:t>6/14/21</a:t>
             </a:fld>
             <a:endParaRPr lang="en-US" dirty="0"/>
           </a:p>
@@ -2559,7 +2573,7 @@
           <a:p>
             <a:fld id="{9796027F-7875-4030-9381-8BD8C4F21935}" type="datetimeFigureOut">
               <a:rPr lang="en-US" smtClean="0"/>
-              <a:t>6/4/21</a:t>
+              <a:t>6/14/21</a:t>
             </a:fld>
             <a:endParaRPr lang="en-US" dirty="0"/>
           </a:p>
@@ -2791,7 +2805,7 @@
           <a:p>
             <a:fld id="{9796027F-7875-4030-9381-8BD8C4F21935}" type="datetimeFigureOut">
               <a:rPr lang="en-US" smtClean="0"/>
-              <a:t>6/4/21</a:t>
+              <a:t>6/14/21</a:t>
             </a:fld>
             <a:endParaRPr lang="en-US" dirty="0"/>
           </a:p>
@@ -3158,7 +3172,7 @@
           <a:p>
             <a:fld id="{9796027F-7875-4030-9381-8BD8C4F21935}" type="datetimeFigureOut">
               <a:rPr lang="en-US" smtClean="0"/>
-              <a:t>6/4/21</a:t>
+              <a:t>6/14/21</a:t>
             </a:fld>
             <a:endParaRPr lang="en-US" dirty="0"/>
           </a:p>
@@ -3276,7 +3290,7 @@
           <a:p>
             <a:fld id="{4509A250-FF31-4206-8172-F9D3106AACB1}" type="datetimeFigureOut">
               <a:rPr lang="en-US" smtClean="0"/>
-              <a:t>6/4/21</a:t>
+              <a:t>6/14/21</a:t>
             </a:fld>
             <a:endParaRPr lang="en-US" dirty="0"/>
           </a:p>
@@ -3371,7 +3385,7 @@
           <a:p>
             <a:fld id="{4509A250-FF31-4206-8172-F9D3106AACB1}" type="datetimeFigureOut">
               <a:rPr lang="en-US" smtClean="0"/>
-              <a:t>6/4/21</a:t>
+              <a:t>6/14/21</a:t>
             </a:fld>
             <a:endParaRPr lang="en-US" dirty="0"/>
           </a:p>
@@ -3648,7 +3662,7 @@
           <a:p>
             <a:fld id="{4509A250-FF31-4206-8172-F9D3106AACB1}" type="datetimeFigureOut">
               <a:rPr lang="en-US" smtClean="0"/>
-              <a:t>6/4/21</a:t>
+              <a:t>6/14/21</a:t>
             </a:fld>
             <a:endParaRPr lang="en-US" dirty="0"/>
           </a:p>
@@ -3905,7 +3919,7 @@
           <a:p>
             <a:fld id="{4509A250-FF31-4206-8172-F9D3106AACB1}" type="datetimeFigureOut">
               <a:rPr lang="en-US" smtClean="0"/>
-              <a:t>6/4/21</a:t>
+              <a:t>6/14/21</a:t>
             </a:fld>
             <a:endParaRPr lang="en-US" dirty="0"/>
           </a:p>
@@ -4118,7 +4132,7 @@
           <a:p>
             <a:fld id="{4AAD347D-5ACD-4C99-B74B-A9C85AD731AF}" type="datetimeFigureOut">
               <a:rPr lang="en-US" smtClean="0"/>
-              <a:t>6/4/21</a:t>
+              <a:t>6/14/21</a:t>
             </a:fld>
             <a:endParaRPr lang="en-US" dirty="0"/>
           </a:p>
@@ -9263,8 +9277,8 @@
           </a:p>
         </p:txBody>
       </p:sp>
-      <mc:AlternateContent xmlns:mc="http://schemas.openxmlformats.org/markup-compatibility/2006">
-        <mc:Choice xmlns:a14="http://schemas.microsoft.com/office/drawing/2010/main" Requires="a14">
+      <mc:AlternateContent xmlns:mc="http://schemas.openxmlformats.org/markup-compatibility/2006" xmlns:a14="http://schemas.microsoft.com/office/drawing/2010/main">
+        <mc:Choice Requires="a14">
           <p:sp>
             <p:nvSpPr>
               <p:cNvPr id="9" name="Content Placeholder 8">
@@ -9595,7 +9609,7 @@
             </p:txBody>
           </p:sp>
         </mc:Choice>
-        <mc:Fallback>
+        <mc:Fallback xmlns="">
           <p:sp>
             <p:nvSpPr>
               <p:cNvPr id="9" name="Content Placeholder 8">
@@ -12527,17 +12541,50 @@
             <a:r>
               <a:rPr lang="en-US" b="1" dirty="0">
                 <a:solidFill>
+                  <a:srgbClr val="006699"/>
+                </a:solidFill>
+                <a:latin typeface="Inconsolata" panose="020B0609030003000000" pitchFamily="49" charset="77"/>
+              </a:rPr>
+              <a:t>for </a:t>
+            </a:r>
+            <a:r>
+              <a:rPr lang="en-US" b="1" dirty="0" err="1">
+                <a:solidFill>
                   <a:srgbClr val="000087"/>
                 </a:solidFill>
                 <a:latin typeface="Inconsolata" panose="020B0609030003000000" pitchFamily="49" charset="77"/>
               </a:rPr>
-              <a:t>In</a:t>
-            </a:r>
-            <a:r>
-              <a:rPr lang="en-US" b="1" dirty="0">
-                <a:latin typeface="Inconsolata" panose="020B0609030003000000" pitchFamily="49" charset="77"/>
-              </a:rPr>
-              <a:t>[</a:t>
+              <a:t>i</a:t>
+            </a:r>
+            <a:r>
+              <a:rPr lang="en-US" b="1" dirty="0">
+                <a:solidFill>
+                  <a:srgbClr val="000087"/>
+                </a:solidFill>
+                <a:latin typeface="Inconsolata" panose="020B0609030003000000" pitchFamily="49" charset="77"/>
+              </a:rPr>
+              <a:t> </a:t>
+            </a:r>
+            <a:r>
+              <a:rPr lang="en-US" b="1" dirty="0">
+                <a:latin typeface="Inconsolata" panose="020B0609030003000000" pitchFamily="49" charset="77"/>
+              </a:rPr>
+              <a:t>in </a:t>
+            </a:r>
+            <a:r>
+              <a:rPr lang="en-US" b="1" dirty="0">
+                <a:solidFill>
+                  <a:srgbClr val="336666"/>
+                </a:solidFill>
+                <a:latin typeface="Inconsolata" panose="020B0609030003000000" pitchFamily="49" charset="77"/>
+              </a:rPr>
+              <a:t>range</a:t>
+            </a:r>
+            <a:r>
+              <a:rPr lang="en-US" b="1" dirty="0">
+                <a:latin typeface="Inconsolata" panose="020B0609030003000000" pitchFamily="49" charset="77"/>
+              </a:rPr>
+              <a:t>(</a:t>
             </a:r>
             <a:r>
               <a:rPr lang="en-US" b="1" dirty="0">
@@ -12552,99 +12599,36 @@
               <a:rPr lang="en-US" b="1" dirty="0">
                 <a:latin typeface="Inconsolata" panose="020B0609030003000000" pitchFamily="49" charset="77"/>
               </a:rPr>
-              <a:t>]: </a:t>
-            </a:r>
-            <a:r>
-              <a:rPr lang="en-US" b="1" dirty="0">
+              <a:t>, </a:t>
+            </a:r>
+            <a:r>
+              <a:rPr lang="en-US" b="1" dirty="0">
+                <a:solidFill>
+                  <a:srgbClr val="FF6600"/>
+                </a:solidFill>
+                <a:latin typeface="Inconsolata" panose="020B0609030003000000" pitchFamily="49" charset="77"/>
+              </a:rPr>
+              <a:t>8</a:t>
+            </a:r>
+            <a:r>
+              <a:rPr lang="en-US" b="1" dirty="0">
+                <a:latin typeface="Inconsolata" panose="020B0609030003000000" pitchFamily="49" charset="77"/>
+              </a:rPr>
+              <a:t>): </a:t>
+            </a:r>
+          </a:p>
+          <a:p>
+            <a:pPr marL="0" indent="0">
+              <a:buNone/>
+            </a:pPr>
+            <a:r>
+              <a:rPr lang="en-US" b="1">
                 <a:solidFill>
                   <a:srgbClr val="006699"/>
                 </a:solidFill>
                 <a:latin typeface="Inconsolata" panose="020B0609030003000000" pitchFamily="49" charset="77"/>
               </a:rPr>
-              <a:t>for </a:t>
-            </a:r>
-            <a:r>
-              <a:rPr lang="en-US" b="1" dirty="0" err="1">
-                <a:solidFill>
-                  <a:srgbClr val="000087"/>
-                </a:solidFill>
-                <a:latin typeface="Inconsolata" panose="020B0609030003000000" pitchFamily="49" charset="77"/>
-              </a:rPr>
-              <a:t>i</a:t>
-            </a:r>
-            <a:r>
-              <a:rPr lang="en-US" b="1" dirty="0">
-                <a:solidFill>
-                  <a:srgbClr val="000087"/>
-                </a:solidFill>
-                <a:latin typeface="Inconsolata" panose="020B0609030003000000" pitchFamily="49" charset="77"/>
-              </a:rPr>
-              <a:t> </a:t>
-            </a:r>
-            <a:r>
-              <a:rPr lang="en-US" b="1" dirty="0">
-                <a:latin typeface="Inconsolata" panose="020B0609030003000000" pitchFamily="49" charset="77"/>
-              </a:rPr>
-              <a:t>in </a:t>
-            </a:r>
-            <a:r>
-              <a:rPr lang="en-US" b="1" dirty="0">
-                <a:solidFill>
-                  <a:srgbClr val="336666"/>
-                </a:solidFill>
-                <a:latin typeface="Inconsolata" panose="020B0609030003000000" pitchFamily="49" charset="77"/>
-              </a:rPr>
-              <a:t>range</a:t>
-            </a:r>
-            <a:r>
-              <a:rPr lang="en-US" b="1" dirty="0">
-                <a:latin typeface="Inconsolata" panose="020B0609030003000000" pitchFamily="49" charset="77"/>
-              </a:rPr>
-              <a:t>(</a:t>
-            </a:r>
-            <a:r>
-              <a:rPr lang="en-US" b="1" dirty="0">
-                <a:solidFill>
-                  <a:srgbClr val="FF6600"/>
-                </a:solidFill>
-                <a:latin typeface="Inconsolata" panose="020B0609030003000000" pitchFamily="49" charset="77"/>
-              </a:rPr>
-              <a:t>2</a:t>
-            </a:r>
-            <a:r>
-              <a:rPr lang="en-US" b="1" dirty="0">
-                <a:latin typeface="Inconsolata" panose="020B0609030003000000" pitchFamily="49" charset="77"/>
-              </a:rPr>
-              <a:t>, </a:t>
-            </a:r>
-            <a:r>
-              <a:rPr lang="en-US" b="1" dirty="0">
-                <a:solidFill>
-                  <a:srgbClr val="FF6600"/>
-                </a:solidFill>
-                <a:latin typeface="Inconsolata" panose="020B0609030003000000" pitchFamily="49" charset="77"/>
-              </a:rPr>
-              <a:t>8</a:t>
-            </a:r>
-            <a:r>
-              <a:rPr lang="en-US" b="1" dirty="0">
-                <a:latin typeface="Inconsolata" panose="020B0609030003000000" pitchFamily="49" charset="77"/>
-              </a:rPr>
-              <a:t>): </a:t>
-            </a:r>
-          </a:p>
-          <a:p>
-            <a:pPr marL="0" indent="0">
-              <a:buNone/>
-            </a:pPr>
-            <a:r>
-              <a:rPr lang="en-US" b="1" dirty="0">
-                <a:solidFill>
-                  <a:srgbClr val="006699"/>
-                </a:solidFill>
-                <a:latin typeface="Inconsolata" panose="020B0609030003000000" pitchFamily="49" charset="77"/>
-              </a:rPr>
-              <a:t>		print</a:t>
+              <a:t>	print</a:t>
             </a:r>
             <a:r>
               <a:rPr lang="en-US" b="1" dirty="0">

--- a/courses/apcsp/lect5.pptx
+++ b/courses/apcsp/lect5.pptx
@@ -134,7 +134,7 @@
 <file path=ppt/revisionInfo.xml><?xml version="1.0" encoding="utf-8"?>
 <p1510:revInfo xmlns:a="http://schemas.openxmlformats.org/drawingml/2006/main" xmlns:r="http://schemas.openxmlformats.org/officeDocument/2006/relationships" xmlns:p1510="http://schemas.microsoft.com/office/powerpoint/2015/10/main">
   <p1510:revLst>
-    <p1510:client id="{E2659998-345F-2A42-B467-55E59999979A}" v="53" dt="2021-06-14T22:06:26.207"/>
+    <p1510:client id="{DC0E4A9C-2901-B345-B38F-5F505964D1F1}" v="248" dt="2021-10-13T15:20:08.161"/>
   </p1510:revLst>
 </p1510:revInfo>
 </file>
@@ -1374,6 +1374,159 @@
     </pc:docChg>
   </pc:docChgLst>
   <pc:docChgLst>
+    <pc:chgData name="Long B Nguyen" userId="f59fb8f3-a021-417a-8bc1-65c8d471c621" providerId="ADAL" clId="{DC0E4A9C-2901-B345-B38F-5F505964D1F1}"/>
+    <pc:docChg chg="modSld">
+      <pc:chgData name="Long B Nguyen" userId="f59fb8f3-a021-417a-8bc1-65c8d471c621" providerId="ADAL" clId="{DC0E4A9C-2901-B345-B38F-5F505964D1F1}" dt="2021-10-13T15:20:08.161" v="325" actId="20577"/>
+      <pc:docMkLst>
+        <pc:docMk/>
+      </pc:docMkLst>
+      <pc:sldChg chg="modSp mod">
+        <pc:chgData name="Long B Nguyen" userId="f59fb8f3-a021-417a-8bc1-65c8d471c621" providerId="ADAL" clId="{DC0E4A9C-2901-B345-B38F-5F505964D1F1}" dt="2021-10-13T15:19:38.163" v="283" actId="20577"/>
+        <pc:sldMkLst>
+          <pc:docMk/>
+          <pc:sldMk cId="4247104139" sldId="256"/>
+        </pc:sldMkLst>
+        <pc:spChg chg="mod">
+          <ac:chgData name="Long B Nguyen" userId="f59fb8f3-a021-417a-8bc1-65c8d471c621" providerId="ADAL" clId="{DC0E4A9C-2901-B345-B38F-5F505964D1F1}" dt="2021-10-13T15:19:38.163" v="283" actId="20577"/>
+          <ac:spMkLst>
+            <pc:docMk/>
+            <pc:sldMk cId="4247104139" sldId="256"/>
+            <ac:spMk id="3" creationId="{1BDC47C8-6776-7B44-9CD4-95FC91452D62}"/>
+          </ac:spMkLst>
+        </pc:spChg>
+      </pc:sldChg>
+      <pc:sldChg chg="modSp mod">
+        <pc:chgData name="Long B Nguyen" userId="f59fb8f3-a021-417a-8bc1-65c8d471c621" providerId="ADAL" clId="{DC0E4A9C-2901-B345-B38F-5F505964D1F1}" dt="2021-10-13T15:19:03.870" v="253" actId="1037"/>
+        <pc:sldMkLst>
+          <pc:docMk/>
+          <pc:sldMk cId="1816941262" sldId="295"/>
+        </pc:sldMkLst>
+        <pc:spChg chg="mod">
+          <ac:chgData name="Long B Nguyen" userId="f59fb8f3-a021-417a-8bc1-65c8d471c621" providerId="ADAL" clId="{DC0E4A9C-2901-B345-B38F-5F505964D1F1}" dt="2021-10-13T15:19:03.870" v="253" actId="1037"/>
+          <ac:spMkLst>
+            <pc:docMk/>
+            <pc:sldMk cId="1816941262" sldId="295"/>
+            <ac:spMk id="3" creationId="{53AD888D-2F6F-BB43-86CA-1A3B376061A2}"/>
+          </ac:spMkLst>
+        </pc:spChg>
+        <pc:spChg chg="mod">
+          <ac:chgData name="Long B Nguyen" userId="f59fb8f3-a021-417a-8bc1-65c8d471c621" providerId="ADAL" clId="{DC0E4A9C-2901-B345-B38F-5F505964D1F1}" dt="2021-10-13T15:18:52.936" v="228" actId="20577"/>
+          <ac:spMkLst>
+            <pc:docMk/>
+            <pc:sldMk cId="1816941262" sldId="295"/>
+            <ac:spMk id="9" creationId="{E3B2E017-30B2-884B-A113-B419A2ED51AD}"/>
+          </ac:spMkLst>
+        </pc:spChg>
+        <pc:cxnChg chg="mod">
+          <ac:chgData name="Long B Nguyen" userId="f59fb8f3-a021-417a-8bc1-65c8d471c621" providerId="ADAL" clId="{DC0E4A9C-2901-B345-B38F-5F505964D1F1}" dt="2021-10-13T15:19:03.870" v="253" actId="1037"/>
+          <ac:cxnSpMkLst>
+            <pc:docMk/>
+            <pc:sldMk cId="1816941262" sldId="295"/>
+            <ac:cxnSpMk id="5" creationId="{0FA56ED4-EC25-B14C-B73E-DC4E17ADBF86}"/>
+          </ac:cxnSpMkLst>
+        </pc:cxnChg>
+      </pc:sldChg>
+      <pc:sldChg chg="addSp modSp mod modAnim">
+        <pc:chgData name="Long B Nguyen" userId="f59fb8f3-a021-417a-8bc1-65c8d471c621" providerId="ADAL" clId="{DC0E4A9C-2901-B345-B38F-5F505964D1F1}" dt="2021-10-13T15:09:57.543" v="159" actId="20577"/>
+        <pc:sldMkLst>
+          <pc:docMk/>
+          <pc:sldMk cId="553003360" sldId="296"/>
+        </pc:sldMkLst>
+        <pc:spChg chg="add mod">
+          <ac:chgData name="Long B Nguyen" userId="f59fb8f3-a021-417a-8bc1-65c8d471c621" providerId="ADAL" clId="{DC0E4A9C-2901-B345-B38F-5F505964D1F1}" dt="2021-10-13T15:09:57.543" v="159" actId="20577"/>
+          <ac:spMkLst>
+            <pc:docMk/>
+            <pc:sldMk cId="553003360" sldId="296"/>
+            <ac:spMk id="4" creationId="{7E1ECE19-F9C4-814B-B8A8-93A56C137579}"/>
+          </ac:spMkLst>
+        </pc:spChg>
+        <pc:spChg chg="mod">
+          <ac:chgData name="Long B Nguyen" userId="f59fb8f3-a021-417a-8bc1-65c8d471c621" providerId="ADAL" clId="{DC0E4A9C-2901-B345-B38F-5F505964D1F1}" dt="2021-10-13T15:08:50.943" v="62" actId="20577"/>
+          <ac:spMkLst>
+            <pc:docMk/>
+            <pc:sldMk cId="553003360" sldId="296"/>
+            <ac:spMk id="9" creationId="{E3B2E017-30B2-884B-A113-B419A2ED51AD}"/>
+          </ac:spMkLst>
+        </pc:spChg>
+        <pc:cxnChg chg="add mod">
+          <ac:chgData name="Long B Nguyen" userId="f59fb8f3-a021-417a-8bc1-65c8d471c621" providerId="ADAL" clId="{DC0E4A9C-2901-B345-B38F-5F505964D1F1}" dt="2021-10-13T15:09:50.131" v="156" actId="14100"/>
+          <ac:cxnSpMkLst>
+            <pc:docMk/>
+            <pc:sldMk cId="553003360" sldId="296"/>
+            <ac:cxnSpMk id="5" creationId="{8B41B422-25FF-A54D-95AA-2800DC540190}"/>
+          </ac:cxnSpMkLst>
+        </pc:cxnChg>
+      </pc:sldChg>
+      <pc:sldChg chg="modSp mod">
+        <pc:chgData name="Long B Nguyen" userId="f59fb8f3-a021-417a-8bc1-65c8d471c621" providerId="ADAL" clId="{DC0E4A9C-2901-B345-B38F-5F505964D1F1}" dt="2021-10-13T15:20:08.161" v="325" actId="20577"/>
+        <pc:sldMkLst>
+          <pc:docMk/>
+          <pc:sldMk cId="1703902501" sldId="305"/>
+        </pc:sldMkLst>
+        <pc:spChg chg="mod">
+          <ac:chgData name="Long B Nguyen" userId="f59fb8f3-a021-417a-8bc1-65c8d471c621" providerId="ADAL" clId="{DC0E4A9C-2901-B345-B38F-5F505964D1F1}" dt="2021-10-13T15:20:03.404" v="312" actId="20577"/>
+          <ac:spMkLst>
+            <pc:docMk/>
+            <pc:sldMk cId="1703902501" sldId="305"/>
+            <ac:spMk id="2" creationId="{AA3A228F-61D0-D949-A5E7-F83756230BF8}"/>
+          </ac:spMkLst>
+        </pc:spChg>
+        <pc:spChg chg="mod">
+          <ac:chgData name="Long B Nguyen" userId="f59fb8f3-a021-417a-8bc1-65c8d471c621" providerId="ADAL" clId="{DC0E4A9C-2901-B345-B38F-5F505964D1F1}" dt="2021-10-13T15:20:08.161" v="325" actId="20577"/>
+          <ac:spMkLst>
+            <pc:docMk/>
+            <pc:sldMk cId="1703902501" sldId="305"/>
+            <ac:spMk id="9" creationId="{E3B2E017-30B2-884B-A113-B419A2ED51AD}"/>
+          </ac:spMkLst>
+        </pc:spChg>
+      </pc:sldChg>
+      <pc:sldChg chg="modAnim">
+        <pc:chgData name="Long B Nguyen" userId="f59fb8f3-a021-417a-8bc1-65c8d471c621" providerId="ADAL" clId="{DC0E4A9C-2901-B345-B38F-5F505964D1F1}" dt="2021-10-13T15:11:14.830" v="176"/>
+        <pc:sldMkLst>
+          <pc:docMk/>
+          <pc:sldMk cId="1872435103" sldId="309"/>
+        </pc:sldMkLst>
+      </pc:sldChg>
+      <pc:sldChg chg="modAnim">
+        <pc:chgData name="Long B Nguyen" userId="f59fb8f3-a021-417a-8bc1-65c8d471c621" providerId="ADAL" clId="{DC0E4A9C-2901-B345-B38F-5F505964D1F1}" dt="2021-10-13T15:02:47.733" v="47"/>
+        <pc:sldMkLst>
+          <pc:docMk/>
+          <pc:sldMk cId="2097059918" sldId="313"/>
+        </pc:sldMkLst>
+      </pc:sldChg>
+      <pc:sldChg chg="modSp">
+        <pc:chgData name="Long B Nguyen" userId="f59fb8f3-a021-417a-8bc1-65c8d471c621" providerId="ADAL" clId="{DC0E4A9C-2901-B345-B38F-5F505964D1F1}" dt="2021-10-13T15:10:51.777" v="175" actId="20577"/>
+        <pc:sldMkLst>
+          <pc:docMk/>
+          <pc:sldMk cId="2979421659" sldId="330"/>
+        </pc:sldMkLst>
+        <pc:spChg chg="mod">
+          <ac:chgData name="Long B Nguyen" userId="f59fb8f3-a021-417a-8bc1-65c8d471c621" providerId="ADAL" clId="{DC0E4A9C-2901-B345-B38F-5F505964D1F1}" dt="2021-10-13T15:10:51.777" v="175" actId="20577"/>
+          <ac:spMkLst>
+            <pc:docMk/>
+            <pc:sldMk cId="2979421659" sldId="330"/>
+            <ac:spMk id="9" creationId="{E3B2E017-30B2-884B-A113-B419A2ED51AD}"/>
+          </ac:spMkLst>
+        </pc:spChg>
+      </pc:sldChg>
+      <pc:sldChg chg="modSp modAnim">
+        <pc:chgData name="Long B Nguyen" userId="f59fb8f3-a021-417a-8bc1-65c8d471c621" providerId="ADAL" clId="{DC0E4A9C-2901-B345-B38F-5F505964D1F1}" dt="2021-10-13T15:12:25.787" v="194"/>
+        <pc:sldMkLst>
+          <pc:docMk/>
+          <pc:sldMk cId="3010097483" sldId="332"/>
+        </pc:sldMkLst>
+        <pc:spChg chg="mod">
+          <ac:chgData name="Long B Nguyen" userId="f59fb8f3-a021-417a-8bc1-65c8d471c621" providerId="ADAL" clId="{DC0E4A9C-2901-B345-B38F-5F505964D1F1}" dt="2021-10-13T15:11:50.914" v="186" actId="20577"/>
+          <ac:spMkLst>
+            <pc:docMk/>
+            <pc:sldMk cId="3010097483" sldId="332"/>
+            <ac:spMk id="9" creationId="{E3B2E017-30B2-884B-A113-B419A2ED51AD}"/>
+          </ac:spMkLst>
+        </pc:spChg>
+      </pc:sldChg>
+    </pc:docChg>
+  </pc:docChgLst>
+  <pc:docChgLst>
     <pc:chgData name="Long B Nguyen" userId="f59fb8f3-a021-417a-8bc1-65c8d471c621" providerId="ADAL" clId="{B5860C40-AA08-4447-A918-2D2782E0FC0B}"/>
     <pc:docChg chg="delSld modSld">
       <pc:chgData name="Long B Nguyen" userId="f59fb8f3-a021-417a-8bc1-65c8d471c621" providerId="ADAL" clId="{B5860C40-AA08-4447-A918-2D2782E0FC0B}" dt="2019-09-16T13:59:20.091" v="35" actId="2696"/>
@@ -1807,7 +1960,7 @@
           <a:p>
             <a:fld id="{4AAD347D-5ACD-4C99-B74B-A9C85AD731AF}" type="datetimeFigureOut">
               <a:rPr lang="en-US" smtClean="0"/>
-              <a:t>6/14/21</a:t>
+              <a:t>10/13/21</a:t>
             </a:fld>
             <a:endParaRPr lang="en-US" dirty="0"/>
           </a:p>
@@ -1977,7 +2130,7 @@
           <a:p>
             <a:fld id="{4509A250-FF31-4206-8172-F9D3106AACB1}" type="datetimeFigureOut">
               <a:rPr lang="en-US" smtClean="0"/>
-              <a:t>6/14/21</a:t>
+              <a:t>10/13/21</a:t>
             </a:fld>
             <a:endParaRPr lang="en-US" dirty="0"/>
           </a:p>
@@ -2157,7 +2310,7 @@
           <a:p>
             <a:fld id="{4509A250-FF31-4206-8172-F9D3106AACB1}" type="datetimeFigureOut">
               <a:rPr lang="en-US" smtClean="0"/>
-              <a:t>6/14/21</a:t>
+              <a:t>10/13/21</a:t>
             </a:fld>
             <a:endParaRPr lang="en-US" dirty="0"/>
           </a:p>
@@ -2327,7 +2480,7 @@
           <a:p>
             <a:fld id="{4509A250-FF31-4206-8172-F9D3106AACB1}" type="datetimeFigureOut">
               <a:rPr lang="en-US" smtClean="0"/>
-              <a:t>6/14/21</a:t>
+              <a:t>10/13/21</a:t>
             </a:fld>
             <a:endParaRPr lang="en-US" dirty="0"/>
           </a:p>
@@ -2573,7 +2726,7 @@
           <a:p>
             <a:fld id="{9796027F-7875-4030-9381-8BD8C4F21935}" type="datetimeFigureOut">
               <a:rPr lang="en-US" smtClean="0"/>
-              <a:t>6/14/21</a:t>
+              <a:t>10/13/21</a:t>
             </a:fld>
             <a:endParaRPr lang="en-US" dirty="0"/>
           </a:p>
@@ -2805,7 +2958,7 @@
           <a:p>
             <a:fld id="{9796027F-7875-4030-9381-8BD8C4F21935}" type="datetimeFigureOut">
               <a:rPr lang="en-US" smtClean="0"/>
-              <a:t>6/14/21</a:t>
+              <a:t>10/13/21</a:t>
             </a:fld>
             <a:endParaRPr lang="en-US" dirty="0"/>
           </a:p>
@@ -3172,7 +3325,7 @@
           <a:p>
             <a:fld id="{9796027F-7875-4030-9381-8BD8C4F21935}" type="datetimeFigureOut">
               <a:rPr lang="en-US" smtClean="0"/>
-              <a:t>6/14/21</a:t>
+              <a:t>10/13/21</a:t>
             </a:fld>
             <a:endParaRPr lang="en-US" dirty="0"/>
           </a:p>
@@ -3290,7 +3443,7 @@
           <a:p>
             <a:fld id="{4509A250-FF31-4206-8172-F9D3106AACB1}" type="datetimeFigureOut">
               <a:rPr lang="en-US" smtClean="0"/>
-              <a:t>6/14/21</a:t>
+              <a:t>10/13/21</a:t>
             </a:fld>
             <a:endParaRPr lang="en-US" dirty="0"/>
           </a:p>
@@ -3385,7 +3538,7 @@
           <a:p>
             <a:fld id="{4509A250-FF31-4206-8172-F9D3106AACB1}" type="datetimeFigureOut">
               <a:rPr lang="en-US" smtClean="0"/>
-              <a:t>6/14/21</a:t>
+              <a:t>10/13/21</a:t>
             </a:fld>
             <a:endParaRPr lang="en-US" dirty="0"/>
           </a:p>
@@ -3662,7 +3815,7 @@
           <a:p>
             <a:fld id="{4509A250-FF31-4206-8172-F9D3106AACB1}" type="datetimeFigureOut">
               <a:rPr lang="en-US" smtClean="0"/>
-              <a:t>6/14/21</a:t>
+              <a:t>10/13/21</a:t>
             </a:fld>
             <a:endParaRPr lang="en-US" dirty="0"/>
           </a:p>
@@ -3919,7 +4072,7 @@
           <a:p>
             <a:fld id="{4509A250-FF31-4206-8172-F9D3106AACB1}" type="datetimeFigureOut">
               <a:rPr lang="en-US" smtClean="0"/>
-              <a:t>6/14/21</a:t>
+              <a:t>10/13/21</a:t>
             </a:fld>
             <a:endParaRPr lang="en-US" dirty="0"/>
           </a:p>
@@ -4132,7 +4285,7 @@
           <a:p>
             <a:fld id="{4AAD347D-5ACD-4C99-B74B-A9C85AD731AF}" type="datetimeFigureOut">
               <a:rPr lang="en-US" smtClean="0"/>
-              <a:t>6/14/21</a:t>
+              <a:t>10/13/21</a:t>
             </a:fld>
             <a:endParaRPr lang="en-US" dirty="0"/>
           </a:p>
@@ -4602,10 +4755,9 @@
           <a:p>
             <a:pPr algn="l"/>
             <a:r>
-              <a:rPr lang="en-US" sz="2400" b="1"/>
-              <a:t>Direct Loops: For Loops</a:t>
-            </a:r>
-            <a:endParaRPr lang="en-US" sz="2400" b="1" dirty="0"/>
+              <a:rPr lang="en-US" sz="2400" b="1" dirty="0"/>
+              <a:t>Definite Iteration: For Loops</a:t>
+            </a:r>
           </a:p>
         </p:txBody>
       </p:sp>
@@ -5308,7 +5460,7 @@
               <a:rPr lang="en-US" dirty="0">
                 <a:latin typeface="Gill Sans MT" panose="020B0502020104020203" pitchFamily="34" charset="77"/>
               </a:rPr>
-              <a:t>Now write a function that accepts a non-negative integer input n and returns the sum of integers from 1 to n(including). </a:t>
+              <a:t>Now write a function that accepts a non-negative integer parameter n and returns the sum of integers from 1 to n(including). </a:t>
             </a:r>
           </a:p>
           <a:p>
@@ -6803,6 +6955,51 @@
                       </p:childTnLst>
                     </p:cTn>
                   </p:par>
+                  <p:par>
+                    <p:cTn id="27" fill="hold">
+                      <p:stCondLst>
+                        <p:cond delay="indefinite"/>
+                      </p:stCondLst>
+                      <p:childTnLst>
+                        <p:par>
+                          <p:cTn id="28" fill="hold">
+                            <p:stCondLst>
+                              <p:cond delay="0"/>
+                            </p:stCondLst>
+                            <p:childTnLst>
+                              <p:par>
+                                <p:cTn id="29" presetID="1" presetClass="entr" presetSubtype="0" fill="hold" grpId="0" nodeType="clickEffect">
+                                  <p:stCondLst>
+                                    <p:cond delay="0"/>
+                                  </p:stCondLst>
+                                  <p:childTnLst>
+                                    <p:set>
+                                      <p:cBhvr>
+                                        <p:cTn id="30" dur="1" fill="hold">
+                                          <p:stCondLst>
+                                            <p:cond delay="0"/>
+                                          </p:stCondLst>
+                                        </p:cTn>
+                                        <p:tgtEl>
+                                          <p:spTgt spid="3"/>
+                                        </p:tgtEl>
+                                        <p:attrNameLst>
+                                          <p:attrName>style.visibility</p:attrName>
+                                        </p:attrNameLst>
+                                      </p:cBhvr>
+                                      <p:to>
+                                        <p:strVal val="visible"/>
+                                      </p:to>
+                                    </p:set>
+                                  </p:childTnLst>
+                                </p:cTn>
+                              </p:par>
+                            </p:childTnLst>
+                          </p:cTn>
+                        </p:par>
+                      </p:childTnLst>
+                    </p:cTn>
+                  </p:par>
                 </p:childTnLst>
               </p:cTn>
               <p:prevCondLst>
@@ -6824,6 +7021,9 @@
         </p:cTn>
       </p:par>
     </p:tnLst>
+    <p:bldLst>
+      <p:bldP spid="3" grpId="0"/>
+    </p:bldLst>
   </p:timing>
 </p:sld>
 </file>
@@ -7971,7 +8171,7 @@
               <a:rPr lang="en-US" dirty="0">
                 <a:latin typeface="Gill Sans MT" panose="020B0502020104020203" pitchFamily="34" charset="77"/>
               </a:rPr>
-              <a:t>Write a function that accepts an integer n and returns the number of factors of n.</a:t>
+              <a:t>Write a function that accepts an integer parameter n and returns the number of factors of n.</a:t>
             </a:r>
           </a:p>
           <a:p>
@@ -8503,7 +8703,7 @@
                                         <p:tgtEl>
                                           <p:spTgt spid="9">
                                             <p:txEl>
-                                              <p:pRg st="4" end="4"/>
+                                              <p:pRg st="6" end="6"/>
                                             </p:txEl>
                                           </p:spTgt>
                                         </p:tgtEl>
@@ -8552,7 +8752,7 @@
                                         <p:tgtEl>
                                           <p:spTgt spid="9">
                                             <p:txEl>
-                                              <p:pRg st="5" end="5"/>
+                                              <p:pRg st="7" end="7"/>
                                             </p:txEl>
                                           </p:spTgt>
                                         </p:tgtEl>
@@ -8601,7 +8801,7 @@
                                         <p:tgtEl>
                                           <p:spTgt spid="9">
                                             <p:txEl>
-                                              <p:pRg st="6" end="6"/>
+                                              <p:pRg st="9" end="9"/>
                                             </p:txEl>
                                           </p:spTgt>
                                         </p:tgtEl>
@@ -8650,56 +8850,7 @@
                                         <p:tgtEl>
                                           <p:spTgt spid="9">
                                             <p:txEl>
-                                              <p:pRg st="7" end="7"/>
-                                            </p:txEl>
-                                          </p:spTgt>
-                                        </p:tgtEl>
-                                        <p:attrNameLst>
-                                          <p:attrName>style.visibility</p:attrName>
-                                        </p:attrNameLst>
-                                      </p:cBhvr>
-                                      <p:to>
-                                        <p:strVal val="visible"/>
-                                      </p:to>
-                                    </p:set>
-                                  </p:childTnLst>
-                                </p:cTn>
-                              </p:par>
-                            </p:childTnLst>
-                          </p:cTn>
-                        </p:par>
-                      </p:childTnLst>
-                    </p:cTn>
-                  </p:par>
-                  <p:par>
-                    <p:cTn id="31" fill="hold">
-                      <p:stCondLst>
-                        <p:cond delay="indefinite"/>
-                      </p:stCondLst>
-                      <p:childTnLst>
-                        <p:par>
-                          <p:cTn id="32" fill="hold">
-                            <p:stCondLst>
-                              <p:cond delay="0"/>
-                            </p:stCondLst>
-                            <p:childTnLst>
-                              <p:par>
-                                <p:cTn id="33" presetID="1" presetClass="entr" presetSubtype="0" fill="hold" nodeType="clickEffect">
-                                  <p:stCondLst>
-                                    <p:cond delay="0"/>
-                                  </p:stCondLst>
-                                  <p:childTnLst>
-                                    <p:set>
-                                      <p:cBhvr>
-                                        <p:cTn id="34" dur="1" fill="hold">
-                                          <p:stCondLst>
-                                            <p:cond delay="0"/>
-                                          </p:stCondLst>
-                                        </p:cTn>
-                                        <p:tgtEl>
-                                          <p:spTgt spid="9">
-                                            <p:txEl>
-                                              <p:pRg st="9" end="9"/>
+                                              <p:pRg st="10" end="10"/>
                                             </p:txEl>
                                           </p:spTgt>
                                         </p:tgtEl>
@@ -10302,8 +10453,8 @@
         </p:nvSpPr>
         <p:spPr>
           <a:xfrm>
-            <a:off x="270934" y="817895"/>
-            <a:ext cx="8264640" cy="4763098"/>
+            <a:off x="270933" y="817895"/>
+            <a:ext cx="9034431" cy="4763098"/>
           </a:xfrm>
         </p:spPr>
         <p:txBody>
@@ -10316,16 +10467,25 @@
               <a:buNone/>
             </a:pPr>
             <a:r>
-              <a:rPr lang="en-US" dirty="0">
-                <a:latin typeface="Gill Sans MT" panose="020B0502020104020203" pitchFamily="34" charset="77"/>
-              </a:rPr>
-              <a:t>In general, a loop allows a sequence of instructions to execute some task repeatedly until some condition is met. </a:t>
-            </a:r>
-          </a:p>
-          <a:p>
-            <a:pPr marL="0" indent="0">
-              <a:buNone/>
-            </a:pPr>
+              <a:rPr lang="en-US" b="1" dirty="0"/>
+              <a:t>Iteration</a:t>
+            </a:r>
+            <a:r>
+              <a:rPr lang="en-US" i="1" dirty="0"/>
+              <a:t> </a:t>
+            </a:r>
+            <a:r>
+              <a:rPr lang="en-US" dirty="0"/>
+              <a:t>is a repeating portion of an algorithm. Iteration repeats a specified number of times or until a given condition is met. Iteration loops are frequently referred to as </a:t>
+            </a:r>
+            <a:r>
+              <a:rPr lang="en-US" b="1" dirty="0"/>
+              <a:t>for</a:t>
+            </a:r>
+            <a:r>
+              <a:rPr lang="en-US" dirty="0"/>
+              <a:t> loops because for is the keyword  that is used to introduce them in nearly all programming languages, including Python.</a:t>
+            </a:r>
             <a:endParaRPr lang="en-US" dirty="0">
               <a:latin typeface="Gill Sans MT" panose="020B0502020104020203" pitchFamily="34" charset="77"/>
             </a:endParaRPr>
@@ -10350,13 +10510,8 @@
               <a:rPr lang="en-US" dirty="0">
                 <a:latin typeface="Gill Sans MT" panose="020B0502020104020203" pitchFamily="34" charset="77"/>
               </a:rPr>
-              <a:t> loop iterates over items of a sequence(e.g. a list, string or tuple) and process them with some code. </a:t>
-            </a:r>
-          </a:p>
-          <a:p>
-            <a:pPr marL="0" indent="0">
-              <a:buNone/>
-            </a:pPr>
+              <a:t> loop iterates over items of a sequence(e.g. a list of numbers or a string(sequence of characters)) and process them with some code. </a:t>
+            </a:r>
             <a:endParaRPr lang="en-US" b="1" dirty="0">
               <a:solidFill>
                 <a:srgbClr val="006699"/>
@@ -10664,7 +10819,7 @@
         </p:nvSpPr>
         <p:spPr>
           <a:xfrm>
-            <a:off x="3790684" y="3167967"/>
+            <a:off x="2876287" y="3006604"/>
             <a:ext cx="4744889" cy="400110"/>
           </a:xfrm>
           <a:prstGeom prst="rect">
@@ -10705,7 +10860,7 @@
         </p:nvCxnSpPr>
         <p:spPr>
           <a:xfrm flipH="1">
-            <a:off x="3790684" y="3768132"/>
+            <a:off x="2876287" y="3606769"/>
             <a:ext cx="520059" cy="301450"/>
           </a:xfrm>
           <a:prstGeom prst="straightConnector1">
@@ -10776,7 +10931,7 @@
                                         <p:tgtEl>
                                           <p:spTgt spid="9">
                                             <p:txEl>
-                                              <p:pRg st="2" end="2"/>
+                                              <p:pRg st="1" end="1"/>
                                             </p:txEl>
                                           </p:spTgt>
                                         </p:tgtEl>
@@ -10825,7 +10980,7 @@
                                         <p:tgtEl>
                                           <p:spTgt spid="9">
                                             <p:txEl>
-                                              <p:pRg st="4" end="4"/>
+                                              <p:pRg st="2" end="2"/>
                                             </p:txEl>
                                           </p:spTgt>
                                         </p:tgtEl>
@@ -10874,7 +11029,7 @@
                                         <p:tgtEl>
                                           <p:spTgt spid="9">
                                             <p:txEl>
-                                              <p:pRg st="6" end="6"/>
+                                              <p:pRg st="4" end="4"/>
                                             </p:txEl>
                                           </p:spTgt>
                                         </p:tgtEl>
@@ -10995,7 +11150,7 @@
                                         <p:tgtEl>
                                           <p:spTgt spid="9">
                                             <p:txEl>
-                                              <p:pRg st="8" end="8"/>
+                                              <p:pRg st="6" end="6"/>
                                             </p:txEl>
                                           </p:spTgt>
                                         </p:tgtEl>
@@ -11574,9 +11729,9 @@
                                           </p:stCondLst>
                                         </p:cTn>
                                         <p:tgtEl>
-                                          <p:spTgt spid="9">
+                                          <p:spTgt spid="3">
                                             <p:txEl>
-                                              <p:pRg st="1" end="1"/>
+                                              <p:pRg st="0" end="0"/>
                                             </p:txEl>
                                           </p:spTgt>
                                         </p:tgtEl>
@@ -11605,7 +11760,7 @@
                                           </p:stCondLst>
                                         </p:cTn>
                                         <p:tgtEl>
-                                          <p:spTgt spid="9">
+                                          <p:spTgt spid="3">
                                             <p:txEl>
                                               <p:pRg st="2" end="2"/>
                                             </p:txEl>
@@ -11622,39 +11777,26 @@
                                   </p:childTnLst>
                                 </p:cTn>
                               </p:par>
+                            </p:childTnLst>
+                          </p:cTn>
+                        </p:par>
+                      </p:childTnLst>
+                    </p:cTn>
+                  </p:par>
+                  <p:par>
+                    <p:cTn id="9" fill="hold">
+                      <p:stCondLst>
+                        <p:cond delay="indefinite"/>
+                      </p:stCondLst>
+                      <p:childTnLst>
+                        <p:par>
+                          <p:cTn id="10" fill="hold">
+                            <p:stCondLst>
+                              <p:cond delay="0"/>
+                            </p:stCondLst>
+                            <p:childTnLst>
                               <p:par>
-                                <p:cTn id="9" presetID="1" presetClass="entr" presetSubtype="0" fill="hold" nodeType="withEffect">
-                                  <p:stCondLst>
-                                    <p:cond delay="0"/>
-                                  </p:stCondLst>
-                                  <p:childTnLst>
-                                    <p:set>
-                                      <p:cBhvr>
-                                        <p:cTn id="10" dur="1" fill="hold">
-                                          <p:stCondLst>
-                                            <p:cond delay="0"/>
-                                          </p:stCondLst>
-                                        </p:cTn>
-                                        <p:tgtEl>
-                                          <p:spTgt spid="9">
-                                            <p:txEl>
-                                              <p:pRg st="3" end="3"/>
-                                            </p:txEl>
-                                          </p:spTgt>
-                                        </p:tgtEl>
-                                        <p:attrNameLst>
-                                          <p:attrName>style.visibility</p:attrName>
-                                        </p:attrNameLst>
-                                      </p:cBhvr>
-                                      <p:to>
-                                        <p:strVal val="visible"/>
-                                      </p:to>
-                                    </p:set>
-                                  </p:childTnLst>
-                                </p:cTn>
-                              </p:par>
-                              <p:par>
-                                <p:cTn id="11" presetID="1" presetClass="entr" presetSubtype="0" fill="hold" nodeType="withEffect">
+                                <p:cTn id="11" presetID="1" presetClass="entr" presetSubtype="0" fill="hold" nodeType="clickEffect">
                                   <p:stCondLst>
                                     <p:cond delay="0"/>
                                   </p:stCondLst>
@@ -11669,7 +11811,7 @@
                                         <p:tgtEl>
                                           <p:spTgt spid="9">
                                             <p:txEl>
-                                              <p:pRg st="4" end="4"/>
+                                              <p:pRg st="1" end="1"/>
                                             </p:txEl>
                                           </p:spTgt>
                                         </p:tgtEl>
@@ -11700,7 +11842,7 @@
                                         <p:tgtEl>
                                           <p:spTgt spid="9">
                                             <p:txEl>
-                                              <p:pRg st="5" end="5"/>
+                                              <p:pRg st="2" end="2"/>
                                             </p:txEl>
                                           </p:spTgt>
                                         </p:tgtEl>
@@ -11731,7 +11873,7 @@
                                         <p:tgtEl>
                                           <p:spTgt spid="9">
                                             <p:txEl>
-                                              <p:pRg st="6" end="6"/>
+                                              <p:pRg st="3" end="3"/>
                                             </p:txEl>
                                           </p:spTgt>
                                         </p:tgtEl>
@@ -11762,6 +11904,184 @@
                                         <p:tgtEl>
                                           <p:spTgt spid="9">
                                             <p:txEl>
+                                              <p:pRg st="4" end="4"/>
+                                            </p:txEl>
+                                          </p:spTgt>
+                                        </p:tgtEl>
+                                        <p:attrNameLst>
+                                          <p:attrName>style.visibility</p:attrName>
+                                        </p:attrNameLst>
+                                      </p:cBhvr>
+                                      <p:to>
+                                        <p:strVal val="visible"/>
+                                      </p:to>
+                                    </p:set>
+                                  </p:childTnLst>
+                                </p:cTn>
+                              </p:par>
+                            </p:childTnLst>
+                          </p:cTn>
+                        </p:par>
+                      </p:childTnLst>
+                    </p:cTn>
+                  </p:par>
+                  <p:par>
+                    <p:cTn id="19" fill="hold">
+                      <p:stCondLst>
+                        <p:cond delay="indefinite"/>
+                      </p:stCondLst>
+                      <p:childTnLst>
+                        <p:par>
+                          <p:cTn id="20" fill="hold">
+                            <p:stCondLst>
+                              <p:cond delay="0"/>
+                            </p:stCondLst>
+                            <p:childTnLst>
+                              <p:par>
+                                <p:cTn id="21" presetID="1" presetClass="entr" presetSubtype="0" fill="hold" nodeType="clickEffect">
+                                  <p:stCondLst>
+                                    <p:cond delay="0"/>
+                                  </p:stCondLst>
+                                  <p:childTnLst>
+                                    <p:set>
+                                      <p:cBhvr>
+                                        <p:cTn id="22" dur="1" fill="hold">
+                                          <p:stCondLst>
+                                            <p:cond delay="0"/>
+                                          </p:stCondLst>
+                                        </p:cTn>
+                                        <p:tgtEl>
+                                          <p:spTgt spid="9">
+                                            <p:txEl>
+                                              <p:pRg st="5" end="5"/>
+                                            </p:txEl>
+                                          </p:spTgt>
+                                        </p:tgtEl>
+                                        <p:attrNameLst>
+                                          <p:attrName>style.visibility</p:attrName>
+                                        </p:attrNameLst>
+                                      </p:cBhvr>
+                                      <p:to>
+                                        <p:strVal val="visible"/>
+                                      </p:to>
+                                    </p:set>
+                                  </p:childTnLst>
+                                </p:cTn>
+                              </p:par>
+                            </p:childTnLst>
+                          </p:cTn>
+                        </p:par>
+                      </p:childTnLst>
+                    </p:cTn>
+                  </p:par>
+                  <p:par>
+                    <p:cTn id="23" fill="hold">
+                      <p:stCondLst>
+                        <p:cond delay="indefinite"/>
+                      </p:stCondLst>
+                      <p:childTnLst>
+                        <p:par>
+                          <p:cTn id="24" fill="hold">
+                            <p:stCondLst>
+                              <p:cond delay="0"/>
+                            </p:stCondLst>
+                            <p:childTnLst>
+                              <p:par>
+                                <p:cTn id="25" presetID="1" presetClass="entr" presetSubtype="0" fill="hold" nodeType="clickEffect">
+                                  <p:stCondLst>
+                                    <p:cond delay="0"/>
+                                  </p:stCondLst>
+                                  <p:childTnLst>
+                                    <p:set>
+                                      <p:cBhvr>
+                                        <p:cTn id="26" dur="1" fill="hold">
+                                          <p:stCondLst>
+                                            <p:cond delay="0"/>
+                                          </p:stCondLst>
+                                        </p:cTn>
+                                        <p:tgtEl>
+                                          <p:spTgt spid="5">
+                                            <p:txEl>
+                                              <p:pRg st="0" end="0"/>
+                                            </p:txEl>
+                                          </p:spTgt>
+                                        </p:tgtEl>
+                                        <p:attrNameLst>
+                                          <p:attrName>style.visibility</p:attrName>
+                                        </p:attrNameLst>
+                                      </p:cBhvr>
+                                      <p:to>
+                                        <p:strVal val="visible"/>
+                                      </p:to>
+                                    </p:set>
+                                  </p:childTnLst>
+                                </p:cTn>
+                              </p:par>
+                            </p:childTnLst>
+                          </p:cTn>
+                        </p:par>
+                      </p:childTnLst>
+                    </p:cTn>
+                  </p:par>
+                  <p:par>
+                    <p:cTn id="27" fill="hold">
+                      <p:stCondLst>
+                        <p:cond delay="indefinite"/>
+                      </p:stCondLst>
+                      <p:childTnLst>
+                        <p:par>
+                          <p:cTn id="28" fill="hold">
+                            <p:stCondLst>
+                              <p:cond delay="0"/>
+                            </p:stCondLst>
+                            <p:childTnLst>
+                              <p:par>
+                                <p:cTn id="29" presetID="1" presetClass="entr" presetSubtype="0" fill="hold" nodeType="clickEffect">
+                                  <p:stCondLst>
+                                    <p:cond delay="0"/>
+                                  </p:stCondLst>
+                                  <p:childTnLst>
+                                    <p:set>
+                                      <p:cBhvr>
+                                        <p:cTn id="30" dur="1" fill="hold">
+                                          <p:stCondLst>
+                                            <p:cond delay="0"/>
+                                          </p:stCondLst>
+                                        </p:cTn>
+                                        <p:tgtEl>
+                                          <p:spTgt spid="9">
+                                            <p:txEl>
+                                              <p:pRg st="6" end="6"/>
+                                            </p:txEl>
+                                          </p:spTgt>
+                                        </p:tgtEl>
+                                        <p:attrNameLst>
+                                          <p:attrName>style.visibility</p:attrName>
+                                        </p:attrNameLst>
+                                      </p:cBhvr>
+                                      <p:to>
+                                        <p:strVal val="visible"/>
+                                      </p:to>
+                                    </p:set>
+                                  </p:childTnLst>
+                                </p:cTn>
+                              </p:par>
+                              <p:par>
+                                <p:cTn id="31" presetID="1" presetClass="entr" presetSubtype="0" fill="hold" nodeType="withEffect">
+                                  <p:stCondLst>
+                                    <p:cond delay="0"/>
+                                  </p:stCondLst>
+                                  <p:childTnLst>
+                                    <p:set>
+                                      <p:cBhvr>
+                                        <p:cTn id="32" dur="1" fill="hold">
+                                          <p:stCondLst>
+                                            <p:cond delay="0"/>
+                                          </p:stCondLst>
+                                        </p:cTn>
+                                        <p:tgtEl>
+                                          <p:spTgt spid="9">
+                                            <p:txEl>
                                               <p:pRg st="7" end="7"/>
                                             </p:txEl>
                                           </p:spTgt>
@@ -11778,14 +12098,14 @@
                                 </p:cTn>
                               </p:par>
                               <p:par>
-                                <p:cTn id="19" presetID="1" presetClass="entr" presetSubtype="0" fill="hold" nodeType="withEffect">
+                                <p:cTn id="33" presetID="1" presetClass="entr" presetSubtype="0" fill="hold" nodeType="withEffect">
                                   <p:stCondLst>
                                     <p:cond delay="0"/>
                                   </p:stCondLst>
                                   <p:childTnLst>
                                     <p:set>
                                       <p:cBhvr>
-                                        <p:cTn id="20" dur="1" fill="hold">
+                                        <p:cTn id="34" dur="1" fill="hold">
                                           <p:stCondLst>
                                             <p:cond delay="0"/>
                                           </p:stCondLst>
@@ -11809,14 +12129,14 @@
                                 </p:cTn>
                               </p:par>
                               <p:par>
-                                <p:cTn id="21" presetID="1" presetClass="entr" presetSubtype="0" fill="hold" nodeType="withEffect">
+                                <p:cTn id="35" presetID="1" presetClass="entr" presetSubtype="0" fill="hold" nodeType="withEffect">
                                   <p:stCondLst>
                                     <p:cond delay="0"/>
                                   </p:stCondLst>
                                   <p:childTnLst>
                                     <p:set>
                                       <p:cBhvr>
-                                        <p:cTn id="22" dur="1" fill="hold">
+                                        <p:cTn id="36" dur="1" fill="hold">
                                           <p:stCondLst>
                                             <p:cond delay="0"/>
                                           </p:stCondLst>
@@ -11840,14 +12160,14 @@
                                 </p:cTn>
                               </p:par>
                               <p:par>
-                                <p:cTn id="23" presetID="1" presetClass="entr" presetSubtype="0" fill="hold" nodeType="withEffect">
+                                <p:cTn id="37" presetID="1" presetClass="entr" presetSubtype="0" fill="hold" nodeType="withEffect">
                                   <p:stCondLst>
                                     <p:cond delay="0"/>
                                   </p:stCondLst>
                                   <p:childTnLst>
                                     <p:set>
                                       <p:cBhvr>
-                                        <p:cTn id="24" dur="1" fill="hold">
+                                        <p:cTn id="38" dur="1" fill="hold">
                                           <p:stCondLst>
                                             <p:cond delay="0"/>
                                           </p:stCondLst>
@@ -12099,7 +12419,7 @@
                 </a:solidFill>
                 <a:latin typeface="Inconsolata" panose="020B0609030003000000" pitchFamily="49" charset="77"/>
               </a:rPr>
-              <a:t>10</a:t>
+              <a:t>5</a:t>
             </a:r>
             <a:r>
               <a:rPr lang="en-US" b="1" dirty="0">
@@ -12192,7 +12512,7 @@
               <a:rPr lang="en-US" dirty="0">
                 <a:latin typeface="Gill Sans MT" panose="020B0502020104020203" pitchFamily="34" charset="77"/>
               </a:rPr>
-              <a:t>0 1 2 3 4 5 6 7 8 9 </a:t>
+              <a:t>0 1 2 3 4</a:t>
             </a:r>
           </a:p>
           <a:p>
@@ -12214,6 +12534,96 @@
           </a:p>
         </p:txBody>
       </p:sp>
+      <p:sp>
+        <p:nvSpPr>
+          <p:cNvPr id="4" name="TextBox 3">
+            <a:extLst>
+              <a:ext uri="{FF2B5EF4-FFF2-40B4-BE49-F238E27FC236}">
+                <a16:creationId xmlns:a16="http://schemas.microsoft.com/office/drawing/2014/main" id="{7E1ECE19-F9C4-814B-B8A8-93A56C137579}"/>
+              </a:ext>
+            </a:extLst>
+          </p:cNvPr>
+          <p:cNvSpPr txBox="1"/>
+          <p:nvPr/>
+        </p:nvSpPr>
+        <p:spPr>
+          <a:xfrm>
+            <a:off x="4165975" y="2698847"/>
+            <a:ext cx="3849131" cy="707886"/>
+          </a:xfrm>
+          <a:prstGeom prst="rect">
+            <a:avLst/>
+          </a:prstGeom>
+          <a:noFill/>
+        </p:spPr>
+        <p:txBody>
+          <a:bodyPr wrap="none" rtlCol="0">
+            <a:spAutoFit/>
+          </a:bodyPr>
+          <a:lstStyle/>
+          <a:p>
+            <a:r>
+              <a:rPr lang="en-US" sz="2000" dirty="0">
+                <a:solidFill>
+                  <a:srgbClr val="FF0000"/>
+                </a:solidFill>
+              </a:rPr>
+              <a:t>Think of range(5) as generating this</a:t>
+            </a:r>
+          </a:p>
+          <a:p>
+            <a:r>
+              <a:rPr lang="en-US" sz="2000" dirty="0">
+                <a:solidFill>
+                  <a:srgbClr val="FF0000"/>
+                </a:solidFill>
+              </a:rPr>
+              <a:t>list: [0, 1, 2, 3, 4].</a:t>
+            </a:r>
+          </a:p>
+        </p:txBody>
+      </p:sp>
+      <p:cxnSp>
+        <p:nvCxnSpPr>
+          <p:cNvPr id="5" name="Straight Arrow Connector 4">
+            <a:extLst>
+              <a:ext uri="{FF2B5EF4-FFF2-40B4-BE49-F238E27FC236}">
+                <a16:creationId xmlns:a16="http://schemas.microsoft.com/office/drawing/2014/main" id="{8B41B422-25FF-A54D-95AA-2800DC540190}"/>
+              </a:ext>
+            </a:extLst>
+          </p:cNvPr>
+          <p:cNvCxnSpPr>
+            <a:cxnSpLocks/>
+          </p:cNvCxnSpPr>
+          <p:nvPr/>
+        </p:nvCxnSpPr>
+        <p:spPr>
+          <a:xfrm flipH="1">
+            <a:off x="2707341" y="3016153"/>
+            <a:ext cx="1458634" cy="0"/>
+          </a:xfrm>
+          <a:prstGeom prst="straightConnector1">
+            <a:avLst/>
+          </a:prstGeom>
+          <a:ln w="25400">
+            <a:tailEnd type="triangle"/>
+          </a:ln>
+        </p:spPr>
+        <p:style>
+          <a:lnRef idx="1">
+            <a:schemeClr val="accent1"/>
+          </a:lnRef>
+          <a:fillRef idx="0">
+            <a:schemeClr val="accent1"/>
+          </a:fillRef>
+          <a:effectRef idx="0">
+            <a:schemeClr val="accent1"/>
+          </a:effectRef>
+          <a:fontRef idx="minor">
+            <a:schemeClr val="tx1"/>
+          </a:fontRef>
+        </p:style>
+      </p:cxnSp>
     </p:spTree>
     <p:extLst>
       <p:ext uri="{BB962C8B-B14F-4D97-AF65-F5344CB8AC3E}">
@@ -12410,6 +12820,78 @@
                       </p:childTnLst>
                     </p:cTn>
                   </p:par>
+                  <p:par>
+                    <p:cTn id="17" fill="hold">
+                      <p:stCondLst>
+                        <p:cond delay="indefinite"/>
+                      </p:stCondLst>
+                      <p:childTnLst>
+                        <p:par>
+                          <p:cTn id="18" fill="hold">
+                            <p:stCondLst>
+                              <p:cond delay="0"/>
+                            </p:stCondLst>
+                            <p:childTnLst>
+                              <p:par>
+                                <p:cTn id="19" presetID="1" presetClass="entr" presetSubtype="0" fill="hold" grpId="0" nodeType="clickEffect">
+                                  <p:stCondLst>
+                                    <p:cond delay="0"/>
+                                  </p:stCondLst>
+                                  <p:childTnLst>
+                                    <p:set>
+                                      <p:cBhvr>
+                                        <p:cTn id="20" dur="1" fill="hold">
+                                          <p:stCondLst>
+                                            <p:cond delay="0"/>
+                                          </p:stCondLst>
+                                        </p:cTn>
+                                        <p:tgtEl>
+                                          <p:spTgt spid="4"/>
+                                        </p:tgtEl>
+                                        <p:attrNameLst>
+                                          <p:attrName>style.visibility</p:attrName>
+                                        </p:attrNameLst>
+                                      </p:cBhvr>
+                                      <p:to>
+                                        <p:strVal val="visible"/>
+                                      </p:to>
+                                    </p:set>
+                                  </p:childTnLst>
+                                </p:cTn>
+                              </p:par>
+                              <p:par>
+                                <p:cTn id="21" presetID="1" presetClass="entr" presetSubtype="0" fill="hold" nodeType="withEffect">
+                                  <p:stCondLst>
+                                    <p:cond delay="0"/>
+                                  </p:stCondLst>
+                                  <p:childTnLst>
+                                    <p:set>
+                                      <p:cBhvr>
+                                        <p:cTn id="22" dur="1" fill="hold">
+                                          <p:stCondLst>
+                                            <p:cond delay="0"/>
+                                          </p:stCondLst>
+                                        </p:cTn>
+                                        <p:tgtEl>
+                                          <p:spTgt spid="5"/>
+                                        </p:tgtEl>
+                                        <p:attrNameLst>
+                                          <p:attrName>style.visibility</p:attrName>
+                                        </p:attrNameLst>
+                                      </p:cBhvr>
+                                      <p:to>
+                                        <p:strVal val="visible"/>
+                                      </p:to>
+                                    </p:set>
+                                  </p:childTnLst>
+                                </p:cTn>
+                              </p:par>
+                            </p:childTnLst>
+                          </p:cTn>
+                        </p:par>
+                      </p:childTnLst>
+                    </p:cTn>
+                  </p:par>
                 </p:childTnLst>
               </p:cTn>
               <p:prevCondLst>
@@ -12431,6 +12913,9 @@
         </p:cTn>
       </p:par>
     </p:tnLst>
+    <p:bldLst>
+      <p:bldP spid="4" grpId="0"/>
+    </p:bldLst>
   </p:timing>
 </p:sld>
 </file>
@@ -13802,7 +14287,7 @@
           <a:p>
             <a:r>
               <a:rPr lang="en-US" dirty="0"/>
-              <a:t>Definite Loop</a:t>
+              <a:t>Definite Iteration</a:t>
             </a:r>
           </a:p>
         </p:txBody>
@@ -13854,19 +14339,37 @@
               <a:rPr lang="en-US" dirty="0">
                 <a:latin typeface="Gill Sans MT" panose="020B0502020104020203" pitchFamily="34" charset="77"/>
               </a:rPr>
-              <a:t> loop. We can determine ahead of time the number of times the loop repeats. Later, we will talk about </a:t>
+              <a:t> </a:t>
             </a:r>
             <a:r>
               <a:rPr lang="en-US" b="1" dirty="0">
                 <a:latin typeface="Gill Sans MT" panose="020B0502020104020203" pitchFamily="34" charset="77"/>
               </a:rPr>
-              <a:t>indefinite loop</a:t>
+              <a:t>iteration</a:t>
             </a:r>
             <a:r>
               <a:rPr lang="en-US" dirty="0">
                 <a:latin typeface="Gill Sans MT" panose="020B0502020104020203" pitchFamily="34" charset="77"/>
               </a:rPr>
-              <a:t>, a loop where we cannot predict the number of times a loop repeats. </a:t>
+              <a:t>. We can determine ahead of time the number of times the loop repeats. Later, we will talk about </a:t>
+            </a:r>
+            <a:r>
+              <a:rPr lang="en-US" b="1">
+                <a:latin typeface="Gill Sans MT" panose="020B0502020104020203" pitchFamily="34" charset="77"/>
+              </a:rPr>
+              <a:t>indefinite iteration</a:t>
+            </a:r>
+            <a:r>
+              <a:rPr lang="en-US">
+                <a:latin typeface="Gill Sans MT" panose="020B0502020104020203" pitchFamily="34" charset="77"/>
+              </a:rPr>
+              <a:t>, </a:t>
+            </a:r>
+            <a:r>
+              <a:rPr lang="en-US" dirty="0">
+                <a:latin typeface="Gill Sans MT" panose="020B0502020104020203" pitchFamily="34" charset="77"/>
+              </a:rPr>
+              <a:t>a loop where we cannot predict the number of times a loop repeats. </a:t>
             </a:r>
           </a:p>
           <a:p>

--- a/courses/apcsp/lect5.pptx
+++ b/courses/apcsp/lect5.pptx
@@ -8,23 +8,24 @@
     <p:sldId id="256" r:id="rId2"/>
     <p:sldId id="286" r:id="rId3"/>
     <p:sldId id="295" r:id="rId4"/>
-    <p:sldId id="313" r:id="rId5"/>
-    <p:sldId id="296" r:id="rId6"/>
-    <p:sldId id="297" r:id="rId7"/>
-    <p:sldId id="298" r:id="rId8"/>
-    <p:sldId id="305" r:id="rId9"/>
-    <p:sldId id="331" r:id="rId10"/>
-    <p:sldId id="308" r:id="rId11"/>
-    <p:sldId id="330" r:id="rId12"/>
-    <p:sldId id="309" r:id="rId13"/>
-    <p:sldId id="310" r:id="rId14"/>
-    <p:sldId id="311" r:id="rId15"/>
-    <p:sldId id="312" r:id="rId16"/>
-    <p:sldId id="332" r:id="rId17"/>
-    <p:sldId id="284" r:id="rId18"/>
-    <p:sldId id="317" r:id="rId19"/>
-    <p:sldId id="333" r:id="rId20"/>
-    <p:sldId id="316" r:id="rId21"/>
+    <p:sldId id="334" r:id="rId5"/>
+    <p:sldId id="313" r:id="rId6"/>
+    <p:sldId id="296" r:id="rId7"/>
+    <p:sldId id="297" r:id="rId8"/>
+    <p:sldId id="298" r:id="rId9"/>
+    <p:sldId id="305" r:id="rId10"/>
+    <p:sldId id="331" r:id="rId11"/>
+    <p:sldId id="308" r:id="rId12"/>
+    <p:sldId id="330" r:id="rId13"/>
+    <p:sldId id="309" r:id="rId14"/>
+    <p:sldId id="310" r:id="rId15"/>
+    <p:sldId id="311" r:id="rId16"/>
+    <p:sldId id="312" r:id="rId17"/>
+    <p:sldId id="332" r:id="rId18"/>
+    <p:sldId id="284" r:id="rId19"/>
+    <p:sldId id="317" r:id="rId20"/>
+    <p:sldId id="333" r:id="rId21"/>
+    <p:sldId id="316" r:id="rId22"/>
   </p:sldIdLst>
   <p:sldSz cx="9144000" cy="5715000" type="screen16x10"/>
   <p:notesSz cx="6858000" cy="9144000"/>
@@ -134,7 +135,7 @@
 <file path=ppt/revisionInfo.xml><?xml version="1.0" encoding="utf-8"?>
 <p1510:revInfo xmlns:a="http://schemas.openxmlformats.org/drawingml/2006/main" xmlns:r="http://schemas.openxmlformats.org/officeDocument/2006/relationships" xmlns:p1510="http://schemas.microsoft.com/office/powerpoint/2015/10/main">
   <p1510:revLst>
-    <p1510:client id="{DC0E4A9C-2901-B345-B38F-5F505964D1F1}" v="248" dt="2021-10-13T15:20:08.161"/>
+    <p1510:client id="{DC0E4A9C-2901-B345-B38F-5F505964D1F1}" v="346" dt="2021-10-16T17:53:03.443"/>
   </p1510:revLst>
 </p1510:revInfo>
 </file>
@@ -1375,8 +1376,8 @@
   </pc:docChgLst>
   <pc:docChgLst>
     <pc:chgData name="Long B Nguyen" userId="f59fb8f3-a021-417a-8bc1-65c8d471c621" providerId="ADAL" clId="{DC0E4A9C-2901-B345-B38F-5F505964D1F1}"/>
-    <pc:docChg chg="modSld">
-      <pc:chgData name="Long B Nguyen" userId="f59fb8f3-a021-417a-8bc1-65c8d471c621" providerId="ADAL" clId="{DC0E4A9C-2901-B345-B38F-5F505964D1F1}" dt="2021-10-13T15:20:08.161" v="325" actId="20577"/>
+    <pc:docChg chg="custSel addSld modSld">
+      <pc:chgData name="Long B Nguyen" userId="f59fb8f3-a021-417a-8bc1-65c8d471c621" providerId="ADAL" clId="{DC0E4A9C-2901-B345-B38F-5F505964D1F1}" dt="2021-10-16T18:01:31.011" v="482" actId="14100"/>
       <pc:docMkLst>
         <pc:docMk/>
       </pc:docMkLst>
@@ -1396,13 +1397,44 @@
         </pc:spChg>
       </pc:sldChg>
       <pc:sldChg chg="modSp mod">
-        <pc:chgData name="Long B Nguyen" userId="f59fb8f3-a021-417a-8bc1-65c8d471c621" providerId="ADAL" clId="{DC0E4A9C-2901-B345-B38F-5F505964D1F1}" dt="2021-10-13T15:19:03.870" v="253" actId="1037"/>
+        <pc:chgData name="Long B Nguyen" userId="f59fb8f3-a021-417a-8bc1-65c8d471c621" providerId="ADAL" clId="{DC0E4A9C-2901-B345-B38F-5F505964D1F1}" dt="2021-10-16T18:01:31.011" v="482" actId="14100"/>
+        <pc:sldMkLst>
+          <pc:docMk/>
+          <pc:sldMk cId="1438711869" sldId="284"/>
+        </pc:sldMkLst>
+        <pc:spChg chg="mod">
+          <ac:chgData name="Long B Nguyen" userId="f59fb8f3-a021-417a-8bc1-65c8d471c621" providerId="ADAL" clId="{DC0E4A9C-2901-B345-B38F-5F505964D1F1}" dt="2021-10-16T18:01:24.432" v="480" actId="1076"/>
+          <ac:spMkLst>
+            <pc:docMk/>
+            <pc:sldMk cId="1438711869" sldId="284"/>
+            <ac:spMk id="2" creationId="{AA3A228F-61D0-D949-A5E7-F83756230BF8}"/>
+          </ac:spMkLst>
+        </pc:spChg>
+        <pc:spChg chg="mod">
+          <ac:chgData name="Long B Nguyen" userId="f59fb8f3-a021-417a-8bc1-65c8d471c621" providerId="ADAL" clId="{DC0E4A9C-2901-B345-B38F-5F505964D1F1}" dt="2021-10-16T18:01:31.011" v="482" actId="14100"/>
+          <ac:spMkLst>
+            <pc:docMk/>
+            <pc:sldMk cId="1438711869" sldId="284"/>
+            <ac:spMk id="9" creationId="{E3B2E017-30B2-884B-A113-B419A2ED51AD}"/>
+          </ac:spMkLst>
+        </pc:spChg>
+      </pc:sldChg>
+      <pc:sldChg chg="delSp modSp mod delAnim modAnim">
+        <pc:chgData name="Long B Nguyen" userId="f59fb8f3-a021-417a-8bc1-65c8d471c621" providerId="ADAL" clId="{DC0E4A9C-2901-B345-B38F-5F505964D1F1}" dt="2021-10-16T17:50:22.204" v="348" actId="20577"/>
         <pc:sldMkLst>
           <pc:docMk/>
           <pc:sldMk cId="1816941262" sldId="295"/>
         </pc:sldMkLst>
         <pc:spChg chg="mod">
-          <ac:chgData name="Long B Nguyen" userId="f59fb8f3-a021-417a-8bc1-65c8d471c621" providerId="ADAL" clId="{DC0E4A9C-2901-B345-B38F-5F505964D1F1}" dt="2021-10-13T15:19:03.870" v="253" actId="1037"/>
+          <ac:chgData name="Long B Nguyen" userId="f59fb8f3-a021-417a-8bc1-65c8d471c621" providerId="ADAL" clId="{DC0E4A9C-2901-B345-B38F-5F505964D1F1}" dt="2021-10-16T17:50:22.204" v="348" actId="20577"/>
+          <ac:spMkLst>
+            <pc:docMk/>
+            <pc:sldMk cId="1816941262" sldId="295"/>
+            <ac:spMk id="2" creationId="{AA3A228F-61D0-D949-A5E7-F83756230BF8}"/>
+          </ac:spMkLst>
+        </pc:spChg>
+        <pc:spChg chg="del mod">
+          <ac:chgData name="Long B Nguyen" userId="f59fb8f3-a021-417a-8bc1-65c8d471c621" providerId="ADAL" clId="{DC0E4A9C-2901-B345-B38F-5F505964D1F1}" dt="2021-10-16T17:49:19.687" v="331" actId="478"/>
           <ac:spMkLst>
             <pc:docMk/>
             <pc:sldMk cId="1816941262" sldId="295"/>
@@ -1410,15 +1442,15 @@
           </ac:spMkLst>
         </pc:spChg>
         <pc:spChg chg="mod">
-          <ac:chgData name="Long B Nguyen" userId="f59fb8f3-a021-417a-8bc1-65c8d471c621" providerId="ADAL" clId="{DC0E4A9C-2901-B345-B38F-5F505964D1F1}" dt="2021-10-13T15:18:52.936" v="228" actId="20577"/>
+          <ac:chgData name="Long B Nguyen" userId="f59fb8f3-a021-417a-8bc1-65c8d471c621" providerId="ADAL" clId="{DC0E4A9C-2901-B345-B38F-5F505964D1F1}" dt="2021-10-16T17:49:33.241" v="334" actId="20577"/>
           <ac:spMkLst>
             <pc:docMk/>
             <pc:sldMk cId="1816941262" sldId="295"/>
             <ac:spMk id="9" creationId="{E3B2E017-30B2-884B-A113-B419A2ED51AD}"/>
           </ac:spMkLst>
         </pc:spChg>
-        <pc:cxnChg chg="mod">
-          <ac:chgData name="Long B Nguyen" userId="f59fb8f3-a021-417a-8bc1-65c8d471c621" providerId="ADAL" clId="{DC0E4A9C-2901-B345-B38F-5F505964D1F1}" dt="2021-10-13T15:19:03.870" v="253" actId="1037"/>
+        <pc:cxnChg chg="del mod">
+          <ac:chgData name="Long B Nguyen" userId="f59fb8f3-a021-417a-8bc1-65c8d471c621" providerId="ADAL" clId="{DC0E4A9C-2901-B345-B38F-5F505964D1F1}" dt="2021-10-16T17:49:27.655" v="332" actId="478"/>
           <ac:cxnSpMkLst>
             <pc:docMk/>
             <pc:sldMk cId="1816941262" sldId="295"/>
@@ -1487,12 +1519,28 @@
           <pc:sldMk cId="1872435103" sldId="309"/>
         </pc:sldMkLst>
       </pc:sldChg>
-      <pc:sldChg chg="modAnim">
-        <pc:chgData name="Long B Nguyen" userId="f59fb8f3-a021-417a-8bc1-65c8d471c621" providerId="ADAL" clId="{DC0E4A9C-2901-B345-B38F-5F505964D1F1}" dt="2021-10-13T15:02:47.733" v="47"/>
+      <pc:sldChg chg="modSp mod modAnim">
+        <pc:chgData name="Long B Nguyen" userId="f59fb8f3-a021-417a-8bc1-65c8d471c621" providerId="ADAL" clId="{DC0E4A9C-2901-B345-B38F-5F505964D1F1}" dt="2021-10-16T17:59:26.899" v="479" actId="1076"/>
         <pc:sldMkLst>
           <pc:docMk/>
           <pc:sldMk cId="2097059918" sldId="313"/>
         </pc:sldMkLst>
+        <pc:spChg chg="mod">
+          <ac:chgData name="Long B Nguyen" userId="f59fb8f3-a021-417a-8bc1-65c8d471c621" providerId="ADAL" clId="{DC0E4A9C-2901-B345-B38F-5F505964D1F1}" dt="2021-10-16T17:59:26.899" v="479" actId="1076"/>
+          <ac:spMkLst>
+            <pc:docMk/>
+            <pc:sldMk cId="2097059918" sldId="313"/>
+            <ac:spMk id="2" creationId="{AA3A228F-61D0-D949-A5E7-F83756230BF8}"/>
+          </ac:spMkLst>
+        </pc:spChg>
+        <pc:spChg chg="mod">
+          <ac:chgData name="Long B Nguyen" userId="f59fb8f3-a021-417a-8bc1-65c8d471c621" providerId="ADAL" clId="{DC0E4A9C-2901-B345-B38F-5F505964D1F1}" dt="2021-10-16T17:59:18.408" v="478" actId="14100"/>
+          <ac:spMkLst>
+            <pc:docMk/>
+            <pc:sldMk cId="2097059918" sldId="313"/>
+            <ac:spMk id="9" creationId="{E3B2E017-30B2-884B-A113-B419A2ED51AD}"/>
+          </ac:spMkLst>
+        </pc:spChg>
       </pc:sldChg>
       <pc:sldChg chg="modSp">
         <pc:chgData name="Long B Nguyen" userId="f59fb8f3-a021-417a-8bc1-65c8d471c621" providerId="ADAL" clId="{DC0E4A9C-2901-B345-B38F-5F505964D1F1}" dt="2021-10-13T15:10:51.777" v="175" actId="20577"/>
@@ -1523,6 +1571,37 @@
             <ac:spMk id="9" creationId="{E3B2E017-30B2-884B-A113-B419A2ED51AD}"/>
           </ac:spMkLst>
         </pc:spChg>
+      </pc:sldChg>
+      <pc:sldChg chg="modSp add mod modAnim">
+        <pc:chgData name="Long B Nguyen" userId="f59fb8f3-a021-417a-8bc1-65c8d471c621" providerId="ADAL" clId="{DC0E4A9C-2901-B345-B38F-5F505964D1F1}" dt="2021-10-16T17:53:03.443" v="477" actId="20577"/>
+        <pc:sldMkLst>
+          <pc:docMk/>
+          <pc:sldMk cId="3622583498" sldId="334"/>
+        </pc:sldMkLst>
+        <pc:spChg chg="mod">
+          <ac:chgData name="Long B Nguyen" userId="f59fb8f3-a021-417a-8bc1-65c8d471c621" providerId="ADAL" clId="{DC0E4A9C-2901-B345-B38F-5F505964D1F1}" dt="2021-10-16T17:51:27.063" v="419" actId="20577"/>
+          <ac:spMkLst>
+            <pc:docMk/>
+            <pc:sldMk cId="3622583498" sldId="334"/>
+            <ac:spMk id="3" creationId="{53AD888D-2F6F-BB43-86CA-1A3B376061A2}"/>
+          </ac:spMkLst>
+        </pc:spChg>
+        <pc:spChg chg="mod">
+          <ac:chgData name="Long B Nguyen" userId="f59fb8f3-a021-417a-8bc1-65c8d471c621" providerId="ADAL" clId="{DC0E4A9C-2901-B345-B38F-5F505964D1F1}" dt="2021-10-16T17:53:03.443" v="477" actId="20577"/>
+          <ac:spMkLst>
+            <pc:docMk/>
+            <pc:sldMk cId="3622583498" sldId="334"/>
+            <ac:spMk id="9" creationId="{E3B2E017-30B2-884B-A113-B419A2ED51AD}"/>
+          </ac:spMkLst>
+        </pc:spChg>
+        <pc:cxnChg chg="mod">
+          <ac:chgData name="Long B Nguyen" userId="f59fb8f3-a021-417a-8bc1-65c8d471c621" providerId="ADAL" clId="{DC0E4A9C-2901-B345-B38F-5F505964D1F1}" dt="2021-10-16T17:51:34.669" v="434" actId="1038"/>
+          <ac:cxnSpMkLst>
+            <pc:docMk/>
+            <pc:sldMk cId="3622583498" sldId="334"/>
+            <ac:cxnSpMk id="5" creationId="{0FA56ED4-EC25-B14C-B73E-DC4E17ADBF86}"/>
+          </ac:cxnSpMkLst>
+        </pc:cxnChg>
       </pc:sldChg>
     </pc:docChg>
   </pc:docChgLst>
@@ -1960,7 +2039,7 @@
           <a:p>
             <a:fld id="{4AAD347D-5ACD-4C99-B74B-A9C85AD731AF}" type="datetimeFigureOut">
               <a:rPr lang="en-US" smtClean="0"/>
-              <a:t>10/13/21</a:t>
+              <a:t>10/16/21</a:t>
             </a:fld>
             <a:endParaRPr lang="en-US" dirty="0"/>
           </a:p>
@@ -2130,7 +2209,7 @@
           <a:p>
             <a:fld id="{4509A250-FF31-4206-8172-F9D3106AACB1}" type="datetimeFigureOut">
               <a:rPr lang="en-US" smtClean="0"/>
-              <a:t>10/13/21</a:t>
+              <a:t>10/16/21</a:t>
             </a:fld>
             <a:endParaRPr lang="en-US" dirty="0"/>
           </a:p>
@@ -2310,7 +2389,7 @@
           <a:p>
             <a:fld id="{4509A250-FF31-4206-8172-F9D3106AACB1}" type="datetimeFigureOut">
               <a:rPr lang="en-US" smtClean="0"/>
-              <a:t>10/13/21</a:t>
+              <a:t>10/16/21</a:t>
             </a:fld>
             <a:endParaRPr lang="en-US" dirty="0"/>
           </a:p>
@@ -2480,7 +2559,7 @@
           <a:p>
             <a:fld id="{4509A250-FF31-4206-8172-F9D3106AACB1}" type="datetimeFigureOut">
               <a:rPr lang="en-US" smtClean="0"/>
-              <a:t>10/13/21</a:t>
+              <a:t>10/16/21</a:t>
             </a:fld>
             <a:endParaRPr lang="en-US" dirty="0"/>
           </a:p>
@@ -2726,7 +2805,7 @@
           <a:p>
             <a:fld id="{9796027F-7875-4030-9381-8BD8C4F21935}" type="datetimeFigureOut">
               <a:rPr lang="en-US" smtClean="0"/>
-              <a:t>10/13/21</a:t>
+              <a:t>10/16/21</a:t>
             </a:fld>
             <a:endParaRPr lang="en-US" dirty="0"/>
           </a:p>
@@ -2958,7 +3037,7 @@
           <a:p>
             <a:fld id="{9796027F-7875-4030-9381-8BD8C4F21935}" type="datetimeFigureOut">
               <a:rPr lang="en-US" smtClean="0"/>
-              <a:t>10/13/21</a:t>
+              <a:t>10/16/21</a:t>
             </a:fld>
             <a:endParaRPr lang="en-US" dirty="0"/>
           </a:p>
@@ -3325,7 +3404,7 @@
           <a:p>
             <a:fld id="{9796027F-7875-4030-9381-8BD8C4F21935}" type="datetimeFigureOut">
               <a:rPr lang="en-US" smtClean="0"/>
-              <a:t>10/13/21</a:t>
+              <a:t>10/16/21</a:t>
             </a:fld>
             <a:endParaRPr lang="en-US" dirty="0"/>
           </a:p>
@@ -3443,7 +3522,7 @@
           <a:p>
             <a:fld id="{4509A250-FF31-4206-8172-F9D3106AACB1}" type="datetimeFigureOut">
               <a:rPr lang="en-US" smtClean="0"/>
-              <a:t>10/13/21</a:t>
+              <a:t>10/16/21</a:t>
             </a:fld>
             <a:endParaRPr lang="en-US" dirty="0"/>
           </a:p>
@@ -3538,7 +3617,7 @@
           <a:p>
             <a:fld id="{4509A250-FF31-4206-8172-F9D3106AACB1}" type="datetimeFigureOut">
               <a:rPr lang="en-US" smtClean="0"/>
-              <a:t>10/13/21</a:t>
+              <a:t>10/16/21</a:t>
             </a:fld>
             <a:endParaRPr lang="en-US" dirty="0"/>
           </a:p>
@@ -3815,7 +3894,7 @@
           <a:p>
             <a:fld id="{4509A250-FF31-4206-8172-F9D3106AACB1}" type="datetimeFigureOut">
               <a:rPr lang="en-US" smtClean="0"/>
-              <a:t>10/13/21</a:t>
+              <a:t>10/16/21</a:t>
             </a:fld>
             <a:endParaRPr lang="en-US" dirty="0"/>
           </a:p>
@@ -4072,7 +4151,7 @@
           <a:p>
             <a:fld id="{4509A250-FF31-4206-8172-F9D3106AACB1}" type="datetimeFigureOut">
               <a:rPr lang="en-US" smtClean="0"/>
-              <a:t>10/13/21</a:t>
+              <a:t>10/16/21</a:t>
             </a:fld>
             <a:endParaRPr lang="en-US" dirty="0"/>
           </a:p>
@@ -4285,7 +4364,7 @@
           <a:p>
             <a:fld id="{4AAD347D-5ACD-4C99-B74B-A9C85AD731AF}" type="datetimeFigureOut">
               <a:rPr lang="en-US" smtClean="0"/>
-              <a:t>10/13/21</a:t>
+              <a:t>10/16/21</a:t>
             </a:fld>
             <a:endParaRPr lang="en-US" dirty="0"/>
           </a:p>
@@ -5038,6 +5117,335 @@
         </p:nvSpPr>
         <p:spPr>
           <a:xfrm>
+            <a:off x="144483" y="134008"/>
+            <a:ext cx="7053542" cy="683886"/>
+          </a:xfrm>
+        </p:spPr>
+        <p:txBody>
+          <a:bodyPr/>
+          <a:lstStyle/>
+          <a:p>
+            <a:r>
+              <a:rPr lang="en-US" dirty="0"/>
+              <a:t>Summing and Counting</a:t>
+            </a:r>
+          </a:p>
+        </p:txBody>
+      </p:sp>
+      <p:sp>
+        <p:nvSpPr>
+          <p:cNvPr id="9" name="Content Placeholder 8">
+            <a:extLst>
+              <a:ext uri="{FF2B5EF4-FFF2-40B4-BE49-F238E27FC236}">
+                <a16:creationId xmlns:a16="http://schemas.microsoft.com/office/drawing/2014/main" id="{E3B2E017-30B2-884B-A113-B419A2ED51AD}"/>
+              </a:ext>
+            </a:extLst>
+          </p:cNvPr>
+          <p:cNvSpPr>
+            <a:spLocks noGrp="1"/>
+          </p:cNvSpPr>
+          <p:nvPr>
+            <p:ph idx="1"/>
+          </p:nvPr>
+        </p:nvSpPr>
+        <p:spPr>
+          <a:xfrm>
+            <a:off x="144483" y="817895"/>
+            <a:ext cx="8726139" cy="4763097"/>
+          </a:xfrm>
+        </p:spPr>
+        <p:txBody>
+          <a:bodyPr>
+            <a:normAutofit/>
+          </a:bodyPr>
+          <a:lstStyle/>
+          <a:p>
+            <a:pPr marL="0" indent="0">
+              <a:buNone/>
+            </a:pPr>
+            <a:endParaRPr lang="en-US" dirty="0">
+              <a:latin typeface="Gill Sans MT" panose="020B0502020104020203" pitchFamily="34" charset="77"/>
+            </a:endParaRPr>
+          </a:p>
+          <a:p>
+            <a:pPr marL="0" indent="0">
+              <a:buNone/>
+            </a:pPr>
+            <a:r>
+              <a:rPr lang="en-US" dirty="0">
+                <a:latin typeface="Gill Sans MT" panose="020B0502020104020203" pitchFamily="34" charset="77"/>
+              </a:rPr>
+              <a:t>There are two common tasks that uses for loops. </a:t>
+            </a:r>
+          </a:p>
+          <a:p>
+            <a:pPr marL="0" indent="0">
+              <a:buNone/>
+            </a:pPr>
+            <a:endParaRPr lang="en-US" dirty="0">
+              <a:latin typeface="Gill Sans MT" panose="020B0502020104020203" pitchFamily="34" charset="77"/>
+            </a:endParaRPr>
+          </a:p>
+          <a:p>
+            <a:pPr marL="0" indent="0">
+              <a:buNone/>
+            </a:pPr>
+            <a:r>
+              <a:rPr lang="en-US" dirty="0">
+                <a:latin typeface="Gill Sans MT" panose="020B0502020104020203" pitchFamily="34" charset="77"/>
+              </a:rPr>
+              <a:t>1) Summing</a:t>
+            </a:r>
+          </a:p>
+          <a:p>
+            <a:pPr marL="0" indent="0">
+              <a:buNone/>
+            </a:pPr>
+            <a:r>
+              <a:rPr lang="en-US" dirty="0">
+                <a:latin typeface="Gill Sans MT" panose="020B0502020104020203" pitchFamily="34" charset="77"/>
+              </a:rPr>
+              <a:t>2) Counting</a:t>
+            </a:r>
+          </a:p>
+          <a:p>
+            <a:pPr marL="0" indent="0">
+              <a:buNone/>
+            </a:pPr>
+            <a:endParaRPr lang="en-US" sz="2100" dirty="0">
+              <a:solidFill>
+                <a:srgbClr val="000087"/>
+              </a:solidFill>
+              <a:latin typeface="Gill Sans MT" panose="020B0502020104020203" pitchFamily="34" charset="77"/>
+            </a:endParaRPr>
+          </a:p>
+        </p:txBody>
+      </p:sp>
+    </p:spTree>
+    <p:extLst>
+      <p:ext uri="{BB962C8B-B14F-4D97-AF65-F5344CB8AC3E}">
+        <p14:creationId xmlns:p14="http://schemas.microsoft.com/office/powerpoint/2010/main" val="1600871836"/>
+      </p:ext>
+    </p:extLst>
+  </p:cSld>
+  <p:clrMapOvr>
+    <a:masterClrMapping/>
+  </p:clrMapOvr>
+  <p:timing>
+    <p:tnLst>
+      <p:par>
+        <p:cTn id="1" dur="indefinite" restart="never" nodeType="tmRoot">
+          <p:childTnLst>
+            <p:seq concurrent="1" nextAc="seek">
+              <p:cTn id="2" dur="indefinite" nodeType="mainSeq">
+                <p:childTnLst>
+                  <p:par>
+                    <p:cTn id="3" fill="hold">
+                      <p:stCondLst>
+                        <p:cond delay="indefinite"/>
+                      </p:stCondLst>
+                      <p:childTnLst>
+                        <p:par>
+                          <p:cTn id="4" fill="hold">
+                            <p:stCondLst>
+                              <p:cond delay="0"/>
+                            </p:stCondLst>
+                            <p:childTnLst>
+                              <p:par>
+                                <p:cTn id="5" presetID="1" presetClass="entr" presetSubtype="0" fill="hold" nodeType="clickEffect">
+                                  <p:stCondLst>
+                                    <p:cond delay="0"/>
+                                  </p:stCondLst>
+                                  <p:childTnLst>
+                                    <p:set>
+                                      <p:cBhvr>
+                                        <p:cTn id="6" dur="1" fill="hold">
+                                          <p:stCondLst>
+                                            <p:cond delay="0"/>
+                                          </p:stCondLst>
+                                        </p:cTn>
+                                        <p:tgtEl>
+                                          <p:spTgt spid="9">
+                                            <p:txEl>
+                                              <p:pRg st="1" end="1"/>
+                                            </p:txEl>
+                                          </p:spTgt>
+                                        </p:tgtEl>
+                                        <p:attrNameLst>
+                                          <p:attrName>style.visibility</p:attrName>
+                                        </p:attrNameLst>
+                                      </p:cBhvr>
+                                      <p:to>
+                                        <p:strVal val="visible"/>
+                                      </p:to>
+                                    </p:set>
+                                  </p:childTnLst>
+                                </p:cTn>
+                              </p:par>
+                            </p:childTnLst>
+                          </p:cTn>
+                        </p:par>
+                      </p:childTnLst>
+                    </p:cTn>
+                  </p:par>
+                  <p:par>
+                    <p:cTn id="7" fill="hold">
+                      <p:stCondLst>
+                        <p:cond delay="indefinite"/>
+                      </p:stCondLst>
+                      <p:childTnLst>
+                        <p:par>
+                          <p:cTn id="8" fill="hold">
+                            <p:stCondLst>
+                              <p:cond delay="0"/>
+                            </p:stCondLst>
+                            <p:childTnLst>
+                              <p:par>
+                                <p:cTn id="9" presetID="1" presetClass="entr" presetSubtype="0" fill="hold" nodeType="clickEffect">
+                                  <p:stCondLst>
+                                    <p:cond delay="0"/>
+                                  </p:stCondLst>
+                                  <p:childTnLst>
+                                    <p:set>
+                                      <p:cBhvr>
+                                        <p:cTn id="10" dur="1" fill="hold">
+                                          <p:stCondLst>
+                                            <p:cond delay="0"/>
+                                          </p:stCondLst>
+                                        </p:cTn>
+                                        <p:tgtEl>
+                                          <p:spTgt spid="9">
+                                            <p:txEl>
+                                              <p:pRg st="3" end="3"/>
+                                            </p:txEl>
+                                          </p:spTgt>
+                                        </p:tgtEl>
+                                        <p:attrNameLst>
+                                          <p:attrName>style.visibility</p:attrName>
+                                        </p:attrNameLst>
+                                      </p:cBhvr>
+                                      <p:to>
+                                        <p:strVal val="visible"/>
+                                      </p:to>
+                                    </p:set>
+                                  </p:childTnLst>
+                                </p:cTn>
+                              </p:par>
+                            </p:childTnLst>
+                          </p:cTn>
+                        </p:par>
+                      </p:childTnLst>
+                    </p:cTn>
+                  </p:par>
+                  <p:par>
+                    <p:cTn id="11" fill="hold">
+                      <p:stCondLst>
+                        <p:cond delay="indefinite"/>
+                      </p:stCondLst>
+                      <p:childTnLst>
+                        <p:par>
+                          <p:cTn id="12" fill="hold">
+                            <p:stCondLst>
+                              <p:cond delay="0"/>
+                            </p:stCondLst>
+                            <p:childTnLst>
+                              <p:par>
+                                <p:cTn id="13" presetID="1" presetClass="entr" presetSubtype="0" fill="hold" nodeType="clickEffect">
+                                  <p:stCondLst>
+                                    <p:cond delay="0"/>
+                                  </p:stCondLst>
+                                  <p:childTnLst>
+                                    <p:set>
+                                      <p:cBhvr>
+                                        <p:cTn id="14" dur="1" fill="hold">
+                                          <p:stCondLst>
+                                            <p:cond delay="0"/>
+                                          </p:stCondLst>
+                                        </p:cTn>
+                                        <p:tgtEl>
+                                          <p:spTgt spid="9">
+                                            <p:txEl>
+                                              <p:pRg st="4" end="4"/>
+                                            </p:txEl>
+                                          </p:spTgt>
+                                        </p:tgtEl>
+                                        <p:attrNameLst>
+                                          <p:attrName>style.visibility</p:attrName>
+                                        </p:attrNameLst>
+                                      </p:cBhvr>
+                                      <p:to>
+                                        <p:strVal val="visible"/>
+                                      </p:to>
+                                    </p:set>
+                                  </p:childTnLst>
+                                </p:cTn>
+                              </p:par>
+                            </p:childTnLst>
+                          </p:cTn>
+                        </p:par>
+                      </p:childTnLst>
+                    </p:cTn>
+                  </p:par>
+                </p:childTnLst>
+              </p:cTn>
+              <p:prevCondLst>
+                <p:cond evt="onPrev" delay="0">
+                  <p:tgtEl>
+                    <p:sldTgt/>
+                  </p:tgtEl>
+                </p:cond>
+              </p:prevCondLst>
+              <p:nextCondLst>
+                <p:cond evt="onNext" delay="0">
+                  <p:tgtEl>
+                    <p:sldTgt/>
+                  </p:tgtEl>
+                </p:cond>
+              </p:nextCondLst>
+            </p:seq>
+          </p:childTnLst>
+        </p:cTn>
+      </p:par>
+    </p:tnLst>
+  </p:timing>
+</p:sld>
+</file>
+
+<file path=ppt/slides/slide11.xml><?xml version="1.0" encoding="utf-8"?>
+<p:sld xmlns:a="http://schemas.openxmlformats.org/drawingml/2006/main" xmlns:r="http://schemas.openxmlformats.org/officeDocument/2006/relationships" xmlns:p="http://schemas.openxmlformats.org/presentationml/2006/main">
+  <p:cSld>
+    <p:spTree>
+      <p:nvGrpSpPr>
+        <p:cNvPr id="1" name=""/>
+        <p:cNvGrpSpPr/>
+        <p:nvPr/>
+      </p:nvGrpSpPr>
+      <p:grpSpPr>
+        <a:xfrm>
+          <a:off x="0" y="0"/>
+          <a:ext cx="0" cy="0"/>
+          <a:chOff x="0" y="0"/>
+          <a:chExt cx="0" cy="0"/>
+        </a:xfrm>
+      </p:grpSpPr>
+      <p:sp>
+        <p:nvSpPr>
+          <p:cNvPr id="2" name="Title 1">
+            <a:extLst>
+              <a:ext uri="{FF2B5EF4-FFF2-40B4-BE49-F238E27FC236}">
+                <a16:creationId xmlns:a16="http://schemas.microsoft.com/office/drawing/2014/main" id="{AA3A228F-61D0-D949-A5E7-F83756230BF8}"/>
+              </a:ext>
+            </a:extLst>
+          </p:cNvPr>
+          <p:cNvSpPr>
+            <a:spLocks noGrp="1"/>
+          </p:cNvSpPr>
+          <p:nvPr>
+            <p:ph type="title"/>
+          </p:nvPr>
+        </p:nvSpPr>
+        <p:spPr>
+          <a:xfrm>
             <a:off x="172764" y="134008"/>
             <a:ext cx="7053542" cy="683886"/>
           </a:xfrm>
@@ -5375,7 +5783,7 @@
 </p:sld>
 </file>
 
-<file path=ppt/slides/slide11.xml><?xml version="1.0" encoding="utf-8"?>
+<file path=ppt/slides/slide12.xml><?xml version="1.0" encoding="utf-8"?>
 <p:sld xmlns:a="http://schemas.openxmlformats.org/drawingml/2006/main" xmlns:r="http://schemas.openxmlformats.org/officeDocument/2006/relationships" xmlns:p="http://schemas.openxmlformats.org/presentationml/2006/main">
   <p:cSld>
     <p:spTree>
@@ -6189,7 +6597,7 @@
 </p:sld>
 </file>
 
-<file path=ppt/slides/slide12.xml><?xml version="1.0" encoding="utf-8"?>
+<file path=ppt/slides/slide13.xml><?xml version="1.0" encoding="utf-8"?>
 <p:sld xmlns:a="http://schemas.openxmlformats.org/drawingml/2006/main" xmlns:r="http://schemas.openxmlformats.org/officeDocument/2006/relationships" xmlns:p="http://schemas.openxmlformats.org/presentationml/2006/main">
   <p:cSld>
     <p:spTree>
@@ -7028,7 +7436,7 @@
 </p:sld>
 </file>
 
-<file path=ppt/slides/slide13.xml><?xml version="1.0" encoding="utf-8"?>
+<file path=ppt/slides/slide14.xml><?xml version="1.0" encoding="utf-8"?>
 <p:sld xmlns:a="http://schemas.openxmlformats.org/drawingml/2006/main" xmlns:r="http://schemas.openxmlformats.org/officeDocument/2006/relationships" xmlns:p="http://schemas.openxmlformats.org/presentationml/2006/main">
   <p:cSld>
     <p:spTree>
@@ -7211,7 +7619,7 @@
 </p:sld>
 </file>
 
-<file path=ppt/slides/slide14.xml><?xml version="1.0" encoding="utf-8"?>
+<file path=ppt/slides/slide15.xml><?xml version="1.0" encoding="utf-8"?>
 <p:sld xmlns:a="http://schemas.openxmlformats.org/drawingml/2006/main" xmlns:r="http://schemas.openxmlformats.org/officeDocument/2006/relationships" xmlns:p="http://schemas.openxmlformats.org/presentationml/2006/main">
   <p:cSld>
     <p:spTree>
@@ -7704,7 +8112,7 @@
 </p:sld>
 </file>
 
-<file path=ppt/slides/slide15.xml><?xml version="1.0" encoding="utf-8"?>
+<file path=ppt/slides/slide16.xml><?xml version="1.0" encoding="utf-8"?>
 <p:sld xmlns:a="http://schemas.openxmlformats.org/drawingml/2006/main" xmlns:r="http://schemas.openxmlformats.org/officeDocument/2006/relationships" xmlns:p="http://schemas.openxmlformats.org/presentationml/2006/main">
   <p:cSld>
     <p:spTree>
@@ -8086,7 +8494,7 @@
 </p:sld>
 </file>
 
-<file path=ppt/slides/slide16.xml><?xml version="1.0" encoding="utf-8"?>
+<file path=ppt/slides/slide17.xml><?xml version="1.0" encoding="utf-8"?>
 <p:sld xmlns:a="http://schemas.openxmlformats.org/drawingml/2006/main" xmlns:r="http://schemas.openxmlformats.org/officeDocument/2006/relationships" xmlns:p="http://schemas.openxmlformats.org/presentationml/2006/main">
   <p:cSld>
     <p:spTree>
@@ -8896,7 +9304,7 @@
 </p:sld>
 </file>
 
-<file path=ppt/slides/slide17.xml><?xml version="1.0" encoding="utf-8"?>
+<file path=ppt/slides/slide18.xml><?xml version="1.0" encoding="utf-8"?>
 <p:sld xmlns:a="http://schemas.openxmlformats.org/drawingml/2006/main" xmlns:r="http://schemas.openxmlformats.org/officeDocument/2006/relationships" xmlns:p="http://schemas.openxmlformats.org/presentationml/2006/main">
   <p:cSld>
     <p:spTree>
@@ -8931,7 +9339,7 @@
         </p:nvSpPr>
         <p:spPr>
           <a:xfrm>
-            <a:off x="483848" y="467027"/>
+            <a:off x="245309" y="268244"/>
             <a:ext cx="7053542" cy="683886"/>
           </a:xfrm>
         </p:spPr>
@@ -8964,8 +9372,8 @@
         </p:nvSpPr>
         <p:spPr>
           <a:xfrm>
-            <a:off x="483848" y="1150913"/>
-            <a:ext cx="8051725" cy="4440590"/>
+            <a:off x="245310" y="1133061"/>
+            <a:ext cx="8620394" cy="4313695"/>
           </a:xfrm>
         </p:spPr>
         <p:txBody>
@@ -9378,7 +9786,7 @@
 </p:sld>
 </file>
 
-<file path=ppt/slides/slide18.xml><?xml version="1.0" encoding="utf-8"?>
+<file path=ppt/slides/slide19.xml><?xml version="1.0" encoding="utf-8"?>
 <p:sld xmlns:a="http://schemas.openxmlformats.org/drawingml/2006/main" xmlns:r="http://schemas.openxmlformats.org/officeDocument/2006/relationships" xmlns:p="http://schemas.openxmlformats.org/presentationml/2006/main">
   <p:cSld>
     <p:spTree>
@@ -9817,286 +10225,6 @@
 </p:sld>
 </file>
 
-<file path=ppt/slides/slide19.xml><?xml version="1.0" encoding="utf-8"?>
-<p:sld xmlns:a="http://schemas.openxmlformats.org/drawingml/2006/main" xmlns:r="http://schemas.openxmlformats.org/officeDocument/2006/relationships" xmlns:p="http://schemas.openxmlformats.org/presentationml/2006/main">
-  <p:cSld>
-    <p:spTree>
-      <p:nvGrpSpPr>
-        <p:cNvPr id="1" name=""/>
-        <p:cNvGrpSpPr/>
-        <p:nvPr/>
-      </p:nvGrpSpPr>
-      <p:grpSpPr>
-        <a:xfrm>
-          <a:off x="0" y="0"/>
-          <a:ext cx="0" cy="0"/>
-          <a:chOff x="0" y="0"/>
-          <a:chExt cx="0" cy="0"/>
-        </a:xfrm>
-      </p:grpSpPr>
-      <p:sp>
-        <p:nvSpPr>
-          <p:cNvPr id="2" name="Title 1">
-            <a:extLst>
-              <a:ext uri="{FF2B5EF4-FFF2-40B4-BE49-F238E27FC236}">
-                <a16:creationId xmlns:a16="http://schemas.microsoft.com/office/drawing/2014/main" id="{AA3A228F-61D0-D949-A5E7-F83756230BF8}"/>
-              </a:ext>
-            </a:extLst>
-          </p:cNvPr>
-          <p:cNvSpPr>
-            <a:spLocks noGrp="1"/>
-          </p:cNvSpPr>
-          <p:nvPr>
-            <p:ph type="title"/>
-          </p:nvPr>
-        </p:nvSpPr>
-        <p:spPr>
-          <a:xfrm>
-            <a:off x="192018" y="85790"/>
-            <a:ext cx="7053542" cy="683886"/>
-          </a:xfrm>
-        </p:spPr>
-        <p:txBody>
-          <a:bodyPr/>
-          <a:lstStyle/>
-          <a:p>
-            <a:r>
-              <a:rPr lang="en-US" dirty="0"/>
-              <a:t>Lab 2: Counting Primes </a:t>
-            </a:r>
-          </a:p>
-        </p:txBody>
-      </p:sp>
-      <p:sp>
-        <p:nvSpPr>
-          <p:cNvPr id="9" name="Content Placeholder 8">
-            <a:extLst>
-              <a:ext uri="{FF2B5EF4-FFF2-40B4-BE49-F238E27FC236}">
-                <a16:creationId xmlns:a16="http://schemas.microsoft.com/office/drawing/2014/main" id="{E3B2E017-30B2-884B-A113-B419A2ED51AD}"/>
-              </a:ext>
-            </a:extLst>
-          </p:cNvPr>
-          <p:cNvSpPr>
-            <a:spLocks noGrp="1"/>
-          </p:cNvSpPr>
-          <p:nvPr>
-            <p:ph idx="1"/>
-          </p:nvPr>
-        </p:nvSpPr>
-        <p:spPr>
-          <a:xfrm>
-            <a:off x="192018" y="671196"/>
-            <a:ext cx="8829434" cy="5043804"/>
-          </a:xfrm>
-        </p:spPr>
-        <p:txBody>
-          <a:bodyPr>
-            <a:noAutofit/>
-          </a:bodyPr>
-          <a:lstStyle/>
-          <a:p>
-            <a:pPr marL="0" indent="0">
-              <a:buNone/>
-            </a:pPr>
-            <a:r>
-              <a:rPr lang="en-US" dirty="0"/>
-              <a:t>Create a new repl. </a:t>
-            </a:r>
-          </a:p>
-          <a:p>
-            <a:pPr marL="0" indent="0">
-              <a:buNone/>
-            </a:pPr>
-            <a:r>
-              <a:rPr lang="en-US" dirty="0"/>
-              <a:t>1) Rewrite the function </a:t>
-            </a:r>
-            <a:r>
-              <a:rPr lang="en-US" dirty="0" err="1"/>
-              <a:t>count_factors</a:t>
-            </a:r>
-            <a:r>
-              <a:rPr lang="en-US" dirty="0"/>
-              <a:t> as explained in a previous slide. </a:t>
-            </a:r>
-          </a:p>
-          <a:p>
-            <a:pPr marL="0" indent="0">
-              <a:buNone/>
-            </a:pPr>
-            <a:r>
-              <a:rPr lang="en-US" dirty="0"/>
-              <a:t>2) A number n is prime if its only factors are 1 and n. Write the function </a:t>
-            </a:r>
-            <a:r>
-              <a:rPr lang="en-US" dirty="0" err="1"/>
-              <a:t>is_prime</a:t>
-            </a:r>
-            <a:r>
-              <a:rPr lang="en-US" dirty="0"/>
-              <a:t> which accepts an integer n and returns whether it is prime.  Note that 1 is not prime. </a:t>
-            </a:r>
-            <a:r>
-              <a:rPr lang="en-US" dirty="0">
-                <a:solidFill>
-                  <a:srgbClr val="FF0000"/>
-                </a:solidFill>
-              </a:rPr>
-              <a:t>You must call the function </a:t>
-            </a:r>
-            <a:r>
-              <a:rPr lang="en-US" dirty="0" err="1">
-                <a:solidFill>
-                  <a:srgbClr val="FF0000"/>
-                </a:solidFill>
-              </a:rPr>
-              <a:t>count_factors</a:t>
-            </a:r>
-            <a:r>
-              <a:rPr lang="en-US" dirty="0">
-                <a:solidFill>
-                  <a:srgbClr val="FF0000"/>
-                </a:solidFill>
-              </a:rPr>
-              <a:t> in your implementation of </a:t>
-            </a:r>
-            <a:r>
-              <a:rPr lang="en-US" dirty="0" err="1">
-                <a:solidFill>
-                  <a:srgbClr val="FF0000"/>
-                </a:solidFill>
-              </a:rPr>
-              <a:t>is_prime</a:t>
-            </a:r>
-            <a:r>
-              <a:rPr lang="en-US" dirty="0">
-                <a:solidFill>
-                  <a:srgbClr val="FF0000"/>
-                </a:solidFill>
-              </a:rPr>
-              <a:t>.</a:t>
-            </a:r>
-          </a:p>
-          <a:p>
-            <a:pPr marL="0" indent="0">
-              <a:buNone/>
-            </a:pPr>
-            <a:r>
-              <a:rPr lang="en-US" dirty="0" err="1">
-                <a:solidFill>
-                  <a:srgbClr val="FF0000"/>
-                </a:solidFill>
-              </a:rPr>
-              <a:t>is_prime</a:t>
-            </a:r>
-            <a:r>
-              <a:rPr lang="en-US" dirty="0">
-                <a:solidFill>
-                  <a:srgbClr val="FF0000"/>
-                </a:solidFill>
-              </a:rPr>
-              <a:t>(13) returns True</a:t>
-            </a:r>
-          </a:p>
-          <a:p>
-            <a:pPr marL="0" indent="0">
-              <a:buNone/>
-            </a:pPr>
-            <a:r>
-              <a:rPr lang="en-US" dirty="0" err="1">
-                <a:solidFill>
-                  <a:srgbClr val="FF0000"/>
-                </a:solidFill>
-              </a:rPr>
-              <a:t>is_prime</a:t>
-            </a:r>
-            <a:r>
-              <a:rPr lang="en-US" dirty="0">
-                <a:solidFill>
-                  <a:srgbClr val="FF0000"/>
-                </a:solidFill>
-              </a:rPr>
-              <a:t>(1245) returns False</a:t>
-            </a:r>
-          </a:p>
-          <a:p>
-            <a:pPr marL="0" indent="0">
-              <a:buNone/>
-            </a:pPr>
-            <a:r>
-              <a:rPr lang="en-US" dirty="0"/>
-              <a:t>3) Write the function </a:t>
-            </a:r>
-            <a:r>
-              <a:rPr lang="en-US" dirty="0" err="1"/>
-              <a:t>num_primes</a:t>
-            </a:r>
-            <a:r>
-              <a:rPr lang="en-US" dirty="0"/>
-              <a:t> which accepts an integer n and and returns the number of primes up to and including n.  </a:t>
-            </a:r>
-            <a:r>
-              <a:rPr lang="en-US" dirty="0">
-                <a:solidFill>
-                  <a:srgbClr val="FF0000"/>
-                </a:solidFill>
-              </a:rPr>
-              <a:t>You must call the function </a:t>
-            </a:r>
-            <a:r>
-              <a:rPr lang="en-US" dirty="0" err="1">
-                <a:solidFill>
-                  <a:srgbClr val="FF0000"/>
-                </a:solidFill>
-              </a:rPr>
-              <a:t>is_prime</a:t>
-            </a:r>
-            <a:r>
-              <a:rPr lang="en-US" dirty="0">
-                <a:solidFill>
-                  <a:srgbClr val="FF0000"/>
-                </a:solidFill>
-              </a:rPr>
-              <a:t> in your implementation.</a:t>
-            </a:r>
-          </a:p>
-          <a:p>
-            <a:pPr marL="0" indent="0">
-              <a:buNone/>
-            </a:pPr>
-            <a:r>
-              <a:rPr lang="en-US" dirty="0" err="1"/>
-              <a:t>num_prime</a:t>
-            </a:r>
-            <a:r>
-              <a:rPr lang="en-US" dirty="0"/>
-              <a:t>(11) returns 5 since 2, 3, 5, 7, 11 are the 5 prime numbers less than or equal to 11. </a:t>
-            </a:r>
-          </a:p>
-          <a:p>
-            <a:pPr marL="0" indent="0">
-              <a:buNone/>
-            </a:pPr>
-            <a:r>
-              <a:rPr lang="en-US" dirty="0"/>
-              <a:t>Call the three above functions with different inputs and make sure that your functions work as expected. </a:t>
-            </a:r>
-          </a:p>
-        </p:txBody>
-      </p:sp>
-    </p:spTree>
-    <p:extLst>
-      <p:ext uri="{BB962C8B-B14F-4D97-AF65-F5344CB8AC3E}">
-        <p14:creationId xmlns:p14="http://schemas.microsoft.com/office/powerpoint/2010/main" val="3662915732"/>
-      </p:ext>
-    </p:extLst>
-  </p:cSld>
-  <p:clrMapOvr>
-    <a:masterClrMapping/>
-  </p:clrMapOvr>
-</p:sld>
-</file>
-
 <file path=ppt/slides/slide2.xml><?xml version="1.0" encoding="utf-8"?>
 <p:sld xmlns:a="http://schemas.openxmlformats.org/drawingml/2006/main" xmlns:r="http://schemas.openxmlformats.org/officeDocument/2006/relationships" xmlns:p="http://schemas.openxmlformats.org/presentationml/2006/main">
   <p:cSld>
@@ -10255,6 +10383,286 @@
 </file>
 
 <file path=ppt/slides/slide20.xml><?xml version="1.0" encoding="utf-8"?>
+<p:sld xmlns:a="http://schemas.openxmlformats.org/drawingml/2006/main" xmlns:r="http://schemas.openxmlformats.org/officeDocument/2006/relationships" xmlns:p="http://schemas.openxmlformats.org/presentationml/2006/main">
+  <p:cSld>
+    <p:spTree>
+      <p:nvGrpSpPr>
+        <p:cNvPr id="1" name=""/>
+        <p:cNvGrpSpPr/>
+        <p:nvPr/>
+      </p:nvGrpSpPr>
+      <p:grpSpPr>
+        <a:xfrm>
+          <a:off x="0" y="0"/>
+          <a:ext cx="0" cy="0"/>
+          <a:chOff x="0" y="0"/>
+          <a:chExt cx="0" cy="0"/>
+        </a:xfrm>
+      </p:grpSpPr>
+      <p:sp>
+        <p:nvSpPr>
+          <p:cNvPr id="2" name="Title 1">
+            <a:extLst>
+              <a:ext uri="{FF2B5EF4-FFF2-40B4-BE49-F238E27FC236}">
+                <a16:creationId xmlns:a16="http://schemas.microsoft.com/office/drawing/2014/main" id="{AA3A228F-61D0-D949-A5E7-F83756230BF8}"/>
+              </a:ext>
+            </a:extLst>
+          </p:cNvPr>
+          <p:cNvSpPr>
+            <a:spLocks noGrp="1"/>
+          </p:cNvSpPr>
+          <p:nvPr>
+            <p:ph type="title"/>
+          </p:nvPr>
+        </p:nvSpPr>
+        <p:spPr>
+          <a:xfrm>
+            <a:off x="192018" y="85790"/>
+            <a:ext cx="7053542" cy="683886"/>
+          </a:xfrm>
+        </p:spPr>
+        <p:txBody>
+          <a:bodyPr/>
+          <a:lstStyle/>
+          <a:p>
+            <a:r>
+              <a:rPr lang="en-US" dirty="0"/>
+              <a:t>Lab 2: Counting Primes </a:t>
+            </a:r>
+          </a:p>
+        </p:txBody>
+      </p:sp>
+      <p:sp>
+        <p:nvSpPr>
+          <p:cNvPr id="9" name="Content Placeholder 8">
+            <a:extLst>
+              <a:ext uri="{FF2B5EF4-FFF2-40B4-BE49-F238E27FC236}">
+                <a16:creationId xmlns:a16="http://schemas.microsoft.com/office/drawing/2014/main" id="{E3B2E017-30B2-884B-A113-B419A2ED51AD}"/>
+              </a:ext>
+            </a:extLst>
+          </p:cNvPr>
+          <p:cNvSpPr>
+            <a:spLocks noGrp="1"/>
+          </p:cNvSpPr>
+          <p:nvPr>
+            <p:ph idx="1"/>
+          </p:nvPr>
+        </p:nvSpPr>
+        <p:spPr>
+          <a:xfrm>
+            <a:off x="192018" y="671196"/>
+            <a:ext cx="8829434" cy="5043804"/>
+          </a:xfrm>
+        </p:spPr>
+        <p:txBody>
+          <a:bodyPr>
+            <a:noAutofit/>
+          </a:bodyPr>
+          <a:lstStyle/>
+          <a:p>
+            <a:pPr marL="0" indent="0">
+              <a:buNone/>
+            </a:pPr>
+            <a:r>
+              <a:rPr lang="en-US" dirty="0"/>
+              <a:t>Create a new repl. </a:t>
+            </a:r>
+          </a:p>
+          <a:p>
+            <a:pPr marL="0" indent="0">
+              <a:buNone/>
+            </a:pPr>
+            <a:r>
+              <a:rPr lang="en-US" dirty="0"/>
+              <a:t>1) Rewrite the function </a:t>
+            </a:r>
+            <a:r>
+              <a:rPr lang="en-US" dirty="0" err="1"/>
+              <a:t>count_factors</a:t>
+            </a:r>
+            <a:r>
+              <a:rPr lang="en-US" dirty="0"/>
+              <a:t> as explained in a previous slide. </a:t>
+            </a:r>
+          </a:p>
+          <a:p>
+            <a:pPr marL="0" indent="0">
+              <a:buNone/>
+            </a:pPr>
+            <a:r>
+              <a:rPr lang="en-US" dirty="0"/>
+              <a:t>2) A number n is prime if its only factors are 1 and n. Write the function </a:t>
+            </a:r>
+            <a:r>
+              <a:rPr lang="en-US" dirty="0" err="1"/>
+              <a:t>is_prime</a:t>
+            </a:r>
+            <a:r>
+              <a:rPr lang="en-US" dirty="0"/>
+              <a:t> which accepts an integer n and returns whether it is prime.  Note that 1 is not prime. </a:t>
+            </a:r>
+            <a:r>
+              <a:rPr lang="en-US" dirty="0">
+                <a:solidFill>
+                  <a:srgbClr val="FF0000"/>
+                </a:solidFill>
+              </a:rPr>
+              <a:t>You must call the function </a:t>
+            </a:r>
+            <a:r>
+              <a:rPr lang="en-US" dirty="0" err="1">
+                <a:solidFill>
+                  <a:srgbClr val="FF0000"/>
+                </a:solidFill>
+              </a:rPr>
+              <a:t>count_factors</a:t>
+            </a:r>
+            <a:r>
+              <a:rPr lang="en-US" dirty="0">
+                <a:solidFill>
+                  <a:srgbClr val="FF0000"/>
+                </a:solidFill>
+              </a:rPr>
+              <a:t> in your implementation of </a:t>
+            </a:r>
+            <a:r>
+              <a:rPr lang="en-US" dirty="0" err="1">
+                <a:solidFill>
+                  <a:srgbClr val="FF0000"/>
+                </a:solidFill>
+              </a:rPr>
+              <a:t>is_prime</a:t>
+            </a:r>
+            <a:r>
+              <a:rPr lang="en-US" dirty="0">
+                <a:solidFill>
+                  <a:srgbClr val="FF0000"/>
+                </a:solidFill>
+              </a:rPr>
+              <a:t>.</a:t>
+            </a:r>
+          </a:p>
+          <a:p>
+            <a:pPr marL="0" indent="0">
+              <a:buNone/>
+            </a:pPr>
+            <a:r>
+              <a:rPr lang="en-US" dirty="0" err="1">
+                <a:solidFill>
+                  <a:srgbClr val="FF0000"/>
+                </a:solidFill>
+              </a:rPr>
+              <a:t>is_prime</a:t>
+            </a:r>
+            <a:r>
+              <a:rPr lang="en-US" dirty="0">
+                <a:solidFill>
+                  <a:srgbClr val="FF0000"/>
+                </a:solidFill>
+              </a:rPr>
+              <a:t>(13) returns True</a:t>
+            </a:r>
+          </a:p>
+          <a:p>
+            <a:pPr marL="0" indent="0">
+              <a:buNone/>
+            </a:pPr>
+            <a:r>
+              <a:rPr lang="en-US" dirty="0" err="1">
+                <a:solidFill>
+                  <a:srgbClr val="FF0000"/>
+                </a:solidFill>
+              </a:rPr>
+              <a:t>is_prime</a:t>
+            </a:r>
+            <a:r>
+              <a:rPr lang="en-US" dirty="0">
+                <a:solidFill>
+                  <a:srgbClr val="FF0000"/>
+                </a:solidFill>
+              </a:rPr>
+              <a:t>(1245) returns False</a:t>
+            </a:r>
+          </a:p>
+          <a:p>
+            <a:pPr marL="0" indent="0">
+              <a:buNone/>
+            </a:pPr>
+            <a:r>
+              <a:rPr lang="en-US" dirty="0"/>
+              <a:t>3) Write the function </a:t>
+            </a:r>
+            <a:r>
+              <a:rPr lang="en-US" dirty="0" err="1"/>
+              <a:t>num_primes</a:t>
+            </a:r>
+            <a:r>
+              <a:rPr lang="en-US" dirty="0"/>
+              <a:t> which accepts an integer n and and returns the number of primes up to and including n.  </a:t>
+            </a:r>
+            <a:r>
+              <a:rPr lang="en-US" dirty="0">
+                <a:solidFill>
+                  <a:srgbClr val="FF0000"/>
+                </a:solidFill>
+              </a:rPr>
+              <a:t>You must call the function </a:t>
+            </a:r>
+            <a:r>
+              <a:rPr lang="en-US" dirty="0" err="1">
+                <a:solidFill>
+                  <a:srgbClr val="FF0000"/>
+                </a:solidFill>
+              </a:rPr>
+              <a:t>is_prime</a:t>
+            </a:r>
+            <a:r>
+              <a:rPr lang="en-US" dirty="0">
+                <a:solidFill>
+                  <a:srgbClr val="FF0000"/>
+                </a:solidFill>
+              </a:rPr>
+              <a:t> in your implementation.</a:t>
+            </a:r>
+          </a:p>
+          <a:p>
+            <a:pPr marL="0" indent="0">
+              <a:buNone/>
+            </a:pPr>
+            <a:r>
+              <a:rPr lang="en-US" dirty="0" err="1"/>
+              <a:t>num_prime</a:t>
+            </a:r>
+            <a:r>
+              <a:rPr lang="en-US" dirty="0"/>
+              <a:t>(11) returns 5 since 2, 3, 5, 7, 11 are the 5 prime numbers less than or equal to 11. </a:t>
+            </a:r>
+          </a:p>
+          <a:p>
+            <a:pPr marL="0" indent="0">
+              <a:buNone/>
+            </a:pPr>
+            <a:r>
+              <a:rPr lang="en-US" dirty="0"/>
+              <a:t>Call the three above functions with different inputs and make sure that your functions work as expected. </a:t>
+            </a:r>
+          </a:p>
+        </p:txBody>
+      </p:sp>
+    </p:spTree>
+    <p:extLst>
+      <p:ext uri="{BB962C8B-B14F-4D97-AF65-F5344CB8AC3E}">
+        <p14:creationId xmlns:p14="http://schemas.microsoft.com/office/powerpoint/2010/main" val="3662915732"/>
+      </p:ext>
+    </p:extLst>
+  </p:cSld>
+  <p:clrMapOvr>
+    <a:masterClrMapping/>
+  </p:clrMapOvr>
+</p:sld>
+</file>
+
+<file path=ppt/slides/slide21.xml><?xml version="1.0" encoding="utf-8"?>
 <p:sld xmlns:a="http://schemas.openxmlformats.org/drawingml/2006/main" xmlns:r="http://schemas.openxmlformats.org/officeDocument/2006/relationships" xmlns:p="http://schemas.openxmlformats.org/presentationml/2006/main">
   <p:cSld>
     <p:spTree>
@@ -10430,7 +10838,7 @@
           <a:p>
             <a:r>
               <a:rPr lang="en-US" dirty="0"/>
-              <a:t>For Loops</a:t>
+              <a:t>Iteration</a:t>
             </a:r>
           </a:p>
         </p:txBody>
@@ -10453,7 +10861,7 @@
         </p:nvSpPr>
         <p:spPr>
           <a:xfrm>
-            <a:off x="270933" y="817895"/>
+            <a:off x="109569" y="720359"/>
             <a:ext cx="9034431" cy="4763098"/>
           </a:xfrm>
         </p:spPr>
@@ -10476,7 +10884,22 @@
             </a:r>
             <a:r>
               <a:rPr lang="en-US" dirty="0"/>
-              <a:t>is a repeating portion of an algorithm. Iteration repeats a specified number of times or until a given condition is met. Iteration loops are frequently referred to as </a:t>
+              <a:t>is a repeating portion of an algorithm. Iteration repeats a specified number of times or until a given condition is met. </a:t>
+            </a:r>
+          </a:p>
+          <a:p>
+            <a:pPr marL="0" indent="0">
+              <a:buNone/>
+            </a:pPr>
+            <a:endParaRPr lang="en-US" dirty="0"/>
+          </a:p>
+          <a:p>
+            <a:pPr marL="0" indent="0">
+              <a:buNone/>
+            </a:pPr>
+            <a:r>
+              <a:rPr lang="en-US" dirty="0"/>
+              <a:t>Iteration loops are frequently referred to as </a:t>
             </a:r>
             <a:r>
               <a:rPr lang="en-US" b="1" dirty="0"/>
@@ -10486,6 +10909,14 @@
               <a:rPr lang="en-US" dirty="0"/>
               <a:t> loops because for is the keyword  that is used to introduce them in nearly all programming languages, including Python.</a:t>
             </a:r>
+            <a:endParaRPr lang="en-US" dirty="0">
+              <a:latin typeface="Gill Sans MT" panose="020B0502020104020203" pitchFamily="34" charset="77"/>
+            </a:endParaRPr>
+          </a:p>
+          <a:p>
+            <a:pPr marL="0" indent="0">
+              <a:buNone/>
+            </a:pPr>
             <a:endParaRPr lang="en-US" dirty="0">
               <a:latin typeface="Gill Sans MT" panose="020B0502020104020203" pitchFamily="34" charset="77"/>
             </a:endParaRPr>
@@ -10523,6 +10954,17 @@
             <a:pPr marL="0" indent="0">
               <a:buNone/>
             </a:pPr>
+            <a:endParaRPr lang="en-US" b="1" dirty="0">
+              <a:solidFill>
+                <a:srgbClr val="006699"/>
+              </a:solidFill>
+              <a:latin typeface="Inconsolata" panose="020B0609030003000000" pitchFamily="49" charset="77"/>
+            </a:endParaRPr>
+          </a:p>
+          <a:p>
+            <a:pPr marL="0" indent="0">
+              <a:buNone/>
+            </a:pPr>
             <a:r>
               <a:rPr lang="en-US" b="1" dirty="0">
                 <a:solidFill>
@@ -10597,6 +11039,401 @@
               <a:latin typeface="Gill Sans MT" panose="020B0502020104020203" pitchFamily="34" charset="77"/>
             </a:endParaRPr>
           </a:p>
+        </p:txBody>
+      </p:sp>
+    </p:spTree>
+    <p:extLst>
+      <p:ext uri="{BB962C8B-B14F-4D97-AF65-F5344CB8AC3E}">
+        <p14:creationId xmlns:p14="http://schemas.microsoft.com/office/powerpoint/2010/main" val="1816941262"/>
+      </p:ext>
+    </p:extLst>
+  </p:cSld>
+  <p:clrMapOvr>
+    <a:masterClrMapping/>
+  </p:clrMapOvr>
+  <p:timing>
+    <p:tnLst>
+      <p:par>
+        <p:cTn id="1" dur="indefinite" restart="never" nodeType="tmRoot">
+          <p:childTnLst>
+            <p:seq concurrent="1" nextAc="seek">
+              <p:cTn id="2" dur="indefinite" nodeType="mainSeq">
+                <p:childTnLst>
+                  <p:par>
+                    <p:cTn id="3" fill="hold">
+                      <p:stCondLst>
+                        <p:cond delay="indefinite"/>
+                      </p:stCondLst>
+                      <p:childTnLst>
+                        <p:par>
+                          <p:cTn id="4" fill="hold">
+                            <p:stCondLst>
+                              <p:cond delay="0"/>
+                            </p:stCondLst>
+                            <p:childTnLst>
+                              <p:par>
+                                <p:cTn id="5" presetID="1" presetClass="entr" presetSubtype="0" fill="hold" nodeType="clickEffect">
+                                  <p:stCondLst>
+                                    <p:cond delay="0"/>
+                                  </p:stCondLst>
+                                  <p:childTnLst>
+                                    <p:set>
+                                      <p:cBhvr>
+                                        <p:cTn id="6" dur="1" fill="hold">
+                                          <p:stCondLst>
+                                            <p:cond delay="0"/>
+                                          </p:stCondLst>
+                                        </p:cTn>
+                                        <p:tgtEl>
+                                          <p:spTgt spid="9">
+                                            <p:txEl>
+                                              <p:pRg st="2" end="2"/>
+                                            </p:txEl>
+                                          </p:spTgt>
+                                        </p:tgtEl>
+                                        <p:attrNameLst>
+                                          <p:attrName>style.visibility</p:attrName>
+                                        </p:attrNameLst>
+                                      </p:cBhvr>
+                                      <p:to>
+                                        <p:strVal val="visible"/>
+                                      </p:to>
+                                    </p:set>
+                                  </p:childTnLst>
+                                </p:cTn>
+                              </p:par>
+                            </p:childTnLst>
+                          </p:cTn>
+                        </p:par>
+                      </p:childTnLst>
+                    </p:cTn>
+                  </p:par>
+                  <p:par>
+                    <p:cTn id="7" fill="hold">
+                      <p:stCondLst>
+                        <p:cond delay="indefinite"/>
+                      </p:stCondLst>
+                      <p:childTnLst>
+                        <p:par>
+                          <p:cTn id="8" fill="hold">
+                            <p:stCondLst>
+                              <p:cond delay="0"/>
+                            </p:stCondLst>
+                            <p:childTnLst>
+                              <p:par>
+                                <p:cTn id="9" presetID="1" presetClass="entr" presetSubtype="0" fill="hold" nodeType="clickEffect">
+                                  <p:stCondLst>
+                                    <p:cond delay="0"/>
+                                  </p:stCondLst>
+                                  <p:childTnLst>
+                                    <p:set>
+                                      <p:cBhvr>
+                                        <p:cTn id="10" dur="1" fill="hold">
+                                          <p:stCondLst>
+                                            <p:cond delay="0"/>
+                                          </p:stCondLst>
+                                        </p:cTn>
+                                        <p:tgtEl>
+                                          <p:spTgt spid="9">
+                                            <p:txEl>
+                                              <p:pRg st="4" end="4"/>
+                                            </p:txEl>
+                                          </p:spTgt>
+                                        </p:tgtEl>
+                                        <p:attrNameLst>
+                                          <p:attrName>style.visibility</p:attrName>
+                                        </p:attrNameLst>
+                                      </p:cBhvr>
+                                      <p:to>
+                                        <p:strVal val="visible"/>
+                                      </p:to>
+                                    </p:set>
+                                  </p:childTnLst>
+                                </p:cTn>
+                              </p:par>
+                            </p:childTnLst>
+                          </p:cTn>
+                        </p:par>
+                      </p:childTnLst>
+                    </p:cTn>
+                  </p:par>
+                  <p:par>
+                    <p:cTn id="11" fill="hold">
+                      <p:stCondLst>
+                        <p:cond delay="indefinite"/>
+                      </p:stCondLst>
+                      <p:childTnLst>
+                        <p:par>
+                          <p:cTn id="12" fill="hold">
+                            <p:stCondLst>
+                              <p:cond delay="0"/>
+                            </p:stCondLst>
+                            <p:childTnLst>
+                              <p:par>
+                                <p:cTn id="13" presetID="1" presetClass="entr" presetSubtype="0" fill="hold" nodeType="clickEffect">
+                                  <p:stCondLst>
+                                    <p:cond delay="0"/>
+                                  </p:stCondLst>
+                                  <p:childTnLst>
+                                    <p:set>
+                                      <p:cBhvr>
+                                        <p:cTn id="14" dur="1" fill="hold">
+                                          <p:stCondLst>
+                                            <p:cond delay="0"/>
+                                          </p:stCondLst>
+                                        </p:cTn>
+                                        <p:tgtEl>
+                                          <p:spTgt spid="9">
+                                            <p:txEl>
+                                              <p:pRg st="6" end="6"/>
+                                            </p:txEl>
+                                          </p:spTgt>
+                                        </p:tgtEl>
+                                        <p:attrNameLst>
+                                          <p:attrName>style.visibility</p:attrName>
+                                        </p:attrNameLst>
+                                      </p:cBhvr>
+                                      <p:to>
+                                        <p:strVal val="visible"/>
+                                      </p:to>
+                                    </p:set>
+                                  </p:childTnLst>
+                                </p:cTn>
+                              </p:par>
+                            </p:childTnLst>
+                          </p:cTn>
+                        </p:par>
+                      </p:childTnLst>
+                    </p:cTn>
+                  </p:par>
+                </p:childTnLst>
+              </p:cTn>
+              <p:prevCondLst>
+                <p:cond evt="onPrev" delay="0">
+                  <p:tgtEl>
+                    <p:sldTgt/>
+                  </p:tgtEl>
+                </p:cond>
+              </p:prevCondLst>
+              <p:nextCondLst>
+                <p:cond evt="onNext" delay="0">
+                  <p:tgtEl>
+                    <p:sldTgt/>
+                  </p:tgtEl>
+                </p:cond>
+              </p:nextCondLst>
+            </p:seq>
+          </p:childTnLst>
+        </p:cTn>
+      </p:par>
+    </p:tnLst>
+  </p:timing>
+</p:sld>
+</file>
+
+<file path=ppt/slides/slide4.xml><?xml version="1.0" encoding="utf-8"?>
+<p:sld xmlns:a="http://schemas.openxmlformats.org/drawingml/2006/main" xmlns:r="http://schemas.openxmlformats.org/officeDocument/2006/relationships" xmlns:p="http://schemas.openxmlformats.org/presentationml/2006/main">
+  <p:cSld>
+    <p:spTree>
+      <p:nvGrpSpPr>
+        <p:cNvPr id="1" name=""/>
+        <p:cNvGrpSpPr/>
+        <p:nvPr/>
+      </p:nvGrpSpPr>
+      <p:grpSpPr>
+        <a:xfrm>
+          <a:off x="0" y="0"/>
+          <a:ext cx="0" cy="0"/>
+          <a:chOff x="0" y="0"/>
+          <a:chExt cx="0" cy="0"/>
+        </a:xfrm>
+      </p:grpSpPr>
+      <p:sp>
+        <p:nvSpPr>
+          <p:cNvPr id="2" name="Title 1">
+            <a:extLst>
+              <a:ext uri="{FF2B5EF4-FFF2-40B4-BE49-F238E27FC236}">
+                <a16:creationId xmlns:a16="http://schemas.microsoft.com/office/drawing/2014/main" id="{AA3A228F-61D0-D949-A5E7-F83756230BF8}"/>
+              </a:ext>
+            </a:extLst>
+          </p:cNvPr>
+          <p:cNvSpPr>
+            <a:spLocks noGrp="1"/>
+          </p:cNvSpPr>
+          <p:nvPr>
+            <p:ph type="title"/>
+          </p:nvPr>
+        </p:nvSpPr>
+        <p:spPr>
+          <a:xfrm>
+            <a:off x="145181" y="134008"/>
+            <a:ext cx="7053542" cy="683886"/>
+          </a:xfrm>
+        </p:spPr>
+        <p:txBody>
+          <a:bodyPr/>
+          <a:lstStyle/>
+          <a:p>
+            <a:r>
+              <a:rPr lang="en-US" dirty="0"/>
+              <a:t>For Loops</a:t>
+            </a:r>
+          </a:p>
+        </p:txBody>
+      </p:sp>
+      <p:sp>
+        <p:nvSpPr>
+          <p:cNvPr id="9" name="Content Placeholder 8">
+            <a:extLst>
+              <a:ext uri="{FF2B5EF4-FFF2-40B4-BE49-F238E27FC236}">
+                <a16:creationId xmlns:a16="http://schemas.microsoft.com/office/drawing/2014/main" id="{E3B2E017-30B2-884B-A113-B419A2ED51AD}"/>
+              </a:ext>
+            </a:extLst>
+          </p:cNvPr>
+          <p:cNvSpPr>
+            <a:spLocks noGrp="1"/>
+          </p:cNvSpPr>
+          <p:nvPr>
+            <p:ph idx="1"/>
+          </p:nvPr>
+        </p:nvSpPr>
+        <p:spPr>
+          <a:xfrm>
+            <a:off x="109569" y="720359"/>
+            <a:ext cx="9034431" cy="4763098"/>
+          </a:xfrm>
+        </p:spPr>
+        <p:txBody>
+          <a:bodyPr>
+            <a:normAutofit/>
+          </a:bodyPr>
+          <a:lstStyle/>
+          <a:p>
+            <a:pPr marL="0" indent="0">
+              <a:buNone/>
+            </a:pPr>
+            <a:endParaRPr lang="en-US" dirty="0">
+              <a:latin typeface="Gill Sans MT" panose="020B0502020104020203" pitchFamily="34" charset="77"/>
+            </a:endParaRPr>
+          </a:p>
+          <a:p>
+            <a:pPr marL="0" indent="0">
+              <a:buNone/>
+            </a:pPr>
+            <a:r>
+              <a:rPr lang="en-US" dirty="0">
+                <a:latin typeface="Gill Sans MT" panose="020B0502020104020203" pitchFamily="34" charset="77"/>
+              </a:rPr>
+              <a:t>Python’s </a:t>
+            </a:r>
+            <a:r>
+              <a:rPr lang="en-US" i="1" dirty="0">
+                <a:latin typeface="Gill Sans MT" panose="020B0502020104020203" pitchFamily="34" charset="77"/>
+              </a:rPr>
+              <a:t>for</a:t>
+            </a:r>
+            <a:r>
+              <a:rPr lang="en-US" dirty="0">
+                <a:latin typeface="Gill Sans MT" panose="020B0502020104020203" pitchFamily="34" charset="77"/>
+              </a:rPr>
+              <a:t> loop iterates over items of a sequence(e.g. a list of numbers or a string(sequence of characters)) and process them with some code. </a:t>
+            </a:r>
+            <a:endParaRPr lang="en-US" b="1" dirty="0">
+              <a:solidFill>
+                <a:srgbClr val="006699"/>
+              </a:solidFill>
+              <a:latin typeface="Inconsolata" panose="020B0609030003000000" pitchFamily="49" charset="77"/>
+            </a:endParaRPr>
+          </a:p>
+          <a:p>
+            <a:pPr marL="0" indent="0">
+              <a:buNone/>
+            </a:pPr>
+            <a:endParaRPr lang="en-US" b="1" dirty="0">
+              <a:solidFill>
+                <a:srgbClr val="006699"/>
+              </a:solidFill>
+              <a:latin typeface="Inconsolata" panose="020B0609030003000000" pitchFamily="49" charset="77"/>
+            </a:endParaRPr>
+          </a:p>
+          <a:p>
+            <a:pPr marL="0" indent="0">
+              <a:buNone/>
+            </a:pPr>
+            <a:r>
+              <a:rPr lang="en-US" b="1" dirty="0">
+                <a:solidFill>
+                  <a:srgbClr val="006699"/>
+                </a:solidFill>
+                <a:latin typeface="Inconsolata" panose="020B0609030003000000" pitchFamily="49" charset="77"/>
+              </a:rPr>
+              <a:t>for </a:t>
+            </a:r>
+            <a:r>
+              <a:rPr lang="en-US" b="1" dirty="0">
+                <a:solidFill>
+                  <a:srgbClr val="000087"/>
+                </a:solidFill>
+                <a:latin typeface="Inconsolata" panose="020B0609030003000000" pitchFamily="49" charset="77"/>
+              </a:rPr>
+              <a:t>x </a:t>
+            </a:r>
+            <a:r>
+              <a:rPr lang="en-US" b="1" dirty="0">
+                <a:latin typeface="Inconsolata" panose="020B0609030003000000" pitchFamily="49" charset="77"/>
+              </a:rPr>
+              <a:t>in</a:t>
+            </a:r>
+            <a:r>
+              <a:rPr lang="en-US" b="1" dirty="0">
+                <a:solidFill>
+                  <a:srgbClr val="000087"/>
+                </a:solidFill>
+                <a:latin typeface="Inconsolata" panose="020B0609030003000000" pitchFamily="49" charset="77"/>
+              </a:rPr>
+              <a:t> sequence</a:t>
+            </a:r>
+            <a:r>
+              <a:rPr lang="en-US" b="1" dirty="0">
+                <a:latin typeface="Inconsolata" panose="020B0609030003000000" pitchFamily="49" charset="77"/>
+              </a:rPr>
+              <a:t>:</a:t>
+            </a:r>
+            <a:br>
+              <a:rPr lang="en-US" b="1" dirty="0">
+                <a:latin typeface="Inconsolata" panose="020B0609030003000000" pitchFamily="49" charset="77"/>
+              </a:rPr>
+            </a:br>
+            <a:r>
+              <a:rPr lang="en-US" b="1" dirty="0">
+                <a:latin typeface="Inconsolata" panose="020B0609030003000000" pitchFamily="49" charset="77"/>
+              </a:rPr>
+              <a:t>	</a:t>
+            </a:r>
+            <a:r>
+              <a:rPr lang="en-US" b="1" dirty="0">
+                <a:solidFill>
+                  <a:srgbClr val="006699"/>
+                </a:solidFill>
+                <a:latin typeface="Inconsolata" panose="020B0609030003000000" pitchFamily="49" charset="77"/>
+              </a:rPr>
+              <a:t>block</a:t>
+            </a:r>
+            <a:r>
+              <a:rPr lang="en-US" b="1" dirty="0">
+                <a:latin typeface="Inconsolata" panose="020B0609030003000000" pitchFamily="49" charset="77"/>
+              </a:rPr>
+              <a:t> </a:t>
+            </a:r>
+          </a:p>
+          <a:p>
+            <a:pPr marL="0" indent="0">
+              <a:buNone/>
+            </a:pPr>
+            <a:endParaRPr lang="en-US" dirty="0">
+              <a:latin typeface="Gill Sans MT" panose="020B0502020104020203" pitchFamily="34" charset="77"/>
+            </a:endParaRPr>
+          </a:p>
           <a:p>
             <a:pPr marL="0" indent="0">
               <a:buNone/>
@@ -10766,7 +11603,21 @@
                 </a:solidFill>
                 <a:latin typeface="Inconsolata" panose="020B0609030003000000" pitchFamily="49" charset="77"/>
               </a:rPr>
-              <a:t># print all on same line </a:t>
+              <a:t># ends each print with a space </a:t>
+            </a:r>
+          </a:p>
+          <a:p>
+            <a:pPr marL="0" indent="0">
+              <a:buNone/>
+            </a:pPr>
+            <a:r>
+              <a:rPr lang="en-US" sz="2000" b="1" i="1" dirty="0">
+                <a:solidFill>
+                  <a:srgbClr val="33566B"/>
+                </a:solidFill>
+                <a:latin typeface="Inconsolata" panose="020B0609030003000000" pitchFamily="49" charset="77"/>
+              </a:rPr>
+              <a:t>					# print all on same line </a:t>
             </a:r>
             <a:endParaRPr lang="en-US" sz="2000" b="1" dirty="0">
               <a:latin typeface="Inconsolata" panose="020B0609030003000000" pitchFamily="49" charset="77"/>
@@ -10819,8 +11670,8 @@
         </p:nvSpPr>
         <p:spPr>
           <a:xfrm>
-            <a:off x="2876287" y="3006604"/>
-            <a:ext cx="4744889" cy="400110"/>
+            <a:off x="2677504" y="2271108"/>
+            <a:ext cx="4785605" cy="707886"/>
           </a:xfrm>
           <a:prstGeom prst="rect">
             <a:avLst/>
@@ -10839,7 +11690,17 @@
                   <a:srgbClr val="FF0000"/>
                 </a:solidFill>
               </a:rPr>
-              <a:t>This is a list. More on lists in a later lecture. </a:t>
+              <a:t>This is a list.  It is an example of a sequence. </a:t>
+            </a:r>
+          </a:p>
+          <a:p>
+            <a:r>
+              <a:rPr lang="en-US" sz="2000" dirty="0">
+                <a:solidFill>
+                  <a:srgbClr val="FF0000"/>
+                </a:solidFill>
+              </a:rPr>
+              <a:t>More on lists in a later lecture. </a:t>
             </a:r>
           </a:p>
         </p:txBody>
@@ -10860,7 +11721,7 @@
         </p:nvCxnSpPr>
         <p:spPr>
           <a:xfrm flipH="1">
-            <a:off x="2876287" y="3606769"/>
+            <a:off x="2737138" y="2990541"/>
             <a:ext cx="520059" cy="301450"/>
           </a:xfrm>
           <a:prstGeom prst="straightConnector1">
@@ -10888,7 +11749,7 @@
     </p:spTree>
     <p:extLst>
       <p:ext uri="{BB962C8B-B14F-4D97-AF65-F5344CB8AC3E}">
-        <p14:creationId xmlns:p14="http://schemas.microsoft.com/office/powerpoint/2010/main" val="1816941262"/>
+        <p14:creationId xmlns:p14="http://schemas.microsoft.com/office/powerpoint/2010/main" val="3622583498"/>
       </p:ext>
     </p:extLst>
   </p:cSld>
@@ -10980,7 +11841,7 @@
                                         <p:tgtEl>
                                           <p:spTgt spid="9">
                                             <p:txEl>
-                                              <p:pRg st="2" end="2"/>
+                                              <p:pRg st="3" end="3"/>
                                             </p:txEl>
                                           </p:spTgt>
                                         </p:tgtEl>
@@ -11029,7 +11890,7 @@
                                         <p:tgtEl>
                                           <p:spTgt spid="9">
                                             <p:txEl>
-                                              <p:pRg st="4" end="4"/>
+                                              <p:pRg st="5" end="5"/>
                                             </p:txEl>
                                           </p:spTgt>
                                         </p:tgtEl>
@@ -11063,7 +11924,7 @@
                             </p:stCondLst>
                             <p:childTnLst>
                               <p:par>
-                                <p:cTn id="17" presetID="1" presetClass="entr" presetSubtype="0" fill="hold" grpId="0" nodeType="clickEffect">
+                                <p:cTn id="17" presetID="1" presetClass="entr" presetSubtype="0" fill="hold" nodeType="clickEffect">
                                   <p:stCondLst>
                                     <p:cond delay="0"/>
                                   </p:stCondLst>
@@ -11071,6 +11932,55 @@
                                     <p:set>
                                       <p:cBhvr>
                                         <p:cTn id="18" dur="1" fill="hold">
+                                          <p:stCondLst>
+                                            <p:cond delay="0"/>
+                                          </p:stCondLst>
+                                        </p:cTn>
+                                        <p:tgtEl>
+                                          <p:spTgt spid="9">
+                                            <p:txEl>
+                                              <p:pRg st="6" end="6"/>
+                                            </p:txEl>
+                                          </p:spTgt>
+                                        </p:tgtEl>
+                                        <p:attrNameLst>
+                                          <p:attrName>style.visibility</p:attrName>
+                                        </p:attrNameLst>
+                                      </p:cBhvr>
+                                      <p:to>
+                                        <p:strVal val="visible"/>
+                                      </p:to>
+                                    </p:set>
+                                  </p:childTnLst>
+                                </p:cTn>
+                              </p:par>
+                            </p:childTnLst>
+                          </p:cTn>
+                        </p:par>
+                      </p:childTnLst>
+                    </p:cTn>
+                  </p:par>
+                  <p:par>
+                    <p:cTn id="19" fill="hold">
+                      <p:stCondLst>
+                        <p:cond delay="indefinite"/>
+                      </p:stCondLst>
+                      <p:childTnLst>
+                        <p:par>
+                          <p:cTn id="20" fill="hold">
+                            <p:stCondLst>
+                              <p:cond delay="0"/>
+                            </p:stCondLst>
+                            <p:childTnLst>
+                              <p:par>
+                                <p:cTn id="21" presetID="1" presetClass="entr" presetSubtype="0" fill="hold" grpId="0" nodeType="clickEffect">
+                                  <p:stCondLst>
+                                    <p:cond delay="0"/>
+                                  </p:stCondLst>
+                                  <p:childTnLst>
+                                    <p:set>
+                                      <p:cBhvr>
+                                        <p:cTn id="22" dur="1" fill="hold">
                                           <p:stCondLst>
                                             <p:cond delay="0"/>
                                           </p:stCondLst>
@@ -11090,14 +12000,14 @@
                                 </p:cTn>
                               </p:par>
                               <p:par>
-                                <p:cTn id="19" presetID="1" presetClass="entr" presetSubtype="0" fill="hold" nodeType="withEffect">
+                                <p:cTn id="23" presetID="1" presetClass="entr" presetSubtype="0" fill="hold" nodeType="withEffect">
                                   <p:stCondLst>
                                     <p:cond delay="0"/>
                                   </p:stCondLst>
                                   <p:childTnLst>
                                     <p:set>
                                       <p:cBhvr>
-                                        <p:cTn id="20" dur="1" fill="hold">
+                                        <p:cTn id="24" dur="1" fill="hold">
                                           <p:stCondLst>
                                             <p:cond delay="0"/>
                                           </p:stCondLst>
@@ -11123,26 +12033,26 @@
                     </p:cTn>
                   </p:par>
                   <p:par>
-                    <p:cTn id="21" fill="hold">
+                    <p:cTn id="25" fill="hold">
                       <p:stCondLst>
                         <p:cond delay="indefinite"/>
                       </p:stCondLst>
                       <p:childTnLst>
                         <p:par>
-                          <p:cTn id="22" fill="hold">
+                          <p:cTn id="26" fill="hold">
                             <p:stCondLst>
                               <p:cond delay="0"/>
                             </p:stCondLst>
                             <p:childTnLst>
                               <p:par>
-                                <p:cTn id="23" presetID="1" presetClass="entr" presetSubtype="0" fill="hold" nodeType="clickEffect">
+                                <p:cTn id="27" presetID="1" presetClass="entr" presetSubtype="0" fill="hold" nodeType="clickEffect">
                                   <p:stCondLst>
                                     <p:cond delay="0"/>
                                   </p:stCondLst>
                                   <p:childTnLst>
                                     <p:set>
                                       <p:cBhvr>
-                                        <p:cTn id="24" dur="1" fill="hold">
+                                        <p:cTn id="28" dur="1" fill="hold">
                                           <p:stCondLst>
                                             <p:cond delay="0"/>
                                           </p:stCondLst>
@@ -11150,7 +12060,7 @@
                                         <p:tgtEl>
                                           <p:spTgt spid="9">
                                             <p:txEl>
-                                              <p:pRg st="6" end="6"/>
+                                              <p:pRg st="8" end="8"/>
                                             </p:txEl>
                                           </p:spTgt>
                                         </p:tgtEl>
@@ -11199,7 +12109,7 @@
 </p:sld>
 </file>
 
-<file path=ppt/slides/slide4.xml><?xml version="1.0" encoding="utf-8"?>
+<file path=ppt/slides/slide5.xml><?xml version="1.0" encoding="utf-8"?>
 <p:sld xmlns:a="http://schemas.openxmlformats.org/drawingml/2006/main" xmlns:r="http://schemas.openxmlformats.org/officeDocument/2006/relationships" xmlns:p="http://schemas.openxmlformats.org/presentationml/2006/main">
   <p:cSld>
     <p:spTree>
@@ -11234,7 +12144,7 @@
         </p:nvSpPr>
         <p:spPr>
           <a:xfrm>
-            <a:off x="0" y="15732"/>
+            <a:off x="262802" y="203661"/>
             <a:ext cx="7053542" cy="683886"/>
           </a:xfrm>
         </p:spPr>
@@ -11267,8 +12177,8 @@
         </p:nvSpPr>
         <p:spPr>
           <a:xfrm>
-            <a:off x="182190" y="697585"/>
-            <a:ext cx="8763847" cy="5001683"/>
+            <a:off x="139148" y="1025091"/>
+            <a:ext cx="8806889" cy="4674177"/>
           </a:xfrm>
         </p:spPr>
         <p:txBody>
@@ -12221,7 +13131,7 @@
 </p:sld>
 </file>
 
-<file path=ppt/slides/slide5.xml><?xml version="1.0" encoding="utf-8"?>
+<file path=ppt/slides/slide6.xml><?xml version="1.0" encoding="utf-8"?>
 <p:sld xmlns:a="http://schemas.openxmlformats.org/drawingml/2006/main" xmlns:r="http://schemas.openxmlformats.org/officeDocument/2006/relationships" xmlns:p="http://schemas.openxmlformats.org/presentationml/2006/main">
   <p:cSld>
     <p:spTree>
@@ -12920,7 +13830,7 @@
 </p:sld>
 </file>
 
-<file path=ppt/slides/slide6.xml><?xml version="1.0" encoding="utf-8"?>
+<file path=ppt/slides/slide7.xml><?xml version="1.0" encoding="utf-8"?>
 <p:sld xmlns:a="http://schemas.openxmlformats.org/drawingml/2006/main" xmlns:r="http://schemas.openxmlformats.org/officeDocument/2006/relationships" xmlns:p="http://schemas.openxmlformats.org/presentationml/2006/main">
   <p:cSld>
     <p:spTree>
@@ -13380,7 +14290,7 @@
 </p:sld>
 </file>
 
-<file path=ppt/slides/slide7.xml><?xml version="1.0" encoding="utf-8"?>
+<file path=ppt/slides/slide8.xml><?xml version="1.0" encoding="utf-8"?>
 <p:sld xmlns:a="http://schemas.openxmlformats.org/drawingml/2006/main" xmlns:r="http://schemas.openxmlformats.org/officeDocument/2006/relationships" xmlns:p="http://schemas.openxmlformats.org/presentationml/2006/main">
   <p:cSld>
     <p:spTree>
@@ -14242,7 +15152,7 @@
 </p:sld>
 </file>
 
-<file path=ppt/slides/slide8.xml><?xml version="1.0" encoding="utf-8"?>
+<file path=ppt/slides/slide9.xml><?xml version="1.0" encoding="utf-8"?>
 <p:sld xmlns:a="http://schemas.openxmlformats.org/drawingml/2006/main" xmlns:r="http://schemas.openxmlformats.org/officeDocument/2006/relationships" xmlns:p="http://schemas.openxmlformats.org/presentationml/2006/main">
   <p:cSld>
     <p:spTree>
@@ -14615,335 +15525,6 @@
                                     <p:set>
                                       <p:cBhvr>
                                         <p:cTn id="12" dur="1" fill="hold">
-                                          <p:stCondLst>
-                                            <p:cond delay="0"/>
-                                          </p:stCondLst>
-                                        </p:cTn>
-                                        <p:tgtEl>
-                                          <p:spTgt spid="9">
-                                            <p:txEl>
-                                              <p:pRg st="4" end="4"/>
-                                            </p:txEl>
-                                          </p:spTgt>
-                                        </p:tgtEl>
-                                        <p:attrNameLst>
-                                          <p:attrName>style.visibility</p:attrName>
-                                        </p:attrNameLst>
-                                      </p:cBhvr>
-                                      <p:to>
-                                        <p:strVal val="visible"/>
-                                      </p:to>
-                                    </p:set>
-                                  </p:childTnLst>
-                                </p:cTn>
-                              </p:par>
-                            </p:childTnLst>
-                          </p:cTn>
-                        </p:par>
-                      </p:childTnLst>
-                    </p:cTn>
-                  </p:par>
-                </p:childTnLst>
-              </p:cTn>
-              <p:prevCondLst>
-                <p:cond evt="onPrev" delay="0">
-                  <p:tgtEl>
-                    <p:sldTgt/>
-                  </p:tgtEl>
-                </p:cond>
-              </p:prevCondLst>
-              <p:nextCondLst>
-                <p:cond evt="onNext" delay="0">
-                  <p:tgtEl>
-                    <p:sldTgt/>
-                  </p:tgtEl>
-                </p:cond>
-              </p:nextCondLst>
-            </p:seq>
-          </p:childTnLst>
-        </p:cTn>
-      </p:par>
-    </p:tnLst>
-  </p:timing>
-</p:sld>
-</file>
-
-<file path=ppt/slides/slide9.xml><?xml version="1.0" encoding="utf-8"?>
-<p:sld xmlns:a="http://schemas.openxmlformats.org/drawingml/2006/main" xmlns:r="http://schemas.openxmlformats.org/officeDocument/2006/relationships" xmlns:p="http://schemas.openxmlformats.org/presentationml/2006/main">
-  <p:cSld>
-    <p:spTree>
-      <p:nvGrpSpPr>
-        <p:cNvPr id="1" name=""/>
-        <p:cNvGrpSpPr/>
-        <p:nvPr/>
-      </p:nvGrpSpPr>
-      <p:grpSpPr>
-        <a:xfrm>
-          <a:off x="0" y="0"/>
-          <a:ext cx="0" cy="0"/>
-          <a:chOff x="0" y="0"/>
-          <a:chExt cx="0" cy="0"/>
-        </a:xfrm>
-      </p:grpSpPr>
-      <p:sp>
-        <p:nvSpPr>
-          <p:cNvPr id="2" name="Title 1">
-            <a:extLst>
-              <a:ext uri="{FF2B5EF4-FFF2-40B4-BE49-F238E27FC236}">
-                <a16:creationId xmlns:a16="http://schemas.microsoft.com/office/drawing/2014/main" id="{AA3A228F-61D0-D949-A5E7-F83756230BF8}"/>
-              </a:ext>
-            </a:extLst>
-          </p:cNvPr>
-          <p:cNvSpPr>
-            <a:spLocks noGrp="1"/>
-          </p:cNvSpPr>
-          <p:nvPr>
-            <p:ph type="title"/>
-          </p:nvPr>
-        </p:nvSpPr>
-        <p:spPr>
-          <a:xfrm>
-            <a:off x="144483" y="134008"/>
-            <a:ext cx="7053542" cy="683886"/>
-          </a:xfrm>
-        </p:spPr>
-        <p:txBody>
-          <a:bodyPr/>
-          <a:lstStyle/>
-          <a:p>
-            <a:r>
-              <a:rPr lang="en-US" dirty="0"/>
-              <a:t>Summing and Counting</a:t>
-            </a:r>
-          </a:p>
-        </p:txBody>
-      </p:sp>
-      <p:sp>
-        <p:nvSpPr>
-          <p:cNvPr id="9" name="Content Placeholder 8">
-            <a:extLst>
-              <a:ext uri="{FF2B5EF4-FFF2-40B4-BE49-F238E27FC236}">
-                <a16:creationId xmlns:a16="http://schemas.microsoft.com/office/drawing/2014/main" id="{E3B2E017-30B2-884B-A113-B419A2ED51AD}"/>
-              </a:ext>
-            </a:extLst>
-          </p:cNvPr>
-          <p:cNvSpPr>
-            <a:spLocks noGrp="1"/>
-          </p:cNvSpPr>
-          <p:nvPr>
-            <p:ph idx="1"/>
-          </p:nvPr>
-        </p:nvSpPr>
-        <p:spPr>
-          <a:xfrm>
-            <a:off x="144483" y="817895"/>
-            <a:ext cx="8726139" cy="4763097"/>
-          </a:xfrm>
-        </p:spPr>
-        <p:txBody>
-          <a:bodyPr>
-            <a:normAutofit/>
-          </a:bodyPr>
-          <a:lstStyle/>
-          <a:p>
-            <a:pPr marL="0" indent="0">
-              <a:buNone/>
-            </a:pPr>
-            <a:endParaRPr lang="en-US" dirty="0">
-              <a:latin typeface="Gill Sans MT" panose="020B0502020104020203" pitchFamily="34" charset="77"/>
-            </a:endParaRPr>
-          </a:p>
-          <a:p>
-            <a:pPr marL="0" indent="0">
-              <a:buNone/>
-            </a:pPr>
-            <a:r>
-              <a:rPr lang="en-US" dirty="0">
-                <a:latin typeface="Gill Sans MT" panose="020B0502020104020203" pitchFamily="34" charset="77"/>
-              </a:rPr>
-              <a:t>There are two common tasks that uses for loops. </a:t>
-            </a:r>
-          </a:p>
-          <a:p>
-            <a:pPr marL="0" indent="0">
-              <a:buNone/>
-            </a:pPr>
-            <a:endParaRPr lang="en-US" dirty="0">
-              <a:latin typeface="Gill Sans MT" panose="020B0502020104020203" pitchFamily="34" charset="77"/>
-            </a:endParaRPr>
-          </a:p>
-          <a:p>
-            <a:pPr marL="0" indent="0">
-              <a:buNone/>
-            </a:pPr>
-            <a:r>
-              <a:rPr lang="en-US" dirty="0">
-                <a:latin typeface="Gill Sans MT" panose="020B0502020104020203" pitchFamily="34" charset="77"/>
-              </a:rPr>
-              <a:t>1) Summing</a:t>
-            </a:r>
-          </a:p>
-          <a:p>
-            <a:pPr marL="0" indent="0">
-              <a:buNone/>
-            </a:pPr>
-            <a:r>
-              <a:rPr lang="en-US" dirty="0">
-                <a:latin typeface="Gill Sans MT" panose="020B0502020104020203" pitchFamily="34" charset="77"/>
-              </a:rPr>
-              <a:t>2) Counting</a:t>
-            </a:r>
-          </a:p>
-          <a:p>
-            <a:pPr marL="0" indent="0">
-              <a:buNone/>
-            </a:pPr>
-            <a:endParaRPr lang="en-US" sz="2100" dirty="0">
-              <a:solidFill>
-                <a:srgbClr val="000087"/>
-              </a:solidFill>
-              <a:latin typeface="Gill Sans MT" panose="020B0502020104020203" pitchFamily="34" charset="77"/>
-            </a:endParaRPr>
-          </a:p>
-        </p:txBody>
-      </p:sp>
-    </p:spTree>
-    <p:extLst>
-      <p:ext uri="{BB962C8B-B14F-4D97-AF65-F5344CB8AC3E}">
-        <p14:creationId xmlns:p14="http://schemas.microsoft.com/office/powerpoint/2010/main" val="1600871836"/>
-      </p:ext>
-    </p:extLst>
-  </p:cSld>
-  <p:clrMapOvr>
-    <a:masterClrMapping/>
-  </p:clrMapOvr>
-  <p:timing>
-    <p:tnLst>
-      <p:par>
-        <p:cTn id="1" dur="indefinite" restart="never" nodeType="tmRoot">
-          <p:childTnLst>
-            <p:seq concurrent="1" nextAc="seek">
-              <p:cTn id="2" dur="indefinite" nodeType="mainSeq">
-                <p:childTnLst>
-                  <p:par>
-                    <p:cTn id="3" fill="hold">
-                      <p:stCondLst>
-                        <p:cond delay="indefinite"/>
-                      </p:stCondLst>
-                      <p:childTnLst>
-                        <p:par>
-                          <p:cTn id="4" fill="hold">
-                            <p:stCondLst>
-                              <p:cond delay="0"/>
-                            </p:stCondLst>
-                            <p:childTnLst>
-                              <p:par>
-                                <p:cTn id="5" presetID="1" presetClass="entr" presetSubtype="0" fill="hold" nodeType="clickEffect">
-                                  <p:stCondLst>
-                                    <p:cond delay="0"/>
-                                  </p:stCondLst>
-                                  <p:childTnLst>
-                                    <p:set>
-                                      <p:cBhvr>
-                                        <p:cTn id="6" dur="1" fill="hold">
-                                          <p:stCondLst>
-                                            <p:cond delay="0"/>
-                                          </p:stCondLst>
-                                        </p:cTn>
-                                        <p:tgtEl>
-                                          <p:spTgt spid="9">
-                                            <p:txEl>
-                                              <p:pRg st="1" end="1"/>
-                                            </p:txEl>
-                                          </p:spTgt>
-                                        </p:tgtEl>
-                                        <p:attrNameLst>
-                                          <p:attrName>style.visibility</p:attrName>
-                                        </p:attrNameLst>
-                                      </p:cBhvr>
-                                      <p:to>
-                                        <p:strVal val="visible"/>
-                                      </p:to>
-                                    </p:set>
-                                  </p:childTnLst>
-                                </p:cTn>
-                              </p:par>
-                            </p:childTnLst>
-                          </p:cTn>
-                        </p:par>
-                      </p:childTnLst>
-                    </p:cTn>
-                  </p:par>
-                  <p:par>
-                    <p:cTn id="7" fill="hold">
-                      <p:stCondLst>
-                        <p:cond delay="indefinite"/>
-                      </p:stCondLst>
-                      <p:childTnLst>
-                        <p:par>
-                          <p:cTn id="8" fill="hold">
-                            <p:stCondLst>
-                              <p:cond delay="0"/>
-                            </p:stCondLst>
-                            <p:childTnLst>
-                              <p:par>
-                                <p:cTn id="9" presetID="1" presetClass="entr" presetSubtype="0" fill="hold" nodeType="clickEffect">
-                                  <p:stCondLst>
-                                    <p:cond delay="0"/>
-                                  </p:stCondLst>
-                                  <p:childTnLst>
-                                    <p:set>
-                                      <p:cBhvr>
-                                        <p:cTn id="10" dur="1" fill="hold">
-                                          <p:stCondLst>
-                                            <p:cond delay="0"/>
-                                          </p:stCondLst>
-                                        </p:cTn>
-                                        <p:tgtEl>
-                                          <p:spTgt spid="9">
-                                            <p:txEl>
-                                              <p:pRg st="3" end="3"/>
-                                            </p:txEl>
-                                          </p:spTgt>
-                                        </p:tgtEl>
-                                        <p:attrNameLst>
-                                          <p:attrName>style.visibility</p:attrName>
-                                        </p:attrNameLst>
-                                      </p:cBhvr>
-                                      <p:to>
-                                        <p:strVal val="visible"/>
-                                      </p:to>
-                                    </p:set>
-                                  </p:childTnLst>
-                                </p:cTn>
-                              </p:par>
-                            </p:childTnLst>
-                          </p:cTn>
-                        </p:par>
-                      </p:childTnLst>
-                    </p:cTn>
-                  </p:par>
-                  <p:par>
-                    <p:cTn id="11" fill="hold">
-                      <p:stCondLst>
-                        <p:cond delay="indefinite"/>
-                      </p:stCondLst>
-                      <p:childTnLst>
-                        <p:par>
-                          <p:cTn id="12" fill="hold">
-                            <p:stCondLst>
-                              <p:cond delay="0"/>
-                            </p:stCondLst>
-                            <p:childTnLst>
-                              <p:par>
-                                <p:cTn id="13" presetID="1" presetClass="entr" presetSubtype="0" fill="hold" nodeType="clickEffect">
-                                  <p:stCondLst>
-                                    <p:cond delay="0"/>
-                                  </p:stCondLst>
-                                  <p:childTnLst>
-                                    <p:set>
-                                      <p:cBhvr>
-                                        <p:cTn id="14" dur="1" fill="hold">
                                           <p:stCondLst>
                                             <p:cond delay="0"/>
                                           </p:stCondLst>

--- a/courses/apcsp/lect5.pptx
+++ b/courses/apcsp/lect5.pptx
@@ -4,6 +4,9 @@
   <p:sldMasterIdLst>
     <p:sldMasterId id="2147483791" r:id="rId1"/>
   </p:sldMasterIdLst>
+  <p:notesMasterIdLst>
+    <p:notesMasterId r:id="rId23"/>
+  </p:notesMasterIdLst>
   <p:sldIdLst>
     <p:sldId id="256" r:id="rId2"/>
     <p:sldId id="286" r:id="rId3"/>
@@ -135,7 +138,7 @@
 <file path=ppt/revisionInfo.xml><?xml version="1.0" encoding="utf-8"?>
 <p1510:revInfo xmlns:a="http://schemas.openxmlformats.org/drawingml/2006/main" xmlns:r="http://schemas.openxmlformats.org/officeDocument/2006/relationships" xmlns:p1510="http://schemas.microsoft.com/office/powerpoint/2015/10/main">
   <p1510:revLst>
-    <p1510:client id="{DC0E4A9C-2901-B345-B38F-5F505964D1F1}" v="346" dt="2021-10-16T17:53:03.443"/>
+    <p1510:client id="{DC0E4A9C-2901-B345-B38F-5F505964D1F1}" v="347" dt="2021-10-18T12:52:53.768"/>
   </p1510:revLst>
 </p1510:revInfo>
 </file>
@@ -1377,12 +1380,12 @@
   <pc:docChgLst>
     <pc:chgData name="Long B Nguyen" userId="f59fb8f3-a021-417a-8bc1-65c8d471c621" providerId="ADAL" clId="{DC0E4A9C-2901-B345-B38F-5F505964D1F1}"/>
     <pc:docChg chg="custSel addSld modSld">
-      <pc:chgData name="Long B Nguyen" userId="f59fb8f3-a021-417a-8bc1-65c8d471c621" providerId="ADAL" clId="{DC0E4A9C-2901-B345-B38F-5F505964D1F1}" dt="2021-10-16T18:01:31.011" v="482" actId="14100"/>
+      <pc:chgData name="Long B Nguyen" userId="f59fb8f3-a021-417a-8bc1-65c8d471c621" providerId="ADAL" clId="{DC0E4A9C-2901-B345-B38F-5F505964D1F1}" dt="2021-10-18T12:52:53.765" v="483"/>
       <pc:docMkLst>
         <pc:docMk/>
       </pc:docMkLst>
-      <pc:sldChg chg="modSp mod">
-        <pc:chgData name="Long B Nguyen" userId="f59fb8f3-a021-417a-8bc1-65c8d471c621" providerId="ADAL" clId="{DC0E4A9C-2901-B345-B38F-5F505964D1F1}" dt="2021-10-13T15:19:38.163" v="283" actId="20577"/>
+      <pc:sldChg chg="addSp modSp mod">
+        <pc:chgData name="Long B Nguyen" userId="f59fb8f3-a021-417a-8bc1-65c8d471c621" providerId="ADAL" clId="{DC0E4A9C-2901-B345-B38F-5F505964D1F1}" dt="2021-10-18T12:52:53.765" v="483"/>
         <pc:sldMkLst>
           <pc:docMk/>
           <pc:sldMk cId="4247104139" sldId="256"/>
@@ -1395,9 +1398,17 @@
             <ac:spMk id="3" creationId="{1BDC47C8-6776-7B44-9CD4-95FC91452D62}"/>
           </ac:spMkLst>
         </pc:spChg>
+        <pc:spChg chg="add mod">
+          <ac:chgData name="Long B Nguyen" userId="f59fb8f3-a021-417a-8bc1-65c8d471c621" providerId="ADAL" clId="{DC0E4A9C-2901-B345-B38F-5F505964D1F1}" dt="2021-10-18T12:52:53.765" v="483"/>
+          <ac:spMkLst>
+            <pc:docMk/>
+            <pc:sldMk cId="4247104139" sldId="256"/>
+            <ac:spMk id="6" creationId="{83F40D69-2B29-144F-83F9-9398B43B34D1}"/>
+          </ac:spMkLst>
+        </pc:spChg>
       </pc:sldChg>
-      <pc:sldChg chg="modSp mod">
-        <pc:chgData name="Long B Nguyen" userId="f59fb8f3-a021-417a-8bc1-65c8d471c621" providerId="ADAL" clId="{DC0E4A9C-2901-B345-B38F-5F505964D1F1}" dt="2021-10-16T18:01:31.011" v="482" actId="14100"/>
+      <pc:sldChg chg="addSp modSp mod">
+        <pc:chgData name="Long B Nguyen" userId="f59fb8f3-a021-417a-8bc1-65c8d471c621" providerId="ADAL" clId="{DC0E4A9C-2901-B345-B38F-5F505964D1F1}" dt="2021-10-18T12:52:53.765" v="483"/>
         <pc:sldMkLst>
           <pc:docMk/>
           <pc:sldMk cId="1438711869" sldId="284"/>
@@ -1410,6 +1421,14 @@
             <ac:spMk id="2" creationId="{AA3A228F-61D0-D949-A5E7-F83756230BF8}"/>
           </ac:spMkLst>
         </pc:spChg>
+        <pc:spChg chg="add mod">
+          <ac:chgData name="Long B Nguyen" userId="f59fb8f3-a021-417a-8bc1-65c8d471c621" providerId="ADAL" clId="{DC0E4A9C-2901-B345-B38F-5F505964D1F1}" dt="2021-10-18T12:52:53.765" v="483"/>
+          <ac:spMkLst>
+            <pc:docMk/>
+            <pc:sldMk cId="1438711869" sldId="284"/>
+            <ac:spMk id="3" creationId="{E58C4326-DE94-FE49-8E0E-B522F40FB26D}"/>
+          </ac:spMkLst>
+        </pc:spChg>
         <pc:spChg chg="mod">
           <ac:chgData name="Long B Nguyen" userId="f59fb8f3-a021-417a-8bc1-65c8d471c621" providerId="ADAL" clId="{DC0E4A9C-2901-B345-B38F-5F505964D1F1}" dt="2021-10-16T18:01:31.011" v="482" actId="14100"/>
           <ac:spMkLst>
@@ -1419,8 +1438,23 @@
           </ac:spMkLst>
         </pc:spChg>
       </pc:sldChg>
-      <pc:sldChg chg="delSp modSp mod delAnim modAnim">
-        <pc:chgData name="Long B Nguyen" userId="f59fb8f3-a021-417a-8bc1-65c8d471c621" providerId="ADAL" clId="{DC0E4A9C-2901-B345-B38F-5F505964D1F1}" dt="2021-10-16T17:50:22.204" v="348" actId="20577"/>
+      <pc:sldChg chg="addSp modSp">
+        <pc:chgData name="Long B Nguyen" userId="f59fb8f3-a021-417a-8bc1-65c8d471c621" providerId="ADAL" clId="{DC0E4A9C-2901-B345-B38F-5F505964D1F1}" dt="2021-10-18T12:52:53.765" v="483"/>
+        <pc:sldMkLst>
+          <pc:docMk/>
+          <pc:sldMk cId="131840209" sldId="286"/>
+        </pc:sldMkLst>
+        <pc:spChg chg="add mod">
+          <ac:chgData name="Long B Nguyen" userId="f59fb8f3-a021-417a-8bc1-65c8d471c621" providerId="ADAL" clId="{DC0E4A9C-2901-B345-B38F-5F505964D1F1}" dt="2021-10-18T12:52:53.765" v="483"/>
+          <ac:spMkLst>
+            <pc:docMk/>
+            <pc:sldMk cId="131840209" sldId="286"/>
+            <ac:spMk id="3" creationId="{8F528532-FC7A-DD4A-977A-7D4128889FD0}"/>
+          </ac:spMkLst>
+        </pc:spChg>
+      </pc:sldChg>
+      <pc:sldChg chg="addSp delSp modSp mod delAnim modAnim">
+        <pc:chgData name="Long B Nguyen" userId="f59fb8f3-a021-417a-8bc1-65c8d471c621" providerId="ADAL" clId="{DC0E4A9C-2901-B345-B38F-5F505964D1F1}" dt="2021-10-18T12:52:53.765" v="483"/>
         <pc:sldMkLst>
           <pc:docMk/>
           <pc:sldMk cId="1816941262" sldId="295"/>
@@ -1431,6 +1465,14 @@
             <pc:docMk/>
             <pc:sldMk cId="1816941262" sldId="295"/>
             <ac:spMk id="2" creationId="{AA3A228F-61D0-D949-A5E7-F83756230BF8}"/>
+          </ac:spMkLst>
+        </pc:spChg>
+        <pc:spChg chg="add mod">
+          <ac:chgData name="Long B Nguyen" userId="f59fb8f3-a021-417a-8bc1-65c8d471c621" providerId="ADAL" clId="{DC0E4A9C-2901-B345-B38F-5F505964D1F1}" dt="2021-10-18T12:52:53.765" v="483"/>
+          <ac:spMkLst>
+            <pc:docMk/>
+            <pc:sldMk cId="1816941262" sldId="295"/>
+            <ac:spMk id="3" creationId="{28794873-6DE4-0A41-9960-6B3C5DD35360}"/>
           </ac:spMkLst>
         </pc:spChg>
         <pc:spChg chg="del mod">
@@ -1459,11 +1501,19 @@
         </pc:cxnChg>
       </pc:sldChg>
       <pc:sldChg chg="addSp modSp mod modAnim">
-        <pc:chgData name="Long B Nguyen" userId="f59fb8f3-a021-417a-8bc1-65c8d471c621" providerId="ADAL" clId="{DC0E4A9C-2901-B345-B38F-5F505964D1F1}" dt="2021-10-13T15:09:57.543" v="159" actId="20577"/>
+        <pc:chgData name="Long B Nguyen" userId="f59fb8f3-a021-417a-8bc1-65c8d471c621" providerId="ADAL" clId="{DC0E4A9C-2901-B345-B38F-5F505964D1F1}" dt="2021-10-18T12:52:53.765" v="483"/>
         <pc:sldMkLst>
           <pc:docMk/>
           <pc:sldMk cId="553003360" sldId="296"/>
         </pc:sldMkLst>
+        <pc:spChg chg="add mod">
+          <ac:chgData name="Long B Nguyen" userId="f59fb8f3-a021-417a-8bc1-65c8d471c621" providerId="ADAL" clId="{DC0E4A9C-2901-B345-B38F-5F505964D1F1}" dt="2021-10-18T12:52:53.765" v="483"/>
+          <ac:spMkLst>
+            <pc:docMk/>
+            <pc:sldMk cId="553003360" sldId="296"/>
+            <ac:spMk id="3" creationId="{3E113981-3049-B943-8CBC-5F612D3051D1}"/>
+          </ac:spMkLst>
+        </pc:spChg>
         <pc:spChg chg="add mod">
           <ac:chgData name="Long B Nguyen" userId="f59fb8f3-a021-417a-8bc1-65c8d471c621" providerId="ADAL" clId="{DC0E4A9C-2901-B345-B38F-5F505964D1F1}" dt="2021-10-13T15:09:57.543" v="159" actId="20577"/>
           <ac:spMkLst>
@@ -1489,8 +1539,38 @@
           </ac:cxnSpMkLst>
         </pc:cxnChg>
       </pc:sldChg>
-      <pc:sldChg chg="modSp mod">
-        <pc:chgData name="Long B Nguyen" userId="f59fb8f3-a021-417a-8bc1-65c8d471c621" providerId="ADAL" clId="{DC0E4A9C-2901-B345-B38F-5F505964D1F1}" dt="2021-10-13T15:20:08.161" v="325" actId="20577"/>
+      <pc:sldChg chg="addSp modSp">
+        <pc:chgData name="Long B Nguyen" userId="f59fb8f3-a021-417a-8bc1-65c8d471c621" providerId="ADAL" clId="{DC0E4A9C-2901-B345-B38F-5F505964D1F1}" dt="2021-10-18T12:52:53.765" v="483"/>
+        <pc:sldMkLst>
+          <pc:docMk/>
+          <pc:sldMk cId="3006175481" sldId="297"/>
+        </pc:sldMkLst>
+        <pc:spChg chg="add mod">
+          <ac:chgData name="Long B Nguyen" userId="f59fb8f3-a021-417a-8bc1-65c8d471c621" providerId="ADAL" clId="{DC0E4A9C-2901-B345-B38F-5F505964D1F1}" dt="2021-10-18T12:52:53.765" v="483"/>
+          <ac:spMkLst>
+            <pc:docMk/>
+            <pc:sldMk cId="3006175481" sldId="297"/>
+            <ac:spMk id="3" creationId="{67877F53-ABCE-174F-9779-C7ECFCD5611B}"/>
+          </ac:spMkLst>
+        </pc:spChg>
+      </pc:sldChg>
+      <pc:sldChg chg="addSp modSp">
+        <pc:chgData name="Long B Nguyen" userId="f59fb8f3-a021-417a-8bc1-65c8d471c621" providerId="ADAL" clId="{DC0E4A9C-2901-B345-B38F-5F505964D1F1}" dt="2021-10-18T12:52:53.765" v="483"/>
+        <pc:sldMkLst>
+          <pc:docMk/>
+          <pc:sldMk cId="3150557076" sldId="298"/>
+        </pc:sldMkLst>
+        <pc:spChg chg="add mod">
+          <ac:chgData name="Long B Nguyen" userId="f59fb8f3-a021-417a-8bc1-65c8d471c621" providerId="ADAL" clId="{DC0E4A9C-2901-B345-B38F-5F505964D1F1}" dt="2021-10-18T12:52:53.765" v="483"/>
+          <ac:spMkLst>
+            <pc:docMk/>
+            <pc:sldMk cId="3150557076" sldId="298"/>
+            <ac:spMk id="3" creationId="{981A0F47-47BA-5846-9A18-90CD9566D5D8}"/>
+          </ac:spMkLst>
+        </pc:spChg>
+      </pc:sldChg>
+      <pc:sldChg chg="addSp modSp mod">
+        <pc:chgData name="Long B Nguyen" userId="f59fb8f3-a021-417a-8bc1-65c8d471c621" providerId="ADAL" clId="{DC0E4A9C-2901-B345-B38F-5F505964D1F1}" dt="2021-10-18T12:52:53.765" v="483"/>
         <pc:sldMkLst>
           <pc:docMk/>
           <pc:sldMk cId="1703902501" sldId="305"/>
@@ -1503,6 +1583,14 @@
             <ac:spMk id="2" creationId="{AA3A228F-61D0-D949-A5E7-F83756230BF8}"/>
           </ac:spMkLst>
         </pc:spChg>
+        <pc:spChg chg="add mod">
+          <ac:chgData name="Long B Nguyen" userId="f59fb8f3-a021-417a-8bc1-65c8d471c621" providerId="ADAL" clId="{DC0E4A9C-2901-B345-B38F-5F505964D1F1}" dt="2021-10-18T12:52:53.765" v="483"/>
+          <ac:spMkLst>
+            <pc:docMk/>
+            <pc:sldMk cId="1703902501" sldId="305"/>
+            <ac:spMk id="3" creationId="{4AF1EE18-7000-0743-BFAC-2DB4C588822A}"/>
+          </ac:spMkLst>
+        </pc:spChg>
         <pc:spChg chg="mod">
           <ac:chgData name="Long B Nguyen" userId="f59fb8f3-a021-417a-8bc1-65c8d471c621" providerId="ADAL" clId="{DC0E4A9C-2901-B345-B38F-5F505964D1F1}" dt="2021-10-13T15:20:08.161" v="325" actId="20577"/>
           <ac:spMkLst>
@@ -1512,15 +1600,83 @@
           </ac:spMkLst>
         </pc:spChg>
       </pc:sldChg>
-      <pc:sldChg chg="modAnim">
-        <pc:chgData name="Long B Nguyen" userId="f59fb8f3-a021-417a-8bc1-65c8d471c621" providerId="ADAL" clId="{DC0E4A9C-2901-B345-B38F-5F505964D1F1}" dt="2021-10-13T15:11:14.830" v="176"/>
+      <pc:sldChg chg="addSp modSp">
+        <pc:chgData name="Long B Nguyen" userId="f59fb8f3-a021-417a-8bc1-65c8d471c621" providerId="ADAL" clId="{DC0E4A9C-2901-B345-B38F-5F505964D1F1}" dt="2021-10-18T12:52:53.765" v="483"/>
+        <pc:sldMkLst>
+          <pc:docMk/>
+          <pc:sldMk cId="67957925" sldId="308"/>
+        </pc:sldMkLst>
+        <pc:spChg chg="add mod">
+          <ac:chgData name="Long B Nguyen" userId="f59fb8f3-a021-417a-8bc1-65c8d471c621" providerId="ADAL" clId="{DC0E4A9C-2901-B345-B38F-5F505964D1F1}" dt="2021-10-18T12:52:53.765" v="483"/>
+          <ac:spMkLst>
+            <pc:docMk/>
+            <pc:sldMk cId="67957925" sldId="308"/>
+            <ac:spMk id="3" creationId="{95ACB809-A399-994B-B491-7832B9A5C13D}"/>
+          </ac:spMkLst>
+        </pc:spChg>
+      </pc:sldChg>
+      <pc:sldChg chg="addSp modSp modAnim">
+        <pc:chgData name="Long B Nguyen" userId="f59fb8f3-a021-417a-8bc1-65c8d471c621" providerId="ADAL" clId="{DC0E4A9C-2901-B345-B38F-5F505964D1F1}" dt="2021-10-18T12:52:53.765" v="483"/>
         <pc:sldMkLst>
           <pc:docMk/>
           <pc:sldMk cId="1872435103" sldId="309"/>
         </pc:sldMkLst>
+        <pc:spChg chg="add mod">
+          <ac:chgData name="Long B Nguyen" userId="f59fb8f3-a021-417a-8bc1-65c8d471c621" providerId="ADAL" clId="{DC0E4A9C-2901-B345-B38F-5F505964D1F1}" dt="2021-10-18T12:52:53.765" v="483"/>
+          <ac:spMkLst>
+            <pc:docMk/>
+            <pc:sldMk cId="1872435103" sldId="309"/>
+            <ac:spMk id="4" creationId="{7CC860C7-C872-674E-B395-4FBE0B83EDAB}"/>
+          </ac:spMkLst>
+        </pc:spChg>
       </pc:sldChg>
-      <pc:sldChg chg="modSp mod modAnim">
-        <pc:chgData name="Long B Nguyen" userId="f59fb8f3-a021-417a-8bc1-65c8d471c621" providerId="ADAL" clId="{DC0E4A9C-2901-B345-B38F-5F505964D1F1}" dt="2021-10-16T17:59:26.899" v="479" actId="1076"/>
+      <pc:sldChg chg="addSp modSp">
+        <pc:chgData name="Long B Nguyen" userId="f59fb8f3-a021-417a-8bc1-65c8d471c621" providerId="ADAL" clId="{DC0E4A9C-2901-B345-B38F-5F505964D1F1}" dt="2021-10-18T12:52:53.765" v="483"/>
+        <pc:sldMkLst>
+          <pc:docMk/>
+          <pc:sldMk cId="4088965571" sldId="310"/>
+        </pc:sldMkLst>
+        <pc:spChg chg="add mod">
+          <ac:chgData name="Long B Nguyen" userId="f59fb8f3-a021-417a-8bc1-65c8d471c621" providerId="ADAL" clId="{DC0E4A9C-2901-B345-B38F-5F505964D1F1}" dt="2021-10-18T12:52:53.765" v="483"/>
+          <ac:spMkLst>
+            <pc:docMk/>
+            <pc:sldMk cId="4088965571" sldId="310"/>
+            <ac:spMk id="3" creationId="{CAFABA78-78F8-564E-9F46-F84C1E0BD5BB}"/>
+          </ac:spMkLst>
+        </pc:spChg>
+      </pc:sldChg>
+      <pc:sldChg chg="addSp modSp">
+        <pc:chgData name="Long B Nguyen" userId="f59fb8f3-a021-417a-8bc1-65c8d471c621" providerId="ADAL" clId="{DC0E4A9C-2901-B345-B38F-5F505964D1F1}" dt="2021-10-18T12:52:53.765" v="483"/>
+        <pc:sldMkLst>
+          <pc:docMk/>
+          <pc:sldMk cId="2255846137" sldId="311"/>
+        </pc:sldMkLst>
+        <pc:spChg chg="add mod">
+          <ac:chgData name="Long B Nguyen" userId="f59fb8f3-a021-417a-8bc1-65c8d471c621" providerId="ADAL" clId="{DC0E4A9C-2901-B345-B38F-5F505964D1F1}" dt="2021-10-18T12:52:53.765" v="483"/>
+          <ac:spMkLst>
+            <pc:docMk/>
+            <pc:sldMk cId="2255846137" sldId="311"/>
+            <ac:spMk id="3" creationId="{E2159070-7102-A34B-8088-C2ECB0E7065A}"/>
+          </ac:spMkLst>
+        </pc:spChg>
+      </pc:sldChg>
+      <pc:sldChg chg="addSp modSp">
+        <pc:chgData name="Long B Nguyen" userId="f59fb8f3-a021-417a-8bc1-65c8d471c621" providerId="ADAL" clId="{DC0E4A9C-2901-B345-B38F-5F505964D1F1}" dt="2021-10-18T12:52:53.765" v="483"/>
+        <pc:sldMkLst>
+          <pc:docMk/>
+          <pc:sldMk cId="1513627164" sldId="312"/>
+        </pc:sldMkLst>
+        <pc:spChg chg="add mod">
+          <ac:chgData name="Long B Nguyen" userId="f59fb8f3-a021-417a-8bc1-65c8d471c621" providerId="ADAL" clId="{DC0E4A9C-2901-B345-B38F-5F505964D1F1}" dt="2021-10-18T12:52:53.765" v="483"/>
+          <ac:spMkLst>
+            <pc:docMk/>
+            <pc:sldMk cId="1513627164" sldId="312"/>
+            <ac:spMk id="3" creationId="{7EB687A3-F31C-E84D-A103-BAD7AE309AEB}"/>
+          </ac:spMkLst>
+        </pc:spChg>
+      </pc:sldChg>
+      <pc:sldChg chg="addSp modSp mod modAnim">
+        <pc:chgData name="Long B Nguyen" userId="f59fb8f3-a021-417a-8bc1-65c8d471c621" providerId="ADAL" clId="{DC0E4A9C-2901-B345-B38F-5F505964D1F1}" dt="2021-10-18T12:52:53.765" v="483"/>
         <pc:sldMkLst>
           <pc:docMk/>
           <pc:sldMk cId="2097059918" sldId="313"/>
@@ -1533,6 +1689,14 @@
             <ac:spMk id="2" creationId="{AA3A228F-61D0-D949-A5E7-F83756230BF8}"/>
           </ac:spMkLst>
         </pc:spChg>
+        <pc:spChg chg="add mod">
+          <ac:chgData name="Long B Nguyen" userId="f59fb8f3-a021-417a-8bc1-65c8d471c621" providerId="ADAL" clId="{DC0E4A9C-2901-B345-B38F-5F505964D1F1}" dt="2021-10-18T12:52:53.765" v="483"/>
+          <ac:spMkLst>
+            <pc:docMk/>
+            <pc:sldMk cId="2097059918" sldId="313"/>
+            <ac:spMk id="4" creationId="{C041DDEE-3B5E-2746-8930-455CF89C7A18}"/>
+          </ac:spMkLst>
+        </pc:spChg>
         <pc:spChg chg="mod">
           <ac:chgData name="Long B Nguyen" userId="f59fb8f3-a021-417a-8bc1-65c8d471c621" providerId="ADAL" clId="{DC0E4A9C-2901-B345-B38F-5F505964D1F1}" dt="2021-10-16T17:59:18.408" v="478" actId="14100"/>
           <ac:spMkLst>
@@ -1542,12 +1706,50 @@
           </ac:spMkLst>
         </pc:spChg>
       </pc:sldChg>
-      <pc:sldChg chg="modSp">
-        <pc:chgData name="Long B Nguyen" userId="f59fb8f3-a021-417a-8bc1-65c8d471c621" providerId="ADAL" clId="{DC0E4A9C-2901-B345-B38F-5F505964D1F1}" dt="2021-10-13T15:10:51.777" v="175" actId="20577"/>
+      <pc:sldChg chg="addSp modSp">
+        <pc:chgData name="Long B Nguyen" userId="f59fb8f3-a021-417a-8bc1-65c8d471c621" providerId="ADAL" clId="{DC0E4A9C-2901-B345-B38F-5F505964D1F1}" dt="2021-10-18T12:52:53.765" v="483"/>
+        <pc:sldMkLst>
+          <pc:docMk/>
+          <pc:sldMk cId="1452600724" sldId="316"/>
+        </pc:sldMkLst>
+        <pc:spChg chg="add mod">
+          <ac:chgData name="Long B Nguyen" userId="f59fb8f3-a021-417a-8bc1-65c8d471c621" providerId="ADAL" clId="{DC0E4A9C-2901-B345-B38F-5F505964D1F1}" dt="2021-10-18T12:52:53.765" v="483"/>
+          <ac:spMkLst>
+            <pc:docMk/>
+            <pc:sldMk cId="1452600724" sldId="316"/>
+            <ac:spMk id="3" creationId="{D85274A6-2032-FD4A-83E9-E902EDB95A57}"/>
+          </ac:spMkLst>
+        </pc:spChg>
+      </pc:sldChg>
+      <pc:sldChg chg="addSp modSp">
+        <pc:chgData name="Long B Nguyen" userId="f59fb8f3-a021-417a-8bc1-65c8d471c621" providerId="ADAL" clId="{DC0E4A9C-2901-B345-B38F-5F505964D1F1}" dt="2021-10-18T12:52:53.765" v="483"/>
+        <pc:sldMkLst>
+          <pc:docMk/>
+          <pc:sldMk cId="1787114790" sldId="317"/>
+        </pc:sldMkLst>
+        <pc:spChg chg="add mod">
+          <ac:chgData name="Long B Nguyen" userId="f59fb8f3-a021-417a-8bc1-65c8d471c621" providerId="ADAL" clId="{DC0E4A9C-2901-B345-B38F-5F505964D1F1}" dt="2021-10-18T12:52:53.765" v="483"/>
+          <ac:spMkLst>
+            <pc:docMk/>
+            <pc:sldMk cId="1787114790" sldId="317"/>
+            <ac:spMk id="3" creationId="{10D3C762-AED2-4E4F-B457-5AAA1D13C67C}"/>
+          </ac:spMkLst>
+        </pc:spChg>
+      </pc:sldChg>
+      <pc:sldChg chg="addSp modSp">
+        <pc:chgData name="Long B Nguyen" userId="f59fb8f3-a021-417a-8bc1-65c8d471c621" providerId="ADAL" clId="{DC0E4A9C-2901-B345-B38F-5F505964D1F1}" dt="2021-10-18T12:52:53.765" v="483"/>
         <pc:sldMkLst>
           <pc:docMk/>
           <pc:sldMk cId="2979421659" sldId="330"/>
         </pc:sldMkLst>
+        <pc:spChg chg="add mod">
+          <ac:chgData name="Long B Nguyen" userId="f59fb8f3-a021-417a-8bc1-65c8d471c621" providerId="ADAL" clId="{DC0E4A9C-2901-B345-B38F-5F505964D1F1}" dt="2021-10-18T12:52:53.765" v="483"/>
+          <ac:spMkLst>
+            <pc:docMk/>
+            <pc:sldMk cId="2979421659" sldId="330"/>
+            <ac:spMk id="3" creationId="{C250D0F7-A235-FF48-9AE4-9A9781BF2579}"/>
+          </ac:spMkLst>
+        </pc:spChg>
         <pc:spChg chg="mod">
           <ac:chgData name="Long B Nguyen" userId="f59fb8f3-a021-417a-8bc1-65c8d471c621" providerId="ADAL" clId="{DC0E4A9C-2901-B345-B38F-5F505964D1F1}" dt="2021-10-13T15:10:51.777" v="175" actId="20577"/>
           <ac:spMkLst>
@@ -1557,12 +1759,35 @@
           </ac:spMkLst>
         </pc:spChg>
       </pc:sldChg>
-      <pc:sldChg chg="modSp modAnim">
-        <pc:chgData name="Long B Nguyen" userId="f59fb8f3-a021-417a-8bc1-65c8d471c621" providerId="ADAL" clId="{DC0E4A9C-2901-B345-B38F-5F505964D1F1}" dt="2021-10-13T15:12:25.787" v="194"/>
+      <pc:sldChg chg="addSp modSp">
+        <pc:chgData name="Long B Nguyen" userId="f59fb8f3-a021-417a-8bc1-65c8d471c621" providerId="ADAL" clId="{DC0E4A9C-2901-B345-B38F-5F505964D1F1}" dt="2021-10-18T12:52:53.765" v="483"/>
+        <pc:sldMkLst>
+          <pc:docMk/>
+          <pc:sldMk cId="1600871836" sldId="331"/>
+        </pc:sldMkLst>
+        <pc:spChg chg="add mod">
+          <ac:chgData name="Long B Nguyen" userId="f59fb8f3-a021-417a-8bc1-65c8d471c621" providerId="ADAL" clId="{DC0E4A9C-2901-B345-B38F-5F505964D1F1}" dt="2021-10-18T12:52:53.765" v="483"/>
+          <ac:spMkLst>
+            <pc:docMk/>
+            <pc:sldMk cId="1600871836" sldId="331"/>
+            <ac:spMk id="3" creationId="{27C8DBD9-7B4A-D344-8008-BFF9A4613E9F}"/>
+          </ac:spMkLst>
+        </pc:spChg>
+      </pc:sldChg>
+      <pc:sldChg chg="addSp modSp modAnim">
+        <pc:chgData name="Long B Nguyen" userId="f59fb8f3-a021-417a-8bc1-65c8d471c621" providerId="ADAL" clId="{DC0E4A9C-2901-B345-B38F-5F505964D1F1}" dt="2021-10-18T12:52:53.765" v="483"/>
         <pc:sldMkLst>
           <pc:docMk/>
           <pc:sldMk cId="3010097483" sldId="332"/>
         </pc:sldMkLst>
+        <pc:spChg chg="add mod">
+          <ac:chgData name="Long B Nguyen" userId="f59fb8f3-a021-417a-8bc1-65c8d471c621" providerId="ADAL" clId="{DC0E4A9C-2901-B345-B38F-5F505964D1F1}" dt="2021-10-18T12:52:53.765" v="483"/>
+          <ac:spMkLst>
+            <pc:docMk/>
+            <pc:sldMk cId="3010097483" sldId="332"/>
+            <ac:spMk id="3" creationId="{F9479D91-A5A0-E443-8DE0-936196AD2C8F}"/>
+          </ac:spMkLst>
+        </pc:spChg>
         <pc:spChg chg="mod">
           <ac:chgData name="Long B Nguyen" userId="f59fb8f3-a021-417a-8bc1-65c8d471c621" providerId="ADAL" clId="{DC0E4A9C-2901-B345-B38F-5F505964D1F1}" dt="2021-10-13T15:11:50.914" v="186" actId="20577"/>
           <ac:spMkLst>
@@ -1572,8 +1797,23 @@
           </ac:spMkLst>
         </pc:spChg>
       </pc:sldChg>
-      <pc:sldChg chg="modSp add mod modAnim">
-        <pc:chgData name="Long B Nguyen" userId="f59fb8f3-a021-417a-8bc1-65c8d471c621" providerId="ADAL" clId="{DC0E4A9C-2901-B345-B38F-5F505964D1F1}" dt="2021-10-16T17:53:03.443" v="477" actId="20577"/>
+      <pc:sldChg chg="addSp modSp">
+        <pc:chgData name="Long B Nguyen" userId="f59fb8f3-a021-417a-8bc1-65c8d471c621" providerId="ADAL" clId="{DC0E4A9C-2901-B345-B38F-5F505964D1F1}" dt="2021-10-18T12:52:53.765" v="483"/>
+        <pc:sldMkLst>
+          <pc:docMk/>
+          <pc:sldMk cId="3662915732" sldId="333"/>
+        </pc:sldMkLst>
+        <pc:spChg chg="add mod">
+          <ac:chgData name="Long B Nguyen" userId="f59fb8f3-a021-417a-8bc1-65c8d471c621" providerId="ADAL" clId="{DC0E4A9C-2901-B345-B38F-5F505964D1F1}" dt="2021-10-18T12:52:53.765" v="483"/>
+          <ac:spMkLst>
+            <pc:docMk/>
+            <pc:sldMk cId="3662915732" sldId="333"/>
+            <ac:spMk id="3" creationId="{9F5B78D7-AC9E-9D46-A252-4AE5D34709E0}"/>
+          </ac:spMkLst>
+        </pc:spChg>
+      </pc:sldChg>
+      <pc:sldChg chg="addSp modSp add mod modAnim">
+        <pc:chgData name="Long B Nguyen" userId="f59fb8f3-a021-417a-8bc1-65c8d471c621" providerId="ADAL" clId="{DC0E4A9C-2901-B345-B38F-5F505964D1F1}" dt="2021-10-18T12:52:53.765" v="483"/>
         <pc:sldMkLst>
           <pc:docMk/>
           <pc:sldMk cId="3622583498" sldId="334"/>
@@ -1584,6 +1824,14 @@
             <pc:docMk/>
             <pc:sldMk cId="3622583498" sldId="334"/>
             <ac:spMk id="3" creationId="{53AD888D-2F6F-BB43-86CA-1A3B376061A2}"/>
+          </ac:spMkLst>
+        </pc:spChg>
+        <pc:spChg chg="add mod">
+          <ac:chgData name="Long B Nguyen" userId="f59fb8f3-a021-417a-8bc1-65c8d471c621" providerId="ADAL" clId="{DC0E4A9C-2901-B345-B38F-5F505964D1F1}" dt="2021-10-18T12:52:53.765" v="483"/>
+          <ac:spMkLst>
+            <pc:docMk/>
+            <pc:sldMk cId="3622583498" sldId="334"/>
+            <ac:spMk id="4" creationId="{5DD7514D-7B5E-CE43-A732-4A0A5AFAAF8F}"/>
           </ac:spMkLst>
         </pc:spChg>
         <pc:spChg chg="mod">
@@ -1908,6 +2156,355 @@
 </pc:chgInfo>
 </file>
 
+<file path=ppt/notesMasters/notesMaster1.xml><?xml version="1.0" encoding="utf-8"?>
+<p:notesMaster xmlns:a="http://schemas.openxmlformats.org/drawingml/2006/main" xmlns:r="http://schemas.openxmlformats.org/officeDocument/2006/relationships" xmlns:p="http://schemas.openxmlformats.org/presentationml/2006/main">
+  <p:cSld>
+    <p:bg>
+      <p:bgRef idx="1001">
+        <a:schemeClr val="bg1"/>
+      </p:bgRef>
+    </p:bg>
+    <p:spTree>
+      <p:nvGrpSpPr>
+        <p:cNvPr id="1" name=""/>
+        <p:cNvGrpSpPr/>
+        <p:nvPr/>
+      </p:nvGrpSpPr>
+      <p:grpSpPr>
+        <a:xfrm>
+          <a:off x="0" y="0"/>
+          <a:ext cx="0" cy="0"/>
+          <a:chOff x="0" y="0"/>
+          <a:chExt cx="0" cy="0"/>
+        </a:xfrm>
+      </p:grpSpPr>
+      <p:sp>
+        <p:nvSpPr>
+          <p:cNvPr id="2" name="Header Placeholder 1"/>
+          <p:cNvSpPr>
+            <a:spLocks noGrp="1"/>
+          </p:cNvSpPr>
+          <p:nvPr>
+            <p:ph type="hdr" sz="quarter"/>
+          </p:nvPr>
+        </p:nvSpPr>
+        <p:spPr>
+          <a:xfrm>
+            <a:off x="0" y="0"/>
+            <a:ext cx="2971800" cy="458788"/>
+          </a:xfrm>
+          <a:prstGeom prst="rect">
+            <a:avLst/>
+          </a:prstGeom>
+        </p:spPr>
+        <p:txBody>
+          <a:bodyPr vert="horz" lIns="91440" tIns="45720" rIns="91440" bIns="45720" rtlCol="0"/>
+          <a:lstStyle>
+            <a:lvl1pPr algn="l">
+              <a:defRPr sz="1200"/>
+            </a:lvl1pPr>
+          </a:lstStyle>
+          <a:p>
+            <a:endParaRPr lang="en-US"/>
+          </a:p>
+        </p:txBody>
+      </p:sp>
+      <p:sp>
+        <p:nvSpPr>
+          <p:cNvPr id="3" name="Date Placeholder 2"/>
+          <p:cNvSpPr>
+            <a:spLocks noGrp="1"/>
+          </p:cNvSpPr>
+          <p:nvPr>
+            <p:ph type="dt" idx="1"/>
+          </p:nvPr>
+        </p:nvSpPr>
+        <p:spPr>
+          <a:xfrm>
+            <a:off x="3884613" y="0"/>
+            <a:ext cx="2971800" cy="458788"/>
+          </a:xfrm>
+          <a:prstGeom prst="rect">
+            <a:avLst/>
+          </a:prstGeom>
+        </p:spPr>
+        <p:txBody>
+          <a:bodyPr vert="horz" lIns="91440" tIns="45720" rIns="91440" bIns="45720" rtlCol="0"/>
+          <a:lstStyle>
+            <a:lvl1pPr algn="r">
+              <a:defRPr sz="1200"/>
+            </a:lvl1pPr>
+          </a:lstStyle>
+          <a:p>
+            <a:fld id="{91B17CCE-B712-5B43-9D1C-82523EAD6AD9}" type="datetimeFigureOut">
+              <a:rPr lang="en-US" smtClean="0"/>
+              <a:t>10/18/21</a:t>
+            </a:fld>
+            <a:endParaRPr lang="en-US"/>
+          </a:p>
+        </p:txBody>
+      </p:sp>
+      <p:sp>
+        <p:nvSpPr>
+          <p:cNvPr id="4" name="Slide Image Placeholder 3"/>
+          <p:cNvSpPr>
+            <a:spLocks noGrp="1" noRot="1" noChangeAspect="1"/>
+          </p:cNvSpPr>
+          <p:nvPr>
+            <p:ph type="sldImg" idx="2"/>
+          </p:nvPr>
+        </p:nvSpPr>
+        <p:spPr>
+          <a:xfrm>
+            <a:off x="960438" y="1143000"/>
+            <a:ext cx="4937125" cy="3086100"/>
+          </a:xfrm>
+          <a:prstGeom prst="rect">
+            <a:avLst/>
+          </a:prstGeom>
+          <a:noFill/>
+          <a:ln w="12700">
+            <a:solidFill>
+              <a:prstClr val="black"/>
+            </a:solidFill>
+          </a:ln>
+        </p:spPr>
+        <p:txBody>
+          <a:bodyPr vert="horz" lIns="91440" tIns="45720" rIns="91440" bIns="45720" rtlCol="0" anchor="ctr"/>
+          <a:lstStyle/>
+          <a:p>
+            <a:endParaRPr lang="en-US"/>
+          </a:p>
+        </p:txBody>
+      </p:sp>
+      <p:sp>
+        <p:nvSpPr>
+          <p:cNvPr id="5" name="Notes Placeholder 4"/>
+          <p:cNvSpPr>
+            <a:spLocks noGrp="1"/>
+          </p:cNvSpPr>
+          <p:nvPr>
+            <p:ph type="body" sz="quarter" idx="3"/>
+          </p:nvPr>
+        </p:nvSpPr>
+        <p:spPr>
+          <a:xfrm>
+            <a:off x="685800" y="4400550"/>
+            <a:ext cx="5486400" cy="3600450"/>
+          </a:xfrm>
+          <a:prstGeom prst="rect">
+            <a:avLst/>
+          </a:prstGeom>
+        </p:spPr>
+        <p:txBody>
+          <a:bodyPr vert="horz" lIns="91440" tIns="45720" rIns="91440" bIns="45720" rtlCol="0"/>
+          <a:lstStyle/>
+          <a:p>
+            <a:pPr lvl="0"/>
+            <a:r>
+              <a:rPr lang="en-US"/>
+              <a:t>Click to edit Master text styles</a:t>
+            </a:r>
+          </a:p>
+          <a:p>
+            <a:pPr lvl="1"/>
+            <a:r>
+              <a:rPr lang="en-US"/>
+              <a:t>Second level</a:t>
+            </a:r>
+          </a:p>
+          <a:p>
+            <a:pPr lvl="2"/>
+            <a:r>
+              <a:rPr lang="en-US"/>
+              <a:t>Third level</a:t>
+            </a:r>
+          </a:p>
+          <a:p>
+            <a:pPr lvl="3"/>
+            <a:r>
+              <a:rPr lang="en-US"/>
+              <a:t>Fourth level</a:t>
+            </a:r>
+          </a:p>
+          <a:p>
+            <a:pPr lvl="4"/>
+            <a:r>
+              <a:rPr lang="en-US"/>
+              <a:t>Fifth level</a:t>
+            </a:r>
+          </a:p>
+        </p:txBody>
+      </p:sp>
+      <p:sp>
+        <p:nvSpPr>
+          <p:cNvPr id="6" name="Footer Placeholder 5"/>
+          <p:cNvSpPr>
+            <a:spLocks noGrp="1"/>
+          </p:cNvSpPr>
+          <p:nvPr>
+            <p:ph type="ftr" sz="quarter" idx="4"/>
+          </p:nvPr>
+        </p:nvSpPr>
+        <p:spPr>
+          <a:xfrm>
+            <a:off x="0" y="8685213"/>
+            <a:ext cx="2971800" cy="458787"/>
+          </a:xfrm>
+          <a:prstGeom prst="rect">
+            <a:avLst/>
+          </a:prstGeom>
+        </p:spPr>
+        <p:txBody>
+          <a:bodyPr vert="horz" lIns="91440" tIns="45720" rIns="91440" bIns="45720" rtlCol="0" anchor="b"/>
+          <a:lstStyle>
+            <a:lvl1pPr algn="l">
+              <a:defRPr sz="1200"/>
+            </a:lvl1pPr>
+          </a:lstStyle>
+          <a:p>
+            <a:endParaRPr lang="en-US"/>
+          </a:p>
+        </p:txBody>
+      </p:sp>
+      <p:sp>
+        <p:nvSpPr>
+          <p:cNvPr id="7" name="Slide Number Placeholder 6"/>
+          <p:cNvSpPr>
+            <a:spLocks noGrp="1"/>
+          </p:cNvSpPr>
+          <p:nvPr>
+            <p:ph type="sldNum" sz="quarter" idx="5"/>
+          </p:nvPr>
+        </p:nvSpPr>
+        <p:spPr>
+          <a:xfrm>
+            <a:off x="3884613" y="8685213"/>
+            <a:ext cx="2971800" cy="458787"/>
+          </a:xfrm>
+          <a:prstGeom prst="rect">
+            <a:avLst/>
+          </a:prstGeom>
+        </p:spPr>
+        <p:txBody>
+          <a:bodyPr vert="horz" lIns="91440" tIns="45720" rIns="91440" bIns="45720" rtlCol="0" anchor="b"/>
+          <a:lstStyle>
+            <a:lvl1pPr algn="r">
+              <a:defRPr sz="1200"/>
+            </a:lvl1pPr>
+          </a:lstStyle>
+          <a:p>
+            <a:fld id="{B2189D5B-A968-FC47-A5CB-3AEBC12FCB58}" type="slidenum">
+              <a:rPr lang="en-US" smtClean="0"/>
+              <a:t>‹#›</a:t>
+            </a:fld>
+            <a:endParaRPr lang="en-US"/>
+          </a:p>
+        </p:txBody>
+      </p:sp>
+    </p:spTree>
+    <p:extLst>
+      <p:ext uri="{BB962C8B-B14F-4D97-AF65-F5344CB8AC3E}">
+        <p14:creationId xmlns:p14="http://schemas.microsoft.com/office/powerpoint/2010/main" val="413526898"/>
+      </p:ext>
+    </p:extLst>
+  </p:cSld>
+  <p:clrMap bg1="lt1" tx1="dk1" bg2="lt2" tx2="dk2" accent1="accent1" accent2="accent2" accent3="accent3" accent4="accent4" accent5="accent5" accent6="accent6" hlink="hlink" folHlink="folHlink"/>
+  <p:notesStyle>
+    <a:lvl1pPr marL="0" algn="l" defTabSz="914400" rtl="0" eaLnBrk="1" latinLnBrk="0" hangingPunct="1">
+      <a:defRPr sz="1200" kern="1200">
+        <a:solidFill>
+          <a:schemeClr val="tx1"/>
+        </a:solidFill>
+        <a:latin typeface="+mn-lt"/>
+        <a:ea typeface="+mn-ea"/>
+        <a:cs typeface="+mn-cs"/>
+      </a:defRPr>
+    </a:lvl1pPr>
+    <a:lvl2pPr marL="457200" algn="l" defTabSz="914400" rtl="0" eaLnBrk="1" latinLnBrk="0" hangingPunct="1">
+      <a:defRPr sz="1200" kern="1200">
+        <a:solidFill>
+          <a:schemeClr val="tx1"/>
+        </a:solidFill>
+        <a:latin typeface="+mn-lt"/>
+        <a:ea typeface="+mn-ea"/>
+        <a:cs typeface="+mn-cs"/>
+      </a:defRPr>
+    </a:lvl2pPr>
+    <a:lvl3pPr marL="914400" algn="l" defTabSz="914400" rtl="0" eaLnBrk="1" latinLnBrk="0" hangingPunct="1">
+      <a:defRPr sz="1200" kern="1200">
+        <a:solidFill>
+          <a:schemeClr val="tx1"/>
+        </a:solidFill>
+        <a:latin typeface="+mn-lt"/>
+        <a:ea typeface="+mn-ea"/>
+        <a:cs typeface="+mn-cs"/>
+      </a:defRPr>
+    </a:lvl3pPr>
+    <a:lvl4pPr marL="1371600" algn="l" defTabSz="914400" rtl="0" eaLnBrk="1" latinLnBrk="0" hangingPunct="1">
+      <a:defRPr sz="1200" kern="1200">
+        <a:solidFill>
+          <a:schemeClr val="tx1"/>
+        </a:solidFill>
+        <a:latin typeface="+mn-lt"/>
+        <a:ea typeface="+mn-ea"/>
+        <a:cs typeface="+mn-cs"/>
+      </a:defRPr>
+    </a:lvl4pPr>
+    <a:lvl5pPr marL="1828800" algn="l" defTabSz="914400" rtl="0" eaLnBrk="1" latinLnBrk="0" hangingPunct="1">
+      <a:defRPr sz="1200" kern="1200">
+        <a:solidFill>
+          <a:schemeClr val="tx1"/>
+        </a:solidFill>
+        <a:latin typeface="+mn-lt"/>
+        <a:ea typeface="+mn-ea"/>
+        <a:cs typeface="+mn-cs"/>
+      </a:defRPr>
+    </a:lvl5pPr>
+    <a:lvl6pPr marL="2286000" algn="l" defTabSz="914400" rtl="0" eaLnBrk="1" latinLnBrk="0" hangingPunct="1">
+      <a:defRPr sz="1200" kern="1200">
+        <a:solidFill>
+          <a:schemeClr val="tx1"/>
+        </a:solidFill>
+        <a:latin typeface="+mn-lt"/>
+        <a:ea typeface="+mn-ea"/>
+        <a:cs typeface="+mn-cs"/>
+      </a:defRPr>
+    </a:lvl6pPr>
+    <a:lvl7pPr marL="2743200" algn="l" defTabSz="914400" rtl="0" eaLnBrk="1" latinLnBrk="0" hangingPunct="1">
+      <a:defRPr sz="1200" kern="1200">
+        <a:solidFill>
+          <a:schemeClr val="tx1"/>
+        </a:solidFill>
+        <a:latin typeface="+mn-lt"/>
+        <a:ea typeface="+mn-ea"/>
+        <a:cs typeface="+mn-cs"/>
+      </a:defRPr>
+    </a:lvl7pPr>
+    <a:lvl8pPr marL="3200400" algn="l" defTabSz="914400" rtl="0" eaLnBrk="1" latinLnBrk="0" hangingPunct="1">
+      <a:defRPr sz="1200" kern="1200">
+        <a:solidFill>
+          <a:schemeClr val="tx1"/>
+        </a:solidFill>
+        <a:latin typeface="+mn-lt"/>
+        <a:ea typeface="+mn-ea"/>
+        <a:cs typeface="+mn-cs"/>
+      </a:defRPr>
+    </a:lvl8pPr>
+    <a:lvl9pPr marL="3657600" algn="l" defTabSz="914400" rtl="0" eaLnBrk="1" latinLnBrk="0" hangingPunct="1">
+      <a:defRPr sz="1200" kern="1200">
+        <a:solidFill>
+          <a:schemeClr val="tx1"/>
+        </a:solidFill>
+        <a:latin typeface="+mn-lt"/>
+        <a:ea typeface="+mn-ea"/>
+        <a:cs typeface="+mn-cs"/>
+      </a:defRPr>
+    </a:lvl9pPr>
+  </p:notesStyle>
+</p:notesMaster>
+</file>
+
 <file path=ppt/slideLayouts/slideLayout1.xml><?xml version="1.0" encoding="utf-8"?>
 <p:sldLayout xmlns:a="http://schemas.openxmlformats.org/drawingml/2006/main" xmlns:r="http://schemas.openxmlformats.org/officeDocument/2006/relationships" xmlns:p="http://schemas.openxmlformats.org/presentationml/2006/main" type="title" preserve="1">
   <p:cSld name="Title Slide">
@@ -2037,9 +2634,9 @@
           <a:bodyPr/>
           <a:lstStyle/>
           <a:p>
-            <a:fld id="{4AAD347D-5ACD-4C99-B74B-A9C85AD731AF}" type="datetimeFigureOut">
+            <a:fld id="{DC471BF0-9D75-0942-9041-17C4B5344EC4}" type="datetime1">
               <a:rPr lang="en-US" smtClean="0"/>
-              <a:t>10/16/21</a:t>
+              <a:t>10/18/21</a:t>
             </a:fld>
             <a:endParaRPr lang="en-US" dirty="0"/>
           </a:p>
@@ -2207,9 +2804,9 @@
           <a:bodyPr/>
           <a:lstStyle/>
           <a:p>
-            <a:fld id="{4509A250-FF31-4206-8172-F9D3106AACB1}" type="datetimeFigureOut">
+            <a:fld id="{B2865873-C2CE-D94D-9B62-5C7D3D28893C}" type="datetime1">
               <a:rPr lang="en-US" smtClean="0"/>
-              <a:t>10/16/21</a:t>
+              <a:t>10/18/21</a:t>
             </a:fld>
             <a:endParaRPr lang="en-US" dirty="0"/>
           </a:p>
@@ -2387,9 +2984,9 @@
           <a:bodyPr/>
           <a:lstStyle/>
           <a:p>
-            <a:fld id="{4509A250-FF31-4206-8172-F9D3106AACB1}" type="datetimeFigureOut">
+            <a:fld id="{8FD9C3D9-FA7E-9846-AC00-3B249AB3A3A5}" type="datetime1">
               <a:rPr lang="en-US" smtClean="0"/>
-              <a:t>10/16/21</a:t>
+              <a:t>10/18/21</a:t>
             </a:fld>
             <a:endParaRPr lang="en-US" dirty="0"/>
           </a:p>
@@ -2557,9 +3154,9 @@
           <a:bodyPr/>
           <a:lstStyle/>
           <a:p>
-            <a:fld id="{4509A250-FF31-4206-8172-F9D3106AACB1}" type="datetimeFigureOut">
+            <a:fld id="{BB0B2068-C0B6-3D41-8F8D-849B431B8433}" type="datetime1">
               <a:rPr lang="en-US" smtClean="0"/>
-              <a:t>10/16/21</a:t>
+              <a:t>10/18/21</a:t>
             </a:fld>
             <a:endParaRPr lang="en-US" dirty="0"/>
           </a:p>
@@ -2803,9 +3400,9 @@
           <a:bodyPr/>
           <a:lstStyle/>
           <a:p>
-            <a:fld id="{9796027F-7875-4030-9381-8BD8C4F21935}" type="datetimeFigureOut">
+            <a:fld id="{0F9033C7-D091-114B-8DC2-5C14BE3937E7}" type="datetime1">
               <a:rPr lang="en-US" smtClean="0"/>
-              <a:t>10/16/21</a:t>
+              <a:t>10/18/21</a:t>
             </a:fld>
             <a:endParaRPr lang="en-US" dirty="0"/>
           </a:p>
@@ -3035,9 +3632,9 @@
           <a:bodyPr/>
           <a:lstStyle/>
           <a:p>
-            <a:fld id="{9796027F-7875-4030-9381-8BD8C4F21935}" type="datetimeFigureOut">
+            <a:fld id="{9157D187-B498-E845-A39A-6C51B5EF5520}" type="datetime1">
               <a:rPr lang="en-US" smtClean="0"/>
-              <a:t>10/16/21</a:t>
+              <a:t>10/18/21</a:t>
             </a:fld>
             <a:endParaRPr lang="en-US" dirty="0"/>
           </a:p>
@@ -3402,9 +3999,9 @@
           <a:bodyPr/>
           <a:lstStyle/>
           <a:p>
-            <a:fld id="{9796027F-7875-4030-9381-8BD8C4F21935}" type="datetimeFigureOut">
+            <a:fld id="{10C5814F-9C1E-8F43-BD11-47A12FCB08E9}" type="datetime1">
               <a:rPr lang="en-US" smtClean="0"/>
-              <a:t>10/16/21</a:t>
+              <a:t>10/18/21</a:t>
             </a:fld>
             <a:endParaRPr lang="en-US" dirty="0"/>
           </a:p>
@@ -3520,9 +4117,9 @@
           <a:bodyPr/>
           <a:lstStyle/>
           <a:p>
-            <a:fld id="{4509A250-FF31-4206-8172-F9D3106AACB1}" type="datetimeFigureOut">
+            <a:fld id="{00F4A595-D1A6-9443-A5E6-028339934659}" type="datetime1">
               <a:rPr lang="en-US" smtClean="0"/>
-              <a:t>10/16/21</a:t>
+              <a:t>10/18/21</a:t>
             </a:fld>
             <a:endParaRPr lang="en-US" dirty="0"/>
           </a:p>
@@ -3615,9 +4212,9 @@
           <a:bodyPr/>
           <a:lstStyle/>
           <a:p>
-            <a:fld id="{4509A250-FF31-4206-8172-F9D3106AACB1}" type="datetimeFigureOut">
+            <a:fld id="{283535AB-F705-A546-82E9-EF92A857560A}" type="datetime1">
               <a:rPr lang="en-US" smtClean="0"/>
-              <a:t>10/16/21</a:t>
+              <a:t>10/18/21</a:t>
             </a:fld>
             <a:endParaRPr lang="en-US" dirty="0"/>
           </a:p>
@@ -3892,9 +4489,9 @@
           <a:bodyPr/>
           <a:lstStyle/>
           <a:p>
-            <a:fld id="{4509A250-FF31-4206-8172-F9D3106AACB1}" type="datetimeFigureOut">
+            <a:fld id="{5458BA01-9B91-0A4B-AB23-8BE4CE0D7125}" type="datetime1">
               <a:rPr lang="en-US" smtClean="0"/>
-              <a:t>10/16/21</a:t>
+              <a:t>10/18/21</a:t>
             </a:fld>
             <a:endParaRPr lang="en-US" dirty="0"/>
           </a:p>
@@ -4149,9 +4746,9 @@
           <a:bodyPr/>
           <a:lstStyle/>
           <a:p>
-            <a:fld id="{4509A250-FF31-4206-8172-F9D3106AACB1}" type="datetimeFigureOut">
+            <a:fld id="{508F2FD5-7FA7-DF4B-B297-3F8803611404}" type="datetime1">
               <a:rPr lang="en-US" smtClean="0"/>
-              <a:t>10/16/21</a:t>
+              <a:t>10/18/21</a:t>
             </a:fld>
             <a:endParaRPr lang="en-US" dirty="0"/>
           </a:p>
@@ -4362,9 +4959,9 @@
             </a:lvl1pPr>
           </a:lstStyle>
           <a:p>
-            <a:fld id="{4AAD347D-5ACD-4C99-B74B-A9C85AD731AF}" type="datetimeFigureOut">
+            <a:fld id="{74C7A9AF-EB43-AD4F-A6D0-5244F0154611}" type="datetime1">
               <a:rPr lang="en-US" smtClean="0"/>
-              <a:t>10/16/21</a:t>
+              <a:t>10/18/21</a:t>
             </a:fld>
             <a:endParaRPr lang="en-US" dirty="0"/>
           </a:p>
@@ -4469,7 +5066,7 @@
     <p:sldLayoutId id="2147483801" r:id="rId10"/>
     <p:sldLayoutId id="2147483802" r:id="rId11"/>
   </p:sldLayoutIdLst>
-  <p:hf sldNum="0" hdr="0" ftr="0" dt="0"/>
+  <p:hf hdr="0" ftr="0" dt="0"/>
   <p:txStyles>
     <p:titleStyle>
       <a:lvl1pPr algn="l" defTabSz="685800" rtl="0" eaLnBrk="1" latinLnBrk="0" hangingPunct="1">
@@ -5069,6 +5666,35 @@
           </a:p>
         </p:txBody>
       </p:sp>
+      <p:sp>
+        <p:nvSpPr>
+          <p:cNvPr id="6" name="Slide Number Placeholder 5">
+            <a:extLst>
+              <a:ext uri="{FF2B5EF4-FFF2-40B4-BE49-F238E27FC236}">
+                <a16:creationId xmlns:a16="http://schemas.microsoft.com/office/drawing/2014/main" id="{83F40D69-2B29-144F-83F9-9398B43B34D1}"/>
+              </a:ext>
+            </a:extLst>
+          </p:cNvPr>
+          <p:cNvSpPr>
+            <a:spLocks noGrp="1"/>
+          </p:cNvSpPr>
+          <p:nvPr>
+            <p:ph type="sldNum" sz="quarter" idx="12"/>
+          </p:nvPr>
+        </p:nvSpPr>
+        <p:spPr/>
+        <p:txBody>
+          <a:bodyPr/>
+          <a:lstStyle/>
+          <a:p>
+            <a:fld id="{D57F1E4F-1CFF-5643-939E-02111984F565}" type="slidenum">
+              <a:rPr lang="en-US" smtClean="0"/>
+              <a:t>1</a:t>
+            </a:fld>
+            <a:endParaRPr lang="en-US" dirty="0"/>
+          </a:p>
+        </p:txBody>
+      </p:sp>
     </p:spTree>
     <p:extLst>
       <p:ext uri="{BB962C8B-B14F-4D97-AF65-F5344CB8AC3E}">
@@ -5218,6 +5844,35 @@
               </a:solidFill>
               <a:latin typeface="Gill Sans MT" panose="020B0502020104020203" pitchFamily="34" charset="77"/>
             </a:endParaRPr>
+          </a:p>
+        </p:txBody>
+      </p:sp>
+      <p:sp>
+        <p:nvSpPr>
+          <p:cNvPr id="3" name="Slide Number Placeholder 2">
+            <a:extLst>
+              <a:ext uri="{FF2B5EF4-FFF2-40B4-BE49-F238E27FC236}">
+                <a16:creationId xmlns:a16="http://schemas.microsoft.com/office/drawing/2014/main" id="{27C8DBD9-7B4A-D344-8008-BFF9A4613E9F}"/>
+              </a:ext>
+            </a:extLst>
+          </p:cNvPr>
+          <p:cNvSpPr>
+            <a:spLocks noGrp="1"/>
+          </p:cNvSpPr>
+          <p:nvPr>
+            <p:ph type="sldNum" sz="quarter" idx="12"/>
+          </p:nvPr>
+        </p:nvSpPr>
+        <p:spPr/>
+        <p:txBody>
+          <a:bodyPr/>
+          <a:lstStyle/>
+          <a:p>
+            <a:fld id="{D57F1E4F-1CFF-5643-939E-02111984F565}" type="slidenum">
+              <a:rPr lang="en-US" smtClean="0"/>
+              <a:t>10</a:t>
+            </a:fld>
+            <a:endParaRPr lang="en-US" dirty="0"/>
           </a:p>
         </p:txBody>
       </p:sp>
@@ -5660,6 +6315,35 @@
           </a:p>
         </p:txBody>
       </p:sp>
+      <p:sp>
+        <p:nvSpPr>
+          <p:cNvPr id="3" name="Slide Number Placeholder 2">
+            <a:extLst>
+              <a:ext uri="{FF2B5EF4-FFF2-40B4-BE49-F238E27FC236}">
+                <a16:creationId xmlns:a16="http://schemas.microsoft.com/office/drawing/2014/main" id="{95ACB809-A399-994B-B491-7832B9A5C13D}"/>
+              </a:ext>
+            </a:extLst>
+          </p:cNvPr>
+          <p:cNvSpPr>
+            <a:spLocks noGrp="1"/>
+          </p:cNvSpPr>
+          <p:nvPr>
+            <p:ph type="sldNum" sz="quarter" idx="12"/>
+          </p:nvPr>
+        </p:nvSpPr>
+        <p:spPr/>
+        <p:txBody>
+          <a:bodyPr/>
+          <a:lstStyle/>
+          <a:p>
+            <a:fld id="{D57F1E4F-1CFF-5643-939E-02111984F565}" type="slidenum">
+              <a:rPr lang="en-US" smtClean="0"/>
+              <a:t>11</a:t>
+            </a:fld>
+            <a:endParaRPr lang="en-US" dirty="0"/>
+          </a:p>
+        </p:txBody>
+      </p:sp>
     </p:spTree>
     <p:extLst>
       <p:ext uri="{BB962C8B-B14F-4D97-AF65-F5344CB8AC3E}">
@@ -6159,6 +6843,35 @@
               </a:solidFill>
               <a:latin typeface="Gill Sans MT" panose="020B0502020104020203" pitchFamily="34" charset="77"/>
             </a:endParaRPr>
+          </a:p>
+        </p:txBody>
+      </p:sp>
+      <p:sp>
+        <p:nvSpPr>
+          <p:cNvPr id="3" name="Slide Number Placeholder 2">
+            <a:extLst>
+              <a:ext uri="{FF2B5EF4-FFF2-40B4-BE49-F238E27FC236}">
+                <a16:creationId xmlns:a16="http://schemas.microsoft.com/office/drawing/2014/main" id="{C250D0F7-A235-FF48-9AE4-9A9781BF2579}"/>
+              </a:ext>
+            </a:extLst>
+          </p:cNvPr>
+          <p:cNvSpPr>
+            <a:spLocks noGrp="1"/>
+          </p:cNvSpPr>
+          <p:nvPr>
+            <p:ph type="sldNum" sz="quarter" idx="12"/>
+          </p:nvPr>
+        </p:nvSpPr>
+        <p:spPr/>
+        <p:txBody>
+          <a:bodyPr/>
+          <a:lstStyle/>
+          <a:p>
+            <a:fld id="{D57F1E4F-1CFF-5643-939E-02111984F565}" type="slidenum">
+              <a:rPr lang="en-US" smtClean="0"/>
+              <a:t>12</a:t>
+            </a:fld>
+            <a:endParaRPr lang="en-US" dirty="0"/>
           </a:p>
         </p:txBody>
       </p:sp>
@@ -7038,6 +7751,35 @@
           </a:p>
         </p:txBody>
       </p:sp>
+      <p:sp>
+        <p:nvSpPr>
+          <p:cNvPr id="4" name="Slide Number Placeholder 3">
+            <a:extLst>
+              <a:ext uri="{FF2B5EF4-FFF2-40B4-BE49-F238E27FC236}">
+                <a16:creationId xmlns:a16="http://schemas.microsoft.com/office/drawing/2014/main" id="{7CC860C7-C872-674E-B395-4FBE0B83EDAB}"/>
+              </a:ext>
+            </a:extLst>
+          </p:cNvPr>
+          <p:cNvSpPr>
+            <a:spLocks noGrp="1"/>
+          </p:cNvSpPr>
+          <p:nvPr>
+            <p:ph type="sldNum" sz="quarter" idx="12"/>
+          </p:nvPr>
+        </p:nvSpPr>
+        <p:spPr/>
+        <p:txBody>
+          <a:bodyPr/>
+          <a:lstStyle/>
+          <a:p>
+            <a:fld id="{D57F1E4F-1CFF-5643-939E-02111984F565}" type="slidenum">
+              <a:rPr lang="en-US" smtClean="0"/>
+              <a:t>13</a:t>
+            </a:fld>
+            <a:endParaRPr lang="en-US" dirty="0"/>
+          </a:p>
+        </p:txBody>
+      </p:sp>
     </p:spTree>
     <p:extLst>
       <p:ext uri="{BB962C8B-B14F-4D97-AF65-F5344CB8AC3E}">
@@ -7606,6 +8348,35 @@
           </a:p>
         </p:txBody>
       </p:sp>
+      <p:sp>
+        <p:nvSpPr>
+          <p:cNvPr id="3" name="Slide Number Placeholder 2">
+            <a:extLst>
+              <a:ext uri="{FF2B5EF4-FFF2-40B4-BE49-F238E27FC236}">
+                <a16:creationId xmlns:a16="http://schemas.microsoft.com/office/drawing/2014/main" id="{CAFABA78-78F8-564E-9F46-F84C1E0BD5BB}"/>
+              </a:ext>
+            </a:extLst>
+          </p:cNvPr>
+          <p:cNvSpPr>
+            <a:spLocks noGrp="1"/>
+          </p:cNvSpPr>
+          <p:nvPr>
+            <p:ph type="sldNum" sz="quarter" idx="12"/>
+          </p:nvPr>
+        </p:nvSpPr>
+        <p:spPr/>
+        <p:txBody>
+          <a:bodyPr/>
+          <a:lstStyle/>
+          <a:p>
+            <a:fld id="{D57F1E4F-1CFF-5643-939E-02111984F565}" type="slidenum">
+              <a:rPr lang="en-US" smtClean="0"/>
+              <a:t>14</a:t>
+            </a:fld>
+            <a:endParaRPr lang="en-US" dirty="0"/>
+          </a:p>
+        </p:txBody>
+      </p:sp>
     </p:spTree>
     <p:extLst>
       <p:ext uri="{BB962C8B-B14F-4D97-AF65-F5344CB8AC3E}">
@@ -8017,6 +8788,35 @@
               </a:solidFill>
               <a:latin typeface="Gill Sans MT" panose="020B0502020104020203" pitchFamily="34" charset="77"/>
             </a:endParaRPr>
+          </a:p>
+        </p:txBody>
+      </p:sp>
+      <p:sp>
+        <p:nvSpPr>
+          <p:cNvPr id="3" name="Slide Number Placeholder 2">
+            <a:extLst>
+              <a:ext uri="{FF2B5EF4-FFF2-40B4-BE49-F238E27FC236}">
+                <a16:creationId xmlns:a16="http://schemas.microsoft.com/office/drawing/2014/main" id="{E2159070-7102-A34B-8088-C2ECB0E7065A}"/>
+              </a:ext>
+            </a:extLst>
+          </p:cNvPr>
+          <p:cNvSpPr>
+            <a:spLocks noGrp="1"/>
+          </p:cNvSpPr>
+          <p:nvPr>
+            <p:ph type="sldNum" sz="quarter" idx="12"/>
+          </p:nvPr>
+        </p:nvSpPr>
+        <p:spPr/>
+        <p:txBody>
+          <a:bodyPr/>
+          <a:lstStyle/>
+          <a:p>
+            <a:fld id="{D57F1E4F-1CFF-5643-939E-02111984F565}" type="slidenum">
+              <a:rPr lang="en-US" smtClean="0"/>
+              <a:t>15</a:t>
+            </a:fld>
+            <a:endParaRPr lang="en-US" dirty="0"/>
           </a:p>
         </p:txBody>
       </p:sp>
@@ -8481,6 +9281,35 @@
           </a:p>
         </p:txBody>
       </p:sp>
+      <p:sp>
+        <p:nvSpPr>
+          <p:cNvPr id="3" name="Slide Number Placeholder 2">
+            <a:extLst>
+              <a:ext uri="{FF2B5EF4-FFF2-40B4-BE49-F238E27FC236}">
+                <a16:creationId xmlns:a16="http://schemas.microsoft.com/office/drawing/2014/main" id="{7EB687A3-F31C-E84D-A103-BAD7AE309AEB}"/>
+              </a:ext>
+            </a:extLst>
+          </p:cNvPr>
+          <p:cNvSpPr>
+            <a:spLocks noGrp="1"/>
+          </p:cNvSpPr>
+          <p:nvPr>
+            <p:ph type="sldNum" sz="quarter" idx="12"/>
+          </p:nvPr>
+        </p:nvSpPr>
+        <p:spPr/>
+        <p:txBody>
+          <a:bodyPr/>
+          <a:lstStyle/>
+          <a:p>
+            <a:fld id="{D57F1E4F-1CFF-5643-939E-02111984F565}" type="slidenum">
+              <a:rPr lang="en-US" smtClean="0"/>
+              <a:t>16</a:t>
+            </a:fld>
+            <a:endParaRPr lang="en-US" dirty="0"/>
+          </a:p>
+        </p:txBody>
+      </p:sp>
     </p:spTree>
     <p:extLst>
       <p:ext uri="{BB962C8B-B14F-4D97-AF65-F5344CB8AC3E}">
@@ -8915,6 +9744,35 @@
             <a:endParaRPr lang="en-US" dirty="0">
               <a:latin typeface="Gill Sans MT" panose="020B0502020104020203" pitchFamily="34" charset="77"/>
             </a:endParaRPr>
+          </a:p>
+        </p:txBody>
+      </p:sp>
+      <p:sp>
+        <p:nvSpPr>
+          <p:cNvPr id="3" name="Slide Number Placeholder 2">
+            <a:extLst>
+              <a:ext uri="{FF2B5EF4-FFF2-40B4-BE49-F238E27FC236}">
+                <a16:creationId xmlns:a16="http://schemas.microsoft.com/office/drawing/2014/main" id="{F9479D91-A5A0-E443-8DE0-936196AD2C8F}"/>
+              </a:ext>
+            </a:extLst>
+          </p:cNvPr>
+          <p:cNvSpPr>
+            <a:spLocks noGrp="1"/>
+          </p:cNvSpPr>
+          <p:nvPr>
+            <p:ph type="sldNum" sz="quarter" idx="12"/>
+          </p:nvPr>
+        </p:nvSpPr>
+        <p:spPr/>
+        <p:txBody>
+          <a:bodyPr/>
+          <a:lstStyle/>
+          <a:p>
+            <a:fld id="{D57F1E4F-1CFF-5643-939E-02111984F565}" type="slidenum">
+              <a:rPr lang="en-US" smtClean="0"/>
+              <a:t>17</a:t>
+            </a:fld>
+            <a:endParaRPr lang="en-US" dirty="0"/>
           </a:p>
         </p:txBody>
       </p:sp>
@@ -9467,6 +10325,35 @@
           </a:p>
         </p:txBody>
       </p:sp>
+      <p:sp>
+        <p:nvSpPr>
+          <p:cNvPr id="3" name="Slide Number Placeholder 2">
+            <a:extLst>
+              <a:ext uri="{FF2B5EF4-FFF2-40B4-BE49-F238E27FC236}">
+                <a16:creationId xmlns:a16="http://schemas.microsoft.com/office/drawing/2014/main" id="{E58C4326-DE94-FE49-8E0E-B522F40FB26D}"/>
+              </a:ext>
+            </a:extLst>
+          </p:cNvPr>
+          <p:cNvSpPr>
+            <a:spLocks noGrp="1"/>
+          </p:cNvSpPr>
+          <p:nvPr>
+            <p:ph type="sldNum" sz="quarter" idx="12"/>
+          </p:nvPr>
+        </p:nvSpPr>
+        <p:spPr/>
+        <p:txBody>
+          <a:bodyPr/>
+          <a:lstStyle/>
+          <a:p>
+            <a:fld id="{D57F1E4F-1CFF-5643-939E-02111984F565}" type="slidenum">
+              <a:rPr lang="en-US" smtClean="0"/>
+              <a:t>18</a:t>
+            </a:fld>
+            <a:endParaRPr lang="en-US" dirty="0"/>
+          </a:p>
+        </p:txBody>
+      </p:sp>
     </p:spTree>
     <p:extLst>
       <p:ext uri="{BB962C8B-B14F-4D97-AF65-F5344CB8AC3E}">
@@ -10212,6 +11099,35 @@
           </p:sp>
         </mc:Fallback>
       </mc:AlternateContent>
+      <p:sp>
+        <p:nvSpPr>
+          <p:cNvPr id="3" name="Slide Number Placeholder 2">
+            <a:extLst>
+              <a:ext uri="{FF2B5EF4-FFF2-40B4-BE49-F238E27FC236}">
+                <a16:creationId xmlns:a16="http://schemas.microsoft.com/office/drawing/2014/main" id="{10D3C762-AED2-4E4F-B457-5AAA1D13C67C}"/>
+              </a:ext>
+            </a:extLst>
+          </p:cNvPr>
+          <p:cNvSpPr>
+            <a:spLocks noGrp="1"/>
+          </p:cNvSpPr>
+          <p:nvPr>
+            <p:ph type="sldNum" sz="quarter" idx="12"/>
+          </p:nvPr>
+        </p:nvSpPr>
+        <p:spPr/>
+        <p:txBody>
+          <a:bodyPr/>
+          <a:lstStyle/>
+          <a:p>
+            <a:fld id="{D57F1E4F-1CFF-5643-939E-02111984F565}" type="slidenum">
+              <a:rPr lang="en-US" smtClean="0"/>
+              <a:t>19</a:t>
+            </a:fld>
+            <a:endParaRPr lang="en-US" dirty="0"/>
+          </a:p>
+        </p:txBody>
+      </p:sp>
     </p:spTree>
     <p:extLst>
       <p:ext uri="{BB962C8B-B14F-4D97-AF65-F5344CB8AC3E}">
@@ -10366,6 +11282,35 @@
             <a:endParaRPr lang="en-US" b="1" dirty="0">
               <a:latin typeface="Gill Sans MT" panose="020B0502020104020203" pitchFamily="34" charset="77"/>
             </a:endParaRPr>
+          </a:p>
+        </p:txBody>
+      </p:sp>
+      <p:sp>
+        <p:nvSpPr>
+          <p:cNvPr id="3" name="Slide Number Placeholder 2">
+            <a:extLst>
+              <a:ext uri="{FF2B5EF4-FFF2-40B4-BE49-F238E27FC236}">
+                <a16:creationId xmlns:a16="http://schemas.microsoft.com/office/drawing/2014/main" id="{8F528532-FC7A-DD4A-977A-7D4128889FD0}"/>
+              </a:ext>
+            </a:extLst>
+          </p:cNvPr>
+          <p:cNvSpPr>
+            <a:spLocks noGrp="1"/>
+          </p:cNvSpPr>
+          <p:nvPr>
+            <p:ph type="sldNum" sz="quarter" idx="12"/>
+          </p:nvPr>
+        </p:nvSpPr>
+        <p:spPr/>
+        <p:txBody>
+          <a:bodyPr/>
+          <a:lstStyle/>
+          <a:p>
+            <a:fld id="{D57F1E4F-1CFF-5643-939E-02111984F565}" type="slidenum">
+              <a:rPr lang="en-US" smtClean="0"/>
+              <a:t>2</a:t>
+            </a:fld>
+            <a:endParaRPr lang="en-US" dirty="0"/>
           </a:p>
         </p:txBody>
       </p:sp>
@@ -10649,6 +11594,35 @@
           </a:p>
         </p:txBody>
       </p:sp>
+      <p:sp>
+        <p:nvSpPr>
+          <p:cNvPr id="3" name="Slide Number Placeholder 2">
+            <a:extLst>
+              <a:ext uri="{FF2B5EF4-FFF2-40B4-BE49-F238E27FC236}">
+                <a16:creationId xmlns:a16="http://schemas.microsoft.com/office/drawing/2014/main" id="{9F5B78D7-AC9E-9D46-A252-4AE5D34709E0}"/>
+              </a:ext>
+            </a:extLst>
+          </p:cNvPr>
+          <p:cNvSpPr>
+            <a:spLocks noGrp="1"/>
+          </p:cNvSpPr>
+          <p:nvPr>
+            <p:ph type="sldNum" sz="quarter" idx="12"/>
+          </p:nvPr>
+        </p:nvSpPr>
+        <p:spPr/>
+        <p:txBody>
+          <a:bodyPr/>
+          <a:lstStyle/>
+          <a:p>
+            <a:fld id="{D57F1E4F-1CFF-5643-939E-02111984F565}" type="slidenum">
+              <a:rPr lang="en-US" smtClean="0"/>
+              <a:t>20</a:t>
+            </a:fld>
+            <a:endParaRPr lang="en-US" dirty="0"/>
+          </a:p>
+        </p:txBody>
+      </p:sp>
     </p:spTree>
     <p:extLst>
       <p:ext uri="{BB962C8B-B14F-4D97-AF65-F5344CB8AC3E}">
@@ -10776,6 +11750,35 @@
             <a:pPr marL="0" indent="0">
               <a:buNone/>
             </a:pPr>
+            <a:endParaRPr lang="en-US" dirty="0"/>
+          </a:p>
+        </p:txBody>
+      </p:sp>
+      <p:sp>
+        <p:nvSpPr>
+          <p:cNvPr id="3" name="Slide Number Placeholder 2">
+            <a:extLst>
+              <a:ext uri="{FF2B5EF4-FFF2-40B4-BE49-F238E27FC236}">
+                <a16:creationId xmlns:a16="http://schemas.microsoft.com/office/drawing/2014/main" id="{D85274A6-2032-FD4A-83E9-E902EDB95A57}"/>
+              </a:ext>
+            </a:extLst>
+          </p:cNvPr>
+          <p:cNvSpPr>
+            <a:spLocks noGrp="1"/>
+          </p:cNvSpPr>
+          <p:nvPr>
+            <p:ph type="sldNum" sz="quarter" idx="12"/>
+          </p:nvPr>
+        </p:nvSpPr>
+        <p:spPr/>
+        <p:txBody>
+          <a:bodyPr/>
+          <a:lstStyle/>
+          <a:p>
+            <a:fld id="{D57F1E4F-1CFF-5643-939E-02111984F565}" type="slidenum">
+              <a:rPr lang="en-US" smtClean="0"/>
+              <a:t>21</a:t>
+            </a:fld>
             <a:endParaRPr lang="en-US" dirty="0"/>
           </a:p>
         </p:txBody>
@@ -11038,6 +12041,35 @@
             <a:endParaRPr lang="en-US" dirty="0">
               <a:latin typeface="Gill Sans MT" panose="020B0502020104020203" pitchFamily="34" charset="77"/>
             </a:endParaRPr>
+          </a:p>
+        </p:txBody>
+      </p:sp>
+      <p:sp>
+        <p:nvSpPr>
+          <p:cNvPr id="3" name="Slide Number Placeholder 2">
+            <a:extLst>
+              <a:ext uri="{FF2B5EF4-FFF2-40B4-BE49-F238E27FC236}">
+                <a16:creationId xmlns:a16="http://schemas.microsoft.com/office/drawing/2014/main" id="{28794873-6DE4-0A41-9960-6B3C5DD35360}"/>
+              </a:ext>
+            </a:extLst>
+          </p:cNvPr>
+          <p:cNvSpPr>
+            <a:spLocks noGrp="1"/>
+          </p:cNvSpPr>
+          <p:nvPr>
+            <p:ph type="sldNum" sz="quarter" idx="12"/>
+          </p:nvPr>
+        </p:nvSpPr>
+        <p:spPr/>
+        <p:txBody>
+          <a:bodyPr/>
+          <a:lstStyle/>
+          <a:p>
+            <a:fld id="{D57F1E4F-1CFF-5643-939E-02111984F565}" type="slidenum">
+              <a:rPr lang="en-US" smtClean="0"/>
+              <a:t>3</a:t>
+            </a:fld>
+            <a:endParaRPr lang="en-US" dirty="0"/>
           </a:p>
         </p:txBody>
       </p:sp>
@@ -11746,6 +12778,35 @@
           </a:fontRef>
         </p:style>
       </p:cxnSp>
+      <p:sp>
+        <p:nvSpPr>
+          <p:cNvPr id="4" name="Slide Number Placeholder 3">
+            <a:extLst>
+              <a:ext uri="{FF2B5EF4-FFF2-40B4-BE49-F238E27FC236}">
+                <a16:creationId xmlns:a16="http://schemas.microsoft.com/office/drawing/2014/main" id="{5DD7514D-7B5E-CE43-A732-4A0A5AFAAF8F}"/>
+              </a:ext>
+            </a:extLst>
+          </p:cNvPr>
+          <p:cNvSpPr>
+            <a:spLocks noGrp="1"/>
+          </p:cNvSpPr>
+          <p:nvPr>
+            <p:ph type="sldNum" sz="quarter" idx="12"/>
+          </p:nvPr>
+        </p:nvSpPr>
+        <p:spPr/>
+        <p:txBody>
+          <a:bodyPr/>
+          <a:lstStyle/>
+          <a:p>
+            <a:fld id="{D57F1E4F-1CFF-5643-939E-02111984F565}" type="slidenum">
+              <a:rPr lang="en-US" smtClean="0"/>
+              <a:t>4</a:t>
+            </a:fld>
+            <a:endParaRPr lang="en-US" dirty="0"/>
+          </a:p>
+        </p:txBody>
+      </p:sp>
     </p:spTree>
     <p:extLst>
       <p:ext uri="{BB962C8B-B14F-4D97-AF65-F5344CB8AC3E}">
@@ -12591,6 +13652,35 @@
             <a:endParaRPr lang="en-US" sz="2000" dirty="0"/>
           </a:p>
           <a:p>
+            <a:endParaRPr lang="en-US" dirty="0"/>
+          </a:p>
+        </p:txBody>
+      </p:sp>
+      <p:sp>
+        <p:nvSpPr>
+          <p:cNvPr id="4" name="Slide Number Placeholder 3">
+            <a:extLst>
+              <a:ext uri="{FF2B5EF4-FFF2-40B4-BE49-F238E27FC236}">
+                <a16:creationId xmlns:a16="http://schemas.microsoft.com/office/drawing/2014/main" id="{C041DDEE-3B5E-2746-8930-455CF89C7A18}"/>
+              </a:ext>
+            </a:extLst>
+          </p:cNvPr>
+          <p:cNvSpPr>
+            <a:spLocks noGrp="1"/>
+          </p:cNvSpPr>
+          <p:nvPr>
+            <p:ph type="sldNum" sz="quarter" idx="12"/>
+          </p:nvPr>
+        </p:nvSpPr>
+        <p:spPr/>
+        <p:txBody>
+          <a:bodyPr/>
+          <a:lstStyle/>
+          <a:p>
+            <a:fld id="{D57F1E4F-1CFF-5643-939E-02111984F565}" type="slidenum">
+              <a:rPr lang="en-US" smtClean="0"/>
+              <a:t>5</a:t>
+            </a:fld>
             <a:endParaRPr lang="en-US" dirty="0"/>
           </a:p>
         </p:txBody>
@@ -13534,6 +14624,35 @@
           </a:fontRef>
         </p:style>
       </p:cxnSp>
+      <p:sp>
+        <p:nvSpPr>
+          <p:cNvPr id="3" name="Slide Number Placeholder 2">
+            <a:extLst>
+              <a:ext uri="{FF2B5EF4-FFF2-40B4-BE49-F238E27FC236}">
+                <a16:creationId xmlns:a16="http://schemas.microsoft.com/office/drawing/2014/main" id="{3E113981-3049-B943-8CBC-5F612D3051D1}"/>
+              </a:ext>
+            </a:extLst>
+          </p:cNvPr>
+          <p:cNvSpPr>
+            <a:spLocks noGrp="1"/>
+          </p:cNvSpPr>
+          <p:nvPr>
+            <p:ph type="sldNum" sz="quarter" idx="12"/>
+          </p:nvPr>
+        </p:nvSpPr>
+        <p:spPr/>
+        <p:txBody>
+          <a:bodyPr/>
+          <a:lstStyle/>
+          <a:p>
+            <a:fld id="{D57F1E4F-1CFF-5643-939E-02111984F565}" type="slidenum">
+              <a:rPr lang="en-US" smtClean="0"/>
+              <a:t>6</a:t>
+            </a:fld>
+            <a:endParaRPr lang="en-US" dirty="0"/>
+          </a:p>
+        </p:txBody>
+      </p:sp>
     </p:spTree>
     <p:extLst>
       <p:ext uri="{BB962C8B-B14F-4D97-AF65-F5344CB8AC3E}">
@@ -14118,6 +15237,35 @@
           </a:p>
         </p:txBody>
       </p:sp>
+      <p:sp>
+        <p:nvSpPr>
+          <p:cNvPr id="3" name="Slide Number Placeholder 2">
+            <a:extLst>
+              <a:ext uri="{FF2B5EF4-FFF2-40B4-BE49-F238E27FC236}">
+                <a16:creationId xmlns:a16="http://schemas.microsoft.com/office/drawing/2014/main" id="{67877F53-ABCE-174F-9779-C7ECFCD5611B}"/>
+              </a:ext>
+            </a:extLst>
+          </p:cNvPr>
+          <p:cNvSpPr>
+            <a:spLocks noGrp="1"/>
+          </p:cNvSpPr>
+          <p:nvPr>
+            <p:ph type="sldNum" sz="quarter" idx="12"/>
+          </p:nvPr>
+        </p:nvSpPr>
+        <p:spPr/>
+        <p:txBody>
+          <a:bodyPr/>
+          <a:lstStyle/>
+          <a:p>
+            <a:fld id="{D57F1E4F-1CFF-5643-939E-02111984F565}" type="slidenum">
+              <a:rPr lang="en-US" smtClean="0"/>
+              <a:t>7</a:t>
+            </a:fld>
+            <a:endParaRPr lang="en-US" dirty="0"/>
+          </a:p>
+        </p:txBody>
+      </p:sp>
     </p:spTree>
     <p:extLst>
       <p:ext uri="{BB962C8B-B14F-4D97-AF65-F5344CB8AC3E}">
@@ -14750,6 +15898,35 @@
               </a:solidFill>
               <a:latin typeface="Gill Sans MT" panose="020B0502020104020203" pitchFamily="34" charset="77"/>
             </a:endParaRPr>
+          </a:p>
+        </p:txBody>
+      </p:sp>
+      <p:sp>
+        <p:nvSpPr>
+          <p:cNvPr id="3" name="Slide Number Placeholder 2">
+            <a:extLst>
+              <a:ext uri="{FF2B5EF4-FFF2-40B4-BE49-F238E27FC236}">
+                <a16:creationId xmlns:a16="http://schemas.microsoft.com/office/drawing/2014/main" id="{981A0F47-47BA-5846-9A18-90CD9566D5D8}"/>
+              </a:ext>
+            </a:extLst>
+          </p:cNvPr>
+          <p:cNvSpPr>
+            <a:spLocks noGrp="1"/>
+          </p:cNvSpPr>
+          <p:nvPr>
+            <p:ph type="sldNum" sz="quarter" idx="12"/>
+          </p:nvPr>
+        </p:nvSpPr>
+        <p:spPr/>
+        <p:txBody>
+          <a:bodyPr/>
+          <a:lstStyle/>
+          <a:p>
+            <a:fld id="{D57F1E4F-1CFF-5643-939E-02111984F565}" type="slidenum">
+              <a:rPr lang="en-US" smtClean="0"/>
+              <a:t>8</a:t>
+            </a:fld>
+            <a:endParaRPr lang="en-US" dirty="0"/>
           </a:p>
         </p:txBody>
       </p:sp>
@@ -15406,6 +16583,35 @@
           </a:p>
         </p:txBody>
       </p:sp>
+      <p:sp>
+        <p:nvSpPr>
+          <p:cNvPr id="3" name="Slide Number Placeholder 2">
+            <a:extLst>
+              <a:ext uri="{FF2B5EF4-FFF2-40B4-BE49-F238E27FC236}">
+                <a16:creationId xmlns:a16="http://schemas.microsoft.com/office/drawing/2014/main" id="{4AF1EE18-7000-0743-BFAC-2DB4C588822A}"/>
+              </a:ext>
+            </a:extLst>
+          </p:cNvPr>
+          <p:cNvSpPr>
+            <a:spLocks noGrp="1"/>
+          </p:cNvSpPr>
+          <p:nvPr>
+            <p:ph type="sldNum" sz="quarter" idx="12"/>
+          </p:nvPr>
+        </p:nvSpPr>
+        <p:spPr/>
+        <p:txBody>
+          <a:bodyPr/>
+          <a:lstStyle/>
+          <a:p>
+            <a:fld id="{D57F1E4F-1CFF-5643-939E-02111984F565}" type="slidenum">
+              <a:rPr lang="en-US" smtClean="0"/>
+              <a:t>9</a:t>
+            </a:fld>
+            <a:endParaRPr lang="en-US" dirty="0"/>
+          </a:p>
+        </p:txBody>
+      </p:sp>
     </p:spTree>
     <p:extLst>
       <p:ext uri="{BB962C8B-B14F-4D97-AF65-F5344CB8AC3E}">
@@ -15841,4 +17047,299 @@
     </a:ext>
   </a:extLst>
 </a:theme>
+</file>
+
+<file path=ppt/theme/theme2.xml><?xml version="1.0" encoding="utf-8"?>
+<a:theme xmlns:a="http://schemas.openxmlformats.org/drawingml/2006/main" name="Office Theme">
+  <a:themeElements>
+    <a:clrScheme name="Office">
+      <a:dk1>
+        <a:sysClr val="windowText" lastClr="000000"/>
+      </a:dk1>
+      <a:lt1>
+        <a:sysClr val="window" lastClr="FFFFFF"/>
+      </a:lt1>
+      <a:dk2>
+        <a:srgbClr val="44546A"/>
+      </a:dk2>
+      <a:lt2>
+        <a:srgbClr val="E7E6E6"/>
+      </a:lt2>
+      <a:accent1>
+        <a:srgbClr val="4472C4"/>
+      </a:accent1>
+      <a:accent2>
+        <a:srgbClr val="ED7D31"/>
+      </a:accent2>
+      <a:accent3>
+        <a:srgbClr val="A5A5A5"/>
+      </a:accent3>
+      <a:accent4>
+        <a:srgbClr val="FFC000"/>
+      </a:accent4>
+      <a:accent5>
+        <a:srgbClr val="5B9BD5"/>
+      </a:accent5>
+      <a:accent6>
+        <a:srgbClr val="70AD47"/>
+      </a:accent6>
+      <a:hlink>
+        <a:srgbClr val="0563C1"/>
+      </a:hlink>
+      <a:folHlink>
+        <a:srgbClr val="954F72"/>
+      </a:folHlink>
+    </a:clrScheme>
+    <a:fontScheme name="Office">
+      <a:majorFont>
+        <a:latin typeface="Calibri Light" panose="020F0302020204030204"/>
+        <a:ea typeface=""/>
+        <a:cs typeface=""/>
+        <a:font script="Jpan" typeface="游ゴシック Light"/>
+        <a:font script="Hang" typeface="맑은 고딕"/>
+        <a:font script="Hans" typeface="等线 Light"/>
+        <a:font script="Hant" typeface="新細明體"/>
+        <a:font script="Arab" typeface="Times New Roman"/>
+        <a:font script="Hebr" typeface="Times New Roman"/>
+        <a:font script="Thai" typeface="Angsana New"/>
+        <a:font script="Ethi" typeface="Nyala"/>
+        <a:font script="Beng" typeface="Vrinda"/>
+        <a:font script="Gujr" typeface="Shruti"/>
+        <a:font script="Khmr" typeface="MoolBoran"/>
+        <a:font script="Knda" typeface="Tunga"/>
+        <a:font script="Guru" typeface="Raavi"/>
+        <a:font script="Cans" typeface="Euphemia"/>
+        <a:font script="Cher" typeface="Plantagenet Cherokee"/>
+        <a:font script="Yiii" typeface="Microsoft Yi Baiti"/>
+        <a:font script="Tibt" typeface="Microsoft Himalaya"/>
+        <a:font script="Thaa" typeface="MV Boli"/>
+        <a:font script="Deva" typeface="Mangal"/>
+        <a:font script="Telu" typeface="Gautami"/>
+        <a:font script="Taml" typeface="Latha"/>
+        <a:font script="Syrc" typeface="Estrangelo Edessa"/>
+        <a:font script="Orya" typeface="Kalinga"/>
+        <a:font script="Mlym" typeface="Kartika"/>
+        <a:font script="Laoo" typeface="DokChampa"/>
+        <a:font script="Sinh" typeface="Iskoola Pota"/>
+        <a:font script="Mong" typeface="Mongolian Baiti"/>
+        <a:font script="Viet" typeface="Times New Roman"/>
+        <a:font script="Uigh" typeface="Microsoft Uighur"/>
+        <a:font script="Geor" typeface="Sylfaen"/>
+        <a:font script="Armn" typeface="Arial"/>
+        <a:font script="Bugi" typeface="Leelawadee UI"/>
+        <a:font script="Bopo" typeface="Microsoft JhengHei"/>
+        <a:font script="Java" typeface="Javanese Text"/>
+        <a:font script="Lisu" typeface="Segoe UI"/>
+        <a:font script="Mymr" typeface="Myanmar Text"/>
+        <a:font script="Nkoo" typeface="Ebrima"/>
+        <a:font script="Olck" typeface="Nirmala UI"/>
+        <a:font script="Osma" typeface="Ebrima"/>
+        <a:font script="Phag" typeface="Phagspa"/>
+        <a:font script="Syrn" typeface="Estrangelo Edessa"/>
+        <a:font script="Syrj" typeface="Estrangelo Edessa"/>
+        <a:font script="Syre" typeface="Estrangelo Edessa"/>
+        <a:font script="Sora" typeface="Nirmala UI"/>
+        <a:font script="Tale" typeface="Microsoft Tai Le"/>
+        <a:font script="Talu" typeface="Microsoft New Tai Lue"/>
+        <a:font script="Tfng" typeface="Ebrima"/>
+      </a:majorFont>
+      <a:minorFont>
+        <a:latin typeface="Calibri" panose="020F0502020204030204"/>
+        <a:ea typeface=""/>
+        <a:cs typeface=""/>
+        <a:font script="Jpan" typeface="游ゴシック"/>
+        <a:font script="Hang" typeface="맑은 고딕"/>
+        <a:font script="Hans" typeface="等线"/>
+        <a:font script="Hant" typeface="新細明體"/>
+        <a:font script="Arab" typeface="Arial"/>
+        <a:font script="Hebr" typeface="Arial"/>
+        <a:font script="Thai" typeface="Cordia New"/>
+        <a:font script="Ethi" typeface="Nyala"/>
+        <a:font script="Beng" typeface="Vrinda"/>
+        <a:font script="Gujr" typeface="Shruti"/>
+        <a:font script="Khmr" typeface="DaunPenh"/>
+        <a:font script="Knda" typeface="Tunga"/>
+        <a:font script="Guru" typeface="Raavi"/>
+        <a:font script="Cans" typeface="Euphemia"/>
+        <a:font script="Cher" typeface="Plantagenet Cherokee"/>
+        <a:font script="Yiii" typeface="Microsoft Yi Baiti"/>
+        <a:font script="Tibt" typeface="Microsoft Himalaya"/>
+        <a:font script="Thaa" typeface="MV Boli"/>
+        <a:font script="Deva" typeface="Mangal"/>
+        <a:font script="Telu" typeface="Gautami"/>
+        <a:font script="Taml" typeface="Latha"/>
+        <a:font script="Syrc" typeface="Estrangelo Edessa"/>
+        <a:font script="Orya" typeface="Kalinga"/>
+        <a:font script="Mlym" typeface="Kartika"/>
+        <a:font script="Laoo" typeface="DokChampa"/>
+        <a:font script="Sinh" typeface="Iskoola Pota"/>
+        <a:font script="Mong" typeface="Mongolian Baiti"/>
+        <a:font script="Viet" typeface="Arial"/>
+        <a:font script="Uigh" typeface="Microsoft Uighur"/>
+        <a:font script="Geor" typeface="Sylfaen"/>
+        <a:font script="Armn" typeface="Arial"/>
+        <a:font script="Bugi" typeface="Leelawadee UI"/>
+        <a:font script="Bopo" typeface="Microsoft JhengHei"/>
+        <a:font script="Java" typeface="Javanese Text"/>
+        <a:font script="Lisu" typeface="Segoe UI"/>
+        <a:font script="Mymr" typeface="Myanmar Text"/>
+        <a:font script="Nkoo" typeface="Ebrima"/>
+        <a:font script="Olck" typeface="Nirmala UI"/>
+        <a:font script="Osma" typeface="Ebrima"/>
+        <a:font script="Phag" typeface="Phagspa"/>
+        <a:font script="Syrn" typeface="Estrangelo Edessa"/>
+        <a:font script="Syrj" typeface="Estrangelo Edessa"/>
+        <a:font script="Syre" typeface="Estrangelo Edessa"/>
+        <a:font script="Sora" typeface="Nirmala UI"/>
+        <a:font script="Tale" typeface="Microsoft Tai Le"/>
+        <a:font script="Talu" typeface="Microsoft New Tai Lue"/>
+        <a:font script="Tfng" typeface="Ebrima"/>
+      </a:minorFont>
+    </a:fontScheme>
+    <a:fmtScheme name="Office">
+      <a:fillStyleLst>
+        <a:solidFill>
+          <a:schemeClr val="phClr"/>
+        </a:solidFill>
+        <a:gradFill rotWithShape="1">
+          <a:gsLst>
+            <a:gs pos="0">
+              <a:schemeClr val="phClr">
+                <a:lumMod val="110000"/>
+                <a:satMod val="105000"/>
+                <a:tint val="67000"/>
+              </a:schemeClr>
+            </a:gs>
+            <a:gs pos="50000">
+              <a:schemeClr val="phClr">
+                <a:lumMod val="105000"/>
+                <a:satMod val="103000"/>
+                <a:tint val="73000"/>
+              </a:schemeClr>
+            </a:gs>
+            <a:gs pos="100000">
+              <a:schemeClr val="phClr">
+                <a:lumMod val="105000"/>
+                <a:satMod val="109000"/>
+                <a:tint val="81000"/>
+              </a:schemeClr>
+            </a:gs>
+          </a:gsLst>
+          <a:lin ang="5400000" scaled="0"/>
+        </a:gradFill>
+        <a:gradFill rotWithShape="1">
+          <a:gsLst>
+            <a:gs pos="0">
+              <a:schemeClr val="phClr">
+                <a:satMod val="103000"/>
+                <a:lumMod val="102000"/>
+                <a:tint val="94000"/>
+              </a:schemeClr>
+            </a:gs>
+            <a:gs pos="50000">
+              <a:schemeClr val="phClr">
+                <a:satMod val="110000"/>
+                <a:lumMod val="100000"/>
+                <a:shade val="100000"/>
+              </a:schemeClr>
+            </a:gs>
+            <a:gs pos="100000">
+              <a:schemeClr val="phClr">
+                <a:lumMod val="99000"/>
+                <a:satMod val="120000"/>
+                <a:shade val="78000"/>
+              </a:schemeClr>
+            </a:gs>
+          </a:gsLst>
+          <a:lin ang="5400000" scaled="0"/>
+        </a:gradFill>
+      </a:fillStyleLst>
+      <a:lnStyleLst>
+        <a:ln w="6350" cap="flat" cmpd="sng" algn="ctr">
+          <a:solidFill>
+            <a:schemeClr val="phClr"/>
+          </a:solidFill>
+          <a:prstDash val="solid"/>
+          <a:miter lim="800000"/>
+        </a:ln>
+        <a:ln w="12700" cap="flat" cmpd="sng" algn="ctr">
+          <a:solidFill>
+            <a:schemeClr val="phClr"/>
+          </a:solidFill>
+          <a:prstDash val="solid"/>
+          <a:miter lim="800000"/>
+        </a:ln>
+        <a:ln w="19050" cap="flat" cmpd="sng" algn="ctr">
+          <a:solidFill>
+            <a:schemeClr val="phClr"/>
+          </a:solidFill>
+          <a:prstDash val="solid"/>
+          <a:miter lim="800000"/>
+        </a:ln>
+      </a:lnStyleLst>
+      <a:effectStyleLst>
+        <a:effectStyle>
+          <a:effectLst/>
+        </a:effectStyle>
+        <a:effectStyle>
+          <a:effectLst/>
+        </a:effectStyle>
+        <a:effectStyle>
+          <a:effectLst>
+            <a:outerShdw blurRad="57150" dist="19050" dir="5400000" algn="ctr" rotWithShape="0">
+              <a:srgbClr val="000000">
+                <a:alpha val="63000"/>
+              </a:srgbClr>
+            </a:outerShdw>
+          </a:effectLst>
+        </a:effectStyle>
+      </a:effectStyleLst>
+      <a:bgFillStyleLst>
+        <a:solidFill>
+          <a:schemeClr val="phClr"/>
+        </a:solidFill>
+        <a:solidFill>
+          <a:schemeClr val="phClr">
+            <a:tint val="95000"/>
+            <a:satMod val="170000"/>
+          </a:schemeClr>
+        </a:solidFill>
+        <a:gradFill rotWithShape="1">
+          <a:gsLst>
+            <a:gs pos="0">
+              <a:schemeClr val="phClr">
+                <a:tint val="93000"/>
+                <a:satMod val="150000"/>
+                <a:shade val="98000"/>
+                <a:lumMod val="102000"/>
+              </a:schemeClr>
+            </a:gs>
+            <a:gs pos="50000">
+              <a:schemeClr val="phClr">
+                <a:tint val="98000"/>
+                <a:satMod val="130000"/>
+                <a:shade val="90000"/>
+                <a:lumMod val="103000"/>
+              </a:schemeClr>
+            </a:gs>
+            <a:gs pos="100000">
+              <a:schemeClr val="phClr">
+                <a:shade val="63000"/>
+                <a:satMod val="120000"/>
+              </a:schemeClr>
+            </a:gs>
+          </a:gsLst>
+          <a:lin ang="5400000" scaled="0"/>
+        </a:gradFill>
+      </a:bgFillStyleLst>
+    </a:fmtScheme>
+  </a:themeElements>
+  <a:objectDefaults/>
+  <a:extraClrSchemeLst/>
+  <a:extLst>
+    <a:ext uri="{05A4C25C-085E-4340-85A3-A5531E510DB2}">
+      <thm15:themeFamily xmlns:thm15="http://schemas.microsoft.com/office/thememl/2012/main" name="Office Theme" id="{62F939B6-93AF-4DB8-9C6B-D6C7DFDC589F}" vid="{4A3C46E8-61CC-4603-A589-7422A47A8E4A}"/>
+    </a:ext>
+  </a:extLst>
+</a:theme>
 </file>
--- a/courses/apcsp/lect5.pptx
+++ b/courses/apcsp/lect5.pptx
@@ -5,7 +5,7 @@
     <p:sldMasterId id="2147483791" r:id="rId1"/>
   </p:sldMasterIdLst>
   <p:notesMasterIdLst>
-    <p:notesMasterId r:id="rId23"/>
+    <p:notesMasterId r:id="rId28"/>
   </p:notesMasterIdLst>
   <p:sldIdLst>
     <p:sldId id="256" r:id="rId2"/>
@@ -25,10 +25,15 @@
     <p:sldId id="311" r:id="rId16"/>
     <p:sldId id="312" r:id="rId17"/>
     <p:sldId id="332" r:id="rId18"/>
-    <p:sldId id="284" r:id="rId19"/>
-    <p:sldId id="317" r:id="rId20"/>
-    <p:sldId id="333" r:id="rId21"/>
-    <p:sldId id="316" r:id="rId22"/>
+    <p:sldId id="291" r:id="rId19"/>
+    <p:sldId id="336" r:id="rId20"/>
+    <p:sldId id="335" r:id="rId21"/>
+    <p:sldId id="276" r:id="rId22"/>
+    <p:sldId id="302" r:id="rId23"/>
+    <p:sldId id="284" r:id="rId24"/>
+    <p:sldId id="317" r:id="rId25"/>
+    <p:sldId id="333" r:id="rId26"/>
+    <p:sldId id="316" r:id="rId27"/>
   </p:sldIdLst>
   <p:sldSz cx="9144000" cy="5715000" type="screen16x10"/>
   <p:notesSz cx="6858000" cy="9144000"/>
@@ -138,7 +143,7 @@
 <file path=ppt/revisionInfo.xml><?xml version="1.0" encoding="utf-8"?>
 <p1510:revInfo xmlns:a="http://schemas.openxmlformats.org/drawingml/2006/main" xmlns:r="http://schemas.openxmlformats.org/officeDocument/2006/relationships" xmlns:p1510="http://schemas.microsoft.com/office/powerpoint/2015/10/main">
   <p1510:revLst>
-    <p1510:client id="{DC0E4A9C-2901-B345-B38F-5F505964D1F1}" v="347" dt="2021-10-18T12:52:53.768"/>
+    <p1510:client id="{AA9E8E96-66E7-354D-9B69-635A630A812D}" v="736" dt="2022-09-30T13:33:04.896"/>
   </p1510:revLst>
 </p1510:revInfo>
 </file>
@@ -1270,6 +1275,142 @@
     </pc:docChg>
   </pc:docChgLst>
   <pc:docChgLst>
+    <pc:chgData name="Long Nguyen" userId="f59fb8f3-a021-417a-8bc1-65c8d471c621" providerId="ADAL" clId="{AA9E8E96-66E7-354D-9B69-635A630A812D}"/>
+    <pc:docChg chg="undo custSel addSld delSld modSld">
+      <pc:chgData name="Long Nguyen" userId="f59fb8f3-a021-417a-8bc1-65c8d471c621" providerId="ADAL" clId="{AA9E8E96-66E7-354D-9B69-635A630A812D}" dt="2022-09-30T13:33:04.896" v="984" actId="113"/>
+      <pc:docMkLst>
+        <pc:docMk/>
+      </pc:docMkLst>
+      <pc:sldChg chg="add">
+        <pc:chgData name="Long Nguyen" userId="f59fb8f3-a021-417a-8bc1-65c8d471c621" providerId="ADAL" clId="{AA9E8E96-66E7-354D-9B69-635A630A812D}" dt="2022-09-30T13:13:59.154" v="0"/>
+        <pc:sldMkLst>
+          <pc:docMk/>
+          <pc:sldMk cId="1114720448" sldId="276"/>
+        </pc:sldMkLst>
+      </pc:sldChg>
+      <pc:sldChg chg="modSp add mod modAnim">
+        <pc:chgData name="Long Nguyen" userId="f59fb8f3-a021-417a-8bc1-65c8d471c621" providerId="ADAL" clId="{AA9E8E96-66E7-354D-9B69-635A630A812D}" dt="2022-09-30T13:31:13.915" v="843" actId="21"/>
+        <pc:sldMkLst>
+          <pc:docMk/>
+          <pc:sldMk cId="99755680" sldId="291"/>
+        </pc:sldMkLst>
+        <pc:spChg chg="mod">
+          <ac:chgData name="Long Nguyen" userId="f59fb8f3-a021-417a-8bc1-65c8d471c621" providerId="ADAL" clId="{AA9E8E96-66E7-354D-9B69-635A630A812D}" dt="2022-09-30T13:31:13.915" v="843" actId="21"/>
+          <ac:spMkLst>
+            <pc:docMk/>
+            <pc:sldMk cId="99755680" sldId="291"/>
+            <ac:spMk id="9" creationId="{E3B2E017-30B2-884B-A113-B419A2ED51AD}"/>
+          </ac:spMkLst>
+        </pc:spChg>
+      </pc:sldChg>
+      <pc:sldChg chg="modSp add modAnim">
+        <pc:chgData name="Long Nguyen" userId="f59fb8f3-a021-417a-8bc1-65c8d471c621" providerId="ADAL" clId="{AA9E8E96-66E7-354D-9B69-635A630A812D}" dt="2022-09-30T13:28:34.254" v="627" actId="20577"/>
+        <pc:sldMkLst>
+          <pc:docMk/>
+          <pc:sldMk cId="2221515130" sldId="302"/>
+        </pc:sldMkLst>
+        <pc:spChg chg="mod">
+          <ac:chgData name="Long Nguyen" userId="f59fb8f3-a021-417a-8bc1-65c8d471c621" providerId="ADAL" clId="{AA9E8E96-66E7-354D-9B69-635A630A812D}" dt="2022-09-30T13:28:34.254" v="627" actId="20577"/>
+          <ac:spMkLst>
+            <pc:docMk/>
+            <pc:sldMk cId="2221515130" sldId="302"/>
+            <ac:spMk id="9" creationId="{E3B2E017-30B2-884B-A113-B419A2ED51AD}"/>
+          </ac:spMkLst>
+        </pc:spChg>
+      </pc:sldChg>
+      <pc:sldChg chg="modSp mod">
+        <pc:chgData name="Long Nguyen" userId="f59fb8f3-a021-417a-8bc1-65c8d471c621" providerId="ADAL" clId="{AA9E8E96-66E7-354D-9B69-635A630A812D}" dt="2022-09-30T13:13:59.241" v="1" actId="27636"/>
+        <pc:sldMkLst>
+          <pc:docMk/>
+          <pc:sldMk cId="2097059918" sldId="313"/>
+        </pc:sldMkLst>
+        <pc:spChg chg="mod">
+          <ac:chgData name="Long Nguyen" userId="f59fb8f3-a021-417a-8bc1-65c8d471c621" providerId="ADAL" clId="{AA9E8E96-66E7-354D-9B69-635A630A812D}" dt="2022-09-30T13:13:59.241" v="1" actId="27636"/>
+          <ac:spMkLst>
+            <pc:docMk/>
+            <pc:sldMk cId="2097059918" sldId="313"/>
+            <ac:spMk id="9" creationId="{E3B2E017-30B2-884B-A113-B419A2ED51AD}"/>
+          </ac:spMkLst>
+        </pc:spChg>
+      </pc:sldChg>
+      <pc:sldChg chg="modSp mod">
+        <pc:chgData name="Long Nguyen" userId="f59fb8f3-a021-417a-8bc1-65c8d471c621" providerId="ADAL" clId="{AA9E8E96-66E7-354D-9B69-635A630A812D}" dt="2022-09-30T13:13:59.261" v="2" actId="27636"/>
+        <pc:sldMkLst>
+          <pc:docMk/>
+          <pc:sldMk cId="2979421659" sldId="330"/>
+        </pc:sldMkLst>
+        <pc:spChg chg="mod">
+          <ac:chgData name="Long Nguyen" userId="f59fb8f3-a021-417a-8bc1-65c8d471c621" providerId="ADAL" clId="{AA9E8E96-66E7-354D-9B69-635A630A812D}" dt="2022-09-30T13:13:59.261" v="2" actId="27636"/>
+          <ac:spMkLst>
+            <pc:docMk/>
+            <pc:sldMk cId="2979421659" sldId="330"/>
+            <ac:spMk id="9" creationId="{E3B2E017-30B2-884B-A113-B419A2ED51AD}"/>
+          </ac:spMkLst>
+        </pc:spChg>
+      </pc:sldChg>
+      <pc:sldChg chg="modSp new mod">
+        <pc:chgData name="Long Nguyen" userId="f59fb8f3-a021-417a-8bc1-65c8d471c621" providerId="ADAL" clId="{AA9E8E96-66E7-354D-9B69-635A630A812D}" dt="2022-09-30T13:26:13.123" v="491" actId="20577"/>
+        <pc:sldMkLst>
+          <pc:docMk/>
+          <pc:sldMk cId="2164548058" sldId="335"/>
+        </pc:sldMkLst>
+        <pc:spChg chg="mod">
+          <ac:chgData name="Long Nguyen" userId="f59fb8f3-a021-417a-8bc1-65c8d471c621" providerId="ADAL" clId="{AA9E8E96-66E7-354D-9B69-635A630A812D}" dt="2022-09-30T13:24:16.622" v="283" actId="1076"/>
+          <ac:spMkLst>
+            <pc:docMk/>
+            <pc:sldMk cId="2164548058" sldId="335"/>
+            <ac:spMk id="2" creationId="{035AFDDC-47A5-7E6C-A438-A84416CC2FFF}"/>
+          </ac:spMkLst>
+        </pc:spChg>
+        <pc:spChg chg="mod">
+          <ac:chgData name="Long Nguyen" userId="f59fb8f3-a021-417a-8bc1-65c8d471c621" providerId="ADAL" clId="{AA9E8E96-66E7-354D-9B69-635A630A812D}" dt="2022-09-30T13:26:13.123" v="491" actId="20577"/>
+          <ac:spMkLst>
+            <pc:docMk/>
+            <pc:sldMk cId="2164548058" sldId="335"/>
+            <ac:spMk id="3" creationId="{64B21269-347A-5DE5-CAE0-81E95539B2A3}"/>
+          </ac:spMkLst>
+        </pc:spChg>
+      </pc:sldChg>
+      <pc:sldChg chg="add del">
+        <pc:chgData name="Long Nguyen" userId="f59fb8f3-a021-417a-8bc1-65c8d471c621" providerId="ADAL" clId="{AA9E8E96-66E7-354D-9B69-635A630A812D}" dt="2022-09-30T13:17:02.535" v="244" actId="2696"/>
+        <pc:sldMkLst>
+          <pc:docMk/>
+          <pc:sldMk cId="4209926949" sldId="335"/>
+        </pc:sldMkLst>
+      </pc:sldChg>
+      <pc:sldChg chg="modSp add del">
+        <pc:chgData name="Long Nguyen" userId="f59fb8f3-a021-417a-8bc1-65c8d471c621" providerId="ADAL" clId="{AA9E8E96-66E7-354D-9B69-635A630A812D}" dt="2022-09-30T13:17:19.488" v="246" actId="2696"/>
+        <pc:sldMkLst>
+          <pc:docMk/>
+          <pc:sldMk cId="1628785944" sldId="336"/>
+        </pc:sldMkLst>
+        <pc:spChg chg="mod">
+          <ac:chgData name="Long Nguyen" userId="f59fb8f3-a021-417a-8bc1-65c8d471c621" providerId="ADAL" clId="{AA9E8E96-66E7-354D-9B69-635A630A812D}" dt="2022-09-30T13:17:17.311" v="245" actId="20577"/>
+          <ac:spMkLst>
+            <pc:docMk/>
+            <pc:sldMk cId="1628785944" sldId="336"/>
+            <ac:spMk id="9" creationId="{E3B2E017-30B2-884B-A113-B419A2ED51AD}"/>
+          </ac:spMkLst>
+        </pc:spChg>
+      </pc:sldChg>
+      <pc:sldChg chg="modSp add mod modAnim">
+        <pc:chgData name="Long Nguyen" userId="f59fb8f3-a021-417a-8bc1-65c8d471c621" providerId="ADAL" clId="{AA9E8E96-66E7-354D-9B69-635A630A812D}" dt="2022-09-30T13:33:04.896" v="984" actId="113"/>
+        <pc:sldMkLst>
+          <pc:docMk/>
+          <pc:sldMk cId="3558806289" sldId="336"/>
+        </pc:sldMkLst>
+        <pc:spChg chg="mod">
+          <ac:chgData name="Long Nguyen" userId="f59fb8f3-a021-417a-8bc1-65c8d471c621" providerId="ADAL" clId="{AA9E8E96-66E7-354D-9B69-635A630A812D}" dt="2022-09-30T13:33:04.896" v="984" actId="113"/>
+          <ac:spMkLst>
+            <pc:docMk/>
+            <pc:sldMk cId="3558806289" sldId="336"/>
+            <ac:spMk id="9" creationId="{E3B2E017-30B2-884B-A113-B419A2ED51AD}"/>
+          </ac:spMkLst>
+        </pc:spChg>
+      </pc:sldChg>
+    </pc:docChg>
+  </pc:docChgLst>
+  <pc:docChgLst>
     <pc:chgData name="Long B Nguyen" userId="f59fb8f3-a021-417a-8bc1-65c8d471c621" providerId="ADAL" clId="{E2659998-345F-2A42-B467-55E59999979A}"/>
     <pc:docChg chg="delSld modSld">
       <pc:chgData name="Long B Nguyen" userId="f59fb8f3-a021-417a-8bc1-65c8d471c621" providerId="ADAL" clId="{E2659998-345F-2A42-B467-55E59999979A}" dt="2021-06-14T22:06:26.206" v="63" actId="20577"/>
@@ -2238,7 +2379,7 @@
           <a:p>
             <a:fld id="{91B17CCE-B712-5B43-9D1C-82523EAD6AD9}" type="datetimeFigureOut">
               <a:rPr lang="en-US" smtClean="0"/>
-              <a:t>10/18/21</a:t>
+              <a:t>9/30/22</a:t>
             </a:fld>
             <a:endParaRPr lang="en-US"/>
           </a:p>
@@ -2636,7 +2777,7 @@
           <a:p>
             <a:fld id="{DC471BF0-9D75-0942-9041-17C4B5344EC4}" type="datetime1">
               <a:rPr lang="en-US" smtClean="0"/>
-              <a:t>10/18/21</a:t>
+              <a:t>9/30/22</a:t>
             </a:fld>
             <a:endParaRPr lang="en-US" dirty="0"/>
           </a:p>
@@ -2806,7 +2947,7 @@
           <a:p>
             <a:fld id="{B2865873-C2CE-D94D-9B62-5C7D3D28893C}" type="datetime1">
               <a:rPr lang="en-US" smtClean="0"/>
-              <a:t>10/18/21</a:t>
+              <a:t>9/30/22</a:t>
             </a:fld>
             <a:endParaRPr lang="en-US" dirty="0"/>
           </a:p>
@@ -2986,7 +3127,7 @@
           <a:p>
             <a:fld id="{8FD9C3D9-FA7E-9846-AC00-3B249AB3A3A5}" type="datetime1">
               <a:rPr lang="en-US" smtClean="0"/>
-              <a:t>10/18/21</a:t>
+              <a:t>9/30/22</a:t>
             </a:fld>
             <a:endParaRPr lang="en-US" dirty="0"/>
           </a:p>
@@ -3156,7 +3297,7 @@
           <a:p>
             <a:fld id="{BB0B2068-C0B6-3D41-8F8D-849B431B8433}" type="datetime1">
               <a:rPr lang="en-US" smtClean="0"/>
-              <a:t>10/18/21</a:t>
+              <a:t>9/30/22</a:t>
             </a:fld>
             <a:endParaRPr lang="en-US" dirty="0"/>
           </a:p>
@@ -3402,7 +3543,7 @@
           <a:p>
             <a:fld id="{0F9033C7-D091-114B-8DC2-5C14BE3937E7}" type="datetime1">
               <a:rPr lang="en-US" smtClean="0"/>
-              <a:t>10/18/21</a:t>
+              <a:t>9/30/22</a:t>
             </a:fld>
             <a:endParaRPr lang="en-US" dirty="0"/>
           </a:p>
@@ -3634,7 +3775,7 @@
           <a:p>
             <a:fld id="{9157D187-B498-E845-A39A-6C51B5EF5520}" type="datetime1">
               <a:rPr lang="en-US" smtClean="0"/>
-              <a:t>10/18/21</a:t>
+              <a:t>9/30/22</a:t>
             </a:fld>
             <a:endParaRPr lang="en-US" dirty="0"/>
           </a:p>
@@ -4001,7 +4142,7 @@
           <a:p>
             <a:fld id="{10C5814F-9C1E-8F43-BD11-47A12FCB08E9}" type="datetime1">
               <a:rPr lang="en-US" smtClean="0"/>
-              <a:t>10/18/21</a:t>
+              <a:t>9/30/22</a:t>
             </a:fld>
             <a:endParaRPr lang="en-US" dirty="0"/>
           </a:p>
@@ -4119,7 +4260,7 @@
           <a:p>
             <a:fld id="{00F4A595-D1A6-9443-A5E6-028339934659}" type="datetime1">
               <a:rPr lang="en-US" smtClean="0"/>
-              <a:t>10/18/21</a:t>
+              <a:t>9/30/22</a:t>
             </a:fld>
             <a:endParaRPr lang="en-US" dirty="0"/>
           </a:p>
@@ -4214,7 +4355,7 @@
           <a:p>
             <a:fld id="{283535AB-F705-A546-82E9-EF92A857560A}" type="datetime1">
               <a:rPr lang="en-US" smtClean="0"/>
-              <a:t>10/18/21</a:t>
+              <a:t>9/30/22</a:t>
             </a:fld>
             <a:endParaRPr lang="en-US" dirty="0"/>
           </a:p>
@@ -4491,7 +4632,7 @@
           <a:p>
             <a:fld id="{5458BA01-9B91-0A4B-AB23-8BE4CE0D7125}" type="datetime1">
               <a:rPr lang="en-US" smtClean="0"/>
-              <a:t>10/18/21</a:t>
+              <a:t>9/30/22</a:t>
             </a:fld>
             <a:endParaRPr lang="en-US" dirty="0"/>
           </a:p>
@@ -4748,7 +4889,7 @@
           <a:p>
             <a:fld id="{508F2FD5-7FA7-DF4B-B297-3F8803611404}" type="datetime1">
               <a:rPr lang="en-US" smtClean="0"/>
-              <a:t>10/18/21</a:t>
+              <a:t>9/30/22</a:t>
             </a:fld>
             <a:endParaRPr lang="en-US" dirty="0"/>
           </a:p>
@@ -4961,7 +5102,7 @@
           <a:p>
             <a:fld id="{74C7A9AF-EB43-AD4F-A6D0-5244F0154611}" type="datetime1">
               <a:rPr lang="en-US" smtClean="0"/>
-              <a:t>10/18/21</a:t>
+              <a:t>9/30/22</a:t>
             </a:fld>
             <a:endParaRPr lang="en-US" dirty="0"/>
           </a:p>
@@ -6541,7 +6682,7 @@
         </p:spPr>
         <p:txBody>
           <a:bodyPr>
-            <a:normAutofit/>
+            <a:normAutofit lnSpcReduction="10000"/>
           </a:bodyPr>
           <a:lstStyle/>
           <a:p>
@@ -10197,6 +10338,3523 @@
         </p:nvSpPr>
         <p:spPr>
           <a:xfrm>
+            <a:off x="182906" y="123497"/>
+            <a:ext cx="7053542" cy="683886"/>
+          </a:xfrm>
+        </p:spPr>
+        <p:txBody>
+          <a:bodyPr/>
+          <a:lstStyle/>
+          <a:p>
+            <a:r>
+              <a:rPr lang="en-US" dirty="0"/>
+              <a:t>String Indexing </a:t>
+            </a:r>
+          </a:p>
+        </p:txBody>
+      </p:sp>
+      <p:sp>
+        <p:nvSpPr>
+          <p:cNvPr id="9" name="Content Placeholder 8">
+            <a:extLst>
+              <a:ext uri="{FF2B5EF4-FFF2-40B4-BE49-F238E27FC236}">
+                <a16:creationId xmlns:a16="http://schemas.microsoft.com/office/drawing/2014/main" id="{E3B2E017-30B2-884B-A113-B419A2ED51AD}"/>
+              </a:ext>
+            </a:extLst>
+          </p:cNvPr>
+          <p:cNvSpPr>
+            <a:spLocks noGrp="1"/>
+          </p:cNvSpPr>
+          <p:nvPr>
+            <p:ph idx="1"/>
+          </p:nvPr>
+        </p:nvSpPr>
+        <p:spPr>
+          <a:xfrm>
+            <a:off x="310228" y="807382"/>
+            <a:ext cx="8741305" cy="4689291"/>
+          </a:xfrm>
+        </p:spPr>
+        <p:txBody>
+          <a:bodyPr>
+            <a:noAutofit/>
+          </a:bodyPr>
+          <a:lstStyle/>
+          <a:p>
+            <a:pPr marL="0" indent="0">
+              <a:buNone/>
+            </a:pPr>
+            <a:r>
+              <a:rPr lang="en-US" dirty="0"/>
+              <a:t>Python allows you to retrieve individual members of a string by specifying the </a:t>
+            </a:r>
+            <a:r>
+              <a:rPr lang="en-US" i="1" dirty="0"/>
+              <a:t>index</a:t>
+            </a:r>
+            <a:r>
+              <a:rPr lang="en-US" dirty="0"/>
+              <a:t> of that member, which is the integer that uniquely identifies that member’s position in the string.  The built-in len() function returns the number of characters in a string.</a:t>
+            </a:r>
+            <a:endParaRPr lang="en-US" b="1" dirty="0">
+              <a:solidFill>
+                <a:srgbClr val="000087"/>
+              </a:solidFill>
+              <a:latin typeface="Inconsolata" panose="020B0609030003000000" pitchFamily="49" charset="77"/>
+            </a:endParaRPr>
+          </a:p>
+          <a:p>
+            <a:pPr marL="0" indent="0">
+              <a:buNone/>
+            </a:pPr>
+            <a:r>
+              <a:rPr lang="en-US" b="1" dirty="0">
+                <a:solidFill>
+                  <a:srgbClr val="000087"/>
+                </a:solidFill>
+                <a:latin typeface="Inconsolata" panose="020B0609030003000000" pitchFamily="49" charset="77"/>
+              </a:rPr>
+              <a:t>message = </a:t>
+            </a:r>
+            <a:r>
+              <a:rPr lang="en-US" b="1" dirty="0">
+                <a:solidFill>
+                  <a:srgbClr val="CC3300"/>
+                </a:solidFill>
+                <a:latin typeface="Inconsolata" panose="020B0609030003000000" pitchFamily="49" charset="77"/>
+              </a:rPr>
+              <a:t>"hello"</a:t>
+            </a:r>
+            <a:r>
+              <a:rPr lang="en-US" dirty="0">
+                <a:solidFill>
+                  <a:srgbClr val="CC3300"/>
+                </a:solidFill>
+                <a:latin typeface="UbuntuMono"/>
+              </a:rPr>
+              <a:t> </a:t>
+            </a:r>
+          </a:p>
+          <a:p>
+            <a:pPr marL="0" indent="0">
+              <a:buNone/>
+            </a:pPr>
+            <a:r>
+              <a:rPr lang="en-US" b="1" dirty="0">
+                <a:solidFill>
+                  <a:srgbClr val="000087"/>
+                </a:solidFill>
+                <a:latin typeface="Inconsolata" panose="020B0609030003000000" pitchFamily="49" charset="77"/>
+              </a:rPr>
+              <a:t>length = </a:t>
+            </a:r>
+            <a:r>
+              <a:rPr lang="en-US" b="1" dirty="0">
+                <a:solidFill>
+                  <a:srgbClr val="CC3300"/>
+                </a:solidFill>
+                <a:latin typeface="Inconsolata" panose="020B0609030003000000" pitchFamily="49" charset="77"/>
+              </a:rPr>
+              <a:t>len(message)</a:t>
+            </a:r>
+            <a:r>
+              <a:rPr lang="en-US" dirty="0">
+                <a:solidFill>
+                  <a:srgbClr val="CC3300"/>
+                </a:solidFill>
+                <a:latin typeface="UbuntuMono"/>
+              </a:rPr>
+              <a:t> </a:t>
+            </a:r>
+          </a:p>
+          <a:p>
+            <a:pPr marL="0" indent="0">
+              <a:buNone/>
+            </a:pPr>
+            <a:r>
+              <a:rPr lang="en-US" b="1" dirty="0">
+                <a:solidFill>
+                  <a:srgbClr val="000087"/>
+                </a:solidFill>
+                <a:latin typeface="Inconsolata" panose="020B0609030003000000" pitchFamily="49" charset="77"/>
+              </a:rPr>
+              <a:t>print(length</a:t>
+            </a:r>
+            <a:r>
+              <a:rPr lang="en-US" b="1" dirty="0">
+                <a:latin typeface="Inconsolata" panose="020B0609030003000000" pitchFamily="49" charset="77"/>
+              </a:rPr>
+              <a:t>) 			</a:t>
+            </a:r>
+            <a:r>
+              <a:rPr lang="en-US" b="1" i="1" dirty="0">
+                <a:solidFill>
+                  <a:srgbClr val="33566B"/>
+                </a:solidFill>
+                <a:latin typeface="Inconsolata" panose="020B0609030003000000" pitchFamily="49" charset="77"/>
+              </a:rPr>
+              <a:t># 5</a:t>
+            </a:r>
+            <a:endParaRPr lang="en-US" dirty="0"/>
+          </a:p>
+          <a:p>
+            <a:pPr marL="0" indent="0">
+              <a:buNone/>
+            </a:pPr>
+            <a:r>
+              <a:rPr lang="en-US" b="1" dirty="0">
+                <a:solidFill>
+                  <a:srgbClr val="000087"/>
+                </a:solidFill>
+                <a:latin typeface="Inconsolata" panose="020B0609030003000000" pitchFamily="49" charset="77"/>
+              </a:rPr>
+              <a:t>print(message</a:t>
+            </a:r>
+            <a:r>
+              <a:rPr lang="en-US" b="1" dirty="0">
+                <a:latin typeface="Inconsolata" panose="020B0609030003000000" pitchFamily="49" charset="77"/>
+              </a:rPr>
+              <a:t>[</a:t>
+            </a:r>
+            <a:r>
+              <a:rPr lang="en-US" b="1" dirty="0">
+                <a:solidFill>
+                  <a:srgbClr val="FF6600"/>
+                </a:solidFill>
+                <a:latin typeface="Inconsolata" panose="020B0609030003000000" pitchFamily="49" charset="77"/>
+              </a:rPr>
+              <a:t>0</a:t>
+            </a:r>
+            <a:r>
+              <a:rPr lang="en-US" b="1" dirty="0">
+                <a:latin typeface="Inconsolata" panose="020B0609030003000000" pitchFamily="49" charset="77"/>
+              </a:rPr>
+              <a:t>]) 		</a:t>
+            </a:r>
+            <a:r>
+              <a:rPr lang="en-US" b="1" i="1" dirty="0">
+                <a:solidFill>
+                  <a:srgbClr val="33566B"/>
+                </a:solidFill>
+                <a:latin typeface="Inconsolata" panose="020B0609030003000000" pitchFamily="49" charset="77"/>
+              </a:rPr>
+              <a:t># h</a:t>
+            </a:r>
+          </a:p>
+          <a:p>
+            <a:pPr marL="0" indent="0">
+              <a:buNone/>
+            </a:pPr>
+            <a:r>
+              <a:rPr lang="en-US" b="1" dirty="0">
+                <a:solidFill>
+                  <a:srgbClr val="000087"/>
+                </a:solidFill>
+                <a:latin typeface="Inconsolata" panose="020B0609030003000000" pitchFamily="49" charset="77"/>
+              </a:rPr>
+              <a:t>print(message</a:t>
+            </a:r>
+            <a:r>
+              <a:rPr lang="en-US" b="1" dirty="0">
+                <a:latin typeface="Inconsolata" panose="020B0609030003000000" pitchFamily="49" charset="77"/>
+              </a:rPr>
+              <a:t>[</a:t>
+            </a:r>
+            <a:r>
+              <a:rPr lang="en-US" b="1" dirty="0">
+                <a:solidFill>
+                  <a:srgbClr val="FF6600"/>
+                </a:solidFill>
+                <a:latin typeface="Inconsolata" panose="020B0609030003000000" pitchFamily="49" charset="77"/>
+              </a:rPr>
+              <a:t>1</a:t>
+            </a:r>
+            <a:r>
+              <a:rPr lang="en-US" b="1" dirty="0">
+                <a:latin typeface="Inconsolata" panose="020B0609030003000000" pitchFamily="49" charset="77"/>
+              </a:rPr>
+              <a:t>]) 		</a:t>
+            </a:r>
+            <a:r>
+              <a:rPr lang="en-US" b="1" i="1" dirty="0">
+                <a:solidFill>
+                  <a:srgbClr val="33566B"/>
+                </a:solidFill>
+                <a:latin typeface="Inconsolata" panose="020B0609030003000000" pitchFamily="49" charset="77"/>
+              </a:rPr>
+              <a:t># e</a:t>
+            </a:r>
+            <a:r>
+              <a:rPr lang="en-US" b="1" dirty="0">
+                <a:latin typeface="Inconsolata" panose="020B0609030003000000" pitchFamily="49" charset="77"/>
+              </a:rPr>
+              <a:t> </a:t>
+            </a:r>
+          </a:p>
+          <a:p>
+            <a:pPr marL="0" indent="0">
+              <a:buNone/>
+            </a:pPr>
+            <a:r>
+              <a:rPr lang="en-US" b="1" dirty="0">
+                <a:solidFill>
+                  <a:srgbClr val="000087"/>
+                </a:solidFill>
+                <a:latin typeface="Inconsolata" panose="020B0609030003000000" pitchFamily="49" charset="77"/>
+              </a:rPr>
+              <a:t>print(message</a:t>
+            </a:r>
+            <a:r>
+              <a:rPr lang="en-US" b="1" dirty="0">
+                <a:latin typeface="Inconsolata" panose="020B0609030003000000" pitchFamily="49" charset="77"/>
+              </a:rPr>
+              <a:t>[</a:t>
+            </a:r>
+            <a:r>
+              <a:rPr lang="en-US" b="1" dirty="0">
+                <a:solidFill>
+                  <a:srgbClr val="FF6600"/>
+                </a:solidFill>
+                <a:latin typeface="Inconsolata" panose="020B0609030003000000" pitchFamily="49" charset="77"/>
+              </a:rPr>
+              <a:t>4</a:t>
+            </a:r>
+            <a:r>
+              <a:rPr lang="en-US" b="1" dirty="0">
+                <a:latin typeface="Inconsolata" panose="020B0609030003000000" pitchFamily="49" charset="77"/>
+              </a:rPr>
+              <a:t>]) 		</a:t>
+            </a:r>
+            <a:r>
+              <a:rPr lang="en-US" b="1" i="1" dirty="0">
+                <a:solidFill>
+                  <a:srgbClr val="33566B"/>
+                </a:solidFill>
+                <a:latin typeface="Inconsolata" panose="020B0609030003000000" pitchFamily="49" charset="77"/>
+              </a:rPr>
+              <a:t># o</a:t>
+            </a:r>
+            <a:r>
+              <a:rPr lang="en-US" b="1" dirty="0">
+                <a:latin typeface="Inconsolata" panose="020B0609030003000000" pitchFamily="49" charset="77"/>
+              </a:rPr>
+              <a:t> </a:t>
+            </a:r>
+          </a:p>
+          <a:p>
+            <a:pPr marL="0" indent="0">
+              <a:buNone/>
+            </a:pPr>
+            <a:r>
+              <a:rPr lang="en-US" b="1" dirty="0">
+                <a:solidFill>
+                  <a:srgbClr val="000087"/>
+                </a:solidFill>
+                <a:latin typeface="Inconsolata" panose="020B0609030003000000" pitchFamily="49" charset="77"/>
+              </a:rPr>
+              <a:t>print(message</a:t>
+            </a:r>
+            <a:r>
+              <a:rPr lang="en-US" b="1" dirty="0">
+                <a:latin typeface="Inconsolata" panose="020B0609030003000000" pitchFamily="49" charset="77"/>
+              </a:rPr>
+              <a:t>[</a:t>
+            </a:r>
+            <a:r>
+              <a:rPr lang="en-US" b="1" dirty="0">
+                <a:solidFill>
+                  <a:srgbClr val="FF6600"/>
+                </a:solidFill>
+                <a:latin typeface="Inconsolata" panose="020B0609030003000000" pitchFamily="49" charset="77"/>
+              </a:rPr>
+              <a:t>5</a:t>
+            </a:r>
+            <a:r>
+              <a:rPr lang="en-US" b="1" dirty="0">
+                <a:latin typeface="Inconsolata" panose="020B0609030003000000" pitchFamily="49" charset="77"/>
+              </a:rPr>
+              <a:t>]) 		</a:t>
+            </a:r>
+            <a:r>
+              <a:rPr lang="en-US" b="1" i="1" dirty="0">
+                <a:solidFill>
+                  <a:srgbClr val="33566B"/>
+                </a:solidFill>
+                <a:latin typeface="Inconsolata" panose="020B0609030003000000" pitchFamily="49" charset="77"/>
+              </a:rPr>
+              <a:t># error! out of range!</a:t>
+            </a:r>
+            <a:endParaRPr lang="en-US" b="1" dirty="0">
+              <a:latin typeface="Inconsolata" panose="020B0609030003000000" pitchFamily="49" charset="77"/>
+            </a:endParaRPr>
+          </a:p>
+          <a:p>
+            <a:pPr marL="0" indent="0">
+              <a:buNone/>
+            </a:pPr>
+            <a:endParaRPr lang="en-US" b="1" dirty="0">
+              <a:latin typeface="Inconsolata" panose="020B0609030003000000" pitchFamily="49" charset="77"/>
+            </a:endParaRPr>
+          </a:p>
+          <a:p>
+            <a:pPr marL="0" indent="0">
+              <a:buNone/>
+            </a:pPr>
+            <a:endParaRPr lang="en-US" b="1" dirty="0">
+              <a:latin typeface="Inconsolata" panose="020B0609030003000000" pitchFamily="49" charset="77"/>
+            </a:endParaRPr>
+          </a:p>
+          <a:p>
+            <a:pPr marL="0" indent="0">
+              <a:buNone/>
+            </a:pPr>
+            <a:endParaRPr lang="en-US" b="1" dirty="0">
+              <a:latin typeface="Inconsolata" panose="020B0609030003000000" pitchFamily="49" charset="77"/>
+            </a:endParaRPr>
+          </a:p>
+          <a:p>
+            <a:pPr marL="0" indent="0">
+              <a:buNone/>
+            </a:pPr>
+            <a:endParaRPr lang="en-US" b="1" dirty="0">
+              <a:latin typeface="Inconsolata" panose="020B0609030003000000" pitchFamily="49" charset="77"/>
+            </a:endParaRPr>
+          </a:p>
+          <a:p>
+            <a:pPr marL="0" indent="0">
+              <a:buNone/>
+            </a:pPr>
+            <a:r>
+              <a:rPr lang="en-US" b="1" dirty="0">
+                <a:latin typeface="Inconsolata" panose="020B0609030003000000" pitchFamily="49" charset="77"/>
+              </a:rPr>
+              <a:t> </a:t>
+            </a:r>
+          </a:p>
+          <a:p>
+            <a:pPr marL="0" indent="0">
+              <a:buNone/>
+            </a:pPr>
+            <a:endParaRPr lang="en-US" b="1" dirty="0">
+              <a:latin typeface="Inconsolata" panose="020B0609030003000000" pitchFamily="49" charset="77"/>
+            </a:endParaRPr>
+          </a:p>
+          <a:p>
+            <a:pPr marL="0" indent="0">
+              <a:buNone/>
+            </a:pPr>
+            <a:endParaRPr lang="en-US" b="1" dirty="0">
+              <a:latin typeface="Inconsolata" panose="020B0609030003000000" pitchFamily="49" charset="77"/>
+            </a:endParaRPr>
+          </a:p>
+          <a:p>
+            <a:pPr marL="0" indent="0">
+              <a:buNone/>
+            </a:pPr>
+            <a:endParaRPr lang="en-US" b="1" dirty="0">
+              <a:latin typeface="Inconsolata" panose="020B0609030003000000" pitchFamily="49" charset="77"/>
+            </a:endParaRPr>
+          </a:p>
+          <a:p>
+            <a:pPr marL="0" indent="0">
+              <a:buNone/>
+            </a:pPr>
+            <a:endParaRPr lang="en-US" b="1" dirty="0">
+              <a:latin typeface="Inconsolata" panose="020B0609030003000000" pitchFamily="49" charset="77"/>
+            </a:endParaRPr>
+          </a:p>
+          <a:p>
+            <a:pPr marL="0" indent="0">
+              <a:buNone/>
+            </a:pPr>
+            <a:endParaRPr lang="en-US" b="1" dirty="0">
+              <a:latin typeface="Inconsolata" panose="020B0609030003000000" pitchFamily="49" charset="77"/>
+            </a:endParaRPr>
+          </a:p>
+          <a:p>
+            <a:pPr marL="0" indent="0">
+              <a:buNone/>
+            </a:pPr>
+            <a:r>
+              <a:rPr lang="en-US" b="1" dirty="0">
+                <a:latin typeface="Inconsolata" panose="020B0609030003000000" pitchFamily="49" charset="77"/>
+              </a:rPr>
+              <a:t> </a:t>
+            </a:r>
+          </a:p>
+          <a:p>
+            <a:pPr marL="0" indent="0">
+              <a:buNone/>
+            </a:pPr>
+            <a:endParaRPr lang="en-US" b="1" dirty="0">
+              <a:latin typeface="Inconsolata" panose="020B0609030003000000" pitchFamily="49" charset="77"/>
+            </a:endParaRPr>
+          </a:p>
+          <a:p>
+            <a:pPr marL="0" indent="0">
+              <a:buNone/>
+            </a:pPr>
+            <a:endParaRPr lang="en-US" b="1" dirty="0">
+              <a:latin typeface="Inconsolata" panose="020B0609030003000000" pitchFamily="49" charset="77"/>
+            </a:endParaRPr>
+          </a:p>
+        </p:txBody>
+      </p:sp>
+    </p:spTree>
+    <p:extLst>
+      <p:ext uri="{BB962C8B-B14F-4D97-AF65-F5344CB8AC3E}">
+        <p14:creationId xmlns:p14="http://schemas.microsoft.com/office/powerpoint/2010/main" val="99755680"/>
+      </p:ext>
+    </p:extLst>
+  </p:cSld>
+  <p:clrMapOvr>
+    <a:masterClrMapping/>
+  </p:clrMapOvr>
+  <p:timing>
+    <p:tnLst>
+      <p:par>
+        <p:cTn id="1" dur="indefinite" restart="never" nodeType="tmRoot">
+          <p:childTnLst>
+            <p:seq concurrent="1" nextAc="seek">
+              <p:cTn id="2" dur="indefinite" nodeType="mainSeq">
+                <p:childTnLst>
+                  <p:par>
+                    <p:cTn id="3" fill="hold">
+                      <p:stCondLst>
+                        <p:cond delay="indefinite"/>
+                      </p:stCondLst>
+                      <p:childTnLst>
+                        <p:par>
+                          <p:cTn id="4" fill="hold">
+                            <p:stCondLst>
+                              <p:cond delay="0"/>
+                            </p:stCondLst>
+                            <p:childTnLst>
+                              <p:par>
+                                <p:cTn id="5" presetID="1" presetClass="entr" presetSubtype="0" fill="hold" nodeType="clickEffect">
+                                  <p:stCondLst>
+                                    <p:cond delay="0"/>
+                                  </p:stCondLst>
+                                  <p:childTnLst>
+                                    <p:set>
+                                      <p:cBhvr>
+                                        <p:cTn id="6" dur="1" fill="hold">
+                                          <p:stCondLst>
+                                            <p:cond delay="0"/>
+                                          </p:stCondLst>
+                                        </p:cTn>
+                                        <p:tgtEl>
+                                          <p:spTgt spid="9">
+                                            <p:txEl>
+                                              <p:pRg st="1" end="1"/>
+                                            </p:txEl>
+                                          </p:spTgt>
+                                        </p:tgtEl>
+                                        <p:attrNameLst>
+                                          <p:attrName>style.visibility</p:attrName>
+                                        </p:attrNameLst>
+                                      </p:cBhvr>
+                                      <p:to>
+                                        <p:strVal val="visible"/>
+                                      </p:to>
+                                    </p:set>
+                                  </p:childTnLst>
+                                </p:cTn>
+                              </p:par>
+                            </p:childTnLst>
+                          </p:cTn>
+                        </p:par>
+                      </p:childTnLst>
+                    </p:cTn>
+                  </p:par>
+                  <p:par>
+                    <p:cTn id="7" fill="hold">
+                      <p:stCondLst>
+                        <p:cond delay="indefinite"/>
+                      </p:stCondLst>
+                      <p:childTnLst>
+                        <p:par>
+                          <p:cTn id="8" fill="hold">
+                            <p:stCondLst>
+                              <p:cond delay="0"/>
+                            </p:stCondLst>
+                            <p:childTnLst>
+                              <p:par>
+                                <p:cTn id="9" presetID="1" presetClass="entr" presetSubtype="0" fill="hold" nodeType="clickEffect">
+                                  <p:stCondLst>
+                                    <p:cond delay="0"/>
+                                  </p:stCondLst>
+                                  <p:childTnLst>
+                                    <p:set>
+                                      <p:cBhvr>
+                                        <p:cTn id="10" dur="1" fill="hold">
+                                          <p:stCondLst>
+                                            <p:cond delay="0"/>
+                                          </p:stCondLst>
+                                        </p:cTn>
+                                        <p:tgtEl>
+                                          <p:spTgt spid="9">
+                                            <p:txEl>
+                                              <p:pRg st="2" end="2"/>
+                                            </p:txEl>
+                                          </p:spTgt>
+                                        </p:tgtEl>
+                                        <p:attrNameLst>
+                                          <p:attrName>style.visibility</p:attrName>
+                                        </p:attrNameLst>
+                                      </p:cBhvr>
+                                      <p:to>
+                                        <p:strVal val="visible"/>
+                                      </p:to>
+                                    </p:set>
+                                  </p:childTnLst>
+                                </p:cTn>
+                              </p:par>
+                            </p:childTnLst>
+                          </p:cTn>
+                        </p:par>
+                      </p:childTnLst>
+                    </p:cTn>
+                  </p:par>
+                  <p:par>
+                    <p:cTn id="11" fill="hold">
+                      <p:stCondLst>
+                        <p:cond delay="indefinite"/>
+                      </p:stCondLst>
+                      <p:childTnLst>
+                        <p:par>
+                          <p:cTn id="12" fill="hold">
+                            <p:stCondLst>
+                              <p:cond delay="0"/>
+                            </p:stCondLst>
+                            <p:childTnLst>
+                              <p:par>
+                                <p:cTn id="13" presetID="1" presetClass="entr" presetSubtype="0" fill="hold" nodeType="clickEffect">
+                                  <p:stCondLst>
+                                    <p:cond delay="0"/>
+                                  </p:stCondLst>
+                                  <p:childTnLst>
+                                    <p:set>
+                                      <p:cBhvr>
+                                        <p:cTn id="14" dur="1" fill="hold">
+                                          <p:stCondLst>
+                                            <p:cond delay="0"/>
+                                          </p:stCondLst>
+                                        </p:cTn>
+                                        <p:tgtEl>
+                                          <p:spTgt spid="9">
+                                            <p:txEl>
+                                              <p:pRg st="3" end="3"/>
+                                            </p:txEl>
+                                          </p:spTgt>
+                                        </p:tgtEl>
+                                        <p:attrNameLst>
+                                          <p:attrName>style.visibility</p:attrName>
+                                        </p:attrNameLst>
+                                      </p:cBhvr>
+                                      <p:to>
+                                        <p:strVal val="visible"/>
+                                      </p:to>
+                                    </p:set>
+                                  </p:childTnLst>
+                                </p:cTn>
+                              </p:par>
+                              <p:par>
+                                <p:cTn id="15" presetID="1" presetClass="entr" presetSubtype="0" fill="hold" nodeType="withEffect">
+                                  <p:stCondLst>
+                                    <p:cond delay="0"/>
+                                  </p:stCondLst>
+                                  <p:childTnLst>
+                                    <p:set>
+                                      <p:cBhvr>
+                                        <p:cTn id="16" dur="1" fill="hold">
+                                          <p:stCondLst>
+                                            <p:cond delay="0"/>
+                                          </p:stCondLst>
+                                        </p:cTn>
+                                        <p:tgtEl>
+                                          <p:spTgt spid="9">
+                                            <p:txEl>
+                                              <p:pRg st="4" end="4"/>
+                                            </p:txEl>
+                                          </p:spTgt>
+                                        </p:tgtEl>
+                                        <p:attrNameLst>
+                                          <p:attrName>style.visibility</p:attrName>
+                                        </p:attrNameLst>
+                                      </p:cBhvr>
+                                      <p:to>
+                                        <p:strVal val="visible"/>
+                                      </p:to>
+                                    </p:set>
+                                  </p:childTnLst>
+                                </p:cTn>
+                              </p:par>
+                              <p:par>
+                                <p:cTn id="17" presetID="1" presetClass="entr" presetSubtype="0" fill="hold" nodeType="withEffect">
+                                  <p:stCondLst>
+                                    <p:cond delay="0"/>
+                                  </p:stCondLst>
+                                  <p:childTnLst>
+                                    <p:set>
+                                      <p:cBhvr>
+                                        <p:cTn id="18" dur="1" fill="hold">
+                                          <p:stCondLst>
+                                            <p:cond delay="0"/>
+                                          </p:stCondLst>
+                                        </p:cTn>
+                                        <p:tgtEl>
+                                          <p:spTgt spid="9">
+                                            <p:txEl>
+                                              <p:pRg st="5" end="5"/>
+                                            </p:txEl>
+                                          </p:spTgt>
+                                        </p:tgtEl>
+                                        <p:attrNameLst>
+                                          <p:attrName>style.visibility</p:attrName>
+                                        </p:attrNameLst>
+                                      </p:cBhvr>
+                                      <p:to>
+                                        <p:strVal val="visible"/>
+                                      </p:to>
+                                    </p:set>
+                                  </p:childTnLst>
+                                </p:cTn>
+                              </p:par>
+                              <p:par>
+                                <p:cTn id="19" presetID="1" presetClass="entr" presetSubtype="0" fill="hold" nodeType="withEffect">
+                                  <p:stCondLst>
+                                    <p:cond delay="0"/>
+                                  </p:stCondLst>
+                                  <p:childTnLst>
+                                    <p:set>
+                                      <p:cBhvr>
+                                        <p:cTn id="20" dur="1" fill="hold">
+                                          <p:stCondLst>
+                                            <p:cond delay="0"/>
+                                          </p:stCondLst>
+                                        </p:cTn>
+                                        <p:tgtEl>
+                                          <p:spTgt spid="9">
+                                            <p:txEl>
+                                              <p:pRg st="6" end="6"/>
+                                            </p:txEl>
+                                          </p:spTgt>
+                                        </p:tgtEl>
+                                        <p:attrNameLst>
+                                          <p:attrName>style.visibility</p:attrName>
+                                        </p:attrNameLst>
+                                      </p:cBhvr>
+                                      <p:to>
+                                        <p:strVal val="visible"/>
+                                      </p:to>
+                                    </p:set>
+                                  </p:childTnLst>
+                                </p:cTn>
+                              </p:par>
+                              <p:par>
+                                <p:cTn id="21" presetID="1" presetClass="entr" presetSubtype="0" fill="hold" nodeType="withEffect">
+                                  <p:stCondLst>
+                                    <p:cond delay="0"/>
+                                  </p:stCondLst>
+                                  <p:childTnLst>
+                                    <p:set>
+                                      <p:cBhvr>
+                                        <p:cTn id="22" dur="1" fill="hold">
+                                          <p:stCondLst>
+                                            <p:cond delay="0"/>
+                                          </p:stCondLst>
+                                        </p:cTn>
+                                        <p:tgtEl>
+                                          <p:spTgt spid="9">
+                                            <p:txEl>
+                                              <p:pRg st="7" end="7"/>
+                                            </p:txEl>
+                                          </p:spTgt>
+                                        </p:tgtEl>
+                                        <p:attrNameLst>
+                                          <p:attrName>style.visibility</p:attrName>
+                                        </p:attrNameLst>
+                                      </p:cBhvr>
+                                      <p:to>
+                                        <p:strVal val="visible"/>
+                                      </p:to>
+                                    </p:set>
+                                  </p:childTnLst>
+                                </p:cTn>
+                              </p:par>
+                            </p:childTnLst>
+                          </p:cTn>
+                        </p:par>
+                      </p:childTnLst>
+                    </p:cTn>
+                  </p:par>
+                </p:childTnLst>
+              </p:cTn>
+              <p:prevCondLst>
+                <p:cond evt="onPrev" delay="0">
+                  <p:tgtEl>
+                    <p:sldTgt/>
+                  </p:tgtEl>
+                </p:cond>
+              </p:prevCondLst>
+              <p:nextCondLst>
+                <p:cond evt="onNext" delay="0">
+                  <p:tgtEl>
+                    <p:sldTgt/>
+                  </p:tgtEl>
+                </p:cond>
+              </p:nextCondLst>
+            </p:seq>
+          </p:childTnLst>
+        </p:cTn>
+      </p:par>
+    </p:tnLst>
+  </p:timing>
+</p:sld>
+</file>
+
+<file path=ppt/slides/slide19.xml><?xml version="1.0" encoding="utf-8"?>
+<p:sld xmlns:a="http://schemas.openxmlformats.org/drawingml/2006/main" xmlns:r="http://schemas.openxmlformats.org/officeDocument/2006/relationships" xmlns:p="http://schemas.openxmlformats.org/presentationml/2006/main">
+  <p:cSld>
+    <p:spTree>
+      <p:nvGrpSpPr>
+        <p:cNvPr id="1" name=""/>
+        <p:cNvGrpSpPr/>
+        <p:nvPr/>
+      </p:nvGrpSpPr>
+      <p:grpSpPr>
+        <a:xfrm>
+          <a:off x="0" y="0"/>
+          <a:ext cx="0" cy="0"/>
+          <a:chOff x="0" y="0"/>
+          <a:chExt cx="0" cy="0"/>
+        </a:xfrm>
+      </p:grpSpPr>
+      <p:sp>
+        <p:nvSpPr>
+          <p:cNvPr id="2" name="Title 1">
+            <a:extLst>
+              <a:ext uri="{FF2B5EF4-FFF2-40B4-BE49-F238E27FC236}">
+                <a16:creationId xmlns:a16="http://schemas.microsoft.com/office/drawing/2014/main" id="{AA3A228F-61D0-D949-A5E7-F83756230BF8}"/>
+              </a:ext>
+            </a:extLst>
+          </p:cNvPr>
+          <p:cNvSpPr>
+            <a:spLocks noGrp="1"/>
+          </p:cNvSpPr>
+          <p:nvPr>
+            <p:ph type="title"/>
+          </p:nvPr>
+        </p:nvSpPr>
+        <p:spPr>
+          <a:xfrm>
+            <a:off x="182906" y="123497"/>
+            <a:ext cx="7053542" cy="683886"/>
+          </a:xfrm>
+        </p:spPr>
+        <p:txBody>
+          <a:bodyPr/>
+          <a:lstStyle/>
+          <a:p>
+            <a:r>
+              <a:rPr lang="en-US" dirty="0"/>
+              <a:t>String Indexing </a:t>
+            </a:r>
+          </a:p>
+        </p:txBody>
+      </p:sp>
+      <p:sp>
+        <p:nvSpPr>
+          <p:cNvPr id="9" name="Content Placeholder 8">
+            <a:extLst>
+              <a:ext uri="{FF2B5EF4-FFF2-40B4-BE49-F238E27FC236}">
+                <a16:creationId xmlns:a16="http://schemas.microsoft.com/office/drawing/2014/main" id="{E3B2E017-30B2-884B-A113-B419A2ED51AD}"/>
+              </a:ext>
+            </a:extLst>
+          </p:cNvPr>
+          <p:cNvSpPr>
+            <a:spLocks noGrp="1"/>
+          </p:cNvSpPr>
+          <p:nvPr>
+            <p:ph idx="1"/>
+          </p:nvPr>
+        </p:nvSpPr>
+        <p:spPr>
+          <a:xfrm>
+            <a:off x="310228" y="807382"/>
+            <a:ext cx="8741305" cy="4689291"/>
+          </a:xfrm>
+        </p:spPr>
+        <p:txBody>
+          <a:bodyPr>
+            <a:noAutofit/>
+          </a:bodyPr>
+          <a:lstStyle/>
+          <a:p>
+            <a:pPr marL="0" indent="0">
+              <a:buNone/>
+            </a:pPr>
+            <a:r>
+              <a:rPr lang="en-US" dirty="0"/>
+              <a:t>Negative indicies wraps around from the end. </a:t>
+            </a:r>
+            <a:r>
+              <a:rPr lang="en-US" b="1" dirty="0">
+                <a:latin typeface="Inconsolata" panose="020B0609030003000000" pitchFamily="49" charset="77"/>
+              </a:rPr>
+              <a:t>This is useful, for example, if you want to get the index of the last character and do not know the length of a string. </a:t>
+            </a:r>
+          </a:p>
+          <a:p>
+            <a:pPr marL="0" indent="0">
+              <a:buNone/>
+            </a:pPr>
+            <a:endParaRPr lang="en-US" b="1" dirty="0">
+              <a:solidFill>
+                <a:srgbClr val="000087"/>
+              </a:solidFill>
+              <a:latin typeface="Inconsolata" panose="020B0609030003000000" pitchFamily="49" charset="77"/>
+            </a:endParaRPr>
+          </a:p>
+          <a:p>
+            <a:pPr marL="0" indent="0">
+              <a:buNone/>
+            </a:pPr>
+            <a:r>
+              <a:rPr lang="en-US" b="1" dirty="0">
+                <a:solidFill>
+                  <a:srgbClr val="000087"/>
+                </a:solidFill>
+                <a:latin typeface="Inconsolata" panose="020B0609030003000000" pitchFamily="49" charset="77"/>
+              </a:rPr>
+              <a:t>message = </a:t>
+            </a:r>
+            <a:r>
+              <a:rPr lang="en-US" b="1" dirty="0">
+                <a:solidFill>
+                  <a:srgbClr val="CC3300"/>
+                </a:solidFill>
+                <a:latin typeface="Inconsolata" panose="020B0609030003000000" pitchFamily="49" charset="77"/>
+              </a:rPr>
+              <a:t>"hello"</a:t>
+            </a:r>
+            <a:r>
+              <a:rPr lang="en-US" dirty="0">
+                <a:solidFill>
+                  <a:srgbClr val="CC3300"/>
+                </a:solidFill>
+                <a:latin typeface="UbuntuMono"/>
+              </a:rPr>
+              <a:t> </a:t>
+            </a:r>
+          </a:p>
+          <a:p>
+            <a:pPr marL="0" indent="0">
+              <a:buNone/>
+            </a:pPr>
+            <a:r>
+              <a:rPr lang="en-US" b="1" dirty="0">
+                <a:solidFill>
+                  <a:srgbClr val="000087"/>
+                </a:solidFill>
+                <a:latin typeface="Inconsolata" panose="020B0609030003000000" pitchFamily="49" charset="77"/>
+              </a:rPr>
+              <a:t>print(message</a:t>
+            </a:r>
+            <a:r>
+              <a:rPr lang="en-US" b="1" dirty="0">
+                <a:latin typeface="Inconsolata" panose="020B0609030003000000" pitchFamily="49" charset="77"/>
+              </a:rPr>
+              <a:t>[</a:t>
+            </a:r>
+            <a:r>
+              <a:rPr lang="en-US" b="1" dirty="0">
+                <a:solidFill>
+                  <a:srgbClr val="FF6600"/>
+                </a:solidFill>
+                <a:latin typeface="Inconsolata" panose="020B0609030003000000" pitchFamily="49" charset="77"/>
+              </a:rPr>
+              <a:t>-1</a:t>
+            </a:r>
+            <a:r>
+              <a:rPr lang="en-US" b="1" dirty="0">
+                <a:latin typeface="Inconsolata" panose="020B0609030003000000" pitchFamily="49" charset="77"/>
+              </a:rPr>
+              <a:t>]) 		</a:t>
+            </a:r>
+            <a:r>
+              <a:rPr lang="en-US" b="1" i="1" dirty="0">
+                <a:solidFill>
+                  <a:srgbClr val="33566B"/>
+                </a:solidFill>
+                <a:latin typeface="Inconsolata" panose="020B0609030003000000" pitchFamily="49" charset="77"/>
+              </a:rPr>
+              <a:t># o</a:t>
+            </a:r>
+            <a:r>
+              <a:rPr lang="en-US" b="1" dirty="0">
+                <a:latin typeface="Inconsolata" panose="020B0609030003000000" pitchFamily="49" charset="77"/>
+              </a:rPr>
+              <a:t> </a:t>
+            </a:r>
+          </a:p>
+          <a:p>
+            <a:pPr marL="0" indent="0">
+              <a:buNone/>
+            </a:pPr>
+            <a:r>
+              <a:rPr lang="en-US" b="1" dirty="0">
+                <a:solidFill>
+                  <a:srgbClr val="000087"/>
+                </a:solidFill>
+                <a:latin typeface="Inconsolata" panose="020B0609030003000000" pitchFamily="49" charset="77"/>
+              </a:rPr>
+              <a:t>print(message</a:t>
+            </a:r>
+            <a:r>
+              <a:rPr lang="en-US" b="1" dirty="0">
+                <a:latin typeface="Inconsolata" panose="020B0609030003000000" pitchFamily="49" charset="77"/>
+              </a:rPr>
+              <a:t>[</a:t>
+            </a:r>
+            <a:r>
+              <a:rPr lang="en-US" b="1" dirty="0">
+                <a:solidFill>
+                  <a:srgbClr val="FF6600"/>
+                </a:solidFill>
+                <a:latin typeface="Inconsolata" panose="020B0609030003000000" pitchFamily="49" charset="77"/>
+              </a:rPr>
+              <a:t>-2</a:t>
+            </a:r>
+            <a:r>
+              <a:rPr lang="en-US" b="1" dirty="0">
+                <a:latin typeface="Inconsolata" panose="020B0609030003000000" pitchFamily="49" charset="77"/>
+              </a:rPr>
+              <a:t>]) 		</a:t>
+            </a:r>
+            <a:r>
+              <a:rPr lang="en-US" b="1" i="1" dirty="0">
+                <a:solidFill>
+                  <a:srgbClr val="33566B"/>
+                </a:solidFill>
+                <a:latin typeface="Inconsolata" panose="020B0609030003000000" pitchFamily="49" charset="77"/>
+              </a:rPr>
+              <a:t># l</a:t>
+            </a:r>
+          </a:p>
+          <a:p>
+            <a:pPr marL="0" indent="0">
+              <a:buNone/>
+            </a:pPr>
+            <a:r>
+              <a:rPr lang="en-US" b="1" dirty="0">
+                <a:solidFill>
+                  <a:srgbClr val="000087"/>
+                </a:solidFill>
+                <a:latin typeface="Inconsolata" panose="020B0609030003000000" pitchFamily="49" charset="77"/>
+              </a:rPr>
+              <a:t>print(message</a:t>
+            </a:r>
+            <a:r>
+              <a:rPr lang="en-US" b="1" dirty="0">
+                <a:latin typeface="Inconsolata" panose="020B0609030003000000" pitchFamily="49" charset="77"/>
+              </a:rPr>
+              <a:t>[</a:t>
+            </a:r>
+            <a:r>
+              <a:rPr lang="en-US" b="1" dirty="0">
+                <a:solidFill>
+                  <a:srgbClr val="FF6600"/>
+                </a:solidFill>
+                <a:latin typeface="Inconsolata" panose="020B0609030003000000" pitchFamily="49" charset="77"/>
+              </a:rPr>
+              <a:t>-5</a:t>
+            </a:r>
+            <a:r>
+              <a:rPr lang="en-US" b="1" dirty="0">
+                <a:latin typeface="Inconsolata" panose="020B0609030003000000" pitchFamily="49" charset="77"/>
+              </a:rPr>
+              <a:t>]) 		</a:t>
+            </a:r>
+            <a:r>
+              <a:rPr lang="en-US" b="1" i="1" dirty="0">
+                <a:solidFill>
+                  <a:srgbClr val="33566B"/>
+                </a:solidFill>
+                <a:latin typeface="Inconsolata" panose="020B0609030003000000" pitchFamily="49" charset="77"/>
+              </a:rPr>
+              <a:t># h</a:t>
+            </a:r>
+          </a:p>
+          <a:p>
+            <a:pPr marL="0" indent="0">
+              <a:buNone/>
+            </a:pPr>
+            <a:endParaRPr lang="en-US" b="1" i="1" dirty="0">
+              <a:solidFill>
+                <a:srgbClr val="33566B"/>
+              </a:solidFill>
+              <a:latin typeface="Inconsolata" panose="020B0609030003000000" pitchFamily="49" charset="77"/>
+            </a:endParaRPr>
+          </a:p>
+          <a:p>
+            <a:pPr marL="0" indent="0">
+              <a:buNone/>
+            </a:pPr>
+            <a:r>
+              <a:rPr lang="en-US" dirty="0">
+                <a:latin typeface="Gill Sans MT" panose="020B0502020104020203" pitchFamily="34" charset="77"/>
+              </a:rPr>
+              <a:t>Strings are </a:t>
+            </a:r>
+            <a:r>
+              <a:rPr lang="en-US" b="1" dirty="0">
+                <a:latin typeface="Gill Sans MT" panose="020B0502020104020203" pitchFamily="34" charset="77"/>
+              </a:rPr>
+              <a:t>immutable</a:t>
+            </a:r>
+            <a:r>
+              <a:rPr lang="en-US" dirty="0">
+                <a:latin typeface="Gill Sans MT" panose="020B0502020104020203" pitchFamily="34" charset="77"/>
+              </a:rPr>
+              <a:t>: once it is created, it cannot be changed!</a:t>
+            </a:r>
+          </a:p>
+          <a:p>
+            <a:pPr marL="0" indent="0">
+              <a:buNone/>
+            </a:pPr>
+            <a:endParaRPr lang="en-US" dirty="0">
+              <a:latin typeface="Gill Sans MT" panose="020B0502020104020203" pitchFamily="34" charset="77"/>
+            </a:endParaRPr>
+          </a:p>
+          <a:p>
+            <a:pPr marL="0" indent="0">
+              <a:buNone/>
+            </a:pPr>
+            <a:r>
+              <a:rPr lang="en-US" b="1" dirty="0">
+                <a:solidFill>
+                  <a:srgbClr val="000087"/>
+                </a:solidFill>
+                <a:latin typeface="Inconsolata" panose="020B0609030003000000" pitchFamily="49" charset="77"/>
+              </a:rPr>
+              <a:t>message[0] = </a:t>
+            </a:r>
+            <a:r>
+              <a:rPr lang="en-US" b="1" dirty="0">
+                <a:solidFill>
+                  <a:srgbClr val="CC3300"/>
+                </a:solidFill>
+                <a:latin typeface="Inconsolata" panose="020B0609030003000000" pitchFamily="49" charset="77"/>
+              </a:rPr>
+              <a:t>"H" 		# ERROR! A string is immutable! </a:t>
+            </a:r>
+            <a:endParaRPr lang="en-US" b="1" dirty="0">
+              <a:latin typeface="Inconsolata" panose="020B0609030003000000" pitchFamily="49" charset="77"/>
+            </a:endParaRPr>
+          </a:p>
+          <a:p>
+            <a:pPr marL="0" indent="0">
+              <a:buNone/>
+            </a:pPr>
+            <a:endParaRPr lang="en-US" b="1" dirty="0">
+              <a:latin typeface="Inconsolata" panose="020B0609030003000000" pitchFamily="49" charset="77"/>
+            </a:endParaRPr>
+          </a:p>
+          <a:p>
+            <a:pPr marL="0" indent="0">
+              <a:buNone/>
+            </a:pPr>
+            <a:r>
+              <a:rPr lang="en-US" b="1" dirty="0">
+                <a:latin typeface="Inconsolata" panose="020B0609030003000000" pitchFamily="49" charset="77"/>
+              </a:rPr>
+              <a:t> </a:t>
+            </a:r>
+          </a:p>
+          <a:p>
+            <a:pPr marL="0" indent="0">
+              <a:buNone/>
+            </a:pPr>
+            <a:endParaRPr lang="en-US" b="1" dirty="0">
+              <a:latin typeface="Inconsolata" panose="020B0609030003000000" pitchFamily="49" charset="77"/>
+            </a:endParaRPr>
+          </a:p>
+          <a:p>
+            <a:pPr marL="0" indent="0">
+              <a:buNone/>
+            </a:pPr>
+            <a:endParaRPr lang="en-US" b="1" dirty="0">
+              <a:latin typeface="Inconsolata" panose="020B0609030003000000" pitchFamily="49" charset="77"/>
+            </a:endParaRPr>
+          </a:p>
+          <a:p>
+            <a:pPr marL="0" indent="0">
+              <a:buNone/>
+            </a:pPr>
+            <a:endParaRPr lang="en-US" b="1" dirty="0">
+              <a:latin typeface="Inconsolata" panose="020B0609030003000000" pitchFamily="49" charset="77"/>
+            </a:endParaRPr>
+          </a:p>
+          <a:p>
+            <a:pPr marL="0" indent="0">
+              <a:buNone/>
+            </a:pPr>
+            <a:endParaRPr lang="en-US" b="1" dirty="0">
+              <a:latin typeface="Inconsolata" panose="020B0609030003000000" pitchFamily="49" charset="77"/>
+            </a:endParaRPr>
+          </a:p>
+          <a:p>
+            <a:pPr marL="0" indent="0">
+              <a:buNone/>
+            </a:pPr>
+            <a:endParaRPr lang="en-US" b="1" dirty="0">
+              <a:latin typeface="Inconsolata" panose="020B0609030003000000" pitchFamily="49" charset="77"/>
+            </a:endParaRPr>
+          </a:p>
+          <a:p>
+            <a:pPr marL="0" indent="0">
+              <a:buNone/>
+            </a:pPr>
+            <a:r>
+              <a:rPr lang="en-US" b="1" dirty="0">
+                <a:latin typeface="Inconsolata" panose="020B0609030003000000" pitchFamily="49" charset="77"/>
+              </a:rPr>
+              <a:t> </a:t>
+            </a:r>
+          </a:p>
+          <a:p>
+            <a:pPr marL="0" indent="0">
+              <a:buNone/>
+            </a:pPr>
+            <a:endParaRPr lang="en-US" b="1" dirty="0">
+              <a:latin typeface="Inconsolata" panose="020B0609030003000000" pitchFamily="49" charset="77"/>
+            </a:endParaRPr>
+          </a:p>
+          <a:p>
+            <a:pPr marL="0" indent="0">
+              <a:buNone/>
+            </a:pPr>
+            <a:endParaRPr lang="en-US" b="1" dirty="0">
+              <a:latin typeface="Inconsolata" panose="020B0609030003000000" pitchFamily="49" charset="77"/>
+            </a:endParaRPr>
+          </a:p>
+        </p:txBody>
+      </p:sp>
+    </p:spTree>
+    <p:extLst>
+      <p:ext uri="{BB962C8B-B14F-4D97-AF65-F5344CB8AC3E}">
+        <p14:creationId xmlns:p14="http://schemas.microsoft.com/office/powerpoint/2010/main" val="3558806289"/>
+      </p:ext>
+    </p:extLst>
+  </p:cSld>
+  <p:clrMapOvr>
+    <a:masterClrMapping/>
+  </p:clrMapOvr>
+  <p:timing>
+    <p:tnLst>
+      <p:par>
+        <p:cTn id="1" dur="indefinite" restart="never" nodeType="tmRoot">
+          <p:childTnLst>
+            <p:seq concurrent="1" nextAc="seek">
+              <p:cTn id="2" dur="indefinite" nodeType="mainSeq">
+                <p:childTnLst>
+                  <p:par>
+                    <p:cTn id="3" fill="hold">
+                      <p:stCondLst>
+                        <p:cond delay="indefinite"/>
+                      </p:stCondLst>
+                      <p:childTnLst>
+                        <p:par>
+                          <p:cTn id="4" fill="hold">
+                            <p:stCondLst>
+                              <p:cond delay="0"/>
+                            </p:stCondLst>
+                            <p:childTnLst>
+                              <p:par>
+                                <p:cTn id="5" presetID="1" presetClass="entr" presetSubtype="0" fill="hold" nodeType="clickEffect">
+                                  <p:stCondLst>
+                                    <p:cond delay="0"/>
+                                  </p:stCondLst>
+                                  <p:childTnLst>
+                                    <p:set>
+                                      <p:cBhvr>
+                                        <p:cTn id="6" dur="1" fill="hold">
+                                          <p:stCondLst>
+                                            <p:cond delay="0"/>
+                                          </p:stCondLst>
+                                        </p:cTn>
+                                        <p:tgtEl>
+                                          <p:spTgt spid="9">
+                                            <p:txEl>
+                                              <p:pRg st="2" end="2"/>
+                                            </p:txEl>
+                                          </p:spTgt>
+                                        </p:tgtEl>
+                                        <p:attrNameLst>
+                                          <p:attrName>style.visibility</p:attrName>
+                                        </p:attrNameLst>
+                                      </p:cBhvr>
+                                      <p:to>
+                                        <p:strVal val="visible"/>
+                                      </p:to>
+                                    </p:set>
+                                  </p:childTnLst>
+                                </p:cTn>
+                              </p:par>
+                            </p:childTnLst>
+                          </p:cTn>
+                        </p:par>
+                      </p:childTnLst>
+                    </p:cTn>
+                  </p:par>
+                  <p:par>
+                    <p:cTn id="7" fill="hold">
+                      <p:stCondLst>
+                        <p:cond delay="indefinite"/>
+                      </p:stCondLst>
+                      <p:childTnLst>
+                        <p:par>
+                          <p:cTn id="8" fill="hold">
+                            <p:stCondLst>
+                              <p:cond delay="0"/>
+                            </p:stCondLst>
+                            <p:childTnLst>
+                              <p:par>
+                                <p:cTn id="9" presetID="1" presetClass="entr" presetSubtype="0" fill="hold" nodeType="clickEffect">
+                                  <p:stCondLst>
+                                    <p:cond delay="0"/>
+                                  </p:stCondLst>
+                                  <p:childTnLst>
+                                    <p:set>
+                                      <p:cBhvr>
+                                        <p:cTn id="10" dur="1" fill="hold">
+                                          <p:stCondLst>
+                                            <p:cond delay="0"/>
+                                          </p:stCondLst>
+                                        </p:cTn>
+                                        <p:tgtEl>
+                                          <p:spTgt spid="9">
+                                            <p:txEl>
+                                              <p:pRg st="0" end="0"/>
+                                            </p:txEl>
+                                          </p:spTgt>
+                                        </p:tgtEl>
+                                        <p:attrNameLst>
+                                          <p:attrName>style.visibility</p:attrName>
+                                        </p:attrNameLst>
+                                      </p:cBhvr>
+                                      <p:to>
+                                        <p:strVal val="visible"/>
+                                      </p:to>
+                                    </p:set>
+                                  </p:childTnLst>
+                                </p:cTn>
+                              </p:par>
+                              <p:par>
+                                <p:cTn id="11" presetID="1" presetClass="entr" presetSubtype="0" fill="hold" nodeType="withEffect">
+                                  <p:stCondLst>
+                                    <p:cond delay="0"/>
+                                  </p:stCondLst>
+                                  <p:childTnLst>
+                                    <p:set>
+                                      <p:cBhvr>
+                                        <p:cTn id="12" dur="1" fill="hold">
+                                          <p:stCondLst>
+                                            <p:cond delay="0"/>
+                                          </p:stCondLst>
+                                        </p:cTn>
+                                        <p:tgtEl>
+                                          <p:spTgt spid="9">
+                                            <p:txEl>
+                                              <p:pRg st="3" end="3"/>
+                                            </p:txEl>
+                                          </p:spTgt>
+                                        </p:tgtEl>
+                                        <p:attrNameLst>
+                                          <p:attrName>style.visibility</p:attrName>
+                                        </p:attrNameLst>
+                                      </p:cBhvr>
+                                      <p:to>
+                                        <p:strVal val="visible"/>
+                                      </p:to>
+                                    </p:set>
+                                  </p:childTnLst>
+                                </p:cTn>
+                              </p:par>
+                              <p:par>
+                                <p:cTn id="13" presetID="1" presetClass="entr" presetSubtype="0" fill="hold" nodeType="withEffect">
+                                  <p:stCondLst>
+                                    <p:cond delay="0"/>
+                                  </p:stCondLst>
+                                  <p:childTnLst>
+                                    <p:set>
+                                      <p:cBhvr>
+                                        <p:cTn id="14" dur="1" fill="hold">
+                                          <p:stCondLst>
+                                            <p:cond delay="0"/>
+                                          </p:stCondLst>
+                                        </p:cTn>
+                                        <p:tgtEl>
+                                          <p:spTgt spid="9">
+                                            <p:txEl>
+                                              <p:pRg st="4" end="4"/>
+                                            </p:txEl>
+                                          </p:spTgt>
+                                        </p:tgtEl>
+                                        <p:attrNameLst>
+                                          <p:attrName>style.visibility</p:attrName>
+                                        </p:attrNameLst>
+                                      </p:cBhvr>
+                                      <p:to>
+                                        <p:strVal val="visible"/>
+                                      </p:to>
+                                    </p:set>
+                                  </p:childTnLst>
+                                </p:cTn>
+                              </p:par>
+                              <p:par>
+                                <p:cTn id="15" presetID="1" presetClass="entr" presetSubtype="0" fill="hold" nodeType="withEffect">
+                                  <p:stCondLst>
+                                    <p:cond delay="0"/>
+                                  </p:stCondLst>
+                                  <p:childTnLst>
+                                    <p:set>
+                                      <p:cBhvr>
+                                        <p:cTn id="16" dur="1" fill="hold">
+                                          <p:stCondLst>
+                                            <p:cond delay="0"/>
+                                          </p:stCondLst>
+                                        </p:cTn>
+                                        <p:tgtEl>
+                                          <p:spTgt spid="9">
+                                            <p:txEl>
+                                              <p:pRg st="5" end="5"/>
+                                            </p:txEl>
+                                          </p:spTgt>
+                                        </p:tgtEl>
+                                        <p:attrNameLst>
+                                          <p:attrName>style.visibility</p:attrName>
+                                        </p:attrNameLst>
+                                      </p:cBhvr>
+                                      <p:to>
+                                        <p:strVal val="visible"/>
+                                      </p:to>
+                                    </p:set>
+                                  </p:childTnLst>
+                                </p:cTn>
+                              </p:par>
+                              <p:par>
+                                <p:cTn id="17" presetID="1" presetClass="entr" presetSubtype="0" fill="hold" nodeType="withEffect">
+                                  <p:stCondLst>
+                                    <p:cond delay="0"/>
+                                  </p:stCondLst>
+                                  <p:childTnLst>
+                                    <p:set>
+                                      <p:cBhvr>
+                                        <p:cTn id="18" dur="1" fill="hold">
+                                          <p:stCondLst>
+                                            <p:cond delay="0"/>
+                                          </p:stCondLst>
+                                        </p:cTn>
+                                        <p:tgtEl>
+                                          <p:spTgt spid="9">
+                                            <p:txEl>
+                                              <p:pRg st="7" end="7"/>
+                                            </p:txEl>
+                                          </p:spTgt>
+                                        </p:tgtEl>
+                                        <p:attrNameLst>
+                                          <p:attrName>style.visibility</p:attrName>
+                                        </p:attrNameLst>
+                                      </p:cBhvr>
+                                      <p:to>
+                                        <p:strVal val="visible"/>
+                                      </p:to>
+                                    </p:set>
+                                  </p:childTnLst>
+                                </p:cTn>
+                              </p:par>
+                              <p:par>
+                                <p:cTn id="19" presetID="1" presetClass="entr" presetSubtype="0" fill="hold" nodeType="withEffect">
+                                  <p:stCondLst>
+                                    <p:cond delay="0"/>
+                                  </p:stCondLst>
+                                  <p:childTnLst>
+                                    <p:set>
+                                      <p:cBhvr>
+                                        <p:cTn id="20" dur="1" fill="hold">
+                                          <p:stCondLst>
+                                            <p:cond delay="0"/>
+                                          </p:stCondLst>
+                                        </p:cTn>
+                                        <p:tgtEl>
+                                          <p:spTgt spid="9">
+                                            <p:txEl>
+                                              <p:pRg st="9" end="9"/>
+                                            </p:txEl>
+                                          </p:spTgt>
+                                        </p:tgtEl>
+                                        <p:attrNameLst>
+                                          <p:attrName>style.visibility</p:attrName>
+                                        </p:attrNameLst>
+                                      </p:cBhvr>
+                                      <p:to>
+                                        <p:strVal val="visible"/>
+                                      </p:to>
+                                    </p:set>
+                                  </p:childTnLst>
+                                </p:cTn>
+                              </p:par>
+                            </p:childTnLst>
+                          </p:cTn>
+                        </p:par>
+                      </p:childTnLst>
+                    </p:cTn>
+                  </p:par>
+                </p:childTnLst>
+              </p:cTn>
+              <p:prevCondLst>
+                <p:cond evt="onPrev" delay="0">
+                  <p:tgtEl>
+                    <p:sldTgt/>
+                  </p:tgtEl>
+                </p:cond>
+              </p:prevCondLst>
+              <p:nextCondLst>
+                <p:cond evt="onNext" delay="0">
+                  <p:tgtEl>
+                    <p:sldTgt/>
+                  </p:tgtEl>
+                </p:cond>
+              </p:nextCondLst>
+            </p:seq>
+          </p:childTnLst>
+        </p:cTn>
+      </p:par>
+    </p:tnLst>
+  </p:timing>
+</p:sld>
+</file>
+
+<file path=ppt/slides/slide2.xml><?xml version="1.0" encoding="utf-8"?>
+<p:sld xmlns:a="http://schemas.openxmlformats.org/drawingml/2006/main" xmlns:r="http://schemas.openxmlformats.org/officeDocument/2006/relationships" xmlns:p="http://schemas.openxmlformats.org/presentationml/2006/main">
+  <p:cSld>
+    <p:spTree>
+      <p:nvGrpSpPr>
+        <p:cNvPr id="1" name=""/>
+        <p:cNvGrpSpPr/>
+        <p:nvPr/>
+      </p:nvGrpSpPr>
+      <p:grpSpPr>
+        <a:xfrm>
+          <a:off x="0" y="0"/>
+          <a:ext cx="0" cy="0"/>
+          <a:chOff x="0" y="0"/>
+          <a:chExt cx="0" cy="0"/>
+        </a:xfrm>
+      </p:grpSpPr>
+      <p:sp>
+        <p:nvSpPr>
+          <p:cNvPr id="2" name="Title 1">
+            <a:extLst>
+              <a:ext uri="{FF2B5EF4-FFF2-40B4-BE49-F238E27FC236}">
+                <a16:creationId xmlns:a16="http://schemas.microsoft.com/office/drawing/2014/main" id="{AA3A228F-61D0-D949-A5E7-F83756230BF8}"/>
+              </a:ext>
+            </a:extLst>
+          </p:cNvPr>
+          <p:cNvSpPr>
+            <a:spLocks noGrp="1"/>
+          </p:cNvSpPr>
+          <p:nvPr>
+            <p:ph type="title"/>
+          </p:nvPr>
+        </p:nvSpPr>
+        <p:spPr>
+          <a:xfrm>
+            <a:off x="483848" y="467027"/>
+            <a:ext cx="7053542" cy="683886"/>
+          </a:xfrm>
+        </p:spPr>
+        <p:txBody>
+          <a:bodyPr/>
+          <a:lstStyle/>
+          <a:p>
+            <a:r>
+              <a:rPr lang="en-US" dirty="0"/>
+              <a:t>Topics</a:t>
+            </a:r>
+          </a:p>
+        </p:txBody>
+      </p:sp>
+      <p:sp>
+        <p:nvSpPr>
+          <p:cNvPr id="9" name="Content Placeholder 8">
+            <a:extLst>
+              <a:ext uri="{FF2B5EF4-FFF2-40B4-BE49-F238E27FC236}">
+                <a16:creationId xmlns:a16="http://schemas.microsoft.com/office/drawing/2014/main" id="{E3B2E017-30B2-884B-A113-B419A2ED51AD}"/>
+              </a:ext>
+            </a:extLst>
+          </p:cNvPr>
+          <p:cNvSpPr>
+            <a:spLocks noGrp="1"/>
+          </p:cNvSpPr>
+          <p:nvPr>
+            <p:ph idx="1"/>
+          </p:nvPr>
+        </p:nvSpPr>
+        <p:spPr>
+          <a:xfrm>
+            <a:off x="483848" y="1288073"/>
+            <a:ext cx="8051725" cy="4303429"/>
+          </a:xfrm>
+        </p:spPr>
+        <p:txBody>
+          <a:bodyPr/>
+          <a:lstStyle/>
+          <a:p>
+            <a:pPr marL="0" indent="0">
+              <a:buNone/>
+            </a:pPr>
+            <a:endParaRPr lang="en-US" dirty="0">
+              <a:latin typeface="Gill Sans MT" panose="020B0502020104020203" pitchFamily="34" charset="77"/>
+            </a:endParaRPr>
+          </a:p>
+          <a:p>
+            <a:pPr marL="457200" indent="-457200">
+              <a:buAutoNum type="arabicParenR"/>
+            </a:pPr>
+            <a:endParaRPr lang="en-US" dirty="0">
+              <a:latin typeface="Gill Sans MT" panose="020B0502020104020203" pitchFamily="34" charset="77"/>
+            </a:endParaRPr>
+          </a:p>
+          <a:p>
+            <a:pPr marL="457200" indent="-457200">
+              <a:buAutoNum type="arabicParenR"/>
+            </a:pPr>
+            <a:r>
+              <a:rPr lang="en-US" dirty="0">
+                <a:latin typeface="Gill Sans MT" panose="020B0502020104020203" pitchFamily="34" charset="77"/>
+              </a:rPr>
+              <a:t>For Loops</a:t>
+            </a:r>
+          </a:p>
+          <a:p>
+            <a:pPr marL="0" indent="0">
+              <a:buNone/>
+            </a:pPr>
+            <a:endParaRPr lang="en-US" dirty="0">
+              <a:latin typeface="Gill Sans MT" panose="020B0502020104020203" pitchFamily="34" charset="77"/>
+            </a:endParaRPr>
+          </a:p>
+          <a:p>
+            <a:pPr marL="457200" indent="-457200">
+              <a:buAutoNum type="arabicParenR"/>
+            </a:pPr>
+            <a:endParaRPr lang="en-US" dirty="0">
+              <a:latin typeface="Gill Sans MT" panose="020B0502020104020203" pitchFamily="34" charset="77"/>
+            </a:endParaRPr>
+          </a:p>
+          <a:p>
+            <a:pPr marL="457200" indent="-457200">
+              <a:buAutoNum type="arabicParenR"/>
+            </a:pPr>
+            <a:endParaRPr lang="en-US" dirty="0">
+              <a:latin typeface="Gill Sans MT" panose="020B0502020104020203" pitchFamily="34" charset="77"/>
+            </a:endParaRPr>
+          </a:p>
+          <a:p>
+            <a:pPr marL="0" indent="0">
+              <a:buNone/>
+            </a:pPr>
+            <a:endParaRPr lang="en-US" dirty="0">
+              <a:latin typeface="Gill Sans MT" panose="020B0502020104020203" pitchFamily="34" charset="77"/>
+            </a:endParaRPr>
+          </a:p>
+          <a:p>
+            <a:pPr marL="0" indent="0">
+              <a:buNone/>
+            </a:pPr>
+            <a:endParaRPr lang="en-US" b="1" dirty="0">
+              <a:latin typeface="Gill Sans MT" panose="020B0502020104020203" pitchFamily="34" charset="77"/>
+            </a:endParaRPr>
+          </a:p>
+        </p:txBody>
+      </p:sp>
+      <p:sp>
+        <p:nvSpPr>
+          <p:cNvPr id="3" name="Slide Number Placeholder 2">
+            <a:extLst>
+              <a:ext uri="{FF2B5EF4-FFF2-40B4-BE49-F238E27FC236}">
+                <a16:creationId xmlns:a16="http://schemas.microsoft.com/office/drawing/2014/main" id="{8F528532-FC7A-DD4A-977A-7D4128889FD0}"/>
+              </a:ext>
+            </a:extLst>
+          </p:cNvPr>
+          <p:cNvSpPr>
+            <a:spLocks noGrp="1"/>
+          </p:cNvSpPr>
+          <p:nvPr>
+            <p:ph type="sldNum" sz="quarter" idx="12"/>
+          </p:nvPr>
+        </p:nvSpPr>
+        <p:spPr/>
+        <p:txBody>
+          <a:bodyPr/>
+          <a:lstStyle/>
+          <a:p>
+            <a:fld id="{D57F1E4F-1CFF-5643-939E-02111984F565}" type="slidenum">
+              <a:rPr lang="en-US" smtClean="0"/>
+              <a:t>2</a:t>
+            </a:fld>
+            <a:endParaRPr lang="en-US" dirty="0"/>
+          </a:p>
+        </p:txBody>
+      </p:sp>
+    </p:spTree>
+    <p:extLst>
+      <p:ext uri="{BB962C8B-B14F-4D97-AF65-F5344CB8AC3E}">
+        <p14:creationId xmlns:p14="http://schemas.microsoft.com/office/powerpoint/2010/main" val="131840209"/>
+      </p:ext>
+    </p:extLst>
+  </p:cSld>
+  <p:clrMapOvr>
+    <a:masterClrMapping/>
+  </p:clrMapOvr>
+</p:sld>
+</file>
+
+<file path=ppt/slides/slide20.xml><?xml version="1.0" encoding="utf-8"?>
+<p:sld xmlns:a="http://schemas.openxmlformats.org/drawingml/2006/main" xmlns:r="http://schemas.openxmlformats.org/officeDocument/2006/relationships" xmlns:p="http://schemas.openxmlformats.org/presentationml/2006/main">
+  <p:cSld>
+    <p:spTree>
+      <p:nvGrpSpPr>
+        <p:cNvPr id="1" name=""/>
+        <p:cNvGrpSpPr/>
+        <p:nvPr/>
+      </p:nvGrpSpPr>
+      <p:grpSpPr>
+        <a:xfrm>
+          <a:off x="0" y="0"/>
+          <a:ext cx="0" cy="0"/>
+          <a:chOff x="0" y="0"/>
+          <a:chExt cx="0" cy="0"/>
+        </a:xfrm>
+      </p:grpSpPr>
+      <p:sp>
+        <p:nvSpPr>
+          <p:cNvPr id="2" name="Title 1">
+            <a:extLst>
+              <a:ext uri="{FF2B5EF4-FFF2-40B4-BE49-F238E27FC236}">
+                <a16:creationId xmlns:a16="http://schemas.microsoft.com/office/drawing/2014/main" id="{035AFDDC-47A5-7E6C-A438-A84416CC2FFF}"/>
+              </a:ext>
+            </a:extLst>
+          </p:cNvPr>
+          <p:cNvSpPr>
+            <a:spLocks noGrp="1"/>
+          </p:cNvSpPr>
+          <p:nvPr>
+            <p:ph type="title"/>
+          </p:nvPr>
+        </p:nvSpPr>
+        <p:spPr>
+          <a:xfrm>
+            <a:off x="248506" y="196987"/>
+            <a:ext cx="7886700" cy="741087"/>
+          </a:xfrm>
+        </p:spPr>
+        <p:txBody>
+          <a:bodyPr/>
+          <a:lstStyle/>
+          <a:p>
+            <a:r>
+              <a:rPr lang="en-US"/>
+              <a:t>Looping Through Each Character</a:t>
+            </a:r>
+          </a:p>
+        </p:txBody>
+      </p:sp>
+      <p:sp>
+        <p:nvSpPr>
+          <p:cNvPr id="3" name="Content Placeholder 2">
+            <a:extLst>
+              <a:ext uri="{FF2B5EF4-FFF2-40B4-BE49-F238E27FC236}">
+                <a16:creationId xmlns:a16="http://schemas.microsoft.com/office/drawing/2014/main" id="{64B21269-347A-5DE5-CAE0-81E95539B2A3}"/>
+              </a:ext>
+            </a:extLst>
+          </p:cNvPr>
+          <p:cNvSpPr>
+            <a:spLocks noGrp="1"/>
+          </p:cNvSpPr>
+          <p:nvPr>
+            <p:ph idx="1"/>
+          </p:nvPr>
+        </p:nvSpPr>
+        <p:spPr>
+          <a:xfrm>
+            <a:off x="248506" y="938074"/>
+            <a:ext cx="8266844" cy="4209395"/>
+          </a:xfrm>
+        </p:spPr>
+        <p:txBody>
+          <a:bodyPr>
+            <a:normAutofit fontScale="92500" lnSpcReduction="10000"/>
+          </a:bodyPr>
+          <a:lstStyle/>
+          <a:p>
+            <a:pPr marL="0" indent="0">
+              <a:buNone/>
+            </a:pPr>
+            <a:r>
+              <a:rPr lang="en-US" dirty="0"/>
+              <a:t>Since each character of a string has index, we can use a loop to traverse a string. </a:t>
+            </a:r>
+            <a:endParaRPr lang="en-US" b="1" dirty="0">
+              <a:solidFill>
+                <a:srgbClr val="000087"/>
+              </a:solidFill>
+              <a:latin typeface="Inconsolata" panose="020B0609030003000000" pitchFamily="49" charset="77"/>
+            </a:endParaRPr>
+          </a:p>
+          <a:p>
+            <a:pPr marL="0" indent="0">
+              <a:buNone/>
+            </a:pPr>
+            <a:endParaRPr lang="en-US" b="1" dirty="0">
+              <a:solidFill>
+                <a:srgbClr val="000087"/>
+              </a:solidFill>
+              <a:latin typeface="Inconsolata" panose="020B0609030003000000" pitchFamily="49" charset="77"/>
+            </a:endParaRPr>
+          </a:p>
+          <a:p>
+            <a:pPr marL="0" indent="0">
+              <a:buNone/>
+            </a:pPr>
+            <a:r>
+              <a:rPr lang="en-US" b="1" dirty="0">
+                <a:solidFill>
+                  <a:srgbClr val="000087"/>
+                </a:solidFill>
+                <a:latin typeface="Inconsolata" panose="020B0609030003000000" pitchFamily="49" charset="77"/>
+              </a:rPr>
+              <a:t>message = </a:t>
+            </a:r>
+            <a:r>
+              <a:rPr lang="en-US" b="1" dirty="0">
+                <a:solidFill>
+                  <a:srgbClr val="CC3300"/>
+                </a:solidFill>
+                <a:latin typeface="Inconsolata" panose="020B0609030003000000" pitchFamily="49" charset="77"/>
+              </a:rPr>
+              <a:t>"hello"</a:t>
+            </a:r>
+            <a:r>
+              <a:rPr lang="en-US" dirty="0">
+                <a:solidFill>
+                  <a:srgbClr val="CC3300"/>
+                </a:solidFill>
+                <a:latin typeface="UbuntuMono"/>
+              </a:rPr>
+              <a:t> </a:t>
+            </a:r>
+          </a:p>
+          <a:p>
+            <a:pPr marL="0" indent="0">
+              <a:buNone/>
+            </a:pPr>
+            <a:r>
+              <a:rPr lang="en-US" b="1" dirty="0">
+                <a:solidFill>
+                  <a:srgbClr val="006699"/>
+                </a:solidFill>
+                <a:latin typeface="Inconsolata" panose="020B0609030003000000" pitchFamily="49" charset="77"/>
+              </a:rPr>
+              <a:t>for </a:t>
+            </a:r>
+            <a:r>
+              <a:rPr lang="en-US" b="1" dirty="0" err="1">
+                <a:solidFill>
+                  <a:srgbClr val="000087"/>
+                </a:solidFill>
+                <a:latin typeface="Inconsolata" panose="020B0609030003000000" pitchFamily="49" charset="77"/>
+              </a:rPr>
+              <a:t>i</a:t>
+            </a:r>
+            <a:r>
+              <a:rPr lang="en-US" b="1" dirty="0">
+                <a:solidFill>
+                  <a:srgbClr val="000087"/>
+                </a:solidFill>
+                <a:latin typeface="Inconsolata" panose="020B0609030003000000" pitchFamily="49" charset="77"/>
+              </a:rPr>
+              <a:t> </a:t>
+            </a:r>
+            <a:r>
+              <a:rPr lang="en-US" b="1" dirty="0">
+                <a:latin typeface="Inconsolata" panose="020B0609030003000000" pitchFamily="49" charset="77"/>
+              </a:rPr>
+              <a:t>in </a:t>
+            </a:r>
+            <a:r>
+              <a:rPr lang="en-US" b="1" dirty="0">
+                <a:solidFill>
+                  <a:srgbClr val="336666"/>
+                </a:solidFill>
+                <a:latin typeface="Inconsolata" panose="020B0609030003000000" pitchFamily="49" charset="77"/>
+              </a:rPr>
+              <a:t>range</a:t>
+            </a:r>
+            <a:r>
+              <a:rPr lang="en-US" b="1" dirty="0">
+                <a:latin typeface="Inconsolata" panose="020B0609030003000000" pitchFamily="49" charset="77"/>
+              </a:rPr>
+              <a:t>(len(message)):</a:t>
+            </a:r>
+          </a:p>
+          <a:p>
+            <a:pPr marL="0" indent="0">
+              <a:buNone/>
+            </a:pPr>
+            <a:r>
+              <a:rPr lang="en-US" b="1" dirty="0">
+                <a:latin typeface="Inconsolata" panose="020B0609030003000000" pitchFamily="49" charset="77"/>
+              </a:rPr>
+              <a:t>	print(message[i])</a:t>
+            </a:r>
+          </a:p>
+          <a:p>
+            <a:pPr marL="0" indent="0">
+              <a:buNone/>
+            </a:pPr>
+            <a:endParaRPr lang="en-US" dirty="0">
+              <a:solidFill>
+                <a:srgbClr val="CC3300"/>
+              </a:solidFill>
+              <a:latin typeface="UbuntuMono"/>
+            </a:endParaRPr>
+          </a:p>
+          <a:p>
+            <a:pPr marL="0" indent="0">
+              <a:buNone/>
+            </a:pPr>
+            <a:r>
+              <a:rPr lang="en-US" dirty="0">
+                <a:latin typeface="UbuntuMono"/>
+              </a:rPr>
+              <a:t>Output:</a:t>
+            </a:r>
+          </a:p>
+          <a:p>
+            <a:pPr marL="0" indent="0">
+              <a:buNone/>
+            </a:pPr>
+            <a:r>
+              <a:rPr lang="en-US" dirty="0">
+                <a:latin typeface="UbuntuMono"/>
+              </a:rPr>
+              <a:t>h</a:t>
+            </a:r>
+          </a:p>
+          <a:p>
+            <a:pPr marL="0" indent="0">
+              <a:buNone/>
+            </a:pPr>
+            <a:r>
+              <a:rPr lang="en-US" dirty="0">
+                <a:latin typeface="UbuntuMono"/>
+              </a:rPr>
+              <a:t>e</a:t>
+            </a:r>
+          </a:p>
+          <a:p>
+            <a:pPr marL="0" indent="0">
+              <a:buNone/>
+            </a:pPr>
+            <a:r>
+              <a:rPr lang="en-US" dirty="0">
+                <a:latin typeface="UbuntuMono"/>
+              </a:rPr>
+              <a:t>l</a:t>
+            </a:r>
+          </a:p>
+          <a:p>
+            <a:pPr marL="0" indent="0">
+              <a:buNone/>
+            </a:pPr>
+            <a:r>
+              <a:rPr lang="en-US" dirty="0">
+                <a:latin typeface="UbuntuMono"/>
+              </a:rPr>
+              <a:t>l</a:t>
+            </a:r>
+          </a:p>
+          <a:p>
+            <a:pPr marL="0" indent="0">
+              <a:buNone/>
+            </a:pPr>
+            <a:r>
+              <a:rPr lang="en-US" dirty="0">
+                <a:latin typeface="UbuntuMono"/>
+              </a:rPr>
+              <a:t>o</a:t>
+            </a:r>
+          </a:p>
+        </p:txBody>
+      </p:sp>
+      <p:sp>
+        <p:nvSpPr>
+          <p:cNvPr id="4" name="Slide Number Placeholder 3">
+            <a:extLst>
+              <a:ext uri="{FF2B5EF4-FFF2-40B4-BE49-F238E27FC236}">
+                <a16:creationId xmlns:a16="http://schemas.microsoft.com/office/drawing/2014/main" id="{46C5300A-D6D2-2C54-C1AA-37C013FF79FC}"/>
+              </a:ext>
+            </a:extLst>
+          </p:cNvPr>
+          <p:cNvSpPr>
+            <a:spLocks noGrp="1"/>
+          </p:cNvSpPr>
+          <p:nvPr>
+            <p:ph type="sldNum" sz="quarter" idx="12"/>
+          </p:nvPr>
+        </p:nvSpPr>
+        <p:spPr/>
+        <p:txBody>
+          <a:bodyPr/>
+          <a:lstStyle/>
+          <a:p>
+            <a:fld id="{D57F1E4F-1CFF-5643-939E-02111984F565}" type="slidenum">
+              <a:rPr lang="en-US" smtClean="0"/>
+              <a:t>20</a:t>
+            </a:fld>
+            <a:endParaRPr lang="en-US" dirty="0"/>
+          </a:p>
+        </p:txBody>
+      </p:sp>
+    </p:spTree>
+    <p:extLst>
+      <p:ext uri="{BB962C8B-B14F-4D97-AF65-F5344CB8AC3E}">
+        <p14:creationId xmlns:p14="http://schemas.microsoft.com/office/powerpoint/2010/main" val="2164548058"/>
+      </p:ext>
+    </p:extLst>
+  </p:cSld>
+  <p:clrMapOvr>
+    <a:masterClrMapping/>
+  </p:clrMapOvr>
+</p:sld>
+</file>
+
+<file path=ppt/slides/slide21.xml><?xml version="1.0" encoding="utf-8"?>
+<p:sld xmlns:a="http://schemas.openxmlformats.org/drawingml/2006/main" xmlns:r="http://schemas.openxmlformats.org/officeDocument/2006/relationships" xmlns:p="http://schemas.openxmlformats.org/presentationml/2006/main">
+  <p:cSld>
+    <p:spTree>
+      <p:nvGrpSpPr>
+        <p:cNvPr id="1" name=""/>
+        <p:cNvGrpSpPr/>
+        <p:nvPr/>
+      </p:nvGrpSpPr>
+      <p:grpSpPr>
+        <a:xfrm>
+          <a:off x="0" y="0"/>
+          <a:ext cx="0" cy="0"/>
+          <a:chOff x="0" y="0"/>
+          <a:chExt cx="0" cy="0"/>
+        </a:xfrm>
+      </p:grpSpPr>
+      <p:sp>
+        <p:nvSpPr>
+          <p:cNvPr id="2" name="Title 1">
+            <a:extLst>
+              <a:ext uri="{FF2B5EF4-FFF2-40B4-BE49-F238E27FC236}">
+                <a16:creationId xmlns:a16="http://schemas.microsoft.com/office/drawing/2014/main" id="{AA3A228F-61D0-D949-A5E7-F83756230BF8}"/>
+              </a:ext>
+            </a:extLst>
+          </p:cNvPr>
+          <p:cNvSpPr>
+            <a:spLocks noGrp="1"/>
+          </p:cNvSpPr>
+          <p:nvPr>
+            <p:ph type="title"/>
+          </p:nvPr>
+        </p:nvSpPr>
+        <p:spPr>
+          <a:xfrm>
+            <a:off x="217630" y="270258"/>
+            <a:ext cx="7053542" cy="683886"/>
+          </a:xfrm>
+        </p:spPr>
+        <p:txBody>
+          <a:bodyPr/>
+          <a:lstStyle/>
+          <a:p>
+            <a:r>
+              <a:rPr lang="en-US" dirty="0"/>
+              <a:t>Slicing</a:t>
+            </a:r>
+          </a:p>
+        </p:txBody>
+      </p:sp>
+      <p:sp>
+        <p:nvSpPr>
+          <p:cNvPr id="9" name="Content Placeholder 8">
+            <a:extLst>
+              <a:ext uri="{FF2B5EF4-FFF2-40B4-BE49-F238E27FC236}">
+                <a16:creationId xmlns:a16="http://schemas.microsoft.com/office/drawing/2014/main" id="{E3B2E017-30B2-884B-A113-B419A2ED51AD}"/>
+              </a:ext>
+            </a:extLst>
+          </p:cNvPr>
+          <p:cNvSpPr>
+            <a:spLocks noGrp="1"/>
+          </p:cNvSpPr>
+          <p:nvPr>
+            <p:ph idx="1"/>
+          </p:nvPr>
+        </p:nvSpPr>
+        <p:spPr>
+          <a:xfrm>
+            <a:off x="217630" y="954144"/>
+            <a:ext cx="8317943" cy="4637359"/>
+          </a:xfrm>
+        </p:spPr>
+        <p:txBody>
+          <a:bodyPr>
+            <a:noAutofit/>
+          </a:bodyPr>
+          <a:lstStyle/>
+          <a:p>
+            <a:pPr marL="0" indent="0">
+              <a:buNone/>
+            </a:pPr>
+            <a:r>
+              <a:rPr lang="en-US" dirty="0"/>
+              <a:t>We can also “slice” a string, specifying a start-index and stop-index, and return a subsequence of the items contained within the slice. </a:t>
+            </a:r>
+          </a:p>
+          <a:p>
+            <a:pPr marL="0" indent="0">
+              <a:buNone/>
+            </a:pPr>
+            <a:endParaRPr lang="en-US" dirty="0"/>
+          </a:p>
+          <a:p>
+            <a:pPr marL="0" indent="0">
+              <a:buNone/>
+            </a:pPr>
+            <a:r>
+              <a:rPr lang="en-US" dirty="0"/>
+              <a:t>Slicing is a very important indexing scheme that we will see many times in other data structures(lists, tuples, strings, </a:t>
+            </a:r>
+            <a:r>
+              <a:rPr lang="en-US" dirty="0" err="1"/>
+              <a:t>Numpy's</a:t>
+            </a:r>
+            <a:r>
+              <a:rPr lang="en-US" dirty="0"/>
+              <a:t> arrays, Panda's data frames, etc..). Slicing can be done using the syntax:</a:t>
+            </a:r>
+            <a:endParaRPr lang="en-US" b="1" dirty="0">
+              <a:solidFill>
+                <a:srgbClr val="000087"/>
+              </a:solidFill>
+              <a:latin typeface="Inconsolata" panose="020B0609030003000000" pitchFamily="49" charset="77"/>
+            </a:endParaRPr>
+          </a:p>
+          <a:p>
+            <a:pPr marL="0" indent="0" algn="ctr">
+              <a:buNone/>
+            </a:pPr>
+            <a:r>
+              <a:rPr lang="en-US" b="1" dirty="0" err="1">
+                <a:solidFill>
+                  <a:srgbClr val="000087"/>
+                </a:solidFill>
+                <a:latin typeface="Inconsolata" panose="020B0609030003000000" pitchFamily="49" charset="77"/>
+              </a:rPr>
+              <a:t>some_string</a:t>
+            </a:r>
+            <a:r>
+              <a:rPr lang="en-US" b="1" dirty="0">
+                <a:solidFill>
+                  <a:srgbClr val="000087"/>
+                </a:solidFill>
+                <a:latin typeface="Inconsolata" panose="020B0609030003000000" pitchFamily="49" charset="77"/>
+              </a:rPr>
+              <a:t>[</a:t>
+            </a:r>
+            <a:r>
+              <a:rPr lang="en-US" b="1" dirty="0" err="1">
+                <a:solidFill>
+                  <a:srgbClr val="000087"/>
+                </a:solidFill>
+                <a:latin typeface="Inconsolata" panose="020B0609030003000000" pitchFamily="49" charset="77"/>
+              </a:rPr>
+              <a:t>start:stop:step</a:t>
+            </a:r>
+            <a:r>
+              <a:rPr lang="en-US" b="1" dirty="0">
+                <a:solidFill>
+                  <a:srgbClr val="000087"/>
+                </a:solidFill>
+                <a:latin typeface="Inconsolata" panose="020B0609030003000000" pitchFamily="49" charset="77"/>
+              </a:rPr>
+              <a:t>]</a:t>
+            </a:r>
+          </a:p>
+          <a:p>
+            <a:pPr marL="0" indent="0">
+              <a:buNone/>
+            </a:pPr>
+            <a:r>
+              <a:rPr lang="en-US" dirty="0">
+                <a:latin typeface="Gill Sans MT" panose="020B0502020104020203" pitchFamily="34" charset="77"/>
+              </a:rPr>
+              <a:t>where</a:t>
+            </a:r>
+          </a:p>
+          <a:p>
+            <a:pPr marL="0" indent="0">
+              <a:buNone/>
+            </a:pPr>
+            <a:r>
+              <a:rPr lang="en-US" dirty="0">
+                <a:latin typeface="Gill Sans MT" panose="020B0502020104020203" pitchFamily="34" charset="77"/>
+              </a:rPr>
+              <a:t>start: index of beginning of the slice(included), default is 0</a:t>
+            </a:r>
+          </a:p>
+          <a:p>
+            <a:pPr marL="0" indent="0">
+              <a:buNone/>
+            </a:pPr>
+            <a:r>
+              <a:rPr lang="en-US" dirty="0">
+                <a:latin typeface="Gill Sans MT" panose="020B0502020104020203" pitchFamily="34" charset="77"/>
+              </a:rPr>
+              <a:t>stop:  index of the end of the slice(excluded), default is length of string</a:t>
+            </a:r>
+          </a:p>
+          <a:p>
+            <a:pPr marL="0" indent="0">
+              <a:buNone/>
+            </a:pPr>
+            <a:r>
+              <a:rPr lang="en-US" dirty="0">
+                <a:latin typeface="Gill Sans MT" panose="020B0502020104020203" pitchFamily="34" charset="77"/>
+              </a:rPr>
+              <a:t>step: increment size at each step, default is 1.</a:t>
+            </a:r>
+          </a:p>
+          <a:p>
+            <a:pPr marL="0" indent="0">
+              <a:buNone/>
+            </a:pPr>
+            <a:endParaRPr lang="en-US" b="1" dirty="0">
+              <a:latin typeface="Inconsolata" panose="020B0609030003000000" pitchFamily="49" charset="77"/>
+            </a:endParaRPr>
+          </a:p>
+          <a:p>
+            <a:pPr marL="0" indent="0">
+              <a:buNone/>
+            </a:pPr>
+            <a:r>
+              <a:rPr lang="en-US" b="1" dirty="0">
+                <a:latin typeface="Inconsolata" panose="020B0609030003000000" pitchFamily="49" charset="77"/>
+              </a:rPr>
+              <a:t> </a:t>
+            </a:r>
+          </a:p>
+          <a:p>
+            <a:pPr marL="0" indent="0">
+              <a:buNone/>
+            </a:pPr>
+            <a:endParaRPr lang="en-US" b="1" dirty="0">
+              <a:latin typeface="Inconsolata" panose="020B0609030003000000" pitchFamily="49" charset="77"/>
+            </a:endParaRPr>
+          </a:p>
+          <a:p>
+            <a:pPr marL="0" indent="0">
+              <a:buNone/>
+            </a:pPr>
+            <a:endParaRPr lang="en-US" b="1" dirty="0">
+              <a:latin typeface="Inconsolata" panose="020B0609030003000000" pitchFamily="49" charset="77"/>
+            </a:endParaRPr>
+          </a:p>
+          <a:p>
+            <a:pPr marL="0" indent="0">
+              <a:buNone/>
+            </a:pPr>
+            <a:endParaRPr lang="en-US" b="1" dirty="0">
+              <a:latin typeface="Inconsolata" panose="020B0609030003000000" pitchFamily="49" charset="77"/>
+            </a:endParaRPr>
+          </a:p>
+          <a:p>
+            <a:pPr marL="0" indent="0">
+              <a:buNone/>
+            </a:pPr>
+            <a:endParaRPr lang="en-US" b="1" dirty="0">
+              <a:latin typeface="Inconsolata" panose="020B0609030003000000" pitchFamily="49" charset="77"/>
+            </a:endParaRPr>
+          </a:p>
+          <a:p>
+            <a:pPr marL="0" indent="0">
+              <a:buNone/>
+            </a:pPr>
+            <a:endParaRPr lang="en-US" b="1" dirty="0">
+              <a:latin typeface="Inconsolata" panose="020B0609030003000000" pitchFamily="49" charset="77"/>
+            </a:endParaRPr>
+          </a:p>
+          <a:p>
+            <a:pPr marL="0" indent="0">
+              <a:buNone/>
+            </a:pPr>
+            <a:r>
+              <a:rPr lang="en-US" b="1" dirty="0">
+                <a:latin typeface="Inconsolata" panose="020B0609030003000000" pitchFamily="49" charset="77"/>
+              </a:rPr>
+              <a:t> </a:t>
+            </a:r>
+          </a:p>
+          <a:p>
+            <a:pPr marL="0" indent="0">
+              <a:buNone/>
+            </a:pPr>
+            <a:endParaRPr lang="en-US" b="1" dirty="0">
+              <a:latin typeface="Inconsolata" panose="020B0609030003000000" pitchFamily="49" charset="77"/>
+            </a:endParaRPr>
+          </a:p>
+          <a:p>
+            <a:pPr marL="0" indent="0">
+              <a:buNone/>
+            </a:pPr>
+            <a:endParaRPr lang="en-US" b="1" dirty="0">
+              <a:latin typeface="Inconsolata" panose="020B0609030003000000" pitchFamily="49" charset="77"/>
+            </a:endParaRPr>
+          </a:p>
+        </p:txBody>
+      </p:sp>
+    </p:spTree>
+    <p:extLst>
+      <p:ext uri="{BB962C8B-B14F-4D97-AF65-F5344CB8AC3E}">
+        <p14:creationId xmlns:p14="http://schemas.microsoft.com/office/powerpoint/2010/main" val="1114720448"/>
+      </p:ext>
+    </p:extLst>
+  </p:cSld>
+  <p:clrMapOvr>
+    <a:masterClrMapping/>
+  </p:clrMapOvr>
+  <p:timing>
+    <p:tnLst>
+      <p:par>
+        <p:cTn id="1" dur="indefinite" restart="never" nodeType="tmRoot">
+          <p:childTnLst>
+            <p:seq concurrent="1" nextAc="seek">
+              <p:cTn id="2" dur="indefinite" nodeType="mainSeq">
+                <p:childTnLst>
+                  <p:par>
+                    <p:cTn id="3" fill="hold">
+                      <p:stCondLst>
+                        <p:cond delay="indefinite"/>
+                      </p:stCondLst>
+                      <p:childTnLst>
+                        <p:par>
+                          <p:cTn id="4" fill="hold">
+                            <p:stCondLst>
+                              <p:cond delay="0"/>
+                            </p:stCondLst>
+                            <p:childTnLst>
+                              <p:par>
+                                <p:cTn id="5" presetID="1" presetClass="entr" presetSubtype="0" fill="hold" nodeType="clickEffect">
+                                  <p:stCondLst>
+                                    <p:cond delay="0"/>
+                                  </p:stCondLst>
+                                  <p:childTnLst>
+                                    <p:set>
+                                      <p:cBhvr>
+                                        <p:cTn id="6" dur="1" fill="hold">
+                                          <p:stCondLst>
+                                            <p:cond delay="0"/>
+                                          </p:stCondLst>
+                                        </p:cTn>
+                                        <p:tgtEl>
+                                          <p:spTgt spid="9">
+                                            <p:txEl>
+                                              <p:pRg st="2" end="2"/>
+                                            </p:txEl>
+                                          </p:spTgt>
+                                        </p:tgtEl>
+                                        <p:attrNameLst>
+                                          <p:attrName>style.visibility</p:attrName>
+                                        </p:attrNameLst>
+                                      </p:cBhvr>
+                                      <p:to>
+                                        <p:strVal val="visible"/>
+                                      </p:to>
+                                    </p:set>
+                                  </p:childTnLst>
+                                </p:cTn>
+                              </p:par>
+                            </p:childTnLst>
+                          </p:cTn>
+                        </p:par>
+                      </p:childTnLst>
+                    </p:cTn>
+                  </p:par>
+                  <p:par>
+                    <p:cTn id="7" fill="hold">
+                      <p:stCondLst>
+                        <p:cond delay="indefinite"/>
+                      </p:stCondLst>
+                      <p:childTnLst>
+                        <p:par>
+                          <p:cTn id="8" fill="hold">
+                            <p:stCondLst>
+                              <p:cond delay="0"/>
+                            </p:stCondLst>
+                            <p:childTnLst>
+                              <p:par>
+                                <p:cTn id="9" presetID="1" presetClass="entr" presetSubtype="0" fill="hold" nodeType="clickEffect">
+                                  <p:stCondLst>
+                                    <p:cond delay="0"/>
+                                  </p:stCondLst>
+                                  <p:childTnLst>
+                                    <p:set>
+                                      <p:cBhvr>
+                                        <p:cTn id="10" dur="1" fill="hold">
+                                          <p:stCondLst>
+                                            <p:cond delay="0"/>
+                                          </p:stCondLst>
+                                        </p:cTn>
+                                        <p:tgtEl>
+                                          <p:spTgt spid="9">
+                                            <p:txEl>
+                                              <p:pRg st="3" end="3"/>
+                                            </p:txEl>
+                                          </p:spTgt>
+                                        </p:tgtEl>
+                                        <p:attrNameLst>
+                                          <p:attrName>style.visibility</p:attrName>
+                                        </p:attrNameLst>
+                                      </p:cBhvr>
+                                      <p:to>
+                                        <p:strVal val="visible"/>
+                                      </p:to>
+                                    </p:set>
+                                  </p:childTnLst>
+                                </p:cTn>
+                              </p:par>
+                              <p:par>
+                                <p:cTn id="11" presetID="1" presetClass="entr" presetSubtype="0" fill="hold" nodeType="withEffect">
+                                  <p:stCondLst>
+                                    <p:cond delay="0"/>
+                                  </p:stCondLst>
+                                  <p:childTnLst>
+                                    <p:set>
+                                      <p:cBhvr>
+                                        <p:cTn id="12" dur="1" fill="hold">
+                                          <p:stCondLst>
+                                            <p:cond delay="0"/>
+                                          </p:stCondLst>
+                                        </p:cTn>
+                                        <p:tgtEl>
+                                          <p:spTgt spid="9">
+                                            <p:txEl>
+                                              <p:pRg st="4" end="4"/>
+                                            </p:txEl>
+                                          </p:spTgt>
+                                        </p:tgtEl>
+                                        <p:attrNameLst>
+                                          <p:attrName>style.visibility</p:attrName>
+                                        </p:attrNameLst>
+                                      </p:cBhvr>
+                                      <p:to>
+                                        <p:strVal val="visible"/>
+                                      </p:to>
+                                    </p:set>
+                                  </p:childTnLst>
+                                </p:cTn>
+                              </p:par>
+                              <p:par>
+                                <p:cTn id="13" presetID="1" presetClass="entr" presetSubtype="0" fill="hold" nodeType="withEffect">
+                                  <p:stCondLst>
+                                    <p:cond delay="0"/>
+                                  </p:stCondLst>
+                                  <p:childTnLst>
+                                    <p:set>
+                                      <p:cBhvr>
+                                        <p:cTn id="14" dur="1" fill="hold">
+                                          <p:stCondLst>
+                                            <p:cond delay="0"/>
+                                          </p:stCondLst>
+                                        </p:cTn>
+                                        <p:tgtEl>
+                                          <p:spTgt spid="9">
+                                            <p:txEl>
+                                              <p:pRg st="5" end="5"/>
+                                            </p:txEl>
+                                          </p:spTgt>
+                                        </p:tgtEl>
+                                        <p:attrNameLst>
+                                          <p:attrName>style.visibility</p:attrName>
+                                        </p:attrNameLst>
+                                      </p:cBhvr>
+                                      <p:to>
+                                        <p:strVal val="visible"/>
+                                      </p:to>
+                                    </p:set>
+                                  </p:childTnLst>
+                                </p:cTn>
+                              </p:par>
+                              <p:par>
+                                <p:cTn id="15" presetID="1" presetClass="entr" presetSubtype="0" fill="hold" nodeType="withEffect">
+                                  <p:stCondLst>
+                                    <p:cond delay="0"/>
+                                  </p:stCondLst>
+                                  <p:childTnLst>
+                                    <p:set>
+                                      <p:cBhvr>
+                                        <p:cTn id="16" dur="1" fill="hold">
+                                          <p:stCondLst>
+                                            <p:cond delay="0"/>
+                                          </p:stCondLst>
+                                        </p:cTn>
+                                        <p:tgtEl>
+                                          <p:spTgt spid="9">
+                                            <p:txEl>
+                                              <p:pRg st="6" end="6"/>
+                                            </p:txEl>
+                                          </p:spTgt>
+                                        </p:tgtEl>
+                                        <p:attrNameLst>
+                                          <p:attrName>style.visibility</p:attrName>
+                                        </p:attrNameLst>
+                                      </p:cBhvr>
+                                      <p:to>
+                                        <p:strVal val="visible"/>
+                                      </p:to>
+                                    </p:set>
+                                  </p:childTnLst>
+                                </p:cTn>
+                              </p:par>
+                              <p:par>
+                                <p:cTn id="17" presetID="1" presetClass="entr" presetSubtype="0" fill="hold" nodeType="withEffect">
+                                  <p:stCondLst>
+                                    <p:cond delay="0"/>
+                                  </p:stCondLst>
+                                  <p:childTnLst>
+                                    <p:set>
+                                      <p:cBhvr>
+                                        <p:cTn id="18" dur="1" fill="hold">
+                                          <p:stCondLst>
+                                            <p:cond delay="0"/>
+                                          </p:stCondLst>
+                                        </p:cTn>
+                                        <p:tgtEl>
+                                          <p:spTgt spid="9">
+                                            <p:txEl>
+                                              <p:pRg st="7" end="7"/>
+                                            </p:txEl>
+                                          </p:spTgt>
+                                        </p:tgtEl>
+                                        <p:attrNameLst>
+                                          <p:attrName>style.visibility</p:attrName>
+                                        </p:attrNameLst>
+                                      </p:cBhvr>
+                                      <p:to>
+                                        <p:strVal val="visible"/>
+                                      </p:to>
+                                    </p:set>
+                                  </p:childTnLst>
+                                </p:cTn>
+                              </p:par>
+                            </p:childTnLst>
+                          </p:cTn>
+                        </p:par>
+                      </p:childTnLst>
+                    </p:cTn>
+                  </p:par>
+                </p:childTnLst>
+              </p:cTn>
+              <p:prevCondLst>
+                <p:cond evt="onPrev" delay="0">
+                  <p:tgtEl>
+                    <p:sldTgt/>
+                  </p:tgtEl>
+                </p:cond>
+              </p:prevCondLst>
+              <p:nextCondLst>
+                <p:cond evt="onNext" delay="0">
+                  <p:tgtEl>
+                    <p:sldTgt/>
+                  </p:tgtEl>
+                </p:cond>
+              </p:nextCondLst>
+            </p:seq>
+          </p:childTnLst>
+        </p:cTn>
+      </p:par>
+    </p:tnLst>
+  </p:timing>
+</p:sld>
+</file>
+
+<file path=ppt/slides/slide22.xml><?xml version="1.0" encoding="utf-8"?>
+<p:sld xmlns:a="http://schemas.openxmlformats.org/drawingml/2006/main" xmlns:r="http://schemas.openxmlformats.org/officeDocument/2006/relationships" xmlns:p="http://schemas.openxmlformats.org/presentationml/2006/main">
+  <p:cSld>
+    <p:spTree>
+      <p:nvGrpSpPr>
+        <p:cNvPr id="1" name=""/>
+        <p:cNvGrpSpPr/>
+        <p:nvPr/>
+      </p:nvGrpSpPr>
+      <p:grpSpPr>
+        <a:xfrm>
+          <a:off x="0" y="0"/>
+          <a:ext cx="0" cy="0"/>
+          <a:chOff x="0" y="0"/>
+          <a:chExt cx="0" cy="0"/>
+        </a:xfrm>
+      </p:grpSpPr>
+      <p:sp>
+        <p:nvSpPr>
+          <p:cNvPr id="2" name="Title 1">
+            <a:extLst>
+              <a:ext uri="{FF2B5EF4-FFF2-40B4-BE49-F238E27FC236}">
+                <a16:creationId xmlns:a16="http://schemas.microsoft.com/office/drawing/2014/main" id="{AA3A228F-61D0-D949-A5E7-F83756230BF8}"/>
+              </a:ext>
+            </a:extLst>
+          </p:cNvPr>
+          <p:cNvSpPr>
+            <a:spLocks noGrp="1"/>
+          </p:cNvSpPr>
+          <p:nvPr>
+            <p:ph type="title"/>
+          </p:nvPr>
+        </p:nvSpPr>
+        <p:spPr>
+          <a:xfrm>
+            <a:off x="196172" y="123497"/>
+            <a:ext cx="7053542" cy="683886"/>
+          </a:xfrm>
+        </p:spPr>
+        <p:txBody>
+          <a:bodyPr/>
+          <a:lstStyle/>
+          <a:p>
+            <a:r>
+              <a:rPr lang="en-US" dirty="0"/>
+              <a:t>Slicing</a:t>
+            </a:r>
+          </a:p>
+        </p:txBody>
+      </p:sp>
+      <p:sp>
+        <p:nvSpPr>
+          <p:cNvPr id="9" name="Content Placeholder 8">
+            <a:extLst>
+              <a:ext uri="{FF2B5EF4-FFF2-40B4-BE49-F238E27FC236}">
+                <a16:creationId xmlns:a16="http://schemas.microsoft.com/office/drawing/2014/main" id="{E3B2E017-30B2-884B-A113-B419A2ED51AD}"/>
+              </a:ext>
+            </a:extLst>
+          </p:cNvPr>
+          <p:cNvSpPr>
+            <a:spLocks noGrp="1"/>
+          </p:cNvSpPr>
+          <p:nvPr>
+            <p:ph idx="1"/>
+          </p:nvPr>
+        </p:nvSpPr>
+        <p:spPr>
+          <a:xfrm>
+            <a:off x="196172" y="807383"/>
+            <a:ext cx="8814264" cy="4784120"/>
+          </a:xfrm>
+        </p:spPr>
+        <p:txBody>
+          <a:bodyPr>
+            <a:noAutofit/>
+          </a:bodyPr>
+          <a:lstStyle/>
+          <a:p>
+            <a:pPr marL="0" indent="0">
+              <a:buNone/>
+            </a:pPr>
+            <a:r>
+              <a:rPr lang="en-US" sz="1900" b="1" dirty="0">
+                <a:solidFill>
+                  <a:srgbClr val="000087"/>
+                </a:solidFill>
+                <a:latin typeface="Inconsolata" panose="020B0609030003000000" pitchFamily="49" charset="77"/>
+              </a:rPr>
+              <a:t>language = </a:t>
+            </a:r>
+            <a:r>
+              <a:rPr lang="en-US" sz="2000" dirty="0">
+                <a:solidFill>
+                  <a:srgbClr val="CC3300"/>
+                </a:solidFill>
+                <a:latin typeface="UbuntuMono"/>
+              </a:rPr>
+              <a:t>"python" </a:t>
+            </a:r>
+            <a:endParaRPr lang="en-US" sz="1900" b="1" dirty="0">
+              <a:latin typeface="Inconsolata" panose="020B0609030003000000" pitchFamily="49" charset="77"/>
+            </a:endParaRPr>
+          </a:p>
+          <a:p>
+            <a:pPr marL="0" indent="0">
+              <a:buNone/>
+            </a:pPr>
+            <a:r>
+              <a:rPr lang="en-US" sz="1900" b="1" dirty="0">
+                <a:solidFill>
+                  <a:srgbClr val="000087"/>
+                </a:solidFill>
+                <a:latin typeface="Inconsolata" panose="020B0609030003000000" pitchFamily="49" charset="77"/>
+              </a:rPr>
+              <a:t>print(language</a:t>
+            </a:r>
+            <a:r>
+              <a:rPr lang="en-US" sz="1900" b="1" dirty="0">
+                <a:latin typeface="Inconsolata" panose="020B0609030003000000" pitchFamily="49" charset="77"/>
+              </a:rPr>
+              <a:t>[</a:t>
+            </a:r>
+            <a:r>
+              <a:rPr lang="en-US" sz="1900" b="1" dirty="0">
+                <a:solidFill>
+                  <a:srgbClr val="FF6600"/>
+                </a:solidFill>
+                <a:latin typeface="Inconsolata" panose="020B0609030003000000" pitchFamily="49" charset="77"/>
+              </a:rPr>
+              <a:t>0:4</a:t>
+            </a:r>
+            <a:r>
+              <a:rPr lang="en-US" sz="1900" b="1" dirty="0">
+                <a:latin typeface="Inconsolata" panose="020B0609030003000000" pitchFamily="49" charset="77"/>
+              </a:rPr>
+              <a:t>]) 	</a:t>
+            </a:r>
+            <a:r>
+              <a:rPr lang="en-US" sz="1900" b="1" i="1" dirty="0">
+                <a:solidFill>
+                  <a:srgbClr val="33566B"/>
+                </a:solidFill>
+                <a:latin typeface="Inconsolata" panose="020B0609030003000000" pitchFamily="49" charset="77"/>
+              </a:rPr>
+              <a:t># </a:t>
+            </a:r>
+            <a:r>
+              <a:rPr lang="en-US" sz="1900" b="1" i="1" dirty="0" err="1">
+                <a:solidFill>
+                  <a:srgbClr val="33566B"/>
+                </a:solidFill>
+                <a:latin typeface="Inconsolata" panose="020B0609030003000000" pitchFamily="49" charset="77"/>
+              </a:rPr>
+              <a:t>pyth</a:t>
+            </a:r>
+            <a:endParaRPr lang="en-US" sz="1900" b="1" dirty="0">
+              <a:latin typeface="Inconsolata" panose="020B0609030003000000" pitchFamily="49" charset="77"/>
+            </a:endParaRPr>
+          </a:p>
+          <a:p>
+            <a:pPr marL="0" indent="0">
+              <a:buNone/>
+            </a:pPr>
+            <a:r>
+              <a:rPr lang="en-US" sz="1900" b="1" i="1" dirty="0">
+                <a:solidFill>
+                  <a:srgbClr val="33566B"/>
+                </a:solidFill>
+                <a:latin typeface="Inconsolata" panose="020B0609030003000000" pitchFamily="49" charset="77"/>
+              </a:rPr>
+              <a:t>				# 0 up to but not including index 4</a:t>
+            </a:r>
+            <a:endParaRPr lang="en-US" sz="1900" b="1" dirty="0">
+              <a:latin typeface="Inconsolata" panose="020B0609030003000000" pitchFamily="49" charset="77"/>
+            </a:endParaRPr>
+          </a:p>
+          <a:p>
+            <a:pPr marL="0" indent="0">
+              <a:buNone/>
+            </a:pPr>
+            <a:r>
+              <a:rPr lang="en-US" sz="1900" b="1" dirty="0">
+                <a:solidFill>
+                  <a:srgbClr val="000087"/>
+                </a:solidFill>
+                <a:latin typeface="Inconsolata" panose="020B0609030003000000" pitchFamily="49" charset="77"/>
+              </a:rPr>
+              <a:t>print(language</a:t>
+            </a:r>
+            <a:r>
+              <a:rPr lang="en-US" sz="1900" b="1" dirty="0">
+                <a:latin typeface="Inconsolata" panose="020B0609030003000000" pitchFamily="49" charset="77"/>
+              </a:rPr>
+              <a:t>[</a:t>
+            </a:r>
+            <a:r>
+              <a:rPr lang="en-US" sz="1900" b="1" dirty="0">
+                <a:solidFill>
+                  <a:srgbClr val="FF6600"/>
+                </a:solidFill>
+                <a:latin typeface="Inconsolata" panose="020B0609030003000000" pitchFamily="49" charset="77"/>
+              </a:rPr>
+              <a:t>:4</a:t>
+            </a:r>
+            <a:r>
+              <a:rPr lang="en-US" sz="1900" b="1" dirty="0">
+                <a:latin typeface="Inconsolata" panose="020B0609030003000000" pitchFamily="49" charset="77"/>
+              </a:rPr>
+              <a:t>]) 	</a:t>
+            </a:r>
+            <a:r>
+              <a:rPr lang="en-US" sz="1900" b="1" i="1" dirty="0">
+                <a:solidFill>
+                  <a:srgbClr val="33566B"/>
+                </a:solidFill>
+                <a:latin typeface="Inconsolata" panose="020B0609030003000000" pitchFamily="49" charset="77"/>
+              </a:rPr>
+              <a:t># </a:t>
+            </a:r>
+            <a:r>
+              <a:rPr lang="en-US" sz="1900" b="1" i="1" dirty="0" err="1">
+                <a:solidFill>
+                  <a:srgbClr val="33566B"/>
+                </a:solidFill>
+                <a:latin typeface="Inconsolata" panose="020B0609030003000000" pitchFamily="49" charset="77"/>
+              </a:rPr>
+              <a:t>pyth</a:t>
+            </a:r>
+            <a:r>
+              <a:rPr lang="en-US" sz="1900" b="1" i="1" dirty="0">
+                <a:solidFill>
+                  <a:srgbClr val="33566B"/>
+                </a:solidFill>
+                <a:latin typeface="Inconsolata" panose="020B0609030003000000" pitchFamily="49" charset="77"/>
+              </a:rPr>
+              <a:t>, default start index at 0</a:t>
+            </a:r>
+            <a:endParaRPr lang="en-US" sz="1900" b="1" dirty="0">
+              <a:latin typeface="Inconsolata" panose="020B0609030003000000" pitchFamily="49" charset="77"/>
+            </a:endParaRPr>
+          </a:p>
+          <a:p>
+            <a:pPr marL="0" indent="0">
+              <a:buNone/>
+            </a:pPr>
+            <a:r>
+              <a:rPr lang="en-US" sz="1900" b="1" dirty="0">
+                <a:solidFill>
+                  <a:srgbClr val="000087"/>
+                </a:solidFill>
+                <a:latin typeface="Inconsolata" panose="020B0609030003000000" pitchFamily="49" charset="77"/>
+              </a:rPr>
+              <a:t>print(language</a:t>
+            </a:r>
+            <a:r>
+              <a:rPr lang="en-US" sz="1900" b="1" dirty="0">
+                <a:latin typeface="Inconsolata" panose="020B0609030003000000" pitchFamily="49" charset="77"/>
+              </a:rPr>
+              <a:t>[</a:t>
+            </a:r>
+            <a:r>
+              <a:rPr lang="en-US" sz="1900" b="1" dirty="0">
+                <a:solidFill>
+                  <a:srgbClr val="FF6600"/>
+                </a:solidFill>
+                <a:latin typeface="Inconsolata" panose="020B0609030003000000" pitchFamily="49" charset="77"/>
+              </a:rPr>
+              <a:t>4:</a:t>
+            </a:r>
+            <a:r>
+              <a:rPr lang="en-US" sz="1900" b="1" dirty="0">
+                <a:latin typeface="Inconsolata" panose="020B0609030003000000" pitchFamily="49" charset="77"/>
+              </a:rPr>
+              <a:t>]) 	</a:t>
+            </a:r>
+            <a:r>
+              <a:rPr lang="en-US" sz="1900" b="1" i="1" dirty="0">
+                <a:solidFill>
+                  <a:srgbClr val="33566B"/>
+                </a:solidFill>
+                <a:latin typeface="Inconsolata" panose="020B0609030003000000" pitchFamily="49" charset="77"/>
+              </a:rPr>
+              <a:t># on, default end index is length of string</a:t>
+            </a:r>
+            <a:endParaRPr lang="en-US" sz="1900" b="1" dirty="0">
+              <a:latin typeface="Inconsolata" panose="020B0609030003000000" pitchFamily="49" charset="77"/>
+            </a:endParaRPr>
+          </a:p>
+          <a:p>
+            <a:pPr marL="0" indent="0">
+              <a:buNone/>
+            </a:pPr>
+            <a:endParaRPr lang="en-US" sz="1900" b="1" dirty="0">
+              <a:solidFill>
+                <a:srgbClr val="000087"/>
+              </a:solidFill>
+              <a:latin typeface="Inconsolata" panose="020B0609030003000000" pitchFamily="49" charset="77"/>
+            </a:endParaRPr>
+          </a:p>
+          <a:p>
+            <a:pPr marL="0" indent="0">
+              <a:buNone/>
+            </a:pPr>
+            <a:r>
+              <a:rPr lang="en-US" sz="1900" b="1" dirty="0">
+                <a:solidFill>
+                  <a:srgbClr val="000087"/>
+                </a:solidFill>
+                <a:latin typeface="Inconsolata" panose="020B0609030003000000" pitchFamily="49" charset="77"/>
+              </a:rPr>
+              <a:t>print(language</a:t>
+            </a:r>
+            <a:r>
+              <a:rPr lang="en-US" sz="1900" b="1" dirty="0">
+                <a:latin typeface="Inconsolata" panose="020B0609030003000000" pitchFamily="49" charset="77"/>
+              </a:rPr>
+              <a:t>[</a:t>
+            </a:r>
+            <a:r>
+              <a:rPr lang="en-US" sz="1900" b="1" dirty="0">
+                <a:solidFill>
+                  <a:srgbClr val="FF6600"/>
+                </a:solidFill>
+                <a:latin typeface="Inconsolata" panose="020B0609030003000000" pitchFamily="49" charset="77"/>
+              </a:rPr>
+              <a:t>:</a:t>
+            </a:r>
+            <a:r>
+              <a:rPr lang="en-US" sz="1900" b="1" dirty="0">
+                <a:latin typeface="Inconsolata" panose="020B0609030003000000" pitchFamily="49" charset="77"/>
+              </a:rPr>
+              <a:t>]) 	</a:t>
+            </a:r>
+            <a:r>
+              <a:rPr lang="en-US" sz="1900" b="1" i="1" dirty="0">
+                <a:solidFill>
+                  <a:srgbClr val="33566B"/>
+                </a:solidFill>
+                <a:latin typeface="Inconsolata" panose="020B0609030003000000" pitchFamily="49" charset="77"/>
+              </a:rPr>
+              <a:t># python, 0 to end of string</a:t>
+            </a:r>
+            <a:endParaRPr lang="en-US" sz="1900" b="1" dirty="0">
+              <a:latin typeface="Inconsolata" panose="020B0609030003000000" pitchFamily="49" charset="77"/>
+            </a:endParaRPr>
+          </a:p>
+          <a:p>
+            <a:pPr marL="0" indent="0">
+              <a:buNone/>
+            </a:pPr>
+            <a:r>
+              <a:rPr lang="en-US" sz="1900" b="1" dirty="0">
+                <a:solidFill>
+                  <a:srgbClr val="000087"/>
+                </a:solidFill>
+                <a:latin typeface="Inconsolata" panose="020B0609030003000000" pitchFamily="49" charset="77"/>
+              </a:rPr>
+              <a:t>print(language</a:t>
+            </a:r>
+            <a:r>
+              <a:rPr lang="en-US" sz="1900" b="1" dirty="0">
+                <a:latin typeface="Inconsolata" panose="020B0609030003000000" pitchFamily="49" charset="77"/>
+              </a:rPr>
+              <a:t>[</a:t>
+            </a:r>
+            <a:r>
+              <a:rPr lang="en-US" sz="1900" b="1" dirty="0">
+                <a:solidFill>
+                  <a:srgbClr val="FF6600"/>
+                </a:solidFill>
+                <a:latin typeface="Inconsolata" panose="020B0609030003000000" pitchFamily="49" charset="77"/>
+              </a:rPr>
+              <a:t>0:5:2</a:t>
+            </a:r>
+            <a:r>
+              <a:rPr lang="en-US" sz="1900" b="1" dirty="0">
+                <a:latin typeface="Inconsolata" panose="020B0609030003000000" pitchFamily="49" charset="77"/>
+              </a:rPr>
+              <a:t>]) </a:t>
+            </a:r>
+            <a:r>
+              <a:rPr lang="en-US" sz="1900" b="1" i="1" dirty="0">
+                <a:solidFill>
+                  <a:srgbClr val="33566B"/>
+                </a:solidFill>
+                <a:latin typeface="Inconsolata" panose="020B0609030003000000" pitchFamily="49" charset="77"/>
+              </a:rPr>
+              <a:t># </a:t>
+            </a:r>
+            <a:r>
+              <a:rPr lang="en-US" sz="1900" b="1" i="1" dirty="0" err="1">
+                <a:solidFill>
+                  <a:srgbClr val="33566B"/>
+                </a:solidFill>
+                <a:latin typeface="Inconsolata" panose="020B0609030003000000" pitchFamily="49" charset="77"/>
+              </a:rPr>
+              <a:t>pto</a:t>
+            </a:r>
+            <a:r>
+              <a:rPr lang="en-US" sz="1900" b="1" i="1" dirty="0">
+                <a:solidFill>
+                  <a:srgbClr val="33566B"/>
+                </a:solidFill>
+                <a:latin typeface="Inconsolata" panose="020B0609030003000000" pitchFamily="49" charset="77"/>
+              </a:rPr>
+              <a:t>, step size of 2</a:t>
+            </a:r>
+          </a:p>
+          <a:p>
+            <a:pPr marL="0" indent="0">
+              <a:buNone/>
+            </a:pPr>
+            <a:r>
+              <a:rPr lang="en-US" sz="1900" b="1" dirty="0">
+                <a:solidFill>
+                  <a:srgbClr val="000087"/>
+                </a:solidFill>
+                <a:latin typeface="Inconsolata" panose="020B0609030003000000" pitchFamily="49" charset="77"/>
+              </a:rPr>
+              <a:t>print(language</a:t>
+            </a:r>
+            <a:r>
+              <a:rPr lang="en-US" sz="1900" b="1" dirty="0">
+                <a:latin typeface="Inconsolata" panose="020B0609030003000000" pitchFamily="49" charset="77"/>
+              </a:rPr>
+              <a:t>[</a:t>
+            </a:r>
+            <a:r>
+              <a:rPr lang="en-US" sz="1900" b="1" dirty="0">
+                <a:solidFill>
+                  <a:srgbClr val="FF6600"/>
+                </a:solidFill>
+                <a:latin typeface="Inconsolata" panose="020B0609030003000000" pitchFamily="49" charset="77"/>
+              </a:rPr>
+              <a:t>::-1</a:t>
+            </a:r>
+            <a:r>
+              <a:rPr lang="en-US" sz="1900" b="1" dirty="0">
+                <a:latin typeface="Inconsolata" panose="020B0609030003000000" pitchFamily="49" charset="77"/>
+              </a:rPr>
+              <a:t>])  </a:t>
+            </a:r>
+            <a:r>
+              <a:rPr lang="en-US" sz="1900" b="1" i="1" dirty="0">
+                <a:solidFill>
+                  <a:srgbClr val="33566B"/>
+                </a:solidFill>
+                <a:latin typeface="Inconsolata" panose="020B0609030003000000" pitchFamily="49" charset="77"/>
+              </a:rPr>
+              <a:t># negative step size traverses backwards</a:t>
+            </a:r>
+          </a:p>
+          <a:p>
+            <a:pPr marL="0" indent="0">
+              <a:buNone/>
+            </a:pPr>
+            <a:r>
+              <a:rPr lang="en-US" sz="1900" b="1" i="1" dirty="0">
+                <a:solidFill>
+                  <a:srgbClr val="33566B"/>
+                </a:solidFill>
+                <a:latin typeface="Inconsolata" panose="020B0609030003000000" pitchFamily="49" charset="77"/>
+              </a:rPr>
+              <a:t>				 # </a:t>
+            </a:r>
+            <a:r>
+              <a:rPr lang="en-US" sz="1900" b="1" i="1" dirty="0" err="1">
+                <a:solidFill>
+                  <a:srgbClr val="33566B"/>
+                </a:solidFill>
+                <a:latin typeface="Inconsolata" panose="020B0609030003000000" pitchFamily="49" charset="77"/>
+              </a:rPr>
+              <a:t>nohtyp</a:t>
+            </a:r>
+            <a:endParaRPr lang="en-US" sz="1900" b="1" i="1" dirty="0">
+              <a:solidFill>
+                <a:srgbClr val="33566B"/>
+              </a:solidFill>
+              <a:latin typeface="Inconsolata" panose="020B0609030003000000" pitchFamily="49" charset="77"/>
+            </a:endParaRPr>
+          </a:p>
+          <a:p>
+            <a:pPr marL="0" indent="0">
+              <a:buNone/>
+            </a:pPr>
+            <a:endParaRPr lang="en-US" sz="1900" b="1" dirty="0">
+              <a:latin typeface="Inconsolata" panose="020B0609030003000000" pitchFamily="49" charset="77"/>
+            </a:endParaRPr>
+          </a:p>
+          <a:p>
+            <a:pPr marL="0" indent="0">
+              <a:buNone/>
+            </a:pPr>
+            <a:endParaRPr lang="en-US" sz="1900" b="1" dirty="0">
+              <a:latin typeface="Inconsolata" panose="020B0609030003000000" pitchFamily="49" charset="77"/>
+            </a:endParaRPr>
+          </a:p>
+          <a:p>
+            <a:pPr marL="0" indent="0">
+              <a:buNone/>
+            </a:pPr>
+            <a:endParaRPr lang="en-US" sz="1900" b="1" dirty="0">
+              <a:latin typeface="Inconsolata" panose="020B0609030003000000" pitchFamily="49" charset="77"/>
+            </a:endParaRPr>
+          </a:p>
+          <a:p>
+            <a:pPr marL="0" indent="0">
+              <a:buNone/>
+            </a:pPr>
+            <a:r>
+              <a:rPr lang="en-US" sz="1900" b="1" dirty="0">
+                <a:latin typeface="Inconsolata" panose="020B0609030003000000" pitchFamily="49" charset="77"/>
+              </a:rPr>
+              <a:t> </a:t>
+            </a:r>
+          </a:p>
+          <a:p>
+            <a:pPr marL="0" indent="0">
+              <a:buNone/>
+            </a:pPr>
+            <a:endParaRPr lang="en-US" sz="1900" b="1" dirty="0">
+              <a:latin typeface="Inconsolata" panose="020B0609030003000000" pitchFamily="49" charset="77"/>
+            </a:endParaRPr>
+          </a:p>
+          <a:p>
+            <a:pPr marL="0" indent="0">
+              <a:buNone/>
+            </a:pPr>
+            <a:endParaRPr lang="en-US" sz="1900" b="1" dirty="0">
+              <a:latin typeface="Inconsolata" panose="020B0609030003000000" pitchFamily="49" charset="77"/>
+            </a:endParaRPr>
+          </a:p>
+          <a:p>
+            <a:pPr marL="0" indent="0">
+              <a:buNone/>
+            </a:pPr>
+            <a:endParaRPr lang="en-US" sz="1900" b="1" dirty="0">
+              <a:latin typeface="Inconsolata" panose="020B0609030003000000" pitchFamily="49" charset="77"/>
+            </a:endParaRPr>
+          </a:p>
+          <a:p>
+            <a:pPr marL="0" indent="0">
+              <a:buNone/>
+            </a:pPr>
+            <a:endParaRPr lang="en-US" sz="1900" b="1" dirty="0">
+              <a:latin typeface="Inconsolata" panose="020B0609030003000000" pitchFamily="49" charset="77"/>
+            </a:endParaRPr>
+          </a:p>
+          <a:p>
+            <a:pPr marL="0" indent="0">
+              <a:buNone/>
+            </a:pPr>
+            <a:endParaRPr lang="en-US" sz="1900" b="1" dirty="0">
+              <a:latin typeface="Inconsolata" panose="020B0609030003000000" pitchFamily="49" charset="77"/>
+            </a:endParaRPr>
+          </a:p>
+          <a:p>
+            <a:pPr marL="0" indent="0">
+              <a:buNone/>
+            </a:pPr>
+            <a:r>
+              <a:rPr lang="en-US" sz="1900" b="1" dirty="0">
+                <a:latin typeface="Inconsolata" panose="020B0609030003000000" pitchFamily="49" charset="77"/>
+              </a:rPr>
+              <a:t> </a:t>
+            </a:r>
+          </a:p>
+          <a:p>
+            <a:pPr marL="0" indent="0">
+              <a:buNone/>
+            </a:pPr>
+            <a:endParaRPr lang="en-US" sz="1900" b="1" dirty="0">
+              <a:latin typeface="Inconsolata" panose="020B0609030003000000" pitchFamily="49" charset="77"/>
+            </a:endParaRPr>
+          </a:p>
+          <a:p>
+            <a:pPr marL="0" indent="0">
+              <a:buNone/>
+            </a:pPr>
+            <a:endParaRPr lang="en-US" sz="1900" b="1" dirty="0">
+              <a:latin typeface="Inconsolata" panose="020B0609030003000000" pitchFamily="49" charset="77"/>
+            </a:endParaRPr>
+          </a:p>
+        </p:txBody>
+      </p:sp>
+    </p:spTree>
+    <p:extLst>
+      <p:ext uri="{BB962C8B-B14F-4D97-AF65-F5344CB8AC3E}">
+        <p14:creationId xmlns:p14="http://schemas.microsoft.com/office/powerpoint/2010/main" val="2221515130"/>
+      </p:ext>
+    </p:extLst>
+  </p:cSld>
+  <p:clrMapOvr>
+    <a:masterClrMapping/>
+  </p:clrMapOvr>
+  <p:timing>
+    <p:tnLst>
+      <p:par>
+        <p:cTn id="1" dur="indefinite" restart="never" nodeType="tmRoot">
+          <p:childTnLst>
+            <p:seq concurrent="1" nextAc="seek">
+              <p:cTn id="2" dur="indefinite" nodeType="mainSeq">
+                <p:childTnLst>
+                  <p:par>
+                    <p:cTn id="3" fill="hold">
+                      <p:stCondLst>
+                        <p:cond delay="indefinite"/>
+                      </p:stCondLst>
+                      <p:childTnLst>
+                        <p:par>
+                          <p:cTn id="4" fill="hold">
+                            <p:stCondLst>
+                              <p:cond delay="0"/>
+                            </p:stCondLst>
+                            <p:childTnLst>
+                              <p:par>
+                                <p:cTn id="5" presetID="1" presetClass="entr" presetSubtype="0" fill="hold" nodeType="clickEffect">
+                                  <p:stCondLst>
+                                    <p:cond delay="0"/>
+                                  </p:stCondLst>
+                                  <p:childTnLst>
+                                    <p:set>
+                                      <p:cBhvr>
+                                        <p:cTn id="6" dur="1" fill="hold">
+                                          <p:stCondLst>
+                                            <p:cond delay="0"/>
+                                          </p:stCondLst>
+                                        </p:cTn>
+                                        <p:tgtEl>
+                                          <p:spTgt spid="9">
+                                            <p:txEl>
+                                              <p:pRg st="3" end="3"/>
+                                            </p:txEl>
+                                          </p:spTgt>
+                                        </p:tgtEl>
+                                        <p:attrNameLst>
+                                          <p:attrName>style.visibility</p:attrName>
+                                        </p:attrNameLst>
+                                      </p:cBhvr>
+                                      <p:to>
+                                        <p:strVal val="visible"/>
+                                      </p:to>
+                                    </p:set>
+                                  </p:childTnLst>
+                                </p:cTn>
+                              </p:par>
+                            </p:childTnLst>
+                          </p:cTn>
+                        </p:par>
+                      </p:childTnLst>
+                    </p:cTn>
+                  </p:par>
+                  <p:par>
+                    <p:cTn id="7" fill="hold">
+                      <p:stCondLst>
+                        <p:cond delay="indefinite"/>
+                      </p:stCondLst>
+                      <p:childTnLst>
+                        <p:par>
+                          <p:cTn id="8" fill="hold">
+                            <p:stCondLst>
+                              <p:cond delay="0"/>
+                            </p:stCondLst>
+                            <p:childTnLst>
+                              <p:par>
+                                <p:cTn id="9" presetID="1" presetClass="entr" presetSubtype="0" fill="hold" nodeType="clickEffect">
+                                  <p:stCondLst>
+                                    <p:cond delay="0"/>
+                                  </p:stCondLst>
+                                  <p:childTnLst>
+                                    <p:set>
+                                      <p:cBhvr>
+                                        <p:cTn id="10" dur="1" fill="hold">
+                                          <p:stCondLst>
+                                            <p:cond delay="0"/>
+                                          </p:stCondLst>
+                                        </p:cTn>
+                                        <p:tgtEl>
+                                          <p:spTgt spid="9">
+                                            <p:txEl>
+                                              <p:pRg st="4" end="4"/>
+                                            </p:txEl>
+                                          </p:spTgt>
+                                        </p:tgtEl>
+                                        <p:attrNameLst>
+                                          <p:attrName>style.visibility</p:attrName>
+                                        </p:attrNameLst>
+                                      </p:cBhvr>
+                                      <p:to>
+                                        <p:strVal val="visible"/>
+                                      </p:to>
+                                    </p:set>
+                                  </p:childTnLst>
+                                </p:cTn>
+                              </p:par>
+                            </p:childTnLst>
+                          </p:cTn>
+                        </p:par>
+                      </p:childTnLst>
+                    </p:cTn>
+                  </p:par>
+                  <p:par>
+                    <p:cTn id="11" fill="hold">
+                      <p:stCondLst>
+                        <p:cond delay="indefinite"/>
+                      </p:stCondLst>
+                      <p:childTnLst>
+                        <p:par>
+                          <p:cTn id="12" fill="hold">
+                            <p:stCondLst>
+                              <p:cond delay="0"/>
+                            </p:stCondLst>
+                            <p:childTnLst>
+                              <p:par>
+                                <p:cTn id="13" presetID="1" presetClass="entr" presetSubtype="0" fill="hold" nodeType="clickEffect">
+                                  <p:stCondLst>
+                                    <p:cond delay="0"/>
+                                  </p:stCondLst>
+                                  <p:childTnLst>
+                                    <p:set>
+                                      <p:cBhvr>
+                                        <p:cTn id="14" dur="1" fill="hold">
+                                          <p:stCondLst>
+                                            <p:cond delay="0"/>
+                                          </p:stCondLst>
+                                        </p:cTn>
+                                        <p:tgtEl>
+                                          <p:spTgt spid="9">
+                                            <p:txEl>
+                                              <p:pRg st="6" end="6"/>
+                                            </p:txEl>
+                                          </p:spTgt>
+                                        </p:tgtEl>
+                                        <p:attrNameLst>
+                                          <p:attrName>style.visibility</p:attrName>
+                                        </p:attrNameLst>
+                                      </p:cBhvr>
+                                      <p:to>
+                                        <p:strVal val="visible"/>
+                                      </p:to>
+                                    </p:set>
+                                  </p:childTnLst>
+                                </p:cTn>
+                              </p:par>
+                            </p:childTnLst>
+                          </p:cTn>
+                        </p:par>
+                      </p:childTnLst>
+                    </p:cTn>
+                  </p:par>
+                  <p:par>
+                    <p:cTn id="15" fill="hold">
+                      <p:stCondLst>
+                        <p:cond delay="indefinite"/>
+                      </p:stCondLst>
+                      <p:childTnLst>
+                        <p:par>
+                          <p:cTn id="16" fill="hold">
+                            <p:stCondLst>
+                              <p:cond delay="0"/>
+                            </p:stCondLst>
+                            <p:childTnLst>
+                              <p:par>
+                                <p:cTn id="17" presetID="1" presetClass="entr" presetSubtype="0" fill="hold" nodeType="clickEffect">
+                                  <p:stCondLst>
+                                    <p:cond delay="0"/>
+                                  </p:stCondLst>
+                                  <p:childTnLst>
+                                    <p:set>
+                                      <p:cBhvr>
+                                        <p:cTn id="18" dur="1" fill="hold">
+                                          <p:stCondLst>
+                                            <p:cond delay="0"/>
+                                          </p:stCondLst>
+                                        </p:cTn>
+                                        <p:tgtEl>
+                                          <p:spTgt spid="9">
+                                            <p:txEl>
+                                              <p:pRg st="7" end="7"/>
+                                            </p:txEl>
+                                          </p:spTgt>
+                                        </p:tgtEl>
+                                        <p:attrNameLst>
+                                          <p:attrName>style.visibility</p:attrName>
+                                        </p:attrNameLst>
+                                      </p:cBhvr>
+                                      <p:to>
+                                        <p:strVal val="visible"/>
+                                      </p:to>
+                                    </p:set>
+                                  </p:childTnLst>
+                                </p:cTn>
+                              </p:par>
+                            </p:childTnLst>
+                          </p:cTn>
+                        </p:par>
+                      </p:childTnLst>
+                    </p:cTn>
+                  </p:par>
+                  <p:par>
+                    <p:cTn id="19" fill="hold">
+                      <p:stCondLst>
+                        <p:cond delay="indefinite"/>
+                      </p:stCondLst>
+                      <p:childTnLst>
+                        <p:par>
+                          <p:cTn id="20" fill="hold">
+                            <p:stCondLst>
+                              <p:cond delay="0"/>
+                            </p:stCondLst>
+                            <p:childTnLst>
+                              <p:par>
+                                <p:cTn id="21" presetID="1" presetClass="entr" presetSubtype="0" fill="hold" nodeType="clickEffect">
+                                  <p:stCondLst>
+                                    <p:cond delay="0"/>
+                                  </p:stCondLst>
+                                  <p:childTnLst>
+                                    <p:set>
+                                      <p:cBhvr>
+                                        <p:cTn id="22" dur="1" fill="hold">
+                                          <p:stCondLst>
+                                            <p:cond delay="0"/>
+                                          </p:stCondLst>
+                                        </p:cTn>
+                                        <p:tgtEl>
+                                          <p:spTgt spid="9">
+                                            <p:txEl>
+                                              <p:pRg st="8" end="8"/>
+                                            </p:txEl>
+                                          </p:spTgt>
+                                        </p:tgtEl>
+                                        <p:attrNameLst>
+                                          <p:attrName>style.visibility</p:attrName>
+                                        </p:attrNameLst>
+                                      </p:cBhvr>
+                                      <p:to>
+                                        <p:strVal val="visible"/>
+                                      </p:to>
+                                    </p:set>
+                                  </p:childTnLst>
+                                </p:cTn>
+                              </p:par>
+                            </p:childTnLst>
+                          </p:cTn>
+                        </p:par>
+                      </p:childTnLst>
+                    </p:cTn>
+                  </p:par>
+                  <p:par>
+                    <p:cTn id="23" fill="hold">
+                      <p:stCondLst>
+                        <p:cond delay="indefinite"/>
+                      </p:stCondLst>
+                      <p:childTnLst>
+                        <p:par>
+                          <p:cTn id="24" fill="hold">
+                            <p:stCondLst>
+                              <p:cond delay="0"/>
+                            </p:stCondLst>
+                            <p:childTnLst>
+                              <p:par>
+                                <p:cTn id="25" presetID="1" presetClass="entr" presetSubtype="0" fill="hold" nodeType="clickEffect">
+                                  <p:stCondLst>
+                                    <p:cond delay="0"/>
+                                  </p:stCondLst>
+                                  <p:childTnLst>
+                                    <p:set>
+                                      <p:cBhvr>
+                                        <p:cTn id="26" dur="1" fill="hold">
+                                          <p:stCondLst>
+                                            <p:cond delay="0"/>
+                                          </p:stCondLst>
+                                        </p:cTn>
+                                        <p:tgtEl>
+                                          <p:spTgt spid="9">
+                                            <p:txEl>
+                                              <p:pRg st="9" end="9"/>
+                                            </p:txEl>
+                                          </p:spTgt>
+                                        </p:tgtEl>
+                                        <p:attrNameLst>
+                                          <p:attrName>style.visibility</p:attrName>
+                                        </p:attrNameLst>
+                                      </p:cBhvr>
+                                      <p:to>
+                                        <p:strVal val="visible"/>
+                                      </p:to>
+                                    </p:set>
+                                  </p:childTnLst>
+                                </p:cTn>
+                              </p:par>
+                            </p:childTnLst>
+                          </p:cTn>
+                        </p:par>
+                      </p:childTnLst>
+                    </p:cTn>
+                  </p:par>
+                </p:childTnLst>
+              </p:cTn>
+              <p:prevCondLst>
+                <p:cond evt="onPrev" delay="0">
+                  <p:tgtEl>
+                    <p:sldTgt/>
+                  </p:tgtEl>
+                </p:cond>
+              </p:prevCondLst>
+              <p:nextCondLst>
+                <p:cond evt="onNext" delay="0">
+                  <p:tgtEl>
+                    <p:sldTgt/>
+                  </p:tgtEl>
+                </p:cond>
+              </p:nextCondLst>
+            </p:seq>
+          </p:childTnLst>
+        </p:cTn>
+      </p:par>
+    </p:tnLst>
+  </p:timing>
+</p:sld>
+</file>
+
+<file path=ppt/slides/slide23.xml><?xml version="1.0" encoding="utf-8"?>
+<p:sld xmlns:a="http://schemas.openxmlformats.org/drawingml/2006/main" xmlns:r="http://schemas.openxmlformats.org/officeDocument/2006/relationships" xmlns:p="http://schemas.openxmlformats.org/presentationml/2006/main">
+  <p:cSld>
+    <p:spTree>
+      <p:nvGrpSpPr>
+        <p:cNvPr id="1" name=""/>
+        <p:cNvGrpSpPr/>
+        <p:nvPr/>
+      </p:nvGrpSpPr>
+      <p:grpSpPr>
+        <a:xfrm>
+          <a:off x="0" y="0"/>
+          <a:ext cx="0" cy="0"/>
+          <a:chOff x="0" y="0"/>
+          <a:chExt cx="0" cy="0"/>
+        </a:xfrm>
+      </p:grpSpPr>
+      <p:sp>
+        <p:nvSpPr>
+          <p:cNvPr id="2" name="Title 1">
+            <a:extLst>
+              <a:ext uri="{FF2B5EF4-FFF2-40B4-BE49-F238E27FC236}">
+                <a16:creationId xmlns:a16="http://schemas.microsoft.com/office/drawing/2014/main" id="{AA3A228F-61D0-D949-A5E7-F83756230BF8}"/>
+              </a:ext>
+            </a:extLst>
+          </p:cNvPr>
+          <p:cNvSpPr>
+            <a:spLocks noGrp="1"/>
+          </p:cNvSpPr>
+          <p:nvPr>
+            <p:ph type="title"/>
+          </p:nvPr>
+        </p:nvSpPr>
+        <p:spPr>
+          <a:xfrm>
             <a:off x="245309" y="268244"/>
             <a:ext cx="7053542" cy="683886"/>
           </a:xfrm>
@@ -10348,7 +14006,7 @@
           <a:p>
             <a:fld id="{D57F1E4F-1CFF-5643-939E-02111984F565}" type="slidenum">
               <a:rPr lang="en-US" smtClean="0"/>
-              <a:t>18</a:t>
+              <a:t>23</a:t>
             </a:fld>
             <a:endParaRPr lang="en-US" dirty="0"/>
           </a:p>
@@ -10673,7 +14331,7 @@
 </p:sld>
 </file>
 
-<file path=ppt/slides/slide19.xml><?xml version="1.0" encoding="utf-8"?>
+<file path=ppt/slides/slide24.xml><?xml version="1.0" encoding="utf-8"?>
 <p:sld xmlns:a="http://schemas.openxmlformats.org/drawingml/2006/main" xmlns:r="http://schemas.openxmlformats.org/officeDocument/2006/relationships" xmlns:p="http://schemas.openxmlformats.org/presentationml/2006/main">
   <p:cSld>
     <p:spTree>
@@ -11122,7 +14780,7 @@
           <a:p>
             <a:fld id="{D57F1E4F-1CFF-5643-939E-02111984F565}" type="slidenum">
               <a:rPr lang="en-US" smtClean="0"/>
-              <a:t>19</a:t>
+              <a:t>24</a:t>
             </a:fld>
             <a:endParaRPr lang="en-US" dirty="0"/>
           </a:p>
@@ -11141,7 +14799,316 @@
 </p:sld>
 </file>
 
-<file path=ppt/slides/slide2.xml><?xml version="1.0" encoding="utf-8"?>
+<file path=ppt/slides/slide25.xml><?xml version="1.0" encoding="utf-8"?>
+<p:sld xmlns:a="http://schemas.openxmlformats.org/drawingml/2006/main" xmlns:r="http://schemas.openxmlformats.org/officeDocument/2006/relationships" xmlns:p="http://schemas.openxmlformats.org/presentationml/2006/main">
+  <p:cSld>
+    <p:spTree>
+      <p:nvGrpSpPr>
+        <p:cNvPr id="1" name=""/>
+        <p:cNvGrpSpPr/>
+        <p:nvPr/>
+      </p:nvGrpSpPr>
+      <p:grpSpPr>
+        <a:xfrm>
+          <a:off x="0" y="0"/>
+          <a:ext cx="0" cy="0"/>
+          <a:chOff x="0" y="0"/>
+          <a:chExt cx="0" cy="0"/>
+        </a:xfrm>
+      </p:grpSpPr>
+      <p:sp>
+        <p:nvSpPr>
+          <p:cNvPr id="2" name="Title 1">
+            <a:extLst>
+              <a:ext uri="{FF2B5EF4-FFF2-40B4-BE49-F238E27FC236}">
+                <a16:creationId xmlns:a16="http://schemas.microsoft.com/office/drawing/2014/main" id="{AA3A228F-61D0-D949-A5E7-F83756230BF8}"/>
+              </a:ext>
+            </a:extLst>
+          </p:cNvPr>
+          <p:cNvSpPr>
+            <a:spLocks noGrp="1"/>
+          </p:cNvSpPr>
+          <p:nvPr>
+            <p:ph type="title"/>
+          </p:nvPr>
+        </p:nvSpPr>
+        <p:spPr>
+          <a:xfrm>
+            <a:off x="192018" y="85790"/>
+            <a:ext cx="7053542" cy="683886"/>
+          </a:xfrm>
+        </p:spPr>
+        <p:txBody>
+          <a:bodyPr/>
+          <a:lstStyle/>
+          <a:p>
+            <a:r>
+              <a:rPr lang="en-US" dirty="0"/>
+              <a:t>Lab 2: Counting Primes </a:t>
+            </a:r>
+          </a:p>
+        </p:txBody>
+      </p:sp>
+      <p:sp>
+        <p:nvSpPr>
+          <p:cNvPr id="9" name="Content Placeholder 8">
+            <a:extLst>
+              <a:ext uri="{FF2B5EF4-FFF2-40B4-BE49-F238E27FC236}">
+                <a16:creationId xmlns:a16="http://schemas.microsoft.com/office/drawing/2014/main" id="{E3B2E017-30B2-884B-A113-B419A2ED51AD}"/>
+              </a:ext>
+            </a:extLst>
+          </p:cNvPr>
+          <p:cNvSpPr>
+            <a:spLocks noGrp="1"/>
+          </p:cNvSpPr>
+          <p:nvPr>
+            <p:ph idx="1"/>
+          </p:nvPr>
+        </p:nvSpPr>
+        <p:spPr>
+          <a:xfrm>
+            <a:off x="192018" y="671196"/>
+            <a:ext cx="8829434" cy="5043804"/>
+          </a:xfrm>
+        </p:spPr>
+        <p:txBody>
+          <a:bodyPr>
+            <a:noAutofit/>
+          </a:bodyPr>
+          <a:lstStyle/>
+          <a:p>
+            <a:pPr marL="0" indent="0">
+              <a:buNone/>
+            </a:pPr>
+            <a:r>
+              <a:rPr lang="en-US" dirty="0"/>
+              <a:t>Create a new repl. </a:t>
+            </a:r>
+          </a:p>
+          <a:p>
+            <a:pPr marL="0" indent="0">
+              <a:buNone/>
+            </a:pPr>
+            <a:r>
+              <a:rPr lang="en-US" dirty="0"/>
+              <a:t>1) Rewrite the function </a:t>
+            </a:r>
+            <a:r>
+              <a:rPr lang="en-US" dirty="0" err="1"/>
+              <a:t>count_factors</a:t>
+            </a:r>
+            <a:r>
+              <a:rPr lang="en-US" dirty="0"/>
+              <a:t> as explained in a previous slide. </a:t>
+            </a:r>
+          </a:p>
+          <a:p>
+            <a:pPr marL="0" indent="0">
+              <a:buNone/>
+            </a:pPr>
+            <a:r>
+              <a:rPr lang="en-US" dirty="0"/>
+              <a:t>2) A number n is prime if its only factors are 1 and n. Write the function </a:t>
+            </a:r>
+            <a:r>
+              <a:rPr lang="en-US" dirty="0" err="1"/>
+              <a:t>is_prime</a:t>
+            </a:r>
+            <a:r>
+              <a:rPr lang="en-US" dirty="0"/>
+              <a:t> which accepts an integer n and returns whether it is prime.  Note that 1 is not prime. </a:t>
+            </a:r>
+            <a:r>
+              <a:rPr lang="en-US" dirty="0">
+                <a:solidFill>
+                  <a:srgbClr val="FF0000"/>
+                </a:solidFill>
+              </a:rPr>
+              <a:t>You must call the function </a:t>
+            </a:r>
+            <a:r>
+              <a:rPr lang="en-US" dirty="0" err="1">
+                <a:solidFill>
+                  <a:srgbClr val="FF0000"/>
+                </a:solidFill>
+              </a:rPr>
+              <a:t>count_factors</a:t>
+            </a:r>
+            <a:r>
+              <a:rPr lang="en-US" dirty="0">
+                <a:solidFill>
+                  <a:srgbClr val="FF0000"/>
+                </a:solidFill>
+              </a:rPr>
+              <a:t> in your implementation of </a:t>
+            </a:r>
+            <a:r>
+              <a:rPr lang="en-US" dirty="0" err="1">
+                <a:solidFill>
+                  <a:srgbClr val="FF0000"/>
+                </a:solidFill>
+              </a:rPr>
+              <a:t>is_prime</a:t>
+            </a:r>
+            <a:r>
+              <a:rPr lang="en-US" dirty="0">
+                <a:solidFill>
+                  <a:srgbClr val="FF0000"/>
+                </a:solidFill>
+              </a:rPr>
+              <a:t>.</a:t>
+            </a:r>
+          </a:p>
+          <a:p>
+            <a:pPr marL="0" indent="0">
+              <a:buNone/>
+            </a:pPr>
+            <a:r>
+              <a:rPr lang="en-US" dirty="0" err="1">
+                <a:solidFill>
+                  <a:srgbClr val="FF0000"/>
+                </a:solidFill>
+              </a:rPr>
+              <a:t>is_prime</a:t>
+            </a:r>
+            <a:r>
+              <a:rPr lang="en-US" dirty="0">
+                <a:solidFill>
+                  <a:srgbClr val="FF0000"/>
+                </a:solidFill>
+              </a:rPr>
+              <a:t>(13) returns True</a:t>
+            </a:r>
+          </a:p>
+          <a:p>
+            <a:pPr marL="0" indent="0">
+              <a:buNone/>
+            </a:pPr>
+            <a:r>
+              <a:rPr lang="en-US" dirty="0" err="1">
+                <a:solidFill>
+                  <a:srgbClr val="FF0000"/>
+                </a:solidFill>
+              </a:rPr>
+              <a:t>is_prime</a:t>
+            </a:r>
+            <a:r>
+              <a:rPr lang="en-US" dirty="0">
+                <a:solidFill>
+                  <a:srgbClr val="FF0000"/>
+                </a:solidFill>
+              </a:rPr>
+              <a:t>(1245) returns False</a:t>
+            </a:r>
+          </a:p>
+          <a:p>
+            <a:pPr marL="0" indent="0">
+              <a:buNone/>
+            </a:pPr>
+            <a:r>
+              <a:rPr lang="en-US" dirty="0"/>
+              <a:t>3) Write the function </a:t>
+            </a:r>
+            <a:r>
+              <a:rPr lang="en-US" dirty="0" err="1"/>
+              <a:t>num_primes</a:t>
+            </a:r>
+            <a:r>
+              <a:rPr lang="en-US" dirty="0"/>
+              <a:t> which accepts an integer n and and returns the number of primes up to and including n.  </a:t>
+            </a:r>
+            <a:r>
+              <a:rPr lang="en-US" dirty="0">
+                <a:solidFill>
+                  <a:srgbClr val="FF0000"/>
+                </a:solidFill>
+              </a:rPr>
+              <a:t>You must call the function </a:t>
+            </a:r>
+            <a:r>
+              <a:rPr lang="en-US" dirty="0" err="1">
+                <a:solidFill>
+                  <a:srgbClr val="FF0000"/>
+                </a:solidFill>
+              </a:rPr>
+              <a:t>is_prime</a:t>
+            </a:r>
+            <a:r>
+              <a:rPr lang="en-US" dirty="0">
+                <a:solidFill>
+                  <a:srgbClr val="FF0000"/>
+                </a:solidFill>
+              </a:rPr>
+              <a:t> in your implementation.</a:t>
+            </a:r>
+          </a:p>
+          <a:p>
+            <a:pPr marL="0" indent="0">
+              <a:buNone/>
+            </a:pPr>
+            <a:r>
+              <a:rPr lang="en-US" dirty="0" err="1"/>
+              <a:t>num_prime</a:t>
+            </a:r>
+            <a:r>
+              <a:rPr lang="en-US" dirty="0"/>
+              <a:t>(11) returns 5 since 2, 3, 5, 7, 11 are the 5 prime numbers less than or equal to 11. </a:t>
+            </a:r>
+          </a:p>
+          <a:p>
+            <a:pPr marL="0" indent="0">
+              <a:buNone/>
+            </a:pPr>
+            <a:r>
+              <a:rPr lang="en-US" dirty="0"/>
+              <a:t>Call the three above functions with different inputs and make sure that your functions work as expected. </a:t>
+            </a:r>
+          </a:p>
+        </p:txBody>
+      </p:sp>
+      <p:sp>
+        <p:nvSpPr>
+          <p:cNvPr id="3" name="Slide Number Placeholder 2">
+            <a:extLst>
+              <a:ext uri="{FF2B5EF4-FFF2-40B4-BE49-F238E27FC236}">
+                <a16:creationId xmlns:a16="http://schemas.microsoft.com/office/drawing/2014/main" id="{9F5B78D7-AC9E-9D46-A252-4AE5D34709E0}"/>
+              </a:ext>
+            </a:extLst>
+          </p:cNvPr>
+          <p:cNvSpPr>
+            <a:spLocks noGrp="1"/>
+          </p:cNvSpPr>
+          <p:nvPr>
+            <p:ph type="sldNum" sz="quarter" idx="12"/>
+          </p:nvPr>
+        </p:nvSpPr>
+        <p:spPr/>
+        <p:txBody>
+          <a:bodyPr/>
+          <a:lstStyle/>
+          <a:p>
+            <a:fld id="{D57F1E4F-1CFF-5643-939E-02111984F565}" type="slidenum">
+              <a:rPr lang="en-US" smtClean="0"/>
+              <a:t>25</a:t>
+            </a:fld>
+            <a:endParaRPr lang="en-US" dirty="0"/>
+          </a:p>
+        </p:txBody>
+      </p:sp>
+    </p:spTree>
+    <p:extLst>
+      <p:ext uri="{BB962C8B-B14F-4D97-AF65-F5344CB8AC3E}">
+        <p14:creationId xmlns:p14="http://schemas.microsoft.com/office/powerpoint/2010/main" val="3662915732"/>
+      </p:ext>
+    </p:extLst>
+  </p:cSld>
+  <p:clrMapOvr>
+    <a:masterClrMapping/>
+  </p:clrMapOvr>
+</p:sld>
+</file>
+
+<file path=ppt/slides/slide26.xml><?xml version="1.0" encoding="utf-8"?>
 <p:sld xmlns:a="http://schemas.openxmlformats.org/drawingml/2006/main" xmlns:r="http://schemas.openxmlformats.org/officeDocument/2006/relationships" xmlns:p="http://schemas.openxmlformats.org/presentationml/2006/main">
   <p:cSld>
     <p:spTree>
@@ -11186,501 +15153,6 @@
           <a:p>
             <a:r>
               <a:rPr lang="en-US" dirty="0"/>
-              <a:t>Topics</a:t>
-            </a:r>
-          </a:p>
-        </p:txBody>
-      </p:sp>
-      <p:sp>
-        <p:nvSpPr>
-          <p:cNvPr id="9" name="Content Placeholder 8">
-            <a:extLst>
-              <a:ext uri="{FF2B5EF4-FFF2-40B4-BE49-F238E27FC236}">
-                <a16:creationId xmlns:a16="http://schemas.microsoft.com/office/drawing/2014/main" id="{E3B2E017-30B2-884B-A113-B419A2ED51AD}"/>
-              </a:ext>
-            </a:extLst>
-          </p:cNvPr>
-          <p:cNvSpPr>
-            <a:spLocks noGrp="1"/>
-          </p:cNvSpPr>
-          <p:nvPr>
-            <p:ph idx="1"/>
-          </p:nvPr>
-        </p:nvSpPr>
-        <p:spPr>
-          <a:xfrm>
-            <a:off x="483848" y="1288073"/>
-            <a:ext cx="8051725" cy="4303429"/>
-          </a:xfrm>
-        </p:spPr>
-        <p:txBody>
-          <a:bodyPr/>
-          <a:lstStyle/>
-          <a:p>
-            <a:pPr marL="0" indent="0">
-              <a:buNone/>
-            </a:pPr>
-            <a:endParaRPr lang="en-US" dirty="0">
-              <a:latin typeface="Gill Sans MT" panose="020B0502020104020203" pitchFamily="34" charset="77"/>
-            </a:endParaRPr>
-          </a:p>
-          <a:p>
-            <a:pPr marL="457200" indent="-457200">
-              <a:buAutoNum type="arabicParenR"/>
-            </a:pPr>
-            <a:endParaRPr lang="en-US" dirty="0">
-              <a:latin typeface="Gill Sans MT" panose="020B0502020104020203" pitchFamily="34" charset="77"/>
-            </a:endParaRPr>
-          </a:p>
-          <a:p>
-            <a:pPr marL="457200" indent="-457200">
-              <a:buAutoNum type="arabicParenR"/>
-            </a:pPr>
-            <a:r>
-              <a:rPr lang="en-US" dirty="0">
-                <a:latin typeface="Gill Sans MT" panose="020B0502020104020203" pitchFamily="34" charset="77"/>
-              </a:rPr>
-              <a:t>For Loops</a:t>
-            </a:r>
-          </a:p>
-          <a:p>
-            <a:pPr marL="0" indent="0">
-              <a:buNone/>
-            </a:pPr>
-            <a:endParaRPr lang="en-US" dirty="0">
-              <a:latin typeface="Gill Sans MT" panose="020B0502020104020203" pitchFamily="34" charset="77"/>
-            </a:endParaRPr>
-          </a:p>
-          <a:p>
-            <a:pPr marL="457200" indent="-457200">
-              <a:buAutoNum type="arabicParenR"/>
-            </a:pPr>
-            <a:endParaRPr lang="en-US" dirty="0">
-              <a:latin typeface="Gill Sans MT" panose="020B0502020104020203" pitchFamily="34" charset="77"/>
-            </a:endParaRPr>
-          </a:p>
-          <a:p>
-            <a:pPr marL="457200" indent="-457200">
-              <a:buAutoNum type="arabicParenR"/>
-            </a:pPr>
-            <a:endParaRPr lang="en-US" dirty="0">
-              <a:latin typeface="Gill Sans MT" panose="020B0502020104020203" pitchFamily="34" charset="77"/>
-            </a:endParaRPr>
-          </a:p>
-          <a:p>
-            <a:pPr marL="0" indent="0">
-              <a:buNone/>
-            </a:pPr>
-            <a:endParaRPr lang="en-US" dirty="0">
-              <a:latin typeface="Gill Sans MT" panose="020B0502020104020203" pitchFamily="34" charset="77"/>
-            </a:endParaRPr>
-          </a:p>
-          <a:p>
-            <a:pPr marL="0" indent="0">
-              <a:buNone/>
-            </a:pPr>
-            <a:endParaRPr lang="en-US" b="1" dirty="0">
-              <a:latin typeface="Gill Sans MT" panose="020B0502020104020203" pitchFamily="34" charset="77"/>
-            </a:endParaRPr>
-          </a:p>
-        </p:txBody>
-      </p:sp>
-      <p:sp>
-        <p:nvSpPr>
-          <p:cNvPr id="3" name="Slide Number Placeholder 2">
-            <a:extLst>
-              <a:ext uri="{FF2B5EF4-FFF2-40B4-BE49-F238E27FC236}">
-                <a16:creationId xmlns:a16="http://schemas.microsoft.com/office/drawing/2014/main" id="{8F528532-FC7A-DD4A-977A-7D4128889FD0}"/>
-              </a:ext>
-            </a:extLst>
-          </p:cNvPr>
-          <p:cNvSpPr>
-            <a:spLocks noGrp="1"/>
-          </p:cNvSpPr>
-          <p:nvPr>
-            <p:ph type="sldNum" sz="quarter" idx="12"/>
-          </p:nvPr>
-        </p:nvSpPr>
-        <p:spPr/>
-        <p:txBody>
-          <a:bodyPr/>
-          <a:lstStyle/>
-          <a:p>
-            <a:fld id="{D57F1E4F-1CFF-5643-939E-02111984F565}" type="slidenum">
-              <a:rPr lang="en-US" smtClean="0"/>
-              <a:t>2</a:t>
-            </a:fld>
-            <a:endParaRPr lang="en-US" dirty="0"/>
-          </a:p>
-        </p:txBody>
-      </p:sp>
-    </p:spTree>
-    <p:extLst>
-      <p:ext uri="{BB962C8B-B14F-4D97-AF65-F5344CB8AC3E}">
-        <p14:creationId xmlns:p14="http://schemas.microsoft.com/office/powerpoint/2010/main" val="131840209"/>
-      </p:ext>
-    </p:extLst>
-  </p:cSld>
-  <p:clrMapOvr>
-    <a:masterClrMapping/>
-  </p:clrMapOvr>
-</p:sld>
-</file>
-
-<file path=ppt/slides/slide20.xml><?xml version="1.0" encoding="utf-8"?>
-<p:sld xmlns:a="http://schemas.openxmlformats.org/drawingml/2006/main" xmlns:r="http://schemas.openxmlformats.org/officeDocument/2006/relationships" xmlns:p="http://schemas.openxmlformats.org/presentationml/2006/main">
-  <p:cSld>
-    <p:spTree>
-      <p:nvGrpSpPr>
-        <p:cNvPr id="1" name=""/>
-        <p:cNvGrpSpPr/>
-        <p:nvPr/>
-      </p:nvGrpSpPr>
-      <p:grpSpPr>
-        <a:xfrm>
-          <a:off x="0" y="0"/>
-          <a:ext cx="0" cy="0"/>
-          <a:chOff x="0" y="0"/>
-          <a:chExt cx="0" cy="0"/>
-        </a:xfrm>
-      </p:grpSpPr>
-      <p:sp>
-        <p:nvSpPr>
-          <p:cNvPr id="2" name="Title 1">
-            <a:extLst>
-              <a:ext uri="{FF2B5EF4-FFF2-40B4-BE49-F238E27FC236}">
-                <a16:creationId xmlns:a16="http://schemas.microsoft.com/office/drawing/2014/main" id="{AA3A228F-61D0-D949-A5E7-F83756230BF8}"/>
-              </a:ext>
-            </a:extLst>
-          </p:cNvPr>
-          <p:cNvSpPr>
-            <a:spLocks noGrp="1"/>
-          </p:cNvSpPr>
-          <p:nvPr>
-            <p:ph type="title"/>
-          </p:nvPr>
-        </p:nvSpPr>
-        <p:spPr>
-          <a:xfrm>
-            <a:off x="192018" y="85790"/>
-            <a:ext cx="7053542" cy="683886"/>
-          </a:xfrm>
-        </p:spPr>
-        <p:txBody>
-          <a:bodyPr/>
-          <a:lstStyle/>
-          <a:p>
-            <a:r>
-              <a:rPr lang="en-US" dirty="0"/>
-              <a:t>Lab 2: Counting Primes </a:t>
-            </a:r>
-          </a:p>
-        </p:txBody>
-      </p:sp>
-      <p:sp>
-        <p:nvSpPr>
-          <p:cNvPr id="9" name="Content Placeholder 8">
-            <a:extLst>
-              <a:ext uri="{FF2B5EF4-FFF2-40B4-BE49-F238E27FC236}">
-                <a16:creationId xmlns:a16="http://schemas.microsoft.com/office/drawing/2014/main" id="{E3B2E017-30B2-884B-A113-B419A2ED51AD}"/>
-              </a:ext>
-            </a:extLst>
-          </p:cNvPr>
-          <p:cNvSpPr>
-            <a:spLocks noGrp="1"/>
-          </p:cNvSpPr>
-          <p:nvPr>
-            <p:ph idx="1"/>
-          </p:nvPr>
-        </p:nvSpPr>
-        <p:spPr>
-          <a:xfrm>
-            <a:off x="192018" y="671196"/>
-            <a:ext cx="8829434" cy="5043804"/>
-          </a:xfrm>
-        </p:spPr>
-        <p:txBody>
-          <a:bodyPr>
-            <a:noAutofit/>
-          </a:bodyPr>
-          <a:lstStyle/>
-          <a:p>
-            <a:pPr marL="0" indent="0">
-              <a:buNone/>
-            </a:pPr>
-            <a:r>
-              <a:rPr lang="en-US" dirty="0"/>
-              <a:t>Create a new repl. </a:t>
-            </a:r>
-          </a:p>
-          <a:p>
-            <a:pPr marL="0" indent="0">
-              <a:buNone/>
-            </a:pPr>
-            <a:r>
-              <a:rPr lang="en-US" dirty="0"/>
-              <a:t>1) Rewrite the function </a:t>
-            </a:r>
-            <a:r>
-              <a:rPr lang="en-US" dirty="0" err="1"/>
-              <a:t>count_factors</a:t>
-            </a:r>
-            <a:r>
-              <a:rPr lang="en-US" dirty="0"/>
-              <a:t> as explained in a previous slide. </a:t>
-            </a:r>
-          </a:p>
-          <a:p>
-            <a:pPr marL="0" indent="0">
-              <a:buNone/>
-            </a:pPr>
-            <a:r>
-              <a:rPr lang="en-US" dirty="0"/>
-              <a:t>2) A number n is prime if its only factors are 1 and n. Write the function </a:t>
-            </a:r>
-            <a:r>
-              <a:rPr lang="en-US" dirty="0" err="1"/>
-              <a:t>is_prime</a:t>
-            </a:r>
-            <a:r>
-              <a:rPr lang="en-US" dirty="0"/>
-              <a:t> which accepts an integer n and returns whether it is prime.  Note that 1 is not prime. </a:t>
-            </a:r>
-            <a:r>
-              <a:rPr lang="en-US" dirty="0">
-                <a:solidFill>
-                  <a:srgbClr val="FF0000"/>
-                </a:solidFill>
-              </a:rPr>
-              <a:t>You must call the function </a:t>
-            </a:r>
-            <a:r>
-              <a:rPr lang="en-US" dirty="0" err="1">
-                <a:solidFill>
-                  <a:srgbClr val="FF0000"/>
-                </a:solidFill>
-              </a:rPr>
-              <a:t>count_factors</a:t>
-            </a:r>
-            <a:r>
-              <a:rPr lang="en-US" dirty="0">
-                <a:solidFill>
-                  <a:srgbClr val="FF0000"/>
-                </a:solidFill>
-              </a:rPr>
-              <a:t> in your implementation of </a:t>
-            </a:r>
-            <a:r>
-              <a:rPr lang="en-US" dirty="0" err="1">
-                <a:solidFill>
-                  <a:srgbClr val="FF0000"/>
-                </a:solidFill>
-              </a:rPr>
-              <a:t>is_prime</a:t>
-            </a:r>
-            <a:r>
-              <a:rPr lang="en-US" dirty="0">
-                <a:solidFill>
-                  <a:srgbClr val="FF0000"/>
-                </a:solidFill>
-              </a:rPr>
-              <a:t>.</a:t>
-            </a:r>
-          </a:p>
-          <a:p>
-            <a:pPr marL="0" indent="0">
-              <a:buNone/>
-            </a:pPr>
-            <a:r>
-              <a:rPr lang="en-US" dirty="0" err="1">
-                <a:solidFill>
-                  <a:srgbClr val="FF0000"/>
-                </a:solidFill>
-              </a:rPr>
-              <a:t>is_prime</a:t>
-            </a:r>
-            <a:r>
-              <a:rPr lang="en-US" dirty="0">
-                <a:solidFill>
-                  <a:srgbClr val="FF0000"/>
-                </a:solidFill>
-              </a:rPr>
-              <a:t>(13) returns True</a:t>
-            </a:r>
-          </a:p>
-          <a:p>
-            <a:pPr marL="0" indent="0">
-              <a:buNone/>
-            </a:pPr>
-            <a:r>
-              <a:rPr lang="en-US" dirty="0" err="1">
-                <a:solidFill>
-                  <a:srgbClr val="FF0000"/>
-                </a:solidFill>
-              </a:rPr>
-              <a:t>is_prime</a:t>
-            </a:r>
-            <a:r>
-              <a:rPr lang="en-US" dirty="0">
-                <a:solidFill>
-                  <a:srgbClr val="FF0000"/>
-                </a:solidFill>
-              </a:rPr>
-              <a:t>(1245) returns False</a:t>
-            </a:r>
-          </a:p>
-          <a:p>
-            <a:pPr marL="0" indent="0">
-              <a:buNone/>
-            </a:pPr>
-            <a:r>
-              <a:rPr lang="en-US" dirty="0"/>
-              <a:t>3) Write the function </a:t>
-            </a:r>
-            <a:r>
-              <a:rPr lang="en-US" dirty="0" err="1"/>
-              <a:t>num_primes</a:t>
-            </a:r>
-            <a:r>
-              <a:rPr lang="en-US" dirty="0"/>
-              <a:t> which accepts an integer n and and returns the number of primes up to and including n.  </a:t>
-            </a:r>
-            <a:r>
-              <a:rPr lang="en-US" dirty="0">
-                <a:solidFill>
-                  <a:srgbClr val="FF0000"/>
-                </a:solidFill>
-              </a:rPr>
-              <a:t>You must call the function </a:t>
-            </a:r>
-            <a:r>
-              <a:rPr lang="en-US" dirty="0" err="1">
-                <a:solidFill>
-                  <a:srgbClr val="FF0000"/>
-                </a:solidFill>
-              </a:rPr>
-              <a:t>is_prime</a:t>
-            </a:r>
-            <a:r>
-              <a:rPr lang="en-US" dirty="0">
-                <a:solidFill>
-                  <a:srgbClr val="FF0000"/>
-                </a:solidFill>
-              </a:rPr>
-              <a:t> in your implementation.</a:t>
-            </a:r>
-          </a:p>
-          <a:p>
-            <a:pPr marL="0" indent="0">
-              <a:buNone/>
-            </a:pPr>
-            <a:r>
-              <a:rPr lang="en-US" dirty="0" err="1"/>
-              <a:t>num_prime</a:t>
-            </a:r>
-            <a:r>
-              <a:rPr lang="en-US" dirty="0"/>
-              <a:t>(11) returns 5 since 2, 3, 5, 7, 11 are the 5 prime numbers less than or equal to 11. </a:t>
-            </a:r>
-          </a:p>
-          <a:p>
-            <a:pPr marL="0" indent="0">
-              <a:buNone/>
-            </a:pPr>
-            <a:r>
-              <a:rPr lang="en-US" dirty="0"/>
-              <a:t>Call the three above functions with different inputs and make sure that your functions work as expected. </a:t>
-            </a:r>
-          </a:p>
-        </p:txBody>
-      </p:sp>
-      <p:sp>
-        <p:nvSpPr>
-          <p:cNvPr id="3" name="Slide Number Placeholder 2">
-            <a:extLst>
-              <a:ext uri="{FF2B5EF4-FFF2-40B4-BE49-F238E27FC236}">
-                <a16:creationId xmlns:a16="http://schemas.microsoft.com/office/drawing/2014/main" id="{9F5B78D7-AC9E-9D46-A252-4AE5D34709E0}"/>
-              </a:ext>
-            </a:extLst>
-          </p:cNvPr>
-          <p:cNvSpPr>
-            <a:spLocks noGrp="1"/>
-          </p:cNvSpPr>
-          <p:nvPr>
-            <p:ph type="sldNum" sz="quarter" idx="12"/>
-          </p:nvPr>
-        </p:nvSpPr>
-        <p:spPr/>
-        <p:txBody>
-          <a:bodyPr/>
-          <a:lstStyle/>
-          <a:p>
-            <a:fld id="{D57F1E4F-1CFF-5643-939E-02111984F565}" type="slidenum">
-              <a:rPr lang="en-US" smtClean="0"/>
-              <a:t>20</a:t>
-            </a:fld>
-            <a:endParaRPr lang="en-US" dirty="0"/>
-          </a:p>
-        </p:txBody>
-      </p:sp>
-    </p:spTree>
-    <p:extLst>
-      <p:ext uri="{BB962C8B-B14F-4D97-AF65-F5344CB8AC3E}">
-        <p14:creationId xmlns:p14="http://schemas.microsoft.com/office/powerpoint/2010/main" val="3662915732"/>
-      </p:ext>
-    </p:extLst>
-  </p:cSld>
-  <p:clrMapOvr>
-    <a:masterClrMapping/>
-  </p:clrMapOvr>
-</p:sld>
-</file>
-
-<file path=ppt/slides/slide21.xml><?xml version="1.0" encoding="utf-8"?>
-<p:sld xmlns:a="http://schemas.openxmlformats.org/drawingml/2006/main" xmlns:r="http://schemas.openxmlformats.org/officeDocument/2006/relationships" xmlns:p="http://schemas.openxmlformats.org/presentationml/2006/main">
-  <p:cSld>
-    <p:spTree>
-      <p:nvGrpSpPr>
-        <p:cNvPr id="1" name=""/>
-        <p:cNvGrpSpPr/>
-        <p:nvPr/>
-      </p:nvGrpSpPr>
-      <p:grpSpPr>
-        <a:xfrm>
-          <a:off x="0" y="0"/>
-          <a:ext cx="0" cy="0"/>
-          <a:chOff x="0" y="0"/>
-          <a:chExt cx="0" cy="0"/>
-        </a:xfrm>
-      </p:grpSpPr>
-      <p:sp>
-        <p:nvSpPr>
-          <p:cNvPr id="2" name="Title 1">
-            <a:extLst>
-              <a:ext uri="{FF2B5EF4-FFF2-40B4-BE49-F238E27FC236}">
-                <a16:creationId xmlns:a16="http://schemas.microsoft.com/office/drawing/2014/main" id="{AA3A228F-61D0-D949-A5E7-F83756230BF8}"/>
-              </a:ext>
-            </a:extLst>
-          </p:cNvPr>
-          <p:cNvSpPr>
-            <a:spLocks noGrp="1"/>
-          </p:cNvSpPr>
-          <p:nvPr>
-            <p:ph type="title"/>
-          </p:nvPr>
-        </p:nvSpPr>
-        <p:spPr>
-          <a:xfrm>
-            <a:off x="483848" y="467027"/>
-            <a:ext cx="7053542" cy="683886"/>
-          </a:xfrm>
-        </p:spPr>
-        <p:txBody>
-          <a:bodyPr/>
-          <a:lstStyle/>
-          <a:p>
-            <a:r>
-              <a:rPr lang="en-US" dirty="0"/>
               <a:t>References</a:t>
             </a:r>
           </a:p>
@@ -11777,7 +15249,7 @@
           <a:p>
             <a:fld id="{D57F1E4F-1CFF-5643-939E-02111984F565}" type="slidenum">
               <a:rPr lang="en-US" smtClean="0"/>
-              <a:t>21</a:t>
+              <a:t>26</a:t>
             </a:fld>
             <a:endParaRPr lang="en-US" dirty="0"/>
           </a:p>
@@ -13244,7 +16716,7 @@
         </p:spPr>
         <p:txBody>
           <a:bodyPr>
-            <a:normAutofit/>
+            <a:normAutofit lnSpcReduction="10000"/>
           </a:bodyPr>
           <a:lstStyle/>
           <a:p>

--- a/courses/apcsp/lect5.pptx
+++ b/courses/apcsp/lect5.pptx
@@ -5,7 +5,7 @@
     <p:sldMasterId id="2147483791" r:id="rId1"/>
   </p:sldMasterIdLst>
   <p:notesMasterIdLst>
-    <p:notesMasterId r:id="rId28"/>
+    <p:notesMasterId r:id="rId30"/>
   </p:notesMasterIdLst>
   <p:sldIdLst>
     <p:sldId id="256" r:id="rId2"/>
@@ -16,24 +16,26 @@
     <p:sldId id="296" r:id="rId7"/>
     <p:sldId id="297" r:id="rId8"/>
     <p:sldId id="298" r:id="rId9"/>
-    <p:sldId id="305" r:id="rId10"/>
-    <p:sldId id="331" r:id="rId11"/>
-    <p:sldId id="308" r:id="rId12"/>
-    <p:sldId id="330" r:id="rId13"/>
-    <p:sldId id="309" r:id="rId14"/>
-    <p:sldId id="310" r:id="rId15"/>
-    <p:sldId id="311" r:id="rId16"/>
-    <p:sldId id="312" r:id="rId17"/>
-    <p:sldId id="332" r:id="rId18"/>
-    <p:sldId id="291" r:id="rId19"/>
-    <p:sldId id="336" r:id="rId20"/>
-    <p:sldId id="335" r:id="rId21"/>
-    <p:sldId id="276" r:id="rId22"/>
-    <p:sldId id="302" r:id="rId23"/>
-    <p:sldId id="284" r:id="rId24"/>
-    <p:sldId id="317" r:id="rId25"/>
-    <p:sldId id="333" r:id="rId26"/>
-    <p:sldId id="316" r:id="rId27"/>
+    <p:sldId id="337" r:id="rId10"/>
+    <p:sldId id="305" r:id="rId11"/>
+    <p:sldId id="331" r:id="rId12"/>
+    <p:sldId id="308" r:id="rId13"/>
+    <p:sldId id="330" r:id="rId14"/>
+    <p:sldId id="309" r:id="rId15"/>
+    <p:sldId id="310" r:id="rId16"/>
+    <p:sldId id="311" r:id="rId17"/>
+    <p:sldId id="312" r:id="rId18"/>
+    <p:sldId id="332" r:id="rId19"/>
+    <p:sldId id="291" r:id="rId20"/>
+    <p:sldId id="336" r:id="rId21"/>
+    <p:sldId id="335" r:id="rId22"/>
+    <p:sldId id="276" r:id="rId23"/>
+    <p:sldId id="302" r:id="rId24"/>
+    <p:sldId id="338" r:id="rId25"/>
+    <p:sldId id="284" r:id="rId26"/>
+    <p:sldId id="317" r:id="rId27"/>
+    <p:sldId id="333" r:id="rId28"/>
+    <p:sldId id="316" r:id="rId29"/>
   </p:sldIdLst>
   <p:sldSz cx="9144000" cy="5715000" type="screen16x10"/>
   <p:notesSz cx="6858000" cy="9144000"/>
@@ -143,7 +145,7 @@
 <file path=ppt/revisionInfo.xml><?xml version="1.0" encoding="utf-8"?>
 <p1510:revInfo xmlns:a="http://schemas.openxmlformats.org/drawingml/2006/main" xmlns:r="http://schemas.openxmlformats.org/officeDocument/2006/relationships" xmlns:p1510="http://schemas.microsoft.com/office/powerpoint/2015/10/main">
   <p1510:revLst>
-    <p1510:client id="{AA9E8E96-66E7-354D-9B69-635A630A812D}" v="736" dt="2022-09-30T13:33:04.896"/>
+    <p1510:client id="{D0E154C4-B346-F941-A6B9-86184AB0DF7E}" v="68" dt="2022-10-26T13:48:07.305"/>
   </p1510:revLst>
 </p1510:revInfo>
 </file>
@@ -1411,6 +1413,170 @@
     </pc:docChg>
   </pc:docChgLst>
   <pc:docChgLst>
+    <pc:chgData name="Long Nguyen" userId="f59fb8f3-a021-417a-8bc1-65c8d471c621" providerId="ADAL" clId="{D0E154C4-B346-F941-A6B9-86184AB0DF7E}"/>
+    <pc:docChg chg="undo custSel addSld modSld">
+      <pc:chgData name="Long Nguyen" userId="f59fb8f3-a021-417a-8bc1-65c8d471c621" providerId="ADAL" clId="{D0E154C4-B346-F941-A6B9-86184AB0DF7E}" dt="2022-10-26T13:51:27.396" v="1027" actId="20577"/>
+      <pc:docMkLst>
+        <pc:docMk/>
+      </pc:docMkLst>
+      <pc:sldChg chg="addSp modSp mod">
+        <pc:chgData name="Long Nguyen" userId="f59fb8f3-a021-417a-8bc1-65c8d471c621" providerId="ADAL" clId="{D0E154C4-B346-F941-A6B9-86184AB0DF7E}" dt="2022-10-26T13:40:10.479" v="425" actId="20577"/>
+        <pc:sldMkLst>
+          <pc:docMk/>
+          <pc:sldMk cId="99755680" sldId="291"/>
+        </pc:sldMkLst>
+        <pc:spChg chg="add mod">
+          <ac:chgData name="Long Nguyen" userId="f59fb8f3-a021-417a-8bc1-65c8d471c621" providerId="ADAL" clId="{D0E154C4-B346-F941-A6B9-86184AB0DF7E}" dt="2022-10-26T13:40:10.479" v="425" actId="20577"/>
+          <ac:spMkLst>
+            <pc:docMk/>
+            <pc:sldMk cId="99755680" sldId="291"/>
+            <ac:spMk id="3" creationId="{D736C09A-6445-0521-5620-845ACB1DDC5B}"/>
+          </ac:spMkLst>
+        </pc:spChg>
+      </pc:sldChg>
+      <pc:sldChg chg="modSp mod modAnim">
+        <pc:chgData name="Long Nguyen" userId="f59fb8f3-a021-417a-8bc1-65c8d471c621" providerId="ADAL" clId="{D0E154C4-B346-F941-A6B9-86184AB0DF7E}" dt="2022-10-26T13:30:14.191" v="169"/>
+        <pc:sldMkLst>
+          <pc:docMk/>
+          <pc:sldMk cId="553003360" sldId="296"/>
+        </pc:sldMkLst>
+        <pc:spChg chg="mod">
+          <ac:chgData name="Long Nguyen" userId="f59fb8f3-a021-417a-8bc1-65c8d471c621" providerId="ADAL" clId="{D0E154C4-B346-F941-A6B9-86184AB0DF7E}" dt="2022-10-26T13:29:09.866" v="161" actId="20577"/>
+          <ac:spMkLst>
+            <pc:docMk/>
+            <pc:sldMk cId="553003360" sldId="296"/>
+            <ac:spMk id="9" creationId="{E3B2E017-30B2-884B-A113-B419A2ED51AD}"/>
+          </ac:spMkLst>
+        </pc:spChg>
+      </pc:sldChg>
+      <pc:sldChg chg="modSp mod">
+        <pc:chgData name="Long Nguyen" userId="f59fb8f3-a021-417a-8bc1-65c8d471c621" providerId="ADAL" clId="{D0E154C4-B346-F941-A6B9-86184AB0DF7E}" dt="2022-10-26T12:23:52.471" v="21" actId="20577"/>
+        <pc:sldMkLst>
+          <pc:docMk/>
+          <pc:sldMk cId="3150557076" sldId="298"/>
+        </pc:sldMkLst>
+        <pc:spChg chg="mod">
+          <ac:chgData name="Long Nguyen" userId="f59fb8f3-a021-417a-8bc1-65c8d471c621" providerId="ADAL" clId="{D0E154C4-B346-F941-A6B9-86184AB0DF7E}" dt="2022-10-26T12:23:52.471" v="21" actId="20577"/>
+          <ac:spMkLst>
+            <pc:docMk/>
+            <pc:sldMk cId="3150557076" sldId="298"/>
+            <ac:spMk id="2" creationId="{AA3A228F-61D0-D949-A5E7-F83756230BF8}"/>
+          </ac:spMkLst>
+        </pc:spChg>
+      </pc:sldChg>
+      <pc:sldChg chg="addSp delSp modSp new mod">
+        <pc:chgData name="Long Nguyen" userId="f59fb8f3-a021-417a-8bc1-65c8d471c621" providerId="ADAL" clId="{D0E154C4-B346-F941-A6B9-86184AB0DF7E}" dt="2022-10-26T13:38:23.252" v="320"/>
+        <pc:sldMkLst>
+          <pc:docMk/>
+          <pc:sldMk cId="287602781" sldId="337"/>
+        </pc:sldMkLst>
+        <pc:spChg chg="mod">
+          <ac:chgData name="Long Nguyen" userId="f59fb8f3-a021-417a-8bc1-65c8d471c621" providerId="ADAL" clId="{D0E154C4-B346-F941-A6B9-86184AB0DF7E}" dt="2022-10-26T13:27:36.026" v="38" actId="1076"/>
+          <ac:spMkLst>
+            <pc:docMk/>
+            <pc:sldMk cId="287602781" sldId="337"/>
+            <ac:spMk id="2" creationId="{86ADC1BD-B817-E355-4649-B1F4E8E200F3}"/>
+          </ac:spMkLst>
+        </pc:spChg>
+        <pc:spChg chg="mod">
+          <ac:chgData name="Long Nguyen" userId="f59fb8f3-a021-417a-8bc1-65c8d471c621" providerId="ADAL" clId="{D0E154C4-B346-F941-A6B9-86184AB0DF7E}" dt="2022-10-26T13:32:24.200" v="318" actId="5793"/>
+          <ac:spMkLst>
+            <pc:docMk/>
+            <pc:sldMk cId="287602781" sldId="337"/>
+            <ac:spMk id="3" creationId="{9C2DD414-A1A4-51DC-3253-3E51EA569EBA}"/>
+          </ac:spMkLst>
+        </pc:spChg>
+        <pc:spChg chg="add del mod">
+          <ac:chgData name="Long Nguyen" userId="f59fb8f3-a021-417a-8bc1-65c8d471c621" providerId="ADAL" clId="{D0E154C4-B346-F941-A6B9-86184AB0DF7E}" dt="2022-10-26T13:38:23.252" v="320"/>
+          <ac:spMkLst>
+            <pc:docMk/>
+            <pc:sldMk cId="287602781" sldId="337"/>
+            <ac:spMk id="6" creationId="{F20B319B-5234-1B66-3DDB-143C048CA6FA}"/>
+          </ac:spMkLst>
+        </pc:spChg>
+        <pc:picChg chg="add mod">
+          <ac:chgData name="Long Nguyen" userId="f59fb8f3-a021-417a-8bc1-65c8d471c621" providerId="ADAL" clId="{D0E154C4-B346-F941-A6B9-86184AB0DF7E}" dt="2022-10-26T13:32:08.390" v="288" actId="1035"/>
+          <ac:picMkLst>
+            <pc:docMk/>
+            <pc:sldMk cId="287602781" sldId="337"/>
+            <ac:picMk id="5" creationId="{F7FDE22B-2758-F04E-240C-8AC050943925}"/>
+          </ac:picMkLst>
+        </pc:picChg>
+      </pc:sldChg>
+      <pc:sldChg chg="addSp delSp modSp new mod">
+        <pc:chgData name="Long Nguyen" userId="f59fb8f3-a021-417a-8bc1-65c8d471c621" providerId="ADAL" clId="{D0E154C4-B346-F941-A6B9-86184AB0DF7E}" dt="2022-10-26T13:51:27.396" v="1027" actId="20577"/>
+        <pc:sldMkLst>
+          <pc:docMk/>
+          <pc:sldMk cId="1128944251" sldId="338"/>
+        </pc:sldMkLst>
+        <pc:spChg chg="mod">
+          <ac:chgData name="Long Nguyen" userId="f59fb8f3-a021-417a-8bc1-65c8d471c621" providerId="ADAL" clId="{D0E154C4-B346-F941-A6B9-86184AB0DF7E}" dt="2022-10-26T13:46:33.376" v="446" actId="1076"/>
+          <ac:spMkLst>
+            <pc:docMk/>
+            <pc:sldMk cId="1128944251" sldId="338"/>
+            <ac:spMk id="2" creationId="{A340B44D-B662-1B98-A1CB-22BE7EC3D3D7}"/>
+          </ac:spMkLst>
+        </pc:spChg>
+        <pc:spChg chg="del">
+          <ac:chgData name="Long Nguyen" userId="f59fb8f3-a021-417a-8bc1-65c8d471c621" providerId="ADAL" clId="{D0E154C4-B346-F941-A6B9-86184AB0DF7E}" dt="2022-10-26T13:42:22.496" v="427"/>
+          <ac:spMkLst>
+            <pc:docMk/>
+            <pc:sldMk cId="1128944251" sldId="338"/>
+            <ac:spMk id="3" creationId="{3EA485C6-07AA-74D9-36B3-48C630CD385C}"/>
+          </ac:spMkLst>
+        </pc:spChg>
+        <pc:spChg chg="add mod">
+          <ac:chgData name="Long Nguyen" userId="f59fb8f3-a021-417a-8bc1-65c8d471c621" providerId="ADAL" clId="{D0E154C4-B346-F941-A6B9-86184AB0DF7E}" dt="2022-10-26T13:42:28.915" v="428" actId="14100"/>
+          <ac:spMkLst>
+            <pc:docMk/>
+            <pc:sldMk cId="1128944251" sldId="338"/>
+            <ac:spMk id="6" creationId="{8826A9CA-5A35-6321-4C6D-375F074A2F47}"/>
+          </ac:spMkLst>
+        </pc:spChg>
+        <pc:spChg chg="add del mod">
+          <ac:chgData name="Long Nguyen" userId="f59fb8f3-a021-417a-8bc1-65c8d471c621" providerId="ADAL" clId="{D0E154C4-B346-F941-A6B9-86184AB0DF7E}" dt="2022-10-26T13:45:54.112" v="431"/>
+          <ac:spMkLst>
+            <pc:docMk/>
+            <pc:sldMk cId="1128944251" sldId="338"/>
+            <ac:spMk id="8" creationId="{29832B01-07D8-A8FB-3720-16F1ACFCAE51}"/>
+          </ac:spMkLst>
+        </pc:spChg>
+        <pc:spChg chg="add mod">
+          <ac:chgData name="Long Nguyen" userId="f59fb8f3-a021-417a-8bc1-65c8d471c621" providerId="ADAL" clId="{D0E154C4-B346-F941-A6B9-86184AB0DF7E}" dt="2022-10-26T13:51:27.396" v="1027" actId="20577"/>
+          <ac:spMkLst>
+            <pc:docMk/>
+            <pc:sldMk cId="1128944251" sldId="338"/>
+            <ac:spMk id="10" creationId="{E944DC3B-4EA7-931F-AF1E-FC552BA41E57}"/>
+          </ac:spMkLst>
+        </pc:spChg>
+        <pc:spChg chg="add mod">
+          <ac:chgData name="Long Nguyen" userId="f59fb8f3-a021-417a-8bc1-65c8d471c621" providerId="ADAL" clId="{D0E154C4-B346-F941-A6B9-86184AB0DF7E}" dt="2022-10-26T13:51:00.654" v="983" actId="20577"/>
+          <ac:spMkLst>
+            <pc:docMk/>
+            <pc:sldMk cId="1128944251" sldId="338"/>
+            <ac:spMk id="11" creationId="{E9E89041-25CA-7787-DF52-2EA78DEC0912}"/>
+          </ac:spMkLst>
+        </pc:spChg>
+        <pc:graphicFrameChg chg="add del mod modGraphic">
+          <ac:chgData name="Long Nguyen" userId="f59fb8f3-a021-417a-8bc1-65c8d471c621" providerId="ADAL" clId="{D0E154C4-B346-F941-A6B9-86184AB0DF7E}" dt="2022-10-26T13:45:51.884" v="430" actId="478"/>
+          <ac:graphicFrameMkLst>
+            <pc:docMk/>
+            <pc:sldMk cId="1128944251" sldId="338"/>
+            <ac:graphicFrameMk id="5" creationId="{FDDB42FB-75BE-AF86-799B-0117B86D83B2}"/>
+          </ac:graphicFrameMkLst>
+        </pc:graphicFrameChg>
+        <pc:picChg chg="add mod">
+          <ac:chgData name="Long Nguyen" userId="f59fb8f3-a021-417a-8bc1-65c8d471c621" providerId="ADAL" clId="{D0E154C4-B346-F941-A6B9-86184AB0DF7E}" dt="2022-10-26T13:51:15.680" v="1012" actId="1037"/>
+          <ac:picMkLst>
+            <pc:docMk/>
+            <pc:sldMk cId="1128944251" sldId="338"/>
+            <ac:picMk id="9" creationId="{F02032DC-0733-12B3-65B3-971553A3B000}"/>
+          </ac:picMkLst>
+        </pc:picChg>
+      </pc:sldChg>
+    </pc:docChg>
+  </pc:docChgLst>
+  <pc:docChgLst>
     <pc:chgData name="Long B Nguyen" userId="f59fb8f3-a021-417a-8bc1-65c8d471c621" providerId="ADAL" clId="{E2659998-345F-2A42-B467-55E59999979A}"/>
     <pc:docChg chg="delSld modSld">
       <pc:chgData name="Long B Nguyen" userId="f59fb8f3-a021-417a-8bc1-65c8d471c621" providerId="ADAL" clId="{E2659998-345F-2A42-B467-55E59999979A}" dt="2021-06-14T22:06:26.206" v="63" actId="20577"/>
@@ -2379,7 +2545,7 @@
           <a:p>
             <a:fld id="{91B17CCE-B712-5B43-9D1C-82523EAD6AD9}" type="datetimeFigureOut">
               <a:rPr lang="en-US" smtClean="0"/>
-              <a:t>9/30/22</a:t>
+              <a:t>10/26/22</a:t>
             </a:fld>
             <a:endParaRPr lang="en-US"/>
           </a:p>
@@ -2777,7 +2943,7 @@
           <a:p>
             <a:fld id="{DC471BF0-9D75-0942-9041-17C4B5344EC4}" type="datetime1">
               <a:rPr lang="en-US" smtClean="0"/>
-              <a:t>9/30/22</a:t>
+              <a:t>10/26/22</a:t>
             </a:fld>
             <a:endParaRPr lang="en-US" dirty="0"/>
           </a:p>
@@ -2947,7 +3113,7 @@
           <a:p>
             <a:fld id="{B2865873-C2CE-D94D-9B62-5C7D3D28893C}" type="datetime1">
               <a:rPr lang="en-US" smtClean="0"/>
-              <a:t>9/30/22</a:t>
+              <a:t>10/26/22</a:t>
             </a:fld>
             <a:endParaRPr lang="en-US" dirty="0"/>
           </a:p>
@@ -3127,7 +3293,7 @@
           <a:p>
             <a:fld id="{8FD9C3D9-FA7E-9846-AC00-3B249AB3A3A5}" type="datetime1">
               <a:rPr lang="en-US" smtClean="0"/>
-              <a:t>9/30/22</a:t>
+              <a:t>10/26/22</a:t>
             </a:fld>
             <a:endParaRPr lang="en-US" dirty="0"/>
           </a:p>
@@ -3297,7 +3463,7 @@
           <a:p>
             <a:fld id="{BB0B2068-C0B6-3D41-8F8D-849B431B8433}" type="datetime1">
               <a:rPr lang="en-US" smtClean="0"/>
-              <a:t>9/30/22</a:t>
+              <a:t>10/26/22</a:t>
             </a:fld>
             <a:endParaRPr lang="en-US" dirty="0"/>
           </a:p>
@@ -3543,7 +3709,7 @@
           <a:p>
             <a:fld id="{0F9033C7-D091-114B-8DC2-5C14BE3937E7}" type="datetime1">
               <a:rPr lang="en-US" smtClean="0"/>
-              <a:t>9/30/22</a:t>
+              <a:t>10/26/22</a:t>
             </a:fld>
             <a:endParaRPr lang="en-US" dirty="0"/>
           </a:p>
@@ -3775,7 +3941,7 @@
           <a:p>
             <a:fld id="{9157D187-B498-E845-A39A-6C51B5EF5520}" type="datetime1">
               <a:rPr lang="en-US" smtClean="0"/>
-              <a:t>9/30/22</a:t>
+              <a:t>10/26/22</a:t>
             </a:fld>
             <a:endParaRPr lang="en-US" dirty="0"/>
           </a:p>
@@ -4142,7 +4308,7 @@
           <a:p>
             <a:fld id="{10C5814F-9C1E-8F43-BD11-47A12FCB08E9}" type="datetime1">
               <a:rPr lang="en-US" smtClean="0"/>
-              <a:t>9/30/22</a:t>
+              <a:t>10/26/22</a:t>
             </a:fld>
             <a:endParaRPr lang="en-US" dirty="0"/>
           </a:p>
@@ -4260,7 +4426,7 @@
           <a:p>
             <a:fld id="{00F4A595-D1A6-9443-A5E6-028339934659}" type="datetime1">
               <a:rPr lang="en-US" smtClean="0"/>
-              <a:t>9/30/22</a:t>
+              <a:t>10/26/22</a:t>
             </a:fld>
             <a:endParaRPr lang="en-US" dirty="0"/>
           </a:p>
@@ -4355,7 +4521,7 @@
           <a:p>
             <a:fld id="{283535AB-F705-A546-82E9-EF92A857560A}" type="datetime1">
               <a:rPr lang="en-US" smtClean="0"/>
-              <a:t>9/30/22</a:t>
+              <a:t>10/26/22</a:t>
             </a:fld>
             <a:endParaRPr lang="en-US" dirty="0"/>
           </a:p>
@@ -4632,7 +4798,7 @@
           <a:p>
             <a:fld id="{5458BA01-9B91-0A4B-AB23-8BE4CE0D7125}" type="datetime1">
               <a:rPr lang="en-US" smtClean="0"/>
-              <a:t>9/30/22</a:t>
+              <a:t>10/26/22</a:t>
             </a:fld>
             <a:endParaRPr lang="en-US" dirty="0"/>
           </a:p>
@@ -4889,7 +5055,7 @@
           <a:p>
             <a:fld id="{508F2FD5-7FA7-DF4B-B297-3F8803611404}" type="datetime1">
               <a:rPr lang="en-US" smtClean="0"/>
-              <a:t>9/30/22</a:t>
+              <a:t>10/26/22</a:t>
             </a:fld>
             <a:endParaRPr lang="en-US" dirty="0"/>
           </a:p>
@@ -5102,7 +5268,7 @@
           <a:p>
             <a:fld id="{74C7A9AF-EB43-AD4F-A6D0-5244F0154611}" type="datetime1">
               <a:rPr lang="en-US" smtClean="0"/>
-              <a:t>9/30/22</a:t>
+              <a:t>10/26/22</a:t>
             </a:fld>
             <a:endParaRPr lang="en-US" dirty="0"/>
           </a:p>
@@ -5884,6 +6050,461 @@
         </p:nvSpPr>
         <p:spPr>
           <a:xfrm>
+            <a:off x="163337" y="134008"/>
+            <a:ext cx="7053542" cy="683886"/>
+          </a:xfrm>
+        </p:spPr>
+        <p:txBody>
+          <a:bodyPr/>
+          <a:lstStyle/>
+          <a:p>
+            <a:r>
+              <a:rPr lang="en-US" dirty="0"/>
+              <a:t>Definite Iteration</a:t>
+            </a:r>
+          </a:p>
+        </p:txBody>
+      </p:sp>
+      <p:sp>
+        <p:nvSpPr>
+          <p:cNvPr id="9" name="Content Placeholder 8">
+            <a:extLst>
+              <a:ext uri="{FF2B5EF4-FFF2-40B4-BE49-F238E27FC236}">
+                <a16:creationId xmlns:a16="http://schemas.microsoft.com/office/drawing/2014/main" id="{E3B2E017-30B2-884B-A113-B419A2ED51AD}"/>
+              </a:ext>
+            </a:extLst>
+          </p:cNvPr>
+          <p:cNvSpPr>
+            <a:spLocks noGrp="1"/>
+          </p:cNvSpPr>
+          <p:nvPr>
+            <p:ph idx="1"/>
+          </p:nvPr>
+        </p:nvSpPr>
+        <p:spPr>
+          <a:xfrm>
+            <a:off x="235670" y="817895"/>
+            <a:ext cx="8691514" cy="4696785"/>
+          </a:xfrm>
+        </p:spPr>
+        <p:txBody>
+          <a:bodyPr>
+            <a:normAutofit/>
+          </a:bodyPr>
+          <a:lstStyle/>
+          <a:p>
+            <a:pPr marL="0" indent="0">
+              <a:buNone/>
+            </a:pPr>
+            <a:r>
+              <a:rPr lang="en-US" dirty="0">
+                <a:latin typeface="Gill Sans MT" panose="020B0502020104020203" pitchFamily="34" charset="77"/>
+              </a:rPr>
+              <a:t>The for loop is an example of a </a:t>
+            </a:r>
+            <a:r>
+              <a:rPr lang="en-US" b="1" dirty="0">
+                <a:latin typeface="Gill Sans MT" panose="020B0502020104020203" pitchFamily="34" charset="77"/>
+              </a:rPr>
+              <a:t>definite</a:t>
+            </a:r>
+            <a:r>
+              <a:rPr lang="en-US" dirty="0">
+                <a:latin typeface="Gill Sans MT" panose="020B0502020104020203" pitchFamily="34" charset="77"/>
+              </a:rPr>
+              <a:t> </a:t>
+            </a:r>
+            <a:r>
+              <a:rPr lang="en-US" b="1" dirty="0">
+                <a:latin typeface="Gill Sans MT" panose="020B0502020104020203" pitchFamily="34" charset="77"/>
+              </a:rPr>
+              <a:t>iteration</a:t>
+            </a:r>
+            <a:r>
+              <a:rPr lang="en-US" dirty="0">
+                <a:latin typeface="Gill Sans MT" panose="020B0502020104020203" pitchFamily="34" charset="77"/>
+              </a:rPr>
+              <a:t>. We can determine ahead of time the number of times the loop repeats. Later, we will talk about </a:t>
+            </a:r>
+            <a:r>
+              <a:rPr lang="en-US" b="1">
+                <a:latin typeface="Gill Sans MT" panose="020B0502020104020203" pitchFamily="34" charset="77"/>
+              </a:rPr>
+              <a:t>indefinite iteration</a:t>
+            </a:r>
+            <a:r>
+              <a:rPr lang="en-US">
+                <a:latin typeface="Gill Sans MT" panose="020B0502020104020203" pitchFamily="34" charset="77"/>
+              </a:rPr>
+              <a:t>, </a:t>
+            </a:r>
+            <a:r>
+              <a:rPr lang="en-US" dirty="0">
+                <a:latin typeface="Gill Sans MT" panose="020B0502020104020203" pitchFamily="34" charset="77"/>
+              </a:rPr>
+              <a:t>a loop where we cannot predict the number of times a loop repeats. </a:t>
+            </a:r>
+          </a:p>
+          <a:p>
+            <a:pPr marL="0" indent="0">
+              <a:buNone/>
+            </a:pPr>
+            <a:endParaRPr lang="en-US" dirty="0">
+              <a:latin typeface="Gill Sans MT" panose="020B0502020104020203" pitchFamily="34" charset="77"/>
+            </a:endParaRPr>
+          </a:p>
+          <a:p>
+            <a:pPr marL="0" indent="0">
+              <a:buNone/>
+            </a:pPr>
+            <a:r>
+              <a:rPr lang="en-US" b="1" dirty="0">
+                <a:solidFill>
+                  <a:srgbClr val="006699"/>
+                </a:solidFill>
+                <a:latin typeface="Inconsolata" panose="020B0609030003000000" pitchFamily="49" charset="77"/>
+              </a:rPr>
+              <a:t>for </a:t>
+            </a:r>
+            <a:r>
+              <a:rPr lang="en-US" b="1" dirty="0">
+                <a:solidFill>
+                  <a:srgbClr val="000087"/>
+                </a:solidFill>
+                <a:latin typeface="Inconsolata" panose="020B0609030003000000" pitchFamily="49" charset="77"/>
+              </a:rPr>
+              <a:t>i </a:t>
+            </a:r>
+            <a:r>
+              <a:rPr lang="en-US" b="1" dirty="0">
+                <a:latin typeface="Inconsolata" panose="020B0609030003000000" pitchFamily="49" charset="77"/>
+              </a:rPr>
+              <a:t>in </a:t>
+            </a:r>
+            <a:r>
+              <a:rPr lang="en-US" b="1" dirty="0">
+                <a:solidFill>
+                  <a:srgbClr val="336666"/>
+                </a:solidFill>
+                <a:latin typeface="Inconsolata" panose="020B0609030003000000" pitchFamily="49" charset="77"/>
+              </a:rPr>
+              <a:t>range</a:t>
+            </a:r>
+            <a:r>
+              <a:rPr lang="en-US" b="1" dirty="0">
+                <a:latin typeface="Inconsolata" panose="020B0609030003000000" pitchFamily="49" charset="77"/>
+              </a:rPr>
+              <a:t>(</a:t>
+            </a:r>
+            <a:r>
+              <a:rPr lang="en-US" b="1" dirty="0">
+                <a:solidFill>
+                  <a:srgbClr val="FF6600"/>
+                </a:solidFill>
+                <a:latin typeface="Inconsolata" panose="020B0609030003000000" pitchFamily="49" charset="77"/>
+              </a:rPr>
+              <a:t>5</a:t>
+            </a:r>
+            <a:r>
+              <a:rPr lang="en-US" b="1" dirty="0">
+                <a:latin typeface="Inconsolata" panose="020B0609030003000000" pitchFamily="49" charset="77"/>
+              </a:rPr>
+              <a:t>):</a:t>
+            </a:r>
+            <a:br>
+              <a:rPr lang="en-US" b="1" dirty="0">
+                <a:latin typeface="Inconsolata" panose="020B0609030003000000" pitchFamily="49" charset="77"/>
+              </a:rPr>
+            </a:br>
+            <a:r>
+              <a:rPr lang="en-US" b="1" dirty="0">
+                <a:solidFill>
+                  <a:srgbClr val="006699"/>
+                </a:solidFill>
+                <a:latin typeface="Inconsolata" panose="020B0609030003000000" pitchFamily="49" charset="77"/>
+              </a:rPr>
+              <a:t>	print("*", end="")</a:t>
+            </a:r>
+            <a:endParaRPr lang="en-US" b="1" dirty="0">
+              <a:latin typeface="Inconsolata" panose="020B0609030003000000" pitchFamily="49" charset="77"/>
+            </a:endParaRPr>
+          </a:p>
+          <a:p>
+            <a:pPr marL="0" indent="0">
+              <a:buNone/>
+            </a:pPr>
+            <a:r>
+              <a:rPr lang="en-US" b="1" dirty="0">
+                <a:latin typeface="Inconsolata" panose="020B0609030003000000" pitchFamily="49" charset="77"/>
+              </a:rPr>
+              <a:t>*****</a:t>
+            </a:r>
+          </a:p>
+          <a:p>
+            <a:pPr marL="0" indent="0">
+              <a:buNone/>
+            </a:pPr>
+            <a:br>
+              <a:rPr lang="en-US" dirty="0">
+                <a:latin typeface="Gill Sans MT" panose="020B0502020104020203" pitchFamily="34" charset="77"/>
+              </a:rPr>
+            </a:br>
+            <a:r>
+              <a:rPr lang="en-US" dirty="0">
+                <a:latin typeface="Gill Sans MT" panose="020B0502020104020203" pitchFamily="34" charset="77"/>
+              </a:rPr>
+              <a:t>The loop above prints five *'s. We can determine this ahead of time from the for loop statement.</a:t>
+            </a:r>
+          </a:p>
+          <a:p>
+            <a:pPr marL="0" indent="0">
+              <a:buNone/>
+            </a:pPr>
+            <a:endParaRPr lang="en-US" sz="2100" dirty="0">
+              <a:solidFill>
+                <a:srgbClr val="000087"/>
+              </a:solidFill>
+              <a:latin typeface="Gill Sans MT" panose="020B0502020104020203" pitchFamily="34" charset="77"/>
+            </a:endParaRPr>
+          </a:p>
+        </p:txBody>
+      </p:sp>
+      <p:sp>
+        <p:nvSpPr>
+          <p:cNvPr id="3" name="Slide Number Placeholder 2">
+            <a:extLst>
+              <a:ext uri="{FF2B5EF4-FFF2-40B4-BE49-F238E27FC236}">
+                <a16:creationId xmlns:a16="http://schemas.microsoft.com/office/drawing/2014/main" id="{4AF1EE18-7000-0743-BFAC-2DB4C588822A}"/>
+              </a:ext>
+            </a:extLst>
+          </p:cNvPr>
+          <p:cNvSpPr>
+            <a:spLocks noGrp="1"/>
+          </p:cNvSpPr>
+          <p:nvPr>
+            <p:ph type="sldNum" sz="quarter" idx="12"/>
+          </p:nvPr>
+        </p:nvSpPr>
+        <p:spPr/>
+        <p:txBody>
+          <a:bodyPr/>
+          <a:lstStyle/>
+          <a:p>
+            <a:fld id="{D57F1E4F-1CFF-5643-939E-02111984F565}" type="slidenum">
+              <a:rPr lang="en-US" smtClean="0"/>
+              <a:t>10</a:t>
+            </a:fld>
+            <a:endParaRPr lang="en-US" dirty="0"/>
+          </a:p>
+        </p:txBody>
+      </p:sp>
+    </p:spTree>
+    <p:extLst>
+      <p:ext uri="{BB962C8B-B14F-4D97-AF65-F5344CB8AC3E}">
+        <p14:creationId xmlns:p14="http://schemas.microsoft.com/office/powerpoint/2010/main" val="1703902501"/>
+      </p:ext>
+    </p:extLst>
+  </p:cSld>
+  <p:clrMapOvr>
+    <a:masterClrMapping/>
+  </p:clrMapOvr>
+  <p:timing>
+    <p:tnLst>
+      <p:par>
+        <p:cTn id="1" dur="indefinite" restart="never" nodeType="tmRoot">
+          <p:childTnLst>
+            <p:seq concurrent="1" nextAc="seek">
+              <p:cTn id="2" dur="indefinite" nodeType="mainSeq">
+                <p:childTnLst>
+                  <p:par>
+                    <p:cTn id="3" fill="hold">
+                      <p:stCondLst>
+                        <p:cond delay="indefinite"/>
+                      </p:stCondLst>
+                      <p:childTnLst>
+                        <p:par>
+                          <p:cTn id="4" fill="hold">
+                            <p:stCondLst>
+                              <p:cond delay="0"/>
+                            </p:stCondLst>
+                            <p:childTnLst>
+                              <p:par>
+                                <p:cTn id="5" presetID="1" presetClass="entr" presetSubtype="0" fill="hold" nodeType="clickEffect">
+                                  <p:stCondLst>
+                                    <p:cond delay="0"/>
+                                  </p:stCondLst>
+                                  <p:childTnLst>
+                                    <p:set>
+                                      <p:cBhvr>
+                                        <p:cTn id="6" dur="1" fill="hold">
+                                          <p:stCondLst>
+                                            <p:cond delay="0"/>
+                                          </p:stCondLst>
+                                        </p:cTn>
+                                        <p:tgtEl>
+                                          <p:spTgt spid="9">
+                                            <p:txEl>
+                                              <p:pRg st="2" end="2"/>
+                                            </p:txEl>
+                                          </p:spTgt>
+                                        </p:tgtEl>
+                                        <p:attrNameLst>
+                                          <p:attrName>style.visibility</p:attrName>
+                                        </p:attrNameLst>
+                                      </p:cBhvr>
+                                      <p:to>
+                                        <p:strVal val="visible"/>
+                                      </p:to>
+                                    </p:set>
+                                  </p:childTnLst>
+                                </p:cTn>
+                              </p:par>
+                              <p:par>
+                                <p:cTn id="7" presetID="1" presetClass="entr" presetSubtype="0" fill="hold" nodeType="withEffect">
+                                  <p:stCondLst>
+                                    <p:cond delay="0"/>
+                                  </p:stCondLst>
+                                  <p:childTnLst>
+                                    <p:set>
+                                      <p:cBhvr>
+                                        <p:cTn id="8" dur="1" fill="hold">
+                                          <p:stCondLst>
+                                            <p:cond delay="0"/>
+                                          </p:stCondLst>
+                                        </p:cTn>
+                                        <p:tgtEl>
+                                          <p:spTgt spid="9">
+                                            <p:txEl>
+                                              <p:pRg st="3" end="3"/>
+                                            </p:txEl>
+                                          </p:spTgt>
+                                        </p:tgtEl>
+                                        <p:attrNameLst>
+                                          <p:attrName>style.visibility</p:attrName>
+                                        </p:attrNameLst>
+                                      </p:cBhvr>
+                                      <p:to>
+                                        <p:strVal val="visible"/>
+                                      </p:to>
+                                    </p:set>
+                                  </p:childTnLst>
+                                </p:cTn>
+                              </p:par>
+                            </p:childTnLst>
+                          </p:cTn>
+                        </p:par>
+                      </p:childTnLst>
+                    </p:cTn>
+                  </p:par>
+                  <p:par>
+                    <p:cTn id="9" fill="hold">
+                      <p:stCondLst>
+                        <p:cond delay="indefinite"/>
+                      </p:stCondLst>
+                      <p:childTnLst>
+                        <p:par>
+                          <p:cTn id="10" fill="hold">
+                            <p:stCondLst>
+                              <p:cond delay="0"/>
+                            </p:stCondLst>
+                            <p:childTnLst>
+                              <p:par>
+                                <p:cTn id="11" presetID="1" presetClass="entr" presetSubtype="0" fill="hold" nodeType="clickEffect">
+                                  <p:stCondLst>
+                                    <p:cond delay="0"/>
+                                  </p:stCondLst>
+                                  <p:childTnLst>
+                                    <p:set>
+                                      <p:cBhvr>
+                                        <p:cTn id="12" dur="1" fill="hold">
+                                          <p:stCondLst>
+                                            <p:cond delay="0"/>
+                                          </p:stCondLst>
+                                        </p:cTn>
+                                        <p:tgtEl>
+                                          <p:spTgt spid="9">
+                                            <p:txEl>
+                                              <p:pRg st="4" end="4"/>
+                                            </p:txEl>
+                                          </p:spTgt>
+                                        </p:tgtEl>
+                                        <p:attrNameLst>
+                                          <p:attrName>style.visibility</p:attrName>
+                                        </p:attrNameLst>
+                                      </p:cBhvr>
+                                      <p:to>
+                                        <p:strVal val="visible"/>
+                                      </p:to>
+                                    </p:set>
+                                  </p:childTnLst>
+                                </p:cTn>
+                              </p:par>
+                            </p:childTnLst>
+                          </p:cTn>
+                        </p:par>
+                      </p:childTnLst>
+                    </p:cTn>
+                  </p:par>
+                </p:childTnLst>
+              </p:cTn>
+              <p:prevCondLst>
+                <p:cond evt="onPrev" delay="0">
+                  <p:tgtEl>
+                    <p:sldTgt/>
+                  </p:tgtEl>
+                </p:cond>
+              </p:prevCondLst>
+              <p:nextCondLst>
+                <p:cond evt="onNext" delay="0">
+                  <p:tgtEl>
+                    <p:sldTgt/>
+                  </p:tgtEl>
+                </p:cond>
+              </p:nextCondLst>
+            </p:seq>
+          </p:childTnLst>
+        </p:cTn>
+      </p:par>
+    </p:tnLst>
+  </p:timing>
+</p:sld>
+</file>
+
+<file path=ppt/slides/slide11.xml><?xml version="1.0" encoding="utf-8"?>
+<p:sld xmlns:a="http://schemas.openxmlformats.org/drawingml/2006/main" xmlns:r="http://schemas.openxmlformats.org/officeDocument/2006/relationships" xmlns:p="http://schemas.openxmlformats.org/presentationml/2006/main">
+  <p:cSld>
+    <p:spTree>
+      <p:nvGrpSpPr>
+        <p:cNvPr id="1" name=""/>
+        <p:cNvGrpSpPr/>
+        <p:nvPr/>
+      </p:nvGrpSpPr>
+      <p:grpSpPr>
+        <a:xfrm>
+          <a:off x="0" y="0"/>
+          <a:ext cx="0" cy="0"/>
+          <a:chOff x="0" y="0"/>
+          <a:chExt cx="0" cy="0"/>
+        </a:xfrm>
+      </p:grpSpPr>
+      <p:sp>
+        <p:nvSpPr>
+          <p:cNvPr id="2" name="Title 1">
+            <a:extLst>
+              <a:ext uri="{FF2B5EF4-FFF2-40B4-BE49-F238E27FC236}">
+                <a16:creationId xmlns:a16="http://schemas.microsoft.com/office/drawing/2014/main" id="{AA3A228F-61D0-D949-A5E7-F83756230BF8}"/>
+              </a:ext>
+            </a:extLst>
+          </p:cNvPr>
+          <p:cNvSpPr>
+            <a:spLocks noGrp="1"/>
+          </p:cNvSpPr>
+          <p:nvPr>
+            <p:ph type="title"/>
+          </p:nvPr>
+        </p:nvSpPr>
+        <p:spPr>
+          <a:xfrm>
             <a:off x="144483" y="134008"/>
             <a:ext cx="7053542" cy="683886"/>
           </a:xfrm>
@@ -6011,7 +6632,7 @@
           <a:p>
             <a:fld id="{D57F1E4F-1CFF-5643-939E-02111984F565}" type="slidenum">
               <a:rPr lang="en-US" smtClean="0"/>
-              <a:t>10</a:t>
+              <a:t>11</a:t>
             </a:fld>
             <a:endParaRPr lang="en-US" dirty="0"/>
           </a:p>
@@ -6207,7 +6828,7 @@
 </p:sld>
 </file>
 
-<file path=ppt/slides/slide11.xml><?xml version="1.0" encoding="utf-8"?>
+<file path=ppt/slides/slide12.xml><?xml version="1.0" encoding="utf-8"?>
 <p:sld xmlns:a="http://schemas.openxmlformats.org/drawingml/2006/main" xmlns:r="http://schemas.openxmlformats.org/officeDocument/2006/relationships" xmlns:p="http://schemas.openxmlformats.org/presentationml/2006/main">
   <p:cSld>
     <p:spTree>
@@ -6479,7 +7100,7 @@
           <a:p>
             <a:fld id="{D57F1E4F-1CFF-5643-939E-02111984F565}" type="slidenum">
               <a:rPr lang="en-US" smtClean="0"/>
-              <a:t>11</a:t>
+              <a:t>12</a:t>
             </a:fld>
             <a:endParaRPr lang="en-US" dirty="0"/>
           </a:p>
@@ -6608,7 +7229,7 @@
 </p:sld>
 </file>
 
-<file path=ppt/slides/slide12.xml><?xml version="1.0" encoding="utf-8"?>
+<file path=ppt/slides/slide13.xml><?xml version="1.0" encoding="utf-8"?>
 <p:sld xmlns:a="http://schemas.openxmlformats.org/drawingml/2006/main" xmlns:r="http://schemas.openxmlformats.org/officeDocument/2006/relationships" xmlns:p="http://schemas.openxmlformats.org/presentationml/2006/main">
   <p:cSld>
     <p:spTree>
@@ -7010,7 +7631,7 @@
           <a:p>
             <a:fld id="{D57F1E4F-1CFF-5643-939E-02111984F565}" type="slidenum">
               <a:rPr lang="en-US" smtClean="0"/>
-              <a:t>12</a:t>
+              <a:t>13</a:t>
             </a:fld>
             <a:endParaRPr lang="en-US" dirty="0"/>
           </a:p>
@@ -7451,7 +8072,7 @@
 </p:sld>
 </file>
 
-<file path=ppt/slides/slide13.xml><?xml version="1.0" encoding="utf-8"?>
+<file path=ppt/slides/slide14.xml><?xml version="1.0" encoding="utf-8"?>
 <p:sld xmlns:a="http://schemas.openxmlformats.org/drawingml/2006/main" xmlns:r="http://schemas.openxmlformats.org/officeDocument/2006/relationships" xmlns:p="http://schemas.openxmlformats.org/presentationml/2006/main">
   <p:cSld>
     <p:spTree>
@@ -7915,7 +8536,7 @@
           <a:p>
             <a:fld id="{D57F1E4F-1CFF-5643-939E-02111984F565}" type="slidenum">
               <a:rPr lang="en-US" smtClean="0"/>
-              <a:t>13</a:t>
+              <a:t>14</a:t>
             </a:fld>
             <a:endParaRPr lang="en-US" dirty="0"/>
           </a:p>
@@ -8319,7 +8940,7 @@
 </p:sld>
 </file>
 
-<file path=ppt/slides/slide14.xml><?xml version="1.0" encoding="utf-8"?>
+<file path=ppt/slides/slide15.xml><?xml version="1.0" encoding="utf-8"?>
 <p:sld xmlns:a="http://schemas.openxmlformats.org/drawingml/2006/main" xmlns:r="http://schemas.openxmlformats.org/officeDocument/2006/relationships" xmlns:p="http://schemas.openxmlformats.org/presentationml/2006/main">
   <p:cSld>
     <p:spTree>
@@ -8512,7 +9133,7 @@
           <a:p>
             <a:fld id="{D57F1E4F-1CFF-5643-939E-02111984F565}" type="slidenum">
               <a:rPr lang="en-US" smtClean="0"/>
-              <a:t>14</a:t>
+              <a:t>15</a:t>
             </a:fld>
             <a:endParaRPr lang="en-US" dirty="0"/>
           </a:p>
@@ -8531,7 +9152,7 @@
 </p:sld>
 </file>
 
-<file path=ppt/slides/slide15.xml><?xml version="1.0" encoding="utf-8"?>
+<file path=ppt/slides/slide16.xml><?xml version="1.0" encoding="utf-8"?>
 <p:sld xmlns:a="http://schemas.openxmlformats.org/drawingml/2006/main" xmlns:r="http://schemas.openxmlformats.org/officeDocument/2006/relationships" xmlns:p="http://schemas.openxmlformats.org/presentationml/2006/main">
   <p:cSld>
     <p:spTree>
@@ -8955,7 +9576,7 @@
           <a:p>
             <a:fld id="{D57F1E4F-1CFF-5643-939E-02111984F565}" type="slidenum">
               <a:rPr lang="en-US" smtClean="0"/>
-              <a:t>15</a:t>
+              <a:t>16</a:t>
             </a:fld>
             <a:endParaRPr lang="en-US" dirty="0"/>
           </a:p>
@@ -9053,7 +9674,7 @@
 </p:sld>
 </file>
 
-<file path=ppt/slides/slide16.xml><?xml version="1.0" encoding="utf-8"?>
+<file path=ppt/slides/slide17.xml><?xml version="1.0" encoding="utf-8"?>
 <p:sld xmlns:a="http://schemas.openxmlformats.org/drawingml/2006/main" xmlns:r="http://schemas.openxmlformats.org/officeDocument/2006/relationships" xmlns:p="http://schemas.openxmlformats.org/presentationml/2006/main">
   <p:cSld>
     <p:spTree>
@@ -9445,7 +10066,7 @@
           <a:p>
             <a:fld id="{D57F1E4F-1CFF-5643-939E-02111984F565}" type="slidenum">
               <a:rPr lang="en-US" smtClean="0"/>
-              <a:t>16</a:t>
+              <a:t>17</a:t>
             </a:fld>
             <a:endParaRPr lang="en-US" dirty="0"/>
           </a:p>
@@ -9464,7 +10085,7 @@
 </p:sld>
 </file>
 
-<file path=ppt/slides/slide17.xml><?xml version="1.0" encoding="utf-8"?>
+<file path=ppt/slides/slide18.xml><?xml version="1.0" encoding="utf-8"?>
 <p:sld xmlns:a="http://schemas.openxmlformats.org/drawingml/2006/main" xmlns:r="http://schemas.openxmlformats.org/officeDocument/2006/relationships" xmlns:p="http://schemas.openxmlformats.org/presentationml/2006/main">
   <p:cSld>
     <p:spTree>
@@ -9911,7 +10532,7 @@
           <a:p>
             <a:fld id="{D57F1E4F-1CFF-5643-939E-02111984F565}" type="slidenum">
               <a:rPr lang="en-US" smtClean="0"/>
-              <a:t>17</a:t>
+              <a:t>18</a:t>
             </a:fld>
             <a:endParaRPr lang="en-US" dirty="0"/>
           </a:p>
@@ -10303,7 +10924,7 @@
 </p:sld>
 </file>
 
-<file path=ppt/slides/slide18.xml><?xml version="1.0" encoding="utf-8"?>
+<file path=ppt/slides/slide19.xml><?xml version="1.0" encoding="utf-8"?>
 <p:sld xmlns:a="http://schemas.openxmlformats.org/drawingml/2006/main" xmlns:r="http://schemas.openxmlformats.org/officeDocument/2006/relationships" xmlns:p="http://schemas.openxmlformats.org/presentationml/2006/main">
   <p:cSld>
     <p:spTree>
@@ -10797,6 +11418,55 @@
             <a:endParaRPr lang="en-US" b="1" dirty="0">
               <a:latin typeface="Inconsolata" panose="020B0609030003000000" pitchFamily="49" charset="77"/>
             </a:endParaRPr>
+          </a:p>
+        </p:txBody>
+      </p:sp>
+      <p:sp>
+        <p:nvSpPr>
+          <p:cNvPr id="3" name="TextBox 2">
+            <a:extLst>
+              <a:ext uri="{FF2B5EF4-FFF2-40B4-BE49-F238E27FC236}">
+                <a16:creationId xmlns:a16="http://schemas.microsoft.com/office/drawing/2014/main" id="{D736C09A-6445-0521-5620-845ACB1DDC5B}"/>
+              </a:ext>
+            </a:extLst>
+          </p:cNvPr>
+          <p:cNvSpPr txBox="1"/>
+          <p:nvPr/>
+        </p:nvSpPr>
+        <p:spPr>
+          <a:xfrm>
+            <a:off x="5083706" y="2527443"/>
+            <a:ext cx="3750066" cy="1015663"/>
+          </a:xfrm>
+          <a:prstGeom prst="rect">
+            <a:avLst/>
+          </a:prstGeom>
+          <a:noFill/>
+        </p:spPr>
+        <p:txBody>
+          <a:bodyPr wrap="square" rtlCol="0">
+            <a:spAutoFit/>
+          </a:bodyPr>
+          <a:lstStyle/>
+          <a:p>
+            <a:r>
+              <a:rPr lang="en-US" sz="2000">
+                <a:solidFill>
+                  <a:srgbClr val="FF0000"/>
+                </a:solidFill>
+              </a:rPr>
+              <a:t>Note: On the AP exam, </a:t>
+            </a:r>
+          </a:p>
+          <a:p>
+            <a:r>
+              <a:rPr lang="en-US" sz="2000">
+                <a:solidFill>
+                  <a:srgbClr val="FF0000"/>
+                </a:solidFill>
+              </a:rPr>
+              <a:t>The first index of the first character of a string is 1 not 0.</a:t>
+            </a:r>
           </a:p>
         </p:txBody>
       </p:sp>
@@ -11114,7 +11784,193 @@
 </p:sld>
 </file>
 
-<file path=ppt/slides/slide19.xml><?xml version="1.0" encoding="utf-8"?>
+<file path=ppt/slides/slide2.xml><?xml version="1.0" encoding="utf-8"?>
+<p:sld xmlns:a="http://schemas.openxmlformats.org/drawingml/2006/main" xmlns:r="http://schemas.openxmlformats.org/officeDocument/2006/relationships" xmlns:p="http://schemas.openxmlformats.org/presentationml/2006/main">
+  <p:cSld>
+    <p:spTree>
+      <p:nvGrpSpPr>
+        <p:cNvPr id="1" name=""/>
+        <p:cNvGrpSpPr/>
+        <p:nvPr/>
+      </p:nvGrpSpPr>
+      <p:grpSpPr>
+        <a:xfrm>
+          <a:off x="0" y="0"/>
+          <a:ext cx="0" cy="0"/>
+          <a:chOff x="0" y="0"/>
+          <a:chExt cx="0" cy="0"/>
+        </a:xfrm>
+      </p:grpSpPr>
+      <p:sp>
+        <p:nvSpPr>
+          <p:cNvPr id="2" name="Title 1">
+            <a:extLst>
+              <a:ext uri="{FF2B5EF4-FFF2-40B4-BE49-F238E27FC236}">
+                <a16:creationId xmlns:a16="http://schemas.microsoft.com/office/drawing/2014/main" id="{AA3A228F-61D0-D949-A5E7-F83756230BF8}"/>
+              </a:ext>
+            </a:extLst>
+          </p:cNvPr>
+          <p:cNvSpPr>
+            <a:spLocks noGrp="1"/>
+          </p:cNvSpPr>
+          <p:nvPr>
+            <p:ph type="title"/>
+          </p:nvPr>
+        </p:nvSpPr>
+        <p:spPr>
+          <a:xfrm>
+            <a:off x="483848" y="467027"/>
+            <a:ext cx="7053542" cy="683886"/>
+          </a:xfrm>
+        </p:spPr>
+        <p:txBody>
+          <a:bodyPr/>
+          <a:lstStyle/>
+          <a:p>
+            <a:r>
+              <a:rPr lang="en-US" dirty="0"/>
+              <a:t>Topics</a:t>
+            </a:r>
+          </a:p>
+        </p:txBody>
+      </p:sp>
+      <p:sp>
+        <p:nvSpPr>
+          <p:cNvPr id="9" name="Content Placeholder 8">
+            <a:extLst>
+              <a:ext uri="{FF2B5EF4-FFF2-40B4-BE49-F238E27FC236}">
+                <a16:creationId xmlns:a16="http://schemas.microsoft.com/office/drawing/2014/main" id="{E3B2E017-30B2-884B-A113-B419A2ED51AD}"/>
+              </a:ext>
+            </a:extLst>
+          </p:cNvPr>
+          <p:cNvSpPr>
+            <a:spLocks noGrp="1"/>
+          </p:cNvSpPr>
+          <p:nvPr>
+            <p:ph idx="1"/>
+          </p:nvPr>
+        </p:nvSpPr>
+        <p:spPr>
+          <a:xfrm>
+            <a:off x="483848" y="1288073"/>
+            <a:ext cx="8051725" cy="4303429"/>
+          </a:xfrm>
+        </p:spPr>
+        <p:txBody>
+          <a:bodyPr/>
+          <a:lstStyle/>
+          <a:p>
+            <a:pPr marL="0" indent="0">
+              <a:buNone/>
+            </a:pPr>
+            <a:endParaRPr lang="en-US" dirty="0">
+              <a:latin typeface="Gill Sans MT" panose="020B0502020104020203" pitchFamily="34" charset="77"/>
+            </a:endParaRPr>
+          </a:p>
+          <a:p>
+            <a:pPr marL="457200" indent="-457200">
+              <a:buAutoNum type="arabicParenR"/>
+            </a:pPr>
+            <a:endParaRPr lang="en-US" dirty="0">
+              <a:latin typeface="Gill Sans MT" panose="020B0502020104020203" pitchFamily="34" charset="77"/>
+            </a:endParaRPr>
+          </a:p>
+          <a:p>
+            <a:pPr marL="457200" indent="-457200">
+              <a:buAutoNum type="arabicParenR"/>
+            </a:pPr>
+            <a:r>
+              <a:rPr lang="en-US" dirty="0">
+                <a:latin typeface="Gill Sans MT" panose="020B0502020104020203" pitchFamily="34" charset="77"/>
+              </a:rPr>
+              <a:t>For Loops</a:t>
+            </a:r>
+          </a:p>
+          <a:p>
+            <a:pPr marL="0" indent="0">
+              <a:buNone/>
+            </a:pPr>
+            <a:endParaRPr lang="en-US" dirty="0">
+              <a:latin typeface="Gill Sans MT" panose="020B0502020104020203" pitchFamily="34" charset="77"/>
+            </a:endParaRPr>
+          </a:p>
+          <a:p>
+            <a:pPr marL="457200" indent="-457200">
+              <a:buAutoNum type="arabicParenR"/>
+            </a:pPr>
+            <a:endParaRPr lang="en-US" dirty="0">
+              <a:latin typeface="Gill Sans MT" panose="020B0502020104020203" pitchFamily="34" charset="77"/>
+            </a:endParaRPr>
+          </a:p>
+          <a:p>
+            <a:pPr marL="457200" indent="-457200">
+              <a:buAutoNum type="arabicParenR"/>
+            </a:pPr>
+            <a:endParaRPr lang="en-US" dirty="0">
+              <a:latin typeface="Gill Sans MT" panose="020B0502020104020203" pitchFamily="34" charset="77"/>
+            </a:endParaRPr>
+          </a:p>
+          <a:p>
+            <a:pPr marL="0" indent="0">
+              <a:buNone/>
+            </a:pPr>
+            <a:endParaRPr lang="en-US" dirty="0">
+              <a:latin typeface="Gill Sans MT" panose="020B0502020104020203" pitchFamily="34" charset="77"/>
+            </a:endParaRPr>
+          </a:p>
+          <a:p>
+            <a:pPr marL="0" indent="0">
+              <a:buNone/>
+            </a:pPr>
+            <a:endParaRPr lang="en-US" b="1" dirty="0">
+              <a:latin typeface="Gill Sans MT" panose="020B0502020104020203" pitchFamily="34" charset="77"/>
+            </a:endParaRPr>
+          </a:p>
+        </p:txBody>
+      </p:sp>
+      <p:sp>
+        <p:nvSpPr>
+          <p:cNvPr id="3" name="Slide Number Placeholder 2">
+            <a:extLst>
+              <a:ext uri="{FF2B5EF4-FFF2-40B4-BE49-F238E27FC236}">
+                <a16:creationId xmlns:a16="http://schemas.microsoft.com/office/drawing/2014/main" id="{8F528532-FC7A-DD4A-977A-7D4128889FD0}"/>
+              </a:ext>
+            </a:extLst>
+          </p:cNvPr>
+          <p:cNvSpPr>
+            <a:spLocks noGrp="1"/>
+          </p:cNvSpPr>
+          <p:nvPr>
+            <p:ph type="sldNum" sz="quarter" idx="12"/>
+          </p:nvPr>
+        </p:nvSpPr>
+        <p:spPr/>
+        <p:txBody>
+          <a:bodyPr/>
+          <a:lstStyle/>
+          <a:p>
+            <a:fld id="{D57F1E4F-1CFF-5643-939E-02111984F565}" type="slidenum">
+              <a:rPr lang="en-US" smtClean="0"/>
+              <a:t>2</a:t>
+            </a:fld>
+            <a:endParaRPr lang="en-US" dirty="0"/>
+          </a:p>
+        </p:txBody>
+      </p:sp>
+    </p:spTree>
+    <p:extLst>
+      <p:ext uri="{BB962C8B-B14F-4D97-AF65-F5344CB8AC3E}">
+        <p14:creationId xmlns:p14="http://schemas.microsoft.com/office/powerpoint/2010/main" val="131840209"/>
+      </p:ext>
+    </p:extLst>
+  </p:cSld>
+  <p:clrMapOvr>
+    <a:masterClrMapping/>
+  </p:clrMapOvr>
+</p:sld>
+</file>
+
+<file path=ppt/slides/slide20.xml><?xml version="1.0" encoding="utf-8"?>
 <p:sld xmlns:a="http://schemas.openxmlformats.org/drawingml/2006/main" xmlns:r="http://schemas.openxmlformats.org/officeDocument/2006/relationships" xmlns:p="http://schemas.openxmlformats.org/presentationml/2006/main">
   <p:cSld>
     <p:spTree>
@@ -11839,193 +12695,7 @@
 </p:sld>
 </file>
 
-<file path=ppt/slides/slide2.xml><?xml version="1.0" encoding="utf-8"?>
-<p:sld xmlns:a="http://schemas.openxmlformats.org/drawingml/2006/main" xmlns:r="http://schemas.openxmlformats.org/officeDocument/2006/relationships" xmlns:p="http://schemas.openxmlformats.org/presentationml/2006/main">
-  <p:cSld>
-    <p:spTree>
-      <p:nvGrpSpPr>
-        <p:cNvPr id="1" name=""/>
-        <p:cNvGrpSpPr/>
-        <p:nvPr/>
-      </p:nvGrpSpPr>
-      <p:grpSpPr>
-        <a:xfrm>
-          <a:off x="0" y="0"/>
-          <a:ext cx="0" cy="0"/>
-          <a:chOff x="0" y="0"/>
-          <a:chExt cx="0" cy="0"/>
-        </a:xfrm>
-      </p:grpSpPr>
-      <p:sp>
-        <p:nvSpPr>
-          <p:cNvPr id="2" name="Title 1">
-            <a:extLst>
-              <a:ext uri="{FF2B5EF4-FFF2-40B4-BE49-F238E27FC236}">
-                <a16:creationId xmlns:a16="http://schemas.microsoft.com/office/drawing/2014/main" id="{AA3A228F-61D0-D949-A5E7-F83756230BF8}"/>
-              </a:ext>
-            </a:extLst>
-          </p:cNvPr>
-          <p:cNvSpPr>
-            <a:spLocks noGrp="1"/>
-          </p:cNvSpPr>
-          <p:nvPr>
-            <p:ph type="title"/>
-          </p:nvPr>
-        </p:nvSpPr>
-        <p:spPr>
-          <a:xfrm>
-            <a:off x="483848" y="467027"/>
-            <a:ext cx="7053542" cy="683886"/>
-          </a:xfrm>
-        </p:spPr>
-        <p:txBody>
-          <a:bodyPr/>
-          <a:lstStyle/>
-          <a:p>
-            <a:r>
-              <a:rPr lang="en-US" dirty="0"/>
-              <a:t>Topics</a:t>
-            </a:r>
-          </a:p>
-        </p:txBody>
-      </p:sp>
-      <p:sp>
-        <p:nvSpPr>
-          <p:cNvPr id="9" name="Content Placeholder 8">
-            <a:extLst>
-              <a:ext uri="{FF2B5EF4-FFF2-40B4-BE49-F238E27FC236}">
-                <a16:creationId xmlns:a16="http://schemas.microsoft.com/office/drawing/2014/main" id="{E3B2E017-30B2-884B-A113-B419A2ED51AD}"/>
-              </a:ext>
-            </a:extLst>
-          </p:cNvPr>
-          <p:cNvSpPr>
-            <a:spLocks noGrp="1"/>
-          </p:cNvSpPr>
-          <p:nvPr>
-            <p:ph idx="1"/>
-          </p:nvPr>
-        </p:nvSpPr>
-        <p:spPr>
-          <a:xfrm>
-            <a:off x="483848" y="1288073"/>
-            <a:ext cx="8051725" cy="4303429"/>
-          </a:xfrm>
-        </p:spPr>
-        <p:txBody>
-          <a:bodyPr/>
-          <a:lstStyle/>
-          <a:p>
-            <a:pPr marL="0" indent="0">
-              <a:buNone/>
-            </a:pPr>
-            <a:endParaRPr lang="en-US" dirty="0">
-              <a:latin typeface="Gill Sans MT" panose="020B0502020104020203" pitchFamily="34" charset="77"/>
-            </a:endParaRPr>
-          </a:p>
-          <a:p>
-            <a:pPr marL="457200" indent="-457200">
-              <a:buAutoNum type="arabicParenR"/>
-            </a:pPr>
-            <a:endParaRPr lang="en-US" dirty="0">
-              <a:latin typeface="Gill Sans MT" panose="020B0502020104020203" pitchFamily="34" charset="77"/>
-            </a:endParaRPr>
-          </a:p>
-          <a:p>
-            <a:pPr marL="457200" indent="-457200">
-              <a:buAutoNum type="arabicParenR"/>
-            </a:pPr>
-            <a:r>
-              <a:rPr lang="en-US" dirty="0">
-                <a:latin typeface="Gill Sans MT" panose="020B0502020104020203" pitchFamily="34" charset="77"/>
-              </a:rPr>
-              <a:t>For Loops</a:t>
-            </a:r>
-          </a:p>
-          <a:p>
-            <a:pPr marL="0" indent="0">
-              <a:buNone/>
-            </a:pPr>
-            <a:endParaRPr lang="en-US" dirty="0">
-              <a:latin typeface="Gill Sans MT" panose="020B0502020104020203" pitchFamily="34" charset="77"/>
-            </a:endParaRPr>
-          </a:p>
-          <a:p>
-            <a:pPr marL="457200" indent="-457200">
-              <a:buAutoNum type="arabicParenR"/>
-            </a:pPr>
-            <a:endParaRPr lang="en-US" dirty="0">
-              <a:latin typeface="Gill Sans MT" panose="020B0502020104020203" pitchFamily="34" charset="77"/>
-            </a:endParaRPr>
-          </a:p>
-          <a:p>
-            <a:pPr marL="457200" indent="-457200">
-              <a:buAutoNum type="arabicParenR"/>
-            </a:pPr>
-            <a:endParaRPr lang="en-US" dirty="0">
-              <a:latin typeface="Gill Sans MT" panose="020B0502020104020203" pitchFamily="34" charset="77"/>
-            </a:endParaRPr>
-          </a:p>
-          <a:p>
-            <a:pPr marL="0" indent="0">
-              <a:buNone/>
-            </a:pPr>
-            <a:endParaRPr lang="en-US" dirty="0">
-              <a:latin typeface="Gill Sans MT" panose="020B0502020104020203" pitchFamily="34" charset="77"/>
-            </a:endParaRPr>
-          </a:p>
-          <a:p>
-            <a:pPr marL="0" indent="0">
-              <a:buNone/>
-            </a:pPr>
-            <a:endParaRPr lang="en-US" b="1" dirty="0">
-              <a:latin typeface="Gill Sans MT" panose="020B0502020104020203" pitchFamily="34" charset="77"/>
-            </a:endParaRPr>
-          </a:p>
-        </p:txBody>
-      </p:sp>
-      <p:sp>
-        <p:nvSpPr>
-          <p:cNvPr id="3" name="Slide Number Placeholder 2">
-            <a:extLst>
-              <a:ext uri="{FF2B5EF4-FFF2-40B4-BE49-F238E27FC236}">
-                <a16:creationId xmlns:a16="http://schemas.microsoft.com/office/drawing/2014/main" id="{8F528532-FC7A-DD4A-977A-7D4128889FD0}"/>
-              </a:ext>
-            </a:extLst>
-          </p:cNvPr>
-          <p:cNvSpPr>
-            <a:spLocks noGrp="1"/>
-          </p:cNvSpPr>
-          <p:nvPr>
-            <p:ph type="sldNum" sz="quarter" idx="12"/>
-          </p:nvPr>
-        </p:nvSpPr>
-        <p:spPr/>
-        <p:txBody>
-          <a:bodyPr/>
-          <a:lstStyle/>
-          <a:p>
-            <a:fld id="{D57F1E4F-1CFF-5643-939E-02111984F565}" type="slidenum">
-              <a:rPr lang="en-US" smtClean="0"/>
-              <a:t>2</a:t>
-            </a:fld>
-            <a:endParaRPr lang="en-US" dirty="0"/>
-          </a:p>
-        </p:txBody>
-      </p:sp>
-    </p:spTree>
-    <p:extLst>
-      <p:ext uri="{BB962C8B-B14F-4D97-AF65-F5344CB8AC3E}">
-        <p14:creationId xmlns:p14="http://schemas.microsoft.com/office/powerpoint/2010/main" val="131840209"/>
-      </p:ext>
-    </p:extLst>
-  </p:cSld>
-  <p:clrMapOvr>
-    <a:masterClrMapping/>
-  </p:clrMapOvr>
-</p:sld>
-</file>
-
-<file path=ppt/slides/slide20.xml><?xml version="1.0" encoding="utf-8"?>
+<file path=ppt/slides/slide21.xml><?xml version="1.0" encoding="utf-8"?>
 <p:sld xmlns:a="http://schemas.openxmlformats.org/drawingml/2006/main" xmlns:r="http://schemas.openxmlformats.org/officeDocument/2006/relationships" xmlns:p="http://schemas.openxmlformats.org/presentationml/2006/main">
   <p:cSld>
     <p:spTree>
@@ -12326,7 +12996,7 @@
           <a:p>
             <a:fld id="{D57F1E4F-1CFF-5643-939E-02111984F565}" type="slidenum">
               <a:rPr lang="en-US" smtClean="0"/>
-              <a:t>20</a:t>
+              <a:t>21</a:t>
             </a:fld>
             <a:endParaRPr lang="en-US" dirty="0"/>
           </a:p>
@@ -12345,7 +13015,7 @@
 </p:sld>
 </file>
 
-<file path=ppt/slides/slide21.xml><?xml version="1.0" encoding="utf-8"?>
+<file path=ppt/slides/slide22.xml><?xml version="1.0" encoding="utf-8"?>
 <p:sld xmlns:a="http://schemas.openxmlformats.org/drawingml/2006/main" xmlns:r="http://schemas.openxmlformats.org/officeDocument/2006/relationships" xmlns:p="http://schemas.openxmlformats.org/presentationml/2006/main">
   <p:cSld>
     <p:spTree>
@@ -12898,7 +13568,7 @@
 </p:sld>
 </file>
 
-<file path=ppt/slides/slide22.xml><?xml version="1.0" encoding="utf-8"?>
+<file path=ppt/slides/slide23.xml><?xml version="1.0" encoding="utf-8"?>
 <p:sld xmlns:a="http://schemas.openxmlformats.org/drawingml/2006/main" xmlns:r="http://schemas.openxmlformats.org/officeDocument/2006/relationships" xmlns:p="http://schemas.openxmlformats.org/presentationml/2006/main">
   <p:cSld>
     <p:spTree>
@@ -13820,7 +14490,330 @@
 </p:sld>
 </file>
 
-<file path=ppt/slides/slide23.xml><?xml version="1.0" encoding="utf-8"?>
+<file path=ppt/slides/slide24.xml><?xml version="1.0" encoding="utf-8"?>
+<p:sld xmlns:a="http://schemas.openxmlformats.org/drawingml/2006/main" xmlns:r="http://schemas.openxmlformats.org/officeDocument/2006/relationships" xmlns:p="http://schemas.openxmlformats.org/presentationml/2006/main">
+  <p:cSld>
+    <p:spTree>
+      <p:nvGrpSpPr>
+        <p:cNvPr id="1" name=""/>
+        <p:cNvGrpSpPr/>
+        <p:nvPr/>
+      </p:nvGrpSpPr>
+      <p:grpSpPr>
+        <a:xfrm>
+          <a:off x="0" y="0"/>
+          <a:ext cx="0" cy="0"/>
+          <a:chOff x="0" y="0"/>
+          <a:chExt cx="0" cy="0"/>
+        </a:xfrm>
+      </p:grpSpPr>
+      <p:sp>
+        <p:nvSpPr>
+          <p:cNvPr id="2" name="Title 1">
+            <a:extLst>
+              <a:ext uri="{FF2B5EF4-FFF2-40B4-BE49-F238E27FC236}">
+                <a16:creationId xmlns:a16="http://schemas.microsoft.com/office/drawing/2014/main" id="{A340B44D-B662-1B98-A1CB-22BE7EC3D3D7}"/>
+              </a:ext>
+            </a:extLst>
+          </p:cNvPr>
+          <p:cNvSpPr>
+            <a:spLocks noGrp="1"/>
+          </p:cNvSpPr>
+          <p:nvPr>
+            <p:ph type="title"/>
+          </p:nvPr>
+        </p:nvSpPr>
+        <p:spPr>
+          <a:xfrm>
+            <a:off x="121375" y="113770"/>
+            <a:ext cx="7692390" cy="572464"/>
+          </a:xfrm>
+        </p:spPr>
+        <p:txBody>
+          <a:bodyPr/>
+          <a:lstStyle/>
+          <a:p>
+            <a:r>
+              <a:rPr lang="en-US">
+                <a:solidFill>
+                  <a:srgbClr val="FF0000"/>
+                </a:solidFill>
+              </a:rPr>
+              <a:t>AP Exam</a:t>
+            </a:r>
+          </a:p>
+        </p:txBody>
+      </p:sp>
+      <p:sp>
+        <p:nvSpPr>
+          <p:cNvPr id="4" name="Slide Number Placeholder 3">
+            <a:extLst>
+              <a:ext uri="{FF2B5EF4-FFF2-40B4-BE49-F238E27FC236}">
+                <a16:creationId xmlns:a16="http://schemas.microsoft.com/office/drawing/2014/main" id="{39920B6A-9BCB-5632-1ED8-3B419E5AE38C}"/>
+              </a:ext>
+            </a:extLst>
+          </p:cNvPr>
+          <p:cNvSpPr>
+            <a:spLocks noGrp="1"/>
+          </p:cNvSpPr>
+          <p:nvPr>
+            <p:ph type="sldNum" sz="quarter" idx="12"/>
+          </p:nvPr>
+        </p:nvSpPr>
+        <p:spPr/>
+        <p:txBody>
+          <a:bodyPr/>
+          <a:lstStyle/>
+          <a:p>
+            <a:fld id="{D57F1E4F-1CFF-5643-939E-02111984F565}" type="slidenum">
+              <a:rPr lang="en-US" smtClean="0"/>
+              <a:t>24</a:t>
+            </a:fld>
+            <a:endParaRPr lang="en-US" dirty="0"/>
+          </a:p>
+        </p:txBody>
+      </p:sp>
+      <p:sp>
+        <p:nvSpPr>
+          <p:cNvPr id="6" name="Rectangle 1">
+            <a:extLst>
+              <a:ext uri="{FF2B5EF4-FFF2-40B4-BE49-F238E27FC236}">
+                <a16:creationId xmlns:a16="http://schemas.microsoft.com/office/drawing/2014/main" id="{8826A9CA-5A35-6321-4C6D-375F074A2F47}"/>
+              </a:ext>
+            </a:extLst>
+          </p:cNvPr>
+          <p:cNvSpPr>
+            <a:spLocks noChangeArrowheads="1"/>
+          </p:cNvSpPr>
+          <p:nvPr/>
+        </p:nvSpPr>
+        <p:spPr bwMode="auto">
+          <a:xfrm>
+            <a:off x="-2007866" y="-115264"/>
+            <a:ext cx="11151866" cy="572464"/>
+          </a:xfrm>
+          <a:prstGeom prst="rect">
+            <a:avLst/>
+          </a:prstGeom>
+          <a:noFill/>
+          <a:ln>
+            <a:noFill/>
+          </a:ln>
+          <a:effectLst/>
+          <a:extLst>
+            <a:ext uri="{909E8E84-426E-40DD-AFC4-6F175D3DCCD1}">
+              <a14:hiddenFill xmlns:a14="http://schemas.microsoft.com/office/drawing/2010/main">
+                <a:solidFill>
+                  <a:schemeClr val="accent1"/>
+                </a:solidFill>
+              </a14:hiddenFill>
+            </a:ext>
+            <a:ext uri="{91240B29-F687-4F45-9708-019B960494DF}">
+              <a14:hiddenLine xmlns:a14="http://schemas.microsoft.com/office/drawing/2010/main" w="9525">
+                <a:solidFill>
+                  <a:schemeClr val="tx1"/>
+                </a:solidFill>
+                <a:miter lim="800000"/>
+                <a:headEnd/>
+                <a:tailEnd/>
+              </a14:hiddenLine>
+            </a:ext>
+            <a:ext uri="{AF507438-7753-43E0-B8FC-AC1667EBCBE1}">
+              <a14:hiddenEffects xmlns:a14="http://schemas.microsoft.com/office/drawing/2010/main">
+                <a:effectLst>
+                  <a:outerShdw dist="35921" dir="2700000" algn="ctr" rotWithShape="0">
+                    <a:schemeClr val="bg2"/>
+                  </a:outerShdw>
+                </a:effectLst>
+              </a14:hiddenEffects>
+            </a:ext>
+          </a:extLst>
+        </p:spPr>
+        <p:txBody>
+          <a:bodyPr vert="horz" wrap="square" lIns="91440" tIns="45720" rIns="91440" bIns="45720" numCol="1" anchor="ctr" anchorCtr="0" compatLnSpc="1">
+            <a:prstTxWarp prst="textNoShape">
+              <a:avLst/>
+            </a:prstTxWarp>
+            <a:spAutoFit/>
+          </a:bodyPr>
+          <a:lstStyle/>
+          <a:p>
+            <a:endParaRPr lang="en-US"/>
+          </a:p>
+        </p:txBody>
+      </p:sp>
+      <p:pic>
+        <p:nvPicPr>
+          <p:cNvPr id="9" name="Content Placeholder 8">
+            <a:extLst>
+              <a:ext uri="{FF2B5EF4-FFF2-40B4-BE49-F238E27FC236}">
+                <a16:creationId xmlns:a16="http://schemas.microsoft.com/office/drawing/2014/main" id="{F02032DC-0733-12B3-65B3-971553A3B000}"/>
+              </a:ext>
+            </a:extLst>
+          </p:cNvPr>
+          <p:cNvPicPr>
+            <a:picLocks noGrp="1" noChangeAspect="1"/>
+          </p:cNvPicPr>
+          <p:nvPr>
+            <p:ph idx="1"/>
+          </p:nvPr>
+        </p:nvPicPr>
+        <p:blipFill>
+          <a:blip r:embed="rId2"/>
+          <a:stretch>
+            <a:fillRect/>
+          </a:stretch>
+        </p:blipFill>
+        <p:spPr>
+          <a:xfrm>
+            <a:off x="52377" y="1666313"/>
+            <a:ext cx="6177716" cy="4069331"/>
+          </a:xfrm>
+          <a:prstGeom prst="rect">
+            <a:avLst/>
+          </a:prstGeom>
+        </p:spPr>
+      </p:pic>
+      <p:sp>
+        <p:nvSpPr>
+          <p:cNvPr id="10" name="TextBox 9">
+            <a:extLst>
+              <a:ext uri="{FF2B5EF4-FFF2-40B4-BE49-F238E27FC236}">
+                <a16:creationId xmlns:a16="http://schemas.microsoft.com/office/drawing/2014/main" id="{E944DC3B-4EA7-931F-AF1E-FC552BA41E57}"/>
+              </a:ext>
+            </a:extLst>
+          </p:cNvPr>
+          <p:cNvSpPr txBox="1"/>
+          <p:nvPr/>
+        </p:nvSpPr>
+        <p:spPr>
+          <a:xfrm>
+            <a:off x="128578" y="610032"/>
+            <a:ext cx="9227847" cy="1015663"/>
+          </a:xfrm>
+          <a:prstGeom prst="rect">
+            <a:avLst/>
+          </a:prstGeom>
+          <a:noFill/>
+        </p:spPr>
+        <p:txBody>
+          <a:bodyPr wrap="none" rtlCol="0">
+            <a:spAutoFit/>
+          </a:bodyPr>
+          <a:lstStyle/>
+          <a:p>
+            <a:r>
+              <a:rPr lang="en-US" sz="2000"/>
+              <a:t>There will be questions on the AP exam which requires students to manipulate strings. </a:t>
+            </a:r>
+          </a:p>
+          <a:p>
+            <a:r>
+              <a:rPr lang="en-US" sz="2000"/>
+              <a:t>The exam will provide an API(application programming interface) for string </a:t>
+            </a:r>
+          </a:p>
+          <a:p>
+            <a:r>
+              <a:rPr lang="en-US" sz="2000"/>
+              <a:t>manipulation.  A sample API below was given in previous exams. </a:t>
+            </a:r>
+          </a:p>
+        </p:txBody>
+      </p:sp>
+      <p:sp>
+        <p:nvSpPr>
+          <p:cNvPr id="11" name="TextBox 10">
+            <a:extLst>
+              <a:ext uri="{FF2B5EF4-FFF2-40B4-BE49-F238E27FC236}">
+                <a16:creationId xmlns:a16="http://schemas.microsoft.com/office/drawing/2014/main" id="{E9E89041-25CA-7787-DF52-2EA78DEC0912}"/>
+              </a:ext>
+            </a:extLst>
+          </p:cNvPr>
+          <p:cNvSpPr txBox="1"/>
+          <p:nvPr/>
+        </p:nvSpPr>
+        <p:spPr>
+          <a:xfrm>
+            <a:off x="6106748" y="2485281"/>
+            <a:ext cx="3048399" cy="1631216"/>
+          </a:xfrm>
+          <a:prstGeom prst="rect">
+            <a:avLst/>
+          </a:prstGeom>
+          <a:noFill/>
+        </p:spPr>
+        <p:txBody>
+          <a:bodyPr wrap="none" rtlCol="0">
+            <a:spAutoFit/>
+          </a:bodyPr>
+          <a:lstStyle/>
+          <a:p>
+            <a:r>
+              <a:rPr lang="en-US" sz="2000">
+                <a:solidFill>
+                  <a:srgbClr val="FF0000"/>
+                </a:solidFill>
+              </a:rPr>
+              <a:t>The substring function may</a:t>
+            </a:r>
+          </a:p>
+          <a:p>
+            <a:r>
+              <a:rPr lang="en-US" sz="2000">
+                <a:solidFill>
+                  <a:srgbClr val="FF0000"/>
+                </a:solidFill>
+              </a:rPr>
+              <a:t>take on different arguments</a:t>
+            </a:r>
+          </a:p>
+          <a:p>
+            <a:r>
+              <a:rPr lang="en-US" sz="2000">
+                <a:solidFill>
+                  <a:srgbClr val="FF0000"/>
+                </a:solidFill>
+              </a:rPr>
+              <a:t>on the exam.  Read</a:t>
+            </a:r>
+          </a:p>
+          <a:p>
+            <a:r>
+              <a:rPr lang="en-US" sz="2000">
+                <a:solidFill>
+                  <a:srgbClr val="FF0000"/>
+                </a:solidFill>
+              </a:rPr>
+              <a:t>the API carefully as this </a:t>
+            </a:r>
+          </a:p>
+          <a:p>
+            <a:r>
+              <a:rPr lang="en-US" sz="2000">
+                <a:solidFill>
+                  <a:srgbClr val="FF0000"/>
+                </a:solidFill>
+              </a:rPr>
+              <a:t>may vary year to year.</a:t>
+            </a:r>
+          </a:p>
+        </p:txBody>
+      </p:sp>
+    </p:spTree>
+    <p:extLst>
+      <p:ext uri="{BB962C8B-B14F-4D97-AF65-F5344CB8AC3E}">
+        <p14:creationId xmlns:p14="http://schemas.microsoft.com/office/powerpoint/2010/main" val="1128944251"/>
+      </p:ext>
+    </p:extLst>
+  </p:cSld>
+  <p:clrMapOvr>
+    <a:masterClrMapping/>
+  </p:clrMapOvr>
+</p:sld>
+</file>
+
+<file path=ppt/slides/slide25.xml><?xml version="1.0" encoding="utf-8"?>
 <p:sld xmlns:a="http://schemas.openxmlformats.org/drawingml/2006/main" xmlns:r="http://schemas.openxmlformats.org/officeDocument/2006/relationships" xmlns:p="http://schemas.openxmlformats.org/presentationml/2006/main">
   <p:cSld>
     <p:spTree>
@@ -14006,7 +14999,7 @@
           <a:p>
             <a:fld id="{D57F1E4F-1CFF-5643-939E-02111984F565}" type="slidenum">
               <a:rPr lang="en-US" smtClean="0"/>
-              <a:t>23</a:t>
+              <a:t>25</a:t>
             </a:fld>
             <a:endParaRPr lang="en-US" dirty="0"/>
           </a:p>
@@ -14331,7 +15324,7 @@
 </p:sld>
 </file>
 
-<file path=ppt/slides/slide24.xml><?xml version="1.0" encoding="utf-8"?>
+<file path=ppt/slides/slide26.xml><?xml version="1.0" encoding="utf-8"?>
 <p:sld xmlns:a="http://schemas.openxmlformats.org/drawingml/2006/main" xmlns:r="http://schemas.openxmlformats.org/officeDocument/2006/relationships" xmlns:p="http://schemas.openxmlformats.org/presentationml/2006/main">
   <p:cSld>
     <p:spTree>
@@ -14780,7 +15773,7 @@
           <a:p>
             <a:fld id="{D57F1E4F-1CFF-5643-939E-02111984F565}" type="slidenum">
               <a:rPr lang="en-US" smtClean="0"/>
-              <a:t>24</a:t>
+              <a:t>26</a:t>
             </a:fld>
             <a:endParaRPr lang="en-US" dirty="0"/>
           </a:p>
@@ -14799,7 +15792,7 @@
 </p:sld>
 </file>
 
-<file path=ppt/slides/slide25.xml><?xml version="1.0" encoding="utf-8"?>
+<file path=ppt/slides/slide27.xml><?xml version="1.0" encoding="utf-8"?>
 <p:sld xmlns:a="http://schemas.openxmlformats.org/drawingml/2006/main" xmlns:r="http://schemas.openxmlformats.org/officeDocument/2006/relationships" xmlns:p="http://schemas.openxmlformats.org/presentationml/2006/main">
   <p:cSld>
     <p:spTree>
@@ -15089,7 +16082,7 @@
           <a:p>
             <a:fld id="{D57F1E4F-1CFF-5643-939E-02111984F565}" type="slidenum">
               <a:rPr lang="en-US" smtClean="0"/>
-              <a:t>25</a:t>
+              <a:t>27</a:t>
             </a:fld>
             <a:endParaRPr lang="en-US" dirty="0"/>
           </a:p>
@@ -15108,7 +16101,7 @@
 </p:sld>
 </file>
 
-<file path=ppt/slides/slide26.xml><?xml version="1.0" encoding="utf-8"?>
+<file path=ppt/slides/slide28.xml><?xml version="1.0" encoding="utf-8"?>
 <p:sld xmlns:a="http://schemas.openxmlformats.org/drawingml/2006/main" xmlns:r="http://schemas.openxmlformats.org/officeDocument/2006/relationships" xmlns:p="http://schemas.openxmlformats.org/presentationml/2006/main">
   <p:cSld>
     <p:spTree>
@@ -15249,7 +16242,7 @@
           <a:p>
             <a:fld id="{D57F1E4F-1CFF-5643-939E-02111984F565}" type="slidenum">
               <a:rPr lang="en-US" smtClean="0"/>
-              <a:t>26</a:t>
+              <a:t>28</a:t>
             </a:fld>
             <a:endParaRPr lang="en-US" dirty="0"/>
           </a:p>
@@ -17767,7 +18760,7 @@
         </p:spPr>
         <p:txBody>
           <a:bodyPr>
-            <a:normAutofit/>
+            <a:normAutofit fontScale="92500" lnSpcReduction="20000"/>
           </a:bodyPr>
           <a:lstStyle/>
           <a:p>
@@ -17986,6 +18979,175 @@
               </a:rPr>
               <a:t>0 1 2 3 4</a:t>
             </a:r>
+          </a:p>
+          <a:p>
+            <a:pPr marL="0" indent="0">
+              <a:buNone/>
+            </a:pPr>
+            <a:endParaRPr lang="en-US" dirty="0"/>
+          </a:p>
+          <a:p>
+            <a:pPr marL="0" indent="0">
+              <a:buNone/>
+            </a:pPr>
+            <a:r>
+              <a:rPr lang="en-US" b="1" dirty="0">
+                <a:solidFill>
+                  <a:srgbClr val="006699"/>
+                </a:solidFill>
+                <a:latin typeface="Inconsolata" panose="020B0609030003000000" pitchFamily="49" charset="77"/>
+              </a:rPr>
+              <a:t>for </a:t>
+            </a:r>
+            <a:r>
+              <a:rPr lang="en-US" b="1" dirty="0" err="1">
+                <a:solidFill>
+                  <a:srgbClr val="000087"/>
+                </a:solidFill>
+                <a:latin typeface="Inconsolata" panose="020B0609030003000000" pitchFamily="49" charset="77"/>
+              </a:rPr>
+              <a:t>i</a:t>
+            </a:r>
+            <a:r>
+              <a:rPr lang="en-US" b="1" dirty="0">
+                <a:solidFill>
+                  <a:srgbClr val="000087"/>
+                </a:solidFill>
+                <a:latin typeface="Inconsolata" panose="020B0609030003000000" pitchFamily="49" charset="77"/>
+              </a:rPr>
+              <a:t> </a:t>
+            </a:r>
+            <a:r>
+              <a:rPr lang="en-US" b="1" dirty="0">
+                <a:latin typeface="Inconsolata" panose="020B0609030003000000" pitchFamily="49" charset="77"/>
+              </a:rPr>
+              <a:t>in </a:t>
+            </a:r>
+            <a:r>
+              <a:rPr lang="en-US" b="1" dirty="0">
+                <a:solidFill>
+                  <a:srgbClr val="336666"/>
+                </a:solidFill>
+                <a:latin typeface="Inconsolata" panose="020B0609030003000000" pitchFamily="49" charset="77"/>
+              </a:rPr>
+              <a:t>range</a:t>
+            </a:r>
+            <a:r>
+              <a:rPr lang="en-US" b="1" dirty="0">
+                <a:latin typeface="Inconsolata" panose="020B0609030003000000" pitchFamily="49" charset="77"/>
+              </a:rPr>
+              <a:t>(</a:t>
+            </a:r>
+            <a:r>
+              <a:rPr lang="en-US" b="1" dirty="0">
+                <a:solidFill>
+                  <a:srgbClr val="FF6600"/>
+                </a:solidFill>
+                <a:latin typeface="Inconsolata" panose="020B0609030003000000" pitchFamily="49" charset="77"/>
+              </a:rPr>
+              <a:t>10</a:t>
+            </a:r>
+            <a:r>
+              <a:rPr lang="en-US" b="1" dirty="0">
+                <a:latin typeface="Inconsolata" panose="020B0609030003000000" pitchFamily="49" charset="77"/>
+              </a:rPr>
+              <a:t>): </a:t>
+            </a:r>
+          </a:p>
+          <a:p>
+            <a:pPr marL="0" indent="0">
+              <a:buNone/>
+            </a:pPr>
+            <a:r>
+              <a:rPr lang="en-US" b="1" dirty="0">
+                <a:solidFill>
+                  <a:srgbClr val="006699"/>
+                </a:solidFill>
+                <a:latin typeface="Inconsolata" panose="020B0609030003000000" pitchFamily="49" charset="77"/>
+              </a:rPr>
+              <a:t>	print</a:t>
+            </a:r>
+            <a:r>
+              <a:rPr lang="en-US" b="1" dirty="0">
+                <a:latin typeface="Inconsolata" panose="020B0609030003000000" pitchFamily="49" charset="77"/>
+              </a:rPr>
+              <a:t>(</a:t>
+            </a:r>
+            <a:r>
+              <a:rPr lang="en-US" b="1" dirty="0">
+                <a:solidFill>
+                  <a:srgbClr val="CC3300"/>
+                </a:solidFill>
+                <a:latin typeface="Inconsolata" panose="020B0609030003000000" pitchFamily="49" charset="77"/>
+              </a:rPr>
+              <a:t>"hi"</a:t>
+            </a:r>
+            <a:r>
+              <a:rPr lang="en-US" b="1" dirty="0">
+                <a:latin typeface="Inconsolata" panose="020B0609030003000000" pitchFamily="49" charset="77"/>
+              </a:rPr>
+              <a:t>, </a:t>
+            </a:r>
+            <a:r>
+              <a:rPr lang="en-US" b="1" dirty="0">
+                <a:solidFill>
+                  <a:srgbClr val="000087"/>
+                </a:solidFill>
+                <a:latin typeface="Inconsolata" panose="020B0609030003000000" pitchFamily="49" charset="77"/>
+              </a:rPr>
+              <a:t>end</a:t>
+            </a:r>
+            <a:r>
+              <a:rPr lang="en-US" b="1" dirty="0">
+                <a:solidFill>
+                  <a:srgbClr val="545454"/>
+                </a:solidFill>
+                <a:latin typeface="Inconsolata" panose="020B0609030003000000" pitchFamily="49" charset="77"/>
+              </a:rPr>
+              <a:t>=</a:t>
+            </a:r>
+            <a:r>
+              <a:rPr lang="en-US" b="1" dirty="0">
+                <a:solidFill>
+                  <a:srgbClr val="CC3300"/>
+                </a:solidFill>
+                <a:latin typeface="Inconsolata" panose="020B0609030003000000" pitchFamily="49" charset="77"/>
+              </a:rPr>
+              <a:t>" "</a:t>
+            </a:r>
+            <a:r>
+              <a:rPr lang="en-US" b="1" dirty="0">
+                <a:latin typeface="Inconsolata" panose="020B0609030003000000" pitchFamily="49" charset="77"/>
+              </a:rPr>
+              <a:t>) </a:t>
+            </a:r>
+          </a:p>
+          <a:p>
+            <a:pPr marL="0" indent="0">
+              <a:buNone/>
+            </a:pPr>
+            <a:endParaRPr lang="en-US" b="1" dirty="0">
+              <a:latin typeface="Inconsolata" panose="020B0609030003000000" pitchFamily="49" charset="77"/>
+            </a:endParaRPr>
+          </a:p>
+          <a:p>
+            <a:pPr marL="0" indent="0">
+              <a:buNone/>
+            </a:pPr>
+            <a:r>
+              <a:rPr lang="en-US" dirty="0">
+                <a:latin typeface="Gill Sans MT" panose="020B0502020104020203" pitchFamily="34" charset="77"/>
+              </a:rPr>
+              <a:t>hi hi hi hi hi hi hi hi hi hi</a:t>
+            </a:r>
+          </a:p>
+          <a:p>
+            <a:pPr marL="0" indent="0">
+              <a:buNone/>
+            </a:pPr>
+            <a:endParaRPr lang="en-US" dirty="0">
+              <a:latin typeface="Gill Sans MT" panose="020B0502020104020203" pitchFamily="34" charset="77"/>
+            </a:endParaRPr>
           </a:p>
           <a:p>
             <a:pPr marL="0" indent="0">
@@ -18266,33 +19428,15 @@
                                   </p:childTnLst>
                                 </p:cTn>
                               </p:par>
-                            </p:childTnLst>
-                          </p:cTn>
-                        </p:par>
-                      </p:childTnLst>
-                    </p:cTn>
-                  </p:par>
-                  <p:par>
-                    <p:cTn id="13" fill="hold">
-                      <p:stCondLst>
-                        <p:cond delay="indefinite"/>
-                      </p:stCondLst>
-                      <p:childTnLst>
-                        <p:par>
-                          <p:cTn id="14" fill="hold">
-                            <p:stCondLst>
-                              <p:cond delay="0"/>
-                            </p:stCondLst>
-                            <p:childTnLst>
                               <p:par>
-                                <p:cTn id="15" presetID="1" presetClass="entr" presetSubtype="0" fill="hold" nodeType="clickEffect">
+                                <p:cTn id="13" presetID="1" presetClass="entr" presetSubtype="0" fill="hold" nodeType="withEffect">
                                   <p:stCondLst>
                                     <p:cond delay="0"/>
                                   </p:stCondLst>
                                   <p:childTnLst>
                                     <p:set>
                                       <p:cBhvr>
-                                        <p:cTn id="16" dur="1" fill="hold">
+                                        <p:cTn id="14" dur="1" fill="hold">
                                           <p:stCondLst>
                                             <p:cond delay="0"/>
                                           </p:stCondLst>
@@ -18322,26 +19466,26 @@
                     </p:cTn>
                   </p:par>
                   <p:par>
-                    <p:cTn id="17" fill="hold">
+                    <p:cTn id="15" fill="hold">
                       <p:stCondLst>
                         <p:cond delay="indefinite"/>
                       </p:stCondLst>
                       <p:childTnLst>
                         <p:par>
-                          <p:cTn id="18" fill="hold">
+                          <p:cTn id="16" fill="hold">
                             <p:stCondLst>
                               <p:cond delay="0"/>
                             </p:stCondLst>
                             <p:childTnLst>
                               <p:par>
-                                <p:cTn id="19" presetID="1" presetClass="entr" presetSubtype="0" fill="hold" grpId="0" nodeType="clickEffect">
+                                <p:cTn id="17" presetID="1" presetClass="entr" presetSubtype="0" fill="hold" grpId="0" nodeType="clickEffect">
                                   <p:stCondLst>
                                     <p:cond delay="0"/>
                                   </p:stCondLst>
                                   <p:childTnLst>
                                     <p:set>
                                       <p:cBhvr>
-                                        <p:cTn id="20" dur="1" fill="hold">
+                                        <p:cTn id="18" dur="1" fill="hold">
                                           <p:stCondLst>
                                             <p:cond delay="0"/>
                                           </p:stCondLst>
@@ -18361,20 +19505,149 @@
                                 </p:cTn>
                               </p:par>
                               <p:par>
-                                <p:cTn id="21" presetID="1" presetClass="entr" presetSubtype="0" fill="hold" nodeType="withEffect">
+                                <p:cTn id="19" presetID="1" presetClass="entr" presetSubtype="0" fill="hold" nodeType="withEffect">
                                   <p:stCondLst>
                                     <p:cond delay="0"/>
                                   </p:stCondLst>
                                   <p:childTnLst>
                                     <p:set>
                                       <p:cBhvr>
-                                        <p:cTn id="22" dur="1" fill="hold">
+                                        <p:cTn id="20" dur="1" fill="hold">
                                           <p:stCondLst>
                                             <p:cond delay="0"/>
                                           </p:stCondLst>
                                         </p:cTn>
                                         <p:tgtEl>
                                           <p:spTgt spid="5"/>
+                                        </p:tgtEl>
+                                        <p:attrNameLst>
+                                          <p:attrName>style.visibility</p:attrName>
+                                        </p:attrNameLst>
+                                      </p:cBhvr>
+                                      <p:to>
+                                        <p:strVal val="visible"/>
+                                      </p:to>
+                                    </p:set>
+                                  </p:childTnLst>
+                                </p:cTn>
+                              </p:par>
+                            </p:childTnLst>
+                          </p:cTn>
+                        </p:par>
+                      </p:childTnLst>
+                    </p:cTn>
+                  </p:par>
+                  <p:par>
+                    <p:cTn id="21" fill="hold">
+                      <p:stCondLst>
+                        <p:cond delay="indefinite"/>
+                      </p:stCondLst>
+                      <p:childTnLst>
+                        <p:par>
+                          <p:cTn id="22" fill="hold">
+                            <p:stCondLst>
+                              <p:cond delay="0"/>
+                            </p:stCondLst>
+                            <p:childTnLst>
+                              <p:par>
+                                <p:cTn id="23" presetID="1" presetClass="entr" presetSubtype="0" fill="hold" nodeType="clickEffect">
+                                  <p:stCondLst>
+                                    <p:cond delay="0"/>
+                                  </p:stCondLst>
+                                  <p:childTnLst>
+                                    <p:set>
+                                      <p:cBhvr>
+                                        <p:cTn id="24" dur="1" fill="hold">
+                                          <p:stCondLst>
+                                            <p:cond delay="0"/>
+                                          </p:stCondLst>
+                                        </p:cTn>
+                                        <p:tgtEl>
+                                          <p:spTgt spid="9">
+                                            <p:txEl>
+                                              <p:pRg st="9" end="9"/>
+                                            </p:txEl>
+                                          </p:spTgt>
+                                        </p:tgtEl>
+                                        <p:attrNameLst>
+                                          <p:attrName>style.visibility</p:attrName>
+                                        </p:attrNameLst>
+                                      </p:cBhvr>
+                                      <p:to>
+                                        <p:strVal val="visible"/>
+                                      </p:to>
+                                    </p:set>
+                                  </p:childTnLst>
+                                </p:cTn>
+                              </p:par>
+                              <p:par>
+                                <p:cTn id="25" presetID="1" presetClass="entr" presetSubtype="0" fill="hold" nodeType="withEffect">
+                                  <p:stCondLst>
+                                    <p:cond delay="0"/>
+                                  </p:stCondLst>
+                                  <p:childTnLst>
+                                    <p:set>
+                                      <p:cBhvr>
+                                        <p:cTn id="26" dur="1" fill="hold">
+                                          <p:stCondLst>
+                                            <p:cond delay="0"/>
+                                          </p:stCondLst>
+                                        </p:cTn>
+                                        <p:tgtEl>
+                                          <p:spTgt spid="9">
+                                            <p:txEl>
+                                              <p:pRg st="10" end="10"/>
+                                            </p:txEl>
+                                          </p:spTgt>
+                                        </p:tgtEl>
+                                        <p:attrNameLst>
+                                          <p:attrName>style.visibility</p:attrName>
+                                        </p:attrNameLst>
+                                      </p:cBhvr>
+                                      <p:to>
+                                        <p:strVal val="visible"/>
+                                      </p:to>
+                                    </p:set>
+                                  </p:childTnLst>
+                                </p:cTn>
+                              </p:par>
+                            </p:childTnLst>
+                          </p:cTn>
+                        </p:par>
+                      </p:childTnLst>
+                    </p:cTn>
+                  </p:par>
+                  <p:par>
+                    <p:cTn id="27" fill="hold">
+                      <p:stCondLst>
+                        <p:cond delay="indefinite"/>
+                      </p:stCondLst>
+                      <p:childTnLst>
+                        <p:par>
+                          <p:cTn id="28" fill="hold">
+                            <p:stCondLst>
+                              <p:cond delay="0"/>
+                            </p:stCondLst>
+                            <p:childTnLst>
+                              <p:par>
+                                <p:cTn id="29" presetID="1" presetClass="entr" presetSubtype="0" fill="hold" nodeType="clickEffect">
+                                  <p:stCondLst>
+                                    <p:cond delay="0"/>
+                                  </p:stCondLst>
+                                  <p:childTnLst>
+                                    <p:set>
+                                      <p:cBhvr>
+                                        <p:cTn id="30" dur="1" fill="hold">
+                                          <p:stCondLst>
+                                            <p:cond delay="0"/>
+                                          </p:stCondLst>
+                                        </p:cTn>
+                                        <p:tgtEl>
+                                          <p:spTgt spid="9">
+                                            <p:txEl>
+                                              <p:pRg st="12" end="12"/>
+                                            </p:txEl>
+                                          </p:spTgt>
                                         </p:tgtEl>
                                         <p:attrNameLst>
                                           <p:attrName>style.visibility</p:attrName>
@@ -18955,8 +20228,13 @@
           <a:p>
             <a:r>
               <a:rPr lang="en-US" dirty="0"/>
-              <a:t>range(start, stop, step)</a:t>
-            </a:r>
+              <a:t>range(start, stop, step) </a:t>
+            </a:r>
+            <a:endParaRPr lang="en-US" dirty="0">
+              <a:solidFill>
+                <a:srgbClr val="FF0000"/>
+              </a:solidFill>
+            </a:endParaRPr>
           </a:p>
         </p:txBody>
       </p:sp>
@@ -19823,7 +21101,7 @@
           <p:cNvPr id="2" name="Title 1">
             <a:extLst>
               <a:ext uri="{FF2B5EF4-FFF2-40B4-BE49-F238E27FC236}">
-                <a16:creationId xmlns:a16="http://schemas.microsoft.com/office/drawing/2014/main" id="{AA3A228F-61D0-D949-A5E7-F83756230BF8}"/>
+                <a16:creationId xmlns:a16="http://schemas.microsoft.com/office/drawing/2014/main" id="{86ADC1BD-B817-E355-4649-B1F4E8E200F3}"/>
               </a:ext>
             </a:extLst>
           </p:cNvPr>
@@ -19836,8 +21114,8 @@
         </p:nvSpPr>
         <p:spPr>
           <a:xfrm>
-            <a:off x="163337" y="134008"/>
-            <a:ext cx="7053542" cy="683886"/>
+            <a:off x="197136" y="113770"/>
+            <a:ext cx="7886700" cy="576700"/>
           </a:xfrm>
         </p:spPr>
         <p:txBody>
@@ -19845,18 +21123,22 @@
           <a:lstStyle/>
           <a:p>
             <a:r>
-              <a:rPr lang="en-US" dirty="0"/>
-              <a:t>Definite Iteration</a:t>
+              <a:rPr lang="en-US">
+                <a:solidFill>
+                  <a:srgbClr val="FF0000"/>
+                </a:solidFill>
+              </a:rPr>
+              <a:t>AP Exam</a:t>
             </a:r>
           </a:p>
         </p:txBody>
       </p:sp>
       <p:sp>
         <p:nvSpPr>
-          <p:cNvPr id="9" name="Content Placeholder 8">
+          <p:cNvPr id="3" name="Content Placeholder 2">
             <a:extLst>
               <a:ext uri="{FF2B5EF4-FFF2-40B4-BE49-F238E27FC236}">
-                <a16:creationId xmlns:a16="http://schemas.microsoft.com/office/drawing/2014/main" id="{E3B2E017-30B2-884B-A113-B419A2ED51AD}"/>
+                <a16:creationId xmlns:a16="http://schemas.microsoft.com/office/drawing/2014/main" id="{9C2DD414-A1A4-51DC-3253-3E51EA569EBA}"/>
               </a:ext>
             </a:extLst>
           </p:cNvPr>
@@ -19869,13 +21151,13 @@
         </p:nvSpPr>
         <p:spPr>
           <a:xfrm>
-            <a:off x="235670" y="817895"/>
-            <a:ext cx="8691514" cy="4696785"/>
+            <a:off x="197136" y="690470"/>
+            <a:ext cx="8749728" cy="4910760"/>
           </a:xfrm>
         </p:spPr>
         <p:txBody>
           <a:bodyPr>
-            <a:normAutofit/>
+            <a:normAutofit fontScale="92500" lnSpcReduction="10000"/>
           </a:bodyPr>
           <a:lstStyle/>
           <a:p>
@@ -19883,86 +21165,106 @@
               <a:buNone/>
             </a:pPr>
             <a:r>
-              <a:rPr lang="en-US" dirty="0">
-                <a:latin typeface="Gill Sans MT" panose="020B0502020104020203" pitchFamily="34" charset="77"/>
-              </a:rPr>
-              <a:t>The for loop is an example of a </a:t>
-            </a:r>
-            <a:r>
-              <a:rPr lang="en-US" b="1" dirty="0">
-                <a:latin typeface="Gill Sans MT" panose="020B0502020104020203" pitchFamily="34" charset="77"/>
-              </a:rPr>
-              <a:t>definite</a:t>
-            </a:r>
-            <a:r>
-              <a:rPr lang="en-US" dirty="0">
-                <a:latin typeface="Gill Sans MT" panose="020B0502020104020203" pitchFamily="34" charset="77"/>
+              <a:rPr lang="en-US"/>
+              <a:t>To perform a task n times, the AP exam use the following syntax.</a:t>
+            </a:r>
+          </a:p>
+          <a:p>
+            <a:pPr marL="0" indent="0">
+              <a:buNone/>
+            </a:pPr>
+            <a:endParaRPr lang="en-US"/>
+          </a:p>
+          <a:p>
+            <a:pPr marL="0" indent="0">
+              <a:buNone/>
+            </a:pPr>
+            <a:endParaRPr lang="en-US"/>
+          </a:p>
+          <a:p>
+            <a:pPr marL="0" indent="0">
+              <a:buNone/>
+            </a:pPr>
+            <a:endParaRPr lang="en-US"/>
+          </a:p>
+          <a:p>
+            <a:pPr marL="0" indent="0">
+              <a:buNone/>
+            </a:pPr>
+            <a:endParaRPr lang="en-US"/>
+          </a:p>
+          <a:p>
+            <a:pPr marL="0" indent="0">
+              <a:buNone/>
+            </a:pPr>
+            <a:endParaRPr lang="en-US"/>
+          </a:p>
+          <a:p>
+            <a:pPr marL="0" indent="0">
+              <a:buNone/>
+            </a:pPr>
+            <a:endParaRPr lang="en-US"/>
+          </a:p>
+          <a:p>
+            <a:pPr marL="0" indent="0">
+              <a:buNone/>
+            </a:pPr>
+            <a:endParaRPr lang="en-US"/>
+          </a:p>
+          <a:p>
+            <a:pPr marL="0" indent="0">
+              <a:buNone/>
+            </a:pPr>
+            <a:endParaRPr lang="en-US"/>
+          </a:p>
+          <a:p>
+            <a:pPr marL="0" indent="0">
+              <a:buNone/>
+            </a:pPr>
+            <a:r>
+              <a:rPr lang="en-US"/>
+              <a:t>Note: The above is equivalent to the following code in Python:</a:t>
+            </a:r>
+          </a:p>
+          <a:p>
+            <a:pPr marL="0" indent="0">
+              <a:buNone/>
+            </a:pPr>
+            <a:endParaRPr lang="en-US"/>
+          </a:p>
+          <a:p>
+            <a:pPr marL="0" indent="0">
+              <a:buNone/>
+            </a:pPr>
+            <a:r>
+              <a:rPr lang="en-US" b="1" dirty="0">
+                <a:solidFill>
+                  <a:srgbClr val="006699"/>
+                </a:solidFill>
+                <a:latin typeface="Inconsolata" panose="020B0609030003000000" pitchFamily="49" charset="77"/>
+              </a:rPr>
+              <a:t>for </a:t>
+            </a:r>
+            <a:r>
+              <a:rPr lang="en-US" b="1" dirty="0" err="1">
+                <a:solidFill>
+                  <a:srgbClr val="000087"/>
+                </a:solidFill>
+                <a:latin typeface="Inconsolata" panose="020B0609030003000000" pitchFamily="49" charset="77"/>
+              </a:rPr>
+              <a:t>i</a:t>
+            </a:r>
+            <a:r>
+              <a:rPr lang="en-US" b="1" dirty="0">
+                <a:solidFill>
+                  <a:srgbClr val="000087"/>
+                </a:solidFill>
+                <a:latin typeface="Inconsolata" panose="020B0609030003000000" pitchFamily="49" charset="77"/>
               </a:rPr>
               <a:t> </a:t>
             </a:r>
             <a:r>
               <a:rPr lang="en-US" b="1" dirty="0">
-                <a:latin typeface="Gill Sans MT" panose="020B0502020104020203" pitchFamily="34" charset="77"/>
-              </a:rPr>
-              <a:t>iteration</a:t>
-            </a:r>
-            <a:r>
-              <a:rPr lang="en-US" dirty="0">
-                <a:latin typeface="Gill Sans MT" panose="020B0502020104020203" pitchFamily="34" charset="77"/>
-              </a:rPr>
-              <a:t>. We can determine ahead of time the number of times the loop repeats. Later, we will talk about </a:t>
-            </a:r>
-            <a:r>
-              <a:rPr lang="en-US" b="1">
-                <a:latin typeface="Gill Sans MT" panose="020B0502020104020203" pitchFamily="34" charset="77"/>
-              </a:rPr>
-              <a:t>indefinite iteration</a:t>
-            </a:r>
-            <a:r>
-              <a:rPr lang="en-US">
-                <a:latin typeface="Gill Sans MT" panose="020B0502020104020203" pitchFamily="34" charset="77"/>
-              </a:rPr>
-              <a:t>, </a:t>
-            </a:r>
-            <a:r>
-              <a:rPr lang="en-US" dirty="0">
-                <a:latin typeface="Gill Sans MT" panose="020B0502020104020203" pitchFamily="34" charset="77"/>
-              </a:rPr>
-              <a:t>a loop where we cannot predict the number of times a loop repeats. </a:t>
-            </a:r>
-          </a:p>
-          <a:p>
-            <a:pPr marL="0" indent="0">
-              <a:buNone/>
-            </a:pPr>
-            <a:endParaRPr lang="en-US" dirty="0">
-              <a:latin typeface="Gill Sans MT" panose="020B0502020104020203" pitchFamily="34" charset="77"/>
-            </a:endParaRPr>
-          </a:p>
-          <a:p>
-            <a:pPr marL="0" indent="0">
-              <a:buNone/>
-            </a:pPr>
-            <a:r>
-              <a:rPr lang="en-US" b="1" dirty="0">
-                <a:solidFill>
-                  <a:srgbClr val="006699"/>
-                </a:solidFill>
-                <a:latin typeface="Inconsolata" panose="020B0609030003000000" pitchFamily="49" charset="77"/>
-              </a:rPr>
-              <a:t>for </a:t>
-            </a:r>
-            <a:r>
-              <a:rPr lang="en-US" b="1" dirty="0">
-                <a:solidFill>
-                  <a:srgbClr val="000087"/>
-                </a:solidFill>
-                <a:latin typeface="Inconsolata" panose="020B0609030003000000" pitchFamily="49" charset="77"/>
-              </a:rPr>
-              <a:t>i </a:t>
-            </a:r>
-            <a:r>
-              <a:rPr lang="en-US" b="1" dirty="0">
                 <a:latin typeface="Inconsolata" panose="020B0609030003000000" pitchFamily="49" charset="77"/>
               </a:rPr>
               <a:t>in </a:t>
@@ -19989,7 +21291,7 @@
                 </a:solidFill>
                 <a:latin typeface="Inconsolata" panose="020B0609030003000000" pitchFamily="49" charset="77"/>
               </a:rPr>
-              <a:t>5</a:t>
+              <a:t>n</a:t>
             </a:r>
             <a:r>
               <a:rPr lang="en-US" b="1" dirty="0">
@@ -19997,70 +21299,83 @@
               </a:rPr>
               <a:t>):</a:t>
             </a:r>
-            <a:br>
-              <a:rPr lang="en-US" b="1" dirty="0">
-                <a:latin typeface="Inconsolata" panose="020B0609030003000000" pitchFamily="49" charset="77"/>
-              </a:rPr>
-            </a:br>
-            <a:r>
-              <a:rPr lang="en-US" b="1" dirty="0">
-                <a:solidFill>
-                  <a:srgbClr val="006699"/>
-                </a:solidFill>
-                <a:latin typeface="Inconsolata" panose="020B0609030003000000" pitchFamily="49" charset="77"/>
-              </a:rPr>
-              <a:t>	print("*", end="")</a:t>
-            </a:r>
-            <a:endParaRPr lang="en-US" b="1" dirty="0">
-              <a:latin typeface="Inconsolata" panose="020B0609030003000000" pitchFamily="49" charset="77"/>
-            </a:endParaRPr>
-          </a:p>
-          <a:p>
-            <a:pPr marL="0" indent="0">
-              <a:buNone/>
-            </a:pPr>
-            <a:r>
-              <a:rPr lang="en-US" b="1" dirty="0">
-                <a:latin typeface="Inconsolata" panose="020B0609030003000000" pitchFamily="49" charset="77"/>
-              </a:rPr>
-              <a:t>*****</a:t>
-            </a:r>
-          </a:p>
-          <a:p>
-            <a:pPr marL="0" indent="0">
-              <a:buNone/>
-            </a:pPr>
-            <a:br>
-              <a:rPr lang="en-US" dirty="0">
-                <a:latin typeface="Gill Sans MT" panose="020B0502020104020203" pitchFamily="34" charset="77"/>
-              </a:rPr>
-            </a:br>
-            <a:r>
-              <a:rPr lang="en-US" dirty="0">
-                <a:latin typeface="Gill Sans MT" panose="020B0502020104020203" pitchFamily="34" charset="77"/>
-              </a:rPr>
-              <a:t>The loop above prints five *'s. We can determine this ahead of time from the for loop statement.</a:t>
-            </a:r>
-          </a:p>
-          <a:p>
-            <a:pPr marL="0" indent="0">
-              <a:buNone/>
-            </a:pPr>
-            <a:endParaRPr lang="en-US" sz="2100" dirty="0">
-              <a:solidFill>
-                <a:srgbClr val="000087"/>
-              </a:solidFill>
-              <a:latin typeface="Gill Sans MT" panose="020B0502020104020203" pitchFamily="34" charset="77"/>
-            </a:endParaRPr>
+          </a:p>
+          <a:p>
+            <a:pPr marL="0" indent="0">
+              <a:buNone/>
+            </a:pPr>
+            <a:r>
+              <a:rPr lang="en-US" b="1" dirty="0">
+                <a:latin typeface="Inconsolata" panose="020B0609030003000000" pitchFamily="49" charset="77"/>
+              </a:rPr>
+              <a:t>	# block of statements	 </a:t>
+            </a:r>
+          </a:p>
+          <a:p>
+            <a:pPr marL="0" indent="0">
+              <a:buNone/>
+            </a:pPr>
+            <a:r>
+              <a:rPr lang="en-US"/>
+              <a:t> 	…</a:t>
+            </a:r>
+          </a:p>
+          <a:p>
+            <a:pPr marL="0" indent="0">
+              <a:buNone/>
+            </a:pPr>
+            <a:endParaRPr lang="en-US"/>
+          </a:p>
+          <a:p>
+            <a:pPr marL="0" indent="0">
+              <a:buNone/>
+            </a:pPr>
+            <a:endParaRPr lang="en-US"/>
+          </a:p>
+          <a:p>
+            <a:pPr marL="0" indent="0">
+              <a:buNone/>
+            </a:pPr>
+            <a:endParaRPr lang="en-US"/>
+          </a:p>
+          <a:p>
+            <a:pPr marL="0" indent="0">
+              <a:buNone/>
+            </a:pPr>
+            <a:endParaRPr lang="en-US"/>
+          </a:p>
+          <a:p>
+            <a:pPr marL="0" indent="0">
+              <a:buNone/>
+            </a:pPr>
+            <a:endParaRPr lang="en-US"/>
+          </a:p>
+          <a:p>
+            <a:pPr marL="0" indent="0">
+              <a:buNone/>
+            </a:pPr>
+            <a:endParaRPr lang="en-US"/>
+          </a:p>
+          <a:p>
+            <a:pPr marL="0" indent="0">
+              <a:buNone/>
+            </a:pPr>
+            <a:endParaRPr lang="en-US"/>
+          </a:p>
+          <a:p>
+            <a:pPr marL="0" indent="0">
+              <a:buNone/>
+            </a:pPr>
+            <a:endParaRPr lang="en-US"/>
           </a:p>
         </p:txBody>
       </p:sp>
       <p:sp>
         <p:nvSpPr>
-          <p:cNvPr id="3" name="Slide Number Placeholder 2">
+          <p:cNvPr id="4" name="Slide Number Placeholder 3">
             <a:extLst>
               <a:ext uri="{FF2B5EF4-FFF2-40B4-BE49-F238E27FC236}">
-                <a16:creationId xmlns:a16="http://schemas.microsoft.com/office/drawing/2014/main" id="{4AF1EE18-7000-0743-BFAC-2DB4C588822A}"/>
+                <a16:creationId xmlns:a16="http://schemas.microsoft.com/office/drawing/2014/main" id="{66C1DDE4-1FC6-9C0E-B687-6C4701EF9CF3}"/>
               </a:ext>
             </a:extLst>
           </p:cNvPr>
@@ -20084,175 +21399,46 @@
           </a:p>
         </p:txBody>
       </p:sp>
+      <p:pic>
+        <p:nvPicPr>
+          <p:cNvPr id="5" name="Picture 4">
+            <a:extLst>
+              <a:ext uri="{FF2B5EF4-FFF2-40B4-BE49-F238E27FC236}">
+                <a16:creationId xmlns:a16="http://schemas.microsoft.com/office/drawing/2014/main" id="{F7FDE22B-2758-F04E-240C-8AC050943925}"/>
+              </a:ext>
+            </a:extLst>
+          </p:cNvPr>
+          <p:cNvPicPr>
+            <a:picLocks noChangeAspect="1"/>
+          </p:cNvPicPr>
+          <p:nvPr/>
+        </p:nvPicPr>
+        <p:blipFill>
+          <a:blip r:embed="rId2"/>
+          <a:stretch>
+            <a:fillRect/>
+          </a:stretch>
+        </p:blipFill>
+        <p:spPr>
+          <a:xfrm>
+            <a:off x="2021935" y="1037606"/>
+            <a:ext cx="4200169" cy="2630270"/>
+          </a:xfrm>
+          <a:prstGeom prst="rect">
+            <a:avLst/>
+          </a:prstGeom>
+        </p:spPr>
+      </p:pic>
     </p:spTree>
     <p:extLst>
       <p:ext uri="{BB962C8B-B14F-4D97-AF65-F5344CB8AC3E}">
-        <p14:creationId xmlns:p14="http://schemas.microsoft.com/office/powerpoint/2010/main" val="1703902501"/>
+        <p14:creationId xmlns:p14="http://schemas.microsoft.com/office/powerpoint/2010/main" val="287602781"/>
       </p:ext>
     </p:extLst>
   </p:cSld>
   <p:clrMapOvr>
     <a:masterClrMapping/>
   </p:clrMapOvr>
-  <p:timing>
-    <p:tnLst>
-      <p:par>
-        <p:cTn id="1" dur="indefinite" restart="never" nodeType="tmRoot">
-          <p:childTnLst>
-            <p:seq concurrent="1" nextAc="seek">
-              <p:cTn id="2" dur="indefinite" nodeType="mainSeq">
-                <p:childTnLst>
-                  <p:par>
-                    <p:cTn id="3" fill="hold">
-                      <p:stCondLst>
-                        <p:cond delay="indefinite"/>
-                      </p:stCondLst>
-                      <p:childTnLst>
-                        <p:par>
-                          <p:cTn id="4" fill="hold">
-                            <p:stCondLst>
-                              <p:cond delay="0"/>
-                            </p:stCondLst>
-                            <p:childTnLst>
-                              <p:par>
-                                <p:cTn id="5" presetID="1" presetClass="entr" presetSubtype="0" fill="hold" nodeType="clickEffect">
-                                  <p:stCondLst>
-                                    <p:cond delay="0"/>
-                                  </p:stCondLst>
-                                  <p:childTnLst>
-                                    <p:set>
-                                      <p:cBhvr>
-                                        <p:cTn id="6" dur="1" fill="hold">
-                                          <p:stCondLst>
-                                            <p:cond delay="0"/>
-                                          </p:stCondLst>
-                                        </p:cTn>
-                                        <p:tgtEl>
-                                          <p:spTgt spid="9">
-                                            <p:txEl>
-                                              <p:pRg st="2" end="2"/>
-                                            </p:txEl>
-                                          </p:spTgt>
-                                        </p:tgtEl>
-                                        <p:attrNameLst>
-                                          <p:attrName>style.visibility</p:attrName>
-                                        </p:attrNameLst>
-                                      </p:cBhvr>
-                                      <p:to>
-                                        <p:strVal val="visible"/>
-                                      </p:to>
-                                    </p:set>
-                                  </p:childTnLst>
-                                </p:cTn>
-                              </p:par>
-                              <p:par>
-                                <p:cTn id="7" presetID="1" presetClass="entr" presetSubtype="0" fill="hold" nodeType="withEffect">
-                                  <p:stCondLst>
-                                    <p:cond delay="0"/>
-                                  </p:stCondLst>
-                                  <p:childTnLst>
-                                    <p:set>
-                                      <p:cBhvr>
-                                        <p:cTn id="8" dur="1" fill="hold">
-                                          <p:stCondLst>
-                                            <p:cond delay="0"/>
-                                          </p:stCondLst>
-                                        </p:cTn>
-                                        <p:tgtEl>
-                                          <p:spTgt spid="9">
-                                            <p:txEl>
-                                              <p:pRg st="3" end="3"/>
-                                            </p:txEl>
-                                          </p:spTgt>
-                                        </p:tgtEl>
-                                        <p:attrNameLst>
-                                          <p:attrName>style.visibility</p:attrName>
-                                        </p:attrNameLst>
-                                      </p:cBhvr>
-                                      <p:to>
-                                        <p:strVal val="visible"/>
-                                      </p:to>
-                                    </p:set>
-                                  </p:childTnLst>
-                                </p:cTn>
-                              </p:par>
-                            </p:childTnLst>
-                          </p:cTn>
-                        </p:par>
-                      </p:childTnLst>
-                    </p:cTn>
-                  </p:par>
-                  <p:par>
-                    <p:cTn id="9" fill="hold">
-                      <p:stCondLst>
-                        <p:cond delay="indefinite"/>
-                      </p:stCondLst>
-                      <p:childTnLst>
-                        <p:par>
-                          <p:cTn id="10" fill="hold">
-                            <p:stCondLst>
-                              <p:cond delay="0"/>
-                            </p:stCondLst>
-                            <p:childTnLst>
-                              <p:par>
-                                <p:cTn id="11" presetID="1" presetClass="entr" presetSubtype="0" fill="hold" nodeType="clickEffect">
-                                  <p:stCondLst>
-                                    <p:cond delay="0"/>
-                                  </p:stCondLst>
-                                  <p:childTnLst>
-                                    <p:set>
-                                      <p:cBhvr>
-                                        <p:cTn id="12" dur="1" fill="hold">
-                                          <p:stCondLst>
-                                            <p:cond delay="0"/>
-                                          </p:stCondLst>
-                                        </p:cTn>
-                                        <p:tgtEl>
-                                          <p:spTgt spid="9">
-                                            <p:txEl>
-                                              <p:pRg st="4" end="4"/>
-                                            </p:txEl>
-                                          </p:spTgt>
-                                        </p:tgtEl>
-                                        <p:attrNameLst>
-                                          <p:attrName>style.visibility</p:attrName>
-                                        </p:attrNameLst>
-                                      </p:cBhvr>
-                                      <p:to>
-                                        <p:strVal val="visible"/>
-                                      </p:to>
-                                    </p:set>
-                                  </p:childTnLst>
-                                </p:cTn>
-                              </p:par>
-                            </p:childTnLst>
-                          </p:cTn>
-                        </p:par>
-                      </p:childTnLst>
-                    </p:cTn>
-                  </p:par>
-                </p:childTnLst>
-              </p:cTn>
-              <p:prevCondLst>
-                <p:cond evt="onPrev" delay="0">
-                  <p:tgtEl>
-                    <p:sldTgt/>
-                  </p:tgtEl>
-                </p:cond>
-              </p:prevCondLst>
-              <p:nextCondLst>
-                <p:cond evt="onNext" delay="0">
-                  <p:tgtEl>
-                    <p:sldTgt/>
-                  </p:tgtEl>
-                </p:cond>
-              </p:nextCondLst>
-            </p:seq>
-          </p:childTnLst>
-        </p:cTn>
-      </p:par>
-    </p:tnLst>
-  </p:timing>
 </p:sld>
 </file>
 

--- a/courses/apcsp/lect5.pptx
+++ b/courses/apcsp/lect5.pptx
@@ -145,7 +145,7 @@
 <file path=ppt/revisionInfo.xml><?xml version="1.0" encoding="utf-8"?>
 <p1510:revInfo xmlns:a="http://schemas.openxmlformats.org/drawingml/2006/main" xmlns:r="http://schemas.openxmlformats.org/officeDocument/2006/relationships" xmlns:p1510="http://schemas.microsoft.com/office/powerpoint/2015/10/main">
   <p1510:revLst>
-    <p1510:client id="{D0E154C4-B346-F941-A6B9-86184AB0DF7E}" v="68" dt="2022-10-26T13:48:07.305"/>
+    <p1510:client id="{D0E154C4-B346-F941-A6B9-86184AB0DF7E}" v="74" dt="2022-10-26T13:54:00.943"/>
   </p1510:revLst>
 </p1510:revInfo>
 </file>
@@ -1415,7 +1415,7 @@
   <pc:docChgLst>
     <pc:chgData name="Long Nguyen" userId="f59fb8f3-a021-417a-8bc1-65c8d471c621" providerId="ADAL" clId="{D0E154C4-B346-F941-A6B9-86184AB0DF7E}"/>
     <pc:docChg chg="undo custSel addSld modSld">
-      <pc:chgData name="Long Nguyen" userId="f59fb8f3-a021-417a-8bc1-65c8d471c621" providerId="ADAL" clId="{D0E154C4-B346-F941-A6B9-86184AB0DF7E}" dt="2022-10-26T13:51:27.396" v="1027" actId="20577"/>
+      <pc:chgData name="Long Nguyen" userId="f59fb8f3-a021-417a-8bc1-65c8d471c621" providerId="ADAL" clId="{D0E154C4-B346-F941-A6B9-86184AB0DF7E}" dt="2022-10-26T13:54:00.943" v="1071"/>
       <pc:docMkLst>
         <pc:docMk/>
       </pc:docMkLst>
@@ -1503,8 +1503,8 @@
           </ac:picMkLst>
         </pc:picChg>
       </pc:sldChg>
-      <pc:sldChg chg="addSp delSp modSp new mod">
-        <pc:chgData name="Long Nguyen" userId="f59fb8f3-a021-417a-8bc1-65c8d471c621" providerId="ADAL" clId="{D0E154C4-B346-F941-A6B9-86184AB0DF7E}" dt="2022-10-26T13:51:27.396" v="1027" actId="20577"/>
+      <pc:sldChg chg="addSp delSp modSp new mod modAnim">
+        <pc:chgData name="Long Nguyen" userId="f59fb8f3-a021-417a-8bc1-65c8d471c621" providerId="ADAL" clId="{D0E154C4-B346-F941-A6B9-86184AB0DF7E}" dt="2022-10-26T13:54:00.943" v="1071"/>
         <pc:sldMkLst>
           <pc:docMk/>
           <pc:sldMk cId="1128944251" sldId="338"/>
@@ -1550,11 +1550,19 @@
           </ac:spMkLst>
         </pc:spChg>
         <pc:spChg chg="add mod">
-          <ac:chgData name="Long Nguyen" userId="f59fb8f3-a021-417a-8bc1-65c8d471c621" providerId="ADAL" clId="{D0E154C4-B346-F941-A6B9-86184AB0DF7E}" dt="2022-10-26T13:51:00.654" v="983" actId="20577"/>
+          <ac:chgData name="Long Nguyen" userId="f59fb8f3-a021-417a-8bc1-65c8d471c621" providerId="ADAL" clId="{D0E154C4-B346-F941-A6B9-86184AB0DF7E}" dt="2022-10-26T13:52:53.497" v="1051" actId="1036"/>
           <ac:spMkLst>
             <pc:docMk/>
             <pc:sldMk cId="1128944251" sldId="338"/>
             <ac:spMk id="11" creationId="{E9E89041-25CA-7787-DF52-2EA78DEC0912}"/>
+          </ac:spMkLst>
+        </pc:spChg>
+        <pc:spChg chg="add del mod">
+          <ac:chgData name="Long Nguyen" userId="f59fb8f3-a021-417a-8bc1-65c8d471c621" providerId="ADAL" clId="{D0E154C4-B346-F941-A6B9-86184AB0DF7E}" dt="2022-10-26T13:53:31.557" v="1067"/>
+          <ac:spMkLst>
+            <pc:docMk/>
+            <pc:sldMk cId="1128944251" sldId="338"/>
+            <ac:spMk id="15" creationId="{4A688945-F27C-9AD2-CBBE-7983AA77D453}"/>
           </ac:spMkLst>
         </pc:spChg>
         <pc:graphicFrameChg chg="add del mod modGraphic">
@@ -1573,6 +1581,22 @@
             <ac:picMk id="9" creationId="{F02032DC-0733-12B3-65B3-971553A3B000}"/>
           </ac:picMkLst>
         </pc:picChg>
+        <pc:cxnChg chg="add mod">
+          <ac:chgData name="Long Nguyen" userId="f59fb8f3-a021-417a-8bc1-65c8d471c621" providerId="ADAL" clId="{D0E154C4-B346-F941-A6B9-86184AB0DF7E}" dt="2022-10-26T13:53:21.619" v="1063" actId="14100"/>
+          <ac:cxnSpMkLst>
+            <pc:docMk/>
+            <pc:sldMk cId="1128944251" sldId="338"/>
+            <ac:cxnSpMk id="13" creationId="{28CE31AB-69C5-D1AF-D8CE-80CD57000B1A}"/>
+          </ac:cxnSpMkLst>
+        </pc:cxnChg>
+        <pc:cxnChg chg="add mod">
+          <ac:chgData name="Long Nguyen" userId="f59fb8f3-a021-417a-8bc1-65c8d471c621" providerId="ADAL" clId="{D0E154C4-B346-F941-A6B9-86184AB0DF7E}" dt="2022-10-26T13:53:28.733" v="1065" actId="14100"/>
+          <ac:cxnSpMkLst>
+            <pc:docMk/>
+            <pc:sldMk cId="1128944251" sldId="338"/>
+            <ac:cxnSpMk id="16" creationId="{1E0C05EE-8880-84D1-113E-9BEC7A34A30D}"/>
+          </ac:cxnSpMkLst>
+        </pc:cxnChg>
       </pc:sldChg>
     </pc:docChg>
   </pc:docChgLst>
@@ -14735,7 +14759,7 @@
         </p:nvSpPr>
         <p:spPr>
           <a:xfrm>
-            <a:off x="6106748" y="2485281"/>
+            <a:off x="6106748" y="3345253"/>
             <a:ext cx="3048399" cy="1631216"/>
           </a:xfrm>
           <a:prstGeom prst="rect">
@@ -14800,6 +14824,89 @@
           </a:p>
         </p:txBody>
       </p:sp>
+      <p:cxnSp>
+        <p:nvCxnSpPr>
+          <p:cNvPr id="13" name="Straight Arrow Connector 12">
+            <a:extLst>
+              <a:ext uri="{FF2B5EF4-FFF2-40B4-BE49-F238E27FC236}">
+                <a16:creationId xmlns:a16="http://schemas.microsoft.com/office/drawing/2014/main" id="{28CE31AB-69C5-D1AF-D8CE-80CD57000B1A}"/>
+              </a:ext>
+            </a:extLst>
+          </p:cNvPr>
+          <p:cNvCxnSpPr>
+            <a:cxnSpLocks/>
+            <a:stCxn id="11" idx="1"/>
+          </p:cNvCxnSpPr>
+          <p:nvPr/>
+        </p:nvCxnSpPr>
+        <p:spPr>
+          <a:xfrm flipH="1" flipV="1">
+            <a:off x="5812971" y="3929743"/>
+            <a:ext cx="293777" cy="231118"/>
+          </a:xfrm>
+          <a:prstGeom prst="straightConnector1">
+            <a:avLst/>
+          </a:prstGeom>
+          <a:ln w="25400">
+            <a:tailEnd type="triangle"/>
+          </a:ln>
+        </p:spPr>
+        <p:style>
+          <a:lnRef idx="1">
+            <a:schemeClr val="accent1"/>
+          </a:lnRef>
+          <a:fillRef idx="0">
+            <a:schemeClr val="accent1"/>
+          </a:fillRef>
+          <a:effectRef idx="0">
+            <a:schemeClr val="accent1"/>
+          </a:effectRef>
+          <a:fontRef idx="minor">
+            <a:schemeClr val="tx1"/>
+          </a:fontRef>
+        </p:style>
+      </p:cxnSp>
+      <p:cxnSp>
+        <p:nvCxnSpPr>
+          <p:cNvPr id="16" name="Straight Arrow Connector 15">
+            <a:extLst>
+              <a:ext uri="{FF2B5EF4-FFF2-40B4-BE49-F238E27FC236}">
+                <a16:creationId xmlns:a16="http://schemas.microsoft.com/office/drawing/2014/main" id="{1E0C05EE-8880-84D1-113E-9BEC7A34A30D}"/>
+              </a:ext>
+            </a:extLst>
+          </p:cNvPr>
+          <p:cNvCxnSpPr>
+            <a:cxnSpLocks/>
+          </p:cNvCxnSpPr>
+          <p:nvPr/>
+        </p:nvCxnSpPr>
+        <p:spPr>
+          <a:xfrm flipH="1">
+            <a:off x="5812971" y="4397829"/>
+            <a:ext cx="293777" cy="119742"/>
+          </a:xfrm>
+          <a:prstGeom prst="straightConnector1">
+            <a:avLst/>
+          </a:prstGeom>
+          <a:ln w="25400">
+            <a:tailEnd type="triangle"/>
+          </a:ln>
+        </p:spPr>
+        <p:style>
+          <a:lnRef idx="1">
+            <a:schemeClr val="accent1"/>
+          </a:lnRef>
+          <a:fillRef idx="0">
+            <a:schemeClr val="accent1"/>
+          </a:fillRef>
+          <a:effectRef idx="0">
+            <a:schemeClr val="accent1"/>
+          </a:effectRef>
+          <a:fontRef idx="minor">
+            <a:schemeClr val="tx1"/>
+          </a:fontRef>
+        </p:style>
+      </p:cxnSp>
     </p:spTree>
     <p:extLst>
       <p:ext uri="{BB962C8B-B14F-4D97-AF65-F5344CB8AC3E}">
@@ -14810,6 +14917,183 @@
   <p:clrMapOvr>
     <a:masterClrMapping/>
   </p:clrMapOvr>
+  <p:timing>
+    <p:tnLst>
+      <p:par>
+        <p:cTn id="1" dur="indefinite" restart="never" nodeType="tmRoot">
+          <p:childTnLst>
+            <p:seq concurrent="1" nextAc="seek">
+              <p:cTn id="2" dur="indefinite" nodeType="mainSeq">
+                <p:childTnLst>
+                  <p:par>
+                    <p:cTn id="3" fill="hold">
+                      <p:stCondLst>
+                        <p:cond delay="indefinite"/>
+                      </p:stCondLst>
+                      <p:childTnLst>
+                        <p:par>
+                          <p:cTn id="4" fill="hold">
+                            <p:stCondLst>
+                              <p:cond delay="0"/>
+                            </p:stCondLst>
+                            <p:childTnLst>
+                              <p:par>
+                                <p:cTn id="5" presetID="1" presetClass="entr" presetSubtype="0" fill="hold" nodeType="clickEffect">
+                                  <p:stCondLst>
+                                    <p:cond delay="0"/>
+                                  </p:stCondLst>
+                                  <p:childTnLst>
+                                    <p:set>
+                                      <p:cBhvr>
+                                        <p:cTn id="6" dur="1" fill="hold">
+                                          <p:stCondLst>
+                                            <p:cond delay="0"/>
+                                          </p:stCondLst>
+                                        </p:cTn>
+                                        <p:tgtEl>
+                                          <p:spTgt spid="9"/>
+                                        </p:tgtEl>
+                                        <p:attrNameLst>
+                                          <p:attrName>style.visibility</p:attrName>
+                                        </p:attrNameLst>
+                                      </p:cBhvr>
+                                      <p:to>
+                                        <p:strVal val="visible"/>
+                                      </p:to>
+                                    </p:set>
+                                  </p:childTnLst>
+                                </p:cTn>
+                              </p:par>
+                            </p:childTnLst>
+                          </p:cTn>
+                        </p:par>
+                      </p:childTnLst>
+                    </p:cTn>
+                  </p:par>
+                  <p:par>
+                    <p:cTn id="7" fill="hold">
+                      <p:stCondLst>
+                        <p:cond delay="indefinite"/>
+                      </p:stCondLst>
+                      <p:childTnLst>
+                        <p:par>
+                          <p:cTn id="8" fill="hold">
+                            <p:stCondLst>
+                              <p:cond delay="0"/>
+                            </p:stCondLst>
+                            <p:childTnLst>
+                              <p:par>
+                                <p:cTn id="9" presetID="1" presetClass="entr" presetSubtype="0" fill="hold" nodeType="clickEffect">
+                                  <p:stCondLst>
+                                    <p:cond delay="0"/>
+                                  </p:stCondLst>
+                                  <p:childTnLst>
+                                    <p:set>
+                                      <p:cBhvr>
+                                        <p:cTn id="10" dur="1" fill="hold">
+                                          <p:stCondLst>
+                                            <p:cond delay="0"/>
+                                          </p:stCondLst>
+                                        </p:cTn>
+                                        <p:tgtEl>
+                                          <p:spTgt spid="13"/>
+                                        </p:tgtEl>
+                                        <p:attrNameLst>
+                                          <p:attrName>style.visibility</p:attrName>
+                                        </p:attrNameLst>
+                                      </p:cBhvr>
+                                      <p:to>
+                                        <p:strVal val="visible"/>
+                                      </p:to>
+                                    </p:set>
+                                  </p:childTnLst>
+                                </p:cTn>
+                              </p:par>
+                              <p:par>
+                                <p:cTn id="11" presetID="1" presetClass="entr" presetSubtype="0" fill="hold" nodeType="withEffect">
+                                  <p:stCondLst>
+                                    <p:cond delay="0"/>
+                                  </p:stCondLst>
+                                  <p:childTnLst>
+                                    <p:set>
+                                      <p:cBhvr>
+                                        <p:cTn id="12" dur="1" fill="hold">
+                                          <p:stCondLst>
+                                            <p:cond delay="0"/>
+                                          </p:stCondLst>
+                                        </p:cTn>
+                                        <p:tgtEl>
+                                          <p:spTgt spid="16"/>
+                                        </p:tgtEl>
+                                        <p:attrNameLst>
+                                          <p:attrName>style.visibility</p:attrName>
+                                        </p:attrNameLst>
+                                      </p:cBhvr>
+                                      <p:to>
+                                        <p:strVal val="visible"/>
+                                      </p:to>
+                                    </p:set>
+                                  </p:childTnLst>
+                                </p:cTn>
+                              </p:par>
+                              <p:par>
+                                <p:cTn id="13" presetID="1" presetClass="entr" presetSubtype="0" fill="hold" grpId="0" nodeType="withEffect">
+                                  <p:stCondLst>
+                                    <p:cond delay="0"/>
+                                  </p:stCondLst>
+                                  <p:childTnLst>
+                                    <p:set>
+                                      <p:cBhvr>
+                                        <p:cTn id="14" dur="1" fill="hold">
+                                          <p:stCondLst>
+                                            <p:cond delay="0"/>
+                                          </p:stCondLst>
+                                        </p:cTn>
+                                        <p:tgtEl>
+                                          <p:spTgt spid="11"/>
+                                        </p:tgtEl>
+                                        <p:attrNameLst>
+                                          <p:attrName>style.visibility</p:attrName>
+                                        </p:attrNameLst>
+                                      </p:cBhvr>
+                                      <p:to>
+                                        <p:strVal val="visible"/>
+                                      </p:to>
+                                    </p:set>
+                                  </p:childTnLst>
+                                </p:cTn>
+                              </p:par>
+                            </p:childTnLst>
+                          </p:cTn>
+                        </p:par>
+                      </p:childTnLst>
+                    </p:cTn>
+                  </p:par>
+                </p:childTnLst>
+              </p:cTn>
+              <p:prevCondLst>
+                <p:cond evt="onPrev" delay="0">
+                  <p:tgtEl>
+                    <p:sldTgt/>
+                  </p:tgtEl>
+                </p:cond>
+              </p:prevCondLst>
+              <p:nextCondLst>
+                <p:cond evt="onNext" delay="0">
+                  <p:tgtEl>
+                    <p:sldTgt/>
+                  </p:tgtEl>
+                </p:cond>
+              </p:nextCondLst>
+            </p:seq>
+          </p:childTnLst>
+        </p:cTn>
+      </p:par>
+    </p:tnLst>
+    <p:bldLst>
+      <p:bldP spid="11" grpId="0"/>
+    </p:bldLst>
+  </p:timing>
 </p:sld>
 </file>
 

--- a/courses/apcsp/lect5.pptx
+++ b/courses/apcsp/lect5.pptx
@@ -5,7 +5,7 @@
     <p:sldMasterId id="2147483791" r:id="rId1"/>
   </p:sldMasterIdLst>
   <p:notesMasterIdLst>
-    <p:notesMasterId r:id="rId30"/>
+    <p:notesMasterId r:id="rId29"/>
   </p:notesMasterIdLst>
   <p:sldIdLst>
     <p:sldId id="256" r:id="rId2"/>
@@ -27,15 +27,14 @@
     <p:sldId id="312" r:id="rId18"/>
     <p:sldId id="332" r:id="rId19"/>
     <p:sldId id="291" r:id="rId20"/>
-    <p:sldId id="336" r:id="rId21"/>
-    <p:sldId id="335" r:id="rId22"/>
-    <p:sldId id="276" r:id="rId23"/>
-    <p:sldId id="302" r:id="rId24"/>
-    <p:sldId id="338" r:id="rId25"/>
-    <p:sldId id="284" r:id="rId26"/>
-    <p:sldId id="317" r:id="rId27"/>
-    <p:sldId id="333" r:id="rId28"/>
-    <p:sldId id="316" r:id="rId29"/>
+    <p:sldId id="335" r:id="rId21"/>
+    <p:sldId id="276" r:id="rId22"/>
+    <p:sldId id="302" r:id="rId23"/>
+    <p:sldId id="338" r:id="rId24"/>
+    <p:sldId id="284" r:id="rId25"/>
+    <p:sldId id="317" r:id="rId26"/>
+    <p:sldId id="333" r:id="rId27"/>
+    <p:sldId id="316" r:id="rId28"/>
   </p:sldIdLst>
   <p:sldSz cx="9144000" cy="5715000" type="screen16x10"/>
   <p:notesSz cx="6858000" cy="9144000"/>
@@ -145,7 +144,7 @@
 <file path=ppt/revisionInfo.xml><?xml version="1.0" encoding="utf-8"?>
 <p1510:revInfo xmlns:a="http://schemas.openxmlformats.org/drawingml/2006/main" xmlns:r="http://schemas.openxmlformats.org/officeDocument/2006/relationships" xmlns:p1510="http://schemas.microsoft.com/office/powerpoint/2015/10/main">
   <p1510:revLst>
-    <p1510:client id="{D0E154C4-B346-F941-A6B9-86184AB0DF7E}" v="74" dt="2022-10-26T13:54:00.943"/>
+    <p1510:client id="{D0E154C4-B346-F941-A6B9-86184AB0DF7E}" v="78" dt="2022-10-26T15:34:21.736"/>
   </p1510:revLst>
 </p1510:revInfo>
 </file>
@@ -1414,23 +1413,39 @@
   </pc:docChgLst>
   <pc:docChgLst>
     <pc:chgData name="Long Nguyen" userId="f59fb8f3-a021-417a-8bc1-65c8d471c621" providerId="ADAL" clId="{D0E154C4-B346-F941-A6B9-86184AB0DF7E}"/>
-    <pc:docChg chg="undo custSel addSld modSld">
-      <pc:chgData name="Long Nguyen" userId="f59fb8f3-a021-417a-8bc1-65c8d471c621" providerId="ADAL" clId="{D0E154C4-B346-F941-A6B9-86184AB0DF7E}" dt="2022-10-26T13:54:00.943" v="1071"/>
+    <pc:docChg chg="undo custSel addSld delSld modSld">
+      <pc:chgData name="Long Nguyen" userId="f59fb8f3-a021-417a-8bc1-65c8d471c621" providerId="ADAL" clId="{D0E154C4-B346-F941-A6B9-86184AB0DF7E}" dt="2022-10-26T15:34:33.105" v="1080" actId="2696"/>
       <pc:docMkLst>
         <pc:docMk/>
       </pc:docMkLst>
-      <pc:sldChg chg="addSp modSp mod">
-        <pc:chgData name="Long Nguyen" userId="f59fb8f3-a021-417a-8bc1-65c8d471c621" providerId="ADAL" clId="{D0E154C4-B346-F941-A6B9-86184AB0DF7E}" dt="2022-10-26T13:40:10.479" v="425" actId="20577"/>
+      <pc:sldChg chg="addSp modSp mod modAnim">
+        <pc:chgData name="Long Nguyen" userId="f59fb8f3-a021-417a-8bc1-65c8d471c621" providerId="ADAL" clId="{D0E154C4-B346-F941-A6B9-86184AB0DF7E}" dt="2022-10-26T15:34:23.830" v="1079" actId="14100"/>
         <pc:sldMkLst>
           <pc:docMk/>
           <pc:sldMk cId="99755680" sldId="291"/>
         </pc:sldMkLst>
+        <pc:spChg chg="mod">
+          <ac:chgData name="Long Nguyen" userId="f59fb8f3-a021-417a-8bc1-65c8d471c621" providerId="ADAL" clId="{D0E154C4-B346-F941-A6B9-86184AB0DF7E}" dt="2022-10-26T15:34:17.310" v="1076" actId="1076"/>
+          <ac:spMkLst>
+            <pc:docMk/>
+            <pc:sldMk cId="99755680" sldId="291"/>
+            <ac:spMk id="2" creationId="{AA3A228F-61D0-D949-A5E7-F83756230BF8}"/>
+          </ac:spMkLst>
+        </pc:spChg>
         <pc:spChg chg="add mod">
           <ac:chgData name="Long Nguyen" userId="f59fb8f3-a021-417a-8bc1-65c8d471c621" providerId="ADAL" clId="{D0E154C4-B346-F941-A6B9-86184AB0DF7E}" dt="2022-10-26T13:40:10.479" v="425" actId="20577"/>
           <ac:spMkLst>
             <pc:docMk/>
             <pc:sldMk cId="99755680" sldId="291"/>
             <ac:spMk id="3" creationId="{D736C09A-6445-0521-5620-845ACB1DDC5B}"/>
+          </ac:spMkLst>
+        </pc:spChg>
+        <pc:spChg chg="mod">
+          <ac:chgData name="Long Nguyen" userId="f59fb8f3-a021-417a-8bc1-65c8d471c621" providerId="ADAL" clId="{D0E154C4-B346-F941-A6B9-86184AB0DF7E}" dt="2022-10-26T15:34:23.830" v="1079" actId="14100"/>
+          <ac:spMkLst>
+            <pc:docMk/>
+            <pc:sldMk cId="99755680" sldId="291"/>
+            <ac:spMk id="9" creationId="{E3B2E017-30B2-884B-A113-B419A2ED51AD}"/>
           </ac:spMkLst>
         </pc:spChg>
       </pc:sldChg>
@@ -1463,6 +1478,13 @@
             <ac:spMk id="2" creationId="{AA3A228F-61D0-D949-A5E7-F83756230BF8}"/>
           </ac:spMkLst>
         </pc:spChg>
+      </pc:sldChg>
+      <pc:sldChg chg="del">
+        <pc:chgData name="Long Nguyen" userId="f59fb8f3-a021-417a-8bc1-65c8d471c621" providerId="ADAL" clId="{D0E154C4-B346-F941-A6B9-86184AB0DF7E}" dt="2022-10-26T15:34:33.105" v="1080" actId="2696"/>
+        <pc:sldMkLst>
+          <pc:docMk/>
+          <pc:sldMk cId="3558806289" sldId="336"/>
+        </pc:sldMkLst>
       </pc:sldChg>
       <pc:sldChg chg="addSp delSp modSp new mod">
         <pc:chgData name="Long Nguyen" userId="f59fb8f3-a021-417a-8bc1-65c8d471c621" providerId="ADAL" clId="{D0E154C4-B346-F941-A6B9-86184AB0DF7E}" dt="2022-10-26T13:38:23.252" v="320"/>
@@ -10983,7 +11005,7 @@
         </p:nvSpPr>
         <p:spPr>
           <a:xfrm>
-            <a:off x="182906" y="123497"/>
+            <a:off x="0" y="4484"/>
             <a:ext cx="7053542" cy="683886"/>
           </a:xfrm>
         </p:spPr>
@@ -11016,8 +11038,8 @@
         </p:nvSpPr>
         <p:spPr>
           <a:xfrm>
-            <a:off x="310228" y="807382"/>
-            <a:ext cx="8741305" cy="4689291"/>
+            <a:off x="102742" y="565079"/>
+            <a:ext cx="8948791" cy="5149921"/>
           </a:xfrm>
         </p:spPr>
         <p:txBody>
@@ -11329,6 +11351,79 @@
               </a:rPr>
               <a:t># error! out of range!</a:t>
             </a:r>
+          </a:p>
+          <a:p>
+            <a:pPr marL="0" indent="0">
+              <a:buNone/>
+            </a:pPr>
+            <a:endParaRPr lang="en-US" b="1" i="1" dirty="0">
+              <a:solidFill>
+                <a:srgbClr val="33566B"/>
+              </a:solidFill>
+              <a:latin typeface="Inconsolata" panose="020B0609030003000000" pitchFamily="49" charset="77"/>
+            </a:endParaRPr>
+          </a:p>
+          <a:p>
+            <a:pPr marL="0" indent="0">
+              <a:buNone/>
+            </a:pPr>
+            <a:r>
+              <a:rPr lang="en-US" dirty="0">
+                <a:latin typeface="Gill Sans MT" panose="020B0502020104020203" pitchFamily="34" charset="77"/>
+              </a:rPr>
+              <a:t>Strings are </a:t>
+            </a:r>
+            <a:r>
+              <a:rPr lang="en-US" b="1" dirty="0">
+                <a:latin typeface="Gill Sans MT" panose="020B0502020104020203" pitchFamily="34" charset="77"/>
+              </a:rPr>
+              <a:t>immutable</a:t>
+            </a:r>
+            <a:r>
+              <a:rPr lang="en-US" dirty="0">
+                <a:latin typeface="Gill Sans MT" panose="020B0502020104020203" pitchFamily="34" charset="77"/>
+              </a:rPr>
+              <a:t>: once it is created, it cannot be changed!</a:t>
+            </a:r>
+          </a:p>
+          <a:p>
+            <a:pPr marL="0" indent="0">
+              <a:buNone/>
+            </a:pPr>
+            <a:r>
+              <a:rPr lang="en-US" b="1" dirty="0">
+                <a:solidFill>
+                  <a:srgbClr val="000087"/>
+                </a:solidFill>
+                <a:latin typeface="Inconsolata" panose="020B0609030003000000" pitchFamily="49" charset="77"/>
+              </a:rPr>
+              <a:t>message[0] = </a:t>
+            </a:r>
+            <a:r>
+              <a:rPr lang="en-US" b="1" dirty="0">
+                <a:solidFill>
+                  <a:srgbClr val="CC3300"/>
+                </a:solidFill>
+                <a:latin typeface="Inconsolata" panose="020B0609030003000000" pitchFamily="49" charset="77"/>
+              </a:rPr>
+              <a:t>"H" 		# ERROR! A string is immutable! </a:t>
+            </a:r>
+            <a:endParaRPr lang="en-US" b="1" dirty="0">
+              <a:latin typeface="Inconsolata" panose="020B0609030003000000" pitchFamily="49" charset="77"/>
+            </a:endParaRPr>
+          </a:p>
+          <a:p>
+            <a:pPr marL="0" indent="0">
+              <a:buNone/>
+            </a:pPr>
+            <a:endParaRPr lang="en-US" b="1" dirty="0">
+              <a:latin typeface="Inconsolata" panose="020B0609030003000000" pitchFamily="49" charset="77"/>
+            </a:endParaRPr>
+          </a:p>
+          <a:p>
+            <a:pPr marL="0" indent="0">
+              <a:buNone/>
+            </a:pPr>
             <a:endParaRPr lang="en-US" b="1" dirty="0">
               <a:latin typeface="Inconsolata" panose="020B0609030003000000" pitchFamily="49" charset="77"/>
             </a:endParaRPr>
@@ -11777,6 +11872,68 @@
                                   </p:childTnLst>
                                 </p:cTn>
                               </p:par>
+                              <p:par>
+                                <p:cTn id="23" presetID="1" presetClass="entr" presetSubtype="0" fill="hold" nodeType="withEffect">
+                                  <p:stCondLst>
+                                    <p:cond delay="0"/>
+                                  </p:stCondLst>
+                                  <p:childTnLst>
+                                    <p:set>
+                                      <p:cBhvr>
+                                        <p:cTn id="24" dur="1" fill="hold">
+                                          <p:stCondLst>
+                                            <p:cond delay="0"/>
+                                          </p:stCondLst>
+                                        </p:cTn>
+                                        <p:tgtEl>
+                                          <p:spTgt spid="9">
+                                            <p:txEl>
+                                              <p:pRg st="9" end="9"/>
+                                            </p:txEl>
+                                          </p:spTgt>
+                                        </p:tgtEl>
+                                        <p:attrNameLst>
+                                          <p:attrName>style.visibility</p:attrName>
+                                        </p:attrNameLst>
+                                      </p:cBhvr>
+                                      <p:to>
+                                        <p:strVal val="visible"/>
+                                      </p:to>
+                                    </p:set>
+                                  </p:childTnLst>
+                                </p:cTn>
+                              </p:par>
+                              <p:par>
+                                <p:cTn id="25" presetID="1" presetClass="entr" presetSubtype="0" fill="hold" nodeType="withEffect">
+                                  <p:stCondLst>
+                                    <p:cond delay="0"/>
+                                  </p:stCondLst>
+                                  <p:childTnLst>
+                                    <p:set>
+                                      <p:cBhvr>
+                                        <p:cTn id="26" dur="1" fill="hold">
+                                          <p:stCondLst>
+                                            <p:cond delay="0"/>
+                                          </p:stCondLst>
+                                        </p:cTn>
+                                        <p:tgtEl>
+                                          <p:spTgt spid="9">
+                                            <p:txEl>
+                                              <p:pRg st="10" end="10"/>
+                                            </p:txEl>
+                                          </p:spTgt>
+                                        </p:tgtEl>
+                                        <p:attrNameLst>
+                                          <p:attrName>style.visibility</p:attrName>
+                                        </p:attrNameLst>
+                                      </p:cBhvr>
+                                      <p:to>
+                                        <p:strVal val="visible"/>
+                                      </p:to>
+                                    </p:set>
+                                  </p:childTnLst>
+                                </p:cTn>
+                              </p:par>
                             </p:childTnLst>
                           </p:cTn>
                         </p:par>
@@ -12016,731 +12173,6 @@
           <p:cNvPr id="2" name="Title 1">
             <a:extLst>
               <a:ext uri="{FF2B5EF4-FFF2-40B4-BE49-F238E27FC236}">
-                <a16:creationId xmlns:a16="http://schemas.microsoft.com/office/drawing/2014/main" id="{AA3A228F-61D0-D949-A5E7-F83756230BF8}"/>
-              </a:ext>
-            </a:extLst>
-          </p:cNvPr>
-          <p:cNvSpPr>
-            <a:spLocks noGrp="1"/>
-          </p:cNvSpPr>
-          <p:nvPr>
-            <p:ph type="title"/>
-          </p:nvPr>
-        </p:nvSpPr>
-        <p:spPr>
-          <a:xfrm>
-            <a:off x="182906" y="123497"/>
-            <a:ext cx="7053542" cy="683886"/>
-          </a:xfrm>
-        </p:spPr>
-        <p:txBody>
-          <a:bodyPr/>
-          <a:lstStyle/>
-          <a:p>
-            <a:r>
-              <a:rPr lang="en-US" dirty="0"/>
-              <a:t>String Indexing </a:t>
-            </a:r>
-          </a:p>
-        </p:txBody>
-      </p:sp>
-      <p:sp>
-        <p:nvSpPr>
-          <p:cNvPr id="9" name="Content Placeholder 8">
-            <a:extLst>
-              <a:ext uri="{FF2B5EF4-FFF2-40B4-BE49-F238E27FC236}">
-                <a16:creationId xmlns:a16="http://schemas.microsoft.com/office/drawing/2014/main" id="{E3B2E017-30B2-884B-A113-B419A2ED51AD}"/>
-              </a:ext>
-            </a:extLst>
-          </p:cNvPr>
-          <p:cNvSpPr>
-            <a:spLocks noGrp="1"/>
-          </p:cNvSpPr>
-          <p:nvPr>
-            <p:ph idx="1"/>
-          </p:nvPr>
-        </p:nvSpPr>
-        <p:spPr>
-          <a:xfrm>
-            <a:off x="310228" y="807382"/>
-            <a:ext cx="8741305" cy="4689291"/>
-          </a:xfrm>
-        </p:spPr>
-        <p:txBody>
-          <a:bodyPr>
-            <a:noAutofit/>
-          </a:bodyPr>
-          <a:lstStyle/>
-          <a:p>
-            <a:pPr marL="0" indent="0">
-              <a:buNone/>
-            </a:pPr>
-            <a:r>
-              <a:rPr lang="en-US" dirty="0"/>
-              <a:t>Negative indicies wraps around from the end. </a:t>
-            </a:r>
-            <a:r>
-              <a:rPr lang="en-US" b="1" dirty="0">
-                <a:latin typeface="Inconsolata" panose="020B0609030003000000" pitchFamily="49" charset="77"/>
-              </a:rPr>
-              <a:t>This is useful, for example, if you want to get the index of the last character and do not know the length of a string. </a:t>
-            </a:r>
-          </a:p>
-          <a:p>
-            <a:pPr marL="0" indent="0">
-              <a:buNone/>
-            </a:pPr>
-            <a:endParaRPr lang="en-US" b="1" dirty="0">
-              <a:solidFill>
-                <a:srgbClr val="000087"/>
-              </a:solidFill>
-              <a:latin typeface="Inconsolata" panose="020B0609030003000000" pitchFamily="49" charset="77"/>
-            </a:endParaRPr>
-          </a:p>
-          <a:p>
-            <a:pPr marL="0" indent="0">
-              <a:buNone/>
-            </a:pPr>
-            <a:r>
-              <a:rPr lang="en-US" b="1" dirty="0">
-                <a:solidFill>
-                  <a:srgbClr val="000087"/>
-                </a:solidFill>
-                <a:latin typeface="Inconsolata" panose="020B0609030003000000" pitchFamily="49" charset="77"/>
-              </a:rPr>
-              <a:t>message = </a:t>
-            </a:r>
-            <a:r>
-              <a:rPr lang="en-US" b="1" dirty="0">
-                <a:solidFill>
-                  <a:srgbClr val="CC3300"/>
-                </a:solidFill>
-                <a:latin typeface="Inconsolata" panose="020B0609030003000000" pitchFamily="49" charset="77"/>
-              </a:rPr>
-              <a:t>"hello"</a:t>
-            </a:r>
-            <a:r>
-              <a:rPr lang="en-US" dirty="0">
-                <a:solidFill>
-                  <a:srgbClr val="CC3300"/>
-                </a:solidFill>
-                <a:latin typeface="UbuntuMono"/>
-              </a:rPr>
-              <a:t> </a:t>
-            </a:r>
-          </a:p>
-          <a:p>
-            <a:pPr marL="0" indent="0">
-              <a:buNone/>
-            </a:pPr>
-            <a:r>
-              <a:rPr lang="en-US" b="1" dirty="0">
-                <a:solidFill>
-                  <a:srgbClr val="000087"/>
-                </a:solidFill>
-                <a:latin typeface="Inconsolata" panose="020B0609030003000000" pitchFamily="49" charset="77"/>
-              </a:rPr>
-              <a:t>print(message</a:t>
-            </a:r>
-            <a:r>
-              <a:rPr lang="en-US" b="1" dirty="0">
-                <a:latin typeface="Inconsolata" panose="020B0609030003000000" pitchFamily="49" charset="77"/>
-              </a:rPr>
-              <a:t>[</a:t>
-            </a:r>
-            <a:r>
-              <a:rPr lang="en-US" b="1" dirty="0">
-                <a:solidFill>
-                  <a:srgbClr val="FF6600"/>
-                </a:solidFill>
-                <a:latin typeface="Inconsolata" panose="020B0609030003000000" pitchFamily="49" charset="77"/>
-              </a:rPr>
-              <a:t>-1</a:t>
-            </a:r>
-            <a:r>
-              <a:rPr lang="en-US" b="1" dirty="0">
-                <a:latin typeface="Inconsolata" panose="020B0609030003000000" pitchFamily="49" charset="77"/>
-              </a:rPr>
-              <a:t>]) 		</a:t>
-            </a:r>
-            <a:r>
-              <a:rPr lang="en-US" b="1" i="1" dirty="0">
-                <a:solidFill>
-                  <a:srgbClr val="33566B"/>
-                </a:solidFill>
-                <a:latin typeface="Inconsolata" panose="020B0609030003000000" pitchFamily="49" charset="77"/>
-              </a:rPr>
-              <a:t># o</a:t>
-            </a:r>
-            <a:r>
-              <a:rPr lang="en-US" b="1" dirty="0">
-                <a:latin typeface="Inconsolata" panose="020B0609030003000000" pitchFamily="49" charset="77"/>
-              </a:rPr>
-              <a:t> </a:t>
-            </a:r>
-          </a:p>
-          <a:p>
-            <a:pPr marL="0" indent="0">
-              <a:buNone/>
-            </a:pPr>
-            <a:r>
-              <a:rPr lang="en-US" b="1" dirty="0">
-                <a:solidFill>
-                  <a:srgbClr val="000087"/>
-                </a:solidFill>
-                <a:latin typeface="Inconsolata" panose="020B0609030003000000" pitchFamily="49" charset="77"/>
-              </a:rPr>
-              <a:t>print(message</a:t>
-            </a:r>
-            <a:r>
-              <a:rPr lang="en-US" b="1" dirty="0">
-                <a:latin typeface="Inconsolata" panose="020B0609030003000000" pitchFamily="49" charset="77"/>
-              </a:rPr>
-              <a:t>[</a:t>
-            </a:r>
-            <a:r>
-              <a:rPr lang="en-US" b="1" dirty="0">
-                <a:solidFill>
-                  <a:srgbClr val="FF6600"/>
-                </a:solidFill>
-                <a:latin typeface="Inconsolata" panose="020B0609030003000000" pitchFamily="49" charset="77"/>
-              </a:rPr>
-              <a:t>-2</a:t>
-            </a:r>
-            <a:r>
-              <a:rPr lang="en-US" b="1" dirty="0">
-                <a:latin typeface="Inconsolata" panose="020B0609030003000000" pitchFamily="49" charset="77"/>
-              </a:rPr>
-              <a:t>]) 		</a:t>
-            </a:r>
-            <a:r>
-              <a:rPr lang="en-US" b="1" i="1" dirty="0">
-                <a:solidFill>
-                  <a:srgbClr val="33566B"/>
-                </a:solidFill>
-                <a:latin typeface="Inconsolata" panose="020B0609030003000000" pitchFamily="49" charset="77"/>
-              </a:rPr>
-              <a:t># l</a:t>
-            </a:r>
-          </a:p>
-          <a:p>
-            <a:pPr marL="0" indent="0">
-              <a:buNone/>
-            </a:pPr>
-            <a:r>
-              <a:rPr lang="en-US" b="1" dirty="0">
-                <a:solidFill>
-                  <a:srgbClr val="000087"/>
-                </a:solidFill>
-                <a:latin typeface="Inconsolata" panose="020B0609030003000000" pitchFamily="49" charset="77"/>
-              </a:rPr>
-              <a:t>print(message</a:t>
-            </a:r>
-            <a:r>
-              <a:rPr lang="en-US" b="1" dirty="0">
-                <a:latin typeface="Inconsolata" panose="020B0609030003000000" pitchFamily="49" charset="77"/>
-              </a:rPr>
-              <a:t>[</a:t>
-            </a:r>
-            <a:r>
-              <a:rPr lang="en-US" b="1" dirty="0">
-                <a:solidFill>
-                  <a:srgbClr val="FF6600"/>
-                </a:solidFill>
-                <a:latin typeface="Inconsolata" panose="020B0609030003000000" pitchFamily="49" charset="77"/>
-              </a:rPr>
-              <a:t>-5</a:t>
-            </a:r>
-            <a:r>
-              <a:rPr lang="en-US" b="1" dirty="0">
-                <a:latin typeface="Inconsolata" panose="020B0609030003000000" pitchFamily="49" charset="77"/>
-              </a:rPr>
-              <a:t>]) 		</a:t>
-            </a:r>
-            <a:r>
-              <a:rPr lang="en-US" b="1" i="1" dirty="0">
-                <a:solidFill>
-                  <a:srgbClr val="33566B"/>
-                </a:solidFill>
-                <a:latin typeface="Inconsolata" panose="020B0609030003000000" pitchFamily="49" charset="77"/>
-              </a:rPr>
-              <a:t># h</a:t>
-            </a:r>
-          </a:p>
-          <a:p>
-            <a:pPr marL="0" indent="0">
-              <a:buNone/>
-            </a:pPr>
-            <a:endParaRPr lang="en-US" b="1" i="1" dirty="0">
-              <a:solidFill>
-                <a:srgbClr val="33566B"/>
-              </a:solidFill>
-              <a:latin typeface="Inconsolata" panose="020B0609030003000000" pitchFamily="49" charset="77"/>
-            </a:endParaRPr>
-          </a:p>
-          <a:p>
-            <a:pPr marL="0" indent="0">
-              <a:buNone/>
-            </a:pPr>
-            <a:r>
-              <a:rPr lang="en-US" dirty="0">
-                <a:latin typeface="Gill Sans MT" panose="020B0502020104020203" pitchFamily="34" charset="77"/>
-              </a:rPr>
-              <a:t>Strings are </a:t>
-            </a:r>
-            <a:r>
-              <a:rPr lang="en-US" b="1" dirty="0">
-                <a:latin typeface="Gill Sans MT" panose="020B0502020104020203" pitchFamily="34" charset="77"/>
-              </a:rPr>
-              <a:t>immutable</a:t>
-            </a:r>
-            <a:r>
-              <a:rPr lang="en-US" dirty="0">
-                <a:latin typeface="Gill Sans MT" panose="020B0502020104020203" pitchFamily="34" charset="77"/>
-              </a:rPr>
-              <a:t>: once it is created, it cannot be changed!</a:t>
-            </a:r>
-          </a:p>
-          <a:p>
-            <a:pPr marL="0" indent="0">
-              <a:buNone/>
-            </a:pPr>
-            <a:endParaRPr lang="en-US" dirty="0">
-              <a:latin typeface="Gill Sans MT" panose="020B0502020104020203" pitchFamily="34" charset="77"/>
-            </a:endParaRPr>
-          </a:p>
-          <a:p>
-            <a:pPr marL="0" indent="0">
-              <a:buNone/>
-            </a:pPr>
-            <a:r>
-              <a:rPr lang="en-US" b="1" dirty="0">
-                <a:solidFill>
-                  <a:srgbClr val="000087"/>
-                </a:solidFill>
-                <a:latin typeface="Inconsolata" panose="020B0609030003000000" pitchFamily="49" charset="77"/>
-              </a:rPr>
-              <a:t>message[0] = </a:t>
-            </a:r>
-            <a:r>
-              <a:rPr lang="en-US" b="1" dirty="0">
-                <a:solidFill>
-                  <a:srgbClr val="CC3300"/>
-                </a:solidFill>
-                <a:latin typeface="Inconsolata" panose="020B0609030003000000" pitchFamily="49" charset="77"/>
-              </a:rPr>
-              <a:t>"H" 		# ERROR! A string is immutable! </a:t>
-            </a:r>
-            <a:endParaRPr lang="en-US" b="1" dirty="0">
-              <a:latin typeface="Inconsolata" panose="020B0609030003000000" pitchFamily="49" charset="77"/>
-            </a:endParaRPr>
-          </a:p>
-          <a:p>
-            <a:pPr marL="0" indent="0">
-              <a:buNone/>
-            </a:pPr>
-            <a:endParaRPr lang="en-US" b="1" dirty="0">
-              <a:latin typeface="Inconsolata" panose="020B0609030003000000" pitchFamily="49" charset="77"/>
-            </a:endParaRPr>
-          </a:p>
-          <a:p>
-            <a:pPr marL="0" indent="0">
-              <a:buNone/>
-            </a:pPr>
-            <a:r>
-              <a:rPr lang="en-US" b="1" dirty="0">
-                <a:latin typeface="Inconsolata" panose="020B0609030003000000" pitchFamily="49" charset="77"/>
-              </a:rPr>
-              <a:t> </a:t>
-            </a:r>
-          </a:p>
-          <a:p>
-            <a:pPr marL="0" indent="0">
-              <a:buNone/>
-            </a:pPr>
-            <a:endParaRPr lang="en-US" b="1" dirty="0">
-              <a:latin typeface="Inconsolata" panose="020B0609030003000000" pitchFamily="49" charset="77"/>
-            </a:endParaRPr>
-          </a:p>
-          <a:p>
-            <a:pPr marL="0" indent="0">
-              <a:buNone/>
-            </a:pPr>
-            <a:endParaRPr lang="en-US" b="1" dirty="0">
-              <a:latin typeface="Inconsolata" panose="020B0609030003000000" pitchFamily="49" charset="77"/>
-            </a:endParaRPr>
-          </a:p>
-          <a:p>
-            <a:pPr marL="0" indent="0">
-              <a:buNone/>
-            </a:pPr>
-            <a:endParaRPr lang="en-US" b="1" dirty="0">
-              <a:latin typeface="Inconsolata" panose="020B0609030003000000" pitchFamily="49" charset="77"/>
-            </a:endParaRPr>
-          </a:p>
-          <a:p>
-            <a:pPr marL="0" indent="0">
-              <a:buNone/>
-            </a:pPr>
-            <a:endParaRPr lang="en-US" b="1" dirty="0">
-              <a:latin typeface="Inconsolata" panose="020B0609030003000000" pitchFamily="49" charset="77"/>
-            </a:endParaRPr>
-          </a:p>
-          <a:p>
-            <a:pPr marL="0" indent="0">
-              <a:buNone/>
-            </a:pPr>
-            <a:endParaRPr lang="en-US" b="1" dirty="0">
-              <a:latin typeface="Inconsolata" panose="020B0609030003000000" pitchFamily="49" charset="77"/>
-            </a:endParaRPr>
-          </a:p>
-          <a:p>
-            <a:pPr marL="0" indent="0">
-              <a:buNone/>
-            </a:pPr>
-            <a:r>
-              <a:rPr lang="en-US" b="1" dirty="0">
-                <a:latin typeface="Inconsolata" panose="020B0609030003000000" pitchFamily="49" charset="77"/>
-              </a:rPr>
-              <a:t> </a:t>
-            </a:r>
-          </a:p>
-          <a:p>
-            <a:pPr marL="0" indent="0">
-              <a:buNone/>
-            </a:pPr>
-            <a:endParaRPr lang="en-US" b="1" dirty="0">
-              <a:latin typeface="Inconsolata" panose="020B0609030003000000" pitchFamily="49" charset="77"/>
-            </a:endParaRPr>
-          </a:p>
-          <a:p>
-            <a:pPr marL="0" indent="0">
-              <a:buNone/>
-            </a:pPr>
-            <a:endParaRPr lang="en-US" b="1" dirty="0">
-              <a:latin typeface="Inconsolata" panose="020B0609030003000000" pitchFamily="49" charset="77"/>
-            </a:endParaRPr>
-          </a:p>
-        </p:txBody>
-      </p:sp>
-    </p:spTree>
-    <p:extLst>
-      <p:ext uri="{BB962C8B-B14F-4D97-AF65-F5344CB8AC3E}">
-        <p14:creationId xmlns:p14="http://schemas.microsoft.com/office/powerpoint/2010/main" val="3558806289"/>
-      </p:ext>
-    </p:extLst>
-  </p:cSld>
-  <p:clrMapOvr>
-    <a:masterClrMapping/>
-  </p:clrMapOvr>
-  <p:timing>
-    <p:tnLst>
-      <p:par>
-        <p:cTn id="1" dur="indefinite" restart="never" nodeType="tmRoot">
-          <p:childTnLst>
-            <p:seq concurrent="1" nextAc="seek">
-              <p:cTn id="2" dur="indefinite" nodeType="mainSeq">
-                <p:childTnLst>
-                  <p:par>
-                    <p:cTn id="3" fill="hold">
-                      <p:stCondLst>
-                        <p:cond delay="indefinite"/>
-                      </p:stCondLst>
-                      <p:childTnLst>
-                        <p:par>
-                          <p:cTn id="4" fill="hold">
-                            <p:stCondLst>
-                              <p:cond delay="0"/>
-                            </p:stCondLst>
-                            <p:childTnLst>
-                              <p:par>
-                                <p:cTn id="5" presetID="1" presetClass="entr" presetSubtype="0" fill="hold" nodeType="clickEffect">
-                                  <p:stCondLst>
-                                    <p:cond delay="0"/>
-                                  </p:stCondLst>
-                                  <p:childTnLst>
-                                    <p:set>
-                                      <p:cBhvr>
-                                        <p:cTn id="6" dur="1" fill="hold">
-                                          <p:stCondLst>
-                                            <p:cond delay="0"/>
-                                          </p:stCondLst>
-                                        </p:cTn>
-                                        <p:tgtEl>
-                                          <p:spTgt spid="9">
-                                            <p:txEl>
-                                              <p:pRg st="2" end="2"/>
-                                            </p:txEl>
-                                          </p:spTgt>
-                                        </p:tgtEl>
-                                        <p:attrNameLst>
-                                          <p:attrName>style.visibility</p:attrName>
-                                        </p:attrNameLst>
-                                      </p:cBhvr>
-                                      <p:to>
-                                        <p:strVal val="visible"/>
-                                      </p:to>
-                                    </p:set>
-                                  </p:childTnLst>
-                                </p:cTn>
-                              </p:par>
-                            </p:childTnLst>
-                          </p:cTn>
-                        </p:par>
-                      </p:childTnLst>
-                    </p:cTn>
-                  </p:par>
-                  <p:par>
-                    <p:cTn id="7" fill="hold">
-                      <p:stCondLst>
-                        <p:cond delay="indefinite"/>
-                      </p:stCondLst>
-                      <p:childTnLst>
-                        <p:par>
-                          <p:cTn id="8" fill="hold">
-                            <p:stCondLst>
-                              <p:cond delay="0"/>
-                            </p:stCondLst>
-                            <p:childTnLst>
-                              <p:par>
-                                <p:cTn id="9" presetID="1" presetClass="entr" presetSubtype="0" fill="hold" nodeType="clickEffect">
-                                  <p:stCondLst>
-                                    <p:cond delay="0"/>
-                                  </p:stCondLst>
-                                  <p:childTnLst>
-                                    <p:set>
-                                      <p:cBhvr>
-                                        <p:cTn id="10" dur="1" fill="hold">
-                                          <p:stCondLst>
-                                            <p:cond delay="0"/>
-                                          </p:stCondLst>
-                                        </p:cTn>
-                                        <p:tgtEl>
-                                          <p:spTgt spid="9">
-                                            <p:txEl>
-                                              <p:pRg st="0" end="0"/>
-                                            </p:txEl>
-                                          </p:spTgt>
-                                        </p:tgtEl>
-                                        <p:attrNameLst>
-                                          <p:attrName>style.visibility</p:attrName>
-                                        </p:attrNameLst>
-                                      </p:cBhvr>
-                                      <p:to>
-                                        <p:strVal val="visible"/>
-                                      </p:to>
-                                    </p:set>
-                                  </p:childTnLst>
-                                </p:cTn>
-                              </p:par>
-                              <p:par>
-                                <p:cTn id="11" presetID="1" presetClass="entr" presetSubtype="0" fill="hold" nodeType="withEffect">
-                                  <p:stCondLst>
-                                    <p:cond delay="0"/>
-                                  </p:stCondLst>
-                                  <p:childTnLst>
-                                    <p:set>
-                                      <p:cBhvr>
-                                        <p:cTn id="12" dur="1" fill="hold">
-                                          <p:stCondLst>
-                                            <p:cond delay="0"/>
-                                          </p:stCondLst>
-                                        </p:cTn>
-                                        <p:tgtEl>
-                                          <p:spTgt spid="9">
-                                            <p:txEl>
-                                              <p:pRg st="3" end="3"/>
-                                            </p:txEl>
-                                          </p:spTgt>
-                                        </p:tgtEl>
-                                        <p:attrNameLst>
-                                          <p:attrName>style.visibility</p:attrName>
-                                        </p:attrNameLst>
-                                      </p:cBhvr>
-                                      <p:to>
-                                        <p:strVal val="visible"/>
-                                      </p:to>
-                                    </p:set>
-                                  </p:childTnLst>
-                                </p:cTn>
-                              </p:par>
-                              <p:par>
-                                <p:cTn id="13" presetID="1" presetClass="entr" presetSubtype="0" fill="hold" nodeType="withEffect">
-                                  <p:stCondLst>
-                                    <p:cond delay="0"/>
-                                  </p:stCondLst>
-                                  <p:childTnLst>
-                                    <p:set>
-                                      <p:cBhvr>
-                                        <p:cTn id="14" dur="1" fill="hold">
-                                          <p:stCondLst>
-                                            <p:cond delay="0"/>
-                                          </p:stCondLst>
-                                        </p:cTn>
-                                        <p:tgtEl>
-                                          <p:spTgt spid="9">
-                                            <p:txEl>
-                                              <p:pRg st="4" end="4"/>
-                                            </p:txEl>
-                                          </p:spTgt>
-                                        </p:tgtEl>
-                                        <p:attrNameLst>
-                                          <p:attrName>style.visibility</p:attrName>
-                                        </p:attrNameLst>
-                                      </p:cBhvr>
-                                      <p:to>
-                                        <p:strVal val="visible"/>
-                                      </p:to>
-                                    </p:set>
-                                  </p:childTnLst>
-                                </p:cTn>
-                              </p:par>
-                              <p:par>
-                                <p:cTn id="15" presetID="1" presetClass="entr" presetSubtype="0" fill="hold" nodeType="withEffect">
-                                  <p:stCondLst>
-                                    <p:cond delay="0"/>
-                                  </p:stCondLst>
-                                  <p:childTnLst>
-                                    <p:set>
-                                      <p:cBhvr>
-                                        <p:cTn id="16" dur="1" fill="hold">
-                                          <p:stCondLst>
-                                            <p:cond delay="0"/>
-                                          </p:stCondLst>
-                                        </p:cTn>
-                                        <p:tgtEl>
-                                          <p:spTgt spid="9">
-                                            <p:txEl>
-                                              <p:pRg st="5" end="5"/>
-                                            </p:txEl>
-                                          </p:spTgt>
-                                        </p:tgtEl>
-                                        <p:attrNameLst>
-                                          <p:attrName>style.visibility</p:attrName>
-                                        </p:attrNameLst>
-                                      </p:cBhvr>
-                                      <p:to>
-                                        <p:strVal val="visible"/>
-                                      </p:to>
-                                    </p:set>
-                                  </p:childTnLst>
-                                </p:cTn>
-                              </p:par>
-                              <p:par>
-                                <p:cTn id="17" presetID="1" presetClass="entr" presetSubtype="0" fill="hold" nodeType="withEffect">
-                                  <p:stCondLst>
-                                    <p:cond delay="0"/>
-                                  </p:stCondLst>
-                                  <p:childTnLst>
-                                    <p:set>
-                                      <p:cBhvr>
-                                        <p:cTn id="18" dur="1" fill="hold">
-                                          <p:stCondLst>
-                                            <p:cond delay="0"/>
-                                          </p:stCondLst>
-                                        </p:cTn>
-                                        <p:tgtEl>
-                                          <p:spTgt spid="9">
-                                            <p:txEl>
-                                              <p:pRg st="7" end="7"/>
-                                            </p:txEl>
-                                          </p:spTgt>
-                                        </p:tgtEl>
-                                        <p:attrNameLst>
-                                          <p:attrName>style.visibility</p:attrName>
-                                        </p:attrNameLst>
-                                      </p:cBhvr>
-                                      <p:to>
-                                        <p:strVal val="visible"/>
-                                      </p:to>
-                                    </p:set>
-                                  </p:childTnLst>
-                                </p:cTn>
-                              </p:par>
-                              <p:par>
-                                <p:cTn id="19" presetID="1" presetClass="entr" presetSubtype="0" fill="hold" nodeType="withEffect">
-                                  <p:stCondLst>
-                                    <p:cond delay="0"/>
-                                  </p:stCondLst>
-                                  <p:childTnLst>
-                                    <p:set>
-                                      <p:cBhvr>
-                                        <p:cTn id="20" dur="1" fill="hold">
-                                          <p:stCondLst>
-                                            <p:cond delay="0"/>
-                                          </p:stCondLst>
-                                        </p:cTn>
-                                        <p:tgtEl>
-                                          <p:spTgt spid="9">
-                                            <p:txEl>
-                                              <p:pRg st="9" end="9"/>
-                                            </p:txEl>
-                                          </p:spTgt>
-                                        </p:tgtEl>
-                                        <p:attrNameLst>
-                                          <p:attrName>style.visibility</p:attrName>
-                                        </p:attrNameLst>
-                                      </p:cBhvr>
-                                      <p:to>
-                                        <p:strVal val="visible"/>
-                                      </p:to>
-                                    </p:set>
-                                  </p:childTnLst>
-                                </p:cTn>
-                              </p:par>
-                            </p:childTnLst>
-                          </p:cTn>
-                        </p:par>
-                      </p:childTnLst>
-                    </p:cTn>
-                  </p:par>
-                </p:childTnLst>
-              </p:cTn>
-              <p:prevCondLst>
-                <p:cond evt="onPrev" delay="0">
-                  <p:tgtEl>
-                    <p:sldTgt/>
-                  </p:tgtEl>
-                </p:cond>
-              </p:prevCondLst>
-              <p:nextCondLst>
-                <p:cond evt="onNext" delay="0">
-                  <p:tgtEl>
-                    <p:sldTgt/>
-                  </p:tgtEl>
-                </p:cond>
-              </p:nextCondLst>
-            </p:seq>
-          </p:childTnLst>
-        </p:cTn>
-      </p:par>
-    </p:tnLst>
-  </p:timing>
-</p:sld>
-</file>
-
-<file path=ppt/slides/slide21.xml><?xml version="1.0" encoding="utf-8"?>
-<p:sld xmlns:a="http://schemas.openxmlformats.org/drawingml/2006/main" xmlns:r="http://schemas.openxmlformats.org/officeDocument/2006/relationships" xmlns:p="http://schemas.openxmlformats.org/presentationml/2006/main">
-  <p:cSld>
-    <p:spTree>
-      <p:nvGrpSpPr>
-        <p:cNvPr id="1" name=""/>
-        <p:cNvGrpSpPr/>
-        <p:nvPr/>
-      </p:nvGrpSpPr>
-      <p:grpSpPr>
-        <a:xfrm>
-          <a:off x="0" y="0"/>
-          <a:ext cx="0" cy="0"/>
-          <a:chOff x="0" y="0"/>
-          <a:chExt cx="0" cy="0"/>
-        </a:xfrm>
-      </p:grpSpPr>
-      <p:sp>
-        <p:nvSpPr>
-          <p:cNvPr id="2" name="Title 1">
-            <a:extLst>
-              <a:ext uri="{FF2B5EF4-FFF2-40B4-BE49-F238E27FC236}">
                 <a16:creationId xmlns:a16="http://schemas.microsoft.com/office/drawing/2014/main" id="{035AFDDC-47A5-7E6C-A438-A84416CC2FFF}"/>
               </a:ext>
             </a:extLst>
@@ -13020,7 +12452,7 @@
           <a:p>
             <a:fld id="{D57F1E4F-1CFF-5643-939E-02111984F565}" type="slidenum">
               <a:rPr lang="en-US" smtClean="0"/>
-              <a:t>21</a:t>
+              <a:t>20</a:t>
             </a:fld>
             <a:endParaRPr lang="en-US" dirty="0"/>
           </a:p>
@@ -13039,7 +12471,7 @@
 </p:sld>
 </file>
 
-<file path=ppt/slides/slide22.xml><?xml version="1.0" encoding="utf-8"?>
+<file path=ppt/slides/slide21.xml><?xml version="1.0" encoding="utf-8"?>
 <p:sld xmlns:a="http://schemas.openxmlformats.org/drawingml/2006/main" xmlns:r="http://schemas.openxmlformats.org/officeDocument/2006/relationships" xmlns:p="http://schemas.openxmlformats.org/presentationml/2006/main">
   <p:cSld>
     <p:spTree>
@@ -13592,7 +13024,7 @@
 </p:sld>
 </file>
 
-<file path=ppt/slides/slide23.xml><?xml version="1.0" encoding="utf-8"?>
+<file path=ppt/slides/slide22.xml><?xml version="1.0" encoding="utf-8"?>
 <p:sld xmlns:a="http://schemas.openxmlformats.org/drawingml/2006/main" xmlns:r="http://schemas.openxmlformats.org/officeDocument/2006/relationships" xmlns:p="http://schemas.openxmlformats.org/presentationml/2006/main">
   <p:cSld>
     <p:spTree>
@@ -14514,7 +13946,7 @@
 </p:sld>
 </file>
 
-<file path=ppt/slides/slide24.xml><?xml version="1.0" encoding="utf-8"?>
+<file path=ppt/slides/slide23.xml><?xml version="1.0" encoding="utf-8"?>
 <p:sld xmlns:a="http://schemas.openxmlformats.org/drawingml/2006/main" xmlns:r="http://schemas.openxmlformats.org/officeDocument/2006/relationships" xmlns:p="http://schemas.openxmlformats.org/presentationml/2006/main">
   <p:cSld>
     <p:spTree>
@@ -14591,7 +14023,7 @@
           <a:p>
             <a:fld id="{D57F1E4F-1CFF-5643-939E-02111984F565}" type="slidenum">
               <a:rPr lang="en-US" smtClean="0"/>
-              <a:t>24</a:t>
+              <a:t>23</a:t>
             </a:fld>
             <a:endParaRPr lang="en-US" dirty="0"/>
           </a:p>
@@ -15097,7 +14529,7 @@
 </p:sld>
 </file>
 
-<file path=ppt/slides/slide25.xml><?xml version="1.0" encoding="utf-8"?>
+<file path=ppt/slides/slide24.xml><?xml version="1.0" encoding="utf-8"?>
 <p:sld xmlns:a="http://schemas.openxmlformats.org/drawingml/2006/main" xmlns:r="http://schemas.openxmlformats.org/officeDocument/2006/relationships" xmlns:p="http://schemas.openxmlformats.org/presentationml/2006/main">
   <p:cSld>
     <p:spTree>
@@ -15283,7 +14715,7 @@
           <a:p>
             <a:fld id="{D57F1E4F-1CFF-5643-939E-02111984F565}" type="slidenum">
               <a:rPr lang="en-US" smtClean="0"/>
-              <a:t>25</a:t>
+              <a:t>24</a:t>
             </a:fld>
             <a:endParaRPr lang="en-US" dirty="0"/>
           </a:p>
@@ -15608,7 +15040,7 @@
 </p:sld>
 </file>
 
-<file path=ppt/slides/slide26.xml><?xml version="1.0" encoding="utf-8"?>
+<file path=ppt/slides/slide25.xml><?xml version="1.0" encoding="utf-8"?>
 <p:sld xmlns:a="http://schemas.openxmlformats.org/drawingml/2006/main" xmlns:r="http://schemas.openxmlformats.org/officeDocument/2006/relationships" xmlns:p="http://schemas.openxmlformats.org/presentationml/2006/main">
   <p:cSld>
     <p:spTree>
@@ -16057,7 +15489,7 @@
           <a:p>
             <a:fld id="{D57F1E4F-1CFF-5643-939E-02111984F565}" type="slidenum">
               <a:rPr lang="en-US" smtClean="0"/>
-              <a:t>26</a:t>
+              <a:t>25</a:t>
             </a:fld>
             <a:endParaRPr lang="en-US" dirty="0"/>
           </a:p>
@@ -16067,6 +15499,315 @@
     <p:extLst>
       <p:ext uri="{BB962C8B-B14F-4D97-AF65-F5344CB8AC3E}">
         <p14:creationId xmlns:p14="http://schemas.microsoft.com/office/powerpoint/2010/main" val="1787114790"/>
+      </p:ext>
+    </p:extLst>
+  </p:cSld>
+  <p:clrMapOvr>
+    <a:masterClrMapping/>
+  </p:clrMapOvr>
+</p:sld>
+</file>
+
+<file path=ppt/slides/slide26.xml><?xml version="1.0" encoding="utf-8"?>
+<p:sld xmlns:a="http://schemas.openxmlformats.org/drawingml/2006/main" xmlns:r="http://schemas.openxmlformats.org/officeDocument/2006/relationships" xmlns:p="http://schemas.openxmlformats.org/presentationml/2006/main">
+  <p:cSld>
+    <p:spTree>
+      <p:nvGrpSpPr>
+        <p:cNvPr id="1" name=""/>
+        <p:cNvGrpSpPr/>
+        <p:nvPr/>
+      </p:nvGrpSpPr>
+      <p:grpSpPr>
+        <a:xfrm>
+          <a:off x="0" y="0"/>
+          <a:ext cx="0" cy="0"/>
+          <a:chOff x="0" y="0"/>
+          <a:chExt cx="0" cy="0"/>
+        </a:xfrm>
+      </p:grpSpPr>
+      <p:sp>
+        <p:nvSpPr>
+          <p:cNvPr id="2" name="Title 1">
+            <a:extLst>
+              <a:ext uri="{FF2B5EF4-FFF2-40B4-BE49-F238E27FC236}">
+                <a16:creationId xmlns:a16="http://schemas.microsoft.com/office/drawing/2014/main" id="{AA3A228F-61D0-D949-A5E7-F83756230BF8}"/>
+              </a:ext>
+            </a:extLst>
+          </p:cNvPr>
+          <p:cNvSpPr>
+            <a:spLocks noGrp="1"/>
+          </p:cNvSpPr>
+          <p:nvPr>
+            <p:ph type="title"/>
+          </p:nvPr>
+        </p:nvSpPr>
+        <p:spPr>
+          <a:xfrm>
+            <a:off x="192018" y="85790"/>
+            <a:ext cx="7053542" cy="683886"/>
+          </a:xfrm>
+        </p:spPr>
+        <p:txBody>
+          <a:bodyPr/>
+          <a:lstStyle/>
+          <a:p>
+            <a:r>
+              <a:rPr lang="en-US" dirty="0"/>
+              <a:t>Lab 2: Counting Primes </a:t>
+            </a:r>
+          </a:p>
+        </p:txBody>
+      </p:sp>
+      <p:sp>
+        <p:nvSpPr>
+          <p:cNvPr id="9" name="Content Placeholder 8">
+            <a:extLst>
+              <a:ext uri="{FF2B5EF4-FFF2-40B4-BE49-F238E27FC236}">
+                <a16:creationId xmlns:a16="http://schemas.microsoft.com/office/drawing/2014/main" id="{E3B2E017-30B2-884B-A113-B419A2ED51AD}"/>
+              </a:ext>
+            </a:extLst>
+          </p:cNvPr>
+          <p:cNvSpPr>
+            <a:spLocks noGrp="1"/>
+          </p:cNvSpPr>
+          <p:nvPr>
+            <p:ph idx="1"/>
+          </p:nvPr>
+        </p:nvSpPr>
+        <p:spPr>
+          <a:xfrm>
+            <a:off x="192018" y="671196"/>
+            <a:ext cx="8829434" cy="5043804"/>
+          </a:xfrm>
+        </p:spPr>
+        <p:txBody>
+          <a:bodyPr>
+            <a:noAutofit/>
+          </a:bodyPr>
+          <a:lstStyle/>
+          <a:p>
+            <a:pPr marL="0" indent="0">
+              <a:buNone/>
+            </a:pPr>
+            <a:r>
+              <a:rPr lang="en-US" dirty="0"/>
+              <a:t>Create a new repl. </a:t>
+            </a:r>
+          </a:p>
+          <a:p>
+            <a:pPr marL="0" indent="0">
+              <a:buNone/>
+            </a:pPr>
+            <a:r>
+              <a:rPr lang="en-US" dirty="0"/>
+              <a:t>1) Rewrite the function </a:t>
+            </a:r>
+            <a:r>
+              <a:rPr lang="en-US" dirty="0" err="1"/>
+              <a:t>count_factors</a:t>
+            </a:r>
+            <a:r>
+              <a:rPr lang="en-US" dirty="0"/>
+              <a:t> as explained in a previous slide. </a:t>
+            </a:r>
+          </a:p>
+          <a:p>
+            <a:pPr marL="0" indent="0">
+              <a:buNone/>
+            </a:pPr>
+            <a:r>
+              <a:rPr lang="en-US" dirty="0"/>
+              <a:t>2) A number n is prime if its only factors are 1 and n. Write the function </a:t>
+            </a:r>
+            <a:r>
+              <a:rPr lang="en-US" dirty="0" err="1"/>
+              <a:t>is_prime</a:t>
+            </a:r>
+            <a:r>
+              <a:rPr lang="en-US" dirty="0"/>
+              <a:t> which accepts an integer n and returns whether it is prime.  Note that 1 is not prime. </a:t>
+            </a:r>
+            <a:r>
+              <a:rPr lang="en-US" dirty="0">
+                <a:solidFill>
+                  <a:srgbClr val="FF0000"/>
+                </a:solidFill>
+              </a:rPr>
+              <a:t>You must call the function </a:t>
+            </a:r>
+            <a:r>
+              <a:rPr lang="en-US" dirty="0" err="1">
+                <a:solidFill>
+                  <a:srgbClr val="FF0000"/>
+                </a:solidFill>
+              </a:rPr>
+              <a:t>count_factors</a:t>
+            </a:r>
+            <a:r>
+              <a:rPr lang="en-US" dirty="0">
+                <a:solidFill>
+                  <a:srgbClr val="FF0000"/>
+                </a:solidFill>
+              </a:rPr>
+              <a:t> in your implementation of </a:t>
+            </a:r>
+            <a:r>
+              <a:rPr lang="en-US" dirty="0" err="1">
+                <a:solidFill>
+                  <a:srgbClr val="FF0000"/>
+                </a:solidFill>
+              </a:rPr>
+              <a:t>is_prime</a:t>
+            </a:r>
+            <a:r>
+              <a:rPr lang="en-US" dirty="0">
+                <a:solidFill>
+                  <a:srgbClr val="FF0000"/>
+                </a:solidFill>
+              </a:rPr>
+              <a:t>.</a:t>
+            </a:r>
+          </a:p>
+          <a:p>
+            <a:pPr marL="0" indent="0">
+              <a:buNone/>
+            </a:pPr>
+            <a:r>
+              <a:rPr lang="en-US" dirty="0" err="1">
+                <a:solidFill>
+                  <a:srgbClr val="FF0000"/>
+                </a:solidFill>
+              </a:rPr>
+              <a:t>is_prime</a:t>
+            </a:r>
+            <a:r>
+              <a:rPr lang="en-US" dirty="0">
+                <a:solidFill>
+                  <a:srgbClr val="FF0000"/>
+                </a:solidFill>
+              </a:rPr>
+              <a:t>(13) returns True</a:t>
+            </a:r>
+          </a:p>
+          <a:p>
+            <a:pPr marL="0" indent="0">
+              <a:buNone/>
+            </a:pPr>
+            <a:r>
+              <a:rPr lang="en-US" dirty="0" err="1">
+                <a:solidFill>
+                  <a:srgbClr val="FF0000"/>
+                </a:solidFill>
+              </a:rPr>
+              <a:t>is_prime</a:t>
+            </a:r>
+            <a:r>
+              <a:rPr lang="en-US" dirty="0">
+                <a:solidFill>
+                  <a:srgbClr val="FF0000"/>
+                </a:solidFill>
+              </a:rPr>
+              <a:t>(1245) returns False</a:t>
+            </a:r>
+          </a:p>
+          <a:p>
+            <a:pPr marL="0" indent="0">
+              <a:buNone/>
+            </a:pPr>
+            <a:r>
+              <a:rPr lang="en-US" dirty="0"/>
+              <a:t>3) Write the function </a:t>
+            </a:r>
+            <a:r>
+              <a:rPr lang="en-US" dirty="0" err="1"/>
+              <a:t>num_primes</a:t>
+            </a:r>
+            <a:r>
+              <a:rPr lang="en-US" dirty="0"/>
+              <a:t> which accepts an integer n and and returns the number of primes up to and including n.  </a:t>
+            </a:r>
+            <a:r>
+              <a:rPr lang="en-US" dirty="0">
+                <a:solidFill>
+                  <a:srgbClr val="FF0000"/>
+                </a:solidFill>
+              </a:rPr>
+              <a:t>You must call the function </a:t>
+            </a:r>
+            <a:r>
+              <a:rPr lang="en-US" dirty="0" err="1">
+                <a:solidFill>
+                  <a:srgbClr val="FF0000"/>
+                </a:solidFill>
+              </a:rPr>
+              <a:t>is_prime</a:t>
+            </a:r>
+            <a:r>
+              <a:rPr lang="en-US" dirty="0">
+                <a:solidFill>
+                  <a:srgbClr val="FF0000"/>
+                </a:solidFill>
+              </a:rPr>
+              <a:t> in your implementation.</a:t>
+            </a:r>
+          </a:p>
+          <a:p>
+            <a:pPr marL="0" indent="0">
+              <a:buNone/>
+            </a:pPr>
+            <a:r>
+              <a:rPr lang="en-US" dirty="0" err="1"/>
+              <a:t>num_prime</a:t>
+            </a:r>
+            <a:r>
+              <a:rPr lang="en-US" dirty="0"/>
+              <a:t>(11) returns 5 since 2, 3, 5, 7, 11 are the 5 prime numbers less than or equal to 11. </a:t>
+            </a:r>
+          </a:p>
+          <a:p>
+            <a:pPr marL="0" indent="0">
+              <a:buNone/>
+            </a:pPr>
+            <a:r>
+              <a:rPr lang="en-US" dirty="0"/>
+              <a:t>Call the three above functions with different inputs and make sure that your functions work as expected. </a:t>
+            </a:r>
+          </a:p>
+        </p:txBody>
+      </p:sp>
+      <p:sp>
+        <p:nvSpPr>
+          <p:cNvPr id="3" name="Slide Number Placeholder 2">
+            <a:extLst>
+              <a:ext uri="{FF2B5EF4-FFF2-40B4-BE49-F238E27FC236}">
+                <a16:creationId xmlns:a16="http://schemas.microsoft.com/office/drawing/2014/main" id="{9F5B78D7-AC9E-9D46-A252-4AE5D34709E0}"/>
+              </a:ext>
+            </a:extLst>
+          </p:cNvPr>
+          <p:cNvSpPr>
+            <a:spLocks noGrp="1"/>
+          </p:cNvSpPr>
+          <p:nvPr>
+            <p:ph type="sldNum" sz="quarter" idx="12"/>
+          </p:nvPr>
+        </p:nvSpPr>
+        <p:spPr/>
+        <p:txBody>
+          <a:bodyPr/>
+          <a:lstStyle/>
+          <a:p>
+            <a:fld id="{D57F1E4F-1CFF-5643-939E-02111984F565}" type="slidenum">
+              <a:rPr lang="en-US" smtClean="0"/>
+              <a:t>26</a:t>
+            </a:fld>
+            <a:endParaRPr lang="en-US" dirty="0"/>
+          </a:p>
+        </p:txBody>
+      </p:sp>
+    </p:spTree>
+    <p:extLst>
+      <p:ext uri="{BB962C8B-B14F-4D97-AF65-F5344CB8AC3E}">
+        <p14:creationId xmlns:p14="http://schemas.microsoft.com/office/powerpoint/2010/main" val="3662915732"/>
       </p:ext>
     </p:extLst>
   </p:cSld>
@@ -16111,315 +15852,6 @@
         </p:nvSpPr>
         <p:spPr>
           <a:xfrm>
-            <a:off x="192018" y="85790"/>
-            <a:ext cx="7053542" cy="683886"/>
-          </a:xfrm>
-        </p:spPr>
-        <p:txBody>
-          <a:bodyPr/>
-          <a:lstStyle/>
-          <a:p>
-            <a:r>
-              <a:rPr lang="en-US" dirty="0"/>
-              <a:t>Lab 2: Counting Primes </a:t>
-            </a:r>
-          </a:p>
-        </p:txBody>
-      </p:sp>
-      <p:sp>
-        <p:nvSpPr>
-          <p:cNvPr id="9" name="Content Placeholder 8">
-            <a:extLst>
-              <a:ext uri="{FF2B5EF4-FFF2-40B4-BE49-F238E27FC236}">
-                <a16:creationId xmlns:a16="http://schemas.microsoft.com/office/drawing/2014/main" id="{E3B2E017-30B2-884B-A113-B419A2ED51AD}"/>
-              </a:ext>
-            </a:extLst>
-          </p:cNvPr>
-          <p:cNvSpPr>
-            <a:spLocks noGrp="1"/>
-          </p:cNvSpPr>
-          <p:nvPr>
-            <p:ph idx="1"/>
-          </p:nvPr>
-        </p:nvSpPr>
-        <p:spPr>
-          <a:xfrm>
-            <a:off x="192018" y="671196"/>
-            <a:ext cx="8829434" cy="5043804"/>
-          </a:xfrm>
-        </p:spPr>
-        <p:txBody>
-          <a:bodyPr>
-            <a:noAutofit/>
-          </a:bodyPr>
-          <a:lstStyle/>
-          <a:p>
-            <a:pPr marL="0" indent="0">
-              <a:buNone/>
-            </a:pPr>
-            <a:r>
-              <a:rPr lang="en-US" dirty="0"/>
-              <a:t>Create a new repl. </a:t>
-            </a:r>
-          </a:p>
-          <a:p>
-            <a:pPr marL="0" indent="0">
-              <a:buNone/>
-            </a:pPr>
-            <a:r>
-              <a:rPr lang="en-US" dirty="0"/>
-              <a:t>1) Rewrite the function </a:t>
-            </a:r>
-            <a:r>
-              <a:rPr lang="en-US" dirty="0" err="1"/>
-              <a:t>count_factors</a:t>
-            </a:r>
-            <a:r>
-              <a:rPr lang="en-US" dirty="0"/>
-              <a:t> as explained in a previous slide. </a:t>
-            </a:r>
-          </a:p>
-          <a:p>
-            <a:pPr marL="0" indent="0">
-              <a:buNone/>
-            </a:pPr>
-            <a:r>
-              <a:rPr lang="en-US" dirty="0"/>
-              <a:t>2) A number n is prime if its only factors are 1 and n. Write the function </a:t>
-            </a:r>
-            <a:r>
-              <a:rPr lang="en-US" dirty="0" err="1"/>
-              <a:t>is_prime</a:t>
-            </a:r>
-            <a:r>
-              <a:rPr lang="en-US" dirty="0"/>
-              <a:t> which accepts an integer n and returns whether it is prime.  Note that 1 is not prime. </a:t>
-            </a:r>
-            <a:r>
-              <a:rPr lang="en-US" dirty="0">
-                <a:solidFill>
-                  <a:srgbClr val="FF0000"/>
-                </a:solidFill>
-              </a:rPr>
-              <a:t>You must call the function </a:t>
-            </a:r>
-            <a:r>
-              <a:rPr lang="en-US" dirty="0" err="1">
-                <a:solidFill>
-                  <a:srgbClr val="FF0000"/>
-                </a:solidFill>
-              </a:rPr>
-              <a:t>count_factors</a:t>
-            </a:r>
-            <a:r>
-              <a:rPr lang="en-US" dirty="0">
-                <a:solidFill>
-                  <a:srgbClr val="FF0000"/>
-                </a:solidFill>
-              </a:rPr>
-              <a:t> in your implementation of </a:t>
-            </a:r>
-            <a:r>
-              <a:rPr lang="en-US" dirty="0" err="1">
-                <a:solidFill>
-                  <a:srgbClr val="FF0000"/>
-                </a:solidFill>
-              </a:rPr>
-              <a:t>is_prime</a:t>
-            </a:r>
-            <a:r>
-              <a:rPr lang="en-US" dirty="0">
-                <a:solidFill>
-                  <a:srgbClr val="FF0000"/>
-                </a:solidFill>
-              </a:rPr>
-              <a:t>.</a:t>
-            </a:r>
-          </a:p>
-          <a:p>
-            <a:pPr marL="0" indent="0">
-              <a:buNone/>
-            </a:pPr>
-            <a:r>
-              <a:rPr lang="en-US" dirty="0" err="1">
-                <a:solidFill>
-                  <a:srgbClr val="FF0000"/>
-                </a:solidFill>
-              </a:rPr>
-              <a:t>is_prime</a:t>
-            </a:r>
-            <a:r>
-              <a:rPr lang="en-US" dirty="0">
-                <a:solidFill>
-                  <a:srgbClr val="FF0000"/>
-                </a:solidFill>
-              </a:rPr>
-              <a:t>(13) returns True</a:t>
-            </a:r>
-          </a:p>
-          <a:p>
-            <a:pPr marL="0" indent="0">
-              <a:buNone/>
-            </a:pPr>
-            <a:r>
-              <a:rPr lang="en-US" dirty="0" err="1">
-                <a:solidFill>
-                  <a:srgbClr val="FF0000"/>
-                </a:solidFill>
-              </a:rPr>
-              <a:t>is_prime</a:t>
-            </a:r>
-            <a:r>
-              <a:rPr lang="en-US" dirty="0">
-                <a:solidFill>
-                  <a:srgbClr val="FF0000"/>
-                </a:solidFill>
-              </a:rPr>
-              <a:t>(1245) returns False</a:t>
-            </a:r>
-          </a:p>
-          <a:p>
-            <a:pPr marL="0" indent="0">
-              <a:buNone/>
-            </a:pPr>
-            <a:r>
-              <a:rPr lang="en-US" dirty="0"/>
-              <a:t>3) Write the function </a:t>
-            </a:r>
-            <a:r>
-              <a:rPr lang="en-US" dirty="0" err="1"/>
-              <a:t>num_primes</a:t>
-            </a:r>
-            <a:r>
-              <a:rPr lang="en-US" dirty="0"/>
-              <a:t> which accepts an integer n and and returns the number of primes up to and including n.  </a:t>
-            </a:r>
-            <a:r>
-              <a:rPr lang="en-US" dirty="0">
-                <a:solidFill>
-                  <a:srgbClr val="FF0000"/>
-                </a:solidFill>
-              </a:rPr>
-              <a:t>You must call the function </a:t>
-            </a:r>
-            <a:r>
-              <a:rPr lang="en-US" dirty="0" err="1">
-                <a:solidFill>
-                  <a:srgbClr val="FF0000"/>
-                </a:solidFill>
-              </a:rPr>
-              <a:t>is_prime</a:t>
-            </a:r>
-            <a:r>
-              <a:rPr lang="en-US" dirty="0">
-                <a:solidFill>
-                  <a:srgbClr val="FF0000"/>
-                </a:solidFill>
-              </a:rPr>
-              <a:t> in your implementation.</a:t>
-            </a:r>
-          </a:p>
-          <a:p>
-            <a:pPr marL="0" indent="0">
-              <a:buNone/>
-            </a:pPr>
-            <a:r>
-              <a:rPr lang="en-US" dirty="0" err="1"/>
-              <a:t>num_prime</a:t>
-            </a:r>
-            <a:r>
-              <a:rPr lang="en-US" dirty="0"/>
-              <a:t>(11) returns 5 since 2, 3, 5, 7, 11 are the 5 prime numbers less than or equal to 11. </a:t>
-            </a:r>
-          </a:p>
-          <a:p>
-            <a:pPr marL="0" indent="0">
-              <a:buNone/>
-            </a:pPr>
-            <a:r>
-              <a:rPr lang="en-US" dirty="0"/>
-              <a:t>Call the three above functions with different inputs and make sure that your functions work as expected. </a:t>
-            </a:r>
-          </a:p>
-        </p:txBody>
-      </p:sp>
-      <p:sp>
-        <p:nvSpPr>
-          <p:cNvPr id="3" name="Slide Number Placeholder 2">
-            <a:extLst>
-              <a:ext uri="{FF2B5EF4-FFF2-40B4-BE49-F238E27FC236}">
-                <a16:creationId xmlns:a16="http://schemas.microsoft.com/office/drawing/2014/main" id="{9F5B78D7-AC9E-9D46-A252-4AE5D34709E0}"/>
-              </a:ext>
-            </a:extLst>
-          </p:cNvPr>
-          <p:cNvSpPr>
-            <a:spLocks noGrp="1"/>
-          </p:cNvSpPr>
-          <p:nvPr>
-            <p:ph type="sldNum" sz="quarter" idx="12"/>
-          </p:nvPr>
-        </p:nvSpPr>
-        <p:spPr/>
-        <p:txBody>
-          <a:bodyPr/>
-          <a:lstStyle/>
-          <a:p>
-            <a:fld id="{D57F1E4F-1CFF-5643-939E-02111984F565}" type="slidenum">
-              <a:rPr lang="en-US" smtClean="0"/>
-              <a:t>27</a:t>
-            </a:fld>
-            <a:endParaRPr lang="en-US" dirty="0"/>
-          </a:p>
-        </p:txBody>
-      </p:sp>
-    </p:spTree>
-    <p:extLst>
-      <p:ext uri="{BB962C8B-B14F-4D97-AF65-F5344CB8AC3E}">
-        <p14:creationId xmlns:p14="http://schemas.microsoft.com/office/powerpoint/2010/main" val="3662915732"/>
-      </p:ext>
-    </p:extLst>
-  </p:cSld>
-  <p:clrMapOvr>
-    <a:masterClrMapping/>
-  </p:clrMapOvr>
-</p:sld>
-</file>
-
-<file path=ppt/slides/slide28.xml><?xml version="1.0" encoding="utf-8"?>
-<p:sld xmlns:a="http://schemas.openxmlformats.org/drawingml/2006/main" xmlns:r="http://schemas.openxmlformats.org/officeDocument/2006/relationships" xmlns:p="http://schemas.openxmlformats.org/presentationml/2006/main">
-  <p:cSld>
-    <p:spTree>
-      <p:nvGrpSpPr>
-        <p:cNvPr id="1" name=""/>
-        <p:cNvGrpSpPr/>
-        <p:nvPr/>
-      </p:nvGrpSpPr>
-      <p:grpSpPr>
-        <a:xfrm>
-          <a:off x="0" y="0"/>
-          <a:ext cx="0" cy="0"/>
-          <a:chOff x="0" y="0"/>
-          <a:chExt cx="0" cy="0"/>
-        </a:xfrm>
-      </p:grpSpPr>
-      <p:sp>
-        <p:nvSpPr>
-          <p:cNvPr id="2" name="Title 1">
-            <a:extLst>
-              <a:ext uri="{FF2B5EF4-FFF2-40B4-BE49-F238E27FC236}">
-                <a16:creationId xmlns:a16="http://schemas.microsoft.com/office/drawing/2014/main" id="{AA3A228F-61D0-D949-A5E7-F83756230BF8}"/>
-              </a:ext>
-            </a:extLst>
-          </p:cNvPr>
-          <p:cNvSpPr>
-            <a:spLocks noGrp="1"/>
-          </p:cNvSpPr>
-          <p:nvPr>
-            <p:ph type="title"/>
-          </p:nvPr>
-        </p:nvSpPr>
-        <p:spPr>
-          <a:xfrm>
             <a:off x="483848" y="467027"/>
             <a:ext cx="7053542" cy="683886"/>
           </a:xfrm>
@@ -16526,7 +15958,7 @@
           <a:p>
             <a:fld id="{D57F1E4F-1CFF-5643-939E-02111984F565}" type="slidenum">
               <a:rPr lang="en-US" smtClean="0"/>
-              <a:t>28</a:t>
+              <a:t>27</a:t>
             </a:fld>
             <a:endParaRPr lang="en-US" dirty="0"/>
           </a:p>

--- a/courses/apcsp/lect5.pptx
+++ b/courses/apcsp/lect5.pptx
@@ -1414,10 +1414,25 @@
   <pc:docChgLst>
     <pc:chgData name="Long Nguyen" userId="f59fb8f3-a021-417a-8bc1-65c8d471c621" providerId="ADAL" clId="{D0E154C4-B346-F941-A6B9-86184AB0DF7E}"/>
     <pc:docChg chg="undo custSel addSld delSld modSld">
-      <pc:chgData name="Long Nguyen" userId="f59fb8f3-a021-417a-8bc1-65c8d471c621" providerId="ADAL" clId="{D0E154C4-B346-F941-A6B9-86184AB0DF7E}" dt="2022-10-26T15:34:33.105" v="1080" actId="2696"/>
+      <pc:chgData name="Long Nguyen" userId="f59fb8f3-a021-417a-8bc1-65c8d471c621" providerId="ADAL" clId="{D0E154C4-B346-F941-A6B9-86184AB0DF7E}" dt="2022-10-27T15:49:41.569" v="1109" actId="20577"/>
       <pc:docMkLst>
         <pc:docMk/>
       </pc:docMkLst>
+      <pc:sldChg chg="modSp mod">
+        <pc:chgData name="Long Nguyen" userId="f59fb8f3-a021-417a-8bc1-65c8d471c621" providerId="ADAL" clId="{D0E154C4-B346-F941-A6B9-86184AB0DF7E}" dt="2022-10-27T15:49:41.569" v="1109" actId="20577"/>
+        <pc:sldMkLst>
+          <pc:docMk/>
+          <pc:sldMk cId="4247104139" sldId="256"/>
+        </pc:sldMkLst>
+        <pc:spChg chg="mod">
+          <ac:chgData name="Long Nguyen" userId="f59fb8f3-a021-417a-8bc1-65c8d471c621" providerId="ADAL" clId="{D0E154C4-B346-F941-A6B9-86184AB0DF7E}" dt="2022-10-27T15:49:41.569" v="1109" actId="20577"/>
+          <ac:spMkLst>
+            <pc:docMk/>
+            <pc:sldMk cId="4247104139" sldId="256"/>
+            <ac:spMk id="3" creationId="{1BDC47C8-6776-7B44-9CD4-95FC91452D62}"/>
+          </ac:spMkLst>
+        </pc:spChg>
+      </pc:sldChg>
       <pc:sldChg chg="addSp modSp mod modAnim">
         <pc:chgData name="Long Nguyen" userId="f59fb8f3-a021-417a-8bc1-65c8d471c621" providerId="ADAL" clId="{D0E154C4-B346-F941-A6B9-86184AB0DF7E}" dt="2022-10-26T15:34:23.830" v="1079" actId="14100"/>
         <pc:sldMkLst>
@@ -2591,7 +2606,7 @@
           <a:p>
             <a:fld id="{91B17CCE-B712-5B43-9D1C-82523EAD6AD9}" type="datetimeFigureOut">
               <a:rPr lang="en-US" smtClean="0"/>
-              <a:t>10/26/22</a:t>
+              <a:t>10/27/22</a:t>
             </a:fld>
             <a:endParaRPr lang="en-US"/>
           </a:p>
@@ -2989,7 +3004,7 @@
           <a:p>
             <a:fld id="{DC471BF0-9D75-0942-9041-17C4B5344EC4}" type="datetime1">
               <a:rPr lang="en-US" smtClean="0"/>
-              <a:t>10/26/22</a:t>
+              <a:t>10/27/22</a:t>
             </a:fld>
             <a:endParaRPr lang="en-US" dirty="0"/>
           </a:p>
@@ -3159,7 +3174,7 @@
           <a:p>
             <a:fld id="{B2865873-C2CE-D94D-9B62-5C7D3D28893C}" type="datetime1">
               <a:rPr lang="en-US" smtClean="0"/>
-              <a:t>10/26/22</a:t>
+              <a:t>10/27/22</a:t>
             </a:fld>
             <a:endParaRPr lang="en-US" dirty="0"/>
           </a:p>
@@ -3339,7 +3354,7 @@
           <a:p>
             <a:fld id="{8FD9C3D9-FA7E-9846-AC00-3B249AB3A3A5}" type="datetime1">
               <a:rPr lang="en-US" smtClean="0"/>
-              <a:t>10/26/22</a:t>
+              <a:t>10/27/22</a:t>
             </a:fld>
             <a:endParaRPr lang="en-US" dirty="0"/>
           </a:p>
@@ -3509,7 +3524,7 @@
           <a:p>
             <a:fld id="{BB0B2068-C0B6-3D41-8F8D-849B431B8433}" type="datetime1">
               <a:rPr lang="en-US" smtClean="0"/>
-              <a:t>10/26/22</a:t>
+              <a:t>10/27/22</a:t>
             </a:fld>
             <a:endParaRPr lang="en-US" dirty="0"/>
           </a:p>
@@ -3755,7 +3770,7 @@
           <a:p>
             <a:fld id="{0F9033C7-D091-114B-8DC2-5C14BE3937E7}" type="datetime1">
               <a:rPr lang="en-US" smtClean="0"/>
-              <a:t>10/26/22</a:t>
+              <a:t>10/27/22</a:t>
             </a:fld>
             <a:endParaRPr lang="en-US" dirty="0"/>
           </a:p>
@@ -3987,7 +4002,7 @@
           <a:p>
             <a:fld id="{9157D187-B498-E845-A39A-6C51B5EF5520}" type="datetime1">
               <a:rPr lang="en-US" smtClean="0"/>
-              <a:t>10/26/22</a:t>
+              <a:t>10/27/22</a:t>
             </a:fld>
             <a:endParaRPr lang="en-US" dirty="0"/>
           </a:p>
@@ -4354,7 +4369,7 @@
           <a:p>
             <a:fld id="{10C5814F-9C1E-8F43-BD11-47A12FCB08E9}" type="datetime1">
               <a:rPr lang="en-US" smtClean="0"/>
-              <a:t>10/26/22</a:t>
+              <a:t>10/27/22</a:t>
             </a:fld>
             <a:endParaRPr lang="en-US" dirty="0"/>
           </a:p>
@@ -4472,7 +4487,7 @@
           <a:p>
             <a:fld id="{00F4A595-D1A6-9443-A5E6-028339934659}" type="datetime1">
               <a:rPr lang="en-US" smtClean="0"/>
-              <a:t>10/26/22</a:t>
+              <a:t>10/27/22</a:t>
             </a:fld>
             <a:endParaRPr lang="en-US" dirty="0"/>
           </a:p>
@@ -4567,7 +4582,7 @@
           <a:p>
             <a:fld id="{283535AB-F705-A546-82E9-EF92A857560A}" type="datetime1">
               <a:rPr lang="en-US" smtClean="0"/>
-              <a:t>10/26/22</a:t>
+              <a:t>10/27/22</a:t>
             </a:fld>
             <a:endParaRPr lang="en-US" dirty="0"/>
           </a:p>
@@ -4844,7 +4859,7 @@
           <a:p>
             <a:fld id="{5458BA01-9B91-0A4B-AB23-8BE4CE0D7125}" type="datetime1">
               <a:rPr lang="en-US" smtClean="0"/>
-              <a:t>10/26/22</a:t>
+              <a:t>10/27/22</a:t>
             </a:fld>
             <a:endParaRPr lang="en-US" dirty="0"/>
           </a:p>
@@ -5101,7 +5116,7 @@
           <a:p>
             <a:fld id="{508F2FD5-7FA7-DF4B-B297-3F8803611404}" type="datetime1">
               <a:rPr lang="en-US" smtClean="0"/>
-              <a:t>10/26/22</a:t>
+              <a:t>10/27/22</a:t>
             </a:fld>
             <a:endParaRPr lang="en-US" dirty="0"/>
           </a:p>
@@ -5314,7 +5329,7 @@
           <a:p>
             <a:fld id="{74C7A9AF-EB43-AD4F-A6D0-5244F0154611}" type="datetime1">
               <a:rPr lang="en-US" smtClean="0"/>
-              <a:t>10/26/22</a:t>
+              <a:t>10/27/22</a:t>
             </a:fld>
             <a:endParaRPr lang="en-US" dirty="0"/>
           </a:p>
@@ -5785,7 +5800,7 @@
             <a:pPr algn="l"/>
             <a:r>
               <a:rPr lang="en-US" sz="2400" b="1" dirty="0"/>
-              <a:t>Definite Iteration: For Loops</a:t>
+              <a:t>For Loops and Strings</a:t>
             </a:r>
           </a:p>
         </p:txBody>

--- a/courses/apcsp/lect5.pptx
+++ b/courses/apcsp/lect5.pptx
@@ -5,7 +5,7 @@
     <p:sldMasterId id="2147483791" r:id="rId1"/>
   </p:sldMasterIdLst>
   <p:notesMasterIdLst>
-    <p:notesMasterId r:id="rId29"/>
+    <p:notesMasterId r:id="rId34"/>
   </p:notesMasterIdLst>
   <p:sldIdLst>
     <p:sldId id="256" r:id="rId2"/>
@@ -30,11 +30,16 @@
     <p:sldId id="335" r:id="rId21"/>
     <p:sldId id="276" r:id="rId22"/>
     <p:sldId id="302" r:id="rId23"/>
-    <p:sldId id="338" r:id="rId24"/>
-    <p:sldId id="284" r:id="rId25"/>
-    <p:sldId id="317" r:id="rId26"/>
-    <p:sldId id="333" r:id="rId27"/>
-    <p:sldId id="316" r:id="rId28"/>
+    <p:sldId id="300" r:id="rId24"/>
+    <p:sldId id="358" r:id="rId25"/>
+    <p:sldId id="303" r:id="rId26"/>
+    <p:sldId id="292" r:id="rId27"/>
+    <p:sldId id="359" r:id="rId28"/>
+    <p:sldId id="338" r:id="rId29"/>
+    <p:sldId id="284" r:id="rId30"/>
+    <p:sldId id="317" r:id="rId31"/>
+    <p:sldId id="333" r:id="rId32"/>
+    <p:sldId id="316" r:id="rId33"/>
   </p:sldIdLst>
   <p:sldSz cx="9144000" cy="5715000" type="screen16x10"/>
   <p:notesSz cx="6858000" cy="9144000"/>
@@ -144,7 +149,7 @@
 <file path=ppt/revisionInfo.xml><?xml version="1.0" encoding="utf-8"?>
 <p1510:revInfo xmlns:a="http://schemas.openxmlformats.org/drawingml/2006/main" xmlns:r="http://schemas.openxmlformats.org/officeDocument/2006/relationships" xmlns:p1510="http://schemas.microsoft.com/office/powerpoint/2015/10/main">
   <p1510:revLst>
-    <p1510:client id="{D0E154C4-B346-F941-A6B9-86184AB0DF7E}" v="78" dt="2022-10-26T15:34:21.736"/>
+    <p1510:client id="{CC26EAD3-1EB2-9641-867D-585F8EC44BCF}" v="1" dt="2023-10-20T11:58:36.949"/>
   </p1510:revLst>
 </p1510:revInfo>
 </file>
@@ -152,216 +157,464 @@
 <file path=ppt/changesInfos/changesInfo1.xml><?xml version="1.0" encoding="utf-8"?>
 <pc:chgInfo xmlns:a="http://schemas.openxmlformats.org/drawingml/2006/main" xmlns:r="http://schemas.openxmlformats.org/officeDocument/2006/relationships" xmlns:ac="http://schemas.microsoft.com/office/drawing/2013/main/command" xmlns:pc="http://schemas.microsoft.com/office/powerpoint/2013/main/command">
   <pc:docChgLst>
-    <pc:chgData name="Long B Nguyen" userId="f59fb8f3-a021-417a-8bc1-65c8d471c621" providerId="ADAL" clId="{CC9C9D9A-5149-2947-86C0-576F501F60DC}"/>
+    <pc:chgData name="Long B Nguyen" userId="f59fb8f3-a021-417a-8bc1-65c8d471c621" providerId="ADAL" clId="{CC26EAD3-1EB2-9641-867D-585F8EC44BCF}"/>
     <pc:docChg chg="addSld modSld">
-      <pc:chgData name="Long B Nguyen" userId="f59fb8f3-a021-417a-8bc1-65c8d471c621" providerId="ADAL" clId="{CC9C9D9A-5149-2947-86C0-576F501F60DC}" dt="2020-01-05T21:59:55.597" v="2392" actId="14100"/>
+      <pc:chgData name="Long B Nguyen" userId="f59fb8f3-a021-417a-8bc1-65c8d471c621" providerId="ADAL" clId="{CC26EAD3-1EB2-9641-867D-585F8EC44BCF}" dt="2023-10-20T11:58:36.936" v="0"/>
       <pc:docMkLst>
         <pc:docMk/>
       </pc:docMkLst>
-      <pc:sldChg chg="modSp add modAnim">
-        <pc:chgData name="Long B Nguyen" userId="f59fb8f3-a021-417a-8bc1-65c8d471c621" providerId="ADAL" clId="{CC9C9D9A-5149-2947-86C0-576F501F60DC}" dt="2020-01-04T15:49:37.373" v="563" actId="20577"/>
+      <pc:sldChg chg="add">
+        <pc:chgData name="Long B Nguyen" userId="f59fb8f3-a021-417a-8bc1-65c8d471c621" providerId="ADAL" clId="{CC26EAD3-1EB2-9641-867D-585F8EC44BCF}" dt="2023-10-20T11:58:36.936" v="0"/>
         <pc:sldMkLst>
           <pc:docMk/>
-          <pc:sldMk cId="924617162" sldId="319"/>
+          <pc:sldMk cId="847072393" sldId="292"/>
+        </pc:sldMkLst>
+      </pc:sldChg>
+      <pc:sldChg chg="add">
+        <pc:chgData name="Long B Nguyen" userId="f59fb8f3-a021-417a-8bc1-65c8d471c621" providerId="ADAL" clId="{CC26EAD3-1EB2-9641-867D-585F8EC44BCF}" dt="2023-10-20T11:58:36.936" v="0"/>
+        <pc:sldMkLst>
+          <pc:docMk/>
+          <pc:sldMk cId="1511080215" sldId="300"/>
+        </pc:sldMkLst>
+      </pc:sldChg>
+      <pc:sldChg chg="add">
+        <pc:chgData name="Long B Nguyen" userId="f59fb8f3-a021-417a-8bc1-65c8d471c621" providerId="ADAL" clId="{CC26EAD3-1EB2-9641-867D-585F8EC44BCF}" dt="2023-10-20T11:58:36.936" v="0"/>
+        <pc:sldMkLst>
+          <pc:docMk/>
+          <pc:sldMk cId="885822507" sldId="303"/>
+        </pc:sldMkLst>
+      </pc:sldChg>
+      <pc:sldChg chg="add">
+        <pc:chgData name="Long B Nguyen" userId="f59fb8f3-a021-417a-8bc1-65c8d471c621" providerId="ADAL" clId="{CC26EAD3-1EB2-9641-867D-585F8EC44BCF}" dt="2023-10-20T11:58:36.936" v="0"/>
+        <pc:sldMkLst>
+          <pc:docMk/>
+          <pc:sldMk cId="3041297697" sldId="358"/>
+        </pc:sldMkLst>
+      </pc:sldChg>
+      <pc:sldChg chg="add">
+        <pc:chgData name="Long B Nguyen" userId="f59fb8f3-a021-417a-8bc1-65c8d471c621" providerId="ADAL" clId="{CC26EAD3-1EB2-9641-867D-585F8EC44BCF}" dt="2023-10-20T11:58:36.936" v="0"/>
+        <pc:sldMkLst>
+          <pc:docMk/>
+          <pc:sldMk cId="4013144405" sldId="359"/>
+        </pc:sldMkLst>
+      </pc:sldChg>
+    </pc:docChg>
+  </pc:docChgLst>
+  <pc:docChgLst>
+    <pc:chgData name="Long B Nguyen" userId="f59fb8f3-a021-417a-8bc1-65c8d471c621" providerId="ADAL" clId="{DFDAB7FF-5C5F-144A-ABCE-1015D05DDC2A}"/>
+    <pc:docChg chg="modSld">
+      <pc:chgData name="Long B Nguyen" userId="f59fb8f3-a021-417a-8bc1-65c8d471c621" providerId="ADAL" clId="{DFDAB7FF-5C5F-144A-ABCE-1015D05DDC2A}" dt="2020-01-06T16:56:38.700" v="18" actId="767"/>
+      <pc:docMkLst>
+        <pc:docMk/>
+      </pc:docMkLst>
+      <pc:sldChg chg="addSp modSp">
+        <pc:chgData name="Long B Nguyen" userId="f59fb8f3-a021-417a-8bc1-65c8d471c621" providerId="ADAL" clId="{DFDAB7FF-5C5F-144A-ABCE-1015D05DDC2A}" dt="2020-01-06T16:56:38.700" v="18" actId="767"/>
+        <pc:sldMkLst>
+          <pc:docMk/>
+          <pc:sldMk cId="4247104139" sldId="256"/>
         </pc:sldMkLst>
         <pc:spChg chg="mod">
-          <ac:chgData name="Long B Nguyen" userId="f59fb8f3-a021-417a-8bc1-65c8d471c621" providerId="ADAL" clId="{CC9C9D9A-5149-2947-86C0-576F501F60DC}" dt="2020-01-04T15:45:14.876" v="4" actId="20577"/>
+          <ac:chgData name="Long B Nguyen" userId="f59fb8f3-a021-417a-8bc1-65c8d471c621" providerId="ADAL" clId="{DFDAB7FF-5C5F-144A-ABCE-1015D05DDC2A}" dt="2020-01-05T22:05:00.732" v="17" actId="20577"/>
           <ac:spMkLst>
             <pc:docMk/>
-            <pc:sldMk cId="924617162" sldId="319"/>
-            <ac:spMk id="2" creationId="{AA3A228F-61D0-D949-A5E7-F83756230BF8}"/>
+            <pc:sldMk cId="4247104139" sldId="256"/>
+            <ac:spMk id="3" creationId="{1BDC47C8-6776-7B44-9CD4-95FC91452D62}"/>
           </ac:spMkLst>
         </pc:spChg>
-        <pc:spChg chg="mod">
-          <ac:chgData name="Long B Nguyen" userId="f59fb8f3-a021-417a-8bc1-65c8d471c621" providerId="ADAL" clId="{CC9C9D9A-5149-2947-86C0-576F501F60DC}" dt="2020-01-04T15:49:37.373" v="563" actId="20577"/>
+        <pc:spChg chg="add mod">
+          <ac:chgData name="Long B Nguyen" userId="f59fb8f3-a021-417a-8bc1-65c8d471c621" providerId="ADAL" clId="{DFDAB7FF-5C5F-144A-ABCE-1015D05DDC2A}" dt="2020-01-06T16:56:38.700" v="18" actId="767"/>
           <ac:spMkLst>
             <pc:docMk/>
-            <pc:sldMk cId="924617162" sldId="319"/>
+            <pc:sldMk cId="4247104139" sldId="256"/>
+            <ac:spMk id="5" creationId="{E6D86951-019A-8441-B4EA-CE7B2704759F}"/>
+          </ac:spMkLst>
+        </pc:spChg>
+      </pc:sldChg>
+    </pc:docChg>
+  </pc:docChgLst>
+  <pc:docChgLst>
+    <pc:chgData name="Long Nguyen" userId="f59fb8f3-a021-417a-8bc1-65c8d471c621" providerId="ADAL" clId="{AA9E8E96-66E7-354D-9B69-635A630A812D}"/>
+    <pc:docChg chg="undo custSel addSld delSld modSld">
+      <pc:chgData name="Long Nguyen" userId="f59fb8f3-a021-417a-8bc1-65c8d471c621" providerId="ADAL" clId="{AA9E8E96-66E7-354D-9B69-635A630A812D}" dt="2022-09-30T13:33:04.896" v="984" actId="113"/>
+      <pc:docMkLst>
+        <pc:docMk/>
+      </pc:docMkLst>
+      <pc:sldChg chg="add">
+        <pc:chgData name="Long Nguyen" userId="f59fb8f3-a021-417a-8bc1-65c8d471c621" providerId="ADAL" clId="{AA9E8E96-66E7-354D-9B69-635A630A812D}" dt="2022-09-30T13:13:59.154" v="0"/>
+        <pc:sldMkLst>
+          <pc:docMk/>
+          <pc:sldMk cId="1114720448" sldId="276"/>
+        </pc:sldMkLst>
+      </pc:sldChg>
+      <pc:sldChg chg="modSp add mod modAnim">
+        <pc:chgData name="Long Nguyen" userId="f59fb8f3-a021-417a-8bc1-65c8d471c621" providerId="ADAL" clId="{AA9E8E96-66E7-354D-9B69-635A630A812D}" dt="2022-09-30T13:31:13.915" v="843" actId="21"/>
+        <pc:sldMkLst>
+          <pc:docMk/>
+          <pc:sldMk cId="99755680" sldId="291"/>
+        </pc:sldMkLst>
+        <pc:spChg chg="mod">
+          <ac:chgData name="Long Nguyen" userId="f59fb8f3-a021-417a-8bc1-65c8d471c621" providerId="ADAL" clId="{AA9E8E96-66E7-354D-9B69-635A630A812D}" dt="2022-09-30T13:31:13.915" v="843" actId="21"/>
+          <ac:spMkLst>
+            <pc:docMk/>
+            <pc:sldMk cId="99755680" sldId="291"/>
             <ac:spMk id="9" creationId="{E3B2E017-30B2-884B-A113-B419A2ED51AD}"/>
           </ac:spMkLst>
         </pc:spChg>
       </pc:sldChg>
-      <pc:sldChg chg="modSp add">
-        <pc:chgData name="Long B Nguyen" userId="f59fb8f3-a021-417a-8bc1-65c8d471c621" providerId="ADAL" clId="{CC9C9D9A-5149-2947-86C0-576F501F60DC}" dt="2020-01-04T15:57:55.835" v="789" actId="14100"/>
+      <pc:sldChg chg="modSp add modAnim">
+        <pc:chgData name="Long Nguyen" userId="f59fb8f3-a021-417a-8bc1-65c8d471c621" providerId="ADAL" clId="{AA9E8E96-66E7-354D-9B69-635A630A812D}" dt="2022-09-30T13:28:34.254" v="627" actId="20577"/>
         <pc:sldMkLst>
           <pc:docMk/>
-          <pc:sldMk cId="3758830494" sldId="320"/>
+          <pc:sldMk cId="2221515130" sldId="302"/>
         </pc:sldMkLst>
         <pc:spChg chg="mod">
-          <ac:chgData name="Long B Nguyen" userId="f59fb8f3-a021-417a-8bc1-65c8d471c621" providerId="ADAL" clId="{CC9C9D9A-5149-2947-86C0-576F501F60DC}" dt="2020-01-04T15:57:52.065" v="788" actId="1076"/>
+          <ac:chgData name="Long Nguyen" userId="f59fb8f3-a021-417a-8bc1-65c8d471c621" providerId="ADAL" clId="{AA9E8E96-66E7-354D-9B69-635A630A812D}" dt="2022-09-30T13:28:34.254" v="627" actId="20577"/>
           <ac:spMkLst>
             <pc:docMk/>
-            <pc:sldMk cId="3758830494" sldId="320"/>
-            <ac:spMk id="2" creationId="{AA3A228F-61D0-D949-A5E7-F83756230BF8}"/>
-          </ac:spMkLst>
-        </pc:spChg>
-        <pc:spChg chg="mod">
-          <ac:chgData name="Long B Nguyen" userId="f59fb8f3-a021-417a-8bc1-65c8d471c621" providerId="ADAL" clId="{CC9C9D9A-5149-2947-86C0-576F501F60DC}" dt="2020-01-04T15:57:55.835" v="789" actId="14100"/>
-          <ac:spMkLst>
-            <pc:docMk/>
-            <pc:sldMk cId="3758830494" sldId="320"/>
+            <pc:sldMk cId="2221515130" sldId="302"/>
             <ac:spMk id="9" creationId="{E3B2E017-30B2-884B-A113-B419A2ED51AD}"/>
           </ac:spMkLst>
         </pc:spChg>
       </pc:sldChg>
-      <pc:sldChg chg="modSp add">
-        <pc:chgData name="Long B Nguyen" userId="f59fb8f3-a021-417a-8bc1-65c8d471c621" providerId="ADAL" clId="{CC9C9D9A-5149-2947-86C0-576F501F60DC}" dt="2020-01-05T21:51:37.442" v="2325" actId="20577"/>
+      <pc:sldChg chg="modSp mod">
+        <pc:chgData name="Long Nguyen" userId="f59fb8f3-a021-417a-8bc1-65c8d471c621" providerId="ADAL" clId="{AA9E8E96-66E7-354D-9B69-635A630A812D}" dt="2022-09-30T13:13:59.241" v="1" actId="27636"/>
         <pc:sldMkLst>
           <pc:docMk/>
-          <pc:sldMk cId="1022945305" sldId="321"/>
+          <pc:sldMk cId="2097059918" sldId="313"/>
         </pc:sldMkLst>
         <pc:spChg chg="mod">
-          <ac:chgData name="Long B Nguyen" userId="f59fb8f3-a021-417a-8bc1-65c8d471c621" providerId="ADAL" clId="{CC9C9D9A-5149-2947-86C0-576F501F60DC}" dt="2020-01-05T21:51:37.442" v="2325" actId="20577"/>
+          <ac:chgData name="Long Nguyen" userId="f59fb8f3-a021-417a-8bc1-65c8d471c621" providerId="ADAL" clId="{AA9E8E96-66E7-354D-9B69-635A630A812D}" dt="2022-09-30T13:13:59.241" v="1" actId="27636"/>
           <ac:spMkLst>
             <pc:docMk/>
-            <pc:sldMk cId="1022945305" sldId="321"/>
-            <ac:spMk id="2" creationId="{AA3A228F-61D0-D949-A5E7-F83756230BF8}"/>
-          </ac:spMkLst>
-        </pc:spChg>
-        <pc:spChg chg="mod">
-          <ac:chgData name="Long B Nguyen" userId="f59fb8f3-a021-417a-8bc1-65c8d471c621" providerId="ADAL" clId="{CC9C9D9A-5149-2947-86C0-576F501F60DC}" dt="2020-01-05T21:33:21.485" v="2304" actId="20577"/>
-          <ac:spMkLst>
-            <pc:docMk/>
-            <pc:sldMk cId="1022945305" sldId="321"/>
+            <pc:sldMk cId="2097059918" sldId="313"/>
             <ac:spMk id="9" creationId="{E3B2E017-30B2-884B-A113-B419A2ED51AD}"/>
           </ac:spMkLst>
         </pc:spChg>
       </pc:sldChg>
-      <pc:sldChg chg="modSp add">
-        <pc:chgData name="Long B Nguyen" userId="f59fb8f3-a021-417a-8bc1-65c8d471c621" providerId="ADAL" clId="{CC9C9D9A-5149-2947-86C0-576F501F60DC}" dt="2020-01-04T17:41:57.489" v="1203" actId="20577"/>
+      <pc:sldChg chg="modSp mod">
+        <pc:chgData name="Long Nguyen" userId="f59fb8f3-a021-417a-8bc1-65c8d471c621" providerId="ADAL" clId="{AA9E8E96-66E7-354D-9B69-635A630A812D}" dt="2022-09-30T13:13:59.261" v="2" actId="27636"/>
         <pc:sldMkLst>
           <pc:docMk/>
-          <pc:sldMk cId="3456840474" sldId="322"/>
+          <pc:sldMk cId="2979421659" sldId="330"/>
         </pc:sldMkLst>
         <pc:spChg chg="mod">
-          <ac:chgData name="Long B Nguyen" userId="f59fb8f3-a021-417a-8bc1-65c8d471c621" providerId="ADAL" clId="{CC9C9D9A-5149-2947-86C0-576F501F60DC}" dt="2020-01-04T17:41:57.489" v="1203" actId="20577"/>
+          <ac:chgData name="Long Nguyen" userId="f59fb8f3-a021-417a-8bc1-65c8d471c621" providerId="ADAL" clId="{AA9E8E96-66E7-354D-9B69-635A630A812D}" dt="2022-09-30T13:13:59.261" v="2" actId="27636"/>
           <ac:spMkLst>
             <pc:docMk/>
-            <pc:sldMk cId="3456840474" sldId="322"/>
+            <pc:sldMk cId="2979421659" sldId="330"/>
             <ac:spMk id="9" creationId="{E3B2E017-30B2-884B-A113-B419A2ED51AD}"/>
           </ac:spMkLst>
         </pc:spChg>
       </pc:sldChg>
-      <pc:sldChg chg="modSp add">
-        <pc:chgData name="Long B Nguyen" userId="f59fb8f3-a021-417a-8bc1-65c8d471c621" providerId="ADAL" clId="{CC9C9D9A-5149-2947-86C0-576F501F60DC}" dt="2020-01-04T18:38:26.241" v="1214" actId="113"/>
+      <pc:sldChg chg="modSp new mod">
+        <pc:chgData name="Long Nguyen" userId="f59fb8f3-a021-417a-8bc1-65c8d471c621" providerId="ADAL" clId="{AA9E8E96-66E7-354D-9B69-635A630A812D}" dt="2022-09-30T13:26:13.123" v="491" actId="20577"/>
         <pc:sldMkLst>
           <pc:docMk/>
-          <pc:sldMk cId="1062075874" sldId="323"/>
+          <pc:sldMk cId="2164548058" sldId="335"/>
         </pc:sldMkLst>
         <pc:spChg chg="mod">
-          <ac:chgData name="Long B Nguyen" userId="f59fb8f3-a021-417a-8bc1-65c8d471c621" providerId="ADAL" clId="{CC9C9D9A-5149-2947-86C0-576F501F60DC}" dt="2020-01-04T18:38:26.241" v="1214" actId="113"/>
+          <ac:chgData name="Long Nguyen" userId="f59fb8f3-a021-417a-8bc1-65c8d471c621" providerId="ADAL" clId="{AA9E8E96-66E7-354D-9B69-635A630A812D}" dt="2022-09-30T13:24:16.622" v="283" actId="1076"/>
           <ac:spMkLst>
             <pc:docMk/>
-            <pc:sldMk cId="1062075874" sldId="323"/>
+            <pc:sldMk cId="2164548058" sldId="335"/>
+            <ac:spMk id="2" creationId="{035AFDDC-47A5-7E6C-A438-A84416CC2FFF}"/>
+          </ac:spMkLst>
+        </pc:spChg>
+        <pc:spChg chg="mod">
+          <ac:chgData name="Long Nguyen" userId="f59fb8f3-a021-417a-8bc1-65c8d471c621" providerId="ADAL" clId="{AA9E8E96-66E7-354D-9B69-635A630A812D}" dt="2022-09-30T13:26:13.123" v="491" actId="20577"/>
+          <ac:spMkLst>
+            <pc:docMk/>
+            <pc:sldMk cId="2164548058" sldId="335"/>
+            <ac:spMk id="3" creationId="{64B21269-347A-5DE5-CAE0-81E95539B2A3}"/>
+          </ac:spMkLst>
+        </pc:spChg>
+      </pc:sldChg>
+      <pc:sldChg chg="add del">
+        <pc:chgData name="Long Nguyen" userId="f59fb8f3-a021-417a-8bc1-65c8d471c621" providerId="ADAL" clId="{AA9E8E96-66E7-354D-9B69-635A630A812D}" dt="2022-09-30T13:17:02.535" v="244" actId="2696"/>
+        <pc:sldMkLst>
+          <pc:docMk/>
+          <pc:sldMk cId="4209926949" sldId="335"/>
+        </pc:sldMkLst>
+      </pc:sldChg>
+      <pc:sldChg chg="modSp add del">
+        <pc:chgData name="Long Nguyen" userId="f59fb8f3-a021-417a-8bc1-65c8d471c621" providerId="ADAL" clId="{AA9E8E96-66E7-354D-9B69-635A630A812D}" dt="2022-09-30T13:17:19.488" v="246" actId="2696"/>
+        <pc:sldMkLst>
+          <pc:docMk/>
+          <pc:sldMk cId="1628785944" sldId="336"/>
+        </pc:sldMkLst>
+        <pc:spChg chg="mod">
+          <ac:chgData name="Long Nguyen" userId="f59fb8f3-a021-417a-8bc1-65c8d471c621" providerId="ADAL" clId="{AA9E8E96-66E7-354D-9B69-635A630A812D}" dt="2022-09-30T13:17:17.311" v="245" actId="20577"/>
+          <ac:spMkLst>
+            <pc:docMk/>
+            <pc:sldMk cId="1628785944" sldId="336"/>
             <ac:spMk id="9" creationId="{E3B2E017-30B2-884B-A113-B419A2ED51AD}"/>
           </ac:spMkLst>
         </pc:spChg>
       </pc:sldChg>
-      <pc:sldChg chg="modSp add">
-        <pc:chgData name="Long B Nguyen" userId="f59fb8f3-a021-417a-8bc1-65c8d471c621" providerId="ADAL" clId="{CC9C9D9A-5149-2947-86C0-576F501F60DC}" dt="2020-01-04T20:58:36.932" v="1972" actId="20577"/>
+      <pc:sldChg chg="modSp add mod modAnim">
+        <pc:chgData name="Long Nguyen" userId="f59fb8f3-a021-417a-8bc1-65c8d471c621" providerId="ADAL" clId="{AA9E8E96-66E7-354D-9B69-635A630A812D}" dt="2022-09-30T13:33:04.896" v="984" actId="113"/>
         <pc:sldMkLst>
           <pc:docMk/>
-          <pc:sldMk cId="1310010799" sldId="324"/>
+          <pc:sldMk cId="3558806289" sldId="336"/>
         </pc:sldMkLst>
         <pc:spChg chg="mod">
-          <ac:chgData name="Long B Nguyen" userId="f59fb8f3-a021-417a-8bc1-65c8d471c621" providerId="ADAL" clId="{CC9C9D9A-5149-2947-86C0-576F501F60DC}" dt="2020-01-04T20:55:25.731" v="1962" actId="1076"/>
+          <ac:chgData name="Long Nguyen" userId="f59fb8f3-a021-417a-8bc1-65c8d471c621" providerId="ADAL" clId="{AA9E8E96-66E7-354D-9B69-635A630A812D}" dt="2022-09-30T13:33:04.896" v="984" actId="113"/>
           <ac:spMkLst>
             <pc:docMk/>
-            <pc:sldMk cId="1310010799" sldId="324"/>
-            <ac:spMk id="2" creationId="{AA3A228F-61D0-D949-A5E7-F83756230BF8}"/>
-          </ac:spMkLst>
-        </pc:spChg>
-        <pc:spChg chg="mod">
-          <ac:chgData name="Long B Nguyen" userId="f59fb8f3-a021-417a-8bc1-65c8d471c621" providerId="ADAL" clId="{CC9C9D9A-5149-2947-86C0-576F501F60DC}" dt="2020-01-04T20:58:36.932" v="1972" actId="20577"/>
-          <ac:spMkLst>
-            <pc:docMk/>
-            <pc:sldMk cId="1310010799" sldId="324"/>
+            <pc:sldMk cId="3558806289" sldId="336"/>
             <ac:spMk id="9" creationId="{E3B2E017-30B2-884B-A113-B419A2ED51AD}"/>
           </ac:spMkLst>
         </pc:spChg>
       </pc:sldChg>
-      <pc:sldChg chg="modSp add">
-        <pc:chgData name="Long B Nguyen" userId="f59fb8f3-a021-417a-8bc1-65c8d471c621" providerId="ADAL" clId="{CC9C9D9A-5149-2947-86C0-576F501F60DC}" dt="2020-01-05T21:27:04.952" v="2119" actId="20577"/>
+    </pc:docChg>
+  </pc:docChgLst>
+  <pc:docChgLst>
+    <pc:chgData name="Long B Nguyen" userId="f59fb8f3-a021-417a-8bc1-65c8d471c621" providerId="ADAL" clId="{B5860C40-AA08-4447-A918-2D2782E0FC0B}"/>
+    <pc:docChg chg="delSld modSld">
+      <pc:chgData name="Long B Nguyen" userId="f59fb8f3-a021-417a-8bc1-65c8d471c621" providerId="ADAL" clId="{B5860C40-AA08-4447-A918-2D2782E0FC0B}" dt="2019-09-16T13:59:20.091" v="35" actId="2696"/>
+      <pc:docMkLst>
+        <pc:docMk/>
+      </pc:docMkLst>
+      <pc:sldChg chg="modSp">
+        <pc:chgData name="Long B Nguyen" userId="f59fb8f3-a021-417a-8bc1-65c8d471c621" providerId="ADAL" clId="{B5860C40-AA08-4447-A918-2D2782E0FC0B}" dt="2019-09-16T13:58:36.640" v="18" actId="20577"/>
         <pc:sldMkLst>
           <pc:docMk/>
-          <pc:sldMk cId="3314372952" sldId="325"/>
+          <pc:sldMk cId="4247104139" sldId="256"/>
         </pc:sldMkLst>
         <pc:spChg chg="mod">
-          <ac:chgData name="Long B Nguyen" userId="f59fb8f3-a021-417a-8bc1-65c8d471c621" providerId="ADAL" clId="{CC9C9D9A-5149-2947-86C0-576F501F60DC}" dt="2020-01-05T21:26:41.210" v="2114" actId="20577"/>
+          <ac:chgData name="Long B Nguyen" userId="f59fb8f3-a021-417a-8bc1-65c8d471c621" providerId="ADAL" clId="{B5860C40-AA08-4447-A918-2D2782E0FC0B}" dt="2019-09-16T13:58:36.640" v="18" actId="20577"/>
           <ac:spMkLst>
             <pc:docMk/>
-            <pc:sldMk cId="3314372952" sldId="325"/>
+            <pc:sldMk cId="4247104139" sldId="256"/>
+            <ac:spMk id="3" creationId="{1BDC47C8-6776-7B44-9CD4-95FC91452D62}"/>
+          </ac:spMkLst>
+        </pc:spChg>
+      </pc:sldChg>
+    </pc:docChg>
+  </pc:docChgLst>
+  <pc:docChgLst>
+    <pc:chgData name="Long Nguyen" userId="f59fb8f3-a021-417a-8bc1-65c8d471c621" providerId="ADAL" clId="{D0E154C4-B346-F941-A6B9-86184AB0DF7E}"/>
+    <pc:docChg chg="undo custSel addSld delSld modSld">
+      <pc:chgData name="Long Nguyen" userId="f59fb8f3-a021-417a-8bc1-65c8d471c621" providerId="ADAL" clId="{D0E154C4-B346-F941-A6B9-86184AB0DF7E}" dt="2022-10-27T15:49:41.569" v="1109" actId="20577"/>
+      <pc:docMkLst>
+        <pc:docMk/>
+      </pc:docMkLst>
+      <pc:sldChg chg="modSp mod">
+        <pc:chgData name="Long Nguyen" userId="f59fb8f3-a021-417a-8bc1-65c8d471c621" providerId="ADAL" clId="{D0E154C4-B346-F941-A6B9-86184AB0DF7E}" dt="2022-10-27T15:49:41.569" v="1109" actId="20577"/>
+        <pc:sldMkLst>
+          <pc:docMk/>
+          <pc:sldMk cId="4247104139" sldId="256"/>
+        </pc:sldMkLst>
+        <pc:spChg chg="mod">
+          <ac:chgData name="Long Nguyen" userId="f59fb8f3-a021-417a-8bc1-65c8d471c621" providerId="ADAL" clId="{D0E154C4-B346-F941-A6B9-86184AB0DF7E}" dt="2022-10-27T15:49:41.569" v="1109" actId="20577"/>
+          <ac:spMkLst>
+            <pc:docMk/>
+            <pc:sldMk cId="4247104139" sldId="256"/>
+            <ac:spMk id="3" creationId="{1BDC47C8-6776-7B44-9CD4-95FC91452D62}"/>
+          </ac:spMkLst>
+        </pc:spChg>
+      </pc:sldChg>
+      <pc:sldChg chg="addSp modSp mod modAnim">
+        <pc:chgData name="Long Nguyen" userId="f59fb8f3-a021-417a-8bc1-65c8d471c621" providerId="ADAL" clId="{D0E154C4-B346-F941-A6B9-86184AB0DF7E}" dt="2022-10-26T15:34:23.830" v="1079" actId="14100"/>
+        <pc:sldMkLst>
+          <pc:docMk/>
+          <pc:sldMk cId="99755680" sldId="291"/>
+        </pc:sldMkLst>
+        <pc:spChg chg="mod">
+          <ac:chgData name="Long Nguyen" userId="f59fb8f3-a021-417a-8bc1-65c8d471c621" providerId="ADAL" clId="{D0E154C4-B346-F941-A6B9-86184AB0DF7E}" dt="2022-10-26T15:34:17.310" v="1076" actId="1076"/>
+          <ac:spMkLst>
+            <pc:docMk/>
+            <pc:sldMk cId="99755680" sldId="291"/>
             <ac:spMk id="2" creationId="{AA3A228F-61D0-D949-A5E7-F83756230BF8}"/>
           </ac:spMkLst>
         </pc:spChg>
-        <pc:spChg chg="mod">
-          <ac:chgData name="Long B Nguyen" userId="f59fb8f3-a021-417a-8bc1-65c8d471c621" providerId="ADAL" clId="{CC9C9D9A-5149-2947-86C0-576F501F60DC}" dt="2020-01-05T21:27:04.952" v="2119" actId="20577"/>
+        <pc:spChg chg="add mod">
+          <ac:chgData name="Long Nguyen" userId="f59fb8f3-a021-417a-8bc1-65c8d471c621" providerId="ADAL" clId="{D0E154C4-B346-F941-A6B9-86184AB0DF7E}" dt="2022-10-26T13:40:10.479" v="425" actId="20577"/>
           <ac:spMkLst>
             <pc:docMk/>
-            <pc:sldMk cId="3314372952" sldId="325"/>
+            <pc:sldMk cId="99755680" sldId="291"/>
+            <ac:spMk id="3" creationId="{D736C09A-6445-0521-5620-845ACB1DDC5B}"/>
+          </ac:spMkLst>
+        </pc:spChg>
+        <pc:spChg chg="mod">
+          <ac:chgData name="Long Nguyen" userId="f59fb8f3-a021-417a-8bc1-65c8d471c621" providerId="ADAL" clId="{D0E154C4-B346-F941-A6B9-86184AB0DF7E}" dt="2022-10-26T15:34:23.830" v="1079" actId="14100"/>
+          <ac:spMkLst>
+            <pc:docMk/>
+            <pc:sldMk cId="99755680" sldId="291"/>
             <ac:spMk id="9" creationId="{E3B2E017-30B2-884B-A113-B419A2ED51AD}"/>
           </ac:spMkLst>
         </pc:spChg>
       </pc:sldChg>
-      <pc:sldChg chg="modSp add">
-        <pc:chgData name="Long B Nguyen" userId="f59fb8f3-a021-417a-8bc1-65c8d471c621" providerId="ADAL" clId="{CC9C9D9A-5149-2947-86C0-576F501F60DC}" dt="2020-01-05T21:29:58.563" v="2178" actId="20577"/>
+      <pc:sldChg chg="modSp mod modAnim">
+        <pc:chgData name="Long Nguyen" userId="f59fb8f3-a021-417a-8bc1-65c8d471c621" providerId="ADAL" clId="{D0E154C4-B346-F941-A6B9-86184AB0DF7E}" dt="2022-10-26T13:30:14.191" v="169"/>
         <pc:sldMkLst>
           <pc:docMk/>
-          <pc:sldMk cId="3117943122" sldId="326"/>
+          <pc:sldMk cId="553003360" sldId="296"/>
         </pc:sldMkLst>
         <pc:spChg chg="mod">
-          <ac:chgData name="Long B Nguyen" userId="f59fb8f3-a021-417a-8bc1-65c8d471c621" providerId="ADAL" clId="{CC9C9D9A-5149-2947-86C0-576F501F60DC}" dt="2020-01-05T21:29:58.563" v="2178" actId="20577"/>
+          <ac:chgData name="Long Nguyen" userId="f59fb8f3-a021-417a-8bc1-65c8d471c621" providerId="ADAL" clId="{D0E154C4-B346-F941-A6B9-86184AB0DF7E}" dt="2022-10-26T13:29:09.866" v="161" actId="20577"/>
           <ac:spMkLst>
             <pc:docMk/>
-            <pc:sldMk cId="3117943122" sldId="326"/>
+            <pc:sldMk cId="553003360" sldId="296"/>
             <ac:spMk id="9" creationId="{E3B2E017-30B2-884B-A113-B419A2ED51AD}"/>
           </ac:spMkLst>
         </pc:spChg>
       </pc:sldChg>
-      <pc:sldChg chg="modSp add">
-        <pc:chgData name="Long B Nguyen" userId="f59fb8f3-a021-417a-8bc1-65c8d471c621" providerId="ADAL" clId="{CC9C9D9A-5149-2947-86C0-576F501F60DC}" dt="2020-01-05T21:59:55.597" v="2392" actId="14100"/>
+      <pc:sldChg chg="modSp mod">
+        <pc:chgData name="Long Nguyen" userId="f59fb8f3-a021-417a-8bc1-65c8d471c621" providerId="ADAL" clId="{D0E154C4-B346-F941-A6B9-86184AB0DF7E}" dt="2022-10-26T12:23:52.471" v="21" actId="20577"/>
         <pc:sldMkLst>
           <pc:docMk/>
-          <pc:sldMk cId="1025618360" sldId="327"/>
+          <pc:sldMk cId="3150557076" sldId="298"/>
         </pc:sldMkLst>
         <pc:spChg chg="mod">
-          <ac:chgData name="Long B Nguyen" userId="f59fb8f3-a021-417a-8bc1-65c8d471c621" providerId="ADAL" clId="{CC9C9D9A-5149-2947-86C0-576F501F60DC}" dt="2020-01-05T21:59:55.597" v="2392" actId="14100"/>
+          <ac:chgData name="Long Nguyen" userId="f59fb8f3-a021-417a-8bc1-65c8d471c621" providerId="ADAL" clId="{D0E154C4-B346-F941-A6B9-86184AB0DF7E}" dt="2022-10-26T12:23:52.471" v="21" actId="20577"/>
           <ac:spMkLst>
             <pc:docMk/>
-            <pc:sldMk cId="1025618360" sldId="327"/>
-            <ac:spMk id="9" creationId="{E3B2E017-30B2-884B-A113-B419A2ED51AD}"/>
+            <pc:sldMk cId="3150557076" sldId="298"/>
+            <ac:spMk id="2" creationId="{AA3A228F-61D0-D949-A5E7-F83756230BF8}"/>
           </ac:spMkLst>
         </pc:spChg>
       </pc:sldChg>
-      <pc:sldChg chg="modSp add">
-        <pc:chgData name="Long B Nguyen" userId="f59fb8f3-a021-417a-8bc1-65c8d471c621" providerId="ADAL" clId="{CC9C9D9A-5149-2947-86C0-576F501F60DC}" dt="2020-01-05T21:54:47.081" v="2356" actId="2711"/>
+      <pc:sldChg chg="del">
+        <pc:chgData name="Long Nguyen" userId="f59fb8f3-a021-417a-8bc1-65c8d471c621" providerId="ADAL" clId="{D0E154C4-B346-F941-A6B9-86184AB0DF7E}" dt="2022-10-26T15:34:33.105" v="1080" actId="2696"/>
         <pc:sldMkLst>
           <pc:docMk/>
-          <pc:sldMk cId="3894299887" sldId="328"/>
+          <pc:sldMk cId="3558806289" sldId="336"/>
+        </pc:sldMkLst>
+      </pc:sldChg>
+      <pc:sldChg chg="addSp delSp modSp new mod">
+        <pc:chgData name="Long Nguyen" userId="f59fb8f3-a021-417a-8bc1-65c8d471c621" providerId="ADAL" clId="{D0E154C4-B346-F941-A6B9-86184AB0DF7E}" dt="2022-10-26T13:38:23.252" v="320"/>
+        <pc:sldMkLst>
+          <pc:docMk/>
+          <pc:sldMk cId="287602781" sldId="337"/>
         </pc:sldMkLst>
         <pc:spChg chg="mod">
-          <ac:chgData name="Long B Nguyen" userId="f59fb8f3-a021-417a-8bc1-65c8d471c621" providerId="ADAL" clId="{CC9C9D9A-5149-2947-86C0-576F501F60DC}" dt="2020-01-05T21:51:41.306" v="2327" actId="20577"/>
+          <ac:chgData name="Long Nguyen" userId="f59fb8f3-a021-417a-8bc1-65c8d471c621" providerId="ADAL" clId="{D0E154C4-B346-F941-A6B9-86184AB0DF7E}" dt="2022-10-26T13:27:36.026" v="38" actId="1076"/>
           <ac:spMkLst>
             <pc:docMk/>
-            <pc:sldMk cId="3894299887" sldId="328"/>
-            <ac:spMk id="2" creationId="{AA3A228F-61D0-D949-A5E7-F83756230BF8}"/>
+            <pc:sldMk cId="287602781" sldId="337"/>
+            <ac:spMk id="2" creationId="{86ADC1BD-B817-E355-4649-B1F4E8E200F3}"/>
           </ac:spMkLst>
         </pc:spChg>
         <pc:spChg chg="mod">
-          <ac:chgData name="Long B Nguyen" userId="f59fb8f3-a021-417a-8bc1-65c8d471c621" providerId="ADAL" clId="{CC9C9D9A-5149-2947-86C0-576F501F60DC}" dt="2020-01-05T21:54:47.081" v="2356" actId="2711"/>
+          <ac:chgData name="Long Nguyen" userId="f59fb8f3-a021-417a-8bc1-65c8d471c621" providerId="ADAL" clId="{D0E154C4-B346-F941-A6B9-86184AB0DF7E}" dt="2022-10-26T13:32:24.200" v="318" actId="5793"/>
           <ac:spMkLst>
             <pc:docMk/>
-            <pc:sldMk cId="3894299887" sldId="328"/>
-            <ac:spMk id="9" creationId="{E3B2E017-30B2-884B-A113-B419A2ED51AD}"/>
+            <pc:sldMk cId="287602781" sldId="337"/>
+            <ac:spMk id="3" creationId="{9C2DD414-A1A4-51DC-3253-3E51EA569EBA}"/>
           </ac:spMkLst>
         </pc:spChg>
+        <pc:spChg chg="add del mod">
+          <ac:chgData name="Long Nguyen" userId="f59fb8f3-a021-417a-8bc1-65c8d471c621" providerId="ADAL" clId="{D0E154C4-B346-F941-A6B9-86184AB0DF7E}" dt="2022-10-26T13:38:23.252" v="320"/>
+          <ac:spMkLst>
+            <pc:docMk/>
+            <pc:sldMk cId="287602781" sldId="337"/>
+            <ac:spMk id="6" creationId="{F20B319B-5234-1B66-3DDB-143C048CA6FA}"/>
+          </ac:spMkLst>
+        </pc:spChg>
+        <pc:picChg chg="add mod">
+          <ac:chgData name="Long Nguyen" userId="f59fb8f3-a021-417a-8bc1-65c8d471c621" providerId="ADAL" clId="{D0E154C4-B346-F941-A6B9-86184AB0DF7E}" dt="2022-10-26T13:32:08.390" v="288" actId="1035"/>
+          <ac:picMkLst>
+            <pc:docMk/>
+            <pc:sldMk cId="287602781" sldId="337"/>
+            <ac:picMk id="5" creationId="{F7FDE22B-2758-F04E-240C-8AC050943925}"/>
+          </ac:picMkLst>
+        </pc:picChg>
       </pc:sldChg>
-      <pc:sldChg chg="add">
-        <pc:chgData name="Long B Nguyen" userId="f59fb8f3-a021-417a-8bc1-65c8d471c621" providerId="ADAL" clId="{CC9C9D9A-5149-2947-86C0-576F501F60DC}" dt="2020-01-05T21:57:38.736" v="2357"/>
+      <pc:sldChg chg="addSp delSp modSp new mod modAnim">
+        <pc:chgData name="Long Nguyen" userId="f59fb8f3-a021-417a-8bc1-65c8d471c621" providerId="ADAL" clId="{D0E154C4-B346-F941-A6B9-86184AB0DF7E}" dt="2022-10-26T13:54:00.943" v="1071"/>
         <pc:sldMkLst>
           <pc:docMk/>
-          <pc:sldMk cId="4294143140" sldId="329"/>
+          <pc:sldMk cId="1128944251" sldId="338"/>
         </pc:sldMkLst>
+        <pc:spChg chg="mod">
+          <ac:chgData name="Long Nguyen" userId="f59fb8f3-a021-417a-8bc1-65c8d471c621" providerId="ADAL" clId="{D0E154C4-B346-F941-A6B9-86184AB0DF7E}" dt="2022-10-26T13:46:33.376" v="446" actId="1076"/>
+          <ac:spMkLst>
+            <pc:docMk/>
+            <pc:sldMk cId="1128944251" sldId="338"/>
+            <ac:spMk id="2" creationId="{A340B44D-B662-1B98-A1CB-22BE7EC3D3D7}"/>
+          </ac:spMkLst>
+        </pc:spChg>
+        <pc:spChg chg="del">
+          <ac:chgData name="Long Nguyen" userId="f59fb8f3-a021-417a-8bc1-65c8d471c621" providerId="ADAL" clId="{D0E154C4-B346-F941-A6B9-86184AB0DF7E}" dt="2022-10-26T13:42:22.496" v="427"/>
+          <ac:spMkLst>
+            <pc:docMk/>
+            <pc:sldMk cId="1128944251" sldId="338"/>
+            <ac:spMk id="3" creationId="{3EA485C6-07AA-74D9-36B3-48C630CD385C}"/>
+          </ac:spMkLst>
+        </pc:spChg>
+        <pc:spChg chg="add mod">
+          <ac:chgData name="Long Nguyen" userId="f59fb8f3-a021-417a-8bc1-65c8d471c621" providerId="ADAL" clId="{D0E154C4-B346-F941-A6B9-86184AB0DF7E}" dt="2022-10-26T13:42:28.915" v="428" actId="14100"/>
+          <ac:spMkLst>
+            <pc:docMk/>
+            <pc:sldMk cId="1128944251" sldId="338"/>
+            <ac:spMk id="6" creationId="{8826A9CA-5A35-6321-4C6D-375F074A2F47}"/>
+          </ac:spMkLst>
+        </pc:spChg>
+        <pc:spChg chg="add del mod">
+          <ac:chgData name="Long Nguyen" userId="f59fb8f3-a021-417a-8bc1-65c8d471c621" providerId="ADAL" clId="{D0E154C4-B346-F941-A6B9-86184AB0DF7E}" dt="2022-10-26T13:45:54.112" v="431"/>
+          <ac:spMkLst>
+            <pc:docMk/>
+            <pc:sldMk cId="1128944251" sldId="338"/>
+            <ac:spMk id="8" creationId="{29832B01-07D8-A8FB-3720-16F1ACFCAE51}"/>
+          </ac:spMkLst>
+        </pc:spChg>
+        <pc:spChg chg="add mod">
+          <ac:chgData name="Long Nguyen" userId="f59fb8f3-a021-417a-8bc1-65c8d471c621" providerId="ADAL" clId="{D0E154C4-B346-F941-A6B9-86184AB0DF7E}" dt="2022-10-26T13:51:27.396" v="1027" actId="20577"/>
+          <ac:spMkLst>
+            <pc:docMk/>
+            <pc:sldMk cId="1128944251" sldId="338"/>
+            <ac:spMk id="10" creationId="{E944DC3B-4EA7-931F-AF1E-FC552BA41E57}"/>
+          </ac:spMkLst>
+        </pc:spChg>
+        <pc:spChg chg="add mod">
+          <ac:chgData name="Long Nguyen" userId="f59fb8f3-a021-417a-8bc1-65c8d471c621" providerId="ADAL" clId="{D0E154C4-B346-F941-A6B9-86184AB0DF7E}" dt="2022-10-26T13:52:53.497" v="1051" actId="1036"/>
+          <ac:spMkLst>
+            <pc:docMk/>
+            <pc:sldMk cId="1128944251" sldId="338"/>
+            <ac:spMk id="11" creationId="{E9E89041-25CA-7787-DF52-2EA78DEC0912}"/>
+          </ac:spMkLst>
+        </pc:spChg>
+        <pc:spChg chg="add del mod">
+          <ac:chgData name="Long Nguyen" userId="f59fb8f3-a021-417a-8bc1-65c8d471c621" providerId="ADAL" clId="{D0E154C4-B346-F941-A6B9-86184AB0DF7E}" dt="2022-10-26T13:53:31.557" v="1067"/>
+          <ac:spMkLst>
+            <pc:docMk/>
+            <pc:sldMk cId="1128944251" sldId="338"/>
+            <ac:spMk id="15" creationId="{4A688945-F27C-9AD2-CBBE-7983AA77D453}"/>
+          </ac:spMkLst>
+        </pc:spChg>
+        <pc:graphicFrameChg chg="add del mod modGraphic">
+          <ac:chgData name="Long Nguyen" userId="f59fb8f3-a021-417a-8bc1-65c8d471c621" providerId="ADAL" clId="{D0E154C4-B346-F941-A6B9-86184AB0DF7E}" dt="2022-10-26T13:45:51.884" v="430" actId="478"/>
+          <ac:graphicFrameMkLst>
+            <pc:docMk/>
+            <pc:sldMk cId="1128944251" sldId="338"/>
+            <ac:graphicFrameMk id="5" creationId="{FDDB42FB-75BE-AF86-799B-0117B86D83B2}"/>
+          </ac:graphicFrameMkLst>
+        </pc:graphicFrameChg>
+        <pc:picChg chg="add mod">
+          <ac:chgData name="Long Nguyen" userId="f59fb8f3-a021-417a-8bc1-65c8d471c621" providerId="ADAL" clId="{D0E154C4-B346-F941-A6B9-86184AB0DF7E}" dt="2022-10-26T13:51:15.680" v="1012" actId="1037"/>
+          <ac:picMkLst>
+            <pc:docMk/>
+            <pc:sldMk cId="1128944251" sldId="338"/>
+            <ac:picMk id="9" creationId="{F02032DC-0733-12B3-65B3-971553A3B000}"/>
+          </ac:picMkLst>
+        </pc:picChg>
+        <pc:cxnChg chg="add mod">
+          <ac:chgData name="Long Nguyen" userId="f59fb8f3-a021-417a-8bc1-65c8d471c621" providerId="ADAL" clId="{D0E154C4-B346-F941-A6B9-86184AB0DF7E}" dt="2022-10-26T13:53:21.619" v="1063" actId="14100"/>
+          <ac:cxnSpMkLst>
+            <pc:docMk/>
+            <pc:sldMk cId="1128944251" sldId="338"/>
+            <ac:cxnSpMk id="13" creationId="{28CE31AB-69C5-D1AF-D8CE-80CD57000B1A}"/>
+          </ac:cxnSpMkLst>
+        </pc:cxnChg>
+        <pc:cxnChg chg="add mod">
+          <ac:chgData name="Long Nguyen" userId="f59fb8f3-a021-417a-8bc1-65c8d471c621" providerId="ADAL" clId="{D0E154C4-B346-F941-A6B9-86184AB0DF7E}" dt="2022-10-26T13:53:28.733" v="1065" actId="14100"/>
+          <ac:cxnSpMkLst>
+            <pc:docMk/>
+            <pc:sldMk cId="1128944251" sldId="338"/>
+            <ac:cxnSpMk id="16" creationId="{1E0C05EE-8880-84D1-113E-9BEC7A34A30D}"/>
+          </ac:cxnSpMkLst>
+        </pc:cxnChg>
       </pc:sldChg>
     </pc:docChg>
   </pc:docChgLst>
@@ -862,6 +1115,390 @@
     </pc:docChg>
   </pc:docChgLst>
   <pc:docChgLst>
+    <pc:chgData name="Long B Nguyen" userId="f59fb8f3-a021-417a-8bc1-65c8d471c621" providerId="ADAL" clId="{E2659998-345F-2A42-B467-55E59999979A}"/>
+    <pc:docChg chg="delSld modSld">
+      <pc:chgData name="Long B Nguyen" userId="f59fb8f3-a021-417a-8bc1-65c8d471c621" providerId="ADAL" clId="{E2659998-345F-2A42-B467-55E59999979A}" dt="2021-06-14T22:06:26.206" v="63" actId="20577"/>
+      <pc:docMkLst>
+        <pc:docMk/>
+      </pc:docMkLst>
+      <pc:sldChg chg="modSp mod modAnim">
+        <pc:chgData name="Long B Nguyen" userId="f59fb8f3-a021-417a-8bc1-65c8d471c621" providerId="ADAL" clId="{E2659998-345F-2A42-B467-55E59999979A}" dt="2021-06-04T16:34:18.690" v="51" actId="1076"/>
+        <pc:sldMkLst>
+          <pc:docMk/>
+          <pc:sldMk cId="1816941262" sldId="295"/>
+        </pc:sldMkLst>
+        <pc:spChg chg="mod">
+          <ac:chgData name="Long B Nguyen" userId="f59fb8f3-a021-417a-8bc1-65c8d471c621" providerId="ADAL" clId="{E2659998-345F-2A42-B467-55E59999979A}" dt="2021-06-04T16:33:34.524" v="33" actId="1076"/>
+          <ac:spMkLst>
+            <pc:docMk/>
+            <pc:sldMk cId="1816941262" sldId="295"/>
+            <ac:spMk id="2" creationId="{AA3A228F-61D0-D949-A5E7-F83756230BF8}"/>
+          </ac:spMkLst>
+        </pc:spChg>
+        <pc:spChg chg="mod">
+          <ac:chgData name="Long B Nguyen" userId="f59fb8f3-a021-417a-8bc1-65c8d471c621" providerId="ADAL" clId="{E2659998-345F-2A42-B467-55E59999979A}" dt="2021-06-04T16:34:18.690" v="51" actId="1076"/>
+          <ac:spMkLst>
+            <pc:docMk/>
+            <pc:sldMk cId="1816941262" sldId="295"/>
+            <ac:spMk id="3" creationId="{53AD888D-2F6F-BB43-86CA-1A3B376061A2}"/>
+          </ac:spMkLst>
+        </pc:spChg>
+        <pc:spChg chg="mod">
+          <ac:chgData name="Long B Nguyen" userId="f59fb8f3-a021-417a-8bc1-65c8d471c621" providerId="ADAL" clId="{E2659998-345F-2A42-B467-55E59999979A}" dt="2021-06-04T16:34:14.733" v="50" actId="20577"/>
+          <ac:spMkLst>
+            <pc:docMk/>
+            <pc:sldMk cId="1816941262" sldId="295"/>
+            <ac:spMk id="9" creationId="{E3B2E017-30B2-884B-A113-B419A2ED51AD}"/>
+          </ac:spMkLst>
+        </pc:spChg>
+      </pc:sldChg>
+      <pc:sldChg chg="modSp mod">
+        <pc:chgData name="Long B Nguyen" userId="f59fb8f3-a021-417a-8bc1-65c8d471c621" providerId="ADAL" clId="{E2659998-345F-2A42-B467-55E59999979A}" dt="2021-06-04T16:35:00.618" v="54" actId="14100"/>
+        <pc:sldMkLst>
+          <pc:docMk/>
+          <pc:sldMk cId="553003360" sldId="296"/>
+        </pc:sldMkLst>
+        <pc:spChg chg="mod">
+          <ac:chgData name="Long B Nguyen" userId="f59fb8f3-a021-417a-8bc1-65c8d471c621" providerId="ADAL" clId="{E2659998-345F-2A42-B467-55E59999979A}" dt="2021-06-04T16:34:53.684" v="52" actId="1076"/>
+          <ac:spMkLst>
+            <pc:docMk/>
+            <pc:sldMk cId="553003360" sldId="296"/>
+            <ac:spMk id="2" creationId="{AA3A228F-61D0-D949-A5E7-F83756230BF8}"/>
+          </ac:spMkLst>
+        </pc:spChg>
+        <pc:spChg chg="mod">
+          <ac:chgData name="Long B Nguyen" userId="f59fb8f3-a021-417a-8bc1-65c8d471c621" providerId="ADAL" clId="{E2659998-345F-2A42-B467-55E59999979A}" dt="2021-06-04T16:35:00.618" v="54" actId="14100"/>
+          <ac:spMkLst>
+            <pc:docMk/>
+            <pc:sldMk cId="553003360" sldId="296"/>
+            <ac:spMk id="9" creationId="{E3B2E017-30B2-884B-A113-B419A2ED51AD}"/>
+          </ac:spMkLst>
+        </pc:spChg>
+      </pc:sldChg>
+      <pc:sldChg chg="modSp">
+        <pc:chgData name="Long B Nguyen" userId="f59fb8f3-a021-417a-8bc1-65c8d471c621" providerId="ADAL" clId="{E2659998-345F-2A42-B467-55E59999979A}" dt="2021-06-14T22:06:26.206" v="63" actId="20577"/>
+        <pc:sldMkLst>
+          <pc:docMk/>
+          <pc:sldMk cId="3006175481" sldId="297"/>
+        </pc:sldMkLst>
+        <pc:spChg chg="mod">
+          <ac:chgData name="Long B Nguyen" userId="f59fb8f3-a021-417a-8bc1-65c8d471c621" providerId="ADAL" clId="{E2659998-345F-2A42-B467-55E59999979A}" dt="2021-06-14T22:06:26.206" v="63" actId="20577"/>
+          <ac:spMkLst>
+            <pc:docMk/>
+            <pc:sldMk cId="3006175481" sldId="297"/>
+            <ac:spMk id="9" creationId="{E3B2E017-30B2-884B-A113-B419A2ED51AD}"/>
+          </ac:spMkLst>
+        </pc:spChg>
+      </pc:sldChg>
+      <pc:sldChg chg="del">
+        <pc:chgData name="Long B Nguyen" userId="f59fb8f3-a021-417a-8bc1-65c8d471c621" providerId="ADAL" clId="{E2659998-345F-2A42-B467-55E59999979A}" dt="2021-06-04T16:33:03.334" v="0" actId="2696"/>
+        <pc:sldMkLst>
+          <pc:docMk/>
+          <pc:sldMk cId="3275945509" sldId="303"/>
+        </pc:sldMkLst>
+      </pc:sldChg>
+      <pc:sldChg chg="modSp del mod">
+        <pc:chgData name="Long B Nguyen" userId="f59fb8f3-a021-417a-8bc1-65c8d471c621" providerId="ADAL" clId="{E2659998-345F-2A42-B467-55E59999979A}" dt="2021-06-04T16:35:20.495" v="55" actId="2696"/>
+        <pc:sldMkLst>
+          <pc:docMk/>
+          <pc:sldMk cId="406772024" sldId="304"/>
+        </pc:sldMkLst>
+        <pc:spChg chg="mod">
+          <ac:chgData name="Long B Nguyen" userId="f59fb8f3-a021-417a-8bc1-65c8d471c621" providerId="ADAL" clId="{E2659998-345F-2A42-B467-55E59999979A}" dt="2021-06-04T16:33:08.801" v="1" actId="1076"/>
+          <ac:spMkLst>
+            <pc:docMk/>
+            <pc:sldMk cId="406772024" sldId="304"/>
+            <ac:spMk id="2" creationId="{AA3A228F-61D0-D949-A5E7-F83756230BF8}"/>
+          </ac:spMkLst>
+        </pc:spChg>
+        <pc:spChg chg="mod">
+          <ac:chgData name="Long B Nguyen" userId="f59fb8f3-a021-417a-8bc1-65c8d471c621" providerId="ADAL" clId="{E2659998-345F-2A42-B467-55E59999979A}" dt="2021-06-04T16:33:24.057" v="32" actId="20577"/>
+          <ac:spMkLst>
+            <pc:docMk/>
+            <pc:sldMk cId="406772024" sldId="304"/>
+            <ac:spMk id="9" creationId="{E3B2E017-30B2-884B-A113-B419A2ED51AD}"/>
+          </ac:spMkLst>
+        </pc:spChg>
+      </pc:sldChg>
+    </pc:docChg>
+  </pc:docChgLst>
+  <pc:docChgLst>
+    <pc:chgData name="Long B Nguyen" userId="f59fb8f3-a021-417a-8bc1-65c8d471c621" providerId="ADAL" clId="{9799AFC9-BCC1-A047-B695-0A8B229AD33C}"/>
+    <pc:docChg chg="custSel addSld delSld modSld">
+      <pc:chgData name="Long B Nguyen" userId="f59fb8f3-a021-417a-8bc1-65c8d471c621" providerId="ADAL" clId="{9799AFC9-BCC1-A047-B695-0A8B229AD33C}" dt="2020-11-02T17:25:04.388" v="1391"/>
+      <pc:docMkLst>
+        <pc:docMk/>
+      </pc:docMkLst>
+      <pc:sldChg chg="addSp modSp mod">
+        <pc:chgData name="Long B Nguyen" userId="f59fb8f3-a021-417a-8bc1-65c8d471c621" providerId="ADAL" clId="{9799AFC9-BCC1-A047-B695-0A8B229AD33C}" dt="2020-10-30T16:06:16.986" v="395" actId="207"/>
+        <pc:sldMkLst>
+          <pc:docMk/>
+          <pc:sldMk cId="1872435103" sldId="309"/>
+        </pc:sldMkLst>
+        <pc:spChg chg="add mod">
+          <ac:chgData name="Long B Nguyen" userId="f59fb8f3-a021-417a-8bc1-65c8d471c621" providerId="ADAL" clId="{9799AFC9-BCC1-A047-B695-0A8B229AD33C}" dt="2020-10-30T16:06:16.986" v="395" actId="207"/>
+          <ac:spMkLst>
+            <pc:docMk/>
+            <pc:sldMk cId="1872435103" sldId="309"/>
+            <ac:spMk id="3" creationId="{DC451C8B-97F6-454D-8175-CD0C462539E3}"/>
+          </ac:spMkLst>
+        </pc:spChg>
+      </pc:sldChg>
+      <pc:sldChg chg="modSp mod">
+        <pc:chgData name="Long B Nguyen" userId="f59fb8f3-a021-417a-8bc1-65c8d471c621" providerId="ADAL" clId="{9799AFC9-BCC1-A047-B695-0A8B229AD33C}" dt="2020-11-02T14:42:44.133" v="1382" actId="20577"/>
+        <pc:sldMkLst>
+          <pc:docMk/>
+          <pc:sldMk cId="4088965571" sldId="310"/>
+        </pc:sldMkLst>
+        <pc:spChg chg="mod">
+          <ac:chgData name="Long B Nguyen" userId="f59fb8f3-a021-417a-8bc1-65c8d471c621" providerId="ADAL" clId="{9799AFC9-BCC1-A047-B695-0A8B229AD33C}" dt="2020-11-02T14:42:44.133" v="1382" actId="20577"/>
+          <ac:spMkLst>
+            <pc:docMk/>
+            <pc:sldMk cId="4088965571" sldId="310"/>
+            <ac:spMk id="9" creationId="{E3B2E017-30B2-884B-A113-B419A2ED51AD}"/>
+          </ac:spMkLst>
+        </pc:spChg>
+      </pc:sldChg>
+      <pc:sldChg chg="modSp">
+        <pc:chgData name="Long B Nguyen" userId="f59fb8f3-a021-417a-8bc1-65c8d471c621" providerId="ADAL" clId="{9799AFC9-BCC1-A047-B695-0A8B229AD33C}" dt="2020-10-30T12:22:02.552" v="0" actId="207"/>
+        <pc:sldMkLst>
+          <pc:docMk/>
+          <pc:sldMk cId="2255846137" sldId="311"/>
+        </pc:sldMkLst>
+        <pc:spChg chg="mod">
+          <ac:chgData name="Long B Nguyen" userId="f59fb8f3-a021-417a-8bc1-65c8d471c621" providerId="ADAL" clId="{9799AFC9-BCC1-A047-B695-0A8B229AD33C}" dt="2020-10-30T12:22:02.552" v="0" actId="207"/>
+          <ac:spMkLst>
+            <pc:docMk/>
+            <pc:sldMk cId="2255846137" sldId="311"/>
+            <ac:spMk id="9" creationId="{E3B2E017-30B2-884B-A113-B419A2ED51AD}"/>
+          </ac:spMkLst>
+        </pc:spChg>
+      </pc:sldChg>
+      <pc:sldChg chg="modSp mod">
+        <pc:chgData name="Long B Nguyen" userId="f59fb8f3-a021-417a-8bc1-65c8d471c621" providerId="ADAL" clId="{9799AFC9-BCC1-A047-B695-0A8B229AD33C}" dt="2020-11-01T18:16:16.711" v="1157" actId="20577"/>
+        <pc:sldMkLst>
+          <pc:docMk/>
+          <pc:sldMk cId="1787114790" sldId="317"/>
+        </pc:sldMkLst>
+        <pc:spChg chg="mod">
+          <ac:chgData name="Long B Nguyen" userId="f59fb8f3-a021-417a-8bc1-65c8d471c621" providerId="ADAL" clId="{9799AFC9-BCC1-A047-B695-0A8B229AD33C}" dt="2020-11-01T18:16:16.711" v="1157" actId="20577"/>
+          <ac:spMkLst>
+            <pc:docMk/>
+            <pc:sldMk cId="1787114790" sldId="317"/>
+            <ac:spMk id="9" creationId="{E3B2E017-30B2-884B-A113-B419A2ED51AD}"/>
+          </ac:spMkLst>
+        </pc:spChg>
+      </pc:sldChg>
+      <pc:sldChg chg="modSp del mod">
+        <pc:chgData name="Long B Nguyen" userId="f59fb8f3-a021-417a-8bc1-65c8d471c621" providerId="ADAL" clId="{9799AFC9-BCC1-A047-B695-0A8B229AD33C}" dt="2020-11-01T18:40:37.762" v="1337" actId="2696"/>
+        <pc:sldMkLst>
+          <pc:docMk/>
+          <pc:sldMk cId="1215229427" sldId="318"/>
+        </pc:sldMkLst>
+        <pc:spChg chg="mod">
+          <ac:chgData name="Long B Nguyen" userId="f59fb8f3-a021-417a-8bc1-65c8d471c621" providerId="ADAL" clId="{9799AFC9-BCC1-A047-B695-0A8B229AD33C}" dt="2020-11-01T18:15:38.679" v="1149" actId="1076"/>
+          <ac:spMkLst>
+            <pc:docMk/>
+            <pc:sldMk cId="1215229427" sldId="318"/>
+            <ac:spMk id="2" creationId="{AA3A228F-61D0-D949-A5E7-F83756230BF8}"/>
+          </ac:spMkLst>
+        </pc:spChg>
+        <pc:spChg chg="mod">
+          <ac:chgData name="Long B Nguyen" userId="f59fb8f3-a021-417a-8bc1-65c8d471c621" providerId="ADAL" clId="{9799AFC9-BCC1-A047-B695-0A8B229AD33C}" dt="2020-11-01T18:15:41.013" v="1150" actId="14100"/>
+          <ac:spMkLst>
+            <pc:docMk/>
+            <pc:sldMk cId="1215229427" sldId="318"/>
+            <ac:spMk id="9" creationId="{E3B2E017-30B2-884B-A113-B419A2ED51AD}"/>
+          </ac:spMkLst>
+        </pc:spChg>
+      </pc:sldChg>
+      <pc:sldChg chg="modSp add mod">
+        <pc:chgData name="Long B Nguyen" userId="f59fb8f3-a021-417a-8bc1-65c8d471c621" providerId="ADAL" clId="{9799AFC9-BCC1-A047-B695-0A8B229AD33C}" dt="2020-11-01T18:40:42.493" v="1340" actId="20577"/>
+        <pc:sldMkLst>
+          <pc:docMk/>
+          <pc:sldMk cId="1834144391" sldId="318"/>
+        </pc:sldMkLst>
+        <pc:spChg chg="mod">
+          <ac:chgData name="Long B Nguyen" userId="f59fb8f3-a021-417a-8bc1-65c8d471c621" providerId="ADAL" clId="{9799AFC9-BCC1-A047-B695-0A8B229AD33C}" dt="2020-11-01T18:40:42.493" v="1340" actId="20577"/>
+          <ac:spMkLst>
+            <pc:docMk/>
+            <pc:sldMk cId="1834144391" sldId="318"/>
+            <ac:spMk id="2" creationId="{AA3A228F-61D0-D949-A5E7-F83756230BF8}"/>
+          </ac:spMkLst>
+        </pc:spChg>
+      </pc:sldChg>
+      <pc:sldChg chg="del">
+        <pc:chgData name="Long B Nguyen" userId="f59fb8f3-a021-417a-8bc1-65c8d471c621" providerId="ADAL" clId="{9799AFC9-BCC1-A047-B695-0A8B229AD33C}" dt="2020-10-30T16:07:29.157" v="396" actId="2696"/>
+        <pc:sldMkLst>
+          <pc:docMk/>
+          <pc:sldMk cId="924617162" sldId="319"/>
+        </pc:sldMkLst>
+      </pc:sldChg>
+      <pc:sldChg chg="del">
+        <pc:chgData name="Long B Nguyen" userId="f59fb8f3-a021-417a-8bc1-65c8d471c621" providerId="ADAL" clId="{9799AFC9-BCC1-A047-B695-0A8B229AD33C}" dt="2020-10-30T16:07:29.157" v="396" actId="2696"/>
+        <pc:sldMkLst>
+          <pc:docMk/>
+          <pc:sldMk cId="3758830494" sldId="320"/>
+        </pc:sldMkLst>
+      </pc:sldChg>
+      <pc:sldChg chg="del">
+        <pc:chgData name="Long B Nguyen" userId="f59fb8f3-a021-417a-8bc1-65c8d471c621" providerId="ADAL" clId="{9799AFC9-BCC1-A047-B695-0A8B229AD33C}" dt="2020-10-30T16:07:29.157" v="396" actId="2696"/>
+        <pc:sldMkLst>
+          <pc:docMk/>
+          <pc:sldMk cId="1022945305" sldId="321"/>
+        </pc:sldMkLst>
+      </pc:sldChg>
+      <pc:sldChg chg="del">
+        <pc:chgData name="Long B Nguyen" userId="f59fb8f3-a021-417a-8bc1-65c8d471c621" providerId="ADAL" clId="{9799AFC9-BCC1-A047-B695-0A8B229AD33C}" dt="2020-10-30T16:07:29.157" v="396" actId="2696"/>
+        <pc:sldMkLst>
+          <pc:docMk/>
+          <pc:sldMk cId="3456840474" sldId="322"/>
+        </pc:sldMkLst>
+      </pc:sldChg>
+      <pc:sldChg chg="del">
+        <pc:chgData name="Long B Nguyen" userId="f59fb8f3-a021-417a-8bc1-65c8d471c621" providerId="ADAL" clId="{9799AFC9-BCC1-A047-B695-0A8B229AD33C}" dt="2020-10-30T16:07:29.157" v="396" actId="2696"/>
+        <pc:sldMkLst>
+          <pc:docMk/>
+          <pc:sldMk cId="1062075874" sldId="323"/>
+        </pc:sldMkLst>
+      </pc:sldChg>
+      <pc:sldChg chg="del">
+        <pc:chgData name="Long B Nguyen" userId="f59fb8f3-a021-417a-8bc1-65c8d471c621" providerId="ADAL" clId="{9799AFC9-BCC1-A047-B695-0A8B229AD33C}" dt="2020-10-30T16:07:29.157" v="396" actId="2696"/>
+        <pc:sldMkLst>
+          <pc:docMk/>
+          <pc:sldMk cId="1310010799" sldId="324"/>
+        </pc:sldMkLst>
+      </pc:sldChg>
+      <pc:sldChg chg="del">
+        <pc:chgData name="Long B Nguyen" userId="f59fb8f3-a021-417a-8bc1-65c8d471c621" providerId="ADAL" clId="{9799AFC9-BCC1-A047-B695-0A8B229AD33C}" dt="2020-10-30T16:07:29.157" v="396" actId="2696"/>
+        <pc:sldMkLst>
+          <pc:docMk/>
+          <pc:sldMk cId="3314372952" sldId="325"/>
+        </pc:sldMkLst>
+      </pc:sldChg>
+      <pc:sldChg chg="del">
+        <pc:chgData name="Long B Nguyen" userId="f59fb8f3-a021-417a-8bc1-65c8d471c621" providerId="ADAL" clId="{9799AFC9-BCC1-A047-B695-0A8B229AD33C}" dt="2020-10-30T16:07:29.157" v="396" actId="2696"/>
+        <pc:sldMkLst>
+          <pc:docMk/>
+          <pc:sldMk cId="3117943122" sldId="326"/>
+        </pc:sldMkLst>
+      </pc:sldChg>
+      <pc:sldChg chg="del">
+        <pc:chgData name="Long B Nguyen" userId="f59fb8f3-a021-417a-8bc1-65c8d471c621" providerId="ADAL" clId="{9799AFC9-BCC1-A047-B695-0A8B229AD33C}" dt="2020-10-30T16:07:29.157" v="396" actId="2696"/>
+        <pc:sldMkLst>
+          <pc:docMk/>
+          <pc:sldMk cId="1025618360" sldId="327"/>
+        </pc:sldMkLst>
+      </pc:sldChg>
+      <pc:sldChg chg="del">
+        <pc:chgData name="Long B Nguyen" userId="f59fb8f3-a021-417a-8bc1-65c8d471c621" providerId="ADAL" clId="{9799AFC9-BCC1-A047-B695-0A8B229AD33C}" dt="2020-10-30T16:07:29.157" v="396" actId="2696"/>
+        <pc:sldMkLst>
+          <pc:docMk/>
+          <pc:sldMk cId="3894299887" sldId="328"/>
+        </pc:sldMkLst>
+      </pc:sldChg>
+      <pc:sldChg chg="del">
+        <pc:chgData name="Long B Nguyen" userId="f59fb8f3-a021-417a-8bc1-65c8d471c621" providerId="ADAL" clId="{9799AFC9-BCC1-A047-B695-0A8B229AD33C}" dt="2020-10-30T16:07:29.157" v="396" actId="2696"/>
+        <pc:sldMkLst>
+          <pc:docMk/>
+          <pc:sldMk cId="4294143140" sldId="329"/>
+        </pc:sldMkLst>
+      </pc:sldChg>
+      <pc:sldChg chg="modSp add mod modAnim">
+        <pc:chgData name="Long B Nguyen" userId="f59fb8f3-a021-417a-8bc1-65c8d471c621" providerId="ADAL" clId="{9799AFC9-BCC1-A047-B695-0A8B229AD33C}" dt="2020-10-30T16:14:15.265" v="927" actId="20577"/>
+        <pc:sldMkLst>
+          <pc:docMk/>
+          <pc:sldMk cId="2979421659" sldId="330"/>
+        </pc:sldMkLst>
+        <pc:spChg chg="mod">
+          <ac:chgData name="Long B Nguyen" userId="f59fb8f3-a021-417a-8bc1-65c8d471c621" providerId="ADAL" clId="{9799AFC9-BCC1-A047-B695-0A8B229AD33C}" dt="2020-10-30T12:27:17.386" v="233" actId="20577"/>
+          <ac:spMkLst>
+            <pc:docMk/>
+            <pc:sldMk cId="2979421659" sldId="330"/>
+            <ac:spMk id="2" creationId="{AA3A228F-61D0-D949-A5E7-F83756230BF8}"/>
+          </ac:spMkLst>
+        </pc:spChg>
+        <pc:spChg chg="mod">
+          <ac:chgData name="Long B Nguyen" userId="f59fb8f3-a021-417a-8bc1-65c8d471c621" providerId="ADAL" clId="{9799AFC9-BCC1-A047-B695-0A8B229AD33C}" dt="2020-10-30T16:14:15.265" v="927" actId="20577"/>
+          <ac:spMkLst>
+            <pc:docMk/>
+            <pc:sldMk cId="2979421659" sldId="330"/>
+            <ac:spMk id="9" creationId="{E3B2E017-30B2-884B-A113-B419A2ED51AD}"/>
+          </ac:spMkLst>
+        </pc:spChg>
+      </pc:sldChg>
+      <pc:sldChg chg="modSp add mod modAnim">
+        <pc:chgData name="Long B Nguyen" userId="f59fb8f3-a021-417a-8bc1-65c8d471c621" providerId="ADAL" clId="{9799AFC9-BCC1-A047-B695-0A8B229AD33C}" dt="2020-10-30T16:09:58.449" v="548" actId="20577"/>
+        <pc:sldMkLst>
+          <pc:docMk/>
+          <pc:sldMk cId="1600871836" sldId="331"/>
+        </pc:sldMkLst>
+        <pc:spChg chg="mod">
+          <ac:chgData name="Long B Nguyen" userId="f59fb8f3-a021-417a-8bc1-65c8d471c621" providerId="ADAL" clId="{9799AFC9-BCC1-A047-B695-0A8B229AD33C}" dt="2020-10-30T16:09:07.283" v="417" actId="20577"/>
+          <ac:spMkLst>
+            <pc:docMk/>
+            <pc:sldMk cId="1600871836" sldId="331"/>
+            <ac:spMk id="2" creationId="{AA3A228F-61D0-D949-A5E7-F83756230BF8}"/>
+          </ac:spMkLst>
+        </pc:spChg>
+        <pc:spChg chg="mod">
+          <ac:chgData name="Long B Nguyen" userId="f59fb8f3-a021-417a-8bc1-65c8d471c621" providerId="ADAL" clId="{9799AFC9-BCC1-A047-B695-0A8B229AD33C}" dt="2020-10-30T16:09:58.449" v="548" actId="20577"/>
+          <ac:spMkLst>
+            <pc:docMk/>
+            <pc:sldMk cId="1600871836" sldId="331"/>
+            <ac:spMk id="9" creationId="{E3B2E017-30B2-884B-A113-B419A2ED51AD}"/>
+          </ac:spMkLst>
+        </pc:spChg>
+      </pc:sldChg>
+      <pc:sldChg chg="modSp add mod modAnim">
+        <pc:chgData name="Long B Nguyen" userId="f59fb8f3-a021-417a-8bc1-65c8d471c621" providerId="ADAL" clId="{9799AFC9-BCC1-A047-B695-0A8B229AD33C}" dt="2020-11-02T17:25:04.388" v="1391"/>
+        <pc:sldMkLst>
+          <pc:docMk/>
+          <pc:sldMk cId="3010097483" sldId="332"/>
+        </pc:sldMkLst>
+        <pc:spChg chg="mod">
+          <ac:chgData name="Long B Nguyen" userId="f59fb8f3-a021-417a-8bc1-65c8d471c621" providerId="ADAL" clId="{9799AFC9-BCC1-A047-B695-0A8B229AD33C}" dt="2020-10-30T16:11:45.294" v="759" actId="1076"/>
+          <ac:spMkLst>
+            <pc:docMk/>
+            <pc:sldMk cId="3010097483" sldId="332"/>
+            <ac:spMk id="2" creationId="{AA3A228F-61D0-D949-A5E7-F83756230BF8}"/>
+          </ac:spMkLst>
+        </pc:spChg>
+        <pc:spChg chg="mod">
+          <ac:chgData name="Long B Nguyen" userId="f59fb8f3-a021-417a-8bc1-65c8d471c621" providerId="ADAL" clId="{9799AFC9-BCC1-A047-B695-0A8B229AD33C}" dt="2020-10-30T16:13:28.983" v="875" actId="207"/>
+          <ac:spMkLst>
+            <pc:docMk/>
+            <pc:sldMk cId="3010097483" sldId="332"/>
+            <ac:spMk id="9" creationId="{E3B2E017-30B2-884B-A113-B419A2ED51AD}"/>
+          </ac:spMkLst>
+        </pc:spChg>
+      </pc:sldChg>
+      <pc:sldChg chg="modSp mod">
+        <pc:chgData name="Long B Nguyen" userId="f59fb8f3-a021-417a-8bc1-65c8d471c621" providerId="ADAL" clId="{9799AFC9-BCC1-A047-B695-0A8B229AD33C}" dt="2020-11-01T18:23:47.868" v="1336" actId="1076"/>
+        <pc:sldMkLst>
+          <pc:docMk/>
+          <pc:sldMk cId="3662915732" sldId="333"/>
+        </pc:sldMkLst>
+        <pc:spChg chg="mod">
+          <ac:chgData name="Long B Nguyen" userId="f59fb8f3-a021-417a-8bc1-65c8d471c621" providerId="ADAL" clId="{9799AFC9-BCC1-A047-B695-0A8B229AD33C}" dt="2020-11-01T18:23:40.930" v="1335" actId="1076"/>
+          <ac:spMkLst>
+            <pc:docMk/>
+            <pc:sldMk cId="3662915732" sldId="333"/>
+            <ac:spMk id="2" creationId="{AA3A228F-61D0-D949-A5E7-F83756230BF8}"/>
+          </ac:spMkLst>
+        </pc:spChg>
+        <pc:spChg chg="mod">
+          <ac:chgData name="Long B Nguyen" userId="f59fb8f3-a021-417a-8bc1-65c8d471c621" providerId="ADAL" clId="{9799AFC9-BCC1-A047-B695-0A8B229AD33C}" dt="2020-11-01T18:23:47.868" v="1336" actId="1076"/>
+          <ac:spMkLst>
+            <pc:docMk/>
+            <pc:sldMk cId="3662915732" sldId="333"/>
+            <ac:spMk id="9" creationId="{E3B2E017-30B2-884B-A113-B419A2ED51AD}"/>
+          </ac:spMkLst>
+        </pc:spChg>
+      </pc:sldChg>
+    </pc:docChg>
+  </pc:docChgLst>
+  <pc:docChgLst>
     <pc:chgData name="Long B Nguyen" userId="f59fb8f3-a021-417a-8bc1-65c8d471c621" providerId="ADAL" clId="{54A900EB-5546-4D4C-9BA6-EB71907FE5D3}"/>
     <pc:docChg chg="delSld modSld">
       <pc:chgData name="Long B Nguyen" userId="f59fb8f3-a021-417a-8bc1-65c8d471c621" providerId="ADAL" clId="{54A900EB-5546-4D4C-9BA6-EB71907FE5D3}" dt="2021-06-04T17:46:32.806" v="769" actId="14100"/>
@@ -1244,504 +1881,216 @@
     </pc:docChg>
   </pc:docChgLst>
   <pc:docChgLst>
-    <pc:chgData name="Long B Nguyen" userId="f59fb8f3-a021-417a-8bc1-65c8d471c621" providerId="ADAL" clId="{DFDAB7FF-5C5F-144A-ABCE-1015D05DDC2A}"/>
-    <pc:docChg chg="modSld">
-      <pc:chgData name="Long B Nguyen" userId="f59fb8f3-a021-417a-8bc1-65c8d471c621" providerId="ADAL" clId="{DFDAB7FF-5C5F-144A-ABCE-1015D05DDC2A}" dt="2020-01-06T16:56:38.700" v="18" actId="767"/>
+    <pc:chgData name="Long B Nguyen" userId="f59fb8f3-a021-417a-8bc1-65c8d471c621" providerId="ADAL" clId="{CC9C9D9A-5149-2947-86C0-576F501F60DC}"/>
+    <pc:docChg chg="addSld modSld">
+      <pc:chgData name="Long B Nguyen" userId="f59fb8f3-a021-417a-8bc1-65c8d471c621" providerId="ADAL" clId="{CC9C9D9A-5149-2947-86C0-576F501F60DC}" dt="2020-01-05T21:59:55.597" v="2392" actId="14100"/>
       <pc:docMkLst>
         <pc:docMk/>
       </pc:docMkLst>
-      <pc:sldChg chg="addSp modSp">
-        <pc:chgData name="Long B Nguyen" userId="f59fb8f3-a021-417a-8bc1-65c8d471c621" providerId="ADAL" clId="{DFDAB7FF-5C5F-144A-ABCE-1015D05DDC2A}" dt="2020-01-06T16:56:38.700" v="18" actId="767"/>
+      <pc:sldChg chg="modSp add modAnim">
+        <pc:chgData name="Long B Nguyen" userId="f59fb8f3-a021-417a-8bc1-65c8d471c621" providerId="ADAL" clId="{CC9C9D9A-5149-2947-86C0-576F501F60DC}" dt="2020-01-04T15:49:37.373" v="563" actId="20577"/>
         <pc:sldMkLst>
           <pc:docMk/>
-          <pc:sldMk cId="4247104139" sldId="256"/>
+          <pc:sldMk cId="924617162" sldId="319"/>
         </pc:sldMkLst>
         <pc:spChg chg="mod">
-          <ac:chgData name="Long B Nguyen" userId="f59fb8f3-a021-417a-8bc1-65c8d471c621" providerId="ADAL" clId="{DFDAB7FF-5C5F-144A-ABCE-1015D05DDC2A}" dt="2020-01-05T22:05:00.732" v="17" actId="20577"/>
+          <ac:chgData name="Long B Nguyen" userId="f59fb8f3-a021-417a-8bc1-65c8d471c621" providerId="ADAL" clId="{CC9C9D9A-5149-2947-86C0-576F501F60DC}" dt="2020-01-04T15:45:14.876" v="4" actId="20577"/>
           <ac:spMkLst>
             <pc:docMk/>
-            <pc:sldMk cId="4247104139" sldId="256"/>
-            <ac:spMk id="3" creationId="{1BDC47C8-6776-7B44-9CD4-95FC91452D62}"/>
+            <pc:sldMk cId="924617162" sldId="319"/>
+            <ac:spMk id="2" creationId="{AA3A228F-61D0-D949-A5E7-F83756230BF8}"/>
           </ac:spMkLst>
         </pc:spChg>
-        <pc:spChg chg="add mod">
-          <ac:chgData name="Long B Nguyen" userId="f59fb8f3-a021-417a-8bc1-65c8d471c621" providerId="ADAL" clId="{DFDAB7FF-5C5F-144A-ABCE-1015D05DDC2A}" dt="2020-01-06T16:56:38.700" v="18" actId="767"/>
+        <pc:spChg chg="mod">
+          <ac:chgData name="Long B Nguyen" userId="f59fb8f3-a021-417a-8bc1-65c8d471c621" providerId="ADAL" clId="{CC9C9D9A-5149-2947-86C0-576F501F60DC}" dt="2020-01-04T15:49:37.373" v="563" actId="20577"/>
           <ac:spMkLst>
             <pc:docMk/>
-            <pc:sldMk cId="4247104139" sldId="256"/>
-            <ac:spMk id="5" creationId="{E6D86951-019A-8441-B4EA-CE7B2704759F}"/>
-          </ac:spMkLst>
-        </pc:spChg>
-      </pc:sldChg>
-    </pc:docChg>
-  </pc:docChgLst>
-  <pc:docChgLst>
-    <pc:chgData name="Long Nguyen" userId="f59fb8f3-a021-417a-8bc1-65c8d471c621" providerId="ADAL" clId="{AA9E8E96-66E7-354D-9B69-635A630A812D}"/>
-    <pc:docChg chg="undo custSel addSld delSld modSld">
-      <pc:chgData name="Long Nguyen" userId="f59fb8f3-a021-417a-8bc1-65c8d471c621" providerId="ADAL" clId="{AA9E8E96-66E7-354D-9B69-635A630A812D}" dt="2022-09-30T13:33:04.896" v="984" actId="113"/>
-      <pc:docMkLst>
-        <pc:docMk/>
-      </pc:docMkLst>
-      <pc:sldChg chg="add">
-        <pc:chgData name="Long Nguyen" userId="f59fb8f3-a021-417a-8bc1-65c8d471c621" providerId="ADAL" clId="{AA9E8E96-66E7-354D-9B69-635A630A812D}" dt="2022-09-30T13:13:59.154" v="0"/>
-        <pc:sldMkLst>
-          <pc:docMk/>
-          <pc:sldMk cId="1114720448" sldId="276"/>
-        </pc:sldMkLst>
-      </pc:sldChg>
-      <pc:sldChg chg="modSp add mod modAnim">
-        <pc:chgData name="Long Nguyen" userId="f59fb8f3-a021-417a-8bc1-65c8d471c621" providerId="ADAL" clId="{AA9E8E96-66E7-354D-9B69-635A630A812D}" dt="2022-09-30T13:31:13.915" v="843" actId="21"/>
-        <pc:sldMkLst>
-          <pc:docMk/>
-          <pc:sldMk cId="99755680" sldId="291"/>
-        </pc:sldMkLst>
-        <pc:spChg chg="mod">
-          <ac:chgData name="Long Nguyen" userId="f59fb8f3-a021-417a-8bc1-65c8d471c621" providerId="ADAL" clId="{AA9E8E96-66E7-354D-9B69-635A630A812D}" dt="2022-09-30T13:31:13.915" v="843" actId="21"/>
-          <ac:spMkLst>
-            <pc:docMk/>
-            <pc:sldMk cId="99755680" sldId="291"/>
+            <pc:sldMk cId="924617162" sldId="319"/>
             <ac:spMk id="9" creationId="{E3B2E017-30B2-884B-A113-B419A2ED51AD}"/>
           </ac:spMkLst>
         </pc:spChg>
       </pc:sldChg>
-      <pc:sldChg chg="modSp add modAnim">
-        <pc:chgData name="Long Nguyen" userId="f59fb8f3-a021-417a-8bc1-65c8d471c621" providerId="ADAL" clId="{AA9E8E96-66E7-354D-9B69-635A630A812D}" dt="2022-09-30T13:28:34.254" v="627" actId="20577"/>
+      <pc:sldChg chg="modSp add">
+        <pc:chgData name="Long B Nguyen" userId="f59fb8f3-a021-417a-8bc1-65c8d471c621" providerId="ADAL" clId="{CC9C9D9A-5149-2947-86C0-576F501F60DC}" dt="2020-01-04T15:57:55.835" v="789" actId="14100"/>
         <pc:sldMkLst>
           <pc:docMk/>
-          <pc:sldMk cId="2221515130" sldId="302"/>
+          <pc:sldMk cId="3758830494" sldId="320"/>
         </pc:sldMkLst>
         <pc:spChg chg="mod">
-          <ac:chgData name="Long Nguyen" userId="f59fb8f3-a021-417a-8bc1-65c8d471c621" providerId="ADAL" clId="{AA9E8E96-66E7-354D-9B69-635A630A812D}" dt="2022-09-30T13:28:34.254" v="627" actId="20577"/>
+          <ac:chgData name="Long B Nguyen" userId="f59fb8f3-a021-417a-8bc1-65c8d471c621" providerId="ADAL" clId="{CC9C9D9A-5149-2947-86C0-576F501F60DC}" dt="2020-01-04T15:57:52.065" v="788" actId="1076"/>
           <ac:spMkLst>
             <pc:docMk/>
-            <pc:sldMk cId="2221515130" sldId="302"/>
+            <pc:sldMk cId="3758830494" sldId="320"/>
+            <ac:spMk id="2" creationId="{AA3A228F-61D0-D949-A5E7-F83756230BF8}"/>
+          </ac:spMkLst>
+        </pc:spChg>
+        <pc:spChg chg="mod">
+          <ac:chgData name="Long B Nguyen" userId="f59fb8f3-a021-417a-8bc1-65c8d471c621" providerId="ADAL" clId="{CC9C9D9A-5149-2947-86C0-576F501F60DC}" dt="2020-01-04T15:57:55.835" v="789" actId="14100"/>
+          <ac:spMkLst>
+            <pc:docMk/>
+            <pc:sldMk cId="3758830494" sldId="320"/>
             <ac:spMk id="9" creationId="{E3B2E017-30B2-884B-A113-B419A2ED51AD}"/>
           </ac:spMkLst>
         </pc:spChg>
       </pc:sldChg>
-      <pc:sldChg chg="modSp mod">
-        <pc:chgData name="Long Nguyen" userId="f59fb8f3-a021-417a-8bc1-65c8d471c621" providerId="ADAL" clId="{AA9E8E96-66E7-354D-9B69-635A630A812D}" dt="2022-09-30T13:13:59.241" v="1" actId="27636"/>
+      <pc:sldChg chg="modSp add">
+        <pc:chgData name="Long B Nguyen" userId="f59fb8f3-a021-417a-8bc1-65c8d471c621" providerId="ADAL" clId="{CC9C9D9A-5149-2947-86C0-576F501F60DC}" dt="2020-01-05T21:51:37.442" v="2325" actId="20577"/>
         <pc:sldMkLst>
           <pc:docMk/>
-          <pc:sldMk cId="2097059918" sldId="313"/>
+          <pc:sldMk cId="1022945305" sldId="321"/>
         </pc:sldMkLst>
         <pc:spChg chg="mod">
-          <ac:chgData name="Long Nguyen" userId="f59fb8f3-a021-417a-8bc1-65c8d471c621" providerId="ADAL" clId="{AA9E8E96-66E7-354D-9B69-635A630A812D}" dt="2022-09-30T13:13:59.241" v="1" actId="27636"/>
+          <ac:chgData name="Long B Nguyen" userId="f59fb8f3-a021-417a-8bc1-65c8d471c621" providerId="ADAL" clId="{CC9C9D9A-5149-2947-86C0-576F501F60DC}" dt="2020-01-05T21:51:37.442" v="2325" actId="20577"/>
           <ac:spMkLst>
             <pc:docMk/>
-            <pc:sldMk cId="2097059918" sldId="313"/>
+            <pc:sldMk cId="1022945305" sldId="321"/>
+            <ac:spMk id="2" creationId="{AA3A228F-61D0-D949-A5E7-F83756230BF8}"/>
+          </ac:spMkLst>
+        </pc:spChg>
+        <pc:spChg chg="mod">
+          <ac:chgData name="Long B Nguyen" userId="f59fb8f3-a021-417a-8bc1-65c8d471c621" providerId="ADAL" clId="{CC9C9D9A-5149-2947-86C0-576F501F60DC}" dt="2020-01-05T21:33:21.485" v="2304" actId="20577"/>
+          <ac:spMkLst>
+            <pc:docMk/>
+            <pc:sldMk cId="1022945305" sldId="321"/>
             <ac:spMk id="9" creationId="{E3B2E017-30B2-884B-A113-B419A2ED51AD}"/>
           </ac:spMkLst>
         </pc:spChg>
       </pc:sldChg>
-      <pc:sldChg chg="modSp mod">
-        <pc:chgData name="Long Nguyen" userId="f59fb8f3-a021-417a-8bc1-65c8d471c621" providerId="ADAL" clId="{AA9E8E96-66E7-354D-9B69-635A630A812D}" dt="2022-09-30T13:13:59.261" v="2" actId="27636"/>
+      <pc:sldChg chg="modSp add">
+        <pc:chgData name="Long B Nguyen" userId="f59fb8f3-a021-417a-8bc1-65c8d471c621" providerId="ADAL" clId="{CC9C9D9A-5149-2947-86C0-576F501F60DC}" dt="2020-01-04T17:41:57.489" v="1203" actId="20577"/>
         <pc:sldMkLst>
           <pc:docMk/>
-          <pc:sldMk cId="2979421659" sldId="330"/>
+          <pc:sldMk cId="3456840474" sldId="322"/>
         </pc:sldMkLst>
         <pc:spChg chg="mod">
-          <ac:chgData name="Long Nguyen" userId="f59fb8f3-a021-417a-8bc1-65c8d471c621" providerId="ADAL" clId="{AA9E8E96-66E7-354D-9B69-635A630A812D}" dt="2022-09-30T13:13:59.261" v="2" actId="27636"/>
+          <ac:chgData name="Long B Nguyen" userId="f59fb8f3-a021-417a-8bc1-65c8d471c621" providerId="ADAL" clId="{CC9C9D9A-5149-2947-86C0-576F501F60DC}" dt="2020-01-04T17:41:57.489" v="1203" actId="20577"/>
           <ac:spMkLst>
             <pc:docMk/>
-            <pc:sldMk cId="2979421659" sldId="330"/>
+            <pc:sldMk cId="3456840474" sldId="322"/>
             <ac:spMk id="9" creationId="{E3B2E017-30B2-884B-A113-B419A2ED51AD}"/>
           </ac:spMkLst>
         </pc:spChg>
       </pc:sldChg>
-      <pc:sldChg chg="modSp new mod">
-        <pc:chgData name="Long Nguyen" userId="f59fb8f3-a021-417a-8bc1-65c8d471c621" providerId="ADAL" clId="{AA9E8E96-66E7-354D-9B69-635A630A812D}" dt="2022-09-30T13:26:13.123" v="491" actId="20577"/>
+      <pc:sldChg chg="modSp add">
+        <pc:chgData name="Long B Nguyen" userId="f59fb8f3-a021-417a-8bc1-65c8d471c621" providerId="ADAL" clId="{CC9C9D9A-5149-2947-86C0-576F501F60DC}" dt="2020-01-04T18:38:26.241" v="1214" actId="113"/>
         <pc:sldMkLst>
           <pc:docMk/>
-          <pc:sldMk cId="2164548058" sldId="335"/>
+          <pc:sldMk cId="1062075874" sldId="323"/>
         </pc:sldMkLst>
         <pc:spChg chg="mod">
-          <ac:chgData name="Long Nguyen" userId="f59fb8f3-a021-417a-8bc1-65c8d471c621" providerId="ADAL" clId="{AA9E8E96-66E7-354D-9B69-635A630A812D}" dt="2022-09-30T13:24:16.622" v="283" actId="1076"/>
+          <ac:chgData name="Long B Nguyen" userId="f59fb8f3-a021-417a-8bc1-65c8d471c621" providerId="ADAL" clId="{CC9C9D9A-5149-2947-86C0-576F501F60DC}" dt="2020-01-04T18:38:26.241" v="1214" actId="113"/>
           <ac:spMkLst>
             <pc:docMk/>
-            <pc:sldMk cId="2164548058" sldId="335"/>
-            <ac:spMk id="2" creationId="{035AFDDC-47A5-7E6C-A438-A84416CC2FFF}"/>
-          </ac:spMkLst>
-        </pc:spChg>
-        <pc:spChg chg="mod">
-          <ac:chgData name="Long Nguyen" userId="f59fb8f3-a021-417a-8bc1-65c8d471c621" providerId="ADAL" clId="{AA9E8E96-66E7-354D-9B69-635A630A812D}" dt="2022-09-30T13:26:13.123" v="491" actId="20577"/>
-          <ac:spMkLst>
-            <pc:docMk/>
-            <pc:sldMk cId="2164548058" sldId="335"/>
-            <ac:spMk id="3" creationId="{64B21269-347A-5DE5-CAE0-81E95539B2A3}"/>
-          </ac:spMkLst>
-        </pc:spChg>
-      </pc:sldChg>
-      <pc:sldChg chg="add del">
-        <pc:chgData name="Long Nguyen" userId="f59fb8f3-a021-417a-8bc1-65c8d471c621" providerId="ADAL" clId="{AA9E8E96-66E7-354D-9B69-635A630A812D}" dt="2022-09-30T13:17:02.535" v="244" actId="2696"/>
-        <pc:sldMkLst>
-          <pc:docMk/>
-          <pc:sldMk cId="4209926949" sldId="335"/>
-        </pc:sldMkLst>
-      </pc:sldChg>
-      <pc:sldChg chg="modSp add del">
-        <pc:chgData name="Long Nguyen" userId="f59fb8f3-a021-417a-8bc1-65c8d471c621" providerId="ADAL" clId="{AA9E8E96-66E7-354D-9B69-635A630A812D}" dt="2022-09-30T13:17:19.488" v="246" actId="2696"/>
-        <pc:sldMkLst>
-          <pc:docMk/>
-          <pc:sldMk cId="1628785944" sldId="336"/>
-        </pc:sldMkLst>
-        <pc:spChg chg="mod">
-          <ac:chgData name="Long Nguyen" userId="f59fb8f3-a021-417a-8bc1-65c8d471c621" providerId="ADAL" clId="{AA9E8E96-66E7-354D-9B69-635A630A812D}" dt="2022-09-30T13:17:17.311" v="245" actId="20577"/>
-          <ac:spMkLst>
-            <pc:docMk/>
-            <pc:sldMk cId="1628785944" sldId="336"/>
+            <pc:sldMk cId="1062075874" sldId="323"/>
             <ac:spMk id="9" creationId="{E3B2E017-30B2-884B-A113-B419A2ED51AD}"/>
           </ac:spMkLst>
         </pc:spChg>
       </pc:sldChg>
-      <pc:sldChg chg="modSp add mod modAnim">
-        <pc:chgData name="Long Nguyen" userId="f59fb8f3-a021-417a-8bc1-65c8d471c621" providerId="ADAL" clId="{AA9E8E96-66E7-354D-9B69-635A630A812D}" dt="2022-09-30T13:33:04.896" v="984" actId="113"/>
+      <pc:sldChg chg="modSp add">
+        <pc:chgData name="Long B Nguyen" userId="f59fb8f3-a021-417a-8bc1-65c8d471c621" providerId="ADAL" clId="{CC9C9D9A-5149-2947-86C0-576F501F60DC}" dt="2020-01-04T20:58:36.932" v="1972" actId="20577"/>
         <pc:sldMkLst>
           <pc:docMk/>
-          <pc:sldMk cId="3558806289" sldId="336"/>
+          <pc:sldMk cId="1310010799" sldId="324"/>
         </pc:sldMkLst>
         <pc:spChg chg="mod">
-          <ac:chgData name="Long Nguyen" userId="f59fb8f3-a021-417a-8bc1-65c8d471c621" providerId="ADAL" clId="{AA9E8E96-66E7-354D-9B69-635A630A812D}" dt="2022-09-30T13:33:04.896" v="984" actId="113"/>
+          <ac:chgData name="Long B Nguyen" userId="f59fb8f3-a021-417a-8bc1-65c8d471c621" providerId="ADAL" clId="{CC9C9D9A-5149-2947-86C0-576F501F60DC}" dt="2020-01-04T20:55:25.731" v="1962" actId="1076"/>
           <ac:spMkLst>
             <pc:docMk/>
-            <pc:sldMk cId="3558806289" sldId="336"/>
+            <pc:sldMk cId="1310010799" sldId="324"/>
+            <ac:spMk id="2" creationId="{AA3A228F-61D0-D949-A5E7-F83756230BF8}"/>
+          </ac:spMkLst>
+        </pc:spChg>
+        <pc:spChg chg="mod">
+          <ac:chgData name="Long B Nguyen" userId="f59fb8f3-a021-417a-8bc1-65c8d471c621" providerId="ADAL" clId="{CC9C9D9A-5149-2947-86C0-576F501F60DC}" dt="2020-01-04T20:58:36.932" v="1972" actId="20577"/>
+          <ac:spMkLst>
+            <pc:docMk/>
+            <pc:sldMk cId="1310010799" sldId="324"/>
             <ac:spMk id="9" creationId="{E3B2E017-30B2-884B-A113-B419A2ED51AD}"/>
           </ac:spMkLst>
         </pc:spChg>
       </pc:sldChg>
-    </pc:docChg>
-  </pc:docChgLst>
-  <pc:docChgLst>
-    <pc:chgData name="Long Nguyen" userId="f59fb8f3-a021-417a-8bc1-65c8d471c621" providerId="ADAL" clId="{D0E154C4-B346-F941-A6B9-86184AB0DF7E}"/>
-    <pc:docChg chg="undo custSel addSld delSld modSld">
-      <pc:chgData name="Long Nguyen" userId="f59fb8f3-a021-417a-8bc1-65c8d471c621" providerId="ADAL" clId="{D0E154C4-B346-F941-A6B9-86184AB0DF7E}" dt="2022-10-27T15:49:41.569" v="1109" actId="20577"/>
-      <pc:docMkLst>
-        <pc:docMk/>
-      </pc:docMkLst>
-      <pc:sldChg chg="modSp mod">
-        <pc:chgData name="Long Nguyen" userId="f59fb8f3-a021-417a-8bc1-65c8d471c621" providerId="ADAL" clId="{D0E154C4-B346-F941-A6B9-86184AB0DF7E}" dt="2022-10-27T15:49:41.569" v="1109" actId="20577"/>
+      <pc:sldChg chg="modSp add">
+        <pc:chgData name="Long B Nguyen" userId="f59fb8f3-a021-417a-8bc1-65c8d471c621" providerId="ADAL" clId="{CC9C9D9A-5149-2947-86C0-576F501F60DC}" dt="2020-01-05T21:27:04.952" v="2119" actId="20577"/>
         <pc:sldMkLst>
           <pc:docMk/>
-          <pc:sldMk cId="4247104139" sldId="256"/>
+          <pc:sldMk cId="3314372952" sldId="325"/>
         </pc:sldMkLst>
         <pc:spChg chg="mod">
-          <ac:chgData name="Long Nguyen" userId="f59fb8f3-a021-417a-8bc1-65c8d471c621" providerId="ADAL" clId="{D0E154C4-B346-F941-A6B9-86184AB0DF7E}" dt="2022-10-27T15:49:41.569" v="1109" actId="20577"/>
+          <ac:chgData name="Long B Nguyen" userId="f59fb8f3-a021-417a-8bc1-65c8d471c621" providerId="ADAL" clId="{CC9C9D9A-5149-2947-86C0-576F501F60DC}" dt="2020-01-05T21:26:41.210" v="2114" actId="20577"/>
           <ac:spMkLst>
             <pc:docMk/>
-            <pc:sldMk cId="4247104139" sldId="256"/>
-            <ac:spMk id="3" creationId="{1BDC47C8-6776-7B44-9CD4-95FC91452D62}"/>
-          </ac:spMkLst>
-        </pc:spChg>
-      </pc:sldChg>
-      <pc:sldChg chg="addSp modSp mod modAnim">
-        <pc:chgData name="Long Nguyen" userId="f59fb8f3-a021-417a-8bc1-65c8d471c621" providerId="ADAL" clId="{D0E154C4-B346-F941-A6B9-86184AB0DF7E}" dt="2022-10-26T15:34:23.830" v="1079" actId="14100"/>
-        <pc:sldMkLst>
-          <pc:docMk/>
-          <pc:sldMk cId="99755680" sldId="291"/>
-        </pc:sldMkLst>
-        <pc:spChg chg="mod">
-          <ac:chgData name="Long Nguyen" userId="f59fb8f3-a021-417a-8bc1-65c8d471c621" providerId="ADAL" clId="{D0E154C4-B346-F941-A6B9-86184AB0DF7E}" dt="2022-10-26T15:34:17.310" v="1076" actId="1076"/>
-          <ac:spMkLst>
-            <pc:docMk/>
-            <pc:sldMk cId="99755680" sldId="291"/>
+            <pc:sldMk cId="3314372952" sldId="325"/>
             <ac:spMk id="2" creationId="{AA3A228F-61D0-D949-A5E7-F83756230BF8}"/>
           </ac:spMkLst>
         </pc:spChg>
-        <pc:spChg chg="add mod">
-          <ac:chgData name="Long Nguyen" userId="f59fb8f3-a021-417a-8bc1-65c8d471c621" providerId="ADAL" clId="{D0E154C4-B346-F941-A6B9-86184AB0DF7E}" dt="2022-10-26T13:40:10.479" v="425" actId="20577"/>
+        <pc:spChg chg="mod">
+          <ac:chgData name="Long B Nguyen" userId="f59fb8f3-a021-417a-8bc1-65c8d471c621" providerId="ADAL" clId="{CC9C9D9A-5149-2947-86C0-576F501F60DC}" dt="2020-01-05T21:27:04.952" v="2119" actId="20577"/>
           <ac:spMkLst>
             <pc:docMk/>
-            <pc:sldMk cId="99755680" sldId="291"/>
-            <ac:spMk id="3" creationId="{D736C09A-6445-0521-5620-845ACB1DDC5B}"/>
-          </ac:spMkLst>
-        </pc:spChg>
-        <pc:spChg chg="mod">
-          <ac:chgData name="Long Nguyen" userId="f59fb8f3-a021-417a-8bc1-65c8d471c621" providerId="ADAL" clId="{D0E154C4-B346-F941-A6B9-86184AB0DF7E}" dt="2022-10-26T15:34:23.830" v="1079" actId="14100"/>
-          <ac:spMkLst>
-            <pc:docMk/>
-            <pc:sldMk cId="99755680" sldId="291"/>
+            <pc:sldMk cId="3314372952" sldId="325"/>
             <ac:spMk id="9" creationId="{E3B2E017-30B2-884B-A113-B419A2ED51AD}"/>
           </ac:spMkLst>
         </pc:spChg>
       </pc:sldChg>
-      <pc:sldChg chg="modSp mod modAnim">
-        <pc:chgData name="Long Nguyen" userId="f59fb8f3-a021-417a-8bc1-65c8d471c621" providerId="ADAL" clId="{D0E154C4-B346-F941-A6B9-86184AB0DF7E}" dt="2022-10-26T13:30:14.191" v="169"/>
+      <pc:sldChg chg="modSp add">
+        <pc:chgData name="Long B Nguyen" userId="f59fb8f3-a021-417a-8bc1-65c8d471c621" providerId="ADAL" clId="{CC9C9D9A-5149-2947-86C0-576F501F60DC}" dt="2020-01-05T21:29:58.563" v="2178" actId="20577"/>
         <pc:sldMkLst>
           <pc:docMk/>
-          <pc:sldMk cId="553003360" sldId="296"/>
+          <pc:sldMk cId="3117943122" sldId="326"/>
         </pc:sldMkLst>
         <pc:spChg chg="mod">
-          <ac:chgData name="Long Nguyen" userId="f59fb8f3-a021-417a-8bc1-65c8d471c621" providerId="ADAL" clId="{D0E154C4-B346-F941-A6B9-86184AB0DF7E}" dt="2022-10-26T13:29:09.866" v="161" actId="20577"/>
+          <ac:chgData name="Long B Nguyen" userId="f59fb8f3-a021-417a-8bc1-65c8d471c621" providerId="ADAL" clId="{CC9C9D9A-5149-2947-86C0-576F501F60DC}" dt="2020-01-05T21:29:58.563" v="2178" actId="20577"/>
           <ac:spMkLst>
             <pc:docMk/>
-            <pc:sldMk cId="553003360" sldId="296"/>
+            <pc:sldMk cId="3117943122" sldId="326"/>
             <ac:spMk id="9" creationId="{E3B2E017-30B2-884B-A113-B419A2ED51AD}"/>
           </ac:spMkLst>
         </pc:spChg>
       </pc:sldChg>
-      <pc:sldChg chg="modSp mod">
-        <pc:chgData name="Long Nguyen" userId="f59fb8f3-a021-417a-8bc1-65c8d471c621" providerId="ADAL" clId="{D0E154C4-B346-F941-A6B9-86184AB0DF7E}" dt="2022-10-26T12:23:52.471" v="21" actId="20577"/>
+      <pc:sldChg chg="modSp add">
+        <pc:chgData name="Long B Nguyen" userId="f59fb8f3-a021-417a-8bc1-65c8d471c621" providerId="ADAL" clId="{CC9C9D9A-5149-2947-86C0-576F501F60DC}" dt="2020-01-05T21:59:55.597" v="2392" actId="14100"/>
         <pc:sldMkLst>
           <pc:docMk/>
-          <pc:sldMk cId="3150557076" sldId="298"/>
+          <pc:sldMk cId="1025618360" sldId="327"/>
         </pc:sldMkLst>
         <pc:spChg chg="mod">
-          <ac:chgData name="Long Nguyen" userId="f59fb8f3-a021-417a-8bc1-65c8d471c621" providerId="ADAL" clId="{D0E154C4-B346-F941-A6B9-86184AB0DF7E}" dt="2022-10-26T12:23:52.471" v="21" actId="20577"/>
+          <ac:chgData name="Long B Nguyen" userId="f59fb8f3-a021-417a-8bc1-65c8d471c621" providerId="ADAL" clId="{CC9C9D9A-5149-2947-86C0-576F501F60DC}" dt="2020-01-05T21:59:55.597" v="2392" actId="14100"/>
           <ac:spMkLst>
             <pc:docMk/>
-            <pc:sldMk cId="3150557076" sldId="298"/>
-            <ac:spMk id="2" creationId="{AA3A228F-61D0-D949-A5E7-F83756230BF8}"/>
+            <pc:sldMk cId="1025618360" sldId="327"/>
+            <ac:spMk id="9" creationId="{E3B2E017-30B2-884B-A113-B419A2ED51AD}"/>
           </ac:spMkLst>
         </pc:spChg>
       </pc:sldChg>
-      <pc:sldChg chg="del">
-        <pc:chgData name="Long Nguyen" userId="f59fb8f3-a021-417a-8bc1-65c8d471c621" providerId="ADAL" clId="{D0E154C4-B346-F941-A6B9-86184AB0DF7E}" dt="2022-10-26T15:34:33.105" v="1080" actId="2696"/>
+      <pc:sldChg chg="modSp add">
+        <pc:chgData name="Long B Nguyen" userId="f59fb8f3-a021-417a-8bc1-65c8d471c621" providerId="ADAL" clId="{CC9C9D9A-5149-2947-86C0-576F501F60DC}" dt="2020-01-05T21:54:47.081" v="2356" actId="2711"/>
         <pc:sldMkLst>
           <pc:docMk/>
-          <pc:sldMk cId="3558806289" sldId="336"/>
-        </pc:sldMkLst>
-      </pc:sldChg>
-      <pc:sldChg chg="addSp delSp modSp new mod">
-        <pc:chgData name="Long Nguyen" userId="f59fb8f3-a021-417a-8bc1-65c8d471c621" providerId="ADAL" clId="{D0E154C4-B346-F941-A6B9-86184AB0DF7E}" dt="2022-10-26T13:38:23.252" v="320"/>
-        <pc:sldMkLst>
-          <pc:docMk/>
-          <pc:sldMk cId="287602781" sldId="337"/>
+          <pc:sldMk cId="3894299887" sldId="328"/>
         </pc:sldMkLst>
         <pc:spChg chg="mod">
-          <ac:chgData name="Long Nguyen" userId="f59fb8f3-a021-417a-8bc1-65c8d471c621" providerId="ADAL" clId="{D0E154C4-B346-F941-A6B9-86184AB0DF7E}" dt="2022-10-26T13:27:36.026" v="38" actId="1076"/>
+          <ac:chgData name="Long B Nguyen" userId="f59fb8f3-a021-417a-8bc1-65c8d471c621" providerId="ADAL" clId="{CC9C9D9A-5149-2947-86C0-576F501F60DC}" dt="2020-01-05T21:51:41.306" v="2327" actId="20577"/>
           <ac:spMkLst>
             <pc:docMk/>
-            <pc:sldMk cId="287602781" sldId="337"/>
-            <ac:spMk id="2" creationId="{86ADC1BD-B817-E355-4649-B1F4E8E200F3}"/>
-          </ac:spMkLst>
-        </pc:spChg>
-        <pc:spChg chg="mod">
-          <ac:chgData name="Long Nguyen" userId="f59fb8f3-a021-417a-8bc1-65c8d471c621" providerId="ADAL" clId="{D0E154C4-B346-F941-A6B9-86184AB0DF7E}" dt="2022-10-26T13:32:24.200" v="318" actId="5793"/>
-          <ac:spMkLst>
-            <pc:docMk/>
-            <pc:sldMk cId="287602781" sldId="337"/>
-            <ac:spMk id="3" creationId="{9C2DD414-A1A4-51DC-3253-3E51EA569EBA}"/>
-          </ac:spMkLst>
-        </pc:spChg>
-        <pc:spChg chg="add del mod">
-          <ac:chgData name="Long Nguyen" userId="f59fb8f3-a021-417a-8bc1-65c8d471c621" providerId="ADAL" clId="{D0E154C4-B346-F941-A6B9-86184AB0DF7E}" dt="2022-10-26T13:38:23.252" v="320"/>
-          <ac:spMkLst>
-            <pc:docMk/>
-            <pc:sldMk cId="287602781" sldId="337"/>
-            <ac:spMk id="6" creationId="{F20B319B-5234-1B66-3DDB-143C048CA6FA}"/>
-          </ac:spMkLst>
-        </pc:spChg>
-        <pc:picChg chg="add mod">
-          <ac:chgData name="Long Nguyen" userId="f59fb8f3-a021-417a-8bc1-65c8d471c621" providerId="ADAL" clId="{D0E154C4-B346-F941-A6B9-86184AB0DF7E}" dt="2022-10-26T13:32:08.390" v="288" actId="1035"/>
-          <ac:picMkLst>
-            <pc:docMk/>
-            <pc:sldMk cId="287602781" sldId="337"/>
-            <ac:picMk id="5" creationId="{F7FDE22B-2758-F04E-240C-8AC050943925}"/>
-          </ac:picMkLst>
-        </pc:picChg>
-      </pc:sldChg>
-      <pc:sldChg chg="addSp delSp modSp new mod modAnim">
-        <pc:chgData name="Long Nguyen" userId="f59fb8f3-a021-417a-8bc1-65c8d471c621" providerId="ADAL" clId="{D0E154C4-B346-F941-A6B9-86184AB0DF7E}" dt="2022-10-26T13:54:00.943" v="1071"/>
-        <pc:sldMkLst>
-          <pc:docMk/>
-          <pc:sldMk cId="1128944251" sldId="338"/>
-        </pc:sldMkLst>
-        <pc:spChg chg="mod">
-          <ac:chgData name="Long Nguyen" userId="f59fb8f3-a021-417a-8bc1-65c8d471c621" providerId="ADAL" clId="{D0E154C4-B346-F941-A6B9-86184AB0DF7E}" dt="2022-10-26T13:46:33.376" v="446" actId="1076"/>
-          <ac:spMkLst>
-            <pc:docMk/>
-            <pc:sldMk cId="1128944251" sldId="338"/>
-            <ac:spMk id="2" creationId="{A340B44D-B662-1B98-A1CB-22BE7EC3D3D7}"/>
-          </ac:spMkLst>
-        </pc:spChg>
-        <pc:spChg chg="del">
-          <ac:chgData name="Long Nguyen" userId="f59fb8f3-a021-417a-8bc1-65c8d471c621" providerId="ADAL" clId="{D0E154C4-B346-F941-A6B9-86184AB0DF7E}" dt="2022-10-26T13:42:22.496" v="427"/>
-          <ac:spMkLst>
-            <pc:docMk/>
-            <pc:sldMk cId="1128944251" sldId="338"/>
-            <ac:spMk id="3" creationId="{3EA485C6-07AA-74D9-36B3-48C630CD385C}"/>
-          </ac:spMkLst>
-        </pc:spChg>
-        <pc:spChg chg="add mod">
-          <ac:chgData name="Long Nguyen" userId="f59fb8f3-a021-417a-8bc1-65c8d471c621" providerId="ADAL" clId="{D0E154C4-B346-F941-A6B9-86184AB0DF7E}" dt="2022-10-26T13:42:28.915" v="428" actId="14100"/>
-          <ac:spMkLst>
-            <pc:docMk/>
-            <pc:sldMk cId="1128944251" sldId="338"/>
-            <ac:spMk id="6" creationId="{8826A9CA-5A35-6321-4C6D-375F074A2F47}"/>
-          </ac:spMkLst>
-        </pc:spChg>
-        <pc:spChg chg="add del mod">
-          <ac:chgData name="Long Nguyen" userId="f59fb8f3-a021-417a-8bc1-65c8d471c621" providerId="ADAL" clId="{D0E154C4-B346-F941-A6B9-86184AB0DF7E}" dt="2022-10-26T13:45:54.112" v="431"/>
-          <ac:spMkLst>
-            <pc:docMk/>
-            <pc:sldMk cId="1128944251" sldId="338"/>
-            <ac:spMk id="8" creationId="{29832B01-07D8-A8FB-3720-16F1ACFCAE51}"/>
-          </ac:spMkLst>
-        </pc:spChg>
-        <pc:spChg chg="add mod">
-          <ac:chgData name="Long Nguyen" userId="f59fb8f3-a021-417a-8bc1-65c8d471c621" providerId="ADAL" clId="{D0E154C4-B346-F941-A6B9-86184AB0DF7E}" dt="2022-10-26T13:51:27.396" v="1027" actId="20577"/>
-          <ac:spMkLst>
-            <pc:docMk/>
-            <pc:sldMk cId="1128944251" sldId="338"/>
-            <ac:spMk id="10" creationId="{E944DC3B-4EA7-931F-AF1E-FC552BA41E57}"/>
-          </ac:spMkLst>
-        </pc:spChg>
-        <pc:spChg chg="add mod">
-          <ac:chgData name="Long Nguyen" userId="f59fb8f3-a021-417a-8bc1-65c8d471c621" providerId="ADAL" clId="{D0E154C4-B346-F941-A6B9-86184AB0DF7E}" dt="2022-10-26T13:52:53.497" v="1051" actId="1036"/>
-          <ac:spMkLst>
-            <pc:docMk/>
-            <pc:sldMk cId="1128944251" sldId="338"/>
-            <ac:spMk id="11" creationId="{E9E89041-25CA-7787-DF52-2EA78DEC0912}"/>
-          </ac:spMkLst>
-        </pc:spChg>
-        <pc:spChg chg="add del mod">
-          <ac:chgData name="Long Nguyen" userId="f59fb8f3-a021-417a-8bc1-65c8d471c621" providerId="ADAL" clId="{D0E154C4-B346-F941-A6B9-86184AB0DF7E}" dt="2022-10-26T13:53:31.557" v="1067"/>
-          <ac:spMkLst>
-            <pc:docMk/>
-            <pc:sldMk cId="1128944251" sldId="338"/>
-            <ac:spMk id="15" creationId="{4A688945-F27C-9AD2-CBBE-7983AA77D453}"/>
-          </ac:spMkLst>
-        </pc:spChg>
-        <pc:graphicFrameChg chg="add del mod modGraphic">
-          <ac:chgData name="Long Nguyen" userId="f59fb8f3-a021-417a-8bc1-65c8d471c621" providerId="ADAL" clId="{D0E154C4-B346-F941-A6B9-86184AB0DF7E}" dt="2022-10-26T13:45:51.884" v="430" actId="478"/>
-          <ac:graphicFrameMkLst>
-            <pc:docMk/>
-            <pc:sldMk cId="1128944251" sldId="338"/>
-            <ac:graphicFrameMk id="5" creationId="{FDDB42FB-75BE-AF86-799B-0117B86D83B2}"/>
-          </ac:graphicFrameMkLst>
-        </pc:graphicFrameChg>
-        <pc:picChg chg="add mod">
-          <ac:chgData name="Long Nguyen" userId="f59fb8f3-a021-417a-8bc1-65c8d471c621" providerId="ADAL" clId="{D0E154C4-B346-F941-A6B9-86184AB0DF7E}" dt="2022-10-26T13:51:15.680" v="1012" actId="1037"/>
-          <ac:picMkLst>
-            <pc:docMk/>
-            <pc:sldMk cId="1128944251" sldId="338"/>
-            <ac:picMk id="9" creationId="{F02032DC-0733-12B3-65B3-971553A3B000}"/>
-          </ac:picMkLst>
-        </pc:picChg>
-        <pc:cxnChg chg="add mod">
-          <ac:chgData name="Long Nguyen" userId="f59fb8f3-a021-417a-8bc1-65c8d471c621" providerId="ADAL" clId="{D0E154C4-B346-F941-A6B9-86184AB0DF7E}" dt="2022-10-26T13:53:21.619" v="1063" actId="14100"/>
-          <ac:cxnSpMkLst>
-            <pc:docMk/>
-            <pc:sldMk cId="1128944251" sldId="338"/>
-            <ac:cxnSpMk id="13" creationId="{28CE31AB-69C5-D1AF-D8CE-80CD57000B1A}"/>
-          </ac:cxnSpMkLst>
-        </pc:cxnChg>
-        <pc:cxnChg chg="add mod">
-          <ac:chgData name="Long Nguyen" userId="f59fb8f3-a021-417a-8bc1-65c8d471c621" providerId="ADAL" clId="{D0E154C4-B346-F941-A6B9-86184AB0DF7E}" dt="2022-10-26T13:53:28.733" v="1065" actId="14100"/>
-          <ac:cxnSpMkLst>
-            <pc:docMk/>
-            <pc:sldMk cId="1128944251" sldId="338"/>
-            <ac:cxnSpMk id="16" creationId="{1E0C05EE-8880-84D1-113E-9BEC7A34A30D}"/>
-          </ac:cxnSpMkLst>
-        </pc:cxnChg>
-      </pc:sldChg>
-    </pc:docChg>
-  </pc:docChgLst>
-  <pc:docChgLst>
-    <pc:chgData name="Long B Nguyen" userId="f59fb8f3-a021-417a-8bc1-65c8d471c621" providerId="ADAL" clId="{E2659998-345F-2A42-B467-55E59999979A}"/>
-    <pc:docChg chg="delSld modSld">
-      <pc:chgData name="Long B Nguyen" userId="f59fb8f3-a021-417a-8bc1-65c8d471c621" providerId="ADAL" clId="{E2659998-345F-2A42-B467-55E59999979A}" dt="2021-06-14T22:06:26.206" v="63" actId="20577"/>
-      <pc:docMkLst>
-        <pc:docMk/>
-      </pc:docMkLst>
-      <pc:sldChg chg="modSp mod modAnim">
-        <pc:chgData name="Long B Nguyen" userId="f59fb8f3-a021-417a-8bc1-65c8d471c621" providerId="ADAL" clId="{E2659998-345F-2A42-B467-55E59999979A}" dt="2021-06-04T16:34:18.690" v="51" actId="1076"/>
-        <pc:sldMkLst>
-          <pc:docMk/>
-          <pc:sldMk cId="1816941262" sldId="295"/>
-        </pc:sldMkLst>
-        <pc:spChg chg="mod">
-          <ac:chgData name="Long B Nguyen" userId="f59fb8f3-a021-417a-8bc1-65c8d471c621" providerId="ADAL" clId="{E2659998-345F-2A42-B467-55E59999979A}" dt="2021-06-04T16:33:34.524" v="33" actId="1076"/>
-          <ac:spMkLst>
-            <pc:docMk/>
-            <pc:sldMk cId="1816941262" sldId="295"/>
+            <pc:sldMk cId="3894299887" sldId="328"/>
             <ac:spMk id="2" creationId="{AA3A228F-61D0-D949-A5E7-F83756230BF8}"/>
           </ac:spMkLst>
         </pc:spChg>
         <pc:spChg chg="mod">
-          <ac:chgData name="Long B Nguyen" userId="f59fb8f3-a021-417a-8bc1-65c8d471c621" providerId="ADAL" clId="{E2659998-345F-2A42-B467-55E59999979A}" dt="2021-06-04T16:34:18.690" v="51" actId="1076"/>
+          <ac:chgData name="Long B Nguyen" userId="f59fb8f3-a021-417a-8bc1-65c8d471c621" providerId="ADAL" clId="{CC9C9D9A-5149-2947-86C0-576F501F60DC}" dt="2020-01-05T21:54:47.081" v="2356" actId="2711"/>
           <ac:spMkLst>
             <pc:docMk/>
-            <pc:sldMk cId="1816941262" sldId="295"/>
-            <ac:spMk id="3" creationId="{53AD888D-2F6F-BB43-86CA-1A3B376061A2}"/>
-          </ac:spMkLst>
-        </pc:spChg>
-        <pc:spChg chg="mod">
-          <ac:chgData name="Long B Nguyen" userId="f59fb8f3-a021-417a-8bc1-65c8d471c621" providerId="ADAL" clId="{E2659998-345F-2A42-B467-55E59999979A}" dt="2021-06-04T16:34:14.733" v="50" actId="20577"/>
-          <ac:spMkLst>
-            <pc:docMk/>
-            <pc:sldMk cId="1816941262" sldId="295"/>
+            <pc:sldMk cId="3894299887" sldId="328"/>
             <ac:spMk id="9" creationId="{E3B2E017-30B2-884B-A113-B419A2ED51AD}"/>
           </ac:spMkLst>
         </pc:spChg>
       </pc:sldChg>
-      <pc:sldChg chg="modSp mod">
-        <pc:chgData name="Long B Nguyen" userId="f59fb8f3-a021-417a-8bc1-65c8d471c621" providerId="ADAL" clId="{E2659998-345F-2A42-B467-55E59999979A}" dt="2021-06-04T16:35:00.618" v="54" actId="14100"/>
+      <pc:sldChg chg="add">
+        <pc:chgData name="Long B Nguyen" userId="f59fb8f3-a021-417a-8bc1-65c8d471c621" providerId="ADAL" clId="{CC9C9D9A-5149-2947-86C0-576F501F60DC}" dt="2020-01-05T21:57:38.736" v="2357"/>
         <pc:sldMkLst>
           <pc:docMk/>
-          <pc:sldMk cId="553003360" sldId="296"/>
+          <pc:sldMk cId="4294143140" sldId="329"/>
         </pc:sldMkLst>
-        <pc:spChg chg="mod">
-          <ac:chgData name="Long B Nguyen" userId="f59fb8f3-a021-417a-8bc1-65c8d471c621" providerId="ADAL" clId="{E2659998-345F-2A42-B467-55E59999979A}" dt="2021-06-04T16:34:53.684" v="52" actId="1076"/>
-          <ac:spMkLst>
-            <pc:docMk/>
-            <pc:sldMk cId="553003360" sldId="296"/>
-            <ac:spMk id="2" creationId="{AA3A228F-61D0-D949-A5E7-F83756230BF8}"/>
-          </ac:spMkLst>
-        </pc:spChg>
-        <pc:spChg chg="mod">
-          <ac:chgData name="Long B Nguyen" userId="f59fb8f3-a021-417a-8bc1-65c8d471c621" providerId="ADAL" clId="{E2659998-345F-2A42-B467-55E59999979A}" dt="2021-06-04T16:35:00.618" v="54" actId="14100"/>
-          <ac:spMkLst>
-            <pc:docMk/>
-            <pc:sldMk cId="553003360" sldId="296"/>
-            <ac:spMk id="9" creationId="{E3B2E017-30B2-884B-A113-B419A2ED51AD}"/>
-          </ac:spMkLst>
-        </pc:spChg>
-      </pc:sldChg>
-      <pc:sldChg chg="modSp">
-        <pc:chgData name="Long B Nguyen" userId="f59fb8f3-a021-417a-8bc1-65c8d471c621" providerId="ADAL" clId="{E2659998-345F-2A42-B467-55E59999979A}" dt="2021-06-14T22:06:26.206" v="63" actId="20577"/>
-        <pc:sldMkLst>
-          <pc:docMk/>
-          <pc:sldMk cId="3006175481" sldId="297"/>
-        </pc:sldMkLst>
-        <pc:spChg chg="mod">
-          <ac:chgData name="Long B Nguyen" userId="f59fb8f3-a021-417a-8bc1-65c8d471c621" providerId="ADAL" clId="{E2659998-345F-2A42-B467-55E59999979A}" dt="2021-06-14T22:06:26.206" v="63" actId="20577"/>
-          <ac:spMkLst>
-            <pc:docMk/>
-            <pc:sldMk cId="3006175481" sldId="297"/>
-            <ac:spMk id="9" creationId="{E3B2E017-30B2-884B-A113-B419A2ED51AD}"/>
-          </ac:spMkLst>
-        </pc:spChg>
-      </pc:sldChg>
-      <pc:sldChg chg="del">
-        <pc:chgData name="Long B Nguyen" userId="f59fb8f3-a021-417a-8bc1-65c8d471c621" providerId="ADAL" clId="{E2659998-345F-2A42-B467-55E59999979A}" dt="2021-06-04T16:33:03.334" v="0" actId="2696"/>
-        <pc:sldMkLst>
-          <pc:docMk/>
-          <pc:sldMk cId="3275945509" sldId="303"/>
-        </pc:sldMkLst>
-      </pc:sldChg>
-      <pc:sldChg chg="modSp del mod">
-        <pc:chgData name="Long B Nguyen" userId="f59fb8f3-a021-417a-8bc1-65c8d471c621" providerId="ADAL" clId="{E2659998-345F-2A42-B467-55E59999979A}" dt="2021-06-04T16:35:20.495" v="55" actId="2696"/>
-        <pc:sldMkLst>
-          <pc:docMk/>
-          <pc:sldMk cId="406772024" sldId="304"/>
-        </pc:sldMkLst>
-        <pc:spChg chg="mod">
-          <ac:chgData name="Long B Nguyen" userId="f59fb8f3-a021-417a-8bc1-65c8d471c621" providerId="ADAL" clId="{E2659998-345F-2A42-B467-55E59999979A}" dt="2021-06-04T16:33:08.801" v="1" actId="1076"/>
-          <ac:spMkLst>
-            <pc:docMk/>
-            <pc:sldMk cId="406772024" sldId="304"/>
-            <ac:spMk id="2" creationId="{AA3A228F-61D0-D949-A5E7-F83756230BF8}"/>
-          </ac:spMkLst>
-        </pc:spChg>
-        <pc:spChg chg="mod">
-          <ac:chgData name="Long B Nguyen" userId="f59fb8f3-a021-417a-8bc1-65c8d471c621" providerId="ADAL" clId="{E2659998-345F-2A42-B467-55E59999979A}" dt="2021-06-04T16:33:24.057" v="32" actId="20577"/>
-          <ac:spMkLst>
-            <pc:docMk/>
-            <pc:sldMk cId="406772024" sldId="304"/>
-            <ac:spMk id="9" creationId="{E3B2E017-30B2-884B-A113-B419A2ED51AD}"/>
-          </ac:spMkLst>
-        </pc:spChg>
       </pc:sldChg>
     </pc:docChg>
   </pc:docChgLst>
@@ -2221,306 +2570,6 @@
       </pc:sldChg>
     </pc:docChg>
   </pc:docChgLst>
-  <pc:docChgLst>
-    <pc:chgData name="Long B Nguyen" userId="f59fb8f3-a021-417a-8bc1-65c8d471c621" providerId="ADAL" clId="{B5860C40-AA08-4447-A918-2D2782E0FC0B}"/>
-    <pc:docChg chg="delSld modSld">
-      <pc:chgData name="Long B Nguyen" userId="f59fb8f3-a021-417a-8bc1-65c8d471c621" providerId="ADAL" clId="{B5860C40-AA08-4447-A918-2D2782E0FC0B}" dt="2019-09-16T13:59:20.091" v="35" actId="2696"/>
-      <pc:docMkLst>
-        <pc:docMk/>
-      </pc:docMkLst>
-      <pc:sldChg chg="modSp">
-        <pc:chgData name="Long B Nguyen" userId="f59fb8f3-a021-417a-8bc1-65c8d471c621" providerId="ADAL" clId="{B5860C40-AA08-4447-A918-2D2782E0FC0B}" dt="2019-09-16T13:58:36.640" v="18" actId="20577"/>
-        <pc:sldMkLst>
-          <pc:docMk/>
-          <pc:sldMk cId="4247104139" sldId="256"/>
-        </pc:sldMkLst>
-        <pc:spChg chg="mod">
-          <ac:chgData name="Long B Nguyen" userId="f59fb8f3-a021-417a-8bc1-65c8d471c621" providerId="ADAL" clId="{B5860C40-AA08-4447-A918-2D2782E0FC0B}" dt="2019-09-16T13:58:36.640" v="18" actId="20577"/>
-          <ac:spMkLst>
-            <pc:docMk/>
-            <pc:sldMk cId="4247104139" sldId="256"/>
-            <ac:spMk id="3" creationId="{1BDC47C8-6776-7B44-9CD4-95FC91452D62}"/>
-          </ac:spMkLst>
-        </pc:spChg>
-      </pc:sldChg>
-    </pc:docChg>
-  </pc:docChgLst>
-  <pc:docChgLst>
-    <pc:chgData name="Long B Nguyen" userId="f59fb8f3-a021-417a-8bc1-65c8d471c621" providerId="ADAL" clId="{9799AFC9-BCC1-A047-B695-0A8B229AD33C}"/>
-    <pc:docChg chg="custSel addSld delSld modSld">
-      <pc:chgData name="Long B Nguyen" userId="f59fb8f3-a021-417a-8bc1-65c8d471c621" providerId="ADAL" clId="{9799AFC9-BCC1-A047-B695-0A8B229AD33C}" dt="2020-11-02T17:25:04.388" v="1391"/>
-      <pc:docMkLst>
-        <pc:docMk/>
-      </pc:docMkLst>
-      <pc:sldChg chg="addSp modSp mod">
-        <pc:chgData name="Long B Nguyen" userId="f59fb8f3-a021-417a-8bc1-65c8d471c621" providerId="ADAL" clId="{9799AFC9-BCC1-A047-B695-0A8B229AD33C}" dt="2020-10-30T16:06:16.986" v="395" actId="207"/>
-        <pc:sldMkLst>
-          <pc:docMk/>
-          <pc:sldMk cId="1872435103" sldId="309"/>
-        </pc:sldMkLst>
-        <pc:spChg chg="add mod">
-          <ac:chgData name="Long B Nguyen" userId="f59fb8f3-a021-417a-8bc1-65c8d471c621" providerId="ADAL" clId="{9799AFC9-BCC1-A047-B695-0A8B229AD33C}" dt="2020-10-30T16:06:16.986" v="395" actId="207"/>
-          <ac:spMkLst>
-            <pc:docMk/>
-            <pc:sldMk cId="1872435103" sldId="309"/>
-            <ac:spMk id="3" creationId="{DC451C8B-97F6-454D-8175-CD0C462539E3}"/>
-          </ac:spMkLst>
-        </pc:spChg>
-      </pc:sldChg>
-      <pc:sldChg chg="modSp mod">
-        <pc:chgData name="Long B Nguyen" userId="f59fb8f3-a021-417a-8bc1-65c8d471c621" providerId="ADAL" clId="{9799AFC9-BCC1-A047-B695-0A8B229AD33C}" dt="2020-11-02T14:42:44.133" v="1382" actId="20577"/>
-        <pc:sldMkLst>
-          <pc:docMk/>
-          <pc:sldMk cId="4088965571" sldId="310"/>
-        </pc:sldMkLst>
-        <pc:spChg chg="mod">
-          <ac:chgData name="Long B Nguyen" userId="f59fb8f3-a021-417a-8bc1-65c8d471c621" providerId="ADAL" clId="{9799AFC9-BCC1-A047-B695-0A8B229AD33C}" dt="2020-11-02T14:42:44.133" v="1382" actId="20577"/>
-          <ac:spMkLst>
-            <pc:docMk/>
-            <pc:sldMk cId="4088965571" sldId="310"/>
-            <ac:spMk id="9" creationId="{E3B2E017-30B2-884B-A113-B419A2ED51AD}"/>
-          </ac:spMkLst>
-        </pc:spChg>
-      </pc:sldChg>
-      <pc:sldChg chg="modSp">
-        <pc:chgData name="Long B Nguyen" userId="f59fb8f3-a021-417a-8bc1-65c8d471c621" providerId="ADAL" clId="{9799AFC9-BCC1-A047-B695-0A8B229AD33C}" dt="2020-10-30T12:22:02.552" v="0" actId="207"/>
-        <pc:sldMkLst>
-          <pc:docMk/>
-          <pc:sldMk cId="2255846137" sldId="311"/>
-        </pc:sldMkLst>
-        <pc:spChg chg="mod">
-          <ac:chgData name="Long B Nguyen" userId="f59fb8f3-a021-417a-8bc1-65c8d471c621" providerId="ADAL" clId="{9799AFC9-BCC1-A047-B695-0A8B229AD33C}" dt="2020-10-30T12:22:02.552" v="0" actId="207"/>
-          <ac:spMkLst>
-            <pc:docMk/>
-            <pc:sldMk cId="2255846137" sldId="311"/>
-            <ac:spMk id="9" creationId="{E3B2E017-30B2-884B-A113-B419A2ED51AD}"/>
-          </ac:spMkLst>
-        </pc:spChg>
-      </pc:sldChg>
-      <pc:sldChg chg="modSp mod">
-        <pc:chgData name="Long B Nguyen" userId="f59fb8f3-a021-417a-8bc1-65c8d471c621" providerId="ADAL" clId="{9799AFC9-BCC1-A047-B695-0A8B229AD33C}" dt="2020-11-01T18:16:16.711" v="1157" actId="20577"/>
-        <pc:sldMkLst>
-          <pc:docMk/>
-          <pc:sldMk cId="1787114790" sldId="317"/>
-        </pc:sldMkLst>
-        <pc:spChg chg="mod">
-          <ac:chgData name="Long B Nguyen" userId="f59fb8f3-a021-417a-8bc1-65c8d471c621" providerId="ADAL" clId="{9799AFC9-BCC1-A047-B695-0A8B229AD33C}" dt="2020-11-01T18:16:16.711" v="1157" actId="20577"/>
-          <ac:spMkLst>
-            <pc:docMk/>
-            <pc:sldMk cId="1787114790" sldId="317"/>
-            <ac:spMk id="9" creationId="{E3B2E017-30B2-884B-A113-B419A2ED51AD}"/>
-          </ac:spMkLst>
-        </pc:spChg>
-      </pc:sldChg>
-      <pc:sldChg chg="modSp del mod">
-        <pc:chgData name="Long B Nguyen" userId="f59fb8f3-a021-417a-8bc1-65c8d471c621" providerId="ADAL" clId="{9799AFC9-BCC1-A047-B695-0A8B229AD33C}" dt="2020-11-01T18:40:37.762" v="1337" actId="2696"/>
-        <pc:sldMkLst>
-          <pc:docMk/>
-          <pc:sldMk cId="1215229427" sldId="318"/>
-        </pc:sldMkLst>
-        <pc:spChg chg="mod">
-          <ac:chgData name="Long B Nguyen" userId="f59fb8f3-a021-417a-8bc1-65c8d471c621" providerId="ADAL" clId="{9799AFC9-BCC1-A047-B695-0A8B229AD33C}" dt="2020-11-01T18:15:38.679" v="1149" actId="1076"/>
-          <ac:spMkLst>
-            <pc:docMk/>
-            <pc:sldMk cId="1215229427" sldId="318"/>
-            <ac:spMk id="2" creationId="{AA3A228F-61D0-D949-A5E7-F83756230BF8}"/>
-          </ac:spMkLst>
-        </pc:spChg>
-        <pc:spChg chg="mod">
-          <ac:chgData name="Long B Nguyen" userId="f59fb8f3-a021-417a-8bc1-65c8d471c621" providerId="ADAL" clId="{9799AFC9-BCC1-A047-B695-0A8B229AD33C}" dt="2020-11-01T18:15:41.013" v="1150" actId="14100"/>
-          <ac:spMkLst>
-            <pc:docMk/>
-            <pc:sldMk cId="1215229427" sldId="318"/>
-            <ac:spMk id="9" creationId="{E3B2E017-30B2-884B-A113-B419A2ED51AD}"/>
-          </ac:spMkLst>
-        </pc:spChg>
-      </pc:sldChg>
-      <pc:sldChg chg="modSp add mod">
-        <pc:chgData name="Long B Nguyen" userId="f59fb8f3-a021-417a-8bc1-65c8d471c621" providerId="ADAL" clId="{9799AFC9-BCC1-A047-B695-0A8B229AD33C}" dt="2020-11-01T18:40:42.493" v="1340" actId="20577"/>
-        <pc:sldMkLst>
-          <pc:docMk/>
-          <pc:sldMk cId="1834144391" sldId="318"/>
-        </pc:sldMkLst>
-        <pc:spChg chg="mod">
-          <ac:chgData name="Long B Nguyen" userId="f59fb8f3-a021-417a-8bc1-65c8d471c621" providerId="ADAL" clId="{9799AFC9-BCC1-A047-B695-0A8B229AD33C}" dt="2020-11-01T18:40:42.493" v="1340" actId="20577"/>
-          <ac:spMkLst>
-            <pc:docMk/>
-            <pc:sldMk cId="1834144391" sldId="318"/>
-            <ac:spMk id="2" creationId="{AA3A228F-61D0-D949-A5E7-F83756230BF8}"/>
-          </ac:spMkLst>
-        </pc:spChg>
-      </pc:sldChg>
-      <pc:sldChg chg="del">
-        <pc:chgData name="Long B Nguyen" userId="f59fb8f3-a021-417a-8bc1-65c8d471c621" providerId="ADAL" clId="{9799AFC9-BCC1-A047-B695-0A8B229AD33C}" dt="2020-10-30T16:07:29.157" v="396" actId="2696"/>
-        <pc:sldMkLst>
-          <pc:docMk/>
-          <pc:sldMk cId="924617162" sldId="319"/>
-        </pc:sldMkLst>
-      </pc:sldChg>
-      <pc:sldChg chg="del">
-        <pc:chgData name="Long B Nguyen" userId="f59fb8f3-a021-417a-8bc1-65c8d471c621" providerId="ADAL" clId="{9799AFC9-BCC1-A047-B695-0A8B229AD33C}" dt="2020-10-30T16:07:29.157" v="396" actId="2696"/>
-        <pc:sldMkLst>
-          <pc:docMk/>
-          <pc:sldMk cId="3758830494" sldId="320"/>
-        </pc:sldMkLst>
-      </pc:sldChg>
-      <pc:sldChg chg="del">
-        <pc:chgData name="Long B Nguyen" userId="f59fb8f3-a021-417a-8bc1-65c8d471c621" providerId="ADAL" clId="{9799AFC9-BCC1-A047-B695-0A8B229AD33C}" dt="2020-10-30T16:07:29.157" v="396" actId="2696"/>
-        <pc:sldMkLst>
-          <pc:docMk/>
-          <pc:sldMk cId="1022945305" sldId="321"/>
-        </pc:sldMkLst>
-      </pc:sldChg>
-      <pc:sldChg chg="del">
-        <pc:chgData name="Long B Nguyen" userId="f59fb8f3-a021-417a-8bc1-65c8d471c621" providerId="ADAL" clId="{9799AFC9-BCC1-A047-B695-0A8B229AD33C}" dt="2020-10-30T16:07:29.157" v="396" actId="2696"/>
-        <pc:sldMkLst>
-          <pc:docMk/>
-          <pc:sldMk cId="3456840474" sldId="322"/>
-        </pc:sldMkLst>
-      </pc:sldChg>
-      <pc:sldChg chg="del">
-        <pc:chgData name="Long B Nguyen" userId="f59fb8f3-a021-417a-8bc1-65c8d471c621" providerId="ADAL" clId="{9799AFC9-BCC1-A047-B695-0A8B229AD33C}" dt="2020-10-30T16:07:29.157" v="396" actId="2696"/>
-        <pc:sldMkLst>
-          <pc:docMk/>
-          <pc:sldMk cId="1062075874" sldId="323"/>
-        </pc:sldMkLst>
-      </pc:sldChg>
-      <pc:sldChg chg="del">
-        <pc:chgData name="Long B Nguyen" userId="f59fb8f3-a021-417a-8bc1-65c8d471c621" providerId="ADAL" clId="{9799AFC9-BCC1-A047-B695-0A8B229AD33C}" dt="2020-10-30T16:07:29.157" v="396" actId="2696"/>
-        <pc:sldMkLst>
-          <pc:docMk/>
-          <pc:sldMk cId="1310010799" sldId="324"/>
-        </pc:sldMkLst>
-      </pc:sldChg>
-      <pc:sldChg chg="del">
-        <pc:chgData name="Long B Nguyen" userId="f59fb8f3-a021-417a-8bc1-65c8d471c621" providerId="ADAL" clId="{9799AFC9-BCC1-A047-B695-0A8B229AD33C}" dt="2020-10-30T16:07:29.157" v="396" actId="2696"/>
-        <pc:sldMkLst>
-          <pc:docMk/>
-          <pc:sldMk cId="3314372952" sldId="325"/>
-        </pc:sldMkLst>
-      </pc:sldChg>
-      <pc:sldChg chg="del">
-        <pc:chgData name="Long B Nguyen" userId="f59fb8f3-a021-417a-8bc1-65c8d471c621" providerId="ADAL" clId="{9799AFC9-BCC1-A047-B695-0A8B229AD33C}" dt="2020-10-30T16:07:29.157" v="396" actId="2696"/>
-        <pc:sldMkLst>
-          <pc:docMk/>
-          <pc:sldMk cId="3117943122" sldId="326"/>
-        </pc:sldMkLst>
-      </pc:sldChg>
-      <pc:sldChg chg="del">
-        <pc:chgData name="Long B Nguyen" userId="f59fb8f3-a021-417a-8bc1-65c8d471c621" providerId="ADAL" clId="{9799AFC9-BCC1-A047-B695-0A8B229AD33C}" dt="2020-10-30T16:07:29.157" v="396" actId="2696"/>
-        <pc:sldMkLst>
-          <pc:docMk/>
-          <pc:sldMk cId="1025618360" sldId="327"/>
-        </pc:sldMkLst>
-      </pc:sldChg>
-      <pc:sldChg chg="del">
-        <pc:chgData name="Long B Nguyen" userId="f59fb8f3-a021-417a-8bc1-65c8d471c621" providerId="ADAL" clId="{9799AFC9-BCC1-A047-B695-0A8B229AD33C}" dt="2020-10-30T16:07:29.157" v="396" actId="2696"/>
-        <pc:sldMkLst>
-          <pc:docMk/>
-          <pc:sldMk cId="3894299887" sldId="328"/>
-        </pc:sldMkLst>
-      </pc:sldChg>
-      <pc:sldChg chg="del">
-        <pc:chgData name="Long B Nguyen" userId="f59fb8f3-a021-417a-8bc1-65c8d471c621" providerId="ADAL" clId="{9799AFC9-BCC1-A047-B695-0A8B229AD33C}" dt="2020-10-30T16:07:29.157" v="396" actId="2696"/>
-        <pc:sldMkLst>
-          <pc:docMk/>
-          <pc:sldMk cId="4294143140" sldId="329"/>
-        </pc:sldMkLst>
-      </pc:sldChg>
-      <pc:sldChg chg="modSp add mod modAnim">
-        <pc:chgData name="Long B Nguyen" userId="f59fb8f3-a021-417a-8bc1-65c8d471c621" providerId="ADAL" clId="{9799AFC9-BCC1-A047-B695-0A8B229AD33C}" dt="2020-10-30T16:14:15.265" v="927" actId="20577"/>
-        <pc:sldMkLst>
-          <pc:docMk/>
-          <pc:sldMk cId="2979421659" sldId="330"/>
-        </pc:sldMkLst>
-        <pc:spChg chg="mod">
-          <ac:chgData name="Long B Nguyen" userId="f59fb8f3-a021-417a-8bc1-65c8d471c621" providerId="ADAL" clId="{9799AFC9-BCC1-A047-B695-0A8B229AD33C}" dt="2020-10-30T12:27:17.386" v="233" actId="20577"/>
-          <ac:spMkLst>
-            <pc:docMk/>
-            <pc:sldMk cId="2979421659" sldId="330"/>
-            <ac:spMk id="2" creationId="{AA3A228F-61D0-D949-A5E7-F83756230BF8}"/>
-          </ac:spMkLst>
-        </pc:spChg>
-        <pc:spChg chg="mod">
-          <ac:chgData name="Long B Nguyen" userId="f59fb8f3-a021-417a-8bc1-65c8d471c621" providerId="ADAL" clId="{9799AFC9-BCC1-A047-B695-0A8B229AD33C}" dt="2020-10-30T16:14:15.265" v="927" actId="20577"/>
-          <ac:spMkLst>
-            <pc:docMk/>
-            <pc:sldMk cId="2979421659" sldId="330"/>
-            <ac:spMk id="9" creationId="{E3B2E017-30B2-884B-A113-B419A2ED51AD}"/>
-          </ac:spMkLst>
-        </pc:spChg>
-      </pc:sldChg>
-      <pc:sldChg chg="modSp add mod modAnim">
-        <pc:chgData name="Long B Nguyen" userId="f59fb8f3-a021-417a-8bc1-65c8d471c621" providerId="ADAL" clId="{9799AFC9-BCC1-A047-B695-0A8B229AD33C}" dt="2020-10-30T16:09:58.449" v="548" actId="20577"/>
-        <pc:sldMkLst>
-          <pc:docMk/>
-          <pc:sldMk cId="1600871836" sldId="331"/>
-        </pc:sldMkLst>
-        <pc:spChg chg="mod">
-          <ac:chgData name="Long B Nguyen" userId="f59fb8f3-a021-417a-8bc1-65c8d471c621" providerId="ADAL" clId="{9799AFC9-BCC1-A047-B695-0A8B229AD33C}" dt="2020-10-30T16:09:07.283" v="417" actId="20577"/>
-          <ac:spMkLst>
-            <pc:docMk/>
-            <pc:sldMk cId="1600871836" sldId="331"/>
-            <ac:spMk id="2" creationId="{AA3A228F-61D0-D949-A5E7-F83756230BF8}"/>
-          </ac:spMkLst>
-        </pc:spChg>
-        <pc:spChg chg="mod">
-          <ac:chgData name="Long B Nguyen" userId="f59fb8f3-a021-417a-8bc1-65c8d471c621" providerId="ADAL" clId="{9799AFC9-BCC1-A047-B695-0A8B229AD33C}" dt="2020-10-30T16:09:58.449" v="548" actId="20577"/>
-          <ac:spMkLst>
-            <pc:docMk/>
-            <pc:sldMk cId="1600871836" sldId="331"/>
-            <ac:spMk id="9" creationId="{E3B2E017-30B2-884B-A113-B419A2ED51AD}"/>
-          </ac:spMkLst>
-        </pc:spChg>
-      </pc:sldChg>
-      <pc:sldChg chg="modSp add mod modAnim">
-        <pc:chgData name="Long B Nguyen" userId="f59fb8f3-a021-417a-8bc1-65c8d471c621" providerId="ADAL" clId="{9799AFC9-BCC1-A047-B695-0A8B229AD33C}" dt="2020-11-02T17:25:04.388" v="1391"/>
-        <pc:sldMkLst>
-          <pc:docMk/>
-          <pc:sldMk cId="3010097483" sldId="332"/>
-        </pc:sldMkLst>
-        <pc:spChg chg="mod">
-          <ac:chgData name="Long B Nguyen" userId="f59fb8f3-a021-417a-8bc1-65c8d471c621" providerId="ADAL" clId="{9799AFC9-BCC1-A047-B695-0A8B229AD33C}" dt="2020-10-30T16:11:45.294" v="759" actId="1076"/>
-          <ac:spMkLst>
-            <pc:docMk/>
-            <pc:sldMk cId="3010097483" sldId="332"/>
-            <ac:spMk id="2" creationId="{AA3A228F-61D0-D949-A5E7-F83756230BF8}"/>
-          </ac:spMkLst>
-        </pc:spChg>
-        <pc:spChg chg="mod">
-          <ac:chgData name="Long B Nguyen" userId="f59fb8f3-a021-417a-8bc1-65c8d471c621" providerId="ADAL" clId="{9799AFC9-BCC1-A047-B695-0A8B229AD33C}" dt="2020-10-30T16:13:28.983" v="875" actId="207"/>
-          <ac:spMkLst>
-            <pc:docMk/>
-            <pc:sldMk cId="3010097483" sldId="332"/>
-            <ac:spMk id="9" creationId="{E3B2E017-30B2-884B-A113-B419A2ED51AD}"/>
-          </ac:spMkLst>
-        </pc:spChg>
-      </pc:sldChg>
-      <pc:sldChg chg="modSp mod">
-        <pc:chgData name="Long B Nguyen" userId="f59fb8f3-a021-417a-8bc1-65c8d471c621" providerId="ADAL" clId="{9799AFC9-BCC1-A047-B695-0A8B229AD33C}" dt="2020-11-01T18:23:47.868" v="1336" actId="1076"/>
-        <pc:sldMkLst>
-          <pc:docMk/>
-          <pc:sldMk cId="3662915732" sldId="333"/>
-        </pc:sldMkLst>
-        <pc:spChg chg="mod">
-          <ac:chgData name="Long B Nguyen" userId="f59fb8f3-a021-417a-8bc1-65c8d471c621" providerId="ADAL" clId="{9799AFC9-BCC1-A047-B695-0A8B229AD33C}" dt="2020-11-01T18:23:40.930" v="1335" actId="1076"/>
-          <ac:spMkLst>
-            <pc:docMk/>
-            <pc:sldMk cId="3662915732" sldId="333"/>
-            <ac:spMk id="2" creationId="{AA3A228F-61D0-D949-A5E7-F83756230BF8}"/>
-          </ac:spMkLst>
-        </pc:spChg>
-        <pc:spChg chg="mod">
-          <ac:chgData name="Long B Nguyen" userId="f59fb8f3-a021-417a-8bc1-65c8d471c621" providerId="ADAL" clId="{9799AFC9-BCC1-A047-B695-0A8B229AD33C}" dt="2020-11-01T18:23:47.868" v="1336" actId="1076"/>
-          <ac:spMkLst>
-            <pc:docMk/>
-            <pc:sldMk cId="3662915732" sldId="333"/>
-            <ac:spMk id="9" creationId="{E3B2E017-30B2-884B-A113-B419A2ED51AD}"/>
-          </ac:spMkLst>
-        </pc:spChg>
-      </pc:sldChg>
-    </pc:docChg>
-  </pc:docChgLst>
 </pc:chgInfo>
 </file>
 
@@ -2606,7 +2655,7 @@
           <a:p>
             <a:fld id="{91B17CCE-B712-5B43-9D1C-82523EAD6AD9}" type="datetimeFigureOut">
               <a:rPr lang="en-US" smtClean="0"/>
-              <a:t>10/27/22</a:t>
+              <a:t>10/20/23</a:t>
             </a:fld>
             <a:endParaRPr lang="en-US"/>
           </a:p>
@@ -3004,7 +3053,7 @@
           <a:p>
             <a:fld id="{DC471BF0-9D75-0942-9041-17C4B5344EC4}" type="datetime1">
               <a:rPr lang="en-US" smtClean="0"/>
-              <a:t>10/27/22</a:t>
+              <a:t>10/20/23</a:t>
             </a:fld>
             <a:endParaRPr lang="en-US" dirty="0"/>
           </a:p>
@@ -3174,7 +3223,7 @@
           <a:p>
             <a:fld id="{B2865873-C2CE-D94D-9B62-5C7D3D28893C}" type="datetime1">
               <a:rPr lang="en-US" smtClean="0"/>
-              <a:t>10/27/22</a:t>
+              <a:t>10/20/23</a:t>
             </a:fld>
             <a:endParaRPr lang="en-US" dirty="0"/>
           </a:p>
@@ -3354,7 +3403,7 @@
           <a:p>
             <a:fld id="{8FD9C3D9-FA7E-9846-AC00-3B249AB3A3A5}" type="datetime1">
               <a:rPr lang="en-US" smtClean="0"/>
-              <a:t>10/27/22</a:t>
+              <a:t>10/20/23</a:t>
             </a:fld>
             <a:endParaRPr lang="en-US" dirty="0"/>
           </a:p>
@@ -3524,7 +3573,7 @@
           <a:p>
             <a:fld id="{BB0B2068-C0B6-3D41-8F8D-849B431B8433}" type="datetime1">
               <a:rPr lang="en-US" smtClean="0"/>
-              <a:t>10/27/22</a:t>
+              <a:t>10/20/23</a:t>
             </a:fld>
             <a:endParaRPr lang="en-US" dirty="0"/>
           </a:p>
@@ -3770,7 +3819,7 @@
           <a:p>
             <a:fld id="{0F9033C7-D091-114B-8DC2-5C14BE3937E7}" type="datetime1">
               <a:rPr lang="en-US" smtClean="0"/>
-              <a:t>10/27/22</a:t>
+              <a:t>10/20/23</a:t>
             </a:fld>
             <a:endParaRPr lang="en-US" dirty="0"/>
           </a:p>
@@ -4002,7 +4051,7 @@
           <a:p>
             <a:fld id="{9157D187-B498-E845-A39A-6C51B5EF5520}" type="datetime1">
               <a:rPr lang="en-US" smtClean="0"/>
-              <a:t>10/27/22</a:t>
+              <a:t>10/20/23</a:t>
             </a:fld>
             <a:endParaRPr lang="en-US" dirty="0"/>
           </a:p>
@@ -4369,7 +4418,7 @@
           <a:p>
             <a:fld id="{10C5814F-9C1E-8F43-BD11-47A12FCB08E9}" type="datetime1">
               <a:rPr lang="en-US" smtClean="0"/>
-              <a:t>10/27/22</a:t>
+              <a:t>10/20/23</a:t>
             </a:fld>
             <a:endParaRPr lang="en-US" dirty="0"/>
           </a:p>
@@ -4487,7 +4536,7 @@
           <a:p>
             <a:fld id="{00F4A595-D1A6-9443-A5E6-028339934659}" type="datetime1">
               <a:rPr lang="en-US" smtClean="0"/>
-              <a:t>10/27/22</a:t>
+              <a:t>10/20/23</a:t>
             </a:fld>
             <a:endParaRPr lang="en-US" dirty="0"/>
           </a:p>
@@ -4582,7 +4631,7 @@
           <a:p>
             <a:fld id="{283535AB-F705-A546-82E9-EF92A857560A}" type="datetime1">
               <a:rPr lang="en-US" smtClean="0"/>
-              <a:t>10/27/22</a:t>
+              <a:t>10/20/23</a:t>
             </a:fld>
             <a:endParaRPr lang="en-US" dirty="0"/>
           </a:p>
@@ -4859,7 +4908,7 @@
           <a:p>
             <a:fld id="{5458BA01-9B91-0A4B-AB23-8BE4CE0D7125}" type="datetime1">
               <a:rPr lang="en-US" smtClean="0"/>
-              <a:t>10/27/22</a:t>
+              <a:t>10/20/23</a:t>
             </a:fld>
             <a:endParaRPr lang="en-US" dirty="0"/>
           </a:p>
@@ -5116,7 +5165,7 @@
           <a:p>
             <a:fld id="{508F2FD5-7FA7-DF4B-B297-3F8803611404}" type="datetime1">
               <a:rPr lang="en-US" smtClean="0"/>
-              <a:t>10/27/22</a:t>
+              <a:t>10/20/23</a:t>
             </a:fld>
             <a:endParaRPr lang="en-US" dirty="0"/>
           </a:p>
@@ -5329,7 +5378,7 @@
           <a:p>
             <a:fld id="{74C7A9AF-EB43-AD4F-A6D0-5244F0154611}" type="datetime1">
               <a:rPr lang="en-US" smtClean="0"/>
-              <a:t>10/27/22</a:t>
+              <a:t>10/20/23</a:t>
             </a:fld>
             <a:endParaRPr lang="en-US" dirty="0"/>
           </a:p>
@@ -13983,6 +14032,3007 @@
           <p:cNvPr id="2" name="Title 1">
             <a:extLst>
               <a:ext uri="{FF2B5EF4-FFF2-40B4-BE49-F238E27FC236}">
+                <a16:creationId xmlns:a16="http://schemas.microsoft.com/office/drawing/2014/main" id="{AA3A228F-61D0-D949-A5E7-F83756230BF8}"/>
+              </a:ext>
+            </a:extLst>
+          </p:cNvPr>
+          <p:cNvSpPr>
+            <a:spLocks noGrp="1"/>
+          </p:cNvSpPr>
+          <p:nvPr>
+            <p:ph type="title"/>
+          </p:nvPr>
+        </p:nvSpPr>
+        <p:spPr>
+          <a:xfrm>
+            <a:off x="206055" y="123497"/>
+            <a:ext cx="7053542" cy="683886"/>
+          </a:xfrm>
+        </p:spPr>
+        <p:txBody>
+          <a:bodyPr/>
+          <a:lstStyle/>
+          <a:p>
+            <a:r>
+              <a:rPr lang="en-US" dirty="0"/>
+              <a:t>Functions on Strings</a:t>
+            </a:r>
+          </a:p>
+        </p:txBody>
+      </p:sp>
+      <p:sp>
+        <p:nvSpPr>
+          <p:cNvPr id="9" name="Content Placeholder 8">
+            <a:extLst>
+              <a:ext uri="{FF2B5EF4-FFF2-40B4-BE49-F238E27FC236}">
+                <a16:creationId xmlns:a16="http://schemas.microsoft.com/office/drawing/2014/main" id="{E3B2E017-30B2-884B-A113-B419A2ED51AD}"/>
+              </a:ext>
+            </a:extLst>
+          </p:cNvPr>
+          <p:cNvSpPr>
+            <a:spLocks noGrp="1"/>
+          </p:cNvSpPr>
+          <p:nvPr>
+            <p:ph idx="1"/>
+          </p:nvPr>
+        </p:nvSpPr>
+        <p:spPr>
+          <a:xfrm>
+            <a:off x="206056" y="807383"/>
+            <a:ext cx="8329518" cy="4784120"/>
+          </a:xfrm>
+        </p:spPr>
+        <p:txBody>
+          <a:bodyPr>
+            <a:noAutofit/>
+          </a:bodyPr>
+          <a:lstStyle/>
+          <a:p>
+            <a:pPr marL="0" indent="0">
+              <a:buNone/>
+            </a:pPr>
+            <a:r>
+              <a:rPr lang="en-US" dirty="0"/>
+              <a:t>Functions we discussed so far are isolated, independent entities. Sometimes functions are associated with some object and operates on the data of that object.  In this context, functions are called </a:t>
+            </a:r>
+            <a:r>
+              <a:rPr lang="en-US" b="1" dirty="0"/>
+              <a:t>methods</a:t>
+            </a:r>
+            <a:r>
+              <a:rPr lang="en-US" dirty="0"/>
+              <a:t>.</a:t>
+            </a:r>
+          </a:p>
+          <a:p>
+            <a:pPr marL="0" indent="0">
+              <a:buNone/>
+            </a:pPr>
+            <a:endParaRPr lang="en-US" dirty="0"/>
+          </a:p>
+          <a:p>
+            <a:pPr marL="0" indent="0">
+              <a:buNone/>
+            </a:pPr>
+            <a:r>
+              <a:rPr lang="en-US" dirty="0"/>
+              <a:t>Strings is an example of a type of objects which contains methods. These methods can be accessed through the </a:t>
+            </a:r>
+            <a:r>
+              <a:rPr lang="en-US" b="1" dirty="0"/>
+              <a:t>dot notation </a:t>
+            </a:r>
+            <a:r>
+              <a:rPr lang="en-US" dirty="0"/>
+              <a:t>applied to a string variable or literal. </a:t>
+            </a:r>
+          </a:p>
+          <a:p>
+            <a:pPr marL="0" indent="0">
+              <a:buNone/>
+            </a:pPr>
+            <a:endParaRPr lang="en-US" dirty="0"/>
+          </a:p>
+          <a:p>
+            <a:pPr marL="0" indent="0">
+              <a:buNone/>
+            </a:pPr>
+            <a:endParaRPr lang="en-US" dirty="0"/>
+          </a:p>
+          <a:p>
+            <a:pPr marL="0" indent="0">
+              <a:buNone/>
+            </a:pPr>
+            <a:endParaRPr lang="en-US" dirty="0"/>
+          </a:p>
+          <a:p>
+            <a:pPr marL="0" indent="0">
+              <a:buNone/>
+            </a:pPr>
+            <a:endParaRPr lang="en-US" dirty="0"/>
+          </a:p>
+          <a:p>
+            <a:pPr marL="0" indent="0">
+              <a:buNone/>
+            </a:pPr>
+            <a:endParaRPr lang="en-US" dirty="0"/>
+          </a:p>
+        </p:txBody>
+      </p:sp>
+      <p:graphicFrame>
+        <p:nvGraphicFramePr>
+          <p:cNvPr id="6" name="Table 5">
+            <a:extLst>
+              <a:ext uri="{FF2B5EF4-FFF2-40B4-BE49-F238E27FC236}">
+                <a16:creationId xmlns:a16="http://schemas.microsoft.com/office/drawing/2014/main" id="{E1F30250-355C-0CB0-3F56-19C16156370E}"/>
+              </a:ext>
+            </a:extLst>
+          </p:cNvPr>
+          <p:cNvGraphicFramePr>
+            <a:graphicFrameLocks noGrp="1"/>
+          </p:cNvGraphicFramePr>
+          <p:nvPr/>
+        </p:nvGraphicFramePr>
+        <p:xfrm>
+          <a:off x="269302" y="3425474"/>
+          <a:ext cx="8203026" cy="1402080"/>
+        </p:xfrm>
+        <a:graphic>
+          <a:graphicData uri="http://schemas.openxmlformats.org/drawingml/2006/table">
+            <a:tbl>
+              <a:tblPr firstRow="1" bandRow="1">
+                <a:tableStyleId>{5940675A-B579-460E-94D1-54222C63F5DA}</a:tableStyleId>
+              </a:tblPr>
+              <a:tblGrid>
+                <a:gridCol w="2460930">
+                  <a:extLst>
+                    <a:ext uri="{9D8B030D-6E8A-4147-A177-3AD203B41FA5}">
+                      <a16:colId xmlns:a16="http://schemas.microsoft.com/office/drawing/2014/main" val="1372689344"/>
+                    </a:ext>
+                  </a:extLst>
+                </a:gridCol>
+                <a:gridCol w="5742096">
+                  <a:extLst>
+                    <a:ext uri="{9D8B030D-6E8A-4147-A177-3AD203B41FA5}">
+                      <a16:colId xmlns:a16="http://schemas.microsoft.com/office/drawing/2014/main" val="25896437"/>
+                    </a:ext>
+                  </a:extLst>
+                </a:gridCol>
+              </a:tblGrid>
+              <a:tr h="633198">
+                <a:tc>
+                  <a:txBody>
+                    <a:bodyPr/>
+                    <a:lstStyle/>
+                    <a:p>
+                      <a:r>
+                        <a:rPr lang="en-US" sz="2000" dirty="0">
+                          <a:solidFill>
+                            <a:srgbClr val="FF0000"/>
+                          </a:solidFill>
+                        </a:rPr>
+                        <a:t>find(value)</a:t>
+                      </a:r>
+                    </a:p>
+                  </a:txBody>
+                  <a:tcPr/>
+                </a:tc>
+                <a:tc>
+                  <a:txBody>
+                    <a:bodyPr/>
+                    <a:lstStyle/>
+                    <a:p>
+                      <a:r>
+                        <a:rPr lang="en-US" sz="2000" dirty="0"/>
+                        <a:t>returns the lowest index of a substring value in a string. If substring is not found, returns -1.</a:t>
+                      </a:r>
+                    </a:p>
+                  </a:txBody>
+                  <a:tcPr/>
+                </a:tc>
+                <a:extLst>
+                  <a:ext uri="{0D108BD9-81ED-4DB2-BD59-A6C34878D82A}">
+                    <a16:rowId xmlns:a16="http://schemas.microsoft.com/office/drawing/2014/main" val="3567364839"/>
+                  </a:ext>
+                </a:extLst>
+              </a:tr>
+              <a:tr h="633198">
+                <a:tc>
+                  <a:txBody>
+                    <a:bodyPr/>
+                    <a:lstStyle/>
+                    <a:p>
+                      <a:r>
+                        <a:rPr lang="en-US" sz="2000" dirty="0">
+                          <a:solidFill>
+                            <a:srgbClr val="FF0000"/>
+                          </a:solidFill>
+                        </a:rPr>
+                        <a:t>upper() and lower()</a:t>
+                      </a:r>
+                    </a:p>
+                  </a:txBody>
+                  <a:tcPr/>
+                </a:tc>
+                <a:tc>
+                  <a:txBody>
+                    <a:bodyPr/>
+                    <a:lstStyle/>
+                    <a:p>
+                      <a:r>
+                        <a:rPr lang="en-US" sz="2000" dirty="0"/>
+                        <a:t>returns a copy of the string capitalizing(or lower casing) all characters in the  string</a:t>
+                      </a:r>
+                    </a:p>
+                  </a:txBody>
+                  <a:tcPr/>
+                </a:tc>
+                <a:extLst>
+                  <a:ext uri="{0D108BD9-81ED-4DB2-BD59-A6C34878D82A}">
+                    <a16:rowId xmlns:a16="http://schemas.microsoft.com/office/drawing/2014/main" val="2059888123"/>
+                  </a:ext>
+                </a:extLst>
+              </a:tr>
+            </a:tbl>
+          </a:graphicData>
+        </a:graphic>
+      </p:graphicFrame>
+    </p:spTree>
+    <p:extLst>
+      <p:ext uri="{BB962C8B-B14F-4D97-AF65-F5344CB8AC3E}">
+        <p14:creationId xmlns:p14="http://schemas.microsoft.com/office/powerpoint/2010/main" val="1511080215"/>
+      </p:ext>
+    </p:extLst>
+  </p:cSld>
+  <p:clrMapOvr>
+    <a:masterClrMapping/>
+  </p:clrMapOvr>
+</p:sld>
+</file>
+
+<file path=ppt/slides/slide24.xml><?xml version="1.0" encoding="utf-8"?>
+<p:sld xmlns:a="http://schemas.openxmlformats.org/drawingml/2006/main" xmlns:r="http://schemas.openxmlformats.org/officeDocument/2006/relationships" xmlns:p="http://schemas.openxmlformats.org/presentationml/2006/main">
+  <p:cSld>
+    <p:spTree>
+      <p:nvGrpSpPr>
+        <p:cNvPr id="1" name=""/>
+        <p:cNvGrpSpPr/>
+        <p:nvPr/>
+      </p:nvGrpSpPr>
+      <p:grpSpPr>
+        <a:xfrm>
+          <a:off x="0" y="0"/>
+          <a:ext cx="0" cy="0"/>
+          <a:chOff x="0" y="0"/>
+          <a:chExt cx="0" cy="0"/>
+        </a:xfrm>
+      </p:grpSpPr>
+      <p:sp>
+        <p:nvSpPr>
+          <p:cNvPr id="2" name="Title 1">
+            <a:extLst>
+              <a:ext uri="{FF2B5EF4-FFF2-40B4-BE49-F238E27FC236}">
+                <a16:creationId xmlns:a16="http://schemas.microsoft.com/office/drawing/2014/main" id="{AA3A228F-61D0-D949-A5E7-F83756230BF8}"/>
+              </a:ext>
+            </a:extLst>
+          </p:cNvPr>
+          <p:cNvSpPr>
+            <a:spLocks noGrp="1"/>
+          </p:cNvSpPr>
+          <p:nvPr>
+            <p:ph type="title"/>
+          </p:nvPr>
+        </p:nvSpPr>
+        <p:spPr>
+          <a:xfrm>
+            <a:off x="217630" y="123497"/>
+            <a:ext cx="7053542" cy="683886"/>
+          </a:xfrm>
+        </p:spPr>
+        <p:txBody>
+          <a:bodyPr/>
+          <a:lstStyle/>
+          <a:p>
+            <a:r>
+              <a:rPr lang="en-US" dirty="0"/>
+              <a:t>String Methods</a:t>
+            </a:r>
+          </a:p>
+        </p:txBody>
+      </p:sp>
+      <p:sp>
+        <p:nvSpPr>
+          <p:cNvPr id="9" name="Content Placeholder 8">
+            <a:extLst>
+              <a:ext uri="{FF2B5EF4-FFF2-40B4-BE49-F238E27FC236}">
+                <a16:creationId xmlns:a16="http://schemas.microsoft.com/office/drawing/2014/main" id="{E3B2E017-30B2-884B-A113-B419A2ED51AD}"/>
+              </a:ext>
+            </a:extLst>
+          </p:cNvPr>
+          <p:cNvSpPr>
+            <a:spLocks noGrp="1"/>
+          </p:cNvSpPr>
+          <p:nvPr>
+            <p:ph idx="1"/>
+          </p:nvPr>
+        </p:nvSpPr>
+        <p:spPr>
+          <a:xfrm>
+            <a:off x="333377" y="807382"/>
+            <a:ext cx="8687333" cy="4907617"/>
+          </a:xfrm>
+        </p:spPr>
+        <p:txBody>
+          <a:bodyPr>
+            <a:noAutofit/>
+          </a:bodyPr>
+          <a:lstStyle/>
+          <a:p>
+            <a:pPr marL="0" indent="0">
+              <a:buNone/>
+            </a:pPr>
+            <a:endParaRPr lang="en-US" b="1" dirty="0">
+              <a:solidFill>
+                <a:srgbClr val="000087"/>
+              </a:solidFill>
+              <a:latin typeface="Inconsolata" panose="020B0609030003000000" pitchFamily="49" charset="77"/>
+            </a:endParaRPr>
+          </a:p>
+          <a:p>
+            <a:pPr marL="0" indent="0">
+              <a:buNone/>
+            </a:pPr>
+            <a:r>
+              <a:rPr lang="en-US" b="1" dirty="0">
+                <a:solidFill>
+                  <a:srgbClr val="000087"/>
+                </a:solidFill>
+                <a:latin typeface="Inconsolata" panose="020B0609030003000000" pitchFamily="49" charset="77"/>
+              </a:rPr>
+              <a:t>s = "Hi, Mike!"</a:t>
+            </a:r>
+          </a:p>
+          <a:p>
+            <a:pPr marL="0" indent="0">
+              <a:buNone/>
+            </a:pPr>
+            <a:endParaRPr lang="en-US" b="1" dirty="0">
+              <a:solidFill>
+                <a:srgbClr val="000087"/>
+              </a:solidFill>
+              <a:latin typeface="Inconsolata" panose="020B0609030003000000" pitchFamily="49" charset="77"/>
+            </a:endParaRPr>
+          </a:p>
+          <a:p>
+            <a:pPr marL="0" indent="0">
+              <a:buNone/>
+            </a:pPr>
+            <a:r>
+              <a:rPr lang="en-US" b="1" dirty="0">
+                <a:solidFill>
+                  <a:srgbClr val="000087"/>
+                </a:solidFill>
+                <a:latin typeface="Inconsolata" panose="020B0609030003000000" pitchFamily="49" charset="77"/>
+              </a:rPr>
+              <a:t>index =</a:t>
+            </a:r>
+            <a:r>
+              <a:rPr lang="en-US" b="1" dirty="0">
+                <a:latin typeface="Inconsolata" panose="020B0609030003000000" pitchFamily="49" charset="77"/>
+              </a:rPr>
+              <a:t> </a:t>
+            </a:r>
+            <a:r>
+              <a:rPr lang="en-US" b="1" dirty="0" err="1">
+                <a:latin typeface="Inconsolata" panose="020B0609030003000000" pitchFamily="49" charset="77"/>
+              </a:rPr>
+              <a:t>s.find</a:t>
+            </a:r>
+            <a:r>
+              <a:rPr lang="en-US" b="1" dirty="0">
+                <a:latin typeface="Inconsolata" panose="020B0609030003000000" pitchFamily="49" charset="77"/>
+              </a:rPr>
+              <a:t>("Hi")</a:t>
+            </a:r>
+            <a:endParaRPr lang="en-US" b="1" i="1" dirty="0">
+              <a:solidFill>
+                <a:srgbClr val="33566B"/>
+              </a:solidFill>
+              <a:latin typeface="Inconsolata" panose="020B0609030003000000" pitchFamily="49" charset="77"/>
+            </a:endParaRPr>
+          </a:p>
+          <a:p>
+            <a:pPr marL="0" indent="0">
+              <a:buNone/>
+            </a:pPr>
+            <a:r>
+              <a:rPr lang="en-US" b="1" dirty="0">
+                <a:latin typeface="Inconsolata" panose="020B0609030003000000" pitchFamily="49" charset="77"/>
+              </a:rPr>
+              <a:t>print(index)  			</a:t>
+            </a:r>
+            <a:r>
+              <a:rPr lang="en-US" b="1" dirty="0">
+                <a:solidFill>
+                  <a:schemeClr val="accent1"/>
+                </a:solidFill>
+                <a:latin typeface="Inconsolata" panose="020B0609030003000000" pitchFamily="49" charset="77"/>
+              </a:rPr>
+              <a:t># 0, first letter’s index is 0.</a:t>
+            </a:r>
+          </a:p>
+          <a:p>
+            <a:pPr marL="0" indent="0">
+              <a:buNone/>
+            </a:pPr>
+            <a:r>
+              <a:rPr lang="en-US" b="1" dirty="0">
+                <a:solidFill>
+                  <a:srgbClr val="000087"/>
+                </a:solidFill>
+                <a:latin typeface="Inconsolata" panose="020B0609030003000000" pitchFamily="49" charset="77"/>
+              </a:rPr>
+              <a:t>print(</a:t>
+            </a:r>
+            <a:r>
+              <a:rPr lang="en-US" b="1" dirty="0" err="1">
+                <a:latin typeface="Inconsolata" panose="020B0609030003000000" pitchFamily="49" charset="77"/>
+              </a:rPr>
+              <a:t>s.find</a:t>
+            </a:r>
+            <a:r>
+              <a:rPr lang="en-US" b="1" dirty="0">
+                <a:latin typeface="Inconsolata" panose="020B0609030003000000" pitchFamily="49" charset="77"/>
+              </a:rPr>
+              <a:t>(" "))	 	</a:t>
+            </a:r>
+            <a:r>
+              <a:rPr lang="en-US" b="1" dirty="0">
+                <a:solidFill>
+                  <a:schemeClr val="accent1"/>
+                </a:solidFill>
+                <a:latin typeface="Inconsolata" panose="020B0609030003000000" pitchFamily="49" charset="77"/>
+              </a:rPr>
+              <a:t># 3</a:t>
+            </a:r>
+          </a:p>
+          <a:p>
+            <a:pPr marL="0" indent="0">
+              <a:buNone/>
+            </a:pPr>
+            <a:r>
+              <a:rPr lang="en-US" b="1" dirty="0">
+                <a:solidFill>
+                  <a:srgbClr val="000087"/>
+                </a:solidFill>
+                <a:latin typeface="Inconsolata" panose="020B0609030003000000" pitchFamily="49" charset="77"/>
+              </a:rPr>
+              <a:t>print(</a:t>
+            </a:r>
+            <a:r>
+              <a:rPr lang="en-US" b="1" dirty="0" err="1">
+                <a:latin typeface="Inconsolata" panose="020B0609030003000000" pitchFamily="49" charset="77"/>
+              </a:rPr>
+              <a:t>s.find</a:t>
+            </a:r>
+            <a:r>
+              <a:rPr lang="en-US" b="1" dirty="0">
+                <a:latin typeface="Inconsolata" panose="020B0609030003000000" pitchFamily="49" charset="77"/>
+              </a:rPr>
+              <a:t>("Mike"))	</a:t>
+            </a:r>
+            <a:r>
+              <a:rPr lang="en-US" b="1" dirty="0">
+                <a:solidFill>
+                  <a:schemeClr val="accent1"/>
+                </a:solidFill>
+                <a:latin typeface="Inconsolata" panose="020B0609030003000000" pitchFamily="49" charset="77"/>
+              </a:rPr>
+              <a:t># 4</a:t>
+            </a:r>
+            <a:endParaRPr lang="en-US" b="1" dirty="0">
+              <a:latin typeface="Inconsolata" panose="020B0609030003000000" pitchFamily="49" charset="77"/>
+            </a:endParaRPr>
+          </a:p>
+          <a:p>
+            <a:pPr marL="0" indent="0">
+              <a:buNone/>
+            </a:pPr>
+            <a:endParaRPr lang="en-US" b="1" dirty="0">
+              <a:solidFill>
+                <a:schemeClr val="accent1"/>
+              </a:solidFill>
+              <a:latin typeface="Inconsolata" panose="020B0609030003000000" pitchFamily="49" charset="77"/>
+            </a:endParaRPr>
+          </a:p>
+          <a:p>
+            <a:pPr marL="0" indent="0">
+              <a:buNone/>
+            </a:pPr>
+            <a:r>
+              <a:rPr lang="en-US" b="1" dirty="0">
+                <a:solidFill>
+                  <a:srgbClr val="000087"/>
+                </a:solidFill>
+                <a:latin typeface="Inconsolata" panose="020B0609030003000000" pitchFamily="49" charset="77"/>
+              </a:rPr>
+              <a:t>index2 = </a:t>
+            </a:r>
+            <a:r>
+              <a:rPr lang="en-US" b="1" dirty="0" err="1">
+                <a:latin typeface="Inconsolata" panose="020B0609030003000000" pitchFamily="49" charset="77"/>
+              </a:rPr>
+              <a:t>s.find</a:t>
+            </a:r>
+            <a:r>
+              <a:rPr lang="en-US" b="1" dirty="0">
+                <a:latin typeface="Inconsolata" panose="020B0609030003000000" pitchFamily="49" charset="77"/>
+              </a:rPr>
+              <a:t>("mike") 	</a:t>
+            </a:r>
+            <a:r>
+              <a:rPr lang="en-US" b="1" dirty="0">
+                <a:solidFill>
+                  <a:schemeClr val="accent1"/>
+                </a:solidFill>
+                <a:latin typeface="Inconsolata" panose="020B0609030003000000" pitchFamily="49" charset="77"/>
+              </a:rPr>
+              <a:t># -1, not found</a:t>
+            </a:r>
+            <a:endParaRPr lang="en-US" b="1" dirty="0">
+              <a:latin typeface="Inconsolata" panose="020B0609030003000000" pitchFamily="49" charset="77"/>
+            </a:endParaRPr>
+          </a:p>
+          <a:p>
+            <a:pPr marL="0" indent="0">
+              <a:buNone/>
+            </a:pPr>
+            <a:r>
+              <a:rPr lang="en-US" b="1" dirty="0">
+                <a:latin typeface="Inconsolata" panose="020B0609030003000000" pitchFamily="49" charset="77"/>
+              </a:rPr>
+              <a:t>b = "python"</a:t>
+            </a:r>
+          </a:p>
+          <a:p>
+            <a:pPr marL="0" indent="0">
+              <a:buNone/>
+            </a:pPr>
+            <a:r>
+              <a:rPr lang="en-US" b="1" dirty="0">
+                <a:latin typeface="Inconsolata" panose="020B0609030003000000" pitchFamily="49" charset="77"/>
+              </a:rPr>
+              <a:t>print(</a:t>
+            </a:r>
+            <a:r>
+              <a:rPr lang="en-US" b="1" dirty="0" err="1">
+                <a:latin typeface="Inconsolata" panose="020B0609030003000000" pitchFamily="49" charset="77"/>
+              </a:rPr>
+              <a:t>b.upper</a:t>
+            </a:r>
+            <a:r>
+              <a:rPr lang="en-US" b="1" dirty="0">
+                <a:latin typeface="Inconsolata" panose="020B0609030003000000" pitchFamily="49" charset="77"/>
+              </a:rPr>
+              <a:t>())		</a:t>
+            </a:r>
+            <a:r>
+              <a:rPr lang="en-US" b="1" dirty="0">
+                <a:solidFill>
+                  <a:schemeClr val="accent1"/>
+                </a:solidFill>
+                <a:latin typeface="Inconsolata" panose="020B0609030003000000" pitchFamily="49" charset="77"/>
+              </a:rPr>
+              <a:t># PYTHON</a:t>
+            </a:r>
+          </a:p>
+          <a:p>
+            <a:pPr marL="0" indent="0">
+              <a:buNone/>
+            </a:pPr>
+            <a:r>
+              <a:rPr lang="en-US" b="1" dirty="0">
+                <a:latin typeface="Inconsolata" panose="020B0609030003000000" pitchFamily="49" charset="77"/>
+              </a:rPr>
+              <a:t>print("</a:t>
+            </a:r>
+            <a:r>
+              <a:rPr lang="en-US" b="1" dirty="0" err="1">
+                <a:latin typeface="Inconsolata" panose="020B0609030003000000" pitchFamily="49" charset="77"/>
+              </a:rPr>
+              <a:t>JAVA".lower</a:t>
+            </a:r>
+            <a:r>
+              <a:rPr lang="en-US" b="1" dirty="0">
+                <a:latin typeface="Inconsolata" panose="020B0609030003000000" pitchFamily="49" charset="77"/>
+              </a:rPr>
+              <a:t>())	</a:t>
+            </a:r>
+            <a:r>
+              <a:rPr lang="en-US" b="1" dirty="0">
+                <a:solidFill>
+                  <a:schemeClr val="accent1"/>
+                </a:solidFill>
+                <a:latin typeface="Inconsolata" panose="020B0609030003000000" pitchFamily="49" charset="77"/>
+              </a:rPr>
+              <a:t># java</a:t>
+            </a:r>
+          </a:p>
+          <a:p>
+            <a:pPr marL="0" indent="0">
+              <a:buNone/>
+            </a:pPr>
+            <a:endParaRPr lang="en-US" b="1" dirty="0">
+              <a:latin typeface="Inconsolata" panose="020B0609030003000000" pitchFamily="49" charset="77"/>
+            </a:endParaRPr>
+          </a:p>
+          <a:p>
+            <a:pPr marL="0" indent="0">
+              <a:buNone/>
+            </a:pPr>
+            <a:endParaRPr lang="en-US" b="1" dirty="0">
+              <a:latin typeface="Inconsolata" panose="020B0609030003000000" pitchFamily="49" charset="77"/>
+            </a:endParaRPr>
+          </a:p>
+          <a:p>
+            <a:pPr marL="0" indent="0">
+              <a:buNone/>
+            </a:pPr>
+            <a:r>
+              <a:rPr lang="en-US" b="1" dirty="0">
+                <a:latin typeface="Inconsolata" panose="020B0609030003000000" pitchFamily="49" charset="77"/>
+              </a:rPr>
+              <a:t> </a:t>
+            </a:r>
+          </a:p>
+          <a:p>
+            <a:pPr marL="0" indent="0">
+              <a:buNone/>
+            </a:pPr>
+            <a:endParaRPr lang="en-US" dirty="0"/>
+          </a:p>
+        </p:txBody>
+      </p:sp>
+    </p:spTree>
+    <p:extLst>
+      <p:ext uri="{BB962C8B-B14F-4D97-AF65-F5344CB8AC3E}">
+        <p14:creationId xmlns:p14="http://schemas.microsoft.com/office/powerpoint/2010/main" val="3041297697"/>
+      </p:ext>
+    </p:extLst>
+  </p:cSld>
+  <p:clrMapOvr>
+    <a:masterClrMapping/>
+  </p:clrMapOvr>
+  <p:timing>
+    <p:tnLst>
+      <p:par>
+        <p:cTn id="1" dur="indefinite" restart="never" nodeType="tmRoot">
+          <p:childTnLst>
+            <p:seq concurrent="1" nextAc="seek">
+              <p:cTn id="2" dur="indefinite" nodeType="mainSeq">
+                <p:childTnLst>
+                  <p:par>
+                    <p:cTn id="3" fill="hold">
+                      <p:stCondLst>
+                        <p:cond delay="indefinite"/>
+                      </p:stCondLst>
+                      <p:childTnLst>
+                        <p:par>
+                          <p:cTn id="4" fill="hold">
+                            <p:stCondLst>
+                              <p:cond delay="0"/>
+                            </p:stCondLst>
+                            <p:childTnLst>
+                              <p:par>
+                                <p:cTn id="5" presetID="1" presetClass="entr" presetSubtype="0" fill="hold" nodeType="clickEffect">
+                                  <p:stCondLst>
+                                    <p:cond delay="0"/>
+                                  </p:stCondLst>
+                                  <p:childTnLst>
+                                    <p:set>
+                                      <p:cBhvr>
+                                        <p:cTn id="6" dur="1" fill="hold">
+                                          <p:stCondLst>
+                                            <p:cond delay="0"/>
+                                          </p:stCondLst>
+                                        </p:cTn>
+                                        <p:tgtEl>
+                                          <p:spTgt spid="9">
+                                            <p:txEl>
+                                              <p:pRg st="3" end="3"/>
+                                            </p:txEl>
+                                          </p:spTgt>
+                                        </p:tgtEl>
+                                        <p:attrNameLst>
+                                          <p:attrName>style.visibility</p:attrName>
+                                        </p:attrNameLst>
+                                      </p:cBhvr>
+                                      <p:to>
+                                        <p:strVal val="visible"/>
+                                      </p:to>
+                                    </p:set>
+                                  </p:childTnLst>
+                                </p:cTn>
+                              </p:par>
+                            </p:childTnLst>
+                          </p:cTn>
+                        </p:par>
+                      </p:childTnLst>
+                    </p:cTn>
+                  </p:par>
+                  <p:par>
+                    <p:cTn id="7" fill="hold">
+                      <p:stCondLst>
+                        <p:cond delay="indefinite"/>
+                      </p:stCondLst>
+                      <p:childTnLst>
+                        <p:par>
+                          <p:cTn id="8" fill="hold">
+                            <p:stCondLst>
+                              <p:cond delay="0"/>
+                            </p:stCondLst>
+                            <p:childTnLst>
+                              <p:par>
+                                <p:cTn id="9" presetID="1" presetClass="entr" presetSubtype="0" fill="hold" nodeType="clickEffect">
+                                  <p:stCondLst>
+                                    <p:cond delay="0"/>
+                                  </p:stCondLst>
+                                  <p:childTnLst>
+                                    <p:set>
+                                      <p:cBhvr>
+                                        <p:cTn id="10" dur="1" fill="hold">
+                                          <p:stCondLst>
+                                            <p:cond delay="0"/>
+                                          </p:stCondLst>
+                                        </p:cTn>
+                                        <p:tgtEl>
+                                          <p:spTgt spid="9">
+                                            <p:txEl>
+                                              <p:pRg st="4" end="4"/>
+                                            </p:txEl>
+                                          </p:spTgt>
+                                        </p:tgtEl>
+                                        <p:attrNameLst>
+                                          <p:attrName>style.visibility</p:attrName>
+                                        </p:attrNameLst>
+                                      </p:cBhvr>
+                                      <p:to>
+                                        <p:strVal val="visible"/>
+                                      </p:to>
+                                    </p:set>
+                                  </p:childTnLst>
+                                </p:cTn>
+                              </p:par>
+                            </p:childTnLst>
+                          </p:cTn>
+                        </p:par>
+                      </p:childTnLst>
+                    </p:cTn>
+                  </p:par>
+                  <p:par>
+                    <p:cTn id="11" fill="hold">
+                      <p:stCondLst>
+                        <p:cond delay="indefinite"/>
+                      </p:stCondLst>
+                      <p:childTnLst>
+                        <p:par>
+                          <p:cTn id="12" fill="hold">
+                            <p:stCondLst>
+                              <p:cond delay="0"/>
+                            </p:stCondLst>
+                            <p:childTnLst>
+                              <p:par>
+                                <p:cTn id="13" presetID="1" presetClass="entr" presetSubtype="0" fill="hold" nodeType="clickEffect">
+                                  <p:stCondLst>
+                                    <p:cond delay="0"/>
+                                  </p:stCondLst>
+                                  <p:childTnLst>
+                                    <p:set>
+                                      <p:cBhvr>
+                                        <p:cTn id="14" dur="1" fill="hold">
+                                          <p:stCondLst>
+                                            <p:cond delay="0"/>
+                                          </p:stCondLst>
+                                        </p:cTn>
+                                        <p:tgtEl>
+                                          <p:spTgt spid="9">
+                                            <p:txEl>
+                                              <p:pRg st="5" end="5"/>
+                                            </p:txEl>
+                                          </p:spTgt>
+                                        </p:tgtEl>
+                                        <p:attrNameLst>
+                                          <p:attrName>style.visibility</p:attrName>
+                                        </p:attrNameLst>
+                                      </p:cBhvr>
+                                      <p:to>
+                                        <p:strVal val="visible"/>
+                                      </p:to>
+                                    </p:set>
+                                  </p:childTnLst>
+                                </p:cTn>
+                              </p:par>
+                            </p:childTnLst>
+                          </p:cTn>
+                        </p:par>
+                      </p:childTnLst>
+                    </p:cTn>
+                  </p:par>
+                  <p:par>
+                    <p:cTn id="15" fill="hold">
+                      <p:stCondLst>
+                        <p:cond delay="indefinite"/>
+                      </p:stCondLst>
+                      <p:childTnLst>
+                        <p:par>
+                          <p:cTn id="16" fill="hold">
+                            <p:stCondLst>
+                              <p:cond delay="0"/>
+                            </p:stCondLst>
+                            <p:childTnLst>
+                              <p:par>
+                                <p:cTn id="17" presetID="1" presetClass="entr" presetSubtype="0" fill="hold" nodeType="clickEffect">
+                                  <p:stCondLst>
+                                    <p:cond delay="0"/>
+                                  </p:stCondLst>
+                                  <p:childTnLst>
+                                    <p:set>
+                                      <p:cBhvr>
+                                        <p:cTn id="18" dur="1" fill="hold">
+                                          <p:stCondLst>
+                                            <p:cond delay="0"/>
+                                          </p:stCondLst>
+                                        </p:cTn>
+                                        <p:tgtEl>
+                                          <p:spTgt spid="9">
+                                            <p:txEl>
+                                              <p:pRg st="6" end="6"/>
+                                            </p:txEl>
+                                          </p:spTgt>
+                                        </p:tgtEl>
+                                        <p:attrNameLst>
+                                          <p:attrName>style.visibility</p:attrName>
+                                        </p:attrNameLst>
+                                      </p:cBhvr>
+                                      <p:to>
+                                        <p:strVal val="visible"/>
+                                      </p:to>
+                                    </p:set>
+                                  </p:childTnLst>
+                                </p:cTn>
+                              </p:par>
+                            </p:childTnLst>
+                          </p:cTn>
+                        </p:par>
+                      </p:childTnLst>
+                    </p:cTn>
+                  </p:par>
+                  <p:par>
+                    <p:cTn id="19" fill="hold">
+                      <p:stCondLst>
+                        <p:cond delay="indefinite"/>
+                      </p:stCondLst>
+                      <p:childTnLst>
+                        <p:par>
+                          <p:cTn id="20" fill="hold">
+                            <p:stCondLst>
+                              <p:cond delay="0"/>
+                            </p:stCondLst>
+                            <p:childTnLst>
+                              <p:par>
+                                <p:cTn id="21" presetID="1" presetClass="entr" presetSubtype="0" fill="hold" nodeType="clickEffect">
+                                  <p:stCondLst>
+                                    <p:cond delay="0"/>
+                                  </p:stCondLst>
+                                  <p:childTnLst>
+                                    <p:set>
+                                      <p:cBhvr>
+                                        <p:cTn id="22" dur="1" fill="hold">
+                                          <p:stCondLst>
+                                            <p:cond delay="0"/>
+                                          </p:stCondLst>
+                                        </p:cTn>
+                                        <p:tgtEl>
+                                          <p:spTgt spid="9">
+                                            <p:txEl>
+                                              <p:pRg st="8" end="8"/>
+                                            </p:txEl>
+                                          </p:spTgt>
+                                        </p:tgtEl>
+                                        <p:attrNameLst>
+                                          <p:attrName>style.visibility</p:attrName>
+                                        </p:attrNameLst>
+                                      </p:cBhvr>
+                                      <p:to>
+                                        <p:strVal val="visible"/>
+                                      </p:to>
+                                    </p:set>
+                                  </p:childTnLst>
+                                </p:cTn>
+                              </p:par>
+                            </p:childTnLst>
+                          </p:cTn>
+                        </p:par>
+                      </p:childTnLst>
+                    </p:cTn>
+                  </p:par>
+                  <p:par>
+                    <p:cTn id="23" fill="hold">
+                      <p:stCondLst>
+                        <p:cond delay="indefinite"/>
+                      </p:stCondLst>
+                      <p:childTnLst>
+                        <p:par>
+                          <p:cTn id="24" fill="hold">
+                            <p:stCondLst>
+                              <p:cond delay="0"/>
+                            </p:stCondLst>
+                            <p:childTnLst>
+                              <p:par>
+                                <p:cTn id="25" presetID="1" presetClass="entr" presetSubtype="0" fill="hold" nodeType="clickEffect">
+                                  <p:stCondLst>
+                                    <p:cond delay="0"/>
+                                  </p:stCondLst>
+                                  <p:childTnLst>
+                                    <p:set>
+                                      <p:cBhvr>
+                                        <p:cTn id="26" dur="1" fill="hold">
+                                          <p:stCondLst>
+                                            <p:cond delay="0"/>
+                                          </p:stCondLst>
+                                        </p:cTn>
+                                        <p:tgtEl>
+                                          <p:spTgt spid="9">
+                                            <p:txEl>
+                                              <p:pRg st="9" end="9"/>
+                                            </p:txEl>
+                                          </p:spTgt>
+                                        </p:tgtEl>
+                                        <p:attrNameLst>
+                                          <p:attrName>style.visibility</p:attrName>
+                                        </p:attrNameLst>
+                                      </p:cBhvr>
+                                      <p:to>
+                                        <p:strVal val="visible"/>
+                                      </p:to>
+                                    </p:set>
+                                  </p:childTnLst>
+                                </p:cTn>
+                              </p:par>
+                            </p:childTnLst>
+                          </p:cTn>
+                        </p:par>
+                      </p:childTnLst>
+                    </p:cTn>
+                  </p:par>
+                  <p:par>
+                    <p:cTn id="27" fill="hold">
+                      <p:stCondLst>
+                        <p:cond delay="indefinite"/>
+                      </p:stCondLst>
+                      <p:childTnLst>
+                        <p:par>
+                          <p:cTn id="28" fill="hold">
+                            <p:stCondLst>
+                              <p:cond delay="0"/>
+                            </p:stCondLst>
+                            <p:childTnLst>
+                              <p:par>
+                                <p:cTn id="29" presetID="1" presetClass="entr" presetSubtype="0" fill="hold" nodeType="clickEffect">
+                                  <p:stCondLst>
+                                    <p:cond delay="0"/>
+                                  </p:stCondLst>
+                                  <p:childTnLst>
+                                    <p:set>
+                                      <p:cBhvr>
+                                        <p:cTn id="30" dur="1" fill="hold">
+                                          <p:stCondLst>
+                                            <p:cond delay="0"/>
+                                          </p:stCondLst>
+                                        </p:cTn>
+                                        <p:tgtEl>
+                                          <p:spTgt spid="9">
+                                            <p:txEl>
+                                              <p:pRg st="10" end="10"/>
+                                            </p:txEl>
+                                          </p:spTgt>
+                                        </p:tgtEl>
+                                        <p:attrNameLst>
+                                          <p:attrName>style.visibility</p:attrName>
+                                        </p:attrNameLst>
+                                      </p:cBhvr>
+                                      <p:to>
+                                        <p:strVal val="visible"/>
+                                      </p:to>
+                                    </p:set>
+                                  </p:childTnLst>
+                                </p:cTn>
+                              </p:par>
+                            </p:childTnLst>
+                          </p:cTn>
+                        </p:par>
+                      </p:childTnLst>
+                    </p:cTn>
+                  </p:par>
+                  <p:par>
+                    <p:cTn id="31" fill="hold">
+                      <p:stCondLst>
+                        <p:cond delay="indefinite"/>
+                      </p:stCondLst>
+                      <p:childTnLst>
+                        <p:par>
+                          <p:cTn id="32" fill="hold">
+                            <p:stCondLst>
+                              <p:cond delay="0"/>
+                            </p:stCondLst>
+                            <p:childTnLst>
+                              <p:par>
+                                <p:cTn id="33" presetID="1" presetClass="entr" presetSubtype="0" fill="hold" nodeType="clickEffect">
+                                  <p:stCondLst>
+                                    <p:cond delay="0"/>
+                                  </p:stCondLst>
+                                  <p:childTnLst>
+                                    <p:set>
+                                      <p:cBhvr>
+                                        <p:cTn id="34" dur="1" fill="hold">
+                                          <p:stCondLst>
+                                            <p:cond delay="0"/>
+                                          </p:stCondLst>
+                                        </p:cTn>
+                                        <p:tgtEl>
+                                          <p:spTgt spid="9">
+                                            <p:txEl>
+                                              <p:pRg st="11" end="11"/>
+                                            </p:txEl>
+                                          </p:spTgt>
+                                        </p:tgtEl>
+                                        <p:attrNameLst>
+                                          <p:attrName>style.visibility</p:attrName>
+                                        </p:attrNameLst>
+                                      </p:cBhvr>
+                                      <p:to>
+                                        <p:strVal val="visible"/>
+                                      </p:to>
+                                    </p:set>
+                                  </p:childTnLst>
+                                </p:cTn>
+                              </p:par>
+                            </p:childTnLst>
+                          </p:cTn>
+                        </p:par>
+                      </p:childTnLst>
+                    </p:cTn>
+                  </p:par>
+                </p:childTnLst>
+              </p:cTn>
+              <p:prevCondLst>
+                <p:cond evt="onPrev" delay="0">
+                  <p:tgtEl>
+                    <p:sldTgt/>
+                  </p:tgtEl>
+                </p:cond>
+              </p:prevCondLst>
+              <p:nextCondLst>
+                <p:cond evt="onNext" delay="0">
+                  <p:tgtEl>
+                    <p:sldTgt/>
+                  </p:tgtEl>
+                </p:cond>
+              </p:nextCondLst>
+            </p:seq>
+          </p:childTnLst>
+        </p:cTn>
+      </p:par>
+    </p:tnLst>
+  </p:timing>
+</p:sld>
+</file>
+
+<file path=ppt/slides/slide25.xml><?xml version="1.0" encoding="utf-8"?>
+<p:sld xmlns:a="http://schemas.openxmlformats.org/drawingml/2006/main" xmlns:r="http://schemas.openxmlformats.org/officeDocument/2006/relationships" xmlns:p="http://schemas.openxmlformats.org/presentationml/2006/main">
+  <p:cSld>
+    <p:spTree>
+      <p:nvGrpSpPr>
+        <p:cNvPr id="1" name=""/>
+        <p:cNvGrpSpPr/>
+        <p:nvPr/>
+      </p:nvGrpSpPr>
+      <p:grpSpPr>
+        <a:xfrm>
+          <a:off x="0" y="0"/>
+          <a:ext cx="0" cy="0"/>
+          <a:chOff x="0" y="0"/>
+          <a:chExt cx="0" cy="0"/>
+        </a:xfrm>
+      </p:grpSpPr>
+      <p:sp>
+        <p:nvSpPr>
+          <p:cNvPr id="2" name="Title 1">
+            <a:extLst>
+              <a:ext uri="{FF2B5EF4-FFF2-40B4-BE49-F238E27FC236}">
+                <a16:creationId xmlns:a16="http://schemas.microsoft.com/office/drawing/2014/main" id="{AA3A228F-61D0-D949-A5E7-F83756230BF8}"/>
+              </a:ext>
+            </a:extLst>
+          </p:cNvPr>
+          <p:cNvSpPr>
+            <a:spLocks noGrp="1"/>
+          </p:cNvSpPr>
+          <p:nvPr>
+            <p:ph type="title"/>
+          </p:nvPr>
+        </p:nvSpPr>
+        <p:spPr>
+          <a:xfrm>
+            <a:off x="217630" y="123497"/>
+            <a:ext cx="7053542" cy="683886"/>
+          </a:xfrm>
+        </p:spPr>
+        <p:txBody>
+          <a:bodyPr/>
+          <a:lstStyle/>
+          <a:p>
+            <a:r>
+              <a:rPr lang="en-US" dirty="0"/>
+              <a:t>String Methods</a:t>
+            </a:r>
+          </a:p>
+        </p:txBody>
+      </p:sp>
+      <p:sp>
+        <p:nvSpPr>
+          <p:cNvPr id="9" name="Content Placeholder 8">
+            <a:extLst>
+              <a:ext uri="{FF2B5EF4-FFF2-40B4-BE49-F238E27FC236}">
+                <a16:creationId xmlns:a16="http://schemas.microsoft.com/office/drawing/2014/main" id="{E3B2E017-30B2-884B-A113-B419A2ED51AD}"/>
+              </a:ext>
+            </a:extLst>
+          </p:cNvPr>
+          <p:cNvSpPr>
+            <a:spLocks noGrp="1"/>
+          </p:cNvSpPr>
+          <p:nvPr>
+            <p:ph idx="1"/>
+          </p:nvPr>
+        </p:nvSpPr>
+        <p:spPr>
+          <a:xfrm>
+            <a:off x="180977" y="807383"/>
+            <a:ext cx="8745393" cy="4784120"/>
+          </a:xfrm>
+        </p:spPr>
+        <p:txBody>
+          <a:bodyPr>
+            <a:noAutofit/>
+          </a:bodyPr>
+          <a:lstStyle/>
+          <a:p>
+            <a:pPr marL="0" indent="0">
+              <a:buNone/>
+            </a:pPr>
+            <a:r>
+              <a:rPr lang="en-US" dirty="0">
+                <a:latin typeface="Gill Sans MT" panose="020B0502020104020203" pitchFamily="34" charset="77"/>
+              </a:rPr>
+              <a:t>Note that upper(), lower() do not modify the original string but rather returns a new copy of the string. </a:t>
+            </a:r>
+          </a:p>
+          <a:p>
+            <a:pPr marL="0" indent="0">
+              <a:buNone/>
+            </a:pPr>
+            <a:endParaRPr lang="en-US" b="1" dirty="0">
+              <a:solidFill>
+                <a:srgbClr val="000087"/>
+              </a:solidFill>
+              <a:latin typeface="Inconsolata" panose="020B0609030003000000" pitchFamily="49" charset="77"/>
+            </a:endParaRPr>
+          </a:p>
+          <a:p>
+            <a:pPr marL="0" indent="0">
+              <a:buNone/>
+            </a:pPr>
+            <a:r>
+              <a:rPr lang="en-US" b="1" dirty="0">
+                <a:solidFill>
+                  <a:srgbClr val="000087"/>
+                </a:solidFill>
+                <a:latin typeface="Inconsolata" panose="020B0609030003000000" pitchFamily="49" charset="77"/>
+              </a:rPr>
+              <a:t>s = "HI MIKE"</a:t>
+            </a:r>
+          </a:p>
+          <a:p>
+            <a:pPr marL="0" indent="0">
+              <a:buNone/>
+            </a:pPr>
+            <a:r>
+              <a:rPr lang="en-US" b="1" dirty="0" err="1">
+                <a:latin typeface="Inconsolata" panose="020B0609030003000000" pitchFamily="49" charset="77"/>
+              </a:rPr>
+              <a:t>s.lower</a:t>
+            </a:r>
+            <a:r>
+              <a:rPr lang="en-US" b="1" dirty="0">
+                <a:latin typeface="Inconsolata" panose="020B0609030003000000" pitchFamily="49" charset="77"/>
+              </a:rPr>
+              <a:t>()				</a:t>
+            </a:r>
+            <a:r>
+              <a:rPr lang="en-US" b="1" dirty="0">
+                <a:solidFill>
+                  <a:schemeClr val="accent1"/>
+                </a:solidFill>
+                <a:latin typeface="Inconsolata" panose="020B0609030003000000" pitchFamily="49" charset="77"/>
+              </a:rPr>
+              <a:t># returned value "hi mike" is lost</a:t>
+            </a:r>
+            <a:endParaRPr lang="en-US" b="1" dirty="0">
+              <a:latin typeface="Inconsolata" panose="020B0609030003000000" pitchFamily="49" charset="77"/>
+            </a:endParaRPr>
+          </a:p>
+          <a:p>
+            <a:pPr marL="0" indent="0">
+              <a:buNone/>
+            </a:pPr>
+            <a:r>
+              <a:rPr lang="en-US" b="1" dirty="0">
+                <a:latin typeface="Inconsolata" panose="020B0609030003000000" pitchFamily="49" charset="77"/>
+              </a:rPr>
+              <a:t>print(s)				</a:t>
+            </a:r>
+            <a:r>
+              <a:rPr lang="en-US" b="1" dirty="0">
+                <a:solidFill>
+                  <a:schemeClr val="accent1"/>
+                </a:solidFill>
+                <a:latin typeface="Inconsolata" panose="020B0609030003000000" pitchFamily="49" charset="77"/>
+              </a:rPr>
+              <a:t># HI MIKE (s is unchanged)</a:t>
+            </a:r>
+          </a:p>
+          <a:p>
+            <a:pPr marL="0" indent="0">
+              <a:buNone/>
+            </a:pPr>
+            <a:endParaRPr lang="en-US" b="1" dirty="0">
+              <a:solidFill>
+                <a:srgbClr val="FF0000"/>
+              </a:solidFill>
+              <a:latin typeface="Inconsolata" panose="020B0609030003000000" pitchFamily="49" charset="77"/>
+            </a:endParaRPr>
+          </a:p>
+          <a:p>
+            <a:pPr marL="0" indent="0">
+              <a:buNone/>
+            </a:pPr>
+            <a:r>
+              <a:rPr lang="en-US" b="1" dirty="0">
+                <a:solidFill>
+                  <a:srgbClr val="FF0000"/>
+                </a:solidFill>
+                <a:latin typeface="Inconsolata" panose="020B0609030003000000" pitchFamily="49" charset="77"/>
+              </a:rPr>
+              <a:t>s = </a:t>
+            </a:r>
+            <a:r>
+              <a:rPr lang="en-US" b="1" dirty="0" err="1">
+                <a:solidFill>
+                  <a:srgbClr val="FF0000"/>
+                </a:solidFill>
+                <a:latin typeface="Inconsolata" panose="020B0609030003000000" pitchFamily="49" charset="77"/>
+              </a:rPr>
+              <a:t>s.lower</a:t>
+            </a:r>
+            <a:r>
+              <a:rPr lang="en-US" b="1" dirty="0">
+                <a:solidFill>
+                  <a:srgbClr val="FF0000"/>
+                </a:solidFill>
+                <a:latin typeface="Inconsolata" panose="020B0609030003000000" pitchFamily="49" charset="77"/>
+              </a:rPr>
+              <a:t>()</a:t>
+            </a:r>
+            <a:r>
+              <a:rPr lang="en-US" b="1" dirty="0">
+                <a:latin typeface="Inconsolata" panose="020B0609030003000000" pitchFamily="49" charset="77"/>
+              </a:rPr>
+              <a:t>	</a:t>
+            </a:r>
+            <a:r>
+              <a:rPr lang="en-US" b="1" dirty="0">
+                <a:solidFill>
+                  <a:schemeClr val="accent1"/>
+                </a:solidFill>
+                <a:latin typeface="Inconsolata" panose="020B0609030003000000" pitchFamily="49" charset="77"/>
+              </a:rPr>
+              <a:t># store </a:t>
+            </a:r>
+            <a:r>
+              <a:rPr lang="en-US" b="1">
+                <a:solidFill>
+                  <a:schemeClr val="accent1"/>
+                </a:solidFill>
+                <a:latin typeface="Inconsolata" panose="020B0609030003000000" pitchFamily="49" charset="77"/>
+              </a:rPr>
+              <a:t>the modified, </a:t>
+            </a:r>
+            <a:r>
+              <a:rPr lang="en-US" b="1" dirty="0">
+                <a:solidFill>
+                  <a:schemeClr val="accent1"/>
+                </a:solidFill>
+                <a:latin typeface="Inconsolata" panose="020B0609030003000000" pitchFamily="49" charset="77"/>
+              </a:rPr>
+              <a:t>returned string back in s</a:t>
+            </a:r>
+            <a:endParaRPr lang="en-US" b="1" dirty="0">
+              <a:latin typeface="Inconsolata" panose="020B0609030003000000" pitchFamily="49" charset="77"/>
+            </a:endParaRPr>
+          </a:p>
+          <a:p>
+            <a:pPr marL="0" indent="0">
+              <a:buNone/>
+            </a:pPr>
+            <a:r>
+              <a:rPr lang="en-US" b="1" dirty="0">
+                <a:latin typeface="Inconsolata" panose="020B0609030003000000" pitchFamily="49" charset="77"/>
+              </a:rPr>
+              <a:t>print(s)		</a:t>
+            </a:r>
+            <a:r>
+              <a:rPr lang="en-US" b="1" dirty="0">
+                <a:solidFill>
+                  <a:schemeClr val="accent1"/>
+                </a:solidFill>
+                <a:latin typeface="Inconsolata" panose="020B0609030003000000" pitchFamily="49" charset="77"/>
+              </a:rPr>
+              <a:t># hi mike</a:t>
+            </a:r>
+          </a:p>
+          <a:p>
+            <a:pPr marL="0" indent="0">
+              <a:buNone/>
+            </a:pPr>
+            <a:endParaRPr lang="en-US" b="1" dirty="0">
+              <a:solidFill>
+                <a:schemeClr val="accent1"/>
+              </a:solidFill>
+              <a:latin typeface="Inconsolata" panose="020B0609030003000000" pitchFamily="49" charset="77"/>
+            </a:endParaRPr>
+          </a:p>
+          <a:p>
+            <a:pPr marL="0" indent="0">
+              <a:buNone/>
+            </a:pPr>
+            <a:endParaRPr lang="en-US" b="1" dirty="0">
+              <a:solidFill>
+                <a:schemeClr val="accent1"/>
+              </a:solidFill>
+              <a:latin typeface="Inconsolata" panose="020B0609030003000000" pitchFamily="49" charset="77"/>
+            </a:endParaRPr>
+          </a:p>
+          <a:p>
+            <a:pPr marL="0" indent="0">
+              <a:buNone/>
+            </a:pPr>
+            <a:endParaRPr lang="en-US" b="1" dirty="0">
+              <a:solidFill>
+                <a:schemeClr val="accent1"/>
+              </a:solidFill>
+              <a:latin typeface="Inconsolata" panose="020B0609030003000000" pitchFamily="49" charset="77"/>
+            </a:endParaRPr>
+          </a:p>
+          <a:p>
+            <a:pPr marL="0" indent="0">
+              <a:buNone/>
+            </a:pPr>
+            <a:endParaRPr lang="en-US" b="1" dirty="0">
+              <a:latin typeface="Inconsolata" panose="020B0609030003000000" pitchFamily="49" charset="77"/>
+            </a:endParaRPr>
+          </a:p>
+          <a:p>
+            <a:pPr marL="0" indent="0">
+              <a:buNone/>
+            </a:pPr>
+            <a:endParaRPr lang="en-US" b="1" dirty="0">
+              <a:latin typeface="Inconsolata" panose="020B0609030003000000" pitchFamily="49" charset="77"/>
+            </a:endParaRPr>
+          </a:p>
+          <a:p>
+            <a:pPr marL="0" indent="0">
+              <a:buNone/>
+            </a:pPr>
+            <a:r>
+              <a:rPr lang="en-US" b="1" dirty="0">
+                <a:latin typeface="Inconsolata" panose="020B0609030003000000" pitchFamily="49" charset="77"/>
+              </a:rPr>
+              <a:t> </a:t>
+            </a:r>
+          </a:p>
+          <a:p>
+            <a:pPr marL="0" indent="0">
+              <a:buNone/>
+            </a:pPr>
+            <a:endParaRPr lang="en-US" dirty="0"/>
+          </a:p>
+        </p:txBody>
+      </p:sp>
+    </p:spTree>
+    <p:extLst>
+      <p:ext uri="{BB962C8B-B14F-4D97-AF65-F5344CB8AC3E}">
+        <p14:creationId xmlns:p14="http://schemas.microsoft.com/office/powerpoint/2010/main" val="885822507"/>
+      </p:ext>
+    </p:extLst>
+  </p:cSld>
+  <p:clrMapOvr>
+    <a:masterClrMapping/>
+  </p:clrMapOvr>
+  <p:timing>
+    <p:tnLst>
+      <p:par>
+        <p:cTn id="1" dur="indefinite" restart="never" nodeType="tmRoot">
+          <p:childTnLst>
+            <p:seq concurrent="1" nextAc="seek">
+              <p:cTn id="2" dur="indefinite" nodeType="mainSeq">
+                <p:childTnLst>
+                  <p:par>
+                    <p:cTn id="3" fill="hold">
+                      <p:stCondLst>
+                        <p:cond delay="indefinite"/>
+                      </p:stCondLst>
+                      <p:childTnLst>
+                        <p:par>
+                          <p:cTn id="4" fill="hold">
+                            <p:stCondLst>
+                              <p:cond delay="0"/>
+                            </p:stCondLst>
+                            <p:childTnLst>
+                              <p:par>
+                                <p:cTn id="5" presetID="1" presetClass="entr" presetSubtype="0" fill="hold" nodeType="clickEffect">
+                                  <p:stCondLst>
+                                    <p:cond delay="0"/>
+                                  </p:stCondLst>
+                                  <p:childTnLst>
+                                    <p:set>
+                                      <p:cBhvr>
+                                        <p:cTn id="6" dur="1" fill="hold">
+                                          <p:stCondLst>
+                                            <p:cond delay="0"/>
+                                          </p:stCondLst>
+                                        </p:cTn>
+                                        <p:tgtEl>
+                                          <p:spTgt spid="9">
+                                            <p:txEl>
+                                              <p:pRg st="3" end="3"/>
+                                            </p:txEl>
+                                          </p:spTgt>
+                                        </p:tgtEl>
+                                        <p:attrNameLst>
+                                          <p:attrName>style.visibility</p:attrName>
+                                        </p:attrNameLst>
+                                      </p:cBhvr>
+                                      <p:to>
+                                        <p:strVal val="visible"/>
+                                      </p:to>
+                                    </p:set>
+                                  </p:childTnLst>
+                                </p:cTn>
+                              </p:par>
+                            </p:childTnLst>
+                          </p:cTn>
+                        </p:par>
+                      </p:childTnLst>
+                    </p:cTn>
+                  </p:par>
+                  <p:par>
+                    <p:cTn id="7" fill="hold">
+                      <p:stCondLst>
+                        <p:cond delay="indefinite"/>
+                      </p:stCondLst>
+                      <p:childTnLst>
+                        <p:par>
+                          <p:cTn id="8" fill="hold">
+                            <p:stCondLst>
+                              <p:cond delay="0"/>
+                            </p:stCondLst>
+                            <p:childTnLst>
+                              <p:par>
+                                <p:cTn id="9" presetID="1" presetClass="entr" presetSubtype="0" fill="hold" nodeType="clickEffect">
+                                  <p:stCondLst>
+                                    <p:cond delay="0"/>
+                                  </p:stCondLst>
+                                  <p:childTnLst>
+                                    <p:set>
+                                      <p:cBhvr>
+                                        <p:cTn id="10" dur="1" fill="hold">
+                                          <p:stCondLst>
+                                            <p:cond delay="0"/>
+                                          </p:stCondLst>
+                                        </p:cTn>
+                                        <p:tgtEl>
+                                          <p:spTgt spid="9">
+                                            <p:txEl>
+                                              <p:pRg st="4" end="4"/>
+                                            </p:txEl>
+                                          </p:spTgt>
+                                        </p:tgtEl>
+                                        <p:attrNameLst>
+                                          <p:attrName>style.visibility</p:attrName>
+                                        </p:attrNameLst>
+                                      </p:cBhvr>
+                                      <p:to>
+                                        <p:strVal val="visible"/>
+                                      </p:to>
+                                    </p:set>
+                                  </p:childTnLst>
+                                </p:cTn>
+                              </p:par>
+                            </p:childTnLst>
+                          </p:cTn>
+                        </p:par>
+                      </p:childTnLst>
+                    </p:cTn>
+                  </p:par>
+                  <p:par>
+                    <p:cTn id="11" fill="hold">
+                      <p:stCondLst>
+                        <p:cond delay="indefinite"/>
+                      </p:stCondLst>
+                      <p:childTnLst>
+                        <p:par>
+                          <p:cTn id="12" fill="hold">
+                            <p:stCondLst>
+                              <p:cond delay="0"/>
+                            </p:stCondLst>
+                            <p:childTnLst>
+                              <p:par>
+                                <p:cTn id="13" presetID="1" presetClass="entr" presetSubtype="0" fill="hold" nodeType="clickEffect">
+                                  <p:stCondLst>
+                                    <p:cond delay="0"/>
+                                  </p:stCondLst>
+                                  <p:childTnLst>
+                                    <p:set>
+                                      <p:cBhvr>
+                                        <p:cTn id="14" dur="1" fill="hold">
+                                          <p:stCondLst>
+                                            <p:cond delay="0"/>
+                                          </p:stCondLst>
+                                        </p:cTn>
+                                        <p:tgtEl>
+                                          <p:spTgt spid="9">
+                                            <p:txEl>
+                                              <p:pRg st="6" end="6"/>
+                                            </p:txEl>
+                                          </p:spTgt>
+                                        </p:tgtEl>
+                                        <p:attrNameLst>
+                                          <p:attrName>style.visibility</p:attrName>
+                                        </p:attrNameLst>
+                                      </p:cBhvr>
+                                      <p:to>
+                                        <p:strVal val="visible"/>
+                                      </p:to>
+                                    </p:set>
+                                  </p:childTnLst>
+                                </p:cTn>
+                              </p:par>
+                            </p:childTnLst>
+                          </p:cTn>
+                        </p:par>
+                      </p:childTnLst>
+                    </p:cTn>
+                  </p:par>
+                  <p:par>
+                    <p:cTn id="15" fill="hold">
+                      <p:stCondLst>
+                        <p:cond delay="indefinite"/>
+                      </p:stCondLst>
+                      <p:childTnLst>
+                        <p:par>
+                          <p:cTn id="16" fill="hold">
+                            <p:stCondLst>
+                              <p:cond delay="0"/>
+                            </p:stCondLst>
+                            <p:childTnLst>
+                              <p:par>
+                                <p:cTn id="17" presetID="1" presetClass="entr" presetSubtype="0" fill="hold" nodeType="clickEffect">
+                                  <p:stCondLst>
+                                    <p:cond delay="0"/>
+                                  </p:stCondLst>
+                                  <p:childTnLst>
+                                    <p:set>
+                                      <p:cBhvr>
+                                        <p:cTn id="18" dur="1" fill="hold">
+                                          <p:stCondLst>
+                                            <p:cond delay="0"/>
+                                          </p:stCondLst>
+                                        </p:cTn>
+                                        <p:tgtEl>
+                                          <p:spTgt spid="9">
+                                            <p:txEl>
+                                              <p:pRg st="7" end="7"/>
+                                            </p:txEl>
+                                          </p:spTgt>
+                                        </p:tgtEl>
+                                        <p:attrNameLst>
+                                          <p:attrName>style.visibility</p:attrName>
+                                        </p:attrNameLst>
+                                      </p:cBhvr>
+                                      <p:to>
+                                        <p:strVal val="visible"/>
+                                      </p:to>
+                                    </p:set>
+                                  </p:childTnLst>
+                                </p:cTn>
+                              </p:par>
+                            </p:childTnLst>
+                          </p:cTn>
+                        </p:par>
+                      </p:childTnLst>
+                    </p:cTn>
+                  </p:par>
+                </p:childTnLst>
+              </p:cTn>
+              <p:prevCondLst>
+                <p:cond evt="onPrev" delay="0">
+                  <p:tgtEl>
+                    <p:sldTgt/>
+                  </p:tgtEl>
+                </p:cond>
+              </p:prevCondLst>
+              <p:nextCondLst>
+                <p:cond evt="onNext" delay="0">
+                  <p:tgtEl>
+                    <p:sldTgt/>
+                  </p:tgtEl>
+                </p:cond>
+              </p:nextCondLst>
+            </p:seq>
+          </p:childTnLst>
+        </p:cTn>
+      </p:par>
+    </p:tnLst>
+  </p:timing>
+</p:sld>
+</file>
+
+<file path=ppt/slides/slide26.xml><?xml version="1.0" encoding="utf-8"?>
+<p:sld xmlns:a="http://schemas.openxmlformats.org/drawingml/2006/main" xmlns:r="http://schemas.openxmlformats.org/officeDocument/2006/relationships" xmlns:p="http://schemas.openxmlformats.org/presentationml/2006/main">
+  <p:cSld>
+    <p:spTree>
+      <p:nvGrpSpPr>
+        <p:cNvPr id="1" name=""/>
+        <p:cNvGrpSpPr/>
+        <p:nvPr/>
+      </p:nvGrpSpPr>
+      <p:grpSpPr>
+        <a:xfrm>
+          <a:off x="0" y="0"/>
+          <a:ext cx="0" cy="0"/>
+          <a:chOff x="0" y="0"/>
+          <a:chExt cx="0" cy="0"/>
+        </a:xfrm>
+      </p:grpSpPr>
+      <p:sp>
+        <p:nvSpPr>
+          <p:cNvPr id="2" name="Title 1">
+            <a:extLst>
+              <a:ext uri="{FF2B5EF4-FFF2-40B4-BE49-F238E27FC236}">
+                <a16:creationId xmlns:a16="http://schemas.microsoft.com/office/drawing/2014/main" id="{AA3A228F-61D0-D949-A5E7-F83756230BF8}"/>
+              </a:ext>
+            </a:extLst>
+          </p:cNvPr>
+          <p:cNvSpPr>
+            <a:spLocks noGrp="1"/>
+          </p:cNvSpPr>
+          <p:nvPr>
+            <p:ph type="title"/>
+          </p:nvPr>
+        </p:nvSpPr>
+        <p:spPr>
+          <a:xfrm>
+            <a:off x="194481" y="123497"/>
+            <a:ext cx="7053542" cy="683886"/>
+          </a:xfrm>
+        </p:spPr>
+        <p:txBody>
+          <a:bodyPr/>
+          <a:lstStyle/>
+          <a:p>
+            <a:r>
+              <a:rPr lang="en-US" dirty="0"/>
+              <a:t>f-Strings</a:t>
+            </a:r>
+          </a:p>
+        </p:txBody>
+      </p:sp>
+      <p:sp>
+        <p:nvSpPr>
+          <p:cNvPr id="9" name="Content Placeholder 8">
+            <a:extLst>
+              <a:ext uri="{FF2B5EF4-FFF2-40B4-BE49-F238E27FC236}">
+                <a16:creationId xmlns:a16="http://schemas.microsoft.com/office/drawing/2014/main" id="{E3B2E017-30B2-884B-A113-B419A2ED51AD}"/>
+              </a:ext>
+            </a:extLst>
+          </p:cNvPr>
+          <p:cNvSpPr>
+            <a:spLocks noGrp="1"/>
+          </p:cNvSpPr>
+          <p:nvPr>
+            <p:ph idx="1"/>
+          </p:nvPr>
+        </p:nvSpPr>
+        <p:spPr>
+          <a:xfrm>
+            <a:off x="194480" y="807383"/>
+            <a:ext cx="8836503" cy="4784120"/>
+          </a:xfrm>
+        </p:spPr>
+        <p:txBody>
+          <a:bodyPr>
+            <a:noAutofit/>
+          </a:bodyPr>
+          <a:lstStyle/>
+          <a:p>
+            <a:pPr marL="0" indent="0">
+              <a:buNone/>
+            </a:pPr>
+            <a:r>
+              <a:rPr lang="en-US" dirty="0">
+                <a:latin typeface="Gill Sans MT" panose="020B0502020104020203" pitchFamily="34" charset="77"/>
+              </a:rPr>
+              <a:t>f-Strings is the new way to format strings in Python. (v 3.6) </a:t>
+            </a:r>
+          </a:p>
+          <a:p>
+            <a:pPr marL="0" indent="0">
+              <a:buNone/>
+            </a:pPr>
+            <a:endParaRPr lang="en-US" dirty="0"/>
+          </a:p>
+          <a:p>
+            <a:pPr marL="0" indent="0">
+              <a:buNone/>
+            </a:pPr>
+            <a:r>
+              <a:rPr lang="en-US" dirty="0"/>
+              <a:t>Also called “formatted string literals,” f-strings are string literals that have an f at the beginning and curly braces containing expressions that will be replaced with their values.</a:t>
+            </a:r>
+            <a:endParaRPr lang="en-US" sz="1900" b="1" dirty="0">
+              <a:solidFill>
+                <a:srgbClr val="000087"/>
+              </a:solidFill>
+              <a:latin typeface="Inconsolata" panose="020B0609030003000000" pitchFamily="49" charset="77"/>
+            </a:endParaRPr>
+          </a:p>
+          <a:p>
+            <a:pPr marL="0" indent="0">
+              <a:buNone/>
+            </a:pPr>
+            <a:r>
+              <a:rPr lang="en-US" b="1" dirty="0">
+                <a:solidFill>
+                  <a:srgbClr val="000087"/>
+                </a:solidFill>
+                <a:latin typeface="Inconsolata" panose="020B0609030003000000" pitchFamily="49" charset="77"/>
+              </a:rPr>
+              <a:t>name = </a:t>
+            </a:r>
+            <a:r>
+              <a:rPr lang="en-US" b="1" dirty="0">
+                <a:solidFill>
+                  <a:srgbClr val="CC3300"/>
+                </a:solidFill>
+                <a:latin typeface="Inconsolata" panose="020B0609030003000000" pitchFamily="49" charset="77"/>
+              </a:rPr>
+              <a:t>“Mike” </a:t>
+            </a:r>
+          </a:p>
+          <a:p>
+            <a:pPr marL="0" indent="0">
+              <a:buNone/>
+            </a:pPr>
+            <a:r>
+              <a:rPr lang="en-US" b="1" dirty="0" err="1">
+                <a:solidFill>
+                  <a:srgbClr val="000087"/>
+                </a:solidFill>
+                <a:latin typeface="Inconsolata" panose="020B0609030003000000" pitchFamily="49" charset="77"/>
+              </a:rPr>
+              <a:t>gpa</a:t>
+            </a:r>
+            <a:r>
+              <a:rPr lang="en-US" b="1" dirty="0">
+                <a:solidFill>
+                  <a:srgbClr val="000087"/>
+                </a:solidFill>
+                <a:latin typeface="Inconsolata" panose="020B0609030003000000" pitchFamily="49" charset="77"/>
+              </a:rPr>
+              <a:t> = </a:t>
+            </a:r>
+            <a:r>
+              <a:rPr lang="en-US" b="1" dirty="0">
+                <a:solidFill>
+                  <a:srgbClr val="CC3300"/>
+                </a:solidFill>
+                <a:latin typeface="Inconsolata" panose="020B0609030003000000" pitchFamily="49" charset="77"/>
+              </a:rPr>
+              <a:t>3.2 	</a:t>
+            </a:r>
+          </a:p>
+          <a:p>
+            <a:pPr marL="0" indent="0">
+              <a:buNone/>
+            </a:pPr>
+            <a:r>
+              <a:rPr lang="en-US" b="1" dirty="0" err="1">
+                <a:solidFill>
+                  <a:srgbClr val="000087"/>
+                </a:solidFill>
+                <a:latin typeface="Inconsolata" panose="020B0609030003000000" pitchFamily="49" charset="77"/>
+              </a:rPr>
+              <a:t>f_str</a:t>
+            </a:r>
+            <a:r>
+              <a:rPr lang="en-US" b="1" dirty="0">
+                <a:solidFill>
+                  <a:srgbClr val="000087"/>
+                </a:solidFill>
+                <a:latin typeface="Inconsolata" panose="020B0609030003000000" pitchFamily="49" charset="77"/>
+              </a:rPr>
+              <a:t> = </a:t>
+            </a:r>
+            <a:r>
+              <a:rPr lang="en-US" b="1" dirty="0" err="1">
+                <a:solidFill>
+                  <a:srgbClr val="000087"/>
+                </a:solidFill>
+                <a:latin typeface="Inconsolata" panose="020B0609030003000000" pitchFamily="49" charset="77"/>
+              </a:rPr>
+              <a:t>f</a:t>
+            </a:r>
+            <a:r>
+              <a:rPr lang="en-US" b="1" dirty="0" err="1">
+                <a:solidFill>
+                  <a:srgbClr val="CC3300"/>
+                </a:solidFill>
+                <a:latin typeface="Inconsolata" panose="020B0609030003000000" pitchFamily="49" charset="77"/>
+              </a:rPr>
+              <a:t>“I</a:t>
+            </a:r>
+            <a:r>
+              <a:rPr lang="en-US" b="1" dirty="0">
+                <a:solidFill>
+                  <a:srgbClr val="CC3300"/>
+                </a:solidFill>
+                <a:latin typeface="Inconsolata" panose="020B0609030003000000" pitchFamily="49" charset="77"/>
+              </a:rPr>
+              <a:t> am {name} with a {</a:t>
+            </a:r>
+            <a:r>
+              <a:rPr lang="en-US" b="1" dirty="0" err="1">
+                <a:solidFill>
+                  <a:srgbClr val="CC3300"/>
+                </a:solidFill>
+                <a:latin typeface="Inconsolata" panose="020B0609030003000000" pitchFamily="49" charset="77"/>
+              </a:rPr>
+              <a:t>gpa</a:t>
+            </a:r>
+            <a:r>
+              <a:rPr lang="en-US" b="1" dirty="0">
+                <a:solidFill>
+                  <a:srgbClr val="CC3300"/>
+                </a:solidFill>
+                <a:latin typeface="Inconsolata" panose="020B0609030003000000" pitchFamily="49" charset="77"/>
+              </a:rPr>
+              <a:t>} </a:t>
+            </a:r>
+            <a:r>
+              <a:rPr lang="en-US" b="1" dirty="0" err="1">
+                <a:solidFill>
+                  <a:srgbClr val="CC3300"/>
+                </a:solidFill>
+                <a:latin typeface="Inconsolata" panose="020B0609030003000000" pitchFamily="49" charset="77"/>
+              </a:rPr>
+              <a:t>gpa</a:t>
+            </a:r>
+            <a:r>
+              <a:rPr lang="en-US" b="1" dirty="0">
+                <a:solidFill>
+                  <a:srgbClr val="CC3300"/>
+                </a:solidFill>
+                <a:latin typeface="Inconsolata" panose="020B0609030003000000" pitchFamily="49" charset="77"/>
+              </a:rPr>
+              <a:t>.”  </a:t>
+            </a:r>
+          </a:p>
+          <a:p>
+            <a:pPr marL="0" indent="0">
+              <a:buNone/>
+            </a:pPr>
+            <a:r>
+              <a:rPr lang="en-US" b="1" dirty="0">
+                <a:solidFill>
+                  <a:srgbClr val="000087"/>
+                </a:solidFill>
+                <a:latin typeface="Inconsolata" panose="020B0609030003000000" pitchFamily="49" charset="77"/>
+              </a:rPr>
+              <a:t>print(</a:t>
+            </a:r>
+            <a:r>
+              <a:rPr lang="en-US" b="1" dirty="0" err="1">
+                <a:solidFill>
+                  <a:srgbClr val="000087"/>
+                </a:solidFill>
+                <a:latin typeface="Inconsolata" panose="020B0609030003000000" pitchFamily="49" charset="77"/>
+              </a:rPr>
+              <a:t>f_str</a:t>
+            </a:r>
+            <a:r>
+              <a:rPr lang="en-US" b="1" dirty="0">
+                <a:solidFill>
+                  <a:srgbClr val="000087"/>
+                </a:solidFill>
+                <a:latin typeface="Inconsolata" panose="020B0609030003000000" pitchFamily="49" charset="77"/>
+              </a:rPr>
+              <a:t>)</a:t>
+            </a:r>
+          </a:p>
+          <a:p>
+            <a:pPr marL="0" indent="0">
+              <a:buNone/>
+            </a:pPr>
+            <a:r>
+              <a:rPr lang="en-US" b="1" dirty="0">
+                <a:solidFill>
+                  <a:srgbClr val="000087"/>
+                </a:solidFill>
+                <a:latin typeface="Inconsolata" panose="020B0609030003000000" pitchFamily="49" charset="77"/>
+              </a:rPr>
+              <a:t>print("I am " + name + " with a " + str(gpa) " gpa.”)</a:t>
+            </a:r>
+          </a:p>
+          <a:p>
+            <a:pPr marL="0" indent="0">
+              <a:buNone/>
+            </a:pPr>
+            <a:r>
+              <a:rPr lang="en-US" b="1" dirty="0">
+                <a:solidFill>
+                  <a:srgbClr val="000087"/>
+                </a:solidFill>
+                <a:latin typeface="Inconsolata" panose="020B0609030003000000" pitchFamily="49" charset="77"/>
+              </a:rPr>
+              <a:t>Output:</a:t>
+            </a:r>
+          </a:p>
+          <a:p>
+            <a:pPr marL="0" indent="0">
+              <a:buNone/>
+            </a:pPr>
+            <a:r>
+              <a:rPr lang="en-US" b="1" dirty="0">
+                <a:latin typeface="Inconsolata" panose="020B0609030003000000" pitchFamily="49" charset="77"/>
+              </a:rPr>
+              <a:t>I am Mike with a 3.2 </a:t>
+            </a:r>
+            <a:r>
+              <a:rPr lang="en-US" b="1" dirty="0" err="1">
+                <a:latin typeface="Inconsolata" panose="020B0609030003000000" pitchFamily="49" charset="77"/>
+              </a:rPr>
+              <a:t>gpa</a:t>
+            </a:r>
+            <a:r>
+              <a:rPr lang="en-US" b="1" dirty="0">
+                <a:latin typeface="Inconsolata" panose="020B0609030003000000" pitchFamily="49" charset="77"/>
+              </a:rPr>
+              <a:t>.</a:t>
+            </a:r>
+          </a:p>
+          <a:p>
+            <a:pPr marL="0" indent="0">
+              <a:buNone/>
+            </a:pPr>
+            <a:r>
+              <a:rPr lang="en-US" b="1" dirty="0">
+                <a:latin typeface="Inconsolata" panose="020B0609030003000000" pitchFamily="49" charset="77"/>
+              </a:rPr>
+              <a:t>I am Mike with a 3.2 </a:t>
+            </a:r>
+            <a:r>
+              <a:rPr lang="en-US" b="1" dirty="0" err="1">
+                <a:latin typeface="Inconsolata" panose="020B0609030003000000" pitchFamily="49" charset="77"/>
+              </a:rPr>
+              <a:t>gpa</a:t>
+            </a:r>
+            <a:r>
+              <a:rPr lang="en-US" b="1" dirty="0">
+                <a:latin typeface="Inconsolata" panose="020B0609030003000000" pitchFamily="49" charset="77"/>
+              </a:rPr>
+              <a:t>.</a:t>
+            </a:r>
+            <a:endParaRPr lang="en-US" b="1" dirty="0">
+              <a:solidFill>
+                <a:srgbClr val="000087"/>
+              </a:solidFill>
+              <a:latin typeface="Inconsolata" panose="020B0609030003000000" pitchFamily="49" charset="77"/>
+            </a:endParaRPr>
+          </a:p>
+          <a:p>
+            <a:pPr marL="0" indent="0">
+              <a:buNone/>
+            </a:pPr>
+            <a:endParaRPr lang="en-US" b="1" dirty="0">
+              <a:solidFill>
+                <a:srgbClr val="000087"/>
+              </a:solidFill>
+              <a:latin typeface="Inconsolata" panose="020B0609030003000000" pitchFamily="49" charset="77"/>
+            </a:endParaRPr>
+          </a:p>
+        </p:txBody>
+      </p:sp>
+    </p:spTree>
+    <p:extLst>
+      <p:ext uri="{BB962C8B-B14F-4D97-AF65-F5344CB8AC3E}">
+        <p14:creationId xmlns:p14="http://schemas.microsoft.com/office/powerpoint/2010/main" val="847072393"/>
+      </p:ext>
+    </p:extLst>
+  </p:cSld>
+  <p:clrMapOvr>
+    <a:masterClrMapping/>
+  </p:clrMapOvr>
+  <p:timing>
+    <p:tnLst>
+      <p:par>
+        <p:cTn id="1" dur="indefinite" restart="never" nodeType="tmRoot">
+          <p:childTnLst>
+            <p:seq concurrent="1" nextAc="seek">
+              <p:cTn id="2" dur="indefinite" nodeType="mainSeq">
+                <p:childTnLst>
+                  <p:par>
+                    <p:cTn id="3" fill="hold">
+                      <p:stCondLst>
+                        <p:cond delay="indefinite"/>
+                      </p:stCondLst>
+                      <p:childTnLst>
+                        <p:par>
+                          <p:cTn id="4" fill="hold">
+                            <p:stCondLst>
+                              <p:cond delay="0"/>
+                            </p:stCondLst>
+                            <p:childTnLst>
+                              <p:par>
+                                <p:cTn id="5" presetID="1" presetClass="entr" presetSubtype="0" fill="hold" nodeType="clickEffect">
+                                  <p:stCondLst>
+                                    <p:cond delay="0"/>
+                                  </p:stCondLst>
+                                  <p:childTnLst>
+                                    <p:set>
+                                      <p:cBhvr>
+                                        <p:cTn id="6" dur="1" fill="hold">
+                                          <p:stCondLst>
+                                            <p:cond delay="0"/>
+                                          </p:stCondLst>
+                                        </p:cTn>
+                                        <p:tgtEl>
+                                          <p:spTgt spid="9">
+                                            <p:txEl>
+                                              <p:pRg st="3" end="3"/>
+                                            </p:txEl>
+                                          </p:spTgt>
+                                        </p:tgtEl>
+                                        <p:attrNameLst>
+                                          <p:attrName>style.visibility</p:attrName>
+                                        </p:attrNameLst>
+                                      </p:cBhvr>
+                                      <p:to>
+                                        <p:strVal val="visible"/>
+                                      </p:to>
+                                    </p:set>
+                                  </p:childTnLst>
+                                </p:cTn>
+                              </p:par>
+                              <p:par>
+                                <p:cTn id="7" presetID="1" presetClass="entr" presetSubtype="0" fill="hold" nodeType="withEffect">
+                                  <p:stCondLst>
+                                    <p:cond delay="0"/>
+                                  </p:stCondLst>
+                                  <p:childTnLst>
+                                    <p:set>
+                                      <p:cBhvr>
+                                        <p:cTn id="8" dur="1" fill="hold">
+                                          <p:stCondLst>
+                                            <p:cond delay="0"/>
+                                          </p:stCondLst>
+                                        </p:cTn>
+                                        <p:tgtEl>
+                                          <p:spTgt spid="9">
+                                            <p:txEl>
+                                              <p:pRg st="4" end="4"/>
+                                            </p:txEl>
+                                          </p:spTgt>
+                                        </p:tgtEl>
+                                        <p:attrNameLst>
+                                          <p:attrName>style.visibility</p:attrName>
+                                        </p:attrNameLst>
+                                      </p:cBhvr>
+                                      <p:to>
+                                        <p:strVal val="visible"/>
+                                      </p:to>
+                                    </p:set>
+                                  </p:childTnLst>
+                                </p:cTn>
+                              </p:par>
+                              <p:par>
+                                <p:cTn id="9" presetID="1" presetClass="entr" presetSubtype="0" fill="hold" nodeType="withEffect">
+                                  <p:stCondLst>
+                                    <p:cond delay="0"/>
+                                  </p:stCondLst>
+                                  <p:childTnLst>
+                                    <p:set>
+                                      <p:cBhvr>
+                                        <p:cTn id="10" dur="1" fill="hold">
+                                          <p:stCondLst>
+                                            <p:cond delay="0"/>
+                                          </p:stCondLst>
+                                        </p:cTn>
+                                        <p:tgtEl>
+                                          <p:spTgt spid="9">
+                                            <p:txEl>
+                                              <p:pRg st="5" end="5"/>
+                                            </p:txEl>
+                                          </p:spTgt>
+                                        </p:tgtEl>
+                                        <p:attrNameLst>
+                                          <p:attrName>style.visibility</p:attrName>
+                                        </p:attrNameLst>
+                                      </p:cBhvr>
+                                      <p:to>
+                                        <p:strVal val="visible"/>
+                                      </p:to>
+                                    </p:set>
+                                  </p:childTnLst>
+                                </p:cTn>
+                              </p:par>
+                            </p:childTnLst>
+                          </p:cTn>
+                        </p:par>
+                      </p:childTnLst>
+                    </p:cTn>
+                  </p:par>
+                  <p:par>
+                    <p:cTn id="11" fill="hold">
+                      <p:stCondLst>
+                        <p:cond delay="indefinite"/>
+                      </p:stCondLst>
+                      <p:childTnLst>
+                        <p:par>
+                          <p:cTn id="12" fill="hold">
+                            <p:stCondLst>
+                              <p:cond delay="0"/>
+                            </p:stCondLst>
+                            <p:childTnLst>
+                              <p:par>
+                                <p:cTn id="13" presetID="1" presetClass="entr" presetSubtype="0" fill="hold" nodeType="clickEffect">
+                                  <p:stCondLst>
+                                    <p:cond delay="0"/>
+                                  </p:stCondLst>
+                                  <p:childTnLst>
+                                    <p:set>
+                                      <p:cBhvr>
+                                        <p:cTn id="14" dur="1" fill="hold">
+                                          <p:stCondLst>
+                                            <p:cond delay="0"/>
+                                          </p:stCondLst>
+                                        </p:cTn>
+                                        <p:tgtEl>
+                                          <p:spTgt spid="9">
+                                            <p:txEl>
+                                              <p:pRg st="6" end="6"/>
+                                            </p:txEl>
+                                          </p:spTgt>
+                                        </p:tgtEl>
+                                        <p:attrNameLst>
+                                          <p:attrName>style.visibility</p:attrName>
+                                        </p:attrNameLst>
+                                      </p:cBhvr>
+                                      <p:to>
+                                        <p:strVal val="visible"/>
+                                      </p:to>
+                                    </p:set>
+                                  </p:childTnLst>
+                                </p:cTn>
+                              </p:par>
+                            </p:childTnLst>
+                          </p:cTn>
+                        </p:par>
+                      </p:childTnLst>
+                    </p:cTn>
+                  </p:par>
+                  <p:par>
+                    <p:cTn id="15" fill="hold">
+                      <p:stCondLst>
+                        <p:cond delay="indefinite"/>
+                      </p:stCondLst>
+                      <p:childTnLst>
+                        <p:par>
+                          <p:cTn id="16" fill="hold">
+                            <p:stCondLst>
+                              <p:cond delay="0"/>
+                            </p:stCondLst>
+                            <p:childTnLst>
+                              <p:par>
+                                <p:cTn id="17" presetID="1" presetClass="entr" presetSubtype="0" fill="hold" nodeType="clickEffect">
+                                  <p:stCondLst>
+                                    <p:cond delay="0"/>
+                                  </p:stCondLst>
+                                  <p:childTnLst>
+                                    <p:set>
+                                      <p:cBhvr>
+                                        <p:cTn id="18" dur="1" fill="hold">
+                                          <p:stCondLst>
+                                            <p:cond delay="0"/>
+                                          </p:stCondLst>
+                                        </p:cTn>
+                                        <p:tgtEl>
+                                          <p:spTgt spid="9">
+                                            <p:txEl>
+                                              <p:pRg st="7" end="7"/>
+                                            </p:txEl>
+                                          </p:spTgt>
+                                        </p:tgtEl>
+                                        <p:attrNameLst>
+                                          <p:attrName>style.visibility</p:attrName>
+                                        </p:attrNameLst>
+                                      </p:cBhvr>
+                                      <p:to>
+                                        <p:strVal val="visible"/>
+                                      </p:to>
+                                    </p:set>
+                                  </p:childTnLst>
+                                </p:cTn>
+                              </p:par>
+                            </p:childTnLst>
+                          </p:cTn>
+                        </p:par>
+                      </p:childTnLst>
+                    </p:cTn>
+                  </p:par>
+                  <p:par>
+                    <p:cTn id="19" fill="hold">
+                      <p:stCondLst>
+                        <p:cond delay="indefinite"/>
+                      </p:stCondLst>
+                      <p:childTnLst>
+                        <p:par>
+                          <p:cTn id="20" fill="hold">
+                            <p:stCondLst>
+                              <p:cond delay="0"/>
+                            </p:stCondLst>
+                            <p:childTnLst>
+                              <p:par>
+                                <p:cTn id="21" presetID="1" presetClass="entr" presetSubtype="0" fill="hold" nodeType="clickEffect">
+                                  <p:stCondLst>
+                                    <p:cond delay="0"/>
+                                  </p:stCondLst>
+                                  <p:childTnLst>
+                                    <p:set>
+                                      <p:cBhvr>
+                                        <p:cTn id="22" dur="1" fill="hold">
+                                          <p:stCondLst>
+                                            <p:cond delay="0"/>
+                                          </p:stCondLst>
+                                        </p:cTn>
+                                        <p:tgtEl>
+                                          <p:spTgt spid="9">
+                                            <p:txEl>
+                                              <p:pRg st="8" end="8"/>
+                                            </p:txEl>
+                                          </p:spTgt>
+                                        </p:tgtEl>
+                                        <p:attrNameLst>
+                                          <p:attrName>style.visibility</p:attrName>
+                                        </p:attrNameLst>
+                                      </p:cBhvr>
+                                      <p:to>
+                                        <p:strVal val="visible"/>
+                                      </p:to>
+                                    </p:set>
+                                  </p:childTnLst>
+                                </p:cTn>
+                              </p:par>
+                              <p:par>
+                                <p:cTn id="23" presetID="1" presetClass="entr" presetSubtype="0" fill="hold" nodeType="withEffect">
+                                  <p:stCondLst>
+                                    <p:cond delay="0"/>
+                                  </p:stCondLst>
+                                  <p:childTnLst>
+                                    <p:set>
+                                      <p:cBhvr>
+                                        <p:cTn id="24" dur="1" fill="hold">
+                                          <p:stCondLst>
+                                            <p:cond delay="0"/>
+                                          </p:stCondLst>
+                                        </p:cTn>
+                                        <p:tgtEl>
+                                          <p:spTgt spid="9">
+                                            <p:txEl>
+                                              <p:pRg st="9" end="9"/>
+                                            </p:txEl>
+                                          </p:spTgt>
+                                        </p:tgtEl>
+                                        <p:attrNameLst>
+                                          <p:attrName>style.visibility</p:attrName>
+                                        </p:attrNameLst>
+                                      </p:cBhvr>
+                                      <p:to>
+                                        <p:strVal val="visible"/>
+                                      </p:to>
+                                    </p:set>
+                                  </p:childTnLst>
+                                </p:cTn>
+                              </p:par>
+                              <p:par>
+                                <p:cTn id="25" presetID="1" presetClass="entr" presetSubtype="0" fill="hold" nodeType="withEffect">
+                                  <p:stCondLst>
+                                    <p:cond delay="0"/>
+                                  </p:stCondLst>
+                                  <p:childTnLst>
+                                    <p:set>
+                                      <p:cBhvr>
+                                        <p:cTn id="26" dur="1" fill="hold">
+                                          <p:stCondLst>
+                                            <p:cond delay="0"/>
+                                          </p:stCondLst>
+                                        </p:cTn>
+                                        <p:tgtEl>
+                                          <p:spTgt spid="9">
+                                            <p:txEl>
+                                              <p:pRg st="10" end="10"/>
+                                            </p:txEl>
+                                          </p:spTgt>
+                                        </p:tgtEl>
+                                        <p:attrNameLst>
+                                          <p:attrName>style.visibility</p:attrName>
+                                        </p:attrNameLst>
+                                      </p:cBhvr>
+                                      <p:to>
+                                        <p:strVal val="visible"/>
+                                      </p:to>
+                                    </p:set>
+                                  </p:childTnLst>
+                                </p:cTn>
+                              </p:par>
+                            </p:childTnLst>
+                          </p:cTn>
+                        </p:par>
+                      </p:childTnLst>
+                    </p:cTn>
+                  </p:par>
+                </p:childTnLst>
+              </p:cTn>
+              <p:prevCondLst>
+                <p:cond evt="onPrev" delay="0">
+                  <p:tgtEl>
+                    <p:sldTgt/>
+                  </p:tgtEl>
+                </p:cond>
+              </p:prevCondLst>
+              <p:nextCondLst>
+                <p:cond evt="onNext" delay="0">
+                  <p:tgtEl>
+                    <p:sldTgt/>
+                  </p:tgtEl>
+                </p:cond>
+              </p:nextCondLst>
+            </p:seq>
+          </p:childTnLst>
+        </p:cTn>
+      </p:par>
+    </p:tnLst>
+  </p:timing>
+</p:sld>
+</file>
+
+<file path=ppt/slides/slide27.xml><?xml version="1.0" encoding="utf-8"?>
+<p:sld xmlns:a="http://schemas.openxmlformats.org/drawingml/2006/main" xmlns:r="http://schemas.openxmlformats.org/officeDocument/2006/relationships" xmlns:p="http://schemas.openxmlformats.org/presentationml/2006/main">
+  <p:cSld>
+    <p:spTree>
+      <p:nvGrpSpPr>
+        <p:cNvPr id="1" name=""/>
+        <p:cNvGrpSpPr/>
+        <p:nvPr/>
+      </p:nvGrpSpPr>
+      <p:grpSpPr>
+        <a:xfrm>
+          <a:off x="0" y="0"/>
+          <a:ext cx="0" cy="0"/>
+          <a:chOff x="0" y="0"/>
+          <a:chExt cx="0" cy="0"/>
+        </a:xfrm>
+      </p:grpSpPr>
+      <p:sp>
+        <p:nvSpPr>
+          <p:cNvPr id="2" name="Title 1">
+            <a:extLst>
+              <a:ext uri="{FF2B5EF4-FFF2-40B4-BE49-F238E27FC236}">
+                <a16:creationId xmlns:a16="http://schemas.microsoft.com/office/drawing/2014/main" id="{AA3A228F-61D0-D949-A5E7-F83756230BF8}"/>
+              </a:ext>
+            </a:extLst>
+          </p:cNvPr>
+          <p:cNvSpPr>
+            <a:spLocks noGrp="1"/>
+          </p:cNvSpPr>
+          <p:nvPr>
+            <p:ph type="title"/>
+          </p:nvPr>
+        </p:nvSpPr>
+        <p:spPr>
+          <a:xfrm>
+            <a:off x="206056" y="223959"/>
+            <a:ext cx="7053542" cy="683886"/>
+          </a:xfrm>
+        </p:spPr>
+        <p:txBody>
+          <a:bodyPr/>
+          <a:lstStyle/>
+          <a:p>
+            <a:r>
+              <a:rPr lang="en-US" dirty="0"/>
+              <a:t>f-Strings</a:t>
+            </a:r>
+          </a:p>
+        </p:txBody>
+      </p:sp>
+      <p:sp>
+        <p:nvSpPr>
+          <p:cNvPr id="9" name="Content Placeholder 8">
+            <a:extLst>
+              <a:ext uri="{FF2B5EF4-FFF2-40B4-BE49-F238E27FC236}">
+                <a16:creationId xmlns:a16="http://schemas.microsoft.com/office/drawing/2014/main" id="{E3B2E017-30B2-884B-A113-B419A2ED51AD}"/>
+              </a:ext>
+            </a:extLst>
+          </p:cNvPr>
+          <p:cNvSpPr>
+            <a:spLocks noGrp="1"/>
+          </p:cNvSpPr>
+          <p:nvPr>
+            <p:ph idx="1"/>
+          </p:nvPr>
+        </p:nvSpPr>
+        <p:spPr>
+          <a:xfrm>
+            <a:off x="206056" y="907845"/>
+            <a:ext cx="8731887" cy="4583196"/>
+          </a:xfrm>
+        </p:spPr>
+        <p:txBody>
+          <a:bodyPr>
+            <a:noAutofit/>
+          </a:bodyPr>
+          <a:lstStyle/>
+          <a:p>
+            <a:pPr marL="0" indent="0">
+              <a:buNone/>
+            </a:pPr>
+            <a:r>
+              <a:rPr lang="en-US" dirty="0"/>
+              <a:t>An f-string is special because it permits us to write Python code </a:t>
+            </a:r>
+            <a:r>
+              <a:rPr lang="en-US" i="1" dirty="0"/>
+              <a:t>within</a:t>
+            </a:r>
+            <a:r>
+              <a:rPr lang="en-US" dirty="0"/>
+              <a:t> a string; any expression within curly brackets, {}, will be executed as Python code, and the resulting value will be converted to a string and inserted into the f-string at that position.</a:t>
+            </a:r>
+          </a:p>
+          <a:p>
+            <a:pPr marL="0" indent="0">
+              <a:buNone/>
+            </a:pPr>
+            <a:endParaRPr lang="en-US" dirty="0">
+              <a:latin typeface="Gill Sans MT" panose="020B0502020104020203" pitchFamily="34" charset="77"/>
+            </a:endParaRPr>
+          </a:p>
+          <a:p>
+            <a:pPr marL="0" indent="0">
+              <a:buNone/>
+            </a:pPr>
+            <a:r>
+              <a:rPr lang="en-US" b="1" dirty="0">
+                <a:solidFill>
+                  <a:srgbClr val="000087"/>
+                </a:solidFill>
+                <a:latin typeface="Inconsolata" panose="020B0609030003000000" pitchFamily="49" charset="77"/>
+              </a:rPr>
+              <a:t>grade1 = 1.5</a:t>
+            </a:r>
+            <a:endParaRPr lang="en-US" b="1" dirty="0">
+              <a:latin typeface="Inconsolata" panose="020B0609030003000000" pitchFamily="49" charset="77"/>
+            </a:endParaRPr>
+          </a:p>
+          <a:p>
+            <a:pPr marL="0" indent="0">
+              <a:buNone/>
+            </a:pPr>
+            <a:r>
+              <a:rPr lang="en-US" b="1" dirty="0">
+                <a:solidFill>
+                  <a:srgbClr val="000087"/>
+                </a:solidFill>
+                <a:latin typeface="Inconsolata" panose="020B0609030003000000" pitchFamily="49" charset="77"/>
+              </a:rPr>
+              <a:t>grade2 = 2.5</a:t>
+            </a:r>
+            <a:endParaRPr lang="en-US" b="1" dirty="0">
+              <a:latin typeface="Inconsolata" panose="020B0609030003000000" pitchFamily="49" charset="77"/>
+            </a:endParaRPr>
+          </a:p>
+          <a:p>
+            <a:pPr marL="0" indent="0">
+              <a:buNone/>
+            </a:pPr>
+            <a:r>
+              <a:rPr lang="en-US" b="1" dirty="0" err="1">
+                <a:solidFill>
+                  <a:srgbClr val="000087"/>
+                </a:solidFill>
+                <a:latin typeface="Inconsolata" panose="020B0609030003000000" pitchFamily="49" charset="77"/>
+              </a:rPr>
+              <a:t>ave</a:t>
+            </a:r>
+            <a:r>
+              <a:rPr lang="en-US" b="1" dirty="0">
+                <a:solidFill>
+                  <a:srgbClr val="000087"/>
+                </a:solidFill>
+                <a:latin typeface="Inconsolata" panose="020B0609030003000000" pitchFamily="49" charset="77"/>
+              </a:rPr>
+              <a:t> = </a:t>
+            </a:r>
+            <a:r>
+              <a:rPr lang="en-US" b="1" dirty="0" err="1">
+                <a:solidFill>
+                  <a:srgbClr val="000087"/>
+                </a:solidFill>
+                <a:latin typeface="Inconsolata" panose="020B0609030003000000" pitchFamily="49" charset="77"/>
+              </a:rPr>
+              <a:t>f</a:t>
+            </a:r>
+            <a:r>
+              <a:rPr lang="en-US" b="1" dirty="0" err="1">
+                <a:solidFill>
+                  <a:srgbClr val="CC3300"/>
+                </a:solidFill>
+                <a:latin typeface="Inconsolata" panose="020B0609030003000000" pitchFamily="49" charset="77"/>
+              </a:rPr>
+              <a:t>“average</a:t>
+            </a:r>
+            <a:r>
+              <a:rPr lang="en-US" b="1" dirty="0">
+                <a:solidFill>
+                  <a:srgbClr val="CC3300"/>
+                </a:solidFill>
+                <a:latin typeface="Inconsolata" panose="020B0609030003000000" pitchFamily="49" charset="77"/>
+              </a:rPr>
+              <a:t> is {(grade1+grade2)/2}” </a:t>
+            </a:r>
+          </a:p>
+          <a:p>
+            <a:pPr marL="0" indent="0">
+              <a:buNone/>
+            </a:pPr>
+            <a:r>
+              <a:rPr lang="en-US" b="1" dirty="0">
+                <a:solidFill>
+                  <a:srgbClr val="000087"/>
+                </a:solidFill>
+                <a:latin typeface="Inconsolata" panose="020B0609030003000000" pitchFamily="49" charset="77"/>
+              </a:rPr>
+              <a:t>print(</a:t>
+            </a:r>
+            <a:r>
+              <a:rPr lang="en-US" b="1" dirty="0" err="1">
+                <a:solidFill>
+                  <a:srgbClr val="000087"/>
+                </a:solidFill>
+                <a:latin typeface="Inconsolata" panose="020B0609030003000000" pitchFamily="49" charset="77"/>
+              </a:rPr>
+              <a:t>ave</a:t>
+            </a:r>
+            <a:r>
+              <a:rPr lang="en-US" b="1" dirty="0">
+                <a:solidFill>
+                  <a:srgbClr val="000087"/>
+                </a:solidFill>
+                <a:latin typeface="Inconsolata" panose="020B0609030003000000" pitchFamily="49" charset="77"/>
+              </a:rPr>
+              <a:t>)</a:t>
+            </a:r>
+            <a:r>
+              <a:rPr lang="en-US" b="1" dirty="0">
+                <a:solidFill>
+                  <a:srgbClr val="CC3300"/>
+                </a:solidFill>
+                <a:latin typeface="Inconsolata" panose="020B0609030003000000" pitchFamily="49" charset="77"/>
+              </a:rPr>
+              <a:t>	</a:t>
+            </a:r>
+            <a:r>
+              <a:rPr lang="en-US" b="1" dirty="0">
+                <a:solidFill>
+                  <a:schemeClr val="accent1"/>
+                </a:solidFill>
+                <a:latin typeface="Inconsolata" panose="020B0609030003000000" pitchFamily="49" charset="77"/>
+              </a:rPr>
+              <a:t># average is 2.0</a:t>
+            </a:r>
+          </a:p>
+          <a:p>
+            <a:pPr marL="0" indent="0">
+              <a:buNone/>
+            </a:pPr>
+            <a:endParaRPr lang="en-US" b="1" dirty="0">
+              <a:latin typeface="Inconsolata" panose="020B0609030003000000" pitchFamily="49" charset="77"/>
+            </a:endParaRPr>
+          </a:p>
+          <a:p>
+            <a:pPr marL="0" indent="0">
+              <a:buNone/>
+            </a:pPr>
+            <a:r>
+              <a:rPr lang="en-US" b="1" dirty="0">
+                <a:latin typeface="Inconsolata" panose="020B0609030003000000" pitchFamily="49" charset="77"/>
+              </a:rPr>
+              <a:t>This is equivalent but it is preferable to use an f-string.</a:t>
+            </a:r>
+          </a:p>
+          <a:p>
+            <a:pPr marL="0" indent="0">
+              <a:buNone/>
+            </a:pPr>
+            <a:r>
+              <a:rPr lang="en-US" sz="2000" b="1" dirty="0">
+                <a:solidFill>
+                  <a:srgbClr val="000087"/>
+                </a:solidFill>
+                <a:latin typeface="Inconsolata" panose="020B0609030003000000" pitchFamily="49" charset="77"/>
+              </a:rPr>
+              <a:t>average = </a:t>
+            </a:r>
+            <a:r>
+              <a:rPr lang="en-US" sz="2000" b="1" dirty="0">
+                <a:solidFill>
+                  <a:srgbClr val="CC3300"/>
+                </a:solidFill>
+                <a:latin typeface="Inconsolata" panose="020B0609030003000000" pitchFamily="49" charset="77"/>
+              </a:rPr>
+              <a:t>“average is " + </a:t>
+            </a:r>
+            <a:r>
+              <a:rPr lang="en-US" sz="2000" b="1" dirty="0">
+                <a:latin typeface="Inconsolata" panose="020B0609030003000000" pitchFamily="49" charset="77"/>
+              </a:rPr>
+              <a:t>str((grade1+grade2)/2) </a:t>
+            </a:r>
+          </a:p>
+          <a:p>
+            <a:pPr marL="0" indent="0">
+              <a:buNone/>
+            </a:pPr>
+            <a:endParaRPr lang="en-US" sz="1900" b="1" dirty="0">
+              <a:latin typeface="Inconsolata" panose="020B0609030003000000" pitchFamily="49" charset="77"/>
+            </a:endParaRPr>
+          </a:p>
+        </p:txBody>
+      </p:sp>
+    </p:spTree>
+    <p:extLst>
+      <p:ext uri="{BB962C8B-B14F-4D97-AF65-F5344CB8AC3E}">
+        <p14:creationId xmlns:p14="http://schemas.microsoft.com/office/powerpoint/2010/main" val="4013144405"/>
+      </p:ext>
+    </p:extLst>
+  </p:cSld>
+  <p:clrMapOvr>
+    <a:masterClrMapping/>
+  </p:clrMapOvr>
+  <p:timing>
+    <p:tnLst>
+      <p:par>
+        <p:cTn id="1" dur="indefinite" restart="never" nodeType="tmRoot">
+          <p:childTnLst>
+            <p:seq concurrent="1" nextAc="seek">
+              <p:cTn id="2" dur="indefinite" nodeType="mainSeq">
+                <p:childTnLst>
+                  <p:par>
+                    <p:cTn id="3" fill="hold">
+                      <p:stCondLst>
+                        <p:cond delay="indefinite"/>
+                      </p:stCondLst>
+                      <p:childTnLst>
+                        <p:par>
+                          <p:cTn id="4" fill="hold">
+                            <p:stCondLst>
+                              <p:cond delay="0"/>
+                            </p:stCondLst>
+                            <p:childTnLst>
+                              <p:par>
+                                <p:cTn id="5" presetID="1" presetClass="entr" presetSubtype="0" fill="hold" nodeType="clickEffect">
+                                  <p:stCondLst>
+                                    <p:cond delay="0"/>
+                                  </p:stCondLst>
+                                  <p:childTnLst>
+                                    <p:set>
+                                      <p:cBhvr>
+                                        <p:cTn id="6" dur="1" fill="hold">
+                                          <p:stCondLst>
+                                            <p:cond delay="0"/>
+                                          </p:stCondLst>
+                                        </p:cTn>
+                                        <p:tgtEl>
+                                          <p:spTgt spid="9">
+                                            <p:txEl>
+                                              <p:pRg st="2" end="2"/>
+                                            </p:txEl>
+                                          </p:spTgt>
+                                        </p:tgtEl>
+                                        <p:attrNameLst>
+                                          <p:attrName>style.visibility</p:attrName>
+                                        </p:attrNameLst>
+                                      </p:cBhvr>
+                                      <p:to>
+                                        <p:strVal val="visible"/>
+                                      </p:to>
+                                    </p:set>
+                                  </p:childTnLst>
+                                </p:cTn>
+                              </p:par>
+                              <p:par>
+                                <p:cTn id="7" presetID="1" presetClass="entr" presetSubtype="0" fill="hold" nodeType="withEffect">
+                                  <p:stCondLst>
+                                    <p:cond delay="0"/>
+                                  </p:stCondLst>
+                                  <p:childTnLst>
+                                    <p:set>
+                                      <p:cBhvr>
+                                        <p:cTn id="8" dur="1" fill="hold">
+                                          <p:stCondLst>
+                                            <p:cond delay="0"/>
+                                          </p:stCondLst>
+                                        </p:cTn>
+                                        <p:tgtEl>
+                                          <p:spTgt spid="9">
+                                            <p:txEl>
+                                              <p:pRg st="3" end="3"/>
+                                            </p:txEl>
+                                          </p:spTgt>
+                                        </p:tgtEl>
+                                        <p:attrNameLst>
+                                          <p:attrName>style.visibility</p:attrName>
+                                        </p:attrNameLst>
+                                      </p:cBhvr>
+                                      <p:to>
+                                        <p:strVal val="visible"/>
+                                      </p:to>
+                                    </p:set>
+                                  </p:childTnLst>
+                                </p:cTn>
+                              </p:par>
+                              <p:par>
+                                <p:cTn id="9" presetID="1" presetClass="entr" presetSubtype="0" fill="hold" nodeType="withEffect">
+                                  <p:stCondLst>
+                                    <p:cond delay="0"/>
+                                  </p:stCondLst>
+                                  <p:childTnLst>
+                                    <p:set>
+                                      <p:cBhvr>
+                                        <p:cTn id="10" dur="1" fill="hold">
+                                          <p:stCondLst>
+                                            <p:cond delay="0"/>
+                                          </p:stCondLst>
+                                        </p:cTn>
+                                        <p:tgtEl>
+                                          <p:spTgt spid="9">
+                                            <p:txEl>
+                                              <p:pRg st="4" end="4"/>
+                                            </p:txEl>
+                                          </p:spTgt>
+                                        </p:tgtEl>
+                                        <p:attrNameLst>
+                                          <p:attrName>style.visibility</p:attrName>
+                                        </p:attrNameLst>
+                                      </p:cBhvr>
+                                      <p:to>
+                                        <p:strVal val="visible"/>
+                                      </p:to>
+                                    </p:set>
+                                  </p:childTnLst>
+                                </p:cTn>
+                              </p:par>
+                              <p:par>
+                                <p:cTn id="11" presetID="1" presetClass="entr" presetSubtype="0" fill="hold" nodeType="withEffect">
+                                  <p:stCondLst>
+                                    <p:cond delay="0"/>
+                                  </p:stCondLst>
+                                  <p:childTnLst>
+                                    <p:set>
+                                      <p:cBhvr>
+                                        <p:cTn id="12" dur="1" fill="hold">
+                                          <p:stCondLst>
+                                            <p:cond delay="0"/>
+                                          </p:stCondLst>
+                                        </p:cTn>
+                                        <p:tgtEl>
+                                          <p:spTgt spid="9">
+                                            <p:txEl>
+                                              <p:pRg st="5" end="5"/>
+                                            </p:txEl>
+                                          </p:spTgt>
+                                        </p:tgtEl>
+                                        <p:attrNameLst>
+                                          <p:attrName>style.visibility</p:attrName>
+                                        </p:attrNameLst>
+                                      </p:cBhvr>
+                                      <p:to>
+                                        <p:strVal val="visible"/>
+                                      </p:to>
+                                    </p:set>
+                                  </p:childTnLst>
+                                </p:cTn>
+                              </p:par>
+                            </p:childTnLst>
+                          </p:cTn>
+                        </p:par>
+                      </p:childTnLst>
+                    </p:cTn>
+                  </p:par>
+                  <p:par>
+                    <p:cTn id="13" fill="hold">
+                      <p:stCondLst>
+                        <p:cond delay="indefinite"/>
+                      </p:stCondLst>
+                      <p:childTnLst>
+                        <p:par>
+                          <p:cTn id="14" fill="hold">
+                            <p:stCondLst>
+                              <p:cond delay="0"/>
+                            </p:stCondLst>
+                            <p:childTnLst>
+                              <p:par>
+                                <p:cTn id="15" presetID="1" presetClass="entr" presetSubtype="0" fill="hold" nodeType="clickEffect">
+                                  <p:stCondLst>
+                                    <p:cond delay="0"/>
+                                  </p:stCondLst>
+                                  <p:childTnLst>
+                                    <p:set>
+                                      <p:cBhvr>
+                                        <p:cTn id="16" dur="1" fill="hold">
+                                          <p:stCondLst>
+                                            <p:cond delay="0"/>
+                                          </p:stCondLst>
+                                        </p:cTn>
+                                        <p:tgtEl>
+                                          <p:spTgt spid="9">
+                                            <p:txEl>
+                                              <p:pRg st="7" end="7"/>
+                                            </p:txEl>
+                                          </p:spTgt>
+                                        </p:tgtEl>
+                                        <p:attrNameLst>
+                                          <p:attrName>style.visibility</p:attrName>
+                                        </p:attrNameLst>
+                                      </p:cBhvr>
+                                      <p:to>
+                                        <p:strVal val="visible"/>
+                                      </p:to>
+                                    </p:set>
+                                  </p:childTnLst>
+                                </p:cTn>
+                              </p:par>
+                            </p:childTnLst>
+                          </p:cTn>
+                        </p:par>
+                      </p:childTnLst>
+                    </p:cTn>
+                  </p:par>
+                  <p:par>
+                    <p:cTn id="17" fill="hold">
+                      <p:stCondLst>
+                        <p:cond delay="indefinite"/>
+                      </p:stCondLst>
+                      <p:childTnLst>
+                        <p:par>
+                          <p:cTn id="18" fill="hold">
+                            <p:stCondLst>
+                              <p:cond delay="0"/>
+                            </p:stCondLst>
+                            <p:childTnLst>
+                              <p:par>
+                                <p:cTn id="19" presetID="1" presetClass="entr" presetSubtype="0" fill="hold" nodeType="clickEffect">
+                                  <p:stCondLst>
+                                    <p:cond delay="0"/>
+                                  </p:stCondLst>
+                                  <p:childTnLst>
+                                    <p:set>
+                                      <p:cBhvr>
+                                        <p:cTn id="20" dur="1" fill="hold">
+                                          <p:stCondLst>
+                                            <p:cond delay="0"/>
+                                          </p:stCondLst>
+                                        </p:cTn>
+                                        <p:tgtEl>
+                                          <p:spTgt spid="9">
+                                            <p:txEl>
+                                              <p:pRg st="8" end="8"/>
+                                            </p:txEl>
+                                          </p:spTgt>
+                                        </p:tgtEl>
+                                        <p:attrNameLst>
+                                          <p:attrName>style.visibility</p:attrName>
+                                        </p:attrNameLst>
+                                      </p:cBhvr>
+                                      <p:to>
+                                        <p:strVal val="visible"/>
+                                      </p:to>
+                                    </p:set>
+                                  </p:childTnLst>
+                                </p:cTn>
+                              </p:par>
+                            </p:childTnLst>
+                          </p:cTn>
+                        </p:par>
+                      </p:childTnLst>
+                    </p:cTn>
+                  </p:par>
+                </p:childTnLst>
+              </p:cTn>
+              <p:prevCondLst>
+                <p:cond evt="onPrev" delay="0">
+                  <p:tgtEl>
+                    <p:sldTgt/>
+                  </p:tgtEl>
+                </p:cond>
+              </p:prevCondLst>
+              <p:nextCondLst>
+                <p:cond evt="onNext" delay="0">
+                  <p:tgtEl>
+                    <p:sldTgt/>
+                  </p:tgtEl>
+                </p:cond>
+              </p:nextCondLst>
+            </p:seq>
+          </p:childTnLst>
+        </p:cTn>
+      </p:par>
+    </p:tnLst>
+  </p:timing>
+</p:sld>
+</file>
+
+<file path=ppt/slides/slide28.xml><?xml version="1.0" encoding="utf-8"?>
+<p:sld xmlns:a="http://schemas.openxmlformats.org/drawingml/2006/main" xmlns:r="http://schemas.openxmlformats.org/officeDocument/2006/relationships" xmlns:p="http://schemas.openxmlformats.org/presentationml/2006/main">
+  <p:cSld>
+    <p:spTree>
+      <p:nvGrpSpPr>
+        <p:cNvPr id="1" name=""/>
+        <p:cNvGrpSpPr/>
+        <p:nvPr/>
+      </p:nvGrpSpPr>
+      <p:grpSpPr>
+        <a:xfrm>
+          <a:off x="0" y="0"/>
+          <a:ext cx="0" cy="0"/>
+          <a:chOff x="0" y="0"/>
+          <a:chExt cx="0" cy="0"/>
+        </a:xfrm>
+      </p:grpSpPr>
+      <p:sp>
+        <p:nvSpPr>
+          <p:cNvPr id="2" name="Title 1">
+            <a:extLst>
+              <a:ext uri="{FF2B5EF4-FFF2-40B4-BE49-F238E27FC236}">
                 <a16:creationId xmlns:a16="http://schemas.microsoft.com/office/drawing/2014/main" id="{A340B44D-B662-1B98-A1CB-22BE7EC3D3D7}"/>
               </a:ext>
             </a:extLst>
@@ -14038,7 +17088,7 @@
           <a:p>
             <a:fld id="{D57F1E4F-1CFF-5643-939E-02111984F565}" type="slidenum">
               <a:rPr lang="en-US" smtClean="0"/>
-              <a:t>23</a:t>
+              <a:t>28</a:t>
             </a:fld>
             <a:endParaRPr lang="en-US" dirty="0"/>
           </a:p>
@@ -14544,7 +17594,7 @@
 </p:sld>
 </file>
 
-<file path=ppt/slides/slide24.xml><?xml version="1.0" encoding="utf-8"?>
+<file path=ppt/slides/slide29.xml><?xml version="1.0" encoding="utf-8"?>
 <p:sld xmlns:a="http://schemas.openxmlformats.org/drawingml/2006/main" xmlns:r="http://schemas.openxmlformats.org/officeDocument/2006/relationships" xmlns:p="http://schemas.openxmlformats.org/presentationml/2006/main">
   <p:cSld>
     <p:spTree>
@@ -14730,7 +17780,7 @@
           <a:p>
             <a:fld id="{D57F1E4F-1CFF-5643-939E-02111984F565}" type="slidenum">
               <a:rPr lang="en-US" smtClean="0"/>
-              <a:t>24</a:t>
+              <a:t>29</a:t>
             </a:fld>
             <a:endParaRPr lang="en-US" dirty="0"/>
           </a:p>
@@ -15055,7 +18105,474 @@
 </p:sld>
 </file>
 
-<file path=ppt/slides/slide25.xml><?xml version="1.0" encoding="utf-8"?>
+<file path=ppt/slides/slide3.xml><?xml version="1.0" encoding="utf-8"?>
+<p:sld xmlns:a="http://schemas.openxmlformats.org/drawingml/2006/main" xmlns:r="http://schemas.openxmlformats.org/officeDocument/2006/relationships" xmlns:p="http://schemas.openxmlformats.org/presentationml/2006/main">
+  <p:cSld>
+    <p:spTree>
+      <p:nvGrpSpPr>
+        <p:cNvPr id="1" name=""/>
+        <p:cNvGrpSpPr/>
+        <p:nvPr/>
+      </p:nvGrpSpPr>
+      <p:grpSpPr>
+        <a:xfrm>
+          <a:off x="0" y="0"/>
+          <a:ext cx="0" cy="0"/>
+          <a:chOff x="0" y="0"/>
+          <a:chExt cx="0" cy="0"/>
+        </a:xfrm>
+      </p:grpSpPr>
+      <p:sp>
+        <p:nvSpPr>
+          <p:cNvPr id="2" name="Title 1">
+            <a:extLst>
+              <a:ext uri="{FF2B5EF4-FFF2-40B4-BE49-F238E27FC236}">
+                <a16:creationId xmlns:a16="http://schemas.microsoft.com/office/drawing/2014/main" id="{AA3A228F-61D0-D949-A5E7-F83756230BF8}"/>
+              </a:ext>
+            </a:extLst>
+          </p:cNvPr>
+          <p:cNvSpPr>
+            <a:spLocks noGrp="1"/>
+          </p:cNvSpPr>
+          <p:nvPr>
+            <p:ph type="title"/>
+          </p:nvPr>
+        </p:nvSpPr>
+        <p:spPr>
+          <a:xfrm>
+            <a:off x="145181" y="134008"/>
+            <a:ext cx="7053542" cy="683886"/>
+          </a:xfrm>
+        </p:spPr>
+        <p:txBody>
+          <a:bodyPr/>
+          <a:lstStyle/>
+          <a:p>
+            <a:r>
+              <a:rPr lang="en-US" dirty="0"/>
+              <a:t>Iteration</a:t>
+            </a:r>
+          </a:p>
+        </p:txBody>
+      </p:sp>
+      <p:sp>
+        <p:nvSpPr>
+          <p:cNvPr id="9" name="Content Placeholder 8">
+            <a:extLst>
+              <a:ext uri="{FF2B5EF4-FFF2-40B4-BE49-F238E27FC236}">
+                <a16:creationId xmlns:a16="http://schemas.microsoft.com/office/drawing/2014/main" id="{E3B2E017-30B2-884B-A113-B419A2ED51AD}"/>
+              </a:ext>
+            </a:extLst>
+          </p:cNvPr>
+          <p:cNvSpPr>
+            <a:spLocks noGrp="1"/>
+          </p:cNvSpPr>
+          <p:nvPr>
+            <p:ph idx="1"/>
+          </p:nvPr>
+        </p:nvSpPr>
+        <p:spPr>
+          <a:xfrm>
+            <a:off x="109569" y="720359"/>
+            <a:ext cx="9034431" cy="4763098"/>
+          </a:xfrm>
+        </p:spPr>
+        <p:txBody>
+          <a:bodyPr>
+            <a:normAutofit/>
+          </a:bodyPr>
+          <a:lstStyle/>
+          <a:p>
+            <a:pPr marL="0" indent="0">
+              <a:buNone/>
+            </a:pPr>
+            <a:r>
+              <a:rPr lang="en-US" b="1" dirty="0"/>
+              <a:t>Iteration</a:t>
+            </a:r>
+            <a:r>
+              <a:rPr lang="en-US" i="1" dirty="0"/>
+              <a:t> </a:t>
+            </a:r>
+            <a:r>
+              <a:rPr lang="en-US" dirty="0"/>
+              <a:t>is a repeating portion of an algorithm. Iteration repeats a specified number of times or until a given condition is met. </a:t>
+            </a:r>
+          </a:p>
+          <a:p>
+            <a:pPr marL="0" indent="0">
+              <a:buNone/>
+            </a:pPr>
+            <a:endParaRPr lang="en-US" dirty="0"/>
+          </a:p>
+          <a:p>
+            <a:pPr marL="0" indent="0">
+              <a:buNone/>
+            </a:pPr>
+            <a:r>
+              <a:rPr lang="en-US" dirty="0"/>
+              <a:t>Iteration loops are frequently referred to as </a:t>
+            </a:r>
+            <a:r>
+              <a:rPr lang="en-US" b="1" dirty="0"/>
+              <a:t>for</a:t>
+            </a:r>
+            <a:r>
+              <a:rPr lang="en-US" dirty="0"/>
+              <a:t> loops because for is the keyword  that is used to introduce them in nearly all programming languages, including Python.</a:t>
+            </a:r>
+            <a:endParaRPr lang="en-US" dirty="0">
+              <a:latin typeface="Gill Sans MT" panose="020B0502020104020203" pitchFamily="34" charset="77"/>
+            </a:endParaRPr>
+          </a:p>
+          <a:p>
+            <a:pPr marL="0" indent="0">
+              <a:buNone/>
+            </a:pPr>
+            <a:endParaRPr lang="en-US" dirty="0">
+              <a:latin typeface="Gill Sans MT" panose="020B0502020104020203" pitchFamily="34" charset="77"/>
+            </a:endParaRPr>
+          </a:p>
+          <a:p>
+            <a:pPr marL="0" indent="0">
+              <a:buNone/>
+            </a:pPr>
+            <a:r>
+              <a:rPr lang="en-US" dirty="0">
+                <a:latin typeface="Gill Sans MT" panose="020B0502020104020203" pitchFamily="34" charset="77"/>
+              </a:rPr>
+              <a:t>Python’s </a:t>
+            </a:r>
+            <a:r>
+              <a:rPr lang="en-US" i="1" dirty="0">
+                <a:latin typeface="Gill Sans MT" panose="020B0502020104020203" pitchFamily="34" charset="77"/>
+              </a:rPr>
+              <a:t>for</a:t>
+            </a:r>
+            <a:r>
+              <a:rPr lang="en-US" dirty="0">
+                <a:latin typeface="Gill Sans MT" panose="020B0502020104020203" pitchFamily="34" charset="77"/>
+              </a:rPr>
+              <a:t> loop iterates over items of a sequence(e.g. a list of numbers or a string(sequence of characters)) and process them with some code. </a:t>
+            </a:r>
+            <a:endParaRPr lang="en-US" b="1" dirty="0">
+              <a:solidFill>
+                <a:srgbClr val="006699"/>
+              </a:solidFill>
+              <a:latin typeface="Inconsolata" panose="020B0609030003000000" pitchFamily="49" charset="77"/>
+            </a:endParaRPr>
+          </a:p>
+          <a:p>
+            <a:pPr marL="0" indent="0">
+              <a:buNone/>
+            </a:pPr>
+            <a:endParaRPr lang="en-US" b="1" dirty="0">
+              <a:solidFill>
+                <a:srgbClr val="006699"/>
+              </a:solidFill>
+              <a:latin typeface="Inconsolata" panose="020B0609030003000000" pitchFamily="49" charset="77"/>
+            </a:endParaRPr>
+          </a:p>
+          <a:p>
+            <a:pPr marL="0" indent="0">
+              <a:buNone/>
+            </a:pPr>
+            <a:r>
+              <a:rPr lang="en-US" b="1" dirty="0">
+                <a:solidFill>
+                  <a:srgbClr val="006699"/>
+                </a:solidFill>
+                <a:latin typeface="Inconsolata" panose="020B0609030003000000" pitchFamily="49" charset="77"/>
+              </a:rPr>
+              <a:t>for </a:t>
+            </a:r>
+            <a:r>
+              <a:rPr lang="en-US" b="1" dirty="0">
+                <a:solidFill>
+                  <a:srgbClr val="000087"/>
+                </a:solidFill>
+                <a:latin typeface="Inconsolata" panose="020B0609030003000000" pitchFamily="49" charset="77"/>
+              </a:rPr>
+              <a:t>x </a:t>
+            </a:r>
+            <a:r>
+              <a:rPr lang="en-US" b="1" dirty="0">
+                <a:latin typeface="Inconsolata" panose="020B0609030003000000" pitchFamily="49" charset="77"/>
+              </a:rPr>
+              <a:t>in</a:t>
+            </a:r>
+            <a:r>
+              <a:rPr lang="en-US" b="1" dirty="0">
+                <a:solidFill>
+                  <a:srgbClr val="000087"/>
+                </a:solidFill>
+                <a:latin typeface="Inconsolata" panose="020B0609030003000000" pitchFamily="49" charset="77"/>
+              </a:rPr>
+              <a:t> sequence</a:t>
+            </a:r>
+            <a:r>
+              <a:rPr lang="en-US" b="1" dirty="0">
+                <a:latin typeface="Inconsolata" panose="020B0609030003000000" pitchFamily="49" charset="77"/>
+              </a:rPr>
+              <a:t>:</a:t>
+            </a:r>
+            <a:br>
+              <a:rPr lang="en-US" b="1" dirty="0">
+                <a:latin typeface="Inconsolata" panose="020B0609030003000000" pitchFamily="49" charset="77"/>
+              </a:rPr>
+            </a:br>
+            <a:r>
+              <a:rPr lang="en-US" b="1" dirty="0">
+                <a:latin typeface="Inconsolata" panose="020B0609030003000000" pitchFamily="49" charset="77"/>
+              </a:rPr>
+              <a:t>	</a:t>
+            </a:r>
+            <a:r>
+              <a:rPr lang="en-US" b="1" dirty="0">
+                <a:solidFill>
+                  <a:srgbClr val="006699"/>
+                </a:solidFill>
+                <a:latin typeface="Inconsolata" panose="020B0609030003000000" pitchFamily="49" charset="77"/>
+              </a:rPr>
+              <a:t>block</a:t>
+            </a:r>
+            <a:r>
+              <a:rPr lang="en-US" b="1" dirty="0">
+                <a:latin typeface="Inconsolata" panose="020B0609030003000000" pitchFamily="49" charset="77"/>
+              </a:rPr>
+              <a:t> </a:t>
+            </a:r>
+          </a:p>
+          <a:p>
+            <a:pPr marL="0" indent="0">
+              <a:buNone/>
+            </a:pPr>
+            <a:endParaRPr lang="en-US" dirty="0">
+              <a:latin typeface="Gill Sans MT" panose="020B0502020104020203" pitchFamily="34" charset="77"/>
+            </a:endParaRPr>
+          </a:p>
+        </p:txBody>
+      </p:sp>
+      <p:sp>
+        <p:nvSpPr>
+          <p:cNvPr id="3" name="Slide Number Placeholder 2">
+            <a:extLst>
+              <a:ext uri="{FF2B5EF4-FFF2-40B4-BE49-F238E27FC236}">
+                <a16:creationId xmlns:a16="http://schemas.microsoft.com/office/drawing/2014/main" id="{28794873-6DE4-0A41-9960-6B3C5DD35360}"/>
+              </a:ext>
+            </a:extLst>
+          </p:cNvPr>
+          <p:cNvSpPr>
+            <a:spLocks noGrp="1"/>
+          </p:cNvSpPr>
+          <p:nvPr>
+            <p:ph type="sldNum" sz="quarter" idx="12"/>
+          </p:nvPr>
+        </p:nvSpPr>
+        <p:spPr/>
+        <p:txBody>
+          <a:bodyPr/>
+          <a:lstStyle/>
+          <a:p>
+            <a:fld id="{D57F1E4F-1CFF-5643-939E-02111984F565}" type="slidenum">
+              <a:rPr lang="en-US" smtClean="0"/>
+              <a:t>3</a:t>
+            </a:fld>
+            <a:endParaRPr lang="en-US" dirty="0"/>
+          </a:p>
+        </p:txBody>
+      </p:sp>
+    </p:spTree>
+    <p:extLst>
+      <p:ext uri="{BB962C8B-B14F-4D97-AF65-F5344CB8AC3E}">
+        <p14:creationId xmlns:p14="http://schemas.microsoft.com/office/powerpoint/2010/main" val="1816941262"/>
+      </p:ext>
+    </p:extLst>
+  </p:cSld>
+  <p:clrMapOvr>
+    <a:masterClrMapping/>
+  </p:clrMapOvr>
+  <p:timing>
+    <p:tnLst>
+      <p:par>
+        <p:cTn id="1" dur="indefinite" restart="never" nodeType="tmRoot">
+          <p:childTnLst>
+            <p:seq concurrent="1" nextAc="seek">
+              <p:cTn id="2" dur="indefinite" nodeType="mainSeq">
+                <p:childTnLst>
+                  <p:par>
+                    <p:cTn id="3" fill="hold">
+                      <p:stCondLst>
+                        <p:cond delay="indefinite"/>
+                      </p:stCondLst>
+                      <p:childTnLst>
+                        <p:par>
+                          <p:cTn id="4" fill="hold">
+                            <p:stCondLst>
+                              <p:cond delay="0"/>
+                            </p:stCondLst>
+                            <p:childTnLst>
+                              <p:par>
+                                <p:cTn id="5" presetID="1" presetClass="entr" presetSubtype="0" fill="hold" nodeType="clickEffect">
+                                  <p:stCondLst>
+                                    <p:cond delay="0"/>
+                                  </p:stCondLst>
+                                  <p:childTnLst>
+                                    <p:set>
+                                      <p:cBhvr>
+                                        <p:cTn id="6" dur="1" fill="hold">
+                                          <p:stCondLst>
+                                            <p:cond delay="0"/>
+                                          </p:stCondLst>
+                                        </p:cTn>
+                                        <p:tgtEl>
+                                          <p:spTgt spid="9">
+                                            <p:txEl>
+                                              <p:pRg st="2" end="2"/>
+                                            </p:txEl>
+                                          </p:spTgt>
+                                        </p:tgtEl>
+                                        <p:attrNameLst>
+                                          <p:attrName>style.visibility</p:attrName>
+                                        </p:attrNameLst>
+                                      </p:cBhvr>
+                                      <p:to>
+                                        <p:strVal val="visible"/>
+                                      </p:to>
+                                    </p:set>
+                                  </p:childTnLst>
+                                </p:cTn>
+                              </p:par>
+                            </p:childTnLst>
+                          </p:cTn>
+                        </p:par>
+                      </p:childTnLst>
+                    </p:cTn>
+                  </p:par>
+                  <p:par>
+                    <p:cTn id="7" fill="hold">
+                      <p:stCondLst>
+                        <p:cond delay="indefinite"/>
+                      </p:stCondLst>
+                      <p:childTnLst>
+                        <p:par>
+                          <p:cTn id="8" fill="hold">
+                            <p:stCondLst>
+                              <p:cond delay="0"/>
+                            </p:stCondLst>
+                            <p:childTnLst>
+                              <p:par>
+                                <p:cTn id="9" presetID="1" presetClass="entr" presetSubtype="0" fill="hold" nodeType="clickEffect">
+                                  <p:stCondLst>
+                                    <p:cond delay="0"/>
+                                  </p:stCondLst>
+                                  <p:childTnLst>
+                                    <p:set>
+                                      <p:cBhvr>
+                                        <p:cTn id="10" dur="1" fill="hold">
+                                          <p:stCondLst>
+                                            <p:cond delay="0"/>
+                                          </p:stCondLst>
+                                        </p:cTn>
+                                        <p:tgtEl>
+                                          <p:spTgt spid="9">
+                                            <p:txEl>
+                                              <p:pRg st="4" end="4"/>
+                                            </p:txEl>
+                                          </p:spTgt>
+                                        </p:tgtEl>
+                                        <p:attrNameLst>
+                                          <p:attrName>style.visibility</p:attrName>
+                                        </p:attrNameLst>
+                                      </p:cBhvr>
+                                      <p:to>
+                                        <p:strVal val="visible"/>
+                                      </p:to>
+                                    </p:set>
+                                  </p:childTnLst>
+                                </p:cTn>
+                              </p:par>
+                            </p:childTnLst>
+                          </p:cTn>
+                        </p:par>
+                      </p:childTnLst>
+                    </p:cTn>
+                  </p:par>
+                  <p:par>
+                    <p:cTn id="11" fill="hold">
+                      <p:stCondLst>
+                        <p:cond delay="indefinite"/>
+                      </p:stCondLst>
+                      <p:childTnLst>
+                        <p:par>
+                          <p:cTn id="12" fill="hold">
+                            <p:stCondLst>
+                              <p:cond delay="0"/>
+                            </p:stCondLst>
+                            <p:childTnLst>
+                              <p:par>
+                                <p:cTn id="13" presetID="1" presetClass="entr" presetSubtype="0" fill="hold" nodeType="clickEffect">
+                                  <p:stCondLst>
+                                    <p:cond delay="0"/>
+                                  </p:stCondLst>
+                                  <p:childTnLst>
+                                    <p:set>
+                                      <p:cBhvr>
+                                        <p:cTn id="14" dur="1" fill="hold">
+                                          <p:stCondLst>
+                                            <p:cond delay="0"/>
+                                          </p:stCondLst>
+                                        </p:cTn>
+                                        <p:tgtEl>
+                                          <p:spTgt spid="9">
+                                            <p:txEl>
+                                              <p:pRg st="6" end="6"/>
+                                            </p:txEl>
+                                          </p:spTgt>
+                                        </p:tgtEl>
+                                        <p:attrNameLst>
+                                          <p:attrName>style.visibility</p:attrName>
+                                        </p:attrNameLst>
+                                      </p:cBhvr>
+                                      <p:to>
+                                        <p:strVal val="visible"/>
+                                      </p:to>
+                                    </p:set>
+                                  </p:childTnLst>
+                                </p:cTn>
+                              </p:par>
+                            </p:childTnLst>
+                          </p:cTn>
+                        </p:par>
+                      </p:childTnLst>
+                    </p:cTn>
+                  </p:par>
+                </p:childTnLst>
+              </p:cTn>
+              <p:prevCondLst>
+                <p:cond evt="onPrev" delay="0">
+                  <p:tgtEl>
+                    <p:sldTgt/>
+                  </p:tgtEl>
+                </p:cond>
+              </p:prevCondLst>
+              <p:nextCondLst>
+                <p:cond evt="onNext" delay="0">
+                  <p:tgtEl>
+                    <p:sldTgt/>
+                  </p:tgtEl>
+                </p:cond>
+              </p:nextCondLst>
+            </p:seq>
+          </p:childTnLst>
+        </p:cTn>
+      </p:par>
+    </p:tnLst>
+  </p:timing>
+</p:sld>
+</file>
+
+<file path=ppt/slides/slide30.xml><?xml version="1.0" encoding="utf-8"?>
 <p:sld xmlns:a="http://schemas.openxmlformats.org/drawingml/2006/main" xmlns:r="http://schemas.openxmlformats.org/officeDocument/2006/relationships" xmlns:p="http://schemas.openxmlformats.org/presentationml/2006/main">
   <p:cSld>
     <p:spTree>
@@ -15504,7 +19021,7 @@
           <a:p>
             <a:fld id="{D57F1E4F-1CFF-5643-939E-02111984F565}" type="slidenum">
               <a:rPr lang="en-US" smtClean="0"/>
-              <a:t>25</a:t>
+              <a:t>30</a:t>
             </a:fld>
             <a:endParaRPr lang="en-US" dirty="0"/>
           </a:p>
@@ -15523,7 +19040,7 @@
 </p:sld>
 </file>
 
-<file path=ppt/slides/slide26.xml><?xml version="1.0" encoding="utf-8"?>
+<file path=ppt/slides/slide31.xml><?xml version="1.0" encoding="utf-8"?>
 <p:sld xmlns:a="http://schemas.openxmlformats.org/drawingml/2006/main" xmlns:r="http://schemas.openxmlformats.org/officeDocument/2006/relationships" xmlns:p="http://schemas.openxmlformats.org/presentationml/2006/main">
   <p:cSld>
     <p:spTree>
@@ -15813,7 +19330,7 @@
           <a:p>
             <a:fld id="{D57F1E4F-1CFF-5643-939E-02111984F565}" type="slidenum">
               <a:rPr lang="en-US" smtClean="0"/>
-              <a:t>26</a:t>
+              <a:t>31</a:t>
             </a:fld>
             <a:endParaRPr lang="en-US" dirty="0"/>
           </a:p>
@@ -15832,7 +19349,7 @@
 </p:sld>
 </file>
 
-<file path=ppt/slides/slide27.xml><?xml version="1.0" encoding="utf-8"?>
+<file path=ppt/slides/slide32.xml><?xml version="1.0" encoding="utf-8"?>
 <p:sld xmlns:a="http://schemas.openxmlformats.org/drawingml/2006/main" xmlns:r="http://schemas.openxmlformats.org/officeDocument/2006/relationships" xmlns:p="http://schemas.openxmlformats.org/presentationml/2006/main">
   <p:cSld>
     <p:spTree>
@@ -15973,7 +19490,7 @@
           <a:p>
             <a:fld id="{D57F1E4F-1CFF-5643-939E-02111984F565}" type="slidenum">
               <a:rPr lang="en-US" smtClean="0"/>
-              <a:t>27</a:t>
+              <a:t>32</a:t>
             </a:fld>
             <a:endParaRPr lang="en-US" dirty="0"/>
           </a:p>
@@ -15989,473 +19506,6 @@
   <p:clrMapOvr>
     <a:masterClrMapping/>
   </p:clrMapOvr>
-</p:sld>
-</file>
-
-<file path=ppt/slides/slide3.xml><?xml version="1.0" encoding="utf-8"?>
-<p:sld xmlns:a="http://schemas.openxmlformats.org/drawingml/2006/main" xmlns:r="http://schemas.openxmlformats.org/officeDocument/2006/relationships" xmlns:p="http://schemas.openxmlformats.org/presentationml/2006/main">
-  <p:cSld>
-    <p:spTree>
-      <p:nvGrpSpPr>
-        <p:cNvPr id="1" name=""/>
-        <p:cNvGrpSpPr/>
-        <p:nvPr/>
-      </p:nvGrpSpPr>
-      <p:grpSpPr>
-        <a:xfrm>
-          <a:off x="0" y="0"/>
-          <a:ext cx="0" cy="0"/>
-          <a:chOff x="0" y="0"/>
-          <a:chExt cx="0" cy="0"/>
-        </a:xfrm>
-      </p:grpSpPr>
-      <p:sp>
-        <p:nvSpPr>
-          <p:cNvPr id="2" name="Title 1">
-            <a:extLst>
-              <a:ext uri="{FF2B5EF4-FFF2-40B4-BE49-F238E27FC236}">
-                <a16:creationId xmlns:a16="http://schemas.microsoft.com/office/drawing/2014/main" id="{AA3A228F-61D0-D949-A5E7-F83756230BF8}"/>
-              </a:ext>
-            </a:extLst>
-          </p:cNvPr>
-          <p:cNvSpPr>
-            <a:spLocks noGrp="1"/>
-          </p:cNvSpPr>
-          <p:nvPr>
-            <p:ph type="title"/>
-          </p:nvPr>
-        </p:nvSpPr>
-        <p:spPr>
-          <a:xfrm>
-            <a:off x="145181" y="134008"/>
-            <a:ext cx="7053542" cy="683886"/>
-          </a:xfrm>
-        </p:spPr>
-        <p:txBody>
-          <a:bodyPr/>
-          <a:lstStyle/>
-          <a:p>
-            <a:r>
-              <a:rPr lang="en-US" dirty="0"/>
-              <a:t>Iteration</a:t>
-            </a:r>
-          </a:p>
-        </p:txBody>
-      </p:sp>
-      <p:sp>
-        <p:nvSpPr>
-          <p:cNvPr id="9" name="Content Placeholder 8">
-            <a:extLst>
-              <a:ext uri="{FF2B5EF4-FFF2-40B4-BE49-F238E27FC236}">
-                <a16:creationId xmlns:a16="http://schemas.microsoft.com/office/drawing/2014/main" id="{E3B2E017-30B2-884B-A113-B419A2ED51AD}"/>
-              </a:ext>
-            </a:extLst>
-          </p:cNvPr>
-          <p:cNvSpPr>
-            <a:spLocks noGrp="1"/>
-          </p:cNvSpPr>
-          <p:nvPr>
-            <p:ph idx="1"/>
-          </p:nvPr>
-        </p:nvSpPr>
-        <p:spPr>
-          <a:xfrm>
-            <a:off x="109569" y="720359"/>
-            <a:ext cx="9034431" cy="4763098"/>
-          </a:xfrm>
-        </p:spPr>
-        <p:txBody>
-          <a:bodyPr>
-            <a:normAutofit/>
-          </a:bodyPr>
-          <a:lstStyle/>
-          <a:p>
-            <a:pPr marL="0" indent="0">
-              <a:buNone/>
-            </a:pPr>
-            <a:r>
-              <a:rPr lang="en-US" b="1" dirty="0"/>
-              <a:t>Iteration</a:t>
-            </a:r>
-            <a:r>
-              <a:rPr lang="en-US" i="1" dirty="0"/>
-              <a:t> </a:t>
-            </a:r>
-            <a:r>
-              <a:rPr lang="en-US" dirty="0"/>
-              <a:t>is a repeating portion of an algorithm. Iteration repeats a specified number of times or until a given condition is met. </a:t>
-            </a:r>
-          </a:p>
-          <a:p>
-            <a:pPr marL="0" indent="0">
-              <a:buNone/>
-            </a:pPr>
-            <a:endParaRPr lang="en-US" dirty="0"/>
-          </a:p>
-          <a:p>
-            <a:pPr marL="0" indent="0">
-              <a:buNone/>
-            </a:pPr>
-            <a:r>
-              <a:rPr lang="en-US" dirty="0"/>
-              <a:t>Iteration loops are frequently referred to as </a:t>
-            </a:r>
-            <a:r>
-              <a:rPr lang="en-US" b="1" dirty="0"/>
-              <a:t>for</a:t>
-            </a:r>
-            <a:r>
-              <a:rPr lang="en-US" dirty="0"/>
-              <a:t> loops because for is the keyword  that is used to introduce them in nearly all programming languages, including Python.</a:t>
-            </a:r>
-            <a:endParaRPr lang="en-US" dirty="0">
-              <a:latin typeface="Gill Sans MT" panose="020B0502020104020203" pitchFamily="34" charset="77"/>
-            </a:endParaRPr>
-          </a:p>
-          <a:p>
-            <a:pPr marL="0" indent="0">
-              <a:buNone/>
-            </a:pPr>
-            <a:endParaRPr lang="en-US" dirty="0">
-              <a:latin typeface="Gill Sans MT" panose="020B0502020104020203" pitchFamily="34" charset="77"/>
-            </a:endParaRPr>
-          </a:p>
-          <a:p>
-            <a:pPr marL="0" indent="0">
-              <a:buNone/>
-            </a:pPr>
-            <a:r>
-              <a:rPr lang="en-US" dirty="0">
-                <a:latin typeface="Gill Sans MT" panose="020B0502020104020203" pitchFamily="34" charset="77"/>
-              </a:rPr>
-              <a:t>Python’s </a:t>
-            </a:r>
-            <a:r>
-              <a:rPr lang="en-US" i="1" dirty="0">
-                <a:latin typeface="Gill Sans MT" panose="020B0502020104020203" pitchFamily="34" charset="77"/>
-              </a:rPr>
-              <a:t>for</a:t>
-            </a:r>
-            <a:r>
-              <a:rPr lang="en-US" dirty="0">
-                <a:latin typeface="Gill Sans MT" panose="020B0502020104020203" pitchFamily="34" charset="77"/>
-              </a:rPr>
-              <a:t> loop iterates over items of a sequence(e.g. a list of numbers or a string(sequence of characters)) and process them with some code. </a:t>
-            </a:r>
-            <a:endParaRPr lang="en-US" b="1" dirty="0">
-              <a:solidFill>
-                <a:srgbClr val="006699"/>
-              </a:solidFill>
-              <a:latin typeface="Inconsolata" panose="020B0609030003000000" pitchFamily="49" charset="77"/>
-            </a:endParaRPr>
-          </a:p>
-          <a:p>
-            <a:pPr marL="0" indent="0">
-              <a:buNone/>
-            </a:pPr>
-            <a:endParaRPr lang="en-US" b="1" dirty="0">
-              <a:solidFill>
-                <a:srgbClr val="006699"/>
-              </a:solidFill>
-              <a:latin typeface="Inconsolata" panose="020B0609030003000000" pitchFamily="49" charset="77"/>
-            </a:endParaRPr>
-          </a:p>
-          <a:p>
-            <a:pPr marL="0" indent="0">
-              <a:buNone/>
-            </a:pPr>
-            <a:r>
-              <a:rPr lang="en-US" b="1" dirty="0">
-                <a:solidFill>
-                  <a:srgbClr val="006699"/>
-                </a:solidFill>
-                <a:latin typeface="Inconsolata" panose="020B0609030003000000" pitchFamily="49" charset="77"/>
-              </a:rPr>
-              <a:t>for </a:t>
-            </a:r>
-            <a:r>
-              <a:rPr lang="en-US" b="1" dirty="0">
-                <a:solidFill>
-                  <a:srgbClr val="000087"/>
-                </a:solidFill>
-                <a:latin typeface="Inconsolata" panose="020B0609030003000000" pitchFamily="49" charset="77"/>
-              </a:rPr>
-              <a:t>x </a:t>
-            </a:r>
-            <a:r>
-              <a:rPr lang="en-US" b="1" dirty="0">
-                <a:latin typeface="Inconsolata" panose="020B0609030003000000" pitchFamily="49" charset="77"/>
-              </a:rPr>
-              <a:t>in</a:t>
-            </a:r>
-            <a:r>
-              <a:rPr lang="en-US" b="1" dirty="0">
-                <a:solidFill>
-                  <a:srgbClr val="000087"/>
-                </a:solidFill>
-                <a:latin typeface="Inconsolata" panose="020B0609030003000000" pitchFamily="49" charset="77"/>
-              </a:rPr>
-              <a:t> sequence</a:t>
-            </a:r>
-            <a:r>
-              <a:rPr lang="en-US" b="1" dirty="0">
-                <a:latin typeface="Inconsolata" panose="020B0609030003000000" pitchFamily="49" charset="77"/>
-              </a:rPr>
-              <a:t>:</a:t>
-            </a:r>
-            <a:br>
-              <a:rPr lang="en-US" b="1" dirty="0">
-                <a:latin typeface="Inconsolata" panose="020B0609030003000000" pitchFamily="49" charset="77"/>
-              </a:rPr>
-            </a:br>
-            <a:r>
-              <a:rPr lang="en-US" b="1" dirty="0">
-                <a:latin typeface="Inconsolata" panose="020B0609030003000000" pitchFamily="49" charset="77"/>
-              </a:rPr>
-              <a:t>	</a:t>
-            </a:r>
-            <a:r>
-              <a:rPr lang="en-US" b="1" dirty="0">
-                <a:solidFill>
-                  <a:srgbClr val="006699"/>
-                </a:solidFill>
-                <a:latin typeface="Inconsolata" panose="020B0609030003000000" pitchFamily="49" charset="77"/>
-              </a:rPr>
-              <a:t>block</a:t>
-            </a:r>
-            <a:r>
-              <a:rPr lang="en-US" b="1" dirty="0">
-                <a:latin typeface="Inconsolata" panose="020B0609030003000000" pitchFamily="49" charset="77"/>
-              </a:rPr>
-              <a:t> </a:t>
-            </a:r>
-          </a:p>
-          <a:p>
-            <a:pPr marL="0" indent="0">
-              <a:buNone/>
-            </a:pPr>
-            <a:endParaRPr lang="en-US" dirty="0">
-              <a:latin typeface="Gill Sans MT" panose="020B0502020104020203" pitchFamily="34" charset="77"/>
-            </a:endParaRPr>
-          </a:p>
-        </p:txBody>
-      </p:sp>
-      <p:sp>
-        <p:nvSpPr>
-          <p:cNvPr id="3" name="Slide Number Placeholder 2">
-            <a:extLst>
-              <a:ext uri="{FF2B5EF4-FFF2-40B4-BE49-F238E27FC236}">
-                <a16:creationId xmlns:a16="http://schemas.microsoft.com/office/drawing/2014/main" id="{28794873-6DE4-0A41-9960-6B3C5DD35360}"/>
-              </a:ext>
-            </a:extLst>
-          </p:cNvPr>
-          <p:cNvSpPr>
-            <a:spLocks noGrp="1"/>
-          </p:cNvSpPr>
-          <p:nvPr>
-            <p:ph type="sldNum" sz="quarter" idx="12"/>
-          </p:nvPr>
-        </p:nvSpPr>
-        <p:spPr/>
-        <p:txBody>
-          <a:bodyPr/>
-          <a:lstStyle/>
-          <a:p>
-            <a:fld id="{D57F1E4F-1CFF-5643-939E-02111984F565}" type="slidenum">
-              <a:rPr lang="en-US" smtClean="0"/>
-              <a:t>3</a:t>
-            </a:fld>
-            <a:endParaRPr lang="en-US" dirty="0"/>
-          </a:p>
-        </p:txBody>
-      </p:sp>
-    </p:spTree>
-    <p:extLst>
-      <p:ext uri="{BB962C8B-B14F-4D97-AF65-F5344CB8AC3E}">
-        <p14:creationId xmlns:p14="http://schemas.microsoft.com/office/powerpoint/2010/main" val="1816941262"/>
-      </p:ext>
-    </p:extLst>
-  </p:cSld>
-  <p:clrMapOvr>
-    <a:masterClrMapping/>
-  </p:clrMapOvr>
-  <p:timing>
-    <p:tnLst>
-      <p:par>
-        <p:cTn id="1" dur="indefinite" restart="never" nodeType="tmRoot">
-          <p:childTnLst>
-            <p:seq concurrent="1" nextAc="seek">
-              <p:cTn id="2" dur="indefinite" nodeType="mainSeq">
-                <p:childTnLst>
-                  <p:par>
-                    <p:cTn id="3" fill="hold">
-                      <p:stCondLst>
-                        <p:cond delay="indefinite"/>
-                      </p:stCondLst>
-                      <p:childTnLst>
-                        <p:par>
-                          <p:cTn id="4" fill="hold">
-                            <p:stCondLst>
-                              <p:cond delay="0"/>
-                            </p:stCondLst>
-                            <p:childTnLst>
-                              <p:par>
-                                <p:cTn id="5" presetID="1" presetClass="entr" presetSubtype="0" fill="hold" nodeType="clickEffect">
-                                  <p:stCondLst>
-                                    <p:cond delay="0"/>
-                                  </p:stCondLst>
-                                  <p:childTnLst>
-                                    <p:set>
-                                      <p:cBhvr>
-                                        <p:cTn id="6" dur="1" fill="hold">
-                                          <p:stCondLst>
-                                            <p:cond delay="0"/>
-                                          </p:stCondLst>
-                                        </p:cTn>
-                                        <p:tgtEl>
-                                          <p:spTgt spid="9">
-                                            <p:txEl>
-                                              <p:pRg st="2" end="2"/>
-                                            </p:txEl>
-                                          </p:spTgt>
-                                        </p:tgtEl>
-                                        <p:attrNameLst>
-                                          <p:attrName>style.visibility</p:attrName>
-                                        </p:attrNameLst>
-                                      </p:cBhvr>
-                                      <p:to>
-                                        <p:strVal val="visible"/>
-                                      </p:to>
-                                    </p:set>
-                                  </p:childTnLst>
-                                </p:cTn>
-                              </p:par>
-                            </p:childTnLst>
-                          </p:cTn>
-                        </p:par>
-                      </p:childTnLst>
-                    </p:cTn>
-                  </p:par>
-                  <p:par>
-                    <p:cTn id="7" fill="hold">
-                      <p:stCondLst>
-                        <p:cond delay="indefinite"/>
-                      </p:stCondLst>
-                      <p:childTnLst>
-                        <p:par>
-                          <p:cTn id="8" fill="hold">
-                            <p:stCondLst>
-                              <p:cond delay="0"/>
-                            </p:stCondLst>
-                            <p:childTnLst>
-                              <p:par>
-                                <p:cTn id="9" presetID="1" presetClass="entr" presetSubtype="0" fill="hold" nodeType="clickEffect">
-                                  <p:stCondLst>
-                                    <p:cond delay="0"/>
-                                  </p:stCondLst>
-                                  <p:childTnLst>
-                                    <p:set>
-                                      <p:cBhvr>
-                                        <p:cTn id="10" dur="1" fill="hold">
-                                          <p:stCondLst>
-                                            <p:cond delay="0"/>
-                                          </p:stCondLst>
-                                        </p:cTn>
-                                        <p:tgtEl>
-                                          <p:spTgt spid="9">
-                                            <p:txEl>
-                                              <p:pRg st="4" end="4"/>
-                                            </p:txEl>
-                                          </p:spTgt>
-                                        </p:tgtEl>
-                                        <p:attrNameLst>
-                                          <p:attrName>style.visibility</p:attrName>
-                                        </p:attrNameLst>
-                                      </p:cBhvr>
-                                      <p:to>
-                                        <p:strVal val="visible"/>
-                                      </p:to>
-                                    </p:set>
-                                  </p:childTnLst>
-                                </p:cTn>
-                              </p:par>
-                            </p:childTnLst>
-                          </p:cTn>
-                        </p:par>
-                      </p:childTnLst>
-                    </p:cTn>
-                  </p:par>
-                  <p:par>
-                    <p:cTn id="11" fill="hold">
-                      <p:stCondLst>
-                        <p:cond delay="indefinite"/>
-                      </p:stCondLst>
-                      <p:childTnLst>
-                        <p:par>
-                          <p:cTn id="12" fill="hold">
-                            <p:stCondLst>
-                              <p:cond delay="0"/>
-                            </p:stCondLst>
-                            <p:childTnLst>
-                              <p:par>
-                                <p:cTn id="13" presetID="1" presetClass="entr" presetSubtype="0" fill="hold" nodeType="clickEffect">
-                                  <p:stCondLst>
-                                    <p:cond delay="0"/>
-                                  </p:stCondLst>
-                                  <p:childTnLst>
-                                    <p:set>
-                                      <p:cBhvr>
-                                        <p:cTn id="14" dur="1" fill="hold">
-                                          <p:stCondLst>
-                                            <p:cond delay="0"/>
-                                          </p:stCondLst>
-                                        </p:cTn>
-                                        <p:tgtEl>
-                                          <p:spTgt spid="9">
-                                            <p:txEl>
-                                              <p:pRg st="6" end="6"/>
-                                            </p:txEl>
-                                          </p:spTgt>
-                                        </p:tgtEl>
-                                        <p:attrNameLst>
-                                          <p:attrName>style.visibility</p:attrName>
-                                        </p:attrNameLst>
-                                      </p:cBhvr>
-                                      <p:to>
-                                        <p:strVal val="visible"/>
-                                      </p:to>
-                                    </p:set>
-                                  </p:childTnLst>
-                                </p:cTn>
-                              </p:par>
-                            </p:childTnLst>
-                          </p:cTn>
-                        </p:par>
-                      </p:childTnLst>
-                    </p:cTn>
-                  </p:par>
-                </p:childTnLst>
-              </p:cTn>
-              <p:prevCondLst>
-                <p:cond evt="onPrev" delay="0">
-                  <p:tgtEl>
-                    <p:sldTgt/>
-                  </p:tgtEl>
-                </p:cond>
-              </p:prevCondLst>
-              <p:nextCondLst>
-                <p:cond evt="onNext" delay="0">
-                  <p:tgtEl>
-                    <p:sldTgt/>
-                  </p:tgtEl>
-                </p:cond>
-              </p:nextCondLst>
-            </p:seq>
-          </p:childTnLst>
-        </p:cTn>
-      </p:par>
-    </p:tnLst>
-  </p:timing>
 </p:sld>
 </file>
 

--- a/courses/apcsp/lect5.pptx
+++ b/courses/apcsp/lect5.pptx
@@ -10,12 +10,12 @@
   <p:sldIdLst>
     <p:sldId id="256" r:id="rId2"/>
     <p:sldId id="286" r:id="rId3"/>
-    <p:sldId id="295" r:id="rId4"/>
-    <p:sldId id="334" r:id="rId5"/>
-    <p:sldId id="313" r:id="rId6"/>
-    <p:sldId id="296" r:id="rId7"/>
-    <p:sldId id="297" r:id="rId8"/>
-    <p:sldId id="298" r:id="rId9"/>
+    <p:sldId id="360" r:id="rId4"/>
+    <p:sldId id="295" r:id="rId5"/>
+    <p:sldId id="334" r:id="rId6"/>
+    <p:sldId id="313" r:id="rId7"/>
+    <p:sldId id="296" r:id="rId8"/>
+    <p:sldId id="297" r:id="rId9"/>
     <p:sldId id="337" r:id="rId10"/>
     <p:sldId id="305" r:id="rId11"/>
     <p:sldId id="331" r:id="rId12"/>
@@ -149,7 +149,7 @@
 <file path=ppt/revisionInfo.xml><?xml version="1.0" encoding="utf-8"?>
 <p1510:revInfo xmlns:a="http://schemas.openxmlformats.org/drawingml/2006/main" xmlns:r="http://schemas.openxmlformats.org/officeDocument/2006/relationships" xmlns:p1510="http://schemas.microsoft.com/office/powerpoint/2015/10/main">
   <p1510:revLst>
-    <p1510:client id="{CC26EAD3-1EB2-9641-867D-585F8EC44BCF}" v="1" dt="2023-10-20T11:58:36.949"/>
+    <p1510:client id="{CC26EAD3-1EB2-9641-867D-585F8EC44BCF}" v="193" dt="2023-10-24T15:48:58.691"/>
   </p1510:revLst>
 </p1510:revInfo>
 </file>
@@ -158,16 +158,68 @@
 <pc:chgInfo xmlns:a="http://schemas.openxmlformats.org/drawingml/2006/main" xmlns:r="http://schemas.openxmlformats.org/officeDocument/2006/relationships" xmlns:ac="http://schemas.microsoft.com/office/drawing/2013/main/command" xmlns:pc="http://schemas.microsoft.com/office/powerpoint/2013/main/command">
   <pc:docChgLst>
     <pc:chgData name="Long B Nguyen" userId="f59fb8f3-a021-417a-8bc1-65c8d471c621" providerId="ADAL" clId="{CC26EAD3-1EB2-9641-867D-585F8EC44BCF}"/>
-    <pc:docChg chg="addSld modSld">
-      <pc:chgData name="Long B Nguyen" userId="f59fb8f3-a021-417a-8bc1-65c8d471c621" providerId="ADAL" clId="{CC26EAD3-1EB2-9641-867D-585F8EC44BCF}" dt="2023-10-20T11:58:36.936" v="0"/>
+    <pc:docChg chg="undo custSel addSld delSld modSld">
+      <pc:chgData name="Long B Nguyen" userId="f59fb8f3-a021-417a-8bc1-65c8d471c621" providerId="ADAL" clId="{CC26EAD3-1EB2-9641-867D-585F8EC44BCF}" dt="2023-10-24T15:48:58.691" v="212" actId="20577"/>
       <pc:docMkLst>
         <pc:docMk/>
       </pc:docMkLst>
+      <pc:sldChg chg="modSp mod">
+        <pc:chgData name="Long B Nguyen" userId="f59fb8f3-a021-417a-8bc1-65c8d471c621" providerId="ADAL" clId="{CC26EAD3-1EB2-9641-867D-585F8EC44BCF}" dt="2023-10-24T14:27:53.876" v="8" actId="20577"/>
+        <pc:sldMkLst>
+          <pc:docMk/>
+          <pc:sldMk cId="131840209" sldId="286"/>
+        </pc:sldMkLst>
+        <pc:spChg chg="mod">
+          <ac:chgData name="Long B Nguyen" userId="f59fb8f3-a021-417a-8bc1-65c8d471c621" providerId="ADAL" clId="{CC26EAD3-1EB2-9641-867D-585F8EC44BCF}" dt="2023-10-24T14:27:53.876" v="8" actId="20577"/>
+          <ac:spMkLst>
+            <pc:docMk/>
+            <pc:sldMk cId="131840209" sldId="286"/>
+            <ac:spMk id="9" creationId="{E3B2E017-30B2-884B-A113-B419A2ED51AD}"/>
+          </ac:spMkLst>
+        </pc:spChg>
+      </pc:sldChg>
       <pc:sldChg chg="add">
         <pc:chgData name="Long B Nguyen" userId="f59fb8f3-a021-417a-8bc1-65c8d471c621" providerId="ADAL" clId="{CC26EAD3-1EB2-9641-867D-585F8EC44BCF}" dt="2023-10-20T11:58:36.936" v="0"/>
         <pc:sldMkLst>
           <pc:docMk/>
           <pc:sldMk cId="847072393" sldId="292"/>
+        </pc:sldMkLst>
+      </pc:sldChg>
+      <pc:sldChg chg="modSp del mod">
+        <pc:chgData name="Long B Nguyen" userId="f59fb8f3-a021-417a-8bc1-65c8d471c621" providerId="ADAL" clId="{CC26EAD3-1EB2-9641-867D-585F8EC44BCF}" dt="2023-10-24T15:48:52.348" v="207" actId="2696"/>
+        <pc:sldMkLst>
+          <pc:docMk/>
+          <pc:sldMk cId="1816941262" sldId="295"/>
+        </pc:sldMkLst>
+        <pc:spChg chg="mod">
+          <ac:chgData name="Long B Nguyen" userId="f59fb8f3-a021-417a-8bc1-65c8d471c621" providerId="ADAL" clId="{CC26EAD3-1EB2-9641-867D-585F8EC44BCF}" dt="2023-10-24T15:47:47.863" v="89" actId="27636"/>
+          <ac:spMkLst>
+            <pc:docMk/>
+            <pc:sldMk cId="1816941262" sldId="295"/>
+            <ac:spMk id="9" creationId="{E3B2E017-30B2-884B-A113-B419A2ED51AD}"/>
+          </ac:spMkLst>
+        </pc:spChg>
+      </pc:sldChg>
+      <pc:sldChg chg="modSp add mod">
+        <pc:chgData name="Long B Nguyen" userId="f59fb8f3-a021-417a-8bc1-65c8d471c621" providerId="ADAL" clId="{CC26EAD3-1EB2-9641-867D-585F8EC44BCF}" dt="2023-10-24T15:48:58.691" v="212" actId="20577"/>
+        <pc:sldMkLst>
+          <pc:docMk/>
+          <pc:sldMk cId="3530588399" sldId="295"/>
+        </pc:sldMkLst>
+        <pc:spChg chg="mod">
+          <ac:chgData name="Long B Nguyen" userId="f59fb8f3-a021-417a-8bc1-65c8d471c621" providerId="ADAL" clId="{CC26EAD3-1EB2-9641-867D-585F8EC44BCF}" dt="2023-10-24T15:48:58.691" v="212" actId="20577"/>
+          <ac:spMkLst>
+            <pc:docMk/>
+            <pc:sldMk cId="3530588399" sldId="295"/>
+            <ac:spMk id="9" creationId="{E3B2E017-30B2-884B-A113-B419A2ED51AD}"/>
+          </ac:spMkLst>
+        </pc:spChg>
+      </pc:sldChg>
+      <pc:sldChg chg="del">
+        <pc:chgData name="Long B Nguyen" userId="f59fb8f3-a021-417a-8bc1-65c8d471c621" providerId="ADAL" clId="{CC26EAD3-1EB2-9641-867D-585F8EC44BCF}" dt="2023-10-24T14:28:24.523" v="9" actId="2696"/>
+        <pc:sldMkLst>
+          <pc:docMk/>
+          <pc:sldMk cId="3150557076" sldId="298"/>
         </pc:sldMkLst>
       </pc:sldChg>
       <pc:sldChg chg="add">
@@ -184,6 +236,29 @@
           <pc:sldMk cId="885822507" sldId="303"/>
         </pc:sldMkLst>
       </pc:sldChg>
+      <pc:sldChg chg="delSp modSp mod delAnim modAnim">
+        <pc:chgData name="Long B Nguyen" userId="f59fb8f3-a021-417a-8bc1-65c8d471c621" providerId="ADAL" clId="{CC26EAD3-1EB2-9641-867D-585F8EC44BCF}" dt="2023-10-24T14:29:09.323" v="84" actId="478"/>
+        <pc:sldMkLst>
+          <pc:docMk/>
+          <pc:sldMk cId="1872435103" sldId="309"/>
+        </pc:sldMkLst>
+        <pc:spChg chg="del mod">
+          <ac:chgData name="Long B Nguyen" userId="f59fb8f3-a021-417a-8bc1-65c8d471c621" providerId="ADAL" clId="{CC26EAD3-1EB2-9641-867D-585F8EC44BCF}" dt="2023-10-24T14:29:09.323" v="84" actId="478"/>
+          <ac:spMkLst>
+            <pc:docMk/>
+            <pc:sldMk cId="1872435103" sldId="309"/>
+            <ac:spMk id="3" creationId="{DC451C8B-97F6-454D-8175-CD0C462539E3}"/>
+          </ac:spMkLst>
+        </pc:spChg>
+        <pc:spChg chg="mod">
+          <ac:chgData name="Long B Nguyen" userId="f59fb8f3-a021-417a-8bc1-65c8d471c621" providerId="ADAL" clId="{CC26EAD3-1EB2-9641-867D-585F8EC44BCF}" dt="2023-10-24T14:29:01.598" v="82" actId="20577"/>
+          <ac:spMkLst>
+            <pc:docMk/>
+            <pc:sldMk cId="1872435103" sldId="309"/>
+            <ac:spMk id="9" creationId="{E3B2E017-30B2-884B-A113-B419A2ED51AD}"/>
+          </ac:spMkLst>
+        </pc:spChg>
+      </pc:sldChg>
       <pc:sldChg chg="add">
         <pc:chgData name="Long B Nguyen" userId="f59fb8f3-a021-417a-8bc1-65c8d471c621" providerId="ADAL" clId="{CC26EAD3-1EB2-9641-867D-585F8EC44BCF}" dt="2023-10-20T11:58:36.936" v="0"/>
         <pc:sldMkLst>
@@ -197,6 +272,21 @@
           <pc:docMk/>
           <pc:sldMk cId="4013144405" sldId="359"/>
         </pc:sldMkLst>
+      </pc:sldChg>
+      <pc:sldChg chg="modSp add mod modAnim">
+        <pc:chgData name="Long B Nguyen" userId="f59fb8f3-a021-417a-8bc1-65c8d471c621" providerId="ADAL" clId="{CC26EAD3-1EB2-9641-867D-585F8EC44BCF}" dt="2023-10-24T15:48:36.055" v="206" actId="20577"/>
+        <pc:sldMkLst>
+          <pc:docMk/>
+          <pc:sldMk cId="2021172327" sldId="360"/>
+        </pc:sldMkLst>
+        <pc:spChg chg="mod">
+          <ac:chgData name="Long B Nguyen" userId="f59fb8f3-a021-417a-8bc1-65c8d471c621" providerId="ADAL" clId="{CC26EAD3-1EB2-9641-867D-585F8EC44BCF}" dt="2023-10-24T15:48:36.055" v="206" actId="20577"/>
+          <ac:spMkLst>
+            <pc:docMk/>
+            <pc:sldMk cId="2021172327" sldId="360"/>
+            <ac:spMk id="9" creationId="{E3B2E017-30B2-884B-A113-B419A2ED51AD}"/>
+          </ac:spMkLst>
+        </pc:spChg>
       </pc:sldChg>
     </pc:docChg>
   </pc:docChgLst>
@@ -2655,7 +2745,7 @@
           <a:p>
             <a:fld id="{91B17CCE-B712-5B43-9D1C-82523EAD6AD9}" type="datetimeFigureOut">
               <a:rPr lang="en-US" smtClean="0"/>
-              <a:t>10/20/23</a:t>
+              <a:t>10/24/23</a:t>
             </a:fld>
             <a:endParaRPr lang="en-US"/>
           </a:p>
@@ -3053,7 +3143,7 @@
           <a:p>
             <a:fld id="{DC471BF0-9D75-0942-9041-17C4B5344EC4}" type="datetime1">
               <a:rPr lang="en-US" smtClean="0"/>
-              <a:t>10/20/23</a:t>
+              <a:t>10/24/23</a:t>
             </a:fld>
             <a:endParaRPr lang="en-US" dirty="0"/>
           </a:p>
@@ -3223,7 +3313,7 @@
           <a:p>
             <a:fld id="{B2865873-C2CE-D94D-9B62-5C7D3D28893C}" type="datetime1">
               <a:rPr lang="en-US" smtClean="0"/>
-              <a:t>10/20/23</a:t>
+              <a:t>10/24/23</a:t>
             </a:fld>
             <a:endParaRPr lang="en-US" dirty="0"/>
           </a:p>
@@ -3403,7 +3493,7 @@
           <a:p>
             <a:fld id="{8FD9C3D9-FA7E-9846-AC00-3B249AB3A3A5}" type="datetime1">
               <a:rPr lang="en-US" smtClean="0"/>
-              <a:t>10/20/23</a:t>
+              <a:t>10/24/23</a:t>
             </a:fld>
             <a:endParaRPr lang="en-US" dirty="0"/>
           </a:p>
@@ -3573,7 +3663,7 @@
           <a:p>
             <a:fld id="{BB0B2068-C0B6-3D41-8F8D-849B431B8433}" type="datetime1">
               <a:rPr lang="en-US" smtClean="0"/>
-              <a:t>10/20/23</a:t>
+              <a:t>10/24/23</a:t>
             </a:fld>
             <a:endParaRPr lang="en-US" dirty="0"/>
           </a:p>
@@ -3819,7 +3909,7 @@
           <a:p>
             <a:fld id="{0F9033C7-D091-114B-8DC2-5C14BE3937E7}" type="datetime1">
               <a:rPr lang="en-US" smtClean="0"/>
-              <a:t>10/20/23</a:t>
+              <a:t>10/24/23</a:t>
             </a:fld>
             <a:endParaRPr lang="en-US" dirty="0"/>
           </a:p>
@@ -4051,7 +4141,7 @@
           <a:p>
             <a:fld id="{9157D187-B498-E845-A39A-6C51B5EF5520}" type="datetime1">
               <a:rPr lang="en-US" smtClean="0"/>
-              <a:t>10/20/23</a:t>
+              <a:t>10/24/23</a:t>
             </a:fld>
             <a:endParaRPr lang="en-US" dirty="0"/>
           </a:p>
@@ -4418,7 +4508,7 @@
           <a:p>
             <a:fld id="{10C5814F-9C1E-8F43-BD11-47A12FCB08E9}" type="datetime1">
               <a:rPr lang="en-US" smtClean="0"/>
-              <a:t>10/20/23</a:t>
+              <a:t>10/24/23</a:t>
             </a:fld>
             <a:endParaRPr lang="en-US" dirty="0"/>
           </a:p>
@@ -4536,7 +4626,7 @@
           <a:p>
             <a:fld id="{00F4A595-D1A6-9443-A5E6-028339934659}" type="datetime1">
               <a:rPr lang="en-US" smtClean="0"/>
-              <a:t>10/20/23</a:t>
+              <a:t>10/24/23</a:t>
             </a:fld>
             <a:endParaRPr lang="en-US" dirty="0"/>
           </a:p>
@@ -4631,7 +4721,7 @@
           <a:p>
             <a:fld id="{283535AB-F705-A546-82E9-EF92A857560A}" type="datetime1">
               <a:rPr lang="en-US" smtClean="0"/>
-              <a:t>10/20/23</a:t>
+              <a:t>10/24/23</a:t>
             </a:fld>
             <a:endParaRPr lang="en-US" dirty="0"/>
           </a:p>
@@ -4908,7 +4998,7 @@
           <a:p>
             <a:fld id="{5458BA01-9B91-0A4B-AB23-8BE4CE0D7125}" type="datetime1">
               <a:rPr lang="en-US" smtClean="0"/>
-              <a:t>10/20/23</a:t>
+              <a:t>10/24/23</a:t>
             </a:fld>
             <a:endParaRPr lang="en-US" dirty="0"/>
           </a:p>
@@ -5165,7 +5255,7 @@
           <a:p>
             <a:fld id="{508F2FD5-7FA7-DF4B-B297-3F8803611404}" type="datetime1">
               <a:rPr lang="en-US" smtClean="0"/>
-              <a:t>10/20/23</a:t>
+              <a:t>10/24/23</a:t>
             </a:fld>
             <a:endParaRPr lang="en-US" dirty="0"/>
           </a:p>
@@ -5378,7 +5468,7 @@
           <a:p>
             <a:fld id="{74C7A9AF-EB43-AD4F-A6D0-5244F0154611}" type="datetime1">
               <a:rPr lang="en-US" smtClean="0"/>
-              <a:t>10/20/23</a:t>
+              <a:t>10/24/23</a:t>
             </a:fld>
             <a:endParaRPr lang="en-US" dirty="0"/>
           </a:p>
@@ -8267,7 +8357,7 @@
               <a:rPr lang="en-US" dirty="0">
                 <a:latin typeface="Gill Sans MT" panose="020B0502020104020203" pitchFamily="34" charset="77"/>
               </a:rPr>
-              <a:t>Write a segment of code that compute the sum of all numbers from 1 to 100 that are multiples of 3.</a:t>
+              <a:t>Write a segment of code that compute the sum of all numbers from 1 to 100 that are multiples of 3. Loop but only sum if a certain condition is true. </a:t>
             </a:r>
           </a:p>
           <a:p>
@@ -8282,6 +8372,14 @@
             <a:pPr marL="0" indent="0">
               <a:buNone/>
             </a:pPr>
+            <a:endParaRPr lang="en-US" dirty="0">
+              <a:latin typeface="Gill Sans MT" panose="020B0502020104020203" pitchFamily="34" charset="77"/>
+            </a:endParaRPr>
+          </a:p>
+          <a:p>
+            <a:pPr marL="0" indent="0">
+              <a:buNone/>
+            </a:pPr>
             <a:r>
               <a:rPr lang="en-US" b="1" dirty="0">
                 <a:solidFill>
@@ -8309,13 +8407,22 @@
               <a:t>for </a:t>
             </a:r>
             <a:r>
-              <a:rPr lang="en-US" b="1" dirty="0">
+              <a:rPr lang="en-US" b="1" dirty="0" err="1">
                 <a:solidFill>
                   <a:srgbClr val="000087"/>
                 </a:solidFill>
                 <a:latin typeface="Inconsolata" panose="020B0609030003000000" pitchFamily="49" charset="77"/>
               </a:rPr>
-              <a:t>i </a:t>
+              <a:t>i</a:t>
+            </a:r>
+            <a:r>
+              <a:rPr lang="en-US" b="1" dirty="0">
+                <a:solidFill>
+                  <a:srgbClr val="000087"/>
+                </a:solidFill>
+                <a:latin typeface="Inconsolata" panose="020B0609030003000000" pitchFamily="49" charset="77"/>
+              </a:rPr>
+              <a:t> </a:t>
             </a:r>
             <a:r>
               <a:rPr lang="en-US" b="1" dirty="0">
@@ -8336,7 +8443,7 @@
               <a:rPr lang="en-US" b="1" dirty="0">
                 <a:latin typeface="Inconsolata" panose="020B0609030003000000" pitchFamily="49" charset="77"/>
               </a:rPr>
-              <a:t>(0, </a:t>
+              <a:t>(1, </a:t>
             </a:r>
             <a:r>
               <a:rPr lang="en-US" b="1" dirty="0">
@@ -8345,7 +8452,7 @@
                 </a:solidFill>
                 <a:latin typeface="Inconsolata" panose="020B0609030003000000" pitchFamily="49" charset="77"/>
               </a:rPr>
-              <a:t>101, 3</a:t>
+              <a:t>101</a:t>
             </a:r>
             <a:r>
               <a:rPr lang="en-US" b="1" dirty="0">
@@ -8353,11 +8460,11 @@
               </a:rPr>
               <a:t>):</a:t>
             </a:r>
-          </a:p>
-          <a:p>
-            <a:pPr marL="0" indent="0">
-              <a:buNone/>
-            </a:pPr>
+            <a:br>
+              <a:rPr lang="en-US" b="1" dirty="0">
+                <a:latin typeface="Inconsolata" panose="020B0609030003000000" pitchFamily="49" charset="77"/>
+              </a:rPr>
+            </a:br>
             <a:r>
               <a:rPr lang="en-US" b="1" dirty="0">
                 <a:solidFill>
@@ -8365,7 +8472,39 @@
                 </a:solidFill>
                 <a:latin typeface="Inconsolata" panose="020B0609030003000000" pitchFamily="49" charset="77"/>
               </a:rPr>
-              <a:t>	sum += </a:t>
+              <a:t>	if </a:t>
+            </a:r>
+            <a:r>
+              <a:rPr lang="en-US" b="1" dirty="0" err="1">
+                <a:solidFill>
+                  <a:srgbClr val="006699"/>
+                </a:solidFill>
+                <a:latin typeface="Inconsolata" panose="020B0609030003000000" pitchFamily="49" charset="77"/>
+              </a:rPr>
+              <a:t>i</a:t>
+            </a:r>
+            <a:r>
+              <a:rPr lang="en-US" b="1" dirty="0">
+                <a:solidFill>
+                  <a:srgbClr val="006699"/>
+                </a:solidFill>
+                <a:latin typeface="Inconsolata" panose="020B0609030003000000" pitchFamily="49" charset="77"/>
+              </a:rPr>
+              <a:t> % 3 == 0:</a:t>
+            </a:r>
+          </a:p>
+          <a:p>
+            <a:pPr marL="0" indent="0">
+              <a:buNone/>
+            </a:pPr>
+            <a:r>
+              <a:rPr lang="en-US" b="1" dirty="0">
+                <a:solidFill>
+                  <a:srgbClr val="006699"/>
+                </a:solidFill>
+                <a:latin typeface="Inconsolata" panose="020B0609030003000000" pitchFamily="49" charset="77"/>
+              </a:rPr>
+              <a:t>		sum += </a:t>
             </a:r>
             <a:r>
               <a:rPr lang="en-US" b="1" dirty="0" err="1">
@@ -8387,239 +8526,12 @@
             <a:pPr marL="0" indent="0">
               <a:buNone/>
             </a:pPr>
-            <a:endParaRPr lang="en-US" dirty="0">
-              <a:latin typeface="Gill Sans MT" panose="020B0502020104020203" pitchFamily="34" charset="77"/>
-            </a:endParaRPr>
-          </a:p>
-          <a:p>
-            <a:pPr marL="0" indent="0">
-              <a:buNone/>
-            </a:pPr>
-            <a:r>
-              <a:rPr lang="en-US" dirty="0">
-                <a:latin typeface="Gill Sans MT" panose="020B0502020104020203" pitchFamily="34" charset="77"/>
-              </a:rPr>
-              <a:t>Or equivalently, we can use a conditional to select the numbers to add:</a:t>
-            </a:r>
-            <a:endParaRPr lang="en-US" b="1" dirty="0">
-              <a:latin typeface="Inconsolata" panose="020B0609030003000000" pitchFamily="49" charset="77"/>
-            </a:endParaRPr>
-          </a:p>
-          <a:p>
-            <a:pPr marL="0" indent="0">
-              <a:buNone/>
-            </a:pPr>
-            <a:r>
-              <a:rPr lang="en-US" b="1" dirty="0">
-                <a:solidFill>
-                  <a:srgbClr val="006699"/>
-                </a:solidFill>
-                <a:latin typeface="Inconsolata" panose="020B0609030003000000" pitchFamily="49" charset="77"/>
-              </a:rPr>
-              <a:t>sum = 0</a:t>
-            </a:r>
-            <a:endParaRPr lang="en-US" b="1" dirty="0">
-              <a:latin typeface="Inconsolata" panose="020B0609030003000000" pitchFamily="49" charset="77"/>
-            </a:endParaRPr>
-          </a:p>
-          <a:p>
-            <a:pPr marL="0" indent="0">
-              <a:buNone/>
-            </a:pPr>
-            <a:r>
-              <a:rPr lang="en-US" b="1" dirty="0">
-                <a:solidFill>
-                  <a:srgbClr val="006699"/>
-                </a:solidFill>
-                <a:latin typeface="Inconsolata" panose="020B0609030003000000" pitchFamily="49" charset="77"/>
-              </a:rPr>
-              <a:t>for </a:t>
-            </a:r>
-            <a:r>
-              <a:rPr lang="en-US" b="1" dirty="0" err="1">
-                <a:solidFill>
-                  <a:srgbClr val="000087"/>
-                </a:solidFill>
-                <a:latin typeface="Inconsolata" panose="020B0609030003000000" pitchFamily="49" charset="77"/>
-              </a:rPr>
-              <a:t>i</a:t>
-            </a:r>
-            <a:r>
-              <a:rPr lang="en-US" b="1" dirty="0">
-                <a:solidFill>
-                  <a:srgbClr val="000087"/>
-                </a:solidFill>
-                <a:latin typeface="Inconsolata" panose="020B0609030003000000" pitchFamily="49" charset="77"/>
-              </a:rPr>
-              <a:t> </a:t>
-            </a:r>
-            <a:r>
-              <a:rPr lang="en-US" b="1" dirty="0">
-                <a:latin typeface="Inconsolata" panose="020B0609030003000000" pitchFamily="49" charset="77"/>
-              </a:rPr>
-              <a:t>in </a:t>
-            </a:r>
-            <a:r>
-              <a:rPr lang="en-US" b="1" dirty="0">
-                <a:solidFill>
-                  <a:srgbClr val="336666"/>
-                </a:solidFill>
-                <a:latin typeface="Inconsolata" panose="020B0609030003000000" pitchFamily="49" charset="77"/>
-              </a:rPr>
-              <a:t>range</a:t>
-            </a:r>
-            <a:r>
-              <a:rPr lang="en-US" b="1" dirty="0">
-                <a:latin typeface="Inconsolata" panose="020B0609030003000000" pitchFamily="49" charset="77"/>
-              </a:rPr>
-              <a:t>(1, </a:t>
-            </a:r>
-            <a:r>
-              <a:rPr lang="en-US" b="1" dirty="0">
-                <a:solidFill>
-                  <a:srgbClr val="FF6600"/>
-                </a:solidFill>
-                <a:latin typeface="Inconsolata" panose="020B0609030003000000" pitchFamily="49" charset="77"/>
-              </a:rPr>
-              <a:t>101</a:t>
-            </a:r>
-            <a:r>
-              <a:rPr lang="en-US" b="1" dirty="0">
-                <a:latin typeface="Inconsolata" panose="020B0609030003000000" pitchFamily="49" charset="77"/>
-              </a:rPr>
-              <a:t>):</a:t>
-            </a:r>
-            <a:br>
-              <a:rPr lang="en-US" b="1" dirty="0">
-                <a:latin typeface="Inconsolata" panose="020B0609030003000000" pitchFamily="49" charset="77"/>
-              </a:rPr>
-            </a:br>
-            <a:r>
-              <a:rPr lang="en-US" b="1" dirty="0">
-                <a:solidFill>
-                  <a:srgbClr val="006699"/>
-                </a:solidFill>
-                <a:latin typeface="Inconsolata" panose="020B0609030003000000" pitchFamily="49" charset="77"/>
-              </a:rPr>
-              <a:t>	if </a:t>
-            </a:r>
-            <a:r>
-              <a:rPr lang="en-US" b="1" dirty="0" err="1">
-                <a:solidFill>
-                  <a:srgbClr val="006699"/>
-                </a:solidFill>
-                <a:latin typeface="Inconsolata" panose="020B0609030003000000" pitchFamily="49" charset="77"/>
-              </a:rPr>
-              <a:t>i</a:t>
-            </a:r>
-            <a:r>
-              <a:rPr lang="en-US" b="1" dirty="0">
-                <a:solidFill>
-                  <a:srgbClr val="006699"/>
-                </a:solidFill>
-                <a:latin typeface="Inconsolata" panose="020B0609030003000000" pitchFamily="49" charset="77"/>
-              </a:rPr>
-              <a:t> % 3 == 0:</a:t>
-            </a:r>
-          </a:p>
-          <a:p>
-            <a:pPr marL="0" indent="0">
-              <a:buNone/>
-            </a:pPr>
-            <a:r>
-              <a:rPr lang="en-US" b="1" dirty="0">
-                <a:solidFill>
-                  <a:srgbClr val="006699"/>
-                </a:solidFill>
-                <a:latin typeface="Inconsolata" panose="020B0609030003000000" pitchFamily="49" charset="77"/>
-              </a:rPr>
-              <a:t>		sum += </a:t>
-            </a:r>
-            <a:r>
-              <a:rPr lang="en-US" b="1" dirty="0" err="1">
-                <a:solidFill>
-                  <a:srgbClr val="006699"/>
-                </a:solidFill>
-                <a:latin typeface="Inconsolata" panose="020B0609030003000000" pitchFamily="49" charset="77"/>
-              </a:rPr>
-              <a:t>i</a:t>
-            </a:r>
-            <a:endParaRPr lang="en-US" b="1" dirty="0">
-              <a:solidFill>
-                <a:srgbClr val="006699"/>
-              </a:solidFill>
-              <a:latin typeface="Inconsolata" panose="020B0609030003000000" pitchFamily="49" charset="77"/>
-            </a:endParaRPr>
-          </a:p>
-          <a:p>
-            <a:pPr marL="0" indent="0">
-              <a:buNone/>
-            </a:pPr>
             <a:endParaRPr lang="en-US" sz="2100" dirty="0">
               <a:solidFill>
                 <a:srgbClr val="000087"/>
               </a:solidFill>
               <a:latin typeface="Gill Sans MT" panose="020B0502020104020203" pitchFamily="34" charset="77"/>
             </a:endParaRPr>
-          </a:p>
-        </p:txBody>
-      </p:sp>
-      <p:sp>
-        <p:nvSpPr>
-          <p:cNvPr id="3" name="TextBox 2">
-            <a:extLst>
-              <a:ext uri="{FF2B5EF4-FFF2-40B4-BE49-F238E27FC236}">
-                <a16:creationId xmlns:a16="http://schemas.microsoft.com/office/drawing/2014/main" id="{DC451C8B-97F6-454D-8175-CD0C462539E3}"/>
-              </a:ext>
-            </a:extLst>
-          </p:cNvPr>
-          <p:cNvSpPr txBox="1"/>
-          <p:nvPr/>
-        </p:nvSpPr>
-        <p:spPr>
-          <a:xfrm>
-            <a:off x="5141476" y="4334070"/>
-            <a:ext cx="3851695" cy="923330"/>
-          </a:xfrm>
-          <a:prstGeom prst="rect">
-            <a:avLst/>
-          </a:prstGeom>
-          <a:noFill/>
-        </p:spPr>
-        <p:txBody>
-          <a:bodyPr wrap="none" rtlCol="0">
-            <a:spAutoFit/>
-          </a:bodyPr>
-          <a:lstStyle/>
-          <a:p>
-            <a:r>
-              <a:rPr lang="en-US" sz="1800" dirty="0">
-                <a:solidFill>
-                  <a:srgbClr val="FF0000"/>
-                </a:solidFill>
-              </a:rPr>
-              <a:t>Better to use if conditional for filtering.</a:t>
-            </a:r>
-          </a:p>
-          <a:p>
-            <a:r>
-              <a:rPr lang="en-US" sz="1800" dirty="0">
-                <a:solidFill>
-                  <a:srgbClr val="FF0000"/>
-                </a:solidFill>
-              </a:rPr>
-              <a:t>In general, using the step size above </a:t>
-            </a:r>
-          </a:p>
-          <a:p>
-            <a:r>
-              <a:rPr lang="en-US" sz="1800" dirty="0">
-                <a:solidFill>
-                  <a:srgbClr val="FF0000"/>
-                </a:solidFill>
-              </a:rPr>
-              <a:t>might not always work.</a:t>
-            </a:r>
           </a:p>
         </p:txBody>
       </p:sp>
@@ -8698,55 +8610,6 @@
                                         <p:tgtEl>
                                           <p:spTgt spid="9">
                                             <p:txEl>
-                                              <p:pRg st="2" end="2"/>
-                                            </p:txEl>
-                                          </p:spTgt>
-                                        </p:tgtEl>
-                                        <p:attrNameLst>
-                                          <p:attrName>style.visibility</p:attrName>
-                                        </p:attrNameLst>
-                                      </p:cBhvr>
-                                      <p:to>
-                                        <p:strVal val="visible"/>
-                                      </p:to>
-                                    </p:set>
-                                  </p:childTnLst>
-                                </p:cTn>
-                              </p:par>
-                            </p:childTnLst>
-                          </p:cTn>
-                        </p:par>
-                      </p:childTnLst>
-                    </p:cTn>
-                  </p:par>
-                  <p:par>
-                    <p:cTn id="7" fill="hold">
-                      <p:stCondLst>
-                        <p:cond delay="indefinite"/>
-                      </p:stCondLst>
-                      <p:childTnLst>
-                        <p:par>
-                          <p:cTn id="8" fill="hold">
-                            <p:stCondLst>
-                              <p:cond delay="0"/>
-                            </p:stCondLst>
-                            <p:childTnLst>
-                              <p:par>
-                                <p:cTn id="9" presetID="1" presetClass="entr" presetSubtype="0" fill="hold" nodeType="clickEffect">
-                                  <p:stCondLst>
-                                    <p:cond delay="0"/>
-                                  </p:stCondLst>
-                                  <p:childTnLst>
-                                    <p:set>
-                                      <p:cBhvr>
-                                        <p:cTn id="10" dur="1" fill="hold">
-                                          <p:stCondLst>
-                                            <p:cond delay="0"/>
-                                          </p:stCondLst>
-                                        </p:cTn>
-                                        <p:tgtEl>
-                                          <p:spTgt spid="9">
-                                            <p:txEl>
                                               <p:pRg st="3" end="3"/>
                                             </p:txEl>
                                           </p:spTgt>
@@ -8762,33 +8625,15 @@
                                   </p:childTnLst>
                                 </p:cTn>
                               </p:par>
-                            </p:childTnLst>
-                          </p:cTn>
-                        </p:par>
-                      </p:childTnLst>
-                    </p:cTn>
-                  </p:par>
-                  <p:par>
-                    <p:cTn id="11" fill="hold">
-                      <p:stCondLst>
-                        <p:cond delay="indefinite"/>
-                      </p:stCondLst>
-                      <p:childTnLst>
-                        <p:par>
-                          <p:cTn id="12" fill="hold">
-                            <p:stCondLst>
-                              <p:cond delay="0"/>
-                            </p:stCondLst>
-                            <p:childTnLst>
                               <p:par>
-                                <p:cTn id="13" presetID="1" presetClass="entr" presetSubtype="0" fill="hold" nodeType="clickEffect">
+                                <p:cTn id="7" presetID="1" presetClass="entr" presetSubtype="0" fill="hold" nodeType="withEffect">
                                   <p:stCondLst>
                                     <p:cond delay="0"/>
                                   </p:stCondLst>
                                   <p:childTnLst>
                                     <p:set>
                                       <p:cBhvr>
-                                        <p:cTn id="14" dur="1" fill="hold">
+                                        <p:cTn id="8" dur="1" fill="hold">
                                           <p:stCondLst>
                                             <p:cond delay="0"/>
                                           </p:stCondLst>
@@ -8811,33 +8656,15 @@
                                   </p:childTnLst>
                                 </p:cTn>
                               </p:par>
-                            </p:childTnLst>
-                          </p:cTn>
-                        </p:par>
-                      </p:childTnLst>
-                    </p:cTn>
-                  </p:par>
-                  <p:par>
-                    <p:cTn id="15" fill="hold">
-                      <p:stCondLst>
-                        <p:cond delay="indefinite"/>
-                      </p:stCondLst>
-                      <p:childTnLst>
-                        <p:par>
-                          <p:cTn id="16" fill="hold">
-                            <p:stCondLst>
-                              <p:cond delay="0"/>
-                            </p:stCondLst>
-                            <p:childTnLst>
                               <p:par>
-                                <p:cTn id="17" presetID="1" presetClass="entr" presetSubtype="0" fill="hold" nodeType="clickEffect">
+                                <p:cTn id="9" presetID="1" presetClass="entr" presetSubtype="0" fill="hold" nodeType="withEffect">
                                   <p:stCondLst>
                                     <p:cond delay="0"/>
                                   </p:stCondLst>
                                   <p:childTnLst>
                                     <p:set>
                                       <p:cBhvr>
-                                        <p:cTn id="18" dur="1" fill="hold">
+                                        <p:cTn id="10" dur="1" fill="hold">
                                           <p:stCondLst>
                                             <p:cond delay="0"/>
                                           </p:stCondLst>
@@ -8845,165 +8672,9 @@
                                         <p:tgtEl>
                                           <p:spTgt spid="9">
                                             <p:txEl>
-                                              <p:pRg st="6" end="6"/>
+                                              <p:pRg st="5" end="5"/>
                                             </p:txEl>
                                           </p:spTgt>
-                                        </p:tgtEl>
-                                        <p:attrNameLst>
-                                          <p:attrName>style.visibility</p:attrName>
-                                        </p:attrNameLst>
-                                      </p:cBhvr>
-                                      <p:to>
-                                        <p:strVal val="visible"/>
-                                      </p:to>
-                                    </p:set>
-                                  </p:childTnLst>
-                                </p:cTn>
-                              </p:par>
-                            </p:childTnLst>
-                          </p:cTn>
-                        </p:par>
-                      </p:childTnLst>
-                    </p:cTn>
-                  </p:par>
-                  <p:par>
-                    <p:cTn id="19" fill="hold">
-                      <p:stCondLst>
-                        <p:cond delay="indefinite"/>
-                      </p:stCondLst>
-                      <p:childTnLst>
-                        <p:par>
-                          <p:cTn id="20" fill="hold">
-                            <p:stCondLst>
-                              <p:cond delay="0"/>
-                            </p:stCondLst>
-                            <p:childTnLst>
-                              <p:par>
-                                <p:cTn id="21" presetID="1" presetClass="entr" presetSubtype="0" fill="hold" nodeType="clickEffect">
-                                  <p:stCondLst>
-                                    <p:cond delay="0"/>
-                                  </p:stCondLst>
-                                  <p:childTnLst>
-                                    <p:set>
-                                      <p:cBhvr>
-                                        <p:cTn id="22" dur="1" fill="hold">
-                                          <p:stCondLst>
-                                            <p:cond delay="0"/>
-                                          </p:stCondLst>
-                                        </p:cTn>
-                                        <p:tgtEl>
-                                          <p:spTgt spid="9">
-                                            <p:txEl>
-                                              <p:pRg st="7" end="7"/>
-                                            </p:txEl>
-                                          </p:spTgt>
-                                        </p:tgtEl>
-                                        <p:attrNameLst>
-                                          <p:attrName>style.visibility</p:attrName>
-                                        </p:attrNameLst>
-                                      </p:cBhvr>
-                                      <p:to>
-                                        <p:strVal val="visible"/>
-                                      </p:to>
-                                    </p:set>
-                                  </p:childTnLst>
-                                </p:cTn>
-                              </p:par>
-                              <p:par>
-                                <p:cTn id="23" presetID="1" presetClass="entr" presetSubtype="0" fill="hold" nodeType="withEffect">
-                                  <p:stCondLst>
-                                    <p:cond delay="0"/>
-                                  </p:stCondLst>
-                                  <p:childTnLst>
-                                    <p:set>
-                                      <p:cBhvr>
-                                        <p:cTn id="24" dur="1" fill="hold">
-                                          <p:stCondLst>
-                                            <p:cond delay="0"/>
-                                          </p:stCondLst>
-                                        </p:cTn>
-                                        <p:tgtEl>
-                                          <p:spTgt spid="9">
-                                            <p:txEl>
-                                              <p:pRg st="8" end="8"/>
-                                            </p:txEl>
-                                          </p:spTgt>
-                                        </p:tgtEl>
-                                        <p:attrNameLst>
-                                          <p:attrName>style.visibility</p:attrName>
-                                        </p:attrNameLst>
-                                      </p:cBhvr>
-                                      <p:to>
-                                        <p:strVal val="visible"/>
-                                      </p:to>
-                                    </p:set>
-                                  </p:childTnLst>
-                                </p:cTn>
-                              </p:par>
-                              <p:par>
-                                <p:cTn id="25" presetID="1" presetClass="entr" presetSubtype="0" fill="hold" nodeType="withEffect">
-                                  <p:stCondLst>
-                                    <p:cond delay="0"/>
-                                  </p:stCondLst>
-                                  <p:childTnLst>
-                                    <p:set>
-                                      <p:cBhvr>
-                                        <p:cTn id="26" dur="1" fill="hold">
-                                          <p:stCondLst>
-                                            <p:cond delay="0"/>
-                                          </p:stCondLst>
-                                        </p:cTn>
-                                        <p:tgtEl>
-                                          <p:spTgt spid="9">
-                                            <p:txEl>
-                                              <p:pRg st="9" end="9"/>
-                                            </p:txEl>
-                                          </p:spTgt>
-                                        </p:tgtEl>
-                                        <p:attrNameLst>
-                                          <p:attrName>style.visibility</p:attrName>
-                                        </p:attrNameLst>
-                                      </p:cBhvr>
-                                      <p:to>
-                                        <p:strVal val="visible"/>
-                                      </p:to>
-                                    </p:set>
-                                  </p:childTnLst>
-                                </p:cTn>
-                              </p:par>
-                            </p:childTnLst>
-                          </p:cTn>
-                        </p:par>
-                      </p:childTnLst>
-                    </p:cTn>
-                  </p:par>
-                  <p:par>
-                    <p:cTn id="27" fill="hold">
-                      <p:stCondLst>
-                        <p:cond delay="indefinite"/>
-                      </p:stCondLst>
-                      <p:childTnLst>
-                        <p:par>
-                          <p:cTn id="28" fill="hold">
-                            <p:stCondLst>
-                              <p:cond delay="0"/>
-                            </p:stCondLst>
-                            <p:childTnLst>
-                              <p:par>
-                                <p:cTn id="29" presetID="1" presetClass="entr" presetSubtype="0" fill="hold" grpId="0" nodeType="clickEffect">
-                                  <p:stCondLst>
-                                    <p:cond delay="0"/>
-                                  </p:stCondLst>
-                                  <p:childTnLst>
-                                    <p:set>
-                                      <p:cBhvr>
-                                        <p:cTn id="30" dur="1" fill="hold">
-                                          <p:stCondLst>
-                                            <p:cond delay="0"/>
-                                          </p:stCondLst>
-                                        </p:cTn>
-                                        <p:tgtEl>
-                                          <p:spTgt spid="3"/>
                                         </p:tgtEl>
                                         <p:attrNameLst>
                                           <p:attrName>style.visibility</p:attrName>
@@ -9043,9 +8714,6 @@
         </p:cTn>
       </p:par>
     </p:tnLst>
-    <p:bldLst>
-      <p:bldP spid="3" grpId="0"/>
-    </p:bldLst>
   </p:timing>
 </p:sld>
 </file>
@@ -12129,6 +11797,17 @@
                 <a:latin typeface="Gill Sans MT" panose="020B0502020104020203" pitchFamily="34" charset="77"/>
               </a:rPr>
               <a:t>For Loops</a:t>
+            </a:r>
+          </a:p>
+          <a:p>
+            <a:pPr marL="457200" indent="-457200">
+              <a:buAutoNum type="arabicParenR"/>
+            </a:pPr>
+            <a:r>
+              <a:rPr lang="en-US" dirty="0">
+                <a:latin typeface="Gill Sans MT" panose="020B0502020104020203" pitchFamily="34" charset="77"/>
+              </a:rPr>
+              <a:t>Strings</a:t>
             </a:r>
           </a:p>
           <a:p>
@@ -18179,7 +17858,7 @@
         </p:spPr>
         <p:txBody>
           <a:bodyPr>
-            <a:normAutofit/>
+            <a:normAutofit lnSpcReduction="10000"/>
           </a:bodyPr>
           <a:lstStyle/>
           <a:p>
@@ -18211,26 +17890,124 @@
             </a:pPr>
             <a:r>
               <a:rPr lang="en-US" dirty="0"/>
-              <a:t>Iteration loops are frequently referred to as </a:t>
-            </a:r>
-            <a:r>
-              <a:rPr lang="en-US" b="1" dirty="0"/>
-              <a:t>for</a:t>
-            </a:r>
-            <a:r>
-              <a:rPr lang="en-US" dirty="0"/>
-              <a:t> loops because for is the keyword  that is used to introduce them in nearly all programming languages, including Python.</a:t>
-            </a:r>
-            <a:endParaRPr lang="en-US" dirty="0">
-              <a:latin typeface="Gill Sans MT" panose="020B0502020104020203" pitchFamily="34" charset="77"/>
-            </a:endParaRPr>
-          </a:p>
-          <a:p>
-            <a:pPr marL="0" indent="0">
-              <a:buNone/>
-            </a:pPr>
-            <a:endParaRPr lang="en-US" dirty="0">
-              <a:latin typeface="Gill Sans MT" panose="020B0502020104020203" pitchFamily="34" charset="77"/>
+              <a:t>For example, if we want to print a message 10 times:</a:t>
+            </a:r>
+          </a:p>
+          <a:p>
+            <a:pPr marL="0" indent="0">
+              <a:buNone/>
+            </a:pPr>
+            <a:endParaRPr lang="en-US" dirty="0"/>
+          </a:p>
+          <a:p>
+            <a:pPr marL="0" indent="0">
+              <a:buNone/>
+            </a:pPr>
+            <a:r>
+              <a:rPr lang="en-US" b="1" dirty="0">
+                <a:solidFill>
+                  <a:srgbClr val="006699"/>
+                </a:solidFill>
+                <a:latin typeface="Inconsolata" panose="020B0609030003000000" pitchFamily="49" charset="77"/>
+              </a:rPr>
+              <a:t>for </a:t>
+            </a:r>
+            <a:r>
+              <a:rPr lang="en-US" b="1" dirty="0" err="1">
+                <a:solidFill>
+                  <a:srgbClr val="000087"/>
+                </a:solidFill>
+                <a:latin typeface="Inconsolata" panose="020B0609030003000000" pitchFamily="49" charset="77"/>
+              </a:rPr>
+              <a:t>i</a:t>
+            </a:r>
+            <a:r>
+              <a:rPr lang="en-US" b="1" dirty="0">
+                <a:solidFill>
+                  <a:srgbClr val="000087"/>
+                </a:solidFill>
+                <a:latin typeface="Inconsolata" panose="020B0609030003000000" pitchFamily="49" charset="77"/>
+              </a:rPr>
+              <a:t> </a:t>
+            </a:r>
+            <a:r>
+              <a:rPr lang="en-US" b="1" dirty="0">
+                <a:latin typeface="Inconsolata" panose="020B0609030003000000" pitchFamily="49" charset="77"/>
+              </a:rPr>
+              <a:t>in </a:t>
+            </a:r>
+            <a:r>
+              <a:rPr lang="en-US" b="1" dirty="0">
+                <a:solidFill>
+                  <a:srgbClr val="336666"/>
+                </a:solidFill>
+                <a:latin typeface="Inconsolata" panose="020B0609030003000000" pitchFamily="49" charset="77"/>
+              </a:rPr>
+              <a:t>range</a:t>
+            </a:r>
+            <a:r>
+              <a:rPr lang="en-US" b="1" dirty="0">
+                <a:latin typeface="Inconsolata" panose="020B0609030003000000" pitchFamily="49" charset="77"/>
+              </a:rPr>
+              <a:t>(</a:t>
+            </a:r>
+            <a:r>
+              <a:rPr lang="en-US" b="1" dirty="0">
+                <a:solidFill>
+                  <a:srgbClr val="FF6600"/>
+                </a:solidFill>
+                <a:latin typeface="Inconsolata" panose="020B0609030003000000" pitchFamily="49" charset="77"/>
+              </a:rPr>
+              <a:t>5</a:t>
+            </a:r>
+            <a:r>
+              <a:rPr lang="en-US" b="1" dirty="0">
+                <a:latin typeface="Inconsolata" panose="020B0609030003000000" pitchFamily="49" charset="77"/>
+              </a:rPr>
+              <a:t>): </a:t>
+            </a:r>
+          </a:p>
+          <a:p>
+            <a:pPr marL="0" indent="0">
+              <a:buNone/>
+            </a:pPr>
+            <a:r>
+              <a:rPr lang="en-US" b="1" dirty="0">
+                <a:solidFill>
+                  <a:srgbClr val="006699"/>
+                </a:solidFill>
+                <a:latin typeface="Inconsolata" panose="020B0609030003000000" pitchFamily="49" charset="77"/>
+              </a:rPr>
+              <a:t>	print</a:t>
+            </a:r>
+            <a:r>
+              <a:rPr lang="en-US" b="1" dirty="0">
+                <a:latin typeface="Inconsolata" panose="020B0609030003000000" pitchFamily="49" charset="77"/>
+              </a:rPr>
+              <a:t>(</a:t>
+            </a:r>
+            <a:r>
+              <a:rPr lang="en-US" b="1" dirty="0">
+                <a:solidFill>
+                  <a:srgbClr val="CC3300"/>
+                </a:solidFill>
+                <a:latin typeface="Inconsolata" panose="020B0609030003000000" pitchFamily="49" charset="77"/>
+              </a:rPr>
+              <a:t>"hi"</a:t>
+            </a:r>
+            <a:r>
+              <a:rPr lang="en-US" b="1" dirty="0">
+                <a:latin typeface="Inconsolata" panose="020B0609030003000000" pitchFamily="49" charset="77"/>
+              </a:rPr>
+              <a:t>) </a:t>
+            </a:r>
+          </a:p>
+          <a:p>
+            <a:pPr marL="0" indent="0">
+              <a:buNone/>
+            </a:pPr>
+            <a:endParaRPr lang="en-US" b="1" dirty="0">
+              <a:latin typeface="Inconsolata" panose="020B0609030003000000" pitchFamily="49" charset="77"/>
             </a:endParaRPr>
           </a:p>
           <a:p>
@@ -18241,107 +18018,53 @@
               <a:rPr lang="en-US" dirty="0">
                 <a:latin typeface="Gill Sans MT" panose="020B0502020104020203" pitchFamily="34" charset="77"/>
               </a:rPr>
-              <a:t>Python’s </a:t>
-            </a:r>
-            <a:r>
-              <a:rPr lang="en-US" i="1" dirty="0">
-                <a:latin typeface="Gill Sans MT" panose="020B0502020104020203" pitchFamily="34" charset="77"/>
-              </a:rPr>
-              <a:t>for</a:t>
-            </a:r>
+              <a:t>hi</a:t>
+            </a:r>
+          </a:p>
+          <a:p>
+            <a:pPr marL="0" indent="0">
+              <a:buNone/>
+            </a:pPr>
             <a:r>
               <a:rPr lang="en-US" dirty="0">
                 <a:latin typeface="Gill Sans MT" panose="020B0502020104020203" pitchFamily="34" charset="77"/>
               </a:rPr>
-              <a:t> loop iterates over items of a sequence(e.g. a list of numbers or a string(sequence of characters)) and process them with some code. </a:t>
-            </a:r>
-            <a:endParaRPr lang="en-US" b="1" dirty="0">
-              <a:solidFill>
-                <a:srgbClr val="006699"/>
-              </a:solidFill>
-              <a:latin typeface="Inconsolata" panose="020B0609030003000000" pitchFamily="49" charset="77"/>
-            </a:endParaRPr>
-          </a:p>
-          <a:p>
-            <a:pPr marL="0" indent="0">
-              <a:buNone/>
-            </a:pPr>
-            <a:endParaRPr lang="en-US" b="1" dirty="0">
-              <a:solidFill>
-                <a:srgbClr val="006699"/>
-              </a:solidFill>
-              <a:latin typeface="Inconsolata" panose="020B0609030003000000" pitchFamily="49" charset="77"/>
-            </a:endParaRPr>
-          </a:p>
-          <a:p>
-            <a:pPr marL="0" indent="0">
-              <a:buNone/>
-            </a:pPr>
-            <a:r>
-              <a:rPr lang="en-US" b="1" dirty="0">
-                <a:solidFill>
-                  <a:srgbClr val="006699"/>
-                </a:solidFill>
-                <a:latin typeface="Inconsolata" panose="020B0609030003000000" pitchFamily="49" charset="77"/>
-              </a:rPr>
-              <a:t>for </a:t>
-            </a:r>
-            <a:r>
-              <a:rPr lang="en-US" b="1" dirty="0">
-                <a:solidFill>
-                  <a:srgbClr val="000087"/>
-                </a:solidFill>
-                <a:latin typeface="Inconsolata" panose="020B0609030003000000" pitchFamily="49" charset="77"/>
-              </a:rPr>
-              <a:t>x </a:t>
-            </a:r>
-            <a:r>
-              <a:rPr lang="en-US" b="1" dirty="0">
-                <a:latin typeface="Inconsolata" panose="020B0609030003000000" pitchFamily="49" charset="77"/>
-              </a:rPr>
-              <a:t>in</a:t>
-            </a:r>
-            <a:r>
-              <a:rPr lang="en-US" b="1" dirty="0">
-                <a:solidFill>
-                  <a:srgbClr val="000087"/>
-                </a:solidFill>
-                <a:latin typeface="Inconsolata" panose="020B0609030003000000" pitchFamily="49" charset="77"/>
-              </a:rPr>
-              <a:t> sequence</a:t>
-            </a:r>
-            <a:r>
-              <a:rPr lang="en-US" b="1" dirty="0">
-                <a:latin typeface="Inconsolata" panose="020B0609030003000000" pitchFamily="49" charset="77"/>
-              </a:rPr>
-              <a:t>:</a:t>
-            </a:r>
-            <a:br>
-              <a:rPr lang="en-US" b="1" dirty="0">
-                <a:latin typeface="Inconsolata" panose="020B0609030003000000" pitchFamily="49" charset="77"/>
-              </a:rPr>
-            </a:br>
-            <a:r>
-              <a:rPr lang="en-US" b="1" dirty="0">
-                <a:latin typeface="Inconsolata" panose="020B0609030003000000" pitchFamily="49" charset="77"/>
-              </a:rPr>
-              <a:t>	</a:t>
-            </a:r>
-            <a:r>
-              <a:rPr lang="en-US" b="1" dirty="0">
-                <a:solidFill>
-                  <a:srgbClr val="006699"/>
-                </a:solidFill>
-                <a:latin typeface="Inconsolata" panose="020B0609030003000000" pitchFamily="49" charset="77"/>
-              </a:rPr>
-              <a:t>block</a:t>
-            </a:r>
-            <a:r>
-              <a:rPr lang="en-US" b="1" dirty="0">
-                <a:latin typeface="Inconsolata" panose="020B0609030003000000" pitchFamily="49" charset="77"/>
-              </a:rPr>
-              <a:t> </a:t>
-            </a:r>
+              <a:t>hi</a:t>
+            </a:r>
+          </a:p>
+          <a:p>
+            <a:pPr marL="0" indent="0">
+              <a:buNone/>
+            </a:pPr>
+            <a:r>
+              <a:rPr lang="en-US" dirty="0">
+                <a:latin typeface="Gill Sans MT" panose="020B0502020104020203" pitchFamily="34" charset="77"/>
+              </a:rPr>
+              <a:t>hi</a:t>
+            </a:r>
+          </a:p>
+          <a:p>
+            <a:pPr marL="0" indent="0">
+              <a:buNone/>
+            </a:pPr>
+            <a:r>
+              <a:rPr lang="en-US" dirty="0">
+                <a:latin typeface="Gill Sans MT" panose="020B0502020104020203" pitchFamily="34" charset="77"/>
+              </a:rPr>
+              <a:t>hi</a:t>
+            </a:r>
+          </a:p>
+          <a:p>
+            <a:pPr marL="0" indent="0">
+              <a:buNone/>
+            </a:pPr>
+            <a:r>
+              <a:rPr lang="en-US" dirty="0">
+                <a:latin typeface="Gill Sans MT" panose="020B0502020104020203" pitchFamily="34" charset="77"/>
+              </a:rPr>
+              <a:t>hi</a:t>
+            </a:r>
+            <a:endParaRPr lang="en-US" dirty="0"/>
           </a:p>
           <a:p>
             <a:pPr marL="0" indent="0">
@@ -18385,190 +18108,13 @@
     </p:spTree>
     <p:extLst>
       <p:ext uri="{BB962C8B-B14F-4D97-AF65-F5344CB8AC3E}">
-        <p14:creationId xmlns:p14="http://schemas.microsoft.com/office/powerpoint/2010/main" val="1816941262"/>
+        <p14:creationId xmlns:p14="http://schemas.microsoft.com/office/powerpoint/2010/main" val="2021172327"/>
       </p:ext>
     </p:extLst>
   </p:cSld>
   <p:clrMapOvr>
     <a:masterClrMapping/>
   </p:clrMapOvr>
-  <p:timing>
-    <p:tnLst>
-      <p:par>
-        <p:cTn id="1" dur="indefinite" restart="never" nodeType="tmRoot">
-          <p:childTnLst>
-            <p:seq concurrent="1" nextAc="seek">
-              <p:cTn id="2" dur="indefinite" nodeType="mainSeq">
-                <p:childTnLst>
-                  <p:par>
-                    <p:cTn id="3" fill="hold">
-                      <p:stCondLst>
-                        <p:cond delay="indefinite"/>
-                      </p:stCondLst>
-                      <p:childTnLst>
-                        <p:par>
-                          <p:cTn id="4" fill="hold">
-                            <p:stCondLst>
-                              <p:cond delay="0"/>
-                            </p:stCondLst>
-                            <p:childTnLst>
-                              <p:par>
-                                <p:cTn id="5" presetID="1" presetClass="entr" presetSubtype="0" fill="hold" nodeType="clickEffect">
-                                  <p:stCondLst>
-                                    <p:cond delay="0"/>
-                                  </p:stCondLst>
-                                  <p:childTnLst>
-                                    <p:set>
-                                      <p:cBhvr>
-                                        <p:cTn id="6" dur="1" fill="hold">
-                                          <p:stCondLst>
-                                            <p:cond delay="0"/>
-                                          </p:stCondLst>
-                                        </p:cTn>
-                                        <p:tgtEl>
-                                          <p:spTgt spid="9">
-                                            <p:txEl>
-                                              <p:pRg st="2" end="2"/>
-                                            </p:txEl>
-                                          </p:spTgt>
-                                        </p:tgtEl>
-                                        <p:attrNameLst>
-                                          <p:attrName>style.visibility</p:attrName>
-                                        </p:attrNameLst>
-                                      </p:cBhvr>
-                                      <p:to>
-                                        <p:strVal val="visible"/>
-                                      </p:to>
-                                    </p:set>
-                                  </p:childTnLst>
-                                </p:cTn>
-                              </p:par>
-                            </p:childTnLst>
-                          </p:cTn>
-                        </p:par>
-                      </p:childTnLst>
-                    </p:cTn>
-                  </p:par>
-                  <p:par>
-                    <p:cTn id="7" fill="hold">
-                      <p:stCondLst>
-                        <p:cond delay="indefinite"/>
-                      </p:stCondLst>
-                      <p:childTnLst>
-                        <p:par>
-                          <p:cTn id="8" fill="hold">
-                            <p:stCondLst>
-                              <p:cond delay="0"/>
-                            </p:stCondLst>
-                            <p:childTnLst>
-                              <p:par>
-                                <p:cTn id="9" presetID="1" presetClass="entr" presetSubtype="0" fill="hold" nodeType="clickEffect">
-                                  <p:stCondLst>
-                                    <p:cond delay="0"/>
-                                  </p:stCondLst>
-                                  <p:childTnLst>
-                                    <p:set>
-                                      <p:cBhvr>
-                                        <p:cTn id="10" dur="1" fill="hold">
-                                          <p:stCondLst>
-                                            <p:cond delay="0"/>
-                                          </p:stCondLst>
-                                        </p:cTn>
-                                        <p:tgtEl>
-                                          <p:spTgt spid="9">
-                                            <p:txEl>
-                                              <p:pRg st="4" end="4"/>
-                                            </p:txEl>
-                                          </p:spTgt>
-                                        </p:tgtEl>
-                                        <p:attrNameLst>
-                                          <p:attrName>style.visibility</p:attrName>
-                                        </p:attrNameLst>
-                                      </p:cBhvr>
-                                      <p:to>
-                                        <p:strVal val="visible"/>
-                                      </p:to>
-                                    </p:set>
-                                  </p:childTnLst>
-                                </p:cTn>
-                              </p:par>
-                            </p:childTnLst>
-                          </p:cTn>
-                        </p:par>
-                      </p:childTnLst>
-                    </p:cTn>
-                  </p:par>
-                  <p:par>
-                    <p:cTn id="11" fill="hold">
-                      <p:stCondLst>
-                        <p:cond delay="indefinite"/>
-                      </p:stCondLst>
-                      <p:childTnLst>
-                        <p:par>
-                          <p:cTn id="12" fill="hold">
-                            <p:stCondLst>
-                              <p:cond delay="0"/>
-                            </p:stCondLst>
-                            <p:childTnLst>
-                              <p:par>
-                                <p:cTn id="13" presetID="1" presetClass="entr" presetSubtype="0" fill="hold" nodeType="clickEffect">
-                                  <p:stCondLst>
-                                    <p:cond delay="0"/>
-                                  </p:stCondLst>
-                                  <p:childTnLst>
-                                    <p:set>
-                                      <p:cBhvr>
-                                        <p:cTn id="14" dur="1" fill="hold">
-                                          <p:stCondLst>
-                                            <p:cond delay="0"/>
-                                          </p:stCondLst>
-                                        </p:cTn>
-                                        <p:tgtEl>
-                                          <p:spTgt spid="9">
-                                            <p:txEl>
-                                              <p:pRg st="6" end="6"/>
-                                            </p:txEl>
-                                          </p:spTgt>
-                                        </p:tgtEl>
-                                        <p:attrNameLst>
-                                          <p:attrName>style.visibility</p:attrName>
-                                        </p:attrNameLst>
-                                      </p:cBhvr>
-                                      <p:to>
-                                        <p:strVal val="visible"/>
-                                      </p:to>
-                                    </p:set>
-                                  </p:childTnLst>
-                                </p:cTn>
-                              </p:par>
-                            </p:childTnLst>
-                          </p:cTn>
-                        </p:par>
-                      </p:childTnLst>
-                    </p:cTn>
-                  </p:par>
-                </p:childTnLst>
-              </p:cTn>
-              <p:prevCondLst>
-                <p:cond evt="onPrev" delay="0">
-                  <p:tgtEl>
-                    <p:sldTgt/>
-                  </p:tgtEl>
-                </p:cond>
-              </p:prevCondLst>
-              <p:nextCondLst>
-                <p:cond evt="onNext" delay="0">
-                  <p:tgtEl>
-                    <p:sldTgt/>
-                  </p:tgtEl>
-                </p:cond>
-              </p:nextCondLst>
-            </p:seq>
-          </p:childTnLst>
-        </p:cTn>
-      </p:par>
-    </p:tnLst>
-  </p:timing>
 </p:sld>
 </file>
 
@@ -19554,6 +19100,450 @@
           <a:p>
             <a:r>
               <a:rPr lang="en-US" dirty="0"/>
+              <a:t>Iteration</a:t>
+            </a:r>
+          </a:p>
+        </p:txBody>
+      </p:sp>
+      <p:sp>
+        <p:nvSpPr>
+          <p:cNvPr id="9" name="Content Placeholder 8">
+            <a:extLst>
+              <a:ext uri="{FF2B5EF4-FFF2-40B4-BE49-F238E27FC236}">
+                <a16:creationId xmlns:a16="http://schemas.microsoft.com/office/drawing/2014/main" id="{E3B2E017-30B2-884B-A113-B419A2ED51AD}"/>
+              </a:ext>
+            </a:extLst>
+          </p:cNvPr>
+          <p:cNvSpPr>
+            <a:spLocks noGrp="1"/>
+          </p:cNvSpPr>
+          <p:nvPr>
+            <p:ph idx="1"/>
+          </p:nvPr>
+        </p:nvSpPr>
+        <p:spPr>
+          <a:xfrm>
+            <a:off x="109569" y="720359"/>
+            <a:ext cx="9034431" cy="4763098"/>
+          </a:xfrm>
+        </p:spPr>
+        <p:txBody>
+          <a:bodyPr>
+            <a:normAutofit/>
+          </a:bodyPr>
+          <a:lstStyle/>
+          <a:p>
+            <a:pPr marL="0" indent="0">
+              <a:buNone/>
+            </a:pPr>
+            <a:r>
+              <a:rPr lang="en-US" dirty="0"/>
+              <a:t>Iteration loops are frequently referred to as </a:t>
+            </a:r>
+            <a:r>
+              <a:rPr lang="en-US" b="1" dirty="0"/>
+              <a:t>for</a:t>
+            </a:r>
+            <a:r>
+              <a:rPr lang="en-US" dirty="0"/>
+              <a:t> loops because for is the keyword  that is used to introduce them in nearly all programming languages, including Python.</a:t>
+            </a:r>
+            <a:endParaRPr lang="en-US" dirty="0">
+              <a:latin typeface="Gill Sans MT" panose="020B0502020104020203" pitchFamily="34" charset="77"/>
+            </a:endParaRPr>
+          </a:p>
+          <a:p>
+            <a:pPr marL="0" indent="0">
+              <a:buNone/>
+            </a:pPr>
+            <a:endParaRPr lang="en-US" dirty="0">
+              <a:latin typeface="Gill Sans MT" panose="020B0502020104020203" pitchFamily="34" charset="77"/>
+            </a:endParaRPr>
+          </a:p>
+          <a:p>
+            <a:pPr marL="0" indent="0">
+              <a:buNone/>
+            </a:pPr>
+            <a:r>
+              <a:rPr lang="en-US" dirty="0">
+                <a:latin typeface="Gill Sans MT" panose="020B0502020104020203" pitchFamily="34" charset="77"/>
+              </a:rPr>
+              <a:t>Python’s </a:t>
+            </a:r>
+            <a:r>
+              <a:rPr lang="en-US" i="1" dirty="0">
+                <a:latin typeface="Gill Sans MT" panose="020B0502020104020203" pitchFamily="34" charset="77"/>
+              </a:rPr>
+              <a:t>for</a:t>
+            </a:r>
+            <a:r>
+              <a:rPr lang="en-US" dirty="0">
+                <a:latin typeface="Gill Sans MT" panose="020B0502020104020203" pitchFamily="34" charset="77"/>
+              </a:rPr>
+              <a:t> loop iterates over items of a sequence(e.g. a list of numbers or a string(sequence of characters)) and process them with some code. </a:t>
+            </a:r>
+            <a:endParaRPr lang="en-US" b="1" dirty="0">
+              <a:solidFill>
+                <a:srgbClr val="006699"/>
+              </a:solidFill>
+              <a:latin typeface="Inconsolata" panose="020B0609030003000000" pitchFamily="49" charset="77"/>
+            </a:endParaRPr>
+          </a:p>
+          <a:p>
+            <a:pPr marL="0" indent="0">
+              <a:buNone/>
+            </a:pPr>
+            <a:endParaRPr lang="en-US" b="1" dirty="0">
+              <a:solidFill>
+                <a:srgbClr val="006699"/>
+              </a:solidFill>
+              <a:latin typeface="Inconsolata" panose="020B0609030003000000" pitchFamily="49" charset="77"/>
+            </a:endParaRPr>
+          </a:p>
+          <a:p>
+            <a:pPr marL="0" indent="0">
+              <a:buNone/>
+            </a:pPr>
+            <a:r>
+              <a:rPr lang="en-US" b="1" dirty="0">
+                <a:solidFill>
+                  <a:srgbClr val="006699"/>
+                </a:solidFill>
+                <a:latin typeface="Inconsolata" panose="020B0609030003000000" pitchFamily="49" charset="77"/>
+              </a:rPr>
+              <a:t>for </a:t>
+            </a:r>
+            <a:r>
+              <a:rPr lang="en-US" b="1" dirty="0">
+                <a:solidFill>
+                  <a:srgbClr val="000087"/>
+                </a:solidFill>
+                <a:latin typeface="Inconsolata" panose="020B0609030003000000" pitchFamily="49" charset="77"/>
+              </a:rPr>
+              <a:t>x </a:t>
+            </a:r>
+            <a:r>
+              <a:rPr lang="en-US" b="1" dirty="0">
+                <a:latin typeface="Inconsolata" panose="020B0609030003000000" pitchFamily="49" charset="77"/>
+              </a:rPr>
+              <a:t>in</a:t>
+            </a:r>
+            <a:r>
+              <a:rPr lang="en-US" b="1" dirty="0">
+                <a:solidFill>
+                  <a:srgbClr val="000087"/>
+                </a:solidFill>
+                <a:latin typeface="Inconsolata" panose="020B0609030003000000" pitchFamily="49" charset="77"/>
+              </a:rPr>
+              <a:t> sequence</a:t>
+            </a:r>
+            <a:r>
+              <a:rPr lang="en-US" b="1" dirty="0">
+                <a:latin typeface="Inconsolata" panose="020B0609030003000000" pitchFamily="49" charset="77"/>
+              </a:rPr>
+              <a:t>:</a:t>
+            </a:r>
+            <a:br>
+              <a:rPr lang="en-US" b="1" dirty="0">
+                <a:latin typeface="Inconsolata" panose="020B0609030003000000" pitchFamily="49" charset="77"/>
+              </a:rPr>
+            </a:br>
+            <a:r>
+              <a:rPr lang="en-US" b="1" dirty="0">
+                <a:latin typeface="Inconsolata" panose="020B0609030003000000" pitchFamily="49" charset="77"/>
+              </a:rPr>
+              <a:t>	</a:t>
+            </a:r>
+            <a:r>
+              <a:rPr lang="en-US" b="1" dirty="0">
+                <a:solidFill>
+                  <a:srgbClr val="006699"/>
+                </a:solidFill>
+                <a:latin typeface="Inconsolata" panose="020B0609030003000000" pitchFamily="49" charset="77"/>
+              </a:rPr>
+              <a:t>block</a:t>
+            </a:r>
+            <a:r>
+              <a:rPr lang="en-US" b="1" dirty="0">
+                <a:latin typeface="Inconsolata" panose="020B0609030003000000" pitchFamily="49" charset="77"/>
+              </a:rPr>
+              <a:t> </a:t>
+            </a:r>
+          </a:p>
+          <a:p>
+            <a:pPr marL="0" indent="0">
+              <a:buNone/>
+            </a:pPr>
+            <a:endParaRPr lang="en-US" dirty="0">
+              <a:latin typeface="Gill Sans MT" panose="020B0502020104020203" pitchFamily="34" charset="77"/>
+            </a:endParaRPr>
+          </a:p>
+        </p:txBody>
+      </p:sp>
+      <p:sp>
+        <p:nvSpPr>
+          <p:cNvPr id="3" name="Slide Number Placeholder 2">
+            <a:extLst>
+              <a:ext uri="{FF2B5EF4-FFF2-40B4-BE49-F238E27FC236}">
+                <a16:creationId xmlns:a16="http://schemas.microsoft.com/office/drawing/2014/main" id="{28794873-6DE4-0A41-9960-6B3C5DD35360}"/>
+              </a:ext>
+            </a:extLst>
+          </p:cNvPr>
+          <p:cNvSpPr>
+            <a:spLocks noGrp="1"/>
+          </p:cNvSpPr>
+          <p:nvPr>
+            <p:ph type="sldNum" sz="quarter" idx="12"/>
+          </p:nvPr>
+        </p:nvSpPr>
+        <p:spPr/>
+        <p:txBody>
+          <a:bodyPr/>
+          <a:lstStyle/>
+          <a:p>
+            <a:fld id="{D57F1E4F-1CFF-5643-939E-02111984F565}" type="slidenum">
+              <a:rPr lang="en-US" smtClean="0"/>
+              <a:t>4</a:t>
+            </a:fld>
+            <a:endParaRPr lang="en-US" dirty="0"/>
+          </a:p>
+        </p:txBody>
+      </p:sp>
+    </p:spTree>
+    <p:extLst>
+      <p:ext uri="{BB962C8B-B14F-4D97-AF65-F5344CB8AC3E}">
+        <p14:creationId xmlns:p14="http://schemas.microsoft.com/office/powerpoint/2010/main" val="3530588399"/>
+      </p:ext>
+    </p:extLst>
+  </p:cSld>
+  <p:clrMapOvr>
+    <a:masterClrMapping/>
+  </p:clrMapOvr>
+  <p:timing>
+    <p:tnLst>
+      <p:par>
+        <p:cTn id="1" dur="indefinite" restart="never" nodeType="tmRoot">
+          <p:childTnLst>
+            <p:seq concurrent="1" nextAc="seek">
+              <p:cTn id="2" dur="indefinite" nodeType="mainSeq">
+                <p:childTnLst>
+                  <p:par>
+                    <p:cTn id="3" fill="hold">
+                      <p:stCondLst>
+                        <p:cond delay="indefinite"/>
+                      </p:stCondLst>
+                      <p:childTnLst>
+                        <p:par>
+                          <p:cTn id="4" fill="hold">
+                            <p:stCondLst>
+                              <p:cond delay="0"/>
+                            </p:stCondLst>
+                            <p:childTnLst>
+                              <p:par>
+                                <p:cTn id="5" presetID="1" presetClass="entr" presetSubtype="0" fill="hold" nodeType="clickEffect">
+                                  <p:stCondLst>
+                                    <p:cond delay="0"/>
+                                  </p:stCondLst>
+                                  <p:childTnLst>
+                                    <p:set>
+                                      <p:cBhvr>
+                                        <p:cTn id="6" dur="1" fill="hold">
+                                          <p:stCondLst>
+                                            <p:cond delay="0"/>
+                                          </p:stCondLst>
+                                        </p:cTn>
+                                        <p:tgtEl>
+                                          <p:spTgt spid="9">
+                                            <p:txEl>
+                                              <p:pRg st="0" end="0"/>
+                                            </p:txEl>
+                                          </p:spTgt>
+                                        </p:tgtEl>
+                                        <p:attrNameLst>
+                                          <p:attrName>style.visibility</p:attrName>
+                                        </p:attrNameLst>
+                                      </p:cBhvr>
+                                      <p:to>
+                                        <p:strVal val="visible"/>
+                                      </p:to>
+                                    </p:set>
+                                  </p:childTnLst>
+                                </p:cTn>
+                              </p:par>
+                            </p:childTnLst>
+                          </p:cTn>
+                        </p:par>
+                      </p:childTnLst>
+                    </p:cTn>
+                  </p:par>
+                  <p:par>
+                    <p:cTn id="7" fill="hold">
+                      <p:stCondLst>
+                        <p:cond delay="indefinite"/>
+                      </p:stCondLst>
+                      <p:childTnLst>
+                        <p:par>
+                          <p:cTn id="8" fill="hold">
+                            <p:stCondLst>
+                              <p:cond delay="0"/>
+                            </p:stCondLst>
+                            <p:childTnLst>
+                              <p:par>
+                                <p:cTn id="9" presetID="1" presetClass="entr" presetSubtype="0" fill="hold" nodeType="clickEffect">
+                                  <p:stCondLst>
+                                    <p:cond delay="0"/>
+                                  </p:stCondLst>
+                                  <p:childTnLst>
+                                    <p:set>
+                                      <p:cBhvr>
+                                        <p:cTn id="10" dur="1" fill="hold">
+                                          <p:stCondLst>
+                                            <p:cond delay="0"/>
+                                          </p:stCondLst>
+                                        </p:cTn>
+                                        <p:tgtEl>
+                                          <p:spTgt spid="9">
+                                            <p:txEl>
+                                              <p:pRg st="2" end="2"/>
+                                            </p:txEl>
+                                          </p:spTgt>
+                                        </p:tgtEl>
+                                        <p:attrNameLst>
+                                          <p:attrName>style.visibility</p:attrName>
+                                        </p:attrNameLst>
+                                      </p:cBhvr>
+                                      <p:to>
+                                        <p:strVal val="visible"/>
+                                      </p:to>
+                                    </p:set>
+                                  </p:childTnLst>
+                                </p:cTn>
+                              </p:par>
+                            </p:childTnLst>
+                          </p:cTn>
+                        </p:par>
+                      </p:childTnLst>
+                    </p:cTn>
+                  </p:par>
+                  <p:par>
+                    <p:cTn id="11" fill="hold">
+                      <p:stCondLst>
+                        <p:cond delay="indefinite"/>
+                      </p:stCondLst>
+                      <p:childTnLst>
+                        <p:par>
+                          <p:cTn id="12" fill="hold">
+                            <p:stCondLst>
+                              <p:cond delay="0"/>
+                            </p:stCondLst>
+                            <p:childTnLst>
+                              <p:par>
+                                <p:cTn id="13" presetID="1" presetClass="entr" presetSubtype="0" fill="hold" nodeType="clickEffect">
+                                  <p:stCondLst>
+                                    <p:cond delay="0"/>
+                                  </p:stCondLst>
+                                  <p:childTnLst>
+                                    <p:set>
+                                      <p:cBhvr>
+                                        <p:cTn id="14" dur="1" fill="hold">
+                                          <p:stCondLst>
+                                            <p:cond delay="0"/>
+                                          </p:stCondLst>
+                                        </p:cTn>
+                                        <p:tgtEl>
+                                          <p:spTgt spid="9">
+                                            <p:txEl>
+                                              <p:pRg st="4" end="4"/>
+                                            </p:txEl>
+                                          </p:spTgt>
+                                        </p:tgtEl>
+                                        <p:attrNameLst>
+                                          <p:attrName>style.visibility</p:attrName>
+                                        </p:attrNameLst>
+                                      </p:cBhvr>
+                                      <p:to>
+                                        <p:strVal val="visible"/>
+                                      </p:to>
+                                    </p:set>
+                                  </p:childTnLst>
+                                </p:cTn>
+                              </p:par>
+                            </p:childTnLst>
+                          </p:cTn>
+                        </p:par>
+                      </p:childTnLst>
+                    </p:cTn>
+                  </p:par>
+                </p:childTnLst>
+              </p:cTn>
+              <p:prevCondLst>
+                <p:cond evt="onPrev" delay="0">
+                  <p:tgtEl>
+                    <p:sldTgt/>
+                  </p:tgtEl>
+                </p:cond>
+              </p:prevCondLst>
+              <p:nextCondLst>
+                <p:cond evt="onNext" delay="0">
+                  <p:tgtEl>
+                    <p:sldTgt/>
+                  </p:tgtEl>
+                </p:cond>
+              </p:nextCondLst>
+            </p:seq>
+          </p:childTnLst>
+        </p:cTn>
+      </p:par>
+    </p:tnLst>
+  </p:timing>
+</p:sld>
+</file>
+
+<file path=ppt/slides/slide5.xml><?xml version="1.0" encoding="utf-8"?>
+<p:sld xmlns:a="http://schemas.openxmlformats.org/drawingml/2006/main" xmlns:r="http://schemas.openxmlformats.org/officeDocument/2006/relationships" xmlns:p="http://schemas.openxmlformats.org/presentationml/2006/main">
+  <p:cSld>
+    <p:spTree>
+      <p:nvGrpSpPr>
+        <p:cNvPr id="1" name=""/>
+        <p:cNvGrpSpPr/>
+        <p:nvPr/>
+      </p:nvGrpSpPr>
+      <p:grpSpPr>
+        <a:xfrm>
+          <a:off x="0" y="0"/>
+          <a:ext cx="0" cy="0"/>
+          <a:chOff x="0" y="0"/>
+          <a:chExt cx="0" cy="0"/>
+        </a:xfrm>
+      </p:grpSpPr>
+      <p:sp>
+        <p:nvSpPr>
+          <p:cNvPr id="2" name="Title 1">
+            <a:extLst>
+              <a:ext uri="{FF2B5EF4-FFF2-40B4-BE49-F238E27FC236}">
+                <a16:creationId xmlns:a16="http://schemas.microsoft.com/office/drawing/2014/main" id="{AA3A228F-61D0-D949-A5E7-F83756230BF8}"/>
+              </a:ext>
+            </a:extLst>
+          </p:cNvPr>
+          <p:cNvSpPr>
+            <a:spLocks noGrp="1"/>
+          </p:cNvSpPr>
+          <p:nvPr>
+            <p:ph type="title"/>
+          </p:nvPr>
+        </p:nvSpPr>
+        <p:spPr>
+          <a:xfrm>
+            <a:off x="145181" y="134008"/>
+            <a:ext cx="7053542" cy="683886"/>
+          </a:xfrm>
+        </p:spPr>
+        <p:txBody>
+          <a:bodyPr/>
+          <a:lstStyle/>
+          <a:p>
+            <a:r>
+              <a:rPr lang="en-US" dirty="0"/>
               <a:t>For Loops</a:t>
             </a:r>
           </a:p>
@@ -20047,7 +20037,7 @@
           <a:p>
             <a:fld id="{D57F1E4F-1CFF-5643-939E-02111984F565}" type="slidenum">
               <a:rPr lang="en-US" smtClean="0"/>
-              <a:t>4</a:t>
+              <a:t>5</a:t>
             </a:fld>
             <a:endParaRPr lang="en-US" dirty="0"/>
           </a:p>
@@ -20416,7 +20406,7 @@
 </p:sld>
 </file>
 
-<file path=ppt/slides/slide5.xml><?xml version="1.0" encoding="utf-8"?>
+<file path=ppt/slides/slide6.xml><?xml version="1.0" encoding="utf-8"?>
 <p:sld xmlns:a="http://schemas.openxmlformats.org/drawingml/2006/main" xmlns:r="http://schemas.openxmlformats.org/officeDocument/2006/relationships" xmlns:p="http://schemas.openxmlformats.org/presentationml/2006/main">
   <p:cSld>
     <p:spTree>
@@ -20925,7 +20915,7 @@
           <a:p>
             <a:fld id="{D57F1E4F-1CFF-5643-939E-02111984F565}" type="slidenum">
               <a:rPr lang="en-US" smtClean="0"/>
-              <a:t>5</a:t>
+              <a:t>6</a:t>
             </a:fld>
             <a:endParaRPr lang="en-US" dirty="0"/>
           </a:p>
@@ -21467,7 +21457,7 @@
 </p:sld>
 </file>
 
-<file path=ppt/slides/slide6.xml><?xml version="1.0" encoding="utf-8"?>
+<file path=ppt/slides/slide7.xml><?xml version="1.0" encoding="utf-8"?>
 <p:sld xmlns:a="http://schemas.openxmlformats.org/drawingml/2006/main" xmlns:r="http://schemas.openxmlformats.org/officeDocument/2006/relationships" xmlns:p="http://schemas.openxmlformats.org/presentationml/2006/main">
   <p:cSld>
     <p:spTree>
@@ -22062,7 +22052,7 @@
           <a:p>
             <a:fld id="{D57F1E4F-1CFF-5643-939E-02111984F565}" type="slidenum">
               <a:rPr lang="en-US" smtClean="0"/>
-              <a:t>6</a:t>
+              <a:t>7</a:t>
             </a:fld>
             <a:endParaRPr lang="en-US" dirty="0"/>
           </a:p>
@@ -22475,7 +22465,7 @@
 </p:sld>
 </file>
 
-<file path=ppt/slides/slide7.xml><?xml version="1.0" encoding="utf-8"?>
+<file path=ppt/slides/slide8.xml><?xml version="1.0" encoding="utf-8"?>
 <p:sld xmlns:a="http://schemas.openxmlformats.org/drawingml/2006/main" xmlns:r="http://schemas.openxmlformats.org/officeDocument/2006/relationships" xmlns:p="http://schemas.openxmlformats.org/presentationml/2006/main">
   <p:cSld>
     <p:spTree>
@@ -22786,7 +22776,7 @@
           <a:p>
             <a:fld id="{D57F1E4F-1CFF-5643-939E-02111984F565}" type="slidenum">
               <a:rPr lang="en-US" smtClean="0"/>
-              <a:t>7</a:t>
+              <a:t>8</a:t>
             </a:fld>
             <a:endParaRPr lang="en-US" dirty="0"/>
           </a:p>
@@ -22919,902 +22909,6 @@
                                           <p:spTgt spid="9">
                                             <p:txEl>
                                               <p:pRg st="5" end="5"/>
-                                            </p:txEl>
-                                          </p:spTgt>
-                                        </p:tgtEl>
-                                        <p:attrNameLst>
-                                          <p:attrName>style.visibility</p:attrName>
-                                        </p:attrNameLst>
-                                      </p:cBhvr>
-                                      <p:to>
-                                        <p:strVal val="visible"/>
-                                      </p:to>
-                                    </p:set>
-                                  </p:childTnLst>
-                                </p:cTn>
-                              </p:par>
-                            </p:childTnLst>
-                          </p:cTn>
-                        </p:par>
-                      </p:childTnLst>
-                    </p:cTn>
-                  </p:par>
-                </p:childTnLst>
-              </p:cTn>
-              <p:prevCondLst>
-                <p:cond evt="onPrev" delay="0">
-                  <p:tgtEl>
-                    <p:sldTgt/>
-                  </p:tgtEl>
-                </p:cond>
-              </p:prevCondLst>
-              <p:nextCondLst>
-                <p:cond evt="onNext" delay="0">
-                  <p:tgtEl>
-                    <p:sldTgt/>
-                  </p:tgtEl>
-                </p:cond>
-              </p:nextCondLst>
-            </p:seq>
-          </p:childTnLst>
-        </p:cTn>
-      </p:par>
-    </p:tnLst>
-  </p:timing>
-</p:sld>
-</file>
-
-<file path=ppt/slides/slide8.xml><?xml version="1.0" encoding="utf-8"?>
-<p:sld xmlns:a="http://schemas.openxmlformats.org/drawingml/2006/main" xmlns:r="http://schemas.openxmlformats.org/officeDocument/2006/relationships" xmlns:p="http://schemas.openxmlformats.org/presentationml/2006/main">
-  <p:cSld>
-    <p:spTree>
-      <p:nvGrpSpPr>
-        <p:cNvPr id="1" name=""/>
-        <p:cNvGrpSpPr/>
-        <p:nvPr/>
-      </p:nvGrpSpPr>
-      <p:grpSpPr>
-        <a:xfrm>
-          <a:off x="0" y="0"/>
-          <a:ext cx="0" cy="0"/>
-          <a:chOff x="0" y="0"/>
-          <a:chExt cx="0" cy="0"/>
-        </a:xfrm>
-      </p:grpSpPr>
-      <p:sp>
-        <p:nvSpPr>
-          <p:cNvPr id="2" name="Title 1">
-            <a:extLst>
-              <a:ext uri="{FF2B5EF4-FFF2-40B4-BE49-F238E27FC236}">
-                <a16:creationId xmlns:a16="http://schemas.microsoft.com/office/drawing/2014/main" id="{AA3A228F-61D0-D949-A5E7-F83756230BF8}"/>
-              </a:ext>
-            </a:extLst>
-          </p:cNvPr>
-          <p:cNvSpPr>
-            <a:spLocks noGrp="1"/>
-          </p:cNvSpPr>
-          <p:nvPr>
-            <p:ph type="title"/>
-          </p:nvPr>
-        </p:nvSpPr>
-        <p:spPr>
-          <a:xfrm>
-            <a:off x="144483" y="134008"/>
-            <a:ext cx="7053542" cy="683886"/>
-          </a:xfrm>
-        </p:spPr>
-        <p:txBody>
-          <a:bodyPr/>
-          <a:lstStyle/>
-          <a:p>
-            <a:r>
-              <a:rPr lang="en-US" dirty="0"/>
-              <a:t>range(start, stop, step) </a:t>
-            </a:r>
-            <a:endParaRPr lang="en-US" dirty="0">
-              <a:solidFill>
-                <a:srgbClr val="FF0000"/>
-              </a:solidFill>
-            </a:endParaRPr>
-          </a:p>
-        </p:txBody>
-      </p:sp>
-      <p:sp>
-        <p:nvSpPr>
-          <p:cNvPr id="9" name="Content Placeholder 8">
-            <a:extLst>
-              <a:ext uri="{FF2B5EF4-FFF2-40B4-BE49-F238E27FC236}">
-                <a16:creationId xmlns:a16="http://schemas.microsoft.com/office/drawing/2014/main" id="{E3B2E017-30B2-884B-A113-B419A2ED51AD}"/>
-              </a:ext>
-            </a:extLst>
-          </p:cNvPr>
-          <p:cNvSpPr>
-            <a:spLocks noGrp="1"/>
-          </p:cNvSpPr>
-          <p:nvPr>
-            <p:ph idx="1"/>
-          </p:nvPr>
-        </p:nvSpPr>
-        <p:spPr>
-          <a:xfrm>
-            <a:off x="144484" y="817895"/>
-            <a:ext cx="8810980" cy="4763097"/>
-          </a:xfrm>
-        </p:spPr>
-        <p:txBody>
-          <a:bodyPr>
-            <a:normAutofit/>
-          </a:bodyPr>
-          <a:lstStyle/>
-          <a:p>
-            <a:pPr marL="0" indent="0">
-              <a:buNone/>
-            </a:pPr>
-            <a:r>
-              <a:rPr lang="en-US" dirty="0">
-                <a:latin typeface="Gill Sans MT" panose="020B0502020104020203" pitchFamily="34" charset="77"/>
-              </a:rPr>
-              <a:t>range(start, stop, step): from start up to but not including stop, increment by step.</a:t>
-            </a:r>
-            <a:endParaRPr lang="en-US" b="1" dirty="0">
-              <a:solidFill>
-                <a:srgbClr val="000087"/>
-              </a:solidFill>
-              <a:latin typeface="Inconsolata" panose="020B0609030003000000" pitchFamily="49" charset="77"/>
-            </a:endParaRPr>
-          </a:p>
-          <a:p>
-            <a:pPr marL="0" indent="0">
-              <a:buNone/>
-            </a:pPr>
-            <a:r>
-              <a:rPr lang="en-US" b="1" dirty="0">
-                <a:solidFill>
-                  <a:srgbClr val="006699"/>
-                </a:solidFill>
-                <a:latin typeface="Inconsolata" panose="020B0609030003000000" pitchFamily="49" charset="77"/>
-              </a:rPr>
-              <a:t>for </a:t>
-            </a:r>
-            <a:r>
-              <a:rPr lang="en-US" b="1" dirty="0" err="1">
-                <a:solidFill>
-                  <a:srgbClr val="000087"/>
-                </a:solidFill>
-                <a:latin typeface="Inconsolata" panose="020B0609030003000000" pitchFamily="49" charset="77"/>
-              </a:rPr>
-              <a:t>i</a:t>
-            </a:r>
-            <a:r>
-              <a:rPr lang="en-US" b="1" dirty="0">
-                <a:solidFill>
-                  <a:srgbClr val="000087"/>
-                </a:solidFill>
-                <a:latin typeface="Inconsolata" panose="020B0609030003000000" pitchFamily="49" charset="77"/>
-              </a:rPr>
-              <a:t> </a:t>
-            </a:r>
-            <a:r>
-              <a:rPr lang="en-US" b="1" dirty="0">
-                <a:latin typeface="Inconsolata" panose="020B0609030003000000" pitchFamily="49" charset="77"/>
-              </a:rPr>
-              <a:t>in </a:t>
-            </a:r>
-            <a:r>
-              <a:rPr lang="en-US" b="1" dirty="0">
-                <a:solidFill>
-                  <a:srgbClr val="336666"/>
-                </a:solidFill>
-                <a:latin typeface="Inconsolata" panose="020B0609030003000000" pitchFamily="49" charset="77"/>
-              </a:rPr>
-              <a:t>range</a:t>
-            </a:r>
-            <a:r>
-              <a:rPr lang="en-US" b="1" dirty="0">
-                <a:latin typeface="Inconsolata" panose="020B0609030003000000" pitchFamily="49" charset="77"/>
-              </a:rPr>
-              <a:t>(</a:t>
-            </a:r>
-            <a:r>
-              <a:rPr lang="en-US" b="1" dirty="0">
-                <a:solidFill>
-                  <a:srgbClr val="FF6600"/>
-                </a:solidFill>
-                <a:latin typeface="Inconsolata" panose="020B0609030003000000" pitchFamily="49" charset="77"/>
-              </a:rPr>
-              <a:t>1</a:t>
-            </a:r>
-            <a:r>
-              <a:rPr lang="en-US" b="1" dirty="0">
-                <a:latin typeface="Inconsolata" panose="020B0609030003000000" pitchFamily="49" charset="77"/>
-              </a:rPr>
-              <a:t>, </a:t>
-            </a:r>
-            <a:r>
-              <a:rPr lang="en-US" b="1" dirty="0">
-                <a:solidFill>
-                  <a:srgbClr val="FF6600"/>
-                </a:solidFill>
-                <a:latin typeface="Inconsolata" panose="020B0609030003000000" pitchFamily="49" charset="77"/>
-              </a:rPr>
-              <a:t>10, 2</a:t>
-            </a:r>
-            <a:r>
-              <a:rPr lang="en-US" b="1" dirty="0">
-                <a:latin typeface="Inconsolata" panose="020B0609030003000000" pitchFamily="49" charset="77"/>
-              </a:rPr>
-              <a:t>): </a:t>
-            </a:r>
-          </a:p>
-          <a:p>
-            <a:pPr marL="0" indent="0">
-              <a:buNone/>
-            </a:pPr>
-            <a:r>
-              <a:rPr lang="en-US" b="1" dirty="0">
-                <a:solidFill>
-                  <a:srgbClr val="006699"/>
-                </a:solidFill>
-                <a:latin typeface="Inconsolata" panose="020B0609030003000000" pitchFamily="49" charset="77"/>
-              </a:rPr>
-              <a:t>	print</a:t>
-            </a:r>
-            <a:r>
-              <a:rPr lang="en-US" b="1" dirty="0">
-                <a:latin typeface="Inconsolata" panose="020B0609030003000000" pitchFamily="49" charset="77"/>
-              </a:rPr>
-              <a:t>(</a:t>
-            </a:r>
-            <a:r>
-              <a:rPr lang="en-US" b="1" dirty="0" err="1">
-                <a:solidFill>
-                  <a:srgbClr val="000087"/>
-                </a:solidFill>
-                <a:latin typeface="Inconsolata" panose="020B0609030003000000" pitchFamily="49" charset="77"/>
-              </a:rPr>
-              <a:t>i</a:t>
-            </a:r>
-            <a:r>
-              <a:rPr lang="en-US" b="1" dirty="0">
-                <a:latin typeface="Inconsolata" panose="020B0609030003000000" pitchFamily="49" charset="77"/>
-              </a:rPr>
-              <a:t>, </a:t>
-            </a:r>
-            <a:r>
-              <a:rPr lang="en-US" b="1" dirty="0">
-                <a:solidFill>
-                  <a:srgbClr val="000087"/>
-                </a:solidFill>
-                <a:latin typeface="Inconsolata" panose="020B0609030003000000" pitchFamily="49" charset="77"/>
-              </a:rPr>
-              <a:t>end</a:t>
-            </a:r>
-            <a:r>
-              <a:rPr lang="en-US" b="1" dirty="0">
-                <a:solidFill>
-                  <a:srgbClr val="545454"/>
-                </a:solidFill>
-                <a:latin typeface="Inconsolata" panose="020B0609030003000000" pitchFamily="49" charset="77"/>
-              </a:rPr>
-              <a:t>=</a:t>
-            </a:r>
-            <a:r>
-              <a:rPr lang="en-US" b="1" dirty="0">
-                <a:solidFill>
-                  <a:srgbClr val="CC3300"/>
-                </a:solidFill>
-                <a:latin typeface="Inconsolata" panose="020B0609030003000000" pitchFamily="49" charset="77"/>
-              </a:rPr>
-              <a:t>' '</a:t>
-            </a:r>
-            <a:r>
-              <a:rPr lang="en-US" b="1" dirty="0">
-                <a:latin typeface="Inconsolata" panose="020B0609030003000000" pitchFamily="49" charset="77"/>
-              </a:rPr>
-              <a:t>) </a:t>
-            </a:r>
-          </a:p>
-          <a:p>
-            <a:pPr marL="0" indent="0">
-              <a:buNone/>
-            </a:pPr>
-            <a:r>
-              <a:rPr lang="en-US" dirty="0">
-                <a:latin typeface="Gill Sans MT" panose="020B0502020104020203" pitchFamily="34" charset="77"/>
-              </a:rPr>
-              <a:t>1 3 5 7 9 </a:t>
-            </a:r>
-          </a:p>
-          <a:p>
-            <a:pPr marL="0" indent="0">
-              <a:buNone/>
-            </a:pPr>
-            <a:endParaRPr lang="en-US" dirty="0">
-              <a:latin typeface="Gill Sans MT" panose="020B0502020104020203" pitchFamily="34" charset="77"/>
-            </a:endParaRPr>
-          </a:p>
-          <a:p>
-            <a:pPr marL="0" indent="0">
-              <a:buNone/>
-            </a:pPr>
-            <a:r>
-              <a:rPr lang="en-US" dirty="0">
-                <a:latin typeface="Gill Sans MT" panose="020B0502020104020203" pitchFamily="34" charset="77"/>
-              </a:rPr>
-              <a:t>If step is negative, a list can be traversed backwards. </a:t>
-            </a:r>
-            <a:endParaRPr lang="en-US" b="1" dirty="0">
-              <a:solidFill>
-                <a:srgbClr val="000087"/>
-              </a:solidFill>
-              <a:latin typeface="Inconsolata" panose="020B0609030003000000" pitchFamily="49" charset="77"/>
-            </a:endParaRPr>
-          </a:p>
-          <a:p>
-            <a:pPr marL="0" indent="0">
-              <a:buNone/>
-            </a:pPr>
-            <a:r>
-              <a:rPr lang="en-US" b="1" dirty="0">
-                <a:solidFill>
-                  <a:srgbClr val="006699"/>
-                </a:solidFill>
-                <a:latin typeface="Inconsolata" panose="020B0609030003000000" pitchFamily="49" charset="77"/>
-              </a:rPr>
-              <a:t>for </a:t>
-            </a:r>
-            <a:r>
-              <a:rPr lang="en-US" b="1" dirty="0" err="1">
-                <a:solidFill>
-                  <a:srgbClr val="000087"/>
-                </a:solidFill>
-                <a:latin typeface="Inconsolata" panose="020B0609030003000000" pitchFamily="49" charset="77"/>
-              </a:rPr>
-              <a:t>i</a:t>
-            </a:r>
-            <a:r>
-              <a:rPr lang="en-US" b="1" dirty="0">
-                <a:solidFill>
-                  <a:srgbClr val="000087"/>
-                </a:solidFill>
-                <a:latin typeface="Inconsolata" panose="020B0609030003000000" pitchFamily="49" charset="77"/>
-              </a:rPr>
-              <a:t> </a:t>
-            </a:r>
-            <a:r>
-              <a:rPr lang="en-US" b="1" dirty="0">
-                <a:latin typeface="Inconsolata" panose="020B0609030003000000" pitchFamily="49" charset="77"/>
-              </a:rPr>
-              <a:t>in </a:t>
-            </a:r>
-            <a:r>
-              <a:rPr lang="en-US" b="1" dirty="0">
-                <a:solidFill>
-                  <a:srgbClr val="336666"/>
-                </a:solidFill>
-                <a:latin typeface="Inconsolata" panose="020B0609030003000000" pitchFamily="49" charset="77"/>
-              </a:rPr>
-              <a:t>range</a:t>
-            </a:r>
-            <a:r>
-              <a:rPr lang="en-US" b="1" dirty="0">
-                <a:latin typeface="Inconsolata" panose="020B0609030003000000" pitchFamily="49" charset="77"/>
-              </a:rPr>
-              <a:t>(</a:t>
-            </a:r>
-            <a:r>
-              <a:rPr lang="en-US" b="1" dirty="0">
-                <a:solidFill>
-                  <a:srgbClr val="FF6600"/>
-                </a:solidFill>
-                <a:latin typeface="Inconsolata" panose="020B0609030003000000" pitchFamily="49" charset="77"/>
-              </a:rPr>
-              <a:t>10</a:t>
-            </a:r>
-            <a:r>
-              <a:rPr lang="en-US" b="1" dirty="0">
-                <a:latin typeface="Inconsolata" panose="020B0609030003000000" pitchFamily="49" charset="77"/>
-              </a:rPr>
-              <a:t>, </a:t>
-            </a:r>
-            <a:r>
-              <a:rPr lang="en-US" b="1" dirty="0">
-                <a:solidFill>
-                  <a:srgbClr val="FF6600"/>
-                </a:solidFill>
-                <a:latin typeface="Inconsolata" panose="020B0609030003000000" pitchFamily="49" charset="77"/>
-              </a:rPr>
-              <a:t>2, -1</a:t>
-            </a:r>
-            <a:r>
-              <a:rPr lang="en-US" b="1" dirty="0">
-                <a:latin typeface="Inconsolata" panose="020B0609030003000000" pitchFamily="49" charset="77"/>
-              </a:rPr>
-              <a:t>): </a:t>
-            </a:r>
-          </a:p>
-          <a:p>
-            <a:pPr marL="0" indent="0">
-              <a:buNone/>
-            </a:pPr>
-            <a:r>
-              <a:rPr lang="en-US" b="1" dirty="0">
-                <a:solidFill>
-                  <a:srgbClr val="006699"/>
-                </a:solidFill>
-                <a:latin typeface="Inconsolata" panose="020B0609030003000000" pitchFamily="49" charset="77"/>
-              </a:rPr>
-              <a:t>	print</a:t>
-            </a:r>
-            <a:r>
-              <a:rPr lang="en-US" b="1" dirty="0">
-                <a:latin typeface="Inconsolata" panose="020B0609030003000000" pitchFamily="49" charset="77"/>
-              </a:rPr>
-              <a:t>(</a:t>
-            </a:r>
-            <a:r>
-              <a:rPr lang="en-US" b="1" dirty="0" err="1">
-                <a:solidFill>
-                  <a:srgbClr val="000087"/>
-                </a:solidFill>
-                <a:latin typeface="Inconsolata" panose="020B0609030003000000" pitchFamily="49" charset="77"/>
-              </a:rPr>
-              <a:t>i</a:t>
-            </a:r>
-            <a:r>
-              <a:rPr lang="en-US" b="1" dirty="0">
-                <a:latin typeface="Inconsolata" panose="020B0609030003000000" pitchFamily="49" charset="77"/>
-              </a:rPr>
-              <a:t>, </a:t>
-            </a:r>
-            <a:r>
-              <a:rPr lang="en-US" b="1" dirty="0">
-                <a:solidFill>
-                  <a:srgbClr val="000087"/>
-                </a:solidFill>
-                <a:latin typeface="Inconsolata" panose="020B0609030003000000" pitchFamily="49" charset="77"/>
-              </a:rPr>
-              <a:t>end</a:t>
-            </a:r>
-            <a:r>
-              <a:rPr lang="en-US" b="1" dirty="0">
-                <a:solidFill>
-                  <a:srgbClr val="545454"/>
-                </a:solidFill>
-                <a:latin typeface="Inconsolata" panose="020B0609030003000000" pitchFamily="49" charset="77"/>
-              </a:rPr>
-              <a:t>=</a:t>
-            </a:r>
-            <a:r>
-              <a:rPr lang="en-US" b="1" dirty="0">
-                <a:solidFill>
-                  <a:srgbClr val="CC3300"/>
-                </a:solidFill>
-                <a:latin typeface="Inconsolata" panose="020B0609030003000000" pitchFamily="49" charset="77"/>
-              </a:rPr>
-              <a:t>' '</a:t>
-            </a:r>
-            <a:r>
-              <a:rPr lang="en-US" b="1" dirty="0">
-                <a:latin typeface="Inconsolata" panose="020B0609030003000000" pitchFamily="49" charset="77"/>
-              </a:rPr>
-              <a:t>) </a:t>
-            </a:r>
-          </a:p>
-          <a:p>
-            <a:pPr marL="0" indent="0">
-              <a:buNone/>
-            </a:pPr>
-            <a:r>
-              <a:rPr lang="en-US" dirty="0">
-                <a:latin typeface="Gill Sans MT" panose="020B0502020104020203" pitchFamily="34" charset="77"/>
-              </a:rPr>
-              <a:t>10 9 8 7 6 5 4 3</a:t>
-            </a:r>
-            <a:endParaRPr lang="en-US" dirty="0"/>
-          </a:p>
-          <a:p>
-            <a:pPr marL="0" indent="0">
-              <a:buNone/>
-            </a:pPr>
-            <a:endParaRPr lang="en-US" dirty="0"/>
-          </a:p>
-          <a:p>
-            <a:pPr marL="0" indent="0">
-              <a:buNone/>
-            </a:pPr>
-            <a:endParaRPr lang="en-US" sz="2100" dirty="0">
-              <a:solidFill>
-                <a:srgbClr val="000087"/>
-              </a:solidFill>
-              <a:latin typeface="Gill Sans MT" panose="020B0502020104020203" pitchFamily="34" charset="77"/>
-            </a:endParaRPr>
-          </a:p>
-        </p:txBody>
-      </p:sp>
-      <p:sp>
-        <p:nvSpPr>
-          <p:cNvPr id="3" name="Slide Number Placeholder 2">
-            <a:extLst>
-              <a:ext uri="{FF2B5EF4-FFF2-40B4-BE49-F238E27FC236}">
-                <a16:creationId xmlns:a16="http://schemas.microsoft.com/office/drawing/2014/main" id="{981A0F47-47BA-5846-9A18-90CD9566D5D8}"/>
-              </a:ext>
-            </a:extLst>
-          </p:cNvPr>
-          <p:cNvSpPr>
-            <a:spLocks noGrp="1"/>
-          </p:cNvSpPr>
-          <p:nvPr>
-            <p:ph type="sldNum" sz="quarter" idx="12"/>
-          </p:nvPr>
-        </p:nvSpPr>
-        <p:spPr/>
-        <p:txBody>
-          <a:bodyPr/>
-          <a:lstStyle/>
-          <a:p>
-            <a:fld id="{D57F1E4F-1CFF-5643-939E-02111984F565}" type="slidenum">
-              <a:rPr lang="en-US" smtClean="0"/>
-              <a:t>8</a:t>
-            </a:fld>
-            <a:endParaRPr lang="en-US" dirty="0"/>
-          </a:p>
-        </p:txBody>
-      </p:sp>
-    </p:spTree>
-    <p:extLst>
-      <p:ext uri="{BB962C8B-B14F-4D97-AF65-F5344CB8AC3E}">
-        <p14:creationId xmlns:p14="http://schemas.microsoft.com/office/powerpoint/2010/main" val="3150557076"/>
-      </p:ext>
-    </p:extLst>
-  </p:cSld>
-  <p:clrMapOvr>
-    <a:masterClrMapping/>
-  </p:clrMapOvr>
-  <p:timing>
-    <p:tnLst>
-      <p:par>
-        <p:cTn id="1" dur="indefinite" restart="never" nodeType="tmRoot">
-          <p:childTnLst>
-            <p:seq concurrent="1" nextAc="seek">
-              <p:cTn id="2" dur="indefinite" nodeType="mainSeq">
-                <p:childTnLst>
-                  <p:par>
-                    <p:cTn id="3" fill="hold">
-                      <p:stCondLst>
-                        <p:cond delay="indefinite"/>
-                      </p:stCondLst>
-                      <p:childTnLst>
-                        <p:par>
-                          <p:cTn id="4" fill="hold">
-                            <p:stCondLst>
-                              <p:cond delay="0"/>
-                            </p:stCondLst>
-                            <p:childTnLst>
-                              <p:par>
-                                <p:cTn id="5" presetID="1" presetClass="entr" presetSubtype="0" fill="hold" nodeType="clickEffect">
-                                  <p:stCondLst>
-                                    <p:cond delay="0"/>
-                                  </p:stCondLst>
-                                  <p:childTnLst>
-                                    <p:set>
-                                      <p:cBhvr>
-                                        <p:cTn id="6" dur="1" fill="hold">
-                                          <p:stCondLst>
-                                            <p:cond delay="0"/>
-                                          </p:stCondLst>
-                                        </p:cTn>
-                                        <p:tgtEl>
-                                          <p:spTgt spid="9">
-                                            <p:txEl>
-                                              <p:pRg st="1" end="1"/>
-                                            </p:txEl>
-                                          </p:spTgt>
-                                        </p:tgtEl>
-                                        <p:attrNameLst>
-                                          <p:attrName>style.visibility</p:attrName>
-                                        </p:attrNameLst>
-                                      </p:cBhvr>
-                                      <p:to>
-                                        <p:strVal val="visible"/>
-                                      </p:to>
-                                    </p:set>
-                                  </p:childTnLst>
-                                </p:cTn>
-                              </p:par>
-                              <p:par>
-                                <p:cTn id="7" presetID="1" presetClass="entr" presetSubtype="0" fill="hold" nodeType="withEffect">
-                                  <p:stCondLst>
-                                    <p:cond delay="0"/>
-                                  </p:stCondLst>
-                                  <p:childTnLst>
-                                    <p:set>
-                                      <p:cBhvr>
-                                        <p:cTn id="8" dur="1" fill="hold">
-                                          <p:stCondLst>
-                                            <p:cond delay="0"/>
-                                          </p:stCondLst>
-                                        </p:cTn>
-                                        <p:tgtEl>
-                                          <p:spTgt spid="9">
-                                            <p:txEl>
-                                              <p:pRg st="2" end="2"/>
-                                            </p:txEl>
-                                          </p:spTgt>
-                                        </p:tgtEl>
-                                        <p:attrNameLst>
-                                          <p:attrName>style.visibility</p:attrName>
-                                        </p:attrNameLst>
-                                      </p:cBhvr>
-                                      <p:to>
-                                        <p:strVal val="visible"/>
-                                      </p:to>
-                                    </p:set>
-                                  </p:childTnLst>
-                                </p:cTn>
-                              </p:par>
-                            </p:childTnLst>
-                          </p:cTn>
-                        </p:par>
-                      </p:childTnLst>
-                    </p:cTn>
-                  </p:par>
-                  <p:par>
-                    <p:cTn id="9" fill="hold">
-                      <p:stCondLst>
-                        <p:cond delay="indefinite"/>
-                      </p:stCondLst>
-                      <p:childTnLst>
-                        <p:par>
-                          <p:cTn id="10" fill="hold">
-                            <p:stCondLst>
-                              <p:cond delay="0"/>
-                            </p:stCondLst>
-                            <p:childTnLst>
-                              <p:par>
-                                <p:cTn id="11" presetID="1" presetClass="entr" presetSubtype="0" fill="hold" nodeType="clickEffect">
-                                  <p:stCondLst>
-                                    <p:cond delay="0"/>
-                                  </p:stCondLst>
-                                  <p:childTnLst>
-                                    <p:set>
-                                      <p:cBhvr>
-                                        <p:cTn id="12" dur="1" fill="hold">
-                                          <p:stCondLst>
-                                            <p:cond delay="0"/>
-                                          </p:stCondLst>
-                                        </p:cTn>
-                                        <p:tgtEl>
-                                          <p:spTgt spid="9">
-                                            <p:txEl>
-                                              <p:pRg st="3" end="3"/>
-                                            </p:txEl>
-                                          </p:spTgt>
-                                        </p:tgtEl>
-                                        <p:attrNameLst>
-                                          <p:attrName>style.visibility</p:attrName>
-                                        </p:attrNameLst>
-                                      </p:cBhvr>
-                                      <p:to>
-                                        <p:strVal val="visible"/>
-                                      </p:to>
-                                    </p:set>
-                                  </p:childTnLst>
-                                </p:cTn>
-                              </p:par>
-                            </p:childTnLst>
-                          </p:cTn>
-                        </p:par>
-                      </p:childTnLst>
-                    </p:cTn>
-                  </p:par>
-                  <p:par>
-                    <p:cTn id="13" fill="hold">
-                      <p:stCondLst>
-                        <p:cond delay="indefinite"/>
-                      </p:stCondLst>
-                      <p:childTnLst>
-                        <p:par>
-                          <p:cTn id="14" fill="hold">
-                            <p:stCondLst>
-                              <p:cond delay="0"/>
-                            </p:stCondLst>
-                            <p:childTnLst>
-                              <p:par>
-                                <p:cTn id="15" presetID="1" presetClass="entr" presetSubtype="0" fill="hold" nodeType="clickEffect">
-                                  <p:stCondLst>
-                                    <p:cond delay="0"/>
-                                  </p:stCondLst>
-                                  <p:childTnLst>
-                                    <p:set>
-                                      <p:cBhvr>
-                                        <p:cTn id="16" dur="1" fill="hold">
-                                          <p:stCondLst>
-                                            <p:cond delay="0"/>
-                                          </p:stCondLst>
-                                        </p:cTn>
-                                        <p:tgtEl>
-                                          <p:spTgt spid="9">
-                                            <p:txEl>
-                                              <p:pRg st="5" end="5"/>
-                                            </p:txEl>
-                                          </p:spTgt>
-                                        </p:tgtEl>
-                                        <p:attrNameLst>
-                                          <p:attrName>style.visibility</p:attrName>
-                                        </p:attrNameLst>
-                                      </p:cBhvr>
-                                      <p:to>
-                                        <p:strVal val="visible"/>
-                                      </p:to>
-                                    </p:set>
-                                  </p:childTnLst>
-                                </p:cTn>
-                              </p:par>
-                            </p:childTnLst>
-                          </p:cTn>
-                        </p:par>
-                      </p:childTnLst>
-                    </p:cTn>
-                  </p:par>
-                  <p:par>
-                    <p:cTn id="17" fill="hold">
-                      <p:stCondLst>
-                        <p:cond delay="indefinite"/>
-                      </p:stCondLst>
-                      <p:childTnLst>
-                        <p:par>
-                          <p:cTn id="18" fill="hold">
-                            <p:stCondLst>
-                              <p:cond delay="0"/>
-                            </p:stCondLst>
-                            <p:childTnLst>
-                              <p:par>
-                                <p:cTn id="19" presetID="1" presetClass="entr" presetSubtype="0" fill="hold" nodeType="clickEffect">
-                                  <p:stCondLst>
-                                    <p:cond delay="0"/>
-                                  </p:stCondLst>
-                                  <p:childTnLst>
-                                    <p:set>
-                                      <p:cBhvr>
-                                        <p:cTn id="20" dur="1" fill="hold">
-                                          <p:stCondLst>
-                                            <p:cond delay="0"/>
-                                          </p:stCondLst>
-                                        </p:cTn>
-                                        <p:tgtEl>
-                                          <p:spTgt spid="9">
-                                            <p:txEl>
-                                              <p:pRg st="5" end="5"/>
-                                            </p:txEl>
-                                          </p:spTgt>
-                                        </p:tgtEl>
-                                        <p:attrNameLst>
-                                          <p:attrName>style.visibility</p:attrName>
-                                        </p:attrNameLst>
-                                      </p:cBhvr>
-                                      <p:to>
-                                        <p:strVal val="visible"/>
-                                      </p:to>
-                                    </p:set>
-                                  </p:childTnLst>
-                                </p:cTn>
-                              </p:par>
-                            </p:childTnLst>
-                          </p:cTn>
-                        </p:par>
-                      </p:childTnLst>
-                    </p:cTn>
-                  </p:par>
-                  <p:par>
-                    <p:cTn id="21" fill="hold">
-                      <p:stCondLst>
-                        <p:cond delay="indefinite"/>
-                      </p:stCondLst>
-                      <p:childTnLst>
-                        <p:par>
-                          <p:cTn id="22" fill="hold">
-                            <p:stCondLst>
-                              <p:cond delay="0"/>
-                            </p:stCondLst>
-                            <p:childTnLst>
-                              <p:par>
-                                <p:cTn id="23" presetID="1" presetClass="entr" presetSubtype="0" fill="hold" nodeType="clickEffect">
-                                  <p:stCondLst>
-                                    <p:cond delay="0"/>
-                                  </p:stCondLst>
-                                  <p:childTnLst>
-                                    <p:set>
-                                      <p:cBhvr>
-                                        <p:cTn id="24" dur="1" fill="hold">
-                                          <p:stCondLst>
-                                            <p:cond delay="0"/>
-                                          </p:stCondLst>
-                                        </p:cTn>
-                                        <p:tgtEl>
-                                          <p:spTgt spid="9">
-                                            <p:txEl>
-                                              <p:pRg st="6" end="6"/>
-                                            </p:txEl>
-                                          </p:spTgt>
-                                        </p:tgtEl>
-                                        <p:attrNameLst>
-                                          <p:attrName>style.visibility</p:attrName>
-                                        </p:attrNameLst>
-                                      </p:cBhvr>
-                                      <p:to>
-                                        <p:strVal val="visible"/>
-                                      </p:to>
-                                    </p:set>
-                                  </p:childTnLst>
-                                </p:cTn>
-                              </p:par>
-                              <p:par>
-                                <p:cTn id="25" presetID="1" presetClass="entr" presetSubtype="0" fill="hold" nodeType="withEffect">
-                                  <p:stCondLst>
-                                    <p:cond delay="0"/>
-                                  </p:stCondLst>
-                                  <p:childTnLst>
-                                    <p:set>
-                                      <p:cBhvr>
-                                        <p:cTn id="26" dur="1" fill="hold">
-                                          <p:stCondLst>
-                                            <p:cond delay="0"/>
-                                          </p:stCondLst>
-                                        </p:cTn>
-                                        <p:tgtEl>
-                                          <p:spTgt spid="9">
-                                            <p:txEl>
-                                              <p:pRg st="7" end="7"/>
-                                            </p:txEl>
-                                          </p:spTgt>
-                                        </p:tgtEl>
-                                        <p:attrNameLst>
-                                          <p:attrName>style.visibility</p:attrName>
-                                        </p:attrNameLst>
-                                      </p:cBhvr>
-                                      <p:to>
-                                        <p:strVal val="visible"/>
-                                      </p:to>
-                                    </p:set>
-                                  </p:childTnLst>
-                                </p:cTn>
-                              </p:par>
-                            </p:childTnLst>
-                          </p:cTn>
-                        </p:par>
-                      </p:childTnLst>
-                    </p:cTn>
-                  </p:par>
-                  <p:par>
-                    <p:cTn id="27" fill="hold">
-                      <p:stCondLst>
-                        <p:cond delay="indefinite"/>
-                      </p:stCondLst>
-                      <p:childTnLst>
-                        <p:par>
-                          <p:cTn id="28" fill="hold">
-                            <p:stCondLst>
-                              <p:cond delay="0"/>
-                            </p:stCondLst>
-                            <p:childTnLst>
-                              <p:par>
-                                <p:cTn id="29" presetID="1" presetClass="entr" presetSubtype="0" fill="hold" nodeType="clickEffect">
-                                  <p:stCondLst>
-                                    <p:cond delay="0"/>
-                                  </p:stCondLst>
-                                  <p:childTnLst>
-                                    <p:set>
-                                      <p:cBhvr>
-                                        <p:cTn id="30" dur="1" fill="hold">
-                                          <p:stCondLst>
-                                            <p:cond delay="0"/>
-                                          </p:stCondLst>
-                                        </p:cTn>
-                                        <p:tgtEl>
-                                          <p:spTgt spid="9">
-                                            <p:txEl>
-                                              <p:pRg st="8" end="8"/>
                                             </p:txEl>
                                           </p:spTgt>
                                         </p:tgtEl>

--- a/courses/apcsp/lect5.pptx
+++ b/courses/apcsp/lect5.pptx
@@ -5,7 +5,7 @@
     <p:sldMasterId id="2147483791" r:id="rId1"/>
   </p:sldMasterIdLst>
   <p:notesMasterIdLst>
-    <p:notesMasterId r:id="rId34"/>
+    <p:notesMasterId r:id="rId35"/>
   </p:notesMasterIdLst>
   <p:sldIdLst>
     <p:sldId id="256" r:id="rId2"/>
@@ -27,19 +27,20 @@
     <p:sldId id="312" r:id="rId18"/>
     <p:sldId id="332" r:id="rId19"/>
     <p:sldId id="291" r:id="rId20"/>
-    <p:sldId id="335" r:id="rId21"/>
-    <p:sldId id="276" r:id="rId22"/>
-    <p:sldId id="302" r:id="rId23"/>
-    <p:sldId id="300" r:id="rId24"/>
-    <p:sldId id="358" r:id="rId25"/>
-    <p:sldId id="303" r:id="rId26"/>
-    <p:sldId id="292" r:id="rId27"/>
-    <p:sldId id="359" r:id="rId28"/>
-    <p:sldId id="338" r:id="rId29"/>
-    <p:sldId id="284" r:id="rId30"/>
-    <p:sldId id="317" r:id="rId31"/>
-    <p:sldId id="333" r:id="rId32"/>
-    <p:sldId id="316" r:id="rId33"/>
+    <p:sldId id="361" r:id="rId21"/>
+    <p:sldId id="335" r:id="rId22"/>
+    <p:sldId id="276" r:id="rId23"/>
+    <p:sldId id="302" r:id="rId24"/>
+    <p:sldId id="300" r:id="rId25"/>
+    <p:sldId id="358" r:id="rId26"/>
+    <p:sldId id="303" r:id="rId27"/>
+    <p:sldId id="292" r:id="rId28"/>
+    <p:sldId id="359" r:id="rId29"/>
+    <p:sldId id="338" r:id="rId30"/>
+    <p:sldId id="284" r:id="rId31"/>
+    <p:sldId id="317" r:id="rId32"/>
+    <p:sldId id="333" r:id="rId33"/>
+    <p:sldId id="316" r:id="rId34"/>
   </p:sldIdLst>
   <p:sldSz cx="9144000" cy="5715000" type="screen16x10"/>
   <p:notesSz cx="6858000" cy="9144000"/>
@@ -149,7 +150,7 @@
 <file path=ppt/revisionInfo.xml><?xml version="1.0" encoding="utf-8"?>
 <p1510:revInfo xmlns:a="http://schemas.openxmlformats.org/drawingml/2006/main" xmlns:r="http://schemas.openxmlformats.org/officeDocument/2006/relationships" xmlns:p1510="http://schemas.microsoft.com/office/powerpoint/2015/10/main">
   <p1510:revLst>
-    <p1510:client id="{CC26EAD3-1EB2-9641-867D-585F8EC44BCF}" v="193" dt="2023-10-24T15:48:58.691"/>
+    <p1510:client id="{CC26EAD3-1EB2-9641-867D-585F8EC44BCF}" v="384" dt="2023-10-25T11:52:41.715"/>
   </p1510:revLst>
 </p1510:revInfo>
 </file>
@@ -159,7 +160,7 @@
   <pc:docChgLst>
     <pc:chgData name="Long B Nguyen" userId="f59fb8f3-a021-417a-8bc1-65c8d471c621" providerId="ADAL" clId="{CC26EAD3-1EB2-9641-867D-585F8EC44BCF}"/>
     <pc:docChg chg="undo custSel addSld delSld modSld">
-      <pc:chgData name="Long B Nguyen" userId="f59fb8f3-a021-417a-8bc1-65c8d471c621" providerId="ADAL" clId="{CC26EAD3-1EB2-9641-867D-585F8EC44BCF}" dt="2023-10-24T15:48:58.691" v="212" actId="20577"/>
+      <pc:chgData name="Long B Nguyen" userId="f59fb8f3-a021-417a-8bc1-65c8d471c621" providerId="ADAL" clId="{CC26EAD3-1EB2-9641-867D-585F8EC44BCF}" dt="2023-10-25T11:52:41.715" v="406" actId="20577"/>
       <pc:docMkLst>
         <pc:docMk/>
       </pc:docMkLst>
@@ -174,6 +175,21 @@
           <ac:spMkLst>
             <pc:docMk/>
             <pc:sldMk cId="131840209" sldId="286"/>
+            <ac:spMk id="9" creationId="{E3B2E017-30B2-884B-A113-B419A2ED51AD}"/>
+          </ac:spMkLst>
+        </pc:spChg>
+      </pc:sldChg>
+      <pc:sldChg chg="modSp mod modAnim">
+        <pc:chgData name="Long B Nguyen" userId="f59fb8f3-a021-417a-8bc1-65c8d471c621" providerId="ADAL" clId="{CC26EAD3-1EB2-9641-867D-585F8EC44BCF}" dt="2023-10-25T11:51:14.057" v="223" actId="21"/>
+        <pc:sldMkLst>
+          <pc:docMk/>
+          <pc:sldMk cId="99755680" sldId="291"/>
+        </pc:sldMkLst>
+        <pc:spChg chg="mod">
+          <ac:chgData name="Long B Nguyen" userId="f59fb8f3-a021-417a-8bc1-65c8d471c621" providerId="ADAL" clId="{CC26EAD3-1EB2-9641-867D-585F8EC44BCF}" dt="2023-10-25T11:51:14.057" v="223" actId="21"/>
+          <ac:spMkLst>
+            <pc:docMk/>
+            <pc:sldMk cId="99755680" sldId="291"/>
             <ac:spMk id="9" creationId="{E3B2E017-30B2-884B-A113-B419A2ED51AD}"/>
           </ac:spMkLst>
         </pc:spChg>
@@ -274,7 +290,7 @@
         </pc:sldMkLst>
       </pc:sldChg>
       <pc:sldChg chg="modSp add mod modAnim">
-        <pc:chgData name="Long B Nguyen" userId="f59fb8f3-a021-417a-8bc1-65c8d471c621" providerId="ADAL" clId="{CC26EAD3-1EB2-9641-867D-585F8EC44BCF}" dt="2023-10-24T15:48:36.055" v="206" actId="20577"/>
+        <pc:chgData name="Long B Nguyen" userId="f59fb8f3-a021-417a-8bc1-65c8d471c621" providerId="ADAL" clId="{CC26EAD3-1EB2-9641-867D-585F8EC44BCF}" dt="2023-10-24T15:52:24.588" v="215"/>
         <pc:sldMkLst>
           <pc:docMk/>
           <pc:sldMk cId="2021172327" sldId="360"/>
@@ -284,6 +300,29 @@
           <ac:spMkLst>
             <pc:docMk/>
             <pc:sldMk cId="2021172327" sldId="360"/>
+            <ac:spMk id="9" creationId="{E3B2E017-30B2-884B-A113-B419A2ED51AD}"/>
+          </ac:spMkLst>
+        </pc:spChg>
+      </pc:sldChg>
+      <pc:sldChg chg="delSp modSp add mod delAnim modAnim">
+        <pc:chgData name="Long B Nguyen" userId="f59fb8f3-a021-417a-8bc1-65c8d471c621" providerId="ADAL" clId="{CC26EAD3-1EB2-9641-867D-585F8EC44BCF}" dt="2023-10-25T11:52:41.715" v="406" actId="20577"/>
+        <pc:sldMkLst>
+          <pc:docMk/>
+          <pc:sldMk cId="2231909824" sldId="361"/>
+        </pc:sldMkLst>
+        <pc:spChg chg="del">
+          <ac:chgData name="Long B Nguyen" userId="f59fb8f3-a021-417a-8bc1-65c8d471c621" providerId="ADAL" clId="{CC26EAD3-1EB2-9641-867D-585F8EC44BCF}" dt="2023-10-25T11:51:38.362" v="232" actId="478"/>
+          <ac:spMkLst>
+            <pc:docMk/>
+            <pc:sldMk cId="2231909824" sldId="361"/>
+            <ac:spMk id="3" creationId="{D736C09A-6445-0521-5620-845ACB1DDC5B}"/>
+          </ac:spMkLst>
+        </pc:spChg>
+        <pc:spChg chg="mod">
+          <ac:chgData name="Long B Nguyen" userId="f59fb8f3-a021-417a-8bc1-65c8d471c621" providerId="ADAL" clId="{CC26EAD3-1EB2-9641-867D-585F8EC44BCF}" dt="2023-10-25T11:52:41.715" v="406" actId="20577"/>
+          <ac:spMkLst>
+            <pc:docMk/>
+            <pc:sldMk cId="2231909824" sldId="361"/>
             <ac:spMk id="9" creationId="{E3B2E017-30B2-884B-A113-B419A2ED51AD}"/>
           </ac:spMkLst>
         </pc:spChg>
@@ -11099,55 +11138,6 @@
             <a:pPr marL="0" indent="0">
               <a:buNone/>
             </a:pPr>
-            <a:r>
-              <a:rPr lang="en-US" dirty="0">
-                <a:latin typeface="Gill Sans MT" panose="020B0502020104020203" pitchFamily="34" charset="77"/>
-              </a:rPr>
-              <a:t>Strings are </a:t>
-            </a:r>
-            <a:r>
-              <a:rPr lang="en-US" b="1" dirty="0">
-                <a:latin typeface="Gill Sans MT" panose="020B0502020104020203" pitchFamily="34" charset="77"/>
-              </a:rPr>
-              <a:t>immutable</a:t>
-            </a:r>
-            <a:r>
-              <a:rPr lang="en-US" dirty="0">
-                <a:latin typeface="Gill Sans MT" panose="020B0502020104020203" pitchFamily="34" charset="77"/>
-              </a:rPr>
-              <a:t>: once it is created, it cannot be changed!</a:t>
-            </a:r>
-          </a:p>
-          <a:p>
-            <a:pPr marL="0" indent="0">
-              <a:buNone/>
-            </a:pPr>
-            <a:r>
-              <a:rPr lang="en-US" b="1" dirty="0">
-                <a:solidFill>
-                  <a:srgbClr val="000087"/>
-                </a:solidFill>
-                <a:latin typeface="Inconsolata" panose="020B0609030003000000" pitchFamily="49" charset="77"/>
-              </a:rPr>
-              <a:t>message[0] = </a:t>
-            </a:r>
-            <a:r>
-              <a:rPr lang="en-US" b="1" dirty="0">
-                <a:solidFill>
-                  <a:srgbClr val="CC3300"/>
-                </a:solidFill>
-                <a:latin typeface="Inconsolata" panose="020B0609030003000000" pitchFamily="49" charset="77"/>
-              </a:rPr>
-              <a:t>"H" 		# ERROR! A string is immutable! </a:t>
-            </a:r>
-            <a:endParaRPr lang="en-US" b="1" dirty="0">
-              <a:latin typeface="Inconsolata" panose="020B0609030003000000" pitchFamily="49" charset="77"/>
-            </a:endParaRPr>
-          </a:p>
-          <a:p>
-            <a:pPr marL="0" indent="0">
-              <a:buNone/>
-            </a:pPr>
             <a:endParaRPr lang="en-US" b="1" dirty="0">
               <a:latin typeface="Inconsolata" panose="020B0609030003000000" pitchFamily="49" charset="77"/>
             </a:endParaRPr>
@@ -11480,15 +11470,33 @@
                                   </p:childTnLst>
                                 </p:cTn>
                               </p:par>
+                            </p:childTnLst>
+                          </p:cTn>
+                        </p:par>
+                      </p:childTnLst>
+                    </p:cTn>
+                  </p:par>
+                  <p:par>
+                    <p:cTn id="15" fill="hold">
+                      <p:stCondLst>
+                        <p:cond delay="indefinite"/>
+                      </p:stCondLst>
+                      <p:childTnLst>
+                        <p:par>
+                          <p:cTn id="16" fill="hold">
+                            <p:stCondLst>
+                              <p:cond delay="0"/>
+                            </p:stCondLst>
+                            <p:childTnLst>
                               <p:par>
-                                <p:cTn id="15" presetID="1" presetClass="entr" presetSubtype="0" fill="hold" nodeType="withEffect">
+                                <p:cTn id="17" presetID="1" presetClass="entr" presetSubtype="0" fill="hold" nodeType="clickEffect">
                                   <p:stCondLst>
                                     <p:cond delay="0"/>
                                   </p:stCondLst>
                                   <p:childTnLst>
                                     <p:set>
                                       <p:cBhvr>
-                                        <p:cTn id="16" dur="1" fill="hold">
+                                        <p:cTn id="18" dur="1" fill="hold">
                                           <p:stCondLst>
                                             <p:cond delay="0"/>
                                           </p:stCondLst>
@@ -11511,15 +11519,33 @@
                                   </p:childTnLst>
                                 </p:cTn>
                               </p:par>
+                            </p:childTnLst>
+                          </p:cTn>
+                        </p:par>
+                      </p:childTnLst>
+                    </p:cTn>
+                  </p:par>
+                  <p:par>
+                    <p:cTn id="19" fill="hold">
+                      <p:stCondLst>
+                        <p:cond delay="indefinite"/>
+                      </p:stCondLst>
+                      <p:childTnLst>
+                        <p:par>
+                          <p:cTn id="20" fill="hold">
+                            <p:stCondLst>
+                              <p:cond delay="0"/>
+                            </p:stCondLst>
+                            <p:childTnLst>
                               <p:par>
-                                <p:cTn id="17" presetID="1" presetClass="entr" presetSubtype="0" fill="hold" nodeType="withEffect">
+                                <p:cTn id="21" presetID="1" presetClass="entr" presetSubtype="0" fill="hold" nodeType="clickEffect">
                                   <p:stCondLst>
                                     <p:cond delay="0"/>
                                   </p:stCondLst>
                                   <p:childTnLst>
                                     <p:set>
                                       <p:cBhvr>
-                                        <p:cTn id="18" dur="1" fill="hold">
+                                        <p:cTn id="22" dur="1" fill="hold">
                                           <p:stCondLst>
                                             <p:cond delay="0"/>
                                           </p:stCondLst>
@@ -11542,15 +11568,33 @@
                                   </p:childTnLst>
                                 </p:cTn>
                               </p:par>
+                            </p:childTnLst>
+                          </p:cTn>
+                        </p:par>
+                      </p:childTnLst>
+                    </p:cTn>
+                  </p:par>
+                  <p:par>
+                    <p:cTn id="23" fill="hold">
+                      <p:stCondLst>
+                        <p:cond delay="indefinite"/>
+                      </p:stCondLst>
+                      <p:childTnLst>
+                        <p:par>
+                          <p:cTn id="24" fill="hold">
+                            <p:stCondLst>
+                              <p:cond delay="0"/>
+                            </p:stCondLst>
+                            <p:childTnLst>
                               <p:par>
-                                <p:cTn id="19" presetID="1" presetClass="entr" presetSubtype="0" fill="hold" nodeType="withEffect">
+                                <p:cTn id="25" presetID="1" presetClass="entr" presetSubtype="0" fill="hold" nodeType="clickEffect">
                                   <p:stCondLst>
                                     <p:cond delay="0"/>
                                   </p:stCondLst>
                                   <p:childTnLst>
                                     <p:set>
                                       <p:cBhvr>
-                                        <p:cTn id="20" dur="1" fill="hold">
+                                        <p:cTn id="26" dur="1" fill="hold">
                                           <p:stCondLst>
                                             <p:cond delay="0"/>
                                           </p:stCondLst>
@@ -11573,15 +11617,33 @@
                                   </p:childTnLst>
                                 </p:cTn>
                               </p:par>
+                            </p:childTnLst>
+                          </p:cTn>
+                        </p:par>
+                      </p:childTnLst>
+                    </p:cTn>
+                  </p:par>
+                  <p:par>
+                    <p:cTn id="27" fill="hold">
+                      <p:stCondLst>
+                        <p:cond delay="indefinite"/>
+                      </p:stCondLst>
+                      <p:childTnLst>
+                        <p:par>
+                          <p:cTn id="28" fill="hold">
+                            <p:stCondLst>
+                              <p:cond delay="0"/>
+                            </p:stCondLst>
+                            <p:childTnLst>
                               <p:par>
-                                <p:cTn id="21" presetID="1" presetClass="entr" presetSubtype="0" fill="hold" nodeType="withEffect">
+                                <p:cTn id="29" presetID="1" presetClass="entr" presetSubtype="0" fill="hold" nodeType="clickEffect">
                                   <p:stCondLst>
                                     <p:cond delay="0"/>
                                   </p:stCondLst>
                                   <p:childTnLst>
                                     <p:set>
                                       <p:cBhvr>
-                                        <p:cTn id="22" dur="1" fill="hold">
+                                        <p:cTn id="30" dur="1" fill="hold">
                                           <p:stCondLst>
                                             <p:cond delay="0"/>
                                           </p:stCondLst>
@@ -11604,56 +11666,39 @@
                                   </p:childTnLst>
                                 </p:cTn>
                               </p:par>
+                            </p:childTnLst>
+                          </p:cTn>
+                        </p:par>
+                      </p:childTnLst>
+                    </p:cTn>
+                  </p:par>
+                  <p:par>
+                    <p:cTn id="31" fill="hold">
+                      <p:stCondLst>
+                        <p:cond delay="indefinite"/>
+                      </p:stCondLst>
+                      <p:childTnLst>
+                        <p:par>
+                          <p:cTn id="32" fill="hold">
+                            <p:stCondLst>
+                              <p:cond delay="0"/>
+                            </p:stCondLst>
+                            <p:childTnLst>
                               <p:par>
-                                <p:cTn id="23" presetID="1" presetClass="entr" presetSubtype="0" fill="hold" nodeType="withEffect">
+                                <p:cTn id="33" presetID="1" presetClass="entr" presetSubtype="0" fill="hold" grpId="0" nodeType="clickEffect">
                                   <p:stCondLst>
                                     <p:cond delay="0"/>
                                   </p:stCondLst>
                                   <p:childTnLst>
                                     <p:set>
                                       <p:cBhvr>
-                                        <p:cTn id="24" dur="1" fill="hold">
+                                        <p:cTn id="34" dur="1" fill="hold">
                                           <p:stCondLst>
                                             <p:cond delay="0"/>
                                           </p:stCondLst>
                                         </p:cTn>
                                         <p:tgtEl>
-                                          <p:spTgt spid="9">
-                                            <p:txEl>
-                                              <p:pRg st="9" end="9"/>
-                                            </p:txEl>
-                                          </p:spTgt>
-                                        </p:tgtEl>
-                                        <p:attrNameLst>
-                                          <p:attrName>style.visibility</p:attrName>
-                                        </p:attrNameLst>
-                                      </p:cBhvr>
-                                      <p:to>
-                                        <p:strVal val="visible"/>
-                                      </p:to>
-                                    </p:set>
-                                  </p:childTnLst>
-                                </p:cTn>
-                              </p:par>
-                              <p:par>
-                                <p:cTn id="25" presetID="1" presetClass="entr" presetSubtype="0" fill="hold" nodeType="withEffect">
-                                  <p:stCondLst>
-                                    <p:cond delay="0"/>
-                                  </p:stCondLst>
-                                  <p:childTnLst>
-                                    <p:set>
-                                      <p:cBhvr>
-                                        <p:cTn id="26" dur="1" fill="hold">
-                                          <p:stCondLst>
-                                            <p:cond delay="0"/>
-                                          </p:stCondLst>
-                                        </p:cTn>
-                                        <p:tgtEl>
-                                          <p:spTgt spid="9">
-                                            <p:txEl>
-                                              <p:pRg st="10" end="10"/>
-                                            </p:txEl>
-                                          </p:spTgt>
+                                          <p:spTgt spid="3"/>
                                         </p:tgtEl>
                                         <p:attrNameLst>
                                           <p:attrName>style.visibility</p:attrName>
@@ -11693,6 +11738,9 @@
         </p:cTn>
       </p:par>
     </p:tnLst>
+    <p:bldLst>
+      <p:bldP spid="3" grpId="0"/>
+    </p:bldLst>
   </p:timing>
 </p:sld>
 </file>
@@ -11916,6 +11964,786 @@
           <p:cNvPr id="2" name="Title 1">
             <a:extLst>
               <a:ext uri="{FF2B5EF4-FFF2-40B4-BE49-F238E27FC236}">
+                <a16:creationId xmlns:a16="http://schemas.microsoft.com/office/drawing/2014/main" id="{AA3A228F-61D0-D949-A5E7-F83756230BF8}"/>
+              </a:ext>
+            </a:extLst>
+          </p:cNvPr>
+          <p:cNvSpPr>
+            <a:spLocks noGrp="1"/>
+          </p:cNvSpPr>
+          <p:nvPr>
+            <p:ph type="title"/>
+          </p:nvPr>
+        </p:nvSpPr>
+        <p:spPr>
+          <a:xfrm>
+            <a:off x="0" y="4484"/>
+            <a:ext cx="7053542" cy="683886"/>
+          </a:xfrm>
+        </p:spPr>
+        <p:txBody>
+          <a:bodyPr/>
+          <a:lstStyle/>
+          <a:p>
+            <a:r>
+              <a:rPr lang="en-US" dirty="0"/>
+              <a:t>String Indexing </a:t>
+            </a:r>
+          </a:p>
+        </p:txBody>
+      </p:sp>
+      <p:sp>
+        <p:nvSpPr>
+          <p:cNvPr id="9" name="Content Placeholder 8">
+            <a:extLst>
+              <a:ext uri="{FF2B5EF4-FFF2-40B4-BE49-F238E27FC236}">
+                <a16:creationId xmlns:a16="http://schemas.microsoft.com/office/drawing/2014/main" id="{E3B2E017-30B2-884B-A113-B419A2ED51AD}"/>
+              </a:ext>
+            </a:extLst>
+          </p:cNvPr>
+          <p:cNvSpPr>
+            <a:spLocks noGrp="1"/>
+          </p:cNvSpPr>
+          <p:nvPr>
+            <p:ph idx="1"/>
+          </p:nvPr>
+        </p:nvSpPr>
+        <p:spPr>
+          <a:xfrm>
+            <a:off x="102742" y="565079"/>
+            <a:ext cx="8948791" cy="5149921"/>
+          </a:xfrm>
+        </p:spPr>
+        <p:txBody>
+          <a:bodyPr>
+            <a:noAutofit/>
+          </a:bodyPr>
+          <a:lstStyle/>
+          <a:p>
+            <a:pPr marL="0" indent="0">
+              <a:buNone/>
+            </a:pPr>
+            <a:r>
+              <a:rPr lang="en-US" dirty="0">
+                <a:latin typeface="Gill Sans MT" panose="020B0502020104020203" pitchFamily="34" charset="77"/>
+              </a:rPr>
+              <a:t>Strings are </a:t>
+            </a:r>
+            <a:r>
+              <a:rPr lang="en-US" b="1" dirty="0">
+                <a:latin typeface="Gill Sans MT" panose="020B0502020104020203" pitchFamily="34" charset="77"/>
+              </a:rPr>
+              <a:t>immutable</a:t>
+            </a:r>
+            <a:r>
+              <a:rPr lang="en-US" dirty="0">
+                <a:latin typeface="Gill Sans MT" panose="020B0502020104020203" pitchFamily="34" charset="77"/>
+              </a:rPr>
+              <a:t>: once it is created, it cannot be changed!</a:t>
+            </a:r>
+          </a:p>
+          <a:p>
+            <a:pPr marL="0" indent="0">
+              <a:buNone/>
+            </a:pPr>
+            <a:endParaRPr lang="en-US" b="1" dirty="0">
+              <a:solidFill>
+                <a:srgbClr val="000087"/>
+              </a:solidFill>
+              <a:latin typeface="Inconsolata" panose="020B0609030003000000" pitchFamily="49" charset="77"/>
+            </a:endParaRPr>
+          </a:p>
+          <a:p>
+            <a:pPr marL="0" indent="0">
+              <a:buNone/>
+            </a:pPr>
+            <a:r>
+              <a:rPr lang="en-US" b="1" dirty="0">
+                <a:solidFill>
+                  <a:srgbClr val="000087"/>
+                </a:solidFill>
+                <a:latin typeface="Inconsolata" panose="020B0609030003000000" pitchFamily="49" charset="77"/>
+              </a:rPr>
+              <a:t>message = </a:t>
+            </a:r>
+            <a:r>
+              <a:rPr lang="en-US" b="1" dirty="0">
+                <a:solidFill>
+                  <a:srgbClr val="CC3300"/>
+                </a:solidFill>
+                <a:latin typeface="Inconsolata" panose="020B0609030003000000" pitchFamily="49" charset="77"/>
+              </a:rPr>
+              <a:t>"hello"</a:t>
+            </a:r>
+            <a:r>
+              <a:rPr lang="en-US" dirty="0">
+                <a:solidFill>
+                  <a:srgbClr val="CC3300"/>
+                </a:solidFill>
+                <a:latin typeface="UbuntuMono"/>
+              </a:rPr>
+              <a:t> </a:t>
+            </a:r>
+          </a:p>
+          <a:p>
+            <a:pPr marL="0" indent="0">
+              <a:buNone/>
+            </a:pPr>
+            <a:r>
+              <a:rPr lang="en-US" b="1" dirty="0">
+                <a:solidFill>
+                  <a:srgbClr val="000087"/>
+                </a:solidFill>
+                <a:latin typeface="Inconsolata" panose="020B0609030003000000" pitchFamily="49" charset="77"/>
+              </a:rPr>
+              <a:t>message[0] = </a:t>
+            </a:r>
+            <a:r>
+              <a:rPr lang="en-US" b="1" dirty="0">
+                <a:solidFill>
+                  <a:srgbClr val="CC3300"/>
+                </a:solidFill>
+                <a:latin typeface="Inconsolata" panose="020B0609030003000000" pitchFamily="49" charset="77"/>
+              </a:rPr>
+              <a:t>"H" 		# ERROR! A string is immutable! </a:t>
+            </a:r>
+            <a:endParaRPr lang="en-US" b="1" dirty="0">
+              <a:latin typeface="Inconsolata" panose="020B0609030003000000" pitchFamily="49" charset="77"/>
+            </a:endParaRPr>
+          </a:p>
+          <a:p>
+            <a:pPr marL="0" indent="0">
+              <a:buNone/>
+            </a:pPr>
+            <a:endParaRPr lang="en-US" dirty="0">
+              <a:solidFill>
+                <a:srgbClr val="CC3300"/>
+              </a:solidFill>
+              <a:latin typeface="UbuntuMono"/>
+            </a:endParaRPr>
+          </a:p>
+          <a:p>
+            <a:pPr marL="0" indent="0">
+              <a:buNone/>
+            </a:pPr>
+            <a:r>
+              <a:rPr lang="en-US" dirty="0">
+                <a:latin typeface="Gill Sans MT" panose="020B0502020104020203" pitchFamily="34" charset="77"/>
+              </a:rPr>
+              <a:t>Negative indices can be used to access characters of a string. The last character is at index -1, the second to last at index -2, etc…</a:t>
+            </a:r>
+          </a:p>
+          <a:p>
+            <a:pPr marL="0" indent="0">
+              <a:buNone/>
+            </a:pPr>
+            <a:endParaRPr lang="en-US" dirty="0">
+              <a:latin typeface="Gill Sans MT" panose="020B0502020104020203" pitchFamily="34" charset="77"/>
+            </a:endParaRPr>
+          </a:p>
+          <a:p>
+            <a:pPr marL="0" indent="0">
+              <a:buNone/>
+            </a:pPr>
+            <a:endParaRPr lang="en-US" dirty="0">
+              <a:solidFill>
+                <a:srgbClr val="CC3300"/>
+              </a:solidFill>
+              <a:latin typeface="UbuntuMono"/>
+            </a:endParaRPr>
+          </a:p>
+          <a:p>
+            <a:pPr marL="0" indent="0">
+              <a:buNone/>
+            </a:pPr>
+            <a:r>
+              <a:rPr lang="en-US" b="1" dirty="0">
+                <a:solidFill>
+                  <a:srgbClr val="000087"/>
+                </a:solidFill>
+                <a:latin typeface="Inconsolata" panose="020B0609030003000000" pitchFamily="49" charset="77"/>
+              </a:rPr>
+              <a:t>print(message</a:t>
+            </a:r>
+            <a:r>
+              <a:rPr lang="en-US" b="1" dirty="0">
+                <a:latin typeface="Inconsolata" panose="020B0609030003000000" pitchFamily="49" charset="77"/>
+              </a:rPr>
+              <a:t>[</a:t>
+            </a:r>
+            <a:r>
+              <a:rPr lang="en-US" b="1" dirty="0">
+                <a:solidFill>
+                  <a:srgbClr val="FF6600"/>
+                </a:solidFill>
+                <a:latin typeface="Inconsolata" panose="020B0609030003000000" pitchFamily="49" charset="77"/>
+              </a:rPr>
+              <a:t>-1</a:t>
+            </a:r>
+            <a:r>
+              <a:rPr lang="en-US" b="1" dirty="0">
+                <a:latin typeface="Inconsolata" panose="020B0609030003000000" pitchFamily="49" charset="77"/>
+              </a:rPr>
+              <a:t>]) 		</a:t>
+            </a:r>
+            <a:r>
+              <a:rPr lang="en-US" b="1" i="1" dirty="0">
+                <a:solidFill>
+                  <a:srgbClr val="33566B"/>
+                </a:solidFill>
+                <a:latin typeface="Inconsolata" panose="020B0609030003000000" pitchFamily="49" charset="77"/>
+              </a:rPr>
+              <a:t># o</a:t>
+            </a:r>
+            <a:endParaRPr lang="en-US" b="1" dirty="0">
+              <a:latin typeface="Inconsolata" panose="020B0609030003000000" pitchFamily="49" charset="77"/>
+            </a:endParaRPr>
+          </a:p>
+          <a:p>
+            <a:pPr marL="0" indent="0">
+              <a:buNone/>
+            </a:pPr>
+            <a:r>
+              <a:rPr lang="en-US" b="1" dirty="0">
+                <a:solidFill>
+                  <a:srgbClr val="000087"/>
+                </a:solidFill>
+                <a:latin typeface="Inconsolata" panose="020B0609030003000000" pitchFamily="49" charset="77"/>
+              </a:rPr>
+              <a:t>print(message</a:t>
+            </a:r>
+            <a:r>
+              <a:rPr lang="en-US" b="1" dirty="0">
+                <a:latin typeface="Inconsolata" panose="020B0609030003000000" pitchFamily="49" charset="77"/>
+              </a:rPr>
+              <a:t>[</a:t>
+            </a:r>
+            <a:r>
+              <a:rPr lang="en-US" b="1" dirty="0">
+                <a:solidFill>
+                  <a:srgbClr val="FF6600"/>
+                </a:solidFill>
+                <a:latin typeface="Inconsolata" panose="020B0609030003000000" pitchFamily="49" charset="77"/>
+              </a:rPr>
+              <a:t>-2</a:t>
+            </a:r>
+            <a:r>
+              <a:rPr lang="en-US" b="1" dirty="0">
+                <a:latin typeface="Inconsolata" panose="020B0609030003000000" pitchFamily="49" charset="77"/>
+              </a:rPr>
+              <a:t>]) 		</a:t>
+            </a:r>
+            <a:r>
+              <a:rPr lang="en-US" b="1" i="1" dirty="0">
+                <a:solidFill>
+                  <a:srgbClr val="33566B"/>
+                </a:solidFill>
+                <a:latin typeface="Inconsolata" panose="020B0609030003000000" pitchFamily="49" charset="77"/>
+              </a:rPr>
+              <a:t># l</a:t>
+            </a:r>
+            <a:endParaRPr lang="en-US" b="1" dirty="0">
+              <a:latin typeface="Inconsolata" panose="020B0609030003000000" pitchFamily="49" charset="77"/>
+            </a:endParaRPr>
+          </a:p>
+          <a:p>
+            <a:pPr marL="0" indent="0">
+              <a:buNone/>
+            </a:pPr>
+            <a:endParaRPr lang="en-US" b="1" i="1" dirty="0">
+              <a:solidFill>
+                <a:srgbClr val="33566B"/>
+              </a:solidFill>
+              <a:latin typeface="Inconsolata" panose="020B0609030003000000" pitchFamily="49" charset="77"/>
+            </a:endParaRPr>
+          </a:p>
+          <a:p>
+            <a:pPr marL="0" indent="0">
+              <a:buNone/>
+            </a:pPr>
+            <a:endParaRPr lang="en-US" b="1" dirty="0">
+              <a:latin typeface="Inconsolata" panose="020B0609030003000000" pitchFamily="49" charset="77"/>
+            </a:endParaRPr>
+          </a:p>
+          <a:p>
+            <a:pPr marL="0" indent="0">
+              <a:buNone/>
+            </a:pPr>
+            <a:endParaRPr lang="en-US" b="1" dirty="0">
+              <a:latin typeface="Inconsolata" panose="020B0609030003000000" pitchFamily="49" charset="77"/>
+            </a:endParaRPr>
+          </a:p>
+          <a:p>
+            <a:pPr marL="0" indent="0">
+              <a:buNone/>
+            </a:pPr>
+            <a:endParaRPr lang="en-US" b="1" dirty="0">
+              <a:latin typeface="Inconsolata" panose="020B0609030003000000" pitchFamily="49" charset="77"/>
+            </a:endParaRPr>
+          </a:p>
+          <a:p>
+            <a:pPr marL="0" indent="0">
+              <a:buNone/>
+            </a:pPr>
+            <a:endParaRPr lang="en-US" b="1" dirty="0">
+              <a:latin typeface="Inconsolata" panose="020B0609030003000000" pitchFamily="49" charset="77"/>
+            </a:endParaRPr>
+          </a:p>
+          <a:p>
+            <a:pPr marL="0" indent="0">
+              <a:buNone/>
+            </a:pPr>
+            <a:endParaRPr lang="en-US" b="1" dirty="0">
+              <a:latin typeface="Inconsolata" panose="020B0609030003000000" pitchFamily="49" charset="77"/>
+            </a:endParaRPr>
+          </a:p>
+          <a:p>
+            <a:pPr marL="0" indent="0">
+              <a:buNone/>
+            </a:pPr>
+            <a:endParaRPr lang="en-US" b="1" dirty="0">
+              <a:latin typeface="Inconsolata" panose="020B0609030003000000" pitchFamily="49" charset="77"/>
+            </a:endParaRPr>
+          </a:p>
+          <a:p>
+            <a:pPr marL="0" indent="0">
+              <a:buNone/>
+            </a:pPr>
+            <a:r>
+              <a:rPr lang="en-US" b="1" dirty="0">
+                <a:latin typeface="Inconsolata" panose="020B0609030003000000" pitchFamily="49" charset="77"/>
+              </a:rPr>
+              <a:t> </a:t>
+            </a:r>
+          </a:p>
+          <a:p>
+            <a:pPr marL="0" indent="0">
+              <a:buNone/>
+            </a:pPr>
+            <a:endParaRPr lang="en-US" b="1" dirty="0">
+              <a:latin typeface="Inconsolata" panose="020B0609030003000000" pitchFamily="49" charset="77"/>
+            </a:endParaRPr>
+          </a:p>
+          <a:p>
+            <a:pPr marL="0" indent="0">
+              <a:buNone/>
+            </a:pPr>
+            <a:endParaRPr lang="en-US" b="1" dirty="0">
+              <a:latin typeface="Inconsolata" panose="020B0609030003000000" pitchFamily="49" charset="77"/>
+            </a:endParaRPr>
+          </a:p>
+          <a:p>
+            <a:pPr marL="0" indent="0">
+              <a:buNone/>
+            </a:pPr>
+            <a:endParaRPr lang="en-US" b="1" dirty="0">
+              <a:latin typeface="Inconsolata" panose="020B0609030003000000" pitchFamily="49" charset="77"/>
+            </a:endParaRPr>
+          </a:p>
+          <a:p>
+            <a:pPr marL="0" indent="0">
+              <a:buNone/>
+            </a:pPr>
+            <a:endParaRPr lang="en-US" b="1" dirty="0">
+              <a:latin typeface="Inconsolata" panose="020B0609030003000000" pitchFamily="49" charset="77"/>
+            </a:endParaRPr>
+          </a:p>
+          <a:p>
+            <a:pPr marL="0" indent="0">
+              <a:buNone/>
+            </a:pPr>
+            <a:endParaRPr lang="en-US" b="1" dirty="0">
+              <a:latin typeface="Inconsolata" panose="020B0609030003000000" pitchFamily="49" charset="77"/>
+            </a:endParaRPr>
+          </a:p>
+          <a:p>
+            <a:pPr marL="0" indent="0">
+              <a:buNone/>
+            </a:pPr>
+            <a:r>
+              <a:rPr lang="en-US" b="1" dirty="0">
+                <a:latin typeface="Inconsolata" panose="020B0609030003000000" pitchFamily="49" charset="77"/>
+              </a:rPr>
+              <a:t> </a:t>
+            </a:r>
+          </a:p>
+          <a:p>
+            <a:pPr marL="0" indent="0">
+              <a:buNone/>
+            </a:pPr>
+            <a:endParaRPr lang="en-US" b="1" dirty="0">
+              <a:latin typeface="Inconsolata" panose="020B0609030003000000" pitchFamily="49" charset="77"/>
+            </a:endParaRPr>
+          </a:p>
+          <a:p>
+            <a:pPr marL="0" indent="0">
+              <a:buNone/>
+            </a:pPr>
+            <a:endParaRPr lang="en-US" b="1" dirty="0">
+              <a:latin typeface="Inconsolata" panose="020B0609030003000000" pitchFamily="49" charset="77"/>
+            </a:endParaRPr>
+          </a:p>
+        </p:txBody>
+      </p:sp>
+    </p:spTree>
+    <p:extLst>
+      <p:ext uri="{BB962C8B-B14F-4D97-AF65-F5344CB8AC3E}">
+        <p14:creationId xmlns:p14="http://schemas.microsoft.com/office/powerpoint/2010/main" val="2231909824"/>
+      </p:ext>
+    </p:extLst>
+  </p:cSld>
+  <p:clrMapOvr>
+    <a:masterClrMapping/>
+  </p:clrMapOvr>
+  <p:timing>
+    <p:tnLst>
+      <p:par>
+        <p:cTn id="1" dur="indefinite" restart="never" nodeType="tmRoot">
+          <p:childTnLst>
+            <p:seq concurrent="1" nextAc="seek">
+              <p:cTn id="2" dur="indefinite" nodeType="mainSeq">
+                <p:childTnLst>
+                  <p:par>
+                    <p:cTn id="3" fill="hold">
+                      <p:stCondLst>
+                        <p:cond delay="indefinite"/>
+                      </p:stCondLst>
+                      <p:childTnLst>
+                        <p:par>
+                          <p:cTn id="4" fill="hold">
+                            <p:stCondLst>
+                              <p:cond delay="0"/>
+                            </p:stCondLst>
+                            <p:childTnLst>
+                              <p:par>
+                                <p:cTn id="5" presetID="1" presetClass="entr" presetSubtype="0" fill="hold" nodeType="clickEffect">
+                                  <p:stCondLst>
+                                    <p:cond delay="0"/>
+                                  </p:stCondLst>
+                                  <p:childTnLst>
+                                    <p:set>
+                                      <p:cBhvr>
+                                        <p:cTn id="6" dur="1" fill="hold">
+                                          <p:stCondLst>
+                                            <p:cond delay="0"/>
+                                          </p:stCondLst>
+                                        </p:cTn>
+                                        <p:tgtEl>
+                                          <p:spTgt spid="9">
+                                            <p:txEl>
+                                              <p:pRg st="0" end="0"/>
+                                            </p:txEl>
+                                          </p:spTgt>
+                                        </p:tgtEl>
+                                        <p:attrNameLst>
+                                          <p:attrName>style.visibility</p:attrName>
+                                        </p:attrNameLst>
+                                      </p:cBhvr>
+                                      <p:to>
+                                        <p:strVal val="visible"/>
+                                      </p:to>
+                                    </p:set>
+                                  </p:childTnLst>
+                                </p:cTn>
+                              </p:par>
+                            </p:childTnLst>
+                          </p:cTn>
+                        </p:par>
+                      </p:childTnLst>
+                    </p:cTn>
+                  </p:par>
+                  <p:par>
+                    <p:cTn id="7" fill="hold">
+                      <p:stCondLst>
+                        <p:cond delay="indefinite"/>
+                      </p:stCondLst>
+                      <p:childTnLst>
+                        <p:par>
+                          <p:cTn id="8" fill="hold">
+                            <p:stCondLst>
+                              <p:cond delay="0"/>
+                            </p:stCondLst>
+                            <p:childTnLst>
+                              <p:par>
+                                <p:cTn id="9" presetID="1" presetClass="entr" presetSubtype="0" fill="hold" nodeType="clickEffect">
+                                  <p:stCondLst>
+                                    <p:cond delay="0"/>
+                                  </p:stCondLst>
+                                  <p:childTnLst>
+                                    <p:set>
+                                      <p:cBhvr>
+                                        <p:cTn id="10" dur="1" fill="hold">
+                                          <p:stCondLst>
+                                            <p:cond delay="0"/>
+                                          </p:stCondLst>
+                                        </p:cTn>
+                                        <p:tgtEl>
+                                          <p:spTgt spid="9">
+                                            <p:txEl>
+                                              <p:pRg st="2" end="2"/>
+                                            </p:txEl>
+                                          </p:spTgt>
+                                        </p:tgtEl>
+                                        <p:attrNameLst>
+                                          <p:attrName>style.visibility</p:attrName>
+                                        </p:attrNameLst>
+                                      </p:cBhvr>
+                                      <p:to>
+                                        <p:strVal val="visible"/>
+                                      </p:to>
+                                    </p:set>
+                                  </p:childTnLst>
+                                </p:cTn>
+                              </p:par>
+                            </p:childTnLst>
+                          </p:cTn>
+                        </p:par>
+                      </p:childTnLst>
+                    </p:cTn>
+                  </p:par>
+                  <p:par>
+                    <p:cTn id="11" fill="hold">
+                      <p:stCondLst>
+                        <p:cond delay="indefinite"/>
+                      </p:stCondLst>
+                      <p:childTnLst>
+                        <p:par>
+                          <p:cTn id="12" fill="hold">
+                            <p:stCondLst>
+                              <p:cond delay="0"/>
+                            </p:stCondLst>
+                            <p:childTnLst>
+                              <p:par>
+                                <p:cTn id="13" presetID="1" presetClass="entr" presetSubtype="0" fill="hold" nodeType="clickEffect">
+                                  <p:stCondLst>
+                                    <p:cond delay="0"/>
+                                  </p:stCondLst>
+                                  <p:childTnLst>
+                                    <p:set>
+                                      <p:cBhvr>
+                                        <p:cTn id="14" dur="1" fill="hold">
+                                          <p:stCondLst>
+                                            <p:cond delay="0"/>
+                                          </p:stCondLst>
+                                        </p:cTn>
+                                        <p:tgtEl>
+                                          <p:spTgt spid="9">
+                                            <p:txEl>
+                                              <p:pRg st="3" end="3"/>
+                                            </p:txEl>
+                                          </p:spTgt>
+                                        </p:tgtEl>
+                                        <p:attrNameLst>
+                                          <p:attrName>style.visibility</p:attrName>
+                                        </p:attrNameLst>
+                                      </p:cBhvr>
+                                      <p:to>
+                                        <p:strVal val="visible"/>
+                                      </p:to>
+                                    </p:set>
+                                  </p:childTnLst>
+                                </p:cTn>
+                              </p:par>
+                            </p:childTnLst>
+                          </p:cTn>
+                        </p:par>
+                      </p:childTnLst>
+                    </p:cTn>
+                  </p:par>
+                  <p:par>
+                    <p:cTn id="15" fill="hold">
+                      <p:stCondLst>
+                        <p:cond delay="indefinite"/>
+                      </p:stCondLst>
+                      <p:childTnLst>
+                        <p:par>
+                          <p:cTn id="16" fill="hold">
+                            <p:stCondLst>
+                              <p:cond delay="0"/>
+                            </p:stCondLst>
+                            <p:childTnLst>
+                              <p:par>
+                                <p:cTn id="17" presetID="1" presetClass="entr" presetSubtype="0" fill="hold" nodeType="clickEffect">
+                                  <p:stCondLst>
+                                    <p:cond delay="0"/>
+                                  </p:stCondLst>
+                                  <p:childTnLst>
+                                    <p:set>
+                                      <p:cBhvr>
+                                        <p:cTn id="18" dur="1" fill="hold">
+                                          <p:stCondLst>
+                                            <p:cond delay="0"/>
+                                          </p:stCondLst>
+                                        </p:cTn>
+                                        <p:tgtEl>
+                                          <p:spTgt spid="9">
+                                            <p:txEl>
+                                              <p:pRg st="5" end="5"/>
+                                            </p:txEl>
+                                          </p:spTgt>
+                                        </p:tgtEl>
+                                        <p:attrNameLst>
+                                          <p:attrName>style.visibility</p:attrName>
+                                        </p:attrNameLst>
+                                      </p:cBhvr>
+                                      <p:to>
+                                        <p:strVal val="visible"/>
+                                      </p:to>
+                                    </p:set>
+                                  </p:childTnLst>
+                                </p:cTn>
+                              </p:par>
+                            </p:childTnLst>
+                          </p:cTn>
+                        </p:par>
+                      </p:childTnLst>
+                    </p:cTn>
+                  </p:par>
+                  <p:par>
+                    <p:cTn id="19" fill="hold">
+                      <p:stCondLst>
+                        <p:cond delay="indefinite"/>
+                      </p:stCondLst>
+                      <p:childTnLst>
+                        <p:par>
+                          <p:cTn id="20" fill="hold">
+                            <p:stCondLst>
+                              <p:cond delay="0"/>
+                            </p:stCondLst>
+                            <p:childTnLst>
+                              <p:par>
+                                <p:cTn id="21" presetID="1" presetClass="entr" presetSubtype="0" fill="hold" nodeType="clickEffect">
+                                  <p:stCondLst>
+                                    <p:cond delay="0"/>
+                                  </p:stCondLst>
+                                  <p:childTnLst>
+                                    <p:set>
+                                      <p:cBhvr>
+                                        <p:cTn id="22" dur="1" fill="hold">
+                                          <p:stCondLst>
+                                            <p:cond delay="0"/>
+                                          </p:stCondLst>
+                                        </p:cTn>
+                                        <p:tgtEl>
+                                          <p:spTgt spid="9">
+                                            <p:txEl>
+                                              <p:pRg st="8" end="8"/>
+                                            </p:txEl>
+                                          </p:spTgt>
+                                        </p:tgtEl>
+                                        <p:attrNameLst>
+                                          <p:attrName>style.visibility</p:attrName>
+                                        </p:attrNameLst>
+                                      </p:cBhvr>
+                                      <p:to>
+                                        <p:strVal val="visible"/>
+                                      </p:to>
+                                    </p:set>
+                                  </p:childTnLst>
+                                </p:cTn>
+                              </p:par>
+                            </p:childTnLst>
+                          </p:cTn>
+                        </p:par>
+                      </p:childTnLst>
+                    </p:cTn>
+                  </p:par>
+                  <p:par>
+                    <p:cTn id="23" fill="hold">
+                      <p:stCondLst>
+                        <p:cond delay="indefinite"/>
+                      </p:stCondLst>
+                      <p:childTnLst>
+                        <p:par>
+                          <p:cTn id="24" fill="hold">
+                            <p:stCondLst>
+                              <p:cond delay="0"/>
+                            </p:stCondLst>
+                            <p:childTnLst>
+                              <p:par>
+                                <p:cTn id="25" presetID="1" presetClass="entr" presetSubtype="0" fill="hold" nodeType="clickEffect">
+                                  <p:stCondLst>
+                                    <p:cond delay="0"/>
+                                  </p:stCondLst>
+                                  <p:childTnLst>
+                                    <p:set>
+                                      <p:cBhvr>
+                                        <p:cTn id="26" dur="1" fill="hold">
+                                          <p:stCondLst>
+                                            <p:cond delay="0"/>
+                                          </p:stCondLst>
+                                        </p:cTn>
+                                        <p:tgtEl>
+                                          <p:spTgt spid="9">
+                                            <p:txEl>
+                                              <p:pRg st="9" end="9"/>
+                                            </p:txEl>
+                                          </p:spTgt>
+                                        </p:tgtEl>
+                                        <p:attrNameLst>
+                                          <p:attrName>style.visibility</p:attrName>
+                                        </p:attrNameLst>
+                                      </p:cBhvr>
+                                      <p:to>
+                                        <p:strVal val="visible"/>
+                                      </p:to>
+                                    </p:set>
+                                  </p:childTnLst>
+                                </p:cTn>
+                              </p:par>
+                            </p:childTnLst>
+                          </p:cTn>
+                        </p:par>
+                      </p:childTnLst>
+                    </p:cTn>
+                  </p:par>
+                </p:childTnLst>
+              </p:cTn>
+              <p:prevCondLst>
+                <p:cond evt="onPrev" delay="0">
+                  <p:tgtEl>
+                    <p:sldTgt/>
+                  </p:tgtEl>
+                </p:cond>
+              </p:prevCondLst>
+              <p:nextCondLst>
+                <p:cond evt="onNext" delay="0">
+                  <p:tgtEl>
+                    <p:sldTgt/>
+                  </p:tgtEl>
+                </p:cond>
+              </p:nextCondLst>
+            </p:seq>
+          </p:childTnLst>
+        </p:cTn>
+      </p:par>
+    </p:tnLst>
+  </p:timing>
+</p:sld>
+</file>
+
+<file path=ppt/slides/slide21.xml><?xml version="1.0" encoding="utf-8"?>
+<p:sld xmlns:a="http://schemas.openxmlformats.org/drawingml/2006/main" xmlns:r="http://schemas.openxmlformats.org/officeDocument/2006/relationships" xmlns:p="http://schemas.openxmlformats.org/presentationml/2006/main">
+  <p:cSld>
+    <p:spTree>
+      <p:nvGrpSpPr>
+        <p:cNvPr id="1" name=""/>
+        <p:cNvGrpSpPr/>
+        <p:nvPr/>
+      </p:nvGrpSpPr>
+      <p:grpSpPr>
+        <a:xfrm>
+          <a:off x="0" y="0"/>
+          <a:ext cx="0" cy="0"/>
+          <a:chOff x="0" y="0"/>
+          <a:chExt cx="0" cy="0"/>
+        </a:xfrm>
+      </p:grpSpPr>
+      <p:sp>
+        <p:nvSpPr>
+          <p:cNvPr id="2" name="Title 1">
+            <a:extLst>
+              <a:ext uri="{FF2B5EF4-FFF2-40B4-BE49-F238E27FC236}">
                 <a16:creationId xmlns:a16="http://schemas.microsoft.com/office/drawing/2014/main" id="{035AFDDC-47A5-7E6C-A438-A84416CC2FFF}"/>
               </a:ext>
             </a:extLst>
@@ -12195,7 +13023,7 @@
           <a:p>
             <a:fld i